--- a/Python/Python-Notes.pptx
+++ b/Python/Python-Notes.pptx
@@ -5,44 +5,50 @@
     <p:sldMasterId id="2147483648" r:id="rId1"/>
   </p:sldMasterIdLst>
   <p:notesMasterIdLst>
-    <p:notesMasterId r:id="rId35"/>
+    <p:notesMasterId r:id="rId41"/>
   </p:notesMasterIdLst>
   <p:handoutMasterIdLst>
-    <p:handoutMasterId r:id="rId36"/>
+    <p:handoutMasterId r:id="rId42"/>
   </p:handoutMasterIdLst>
   <p:sldIdLst>
     <p:sldId id="256" r:id="rId3"/>
-    <p:sldId id="258" r:id="rId4"/>
-    <p:sldId id="301" r:id="rId5"/>
-    <p:sldId id="396" r:id="rId6"/>
-    <p:sldId id="453" r:id="rId7"/>
-    <p:sldId id="422" r:id="rId8"/>
-    <p:sldId id="371" r:id="rId9"/>
-    <p:sldId id="259" r:id="rId10"/>
-    <p:sldId id="287" r:id="rId11"/>
-    <p:sldId id="276" r:id="rId12"/>
-    <p:sldId id="333" r:id="rId13"/>
-    <p:sldId id="334" r:id="rId14"/>
-    <p:sldId id="275" r:id="rId15"/>
-    <p:sldId id="260" r:id="rId16"/>
-    <p:sldId id="353" r:id="rId17"/>
-    <p:sldId id="354" r:id="rId18"/>
-    <p:sldId id="352" r:id="rId19"/>
-    <p:sldId id="266" r:id="rId20"/>
-    <p:sldId id="261" r:id="rId21"/>
-    <p:sldId id="273" r:id="rId22"/>
-    <p:sldId id="262" r:id="rId23"/>
-    <p:sldId id="284" r:id="rId24"/>
-    <p:sldId id="263" r:id="rId25"/>
-    <p:sldId id="324" r:id="rId26"/>
-    <p:sldId id="285" r:id="rId27"/>
-    <p:sldId id="286" r:id="rId28"/>
-    <p:sldId id="347" r:id="rId29"/>
-    <p:sldId id="448" r:id="rId30"/>
-    <p:sldId id="349" r:id="rId31"/>
-    <p:sldId id="332" r:id="rId32"/>
-    <p:sldId id="369" r:id="rId33"/>
-    <p:sldId id="351" r:id="rId34"/>
+    <p:sldId id="508" r:id="rId4"/>
+    <p:sldId id="258" r:id="rId5"/>
+    <p:sldId id="301" r:id="rId6"/>
+    <p:sldId id="396" r:id="rId7"/>
+    <p:sldId id="453" r:id="rId8"/>
+    <p:sldId id="422" r:id="rId9"/>
+    <p:sldId id="481" r:id="rId10"/>
+    <p:sldId id="371" r:id="rId11"/>
+    <p:sldId id="259" r:id="rId12"/>
+    <p:sldId id="287" r:id="rId13"/>
+    <p:sldId id="276" r:id="rId14"/>
+    <p:sldId id="333" r:id="rId15"/>
+    <p:sldId id="334" r:id="rId16"/>
+    <p:sldId id="275" r:id="rId17"/>
+    <p:sldId id="260" r:id="rId18"/>
+    <p:sldId id="353" r:id="rId19"/>
+    <p:sldId id="354" r:id="rId20"/>
+    <p:sldId id="352" r:id="rId21"/>
+    <p:sldId id="509" r:id="rId22"/>
+    <p:sldId id="266" r:id="rId23"/>
+    <p:sldId id="261" r:id="rId24"/>
+    <p:sldId id="273" r:id="rId25"/>
+    <p:sldId id="262" r:id="rId26"/>
+    <p:sldId id="284" r:id="rId27"/>
+    <p:sldId id="263" r:id="rId28"/>
+    <p:sldId id="324" r:id="rId29"/>
+    <p:sldId id="285" r:id="rId30"/>
+    <p:sldId id="286" r:id="rId31"/>
+    <p:sldId id="347" r:id="rId32"/>
+    <p:sldId id="448" r:id="rId33"/>
+    <p:sldId id="349" r:id="rId34"/>
+    <p:sldId id="332" r:id="rId35"/>
+    <p:sldId id="369" r:id="rId36"/>
+    <p:sldId id="510" r:id="rId37"/>
+    <p:sldId id="351" r:id="rId38"/>
+    <p:sldId id="511" r:id="rId39"/>
+    <p:sldId id="512" r:id="rId40"/>
   </p:sldIdLst>
   <p:sldSz cx="12192000" cy="6858000"/>
   <p:notesSz cx="6858000" cy="9144000"/>
@@ -1507,7 +1513,7 @@
               <a:pPr algn="ctr"/>
               <a:endParaRPr lang="zh-CN" altLang="en-US" baseline="0">
                 <a:latin typeface="Arial" panose="020B0604020202020204" pitchFamily="34" charset="0"/>
-                <a:ea typeface="SimHei" panose="02010609060101010101" pitchFamily="49" charset="-122"/>
+                <a:ea typeface="黑体" panose="02010609060101010101" pitchFamily="49" charset="-122"/>
               </a:endParaRPr>
             </a:p>
           </p:txBody>
@@ -1558,7 +1564,7 @@
               <a:pPr algn="ctr"/>
               <a:endParaRPr lang="zh-CN" altLang="en-US" baseline="0">
                 <a:latin typeface="Arial" panose="020B0604020202020204" pitchFamily="34" charset="0"/>
-                <a:ea typeface="SimHei" panose="02010609060101010101" pitchFamily="49" charset="-122"/>
+                <a:ea typeface="黑体" panose="02010609060101010101" pitchFamily="49" charset="-122"/>
               </a:endParaRPr>
             </a:p>
           </p:txBody>
@@ -1611,7 +1617,7 @@
               <a:pPr algn="ctr"/>
               <a:endParaRPr lang="zh-CN" altLang="en-US" baseline="0">
                 <a:latin typeface="Arial" panose="020B0604020202020204" pitchFamily="34" charset="0"/>
-                <a:ea typeface="SimHei" panose="02010609060101010101" pitchFamily="49" charset="-122"/>
+                <a:ea typeface="黑体" panose="02010609060101010101" pitchFamily="49" charset="-122"/>
               </a:endParaRPr>
             </a:p>
           </p:txBody>
@@ -2411,7 +2417,7 @@
                 <a:schemeClr val="tx1"/>
               </a:solidFill>
               <a:latin typeface="Arial" panose="020B0604020202020204" pitchFamily="34" charset="0"/>
-              <a:ea typeface="SimHei" panose="02010609060101010101" pitchFamily="49" charset="-122"/>
+              <a:ea typeface="黑体" panose="02010609060101010101" pitchFamily="49" charset="-122"/>
             </a:endParaRPr>
           </a:p>
         </p:txBody>
@@ -3327,7 +3333,7 @@
         <a:spcBef>
           <a:spcPts val="1000"/>
         </a:spcBef>
-        <a:buFont typeface="SimHei" panose="02010609060101010101" pitchFamily="49" charset="-122"/>
+        <a:buFont typeface="黑体" panose="02010609060101010101" pitchFamily="49" charset="-122"/>
         <a:buChar char="〉"/>
         <a:defRPr sz="2400" kern="1200">
           <a:solidFill>
@@ -3691,7 +3697,7 @@
           <a:p>
             <a:r>
               <a:rPr lang="en-US" altLang="zh-CN" smtClean="0"/>
-              <a:t>Multiprocess 1/3</a:t>
+              <a:t>Data Types</a:t>
             </a:r>
             <a:endParaRPr lang="en-US" altLang="zh-CN" smtClean="0"/>
           </a:p>
@@ -3707,15 +3713,10 @@
             <p:ph idx="1"/>
           </p:nvPr>
         </p:nvSpPr>
-        <p:spPr>
-          <a:xfrm>
-            <a:off x="838200" y="1211580"/>
-            <a:ext cx="6344285" cy="4549140"/>
-          </a:xfrm>
-        </p:spPr>
+        <p:spPr/>
         <p:txBody>
           <a:bodyPr>
-            <a:normAutofit/>
+            <a:normAutofit lnSpcReduction="20000"/>
           </a:bodyPr>
           <a:p>
             <a:pPr marL="357505" indent="-357505" algn="l">
@@ -3731,7 +3732,7 @@
             </a:pPr>
             <a:r>
               <a:rPr lang="en-US" altLang="zh-CN" smtClean="0"/>
-              <a:t>multiprocessing.Process</a:t>
+              <a:t>Built-in type</a:t>
             </a:r>
             <a:endParaRPr lang="en-US" altLang="zh-CN" smtClean="0"/>
           </a:p>
@@ -3741,11 +3742,11 @@
                 <a:spcPct val="200000"/>
               </a:lnSpc>
               <a:buFont typeface="Wingdings" panose="05000000000000000000" pitchFamily="2" charset="2"/>
-              <a:buChar char=""/>
+              <a:buChar char="l"/>
             </a:pPr>
             <a:r>
               <a:rPr lang="en-US" altLang="zh-CN" smtClean="0"/>
-              <a:t>Process(target=f, args=(...))</a:t>
+              <a:t>bool, bytearray, bytes, complex, dict, float, frozenset, int, list, set (unique), slice, str, tuple</a:t>
             </a:r>
             <a:endParaRPr lang="en-US" altLang="zh-CN" smtClean="0"/>
           </a:p>
@@ -3755,11 +3756,25 @@
                 <a:spcPct val="200000"/>
               </a:lnSpc>
               <a:buFont typeface="Wingdings" panose="05000000000000000000" pitchFamily="2" charset="2"/>
-              <a:buChar char=""/>
+              <a:buChar char="l"/>
             </a:pPr>
             <a:r>
               <a:rPr lang="en-US" altLang="zh-CN" smtClean="0"/>
-              <a:t>start(), join(), is_alive(), terminate(), exitcode</a:t>
+              <a:t>repr()	// Convert into string</a:t>
+            </a:r>
+            <a:endParaRPr lang="en-US" altLang="zh-CN" smtClean="0"/>
+          </a:p>
+          <a:p>
+            <a:pPr lvl="1" algn="l">
+              <a:lnSpc>
+                <a:spcPct val="200000"/>
+              </a:lnSpc>
+              <a:buFont typeface="Wingdings" panose="05000000000000000000" pitchFamily="2" charset="2"/>
+              <a:buChar char="l"/>
+            </a:pPr>
+            <a:r>
+              <a:rPr lang="en-US" altLang="zh-CN" smtClean="0"/>
+              <a:t>eval()	// Parser data from string</a:t>
             </a:r>
             <a:endParaRPr lang="en-US" altLang="zh-CN" smtClean="0"/>
           </a:p>
@@ -3769,85 +3784,27 @@
                 <a:spcPct val="200000"/>
               </a:lnSpc>
               <a:buFont typeface="Wingdings" panose="05000000000000000000" pitchFamily="2" charset="2"/>
-              <a:buChar char=""/>
-            </a:pPr>
+              <a:buChar char="l"/>
+            </a:pPr>
+            <a:r>
+              <a:rPr lang="en-US" altLang="zh-CN" smtClean="0"/>
+              <a:t>Pass-by-object-reference</a:t>
+            </a:r>
             <a:endParaRPr lang="en-US" altLang="zh-CN" smtClean="0"/>
           </a:p>
-        </p:txBody>
-      </p:sp>
-      <p:sp>
-        <p:nvSpPr>
-          <p:cNvPr id="2" name="文本框 1"/>
-          <p:cNvSpPr txBox="1"/>
-          <p:nvPr/>
-        </p:nvSpPr>
-        <p:spPr>
-          <a:xfrm>
-            <a:off x="7827010" y="1652905"/>
-            <a:ext cx="3978275" cy="1814830"/>
-          </a:xfrm>
-          <a:prstGeom prst="rect">
-            <a:avLst/>
-          </a:prstGeom>
-          <a:noFill/>
-          <a:ln>
-            <a:solidFill>
-              <a:srgbClr val="00B0F0"/>
-            </a:solidFill>
-          </a:ln>
-        </p:spPr>
-        <p:txBody>
-          <a:bodyPr wrap="square" rtlCol="0">
-            <a:spAutoFit/>
-          </a:bodyPr>
-          <a:p>
-            <a:r>
-              <a:rPr lang="zh-CN" altLang="en-US" sz="1400"/>
-              <a:t>def process1(name, seconds):</a:t>
-            </a:r>
-            <a:endParaRPr lang="zh-CN" altLang="en-US" sz="1400"/>
-          </a:p>
-          <a:p>
-            <a:r>
-              <a:rPr lang="zh-CN" altLang="en-US" sz="1400"/>
-              <a:t>    </a:t>
-            </a:r>
-            <a:r>
-              <a:rPr lang="en-US" altLang="zh-CN" sz="1400"/>
-              <a:t>...</a:t>
-            </a:r>
-            <a:endParaRPr lang="zh-CN" altLang="en-US" sz="1400"/>
-          </a:p>
-          <a:p>
-            <a:endParaRPr lang="zh-CN" altLang="en-US" sz="1400"/>
-          </a:p>
-          <a:p>
-            <a:r>
-              <a:rPr lang="zh-CN" altLang="en-US" sz="1400"/>
-              <a:t>def main():</a:t>
-            </a:r>
-            <a:endParaRPr lang="zh-CN" altLang="en-US" sz="1400"/>
-          </a:p>
-          <a:p>
-            <a:r>
-              <a:rPr lang="zh-CN" altLang="en-US" sz="1400"/>
-              <a:t>    p = mp.Process(target=process1, args=('p1', 3))</a:t>
-            </a:r>
-            <a:endParaRPr lang="zh-CN" altLang="en-US" sz="1400"/>
-          </a:p>
-          <a:p>
-            <a:r>
-              <a:rPr lang="zh-CN" altLang="en-US" sz="1400"/>
-              <a:t>    p.start()</a:t>
-            </a:r>
-            <a:endParaRPr lang="zh-CN" altLang="en-US" sz="1400"/>
-          </a:p>
-          <a:p>
-            <a:r>
-              <a:rPr lang="zh-CN" altLang="en-US" sz="1400"/>
-              <a:t>    p.join()</a:t>
-            </a:r>
-            <a:endParaRPr lang="zh-CN" altLang="en-US" sz="1400"/>
+          <a:p>
+            <a:pPr lvl="1" algn="l">
+              <a:lnSpc>
+                <a:spcPct val="200000"/>
+              </a:lnSpc>
+              <a:buFont typeface="Wingdings" panose="05000000000000000000" pitchFamily="2" charset="2"/>
+              <a:buChar char="l"/>
+            </a:pPr>
+            <a:r>
+              <a:rPr lang="en-US" altLang="zh-CN" smtClean="0"/>
+              <a:t>Assignment: binding a name with an object</a:t>
+            </a:r>
+            <a:endParaRPr lang="en-US" altLang="zh-CN" smtClean="0"/>
           </a:p>
         </p:txBody>
       </p:sp>
@@ -3871,7 +3828,7 @@
       <p:grpSpPr/>
       <p:sp>
         <p:nvSpPr>
-          <p:cNvPr id="2" name="标题 1"/>
+          <p:cNvPr id="24578" name="标题 2"/>
           <p:cNvSpPr>
             <a:spLocks noGrp="1"/>
           </p:cNvSpPr>
@@ -3881,73 +3838,212 @@
         </p:nvSpPr>
         <p:spPr/>
         <p:txBody>
-          <a:bodyPr/>
-          <a:p>
-            <a:r>
-              <a:rPr lang="en-US" altLang="zh-CN"/>
-              <a:t>Multiprocess 2/3</a:t>
-            </a:r>
-            <a:endParaRPr lang="en-US" altLang="zh-CN"/>
-          </a:p>
-        </p:txBody>
-      </p:sp>
-      <p:sp>
-        <p:nvSpPr>
-          <p:cNvPr id="3" name="内容占位符 2"/>
+          <a:bodyPr anchor="b">
+            <a:normAutofit/>
+          </a:bodyPr>
+          <a:p>
+            <a:r>
+              <a:rPr lang="en-US" altLang="zh-CN" smtClean="0"/>
+              <a:t>Utils</a:t>
+            </a:r>
+            <a:endParaRPr lang="en-US" altLang="zh-CN" smtClean="0"/>
+          </a:p>
+        </p:txBody>
+      </p:sp>
+      <p:sp>
+        <p:nvSpPr>
+          <p:cNvPr id="4" name="内容占位符 3"/>
           <p:cNvSpPr>
             <a:spLocks noGrp="1"/>
           </p:cNvSpPr>
           <p:nvPr>
             <p:ph idx="1"/>
           </p:nvPr>
+        </p:nvSpPr>
+        <p:spPr/>
+        <p:txBody>
+          <a:bodyPr>
+            <a:normAutofit/>
+          </a:bodyPr>
+          <a:p>
+            <a:pPr algn="l">
+              <a:lnSpc>
+                <a:spcPct val="90000"/>
+              </a:lnSpc>
+              <a:buClrTx/>
+              <a:buSzTx/>
+              <a:buChar char="〉"/>
+            </a:pPr>
+            <a:r>
+              <a:rPr lang="en-US" altLang="zh-CN"/>
+              <a:t>Date/time</a:t>
+            </a:r>
+            <a:endParaRPr lang="en-US" altLang="zh-CN"/>
+          </a:p>
+          <a:p>
+            <a:pPr lvl="1" algn="l">
+              <a:lnSpc>
+                <a:spcPct val="90000"/>
+              </a:lnSpc>
+              <a:spcBef>
+                <a:spcPts val="1000"/>
+              </a:spcBef>
+              <a:buClrTx/>
+              <a:buSzTx/>
+              <a:buFont typeface="黑体" panose="02010609060101010101" pitchFamily="49" charset="-122"/>
+              <a:buChar char="〉"/>
+            </a:pPr>
+            <a:r>
+              <a:rPr lang="en-US" altLang="zh-CN"/>
+              <a:t>time</a:t>
+            </a:r>
+            <a:endParaRPr lang="en-US" altLang="zh-CN"/>
+          </a:p>
+          <a:p>
+            <a:pPr lvl="2" algn="l">
+              <a:lnSpc>
+                <a:spcPct val="90000"/>
+              </a:lnSpc>
+              <a:spcBef>
+                <a:spcPts val="1000"/>
+              </a:spcBef>
+              <a:buClrTx/>
+              <a:buSzTx/>
+              <a:buFont typeface="黑体" panose="02010609060101010101" pitchFamily="49" charset="-122"/>
+              <a:buChar char="〉"/>
+            </a:pPr>
+            <a:r>
+              <a:rPr lang="en-US" altLang="zh-CN"/>
+              <a:t>time.gmtime(), time.localtime()</a:t>
+            </a:r>
+            <a:endParaRPr lang="en-US" altLang="zh-CN"/>
+          </a:p>
+          <a:p>
+            <a:pPr lvl="2" algn="l">
+              <a:lnSpc>
+                <a:spcPct val="90000"/>
+              </a:lnSpc>
+              <a:spcBef>
+                <a:spcPts val="1000"/>
+              </a:spcBef>
+              <a:buClrTx/>
+              <a:buSzTx/>
+              <a:buFont typeface="黑体" panose="02010609060101010101" pitchFamily="49" charset="-122"/>
+              <a:buChar char="〉"/>
+            </a:pPr>
+            <a:r>
+              <a:rPr lang="en-US" altLang="zh-CN"/>
+              <a:t>time.asctime(), time.strftime('%Y-%M-%d-%H:%M:%S')</a:t>
+            </a:r>
+            <a:endParaRPr lang="en-US" altLang="zh-CN"/>
+          </a:p>
+          <a:p>
+            <a:pPr lvl="1" algn="l">
+              <a:lnSpc>
+                <a:spcPct val="90000"/>
+              </a:lnSpc>
+              <a:spcBef>
+                <a:spcPts val="1000"/>
+              </a:spcBef>
+              <a:buClrTx/>
+              <a:buSzTx/>
+              <a:buFont typeface="黑体" panose="02010609060101010101" pitchFamily="49" charset="-122"/>
+              <a:buChar char="〉"/>
+            </a:pPr>
+            <a:r>
+              <a:rPr lang="en-US" altLang="zh-CN"/>
+              <a:t>datetime</a:t>
+            </a:r>
+            <a:endParaRPr lang="en-US" altLang="zh-CN"/>
+          </a:p>
+          <a:p>
+            <a:pPr lvl="2" algn="l">
+              <a:lnSpc>
+                <a:spcPct val="90000"/>
+              </a:lnSpc>
+              <a:spcBef>
+                <a:spcPts val="1000"/>
+              </a:spcBef>
+              <a:buClrTx/>
+              <a:buSzTx/>
+              <a:buFont typeface="黑体" panose="02010609060101010101" pitchFamily="49" charset="-122"/>
+              <a:buChar char="〉"/>
+            </a:pPr>
+            <a:r>
+              <a:rPr lang="en-US" altLang="zh-CN" sz="2000"/>
+              <a:t>datetime.datetime.now().strftime('...')</a:t>
+            </a:r>
+            <a:endParaRPr lang="en-US" altLang="zh-CN" sz="2000"/>
+          </a:p>
+          <a:p>
+            <a:pPr lvl="0" algn="l">
+              <a:lnSpc>
+                <a:spcPct val="90000"/>
+              </a:lnSpc>
+              <a:spcBef>
+                <a:spcPts val="1000"/>
+              </a:spcBef>
+              <a:buClrTx/>
+              <a:buSzTx/>
+              <a:buFont typeface="黑体" panose="02010609060101010101" pitchFamily="49" charset="-122"/>
+              <a:buChar char="〉"/>
+            </a:pPr>
+            <a:r>
+              <a:rPr lang="en-US" altLang="zh-CN"/>
+              <a:t>Functools</a:t>
+            </a:r>
+            <a:endParaRPr lang="en-US" altLang="zh-CN"/>
+          </a:p>
+          <a:p>
+            <a:pPr lvl="1" algn="l">
+              <a:lnSpc>
+                <a:spcPct val="90000"/>
+              </a:lnSpc>
+              <a:spcBef>
+                <a:spcPts val="1000"/>
+              </a:spcBef>
+              <a:buClrTx/>
+              <a:buSzTx/>
+              <a:buFont typeface="黑体" panose="02010609060101010101" pitchFamily="49" charset="-122"/>
+              <a:buChar char="〉"/>
+            </a:pPr>
+            <a:r>
+              <a:rPr lang="en-US" altLang="zh-CN"/>
+              <a:t>partial</a:t>
+            </a:r>
+            <a:endParaRPr lang="en-US" altLang="zh-CN"/>
+          </a:p>
+          <a:p>
+            <a:pPr lvl="2" algn="l">
+              <a:lnSpc>
+                <a:spcPct val="90000"/>
+              </a:lnSpc>
+              <a:spcBef>
+                <a:spcPts val="1000"/>
+              </a:spcBef>
+              <a:buClrTx/>
+              <a:buSzTx/>
+              <a:buFont typeface="黑体" panose="02010609060101010101" pitchFamily="49" charset="-122"/>
+              <a:buChar char="〉"/>
+            </a:pPr>
+            <a:r>
+              <a:rPr lang="en-US" altLang="zh-CN"/>
+              <a:t>generate a new function with arguments already filled in</a:t>
+            </a:r>
+            <a:endParaRPr lang="en-US" altLang="zh-CN"/>
+          </a:p>
+        </p:txBody>
+      </p:sp>
+      <p:sp>
+        <p:nvSpPr>
+          <p:cNvPr id="2" name="文本框 1"/>
+          <p:cNvSpPr txBox="1"/>
+          <p:nvPr/>
         </p:nvSpPr>
         <p:spPr>
           <a:xfrm>
-            <a:off x="838200" y="1211580"/>
-            <a:ext cx="6417310" cy="4549140"/>
-          </a:xfrm>
-        </p:spPr>
-        <p:txBody>
-          <a:bodyPr/>
-          <a:p>
-            <a:r>
-              <a:rPr lang="en-US" altLang="zh-CN" smtClean="0">
-                <a:sym typeface="+mn-ea"/>
-              </a:rPr>
-              <a:t>multiprocessing.Pool</a:t>
-            </a:r>
-            <a:endParaRPr lang="en-US" altLang="zh-CN" smtClean="0">
-              <a:sym typeface="+mn-ea"/>
-            </a:endParaRPr>
-          </a:p>
-          <a:p>
-            <a:pPr lvl="1"/>
-            <a:r>
-              <a:rPr lang="en-US" altLang="zh-CN"/>
-              <a:t>Pool(process_cnt)</a:t>
-            </a:r>
-            <a:endParaRPr lang="en-US" altLang="zh-CN"/>
-          </a:p>
-          <a:p>
-            <a:pPr lvl="1"/>
-            <a:r>
-              <a:rPr lang="en-US" altLang="zh-CN"/>
-              <a:t>map(f, [iterables])</a:t>
-            </a:r>
-            <a:endParaRPr lang="en-US" altLang="zh-CN"/>
-          </a:p>
-        </p:txBody>
-      </p:sp>
-      <p:sp>
-        <p:nvSpPr>
-          <p:cNvPr id="4" name="文本框 3"/>
-          <p:cNvSpPr txBox="1"/>
-          <p:nvPr/>
-        </p:nvSpPr>
-        <p:spPr>
-          <a:xfrm>
-            <a:off x="7827010" y="1652905"/>
-            <a:ext cx="3978275" cy="2245360"/>
+            <a:off x="8131175" y="914400"/>
+            <a:ext cx="3849370" cy="1476375"/>
           </a:xfrm>
           <a:prstGeom prst="rect">
             <a:avLst/>
@@ -3955,7 +4051,7 @@
           <a:noFill/>
           <a:ln>
             <a:solidFill>
-              <a:srgbClr val="00B0F0"/>
+              <a:srgbClr val="C00000"/>
             </a:solidFill>
           </a:ln>
         </p:spPr>
@@ -3965,73 +4061,38 @@
           </a:bodyPr>
           <a:p>
             <a:r>
-              <a:rPr lang="zh-CN" altLang="en-US" sz="1400"/>
-              <a:t>def f(x):</a:t>
-            </a:r>
-            <a:endParaRPr lang="zh-CN" altLang="en-US" sz="1400"/>
-          </a:p>
-          <a:p>
-            <a:r>
-              <a:rPr lang="zh-CN" altLang="en-US" sz="1400"/>
-              <a:t>    time.sleep(x)</a:t>
-            </a:r>
-            <a:endParaRPr lang="zh-CN" altLang="en-US" sz="1400"/>
-          </a:p>
-          <a:p>
-            <a:r>
-              <a:rPr lang="zh-CN" altLang="en-US" sz="1400"/>
-              <a:t>    return x*x</a:t>
-            </a:r>
-            <a:endParaRPr lang="zh-CN" altLang="en-US" sz="1400"/>
-          </a:p>
-          <a:p>
-            <a:endParaRPr lang="zh-CN" altLang="en-US" sz="1400"/>
-          </a:p>
-          <a:p>
-            <a:r>
-              <a:rPr lang="zh-CN" altLang="en-US" sz="1400"/>
-              <a:t>def main():</a:t>
-            </a:r>
-            <a:endParaRPr lang="zh-CN" altLang="en-US" sz="1400"/>
-          </a:p>
-          <a:p>
-            <a:r>
-              <a:rPr lang="zh-CN" altLang="en-US" sz="1400"/>
-              <a:t>    pool = mp.Pool(mp.cpu_count())</a:t>
-            </a:r>
-            <a:endParaRPr lang="zh-CN" altLang="en-US" sz="1400"/>
-          </a:p>
-          <a:p>
-            <a:r>
-              <a:rPr lang="zh-CN" altLang="en-US" sz="1400"/>
-              <a:t>    results = pool.map(f, range(10))</a:t>
-            </a:r>
-            <a:endParaRPr lang="zh-CN" altLang="en-US" sz="1400"/>
-          </a:p>
-          <a:p>
-            <a:r>
-              <a:rPr lang="zh-CN" altLang="en-US" sz="1400"/>
-              <a:t>    </a:t>
-            </a:r>
-            <a:r>
-              <a:rPr lang="en-US" altLang="zh-CN" sz="1400"/>
-              <a:t>pool.close()</a:t>
-            </a:r>
-            <a:endParaRPr lang="en-US" altLang="zh-CN" sz="1400"/>
-          </a:p>
-          <a:p>
-            <a:r>
-              <a:rPr lang="en-US" altLang="zh-CN" sz="1400"/>
-              <a:t>    pool.join()</a:t>
-            </a:r>
-            <a:endParaRPr lang="zh-CN" altLang="en-US" sz="1400"/>
-          </a:p>
-          <a:p>
-            <a:r>
-              <a:rPr lang="zh-CN" altLang="en-US" sz="1400"/>
-              <a:t>    print(results)</a:t>
-            </a:r>
-            <a:endParaRPr lang="zh-CN" altLang="en-US" sz="1400"/>
+              <a:rPr lang="en-US" altLang="zh-CN"/>
+              <a:t>from functools import partial</a:t>
+            </a:r>
+            <a:endParaRPr lang="en-US" altLang="zh-CN"/>
+          </a:p>
+          <a:p>
+            <a:r>
+              <a:rPr lang="en-US" altLang="zh-CN"/>
+              <a:t>def mul(a, b):</a:t>
+            </a:r>
+            <a:endParaRPr lang="en-US" altLang="zh-CN"/>
+          </a:p>
+          <a:p>
+            <a:r>
+              <a:rPr lang="en-US" altLang="zh-CN"/>
+              <a:t>	return a * b</a:t>
+            </a:r>
+            <a:endParaRPr lang="en-US" altLang="zh-CN"/>
+          </a:p>
+          <a:p>
+            <a:r>
+              <a:rPr lang="en-US" altLang="zh-CN"/>
+              <a:t>func1 = partial(mul, 3)</a:t>
+            </a:r>
+            <a:endParaRPr lang="en-US" altLang="zh-CN"/>
+          </a:p>
+          <a:p>
+            <a:r>
+              <a:rPr lang="en-US" altLang="zh-CN"/>
+              <a:t>val = func1(2)</a:t>
+            </a:r>
+            <a:endParaRPr lang="en-US" altLang="zh-CN"/>
           </a:p>
         </p:txBody>
       </p:sp>
@@ -4055,7 +4116,7 @@
       <p:grpSpPr/>
       <p:sp>
         <p:nvSpPr>
-          <p:cNvPr id="2" name="标题 1"/>
+          <p:cNvPr id="24578" name="标题 2"/>
           <p:cNvSpPr>
             <a:spLocks noGrp="1"/>
           </p:cNvSpPr>
@@ -4065,19 +4126,21 @@
         </p:nvSpPr>
         <p:spPr/>
         <p:txBody>
-          <a:bodyPr/>
-          <a:p>
-            <a:r>
-              <a:rPr lang="en-US" altLang="zh-CN"/>
-              <a:t>Multiprocess 3/3</a:t>
-            </a:r>
-            <a:endParaRPr lang="en-US" altLang="zh-CN"/>
-          </a:p>
-        </p:txBody>
-      </p:sp>
-      <p:sp>
-        <p:nvSpPr>
-          <p:cNvPr id="3" name="内容占位符 2"/>
+          <a:bodyPr anchor="b">
+            <a:normAutofit/>
+          </a:bodyPr>
+          <a:p>
+            <a:r>
+              <a:rPr lang="en-US" altLang="zh-CN" smtClean="0"/>
+              <a:t>Multiprocess 1/3</a:t>
+            </a:r>
+            <a:endParaRPr lang="en-US" altLang="zh-CN" smtClean="0"/>
+          </a:p>
+        </p:txBody>
+      </p:sp>
+      <p:sp>
+        <p:nvSpPr>
+          <p:cNvPr id="4" name="内容占位符 3"/>
           <p:cNvSpPr>
             <a:spLocks noGrp="1"/>
           </p:cNvSpPr>
@@ -4085,11 +4148,62 @@
             <p:ph idx="1"/>
           </p:nvPr>
         </p:nvSpPr>
-        <p:spPr/>
+        <p:spPr>
+          <a:xfrm>
+            <a:off x="838200" y="1211580"/>
+            <a:ext cx="6344285" cy="4549140"/>
+          </a:xfrm>
+        </p:spPr>
         <p:txBody>
           <a:bodyPr>
-            <a:normAutofit fontScale="50000"/>
+            <a:normAutofit/>
           </a:bodyPr>
+          <a:p>
+            <a:pPr marL="357505" indent="-357505" algn="l">
+              <a:lnSpc>
+                <a:spcPct val="200000"/>
+              </a:lnSpc>
+              <a:buClr>
+                <a:schemeClr val="accent1"/>
+              </a:buClr>
+              <a:buSzTx/>
+              <a:buFont typeface="Wingdings" panose="05000000000000000000" pitchFamily="2" charset="2"/>
+              <a:buChar char=""/>
+            </a:pPr>
+            <a:r>
+              <a:rPr lang="en-US" altLang="zh-CN" smtClean="0"/>
+              <a:t>multiprocessing.Process</a:t>
+            </a:r>
+            <a:endParaRPr lang="en-US" altLang="zh-CN" smtClean="0"/>
+          </a:p>
+          <a:p>
+            <a:pPr lvl="1" algn="l">
+              <a:lnSpc>
+                <a:spcPct val="200000"/>
+              </a:lnSpc>
+              <a:buFont typeface="Wingdings" panose="05000000000000000000" pitchFamily="2" charset="2"/>
+              <a:buChar char=""/>
+            </a:pPr>
+            <a:r>
+              <a:rPr lang="en-US" altLang="zh-CN" smtClean="0"/>
+              <a:t>Process(target=f, args=(...))</a:t>
+            </a:r>
+            <a:endParaRPr lang="en-US" altLang="zh-CN" smtClean="0"/>
+          </a:p>
+          <a:p>
+            <a:pPr lvl="1" algn="l">
+              <a:lnSpc>
+                <a:spcPct val="200000"/>
+              </a:lnSpc>
+              <a:buFont typeface="Wingdings" panose="05000000000000000000" pitchFamily="2" charset="2"/>
+              <a:buChar char=""/>
+            </a:pPr>
+            <a:r>
+              <a:rPr lang="en-US" altLang="zh-CN" smtClean="0"/>
+              <a:t>start(), join(), is_alive(), terminate(), exitcode</a:t>
+            </a:r>
+            <a:endParaRPr lang="en-US" altLang="zh-CN" smtClean="0"/>
+          </a:p>
           <a:p>
             <a:pPr lvl="0" algn="l">
               <a:lnSpc>
@@ -4098,176 +4212,83 @@
               <a:buFont typeface="Wingdings" panose="05000000000000000000" pitchFamily="2" charset="2"/>
               <a:buChar char=""/>
             </a:pPr>
-            <a:r>
-              <a:rPr lang="en-US" altLang="zh-CN" smtClean="0">
-                <a:sym typeface="+mn-ea"/>
-              </a:rPr>
-              <a:t>Inter-Process Communication</a:t>
-            </a:r>
-            <a:endParaRPr lang="en-US" altLang="zh-CN" smtClean="0">
-              <a:sym typeface="+mn-ea"/>
-            </a:endParaRPr>
-          </a:p>
-          <a:p>
-            <a:pPr lvl="1" algn="l">
-              <a:lnSpc>
-                <a:spcPct val="200000"/>
-              </a:lnSpc>
-              <a:buFont typeface="Wingdings" panose="05000000000000000000" pitchFamily="2" charset="2"/>
-              <a:buChar char=""/>
-            </a:pPr>
-            <a:r>
-              <a:rPr lang="en-US" altLang="zh-CN" sz="2000" smtClean="0">
-                <a:sym typeface="+mn-ea"/>
-              </a:rPr>
-              <a:t>multiprocessing.Lock()</a:t>
-            </a:r>
-            <a:endParaRPr lang="en-US" altLang="zh-CN" sz="2000" smtClean="0">
-              <a:sym typeface="+mn-ea"/>
-            </a:endParaRPr>
-          </a:p>
-          <a:p>
-            <a:pPr lvl="2" algn="l">
-              <a:lnSpc>
-                <a:spcPct val="200000"/>
-              </a:lnSpc>
-              <a:buFont typeface="Wingdings" panose="05000000000000000000" pitchFamily="2" charset="2"/>
-              <a:buChar char=""/>
-            </a:pPr>
-            <a:r>
-              <a:rPr lang="en-US" altLang="zh-CN" sz="1800" smtClean="0">
-                <a:sym typeface="+mn-ea"/>
-              </a:rPr>
-              <a:t>acquire(), release()</a:t>
-            </a:r>
-            <a:endParaRPr lang="en-US" altLang="zh-CN" sz="1800" smtClean="0">
-              <a:sym typeface="+mn-ea"/>
-            </a:endParaRPr>
-          </a:p>
-          <a:p>
-            <a:pPr lvl="1" algn="l">
-              <a:lnSpc>
-                <a:spcPct val="200000"/>
-              </a:lnSpc>
-              <a:buFont typeface="Wingdings" panose="05000000000000000000" pitchFamily="2" charset="2"/>
-              <a:buChar char=""/>
-            </a:pPr>
-            <a:r>
-              <a:rPr lang="en-US" altLang="zh-CN" smtClean="0">
-                <a:sym typeface="+mn-ea"/>
-              </a:rPr>
-              <a:t>multiprocessing.Value, multiprocessing.Array</a:t>
-            </a:r>
-            <a:endParaRPr lang="en-US" altLang="zh-CN" smtClean="0">
-              <a:sym typeface="+mn-ea"/>
-            </a:endParaRPr>
-          </a:p>
-          <a:p>
-            <a:pPr lvl="0" algn="l">
-              <a:lnSpc>
-                <a:spcPct val="200000"/>
-              </a:lnSpc>
-              <a:buFont typeface="Wingdings" panose="05000000000000000000" pitchFamily="2" charset="2"/>
-              <a:buChar char=""/>
-            </a:pPr>
-            <a:r>
-              <a:rPr lang="en-US" altLang="zh-CN" smtClean="0">
-                <a:sym typeface="+mn-ea"/>
-              </a:rPr>
-              <a:t>os.getpid(), os.getppid()</a:t>
-            </a:r>
-            <a:endParaRPr lang="en-US" altLang="zh-CN" smtClean="0">
-              <a:sym typeface="+mn-ea"/>
-            </a:endParaRPr>
-          </a:p>
-          <a:p>
-            <a:pPr lvl="0" algn="l">
-              <a:lnSpc>
-                <a:spcPct val="200000"/>
-              </a:lnSpc>
-              <a:buFont typeface="Wingdings" panose="05000000000000000000" pitchFamily="2" charset="2"/>
-              <a:buChar char=""/>
-            </a:pPr>
-            <a:r>
-              <a:rPr lang="en-US" altLang="zh-CN" smtClean="0">
-                <a:sym typeface="+mn-ea"/>
-              </a:rPr>
-              <a:t>multiprocessing.cpu_count()</a:t>
-            </a:r>
-            <a:endParaRPr lang="en-US" altLang="zh-CN" smtClean="0">
-              <a:sym typeface="+mn-ea"/>
-            </a:endParaRPr>
-          </a:p>
-          <a:p>
-            <a:pPr lvl="0" algn="l">
-              <a:lnSpc>
-                <a:spcPct val="200000"/>
-              </a:lnSpc>
-              <a:buFont typeface="Wingdings" panose="05000000000000000000" pitchFamily="2" charset="2"/>
-              <a:buChar char=""/>
-            </a:pPr>
-            <a:r>
-              <a:rPr lang="en-US" altLang="zh-CN" smtClean="0">
-                <a:sym typeface="+mn-ea"/>
-              </a:rPr>
-              <a:t>multiprocessing.set_start_method('spawn'/'fork'/'forkserver')</a:t>
-            </a:r>
-            <a:endParaRPr lang="en-US" altLang="zh-CN" smtClean="0">
-              <a:sym typeface="+mn-ea"/>
-            </a:endParaRPr>
-          </a:p>
-          <a:p>
-            <a:pPr lvl="1" algn="l">
-              <a:lnSpc>
-                <a:spcPct val="200000"/>
-              </a:lnSpc>
-              <a:buFont typeface="Wingdings" panose="05000000000000000000" pitchFamily="2" charset="2"/>
-              <a:buChar char=""/>
-            </a:pPr>
-            <a:r>
-              <a:rPr lang="en-US" altLang="zh-CN" sz="2000" smtClean="0">
-                <a:sym typeface="+mn-ea"/>
-              </a:rPr>
-              <a:t>spawn: Windows default, slow</a:t>
-            </a:r>
-            <a:endParaRPr lang="en-US" altLang="zh-CN" sz="2000" smtClean="0">
-              <a:sym typeface="+mn-ea"/>
-            </a:endParaRPr>
-          </a:p>
-          <a:p>
-            <a:pPr lvl="1" algn="l">
-              <a:lnSpc>
-                <a:spcPct val="200000"/>
-              </a:lnSpc>
-              <a:buFont typeface="Wingdings" panose="05000000000000000000" pitchFamily="2" charset="2"/>
-              <a:buChar char=""/>
-            </a:pPr>
-            <a:r>
-              <a:rPr lang="en-US" altLang="zh-CN" sz="2000" smtClean="0">
-                <a:sym typeface="+mn-ea"/>
-              </a:rPr>
-              <a:t>fork: Unix default</a:t>
-            </a:r>
             <a:endParaRPr lang="en-US" altLang="zh-CN" smtClean="0"/>
           </a:p>
-          <a:p>
-            <a:pPr lvl="0" algn="l">
-              <a:lnSpc>
-                <a:spcPct val="200000"/>
-              </a:lnSpc>
-              <a:buFont typeface="Wingdings" panose="05000000000000000000" pitchFamily="2" charset="2"/>
-              <a:buChar char=""/>
-            </a:pPr>
-            <a:r>
-              <a:rPr lang="en-US" altLang="zh-CN" smtClean="0">
-                <a:sym typeface="+mn-ea"/>
-              </a:rPr>
-              <a:t>concurrent.futures.ProcessPoolExecutor (3.2+)</a:t>
-            </a:r>
-            <a:endParaRPr lang="en-US" altLang="zh-CN" smtClean="0"/>
-          </a:p>
-          <a:p>
-            <a:endParaRPr lang="zh-CN" altLang="en-US"/>
+        </p:txBody>
+      </p:sp>
+      <p:sp>
+        <p:nvSpPr>
+          <p:cNvPr id="2" name="文本框 1"/>
+          <p:cNvSpPr txBox="1"/>
+          <p:nvPr/>
+        </p:nvSpPr>
+        <p:spPr>
+          <a:xfrm>
+            <a:off x="7827010" y="1652905"/>
+            <a:ext cx="3978275" cy="1814830"/>
+          </a:xfrm>
+          <a:prstGeom prst="rect">
+            <a:avLst/>
+          </a:prstGeom>
+          <a:noFill/>
+          <a:ln>
+            <a:solidFill>
+              <a:srgbClr val="00B0F0"/>
+            </a:solidFill>
+          </a:ln>
+        </p:spPr>
+        <p:txBody>
+          <a:bodyPr wrap="square" rtlCol="0">
+            <a:spAutoFit/>
+          </a:bodyPr>
+          <a:p>
+            <a:r>
+              <a:rPr lang="zh-CN" altLang="en-US" sz="1400"/>
+              <a:t>def process1(name, seconds):</a:t>
+            </a:r>
+            <a:endParaRPr lang="zh-CN" altLang="en-US" sz="1400"/>
+          </a:p>
+          <a:p>
+            <a:r>
+              <a:rPr lang="zh-CN" altLang="en-US" sz="1400"/>
+              <a:t>    </a:t>
+            </a:r>
+            <a:r>
+              <a:rPr lang="en-US" altLang="zh-CN" sz="1400"/>
+              <a:t>...</a:t>
+            </a:r>
+            <a:endParaRPr lang="zh-CN" altLang="en-US" sz="1400"/>
+          </a:p>
+          <a:p>
+            <a:endParaRPr lang="zh-CN" altLang="en-US" sz="1400"/>
+          </a:p>
+          <a:p>
+            <a:r>
+              <a:rPr lang="zh-CN" altLang="en-US" sz="1400"/>
+              <a:t>def main():</a:t>
+            </a:r>
+            <a:endParaRPr lang="zh-CN" altLang="en-US" sz="1400"/>
+          </a:p>
+          <a:p>
+            <a:r>
+              <a:rPr lang="zh-CN" altLang="en-US" sz="1400"/>
+              <a:t>    p = mp.Process(target=process1, args=('p1', 3))</a:t>
+            </a:r>
+            <a:endParaRPr lang="zh-CN" altLang="en-US" sz="1400"/>
+          </a:p>
+          <a:p>
+            <a:r>
+              <a:rPr lang="zh-CN" altLang="en-US" sz="1400"/>
+              <a:t>    p.start()</a:t>
+            </a:r>
+            <a:endParaRPr lang="zh-CN" altLang="en-US" sz="1400"/>
+          </a:p>
+          <a:p>
+            <a:r>
+              <a:rPr lang="zh-CN" altLang="en-US" sz="1400"/>
+              <a:t>    p.join()</a:t>
+            </a:r>
+            <a:endParaRPr lang="zh-CN" altLang="en-US" sz="1400"/>
           </a:p>
         </p:txBody>
       </p:sp>
@@ -4291,7 +4312,7 @@
       <p:grpSpPr/>
       <p:sp>
         <p:nvSpPr>
-          <p:cNvPr id="24578" name="标题 2"/>
+          <p:cNvPr id="2" name="标题 1"/>
           <p:cNvSpPr>
             <a:spLocks noGrp="1"/>
           </p:cNvSpPr>
@@ -4301,166 +4322,157 @@
         </p:nvSpPr>
         <p:spPr/>
         <p:txBody>
-          <a:bodyPr anchor="b">
-            <a:normAutofit/>
+          <a:bodyPr/>
+          <a:p>
+            <a:r>
+              <a:rPr lang="en-US" altLang="zh-CN"/>
+              <a:t>Multiprocess 2/3</a:t>
+            </a:r>
+            <a:endParaRPr lang="en-US" altLang="zh-CN"/>
+          </a:p>
+        </p:txBody>
+      </p:sp>
+      <p:sp>
+        <p:nvSpPr>
+          <p:cNvPr id="3" name="内容占位符 2"/>
+          <p:cNvSpPr>
+            <a:spLocks noGrp="1"/>
+          </p:cNvSpPr>
+          <p:nvPr>
+            <p:ph idx="1"/>
+          </p:nvPr>
+        </p:nvSpPr>
+        <p:spPr>
+          <a:xfrm>
+            <a:off x="838200" y="1211580"/>
+            <a:ext cx="6417310" cy="4549140"/>
+          </a:xfrm>
+        </p:spPr>
+        <p:txBody>
+          <a:bodyPr/>
+          <a:p>
+            <a:r>
+              <a:rPr lang="en-US" altLang="zh-CN" smtClean="0">
+                <a:sym typeface="+mn-ea"/>
+              </a:rPr>
+              <a:t>multiprocessing.Pool</a:t>
+            </a:r>
+            <a:endParaRPr lang="en-US" altLang="zh-CN" smtClean="0">
+              <a:sym typeface="+mn-ea"/>
+            </a:endParaRPr>
+          </a:p>
+          <a:p>
+            <a:pPr lvl="1"/>
+            <a:r>
+              <a:rPr lang="en-US" altLang="zh-CN"/>
+              <a:t>Pool(process_cnt)</a:t>
+            </a:r>
+            <a:endParaRPr lang="en-US" altLang="zh-CN"/>
+          </a:p>
+          <a:p>
+            <a:pPr lvl="1"/>
+            <a:r>
+              <a:rPr lang="en-US" altLang="zh-CN"/>
+              <a:t>map(f, [iterables])</a:t>
+            </a:r>
+            <a:endParaRPr lang="en-US" altLang="zh-CN"/>
+          </a:p>
+        </p:txBody>
+      </p:sp>
+      <p:sp>
+        <p:nvSpPr>
+          <p:cNvPr id="4" name="文本框 3"/>
+          <p:cNvSpPr txBox="1"/>
+          <p:nvPr/>
+        </p:nvSpPr>
+        <p:spPr>
+          <a:xfrm>
+            <a:off x="7827010" y="1652905"/>
+            <a:ext cx="3978275" cy="2245360"/>
+          </a:xfrm>
+          <a:prstGeom prst="rect">
+            <a:avLst/>
+          </a:prstGeom>
+          <a:noFill/>
+          <a:ln>
+            <a:solidFill>
+              <a:srgbClr val="00B0F0"/>
+            </a:solidFill>
+          </a:ln>
+        </p:spPr>
+        <p:txBody>
+          <a:bodyPr wrap="square" rtlCol="0">
+            <a:spAutoFit/>
           </a:bodyPr>
           <a:p>
             <a:r>
-              <a:rPr lang="en-US" altLang="zh-CN" smtClean="0"/>
-              <a:t>Thread</a:t>
-            </a:r>
-            <a:endParaRPr lang="en-US" altLang="zh-CN" smtClean="0"/>
-          </a:p>
-        </p:txBody>
-      </p:sp>
-      <p:sp>
-        <p:nvSpPr>
-          <p:cNvPr id="4" name="内容占位符 3"/>
-          <p:cNvSpPr>
-            <a:spLocks noGrp="1"/>
-          </p:cNvSpPr>
-          <p:nvPr>
-            <p:ph idx="1"/>
-          </p:nvPr>
-        </p:nvSpPr>
-        <p:spPr/>
-        <p:txBody>
-          <a:bodyPr>
-            <a:normAutofit fontScale="60000"/>
-          </a:bodyPr>
-          <a:p>
-            <a:pPr marL="357505" indent="-357505" algn="l">
-              <a:lnSpc>
-                <a:spcPct val="200000"/>
-              </a:lnSpc>
-              <a:buClr>
-                <a:schemeClr val="accent1"/>
-              </a:buClr>
-              <a:buSzTx/>
-              <a:buFont typeface="Wingdings" panose="05000000000000000000" pitchFamily="2" charset="2"/>
-              <a:buChar char=""/>
-            </a:pPr>
-            <a:r>
-              <a:rPr lang="en-US" altLang="zh-CN" smtClean="0"/>
-              <a:t>thread.start_new_thread(func, args)</a:t>
-            </a:r>
-            <a:endParaRPr lang="en-US" altLang="zh-CN" smtClean="0"/>
-          </a:p>
-          <a:p>
-            <a:pPr marL="357505" indent="-357505" algn="l">
-              <a:lnSpc>
-                <a:spcPct val="200000"/>
-              </a:lnSpc>
-              <a:buClr>
-                <a:schemeClr val="accent1"/>
-              </a:buClr>
-              <a:buSzTx/>
-              <a:buFont typeface="Wingdings" panose="05000000000000000000" pitchFamily="2" charset="2"/>
-              <a:buChar char=""/>
-            </a:pPr>
-            <a:r>
-              <a:rPr lang="en-US" altLang="zh-CN" smtClean="0"/>
-              <a:t>threading</a:t>
-            </a:r>
-            <a:endParaRPr lang="en-US" altLang="zh-CN" smtClean="0"/>
-          </a:p>
-          <a:p>
-            <a:pPr lvl="1" algn="l">
-              <a:lnSpc>
-                <a:spcPct val="200000"/>
-              </a:lnSpc>
-              <a:buFont typeface="Wingdings" panose="05000000000000000000" pitchFamily="2" charset="2"/>
-              <a:buChar char=""/>
-            </a:pPr>
-            <a:r>
-              <a:rPr lang="en-US" altLang="zh-CN" smtClean="0"/>
-              <a:t>activeCount(), currentThread(), enumerate()</a:t>
-            </a:r>
-            <a:endParaRPr lang="en-US" altLang="zh-CN" smtClean="0"/>
-          </a:p>
-          <a:p>
-            <a:pPr lvl="0" algn="l">
-              <a:lnSpc>
-                <a:spcPct val="200000"/>
-              </a:lnSpc>
-              <a:buFont typeface="Wingdings" panose="05000000000000000000" pitchFamily="2" charset="2"/>
-              <a:buChar char=""/>
-            </a:pPr>
-            <a:r>
-              <a:rPr lang="en-US" altLang="zh-CN" smtClean="0"/>
-              <a:t>threading.Thread class</a:t>
-            </a:r>
-            <a:endParaRPr lang="en-US" altLang="zh-CN" smtClean="0"/>
-          </a:p>
-          <a:p>
-            <a:pPr lvl="1" algn="l">
-              <a:lnSpc>
-                <a:spcPct val="200000"/>
-              </a:lnSpc>
-              <a:buFont typeface="Wingdings" panose="05000000000000000000" pitchFamily="2" charset="2"/>
-              <a:buChar char=""/>
-            </a:pPr>
-            <a:r>
-              <a:rPr lang="en-US" altLang="zh-CN" smtClean="0"/>
-              <a:t>run(), start(), join(), isAlive(), getName(), setName()</a:t>
-            </a:r>
-            <a:endParaRPr lang="en-US" altLang="zh-CN" smtClean="0"/>
-          </a:p>
-          <a:p>
-            <a:pPr lvl="0" algn="l">
-              <a:lnSpc>
-                <a:spcPct val="200000"/>
-              </a:lnSpc>
-              <a:buFont typeface="Wingdings" panose="05000000000000000000" pitchFamily="2" charset="2"/>
-              <a:buChar char=""/>
-            </a:pPr>
-            <a:r>
-              <a:rPr lang="en-US" altLang="zh-CN" smtClean="0"/>
-              <a:t>threading.Lock</a:t>
-            </a:r>
-            <a:endParaRPr lang="en-US" altLang="zh-CN" smtClean="0"/>
-          </a:p>
-          <a:p>
-            <a:pPr lvl="1" algn="l">
-              <a:lnSpc>
-                <a:spcPct val="200000"/>
-              </a:lnSpc>
-              <a:buFont typeface="Wingdings" panose="05000000000000000000" pitchFamily="2" charset="2"/>
-              <a:buChar char=""/>
-            </a:pPr>
-            <a:r>
-              <a:rPr lang="en-US" altLang="zh-CN" smtClean="0"/>
-              <a:t>acquire(), release()</a:t>
-            </a:r>
-            <a:endParaRPr lang="en-US" altLang="zh-CN" smtClean="0"/>
-          </a:p>
-          <a:p>
-            <a:pPr lvl="0" algn="l">
-              <a:lnSpc>
-                <a:spcPct val="200000"/>
-              </a:lnSpc>
-              <a:buFont typeface="Wingdings" panose="05000000000000000000" pitchFamily="2" charset="2"/>
-              <a:buChar char=""/>
-            </a:pPr>
-            <a:r>
-              <a:rPr lang="en-US" altLang="zh-CN" smtClean="0"/>
-              <a:t>Queue</a:t>
-            </a:r>
-            <a:endParaRPr lang="en-US" altLang="zh-CN" smtClean="0"/>
-          </a:p>
-          <a:p>
-            <a:pPr lvl="1" algn="l">
-              <a:lnSpc>
-                <a:spcPct val="200000"/>
-              </a:lnSpc>
-              <a:buFont typeface="Wingdings" panose="05000000000000000000" pitchFamily="2" charset="2"/>
-              <a:buChar char=""/>
-            </a:pPr>
-            <a:r>
-              <a:rPr lang="en-US" altLang="zh-CN" smtClean="0"/>
-              <a:t>get(), put(), qsize(), empty(), full()</a:t>
-            </a:r>
-            <a:endParaRPr lang="en-US" altLang="zh-CN" smtClean="0"/>
+              <a:rPr lang="zh-CN" altLang="en-US" sz="1400"/>
+              <a:t>def f(x):</a:t>
+            </a:r>
+            <a:endParaRPr lang="zh-CN" altLang="en-US" sz="1400"/>
+          </a:p>
+          <a:p>
+            <a:r>
+              <a:rPr lang="zh-CN" altLang="en-US" sz="1400"/>
+              <a:t>    time.sleep(x)</a:t>
+            </a:r>
+            <a:endParaRPr lang="zh-CN" altLang="en-US" sz="1400"/>
+          </a:p>
+          <a:p>
+            <a:r>
+              <a:rPr lang="zh-CN" altLang="en-US" sz="1400"/>
+              <a:t>    return x*x</a:t>
+            </a:r>
+            <a:endParaRPr lang="zh-CN" altLang="en-US" sz="1400"/>
+          </a:p>
+          <a:p>
+            <a:endParaRPr lang="zh-CN" altLang="en-US" sz="1400"/>
+          </a:p>
+          <a:p>
+            <a:r>
+              <a:rPr lang="zh-CN" altLang="en-US" sz="1400"/>
+              <a:t>def main():</a:t>
+            </a:r>
+            <a:endParaRPr lang="zh-CN" altLang="en-US" sz="1400"/>
+          </a:p>
+          <a:p>
+            <a:r>
+              <a:rPr lang="zh-CN" altLang="en-US" sz="1400"/>
+              <a:t>    pool = mp.Pool(mp.cpu_count())</a:t>
+            </a:r>
+            <a:endParaRPr lang="zh-CN" altLang="en-US" sz="1400"/>
+          </a:p>
+          <a:p>
+            <a:r>
+              <a:rPr lang="zh-CN" altLang="en-US" sz="1400"/>
+              <a:t>    results = pool.map(f, range(10))</a:t>
+            </a:r>
+            <a:endParaRPr lang="zh-CN" altLang="en-US" sz="1400"/>
+          </a:p>
+          <a:p>
+            <a:r>
+              <a:rPr lang="zh-CN" altLang="en-US" sz="1400"/>
+              <a:t>    </a:t>
+            </a:r>
+            <a:r>
+              <a:rPr lang="en-US" altLang="zh-CN" sz="1400"/>
+              <a:t>pool.close()</a:t>
+            </a:r>
+            <a:endParaRPr lang="en-US" altLang="zh-CN" sz="1400"/>
+          </a:p>
+          <a:p>
+            <a:r>
+              <a:rPr lang="en-US" altLang="zh-CN" sz="1400"/>
+              <a:t>    pool.join()</a:t>
+            </a:r>
+            <a:endParaRPr lang="zh-CN" altLang="en-US" sz="1400"/>
+          </a:p>
+          <a:p>
+            <a:r>
+              <a:rPr lang="zh-CN" altLang="en-US" sz="1400"/>
+              <a:t>    print(results)</a:t>
+            </a:r>
+            <a:endParaRPr lang="zh-CN" altLang="en-US" sz="1400"/>
           </a:p>
         </p:txBody>
       </p:sp>
@@ -4484,7 +4496,7 @@
       <p:grpSpPr/>
       <p:sp>
         <p:nvSpPr>
-          <p:cNvPr id="24578" name="标题 2"/>
+          <p:cNvPr id="2" name="标题 1"/>
           <p:cNvSpPr>
             <a:spLocks noGrp="1"/>
           </p:cNvSpPr>
@@ -4494,122 +4506,209 @@
         </p:nvSpPr>
         <p:spPr/>
         <p:txBody>
-          <a:bodyPr anchor="b">
-            <a:normAutofit/>
+          <a:bodyPr/>
+          <a:p>
+            <a:r>
+              <a:rPr lang="en-US" altLang="zh-CN"/>
+              <a:t>Multiprocess 3/3</a:t>
+            </a:r>
+            <a:endParaRPr lang="en-US" altLang="zh-CN"/>
+          </a:p>
+        </p:txBody>
+      </p:sp>
+      <p:sp>
+        <p:nvSpPr>
+          <p:cNvPr id="3" name="内容占位符 2"/>
+          <p:cNvSpPr>
+            <a:spLocks noGrp="1"/>
+          </p:cNvSpPr>
+          <p:nvPr>
+            <p:ph idx="1"/>
+          </p:nvPr>
+        </p:nvSpPr>
+        <p:spPr/>
+        <p:txBody>
+          <a:bodyPr>
+            <a:normAutofit fontScale="50000"/>
           </a:bodyPr>
           <a:p>
-            <a:r>
-              <a:rPr lang="en-US" altLang="zh-CN" smtClean="0"/>
-              <a:t>Modules</a:t>
-            </a:r>
-            <a:endParaRPr lang="en-US" altLang="zh-CN" smtClean="0"/>
-          </a:p>
-        </p:txBody>
-      </p:sp>
-      <p:sp>
-        <p:nvSpPr>
-          <p:cNvPr id="4" name="内容占位符 3"/>
-          <p:cNvSpPr>
-            <a:spLocks noGrp="1"/>
-          </p:cNvSpPr>
-          <p:nvPr>
-            <p:ph idx="1"/>
-          </p:nvPr>
-        </p:nvSpPr>
-        <p:spPr/>
-        <p:txBody>
-          <a:bodyPr>
-            <a:normAutofit/>
-          </a:bodyPr>
-          <a:p>
-            <a:pPr marL="357505" indent="-357505" algn="l">
+            <a:pPr lvl="0" algn="l">
               <a:lnSpc>
                 <a:spcPct val="200000"/>
               </a:lnSpc>
-              <a:buClr>
-                <a:schemeClr val="accent1"/>
-              </a:buClr>
-              <a:buSzTx/>
-              <a:buFont typeface="Wingdings" panose="05000000000000000000" pitchFamily="2" charset="2"/>
-              <a:buChar char=""/>
-            </a:pPr>
-            <a:r>
-              <a:rPr lang="en-US" altLang="zh-CN" smtClean="0"/>
-              <a:t>NumPy</a:t>
-            </a:r>
-            <a:endParaRPr lang="en-US" altLang="zh-CN" smtClean="0"/>
-          </a:p>
-          <a:p>
-            <a:pPr marL="357505" indent="-357505" algn="l">
+              <a:buFont typeface="Wingdings" panose="05000000000000000000" pitchFamily="2" charset="2"/>
+              <a:buChar char=""/>
+            </a:pPr>
+            <a:r>
+              <a:rPr lang="en-US" altLang="zh-CN" smtClean="0">
+                <a:sym typeface="+mn-ea"/>
+              </a:rPr>
+              <a:t>Inter-Process Communication</a:t>
+            </a:r>
+            <a:endParaRPr lang="en-US" altLang="zh-CN" smtClean="0">
+              <a:sym typeface="+mn-ea"/>
+            </a:endParaRPr>
+          </a:p>
+          <a:p>
+            <a:pPr lvl="1" algn="l">
               <a:lnSpc>
                 <a:spcPct val="200000"/>
               </a:lnSpc>
-              <a:buClr>
-                <a:schemeClr val="accent1"/>
-              </a:buClr>
-              <a:buSzTx/>
-              <a:buFont typeface="Wingdings" panose="05000000000000000000" pitchFamily="2" charset="2"/>
-              <a:buChar char=""/>
-            </a:pPr>
-            <a:r>
-              <a:rPr lang="en-US" altLang="zh-CN" smtClean="0"/>
-              <a:t>Pandas</a:t>
-            </a:r>
-            <a:endParaRPr lang="en-US" altLang="zh-CN" smtClean="0"/>
-          </a:p>
-          <a:p>
-            <a:pPr marL="357505" indent="-357505" algn="l">
+              <a:buFont typeface="Wingdings" panose="05000000000000000000" pitchFamily="2" charset="2"/>
+              <a:buChar char=""/>
+            </a:pPr>
+            <a:r>
+              <a:rPr lang="en-US" altLang="zh-CN" sz="2000" smtClean="0">
+                <a:sym typeface="+mn-ea"/>
+              </a:rPr>
+              <a:t>multiprocessing.Lock()</a:t>
+            </a:r>
+            <a:endParaRPr lang="en-US" altLang="zh-CN" sz="2000" smtClean="0">
+              <a:sym typeface="+mn-ea"/>
+            </a:endParaRPr>
+          </a:p>
+          <a:p>
+            <a:pPr lvl="2" algn="l">
               <a:lnSpc>
                 <a:spcPct val="200000"/>
               </a:lnSpc>
-              <a:buClr>
-                <a:schemeClr val="accent1"/>
-              </a:buClr>
-              <a:buSzTx/>
-              <a:buFont typeface="Wingdings" panose="05000000000000000000" pitchFamily="2" charset="2"/>
-              <a:buChar char=""/>
-            </a:pPr>
-            <a:r>
-              <a:rPr lang="en-US" altLang="zh-CN" smtClean="0"/>
-              <a:t>Matplotlib, seaborn</a:t>
-            </a:r>
-            <a:endParaRPr lang="en-US" altLang="zh-CN" smtClean="0"/>
-          </a:p>
-          <a:p>
-            <a:pPr marL="357505" indent="-357505" algn="l">
+              <a:buFont typeface="Wingdings" panose="05000000000000000000" pitchFamily="2" charset="2"/>
+              <a:buChar char=""/>
+            </a:pPr>
+            <a:r>
+              <a:rPr lang="en-US" altLang="zh-CN" sz="1800" smtClean="0">
+                <a:sym typeface="+mn-ea"/>
+              </a:rPr>
+              <a:t>acquire(), release()</a:t>
+            </a:r>
+            <a:endParaRPr lang="en-US" altLang="zh-CN" sz="1800" smtClean="0">
+              <a:sym typeface="+mn-ea"/>
+            </a:endParaRPr>
+          </a:p>
+          <a:p>
+            <a:pPr lvl="1" algn="l">
               <a:lnSpc>
                 <a:spcPct val="200000"/>
               </a:lnSpc>
-              <a:buClr>
-                <a:schemeClr val="accent1"/>
-              </a:buClr>
-              <a:buSzTx/>
-              <a:buFont typeface="Wingdings" panose="05000000000000000000" pitchFamily="2" charset="2"/>
-              <a:buChar char=""/>
-            </a:pPr>
-            <a:r>
-              <a:rPr lang="en-US" altLang="zh-CN" smtClean="0"/>
-              <a:t>SciPy, statsmodels</a:t>
-            </a:r>
-            <a:endParaRPr lang="en-US" altLang="zh-CN" smtClean="0"/>
-          </a:p>
-          <a:p>
-            <a:pPr marL="357505" indent="-357505" algn="l">
+              <a:buFont typeface="Wingdings" panose="05000000000000000000" pitchFamily="2" charset="2"/>
+              <a:buChar char=""/>
+            </a:pPr>
+            <a:r>
+              <a:rPr lang="en-US" altLang="zh-CN" smtClean="0">
+                <a:sym typeface="+mn-ea"/>
+              </a:rPr>
+              <a:t>multiprocessing.Value, multiprocessing.Array</a:t>
+            </a:r>
+            <a:endParaRPr lang="en-US" altLang="zh-CN" smtClean="0">
+              <a:sym typeface="+mn-ea"/>
+            </a:endParaRPr>
+          </a:p>
+          <a:p>
+            <a:pPr lvl="0" algn="l">
               <a:lnSpc>
                 <a:spcPct val="200000"/>
               </a:lnSpc>
-              <a:buClr>
-                <a:schemeClr val="accent1"/>
-              </a:buClr>
-              <a:buSzTx/>
-              <a:buFont typeface="Wingdings" panose="05000000000000000000" pitchFamily="2" charset="2"/>
-              <a:buChar char=""/>
-            </a:pPr>
-            <a:r>
-              <a:rPr lang="en-US" altLang="zh-CN" smtClean="0"/>
-              <a:t>lxml</a:t>
+              <a:buFont typeface="Wingdings" panose="05000000000000000000" pitchFamily="2" charset="2"/>
+              <a:buChar char=""/>
+            </a:pPr>
+            <a:r>
+              <a:rPr lang="en-US" altLang="zh-CN" smtClean="0">
+                <a:sym typeface="+mn-ea"/>
+              </a:rPr>
+              <a:t>os.getpid(), os.getppid()</a:t>
+            </a:r>
+            <a:endParaRPr lang="en-US" altLang="zh-CN" smtClean="0">
+              <a:sym typeface="+mn-ea"/>
+            </a:endParaRPr>
+          </a:p>
+          <a:p>
+            <a:pPr lvl="0" algn="l">
+              <a:lnSpc>
+                <a:spcPct val="200000"/>
+              </a:lnSpc>
+              <a:buFont typeface="Wingdings" panose="05000000000000000000" pitchFamily="2" charset="2"/>
+              <a:buChar char=""/>
+            </a:pPr>
+            <a:r>
+              <a:rPr lang="en-US" altLang="zh-CN" smtClean="0">
+                <a:sym typeface="+mn-ea"/>
+              </a:rPr>
+              <a:t>multiprocessing.cpu_count()</a:t>
+            </a:r>
+            <a:endParaRPr lang="en-US" altLang="zh-CN" smtClean="0">
+              <a:sym typeface="+mn-ea"/>
+            </a:endParaRPr>
+          </a:p>
+          <a:p>
+            <a:pPr lvl="0" algn="l">
+              <a:lnSpc>
+                <a:spcPct val="200000"/>
+              </a:lnSpc>
+              <a:buFont typeface="Wingdings" panose="05000000000000000000" pitchFamily="2" charset="2"/>
+              <a:buChar char=""/>
+            </a:pPr>
+            <a:r>
+              <a:rPr lang="en-US" altLang="zh-CN" smtClean="0">
+                <a:sym typeface="+mn-ea"/>
+              </a:rPr>
+              <a:t>multiprocessing.set_start_method('spawn'/'fork'/'forkserver')</a:t>
+            </a:r>
+            <a:endParaRPr lang="en-US" altLang="zh-CN" smtClean="0">
+              <a:sym typeface="+mn-ea"/>
+            </a:endParaRPr>
+          </a:p>
+          <a:p>
+            <a:pPr lvl="1" algn="l">
+              <a:lnSpc>
+                <a:spcPct val="200000"/>
+              </a:lnSpc>
+              <a:buFont typeface="Wingdings" panose="05000000000000000000" pitchFamily="2" charset="2"/>
+              <a:buChar char=""/>
+            </a:pPr>
+            <a:r>
+              <a:rPr lang="en-US" altLang="zh-CN" sz="2000" smtClean="0">
+                <a:sym typeface="+mn-ea"/>
+              </a:rPr>
+              <a:t>spawn: Windows default, slow</a:t>
+            </a:r>
+            <a:endParaRPr lang="en-US" altLang="zh-CN" sz="2000" smtClean="0">
+              <a:sym typeface="+mn-ea"/>
+            </a:endParaRPr>
+          </a:p>
+          <a:p>
+            <a:pPr lvl="1" algn="l">
+              <a:lnSpc>
+                <a:spcPct val="200000"/>
+              </a:lnSpc>
+              <a:buFont typeface="Wingdings" panose="05000000000000000000" pitchFamily="2" charset="2"/>
+              <a:buChar char=""/>
+            </a:pPr>
+            <a:r>
+              <a:rPr lang="en-US" altLang="zh-CN" sz="2000" smtClean="0">
+                <a:sym typeface="+mn-ea"/>
+              </a:rPr>
+              <a:t>fork: Unix default</a:t>
             </a:r>
             <a:endParaRPr lang="en-US" altLang="zh-CN" smtClean="0"/>
+          </a:p>
+          <a:p>
+            <a:pPr lvl="0" algn="l">
+              <a:lnSpc>
+                <a:spcPct val="200000"/>
+              </a:lnSpc>
+              <a:buFont typeface="Wingdings" panose="05000000000000000000" pitchFamily="2" charset="2"/>
+              <a:buChar char=""/>
+            </a:pPr>
+            <a:r>
+              <a:rPr lang="en-US" altLang="zh-CN" smtClean="0">
+                <a:sym typeface="+mn-ea"/>
+              </a:rPr>
+              <a:t>concurrent.futures.ProcessPoolExecutor (3.2+)</a:t>
+            </a:r>
+            <a:endParaRPr lang="en-US" altLang="zh-CN" smtClean="0"/>
+          </a:p>
+          <a:p>
+            <a:endParaRPr lang="zh-CN" altLang="en-US"/>
           </a:p>
         </p:txBody>
       </p:sp>
@@ -4633,7 +4732,7 @@
       <p:grpSpPr/>
       <p:sp>
         <p:nvSpPr>
-          <p:cNvPr id="2" name="标题 1"/>
+          <p:cNvPr id="24578" name="标题 2"/>
           <p:cNvSpPr>
             <a:spLocks noGrp="1"/>
           </p:cNvSpPr>
@@ -4643,19 +4742,21 @@
         </p:nvSpPr>
         <p:spPr/>
         <p:txBody>
-          <a:bodyPr/>
-          <a:p>
-            <a:r>
-              <a:rPr lang="en-US" altLang="zh-CN"/>
-              <a:t>File Operation</a:t>
-            </a:r>
-            <a:endParaRPr lang="en-US" altLang="zh-CN"/>
-          </a:p>
-        </p:txBody>
-      </p:sp>
-      <p:sp>
-        <p:nvSpPr>
-          <p:cNvPr id="3" name="内容占位符 2"/>
+          <a:bodyPr anchor="b">
+            <a:normAutofit/>
+          </a:bodyPr>
+          <a:p>
+            <a:r>
+              <a:rPr lang="en-US" altLang="zh-CN" smtClean="0"/>
+              <a:t>Thread</a:t>
+            </a:r>
+            <a:endParaRPr lang="en-US" altLang="zh-CN" smtClean="0"/>
+          </a:p>
+        </p:txBody>
+      </p:sp>
+      <p:sp>
+        <p:nvSpPr>
+          <p:cNvPr id="4" name="内容占位符 3"/>
           <p:cNvSpPr>
             <a:spLocks noGrp="1"/>
           </p:cNvSpPr>
@@ -4665,61 +4766,142 @@
         </p:nvSpPr>
         <p:spPr/>
         <p:txBody>
-          <a:bodyPr/>
-          <a:p>
-            <a:r>
-              <a:rPr lang="en-US" altLang="zh-CN"/>
-              <a:t>Open</a:t>
-            </a:r>
-            <a:endParaRPr lang="en-US" altLang="zh-CN"/>
-          </a:p>
-          <a:p>
-            <a:pPr lvl="1"/>
-            <a:r>
-              <a:rPr lang="en-US" altLang="zh-CN"/>
-              <a:t>f = open('fn', 'mode')</a:t>
-            </a:r>
-            <a:endParaRPr lang="en-US" altLang="zh-CN"/>
-          </a:p>
-          <a:p>
-            <a:pPr lvl="0"/>
-            <a:r>
-              <a:rPr lang="en-US" altLang="en-US"/>
-              <a:t>PDF</a:t>
-            </a:r>
-            <a:endParaRPr lang="en-US" altLang="en-US"/>
-          </a:p>
-          <a:p>
-            <a:pPr lvl="1"/>
-            <a:r>
-              <a:rPr lang="en-US" altLang="en-US"/>
-              <a:t>pip install fpdf</a:t>
-            </a:r>
-            <a:endParaRPr lang="en-US" altLang="en-US"/>
-          </a:p>
-          <a:p>
-            <a:pPr lvl="0"/>
-            <a:r>
-              <a:rPr lang="en-US" altLang="en-US"/>
-              <a:t>import shutil</a:t>
-            </a:r>
-            <a:endParaRPr lang="en-US" altLang="en-US"/>
-          </a:p>
-          <a:p>
-            <a:pPr lvl="1"/>
-            <a:r>
-              <a:rPr lang="en-US" altLang="en-US"/>
-              <a:t>shutil.copy(src, dst)</a:t>
-            </a:r>
-            <a:endParaRPr lang="en-US" altLang="en-US"/>
-          </a:p>
-          <a:p>
-            <a:pPr lvl="1"/>
-            <a:r>
-              <a:rPr lang="en-US" altLang="en-US"/>
-              <a:t>shutil.copytree(src_dir, dst_dir)</a:t>
-            </a:r>
-            <a:endParaRPr lang="en-US" altLang="en-US"/>
+          <a:bodyPr>
+            <a:normAutofit fontScale="60000"/>
+          </a:bodyPr>
+          <a:p>
+            <a:pPr marL="357505" indent="-357505" algn="l">
+              <a:lnSpc>
+                <a:spcPct val="200000"/>
+              </a:lnSpc>
+              <a:buClr>
+                <a:schemeClr val="accent1"/>
+              </a:buClr>
+              <a:buSzTx/>
+              <a:buFont typeface="Wingdings" panose="05000000000000000000" pitchFamily="2" charset="2"/>
+              <a:buChar char=""/>
+            </a:pPr>
+            <a:r>
+              <a:rPr lang="en-US" altLang="zh-CN" smtClean="0"/>
+              <a:t>thread.start_new_thread(func, args)</a:t>
+            </a:r>
+            <a:endParaRPr lang="en-US" altLang="zh-CN" smtClean="0"/>
+          </a:p>
+          <a:p>
+            <a:pPr marL="357505" indent="-357505" algn="l">
+              <a:lnSpc>
+                <a:spcPct val="200000"/>
+              </a:lnSpc>
+              <a:buClr>
+                <a:schemeClr val="accent1"/>
+              </a:buClr>
+              <a:buSzTx/>
+              <a:buFont typeface="Wingdings" panose="05000000000000000000" pitchFamily="2" charset="2"/>
+              <a:buChar char=""/>
+            </a:pPr>
+            <a:r>
+              <a:rPr lang="en-US" altLang="zh-CN" smtClean="0"/>
+              <a:t>threading</a:t>
+            </a:r>
+            <a:endParaRPr lang="en-US" altLang="zh-CN" smtClean="0"/>
+          </a:p>
+          <a:p>
+            <a:pPr lvl="1" algn="l">
+              <a:lnSpc>
+                <a:spcPct val="200000"/>
+              </a:lnSpc>
+              <a:buFont typeface="Wingdings" panose="05000000000000000000" pitchFamily="2" charset="2"/>
+              <a:buChar char=""/>
+            </a:pPr>
+            <a:r>
+              <a:rPr lang="en-US" altLang="zh-CN" smtClean="0"/>
+              <a:t>activeCount(), currentThread(), enumerate()</a:t>
+            </a:r>
+            <a:endParaRPr lang="en-US" altLang="zh-CN" smtClean="0"/>
+          </a:p>
+          <a:p>
+            <a:pPr lvl="0" algn="l">
+              <a:lnSpc>
+                <a:spcPct val="200000"/>
+              </a:lnSpc>
+              <a:buFont typeface="Wingdings" panose="05000000000000000000" pitchFamily="2" charset="2"/>
+              <a:buChar char=""/>
+            </a:pPr>
+            <a:r>
+              <a:rPr lang="en-US" altLang="zh-CN" smtClean="0"/>
+              <a:t>threading.Thread class</a:t>
+            </a:r>
+            <a:endParaRPr lang="en-US" altLang="zh-CN" smtClean="0"/>
+          </a:p>
+          <a:p>
+            <a:pPr lvl="1" algn="l">
+              <a:lnSpc>
+                <a:spcPct val="200000"/>
+              </a:lnSpc>
+              <a:buFont typeface="Wingdings" panose="05000000000000000000" pitchFamily="2" charset="2"/>
+              <a:buChar char=""/>
+            </a:pPr>
+            <a:r>
+              <a:rPr lang="en-US" altLang="zh-CN" smtClean="0"/>
+              <a:t>run(), start(), join(), isAlive(), getName(), setName()</a:t>
+            </a:r>
+            <a:endParaRPr lang="en-US" altLang="zh-CN" smtClean="0"/>
+          </a:p>
+          <a:p>
+            <a:pPr lvl="0" algn="l">
+              <a:lnSpc>
+                <a:spcPct val="200000"/>
+              </a:lnSpc>
+              <a:buFont typeface="Wingdings" panose="05000000000000000000" pitchFamily="2" charset="2"/>
+              <a:buChar char=""/>
+            </a:pPr>
+            <a:r>
+              <a:rPr lang="en-US" altLang="zh-CN" smtClean="0"/>
+              <a:t>threading.Lock</a:t>
+            </a:r>
+            <a:endParaRPr lang="en-US" altLang="zh-CN" smtClean="0"/>
+          </a:p>
+          <a:p>
+            <a:pPr lvl="1" algn="l">
+              <a:lnSpc>
+                <a:spcPct val="200000"/>
+              </a:lnSpc>
+              <a:buFont typeface="Wingdings" panose="05000000000000000000" pitchFamily="2" charset="2"/>
+              <a:buChar char=""/>
+            </a:pPr>
+            <a:r>
+              <a:rPr lang="en-US" altLang="zh-CN" smtClean="0"/>
+              <a:t>acquire(), release()</a:t>
+            </a:r>
+            <a:endParaRPr lang="en-US" altLang="zh-CN" smtClean="0"/>
+          </a:p>
+          <a:p>
+            <a:pPr lvl="0" algn="l">
+              <a:lnSpc>
+                <a:spcPct val="200000"/>
+              </a:lnSpc>
+              <a:buFont typeface="Wingdings" panose="05000000000000000000" pitchFamily="2" charset="2"/>
+              <a:buChar char=""/>
+            </a:pPr>
+            <a:r>
+              <a:rPr lang="en-US" altLang="zh-CN" smtClean="0"/>
+              <a:t>Queue</a:t>
+            </a:r>
+            <a:endParaRPr lang="en-US" altLang="zh-CN" smtClean="0"/>
+          </a:p>
+          <a:p>
+            <a:pPr lvl="1" algn="l">
+              <a:lnSpc>
+                <a:spcPct val="200000"/>
+              </a:lnSpc>
+              <a:buFont typeface="Wingdings" panose="05000000000000000000" pitchFamily="2" charset="2"/>
+              <a:buChar char=""/>
+            </a:pPr>
+            <a:r>
+              <a:rPr lang="en-US" altLang="zh-CN" smtClean="0"/>
+              <a:t>get(), put(), qsize(), empty(), full()</a:t>
+            </a:r>
+            <a:endParaRPr lang="en-US" altLang="zh-CN" smtClean="0"/>
           </a:p>
         </p:txBody>
       </p:sp>
@@ -4743,7 +4925,7 @@
       <p:grpSpPr/>
       <p:sp>
         <p:nvSpPr>
-          <p:cNvPr id="2" name="标题 1"/>
+          <p:cNvPr id="24578" name="标题 2"/>
           <p:cNvSpPr>
             <a:spLocks noGrp="1"/>
           </p:cNvSpPr>
@@ -4753,19 +4935,21 @@
         </p:nvSpPr>
         <p:spPr/>
         <p:txBody>
-          <a:bodyPr/>
-          <a:p>
-            <a:r>
-              <a:rPr lang="en-US" altLang="zh-CN"/>
-              <a:t>Propcess</a:t>
-            </a:r>
-            <a:endParaRPr lang="en-US" altLang="zh-CN"/>
-          </a:p>
-        </p:txBody>
-      </p:sp>
-      <p:sp>
-        <p:nvSpPr>
-          <p:cNvPr id="3" name="内容占位符 2"/>
+          <a:bodyPr anchor="b">
+            <a:normAutofit/>
+          </a:bodyPr>
+          <a:p>
+            <a:r>
+              <a:rPr lang="en-US" altLang="zh-CN" smtClean="0"/>
+              <a:t>Modules</a:t>
+            </a:r>
+            <a:endParaRPr lang="en-US" altLang="zh-CN" smtClean="0"/>
+          </a:p>
+        </p:txBody>
+      </p:sp>
+      <p:sp>
+        <p:nvSpPr>
+          <p:cNvPr id="4" name="内容占位符 3"/>
           <p:cNvSpPr>
             <a:spLocks noGrp="1"/>
           </p:cNvSpPr>
@@ -4775,53 +4959,98 @@
         </p:nvSpPr>
         <p:spPr/>
         <p:txBody>
-          <a:bodyPr/>
-          <a:p>
-            <a:r>
-              <a:rPr lang="en-US" altLang="zh-CN"/>
-              <a:t>popen</a:t>
-            </a:r>
-            <a:endParaRPr lang="en-US" altLang="zh-CN"/>
-          </a:p>
-          <a:p>
-            <a:pPr lvl="1"/>
-            <a:r>
-              <a:rPr lang="en-US" altLang="zh-CN"/>
-              <a:t>import os</a:t>
-            </a:r>
-            <a:endParaRPr lang="en-US" altLang="zh-CN"/>
-          </a:p>
-          <a:p>
-            <a:pPr lvl="1"/>
-            <a:r>
-              <a:rPr lang="en-US" altLang="zh-CN"/>
-              <a:t>os.popen('cmd')</a:t>
-            </a:r>
-            <a:endParaRPr lang="en-US" altLang="zh-CN"/>
-          </a:p>
-          <a:p>
-            <a:pPr lvl="0"/>
-            <a:r>
-              <a:rPr lang="en-US" altLang="zh-CN"/>
-              <a:t>subproces</a:t>
-            </a:r>
-            <a:endParaRPr lang="en-US" altLang="zh-CN"/>
-          </a:p>
-          <a:p>
-            <a:pPr lvl="1"/>
-            <a:r>
-              <a:rPr lang="en-US" altLang="zh-CN"/>
-              <a:t>import subprocess</a:t>
-            </a:r>
-            <a:endParaRPr lang="en-US" altLang="zh-CN"/>
-          </a:p>
-          <a:p>
-            <a:pPr lvl="1"/>
-            <a:r>
-              <a:rPr lang="en-US" altLang="zh-CN"/>
-              <a:t>subprocess.call([cmd], [param1], ...)</a:t>
-            </a:r>
-            <a:endParaRPr lang="en-US" altLang="zh-CN"/>
+          <a:bodyPr>
+            <a:normAutofit/>
+          </a:bodyPr>
+          <a:p>
+            <a:pPr marL="357505" indent="-357505" algn="l">
+              <a:lnSpc>
+                <a:spcPct val="200000"/>
+              </a:lnSpc>
+              <a:buClr>
+                <a:schemeClr val="accent1"/>
+              </a:buClr>
+              <a:buSzTx/>
+              <a:buFont typeface="Wingdings" panose="05000000000000000000" pitchFamily="2" charset="2"/>
+              <a:buChar char=""/>
+            </a:pPr>
+            <a:r>
+              <a:rPr lang="en-US" altLang="zh-CN" smtClean="0"/>
+              <a:t>NumPy</a:t>
+            </a:r>
+            <a:endParaRPr lang="en-US" altLang="zh-CN" smtClean="0"/>
+          </a:p>
+          <a:p>
+            <a:pPr marL="357505" indent="-357505" algn="l">
+              <a:lnSpc>
+                <a:spcPct val="200000"/>
+              </a:lnSpc>
+              <a:buClr>
+                <a:schemeClr val="accent1"/>
+              </a:buClr>
+              <a:buSzTx/>
+              <a:buFont typeface="Wingdings" panose="05000000000000000000" pitchFamily="2" charset="2"/>
+              <a:buChar char=""/>
+            </a:pPr>
+            <a:r>
+              <a:rPr lang="en-US" altLang="zh-CN" smtClean="0"/>
+              <a:t>Pandas</a:t>
+            </a:r>
+            <a:endParaRPr lang="en-US" altLang="zh-CN" smtClean="0"/>
+          </a:p>
+          <a:p>
+            <a:pPr marL="357505" indent="-357505" algn="l">
+              <a:lnSpc>
+                <a:spcPct val="200000"/>
+              </a:lnSpc>
+              <a:buClr>
+                <a:schemeClr val="accent1"/>
+              </a:buClr>
+              <a:buSzTx/>
+              <a:buFont typeface="Wingdings" panose="05000000000000000000" pitchFamily="2" charset="2"/>
+              <a:buChar char=""/>
+            </a:pPr>
+            <a:r>
+              <a:rPr lang="en-US" altLang="zh-CN" smtClean="0"/>
+              <a:t>Matplotlib, seaborn</a:t>
+            </a:r>
+            <a:endParaRPr lang="en-US" altLang="zh-CN" smtClean="0"/>
+          </a:p>
+          <a:p>
+            <a:pPr marL="357505" indent="-357505" algn="l">
+              <a:lnSpc>
+                <a:spcPct val="200000"/>
+              </a:lnSpc>
+              <a:buClr>
+                <a:schemeClr val="accent1"/>
+              </a:buClr>
+              <a:buSzTx/>
+              <a:buFont typeface="Wingdings" panose="05000000000000000000" pitchFamily="2" charset="2"/>
+              <a:buChar char=""/>
+            </a:pPr>
+            <a:r>
+              <a:rPr lang="en-US" altLang="zh-CN" smtClean="0"/>
+              <a:t>SciPy, statsmodels</a:t>
+            </a:r>
+            <a:endParaRPr lang="en-US" altLang="zh-CN" smtClean="0"/>
+          </a:p>
+          <a:p>
+            <a:pPr marL="357505" indent="-357505" algn="l">
+              <a:lnSpc>
+                <a:spcPct val="200000"/>
+              </a:lnSpc>
+              <a:buClr>
+                <a:schemeClr val="accent1"/>
+              </a:buClr>
+              <a:buSzTx/>
+              <a:buFont typeface="Wingdings" panose="05000000000000000000" pitchFamily="2" charset="2"/>
+              <a:buChar char=""/>
+            </a:pPr>
+            <a:r>
+              <a:rPr lang="en-US" altLang="zh-CN" smtClean="0"/>
+              <a:t>lxml</a:t>
+            </a:r>
+            <a:endParaRPr lang="en-US" altLang="zh-CN" smtClean="0"/>
           </a:p>
         </p:txBody>
       </p:sp>
@@ -4859,7 +5088,7 @@
           <a:p>
             <a:r>
               <a:rPr lang="en-US" altLang="zh-CN"/>
-              <a:t>JSON</a:t>
+              <a:t>File Operation</a:t>
             </a:r>
             <a:endParaRPr lang="en-US" altLang="zh-CN"/>
           </a:p>
@@ -4881,14 +5110,7 @@
           <a:p>
             <a:r>
               <a:rPr lang="en-US" altLang="zh-CN"/>
-              <a:t>import json</a:t>
-            </a:r>
-            <a:endParaRPr lang="en-US" altLang="zh-CN"/>
-          </a:p>
-          <a:p>
-            <a:r>
-              <a:rPr lang="en-US" altLang="zh-CN"/>
-              <a:t>json to python data</a:t>
+              <a:t>Open</a:t>
             </a:r>
             <a:endParaRPr lang="en-US" altLang="zh-CN"/>
           </a:p>
@@ -4896,24 +5118,49 @@
             <a:pPr lvl="1"/>
             <a:r>
               <a:rPr lang="en-US" altLang="zh-CN"/>
-              <a:t>json.load(fp)</a:t>
-            </a:r>
-            <a:endParaRPr lang="en-US" altLang="zh-CN"/>
-          </a:p>
-          <a:p>
-            <a:r>
-              <a:rPr lang="en-US" altLang="zh-CN"/>
-              <a:t>python data to json</a:t>
-            </a:r>
-            <a:endParaRPr lang="en-US" altLang="zh-CN"/>
+              <a:t>f = open('fn', 'mode')</a:t>
+            </a:r>
+            <a:endParaRPr lang="en-US" altLang="zh-CN"/>
+          </a:p>
+          <a:p>
+            <a:pPr lvl="0"/>
+            <a:r>
+              <a:rPr lang="en-US" altLang="en-US"/>
+              <a:t>PDF</a:t>
+            </a:r>
+            <a:endParaRPr lang="en-US" altLang="en-US"/>
           </a:p>
           <a:p>
             <a:pPr lvl="1"/>
             <a:r>
-              <a:rPr lang="en-US" altLang="zh-CN"/>
-              <a:t>json.dump(obj, fp)</a:t>
-            </a:r>
-            <a:endParaRPr lang="en-US" altLang="zh-CN"/>
+              <a:rPr lang="en-US" altLang="en-US"/>
+              <a:t>pip install fpdf</a:t>
+            </a:r>
+            <a:endParaRPr lang="en-US" altLang="en-US"/>
+          </a:p>
+          <a:p>
+            <a:pPr lvl="0"/>
+            <a:r>
+              <a:rPr lang="en-US" altLang="en-US"/>
+              <a:t>import shutil</a:t>
+            </a:r>
+            <a:endParaRPr lang="en-US" altLang="en-US"/>
+          </a:p>
+          <a:p>
+            <a:pPr lvl="1"/>
+            <a:r>
+              <a:rPr lang="en-US" altLang="en-US"/>
+              <a:t>shutil.copy(src, dst)</a:t>
+            </a:r>
+            <a:endParaRPr lang="en-US" altLang="en-US"/>
+          </a:p>
+          <a:p>
+            <a:pPr lvl="1"/>
+            <a:r>
+              <a:rPr lang="en-US" altLang="en-US"/>
+              <a:t>shutil.copytree(src_dir, dst_dir)</a:t>
+            </a:r>
+            <a:endParaRPr lang="en-US" altLang="en-US"/>
           </a:p>
         </p:txBody>
       </p:sp>
@@ -4951,6 +5198,316 @@
           <a:p>
             <a:r>
               <a:rPr lang="en-US" altLang="zh-CN"/>
+              <a:t>Propcess</a:t>
+            </a:r>
+            <a:endParaRPr lang="en-US" altLang="zh-CN"/>
+          </a:p>
+        </p:txBody>
+      </p:sp>
+      <p:sp>
+        <p:nvSpPr>
+          <p:cNvPr id="3" name="内容占位符 2"/>
+          <p:cNvSpPr>
+            <a:spLocks noGrp="1"/>
+          </p:cNvSpPr>
+          <p:nvPr>
+            <p:ph idx="1"/>
+          </p:nvPr>
+        </p:nvSpPr>
+        <p:spPr/>
+        <p:txBody>
+          <a:bodyPr/>
+          <a:p>
+            <a:r>
+              <a:rPr lang="en-US" altLang="zh-CN"/>
+              <a:t>popen</a:t>
+            </a:r>
+            <a:endParaRPr lang="en-US" altLang="zh-CN"/>
+          </a:p>
+          <a:p>
+            <a:pPr lvl="1"/>
+            <a:r>
+              <a:rPr lang="en-US" altLang="zh-CN"/>
+              <a:t>import os</a:t>
+            </a:r>
+            <a:endParaRPr lang="en-US" altLang="zh-CN"/>
+          </a:p>
+          <a:p>
+            <a:pPr lvl="1"/>
+            <a:r>
+              <a:rPr lang="en-US" altLang="zh-CN"/>
+              <a:t>os.popen('cmd')</a:t>
+            </a:r>
+            <a:endParaRPr lang="en-US" altLang="zh-CN"/>
+          </a:p>
+          <a:p>
+            <a:pPr lvl="0"/>
+            <a:r>
+              <a:rPr lang="en-US" altLang="zh-CN"/>
+              <a:t>subproces</a:t>
+            </a:r>
+            <a:endParaRPr lang="en-US" altLang="zh-CN"/>
+          </a:p>
+          <a:p>
+            <a:pPr lvl="1"/>
+            <a:r>
+              <a:rPr lang="en-US" altLang="zh-CN"/>
+              <a:t>import subprocess</a:t>
+            </a:r>
+            <a:endParaRPr lang="en-US" altLang="zh-CN"/>
+          </a:p>
+          <a:p>
+            <a:pPr lvl="1"/>
+            <a:r>
+              <a:rPr lang="en-US" altLang="zh-CN"/>
+              <a:t>subprocess.call([cmd], [param1], ...)</a:t>
+            </a:r>
+            <a:endParaRPr lang="en-US" altLang="zh-CN"/>
+          </a:p>
+        </p:txBody>
+      </p:sp>
+    </p:spTree>
+  </p:cSld>
+  <p:clrMapOvr>
+    <a:masterClrMapping/>
+  </p:clrMapOvr>
+</p:sld>
+</file>
+
+<file path=ppt/slides/slide19.xml><?xml version="1.0" encoding="utf-8"?>
+<p:sld xmlns:a="http://schemas.openxmlformats.org/drawingml/2006/main" xmlns:r="http://schemas.openxmlformats.org/officeDocument/2006/relationships" xmlns:p="http://schemas.openxmlformats.org/presentationml/2006/main">
+  <p:cSld>
+    <p:spTree>
+      <p:nvGrpSpPr>
+        <p:cNvPr id="1" name=""/>
+        <p:cNvGrpSpPr/>
+        <p:nvPr/>
+      </p:nvGrpSpPr>
+      <p:grpSpPr/>
+      <p:sp>
+        <p:nvSpPr>
+          <p:cNvPr id="2" name="标题 1"/>
+          <p:cNvSpPr>
+            <a:spLocks noGrp="1"/>
+          </p:cNvSpPr>
+          <p:nvPr>
+            <p:ph type="title"/>
+          </p:nvPr>
+        </p:nvSpPr>
+        <p:spPr/>
+        <p:txBody>
+          <a:bodyPr/>
+          <a:p>
+            <a:r>
+              <a:rPr lang="en-US" altLang="zh-CN"/>
+              <a:t>JSON</a:t>
+            </a:r>
+            <a:endParaRPr lang="en-US" altLang="zh-CN"/>
+          </a:p>
+        </p:txBody>
+      </p:sp>
+      <p:sp>
+        <p:nvSpPr>
+          <p:cNvPr id="3" name="内容占位符 2"/>
+          <p:cNvSpPr>
+            <a:spLocks noGrp="1"/>
+          </p:cNvSpPr>
+          <p:nvPr>
+            <p:ph idx="1"/>
+          </p:nvPr>
+        </p:nvSpPr>
+        <p:spPr/>
+        <p:txBody>
+          <a:bodyPr/>
+          <a:p>
+            <a:r>
+              <a:rPr lang="en-US" altLang="zh-CN"/>
+              <a:t>import json</a:t>
+            </a:r>
+            <a:endParaRPr lang="en-US" altLang="zh-CN"/>
+          </a:p>
+          <a:p>
+            <a:r>
+              <a:rPr lang="en-US" altLang="zh-CN"/>
+              <a:t>json to python data</a:t>
+            </a:r>
+            <a:endParaRPr lang="en-US" altLang="zh-CN"/>
+          </a:p>
+          <a:p>
+            <a:pPr lvl="1"/>
+            <a:r>
+              <a:rPr lang="en-US" altLang="zh-CN"/>
+              <a:t>json.load(fp)</a:t>
+            </a:r>
+            <a:endParaRPr lang="en-US" altLang="zh-CN"/>
+          </a:p>
+          <a:p>
+            <a:r>
+              <a:rPr lang="en-US" altLang="zh-CN"/>
+              <a:t>python data to json</a:t>
+            </a:r>
+            <a:endParaRPr lang="en-US" altLang="zh-CN"/>
+          </a:p>
+          <a:p>
+            <a:pPr lvl="1"/>
+            <a:r>
+              <a:rPr lang="en-US" altLang="zh-CN"/>
+              <a:t>json.dump(obj, fp)</a:t>
+            </a:r>
+            <a:endParaRPr lang="en-US" altLang="zh-CN"/>
+          </a:p>
+        </p:txBody>
+      </p:sp>
+    </p:spTree>
+  </p:cSld>
+  <p:clrMapOvr>
+    <a:masterClrMapping/>
+  </p:clrMapOvr>
+</p:sld>
+</file>
+
+<file path=ppt/slides/slide2.xml><?xml version="1.0" encoding="utf-8"?>
+<p:sld xmlns:a="http://schemas.openxmlformats.org/drawingml/2006/main" xmlns:r="http://schemas.openxmlformats.org/officeDocument/2006/relationships" xmlns:p="http://schemas.openxmlformats.org/presentationml/2006/main">
+  <p:cSld>
+    <p:spTree>
+      <p:nvGrpSpPr>
+        <p:cNvPr id="1" name=""/>
+        <p:cNvGrpSpPr/>
+        <p:nvPr/>
+      </p:nvGrpSpPr>
+      <p:grpSpPr/>
+      <p:sp>
+        <p:nvSpPr>
+          <p:cNvPr id="4" name="标题 3"/>
+          <p:cNvSpPr>
+            <a:spLocks noGrp="1"/>
+          </p:cNvSpPr>
+          <p:nvPr>
+            <p:ph type="title"/>
+          </p:nvPr>
+        </p:nvSpPr>
+        <p:spPr/>
+        <p:txBody>
+          <a:bodyPr/>
+          <a:p>
+            <a:r>
+              <a:rPr lang="en-US" altLang="zh-CN"/>
+              <a:t>Fundamental</a:t>
+            </a:r>
+            <a:endParaRPr lang="en-US" altLang="zh-CN"/>
+          </a:p>
+        </p:txBody>
+      </p:sp>
+      <p:sp>
+        <p:nvSpPr>
+          <p:cNvPr id="5" name="文本占位符 4"/>
+          <p:cNvSpPr>
+            <a:spLocks noGrp="1"/>
+          </p:cNvSpPr>
+          <p:nvPr>
+            <p:ph type="body" idx="1"/>
+          </p:nvPr>
+        </p:nvSpPr>
+        <p:spPr/>
+        <p:txBody>
+          <a:bodyPr/>
+          <a:p>
+            <a:endParaRPr lang="zh-CN" altLang="en-US"/>
+          </a:p>
+        </p:txBody>
+      </p:sp>
+    </p:spTree>
+  </p:cSld>
+  <p:clrMapOvr>
+    <a:masterClrMapping/>
+  </p:clrMapOvr>
+</p:sld>
+</file>
+
+<file path=ppt/slides/slide20.xml><?xml version="1.0" encoding="utf-8"?>
+<p:sld xmlns:a="http://schemas.openxmlformats.org/drawingml/2006/main" xmlns:r="http://schemas.openxmlformats.org/officeDocument/2006/relationships" xmlns:p="http://schemas.openxmlformats.org/presentationml/2006/main">
+  <p:cSld>
+    <p:spTree>
+      <p:nvGrpSpPr>
+        <p:cNvPr id="1" name=""/>
+        <p:cNvGrpSpPr/>
+        <p:nvPr/>
+      </p:nvGrpSpPr>
+      <p:grpSpPr/>
+      <p:sp>
+        <p:nvSpPr>
+          <p:cNvPr id="4" name="标题 3"/>
+          <p:cNvSpPr>
+            <a:spLocks noGrp="1"/>
+          </p:cNvSpPr>
+          <p:nvPr>
+            <p:ph type="title"/>
+          </p:nvPr>
+        </p:nvSpPr>
+        <p:spPr/>
+        <p:txBody>
+          <a:bodyPr/>
+          <a:p>
+            <a:r>
+              <a:rPr lang="en-US" altLang="zh-CN"/>
+              <a:t>Packages</a:t>
+            </a:r>
+            <a:endParaRPr lang="en-US" altLang="zh-CN"/>
+          </a:p>
+        </p:txBody>
+      </p:sp>
+      <p:sp>
+        <p:nvSpPr>
+          <p:cNvPr id="5" name="文本占位符 4"/>
+          <p:cNvSpPr>
+            <a:spLocks noGrp="1"/>
+          </p:cNvSpPr>
+          <p:nvPr>
+            <p:ph type="body" idx="1"/>
+          </p:nvPr>
+        </p:nvSpPr>
+        <p:spPr/>
+        <p:txBody>
+          <a:bodyPr/>
+          <a:p>
+            <a:endParaRPr lang="zh-CN" altLang="en-US"/>
+          </a:p>
+        </p:txBody>
+      </p:sp>
+    </p:spTree>
+  </p:cSld>
+  <p:clrMapOvr>
+    <a:masterClrMapping/>
+  </p:clrMapOvr>
+</p:sld>
+</file>
+
+<file path=ppt/slides/slide21.xml><?xml version="1.0" encoding="utf-8"?>
+<p:sld xmlns:a="http://schemas.openxmlformats.org/drawingml/2006/main" xmlns:r="http://schemas.openxmlformats.org/officeDocument/2006/relationships" xmlns:p="http://schemas.openxmlformats.org/presentationml/2006/main">
+  <p:cSld>
+    <p:spTree>
+      <p:nvGrpSpPr>
+        <p:cNvPr id="1" name=""/>
+        <p:cNvGrpSpPr/>
+        <p:nvPr/>
+      </p:nvGrpSpPr>
+      <p:grpSpPr/>
+      <p:sp>
+        <p:nvSpPr>
+          <p:cNvPr id="2" name="标题 1"/>
+          <p:cNvSpPr>
+            <a:spLocks noGrp="1"/>
+          </p:cNvSpPr>
+          <p:nvPr>
+            <p:ph type="title"/>
+          </p:nvPr>
+        </p:nvSpPr>
+        <p:spPr/>
+        <p:txBody>
+          <a:bodyPr/>
+          <a:p>
+            <a:r>
+              <a:rPr lang="en-US" altLang="zh-CN"/>
               <a:t>Web</a:t>
             </a:r>
             <a:endParaRPr lang="en-US" altLang="zh-CN"/>
@@ -5019,13 +5576,13 @@
             <a:r>
               <a:rPr lang="en-US" altLang="zh-CN" sz="1400" dirty="0" smtClean="0">
                 <a:latin typeface="Arial" panose="020B0604020202020204" pitchFamily="34" charset="0"/>
-                <a:ea typeface="Microsoft YaHei" panose="020B0503020204020204" charset="-122"/>
+                <a:ea typeface="微软雅黑" panose="020B0503020204020204" charset="-122"/>
               </a:rPr>
               <a:t>import requests</a:t>
             </a:r>
             <a:endParaRPr lang="en-US" altLang="zh-CN" sz="1400" dirty="0" smtClean="0">
               <a:latin typeface="Arial" panose="020B0604020202020204" pitchFamily="34" charset="0"/>
-              <a:ea typeface="Microsoft YaHei" panose="020B0503020204020204" charset="-122"/>
+              <a:ea typeface="微软雅黑" panose="020B0503020204020204" charset="-122"/>
             </a:endParaRPr>
           </a:p>
           <a:p>
@@ -5037,13 +5594,13 @@
             <a:r>
               <a:rPr lang="en-US" altLang="zh-CN" sz="1400" dirty="0" smtClean="0">
                 <a:latin typeface="Arial" panose="020B0604020202020204" pitchFamily="34" charset="0"/>
-                <a:ea typeface="Microsoft YaHei" panose="020B0503020204020204" charset="-122"/>
+                <a:ea typeface="微软雅黑" panose="020B0503020204020204" charset="-122"/>
               </a:rPr>
               <a:t>headers={'user-agent': 'myapp/1.0.0'}</a:t>
             </a:r>
             <a:endParaRPr lang="en-US" altLang="zh-CN" sz="1400" dirty="0" smtClean="0">
               <a:latin typeface="Arial" panose="020B0604020202020204" pitchFamily="34" charset="0"/>
-              <a:ea typeface="Microsoft YaHei" panose="020B0503020204020204" charset="-122"/>
+              <a:ea typeface="微软雅黑" panose="020B0503020204020204" charset="-122"/>
             </a:endParaRPr>
           </a:p>
           <a:p>
@@ -5055,13 +5612,13 @@
             <a:r>
               <a:rPr lang="en-US" altLang="zh-CN" sz="1400" dirty="0" smtClean="0">
                 <a:latin typeface="Arial" panose="020B0604020202020204" pitchFamily="34" charset="0"/>
-                <a:ea typeface="Microsoft YaHei" panose="020B0503020204020204" charset="-122"/>
+                <a:ea typeface="微软雅黑" panose="020B0503020204020204" charset="-122"/>
               </a:rPr>
               <a:t>cookies=dict(cookies-are='working')</a:t>
             </a:r>
             <a:endParaRPr lang="en-US" altLang="zh-CN" sz="1400" dirty="0" smtClean="0">
               <a:latin typeface="Arial" panose="020B0604020202020204" pitchFamily="34" charset="0"/>
-              <a:ea typeface="Microsoft YaHei" panose="020B0503020204020204" charset="-122"/>
+              <a:ea typeface="微软雅黑" panose="020B0503020204020204" charset="-122"/>
             </a:endParaRPr>
           </a:p>
           <a:p>
@@ -5073,13 +5630,13 @@
             <a:r>
               <a:rPr lang="en-US" altLang="zh-CN" sz="1400" dirty="0" smtClean="0">
                 <a:latin typeface="Arial" panose="020B0604020202020204" pitchFamily="34" charset="0"/>
-                <a:ea typeface="Microsoft YaHei" panose="020B0503020204020204" charset="-122"/>
+                <a:ea typeface="微软雅黑" panose="020B0503020204020204" charset="-122"/>
               </a:rPr>
               <a:t>payload = {'key1': 'value1', 'key2': 'value2}</a:t>
             </a:r>
             <a:endParaRPr lang="en-US" altLang="zh-CN" sz="1400" dirty="0" smtClean="0">
               <a:latin typeface="Arial" panose="020B0604020202020204" pitchFamily="34" charset="0"/>
-              <a:ea typeface="Microsoft YaHei" panose="020B0503020204020204" charset="-122"/>
+              <a:ea typeface="微软雅黑" panose="020B0503020204020204" charset="-122"/>
             </a:endParaRPr>
           </a:p>
           <a:p>
@@ -5091,13 +5648,13 @@
             <a:r>
               <a:rPr lang="en-US" altLang="zh-CN" sz="1400" dirty="0" smtClean="0">
                 <a:latin typeface="Arial" panose="020B0604020202020204" pitchFamily="34" charset="0"/>
-                <a:ea typeface="Microsoft YaHei" panose="020B0503020204020204" charset="-122"/>
+                <a:ea typeface="微软雅黑" panose="020B0503020204020204" charset="-122"/>
               </a:rPr>
               <a:t>r = requests.get('http://www.baidu.com', headers=headers, cookies=cookies, params=payload)</a:t>
             </a:r>
             <a:endParaRPr lang="en-US" altLang="zh-CN" sz="1400" dirty="0" smtClean="0">
               <a:latin typeface="Arial" panose="020B0604020202020204" pitchFamily="34" charset="0"/>
-              <a:ea typeface="Microsoft YaHei" panose="020B0503020204020204" charset="-122"/>
+              <a:ea typeface="微软雅黑" panose="020B0503020204020204" charset="-122"/>
             </a:endParaRPr>
           </a:p>
           <a:p>
@@ -5109,13 +5666,13 @@
             <a:r>
               <a:rPr lang="en-US" altLang="zh-CN" sz="1400" dirty="0" smtClean="0">
                 <a:latin typeface="Arial" panose="020B0604020202020204" pitchFamily="34" charset="0"/>
-                <a:ea typeface="Microsoft YaHei" panose="020B0503020204020204" charset="-122"/>
+                <a:ea typeface="微软雅黑" panose="020B0503020204020204" charset="-122"/>
               </a:rPr>
               <a:t>r.status/r.encoding/r.url/r.headers/r.text/r.json/r.raw</a:t>
             </a:r>
             <a:endParaRPr lang="en-US" altLang="zh-CN" sz="1400" dirty="0" smtClean="0">
               <a:latin typeface="Arial" panose="020B0604020202020204" pitchFamily="34" charset="0"/>
-              <a:ea typeface="Microsoft YaHei" panose="020B0503020204020204" charset="-122"/>
+              <a:ea typeface="微软雅黑" panose="020B0503020204020204" charset="-122"/>
             </a:endParaRPr>
           </a:p>
           <a:p>
@@ -5127,14 +5684,14 @@
             <a:r>
               <a:rPr lang="en-US" altLang="zh-CN" sz="1400" dirty="0" smtClean="0">
                 <a:latin typeface="Arial" panose="020B0604020202020204" pitchFamily="34" charset="0"/>
-                <a:ea typeface="Microsoft YaHei" panose="020B0503020204020204" charset="-122"/>
+                <a:ea typeface="微软雅黑" panose="020B0503020204020204" charset="-122"/>
                 <a:sym typeface="+mn-ea"/>
               </a:rPr>
               <a:t>files = {'file': open('a.xls', rb)}</a:t>
             </a:r>
             <a:endParaRPr lang="en-US" altLang="zh-CN" sz="1400" dirty="0" smtClean="0">
               <a:latin typeface="Arial" panose="020B0604020202020204" pitchFamily="34" charset="0"/>
-              <a:ea typeface="Microsoft YaHei" panose="020B0503020204020204" charset="-122"/>
+              <a:ea typeface="微软雅黑" panose="020B0503020204020204" charset="-122"/>
             </a:endParaRPr>
           </a:p>
           <a:p>
@@ -5146,13 +5703,13 @@
             <a:r>
               <a:rPr lang="en-US" altLang="zh-CN" sz="1400" dirty="0" smtClean="0">
                 <a:latin typeface="Arial" panose="020B0604020202020204" pitchFamily="34" charset="0"/>
-                <a:ea typeface="Microsoft YaHei" panose="020B0503020204020204" charset="-122"/>
+                <a:ea typeface="微软雅黑" panose="020B0503020204020204" charset="-122"/>
               </a:rPr>
               <a:t>r = requests.post('http://httpbin.org/post', data={'key': 'value'}, files=files) </a:t>
             </a:r>
             <a:endParaRPr lang="en-US" altLang="zh-CN" sz="1400" dirty="0" smtClean="0">
               <a:latin typeface="Arial" panose="020B0604020202020204" pitchFamily="34" charset="0"/>
-              <a:ea typeface="Microsoft YaHei" panose="020B0503020204020204" charset="-122"/>
+              <a:ea typeface="微软雅黑" panose="020B0503020204020204" charset="-122"/>
             </a:endParaRPr>
           </a:p>
           <a:p>
@@ -5164,13 +5721,13 @@
             <a:r>
               <a:rPr lang="en-US" altLang="zh-CN" sz="1400" dirty="0" smtClean="0">
                 <a:latin typeface="Arial" panose="020B0604020202020204" pitchFamily="34" charset="0"/>
-                <a:ea typeface="Microsoft YaHei" panose="020B0503020204020204" charset="-122"/>
+                <a:ea typeface="微软雅黑" panose="020B0503020204020204" charset="-122"/>
               </a:rPr>
               <a:t># Basic authentication</a:t>
             </a:r>
             <a:endParaRPr lang="en-US" altLang="zh-CN" sz="1400" dirty="0" smtClean="0">
               <a:latin typeface="Arial" panose="020B0604020202020204" pitchFamily="34" charset="0"/>
-              <a:ea typeface="Microsoft YaHei" panose="020B0503020204020204" charset="-122"/>
+              <a:ea typeface="微软雅黑" panose="020B0503020204020204" charset="-122"/>
             </a:endParaRPr>
           </a:p>
           <a:p>
@@ -5182,13 +5739,13 @@
             <a:r>
               <a:rPr lang="en-US" altLang="zh-CN" sz="1400" dirty="0" smtClean="0">
                 <a:latin typeface="Arial" panose="020B0604020202020204" pitchFamily="34" charset="0"/>
-                <a:ea typeface="Microsoft YaHei" panose="020B0503020204020204" charset="-122"/>
+                <a:ea typeface="微软雅黑" panose="020B0503020204020204" charset="-122"/>
               </a:rPr>
               <a:t>r = requests.get('https://api.github.com/user', auth=HTTPBasicAuth('user', 'pass'))</a:t>
             </a:r>
             <a:endParaRPr lang="en-US" altLang="zh-CN" sz="1400" dirty="0" smtClean="0">
               <a:latin typeface="Arial" panose="020B0604020202020204" pitchFamily="34" charset="0"/>
-              <a:ea typeface="Microsoft YaHei" panose="020B0503020204020204" charset="-122"/>
+              <a:ea typeface="微软雅黑" panose="020B0503020204020204" charset="-122"/>
             </a:endParaRPr>
           </a:p>
           <a:p>
@@ -5200,13 +5757,13 @@
             <a:r>
               <a:rPr lang="en-US" altLang="zh-CN" sz="1400" dirty="0" smtClean="0">
                 <a:latin typeface="Arial" panose="020B0604020202020204" pitchFamily="34" charset="0"/>
-                <a:ea typeface="Microsoft YaHei" panose="020B0503020204020204" charset="-122"/>
+                <a:ea typeface="微软雅黑" panose="020B0503020204020204" charset="-122"/>
               </a:rPr>
               <a:t>r = requests.get('http://httpbin.org/digest-auth/auth/user/pass', auth=HTTPDigestAuth('user', 'pass'))</a:t>
             </a:r>
             <a:endParaRPr lang="en-US" altLang="zh-CN" sz="1400" dirty="0" smtClean="0">
               <a:latin typeface="Arial" panose="020B0604020202020204" pitchFamily="34" charset="0"/>
-              <a:ea typeface="Microsoft YaHei" panose="020B0503020204020204" charset="-122"/>
+              <a:ea typeface="微软雅黑" panose="020B0503020204020204" charset="-122"/>
             </a:endParaRPr>
           </a:p>
         </p:txBody>
@@ -5240,13 +5797,13 @@
             <a:r>
               <a:rPr lang="en-US" altLang="zh-CN" sz="1400" dirty="0" smtClean="0">
                 <a:latin typeface="Arial" panose="020B0604020202020204" pitchFamily="34" charset="0"/>
-                <a:ea typeface="Microsoft YaHei" panose="020B0503020204020204" charset="-122"/>
+                <a:ea typeface="微软雅黑" panose="020B0503020204020204" charset="-122"/>
               </a:rPr>
               <a:t>Post encoding types:</a:t>
             </a:r>
             <a:endParaRPr lang="en-US" altLang="zh-CN" sz="1400" dirty="0" smtClean="0">
               <a:latin typeface="Arial" panose="020B0604020202020204" pitchFamily="34" charset="0"/>
-              <a:ea typeface="Microsoft YaHei" panose="020B0503020204020204" charset="-122"/>
+              <a:ea typeface="微软雅黑" panose="020B0503020204020204" charset="-122"/>
             </a:endParaRPr>
           </a:p>
           <a:p>
@@ -5258,13 +5815,13 @@
             <a:r>
               <a:rPr lang="en-US" altLang="zh-CN" sz="1400" dirty="0" smtClean="0">
                 <a:latin typeface="Arial" panose="020B0604020202020204" pitchFamily="34" charset="0"/>
-                <a:ea typeface="Microsoft YaHei" panose="020B0503020204020204" charset="-122"/>
+                <a:ea typeface="微软雅黑" panose="020B0503020204020204" charset="-122"/>
               </a:rPr>
               <a:t>- application/x-www-form-urlencoded</a:t>
             </a:r>
             <a:endParaRPr lang="en-US" altLang="zh-CN" sz="1400" dirty="0" smtClean="0">
               <a:latin typeface="Arial" panose="020B0604020202020204" pitchFamily="34" charset="0"/>
-              <a:ea typeface="Microsoft YaHei" panose="020B0503020204020204" charset="-122"/>
+              <a:ea typeface="微软雅黑" panose="020B0503020204020204" charset="-122"/>
             </a:endParaRPr>
           </a:p>
           <a:p>
@@ -5276,13 +5833,13 @@
             <a:r>
               <a:rPr lang="en-US" altLang="zh-CN" sz="1400" dirty="0" smtClean="0">
                 <a:latin typeface="Arial" panose="020B0604020202020204" pitchFamily="34" charset="0"/>
-                <a:ea typeface="Microsoft YaHei" panose="020B0503020204020204" charset="-122"/>
+                <a:ea typeface="微软雅黑" panose="020B0503020204020204" charset="-122"/>
               </a:rPr>
               <a:t>- multipart/form-data</a:t>
             </a:r>
             <a:endParaRPr lang="en-US" altLang="zh-CN" sz="1400" dirty="0" smtClean="0">
               <a:latin typeface="Arial" panose="020B0604020202020204" pitchFamily="34" charset="0"/>
-              <a:ea typeface="Microsoft YaHei" panose="020B0503020204020204" charset="-122"/>
+              <a:ea typeface="微软雅黑" panose="020B0503020204020204" charset="-122"/>
             </a:endParaRPr>
           </a:p>
         </p:txBody>
@@ -5341,7 +5898,7 @@
 </p:sld>
 </file>
 
-<file path=ppt/slides/slide19.xml><?xml version="1.0" encoding="utf-8"?>
+<file path=ppt/slides/slide22.xml><?xml version="1.0" encoding="utf-8"?>
 <p:sld xmlns:a="http://schemas.openxmlformats.org/drawingml/2006/main" xmlns:r="http://schemas.openxmlformats.org/officeDocument/2006/relationships" xmlns:p="http://schemas.openxmlformats.org/presentationml/2006/main">
   <p:cSld>
     <p:spTree>
@@ -5509,7 +6066,1568 @@
 </p:sld>
 </file>
 
-<file path=ppt/slides/slide2.xml><?xml version="1.0" encoding="utf-8"?>
+<file path=ppt/slides/slide23.xml><?xml version="1.0" encoding="utf-8"?>
+<p:sld xmlns:a="http://schemas.openxmlformats.org/drawingml/2006/main" xmlns:r="http://schemas.openxmlformats.org/officeDocument/2006/relationships" xmlns:p="http://schemas.openxmlformats.org/presentationml/2006/main">
+  <p:cSld>
+    <p:spTree>
+      <p:nvGrpSpPr>
+        <p:cNvPr id="1" name=""/>
+        <p:cNvGrpSpPr/>
+        <p:nvPr/>
+      </p:nvGrpSpPr>
+      <p:grpSpPr/>
+      <p:sp>
+        <p:nvSpPr>
+          <p:cNvPr id="2" name="标题 1"/>
+          <p:cNvSpPr>
+            <a:spLocks noGrp="1"/>
+          </p:cNvSpPr>
+          <p:nvPr>
+            <p:ph type="title"/>
+          </p:nvPr>
+        </p:nvSpPr>
+        <p:spPr/>
+        <p:txBody>
+          <a:bodyPr/>
+          <a:p>
+            <a:r>
+              <a:rPr lang="en-US" altLang="zh-CN"/>
+              <a:t>NumPy 2/2</a:t>
+            </a:r>
+            <a:endParaRPr lang="en-US" altLang="zh-CN"/>
+          </a:p>
+        </p:txBody>
+      </p:sp>
+      <p:sp>
+        <p:nvSpPr>
+          <p:cNvPr id="3" name="内容占位符 2"/>
+          <p:cNvSpPr>
+            <a:spLocks noGrp="1"/>
+          </p:cNvSpPr>
+          <p:nvPr>
+            <p:ph idx="1"/>
+          </p:nvPr>
+        </p:nvSpPr>
+        <p:spPr>
+          <a:xfrm>
+            <a:off x="651510" y="1024710"/>
+            <a:ext cx="10858500" cy="5084543"/>
+          </a:xfrm>
+        </p:spPr>
+        <p:txBody>
+          <a:bodyPr>
+            <a:normAutofit fontScale="90000"/>
+          </a:bodyPr>
+          <a:p>
+            <a:endParaRPr lang="en-US" altLang="zh-CN"/>
+          </a:p>
+          <a:p>
+            <a:pPr lvl="0">
+              <a:buFont typeface="Wingdings" panose="05000000000000000000" pitchFamily="2" charset="2"/>
+              <a:buChar char=""/>
+            </a:pPr>
+            <a:r>
+              <a:rPr lang="en-US" altLang="zh-CN" sz="2880">
+                <a:sym typeface="+mn-ea"/>
+              </a:rPr>
+              <a:t>Element-wise array functions</a:t>
+            </a:r>
+            <a:endParaRPr lang="en-US" altLang="zh-CN" sz="2880"/>
+          </a:p>
+          <a:p>
+            <a:pPr lvl="1">
+              <a:buFont typeface="Wingdings" panose="05000000000000000000" pitchFamily="2" charset="2"/>
+              <a:buChar char=""/>
+            </a:pPr>
+            <a:r>
+              <a:rPr lang="en-US" altLang="zh-CN" sz="2400">
+                <a:sym typeface="+mn-ea"/>
+              </a:rPr>
+              <a:t>np.sqrt(arr), np.exp(arr), np.modf(arr), np.fabs(arr), np.sqrt(arr), np.square(arr), np.sign(arr), np.log(arr), np.ceil(arr), np.floor(arr), np.rint(arr), np.isnan(arr), np.sin(arr), np.cos(arr), np.tan(arr)</a:t>
+            </a:r>
+            <a:endParaRPr lang="en-US" altLang="zh-CN" sz="2400"/>
+          </a:p>
+          <a:p>
+            <a:pPr lvl="1">
+              <a:buFont typeface="Wingdings" panose="05000000000000000000" pitchFamily="2" charset="2"/>
+              <a:buChar char=""/>
+            </a:pPr>
+            <a:r>
+              <a:rPr lang="en-US" altLang="zh-CN" sz="2400">
+                <a:sym typeface="+mn-ea"/>
+              </a:rPr>
+              <a:t>np.maximum(arr1, arr2), np.add(arr1, arr2), np.subtract(arr1, arr2), np.multiply(arr1, arr2), np.divide(arr1, arr2), np.power(arr1, arr2), np.minimum(arr1, arr2), np.greater(arr1, arr2), np.less(arr1, arr2)</a:t>
+            </a:r>
+            <a:endParaRPr lang="en-US" altLang="zh-CN" sz="2400"/>
+          </a:p>
+          <a:p>
+            <a:pPr lvl="1">
+              <a:buFont typeface="Wingdings" panose="05000000000000000000" pitchFamily="2" charset="2"/>
+              <a:buChar char=""/>
+            </a:pPr>
+            <a:r>
+              <a:rPr lang="en-US" altLang="zh-CN" sz="2000"/>
+              <a:t>np.isin(x, list)</a:t>
+            </a:r>
+            <a:endParaRPr lang="en-US" altLang="zh-CN" sz="2000"/>
+          </a:p>
+          <a:p>
+            <a:pPr lvl="1">
+              <a:buFont typeface="Wingdings" panose="05000000000000000000" pitchFamily="2" charset="2"/>
+              <a:buChar char=""/>
+            </a:pPr>
+            <a:r>
+              <a:rPr lang="en-US" altLang="zh-CN"/>
+              <a:t>np.where(cond, x, y)</a:t>
+            </a:r>
+            <a:endParaRPr lang="en-US" altLang="zh-CN"/>
+          </a:p>
+        </p:txBody>
+      </p:sp>
+    </p:spTree>
+  </p:cSld>
+  <p:clrMapOvr>
+    <a:masterClrMapping/>
+  </p:clrMapOvr>
+</p:sld>
+</file>
+
+<file path=ppt/slides/slide24.xml><?xml version="1.0" encoding="utf-8"?>
+<p:sld xmlns:a="http://schemas.openxmlformats.org/drawingml/2006/main" xmlns:r="http://schemas.openxmlformats.org/officeDocument/2006/relationships" xmlns:p="http://schemas.openxmlformats.org/presentationml/2006/main">
+  <p:cSld>
+    <p:spTree>
+      <p:nvGrpSpPr>
+        <p:cNvPr id="1" name=""/>
+        <p:cNvGrpSpPr/>
+        <p:nvPr/>
+      </p:nvGrpSpPr>
+      <p:grpSpPr/>
+      <p:sp>
+        <p:nvSpPr>
+          <p:cNvPr id="2" name="标题 1"/>
+          <p:cNvSpPr>
+            <a:spLocks noGrp="1"/>
+          </p:cNvSpPr>
+          <p:nvPr>
+            <p:ph type="title"/>
+          </p:nvPr>
+        </p:nvSpPr>
+        <p:spPr/>
+        <p:txBody>
+          <a:bodyPr/>
+          <a:p>
+            <a:r>
+              <a:rPr lang="en-US" altLang="zh-CN"/>
+              <a:t>Pandas</a:t>
+            </a:r>
+            <a:endParaRPr lang="en-US" altLang="zh-CN"/>
+          </a:p>
+        </p:txBody>
+      </p:sp>
+      <p:sp>
+        <p:nvSpPr>
+          <p:cNvPr id="3" name="内容占位符 2"/>
+          <p:cNvSpPr>
+            <a:spLocks noGrp="1"/>
+          </p:cNvSpPr>
+          <p:nvPr>
+            <p:ph idx="1"/>
+          </p:nvPr>
+        </p:nvSpPr>
+        <p:spPr/>
+        <p:txBody>
+          <a:bodyPr>
+            <a:noAutofit/>
+          </a:bodyPr>
+          <a:p>
+            <a:r>
+              <a:rPr lang="en-US" altLang="zh-CN" sz="1400"/>
+              <a:t>Data analysis and manipulation library</a:t>
+            </a:r>
+            <a:endParaRPr lang="en-US" altLang="zh-CN" sz="1400"/>
+          </a:p>
+          <a:p>
+            <a:r>
+              <a:rPr lang="en-US" altLang="zh-CN" sz="1400"/>
+              <a:t>Data types</a:t>
+            </a:r>
+            <a:endParaRPr lang="en-US" altLang="zh-CN" sz="1400"/>
+          </a:p>
+          <a:p>
+            <a:pPr lvl="1">
+              <a:buFont typeface="Wingdings" panose="05000000000000000000" pitchFamily="2" charset="2"/>
+              <a:buChar char="l"/>
+            </a:pPr>
+            <a:r>
+              <a:rPr lang="en-US" altLang="zh-CN" sz="1200"/>
+              <a:t>pandas.Series (1D)</a:t>
+            </a:r>
+            <a:endParaRPr lang="en-US" altLang="zh-CN" sz="1200"/>
+          </a:p>
+          <a:p>
+            <a:pPr lvl="2">
+              <a:buFont typeface="Wingdings" panose="05000000000000000000" pitchFamily="2" charset="2"/>
+              <a:buChar char="l"/>
+            </a:pPr>
+            <a:r>
+              <a:rPr lang="en-US" altLang="zh-CN" sz="1020"/>
+              <a:t>unique(), value_counts(), is_in(list), isnull(), dropna(), fillna(), map(func)</a:t>
+            </a:r>
+            <a:endParaRPr lang="en-US" altLang="zh-CN" sz="1020"/>
+          </a:p>
+          <a:p>
+            <a:pPr lvl="2">
+              <a:buFont typeface="Wingdings" panose="05000000000000000000" pitchFamily="2" charset="2"/>
+              <a:buChar char="l"/>
+            </a:pPr>
+            <a:r>
+              <a:rPr lang="en-US" altLang="zh-CN" sz="1020"/>
+              <a:t>plot()</a:t>
+            </a:r>
+            <a:endParaRPr lang="en-US" altLang="zh-CN" sz="1020"/>
+          </a:p>
+          <a:p>
+            <a:pPr lvl="1">
+              <a:buFont typeface="Wingdings" panose="05000000000000000000" pitchFamily="2" charset="2"/>
+              <a:buChar char="l"/>
+            </a:pPr>
+            <a:r>
+              <a:rPr lang="en-US" altLang="zh-CN" sz="1200"/>
+              <a:t>pandas.DataFrame (2D)</a:t>
+            </a:r>
+            <a:endParaRPr lang="en-US" altLang="zh-CN" sz="1200"/>
+          </a:p>
+          <a:p>
+            <a:pPr lvl="2">
+              <a:buFont typeface="Wingdings" panose="05000000000000000000" pitchFamily="2" charset="2"/>
+              <a:buChar char="Ø"/>
+            </a:pPr>
+            <a:r>
+              <a:rPr lang="en-US" altLang="zh-CN" sz="1020"/>
+              <a:t>read_csv('a.csv', index_col=''), read_table('a.csv', sep=''), read_excel(), to_csv('a.csv')</a:t>
+            </a:r>
+            <a:endParaRPr lang="en-US" altLang="zh-CN" sz="1020"/>
+          </a:p>
+          <a:p>
+            <a:pPr lvl="2">
+              <a:buFont typeface="Wingdings" panose="05000000000000000000" pitchFamily="2" charset="2"/>
+              <a:buChar char="Ø"/>
+            </a:pPr>
+            <a:r>
+              <a:rPr lang="en-US" altLang="zh-CN" sz="1020"/>
+              <a:t>ExcelFile('a.xls') (xlrd/openpyxl), parse('sheetName')</a:t>
+            </a:r>
+            <a:endParaRPr lang="en-US" altLang="zh-CN" sz="1020"/>
+          </a:p>
+          <a:p>
+            <a:pPr lvl="2">
+              <a:buFont typeface="Wingdings" panose="05000000000000000000" pitchFamily="2" charset="2"/>
+              <a:buChar char="Ø"/>
+            </a:pPr>
+            <a:r>
+              <a:rPr lang="en-US" altLang="zh-CN" sz="1020"/>
+              <a:t>df.sum()/mean()/describe()/head()/drop_duplicates()/apply()/applymap()/astype()</a:t>
+            </a:r>
+            <a:endParaRPr lang="en-US" altLang="zh-CN" sz="1020"/>
+          </a:p>
+          <a:p>
+            <a:pPr lvl="2">
+              <a:buFont typeface="Wingdings" panose="05000000000000000000" pitchFamily="2" charset="2"/>
+              <a:buChar char="Ø"/>
+            </a:pPr>
+            <a:r>
+              <a:rPr lang="en-US" altLang="zh-CN" sz="1020"/>
+              <a:t>index, columns, loc(), iloc(), ix(), groupby('column').mean(), corr(), cov(), drop('columnName'), dropna(axis=, subset=)</a:t>
+            </a:r>
+            <a:endParaRPr lang="en-US" altLang="zh-CN" sz="1020"/>
+          </a:p>
+          <a:p>
+            <a:pPr lvl="2">
+              <a:buFont typeface="Wingdings" panose="05000000000000000000" pitchFamily="2" charset="2"/>
+              <a:buChar char="Ø"/>
+            </a:pPr>
+            <a:r>
+              <a:rPr lang="en-US" altLang="zh-CN" sz="1020"/>
+              <a:t>Can  be looked on as dictionary</a:t>
+            </a:r>
+            <a:endParaRPr lang="en-US" altLang="zh-CN" sz="1020"/>
+          </a:p>
+          <a:p>
+            <a:pPr lvl="2">
+              <a:buFont typeface="Wingdings" panose="05000000000000000000" pitchFamily="2" charset="2"/>
+              <a:buChar char="Ø"/>
+            </a:pPr>
+            <a:r>
+              <a:rPr lang="en-US" altLang="zh-CN" sz="1020"/>
+              <a:t>df.iloc[row_no]</a:t>
+            </a:r>
+            <a:endParaRPr lang="en-US" altLang="zh-CN" sz="1020"/>
+          </a:p>
+          <a:p>
+            <a:pPr lvl="1">
+              <a:buFont typeface="Wingdings" panose="05000000000000000000" pitchFamily="2" charset="2"/>
+              <a:buChar char="l"/>
+            </a:pPr>
+            <a:r>
+              <a:rPr lang="en-US" altLang="zh-CN" sz="1200"/>
+              <a:t>pandas.Panel</a:t>
+            </a:r>
+            <a:endParaRPr lang="en-US" altLang="zh-CN" sz="1200"/>
+          </a:p>
+          <a:p>
+            <a:pPr lvl="1">
+              <a:buFont typeface="Wingdings" panose="05000000000000000000" pitchFamily="2" charset="2"/>
+              <a:buChar char="l"/>
+            </a:pPr>
+            <a:r>
+              <a:rPr lang="en-US" altLang="zh-CN" sz="1200"/>
+              <a:t>pandas.Panel4D</a:t>
+            </a:r>
+            <a:endParaRPr lang="en-US" altLang="zh-CN" sz="1200"/>
+          </a:p>
+          <a:p>
+            <a:pPr lvl="0">
+              <a:buFont typeface="Wingdings" panose="05000000000000000000" pitchFamily="2" charset="2"/>
+              <a:buChar char="l"/>
+            </a:pPr>
+            <a:r>
+              <a:rPr lang="en-US" altLang="zh-CN" sz="1400"/>
+              <a:t>DB</a:t>
+            </a:r>
+            <a:endParaRPr lang="en-US" altLang="zh-CN" sz="1400"/>
+          </a:p>
+          <a:p>
+            <a:pPr lvl="1">
+              <a:buFont typeface="Wingdings" panose="05000000000000000000" pitchFamily="2" charset="2"/>
+              <a:buChar char="l"/>
+            </a:pPr>
+            <a:r>
+              <a:rPr lang="en-US" altLang="zh-CN" sz="1200"/>
+              <a:t>read_sql('sql_str', con=dbconn)</a:t>
+            </a:r>
+            <a:endParaRPr lang="en-US" altLang="zh-CN" sz="1200"/>
+          </a:p>
+          <a:p>
+            <a:pPr lvl="1">
+              <a:buFont typeface="Wingdings" panose="05000000000000000000" pitchFamily="2" charset="2"/>
+              <a:buChar char="l"/>
+            </a:pPr>
+            <a:r>
+              <a:rPr lang="en-US" altLang="zh-CN" sz="1200"/>
+              <a:t>read_sql_table()</a:t>
+            </a:r>
+            <a:endParaRPr lang="en-US" altLang="zh-CN" sz="1200"/>
+          </a:p>
+          <a:p>
+            <a:pPr lvl="1">
+              <a:buFont typeface="Wingdings" panose="05000000000000000000" pitchFamily="2" charset="2"/>
+              <a:buChar char="l"/>
+            </a:pPr>
+            <a:r>
+              <a:rPr lang="en-US" altLang="zh-CN" sz="1200"/>
+              <a:t>read_sql_query()</a:t>
+            </a:r>
+            <a:endParaRPr lang="en-US" altLang="zh-CN" sz="1200"/>
+          </a:p>
+          <a:p>
+            <a:pPr lvl="0">
+              <a:buFont typeface="Wingdings" panose="05000000000000000000" pitchFamily="2" charset="2"/>
+              <a:buChar char="l"/>
+            </a:pPr>
+            <a:r>
+              <a:rPr lang="en-US" altLang="zh-CN" sz="1400"/>
+              <a:t>Datetime</a:t>
+            </a:r>
+            <a:endParaRPr lang="en-US" altLang="zh-CN" sz="1400"/>
+          </a:p>
+          <a:p>
+            <a:pPr lvl="1">
+              <a:buFont typeface="Wingdings" panose="05000000000000000000" pitchFamily="2" charset="2"/>
+              <a:buChar char="l"/>
+            </a:pPr>
+            <a:r>
+              <a:rPr lang="en-US" altLang="zh-CN" sz="1200"/>
+              <a:t>to_datetime(df)</a:t>
+            </a:r>
+            <a:endParaRPr lang="en-US" altLang="zh-CN" sz="1200"/>
+          </a:p>
+        </p:txBody>
+      </p:sp>
+      <p:sp>
+        <p:nvSpPr>
+          <p:cNvPr id="4" name="文本框 3"/>
+          <p:cNvSpPr txBox="1"/>
+          <p:nvPr/>
+        </p:nvSpPr>
+        <p:spPr>
+          <a:xfrm>
+            <a:off x="7687945" y="1630680"/>
+            <a:ext cx="3837305" cy="3725545"/>
+          </a:xfrm>
+          <a:prstGeom prst="rect">
+            <a:avLst/>
+          </a:prstGeom>
+          <a:noFill/>
+        </p:spPr>
+        <p:txBody>
+          <a:bodyPr wrap="square" rtlCol="0">
+            <a:spAutoFit/>
+          </a:bodyPr>
+          <a:p>
+            <a:pPr>
+              <a:lnSpc>
+                <a:spcPct val="130000"/>
+              </a:lnSpc>
+            </a:pPr>
+            <a:r>
+              <a:rPr lang="en-US" altLang="zh-CN" sz="1400" dirty="0" smtClean="0">
+                <a:latin typeface="Arial" panose="020B0604020202020204" pitchFamily="34" charset="0"/>
+                <a:ea typeface="微软雅黑" panose="020B0503020204020204" charset="-122"/>
+              </a:rPr>
+              <a:t>import pandas as pd</a:t>
+            </a:r>
+            <a:endParaRPr lang="en-US" altLang="zh-CN" sz="1400" dirty="0" smtClean="0">
+              <a:latin typeface="Arial" panose="020B0604020202020204" pitchFamily="34" charset="0"/>
+              <a:ea typeface="微软雅黑" panose="020B0503020204020204" charset="-122"/>
+            </a:endParaRPr>
+          </a:p>
+          <a:p>
+            <a:pPr>
+              <a:lnSpc>
+                <a:spcPct val="130000"/>
+              </a:lnSpc>
+            </a:pPr>
+            <a:endParaRPr lang="en-US" altLang="zh-CN" sz="1400" dirty="0" smtClean="0">
+              <a:latin typeface="Arial" panose="020B0604020202020204" pitchFamily="34" charset="0"/>
+              <a:ea typeface="微软雅黑" panose="020B0503020204020204" charset="-122"/>
+            </a:endParaRPr>
+          </a:p>
+          <a:p>
+            <a:pPr>
+              <a:lnSpc>
+                <a:spcPct val="130000"/>
+              </a:lnSpc>
+            </a:pPr>
+            <a:r>
+              <a:rPr lang="en-US" altLang="zh-CN" sz="1400" dirty="0" smtClean="0">
+                <a:latin typeface="Arial" panose="020B0604020202020204" pitchFamily="34" charset="0"/>
+                <a:ea typeface="微软雅黑" panose="020B0503020204020204" charset="-122"/>
+              </a:rPr>
+              <a:t>counts = pd.Series(['a', 'b', 'c'])</a:t>
+            </a:r>
+            <a:endParaRPr lang="en-US" altLang="zh-CN" sz="1400" dirty="0" smtClean="0">
+              <a:latin typeface="Arial" panose="020B0604020202020204" pitchFamily="34" charset="0"/>
+              <a:ea typeface="微软雅黑" panose="020B0503020204020204" charset="-122"/>
+            </a:endParaRPr>
+          </a:p>
+          <a:p>
+            <a:pPr>
+              <a:lnSpc>
+                <a:spcPct val="130000"/>
+              </a:lnSpc>
+            </a:pPr>
+            <a:r>
+              <a:rPr lang="en-US" altLang="zh-CN" sz="1400" dirty="0" smtClean="0">
+                <a:latin typeface="Arial" panose="020B0604020202020204" pitchFamily="34" charset="0"/>
+                <a:ea typeface="微软雅黑" panose="020B0503020204020204" charset="-122"/>
+              </a:rPr>
+              <a:t>counts</a:t>
+            </a:r>
+            <a:endParaRPr lang="en-US" altLang="zh-CN" sz="1400" dirty="0" smtClean="0">
+              <a:latin typeface="Arial" panose="020B0604020202020204" pitchFamily="34" charset="0"/>
+              <a:ea typeface="微软雅黑" panose="020B0503020204020204" charset="-122"/>
+            </a:endParaRPr>
+          </a:p>
+          <a:p>
+            <a:pPr>
+              <a:lnSpc>
+                <a:spcPct val="130000"/>
+              </a:lnSpc>
+            </a:pPr>
+            <a:r>
+              <a:rPr lang="en-US" altLang="zh-CN" sz="1400" dirty="0" smtClean="0">
+                <a:latin typeface="Arial" panose="020B0604020202020204" pitchFamily="34" charset="0"/>
+                <a:ea typeface="微软雅黑" panose="020B0503020204020204" charset="-122"/>
+              </a:rPr>
+              <a:t>counts.index</a:t>
+            </a:r>
+            <a:endParaRPr lang="en-US" altLang="zh-CN" sz="1400" dirty="0" smtClean="0">
+              <a:latin typeface="Arial" panose="020B0604020202020204" pitchFamily="34" charset="0"/>
+              <a:ea typeface="微软雅黑" panose="020B0503020204020204" charset="-122"/>
+            </a:endParaRPr>
+          </a:p>
+          <a:p>
+            <a:pPr>
+              <a:lnSpc>
+                <a:spcPct val="130000"/>
+              </a:lnSpc>
+            </a:pPr>
+            <a:r>
+              <a:rPr lang="en-US" altLang="zh-CN" sz="1400" dirty="0" smtClean="0">
+                <a:latin typeface="Arial" panose="020B0604020202020204" pitchFamily="34" charset="0"/>
+                <a:ea typeface="微软雅黑" panose="020B0503020204020204" charset="-122"/>
+              </a:rPr>
+              <a:t>counts.values</a:t>
+            </a:r>
+            <a:endParaRPr lang="en-US" altLang="zh-CN" sz="1400" dirty="0" smtClean="0">
+              <a:latin typeface="Arial" panose="020B0604020202020204" pitchFamily="34" charset="0"/>
+              <a:ea typeface="微软雅黑" panose="020B0503020204020204" charset="-122"/>
+            </a:endParaRPr>
+          </a:p>
+          <a:p>
+            <a:pPr>
+              <a:lnSpc>
+                <a:spcPct val="130000"/>
+              </a:lnSpc>
+            </a:pPr>
+            <a:endParaRPr lang="en-US" altLang="zh-CN" sz="1400" dirty="0" smtClean="0">
+              <a:latin typeface="Arial" panose="020B0604020202020204" pitchFamily="34" charset="0"/>
+              <a:ea typeface="微软雅黑" panose="020B0503020204020204" charset="-122"/>
+            </a:endParaRPr>
+          </a:p>
+          <a:p>
+            <a:pPr>
+              <a:lnSpc>
+                <a:spcPct val="130000"/>
+              </a:lnSpc>
+            </a:pPr>
+            <a:r>
+              <a:rPr lang="en-US" altLang="zh-CN" sz="1400" dirty="0" smtClean="0">
+                <a:latin typeface="Arial" panose="020B0604020202020204" pitchFamily="34" charset="0"/>
+                <a:ea typeface="微软雅黑" panose="020B0503020204020204" charset="-122"/>
+              </a:rPr>
+              <a:t>data = pd.DataFrame({'column1': [1, 2, 3], 'column2': [1, 2, 3]})</a:t>
+            </a:r>
+            <a:endParaRPr lang="en-US" altLang="zh-CN" sz="1400" dirty="0" smtClean="0">
+              <a:latin typeface="Arial" panose="020B0604020202020204" pitchFamily="34" charset="0"/>
+              <a:ea typeface="微软雅黑" panose="020B0503020204020204" charset="-122"/>
+            </a:endParaRPr>
+          </a:p>
+          <a:p>
+            <a:pPr>
+              <a:lnSpc>
+                <a:spcPct val="130000"/>
+              </a:lnSpc>
+            </a:pPr>
+            <a:r>
+              <a:rPr lang="en-US" altLang="zh-CN" sz="1400" dirty="0" smtClean="0">
+                <a:latin typeface="Arial" panose="020B0604020202020204" pitchFamily="34" charset="0"/>
+                <a:ea typeface="微软雅黑" panose="020B0503020204020204" charset="-122"/>
+              </a:rPr>
+              <a:t>data</a:t>
+            </a:r>
+            <a:endParaRPr lang="en-US" altLang="zh-CN" sz="1400" dirty="0" smtClean="0">
+              <a:latin typeface="Arial" panose="020B0604020202020204" pitchFamily="34" charset="0"/>
+              <a:ea typeface="微软雅黑" panose="020B0503020204020204" charset="-122"/>
+            </a:endParaRPr>
+          </a:p>
+          <a:p>
+            <a:pPr>
+              <a:lnSpc>
+                <a:spcPct val="130000"/>
+              </a:lnSpc>
+            </a:pPr>
+            <a:r>
+              <a:rPr lang="en-US" altLang="zh-CN" sz="1400" dirty="0" smtClean="0">
+                <a:latin typeface="Arial" panose="020B0604020202020204" pitchFamily="34" charset="0"/>
+                <a:ea typeface="微软雅黑" panose="020B0503020204020204" charset="-122"/>
+              </a:rPr>
+              <a:t>data.values</a:t>
+            </a:r>
+            <a:endParaRPr lang="en-US" altLang="zh-CN" sz="1400" dirty="0" smtClean="0">
+              <a:latin typeface="Arial" panose="020B0604020202020204" pitchFamily="34" charset="0"/>
+              <a:ea typeface="微软雅黑" panose="020B0503020204020204" charset="-122"/>
+            </a:endParaRPr>
+          </a:p>
+          <a:p>
+            <a:pPr>
+              <a:lnSpc>
+                <a:spcPct val="130000"/>
+              </a:lnSpc>
+            </a:pPr>
+            <a:r>
+              <a:rPr lang="en-US" altLang="zh-CN" sz="1400" dirty="0" smtClean="0">
+                <a:latin typeface="Arial" panose="020B0604020202020204" pitchFamily="34" charset="0"/>
+                <a:ea typeface="微软雅黑" panose="020B0503020204020204" charset="-122"/>
+              </a:rPr>
+              <a:t>data.shape</a:t>
+            </a:r>
+            <a:endParaRPr lang="en-US" altLang="zh-CN" sz="1400" dirty="0" smtClean="0">
+              <a:latin typeface="Arial" panose="020B0604020202020204" pitchFamily="34" charset="0"/>
+              <a:ea typeface="微软雅黑" panose="020B0503020204020204" charset="-122"/>
+            </a:endParaRPr>
+          </a:p>
+          <a:p>
+            <a:pPr>
+              <a:lnSpc>
+                <a:spcPct val="130000"/>
+              </a:lnSpc>
+            </a:pPr>
+            <a:r>
+              <a:rPr lang="en-US" altLang="zh-CN" sz="1400" dirty="0" smtClean="0">
+                <a:latin typeface="Arial" panose="020B0604020202020204" pitchFamily="34" charset="0"/>
+                <a:ea typeface="微软雅黑" panose="020B0503020204020204" charset="-122"/>
+              </a:rPr>
+              <a:t>data = pd.read_csv('a.csv')</a:t>
+            </a:r>
+            <a:endParaRPr lang="en-US" altLang="zh-CN" sz="1400" dirty="0" smtClean="0">
+              <a:latin typeface="Arial" panose="020B0604020202020204" pitchFamily="34" charset="0"/>
+              <a:ea typeface="微软雅黑" panose="020B0503020204020204" charset="-122"/>
+            </a:endParaRPr>
+          </a:p>
+        </p:txBody>
+      </p:sp>
+    </p:spTree>
+  </p:cSld>
+  <p:clrMapOvr>
+    <a:masterClrMapping/>
+  </p:clrMapOvr>
+</p:sld>
+</file>
+
+<file path=ppt/slides/slide25.xml><?xml version="1.0" encoding="utf-8"?>
+<p:sld xmlns:a="http://schemas.openxmlformats.org/drawingml/2006/main" xmlns:r="http://schemas.openxmlformats.org/officeDocument/2006/relationships" xmlns:p="http://schemas.openxmlformats.org/presentationml/2006/main">
+  <p:cSld>
+    <p:spTree>
+      <p:nvGrpSpPr>
+        <p:cNvPr id="1" name=""/>
+        <p:cNvGrpSpPr/>
+        <p:nvPr/>
+      </p:nvGrpSpPr>
+      <p:grpSpPr/>
+      <p:sp>
+        <p:nvSpPr>
+          <p:cNvPr id="24578" name="标题 2"/>
+          <p:cNvSpPr>
+            <a:spLocks noGrp="1"/>
+          </p:cNvSpPr>
+          <p:nvPr>
+            <p:ph type="title"/>
+          </p:nvPr>
+        </p:nvSpPr>
+        <p:spPr/>
+        <p:txBody>
+          <a:bodyPr anchor="b">
+            <a:normAutofit/>
+          </a:bodyPr>
+          <a:p>
+            <a:r>
+              <a:rPr lang="en-US" altLang="zh-CN" smtClean="0"/>
+              <a:t>SciPy</a:t>
+            </a:r>
+            <a:endParaRPr lang="en-US" altLang="zh-CN" smtClean="0"/>
+          </a:p>
+        </p:txBody>
+      </p:sp>
+      <p:sp>
+        <p:nvSpPr>
+          <p:cNvPr id="4" name="内容占位符 3"/>
+          <p:cNvSpPr>
+            <a:spLocks noGrp="1"/>
+          </p:cNvSpPr>
+          <p:nvPr>
+            <p:ph idx="1"/>
+          </p:nvPr>
+        </p:nvSpPr>
+        <p:spPr/>
+        <p:txBody>
+          <a:bodyPr>
+            <a:normAutofit/>
+          </a:bodyPr>
+          <a:p>
+            <a:pPr marL="357505" indent="-357505" algn="l">
+              <a:lnSpc>
+                <a:spcPct val="200000"/>
+              </a:lnSpc>
+              <a:buClr>
+                <a:schemeClr val="accent1"/>
+              </a:buClr>
+              <a:buSzTx/>
+              <a:buFont typeface="Wingdings" panose="05000000000000000000" pitchFamily="2" charset="2"/>
+              <a:buChar char=""/>
+            </a:pPr>
+            <a:r>
+              <a:rPr lang="en-US" altLang="zh-CN" smtClean="0"/>
+              <a:t>Scientific library</a:t>
+            </a:r>
+            <a:endParaRPr lang="en-US" altLang="zh-CN" smtClean="0"/>
+          </a:p>
+          <a:p>
+            <a:pPr marL="357505" indent="-357505" algn="l">
+              <a:lnSpc>
+                <a:spcPct val="200000"/>
+              </a:lnSpc>
+              <a:buClr>
+                <a:schemeClr val="accent1"/>
+              </a:buClr>
+              <a:buSzTx/>
+              <a:buFont typeface="Wingdings" panose="05000000000000000000" pitchFamily="2" charset="2"/>
+              <a:buChar char=""/>
+            </a:pPr>
+            <a:r>
+              <a:rPr lang="en-US" altLang="zh-CN" smtClean="0"/>
+              <a:t>Sub packages</a:t>
+            </a:r>
+            <a:endParaRPr lang="en-US" altLang="zh-CN" smtClean="0"/>
+          </a:p>
+          <a:p>
+            <a:pPr lvl="1" algn="l">
+              <a:lnSpc>
+                <a:spcPct val="200000"/>
+              </a:lnSpc>
+              <a:buFont typeface="Wingdings" panose="05000000000000000000" pitchFamily="2" charset="2"/>
+              <a:buChar char=""/>
+            </a:pPr>
+            <a:r>
+              <a:rPr lang="en-US" altLang="zh-CN" smtClean="0"/>
+              <a:t>cluster, fftpack, optimize, spatial, stats</a:t>
+            </a:r>
+            <a:endParaRPr lang="en-US" altLang="zh-CN" smtClean="0"/>
+          </a:p>
+        </p:txBody>
+      </p:sp>
+    </p:spTree>
+  </p:cSld>
+  <p:clrMapOvr>
+    <a:masterClrMapping/>
+  </p:clrMapOvr>
+</p:sld>
+</file>
+
+<file path=ppt/slides/slide26.xml><?xml version="1.0" encoding="utf-8"?>
+<p:sld xmlns:a="http://schemas.openxmlformats.org/drawingml/2006/main" xmlns:r="http://schemas.openxmlformats.org/officeDocument/2006/relationships" xmlns:p="http://schemas.openxmlformats.org/presentationml/2006/main">
+  <p:cSld>
+    <p:spTree>
+      <p:nvGrpSpPr>
+        <p:cNvPr id="1" name=""/>
+        <p:cNvGrpSpPr/>
+        <p:nvPr/>
+      </p:nvGrpSpPr>
+      <p:grpSpPr/>
+      <p:sp>
+        <p:nvSpPr>
+          <p:cNvPr id="2" name="标题 1"/>
+          <p:cNvSpPr>
+            <a:spLocks noGrp="1"/>
+          </p:cNvSpPr>
+          <p:nvPr>
+            <p:ph type="title"/>
+          </p:nvPr>
+        </p:nvSpPr>
+        <p:spPr/>
+        <p:txBody>
+          <a:bodyPr/>
+          <a:p>
+            <a:r>
+              <a:rPr lang="en-US" altLang="zh-CN"/>
+              <a:t>Matplotlib</a:t>
+            </a:r>
+            <a:endParaRPr lang="en-US" altLang="zh-CN"/>
+          </a:p>
+        </p:txBody>
+      </p:sp>
+      <p:sp>
+        <p:nvSpPr>
+          <p:cNvPr id="3" name="内容占位符 2"/>
+          <p:cNvSpPr>
+            <a:spLocks noGrp="1"/>
+          </p:cNvSpPr>
+          <p:nvPr>
+            <p:ph idx="1"/>
+          </p:nvPr>
+        </p:nvSpPr>
+        <p:spPr/>
+        <p:txBody>
+          <a:bodyPr/>
+          <a:p>
+            <a:r>
+              <a:rPr lang="en-US" altLang="zh-CN" sz="1600">
+                <a:sym typeface="+mn-ea"/>
+              </a:rPr>
+              <a:t>matplotlib.use('Agg')	# when no display</a:t>
+            </a:r>
+            <a:endParaRPr lang="en-US" altLang="zh-CN" sz="1600"/>
+          </a:p>
+          <a:p>
+            <a:r>
+              <a:rPr lang="en-US" altLang="zh-CN" sz="1600"/>
+              <a:t>import matplotlib.pyplot as plt</a:t>
+            </a:r>
+            <a:endParaRPr lang="en-US" altLang="zh-CN" sz="1600"/>
+          </a:p>
+          <a:p>
+            <a:pPr lvl="1">
+              <a:buFont typeface="Wingdings" panose="05000000000000000000" pitchFamily="2" charset="2"/>
+              <a:buChar char="Ø"/>
+            </a:pPr>
+            <a:r>
+              <a:rPr lang="en-US" altLang="zh-CN" sz="1400"/>
+              <a:t>plt.title(text), </a:t>
+            </a:r>
+            <a:r>
+              <a:rPr lang="en-US" altLang="zh-CN" sz="1400">
+                <a:sym typeface="+mn-ea"/>
+              </a:rPr>
+              <a:t>plt.xlabel(), plt.ylabel(), plt.xticks(), plt.yticks(), plt.legend()</a:t>
+            </a:r>
+            <a:endParaRPr lang="en-US" altLang="zh-CN" sz="1400"/>
+          </a:p>
+          <a:p>
+            <a:pPr lvl="1">
+              <a:buFont typeface="Wingdings" panose="05000000000000000000" pitchFamily="2" charset="2"/>
+              <a:buChar char="Ø"/>
+            </a:pPr>
+            <a:r>
+              <a:rPr lang="en-US" altLang="zh-CN" sz="1400"/>
+              <a:t>plt.imshow(arr, cmap=plt.cm.gray), plt.imshow(img[..., ::-1])</a:t>
+            </a:r>
+            <a:endParaRPr lang="en-US" altLang="zh-CN" sz="1400"/>
+          </a:p>
+          <a:p>
+            <a:pPr lvl="1">
+              <a:buFont typeface="Wingdings" panose="05000000000000000000" pitchFamily="2" charset="2"/>
+              <a:buChar char="Ø"/>
+            </a:pPr>
+            <a:r>
+              <a:rPr lang="en-US" altLang="zh-CN" sz="1400"/>
+              <a:t>plt.show()</a:t>
+            </a:r>
+            <a:endParaRPr lang="en-US" altLang="zh-CN" sz="1400"/>
+          </a:p>
+          <a:p>
+            <a:pPr lvl="1">
+              <a:buFont typeface="Wingdings" panose="05000000000000000000" pitchFamily="2" charset="2"/>
+              <a:buChar char="Ø"/>
+            </a:pPr>
+            <a:r>
+              <a:rPr lang="en-US" altLang="zh-CN" sz="1400"/>
+              <a:t>plt.plot(), </a:t>
+            </a:r>
+            <a:r>
+              <a:rPr lang="en-US" altLang="zh-CN" sz="1400">
+                <a:sym typeface="+mn-ea"/>
+              </a:rPr>
+              <a:t>plt.subplot(), fig, ax = plt.subplots(), plt.clf()</a:t>
+            </a:r>
+            <a:endParaRPr lang="en-US" altLang="zh-CN" sz="1400"/>
+          </a:p>
+          <a:p>
+            <a:pPr lvl="1">
+              <a:buFont typeface="Wingdings" panose="05000000000000000000" pitchFamily="2" charset="2"/>
+              <a:buChar char="Ø"/>
+            </a:pPr>
+            <a:r>
+              <a:rPr lang="en-US" altLang="zh-CN" sz="1400"/>
+              <a:t>plt.hist(), plt.pcolor(),plt.colorbar(), plt.scatter(x, y, color)</a:t>
+            </a:r>
+            <a:endParaRPr lang="en-US" altLang="zh-CN" sz="1400"/>
+          </a:p>
+          <a:p>
+            <a:pPr lvl="1">
+              <a:buFont typeface="Wingdings" panose="05000000000000000000" pitchFamily="2" charset="2"/>
+              <a:buChar char="Ø"/>
+            </a:pPr>
+            <a:r>
+              <a:rPr lang="en-US" altLang="zh-CN" sz="1400"/>
+              <a:t>plt.axis('off')</a:t>
+            </a:r>
+            <a:endParaRPr lang="en-US" altLang="zh-CN" sz="1400"/>
+          </a:p>
+          <a:p>
+            <a:pPr lvl="1">
+              <a:buFont typeface="Wingdings" panose="05000000000000000000" pitchFamily="2" charset="2"/>
+              <a:buChar char="Ø"/>
+            </a:pPr>
+            <a:r>
+              <a:rPr lang="en-US" altLang="zh-CN" sz="1400"/>
+              <a:t>plt.savefig('a.png')</a:t>
+            </a:r>
+            <a:endParaRPr lang="en-US" altLang="zh-CN" sz="1400"/>
+          </a:p>
+          <a:p>
+            <a:pPr lvl="1">
+              <a:buFont typeface="Wingdings" panose="05000000000000000000" pitchFamily="2" charset="2"/>
+              <a:buChar char="Ø"/>
+            </a:pPr>
+            <a:r>
+              <a:rPr lang="en-US" altLang="zh-CN" sz="1400"/>
+              <a:t>plt.get_backend()</a:t>
+            </a:r>
+            <a:endParaRPr lang="en-US" altLang="zh-CN" sz="1400"/>
+          </a:p>
+          <a:p>
+            <a:r>
+              <a:rPr lang="en-US" altLang="zh-CN" sz="1600"/>
+              <a:t>Figure</a:t>
+            </a:r>
+            <a:endParaRPr lang="en-US" altLang="zh-CN" sz="1600"/>
+          </a:p>
+          <a:p>
+            <a:pPr lvl="1">
+              <a:buFont typeface="Wingdings" panose="05000000000000000000" pitchFamily="2" charset="2"/>
+              <a:buChar char="Ø"/>
+            </a:pPr>
+            <a:r>
+              <a:rPr lang="en-US" altLang="zh-CN" sz="1400"/>
+              <a:t>fig = plt.figure(figsize=(w,h))</a:t>
+            </a:r>
+            <a:endParaRPr lang="en-US" altLang="zh-CN" sz="1400"/>
+          </a:p>
+          <a:p>
+            <a:pPr lvl="1">
+              <a:buFont typeface="Wingdings" panose="05000000000000000000" pitchFamily="2" charset="2"/>
+              <a:buChar char="Ø"/>
+            </a:pPr>
+            <a:r>
+              <a:rPr lang="en-US" altLang="zh-CN" sz="1400"/>
+              <a:t>ax = fig.add_subplot()</a:t>
+            </a:r>
+            <a:endParaRPr lang="en-US" altLang="zh-CN" sz="1400"/>
+          </a:p>
+          <a:p>
+            <a:pPr lvl="1">
+              <a:buFont typeface="Wingdings" panose="05000000000000000000" pitchFamily="2" charset="2"/>
+              <a:buChar char="Ø"/>
+            </a:pPr>
+            <a:r>
+              <a:rPr lang="en-US" altLang="zh-CN" sz="1400"/>
+              <a:t>ax.matshow(matrix)</a:t>
+            </a:r>
+            <a:endParaRPr lang="en-US" altLang="zh-CN" sz="1400"/>
+          </a:p>
+          <a:p>
+            <a:pPr lvl="0">
+              <a:buFont typeface="Wingdings" panose="05000000000000000000" pitchFamily="2" charset="2"/>
+              <a:buChar char="Ø"/>
+            </a:pPr>
+            <a:r>
+              <a:rPr lang="en-US" altLang="zh-CN" sz="1600"/>
+              <a:t>Unicode support</a:t>
+            </a:r>
+            <a:endParaRPr lang="en-US" altLang="zh-CN" sz="1600"/>
+          </a:p>
+          <a:p>
+            <a:pPr lvl="1">
+              <a:buFont typeface="Wingdings" panose="05000000000000000000" pitchFamily="2" charset="2"/>
+              <a:buChar char="Ø"/>
+            </a:pPr>
+            <a:r>
+              <a:rPr lang="en-US" altLang="zh-CN" sz="1400"/>
+              <a:t>matplotlib.rcParams['font.family'] = 'SimHei'</a:t>
+            </a:r>
+            <a:endParaRPr lang="en-US" altLang="zh-CN" sz="1400"/>
+          </a:p>
+        </p:txBody>
+      </p:sp>
+    </p:spTree>
+  </p:cSld>
+  <p:clrMapOvr>
+    <a:masterClrMapping/>
+  </p:clrMapOvr>
+</p:sld>
+</file>
+
+<file path=ppt/slides/slide27.xml><?xml version="1.0" encoding="utf-8"?>
+<p:sld xmlns:a="http://schemas.openxmlformats.org/drawingml/2006/main" xmlns:r="http://schemas.openxmlformats.org/officeDocument/2006/relationships" xmlns:p="http://schemas.openxmlformats.org/presentationml/2006/main">
+  <p:cSld>
+    <p:spTree>
+      <p:nvGrpSpPr>
+        <p:cNvPr id="1" name=""/>
+        <p:cNvGrpSpPr/>
+        <p:nvPr/>
+      </p:nvGrpSpPr>
+      <p:grpSpPr/>
+      <p:sp>
+        <p:nvSpPr>
+          <p:cNvPr id="24578" name="标题 2"/>
+          <p:cNvSpPr>
+            <a:spLocks noGrp="1"/>
+          </p:cNvSpPr>
+          <p:nvPr>
+            <p:ph type="title"/>
+          </p:nvPr>
+        </p:nvSpPr>
+        <p:spPr/>
+        <p:txBody>
+          <a:bodyPr anchor="b">
+            <a:normAutofit/>
+          </a:bodyPr>
+          <a:p>
+            <a:r>
+              <a:rPr lang="en-US" altLang="zh-CN" smtClean="0"/>
+              <a:t>Seaborn</a:t>
+            </a:r>
+            <a:endParaRPr lang="en-US" altLang="zh-CN" smtClean="0"/>
+          </a:p>
+        </p:txBody>
+      </p:sp>
+      <p:sp>
+        <p:nvSpPr>
+          <p:cNvPr id="4" name="内容占位符 3"/>
+          <p:cNvSpPr>
+            <a:spLocks noGrp="1"/>
+          </p:cNvSpPr>
+          <p:nvPr>
+            <p:ph idx="1"/>
+          </p:nvPr>
+        </p:nvSpPr>
+        <p:spPr/>
+        <p:txBody>
+          <a:bodyPr>
+            <a:normAutofit/>
+          </a:bodyPr>
+          <a:p>
+            <a:pPr marL="357505" indent="-357505" algn="l">
+              <a:lnSpc>
+                <a:spcPct val="200000"/>
+              </a:lnSpc>
+              <a:buClr>
+                <a:schemeClr val="accent1"/>
+              </a:buClr>
+              <a:buSzTx/>
+              <a:buFont typeface="Wingdings" panose="05000000000000000000" pitchFamily="2" charset="2"/>
+              <a:buChar char=""/>
+            </a:pPr>
+            <a:r>
+              <a:rPr lang="en-US" altLang="zh-CN" smtClean="0"/>
+              <a:t>Basic</a:t>
+            </a:r>
+            <a:endParaRPr lang="en-US" altLang="zh-CN" smtClean="0"/>
+          </a:p>
+          <a:p>
+            <a:pPr lvl="1" algn="l">
+              <a:lnSpc>
+                <a:spcPct val="200000"/>
+              </a:lnSpc>
+              <a:buFont typeface="Wingdings" panose="05000000000000000000" pitchFamily="2" charset="2"/>
+              <a:buChar char=""/>
+            </a:pPr>
+            <a:r>
+              <a:rPr lang="en-US" altLang="zh-CN" smtClean="0"/>
+              <a:t>pip install seaborn</a:t>
+            </a:r>
+            <a:endParaRPr lang="en-US" altLang="zh-CN" smtClean="0"/>
+          </a:p>
+          <a:p>
+            <a:pPr lvl="1" algn="l">
+              <a:lnSpc>
+                <a:spcPct val="200000"/>
+              </a:lnSpc>
+              <a:buFont typeface="Wingdings" panose="05000000000000000000" pitchFamily="2" charset="2"/>
+              <a:buChar char=""/>
+            </a:pPr>
+            <a:r>
+              <a:rPr lang="en-US" altLang="zh-CN" smtClean="0"/>
+              <a:t>import seaborn as sns</a:t>
+            </a:r>
+            <a:endParaRPr lang="en-US" altLang="zh-CN" smtClean="0"/>
+          </a:p>
+          <a:p>
+            <a:pPr lvl="1" algn="l">
+              <a:lnSpc>
+                <a:spcPct val="200000"/>
+              </a:lnSpc>
+              <a:buFont typeface="Wingdings" panose="05000000000000000000" pitchFamily="2" charset="2"/>
+              <a:buChar char=""/>
+            </a:pPr>
+            <a:r>
+              <a:rPr lang="en-US" altLang="zh-CN" smtClean="0"/>
+              <a:t>It's a kind of enhancement of matplotlib.</a:t>
+            </a:r>
+            <a:endParaRPr lang="en-US" altLang="zh-CN" smtClean="0"/>
+          </a:p>
+          <a:p>
+            <a:pPr lvl="1" algn="l">
+              <a:lnSpc>
+                <a:spcPct val="200000"/>
+              </a:lnSpc>
+              <a:buFont typeface="Wingdings" panose="05000000000000000000" pitchFamily="2" charset="2"/>
+              <a:buChar char=""/>
+            </a:pPr>
+            <a:r>
+              <a:rPr lang="en-US" altLang="zh-CN" smtClean="0"/>
+              <a:t>heatmap()</a:t>
+            </a:r>
+            <a:endParaRPr lang="en-US" altLang="zh-CN" smtClean="0"/>
+          </a:p>
+        </p:txBody>
+      </p:sp>
+    </p:spTree>
+  </p:cSld>
+  <p:clrMapOvr>
+    <a:masterClrMapping/>
+  </p:clrMapOvr>
+</p:sld>
+</file>
+
+<file path=ppt/slides/slide28.xml><?xml version="1.0" encoding="utf-8"?>
+<p:sld xmlns:a="http://schemas.openxmlformats.org/drawingml/2006/main" xmlns:r="http://schemas.openxmlformats.org/officeDocument/2006/relationships" xmlns:p="http://schemas.openxmlformats.org/presentationml/2006/main">
+  <p:cSld>
+    <p:spTree>
+      <p:nvGrpSpPr>
+        <p:cNvPr id="1" name=""/>
+        <p:cNvGrpSpPr/>
+        <p:nvPr/>
+      </p:nvGrpSpPr>
+      <p:grpSpPr/>
+      <p:sp>
+        <p:nvSpPr>
+          <p:cNvPr id="24578" name="标题 2"/>
+          <p:cNvSpPr>
+            <a:spLocks noGrp="1"/>
+          </p:cNvSpPr>
+          <p:nvPr>
+            <p:ph type="title"/>
+          </p:nvPr>
+        </p:nvSpPr>
+        <p:spPr/>
+        <p:txBody>
+          <a:bodyPr anchor="b">
+            <a:normAutofit/>
+          </a:bodyPr>
+          <a:p>
+            <a:r>
+              <a:rPr lang="en-US" altLang="zh-CN" smtClean="0"/>
+              <a:t>xml</a:t>
+            </a:r>
+            <a:endParaRPr lang="en-US" altLang="zh-CN" smtClean="0"/>
+          </a:p>
+        </p:txBody>
+      </p:sp>
+      <p:sp>
+        <p:nvSpPr>
+          <p:cNvPr id="4" name="内容占位符 3"/>
+          <p:cNvSpPr>
+            <a:spLocks noGrp="1"/>
+          </p:cNvSpPr>
+          <p:nvPr>
+            <p:ph idx="1"/>
+          </p:nvPr>
+        </p:nvSpPr>
+        <p:spPr/>
+        <p:txBody>
+          <a:bodyPr>
+            <a:normAutofit lnSpcReduction="20000"/>
+          </a:bodyPr>
+          <a:p>
+            <a:pPr marL="357505" indent="-357505" algn="l">
+              <a:lnSpc>
+                <a:spcPct val="200000"/>
+              </a:lnSpc>
+              <a:buClr>
+                <a:schemeClr val="accent1"/>
+              </a:buClr>
+              <a:buSzTx/>
+              <a:buFont typeface="Wingdings" panose="05000000000000000000" pitchFamily="2" charset="2"/>
+              <a:buChar char=""/>
+            </a:pPr>
+            <a:r>
+              <a:rPr lang="en-US" altLang="zh-CN" smtClean="0"/>
+              <a:t>Basic</a:t>
+            </a:r>
+            <a:endParaRPr lang="en-US" altLang="zh-CN" smtClean="0"/>
+          </a:p>
+          <a:p>
+            <a:pPr lvl="1" algn="l">
+              <a:lnSpc>
+                <a:spcPct val="200000"/>
+              </a:lnSpc>
+              <a:buFont typeface="Wingdings" panose="05000000000000000000" pitchFamily="2" charset="2"/>
+              <a:buChar char=""/>
+            </a:pPr>
+            <a:r>
+              <a:rPr lang="en-US" altLang="zh-CN" smtClean="0"/>
+              <a:t>import xml.etree.ElementTree as ET</a:t>
+            </a:r>
+            <a:endParaRPr lang="en-US" altLang="zh-CN" smtClean="0"/>
+          </a:p>
+          <a:p>
+            <a:pPr lvl="1" algn="l">
+              <a:lnSpc>
+                <a:spcPct val="200000"/>
+              </a:lnSpc>
+              <a:buFont typeface="Wingdings" panose="05000000000000000000" pitchFamily="2" charset="2"/>
+              <a:buChar char=""/>
+            </a:pPr>
+            <a:r>
+              <a:rPr lang="en-US" altLang="zh-CN" smtClean="0"/>
+              <a:t>parser = ET.XMLParser(encoding='utf-8')</a:t>
+            </a:r>
+            <a:endParaRPr lang="en-US" altLang="zh-CN" smtClean="0"/>
+          </a:p>
+          <a:p>
+            <a:pPr lvl="1" algn="l">
+              <a:lnSpc>
+                <a:spcPct val="200000"/>
+              </a:lnSpc>
+              <a:buFont typeface="Wingdings" panose="05000000000000000000" pitchFamily="2" charset="2"/>
+              <a:buChar char=""/>
+            </a:pPr>
+            <a:r>
+              <a:rPr lang="en-US" altLang="zh-CN" smtClean="0"/>
+              <a:t>tree = ET.parse(fn, parser=parser)</a:t>
+            </a:r>
+            <a:endParaRPr lang="en-US" altLang="zh-CN" smtClean="0"/>
+          </a:p>
+          <a:p>
+            <a:pPr lvl="1" algn="l">
+              <a:lnSpc>
+                <a:spcPct val="200000"/>
+              </a:lnSpc>
+              <a:buFont typeface="Wingdings" panose="05000000000000000000" pitchFamily="2" charset="2"/>
+              <a:buChar char=""/>
+            </a:pPr>
+            <a:r>
+              <a:rPr lang="en-US" altLang="zh-CN" smtClean="0"/>
+              <a:t>root = tree.getroot()</a:t>
+            </a:r>
+            <a:endParaRPr lang="en-US" altLang="zh-CN" smtClean="0"/>
+          </a:p>
+          <a:p>
+            <a:pPr lvl="1" algn="l">
+              <a:lnSpc>
+                <a:spcPct val="200000"/>
+              </a:lnSpc>
+              <a:buFont typeface="Wingdings" panose="05000000000000000000" pitchFamily="2" charset="2"/>
+              <a:buChar char=""/>
+            </a:pPr>
+            <a:r>
+              <a:rPr lang="en-US" altLang="zh-CN" smtClean="0"/>
+              <a:t>for elem in root.findall(./level1/level2):</a:t>
+            </a:r>
+            <a:endParaRPr lang="en-US" altLang="zh-CN" smtClean="0"/>
+          </a:p>
+          <a:p>
+            <a:pPr lvl="2" algn="l">
+              <a:lnSpc>
+                <a:spcPct val="200000"/>
+              </a:lnSpc>
+              <a:buFont typeface="Wingdings" panose="05000000000000000000" pitchFamily="2" charset="2"/>
+              <a:buChar char=""/>
+            </a:pPr>
+            <a:r>
+              <a:rPr lang="en-US" altLang="zh-CN" smtClean="0"/>
+              <a:t>attrib = elem.attrib['attrib_name']</a:t>
+            </a:r>
+            <a:endParaRPr lang="en-US" altLang="zh-CN" smtClean="0"/>
+          </a:p>
+        </p:txBody>
+      </p:sp>
+    </p:spTree>
+  </p:cSld>
+  <p:clrMapOvr>
+    <a:masterClrMapping/>
+  </p:clrMapOvr>
+</p:sld>
+</file>
+
+<file path=ppt/slides/slide29.xml><?xml version="1.0" encoding="utf-8"?>
+<p:sld xmlns:a="http://schemas.openxmlformats.org/drawingml/2006/main" xmlns:r="http://schemas.openxmlformats.org/officeDocument/2006/relationships" xmlns:p="http://schemas.openxmlformats.org/presentationml/2006/main">
+  <p:cSld>
+    <p:spTree>
+      <p:nvGrpSpPr>
+        <p:cNvPr id="1" name=""/>
+        <p:cNvGrpSpPr/>
+        <p:nvPr/>
+      </p:nvGrpSpPr>
+      <p:grpSpPr/>
+      <p:sp>
+        <p:nvSpPr>
+          <p:cNvPr id="24578" name="标题 2"/>
+          <p:cNvSpPr>
+            <a:spLocks noGrp="1"/>
+          </p:cNvSpPr>
+          <p:nvPr>
+            <p:ph type="title"/>
+          </p:nvPr>
+        </p:nvSpPr>
+        <p:spPr/>
+        <p:txBody>
+          <a:bodyPr anchor="b">
+            <a:normAutofit/>
+          </a:bodyPr>
+          <a:p>
+            <a:r>
+              <a:rPr lang="en-US" altLang="zh-CN" smtClean="0"/>
+              <a:t>GUI</a:t>
+            </a:r>
+            <a:endParaRPr lang="en-US" altLang="zh-CN" smtClean="0"/>
+          </a:p>
+        </p:txBody>
+      </p:sp>
+      <p:sp>
+        <p:nvSpPr>
+          <p:cNvPr id="4" name="内容占位符 3"/>
+          <p:cNvSpPr>
+            <a:spLocks noGrp="1"/>
+          </p:cNvSpPr>
+          <p:nvPr>
+            <p:ph idx="1"/>
+          </p:nvPr>
+        </p:nvSpPr>
+        <p:spPr/>
+        <p:txBody>
+          <a:bodyPr>
+            <a:normAutofit fontScale="60000"/>
+          </a:bodyPr>
+          <a:p>
+            <a:pPr marL="357505" indent="-357505" algn="l">
+              <a:lnSpc>
+                <a:spcPct val="200000"/>
+              </a:lnSpc>
+              <a:buClr>
+                <a:schemeClr val="accent1"/>
+              </a:buClr>
+              <a:buSzTx/>
+              <a:buFont typeface="Wingdings" panose="05000000000000000000" pitchFamily="2" charset="2"/>
+              <a:buChar char=""/>
+            </a:pPr>
+            <a:r>
+              <a:rPr lang="en-US" altLang="zh-CN" smtClean="0"/>
+              <a:t>Tkinter</a:t>
+            </a:r>
+            <a:endParaRPr lang="en-US" altLang="zh-CN" smtClean="0"/>
+          </a:p>
+          <a:p>
+            <a:pPr lvl="1" algn="l">
+              <a:lnSpc>
+                <a:spcPct val="200000"/>
+              </a:lnSpc>
+              <a:buFont typeface="Wingdings" panose="05000000000000000000" pitchFamily="2" charset="2"/>
+              <a:buChar char=""/>
+            </a:pPr>
+            <a:r>
+              <a:rPr lang="en-US" altLang="zh-CN" smtClean="0"/>
+              <a:t>import tkinter</a:t>
+            </a:r>
+            <a:endParaRPr lang="en-US" altLang="zh-CN" smtClean="0"/>
+          </a:p>
+          <a:p>
+            <a:pPr lvl="1" algn="l">
+              <a:lnSpc>
+                <a:spcPct val="200000"/>
+              </a:lnSpc>
+              <a:buFont typeface="Wingdings" panose="05000000000000000000" pitchFamily="2" charset="2"/>
+              <a:buChar char=""/>
+            </a:pPr>
+            <a:r>
+              <a:rPr lang="en-US" altLang="zh-CN" smtClean="0"/>
+              <a:t>Tkinter._test()</a:t>
+            </a:r>
+            <a:endParaRPr lang="en-US" altLang="zh-CN" smtClean="0"/>
+          </a:p>
+          <a:p>
+            <a:pPr lvl="1" algn="l">
+              <a:lnSpc>
+                <a:spcPct val="200000"/>
+              </a:lnSpc>
+              <a:buFont typeface="Wingdings" panose="05000000000000000000" pitchFamily="2" charset="2"/>
+              <a:buChar char=""/>
+            </a:pPr>
+            <a:r>
+              <a:rPr lang="en-US" altLang="zh-CN" smtClean="0"/>
+              <a:t>Tk()	// return root widget</a:t>
+            </a:r>
+            <a:endParaRPr lang="en-US" altLang="zh-CN" smtClean="0"/>
+          </a:p>
+          <a:p>
+            <a:pPr lvl="2" algn="l">
+              <a:lnSpc>
+                <a:spcPct val="200000"/>
+              </a:lnSpc>
+              <a:buFont typeface="Wingdings" panose="05000000000000000000" pitchFamily="2" charset="2"/>
+              <a:buChar char=""/>
+            </a:pPr>
+            <a:r>
+              <a:rPr lang="en-US" altLang="zh-CN" smtClean="0"/>
+              <a:t>destroy()</a:t>
+            </a:r>
+            <a:endParaRPr lang="en-US" altLang="zh-CN" smtClean="0"/>
+          </a:p>
+          <a:p>
+            <a:pPr lvl="1" algn="l">
+              <a:lnSpc>
+                <a:spcPct val="200000"/>
+              </a:lnSpc>
+              <a:buFont typeface="Wingdings" panose="05000000000000000000" pitchFamily="2" charset="2"/>
+              <a:buChar char=""/>
+            </a:pPr>
+            <a:r>
+              <a:rPr lang="en-US" altLang="zh-CN" smtClean="0"/>
+              <a:t>Frame</a:t>
+            </a:r>
+            <a:endParaRPr lang="en-US" altLang="zh-CN" smtClean="0"/>
+          </a:p>
+          <a:p>
+            <a:pPr lvl="2" algn="l">
+              <a:lnSpc>
+                <a:spcPct val="200000"/>
+              </a:lnSpc>
+              <a:buFont typeface="Wingdings" panose="05000000000000000000" pitchFamily="2" charset="2"/>
+              <a:buChar char=""/>
+            </a:pPr>
+            <a:r>
+              <a:rPr lang="en-US" altLang="zh-CN" smtClean="0"/>
+              <a:t>mainloop()</a:t>
+            </a:r>
+            <a:endParaRPr lang="en-US" altLang="zh-CN" smtClean="0"/>
+          </a:p>
+          <a:p>
+            <a:pPr lvl="0" algn="l">
+              <a:lnSpc>
+                <a:spcPct val="200000"/>
+              </a:lnSpc>
+              <a:buFont typeface="Wingdings" panose="05000000000000000000" pitchFamily="2" charset="2"/>
+              <a:buChar char=""/>
+            </a:pPr>
+            <a:r>
+              <a:rPr lang="en-US" altLang="zh-CN" smtClean="0"/>
+              <a:t>Reference</a:t>
+            </a:r>
+            <a:endParaRPr lang="en-US" altLang="zh-CN" smtClean="0"/>
+          </a:p>
+          <a:p>
+            <a:pPr lvl="1" algn="l">
+              <a:lnSpc>
+                <a:spcPct val="200000"/>
+              </a:lnSpc>
+              <a:buFont typeface="Wingdings" panose="05000000000000000000" pitchFamily="2" charset="2"/>
+              <a:buChar char=""/>
+            </a:pPr>
+            <a:r>
+              <a:rPr lang="en-US" altLang="zh-CN" smtClean="0"/>
+              <a:t>http://infohost.nmt.edu/tcc/help/pubs/tkinter/web/index.html</a:t>
+            </a:r>
+            <a:endParaRPr lang="en-US" altLang="zh-CN" smtClean="0"/>
+          </a:p>
+        </p:txBody>
+      </p:sp>
+      <p:sp>
+        <p:nvSpPr>
+          <p:cNvPr id="2" name="文本框 1"/>
+          <p:cNvSpPr txBox="1"/>
+          <p:nvPr/>
+        </p:nvSpPr>
+        <p:spPr>
+          <a:xfrm>
+            <a:off x="7054850" y="1144270"/>
+            <a:ext cx="4228465" cy="4246245"/>
+          </a:xfrm>
+          <a:prstGeom prst="rect">
+            <a:avLst/>
+          </a:prstGeom>
+          <a:noFill/>
+          <a:ln w="12700" cmpd="sng">
+            <a:solidFill>
+              <a:schemeClr val="accent1">
+                <a:shade val="50000"/>
+              </a:schemeClr>
+            </a:solidFill>
+            <a:prstDash val="solid"/>
+          </a:ln>
+        </p:spPr>
+        <p:txBody>
+          <a:bodyPr wrap="square" rtlCol="0">
+            <a:spAutoFit/>
+          </a:bodyPr>
+          <a:p>
+            <a:r>
+              <a:rPr lang="en-US" altLang="zh-CN"/>
+              <a:t>import tkinter as tk</a:t>
+            </a:r>
+            <a:endParaRPr lang="en-US" altLang="zh-CN"/>
+          </a:p>
+          <a:p>
+            <a:r>
+              <a:rPr lang="en-US" altLang="zh-CN"/>
+              <a:t>root = tk.Tk()</a:t>
+            </a:r>
+            <a:endParaRPr lang="en-US" altLang="zh-CN"/>
+          </a:p>
+          <a:p>
+            <a:r>
+              <a:rPr lang="en-US" altLang="zh-CN"/>
+              <a:t>app = Application(master=root)</a:t>
+            </a:r>
+            <a:endParaRPr lang="en-US" altLang="zh-CN"/>
+          </a:p>
+          <a:p>
+            <a:r>
+              <a:rPr lang="en-US" altLang="zh-CN"/>
+              <a:t>app.master.title('Title')</a:t>
+            </a:r>
+            <a:endParaRPr lang="en-US" altLang="zh-CN"/>
+          </a:p>
+          <a:p>
+            <a:r>
+              <a:rPr lang="en-US" altLang="zh-CN"/>
+              <a:t>app.master.geometry('800x600')</a:t>
+            </a:r>
+            <a:endParaRPr lang="en-US" altLang="zh-CN"/>
+          </a:p>
+          <a:p>
+            <a:r>
+              <a:rPr lang="en-US" altLang="zh-CN"/>
+              <a:t>app.mainloop()</a:t>
+            </a:r>
+            <a:endParaRPr lang="en-US" altLang="zh-CN"/>
+          </a:p>
+          <a:p>
+            <a:endParaRPr lang="en-US" altLang="zh-CN"/>
+          </a:p>
+          <a:p>
+            <a:r>
+              <a:rPr lang="en-US" altLang="zh-CN"/>
+              <a:t>class Application(tk.Frame):</a:t>
+            </a:r>
+            <a:endParaRPr lang="en-US" altLang="zh-CN"/>
+          </a:p>
+          <a:p>
+            <a:r>
+              <a:rPr lang="en-US" altLang="zh-CN"/>
+              <a:t>    def __init__(self):</a:t>
+            </a:r>
+            <a:endParaRPr lang="en-US" altLang="zh-CN"/>
+          </a:p>
+          <a:p>
+            <a:r>
+              <a:rPr lang="en-US" altLang="zh-CN"/>
+              <a:t>        super().__init__(self)</a:t>
+            </a:r>
+            <a:endParaRPr lang="en-US" altLang="zh-CN"/>
+          </a:p>
+          <a:p>
+            <a:r>
+              <a:rPr lang="en-US" altLang="zh-CN"/>
+              <a:t>        self.pack()</a:t>
+            </a:r>
+            <a:endParaRPr lang="en-US" altLang="zh-CN"/>
+          </a:p>
+          <a:p>
+            <a:r>
+              <a:rPr lang="en-US" altLang="zh-CN"/>
+              <a:t>        btn = tk.Button(self, text='', command=cmd)</a:t>
+            </a:r>
+            <a:endParaRPr lang="en-US" altLang="zh-CN"/>
+          </a:p>
+          <a:p>
+            <a:r>
+              <a:rPr lang="en-US" altLang="zh-CN"/>
+              <a:t>        btn.grid(row=r, column=c, columnspan=cs)</a:t>
+            </a:r>
+            <a:endParaRPr lang="en-US" altLang="zh-CN"/>
+          </a:p>
+        </p:txBody>
+      </p:sp>
+    </p:spTree>
+  </p:cSld>
+  <p:clrMapOvr>
+    <a:masterClrMapping/>
+  </p:clrMapOvr>
+</p:sld>
+</file>
+
+<file path=ppt/slides/slide3.xml><?xml version="1.0" encoding="utf-8"?>
 <p:sld xmlns:a="http://schemas.openxmlformats.org/drawingml/2006/main" xmlns:r="http://schemas.openxmlformats.org/officeDocument/2006/relationships" xmlns:p="http://schemas.openxmlformats.org/presentationml/2006/main">
   <p:cSld>
     <p:spTree>
@@ -5752,13 +7870,13 @@
             <a:r>
               <a:rPr lang="en-US" altLang="zh-CN" sz="1400" dirty="0" smtClean="0">
                 <a:latin typeface="Arial" panose="020B0604020202020204" pitchFamily="34" charset="0"/>
-                <a:ea typeface="Microsoft YaHei" panose="020B0503020204020204" charset="-122"/>
+                <a:ea typeface="微软雅黑" panose="020B0503020204020204" charset="-122"/>
               </a:rPr>
               <a:t>import logging</a:t>
             </a:r>
             <a:endParaRPr lang="en-US" altLang="zh-CN" sz="1400" dirty="0" smtClean="0">
               <a:latin typeface="Arial" panose="020B0604020202020204" pitchFamily="34" charset="0"/>
-              <a:ea typeface="Microsoft YaHei" panose="020B0503020204020204" charset="-122"/>
+              <a:ea typeface="微软雅黑" panose="020B0503020204020204" charset="-122"/>
             </a:endParaRPr>
           </a:p>
           <a:p>
@@ -5770,13 +7888,13 @@
             <a:r>
               <a:rPr lang="en-US" altLang="zh-CN" sz="1400" dirty="0" smtClean="0">
                 <a:latin typeface="Arial" panose="020B0604020202020204" pitchFamily="34" charset="0"/>
-                <a:ea typeface="Microsoft YaHei" panose="020B0503020204020204" charset="-122"/>
+                <a:ea typeface="微软雅黑" panose="020B0503020204020204" charset="-122"/>
               </a:rPr>
               <a:t>logger = logging.getLogger(__name__)</a:t>
             </a:r>
             <a:endParaRPr lang="en-US" altLang="zh-CN" sz="1400" dirty="0" smtClean="0">
               <a:latin typeface="Arial" panose="020B0604020202020204" pitchFamily="34" charset="0"/>
-              <a:ea typeface="Microsoft YaHei" panose="020B0503020204020204" charset="-122"/>
+              <a:ea typeface="微软雅黑" panose="020B0503020204020204" charset="-122"/>
             </a:endParaRPr>
           </a:p>
           <a:p>
@@ -5788,13 +7906,13 @@
             <a:r>
               <a:rPr lang="en-US" altLang="zh-CN" sz="1400" dirty="0" smtClean="0">
                 <a:latin typeface="Arial" panose="020B0604020202020204" pitchFamily="34" charset="0"/>
-                <a:ea typeface="Microsoft YaHei" panose="020B0503020204020204" charset="-122"/>
+                <a:ea typeface="微软雅黑" panose="020B0503020204020204" charset="-122"/>
               </a:rPr>
               <a:t>logger.setLevel(logging.INFO)</a:t>
             </a:r>
             <a:endParaRPr lang="en-US" altLang="zh-CN" sz="1400" dirty="0" smtClean="0">
               <a:latin typeface="Arial" panose="020B0604020202020204" pitchFamily="34" charset="0"/>
-              <a:ea typeface="Microsoft YaHei" panose="020B0503020204020204" charset="-122"/>
+              <a:ea typeface="微软雅黑" panose="020B0503020204020204" charset="-122"/>
             </a:endParaRPr>
           </a:p>
           <a:p>
@@ -5806,13 +7924,13 @@
             <a:r>
               <a:rPr lang="en-US" altLang="zh-CN" sz="1400" dirty="0" smtClean="0">
                 <a:latin typeface="Arial" panose="020B0604020202020204" pitchFamily="34" charset="0"/>
-                <a:ea typeface="Microsoft YaHei" panose="020B0503020204020204" charset="-122"/>
+                <a:ea typeface="微软雅黑" panose="020B0503020204020204" charset="-122"/>
               </a:rPr>
               <a:t>logger.info('timeout')</a:t>
             </a:r>
             <a:endParaRPr lang="en-US" altLang="zh-CN" sz="1400" dirty="0" smtClean="0">
               <a:latin typeface="Arial" panose="020B0604020202020204" pitchFamily="34" charset="0"/>
-              <a:ea typeface="Microsoft YaHei" panose="020B0503020204020204" charset="-122"/>
+              <a:ea typeface="微软雅黑" panose="020B0503020204020204" charset="-122"/>
             </a:endParaRPr>
           </a:p>
         </p:txBody>
@@ -5825,7 +7943,7 @@
 </p:sld>
 </file>
 
-<file path=ppt/slides/slide20.xml><?xml version="1.0" encoding="utf-8"?>
+<file path=ppt/slides/slide30.xml><?xml version="1.0" encoding="utf-8"?>
 <p:sld xmlns:a="http://schemas.openxmlformats.org/drawingml/2006/main" xmlns:r="http://schemas.openxmlformats.org/officeDocument/2006/relationships" xmlns:p="http://schemas.openxmlformats.org/presentationml/2006/main">
   <p:cSld>
     <p:spTree>
@@ -5837,7 +7955,7 @@
       <p:grpSpPr/>
       <p:sp>
         <p:nvSpPr>
-          <p:cNvPr id="2" name="标题 1"/>
+          <p:cNvPr id="2" name="Title 1"/>
           <p:cNvSpPr>
             <a:spLocks noGrp="1"/>
           </p:cNvSpPr>
@@ -5847,99 +7965,85 @@
         </p:nvSpPr>
         <p:spPr/>
         <p:txBody>
+          <a:bodyPr>
+            <a:normAutofit/>
+          </a:bodyPr>
+          <a:p>
+            <a:r>
+              <a:rPr lang="x-none" altLang="en-US"/>
+              <a:t>Video</a:t>
+            </a:r>
+            <a:endParaRPr lang="x-none" altLang="en-US"/>
+          </a:p>
+        </p:txBody>
+      </p:sp>
+      <p:sp>
+        <p:nvSpPr>
+          <p:cNvPr id="3" name="Content Placeholder 2"/>
+          <p:cNvSpPr>
+            <a:spLocks noGrp="1"/>
+          </p:cNvSpPr>
+          <p:nvPr>
+            <p:ph idx="1"/>
+          </p:nvPr>
+        </p:nvSpPr>
+        <p:spPr/>
+        <p:txBody>
           <a:bodyPr/>
           <a:p>
             <a:r>
-              <a:rPr lang="en-US" altLang="zh-CN"/>
-              <a:t>NumPy 2/2</a:t>
-            </a:r>
-            <a:endParaRPr lang="en-US" altLang="zh-CN"/>
-          </a:p>
-        </p:txBody>
-      </p:sp>
-      <p:sp>
-        <p:nvSpPr>
-          <p:cNvPr id="3" name="内容占位符 2"/>
-          <p:cNvSpPr>
-            <a:spLocks noGrp="1"/>
-          </p:cNvSpPr>
-          <p:nvPr>
-            <p:ph idx="1"/>
-          </p:nvPr>
-        </p:nvSpPr>
-        <p:spPr>
-          <a:xfrm>
-            <a:off x="651510" y="1024710"/>
-            <a:ext cx="10858500" cy="5084543"/>
-          </a:xfrm>
-        </p:spPr>
-        <p:txBody>
-          <a:bodyPr>
-            <a:normAutofit fontScale="90000"/>
-          </a:bodyPr>
-          <a:p>
-            <a:endParaRPr lang="en-US" altLang="zh-CN"/>
-          </a:p>
-          <a:p>
-            <a:pPr lvl="0">
-              <a:buFont typeface="Wingdings" panose="05000000000000000000" pitchFamily="2" charset="2"/>
-              <a:buChar char=""/>
-            </a:pPr>
-            <a:r>
-              <a:rPr lang="en-US" altLang="zh-CN" sz="2880">
-                <a:sym typeface="+mn-ea"/>
-              </a:rPr>
-              <a:t>Element-wise array functions</a:t>
-            </a:r>
-            <a:endParaRPr lang="en-US" altLang="zh-CN" sz="2880"/>
-          </a:p>
-          <a:p>
-            <a:pPr lvl="1">
-              <a:buFont typeface="Wingdings" panose="05000000000000000000" pitchFamily="2" charset="2"/>
-              <a:buChar char=""/>
-            </a:pPr>
-            <a:r>
-              <a:rPr lang="en-US" altLang="zh-CN" sz="2400">
-                <a:sym typeface="+mn-ea"/>
-              </a:rPr>
-              <a:t>np.sqrt(arr), np.exp(arr), np.modf(arr), np.fabs(arr), np.sqrt(arr), np.square(arr), np.sign(arr), np.log(arr), np.ceil(arr), np.floor(arr), np.rint(arr), np.isnan(arr), np.sin(arr), np.cos(arr), np.tan(arr)</a:t>
-            </a:r>
-            <a:endParaRPr lang="en-US" altLang="zh-CN" sz="2400"/>
-          </a:p>
-          <a:p>
-            <a:pPr lvl="1">
-              <a:buFont typeface="Wingdings" panose="05000000000000000000" pitchFamily="2" charset="2"/>
-              <a:buChar char=""/>
-            </a:pPr>
-            <a:r>
-              <a:rPr lang="en-US" altLang="zh-CN" sz="2400">
-                <a:sym typeface="+mn-ea"/>
-              </a:rPr>
-              <a:t>np.maximum(arr1, arr2), np.add(arr1, arr2), np.subtract(arr1, arr2), np.multiply(arr1, arr2), np.divide(arr1, arr2), np.power(arr1, arr2), np.minimum(arr1, arr2), np.greater(arr1, arr2), np.less(arr1, arr2)</a:t>
-            </a:r>
-            <a:endParaRPr lang="en-US" altLang="zh-CN" sz="2400"/>
-          </a:p>
-          <a:p>
-            <a:pPr lvl="1">
-              <a:buFont typeface="Wingdings" panose="05000000000000000000" pitchFamily="2" charset="2"/>
-              <a:buChar char=""/>
-            </a:pPr>
-            <a:r>
-              <a:rPr lang="en-US" altLang="zh-CN" sz="2000"/>
-              <a:t>np.isin(x, list)</a:t>
-            </a:r>
-            <a:endParaRPr lang="en-US" altLang="zh-CN" sz="2000"/>
-          </a:p>
-          <a:p>
-            <a:pPr lvl="1">
-              <a:buFont typeface="Wingdings" panose="05000000000000000000" pitchFamily="2" charset="2"/>
-              <a:buChar char=""/>
-            </a:pPr>
-            <a:r>
-              <a:rPr lang="en-US" altLang="zh-CN"/>
-              <a:t>np.where(cond, x, y)</a:t>
-            </a:r>
-            <a:endParaRPr lang="en-US" altLang="zh-CN"/>
+              <a:rPr lang="x-none" altLang="en-US"/>
+              <a:t>PyAv</a:t>
+            </a:r>
+            <a:endParaRPr lang="x-none" altLang="en-US"/>
+          </a:p>
+          <a:p>
+            <a:pPr lvl="1"/>
+            <a:r>
+              <a:rPr lang="x-none" altLang="en-US" sz="2000"/>
+              <a:t>Pythonic binding for FFmpeg or Libav</a:t>
+            </a:r>
+            <a:endParaRPr lang="x-none" altLang="en-US" sz="2000"/>
+          </a:p>
+          <a:p>
+            <a:pPr lvl="0"/>
+            <a:r>
+              <a:rPr lang="x-none" altLang="en-US"/>
+              <a:t>Install</a:t>
+            </a:r>
+            <a:endParaRPr lang="x-none" altLang="en-US"/>
+          </a:p>
+          <a:p>
+            <a:pPr lvl="1"/>
+            <a:r>
+              <a:rPr lang="x-none" altLang="en-US"/>
+              <a:t>sudo apt install -y python-dev pkg-config libavformat-dev libavcodec-dev libavdevice-dev libavutil-dev libswscale-dev libavresample-dev libavfilter-dev</a:t>
+            </a:r>
+            <a:endParaRPr lang="x-none" altLang="en-US"/>
+          </a:p>
+          <a:p>
+            <a:pPr lvl="1"/>
+            <a:r>
+              <a:rPr lang="x-none" altLang="en-US"/>
+              <a:t>pip install av</a:t>
+            </a:r>
+            <a:endParaRPr lang="x-none" altLang="en-US"/>
+          </a:p>
+          <a:p>
+            <a:pPr lvl="0"/>
+            <a:r>
+              <a:rPr lang="x-none" altLang="en-US"/>
+              <a:t>Usage</a:t>
+            </a:r>
+            <a:endParaRPr lang="x-none" altLang="en-US"/>
+          </a:p>
+          <a:p>
+            <a:pPr lvl="1"/>
+            <a:r>
+              <a:rPr lang="x-none" altLang="en-US"/>
+              <a:t>container = av.open(fn)</a:t>
+            </a:r>
+            <a:endParaRPr lang="x-none" altLang="en-US"/>
           </a:p>
         </p:txBody>
       </p:sp>
@@ -5951,7 +8055,7 @@
 </p:sld>
 </file>
 
-<file path=ppt/slides/slide21.xml><?xml version="1.0" encoding="utf-8"?>
+<file path=ppt/slides/slide31.xml><?xml version="1.0" encoding="utf-8"?>
 <p:sld xmlns:a="http://schemas.openxmlformats.org/drawingml/2006/main" xmlns:r="http://schemas.openxmlformats.org/officeDocument/2006/relationships" xmlns:p="http://schemas.openxmlformats.org/presentationml/2006/main">
   <p:cSld>
     <p:spTree>
@@ -5977,7 +8081,7 @@
           <a:p>
             <a:r>
               <a:rPr lang="en-US" altLang="zh-CN"/>
-              <a:t>Pandas</a:t>
+              <a:t>Audio</a:t>
             </a:r>
             <a:endParaRPr lang="en-US" altLang="zh-CN"/>
           </a:p>
@@ -5995,444 +8099,68 @@
         </p:nvSpPr>
         <p:spPr/>
         <p:txBody>
-          <a:bodyPr>
-            <a:noAutofit/>
-          </a:bodyPr>
-          <a:p>
-            <a:r>
-              <a:rPr lang="en-US" altLang="zh-CN" sz="1400"/>
-              <a:t>Data analysis and manipulation library</a:t>
-            </a:r>
-            <a:endParaRPr lang="en-US" altLang="zh-CN" sz="1400"/>
-          </a:p>
-          <a:p>
-            <a:r>
-              <a:rPr lang="en-US" altLang="zh-CN" sz="1400"/>
-              <a:t>Data types</a:t>
-            </a:r>
-            <a:endParaRPr lang="en-US" altLang="zh-CN" sz="1400"/>
-          </a:p>
-          <a:p>
-            <a:pPr lvl="1">
-              <a:buFont typeface="Wingdings" panose="05000000000000000000" pitchFamily="2" charset="2"/>
-              <a:buChar char="l"/>
-            </a:pPr>
-            <a:r>
-              <a:rPr lang="en-US" altLang="zh-CN" sz="1200"/>
-              <a:t>pandas.Series (1D)</a:t>
-            </a:r>
-            <a:endParaRPr lang="en-US" altLang="zh-CN" sz="1200"/>
-          </a:p>
-          <a:p>
-            <a:pPr lvl="2">
-              <a:buFont typeface="Wingdings" panose="05000000000000000000" pitchFamily="2" charset="2"/>
-              <a:buChar char="l"/>
-            </a:pPr>
-            <a:r>
-              <a:rPr lang="en-US" altLang="zh-CN" sz="1020"/>
-              <a:t>unique(), value_counts(), is_in(list), isnull(), dropna(), fillna(), map(func)</a:t>
-            </a:r>
-            <a:endParaRPr lang="en-US" altLang="zh-CN" sz="1020"/>
-          </a:p>
-          <a:p>
-            <a:pPr lvl="2">
-              <a:buFont typeface="Wingdings" panose="05000000000000000000" pitchFamily="2" charset="2"/>
-              <a:buChar char="l"/>
-            </a:pPr>
-            <a:r>
-              <a:rPr lang="en-US" altLang="zh-CN" sz="1020"/>
-              <a:t>plot()</a:t>
-            </a:r>
-            <a:endParaRPr lang="en-US" altLang="zh-CN" sz="1020"/>
-          </a:p>
-          <a:p>
-            <a:pPr lvl="1">
-              <a:buFont typeface="Wingdings" panose="05000000000000000000" pitchFamily="2" charset="2"/>
-              <a:buChar char="l"/>
-            </a:pPr>
-            <a:r>
-              <a:rPr lang="en-US" altLang="zh-CN" sz="1200"/>
-              <a:t>pandas.DataFrame (2D)</a:t>
-            </a:r>
-            <a:endParaRPr lang="en-US" altLang="zh-CN" sz="1200"/>
-          </a:p>
-          <a:p>
-            <a:pPr lvl="2">
-              <a:buFont typeface="Wingdings" panose="05000000000000000000" pitchFamily="2" charset="2"/>
-              <a:buChar char="Ø"/>
-            </a:pPr>
-            <a:r>
-              <a:rPr lang="en-US" altLang="zh-CN" sz="1020"/>
-              <a:t>read_csv('a.csv', index_col=''), read_table('a.csv', sep=''), read_excel(), to_csv('a.csv')</a:t>
-            </a:r>
-            <a:endParaRPr lang="en-US" altLang="zh-CN" sz="1020"/>
-          </a:p>
-          <a:p>
-            <a:pPr lvl="2">
-              <a:buFont typeface="Wingdings" panose="05000000000000000000" pitchFamily="2" charset="2"/>
-              <a:buChar char="Ø"/>
-            </a:pPr>
-            <a:r>
-              <a:rPr lang="en-US" altLang="zh-CN" sz="1020"/>
-              <a:t>ExcelFile('a.xls') (xlrd/openpyxl), parse('sheetName')</a:t>
-            </a:r>
-            <a:endParaRPr lang="en-US" altLang="zh-CN" sz="1020"/>
-          </a:p>
-          <a:p>
-            <a:pPr lvl="2">
-              <a:buFont typeface="Wingdings" panose="05000000000000000000" pitchFamily="2" charset="2"/>
-              <a:buChar char="Ø"/>
-            </a:pPr>
-            <a:r>
-              <a:rPr lang="en-US" altLang="zh-CN" sz="1020"/>
-              <a:t>df.sum()/mean()/describe()/head()/drop_duplicates()/apply()/applymap()/astype()</a:t>
-            </a:r>
-            <a:endParaRPr lang="en-US" altLang="zh-CN" sz="1020"/>
-          </a:p>
-          <a:p>
-            <a:pPr lvl="2">
-              <a:buFont typeface="Wingdings" panose="05000000000000000000" pitchFamily="2" charset="2"/>
-              <a:buChar char="Ø"/>
-            </a:pPr>
-            <a:r>
-              <a:rPr lang="en-US" altLang="zh-CN" sz="1020"/>
-              <a:t>index, columns, loc(), iloc(), ix(), groupby('column').mean(), corr(), cov(), drop('columnName'), dropna(axis=, subset=)</a:t>
-            </a:r>
-            <a:endParaRPr lang="en-US" altLang="zh-CN" sz="1020"/>
-          </a:p>
-          <a:p>
-            <a:pPr lvl="2">
-              <a:buFont typeface="Wingdings" panose="05000000000000000000" pitchFamily="2" charset="2"/>
-              <a:buChar char="Ø"/>
-            </a:pPr>
-            <a:r>
-              <a:rPr lang="en-US" altLang="zh-CN" sz="1020"/>
-              <a:t>Can  be looked on as dictionary</a:t>
-            </a:r>
-            <a:endParaRPr lang="en-US" altLang="zh-CN" sz="1020"/>
-          </a:p>
-          <a:p>
-            <a:pPr lvl="2">
-              <a:buFont typeface="Wingdings" panose="05000000000000000000" pitchFamily="2" charset="2"/>
-              <a:buChar char="Ø"/>
-            </a:pPr>
-            <a:r>
-              <a:rPr lang="en-US" altLang="zh-CN" sz="1020"/>
-              <a:t>df.iloc[row_no]</a:t>
-            </a:r>
-            <a:endParaRPr lang="en-US" altLang="zh-CN" sz="1020"/>
-          </a:p>
-          <a:p>
-            <a:pPr lvl="1">
-              <a:buFont typeface="Wingdings" panose="05000000000000000000" pitchFamily="2" charset="2"/>
-              <a:buChar char="l"/>
-            </a:pPr>
-            <a:r>
-              <a:rPr lang="en-US" altLang="zh-CN" sz="1200"/>
-              <a:t>pandas.Panel</a:t>
-            </a:r>
-            <a:endParaRPr lang="en-US" altLang="zh-CN" sz="1200"/>
-          </a:p>
-          <a:p>
-            <a:pPr lvl="1">
-              <a:buFont typeface="Wingdings" panose="05000000000000000000" pitchFamily="2" charset="2"/>
-              <a:buChar char="l"/>
-            </a:pPr>
-            <a:r>
-              <a:rPr lang="en-US" altLang="zh-CN" sz="1200"/>
-              <a:t>pandas.Panel4D</a:t>
-            </a:r>
-            <a:endParaRPr lang="en-US" altLang="zh-CN" sz="1200"/>
-          </a:p>
-          <a:p>
-            <a:pPr lvl="0">
-              <a:buFont typeface="Wingdings" panose="05000000000000000000" pitchFamily="2" charset="2"/>
-              <a:buChar char="l"/>
-            </a:pPr>
-            <a:r>
-              <a:rPr lang="en-US" altLang="zh-CN" sz="1400"/>
-              <a:t>DB</a:t>
-            </a:r>
-            <a:endParaRPr lang="en-US" altLang="zh-CN" sz="1400"/>
-          </a:p>
-          <a:p>
-            <a:pPr lvl="1">
-              <a:buFont typeface="Wingdings" panose="05000000000000000000" pitchFamily="2" charset="2"/>
-              <a:buChar char="l"/>
-            </a:pPr>
-            <a:r>
-              <a:rPr lang="en-US" altLang="zh-CN" sz="1200"/>
-              <a:t>read_sql('sql_str', con=dbconn)</a:t>
-            </a:r>
-            <a:endParaRPr lang="en-US" altLang="zh-CN" sz="1200"/>
-          </a:p>
-          <a:p>
-            <a:pPr lvl="1">
-              <a:buFont typeface="Wingdings" panose="05000000000000000000" pitchFamily="2" charset="2"/>
-              <a:buChar char="l"/>
-            </a:pPr>
-            <a:r>
-              <a:rPr lang="en-US" altLang="zh-CN" sz="1200"/>
-              <a:t>read_sql_table()</a:t>
-            </a:r>
-            <a:endParaRPr lang="en-US" altLang="zh-CN" sz="1200"/>
-          </a:p>
-          <a:p>
-            <a:pPr lvl="1">
-              <a:buFont typeface="Wingdings" panose="05000000000000000000" pitchFamily="2" charset="2"/>
-              <a:buChar char="l"/>
-            </a:pPr>
-            <a:r>
-              <a:rPr lang="en-US" altLang="zh-CN" sz="1200"/>
-              <a:t>read_sql_query()</a:t>
-            </a:r>
-            <a:endParaRPr lang="en-US" altLang="zh-CN" sz="1200"/>
-          </a:p>
-          <a:p>
-            <a:pPr lvl="0">
-              <a:buFont typeface="Wingdings" panose="05000000000000000000" pitchFamily="2" charset="2"/>
-              <a:buChar char="l"/>
-            </a:pPr>
-            <a:r>
-              <a:rPr lang="en-US" altLang="zh-CN" sz="1400"/>
-              <a:t>Datetime</a:t>
-            </a:r>
-            <a:endParaRPr lang="en-US" altLang="zh-CN" sz="1400"/>
-          </a:p>
-          <a:p>
-            <a:pPr lvl="1">
-              <a:buFont typeface="Wingdings" panose="05000000000000000000" pitchFamily="2" charset="2"/>
-              <a:buChar char="l"/>
-            </a:pPr>
-            <a:r>
-              <a:rPr lang="en-US" altLang="zh-CN" sz="1200"/>
-              <a:t>to_datetime(df)</a:t>
-            </a:r>
-            <a:endParaRPr lang="en-US" altLang="zh-CN" sz="1200"/>
-          </a:p>
-        </p:txBody>
-      </p:sp>
-      <p:sp>
-        <p:nvSpPr>
-          <p:cNvPr id="4" name="文本框 3"/>
-          <p:cNvSpPr txBox="1"/>
-          <p:nvPr/>
-        </p:nvSpPr>
-        <p:spPr>
-          <a:xfrm>
-            <a:off x="7687945" y="1630680"/>
-            <a:ext cx="3837305" cy="3725545"/>
-          </a:xfrm>
-          <a:prstGeom prst="rect">
-            <a:avLst/>
-          </a:prstGeom>
-          <a:noFill/>
-        </p:spPr>
-        <p:txBody>
-          <a:bodyPr wrap="square" rtlCol="0">
-            <a:spAutoFit/>
-          </a:bodyPr>
-          <a:p>
-            <a:pPr>
-              <a:lnSpc>
-                <a:spcPct val="130000"/>
-              </a:lnSpc>
-            </a:pPr>
-            <a:r>
-              <a:rPr lang="en-US" altLang="zh-CN" sz="1400" dirty="0" smtClean="0">
-                <a:latin typeface="Arial" panose="020B0604020202020204" pitchFamily="34" charset="0"/>
-                <a:ea typeface="Microsoft YaHei" panose="020B0503020204020204" charset="-122"/>
-              </a:rPr>
-              <a:t>import pandas as pd</a:t>
-            </a:r>
-            <a:endParaRPr lang="en-US" altLang="zh-CN" sz="1400" dirty="0" smtClean="0">
-              <a:latin typeface="Arial" panose="020B0604020202020204" pitchFamily="34" charset="0"/>
-              <a:ea typeface="Microsoft YaHei" panose="020B0503020204020204" charset="-122"/>
-            </a:endParaRPr>
-          </a:p>
-          <a:p>
-            <a:pPr>
-              <a:lnSpc>
-                <a:spcPct val="130000"/>
-              </a:lnSpc>
-            </a:pPr>
-            <a:endParaRPr lang="en-US" altLang="zh-CN" sz="1400" dirty="0" smtClean="0">
-              <a:latin typeface="Arial" panose="020B0604020202020204" pitchFamily="34" charset="0"/>
-              <a:ea typeface="Microsoft YaHei" panose="020B0503020204020204" charset="-122"/>
-            </a:endParaRPr>
-          </a:p>
-          <a:p>
-            <a:pPr>
-              <a:lnSpc>
-                <a:spcPct val="130000"/>
-              </a:lnSpc>
-            </a:pPr>
-            <a:r>
-              <a:rPr lang="en-US" altLang="zh-CN" sz="1400" dirty="0" smtClean="0">
-                <a:latin typeface="Arial" panose="020B0604020202020204" pitchFamily="34" charset="0"/>
-                <a:ea typeface="Microsoft YaHei" panose="020B0503020204020204" charset="-122"/>
-              </a:rPr>
-              <a:t>counts = pd.Series(['a', 'b', 'c'])</a:t>
-            </a:r>
-            <a:endParaRPr lang="en-US" altLang="zh-CN" sz="1400" dirty="0" smtClean="0">
-              <a:latin typeface="Arial" panose="020B0604020202020204" pitchFamily="34" charset="0"/>
-              <a:ea typeface="Microsoft YaHei" panose="020B0503020204020204" charset="-122"/>
-            </a:endParaRPr>
-          </a:p>
-          <a:p>
-            <a:pPr>
-              <a:lnSpc>
-                <a:spcPct val="130000"/>
-              </a:lnSpc>
-            </a:pPr>
-            <a:r>
-              <a:rPr lang="en-US" altLang="zh-CN" sz="1400" dirty="0" smtClean="0">
-                <a:latin typeface="Arial" panose="020B0604020202020204" pitchFamily="34" charset="0"/>
-                <a:ea typeface="Microsoft YaHei" panose="020B0503020204020204" charset="-122"/>
-              </a:rPr>
-              <a:t>counts</a:t>
-            </a:r>
-            <a:endParaRPr lang="en-US" altLang="zh-CN" sz="1400" dirty="0" smtClean="0">
-              <a:latin typeface="Arial" panose="020B0604020202020204" pitchFamily="34" charset="0"/>
-              <a:ea typeface="Microsoft YaHei" panose="020B0503020204020204" charset="-122"/>
-            </a:endParaRPr>
-          </a:p>
-          <a:p>
-            <a:pPr>
-              <a:lnSpc>
-                <a:spcPct val="130000"/>
-              </a:lnSpc>
-            </a:pPr>
-            <a:r>
-              <a:rPr lang="en-US" altLang="zh-CN" sz="1400" dirty="0" smtClean="0">
-                <a:latin typeface="Arial" panose="020B0604020202020204" pitchFamily="34" charset="0"/>
-                <a:ea typeface="Microsoft YaHei" panose="020B0503020204020204" charset="-122"/>
-              </a:rPr>
-              <a:t>counts.index</a:t>
-            </a:r>
-            <a:endParaRPr lang="en-US" altLang="zh-CN" sz="1400" dirty="0" smtClean="0">
-              <a:latin typeface="Arial" panose="020B0604020202020204" pitchFamily="34" charset="0"/>
-              <a:ea typeface="Microsoft YaHei" panose="020B0503020204020204" charset="-122"/>
-            </a:endParaRPr>
-          </a:p>
-          <a:p>
-            <a:pPr>
-              <a:lnSpc>
-                <a:spcPct val="130000"/>
-              </a:lnSpc>
-            </a:pPr>
-            <a:r>
-              <a:rPr lang="en-US" altLang="zh-CN" sz="1400" dirty="0" smtClean="0">
-                <a:latin typeface="Arial" panose="020B0604020202020204" pitchFamily="34" charset="0"/>
-                <a:ea typeface="Microsoft YaHei" panose="020B0503020204020204" charset="-122"/>
-              </a:rPr>
-              <a:t>counts.values</a:t>
-            </a:r>
-            <a:endParaRPr lang="en-US" altLang="zh-CN" sz="1400" dirty="0" smtClean="0">
-              <a:latin typeface="Arial" panose="020B0604020202020204" pitchFamily="34" charset="0"/>
-              <a:ea typeface="Microsoft YaHei" panose="020B0503020204020204" charset="-122"/>
-            </a:endParaRPr>
-          </a:p>
-          <a:p>
-            <a:pPr>
-              <a:lnSpc>
-                <a:spcPct val="130000"/>
-              </a:lnSpc>
-            </a:pPr>
-            <a:endParaRPr lang="en-US" altLang="zh-CN" sz="1400" dirty="0" smtClean="0">
-              <a:latin typeface="Arial" panose="020B0604020202020204" pitchFamily="34" charset="0"/>
-              <a:ea typeface="Microsoft YaHei" panose="020B0503020204020204" charset="-122"/>
-            </a:endParaRPr>
-          </a:p>
-          <a:p>
-            <a:pPr>
-              <a:lnSpc>
-                <a:spcPct val="130000"/>
-              </a:lnSpc>
-            </a:pPr>
-            <a:r>
-              <a:rPr lang="en-US" altLang="zh-CN" sz="1400" dirty="0" smtClean="0">
-                <a:latin typeface="Arial" panose="020B0604020202020204" pitchFamily="34" charset="0"/>
-                <a:ea typeface="Microsoft YaHei" panose="020B0503020204020204" charset="-122"/>
-              </a:rPr>
-              <a:t>data = pd.DataFrame({'column1': [1, 2, 3], 'column2': [1, 2, 3]})</a:t>
-            </a:r>
-            <a:endParaRPr lang="en-US" altLang="zh-CN" sz="1400" dirty="0" smtClean="0">
-              <a:latin typeface="Arial" panose="020B0604020202020204" pitchFamily="34" charset="0"/>
-              <a:ea typeface="Microsoft YaHei" panose="020B0503020204020204" charset="-122"/>
-            </a:endParaRPr>
-          </a:p>
-          <a:p>
-            <a:pPr>
-              <a:lnSpc>
-                <a:spcPct val="130000"/>
-              </a:lnSpc>
-            </a:pPr>
-            <a:r>
-              <a:rPr lang="en-US" altLang="zh-CN" sz="1400" dirty="0" smtClean="0">
-                <a:latin typeface="Arial" panose="020B0604020202020204" pitchFamily="34" charset="0"/>
-                <a:ea typeface="Microsoft YaHei" panose="020B0503020204020204" charset="-122"/>
-              </a:rPr>
-              <a:t>data</a:t>
-            </a:r>
-            <a:endParaRPr lang="en-US" altLang="zh-CN" sz="1400" dirty="0" smtClean="0">
-              <a:latin typeface="Arial" panose="020B0604020202020204" pitchFamily="34" charset="0"/>
-              <a:ea typeface="Microsoft YaHei" panose="020B0503020204020204" charset="-122"/>
-            </a:endParaRPr>
-          </a:p>
-          <a:p>
-            <a:pPr>
-              <a:lnSpc>
-                <a:spcPct val="130000"/>
-              </a:lnSpc>
-            </a:pPr>
-            <a:r>
-              <a:rPr lang="en-US" altLang="zh-CN" sz="1400" dirty="0" smtClean="0">
-                <a:latin typeface="Arial" panose="020B0604020202020204" pitchFamily="34" charset="0"/>
-                <a:ea typeface="Microsoft YaHei" panose="020B0503020204020204" charset="-122"/>
-              </a:rPr>
-              <a:t>data.values</a:t>
-            </a:r>
-            <a:endParaRPr lang="en-US" altLang="zh-CN" sz="1400" dirty="0" smtClean="0">
-              <a:latin typeface="Arial" panose="020B0604020202020204" pitchFamily="34" charset="0"/>
-              <a:ea typeface="Microsoft YaHei" panose="020B0503020204020204" charset="-122"/>
-            </a:endParaRPr>
-          </a:p>
-          <a:p>
-            <a:pPr>
-              <a:lnSpc>
-                <a:spcPct val="130000"/>
-              </a:lnSpc>
-            </a:pPr>
-            <a:r>
-              <a:rPr lang="en-US" altLang="zh-CN" sz="1400" dirty="0" smtClean="0">
-                <a:latin typeface="Arial" panose="020B0604020202020204" pitchFamily="34" charset="0"/>
-                <a:ea typeface="Microsoft YaHei" panose="020B0503020204020204" charset="-122"/>
-              </a:rPr>
-              <a:t>data.shape</a:t>
-            </a:r>
-            <a:endParaRPr lang="en-US" altLang="zh-CN" sz="1400" dirty="0" smtClean="0">
-              <a:latin typeface="Arial" panose="020B0604020202020204" pitchFamily="34" charset="0"/>
-              <a:ea typeface="Microsoft YaHei" panose="020B0503020204020204" charset="-122"/>
-            </a:endParaRPr>
-          </a:p>
-          <a:p>
-            <a:pPr>
-              <a:lnSpc>
-                <a:spcPct val="130000"/>
-              </a:lnSpc>
-            </a:pPr>
-            <a:r>
-              <a:rPr lang="en-US" altLang="zh-CN" sz="1400" dirty="0" smtClean="0">
-                <a:latin typeface="Arial" panose="020B0604020202020204" pitchFamily="34" charset="0"/>
-                <a:ea typeface="Microsoft YaHei" panose="020B0503020204020204" charset="-122"/>
-              </a:rPr>
-              <a:t>data = pd.read_csv('a.csv')</a:t>
-            </a:r>
-            <a:endParaRPr lang="en-US" altLang="zh-CN" sz="1400" dirty="0" smtClean="0">
-              <a:latin typeface="Arial" panose="020B0604020202020204" pitchFamily="34" charset="0"/>
-              <a:ea typeface="Microsoft YaHei" panose="020B0503020204020204" charset="-122"/>
-            </a:endParaRPr>
+          <a:bodyPr/>
+          <a:p>
+            <a:r>
+              <a:rPr lang="en-US" altLang="zh-CN"/>
+              <a:t>pip install librosa</a:t>
+            </a:r>
+            <a:endParaRPr lang="en-US" altLang="zh-CN"/>
+          </a:p>
+          <a:p>
+            <a:r>
+              <a:rPr lang="en-US" altLang="zh-CN"/>
+              <a:t>Usage</a:t>
+            </a:r>
+            <a:endParaRPr lang="en-US" altLang="zh-CN"/>
+          </a:p>
+          <a:p>
+            <a:pPr lvl="1"/>
+            <a:r>
+              <a:rPr lang="en-US" altLang="zh-CN"/>
+              <a:t>import librosa</a:t>
+            </a:r>
+            <a:endParaRPr lang="en-US" altLang="zh-CN"/>
+          </a:p>
+          <a:p>
+            <a:pPr lvl="1"/>
+            <a:r>
+              <a:rPr lang="en-US" altLang="zh-CN"/>
+              <a:t>data, sample_rate = librosa.load(fn_audio)</a:t>
+            </a:r>
+            <a:endParaRPr lang="en-US" altLang="zh-CN"/>
+          </a:p>
+          <a:p>
+            <a:pPr lvl="1"/>
+            <a:r>
+              <a:rPr lang="en-US" altLang="zh-CN"/>
+              <a:t>import librosa.display</a:t>
+            </a:r>
+            <a:endParaRPr lang="en-US" altLang="zh-CN"/>
+          </a:p>
+          <a:p>
+            <a:pPr lvl="1"/>
+            <a:r>
+              <a:rPr lang="en-US" altLang="zh-CN"/>
+              <a:t>plt.figure()</a:t>
+            </a:r>
+            <a:endParaRPr lang="en-US" altLang="zh-CN"/>
+          </a:p>
+          <a:p>
+            <a:pPr lvl="1"/>
+            <a:r>
+              <a:rPr lang="en-US" altLang="zh-CN"/>
+              <a:t>librosa.dipslay.waveplot(data, sample_rate)</a:t>
+            </a:r>
+            <a:endParaRPr lang="en-US" altLang="zh-CN"/>
+          </a:p>
+          <a:p>
+            <a:pPr lvl="1"/>
+            <a:r>
+              <a:rPr lang="en-US" altLang="zh-CN"/>
+              <a:t>plt.show()</a:t>
+            </a:r>
+            <a:endParaRPr lang="en-US" altLang="zh-CN"/>
           </a:p>
         </p:txBody>
       </p:sp>
@@ -6444,7 +8172,7 @@
 </p:sld>
 </file>
 
-<file path=ppt/slides/slide22.xml><?xml version="1.0" encoding="utf-8"?>
+<file path=ppt/slides/slide32.xml><?xml version="1.0" encoding="utf-8"?>
 <p:sld xmlns:a="http://schemas.openxmlformats.org/drawingml/2006/main" xmlns:r="http://schemas.openxmlformats.org/officeDocument/2006/relationships" xmlns:p="http://schemas.openxmlformats.org/presentationml/2006/main">
   <p:cSld>
     <p:spTree>
@@ -6456,7 +8184,7 @@
       <p:grpSpPr/>
       <p:sp>
         <p:nvSpPr>
-          <p:cNvPr id="24578" name="标题 2"/>
+          <p:cNvPr id="2" name="Title 1"/>
           <p:cNvSpPr>
             <a:spLocks noGrp="1"/>
           </p:cNvSpPr>
@@ -6466,21 +8194,19 @@
         </p:nvSpPr>
         <p:spPr/>
         <p:txBody>
-          <a:bodyPr anchor="b">
-            <a:normAutofit/>
-          </a:bodyPr>
-          <a:p>
-            <a:r>
-              <a:rPr lang="en-US" altLang="zh-CN" smtClean="0"/>
-              <a:t>SciPy</a:t>
-            </a:r>
-            <a:endParaRPr lang="en-US" altLang="zh-CN" smtClean="0"/>
-          </a:p>
-        </p:txBody>
-      </p:sp>
-      <p:sp>
-        <p:nvSpPr>
-          <p:cNvPr id="4" name="内容占位符 3"/>
+          <a:bodyPr/>
+          <a:p>
+            <a:r>
+              <a:rPr lang="x-none" altLang="en-US"/>
+              <a:t>3D</a:t>
+            </a:r>
+            <a:endParaRPr lang="x-none" altLang="en-US"/>
+          </a:p>
+        </p:txBody>
+      </p:sp>
+      <p:sp>
+        <p:nvSpPr>
+          <p:cNvPr id="3" name="Content Placeholder 2"/>
           <p:cNvSpPr>
             <a:spLocks noGrp="1"/>
           </p:cNvSpPr>
@@ -6488,60 +8214,107 @@
             <p:ph idx="1"/>
           </p:nvPr>
         </p:nvSpPr>
-        <p:spPr/>
+        <p:spPr>
+          <a:xfrm>
+            <a:off x="838200" y="1211580"/>
+            <a:ext cx="10515600" cy="4736465"/>
+          </a:xfrm>
+        </p:spPr>
         <p:txBody>
           <a:bodyPr>
             <a:normAutofit/>
           </a:bodyPr>
           <a:p>
-            <a:pPr marL="357505" indent="-357505" algn="l">
-              <a:lnSpc>
-                <a:spcPct val="200000"/>
-              </a:lnSpc>
-              <a:buClr>
-                <a:schemeClr val="accent1"/>
-              </a:buClr>
-              <a:buSzTx/>
-              <a:buFont typeface="Wingdings" panose="05000000000000000000" pitchFamily="2" charset="2"/>
-              <a:buChar char=""/>
-            </a:pPr>
-            <a:r>
-              <a:rPr lang="en-US" altLang="zh-CN" smtClean="0"/>
-              <a:t>Scientific library</a:t>
-            </a:r>
-            <a:endParaRPr lang="en-US" altLang="zh-CN" smtClean="0"/>
-          </a:p>
-          <a:p>
-            <a:pPr marL="357505" indent="-357505" algn="l">
-              <a:lnSpc>
-                <a:spcPct val="200000"/>
-              </a:lnSpc>
-              <a:buClr>
-                <a:schemeClr val="accent1"/>
-              </a:buClr>
-              <a:buSzTx/>
-              <a:buFont typeface="Wingdings" panose="05000000000000000000" pitchFamily="2" charset="2"/>
-              <a:buChar char=""/>
-            </a:pPr>
-            <a:r>
-              <a:rPr lang="en-US" altLang="zh-CN" smtClean="0"/>
-              <a:t>Sub packages</a:t>
-            </a:r>
-            <a:endParaRPr lang="en-US" altLang="zh-CN" smtClean="0"/>
-          </a:p>
-          <a:p>
-            <a:pPr lvl="1" algn="l">
-              <a:lnSpc>
-                <a:spcPct val="200000"/>
-              </a:lnSpc>
-              <a:buFont typeface="Wingdings" panose="05000000000000000000" pitchFamily="2" charset="2"/>
-              <a:buChar char=""/>
-            </a:pPr>
-            <a:r>
-              <a:rPr lang="en-US" altLang="zh-CN" smtClean="0"/>
-              <a:t>cluster, fftpack, optimize, spatial, stats</a:t>
-            </a:r>
-            <a:endParaRPr lang="en-US" altLang="zh-CN" smtClean="0"/>
+            <a:pPr lvl="0"/>
+            <a:r>
+              <a:rPr lang="en-US" altLang="x-none"/>
+              <a:t>L</a:t>
+            </a:r>
+            <a:r>
+              <a:rPr lang="x-none" altLang="en-US"/>
+              <a:t>oad model</a:t>
+            </a:r>
+            <a:r>
+              <a:rPr lang="en-US" altLang="x-none"/>
+              <a:t>s</a:t>
+            </a:r>
+            <a:endParaRPr lang="x-none" altLang="en-US"/>
+          </a:p>
+          <a:p>
+            <a:pPr lvl="1"/>
+            <a:r>
+              <a:rPr lang="x-none" altLang="en-US"/>
+              <a:t>objloader</a:t>
+            </a:r>
+            <a:r>
+              <a:rPr lang="en-US" altLang="x-none"/>
+              <a:t>, plyfile, PyAssimp, pyntcloud, PyMesh, pptk</a:t>
+            </a:r>
+            <a:endParaRPr lang="en-US" altLang="x-none"/>
+          </a:p>
+          <a:p>
+            <a:pPr lvl="0"/>
+            <a:r>
+              <a:rPr lang="x-none" altLang="en-US"/>
+              <a:t>3D math functions</a:t>
+            </a:r>
+            <a:endParaRPr lang="x-none" altLang="en-US"/>
+          </a:p>
+          <a:p>
+            <a:pPr lvl="1"/>
+            <a:r>
+              <a:rPr lang="x-none" altLang="en-US"/>
+              <a:t>pip install pyrr</a:t>
+            </a:r>
+            <a:endParaRPr lang="x-none" altLang="en-US"/>
+          </a:p>
+          <a:p>
+            <a:pPr lvl="0"/>
+            <a:r>
+              <a:rPr lang="en-US" altLang="x-none"/>
+              <a:t>Rendering</a:t>
+            </a:r>
+            <a:endParaRPr lang="en-US" altLang="x-none"/>
+          </a:p>
+          <a:p>
+            <a:pPr lvl="1"/>
+            <a:r>
+              <a:rPr lang="en-US" altLang="x-none"/>
+              <a:t>Open3D (https://github.com/IntelVCL/Open3D)</a:t>
+            </a:r>
+            <a:endParaRPr lang="en-US" altLang="x-none"/>
+          </a:p>
+          <a:p>
+            <a:pPr lvl="2"/>
+            <a:r>
+              <a:rPr lang="en-US" altLang="x-none"/>
+              <a:t>pip install open3d</a:t>
+            </a:r>
+            <a:endParaRPr lang="en-US" altLang="x-none"/>
+          </a:p>
+          <a:p>
+            <a:pPr lvl="1"/>
+            <a:r>
+              <a:rPr lang="en-US" altLang="x-none"/>
+              <a:t>PyOpenGL</a:t>
+            </a:r>
+            <a:endParaRPr lang="en-US" altLang="x-none"/>
+          </a:p>
+          <a:p>
+            <a:pPr lvl="1"/>
+            <a:r>
+              <a:rPr lang="en-US" altLang="x-none"/>
+              <a:t>ModernGL</a:t>
+            </a:r>
+            <a:endParaRPr lang="en-US" altLang="x-none"/>
+          </a:p>
+          <a:p>
+            <a:pPr lvl="1"/>
+            <a:r>
+              <a:rPr lang="en-US" altLang="x-none"/>
+              <a:t>VTK</a:t>
+            </a:r>
+            <a:endParaRPr lang="en-US" altLang="x-none"/>
           </a:p>
         </p:txBody>
       </p:sp>
@@ -6553,1581 +8326,7 @@
 </p:sld>
 </file>
 
-<file path=ppt/slides/slide23.xml><?xml version="1.0" encoding="utf-8"?>
-<p:sld xmlns:a="http://schemas.openxmlformats.org/drawingml/2006/main" xmlns:r="http://schemas.openxmlformats.org/officeDocument/2006/relationships" xmlns:p="http://schemas.openxmlformats.org/presentationml/2006/main">
-  <p:cSld>
-    <p:spTree>
-      <p:nvGrpSpPr>
-        <p:cNvPr id="1" name=""/>
-        <p:cNvGrpSpPr/>
-        <p:nvPr/>
-      </p:nvGrpSpPr>
-      <p:grpSpPr/>
-      <p:sp>
-        <p:nvSpPr>
-          <p:cNvPr id="2" name="标题 1"/>
-          <p:cNvSpPr>
-            <a:spLocks noGrp="1"/>
-          </p:cNvSpPr>
-          <p:nvPr>
-            <p:ph type="title"/>
-          </p:nvPr>
-        </p:nvSpPr>
-        <p:spPr/>
-        <p:txBody>
-          <a:bodyPr/>
-          <a:p>
-            <a:r>
-              <a:rPr lang="en-US" altLang="zh-CN"/>
-              <a:t>Matplotlib</a:t>
-            </a:r>
-            <a:endParaRPr lang="en-US" altLang="zh-CN"/>
-          </a:p>
-        </p:txBody>
-      </p:sp>
-      <p:sp>
-        <p:nvSpPr>
-          <p:cNvPr id="3" name="内容占位符 2"/>
-          <p:cNvSpPr>
-            <a:spLocks noGrp="1"/>
-          </p:cNvSpPr>
-          <p:nvPr>
-            <p:ph idx="1"/>
-          </p:nvPr>
-        </p:nvSpPr>
-        <p:spPr/>
-        <p:txBody>
-          <a:bodyPr/>
-          <a:p>
-            <a:r>
-              <a:rPr lang="en-US" altLang="zh-CN" sz="1600">
-                <a:sym typeface="+mn-ea"/>
-              </a:rPr>
-              <a:t>matplotlib.use('Agg')	# when no display</a:t>
-            </a:r>
-            <a:endParaRPr lang="en-US" altLang="zh-CN" sz="1600"/>
-          </a:p>
-          <a:p>
-            <a:r>
-              <a:rPr lang="en-US" altLang="zh-CN" sz="1600"/>
-              <a:t>import matplotlib.pyplot as plt</a:t>
-            </a:r>
-            <a:endParaRPr lang="en-US" altLang="zh-CN" sz="1600"/>
-          </a:p>
-          <a:p>
-            <a:pPr lvl="1">
-              <a:buFont typeface="Wingdings" panose="05000000000000000000" pitchFamily="2" charset="2"/>
-              <a:buChar char="Ø"/>
-            </a:pPr>
-            <a:r>
-              <a:rPr lang="en-US" altLang="zh-CN" sz="1400"/>
-              <a:t>plt.title(text), </a:t>
-            </a:r>
-            <a:r>
-              <a:rPr lang="en-US" altLang="zh-CN" sz="1400">
-                <a:sym typeface="+mn-ea"/>
-              </a:rPr>
-              <a:t>plt.xlabel(), plt.ylabel(), plt.xticks(), plt.yticks(), plt.legend()</a:t>
-            </a:r>
-            <a:endParaRPr lang="en-US" altLang="zh-CN" sz="1400"/>
-          </a:p>
-          <a:p>
-            <a:pPr lvl="1">
-              <a:buFont typeface="Wingdings" panose="05000000000000000000" pitchFamily="2" charset="2"/>
-              <a:buChar char="Ø"/>
-            </a:pPr>
-            <a:r>
-              <a:rPr lang="en-US" altLang="zh-CN" sz="1400"/>
-              <a:t>plt.imshow(arr, cmap=plt.cm.gray), plt.imshow(img[..., ::-1])</a:t>
-            </a:r>
-            <a:endParaRPr lang="en-US" altLang="zh-CN" sz="1400"/>
-          </a:p>
-          <a:p>
-            <a:pPr lvl="1">
-              <a:buFont typeface="Wingdings" panose="05000000000000000000" pitchFamily="2" charset="2"/>
-              <a:buChar char="Ø"/>
-            </a:pPr>
-            <a:r>
-              <a:rPr lang="en-US" altLang="zh-CN" sz="1400"/>
-              <a:t>plt.show()</a:t>
-            </a:r>
-            <a:endParaRPr lang="en-US" altLang="zh-CN" sz="1400"/>
-          </a:p>
-          <a:p>
-            <a:pPr lvl="1">
-              <a:buFont typeface="Wingdings" panose="05000000000000000000" pitchFamily="2" charset="2"/>
-              <a:buChar char="Ø"/>
-            </a:pPr>
-            <a:r>
-              <a:rPr lang="en-US" altLang="zh-CN" sz="1400"/>
-              <a:t>plt.plot(), </a:t>
-            </a:r>
-            <a:r>
-              <a:rPr lang="en-US" altLang="zh-CN" sz="1400">
-                <a:sym typeface="+mn-ea"/>
-              </a:rPr>
-              <a:t>plt.subplot(), fig, ax = plt.subplots(), plt.clf()</a:t>
-            </a:r>
-            <a:endParaRPr lang="en-US" altLang="zh-CN" sz="1400"/>
-          </a:p>
-          <a:p>
-            <a:pPr lvl="1">
-              <a:buFont typeface="Wingdings" panose="05000000000000000000" pitchFamily="2" charset="2"/>
-              <a:buChar char="Ø"/>
-            </a:pPr>
-            <a:r>
-              <a:rPr lang="en-US" altLang="zh-CN" sz="1400"/>
-              <a:t>plt.hist(), plt.pcolor(),plt.colorbar(), plt.scatter(x, y, color)</a:t>
-            </a:r>
-            <a:endParaRPr lang="en-US" altLang="zh-CN" sz="1400"/>
-          </a:p>
-          <a:p>
-            <a:pPr lvl="1">
-              <a:buFont typeface="Wingdings" panose="05000000000000000000" pitchFamily="2" charset="2"/>
-              <a:buChar char="Ø"/>
-            </a:pPr>
-            <a:r>
-              <a:rPr lang="en-US" altLang="zh-CN" sz="1400"/>
-              <a:t>plt.axis('off')</a:t>
-            </a:r>
-            <a:endParaRPr lang="en-US" altLang="zh-CN" sz="1400"/>
-          </a:p>
-          <a:p>
-            <a:pPr lvl="1">
-              <a:buFont typeface="Wingdings" panose="05000000000000000000" pitchFamily="2" charset="2"/>
-              <a:buChar char="Ø"/>
-            </a:pPr>
-            <a:r>
-              <a:rPr lang="en-US" altLang="zh-CN" sz="1400"/>
-              <a:t>plt.savefig('a.png')</a:t>
-            </a:r>
-            <a:endParaRPr lang="en-US" altLang="zh-CN" sz="1400"/>
-          </a:p>
-          <a:p>
-            <a:pPr lvl="1">
-              <a:buFont typeface="Wingdings" panose="05000000000000000000" pitchFamily="2" charset="2"/>
-              <a:buChar char="Ø"/>
-            </a:pPr>
-            <a:r>
-              <a:rPr lang="en-US" altLang="zh-CN" sz="1400"/>
-              <a:t>plt.get_backend()</a:t>
-            </a:r>
-            <a:endParaRPr lang="en-US" altLang="zh-CN" sz="1400"/>
-          </a:p>
-          <a:p>
-            <a:r>
-              <a:rPr lang="en-US" altLang="zh-CN" sz="1600"/>
-              <a:t>Figure</a:t>
-            </a:r>
-            <a:endParaRPr lang="en-US" altLang="zh-CN" sz="1600"/>
-          </a:p>
-          <a:p>
-            <a:pPr lvl="1">
-              <a:buFont typeface="Wingdings" panose="05000000000000000000" pitchFamily="2" charset="2"/>
-              <a:buChar char="Ø"/>
-            </a:pPr>
-            <a:r>
-              <a:rPr lang="en-US" altLang="zh-CN" sz="1400"/>
-              <a:t>fig = plt.figure(figsize=(w,h))</a:t>
-            </a:r>
-            <a:endParaRPr lang="en-US" altLang="zh-CN" sz="1400"/>
-          </a:p>
-          <a:p>
-            <a:pPr lvl="1">
-              <a:buFont typeface="Wingdings" panose="05000000000000000000" pitchFamily="2" charset="2"/>
-              <a:buChar char="Ø"/>
-            </a:pPr>
-            <a:r>
-              <a:rPr lang="en-US" altLang="zh-CN" sz="1400"/>
-              <a:t>ax = fig.add_subplot()</a:t>
-            </a:r>
-            <a:endParaRPr lang="en-US" altLang="zh-CN" sz="1400"/>
-          </a:p>
-          <a:p>
-            <a:pPr lvl="1">
-              <a:buFont typeface="Wingdings" panose="05000000000000000000" pitchFamily="2" charset="2"/>
-              <a:buChar char="Ø"/>
-            </a:pPr>
-            <a:r>
-              <a:rPr lang="en-US" altLang="zh-CN" sz="1400"/>
-              <a:t>ax.matshow(matrix)</a:t>
-            </a:r>
-            <a:endParaRPr lang="en-US" altLang="zh-CN" sz="1400"/>
-          </a:p>
-          <a:p>
-            <a:pPr lvl="0">
-              <a:buFont typeface="Wingdings" panose="05000000000000000000" pitchFamily="2" charset="2"/>
-              <a:buChar char="Ø"/>
-            </a:pPr>
-            <a:r>
-              <a:rPr lang="en-US" altLang="zh-CN" sz="1600"/>
-              <a:t>Unicode support</a:t>
-            </a:r>
-            <a:endParaRPr lang="en-US" altLang="zh-CN" sz="1600"/>
-          </a:p>
-          <a:p>
-            <a:pPr lvl="1">
-              <a:buFont typeface="Wingdings" panose="05000000000000000000" pitchFamily="2" charset="2"/>
-              <a:buChar char="Ø"/>
-            </a:pPr>
-            <a:r>
-              <a:rPr lang="en-US" altLang="zh-CN" sz="1400"/>
-              <a:t>matplotlib.rcParams['font.family'] = 'SimHei'</a:t>
-            </a:r>
-            <a:endParaRPr lang="en-US" altLang="zh-CN" sz="1400"/>
-          </a:p>
-        </p:txBody>
-      </p:sp>
-    </p:spTree>
-  </p:cSld>
-  <p:clrMapOvr>
-    <a:masterClrMapping/>
-  </p:clrMapOvr>
-</p:sld>
-</file>
-
-<file path=ppt/slides/slide24.xml><?xml version="1.0" encoding="utf-8"?>
-<p:sld xmlns:a="http://schemas.openxmlformats.org/drawingml/2006/main" xmlns:r="http://schemas.openxmlformats.org/officeDocument/2006/relationships" xmlns:p="http://schemas.openxmlformats.org/presentationml/2006/main">
-  <p:cSld>
-    <p:spTree>
-      <p:nvGrpSpPr>
-        <p:cNvPr id="1" name=""/>
-        <p:cNvGrpSpPr/>
-        <p:nvPr/>
-      </p:nvGrpSpPr>
-      <p:grpSpPr/>
-      <p:sp>
-        <p:nvSpPr>
-          <p:cNvPr id="24578" name="标题 2"/>
-          <p:cNvSpPr>
-            <a:spLocks noGrp="1"/>
-          </p:cNvSpPr>
-          <p:nvPr>
-            <p:ph type="title"/>
-          </p:nvPr>
-        </p:nvSpPr>
-        <p:spPr/>
-        <p:txBody>
-          <a:bodyPr anchor="b">
-            <a:normAutofit/>
-          </a:bodyPr>
-          <a:p>
-            <a:r>
-              <a:rPr lang="en-US" altLang="zh-CN" smtClean="0"/>
-              <a:t>Seaborn</a:t>
-            </a:r>
-            <a:endParaRPr lang="en-US" altLang="zh-CN" smtClean="0"/>
-          </a:p>
-        </p:txBody>
-      </p:sp>
-      <p:sp>
-        <p:nvSpPr>
-          <p:cNvPr id="4" name="内容占位符 3"/>
-          <p:cNvSpPr>
-            <a:spLocks noGrp="1"/>
-          </p:cNvSpPr>
-          <p:nvPr>
-            <p:ph idx="1"/>
-          </p:nvPr>
-        </p:nvSpPr>
-        <p:spPr/>
-        <p:txBody>
-          <a:bodyPr>
-            <a:normAutofit/>
-          </a:bodyPr>
-          <a:p>
-            <a:pPr marL="357505" indent="-357505" algn="l">
-              <a:lnSpc>
-                <a:spcPct val="200000"/>
-              </a:lnSpc>
-              <a:buClr>
-                <a:schemeClr val="accent1"/>
-              </a:buClr>
-              <a:buSzTx/>
-              <a:buFont typeface="Wingdings" panose="05000000000000000000" pitchFamily="2" charset="2"/>
-              <a:buChar char=""/>
-            </a:pPr>
-            <a:r>
-              <a:rPr lang="en-US" altLang="zh-CN" smtClean="0"/>
-              <a:t>Basic</a:t>
-            </a:r>
-            <a:endParaRPr lang="en-US" altLang="zh-CN" smtClean="0"/>
-          </a:p>
-          <a:p>
-            <a:pPr lvl="1" algn="l">
-              <a:lnSpc>
-                <a:spcPct val="200000"/>
-              </a:lnSpc>
-              <a:buFont typeface="Wingdings" panose="05000000000000000000" pitchFamily="2" charset="2"/>
-              <a:buChar char=""/>
-            </a:pPr>
-            <a:r>
-              <a:rPr lang="en-US" altLang="zh-CN" smtClean="0"/>
-              <a:t>pip install seaborn</a:t>
-            </a:r>
-            <a:endParaRPr lang="en-US" altLang="zh-CN" smtClean="0"/>
-          </a:p>
-          <a:p>
-            <a:pPr lvl="1" algn="l">
-              <a:lnSpc>
-                <a:spcPct val="200000"/>
-              </a:lnSpc>
-              <a:buFont typeface="Wingdings" panose="05000000000000000000" pitchFamily="2" charset="2"/>
-              <a:buChar char=""/>
-            </a:pPr>
-            <a:r>
-              <a:rPr lang="en-US" altLang="zh-CN" smtClean="0"/>
-              <a:t>import seaborn as sns</a:t>
-            </a:r>
-            <a:endParaRPr lang="en-US" altLang="zh-CN" smtClean="0"/>
-          </a:p>
-          <a:p>
-            <a:pPr lvl="1" algn="l">
-              <a:lnSpc>
-                <a:spcPct val="200000"/>
-              </a:lnSpc>
-              <a:buFont typeface="Wingdings" panose="05000000000000000000" pitchFamily="2" charset="2"/>
-              <a:buChar char=""/>
-            </a:pPr>
-            <a:r>
-              <a:rPr lang="en-US" altLang="zh-CN" smtClean="0"/>
-              <a:t>It's a kind of enhancement of matplotlib.</a:t>
-            </a:r>
-            <a:endParaRPr lang="en-US" altLang="zh-CN" smtClean="0"/>
-          </a:p>
-          <a:p>
-            <a:pPr lvl="1" algn="l">
-              <a:lnSpc>
-                <a:spcPct val="200000"/>
-              </a:lnSpc>
-              <a:buFont typeface="Wingdings" panose="05000000000000000000" pitchFamily="2" charset="2"/>
-              <a:buChar char=""/>
-            </a:pPr>
-            <a:r>
-              <a:rPr lang="en-US" altLang="zh-CN" smtClean="0"/>
-              <a:t>heatmap()</a:t>
-            </a:r>
-            <a:endParaRPr lang="en-US" altLang="zh-CN" smtClean="0"/>
-          </a:p>
-        </p:txBody>
-      </p:sp>
-    </p:spTree>
-  </p:cSld>
-  <p:clrMapOvr>
-    <a:masterClrMapping/>
-  </p:clrMapOvr>
-</p:sld>
-</file>
-
-<file path=ppt/slides/slide25.xml><?xml version="1.0" encoding="utf-8"?>
-<p:sld xmlns:a="http://schemas.openxmlformats.org/drawingml/2006/main" xmlns:r="http://schemas.openxmlformats.org/officeDocument/2006/relationships" xmlns:p="http://schemas.openxmlformats.org/presentationml/2006/main">
-  <p:cSld>
-    <p:spTree>
-      <p:nvGrpSpPr>
-        <p:cNvPr id="1" name=""/>
-        <p:cNvGrpSpPr/>
-        <p:nvPr/>
-      </p:nvGrpSpPr>
-      <p:grpSpPr/>
-      <p:sp>
-        <p:nvSpPr>
-          <p:cNvPr id="24578" name="标题 2"/>
-          <p:cNvSpPr>
-            <a:spLocks noGrp="1"/>
-          </p:cNvSpPr>
-          <p:nvPr>
-            <p:ph type="title"/>
-          </p:nvPr>
-        </p:nvSpPr>
-        <p:spPr/>
-        <p:txBody>
-          <a:bodyPr anchor="b">
-            <a:normAutofit/>
-          </a:bodyPr>
-          <a:p>
-            <a:r>
-              <a:rPr lang="en-US" altLang="zh-CN" smtClean="0"/>
-              <a:t>xml</a:t>
-            </a:r>
-            <a:endParaRPr lang="en-US" altLang="zh-CN" smtClean="0"/>
-          </a:p>
-        </p:txBody>
-      </p:sp>
-      <p:sp>
-        <p:nvSpPr>
-          <p:cNvPr id="4" name="内容占位符 3"/>
-          <p:cNvSpPr>
-            <a:spLocks noGrp="1"/>
-          </p:cNvSpPr>
-          <p:nvPr>
-            <p:ph idx="1"/>
-          </p:nvPr>
-        </p:nvSpPr>
-        <p:spPr/>
-        <p:txBody>
-          <a:bodyPr>
-            <a:normAutofit lnSpcReduction="20000"/>
-          </a:bodyPr>
-          <a:p>
-            <a:pPr marL="357505" indent="-357505" algn="l">
-              <a:lnSpc>
-                <a:spcPct val="200000"/>
-              </a:lnSpc>
-              <a:buClr>
-                <a:schemeClr val="accent1"/>
-              </a:buClr>
-              <a:buSzTx/>
-              <a:buFont typeface="Wingdings" panose="05000000000000000000" pitchFamily="2" charset="2"/>
-              <a:buChar char=""/>
-            </a:pPr>
-            <a:r>
-              <a:rPr lang="en-US" altLang="zh-CN" smtClean="0"/>
-              <a:t>Basic</a:t>
-            </a:r>
-            <a:endParaRPr lang="en-US" altLang="zh-CN" smtClean="0"/>
-          </a:p>
-          <a:p>
-            <a:pPr lvl="1" algn="l">
-              <a:lnSpc>
-                <a:spcPct val="200000"/>
-              </a:lnSpc>
-              <a:buFont typeface="Wingdings" panose="05000000000000000000" pitchFamily="2" charset="2"/>
-              <a:buChar char=""/>
-            </a:pPr>
-            <a:r>
-              <a:rPr lang="en-US" altLang="zh-CN" smtClean="0"/>
-              <a:t>import xml.etree.ElementTree as ET</a:t>
-            </a:r>
-            <a:endParaRPr lang="en-US" altLang="zh-CN" smtClean="0"/>
-          </a:p>
-          <a:p>
-            <a:pPr lvl="1" algn="l">
-              <a:lnSpc>
-                <a:spcPct val="200000"/>
-              </a:lnSpc>
-              <a:buFont typeface="Wingdings" panose="05000000000000000000" pitchFamily="2" charset="2"/>
-              <a:buChar char=""/>
-            </a:pPr>
-            <a:r>
-              <a:rPr lang="en-US" altLang="zh-CN" smtClean="0"/>
-              <a:t>parser = ET.XMLParser(encoding='utf-8')</a:t>
-            </a:r>
-            <a:endParaRPr lang="en-US" altLang="zh-CN" smtClean="0"/>
-          </a:p>
-          <a:p>
-            <a:pPr lvl="1" algn="l">
-              <a:lnSpc>
-                <a:spcPct val="200000"/>
-              </a:lnSpc>
-              <a:buFont typeface="Wingdings" panose="05000000000000000000" pitchFamily="2" charset="2"/>
-              <a:buChar char=""/>
-            </a:pPr>
-            <a:r>
-              <a:rPr lang="en-US" altLang="zh-CN" smtClean="0"/>
-              <a:t>tree = ET.parse(fn, parser=parser)</a:t>
-            </a:r>
-            <a:endParaRPr lang="en-US" altLang="zh-CN" smtClean="0"/>
-          </a:p>
-          <a:p>
-            <a:pPr lvl="1" algn="l">
-              <a:lnSpc>
-                <a:spcPct val="200000"/>
-              </a:lnSpc>
-              <a:buFont typeface="Wingdings" panose="05000000000000000000" pitchFamily="2" charset="2"/>
-              <a:buChar char=""/>
-            </a:pPr>
-            <a:r>
-              <a:rPr lang="en-US" altLang="zh-CN" smtClean="0"/>
-              <a:t>root = tree.getroot()</a:t>
-            </a:r>
-            <a:endParaRPr lang="en-US" altLang="zh-CN" smtClean="0"/>
-          </a:p>
-          <a:p>
-            <a:pPr lvl="1" algn="l">
-              <a:lnSpc>
-                <a:spcPct val="200000"/>
-              </a:lnSpc>
-              <a:buFont typeface="Wingdings" panose="05000000000000000000" pitchFamily="2" charset="2"/>
-              <a:buChar char=""/>
-            </a:pPr>
-            <a:r>
-              <a:rPr lang="en-US" altLang="zh-CN" smtClean="0"/>
-              <a:t>for elem in root.findall(./level1/level2):</a:t>
-            </a:r>
-            <a:endParaRPr lang="en-US" altLang="zh-CN" smtClean="0"/>
-          </a:p>
-          <a:p>
-            <a:pPr lvl="2" algn="l">
-              <a:lnSpc>
-                <a:spcPct val="200000"/>
-              </a:lnSpc>
-              <a:buFont typeface="Wingdings" panose="05000000000000000000" pitchFamily="2" charset="2"/>
-              <a:buChar char=""/>
-            </a:pPr>
-            <a:r>
-              <a:rPr lang="en-US" altLang="zh-CN" smtClean="0"/>
-              <a:t>attrib = elem.attrib['attrib_name']</a:t>
-            </a:r>
-            <a:endParaRPr lang="en-US" altLang="zh-CN" smtClean="0"/>
-          </a:p>
-        </p:txBody>
-      </p:sp>
-    </p:spTree>
-  </p:cSld>
-  <p:clrMapOvr>
-    <a:masterClrMapping/>
-  </p:clrMapOvr>
-</p:sld>
-</file>
-
-<file path=ppt/slides/slide26.xml><?xml version="1.0" encoding="utf-8"?>
-<p:sld xmlns:a="http://schemas.openxmlformats.org/drawingml/2006/main" xmlns:r="http://schemas.openxmlformats.org/officeDocument/2006/relationships" xmlns:p="http://schemas.openxmlformats.org/presentationml/2006/main">
-  <p:cSld>
-    <p:spTree>
-      <p:nvGrpSpPr>
-        <p:cNvPr id="1" name=""/>
-        <p:cNvGrpSpPr/>
-        <p:nvPr/>
-      </p:nvGrpSpPr>
-      <p:grpSpPr/>
-      <p:sp>
-        <p:nvSpPr>
-          <p:cNvPr id="24578" name="标题 2"/>
-          <p:cNvSpPr>
-            <a:spLocks noGrp="1"/>
-          </p:cNvSpPr>
-          <p:nvPr>
-            <p:ph type="title"/>
-          </p:nvPr>
-        </p:nvSpPr>
-        <p:spPr/>
-        <p:txBody>
-          <a:bodyPr anchor="b">
-            <a:normAutofit/>
-          </a:bodyPr>
-          <a:p>
-            <a:r>
-              <a:rPr lang="en-US" altLang="zh-CN" smtClean="0"/>
-              <a:t>GUI</a:t>
-            </a:r>
-            <a:endParaRPr lang="en-US" altLang="zh-CN" smtClean="0"/>
-          </a:p>
-        </p:txBody>
-      </p:sp>
-      <p:sp>
-        <p:nvSpPr>
-          <p:cNvPr id="4" name="内容占位符 3"/>
-          <p:cNvSpPr>
-            <a:spLocks noGrp="1"/>
-          </p:cNvSpPr>
-          <p:nvPr>
-            <p:ph idx="1"/>
-          </p:nvPr>
-        </p:nvSpPr>
-        <p:spPr/>
-        <p:txBody>
-          <a:bodyPr>
-            <a:normAutofit fontScale="60000"/>
-          </a:bodyPr>
-          <a:p>
-            <a:pPr marL="357505" indent="-357505" algn="l">
-              <a:lnSpc>
-                <a:spcPct val="200000"/>
-              </a:lnSpc>
-              <a:buClr>
-                <a:schemeClr val="accent1"/>
-              </a:buClr>
-              <a:buSzTx/>
-              <a:buFont typeface="Wingdings" panose="05000000000000000000" pitchFamily="2" charset="2"/>
-              <a:buChar char=""/>
-            </a:pPr>
-            <a:r>
-              <a:rPr lang="en-US" altLang="zh-CN" smtClean="0"/>
-              <a:t>Tkinter</a:t>
-            </a:r>
-            <a:endParaRPr lang="en-US" altLang="zh-CN" smtClean="0"/>
-          </a:p>
-          <a:p>
-            <a:pPr lvl="1" algn="l">
-              <a:lnSpc>
-                <a:spcPct val="200000"/>
-              </a:lnSpc>
-              <a:buFont typeface="Wingdings" panose="05000000000000000000" pitchFamily="2" charset="2"/>
-              <a:buChar char=""/>
-            </a:pPr>
-            <a:r>
-              <a:rPr lang="en-US" altLang="zh-CN" smtClean="0"/>
-              <a:t>import tkinter</a:t>
-            </a:r>
-            <a:endParaRPr lang="en-US" altLang="zh-CN" smtClean="0"/>
-          </a:p>
-          <a:p>
-            <a:pPr lvl="1" algn="l">
-              <a:lnSpc>
-                <a:spcPct val="200000"/>
-              </a:lnSpc>
-              <a:buFont typeface="Wingdings" panose="05000000000000000000" pitchFamily="2" charset="2"/>
-              <a:buChar char=""/>
-            </a:pPr>
-            <a:r>
-              <a:rPr lang="en-US" altLang="zh-CN" smtClean="0"/>
-              <a:t>Tkinter._test()</a:t>
-            </a:r>
-            <a:endParaRPr lang="en-US" altLang="zh-CN" smtClean="0"/>
-          </a:p>
-          <a:p>
-            <a:pPr lvl="1" algn="l">
-              <a:lnSpc>
-                <a:spcPct val="200000"/>
-              </a:lnSpc>
-              <a:buFont typeface="Wingdings" panose="05000000000000000000" pitchFamily="2" charset="2"/>
-              <a:buChar char=""/>
-            </a:pPr>
-            <a:r>
-              <a:rPr lang="en-US" altLang="zh-CN" smtClean="0"/>
-              <a:t>Tk()	// return root widget</a:t>
-            </a:r>
-            <a:endParaRPr lang="en-US" altLang="zh-CN" smtClean="0"/>
-          </a:p>
-          <a:p>
-            <a:pPr lvl="2" algn="l">
-              <a:lnSpc>
-                <a:spcPct val="200000"/>
-              </a:lnSpc>
-              <a:buFont typeface="Wingdings" panose="05000000000000000000" pitchFamily="2" charset="2"/>
-              <a:buChar char=""/>
-            </a:pPr>
-            <a:r>
-              <a:rPr lang="en-US" altLang="zh-CN" smtClean="0"/>
-              <a:t>destroy()</a:t>
-            </a:r>
-            <a:endParaRPr lang="en-US" altLang="zh-CN" smtClean="0"/>
-          </a:p>
-          <a:p>
-            <a:pPr lvl="1" algn="l">
-              <a:lnSpc>
-                <a:spcPct val="200000"/>
-              </a:lnSpc>
-              <a:buFont typeface="Wingdings" panose="05000000000000000000" pitchFamily="2" charset="2"/>
-              <a:buChar char=""/>
-            </a:pPr>
-            <a:r>
-              <a:rPr lang="en-US" altLang="zh-CN" smtClean="0"/>
-              <a:t>Frame</a:t>
-            </a:r>
-            <a:endParaRPr lang="en-US" altLang="zh-CN" smtClean="0"/>
-          </a:p>
-          <a:p>
-            <a:pPr lvl="2" algn="l">
-              <a:lnSpc>
-                <a:spcPct val="200000"/>
-              </a:lnSpc>
-              <a:buFont typeface="Wingdings" panose="05000000000000000000" pitchFamily="2" charset="2"/>
-              <a:buChar char=""/>
-            </a:pPr>
-            <a:r>
-              <a:rPr lang="en-US" altLang="zh-CN" smtClean="0"/>
-              <a:t>mainloop()</a:t>
-            </a:r>
-            <a:endParaRPr lang="en-US" altLang="zh-CN" smtClean="0"/>
-          </a:p>
-          <a:p>
-            <a:pPr lvl="0" algn="l">
-              <a:lnSpc>
-                <a:spcPct val="200000"/>
-              </a:lnSpc>
-              <a:buFont typeface="Wingdings" panose="05000000000000000000" pitchFamily="2" charset="2"/>
-              <a:buChar char=""/>
-            </a:pPr>
-            <a:r>
-              <a:rPr lang="en-US" altLang="zh-CN" smtClean="0"/>
-              <a:t>Reference</a:t>
-            </a:r>
-            <a:endParaRPr lang="en-US" altLang="zh-CN" smtClean="0"/>
-          </a:p>
-          <a:p>
-            <a:pPr lvl="1" algn="l">
-              <a:lnSpc>
-                <a:spcPct val="200000"/>
-              </a:lnSpc>
-              <a:buFont typeface="Wingdings" panose="05000000000000000000" pitchFamily="2" charset="2"/>
-              <a:buChar char=""/>
-            </a:pPr>
-            <a:r>
-              <a:rPr lang="en-US" altLang="zh-CN" smtClean="0"/>
-              <a:t>http://infohost.nmt.edu/tcc/help/pubs/tkinter/web/index.html</a:t>
-            </a:r>
-            <a:endParaRPr lang="en-US" altLang="zh-CN" smtClean="0"/>
-          </a:p>
-        </p:txBody>
-      </p:sp>
-      <p:sp>
-        <p:nvSpPr>
-          <p:cNvPr id="2" name="文本框 1"/>
-          <p:cNvSpPr txBox="1"/>
-          <p:nvPr/>
-        </p:nvSpPr>
-        <p:spPr>
-          <a:xfrm>
-            <a:off x="7054850" y="1144270"/>
-            <a:ext cx="4228465" cy="4246245"/>
-          </a:xfrm>
-          <a:prstGeom prst="rect">
-            <a:avLst/>
-          </a:prstGeom>
-          <a:noFill/>
-          <a:ln w="12700" cmpd="sng">
-            <a:solidFill>
-              <a:schemeClr val="accent1">
-                <a:shade val="50000"/>
-              </a:schemeClr>
-            </a:solidFill>
-            <a:prstDash val="solid"/>
-          </a:ln>
-        </p:spPr>
-        <p:txBody>
-          <a:bodyPr wrap="square" rtlCol="0">
-            <a:spAutoFit/>
-          </a:bodyPr>
-          <a:p>
-            <a:r>
-              <a:rPr lang="en-US" altLang="zh-CN"/>
-              <a:t>import tkinter as tk</a:t>
-            </a:r>
-            <a:endParaRPr lang="en-US" altLang="zh-CN"/>
-          </a:p>
-          <a:p>
-            <a:r>
-              <a:rPr lang="en-US" altLang="zh-CN"/>
-              <a:t>root = tk.Tk()</a:t>
-            </a:r>
-            <a:endParaRPr lang="en-US" altLang="zh-CN"/>
-          </a:p>
-          <a:p>
-            <a:r>
-              <a:rPr lang="en-US" altLang="zh-CN"/>
-              <a:t>app = Application(master=root)</a:t>
-            </a:r>
-            <a:endParaRPr lang="en-US" altLang="zh-CN"/>
-          </a:p>
-          <a:p>
-            <a:r>
-              <a:rPr lang="en-US" altLang="zh-CN"/>
-              <a:t>app.master.title('Title')</a:t>
-            </a:r>
-            <a:endParaRPr lang="en-US" altLang="zh-CN"/>
-          </a:p>
-          <a:p>
-            <a:r>
-              <a:rPr lang="en-US" altLang="zh-CN"/>
-              <a:t>app.master.geometry('800x600')</a:t>
-            </a:r>
-            <a:endParaRPr lang="en-US" altLang="zh-CN"/>
-          </a:p>
-          <a:p>
-            <a:r>
-              <a:rPr lang="en-US" altLang="zh-CN"/>
-              <a:t>app.mainloop()</a:t>
-            </a:r>
-            <a:endParaRPr lang="en-US" altLang="zh-CN"/>
-          </a:p>
-          <a:p>
-            <a:endParaRPr lang="en-US" altLang="zh-CN"/>
-          </a:p>
-          <a:p>
-            <a:r>
-              <a:rPr lang="en-US" altLang="zh-CN"/>
-              <a:t>class Application(tk.Frame):</a:t>
-            </a:r>
-            <a:endParaRPr lang="en-US" altLang="zh-CN"/>
-          </a:p>
-          <a:p>
-            <a:r>
-              <a:rPr lang="en-US" altLang="zh-CN"/>
-              <a:t>    def __init__(self):</a:t>
-            </a:r>
-            <a:endParaRPr lang="en-US" altLang="zh-CN"/>
-          </a:p>
-          <a:p>
-            <a:r>
-              <a:rPr lang="en-US" altLang="zh-CN"/>
-              <a:t>        super().__init__(self)</a:t>
-            </a:r>
-            <a:endParaRPr lang="en-US" altLang="zh-CN"/>
-          </a:p>
-          <a:p>
-            <a:r>
-              <a:rPr lang="en-US" altLang="zh-CN"/>
-              <a:t>        self.pack()</a:t>
-            </a:r>
-            <a:endParaRPr lang="en-US" altLang="zh-CN"/>
-          </a:p>
-          <a:p>
-            <a:r>
-              <a:rPr lang="en-US" altLang="zh-CN"/>
-              <a:t>        btn = tk.Button(self, text='', command=cmd)</a:t>
-            </a:r>
-            <a:endParaRPr lang="en-US" altLang="zh-CN"/>
-          </a:p>
-          <a:p>
-            <a:r>
-              <a:rPr lang="en-US" altLang="zh-CN"/>
-              <a:t>        btn.grid(row=r, column=c, columnspan=cs)</a:t>
-            </a:r>
-            <a:endParaRPr lang="en-US" altLang="zh-CN"/>
-          </a:p>
-        </p:txBody>
-      </p:sp>
-    </p:spTree>
-  </p:cSld>
-  <p:clrMapOvr>
-    <a:masterClrMapping/>
-  </p:clrMapOvr>
-</p:sld>
-</file>
-
-<file path=ppt/slides/slide27.xml><?xml version="1.0" encoding="utf-8"?>
-<p:sld xmlns:a="http://schemas.openxmlformats.org/drawingml/2006/main" xmlns:r="http://schemas.openxmlformats.org/officeDocument/2006/relationships" xmlns:p="http://schemas.openxmlformats.org/presentationml/2006/main">
-  <p:cSld>
-    <p:spTree>
-      <p:nvGrpSpPr>
-        <p:cNvPr id="1" name=""/>
-        <p:cNvGrpSpPr/>
-        <p:nvPr/>
-      </p:nvGrpSpPr>
-      <p:grpSpPr/>
-      <p:sp>
-        <p:nvSpPr>
-          <p:cNvPr id="2" name="Title 1"/>
-          <p:cNvSpPr>
-            <a:spLocks noGrp="1"/>
-          </p:cNvSpPr>
-          <p:nvPr>
-            <p:ph type="title"/>
-          </p:nvPr>
-        </p:nvSpPr>
-        <p:spPr/>
-        <p:txBody>
-          <a:bodyPr>
-            <a:normAutofit/>
-          </a:bodyPr>
-          <a:p>
-            <a:r>
-              <a:rPr lang="x-none" altLang="en-US"/>
-              <a:t>Video</a:t>
-            </a:r>
-            <a:endParaRPr lang="x-none" altLang="en-US"/>
-          </a:p>
-        </p:txBody>
-      </p:sp>
-      <p:sp>
-        <p:nvSpPr>
-          <p:cNvPr id="3" name="Content Placeholder 2"/>
-          <p:cNvSpPr>
-            <a:spLocks noGrp="1"/>
-          </p:cNvSpPr>
-          <p:nvPr>
-            <p:ph idx="1"/>
-          </p:nvPr>
-        </p:nvSpPr>
-        <p:spPr/>
-        <p:txBody>
-          <a:bodyPr/>
-          <a:p>
-            <a:r>
-              <a:rPr lang="x-none" altLang="en-US"/>
-              <a:t>PyAv</a:t>
-            </a:r>
-            <a:endParaRPr lang="x-none" altLang="en-US"/>
-          </a:p>
-          <a:p>
-            <a:pPr lvl="1"/>
-            <a:r>
-              <a:rPr lang="x-none" altLang="en-US" sz="2000"/>
-              <a:t>Pythonic binding for FFmpeg or Libav</a:t>
-            </a:r>
-            <a:endParaRPr lang="x-none" altLang="en-US" sz="2000"/>
-          </a:p>
-          <a:p>
-            <a:pPr lvl="0"/>
-            <a:r>
-              <a:rPr lang="x-none" altLang="en-US"/>
-              <a:t>Install</a:t>
-            </a:r>
-            <a:endParaRPr lang="x-none" altLang="en-US"/>
-          </a:p>
-          <a:p>
-            <a:pPr lvl="1"/>
-            <a:r>
-              <a:rPr lang="x-none" altLang="en-US"/>
-              <a:t>sudo apt install -y python-dev pkg-config libavformat-dev libavcodec-dev libavdevice-dev libavutil-dev libswscale-dev libavresample-dev libavfilter-dev</a:t>
-            </a:r>
-            <a:endParaRPr lang="x-none" altLang="en-US"/>
-          </a:p>
-          <a:p>
-            <a:pPr lvl="1"/>
-            <a:r>
-              <a:rPr lang="x-none" altLang="en-US"/>
-              <a:t>pip install av</a:t>
-            </a:r>
-            <a:endParaRPr lang="x-none" altLang="en-US"/>
-          </a:p>
-          <a:p>
-            <a:pPr lvl="0"/>
-            <a:r>
-              <a:rPr lang="x-none" altLang="en-US"/>
-              <a:t>Usage</a:t>
-            </a:r>
-            <a:endParaRPr lang="x-none" altLang="en-US"/>
-          </a:p>
-          <a:p>
-            <a:pPr lvl="1"/>
-            <a:r>
-              <a:rPr lang="x-none" altLang="en-US"/>
-              <a:t>container = av.open(fn)</a:t>
-            </a:r>
-            <a:endParaRPr lang="x-none" altLang="en-US"/>
-          </a:p>
-        </p:txBody>
-      </p:sp>
-    </p:spTree>
-  </p:cSld>
-  <p:clrMapOvr>
-    <a:masterClrMapping/>
-  </p:clrMapOvr>
-</p:sld>
-</file>
-
-<file path=ppt/slides/slide28.xml><?xml version="1.0" encoding="utf-8"?>
-<p:sld xmlns:a="http://schemas.openxmlformats.org/drawingml/2006/main" xmlns:r="http://schemas.openxmlformats.org/officeDocument/2006/relationships" xmlns:p="http://schemas.openxmlformats.org/presentationml/2006/main">
-  <p:cSld>
-    <p:spTree>
-      <p:nvGrpSpPr>
-        <p:cNvPr id="1" name=""/>
-        <p:cNvGrpSpPr/>
-        <p:nvPr/>
-      </p:nvGrpSpPr>
-      <p:grpSpPr/>
-      <p:sp>
-        <p:nvSpPr>
-          <p:cNvPr id="2" name="标题 1"/>
-          <p:cNvSpPr>
-            <a:spLocks noGrp="1"/>
-          </p:cNvSpPr>
-          <p:nvPr>
-            <p:ph type="title"/>
-          </p:nvPr>
-        </p:nvSpPr>
-        <p:spPr/>
-        <p:txBody>
-          <a:bodyPr/>
-          <a:p>
-            <a:r>
-              <a:rPr lang="en-US" altLang="zh-CN"/>
-              <a:t>Audio</a:t>
-            </a:r>
-            <a:endParaRPr lang="en-US" altLang="zh-CN"/>
-          </a:p>
-        </p:txBody>
-      </p:sp>
-      <p:sp>
-        <p:nvSpPr>
-          <p:cNvPr id="3" name="内容占位符 2"/>
-          <p:cNvSpPr>
-            <a:spLocks noGrp="1"/>
-          </p:cNvSpPr>
-          <p:nvPr>
-            <p:ph idx="1"/>
-          </p:nvPr>
-        </p:nvSpPr>
-        <p:spPr/>
-        <p:txBody>
-          <a:bodyPr/>
-          <a:p>
-            <a:r>
-              <a:rPr lang="en-US" altLang="zh-CN"/>
-              <a:t>pip install librosa</a:t>
-            </a:r>
-            <a:endParaRPr lang="en-US" altLang="zh-CN"/>
-          </a:p>
-          <a:p>
-            <a:r>
-              <a:rPr lang="en-US" altLang="zh-CN"/>
-              <a:t>Usage</a:t>
-            </a:r>
-            <a:endParaRPr lang="en-US" altLang="zh-CN"/>
-          </a:p>
-          <a:p>
-            <a:pPr lvl="1"/>
-            <a:r>
-              <a:rPr lang="en-US" altLang="zh-CN"/>
-              <a:t>import librosa</a:t>
-            </a:r>
-            <a:endParaRPr lang="en-US" altLang="zh-CN"/>
-          </a:p>
-          <a:p>
-            <a:pPr lvl="1"/>
-            <a:r>
-              <a:rPr lang="en-US" altLang="zh-CN"/>
-              <a:t>data, sample_rate = librosa.load(fn_audio)</a:t>
-            </a:r>
-            <a:endParaRPr lang="en-US" altLang="zh-CN"/>
-          </a:p>
-          <a:p>
-            <a:pPr lvl="1"/>
-            <a:r>
-              <a:rPr lang="en-US" altLang="zh-CN"/>
-              <a:t>import librosa.display</a:t>
-            </a:r>
-            <a:endParaRPr lang="en-US" altLang="zh-CN"/>
-          </a:p>
-          <a:p>
-            <a:pPr lvl="1"/>
-            <a:r>
-              <a:rPr lang="en-US" altLang="zh-CN"/>
-              <a:t>plt.figure()</a:t>
-            </a:r>
-            <a:endParaRPr lang="en-US" altLang="zh-CN"/>
-          </a:p>
-          <a:p>
-            <a:pPr lvl="1"/>
-            <a:r>
-              <a:rPr lang="en-US" altLang="zh-CN"/>
-              <a:t>librosa.dipslay.waveplot(data, sample_rate)</a:t>
-            </a:r>
-            <a:endParaRPr lang="en-US" altLang="zh-CN"/>
-          </a:p>
-          <a:p>
-            <a:pPr lvl="1"/>
-            <a:r>
-              <a:rPr lang="en-US" altLang="zh-CN"/>
-              <a:t>plt.show()</a:t>
-            </a:r>
-            <a:endParaRPr lang="en-US" altLang="zh-CN"/>
-          </a:p>
-        </p:txBody>
-      </p:sp>
-    </p:spTree>
-  </p:cSld>
-  <p:clrMapOvr>
-    <a:masterClrMapping/>
-  </p:clrMapOvr>
-</p:sld>
-</file>
-
-<file path=ppt/slides/slide29.xml><?xml version="1.0" encoding="utf-8"?>
-<p:sld xmlns:a="http://schemas.openxmlformats.org/drawingml/2006/main" xmlns:r="http://schemas.openxmlformats.org/officeDocument/2006/relationships" xmlns:p="http://schemas.openxmlformats.org/presentationml/2006/main">
-  <p:cSld>
-    <p:spTree>
-      <p:nvGrpSpPr>
-        <p:cNvPr id="1" name=""/>
-        <p:cNvGrpSpPr/>
-        <p:nvPr/>
-      </p:nvGrpSpPr>
-      <p:grpSpPr/>
-      <p:sp>
-        <p:nvSpPr>
-          <p:cNvPr id="2" name="Title 1"/>
-          <p:cNvSpPr>
-            <a:spLocks noGrp="1"/>
-          </p:cNvSpPr>
-          <p:nvPr>
-            <p:ph type="title"/>
-          </p:nvPr>
-        </p:nvSpPr>
-        <p:spPr/>
-        <p:txBody>
-          <a:bodyPr/>
-          <a:p>
-            <a:r>
-              <a:rPr lang="x-none" altLang="en-US"/>
-              <a:t>3D</a:t>
-            </a:r>
-            <a:endParaRPr lang="x-none" altLang="en-US"/>
-          </a:p>
-        </p:txBody>
-      </p:sp>
-      <p:sp>
-        <p:nvSpPr>
-          <p:cNvPr id="3" name="Content Placeholder 2"/>
-          <p:cNvSpPr>
-            <a:spLocks noGrp="1"/>
-          </p:cNvSpPr>
-          <p:nvPr>
-            <p:ph idx="1"/>
-          </p:nvPr>
-        </p:nvSpPr>
-        <p:spPr/>
-        <p:txBody>
-          <a:bodyPr>
-            <a:normAutofit fontScale="50000"/>
-          </a:bodyPr>
-          <a:p>
-            <a:r>
-              <a:rPr lang="x-none" altLang="en-US"/>
-              <a:t>ModernGL</a:t>
-            </a:r>
-            <a:endParaRPr lang="x-none" altLang="en-US"/>
-          </a:p>
-          <a:p>
-            <a:pPr lvl="1"/>
-            <a:r>
-              <a:rPr lang="x-none" altLang="en-US"/>
-              <a:t>pip install ModernGL</a:t>
-            </a:r>
-            <a:endParaRPr lang="x-none" altLang="en-US"/>
-          </a:p>
-          <a:p>
-            <a:pPr lvl="1"/>
-            <a:r>
-              <a:rPr lang="x-none" altLang="en-US"/>
-              <a:t>https://github.com/cprogrammer1994/ModernGL</a:t>
-            </a:r>
-            <a:endParaRPr lang="x-none" altLang="en-US"/>
-          </a:p>
-          <a:p>
-            <a:pPr lvl="1"/>
-            <a:r>
-              <a:rPr lang="x-none" altLang="en-US"/>
-              <a:t>Content</a:t>
-            </a:r>
-            <a:endParaRPr lang="x-none" altLang="en-US"/>
-          </a:p>
-          <a:p>
-            <a:pPr lvl="2"/>
-            <a:r>
-              <a:rPr lang="x-none" altLang="en-US" sz="1800"/>
-              <a:t>simple_vertex_array</a:t>
-            </a:r>
-            <a:endParaRPr lang="x-none" altLang="en-US" sz="1800"/>
-          </a:p>
-          <a:p>
-            <a:pPr lvl="2"/>
-            <a:r>
-              <a:rPr lang="x-none" altLang="en-US" sz="1800"/>
-              <a:t>vertex_array</a:t>
-            </a:r>
-            <a:endParaRPr lang="x-none" altLang="en-US" sz="1800"/>
-          </a:p>
-          <a:p>
-            <a:pPr lvl="0"/>
-            <a:r>
-              <a:rPr lang="x-none" altLang="en-US"/>
-              <a:t>Load model</a:t>
-            </a:r>
-            <a:r>
-              <a:rPr lang="en-US" altLang="x-none"/>
-              <a:t>s</a:t>
-            </a:r>
-            <a:endParaRPr lang="x-none" altLang="en-US"/>
-          </a:p>
-          <a:p>
-            <a:pPr lvl="1"/>
-            <a:r>
-              <a:rPr lang="x-none" altLang="en-US"/>
-              <a:t>pip install objloader</a:t>
-            </a:r>
-            <a:endParaRPr lang="x-none" altLang="en-US"/>
-          </a:p>
-          <a:p>
-            <a:pPr lvl="1"/>
-            <a:r>
-              <a:rPr lang="en-US" altLang="x-none"/>
-              <a:t>pip install plyfile (https://github.com/dranjan/python-plyfile)</a:t>
-            </a:r>
-            <a:endParaRPr lang="en-US" altLang="x-none"/>
-          </a:p>
-          <a:p>
-            <a:pPr lvl="1"/>
-            <a:r>
-              <a:rPr lang="en-US" altLang="x-none"/>
-              <a:t>PyAssimp (https://github.com/assimp/assimp/tree/master/port/PyAssimp)</a:t>
-            </a:r>
-            <a:endParaRPr lang="en-US" altLang="x-none"/>
-          </a:p>
-          <a:p>
-            <a:pPr lvl="1"/>
-            <a:r>
-              <a:rPr lang="en-US" altLang="x-none"/>
-              <a:t>pip install pyntcloud (https://github.com/daavoo/pyntcloud)</a:t>
-            </a:r>
-            <a:endParaRPr lang="en-US" altLang="x-none"/>
-          </a:p>
-          <a:p>
-            <a:pPr lvl="1"/>
-            <a:r>
-              <a:rPr lang="en-US" altLang="x-none"/>
-              <a:t>https://github.com/PyMesh/PyMesh</a:t>
-            </a:r>
-            <a:endParaRPr lang="en-US" altLang="x-none"/>
-          </a:p>
-          <a:p>
-            <a:pPr lvl="0"/>
-            <a:r>
-              <a:rPr lang="x-none" altLang="en-US"/>
-              <a:t>3D math functions</a:t>
-            </a:r>
-            <a:endParaRPr lang="x-none" altLang="en-US"/>
-          </a:p>
-          <a:p>
-            <a:pPr lvl="1"/>
-            <a:r>
-              <a:rPr lang="x-none" altLang="en-US"/>
-              <a:t>pip install pyrr</a:t>
-            </a:r>
-            <a:endParaRPr lang="x-none" altLang="en-US"/>
-          </a:p>
-          <a:p>
-            <a:pPr lvl="1"/>
-            <a:r>
-              <a:rPr lang="x-none" altLang="en-US"/>
-              <a:t>https://github.com/adamlwgriffiths/Pyrr</a:t>
-            </a:r>
-            <a:endParaRPr lang="x-none" altLang="en-US"/>
-          </a:p>
-          <a:p>
-            <a:pPr lvl="0"/>
-            <a:r>
-              <a:rPr lang="en-US" altLang="x-none"/>
-              <a:t>Rendering</a:t>
-            </a:r>
-            <a:endParaRPr lang="en-US" altLang="x-none"/>
-          </a:p>
-          <a:p>
-            <a:pPr lvl="1"/>
-            <a:r>
-              <a:rPr lang="en-US" altLang="x-none" sz="2000"/>
-              <a:t>Open3D (https://github.com/IntelVCL/Open3D)</a:t>
-            </a:r>
-            <a:endParaRPr lang="en-US" altLang="x-none" sz="2000"/>
-          </a:p>
-          <a:p>
-            <a:pPr lvl="2"/>
-            <a:r>
-              <a:rPr lang="en-US" altLang="x-none" sz="1800"/>
-              <a:t>pip install open3d</a:t>
-            </a:r>
-            <a:endParaRPr lang="en-US" altLang="x-none" sz="1800"/>
-          </a:p>
-          <a:p>
-            <a:pPr lvl="1"/>
-            <a:r>
-              <a:rPr lang="en-US" altLang="x-none"/>
-              <a:t>PyOpenGL</a:t>
-            </a:r>
-            <a:endParaRPr lang="en-US" altLang="x-none"/>
-          </a:p>
-          <a:p>
-            <a:pPr lvl="1"/>
-            <a:r>
-              <a:rPr lang="en-US" altLang="x-none"/>
-              <a:t>ModernGL</a:t>
-            </a:r>
-            <a:endParaRPr lang="en-US" altLang="x-none"/>
-          </a:p>
-        </p:txBody>
-      </p:sp>
-    </p:spTree>
-  </p:cSld>
-  <p:clrMapOvr>
-    <a:masterClrMapping/>
-  </p:clrMapOvr>
-</p:sld>
-</file>
-
-<file path=ppt/slides/slide3.xml><?xml version="1.0" encoding="utf-8"?>
-<p:sld xmlns:a="http://schemas.openxmlformats.org/drawingml/2006/main" xmlns:r="http://schemas.openxmlformats.org/officeDocument/2006/relationships" xmlns:p="http://schemas.openxmlformats.org/presentationml/2006/main">
-  <p:cSld>
-    <p:spTree>
-      <p:nvGrpSpPr>
-        <p:cNvPr id="1" name=""/>
-        <p:cNvGrpSpPr/>
-        <p:nvPr/>
-      </p:nvGrpSpPr>
-      <p:grpSpPr/>
-      <p:sp>
-        <p:nvSpPr>
-          <p:cNvPr id="2" name="标题 1"/>
-          <p:cNvSpPr>
-            <a:spLocks noGrp="1"/>
-          </p:cNvSpPr>
-          <p:nvPr>
-            <p:ph type="title"/>
-          </p:nvPr>
-        </p:nvSpPr>
-        <p:spPr/>
-        <p:txBody>
-          <a:bodyPr/>
-          <a:p>
-            <a:r>
-              <a:rPr lang="en-US" altLang="zh-CN"/>
-              <a:t>Basic 2/2</a:t>
-            </a:r>
-            <a:endParaRPr lang="en-US" altLang="zh-CN"/>
-          </a:p>
-        </p:txBody>
-      </p:sp>
-      <p:sp>
-        <p:nvSpPr>
-          <p:cNvPr id="3" name="内容占位符 2"/>
-          <p:cNvSpPr>
-            <a:spLocks noGrp="1"/>
-          </p:cNvSpPr>
-          <p:nvPr>
-            <p:ph idx="1"/>
-          </p:nvPr>
-        </p:nvSpPr>
-        <p:spPr/>
-        <p:txBody>
-          <a:bodyPr>
-            <a:noAutofit/>
-          </a:bodyPr>
-          <a:p>
-            <a:r>
-              <a:rPr lang="en-US" altLang="zh-CN" sz="1600"/>
-              <a:t>Pip</a:t>
-            </a:r>
-            <a:endParaRPr lang="en-US" altLang="zh-CN" sz="1600"/>
-          </a:p>
-          <a:p>
-            <a:pPr lvl="1">
-              <a:buFont typeface="Wingdings" panose="05000000000000000000" pitchFamily="2" charset="2"/>
-              <a:buChar char=""/>
-            </a:pPr>
-            <a:r>
-              <a:rPr lang="en-US" altLang="en-US" sz="1400"/>
-              <a:t>sudo apt install python-pip</a:t>
-            </a:r>
-            <a:endParaRPr lang="en-US" altLang="en-US" sz="1400"/>
-          </a:p>
-          <a:p>
-            <a:pPr lvl="1">
-              <a:buFont typeface="Wingdings" panose="05000000000000000000" pitchFamily="2" charset="2"/>
-              <a:buChar char=""/>
-            </a:pPr>
-            <a:r>
-              <a:rPr lang="en-US" altLang="en-US" sz="1400"/>
-              <a:t>pip search &lt;package_name&gt;</a:t>
-            </a:r>
-            <a:endParaRPr lang="en-US" altLang="zh-CN" sz="1400"/>
-          </a:p>
-          <a:p>
-            <a:pPr lvl="1">
-              <a:buFont typeface="Wingdings" panose="05000000000000000000" pitchFamily="2" charset="2"/>
-              <a:buChar char=""/>
-            </a:pPr>
-            <a:r>
-              <a:rPr lang="en-US" altLang="zh-CN" sz="1400"/>
-              <a:t>Mirror</a:t>
-            </a:r>
-            <a:endParaRPr lang="en-US" altLang="zh-CN" sz="1400"/>
-          </a:p>
-          <a:p>
-            <a:pPr lvl="2">
-              <a:buFont typeface="Wingdings" panose="05000000000000000000" pitchFamily="2" charset="2"/>
-              <a:buChar char=""/>
-            </a:pPr>
-            <a:r>
-              <a:rPr lang="en-US" altLang="zh-CN" sz="1200"/>
-              <a:t>Linux: ~/.pip/pip.conf</a:t>
-            </a:r>
-            <a:endParaRPr lang="en-US" altLang="zh-CN" sz="1200"/>
-          </a:p>
-          <a:p>
-            <a:pPr lvl="2">
-              <a:buFont typeface="Wingdings" panose="05000000000000000000" pitchFamily="2" charset="2"/>
-              <a:buChar char=""/>
-            </a:pPr>
-            <a:r>
-              <a:rPr lang="en-US" altLang="zh-CN" sz="1200"/>
-              <a:t>Windows: C:\ProgramData\pip\pip.ini</a:t>
-            </a:r>
-            <a:endParaRPr lang="en-US" altLang="zh-CN" sz="1400">
-              <a:latin typeface="幼圆" panose="02010509060101010101" pitchFamily="49" charset="-122"/>
-              <a:ea typeface="SimHei" panose="02010609060101010101" pitchFamily="49" charset="-122"/>
-            </a:endParaRPr>
-          </a:p>
-          <a:p>
-            <a:pPr lvl="0">
-              <a:buFont typeface="Wingdings" panose="05000000000000000000" pitchFamily="2" charset="2"/>
-              <a:buChar char=""/>
-            </a:pPr>
-            <a:r>
-              <a:rPr lang="en-US" altLang="zh-CN" sz="1600">
-                <a:sym typeface="+mn-ea"/>
-              </a:rPr>
-              <a:t>ipython</a:t>
-            </a:r>
-            <a:endParaRPr lang="en-US" altLang="zh-CN" sz="1600">
-              <a:sym typeface="+mn-ea"/>
-            </a:endParaRPr>
-          </a:p>
-          <a:p>
-            <a:pPr lvl="1">
-              <a:buFont typeface="Wingdings" panose="05000000000000000000" pitchFamily="2" charset="2"/>
-              <a:buChar char=""/>
-            </a:pPr>
-            <a:r>
-              <a:rPr lang="x-none" altLang="en-US" sz="1400">
-                <a:sym typeface="+mn-ea"/>
-              </a:rPr>
-              <a:t>Install ipython in each virtualenv</a:t>
-            </a:r>
-            <a:endParaRPr lang="x-none" altLang="en-US" sz="1400">
-              <a:sym typeface="+mn-ea"/>
-            </a:endParaRPr>
-          </a:p>
-          <a:p>
-            <a:pPr lvl="1">
-              <a:buFont typeface="Wingdings" panose="05000000000000000000" pitchFamily="2" charset="2"/>
-              <a:buChar char=""/>
-            </a:pPr>
-            <a:r>
-              <a:rPr lang="en-US" altLang="zh-CN" sz="1600">
-                <a:latin typeface="幼圆" panose="02010509060101010101" pitchFamily="49" charset="-122"/>
-                <a:ea typeface="SimHei" panose="02010609060101010101" pitchFamily="49" charset="-122"/>
-                <a:sym typeface="+mn-ea"/>
-              </a:rPr>
-              <a:t>pip install ipython</a:t>
-            </a:r>
-            <a:endParaRPr lang="en-US" altLang="zh-CN" sz="1600">
-              <a:latin typeface="幼圆" panose="02010509060101010101" pitchFamily="49" charset="-122"/>
-              <a:ea typeface="SimHei" panose="02010609060101010101" pitchFamily="49" charset="-122"/>
-            </a:endParaRPr>
-          </a:p>
-          <a:p>
-            <a:pPr lvl="1">
-              <a:buFont typeface="Wingdings" panose="05000000000000000000" pitchFamily="2" charset="2"/>
-              <a:buChar char=""/>
-            </a:pPr>
-            <a:r>
-              <a:rPr lang="en-US" altLang="zh-CN" sz="1600">
-                <a:latin typeface="幼圆" panose="02010509060101010101" pitchFamily="49" charset="-122"/>
-                <a:ea typeface="SimHei" panose="02010609060101010101" pitchFamily="49" charset="-122"/>
-                <a:sym typeface="+mn-ea"/>
-              </a:rPr>
-              <a:t>history, %hist, %logstart</a:t>
-            </a:r>
-            <a:endParaRPr lang="en-US" altLang="zh-CN" sz="1600">
-              <a:latin typeface="幼圆" panose="02010509060101010101" pitchFamily="49" charset="-122"/>
-              <a:ea typeface="SimHei" panose="02010609060101010101" pitchFamily="49" charset="-122"/>
-              <a:sym typeface="+mn-ea"/>
-            </a:endParaRPr>
-          </a:p>
-          <a:p>
-            <a:pPr lvl="0">
-              <a:buFont typeface="Wingdings" panose="05000000000000000000" pitchFamily="2" charset="2"/>
-              <a:buChar char=""/>
-            </a:pPr>
-            <a:r>
-              <a:rPr lang="en-US" altLang="zh-CN" sz="1600"/>
-              <a:t>Jupyter Notebook</a:t>
-            </a:r>
-            <a:endParaRPr lang="en-US" altLang="zh-CN" sz="1600"/>
-          </a:p>
-          <a:p>
-            <a:pPr lvl="1">
-              <a:buFont typeface="Wingdings" panose="05000000000000000000" pitchFamily="2" charset="2"/>
-              <a:buChar char=""/>
-            </a:pPr>
-            <a:r>
-              <a:rPr lang="en-US" altLang="zh-CN" sz="1400">
-                <a:latin typeface="幼圆" panose="02010509060101010101" pitchFamily="49" charset="-122"/>
-                <a:ea typeface="SimHei" panose="02010609060101010101" pitchFamily="49" charset="-122"/>
-              </a:rPr>
-              <a:t>web-based environment that enables interactive computing in notebook documents.</a:t>
-            </a:r>
-            <a:endParaRPr lang="en-US" altLang="zh-CN" sz="1400">
-              <a:latin typeface="幼圆" panose="02010509060101010101" pitchFamily="49" charset="-122"/>
-              <a:ea typeface="SimHei" panose="02010609060101010101" pitchFamily="49" charset="-122"/>
-            </a:endParaRPr>
-          </a:p>
-          <a:p>
-            <a:pPr lvl="1">
-              <a:buFont typeface="Wingdings" panose="05000000000000000000" pitchFamily="2" charset="2"/>
-              <a:buChar char=""/>
-            </a:pPr>
-            <a:r>
-              <a:rPr lang="en-US" altLang="zh-CN" sz="1400">
-                <a:latin typeface="幼圆" panose="02010509060101010101" pitchFamily="49" charset="-122"/>
-                <a:ea typeface="SimHei" panose="02010609060101010101" pitchFamily="49" charset="-122"/>
-              </a:rPr>
-              <a:t>pip install jupyter, jpyter notebook</a:t>
-            </a:r>
-            <a:endParaRPr lang="en-US" altLang="zh-CN" sz="1400">
-              <a:latin typeface="幼圆" panose="02010509060101010101" pitchFamily="49" charset="-122"/>
-              <a:ea typeface="SimHei" panose="02010609060101010101" pitchFamily="49" charset="-122"/>
-            </a:endParaRPr>
-          </a:p>
-        </p:txBody>
-      </p:sp>
-      <p:sp>
-        <p:nvSpPr>
-          <p:cNvPr id="4" name="Text Box 3"/>
-          <p:cNvSpPr txBox="1"/>
-          <p:nvPr/>
-        </p:nvSpPr>
-        <p:spPr>
-          <a:xfrm>
-            <a:off x="6276340" y="1290955"/>
-            <a:ext cx="5230495" cy="1753235"/>
-          </a:xfrm>
-          <a:prstGeom prst="rect">
-            <a:avLst/>
-          </a:prstGeom>
-          <a:noFill/>
-          <a:ln>
-            <a:solidFill>
-              <a:schemeClr val="accent1"/>
-            </a:solidFill>
-          </a:ln>
-        </p:spPr>
-        <p:txBody>
-          <a:bodyPr wrap="square" rtlCol="0">
-            <a:spAutoFit/>
-          </a:bodyPr>
-          <a:p>
-            <a:r>
-              <a:rPr lang="en-US"/>
-              <a:t>[global]</a:t>
-            </a:r>
-            <a:endParaRPr lang="en-US"/>
-          </a:p>
-          <a:p>
-            <a:r>
-              <a:rPr lang="en-US"/>
-              <a:t>index-url=http://mirrors.aliyun.com/pypi/simple</a:t>
-            </a:r>
-            <a:endParaRPr lang="en-US"/>
-          </a:p>
-          <a:p>
-            <a:endParaRPr lang="en-US"/>
-          </a:p>
-          <a:p>
-            <a:r>
-              <a:rPr lang="en-US"/>
-              <a:t>[install]</a:t>
-            </a:r>
-            <a:endParaRPr lang="en-US"/>
-          </a:p>
-          <a:p>
-            <a:r>
-              <a:rPr lang="en-US"/>
-              <a:t>trusted-host=mirrors.aliyun.com</a:t>
-            </a:r>
-            <a:endParaRPr lang="en-US"/>
-          </a:p>
-        </p:txBody>
-      </p:sp>
-    </p:spTree>
-  </p:cSld>
-  <p:clrMapOvr>
-    <a:masterClrMapping/>
-  </p:clrMapOvr>
-</p:sld>
-</file>
-
-<file path=ppt/slides/slide30.xml><?xml version="1.0" encoding="utf-8"?>
+<file path=ppt/slides/slide33.xml><?xml version="1.0" encoding="utf-8"?>
 <p:sld xmlns:a="http://schemas.openxmlformats.org/drawingml/2006/main" xmlns:r="http://schemas.openxmlformats.org/officeDocument/2006/relationships" xmlns:p="http://schemas.openxmlformats.org/presentationml/2006/main">
   <p:cSld>
     <p:spTree>
@@ -8397,13 +8596,13 @@
             <a:r>
               <a:rPr lang="en-US" altLang="zh-CN" sz="1400" dirty="0" smtClean="0">
                 <a:latin typeface="Arial" panose="020B0604020202020204" pitchFamily="34" charset="0"/>
-                <a:ea typeface="Microsoft YaHei" panose="020B0503020204020204" charset="-122"/>
+                <a:ea typeface="微软雅黑" panose="020B0503020204020204" charset="-122"/>
               </a:rPr>
               <a:t>import serial</a:t>
             </a:r>
             <a:endParaRPr lang="en-US" altLang="zh-CN" sz="1400" dirty="0" smtClean="0">
               <a:latin typeface="Arial" panose="020B0604020202020204" pitchFamily="34" charset="0"/>
-              <a:ea typeface="Microsoft YaHei" panose="020B0503020204020204" charset="-122"/>
+              <a:ea typeface="微软雅黑" panose="020B0503020204020204" charset="-122"/>
             </a:endParaRPr>
           </a:p>
           <a:p>
@@ -8415,13 +8614,13 @@
             <a:r>
               <a:rPr lang="en-US" altLang="zh-CN" sz="1400" dirty="0" smtClean="0">
                 <a:latin typeface="Arial" panose="020B0604020202020204" pitchFamily="34" charset="0"/>
-                <a:ea typeface="Microsoft YaHei" panose="020B0503020204020204" charset="-122"/>
+                <a:ea typeface="微软雅黑" panose="020B0503020204020204" charset="-122"/>
               </a:rPr>
               <a:t>ser = serial.Serial('/dev/ttyUSB0', 19200, timeout=1)</a:t>
             </a:r>
             <a:endParaRPr lang="en-US" altLang="zh-CN" sz="1400" dirty="0" smtClean="0">
               <a:latin typeface="Arial" panose="020B0604020202020204" pitchFamily="34" charset="0"/>
-              <a:ea typeface="Microsoft YaHei" panose="020B0503020204020204" charset="-122"/>
+              <a:ea typeface="微软雅黑" panose="020B0503020204020204" charset="-122"/>
             </a:endParaRPr>
           </a:p>
           <a:p>
@@ -8433,13 +8632,13 @@
             <a:r>
               <a:rPr lang="en-US" altLang="zh-CN" sz="1400" dirty="0" smtClean="0">
                 <a:latin typeface="Arial" panose="020B0604020202020204" pitchFamily="34" charset="0"/>
-                <a:ea typeface="Microsoft YaHei" panose="020B0503020204020204" charset="-122"/>
+                <a:ea typeface="微软雅黑" panose="020B0503020204020204" charset="-122"/>
               </a:rPr>
               <a:t>print(ser.name)</a:t>
             </a:r>
             <a:endParaRPr lang="en-US" altLang="zh-CN" sz="1400" dirty="0" smtClean="0">
               <a:latin typeface="Arial" panose="020B0604020202020204" pitchFamily="34" charset="0"/>
-              <a:ea typeface="Microsoft YaHei" panose="020B0503020204020204" charset="-122"/>
+              <a:ea typeface="微软雅黑" panose="020B0503020204020204" charset="-122"/>
             </a:endParaRPr>
           </a:p>
           <a:p>
@@ -8451,13 +8650,13 @@
             <a:r>
               <a:rPr lang="en-US" altLang="zh-CN" sz="1400" dirty="0" smtClean="0">
                 <a:latin typeface="Arial" panose="020B0604020202020204" pitchFamily="34" charset="0"/>
-                <a:ea typeface="Microsoft YaHei" panose="020B0503020204020204" charset="-122"/>
+                <a:ea typeface="微软雅黑" panose="020B0503020204020204" charset="-122"/>
               </a:rPr>
               <a:t>ser.write(b'hello')</a:t>
             </a:r>
             <a:endParaRPr lang="en-US" altLang="zh-CN" sz="1400" dirty="0" smtClean="0">
               <a:latin typeface="Arial" panose="020B0604020202020204" pitchFamily="34" charset="0"/>
-              <a:ea typeface="Microsoft YaHei" panose="020B0503020204020204" charset="-122"/>
+              <a:ea typeface="微软雅黑" panose="020B0503020204020204" charset="-122"/>
             </a:endParaRPr>
           </a:p>
           <a:p>
@@ -8469,13 +8668,13 @@
             <a:r>
               <a:rPr lang="en-US" altLang="zh-CN" sz="1400" dirty="0" smtClean="0">
                 <a:latin typeface="Arial" panose="020B0604020202020204" pitchFamily="34" charset="0"/>
-                <a:ea typeface="Microsoft YaHei" panose="020B0503020204020204" charset="-122"/>
+                <a:ea typeface="微软雅黑" panose="020B0503020204020204" charset="-122"/>
               </a:rPr>
               <a:t>ser.close()</a:t>
             </a:r>
             <a:endParaRPr lang="en-US" altLang="zh-CN" sz="1400" dirty="0" smtClean="0">
               <a:latin typeface="Arial" panose="020B0604020202020204" pitchFamily="34" charset="0"/>
-              <a:ea typeface="Microsoft YaHei" panose="020B0503020204020204" charset="-122"/>
+              <a:ea typeface="微软雅黑" panose="020B0503020204020204" charset="-122"/>
             </a:endParaRPr>
           </a:p>
         </p:txBody>
@@ -8488,7 +8687,7 @@
 </p:sld>
 </file>
 
-<file path=ppt/slides/slide31.xml><?xml version="1.0" encoding="utf-8"?>
+<file path=ppt/slides/slide34.xml><?xml version="1.0" encoding="utf-8"?>
 <p:sld xmlns:a="http://schemas.openxmlformats.org/drawingml/2006/main" xmlns:r="http://schemas.openxmlformats.org/officeDocument/2006/relationships" xmlns:p="http://schemas.openxmlformats.org/presentationml/2006/main">
   <p:cSld>
     <p:spTree>
@@ -8738,7 +8937,7 @@
 </p:sld>
 </file>
 
-<file path=ppt/slides/slide32.xml><?xml version="1.0" encoding="utf-8"?>
+<file path=ppt/slides/slide35.xml><?xml version="1.0" encoding="utf-8"?>
 <p:sld xmlns:a="http://schemas.openxmlformats.org/drawingml/2006/main" xmlns:r="http://schemas.openxmlformats.org/officeDocument/2006/relationships" xmlns:p="http://schemas.openxmlformats.org/presentationml/2006/main">
   <p:cSld>
     <p:spTree>
@@ -8750,6 +8949,64 @@
       <p:grpSpPr/>
       <p:sp>
         <p:nvSpPr>
+          <p:cNvPr id="4" name="标题 3"/>
+          <p:cNvSpPr>
+            <a:spLocks noGrp="1"/>
+          </p:cNvSpPr>
+          <p:nvPr>
+            <p:ph type="title"/>
+          </p:nvPr>
+        </p:nvSpPr>
+        <p:spPr/>
+        <p:txBody>
+          <a:bodyPr/>
+          <a:p>
+            <a:r>
+              <a:rPr lang="en-US" altLang="zh-CN"/>
+              <a:t>Advanced</a:t>
+            </a:r>
+            <a:endParaRPr lang="en-US" altLang="zh-CN"/>
+          </a:p>
+        </p:txBody>
+      </p:sp>
+      <p:sp>
+        <p:nvSpPr>
+          <p:cNvPr id="5" name="文本占位符 4"/>
+          <p:cNvSpPr>
+            <a:spLocks noGrp="1"/>
+          </p:cNvSpPr>
+          <p:nvPr>
+            <p:ph type="body" idx="1"/>
+          </p:nvPr>
+        </p:nvSpPr>
+        <p:spPr/>
+        <p:txBody>
+          <a:bodyPr/>
+          <a:p>
+            <a:endParaRPr lang="zh-CN" altLang="en-US"/>
+          </a:p>
+        </p:txBody>
+      </p:sp>
+    </p:spTree>
+  </p:cSld>
+  <p:clrMapOvr>
+    <a:masterClrMapping/>
+  </p:clrMapOvr>
+</p:sld>
+</file>
+
+<file path=ppt/slides/slide36.xml><?xml version="1.0" encoding="utf-8"?>
+<p:sld xmlns:a="http://schemas.openxmlformats.org/drawingml/2006/main" xmlns:r="http://schemas.openxmlformats.org/officeDocument/2006/relationships" xmlns:p="http://schemas.openxmlformats.org/presentationml/2006/main">
+  <p:cSld>
+    <p:spTree>
+      <p:nvGrpSpPr>
+        <p:cNvPr id="1" name=""/>
+        <p:cNvGrpSpPr/>
+        <p:nvPr/>
+      </p:nvGrpSpPr>
+      <p:grpSpPr/>
+      <p:sp>
+        <p:nvSpPr>
           <p:cNvPr id="2" name="标题 1"/>
           <p:cNvSpPr>
             <a:spLocks noGrp="1"/>
@@ -8867,6 +9124,530 @@
             <a:r>
               <a:rPr lang="en-US" altLang="zh-CN"/>
               <a:t>-F: one-file bundled executable</a:t>
+            </a:r>
+            <a:endParaRPr lang="en-US" altLang="zh-CN"/>
+          </a:p>
+        </p:txBody>
+      </p:sp>
+    </p:spTree>
+  </p:cSld>
+  <p:clrMapOvr>
+    <a:masterClrMapping/>
+  </p:clrMapOvr>
+</p:sld>
+</file>
+
+<file path=ppt/slides/slide37.xml><?xml version="1.0" encoding="utf-8"?>
+<p:sld xmlns:a="http://schemas.openxmlformats.org/drawingml/2006/main" xmlns:r="http://schemas.openxmlformats.org/officeDocument/2006/relationships" xmlns:p="http://schemas.openxmlformats.org/presentationml/2006/main">
+  <p:cSld>
+    <p:spTree>
+      <p:nvGrpSpPr>
+        <p:cNvPr id="1" name=""/>
+        <p:cNvGrpSpPr/>
+        <p:nvPr/>
+      </p:nvGrpSpPr>
+      <p:grpSpPr/>
+      <p:sp>
+        <p:nvSpPr>
+          <p:cNvPr id="2" name="标题 1"/>
+          <p:cNvSpPr>
+            <a:spLocks noGrp="1"/>
+          </p:cNvSpPr>
+          <p:nvPr>
+            <p:ph type="title"/>
+          </p:nvPr>
+        </p:nvSpPr>
+        <p:spPr/>
+        <p:txBody>
+          <a:bodyPr/>
+          <a:p>
+            <a:r>
+              <a:rPr lang="en-US" altLang="zh-CN"/>
+              <a:t>Cython</a:t>
+            </a:r>
+            <a:endParaRPr lang="en-US" altLang="zh-CN"/>
+          </a:p>
+        </p:txBody>
+      </p:sp>
+      <p:sp>
+        <p:nvSpPr>
+          <p:cNvPr id="3" name="内容占位符 2"/>
+          <p:cNvSpPr>
+            <a:spLocks noGrp="1"/>
+          </p:cNvSpPr>
+          <p:nvPr>
+            <p:ph idx="1"/>
+          </p:nvPr>
+        </p:nvSpPr>
+        <p:spPr>
+          <a:xfrm>
+            <a:off x="838200" y="1211580"/>
+            <a:ext cx="10515600" cy="5115560"/>
+          </a:xfrm>
+        </p:spPr>
+        <p:txBody>
+          <a:bodyPr>
+            <a:normAutofit fontScale="90000" lnSpcReduction="10000"/>
+          </a:bodyPr>
+          <a:p>
+            <a:r>
+              <a:rPr lang="en-US" altLang="zh-CN"/>
+              <a:t>Concept</a:t>
+            </a:r>
+            <a:endParaRPr lang="en-US" altLang="zh-CN"/>
+          </a:p>
+          <a:p>
+            <a:pPr lvl="1"/>
+            <a:r>
+              <a:rPr lang="en-US" altLang="zh-CN"/>
+              <a:t>Cython is an optimising static compiler for both the Python programming language and the extended Cython programming language (based on Pyrex). It makes writing C extensions for Python as easy as Python itself. </a:t>
+            </a:r>
+            <a:endParaRPr lang="en-US" altLang="zh-CN"/>
+          </a:p>
+          <a:p>
+            <a:pPr lvl="1"/>
+            <a:r>
+              <a:rPr lang="en-US" altLang="zh-CN"/>
+              <a:t>Cython language is a superset of the Python language.</a:t>
+            </a:r>
+            <a:endParaRPr lang="en-US" altLang="zh-CN"/>
+          </a:p>
+          <a:p>
+            <a:pPr lvl="1"/>
+            <a:r>
+              <a:rPr lang="en-US" altLang="zh-CN"/>
+              <a:t>Cython codes must be compiled first.</a:t>
+            </a:r>
+            <a:endParaRPr lang="en-US" altLang="zh-CN"/>
+          </a:p>
+          <a:p>
+            <a:pPr lvl="0"/>
+            <a:r>
+              <a:rPr lang="en-US" altLang="zh-CN"/>
+              <a:t>Features</a:t>
+            </a:r>
+            <a:endParaRPr lang="en-US" altLang="zh-CN"/>
+          </a:p>
+          <a:p>
+            <a:pPr lvl="1"/>
+            <a:r>
+              <a:rPr lang="en-US" altLang="zh-CN"/>
+              <a:t>Support to write Python code that calls back and forth from and to C or C++ code natively at any point</a:t>
+            </a:r>
+            <a:endParaRPr lang="en-US" altLang="zh-CN"/>
+          </a:p>
+          <a:p>
+            <a:pPr lvl="1"/>
+            <a:r>
+              <a:rPr lang="en-US" altLang="zh-CN"/>
+              <a:t>Easily tune Python code into plain C performance by adding static type declarations</a:t>
+            </a:r>
+            <a:endParaRPr lang="en-US" altLang="zh-CN"/>
+          </a:p>
+          <a:p>
+            <a:pPr lvl="0"/>
+            <a:r>
+              <a:rPr lang="en-US" altLang="zh-CN"/>
+              <a:t>Install</a:t>
+            </a:r>
+            <a:endParaRPr lang="en-US" altLang="zh-CN"/>
+          </a:p>
+          <a:p>
+            <a:pPr lvl="1"/>
+            <a:r>
+              <a:rPr lang="en-US" altLang="zh-CN"/>
+              <a:t>pip install cython</a:t>
+            </a:r>
+            <a:endParaRPr lang="en-US" altLang="zh-CN"/>
+          </a:p>
+          <a:p>
+            <a:pPr lvl="1"/>
+            <a:r>
+              <a:rPr lang="en-US" altLang="zh-CN"/>
+              <a:t>sudo apt install build-essential</a:t>
+            </a:r>
+            <a:endParaRPr lang="en-US" altLang="zh-CN"/>
+          </a:p>
+          <a:p>
+            <a:pPr lvl="0"/>
+            <a:r>
+              <a:rPr lang="en-US" altLang="zh-CN"/>
+              <a:t>Usage</a:t>
+            </a:r>
+            <a:endParaRPr lang="en-US" altLang="zh-CN"/>
+          </a:p>
+          <a:p>
+            <a:pPr lvl="1"/>
+            <a:r>
+              <a:rPr lang="en-US" altLang="zh-CN"/>
+              <a:t>Write hello.pyx</a:t>
+            </a:r>
+            <a:endParaRPr lang="en-US" altLang="zh-CN"/>
+          </a:p>
+          <a:p>
+            <a:pPr lvl="1"/>
+            <a:r>
+              <a:rPr lang="en-US" altLang="zh-CN"/>
+              <a:t>Write setup.py or pyximport</a:t>
+            </a:r>
+            <a:endParaRPr lang="en-US" altLang="zh-CN"/>
+          </a:p>
+          <a:p>
+            <a:pPr lvl="1"/>
+            <a:r>
+              <a:rPr lang="en-US" altLang="zh-CN"/>
+              <a:t>python setup.py build_ext --inplace</a:t>
+            </a:r>
+            <a:endParaRPr lang="en-US" altLang="zh-CN"/>
+          </a:p>
+        </p:txBody>
+      </p:sp>
+      <p:grpSp>
+        <p:nvGrpSpPr>
+          <p:cNvPr id="9" name="组合 8"/>
+          <p:cNvGrpSpPr/>
+          <p:nvPr/>
+        </p:nvGrpSpPr>
+        <p:grpSpPr>
+          <a:xfrm>
+            <a:off x="6142355" y="182880"/>
+            <a:ext cx="4428490" cy="715645"/>
+            <a:chOff x="7185" y="637"/>
+            <a:chExt cx="6974" cy="1127"/>
+          </a:xfrm>
+        </p:grpSpPr>
+        <p:sp>
+          <p:nvSpPr>
+            <p:cNvPr id="4" name="圆角矩形 3"/>
+            <p:cNvSpPr/>
+            <p:nvPr/>
+          </p:nvSpPr>
+          <p:spPr>
+            <a:xfrm>
+              <a:off x="7185" y="638"/>
+              <a:ext cx="1808" cy="1127"/>
+            </a:xfrm>
+            <a:prstGeom prst="roundRect">
+              <a:avLst/>
+            </a:prstGeom>
+          </p:spPr>
+          <p:style>
+            <a:lnRef idx="2">
+              <a:schemeClr val="accent1">
+                <a:shade val="50000"/>
+              </a:schemeClr>
+            </a:lnRef>
+            <a:fillRef idx="1">
+              <a:schemeClr val="accent1"/>
+            </a:fillRef>
+            <a:effectRef idx="0">
+              <a:schemeClr val="accent1"/>
+            </a:effectRef>
+            <a:fontRef idx="minor">
+              <a:schemeClr val="lt1"/>
+            </a:fontRef>
+          </p:style>
+          <p:txBody>
+            <a:bodyPr rtlCol="0" anchor="ctr"/>
+            <a:p>
+              <a:pPr algn="ctr"/>
+              <a:r>
+                <a:rPr lang="en-US" altLang="zh-CN"/>
+                <a:t>.pyx</a:t>
+              </a:r>
+              <a:endParaRPr lang="en-US" altLang="zh-CN"/>
+            </a:p>
+          </p:txBody>
+        </p:sp>
+        <p:sp>
+          <p:nvSpPr>
+            <p:cNvPr id="5" name="圆角矩形 4"/>
+            <p:cNvSpPr/>
+            <p:nvPr/>
+          </p:nvSpPr>
+          <p:spPr>
+            <a:xfrm>
+              <a:off x="9821" y="637"/>
+              <a:ext cx="1808" cy="1127"/>
+            </a:xfrm>
+            <a:prstGeom prst="roundRect">
+              <a:avLst/>
+            </a:prstGeom>
+          </p:spPr>
+          <p:style>
+            <a:lnRef idx="2">
+              <a:schemeClr val="accent1">
+                <a:shade val="50000"/>
+              </a:schemeClr>
+            </a:lnRef>
+            <a:fillRef idx="1">
+              <a:schemeClr val="accent1"/>
+            </a:fillRef>
+            <a:effectRef idx="0">
+              <a:schemeClr val="accent1"/>
+            </a:effectRef>
+            <a:fontRef idx="minor">
+              <a:schemeClr val="lt1"/>
+            </a:fontRef>
+          </p:style>
+          <p:txBody>
+            <a:bodyPr rtlCol="0" anchor="ctr"/>
+            <a:p>
+              <a:pPr algn="ctr"/>
+              <a:r>
+                <a:rPr lang="en-US" altLang="zh-CN"/>
+                <a:t>.c</a:t>
+              </a:r>
+              <a:endParaRPr lang="en-US" altLang="zh-CN"/>
+            </a:p>
+          </p:txBody>
+        </p:sp>
+        <p:sp>
+          <p:nvSpPr>
+            <p:cNvPr id="6" name="圆角矩形 5"/>
+            <p:cNvSpPr/>
+            <p:nvPr/>
+          </p:nvSpPr>
+          <p:spPr>
+            <a:xfrm>
+              <a:off x="12351" y="637"/>
+              <a:ext cx="1808" cy="1127"/>
+            </a:xfrm>
+            <a:prstGeom prst="roundRect">
+              <a:avLst/>
+            </a:prstGeom>
+          </p:spPr>
+          <p:style>
+            <a:lnRef idx="2">
+              <a:schemeClr val="accent1">
+                <a:shade val="50000"/>
+              </a:schemeClr>
+            </a:lnRef>
+            <a:fillRef idx="1">
+              <a:schemeClr val="accent1"/>
+            </a:fillRef>
+            <a:effectRef idx="0">
+              <a:schemeClr val="accent1"/>
+            </a:effectRef>
+            <a:fontRef idx="minor">
+              <a:schemeClr val="lt1"/>
+            </a:fontRef>
+          </p:style>
+          <p:txBody>
+            <a:bodyPr rtlCol="0" anchor="ctr"/>
+            <a:p>
+              <a:pPr algn="ctr"/>
+              <a:r>
+                <a:rPr lang="en-US" altLang="zh-CN"/>
+                <a:t>.so</a:t>
+              </a:r>
+              <a:endParaRPr lang="en-US" altLang="zh-CN"/>
+            </a:p>
+          </p:txBody>
+        </p:sp>
+        <p:cxnSp>
+          <p:nvCxnSpPr>
+            <p:cNvPr id="7" name="直接箭头连接符 6"/>
+            <p:cNvCxnSpPr>
+              <a:stCxn id="4" idx="3"/>
+              <a:endCxn id="5" idx="1"/>
+            </p:cNvCxnSpPr>
+            <p:nvPr/>
+          </p:nvCxnSpPr>
+          <p:spPr>
+            <a:xfrm flipV="1">
+              <a:off x="8993" y="1201"/>
+              <a:ext cx="828" cy="1"/>
+            </a:xfrm>
+            <a:prstGeom prst="straightConnector1">
+              <a:avLst/>
+            </a:prstGeom>
+            <a:ln>
+              <a:tailEnd type="arrow"/>
+            </a:ln>
+          </p:spPr>
+          <p:style>
+            <a:lnRef idx="1">
+              <a:schemeClr val="accent1"/>
+            </a:lnRef>
+            <a:fillRef idx="0">
+              <a:schemeClr val="accent1"/>
+            </a:fillRef>
+            <a:effectRef idx="0">
+              <a:schemeClr val="accent1"/>
+            </a:effectRef>
+            <a:fontRef idx="minor">
+              <a:schemeClr val="tx1"/>
+            </a:fontRef>
+          </p:style>
+        </p:cxnSp>
+        <p:cxnSp>
+          <p:nvCxnSpPr>
+            <p:cNvPr id="8" name="直接箭头连接符 7"/>
+            <p:cNvCxnSpPr>
+              <a:stCxn id="5" idx="3"/>
+              <a:endCxn id="6" idx="1"/>
+            </p:cNvCxnSpPr>
+            <p:nvPr/>
+          </p:nvCxnSpPr>
+          <p:spPr>
+            <a:xfrm>
+              <a:off x="11629" y="1201"/>
+              <a:ext cx="722" cy="0"/>
+            </a:xfrm>
+            <a:prstGeom prst="straightConnector1">
+              <a:avLst/>
+            </a:prstGeom>
+            <a:ln>
+              <a:tailEnd type="arrow"/>
+            </a:ln>
+          </p:spPr>
+          <p:style>
+            <a:lnRef idx="1">
+              <a:schemeClr val="accent1"/>
+            </a:lnRef>
+            <a:fillRef idx="0">
+              <a:schemeClr val="accent1"/>
+            </a:fillRef>
+            <a:effectRef idx="0">
+              <a:schemeClr val="accent1"/>
+            </a:effectRef>
+            <a:fontRef idx="minor">
+              <a:schemeClr val="tx1"/>
+            </a:fontRef>
+          </p:style>
+        </p:cxnSp>
+      </p:grpSp>
+      <p:sp>
+        <p:nvSpPr>
+          <p:cNvPr id="10" name="文本框 9"/>
+          <p:cNvSpPr txBox="1"/>
+          <p:nvPr/>
+        </p:nvSpPr>
+        <p:spPr>
+          <a:xfrm>
+            <a:off x="6142355" y="4346575"/>
+            <a:ext cx="5089525" cy="1753235"/>
+          </a:xfrm>
+          <a:prstGeom prst="rect">
+            <a:avLst/>
+          </a:prstGeom>
+          <a:noFill/>
+          <a:ln>
+            <a:solidFill>
+              <a:srgbClr val="FFC000"/>
+            </a:solidFill>
+          </a:ln>
+        </p:spPr>
+        <p:txBody>
+          <a:bodyPr wrap="square" rtlCol="0">
+            <a:spAutoFit/>
+          </a:bodyPr>
+          <a:p>
+            <a:r>
+              <a:rPr lang="en-US" altLang="zh-CN"/>
+              <a:t># setup.pyx</a:t>
+            </a:r>
+            <a:endParaRPr lang="en-US" altLang="zh-CN"/>
+          </a:p>
+          <a:p>
+            <a:r>
+              <a:rPr lang="en-US" altLang="zh-CN"/>
+              <a:t>from distutils.core import setup</a:t>
+            </a:r>
+            <a:endParaRPr lang="en-US" altLang="zh-CN"/>
+          </a:p>
+          <a:p>
+            <a:r>
+              <a:rPr lang="en-US" altLang="zh-CN"/>
+              <a:t>from Cython.Build import cythonize</a:t>
+            </a:r>
+            <a:endParaRPr lang="en-US" altLang="zh-CN"/>
+          </a:p>
+          <a:p>
+            <a:endParaRPr lang="en-US" altLang="zh-CN"/>
+          </a:p>
+          <a:p>
+            <a:r>
+              <a:rPr lang="en-US" altLang="zh-CN"/>
+              <a:t>setup(name='Hello world app',</a:t>
+            </a:r>
+            <a:endParaRPr lang="en-US" altLang="zh-CN"/>
+          </a:p>
+          <a:p>
+            <a:r>
+              <a:rPr lang="en-US" altLang="zh-CN"/>
+              <a:t>      ext_modules=cythonize("hello.pyx"))</a:t>
+            </a:r>
+            <a:endParaRPr lang="en-US" altLang="zh-CN"/>
+          </a:p>
+        </p:txBody>
+      </p:sp>
+    </p:spTree>
+  </p:cSld>
+  <p:clrMapOvr>
+    <a:masterClrMapping/>
+  </p:clrMapOvr>
+</p:sld>
+</file>
+
+<file path=ppt/slides/slide38.xml><?xml version="1.0" encoding="utf-8"?>
+<p:sld xmlns:a="http://schemas.openxmlformats.org/drawingml/2006/main" xmlns:r="http://schemas.openxmlformats.org/officeDocument/2006/relationships" xmlns:p="http://schemas.openxmlformats.org/presentationml/2006/main">
+  <p:cSld>
+    <p:spTree>
+      <p:nvGrpSpPr>
+        <p:cNvPr id="1" name=""/>
+        <p:cNvGrpSpPr/>
+        <p:nvPr/>
+      </p:nvGrpSpPr>
+      <p:grpSpPr/>
+      <p:sp>
+        <p:nvSpPr>
+          <p:cNvPr id="2" name="标题 1"/>
+          <p:cNvSpPr>
+            <a:spLocks noGrp="1"/>
+          </p:cNvSpPr>
+          <p:nvPr>
+            <p:ph type="title"/>
+          </p:nvPr>
+        </p:nvSpPr>
+        <p:spPr/>
+        <p:txBody>
+          <a:bodyPr/>
+          <a:p>
+            <a:r>
+              <a:rPr lang="en-US" altLang="zh-CN"/>
+              <a:t>Cython (2)</a:t>
+            </a:r>
+            <a:endParaRPr lang="en-US" altLang="zh-CN"/>
+          </a:p>
+        </p:txBody>
+      </p:sp>
+      <p:sp>
+        <p:nvSpPr>
+          <p:cNvPr id="3" name="内容占位符 2"/>
+          <p:cNvSpPr>
+            <a:spLocks noGrp="1"/>
+          </p:cNvSpPr>
+          <p:nvPr>
+            <p:ph idx="1"/>
+          </p:nvPr>
+        </p:nvSpPr>
+        <p:spPr/>
+        <p:txBody>
+          <a:bodyPr/>
+          <a:p>
+            <a:r>
+              <a:rPr lang="en-US" altLang="zh-CN"/>
+              <a:t>Static typing</a:t>
+            </a:r>
+            <a:endParaRPr lang="en-US" altLang="zh-CN"/>
+          </a:p>
+          <a:p>
+            <a:pPr lvl="1"/>
+            <a:r>
+              <a:rPr lang="en-US" altLang="zh-CN"/>
+              <a:t>cdef</a:t>
             </a:r>
             <a:endParaRPr lang="en-US" altLang="zh-CN"/>
           </a:p>
@@ -8892,7 +9673,7 @@
       <p:grpSpPr/>
       <p:sp>
         <p:nvSpPr>
-          <p:cNvPr id="2" name="Title 1"/>
+          <p:cNvPr id="2" name="标题 1"/>
           <p:cNvSpPr>
             <a:spLocks noGrp="1"/>
           </p:cNvSpPr>
@@ -8902,143 +9683,265 @@
         </p:nvSpPr>
         <p:spPr/>
         <p:txBody>
+          <a:bodyPr/>
+          <a:p>
+            <a:r>
+              <a:rPr lang="en-US" altLang="zh-CN"/>
+              <a:t>Basic 2/2</a:t>
+            </a:r>
+            <a:endParaRPr lang="en-US" altLang="zh-CN"/>
+          </a:p>
+        </p:txBody>
+      </p:sp>
+      <p:sp>
+        <p:nvSpPr>
+          <p:cNvPr id="3" name="内容占位符 2"/>
+          <p:cNvSpPr>
+            <a:spLocks noGrp="1"/>
+          </p:cNvSpPr>
+          <p:nvPr>
+            <p:ph idx="1"/>
+          </p:nvPr>
+        </p:nvSpPr>
+        <p:spPr/>
+        <p:txBody>
           <a:bodyPr>
-            <a:normAutofit fontScale="90000"/>
+            <a:noAutofit/>
           </a:bodyPr>
           <a:p>
             <a:r>
-              <a:rPr lang="en-US" altLang="en-US"/>
-              <a:t>Virtualenv, VirtualenvWrapper</a:t>
-            </a:r>
-            <a:endParaRPr lang="en-US" altLang="en-US"/>
-          </a:p>
-        </p:txBody>
-      </p:sp>
-      <p:sp>
-        <p:nvSpPr>
-          <p:cNvPr id="3" name="Content Placeholder 2"/>
-          <p:cNvSpPr>
-            <a:spLocks noGrp="1"/>
-          </p:cNvSpPr>
-          <p:nvPr>
-            <p:ph idx="1"/>
-          </p:nvPr>
-        </p:nvSpPr>
-        <p:spPr/>
-        <p:txBody>
-          <a:bodyPr>
-            <a:normAutofit lnSpcReduction="20000"/>
+              <a:rPr lang="en-US" altLang="zh-CN" sz="1600"/>
+              <a:t>Pip</a:t>
+            </a:r>
+            <a:endParaRPr lang="en-US" altLang="zh-CN" sz="1600"/>
+          </a:p>
+          <a:p>
+            <a:pPr lvl="1">
+              <a:buFont typeface="Wingdings" panose="05000000000000000000" pitchFamily="2" charset="2"/>
+              <a:buChar char=""/>
+            </a:pPr>
+            <a:r>
+              <a:rPr lang="en-US" altLang="en-US" sz="1400"/>
+              <a:t>sudo apt install python-pip</a:t>
+            </a:r>
+            <a:endParaRPr lang="en-US" altLang="en-US" sz="1400"/>
+          </a:p>
+          <a:p>
+            <a:pPr lvl="1">
+              <a:buFont typeface="Wingdings" panose="05000000000000000000" pitchFamily="2" charset="2"/>
+              <a:buChar char=""/>
+            </a:pPr>
+            <a:r>
+              <a:rPr lang="en-US" altLang="en-US" sz="1400"/>
+              <a:t>pip search &lt;package_name&gt;</a:t>
+            </a:r>
+            <a:endParaRPr lang="en-US" altLang="zh-CN" sz="1400"/>
+          </a:p>
+          <a:p>
+            <a:pPr lvl="1">
+              <a:buFont typeface="Wingdings" panose="05000000000000000000" pitchFamily="2" charset="2"/>
+              <a:buChar char=""/>
+            </a:pPr>
+            <a:r>
+              <a:rPr lang="en-US" altLang="zh-CN" sz="1400"/>
+              <a:t>Mirror</a:t>
+            </a:r>
+            <a:endParaRPr lang="en-US" altLang="zh-CN" sz="1400"/>
+          </a:p>
+          <a:p>
+            <a:pPr lvl="2">
+              <a:buFont typeface="Wingdings" panose="05000000000000000000" pitchFamily="2" charset="2"/>
+              <a:buChar char=""/>
+            </a:pPr>
+            <a:r>
+              <a:rPr lang="en-US" altLang="zh-CN" sz="1200"/>
+              <a:t>Linux: ~/.pip/pip.conf</a:t>
+            </a:r>
+            <a:endParaRPr lang="en-US" altLang="zh-CN" sz="1200"/>
+          </a:p>
+          <a:p>
+            <a:pPr lvl="2">
+              <a:buFont typeface="Wingdings" panose="05000000000000000000" pitchFamily="2" charset="2"/>
+              <a:buChar char=""/>
+            </a:pPr>
+            <a:r>
+              <a:rPr lang="en-US" altLang="zh-CN" sz="1200"/>
+              <a:t>Windows: C:\ProgramData\pip\pip.ini</a:t>
+            </a:r>
+            <a:endParaRPr lang="en-US" altLang="zh-CN" sz="1400">
+              <a:latin typeface="幼圆" panose="02010509060101010101" pitchFamily="49" charset="-122"/>
+              <a:ea typeface="黑体" panose="02010609060101010101" pitchFamily="49" charset="-122"/>
+            </a:endParaRPr>
+          </a:p>
+          <a:p>
+            <a:pPr lvl="0">
+              <a:buFont typeface="Wingdings" panose="05000000000000000000" pitchFamily="2" charset="2"/>
+              <a:buChar char=""/>
+            </a:pPr>
+            <a:r>
+              <a:rPr lang="en-US" altLang="zh-CN" sz="1600">
+                <a:sym typeface="+mn-ea"/>
+              </a:rPr>
+              <a:t>ipython</a:t>
+            </a:r>
+            <a:endParaRPr lang="en-US" altLang="zh-CN" sz="1600">
+              <a:sym typeface="+mn-ea"/>
+            </a:endParaRPr>
+          </a:p>
+          <a:p>
+            <a:pPr lvl="1">
+              <a:buFont typeface="Wingdings" panose="05000000000000000000" pitchFamily="2" charset="2"/>
+              <a:buChar char=""/>
+            </a:pPr>
+            <a:r>
+              <a:rPr lang="x-none" altLang="en-US" sz="1400">
+                <a:sym typeface="+mn-ea"/>
+              </a:rPr>
+              <a:t>Install ipython in each virtualenv</a:t>
+            </a:r>
+            <a:endParaRPr lang="x-none" altLang="en-US" sz="1400">
+              <a:sym typeface="+mn-ea"/>
+            </a:endParaRPr>
+          </a:p>
+          <a:p>
+            <a:pPr lvl="1">
+              <a:buFont typeface="Wingdings" panose="05000000000000000000" pitchFamily="2" charset="2"/>
+              <a:buChar char=""/>
+            </a:pPr>
+            <a:r>
+              <a:rPr lang="en-US" altLang="zh-CN" sz="1600">
+                <a:latin typeface="幼圆" panose="02010509060101010101" pitchFamily="49" charset="-122"/>
+                <a:ea typeface="黑体" panose="02010609060101010101" pitchFamily="49" charset="-122"/>
+                <a:sym typeface="+mn-ea"/>
+              </a:rPr>
+              <a:t>pip install ipython</a:t>
+            </a:r>
+            <a:endParaRPr lang="en-US" altLang="zh-CN" sz="1600">
+              <a:latin typeface="幼圆" panose="02010509060101010101" pitchFamily="49" charset="-122"/>
+              <a:ea typeface="黑体" panose="02010609060101010101" pitchFamily="49" charset="-122"/>
+            </a:endParaRPr>
+          </a:p>
+          <a:p>
+            <a:pPr lvl="1">
+              <a:buFont typeface="Wingdings" panose="05000000000000000000" pitchFamily="2" charset="2"/>
+              <a:buChar char=""/>
+            </a:pPr>
+            <a:r>
+              <a:rPr lang="en-US" altLang="zh-CN" sz="1600">
+                <a:latin typeface="幼圆" panose="02010509060101010101" pitchFamily="49" charset="-122"/>
+                <a:ea typeface="黑体" panose="02010609060101010101" pitchFamily="49" charset="-122"/>
+                <a:sym typeface="+mn-ea"/>
+              </a:rPr>
+              <a:t>history, %hist, %logstart</a:t>
+            </a:r>
+            <a:endParaRPr lang="en-US" altLang="zh-CN" sz="1600">
+              <a:latin typeface="幼圆" panose="02010509060101010101" pitchFamily="49" charset="-122"/>
+              <a:ea typeface="黑体" panose="02010609060101010101" pitchFamily="49" charset="-122"/>
+              <a:sym typeface="+mn-ea"/>
+            </a:endParaRPr>
+          </a:p>
+          <a:p>
+            <a:pPr lvl="0">
+              <a:buFont typeface="Wingdings" panose="05000000000000000000" pitchFamily="2" charset="2"/>
+              <a:buChar char=""/>
+            </a:pPr>
+            <a:r>
+              <a:rPr lang="en-US" altLang="zh-CN" sz="1600"/>
+              <a:t>Jupyter Notebook</a:t>
+            </a:r>
+            <a:endParaRPr lang="en-US" altLang="zh-CN" sz="1600"/>
+          </a:p>
+          <a:p>
+            <a:pPr lvl="1">
+              <a:buFont typeface="Wingdings" panose="05000000000000000000" pitchFamily="2" charset="2"/>
+              <a:buChar char=""/>
+            </a:pPr>
+            <a:r>
+              <a:rPr lang="en-US" altLang="zh-CN" sz="1400">
+                <a:latin typeface="幼圆" panose="02010509060101010101" pitchFamily="49" charset="-122"/>
+                <a:ea typeface="黑体" panose="02010609060101010101" pitchFamily="49" charset="-122"/>
+              </a:rPr>
+              <a:t>web-based environment that enables interactive computing in notebook documents.</a:t>
+            </a:r>
+            <a:endParaRPr lang="en-US" altLang="zh-CN" sz="1400">
+              <a:latin typeface="幼圆" panose="02010509060101010101" pitchFamily="49" charset="-122"/>
+              <a:ea typeface="黑体" panose="02010609060101010101" pitchFamily="49" charset="-122"/>
+            </a:endParaRPr>
+          </a:p>
+          <a:p>
+            <a:pPr lvl="1">
+              <a:buFont typeface="Wingdings" panose="05000000000000000000" pitchFamily="2" charset="2"/>
+              <a:buChar char=""/>
+            </a:pPr>
+            <a:r>
+              <a:rPr lang="en-US" altLang="zh-CN" sz="1400">
+                <a:latin typeface="幼圆" panose="02010509060101010101" pitchFamily="49" charset="-122"/>
+                <a:ea typeface="黑体" panose="02010609060101010101" pitchFamily="49" charset="-122"/>
+              </a:rPr>
+              <a:t>pip install jupyter, jpyter notebook</a:t>
+            </a:r>
+            <a:endParaRPr lang="en-US" altLang="zh-CN" sz="1400">
+              <a:latin typeface="幼圆" panose="02010509060101010101" pitchFamily="49" charset="-122"/>
+              <a:ea typeface="黑体" panose="02010609060101010101" pitchFamily="49" charset="-122"/>
+            </a:endParaRPr>
+          </a:p>
+        </p:txBody>
+      </p:sp>
+      <p:sp>
+        <p:nvSpPr>
+          <p:cNvPr id="4" name="Text Box 3"/>
+          <p:cNvSpPr txBox="1"/>
+          <p:nvPr/>
+        </p:nvSpPr>
+        <p:spPr>
+          <a:xfrm>
+            <a:off x="6276340" y="1290955"/>
+            <a:ext cx="5230495" cy="1753235"/>
+          </a:xfrm>
+          <a:prstGeom prst="rect">
+            <a:avLst/>
+          </a:prstGeom>
+          <a:noFill/>
+          <a:ln>
+            <a:solidFill>
+              <a:schemeClr val="accent1"/>
+            </a:solidFill>
+          </a:ln>
+        </p:spPr>
+        <p:txBody>
+          <a:bodyPr wrap="square" rtlCol="0">
+            <a:spAutoFit/>
           </a:bodyPr>
           <a:p>
             <a:r>
-              <a:rPr lang="en-US" altLang="en-US"/>
-              <a:t>Linux Install</a:t>
-            </a:r>
-            <a:endParaRPr lang="en-US" altLang="en-US"/>
-          </a:p>
-          <a:p>
-            <a:pPr lvl="1"/>
-            <a:r>
-              <a:rPr lang="en-US" altLang="en-US"/>
-              <a:t>sudo apt install virtualenv virtualenvwrapper</a:t>
-            </a:r>
-            <a:endParaRPr lang="en-US" altLang="en-US"/>
-          </a:p>
-          <a:p>
-            <a:pPr lvl="1"/>
-            <a:r>
-              <a:rPr lang="en-US" altLang="en-US"/>
-              <a:t>pip3 install virtualenvwrapper</a:t>
-            </a:r>
-            <a:endParaRPr lang="en-US" altLang="en-US"/>
-          </a:p>
-          <a:p>
-            <a:pPr lvl="1"/>
-            <a:r>
-              <a:rPr lang="en-US" altLang="en-US"/>
-              <a:t>Modify ~/.bashrc</a:t>
-            </a:r>
-            <a:endParaRPr lang="en-US" altLang="en-US"/>
-          </a:p>
-          <a:p>
-            <a:pPr lvl="2"/>
-            <a:r>
-              <a:rPr lang="en-US" altLang="en-US"/>
-              <a:t>export WORKON_HOME=~/.virtualenvs</a:t>
-            </a:r>
-            <a:endParaRPr lang="en-US" altLang="en-US"/>
-          </a:p>
-          <a:p>
-            <a:pPr lvl="2"/>
-            <a:r>
-              <a:rPr lang="en-US" altLang="en-US"/>
-              <a:t>export PROJECT_HOME=~/workspace</a:t>
-            </a:r>
-            <a:endParaRPr lang="en-US" altLang="en-US"/>
-          </a:p>
-          <a:p>
-            <a:pPr lvl="2"/>
-            <a:r>
-              <a:rPr lang="en-US" altLang="en-US"/>
-              <a:t>export VIRTUALENVWRAPPER_PYTHON=/usr/bin/python3</a:t>
-            </a:r>
-            <a:endParaRPr lang="en-US" altLang="en-US"/>
-          </a:p>
-          <a:p>
-            <a:pPr lvl="2"/>
-            <a:r>
-              <a:rPr lang="en-US" altLang="en-US"/>
-              <a:t>source /usr/share/virtualenvwrapper/virtualenvwrapper.sh</a:t>
-            </a:r>
-            <a:endParaRPr lang="en-US" altLang="en-US"/>
-          </a:p>
-          <a:p>
-            <a:pPr lvl="1"/>
-            <a:r>
-              <a:rPr lang="en-US" altLang="en-US"/>
-              <a:t>source ~/.bashrc</a:t>
-            </a:r>
-            <a:endParaRPr lang="en-US" altLang="en-US"/>
-          </a:p>
-          <a:p>
-            <a:pPr lvl="0"/>
-            <a:r>
-              <a:rPr lang="en-US" altLang="en-US"/>
-              <a:t>Windows Install</a:t>
-            </a:r>
-            <a:endParaRPr lang="en-US" altLang="en-US"/>
-          </a:p>
-          <a:p>
-            <a:pPr lvl="1"/>
-            <a:r>
-              <a:rPr lang="en-US" altLang="en-US" sz="2000"/>
-              <a:t>pip install virtualenvwrapper-win</a:t>
-            </a:r>
-            <a:endParaRPr lang="en-US" altLang="en-US"/>
-          </a:p>
-          <a:p>
-            <a:pPr lvl="0"/>
-            <a:r>
-              <a:rPr lang="en-US" altLang="en-US"/>
-              <a:t>Usage</a:t>
-            </a:r>
-            <a:endParaRPr lang="en-US" altLang="en-US"/>
-          </a:p>
-          <a:p>
-            <a:pPr lvl="1"/>
-            <a:r>
-              <a:rPr lang="en-US" altLang="en-US"/>
-              <a:t>Use original pip source instead of aliyun source</a:t>
-            </a:r>
-            <a:endParaRPr lang="en-US" altLang="en-US"/>
-          </a:p>
-          <a:p>
-            <a:pPr lvl="1"/>
-            <a:r>
-              <a:rPr lang="en-US" altLang="en-US"/>
-              <a:t>mkvirtualenv py3 --python=/usr/bin/python3</a:t>
-            </a:r>
-            <a:endParaRPr lang="en-US" altLang="en-US"/>
+              <a:rPr lang="en-US"/>
+              <a:t>[global]</a:t>
+            </a:r>
+            <a:endParaRPr lang="en-US"/>
+          </a:p>
+          <a:p>
+            <a:r>
+              <a:rPr lang="en-US"/>
+              <a:t>index-url=http://mirrors.aliyun.com/pypi/simple</a:t>
+            </a:r>
+            <a:endParaRPr lang="en-US"/>
+          </a:p>
+          <a:p>
+            <a:endParaRPr lang="en-US"/>
+          </a:p>
+          <a:p>
+            <a:r>
+              <a:rPr lang="en-US"/>
+              <a:t>[install]</a:t>
+            </a:r>
+            <a:endParaRPr lang="en-US"/>
+          </a:p>
+          <a:p>
+            <a:r>
+              <a:rPr lang="en-US"/>
+              <a:t>trusted-host=mirrors.aliyun.com</a:t>
+            </a:r>
+            <a:endParaRPr lang="en-US"/>
           </a:p>
         </p:txBody>
       </p:sp>
@@ -9062,7 +9965,7 @@
       <p:grpSpPr/>
       <p:sp>
         <p:nvSpPr>
-          <p:cNvPr id="2" name="标题 1"/>
+          <p:cNvPr id="2" name="Title 1"/>
           <p:cNvSpPr>
             <a:spLocks noGrp="1"/>
           </p:cNvSpPr>
@@ -9072,19 +9975,21 @@
         </p:nvSpPr>
         <p:spPr/>
         <p:txBody>
-          <a:bodyPr/>
-          <a:p>
-            <a:r>
-              <a:rPr lang="en-US" altLang="zh-CN"/>
-              <a:t>Anaconda</a:t>
-            </a:r>
-            <a:endParaRPr lang="en-US" altLang="zh-CN"/>
-          </a:p>
-        </p:txBody>
-      </p:sp>
-      <p:sp>
-        <p:nvSpPr>
-          <p:cNvPr id="3" name="内容占位符 2"/>
+          <a:bodyPr>
+            <a:normAutofit fontScale="90000"/>
+          </a:bodyPr>
+          <a:p>
+            <a:r>
+              <a:rPr lang="en-US" altLang="en-US"/>
+              <a:t>Virtualenv, VirtualenvWrapper</a:t>
+            </a:r>
+            <a:endParaRPr lang="en-US" altLang="en-US"/>
+          </a:p>
+        </p:txBody>
+      </p:sp>
+      <p:sp>
+        <p:nvSpPr>
+          <p:cNvPr id="3" name="Content Placeholder 2"/>
           <p:cNvSpPr>
             <a:spLocks noGrp="1"/>
           </p:cNvSpPr>
@@ -9094,209 +9999,119 @@
         </p:nvSpPr>
         <p:spPr/>
         <p:txBody>
-          <a:bodyPr/>
+          <a:bodyPr>
+            <a:normAutofit lnSpcReduction="20000"/>
+          </a:bodyPr>
+          <a:p>
+            <a:r>
+              <a:rPr lang="en-US" altLang="en-US"/>
+              <a:t>Linux Install</a:t>
+            </a:r>
+            <a:endParaRPr lang="en-US" altLang="en-US"/>
+          </a:p>
+          <a:p>
+            <a:pPr lvl="1"/>
+            <a:r>
+              <a:rPr lang="en-US" altLang="en-US"/>
+              <a:t>sudo apt install virtualenv virtualenvwrapper</a:t>
+            </a:r>
+            <a:endParaRPr lang="en-US" altLang="en-US"/>
+          </a:p>
+          <a:p>
+            <a:pPr lvl="1"/>
+            <a:r>
+              <a:rPr lang="en-US" altLang="en-US"/>
+              <a:t>pip3 install virtualenvwrapper</a:t>
+            </a:r>
+            <a:endParaRPr lang="en-US" altLang="en-US"/>
+          </a:p>
+          <a:p>
+            <a:pPr lvl="1"/>
+            <a:r>
+              <a:rPr lang="en-US" altLang="en-US"/>
+              <a:t>Modify ~/.bashrc</a:t>
+            </a:r>
+            <a:endParaRPr lang="en-US" altLang="en-US"/>
+          </a:p>
+          <a:p>
+            <a:pPr lvl="2"/>
+            <a:r>
+              <a:rPr lang="en-US" altLang="en-US"/>
+              <a:t>export WORKON_HOME=~/.virtualenvs</a:t>
+            </a:r>
+            <a:endParaRPr lang="en-US" altLang="en-US"/>
+          </a:p>
+          <a:p>
+            <a:pPr lvl="2"/>
+            <a:r>
+              <a:rPr lang="en-US" altLang="en-US"/>
+              <a:t>export PROJECT_HOME=~/workspace</a:t>
+            </a:r>
+            <a:endParaRPr lang="en-US" altLang="en-US"/>
+          </a:p>
+          <a:p>
+            <a:pPr lvl="2"/>
+            <a:r>
+              <a:rPr lang="en-US" altLang="en-US"/>
+              <a:t>export VIRTUALENVWRAPPER_PYTHON=/usr/bin/python3</a:t>
+            </a:r>
+            <a:endParaRPr lang="en-US" altLang="en-US"/>
+          </a:p>
+          <a:p>
+            <a:pPr lvl="2"/>
+            <a:r>
+              <a:rPr lang="en-US" altLang="en-US"/>
+              <a:t>source /usr/share/virtualenvwrapper/virtualenvwrapper.sh</a:t>
+            </a:r>
+            <a:endParaRPr lang="en-US" altLang="en-US"/>
+          </a:p>
+          <a:p>
+            <a:pPr lvl="1"/>
+            <a:r>
+              <a:rPr lang="en-US" altLang="en-US"/>
+              <a:t>source ~/.bashrc</a:t>
+            </a:r>
+            <a:endParaRPr lang="en-US" altLang="en-US"/>
+          </a:p>
           <a:p>
             <a:pPr lvl="0"/>
             <a:r>
-              <a:rPr lang="en-US" altLang="zh-CN" sz="2400">
-                <a:sym typeface="+mn-ea"/>
-              </a:rPr>
-              <a:t>Install Anaconda</a:t>
-            </a:r>
-            <a:endParaRPr lang="en-US" altLang="zh-CN" sz="2400"/>
+              <a:rPr lang="en-US" altLang="en-US"/>
+              <a:t>Windows Install</a:t>
+            </a:r>
+            <a:endParaRPr lang="en-US" altLang="en-US"/>
           </a:p>
           <a:p>
             <a:pPr lvl="1"/>
             <a:r>
-              <a:rPr lang="en-US" altLang="zh-CN" sz="2400">
-                <a:sym typeface="+mn-ea"/>
-              </a:rPr>
-              <a:t>https://mirrors.tuna.tsinghua.edu.cn/anaconda/archive/</a:t>
-            </a:r>
-            <a:endParaRPr lang="en-US" altLang="zh-CN" sz="2400"/>
-          </a:p>
-          <a:p>
-            <a:r>
-              <a:rPr lang="en-US" altLang="zh-CN"/>
-              <a:t>Generate $HOME/.condarc</a:t>
-            </a:r>
-            <a:endParaRPr lang="en-US" altLang="zh-CN"/>
+              <a:rPr lang="en-US" altLang="en-US" sz="2000"/>
+              <a:t>pip install virtualenvwrapper-win</a:t>
+            </a:r>
+            <a:endParaRPr lang="en-US" altLang="en-US"/>
+          </a:p>
+          <a:p>
+            <a:pPr lvl="0"/>
+            <a:r>
+              <a:rPr lang="en-US" altLang="en-US"/>
+              <a:t>Usage</a:t>
+            </a:r>
+            <a:endParaRPr lang="en-US" altLang="en-US"/>
           </a:p>
           <a:p>
             <a:pPr lvl="1"/>
             <a:r>
-              <a:rPr lang="zh-CN" altLang="en-US"/>
-              <a:t>conda config --set show_channel_urls yes</a:t>
-            </a:r>
-            <a:endParaRPr lang="zh-CN" altLang="en-US"/>
-          </a:p>
-          <a:p>
-            <a:pPr lvl="0"/>
-            <a:r>
-              <a:rPr lang="en-US" altLang="zh-CN"/>
-              <a:t>Configure Tsinghua mirror</a:t>
-            </a:r>
-            <a:endParaRPr lang="en-US" altLang="zh-CN"/>
+              <a:rPr lang="en-US" altLang="en-US"/>
+              <a:t>Use original pip source instead of aliyun source</a:t>
+            </a:r>
+            <a:endParaRPr lang="en-US" altLang="en-US"/>
           </a:p>
           <a:p>
             <a:pPr lvl="1"/>
             <a:r>
-              <a:rPr lang="en-US" altLang="zh-CN" sz="2000"/>
-              <a:t>conda info #check</a:t>
-            </a:r>
-            <a:endParaRPr lang="en-US" altLang="zh-CN"/>
-          </a:p>
-          <a:p>
-            <a:pPr lvl="0"/>
-            <a:r>
-              <a:rPr lang="en-US" altLang="zh-CN"/>
-              <a:t>Create virtualenv</a:t>
-            </a:r>
-            <a:endParaRPr lang="en-US" altLang="zh-CN"/>
-          </a:p>
-          <a:p>
-            <a:pPr lvl="1"/>
-            <a:r>
-              <a:rPr lang="en-US" altLang="zh-CN"/>
-              <a:t>conda create -n py3.7</a:t>
-            </a:r>
-            <a:endParaRPr lang="en-US" altLang="zh-CN"/>
-          </a:p>
-          <a:p>
-            <a:pPr lvl="1"/>
-            <a:r>
-              <a:rPr lang="en-US" altLang="zh-CN"/>
-              <a:t>conda activate py3.7</a:t>
-            </a:r>
-            <a:endParaRPr lang="en-US" altLang="zh-CN"/>
-          </a:p>
-          <a:p>
-            <a:pPr lvl="1"/>
-            <a:r>
-              <a:rPr lang="en-US" altLang="zh-CN"/>
-              <a:t>conda deactivate</a:t>
-            </a:r>
-            <a:endParaRPr lang="en-US" altLang="zh-CN"/>
-          </a:p>
-        </p:txBody>
-      </p:sp>
-      <p:sp>
-        <p:nvSpPr>
-          <p:cNvPr id="4" name="文本框 3"/>
-          <p:cNvSpPr txBox="1"/>
-          <p:nvPr/>
-        </p:nvSpPr>
-        <p:spPr>
-          <a:xfrm>
-            <a:off x="5292090" y="3084195"/>
-            <a:ext cx="6672580" cy="2676525"/>
-          </a:xfrm>
-          <a:prstGeom prst="rect">
-            <a:avLst/>
-          </a:prstGeom>
-          <a:noFill/>
-        </p:spPr>
-        <p:txBody>
-          <a:bodyPr wrap="square" rtlCol="0">
-            <a:spAutoFit/>
-          </a:bodyPr>
-          <a:p>
-            <a:r>
-              <a:rPr lang="zh-CN" altLang="en-US" sz="1200"/>
-              <a:t>channels:</a:t>
-            </a:r>
-            <a:endParaRPr lang="zh-CN" altLang="en-US" sz="1200"/>
-          </a:p>
-          <a:p>
-            <a:r>
-              <a:rPr lang="zh-CN" altLang="en-US" sz="1200"/>
-              <a:t>  - defaults</a:t>
-            </a:r>
-            <a:endParaRPr lang="zh-CN" altLang="en-US" sz="1200"/>
-          </a:p>
-          <a:p>
-            <a:r>
-              <a:rPr lang="zh-CN" altLang="en-US" sz="1200"/>
-              <a:t>show_channel_urls: true</a:t>
-            </a:r>
-            <a:endParaRPr lang="zh-CN" altLang="en-US" sz="1200"/>
-          </a:p>
-          <a:p>
-            <a:r>
-              <a:rPr lang="zh-CN" altLang="en-US" sz="1200"/>
-              <a:t>default_channels:</a:t>
-            </a:r>
-            <a:endParaRPr lang="zh-CN" altLang="en-US" sz="1200"/>
-          </a:p>
-          <a:p>
-            <a:r>
-              <a:rPr lang="zh-CN" altLang="en-US" sz="1200"/>
-              <a:t>  - https://mirrors.tuna.tsinghua.edu.cn/anaconda/pkgs/main</a:t>
-            </a:r>
-            <a:endParaRPr lang="zh-CN" altLang="en-US" sz="1200"/>
-          </a:p>
-          <a:p>
-            <a:r>
-              <a:rPr lang="zh-CN" altLang="en-US" sz="1200"/>
-              <a:t>  - https://mirrors.tuna.tsinghua.edu.cn/anaconda/pkgs/free</a:t>
-            </a:r>
-            <a:endParaRPr lang="zh-CN" altLang="en-US" sz="1200"/>
-          </a:p>
-          <a:p>
-            <a:r>
-              <a:rPr lang="zh-CN" altLang="en-US" sz="1200"/>
-              <a:t>  - https://mirrors.tuna.tsinghua.edu.cn/anaconda/pkgs/r</a:t>
-            </a:r>
-            <a:endParaRPr lang="zh-CN" altLang="en-US" sz="1200"/>
-          </a:p>
-          <a:p>
-            <a:r>
-              <a:rPr lang="zh-CN" altLang="en-US" sz="1200"/>
-              <a:t>custom_channels:</a:t>
-            </a:r>
-            <a:endParaRPr lang="zh-CN" altLang="en-US" sz="1200"/>
-          </a:p>
-          <a:p>
-            <a:r>
-              <a:rPr lang="zh-CN" altLang="en-US" sz="1200"/>
-              <a:t>  conda-forge: https://mirrors.tuna.tsinghua.edu.cn/anaconda/cloud</a:t>
-            </a:r>
-            <a:endParaRPr lang="zh-CN" altLang="en-US" sz="1200"/>
-          </a:p>
-          <a:p>
-            <a:r>
-              <a:rPr lang="zh-CN" altLang="en-US" sz="1200"/>
-              <a:t>  msys2: https://mirrors.tuna.tsinghua.edu.cn/anaconda/cloud</a:t>
-            </a:r>
-            <a:endParaRPr lang="zh-CN" altLang="en-US" sz="1200"/>
-          </a:p>
-          <a:p>
-            <a:r>
-              <a:rPr lang="zh-CN" altLang="en-US" sz="1200"/>
-              <a:t>  bioconda: https://mirrors.tuna.tsinghua.edu.cn/anaconda/cloud</a:t>
-            </a:r>
-            <a:endParaRPr lang="zh-CN" altLang="en-US" sz="1200"/>
-          </a:p>
-          <a:p>
-            <a:r>
-              <a:rPr lang="zh-CN" altLang="en-US" sz="1200"/>
-              <a:t>  menpo: https://mirrors.tuna.tsinghua.edu.cn/anaconda/cloud</a:t>
-            </a:r>
-            <a:endParaRPr lang="zh-CN" altLang="en-US" sz="1200"/>
-          </a:p>
-          <a:p>
-            <a:r>
-              <a:rPr lang="zh-CN" altLang="en-US" sz="1200"/>
-              <a:t>  pytorch: https://mirrors.tuna.tsinghua.edu.cn/anaconda/cloud</a:t>
-            </a:r>
-            <a:endParaRPr lang="zh-CN" altLang="en-US" sz="1200"/>
-          </a:p>
-          <a:p>
-            <a:r>
-              <a:rPr lang="zh-CN" altLang="en-US" sz="1200"/>
-              <a:t>  simpleitk: https://mirrors.tuna.tsinghua.edu.cn/anaconda/cloud</a:t>
-            </a:r>
-            <a:endParaRPr lang="zh-CN" altLang="en-US" sz="1200"/>
+              <a:rPr lang="en-US" altLang="en-US"/>
+              <a:t>mkvirtualenv py3 --python=/usr/bin/python3</a:t>
+            </a:r>
+            <a:endParaRPr lang="en-US" altLang="en-US"/>
           </a:p>
         </p:txBody>
       </p:sp>
@@ -9320,7 +10135,7 @@
       <p:grpSpPr/>
       <p:sp>
         <p:nvSpPr>
-          <p:cNvPr id="2" name="Title 1"/>
+          <p:cNvPr id="2" name="标题 1"/>
           <p:cNvSpPr>
             <a:spLocks noGrp="1"/>
           </p:cNvSpPr>
@@ -9330,73 +10145,231 @@
         </p:nvSpPr>
         <p:spPr/>
         <p:txBody>
-          <a:bodyPr>
-            <a:normAutofit fontScale="90000"/>
+          <a:bodyPr/>
+          <a:p>
+            <a:r>
+              <a:rPr lang="en-US" altLang="zh-CN"/>
+              <a:t>Anaconda</a:t>
+            </a:r>
+            <a:endParaRPr lang="en-US" altLang="zh-CN"/>
+          </a:p>
+        </p:txBody>
+      </p:sp>
+      <p:sp>
+        <p:nvSpPr>
+          <p:cNvPr id="3" name="内容占位符 2"/>
+          <p:cNvSpPr>
+            <a:spLocks noGrp="1"/>
+          </p:cNvSpPr>
+          <p:nvPr>
+            <p:ph idx="1"/>
+          </p:nvPr>
+        </p:nvSpPr>
+        <p:spPr/>
+        <p:txBody>
+          <a:bodyPr/>
+          <a:p>
+            <a:pPr lvl="0"/>
+            <a:r>
+              <a:rPr lang="en-US" altLang="zh-CN" sz="2400">
+                <a:sym typeface="+mn-ea"/>
+              </a:rPr>
+              <a:t>Install Anaconda</a:t>
+            </a:r>
+            <a:endParaRPr lang="en-US" altLang="zh-CN" sz="2400"/>
+          </a:p>
+          <a:p>
+            <a:pPr lvl="1"/>
+            <a:r>
+              <a:rPr lang="en-US" altLang="zh-CN" sz="2400">
+                <a:sym typeface="+mn-ea"/>
+              </a:rPr>
+              <a:t>https://mirrors.tuna.tsinghua.edu.cn/anaconda/archive/</a:t>
+            </a:r>
+            <a:endParaRPr lang="en-US" altLang="zh-CN" sz="2400"/>
+          </a:p>
+          <a:p>
+            <a:r>
+              <a:rPr lang="en-US" altLang="zh-CN"/>
+              <a:t>Generate $HOME/.condarc</a:t>
+            </a:r>
+            <a:endParaRPr lang="en-US" altLang="zh-CN"/>
+          </a:p>
+          <a:p>
+            <a:pPr lvl="1"/>
+            <a:r>
+              <a:rPr lang="zh-CN" altLang="en-US"/>
+              <a:t>conda config --set show_channel_urls yes</a:t>
+            </a:r>
+            <a:endParaRPr lang="zh-CN" altLang="en-US"/>
+          </a:p>
+          <a:p>
+            <a:pPr lvl="0"/>
+            <a:r>
+              <a:rPr lang="en-US" altLang="zh-CN"/>
+              <a:t>Configure Tsinghua mirror</a:t>
+            </a:r>
+            <a:endParaRPr lang="en-US" altLang="zh-CN"/>
+          </a:p>
+          <a:p>
+            <a:pPr lvl="1"/>
+            <a:r>
+              <a:rPr lang="en-US" altLang="zh-CN" sz="2000"/>
+              <a:t>conda info #check</a:t>
+            </a:r>
+            <a:endParaRPr lang="en-US" altLang="zh-CN"/>
+          </a:p>
+          <a:p>
+            <a:pPr lvl="0"/>
+            <a:r>
+              <a:rPr lang="en-US" altLang="zh-CN"/>
+              <a:t>Create virtualenv</a:t>
+            </a:r>
+            <a:endParaRPr lang="en-US" altLang="zh-CN"/>
+          </a:p>
+          <a:p>
+            <a:pPr lvl="1"/>
+            <a:r>
+              <a:rPr lang="en-US" altLang="zh-CN"/>
+              <a:t>conda create -n py3.7</a:t>
+            </a:r>
+            <a:endParaRPr lang="en-US" altLang="zh-CN"/>
+          </a:p>
+          <a:p>
+            <a:pPr lvl="1"/>
+            <a:r>
+              <a:rPr lang="en-US" altLang="zh-CN"/>
+              <a:t>conda activate py3.7</a:t>
+            </a:r>
+            <a:endParaRPr lang="en-US" altLang="zh-CN"/>
+          </a:p>
+          <a:p>
+            <a:pPr lvl="1"/>
+            <a:r>
+              <a:rPr lang="en-US" altLang="zh-CN"/>
+              <a:t>conda deactivate</a:t>
+            </a:r>
+            <a:endParaRPr lang="en-US" altLang="zh-CN"/>
+          </a:p>
+        </p:txBody>
+      </p:sp>
+      <p:sp>
+        <p:nvSpPr>
+          <p:cNvPr id="4" name="文本框 3"/>
+          <p:cNvSpPr txBox="1"/>
+          <p:nvPr/>
+        </p:nvSpPr>
+        <p:spPr>
+          <a:xfrm>
+            <a:off x="5292090" y="3084195"/>
+            <a:ext cx="6672580" cy="2676525"/>
+          </a:xfrm>
+          <a:prstGeom prst="rect">
+            <a:avLst/>
+          </a:prstGeom>
+          <a:noFill/>
+        </p:spPr>
+        <p:txBody>
+          <a:bodyPr wrap="square" rtlCol="0">
+            <a:spAutoFit/>
           </a:bodyPr>
           <a:p>
             <a:r>
-              <a:rPr lang="en-US" altLang="en-US"/>
-              <a:t>Pylint</a:t>
-            </a:r>
-            <a:endParaRPr lang="en-US" altLang="en-US"/>
-          </a:p>
-        </p:txBody>
-      </p:sp>
-      <p:sp>
-        <p:nvSpPr>
-          <p:cNvPr id="3" name="Content Placeholder 2"/>
-          <p:cNvSpPr>
-            <a:spLocks noGrp="1"/>
-          </p:cNvSpPr>
-          <p:nvPr>
-            <p:ph idx="1"/>
-          </p:nvPr>
-        </p:nvSpPr>
-        <p:spPr/>
-        <p:txBody>
-          <a:bodyPr/>
-          <a:p>
-            <a:r>
-              <a:rPr lang="en-US" altLang="en-US"/>
-              <a:t>Configuration</a:t>
-            </a:r>
-            <a:endParaRPr lang="en-US" altLang="en-US"/>
-          </a:p>
-          <a:p>
-            <a:pPr lvl="1"/>
-            <a:r>
-              <a:rPr lang="en-US"/>
-              <a:t>pylint --generate-rcfile &gt; .pylintr</a:t>
-            </a:r>
-            <a:r>
-              <a:rPr lang="en-US" altLang="en-US"/>
-              <a:t>c</a:t>
-            </a:r>
-            <a:endParaRPr lang="en-US"/>
-          </a:p>
-          <a:p>
-            <a:pPr lvl="1"/>
-            <a:r>
-              <a:rPr lang="en-US" altLang="en-US"/>
-              <a:t>.pylintrc</a:t>
-            </a:r>
-            <a:endParaRPr lang="en-US" altLang="en-US"/>
-          </a:p>
-          <a:p>
-            <a:pPr lvl="2"/>
-            <a:r>
-              <a:rPr lang="en-US"/>
-              <a:t>extension-pkg-whitelist=cv2</a:t>
-            </a:r>
-            <a:endParaRPr lang="en-US"/>
-          </a:p>
-          <a:p>
-            <a:pPr lvl="2"/>
-            <a:r>
-              <a:rPr lang="en-US" altLang="en-US"/>
-              <a:t>disable=print-statement, invalid-name</a:t>
-            </a:r>
-            <a:endParaRPr lang="en-US" altLang="en-US"/>
+              <a:rPr lang="zh-CN" altLang="en-US" sz="1200"/>
+              <a:t>channels:</a:t>
+            </a:r>
+            <a:endParaRPr lang="zh-CN" altLang="en-US" sz="1200"/>
+          </a:p>
+          <a:p>
+            <a:r>
+              <a:rPr lang="zh-CN" altLang="en-US" sz="1200"/>
+              <a:t>  - defaults</a:t>
+            </a:r>
+            <a:endParaRPr lang="zh-CN" altLang="en-US" sz="1200"/>
+          </a:p>
+          <a:p>
+            <a:r>
+              <a:rPr lang="zh-CN" altLang="en-US" sz="1200"/>
+              <a:t>show_channel_urls: true</a:t>
+            </a:r>
+            <a:endParaRPr lang="zh-CN" altLang="en-US" sz="1200"/>
+          </a:p>
+          <a:p>
+            <a:r>
+              <a:rPr lang="zh-CN" altLang="en-US" sz="1200"/>
+              <a:t>default_channels:</a:t>
+            </a:r>
+            <a:endParaRPr lang="zh-CN" altLang="en-US" sz="1200"/>
+          </a:p>
+          <a:p>
+            <a:r>
+              <a:rPr lang="zh-CN" altLang="en-US" sz="1200"/>
+              <a:t>  - https://mirrors.tuna.tsinghua.edu.cn/anaconda/pkgs/main</a:t>
+            </a:r>
+            <a:endParaRPr lang="zh-CN" altLang="en-US" sz="1200"/>
+          </a:p>
+          <a:p>
+            <a:r>
+              <a:rPr lang="zh-CN" altLang="en-US" sz="1200"/>
+              <a:t>  - https://mirrors.tuna.tsinghua.edu.cn/anaconda/pkgs/free</a:t>
+            </a:r>
+            <a:endParaRPr lang="zh-CN" altLang="en-US" sz="1200"/>
+          </a:p>
+          <a:p>
+            <a:r>
+              <a:rPr lang="zh-CN" altLang="en-US" sz="1200"/>
+              <a:t>  - https://mirrors.tuna.tsinghua.edu.cn/anaconda/pkgs/r</a:t>
+            </a:r>
+            <a:endParaRPr lang="zh-CN" altLang="en-US" sz="1200"/>
+          </a:p>
+          <a:p>
+            <a:r>
+              <a:rPr lang="zh-CN" altLang="en-US" sz="1200"/>
+              <a:t>custom_channels:</a:t>
+            </a:r>
+            <a:endParaRPr lang="zh-CN" altLang="en-US" sz="1200"/>
+          </a:p>
+          <a:p>
+            <a:r>
+              <a:rPr lang="zh-CN" altLang="en-US" sz="1200"/>
+              <a:t>  conda-forge: https://mirrors.tuna.tsinghua.edu.cn/anaconda/cloud</a:t>
+            </a:r>
+            <a:endParaRPr lang="zh-CN" altLang="en-US" sz="1200"/>
+          </a:p>
+          <a:p>
+            <a:r>
+              <a:rPr lang="zh-CN" altLang="en-US" sz="1200"/>
+              <a:t>  msys2: https://mirrors.tuna.tsinghua.edu.cn/anaconda/cloud</a:t>
+            </a:r>
+            <a:endParaRPr lang="zh-CN" altLang="en-US" sz="1200"/>
+          </a:p>
+          <a:p>
+            <a:r>
+              <a:rPr lang="zh-CN" altLang="en-US" sz="1200"/>
+              <a:t>  bioconda: https://mirrors.tuna.tsinghua.edu.cn/anaconda/cloud</a:t>
+            </a:r>
+            <a:endParaRPr lang="zh-CN" altLang="en-US" sz="1200"/>
+          </a:p>
+          <a:p>
+            <a:r>
+              <a:rPr lang="zh-CN" altLang="en-US" sz="1200"/>
+              <a:t>  menpo: https://mirrors.tuna.tsinghua.edu.cn/anaconda/cloud</a:t>
+            </a:r>
+            <a:endParaRPr lang="zh-CN" altLang="en-US" sz="1200"/>
+          </a:p>
+          <a:p>
+            <a:r>
+              <a:rPr lang="zh-CN" altLang="en-US" sz="1200"/>
+              <a:t>  pytorch: https://mirrors.tuna.tsinghua.edu.cn/anaconda/cloud</a:t>
+            </a:r>
+            <a:endParaRPr lang="zh-CN" altLang="en-US" sz="1200"/>
+          </a:p>
+          <a:p>
+            <a:r>
+              <a:rPr lang="zh-CN" altLang="en-US" sz="1200"/>
+              <a:t>  simpleitk: https://mirrors.tuna.tsinghua.edu.cn/anaconda/cloud</a:t>
+            </a:r>
+            <a:endParaRPr lang="zh-CN" altLang="en-US" sz="1200"/>
           </a:p>
         </p:txBody>
       </p:sp>
@@ -9436,7 +10409,7 @@
           <a:p>
             <a:r>
               <a:rPr lang="en-US" altLang="en-US"/>
-              <a:t>Vim Support</a:t>
+              <a:t>Pylint</a:t>
             </a:r>
             <a:endParaRPr lang="en-US" altLang="en-US"/>
           </a:p>
@@ -9452,405 +10425,51 @@
             <p:ph idx="1"/>
           </p:nvPr>
         </p:nvSpPr>
-        <p:spPr>
-          <a:xfrm>
-            <a:off x="838200" y="1211580"/>
-            <a:ext cx="10515600" cy="5065395"/>
-          </a:xfrm>
-        </p:spPr>
-        <p:txBody>
-          <a:bodyPr>
-            <a:normAutofit fontScale="50000"/>
-          </a:bodyPr>
+        <p:spPr/>
+        <p:txBody>
+          <a:bodyPr/>
           <a:p>
             <a:r>
               <a:rPr lang="en-US" altLang="en-US"/>
-              <a:t>Vundle</a:t>
+              <a:t>Configuration</a:t>
             </a:r>
             <a:endParaRPr lang="en-US" altLang="en-US"/>
           </a:p>
           <a:p>
             <a:pPr lvl="1"/>
             <a:r>
+              <a:rPr lang="en-US"/>
+              <a:t>pylint --generate-rcfile &gt; .pylintr</a:t>
+            </a:r>
+            <a:r>
               <a:rPr lang="en-US" altLang="en-US"/>
-              <a:t> git clone https://github.com/VundleVim/Vundle.vim.git ~/.vim/bundle/Vundle.vim</a:t>
+              <a:t>c</a:t>
+            </a:r>
+            <a:endParaRPr lang="en-US"/>
+          </a:p>
+          <a:p>
+            <a:pPr lvl="1"/>
+            <a:r>
+              <a:rPr lang="en-US" altLang="en-US"/>
+              <a:t>.pylintrc</a:t>
             </a:r>
             <a:endParaRPr lang="en-US" altLang="en-US"/>
           </a:p>
           <a:p>
-            <a:pPr lvl="1"/>
+            <a:pPr lvl="2"/>
+            <a:r>
+              <a:rPr lang="en-US"/>
+              <a:t>extension-pkg-whitelist=cv2</a:t>
+            </a:r>
+            <a:endParaRPr lang="en-US"/>
+          </a:p>
+          <a:p>
+            <a:pPr lvl="2"/>
             <a:r>
               <a:rPr lang="en-US" altLang="en-US"/>
-              <a:t>Edit .vimrc (Refer to https://github.com/VundleVim/Vundle.vim)</a:t>
+              <a:t>disable=print-statement, invalid-name</a:t>
             </a:r>
             <a:endParaRPr lang="en-US" altLang="en-US"/>
-          </a:p>
-          <a:p>
-            <a:pPr lvl="1"/>
-            <a:r>
-              <a:rPr lang="en-US" altLang="en-US"/>
-              <a:t>Launch vim. Run “:PluginInstall”</a:t>
-            </a:r>
-            <a:endParaRPr lang="en-US" altLang="en-US"/>
-          </a:p>
-          <a:p>
-            <a:pPr lvl="0"/>
-            <a:r>
-              <a:rPr lang="en-US" altLang="en-US"/>
-              <a:t>Plugins</a:t>
-            </a:r>
-            <a:endParaRPr lang="en-US" altLang="en-US"/>
-          </a:p>
-          <a:p>
-            <a:pPr lvl="1"/>
-            <a:r>
-              <a:rPr lang="en-US" altLang="en-US"/>
-              <a:t>syntastic</a:t>
-            </a:r>
-            <a:endParaRPr lang="en-US" altLang="en-US"/>
-          </a:p>
-          <a:p>
-            <a:pPr lvl="2"/>
-            <a:r>
-              <a:rPr lang="en-US" altLang="en-US" sz="1800"/>
-              <a:t>Add “Plugin 'vim-syntastic/syntastic'” to .vimrc</a:t>
-            </a:r>
-            <a:endParaRPr lang="en-US" altLang="en-US" sz="1800"/>
-          </a:p>
-          <a:p>
-            <a:pPr lvl="2"/>
-            <a:r>
-              <a:rPr lang="en-US" altLang="en-US" sz="1800"/>
-              <a:t>Add “Plugin 'nvie/vim-flake8'” to .vimrc</a:t>
-            </a:r>
-            <a:endParaRPr lang="en-US" altLang="en-US" sz="1800"/>
-          </a:p>
-          <a:p>
-            <a:pPr lvl="2"/>
-            <a:r>
-              <a:rPr lang="en-US" altLang="en-US" sz="1800"/>
-              <a:t>let python_highlight_all=1</a:t>
-            </a:r>
-            <a:endParaRPr lang="en-US" altLang="en-US" sz="1800"/>
-          </a:p>
-          <a:p>
-            <a:pPr lvl="2"/>
-            <a:r>
-              <a:rPr lang="en-US" altLang="en-US" sz="1800"/>
-              <a:t>syntax on</a:t>
-            </a:r>
-            <a:endParaRPr lang="en-US" altLang="en-US" sz="1800"/>
-          </a:p>
-          <a:p>
-            <a:pPr lvl="2"/>
-            <a:r>
-              <a:rPr lang="en-US" altLang="en-US" sz="1800"/>
-              <a:t>sudo ap install flake8</a:t>
-            </a:r>
-            <a:endParaRPr lang="en-US" altLang="en-US" sz="1800"/>
-          </a:p>
-          <a:p>
-            <a:pPr lvl="1"/>
-            <a:r>
-              <a:rPr lang="en-US" altLang="en-US"/>
-              <a:t>NERDTree</a:t>
-            </a:r>
-            <a:endParaRPr lang="en-US" altLang="en-US"/>
-          </a:p>
-          <a:p>
-            <a:pPr lvl="2"/>
-            <a:r>
-              <a:rPr lang="en-US" altLang="en-US" sz="1800"/>
-              <a:t>Add “Plugin 'scrooloose/nerdtree'” to .vimrc</a:t>
-            </a:r>
-            <a:endParaRPr lang="en-US" altLang="en-US"/>
-          </a:p>
-          <a:p>
-            <a:pPr lvl="1"/>
-            <a:r>
-              <a:rPr lang="en-US" altLang="en-US"/>
-              <a:t>fugutive</a:t>
-            </a:r>
-            <a:endParaRPr lang="en-US" altLang="en-US"/>
-          </a:p>
-          <a:p>
-            <a:pPr lvl="2"/>
-            <a:r>
-              <a:rPr lang="en-US" altLang="en-US" sz="1800"/>
-              <a:t>Add “Plugin 'tpope/vim-fugitive'” to .vimrc</a:t>
-            </a:r>
-            <a:endParaRPr lang="en-US" altLang="en-US" sz="1800"/>
-          </a:p>
-          <a:p>
-            <a:pPr lvl="1"/>
-            <a:r>
-              <a:rPr lang="en-US" altLang="en-US"/>
-              <a:t>YouCompleteMe</a:t>
-            </a:r>
-            <a:endParaRPr lang="en-US" altLang="en-US"/>
-          </a:p>
-          <a:p>
-            <a:pPr lvl="2"/>
-            <a:r>
-              <a:rPr lang="en-US" altLang="en-US"/>
-              <a:t>git clone https://github.com/Valloric/YouCompleteMe.git ~/.vim/bundle/</a:t>
-            </a:r>
-            <a:endParaRPr lang="en-US" altLang="en-US"/>
-          </a:p>
-          <a:p>
-            <a:pPr lvl="2"/>
-            <a:r>
-              <a:rPr lang="en-US" altLang="en-US"/>
-              <a:t>cd ~/.vim/bundle/YouCompleteMe/</a:t>
-            </a:r>
-            <a:endParaRPr lang="en-US" altLang="en-US"/>
-          </a:p>
-          <a:p>
-            <a:pPr lvl="2"/>
-            <a:r>
-              <a:rPr lang="en-US" altLang="en-US"/>
-              <a:t>git submodule update --init --recursive (may fail because of network restriction)</a:t>
-            </a:r>
-            <a:endParaRPr lang="en-US" altLang="en-US"/>
-          </a:p>
-          <a:p>
-            <a:pPr lvl="2"/>
-            <a:r>
-              <a:rPr lang="en-US" altLang="en-US"/>
-              <a:t>python ./install.py</a:t>
-            </a:r>
-            <a:endParaRPr lang="en-US" altLang="en-US"/>
-          </a:p>
-          <a:p>
-            <a:pPr lvl="2"/>
-            <a:r>
-              <a:rPr lang="en-US" altLang="en-US"/>
-              <a:t>Add “Bundle 'Valloric/YouCompleteMe'” to .vimrc</a:t>
-            </a:r>
-            <a:endParaRPr lang="en-US" altLang="en-US"/>
-          </a:p>
-          <a:p>
-            <a:pPr lvl="2"/>
-            <a:r>
-              <a:rPr lang="en-US" altLang="en-US"/>
-              <a:t>virtualenv support: create .ycm_extra_conf.py</a:t>
-            </a:r>
-            <a:endParaRPr lang="en-US" altLang="en-US"/>
-          </a:p>
-          <a:p>
-            <a:pPr lvl="1"/>
-            <a:r>
-              <a:rPr lang="en-US" altLang="en-US"/>
-              <a:t>taglist</a:t>
-            </a:r>
-            <a:endParaRPr lang="en-US" altLang="en-US"/>
-          </a:p>
-        </p:txBody>
-      </p:sp>
-      <p:sp>
-        <p:nvSpPr>
-          <p:cNvPr id="4" name="Text Box 3"/>
-          <p:cNvSpPr txBox="1"/>
-          <p:nvPr/>
-        </p:nvSpPr>
-        <p:spPr>
-          <a:xfrm>
-            <a:off x="6689090" y="1750695"/>
-            <a:ext cx="4958715" cy="1814830"/>
-          </a:xfrm>
-          <a:prstGeom prst="rect">
-            <a:avLst/>
-          </a:prstGeom>
-          <a:noFill/>
-          <a:ln>
-            <a:solidFill>
-              <a:schemeClr val="accent1"/>
-            </a:solidFill>
-          </a:ln>
-        </p:spPr>
-        <p:txBody>
-          <a:bodyPr wrap="square" rtlCol="0">
-            <a:spAutoFit/>
-          </a:bodyPr>
-          <a:p>
-            <a:r>
-              <a:rPr lang="en-US" sz="1400"/>
-              <a:t>set statusline+=%#warningmsg#</a:t>
-            </a:r>
-            <a:endParaRPr lang="en-US" sz="1400"/>
-          </a:p>
-          <a:p>
-            <a:r>
-              <a:rPr lang="en-US" sz="1400"/>
-              <a:t>set statusline+=%{SyntasticStatuslineFlag()}</a:t>
-            </a:r>
-            <a:endParaRPr lang="en-US" sz="1400"/>
-          </a:p>
-          <a:p>
-            <a:r>
-              <a:rPr lang="en-US" sz="1400"/>
-              <a:t>set statusline+=%*</a:t>
-            </a:r>
-            <a:endParaRPr lang="en-US" sz="1400"/>
-          </a:p>
-          <a:p>
-            <a:endParaRPr lang="en-US" sz="1400"/>
-          </a:p>
-          <a:p>
-            <a:r>
-              <a:rPr lang="en-US" sz="1400"/>
-              <a:t>let g:syntastic_always_populate_loc_list = 1</a:t>
-            </a:r>
-            <a:endParaRPr lang="en-US" sz="1400"/>
-          </a:p>
-          <a:p>
-            <a:r>
-              <a:rPr lang="en-US" sz="1400"/>
-              <a:t>let g:syntastic_auto_loc_list = </a:t>
-            </a:r>
-            <a:r>
-              <a:rPr lang="en-US" altLang="en-US" sz="1400"/>
-              <a:t>2</a:t>
-            </a:r>
-            <a:endParaRPr lang="en-US" sz="1400"/>
-          </a:p>
-          <a:p>
-            <a:r>
-              <a:rPr lang="en-US" sz="1400"/>
-              <a:t>let g:syntastic_check_on_open = 1</a:t>
-            </a:r>
-            <a:endParaRPr lang="en-US" sz="1400"/>
-          </a:p>
-          <a:p>
-            <a:r>
-              <a:rPr lang="en-US" sz="1400"/>
-              <a:t>let g:syntastic_check_on_wq = 0</a:t>
-            </a:r>
-            <a:endParaRPr lang="en-US" sz="1400"/>
-          </a:p>
-        </p:txBody>
-      </p:sp>
-      <p:sp>
-        <p:nvSpPr>
-          <p:cNvPr id="5" name="Text Box 4"/>
-          <p:cNvSpPr txBox="1"/>
-          <p:nvPr/>
-        </p:nvSpPr>
-        <p:spPr>
-          <a:xfrm>
-            <a:off x="7322185" y="3674110"/>
-            <a:ext cx="4325620" cy="1599565"/>
-          </a:xfrm>
-          <a:prstGeom prst="rect">
-            <a:avLst/>
-          </a:prstGeom>
-          <a:noFill/>
-          <a:ln>
-            <a:solidFill>
-              <a:schemeClr val="accent1"/>
-            </a:solidFill>
-          </a:ln>
-        </p:spPr>
-        <p:txBody>
-          <a:bodyPr wrap="square" rtlCol="0">
-            <a:spAutoFit/>
-          </a:bodyPr>
-          <a:p>
-            <a:r>
-              <a:rPr lang="en-US" sz="1400"/>
-              <a:t>" see :h syntastic-loclist-callback</a:t>
-            </a:r>
-            <a:endParaRPr lang="en-US" sz="1400"/>
-          </a:p>
-          <a:p>
-            <a:r>
-              <a:rPr lang="en-US" sz="1400"/>
-              <a:t>function! SyntasticCheckHook(errors)</a:t>
-            </a:r>
-            <a:endParaRPr lang="en-US" sz="1400"/>
-          </a:p>
-          <a:p>
-            <a:r>
-              <a:rPr lang="en-US" sz="1400"/>
-              <a:t>    if !empty(a:errors)</a:t>
-            </a:r>
-            <a:endParaRPr lang="en-US" sz="1400"/>
-          </a:p>
-          <a:p>
-            <a:r>
-              <a:rPr lang="en-US" sz="1400"/>
-              <a:t>        let g:syntastic_loc_list_height = min([len(a:errors), 10])</a:t>
-            </a:r>
-            <a:endParaRPr lang="en-US" sz="1400"/>
-          </a:p>
-          <a:p>
-            <a:r>
-              <a:rPr lang="en-US" sz="1400"/>
-              <a:t>    endif</a:t>
-            </a:r>
-            <a:endParaRPr lang="en-US" sz="1400"/>
-          </a:p>
-          <a:p>
-            <a:r>
-              <a:rPr lang="en-US" sz="1400"/>
-              <a:t>endfunction</a:t>
-            </a:r>
-            <a:endParaRPr lang="en-US" sz="1400"/>
-          </a:p>
-        </p:txBody>
-      </p:sp>
-      <p:sp>
-        <p:nvSpPr>
-          <p:cNvPr id="6" name="Text Box 5"/>
-          <p:cNvSpPr txBox="1"/>
-          <p:nvPr/>
-        </p:nvSpPr>
-        <p:spPr>
-          <a:xfrm>
-            <a:off x="7322185" y="5525135"/>
-            <a:ext cx="4325620" cy="1168400"/>
-          </a:xfrm>
-          <a:prstGeom prst="rect">
-            <a:avLst/>
-          </a:prstGeom>
-          <a:noFill/>
-          <a:ln>
-            <a:solidFill>
-              <a:schemeClr val="accent1"/>
-            </a:solidFill>
-          </a:ln>
-        </p:spPr>
-        <p:txBody>
-          <a:bodyPr wrap="square" rtlCol="0">
-            <a:spAutoFit/>
-          </a:bodyPr>
-          <a:p>
-            <a:r>
-              <a:rPr lang="en-US" altLang="en-US" sz="1400"/>
-              <a:t>def Settings( **kwargs ):</a:t>
-            </a:r>
-            <a:endParaRPr lang="en-US" altLang="en-US" sz="1400"/>
-          </a:p>
-          <a:p>
-            <a:r>
-              <a:rPr lang="en-US" altLang="en-US" sz="1400"/>
-              <a:t>  return {</a:t>
-            </a:r>
-            <a:endParaRPr lang="en-US" altLang="en-US" sz="1400"/>
-          </a:p>
-          <a:p>
-            <a:r>
-              <a:rPr lang="en-US" altLang="en-US" sz="1400"/>
-              <a:t>    'interpreter_path': '/path/to/virtual/environment/python'</a:t>
-            </a:r>
-            <a:endParaRPr lang="en-US" altLang="en-US" sz="1400"/>
-          </a:p>
-          <a:p>
-            <a:r>
-              <a:rPr lang="en-US" altLang="en-US" sz="1400"/>
-              <a:t>  }</a:t>
-            </a:r>
-            <a:endParaRPr lang="en-US" altLang="en-US" sz="1400"/>
           </a:p>
         </p:txBody>
       </p:sp>
@@ -9874,7 +10493,7 @@
       <p:grpSpPr/>
       <p:sp>
         <p:nvSpPr>
-          <p:cNvPr id="24578" name="标题 2"/>
+          <p:cNvPr id="2" name="标题 1"/>
           <p:cNvSpPr>
             <a:spLocks noGrp="1"/>
           </p:cNvSpPr>
@@ -9884,21 +10503,19 @@
         </p:nvSpPr>
         <p:spPr/>
         <p:txBody>
-          <a:bodyPr anchor="b">
-            <a:normAutofit/>
-          </a:bodyPr>
-          <a:p>
-            <a:r>
-              <a:rPr lang="en-US" altLang="zh-CN" smtClean="0"/>
-              <a:t>Data Types</a:t>
-            </a:r>
-            <a:endParaRPr lang="en-US" altLang="zh-CN" smtClean="0"/>
-          </a:p>
-        </p:txBody>
-      </p:sp>
-      <p:sp>
-        <p:nvSpPr>
-          <p:cNvPr id="4" name="内容占位符 3"/>
+          <a:bodyPr/>
+          <a:p>
+            <a:r>
+              <a:rPr lang="en-US" altLang="zh-CN"/>
+              <a:t>Deploy</a:t>
+            </a:r>
+            <a:endParaRPr lang="en-US" altLang="zh-CN"/>
+          </a:p>
+        </p:txBody>
+      </p:sp>
+      <p:sp>
+        <p:nvSpPr>
+          <p:cNvPr id="3" name="内容占位符 2"/>
           <p:cNvSpPr>
             <a:spLocks noGrp="1"/>
           </p:cNvSpPr>
@@ -9908,96 +10525,77 @@
         </p:nvSpPr>
         <p:spPr/>
         <p:txBody>
-          <a:bodyPr>
-            <a:normAutofit lnSpcReduction="20000"/>
-          </a:bodyPr>
-          <a:p>
-            <a:pPr marL="357505" indent="-357505" algn="l">
-              <a:lnSpc>
-                <a:spcPct val="200000"/>
-              </a:lnSpc>
-              <a:buClr>
-                <a:schemeClr val="accent1"/>
-              </a:buClr>
-              <a:buSzTx/>
-              <a:buFont typeface="Wingdings" panose="05000000000000000000" pitchFamily="2" charset="2"/>
-              <a:buChar char=""/>
-            </a:pPr>
-            <a:r>
-              <a:rPr lang="en-US" altLang="zh-CN" smtClean="0"/>
-              <a:t>Built-in type</a:t>
-            </a:r>
-            <a:endParaRPr lang="en-US" altLang="zh-CN" smtClean="0"/>
-          </a:p>
-          <a:p>
-            <a:pPr lvl="1" algn="l">
-              <a:lnSpc>
-                <a:spcPct val="200000"/>
-              </a:lnSpc>
-              <a:buFont typeface="Wingdings" panose="05000000000000000000" pitchFamily="2" charset="2"/>
-              <a:buChar char="l"/>
-            </a:pPr>
-            <a:r>
-              <a:rPr lang="en-US" altLang="zh-CN" smtClean="0"/>
-              <a:t>bool, bytearray, bytes, complex, dict, float, frozenset, int, list, set (unique), slice, str, tuple</a:t>
-            </a:r>
-            <a:endParaRPr lang="en-US" altLang="zh-CN" smtClean="0"/>
-          </a:p>
-          <a:p>
-            <a:pPr lvl="1" algn="l">
-              <a:lnSpc>
-                <a:spcPct val="200000"/>
-              </a:lnSpc>
-              <a:buFont typeface="Wingdings" panose="05000000000000000000" pitchFamily="2" charset="2"/>
-              <a:buChar char="l"/>
-            </a:pPr>
-            <a:r>
-              <a:rPr lang="en-US" altLang="zh-CN" smtClean="0"/>
-              <a:t>repr()	// Convert into string</a:t>
-            </a:r>
-            <a:endParaRPr lang="en-US" altLang="zh-CN" smtClean="0"/>
-          </a:p>
-          <a:p>
-            <a:pPr lvl="1" algn="l">
-              <a:lnSpc>
-                <a:spcPct val="200000"/>
-              </a:lnSpc>
-              <a:buFont typeface="Wingdings" panose="05000000000000000000" pitchFamily="2" charset="2"/>
-              <a:buChar char="l"/>
-            </a:pPr>
-            <a:r>
-              <a:rPr lang="en-US" altLang="zh-CN" smtClean="0"/>
-              <a:t>eval()	// Parser data from string</a:t>
-            </a:r>
-            <a:endParaRPr lang="en-US" altLang="zh-CN" smtClean="0"/>
-          </a:p>
-          <a:p>
-            <a:pPr lvl="0" algn="l">
-              <a:lnSpc>
-                <a:spcPct val="200000"/>
-              </a:lnSpc>
-              <a:buFont typeface="Wingdings" panose="05000000000000000000" pitchFamily="2" charset="2"/>
-              <a:buChar char="l"/>
-            </a:pPr>
-            <a:r>
-              <a:rPr lang="en-US" altLang="zh-CN" smtClean="0"/>
-              <a:t>Pass-by-object-reference</a:t>
-            </a:r>
-            <a:endParaRPr lang="en-US" altLang="zh-CN" smtClean="0"/>
-          </a:p>
-          <a:p>
-            <a:pPr lvl="1" algn="l">
-              <a:lnSpc>
-                <a:spcPct val="200000"/>
-              </a:lnSpc>
-              <a:buFont typeface="Wingdings" panose="05000000000000000000" pitchFamily="2" charset="2"/>
-              <a:buChar char="l"/>
-            </a:pPr>
-            <a:r>
-              <a:rPr lang="en-US" altLang="zh-CN" smtClean="0"/>
-              <a:t>Assignment: binding a name with an object</a:t>
-            </a:r>
-            <a:endParaRPr lang="en-US" altLang="zh-CN" smtClean="0"/>
+          <a:bodyPr/>
+          <a:p>
+            <a:r>
+              <a:rPr lang="en-US" altLang="zh-CN"/>
+              <a:t>Obfuscate</a:t>
+            </a:r>
+            <a:endParaRPr lang="en-US" altLang="zh-CN"/>
+          </a:p>
+          <a:p>
+            <a:pPr lvl="1"/>
+            <a:r>
+              <a:rPr lang="en-US" altLang="zh-CN"/>
+              <a:t>pip install pyarmor</a:t>
+            </a:r>
+            <a:endParaRPr lang="en-US" altLang="zh-CN"/>
+          </a:p>
+          <a:p>
+            <a:pPr lvl="1"/>
+            <a:r>
+              <a:rPr lang="en-US" altLang="zh-CN"/>
+              <a:t>pyarmor obfuscate foo.py</a:t>
+            </a:r>
+            <a:endParaRPr lang="en-US" altLang="zh-CN"/>
+          </a:p>
+          <a:p>
+            <a:pPr lvl="1"/>
+            <a:r>
+              <a:rPr lang="en-US" altLang="zh-CN"/>
+              <a:t>Build for other platforms different from current host</a:t>
+            </a:r>
+            <a:endParaRPr lang="en-US" altLang="zh-CN"/>
+          </a:p>
+          <a:p>
+            <a:pPr lvl="2"/>
+            <a:r>
+              <a:rPr lang="en-US" altLang="zh-CN"/>
+              <a:t>pyarmor download</a:t>
+            </a:r>
+            <a:endParaRPr lang="en-US" altLang="zh-CN"/>
+          </a:p>
+          <a:p>
+            <a:pPr lvl="2"/>
+            <a:r>
+              <a:rPr lang="en-US" altLang="zh-CN"/>
+              <a:t>pyarmor obfuscate --platform &lt;platform-name&gt; a.py</a:t>
+            </a:r>
+            <a:endParaRPr lang="en-US" altLang="zh-CN"/>
+          </a:p>
+          <a:p>
+            <a:pPr lvl="1"/>
+            <a:r>
+              <a:rPr lang="en-US" altLang="zh-CN" sz="2000"/>
+              <a:t>--restrict=0</a:t>
+            </a:r>
+            <a:endParaRPr lang="en-US" altLang="zh-CN"/>
+          </a:p>
+          <a:p>
+            <a:pPr lvl="1"/>
+            <a:r>
+              <a:rPr lang="en-US" altLang="zh-CN"/>
+              <a:t>Obfuscate whole package</a:t>
+            </a:r>
+            <a:endParaRPr lang="en-US" altLang="zh-CN"/>
+          </a:p>
+          <a:p>
+            <a:pPr lvl="2"/>
+            <a:r>
+              <a:rPr lang="en-US" altLang="zh-CN"/>
+              <a:t>pyarmor obfuscate --recursive --output dist/pkg pkg/__init__.py</a:t>
+            </a:r>
+            <a:endParaRPr lang="en-US" altLang="zh-CN"/>
           </a:p>
         </p:txBody>
       </p:sp>
@@ -10021,7 +10619,7 @@
       <p:grpSpPr/>
       <p:sp>
         <p:nvSpPr>
-          <p:cNvPr id="24578" name="标题 2"/>
+          <p:cNvPr id="2" name="Title 1"/>
           <p:cNvSpPr>
             <a:spLocks noGrp="1"/>
           </p:cNvSpPr>
@@ -10031,21 +10629,21 @@
         </p:nvSpPr>
         <p:spPr/>
         <p:txBody>
-          <a:bodyPr anchor="b">
-            <a:normAutofit/>
+          <a:bodyPr>
+            <a:normAutofit fontScale="90000"/>
           </a:bodyPr>
           <a:p>
             <a:r>
-              <a:rPr lang="en-US" altLang="zh-CN" smtClean="0"/>
-              <a:t>Utils</a:t>
-            </a:r>
-            <a:endParaRPr lang="en-US" altLang="zh-CN" smtClean="0"/>
-          </a:p>
-        </p:txBody>
-      </p:sp>
-      <p:sp>
-        <p:nvSpPr>
-          <p:cNvPr id="4" name="内容占位符 3"/>
+              <a:rPr lang="en-US" altLang="en-US"/>
+              <a:t>Vim Support</a:t>
+            </a:r>
+            <a:endParaRPr lang="en-US" altLang="en-US"/>
+          </a:p>
+        </p:txBody>
+      </p:sp>
+      <p:sp>
+        <p:nvSpPr>
+          <p:cNvPr id="3" name="Content Placeholder 2"/>
           <p:cNvSpPr>
             <a:spLocks noGrp="1"/>
           </p:cNvSpPr>
@@ -10053,190 +10651,211 @@
             <p:ph idx="1"/>
           </p:nvPr>
         </p:nvSpPr>
-        <p:spPr/>
+        <p:spPr>
+          <a:xfrm>
+            <a:off x="838200" y="1211580"/>
+            <a:ext cx="10515600" cy="5065395"/>
+          </a:xfrm>
+        </p:spPr>
         <p:txBody>
           <a:bodyPr>
-            <a:normAutofit/>
+            <a:normAutofit fontScale="50000"/>
           </a:bodyPr>
           <a:p>
-            <a:pPr algn="l">
-              <a:lnSpc>
-                <a:spcPct val="90000"/>
-              </a:lnSpc>
-              <a:buClrTx/>
-              <a:buSzTx/>
-              <a:buChar char="〉"/>
-            </a:pPr>
-            <a:r>
-              <a:rPr lang="en-US" altLang="zh-CN"/>
-              <a:t>Date/time</a:t>
-            </a:r>
-            <a:endParaRPr lang="en-US" altLang="zh-CN"/>
-          </a:p>
-          <a:p>
-            <a:pPr lvl="1" algn="l">
-              <a:lnSpc>
-                <a:spcPct val="90000"/>
-              </a:lnSpc>
-              <a:spcBef>
-                <a:spcPts val="1000"/>
-              </a:spcBef>
-              <a:buClrTx/>
-              <a:buSzTx/>
-              <a:buFont typeface="SimHei" panose="02010609060101010101" pitchFamily="49" charset="-122"/>
-              <a:buChar char="〉"/>
-            </a:pPr>
-            <a:r>
-              <a:rPr lang="en-US" altLang="zh-CN"/>
-              <a:t>time</a:t>
-            </a:r>
-            <a:endParaRPr lang="en-US" altLang="zh-CN"/>
-          </a:p>
-          <a:p>
-            <a:pPr lvl="2" algn="l">
-              <a:lnSpc>
-                <a:spcPct val="90000"/>
-              </a:lnSpc>
-              <a:spcBef>
-                <a:spcPts val="1000"/>
-              </a:spcBef>
-              <a:buClrTx/>
-              <a:buSzTx/>
-              <a:buFont typeface="SimHei" panose="02010609060101010101" pitchFamily="49" charset="-122"/>
-              <a:buChar char="〉"/>
-            </a:pPr>
-            <a:r>
-              <a:rPr lang="en-US" altLang="zh-CN"/>
-              <a:t>time.gmtime(), time.localtime()</a:t>
-            </a:r>
-            <a:endParaRPr lang="en-US" altLang="zh-CN"/>
-          </a:p>
-          <a:p>
-            <a:pPr lvl="2" algn="l">
-              <a:lnSpc>
-                <a:spcPct val="90000"/>
-              </a:lnSpc>
-              <a:spcBef>
-                <a:spcPts val="1000"/>
-              </a:spcBef>
-              <a:buClrTx/>
-              <a:buSzTx/>
-              <a:buFont typeface="SimHei" panose="02010609060101010101" pitchFamily="49" charset="-122"/>
-              <a:buChar char="〉"/>
-            </a:pPr>
-            <a:r>
-              <a:rPr lang="en-US" altLang="zh-CN"/>
-              <a:t>time.asctime(), time.strftime('%H:%M:%S')</a:t>
-            </a:r>
-            <a:endParaRPr lang="en-US" altLang="zh-CN"/>
-          </a:p>
-          <a:p>
-            <a:pPr lvl="1" algn="l">
-              <a:lnSpc>
-                <a:spcPct val="90000"/>
-              </a:lnSpc>
-              <a:spcBef>
-                <a:spcPts val="1000"/>
-              </a:spcBef>
-              <a:buClrTx/>
-              <a:buSzTx/>
-              <a:buFont typeface="SimHei" panose="02010609060101010101" pitchFamily="49" charset="-122"/>
-              <a:buChar char="〉"/>
-            </a:pPr>
-            <a:r>
-              <a:rPr lang="en-US" altLang="zh-CN"/>
-              <a:t>datetime</a:t>
-            </a:r>
-            <a:endParaRPr lang="en-US" altLang="zh-CN"/>
-          </a:p>
-          <a:p>
-            <a:pPr lvl="2" algn="l">
-              <a:lnSpc>
-                <a:spcPct val="90000"/>
-              </a:lnSpc>
-              <a:spcBef>
-                <a:spcPts val="1000"/>
-              </a:spcBef>
-              <a:buClrTx/>
-              <a:buSzTx/>
-              <a:buFont typeface="SimHei" panose="02010609060101010101" pitchFamily="49" charset="-122"/>
-              <a:buChar char="〉"/>
-            </a:pPr>
-            <a:r>
-              <a:rPr lang="en-US" altLang="zh-CN" sz="2000"/>
-              <a:t>datetime.datetime.now()</a:t>
-            </a:r>
-            <a:endParaRPr lang="en-US" altLang="zh-CN" sz="2000"/>
-          </a:p>
-          <a:p>
-            <a:pPr lvl="0" algn="l">
-              <a:lnSpc>
-                <a:spcPct val="90000"/>
-              </a:lnSpc>
-              <a:spcBef>
-                <a:spcPts val="1000"/>
-              </a:spcBef>
-              <a:buClrTx/>
-              <a:buSzTx/>
-              <a:buFont typeface="SimHei" panose="02010609060101010101" pitchFamily="49" charset="-122"/>
-              <a:buChar char="〉"/>
-            </a:pPr>
-            <a:r>
-              <a:rPr lang="en-US" altLang="zh-CN"/>
-              <a:t>Functools</a:t>
-            </a:r>
-            <a:endParaRPr lang="en-US" altLang="zh-CN"/>
-          </a:p>
-          <a:p>
-            <a:pPr lvl="1" algn="l">
-              <a:lnSpc>
-                <a:spcPct val="90000"/>
-              </a:lnSpc>
-              <a:spcBef>
-                <a:spcPts val="1000"/>
-              </a:spcBef>
-              <a:buClrTx/>
-              <a:buSzTx/>
-              <a:buFont typeface="SimHei" panose="02010609060101010101" pitchFamily="49" charset="-122"/>
-              <a:buChar char="〉"/>
-            </a:pPr>
-            <a:r>
-              <a:rPr lang="en-US" altLang="zh-CN"/>
-              <a:t>partial</a:t>
-            </a:r>
-            <a:endParaRPr lang="en-US" altLang="zh-CN"/>
-          </a:p>
-          <a:p>
-            <a:pPr lvl="2" algn="l">
-              <a:lnSpc>
-                <a:spcPct val="90000"/>
-              </a:lnSpc>
-              <a:spcBef>
-                <a:spcPts val="1000"/>
-              </a:spcBef>
-              <a:buClrTx/>
-              <a:buSzTx/>
-              <a:buFont typeface="SimHei" panose="02010609060101010101" pitchFamily="49" charset="-122"/>
-              <a:buChar char="〉"/>
-            </a:pPr>
-            <a:r>
-              <a:rPr lang="en-US" altLang="zh-CN"/>
-              <a:t>generate a new function with arguments already filled in</a:t>
-            </a:r>
-            <a:endParaRPr lang="en-US" altLang="zh-CN"/>
-          </a:p>
-        </p:txBody>
-      </p:sp>
-      <p:sp>
-        <p:nvSpPr>
-          <p:cNvPr id="2" name="文本框 1"/>
+            <a:r>
+              <a:rPr lang="en-US" altLang="en-US"/>
+              <a:t>Vundle</a:t>
+            </a:r>
+            <a:endParaRPr lang="en-US" altLang="en-US"/>
+          </a:p>
+          <a:p>
+            <a:pPr lvl="1"/>
+            <a:r>
+              <a:rPr lang="en-US" altLang="en-US"/>
+              <a:t> git clone https://github.com/VundleVim/Vundle.vim.git ~/.vim/bundle/Vundle.vim</a:t>
+            </a:r>
+            <a:endParaRPr lang="en-US" altLang="en-US"/>
+          </a:p>
+          <a:p>
+            <a:pPr lvl="1"/>
+            <a:r>
+              <a:rPr lang="en-US" altLang="en-US"/>
+              <a:t>Edit .vimrc (Refer to https://github.com/VundleVim/Vundle.vim)</a:t>
+            </a:r>
+            <a:endParaRPr lang="en-US" altLang="en-US"/>
+          </a:p>
+          <a:p>
+            <a:pPr lvl="1"/>
+            <a:r>
+              <a:rPr lang="en-US" altLang="en-US"/>
+              <a:t>Launch vim. Run “:PluginInstall”</a:t>
+            </a:r>
+            <a:endParaRPr lang="en-US" altLang="en-US"/>
+          </a:p>
+          <a:p>
+            <a:pPr lvl="0"/>
+            <a:r>
+              <a:rPr lang="en-US" altLang="en-US"/>
+              <a:t>Plugins</a:t>
+            </a:r>
+            <a:endParaRPr lang="en-US" altLang="en-US"/>
+          </a:p>
+          <a:p>
+            <a:pPr lvl="1"/>
+            <a:r>
+              <a:rPr lang="en-US" altLang="en-US"/>
+              <a:t>syntastic</a:t>
+            </a:r>
+            <a:endParaRPr lang="en-US" altLang="en-US"/>
+          </a:p>
+          <a:p>
+            <a:pPr lvl="2"/>
+            <a:r>
+              <a:rPr lang="en-US" altLang="en-US" sz="1800"/>
+              <a:t>Add “Plugin 'vim-syntastic/syntastic'” to .vimrc</a:t>
+            </a:r>
+            <a:endParaRPr lang="en-US" altLang="en-US" sz="1800"/>
+          </a:p>
+          <a:p>
+            <a:pPr lvl="2"/>
+            <a:r>
+              <a:rPr lang="en-US" altLang="en-US" sz="1800"/>
+              <a:t>Add “Plugin 'nvie/vim-flake8'” to .vimrc</a:t>
+            </a:r>
+            <a:endParaRPr lang="en-US" altLang="en-US" sz="1800"/>
+          </a:p>
+          <a:p>
+            <a:pPr lvl="2"/>
+            <a:r>
+              <a:rPr lang="en-US" altLang="en-US" sz="1800"/>
+              <a:t>let python_highlight_all=1</a:t>
+            </a:r>
+            <a:endParaRPr lang="en-US" altLang="en-US" sz="1800"/>
+          </a:p>
+          <a:p>
+            <a:pPr lvl="2"/>
+            <a:r>
+              <a:rPr lang="en-US" altLang="en-US" sz="1800"/>
+              <a:t>syntax on</a:t>
+            </a:r>
+            <a:endParaRPr lang="en-US" altLang="en-US" sz="1800"/>
+          </a:p>
+          <a:p>
+            <a:pPr lvl="2"/>
+            <a:r>
+              <a:rPr lang="en-US" altLang="en-US" sz="1800"/>
+              <a:t>sudo ap install flake8</a:t>
+            </a:r>
+            <a:endParaRPr lang="en-US" altLang="en-US" sz="1800"/>
+          </a:p>
+          <a:p>
+            <a:pPr lvl="1"/>
+            <a:r>
+              <a:rPr lang="en-US" altLang="en-US"/>
+              <a:t>NERDTree</a:t>
+            </a:r>
+            <a:endParaRPr lang="en-US" altLang="en-US"/>
+          </a:p>
+          <a:p>
+            <a:pPr lvl="2"/>
+            <a:r>
+              <a:rPr lang="en-US" altLang="en-US" sz="1800"/>
+              <a:t>Add “Plugin 'scrooloose/nerdtree'” to .vimrc</a:t>
+            </a:r>
+            <a:endParaRPr lang="en-US" altLang="en-US"/>
+          </a:p>
+          <a:p>
+            <a:pPr lvl="1"/>
+            <a:r>
+              <a:rPr lang="en-US" altLang="en-US"/>
+              <a:t>fugutive</a:t>
+            </a:r>
+            <a:endParaRPr lang="en-US" altLang="en-US"/>
+          </a:p>
+          <a:p>
+            <a:pPr lvl="2"/>
+            <a:r>
+              <a:rPr lang="en-US" altLang="en-US" sz="1800"/>
+              <a:t>Add “Plugin 'tpope/vim-fugitive'” to .vimrc</a:t>
+            </a:r>
+            <a:endParaRPr lang="en-US" altLang="en-US" sz="1800"/>
+          </a:p>
+          <a:p>
+            <a:pPr lvl="1"/>
+            <a:r>
+              <a:rPr lang="en-US" altLang="en-US"/>
+              <a:t>YouCompleteMe</a:t>
+            </a:r>
+            <a:endParaRPr lang="en-US" altLang="en-US"/>
+          </a:p>
+          <a:p>
+            <a:pPr lvl="2"/>
+            <a:r>
+              <a:rPr lang="en-US" altLang="en-US"/>
+              <a:t>git clone https://github.com/Valloric/YouCompleteMe.git ~/.vim/bundle/</a:t>
+            </a:r>
+            <a:endParaRPr lang="en-US" altLang="en-US"/>
+          </a:p>
+          <a:p>
+            <a:pPr lvl="2"/>
+            <a:r>
+              <a:rPr lang="en-US" altLang="en-US"/>
+              <a:t>cd ~/.vim/bundle/YouCompleteMe/</a:t>
+            </a:r>
+            <a:endParaRPr lang="en-US" altLang="en-US"/>
+          </a:p>
+          <a:p>
+            <a:pPr lvl="2"/>
+            <a:r>
+              <a:rPr lang="en-US" altLang="en-US"/>
+              <a:t>git submodule update --init --recursive (may fail because of network restriction)</a:t>
+            </a:r>
+            <a:endParaRPr lang="en-US" altLang="en-US"/>
+          </a:p>
+          <a:p>
+            <a:pPr lvl="2"/>
+            <a:r>
+              <a:rPr lang="en-US" altLang="en-US"/>
+              <a:t>python ./install.py</a:t>
+            </a:r>
+            <a:endParaRPr lang="en-US" altLang="en-US"/>
+          </a:p>
+          <a:p>
+            <a:pPr lvl="2"/>
+            <a:r>
+              <a:rPr lang="en-US" altLang="en-US"/>
+              <a:t>Add “Bundle 'Valloric/YouCompleteMe'” to .vimrc</a:t>
+            </a:r>
+            <a:endParaRPr lang="en-US" altLang="en-US"/>
+          </a:p>
+          <a:p>
+            <a:pPr lvl="2"/>
+            <a:r>
+              <a:rPr lang="en-US" altLang="en-US"/>
+              <a:t>virtualenv support: create .ycm_extra_conf.py</a:t>
+            </a:r>
+            <a:endParaRPr lang="en-US" altLang="en-US"/>
+          </a:p>
+          <a:p>
+            <a:pPr lvl="1"/>
+            <a:r>
+              <a:rPr lang="en-US" altLang="en-US"/>
+              <a:t>taglist</a:t>
+            </a:r>
+            <a:endParaRPr lang="en-US" altLang="en-US"/>
+          </a:p>
+        </p:txBody>
+      </p:sp>
+      <p:sp>
+        <p:nvSpPr>
+          <p:cNvPr id="4" name="Text Box 3"/>
           <p:cNvSpPr txBox="1"/>
           <p:nvPr/>
         </p:nvSpPr>
         <p:spPr>
           <a:xfrm>
-            <a:off x="8131175" y="914400"/>
-            <a:ext cx="3849370" cy="1476375"/>
+            <a:off x="6689090" y="1750695"/>
+            <a:ext cx="4958715" cy="1814830"/>
           </a:xfrm>
           <a:prstGeom prst="rect">
             <a:avLst/>
@@ -10244,7 +10863,7 @@
           <a:noFill/>
           <a:ln>
             <a:solidFill>
-              <a:srgbClr val="C00000"/>
+              <a:schemeClr val="accent1"/>
             </a:solidFill>
           </a:ln>
         </p:spPr>
@@ -10254,38 +10873,183 @@
           </a:bodyPr>
           <a:p>
             <a:r>
-              <a:rPr lang="en-US" altLang="zh-CN"/>
-              <a:t>from functools import partial</a:t>
-            </a:r>
-            <a:endParaRPr lang="en-US" altLang="zh-CN"/>
-          </a:p>
-          <a:p>
-            <a:r>
-              <a:rPr lang="en-US" altLang="zh-CN"/>
-              <a:t>def mul(a, b):</a:t>
-            </a:r>
-            <a:endParaRPr lang="en-US" altLang="zh-CN"/>
-          </a:p>
-          <a:p>
-            <a:r>
-              <a:rPr lang="en-US" altLang="zh-CN"/>
-              <a:t>	return a * b</a:t>
-            </a:r>
-            <a:endParaRPr lang="en-US" altLang="zh-CN"/>
-          </a:p>
-          <a:p>
-            <a:r>
-              <a:rPr lang="en-US" altLang="zh-CN"/>
-              <a:t>func1 = partial(mul, 3)</a:t>
-            </a:r>
-            <a:endParaRPr lang="en-US" altLang="zh-CN"/>
-          </a:p>
-          <a:p>
-            <a:r>
-              <a:rPr lang="en-US" altLang="zh-CN"/>
-              <a:t>val = func1(2)</a:t>
-            </a:r>
-            <a:endParaRPr lang="en-US" altLang="zh-CN"/>
+              <a:rPr lang="en-US" sz="1400"/>
+              <a:t>set statusline+=%#warningmsg#</a:t>
+            </a:r>
+            <a:endParaRPr lang="en-US" sz="1400"/>
+          </a:p>
+          <a:p>
+            <a:r>
+              <a:rPr lang="en-US" sz="1400"/>
+              <a:t>set statusline+=%{SyntasticStatuslineFlag()}</a:t>
+            </a:r>
+            <a:endParaRPr lang="en-US" sz="1400"/>
+          </a:p>
+          <a:p>
+            <a:r>
+              <a:rPr lang="en-US" sz="1400"/>
+              <a:t>set statusline+=%*</a:t>
+            </a:r>
+            <a:endParaRPr lang="en-US" sz="1400"/>
+          </a:p>
+          <a:p>
+            <a:endParaRPr lang="en-US" sz="1400"/>
+          </a:p>
+          <a:p>
+            <a:r>
+              <a:rPr lang="en-US" sz="1400"/>
+              <a:t>let g:syntastic_always_populate_loc_list = 1</a:t>
+            </a:r>
+            <a:endParaRPr lang="en-US" sz="1400"/>
+          </a:p>
+          <a:p>
+            <a:r>
+              <a:rPr lang="en-US" sz="1400"/>
+              <a:t>let g:syntastic_auto_loc_list = </a:t>
+            </a:r>
+            <a:r>
+              <a:rPr lang="en-US" altLang="en-US" sz="1400"/>
+              <a:t>2</a:t>
+            </a:r>
+            <a:endParaRPr lang="en-US" sz="1400"/>
+          </a:p>
+          <a:p>
+            <a:r>
+              <a:rPr lang="en-US" sz="1400"/>
+              <a:t>let g:syntastic_check_on_open = 1</a:t>
+            </a:r>
+            <a:endParaRPr lang="en-US" sz="1400"/>
+          </a:p>
+          <a:p>
+            <a:r>
+              <a:rPr lang="en-US" sz="1400"/>
+              <a:t>let g:syntastic_check_on_wq = 0</a:t>
+            </a:r>
+            <a:endParaRPr lang="en-US" sz="1400"/>
+          </a:p>
+        </p:txBody>
+      </p:sp>
+      <p:sp>
+        <p:nvSpPr>
+          <p:cNvPr id="5" name="Text Box 4"/>
+          <p:cNvSpPr txBox="1"/>
+          <p:nvPr/>
+        </p:nvSpPr>
+        <p:spPr>
+          <a:xfrm>
+            <a:off x="7322185" y="3674110"/>
+            <a:ext cx="4325620" cy="1599565"/>
+          </a:xfrm>
+          <a:prstGeom prst="rect">
+            <a:avLst/>
+          </a:prstGeom>
+          <a:noFill/>
+          <a:ln>
+            <a:solidFill>
+              <a:schemeClr val="accent1"/>
+            </a:solidFill>
+          </a:ln>
+        </p:spPr>
+        <p:txBody>
+          <a:bodyPr wrap="square" rtlCol="0">
+            <a:spAutoFit/>
+          </a:bodyPr>
+          <a:p>
+            <a:r>
+              <a:rPr lang="en-US" sz="1400"/>
+              <a:t>" see :h syntastic-loclist-callback</a:t>
+            </a:r>
+            <a:endParaRPr lang="en-US" sz="1400"/>
+          </a:p>
+          <a:p>
+            <a:r>
+              <a:rPr lang="en-US" sz="1400"/>
+              <a:t>function! SyntasticCheckHook(errors)</a:t>
+            </a:r>
+            <a:endParaRPr lang="en-US" sz="1400"/>
+          </a:p>
+          <a:p>
+            <a:r>
+              <a:rPr lang="en-US" sz="1400"/>
+              <a:t>    if !empty(a:errors)</a:t>
+            </a:r>
+            <a:endParaRPr lang="en-US" sz="1400"/>
+          </a:p>
+          <a:p>
+            <a:r>
+              <a:rPr lang="en-US" sz="1400"/>
+              <a:t>        let g:syntastic_loc_list_height = min([len(a:errors), 10])</a:t>
+            </a:r>
+            <a:endParaRPr lang="en-US" sz="1400"/>
+          </a:p>
+          <a:p>
+            <a:r>
+              <a:rPr lang="en-US" sz="1400"/>
+              <a:t>    endif</a:t>
+            </a:r>
+            <a:endParaRPr lang="en-US" sz="1400"/>
+          </a:p>
+          <a:p>
+            <a:r>
+              <a:rPr lang="en-US" sz="1400"/>
+              <a:t>endfunction</a:t>
+            </a:r>
+            <a:endParaRPr lang="en-US" sz="1400"/>
+          </a:p>
+        </p:txBody>
+      </p:sp>
+      <p:sp>
+        <p:nvSpPr>
+          <p:cNvPr id="6" name="Text Box 5"/>
+          <p:cNvSpPr txBox="1"/>
+          <p:nvPr/>
+        </p:nvSpPr>
+        <p:spPr>
+          <a:xfrm>
+            <a:off x="7322185" y="5525135"/>
+            <a:ext cx="4325620" cy="1168400"/>
+          </a:xfrm>
+          <a:prstGeom prst="rect">
+            <a:avLst/>
+          </a:prstGeom>
+          <a:noFill/>
+          <a:ln>
+            <a:solidFill>
+              <a:schemeClr val="accent1"/>
+            </a:solidFill>
+          </a:ln>
+        </p:spPr>
+        <p:txBody>
+          <a:bodyPr wrap="square" rtlCol="0">
+            <a:spAutoFit/>
+          </a:bodyPr>
+          <a:p>
+            <a:r>
+              <a:rPr lang="en-US" altLang="en-US" sz="1400"/>
+              <a:t>def Settings( **kwargs ):</a:t>
+            </a:r>
+            <a:endParaRPr lang="en-US" altLang="en-US" sz="1400"/>
+          </a:p>
+          <a:p>
+            <a:r>
+              <a:rPr lang="en-US" altLang="en-US" sz="1400"/>
+              <a:t>  return {</a:t>
+            </a:r>
+            <a:endParaRPr lang="en-US" altLang="en-US" sz="1400"/>
+          </a:p>
+          <a:p>
+            <a:r>
+              <a:rPr lang="en-US" altLang="en-US" sz="1400"/>
+              <a:t>    'interpreter_path': '/path/to/virtual/environment/python'</a:t>
+            </a:r>
+            <a:endParaRPr lang="en-US" altLang="en-US" sz="1400"/>
+          </a:p>
+          <a:p>
+            <a:r>
+              <a:rPr lang="en-US" altLang="en-US" sz="1400"/>
+              <a:t>  }</a:t>
+            </a:r>
+            <a:endParaRPr lang="en-US" altLang="en-US" sz="1400"/>
           </a:p>
         </p:txBody>
       </p:sp>

--- a/Python/Python-Notes.pptx
+++ b/Python/Python-Notes.pptx
@@ -5,10 +5,10 @@
     <p:sldMasterId id="2147483648" r:id="rId1"/>
   </p:sldMasterIdLst>
   <p:notesMasterIdLst>
-    <p:notesMasterId r:id="rId41"/>
+    <p:notesMasterId r:id="rId43"/>
   </p:notesMasterIdLst>
   <p:handoutMasterIdLst>
-    <p:handoutMasterId r:id="rId42"/>
+    <p:handoutMasterId r:id="rId44"/>
   </p:handoutMasterIdLst>
   <p:sldIdLst>
     <p:sldId id="256" r:id="rId3"/>
@@ -21,34 +21,36 @@
     <p:sldId id="481" r:id="rId10"/>
     <p:sldId id="371" r:id="rId11"/>
     <p:sldId id="259" r:id="rId12"/>
-    <p:sldId id="287" r:id="rId13"/>
-    <p:sldId id="276" r:id="rId14"/>
-    <p:sldId id="333" r:id="rId15"/>
-    <p:sldId id="334" r:id="rId16"/>
-    <p:sldId id="275" r:id="rId17"/>
-    <p:sldId id="260" r:id="rId18"/>
-    <p:sldId id="353" r:id="rId19"/>
-    <p:sldId id="354" r:id="rId20"/>
-    <p:sldId id="352" r:id="rId21"/>
-    <p:sldId id="509" r:id="rId22"/>
-    <p:sldId id="266" r:id="rId23"/>
-    <p:sldId id="261" r:id="rId24"/>
-    <p:sldId id="273" r:id="rId25"/>
-    <p:sldId id="262" r:id="rId26"/>
-    <p:sldId id="284" r:id="rId27"/>
-    <p:sldId id="263" r:id="rId28"/>
-    <p:sldId id="324" r:id="rId29"/>
-    <p:sldId id="285" r:id="rId30"/>
-    <p:sldId id="286" r:id="rId31"/>
-    <p:sldId id="347" r:id="rId32"/>
-    <p:sldId id="448" r:id="rId33"/>
-    <p:sldId id="349" r:id="rId34"/>
-    <p:sldId id="332" r:id="rId35"/>
-    <p:sldId id="369" r:id="rId36"/>
-    <p:sldId id="510" r:id="rId37"/>
-    <p:sldId id="351" r:id="rId38"/>
-    <p:sldId id="511" r:id="rId39"/>
-    <p:sldId id="512" r:id="rId40"/>
+    <p:sldId id="545" r:id="rId13"/>
+    <p:sldId id="287" r:id="rId14"/>
+    <p:sldId id="276" r:id="rId15"/>
+    <p:sldId id="333" r:id="rId16"/>
+    <p:sldId id="334" r:id="rId17"/>
+    <p:sldId id="275" r:id="rId18"/>
+    <p:sldId id="260" r:id="rId19"/>
+    <p:sldId id="353" r:id="rId20"/>
+    <p:sldId id="354" r:id="rId21"/>
+    <p:sldId id="352" r:id="rId22"/>
+    <p:sldId id="509" r:id="rId23"/>
+    <p:sldId id="266" r:id="rId24"/>
+    <p:sldId id="261" r:id="rId25"/>
+    <p:sldId id="273" r:id="rId26"/>
+    <p:sldId id="262" r:id="rId27"/>
+    <p:sldId id="284" r:id="rId28"/>
+    <p:sldId id="263" r:id="rId29"/>
+    <p:sldId id="324" r:id="rId30"/>
+    <p:sldId id="285" r:id="rId31"/>
+    <p:sldId id="286" r:id="rId32"/>
+    <p:sldId id="347" r:id="rId33"/>
+    <p:sldId id="448" r:id="rId34"/>
+    <p:sldId id="349" r:id="rId35"/>
+    <p:sldId id="332" r:id="rId36"/>
+    <p:sldId id="369" r:id="rId37"/>
+    <p:sldId id="574" r:id="rId38"/>
+    <p:sldId id="510" r:id="rId39"/>
+    <p:sldId id="351" r:id="rId40"/>
+    <p:sldId id="511" r:id="rId41"/>
+    <p:sldId id="512" r:id="rId42"/>
   </p:sldIdLst>
   <p:sldSz cx="12192000" cy="6858000"/>
   <p:notesSz cx="6858000" cy="9144000"/>
@@ -147,6 +149,11 @@
       </a:defRPr>
     </a:lvl9pPr>
   </p:defaultTextStyle>
+  <p:extLst>
+    <p:ext uri="{505F2C04-C923-438B-8C0F-E0CD2BADF298}">
+      <wppc:fontMiss xmlns:wppc="http://www.wps.cn/officeDocument/PresentationCustomData" type="true"/>
+    </p:ext>
+  </p:extLst>
 </p:presentation>
 </file>
 
@@ -3828,7 +3835,7 @@
       <p:grpSpPr/>
       <p:sp>
         <p:nvSpPr>
-          <p:cNvPr id="24578" name="标题 2"/>
+          <p:cNvPr id="2" name="标题 1"/>
           <p:cNvSpPr>
             <a:spLocks noGrp="1"/>
           </p:cNvSpPr>
@@ -3838,21 +3845,19 @@
         </p:nvSpPr>
         <p:spPr/>
         <p:txBody>
-          <a:bodyPr anchor="b">
-            <a:normAutofit/>
-          </a:bodyPr>
-          <a:p>
-            <a:r>
-              <a:rPr lang="en-US" altLang="zh-CN" smtClean="0"/>
-              <a:t>Utils</a:t>
-            </a:r>
-            <a:endParaRPr lang="en-US" altLang="zh-CN" smtClean="0"/>
-          </a:p>
-        </p:txBody>
-      </p:sp>
-      <p:sp>
-        <p:nvSpPr>
-          <p:cNvPr id="4" name="内容占位符 3"/>
+          <a:bodyPr/>
+          <a:p>
+            <a:r>
+              <a:rPr lang="en-US" altLang="zh-CN"/>
+              <a:t>String</a:t>
+            </a:r>
+            <a:endParaRPr lang="en-US" altLang="zh-CN"/>
+          </a:p>
+        </p:txBody>
+      </p:sp>
+      <p:sp>
+        <p:nvSpPr>
+          <p:cNvPr id="3" name="内容占位符 2"/>
           <p:cNvSpPr>
             <a:spLocks noGrp="1"/>
           </p:cNvSpPr>
@@ -3862,237 +3867,9 @@
         </p:nvSpPr>
         <p:spPr/>
         <p:txBody>
-          <a:bodyPr>
-            <a:normAutofit/>
-          </a:bodyPr>
-          <a:p>
-            <a:pPr algn="l">
-              <a:lnSpc>
-                <a:spcPct val="90000"/>
-              </a:lnSpc>
-              <a:buClrTx/>
-              <a:buSzTx/>
-              <a:buChar char="〉"/>
-            </a:pPr>
-            <a:r>
-              <a:rPr lang="en-US" altLang="zh-CN"/>
-              <a:t>Date/time</a:t>
-            </a:r>
-            <a:endParaRPr lang="en-US" altLang="zh-CN"/>
-          </a:p>
-          <a:p>
-            <a:pPr lvl="1" algn="l">
-              <a:lnSpc>
-                <a:spcPct val="90000"/>
-              </a:lnSpc>
-              <a:spcBef>
-                <a:spcPts val="1000"/>
-              </a:spcBef>
-              <a:buClrTx/>
-              <a:buSzTx/>
-              <a:buFont typeface="黑体" panose="02010609060101010101" pitchFamily="49" charset="-122"/>
-              <a:buChar char="〉"/>
-            </a:pPr>
-            <a:r>
-              <a:rPr lang="en-US" altLang="zh-CN"/>
-              <a:t>time</a:t>
-            </a:r>
-            <a:endParaRPr lang="en-US" altLang="zh-CN"/>
-          </a:p>
-          <a:p>
-            <a:pPr lvl="2" algn="l">
-              <a:lnSpc>
-                <a:spcPct val="90000"/>
-              </a:lnSpc>
-              <a:spcBef>
-                <a:spcPts val="1000"/>
-              </a:spcBef>
-              <a:buClrTx/>
-              <a:buSzTx/>
-              <a:buFont typeface="黑体" panose="02010609060101010101" pitchFamily="49" charset="-122"/>
-              <a:buChar char="〉"/>
-            </a:pPr>
-            <a:r>
-              <a:rPr lang="en-US" altLang="zh-CN"/>
-              <a:t>time.gmtime(), time.localtime()</a:t>
-            </a:r>
-            <a:endParaRPr lang="en-US" altLang="zh-CN"/>
-          </a:p>
-          <a:p>
-            <a:pPr lvl="2" algn="l">
-              <a:lnSpc>
-                <a:spcPct val="90000"/>
-              </a:lnSpc>
-              <a:spcBef>
-                <a:spcPts val="1000"/>
-              </a:spcBef>
-              <a:buClrTx/>
-              <a:buSzTx/>
-              <a:buFont typeface="黑体" panose="02010609060101010101" pitchFamily="49" charset="-122"/>
-              <a:buChar char="〉"/>
-            </a:pPr>
-            <a:r>
-              <a:rPr lang="en-US" altLang="zh-CN"/>
-              <a:t>time.asctime(), time.strftime('%Y-%M-%d-%H:%M:%S')</a:t>
-            </a:r>
-            <a:endParaRPr lang="en-US" altLang="zh-CN"/>
-          </a:p>
-          <a:p>
-            <a:pPr lvl="1" algn="l">
-              <a:lnSpc>
-                <a:spcPct val="90000"/>
-              </a:lnSpc>
-              <a:spcBef>
-                <a:spcPts val="1000"/>
-              </a:spcBef>
-              <a:buClrTx/>
-              <a:buSzTx/>
-              <a:buFont typeface="黑体" panose="02010609060101010101" pitchFamily="49" charset="-122"/>
-              <a:buChar char="〉"/>
-            </a:pPr>
-            <a:r>
-              <a:rPr lang="en-US" altLang="zh-CN"/>
-              <a:t>datetime</a:t>
-            </a:r>
-            <a:endParaRPr lang="en-US" altLang="zh-CN"/>
-          </a:p>
-          <a:p>
-            <a:pPr lvl="2" algn="l">
-              <a:lnSpc>
-                <a:spcPct val="90000"/>
-              </a:lnSpc>
-              <a:spcBef>
-                <a:spcPts val="1000"/>
-              </a:spcBef>
-              <a:buClrTx/>
-              <a:buSzTx/>
-              <a:buFont typeface="黑体" panose="02010609060101010101" pitchFamily="49" charset="-122"/>
-              <a:buChar char="〉"/>
-            </a:pPr>
-            <a:r>
-              <a:rPr lang="en-US" altLang="zh-CN" sz="2000"/>
-              <a:t>datetime.datetime.now().strftime('...')</a:t>
-            </a:r>
-            <a:endParaRPr lang="en-US" altLang="zh-CN" sz="2000"/>
-          </a:p>
-          <a:p>
-            <a:pPr lvl="0" algn="l">
-              <a:lnSpc>
-                <a:spcPct val="90000"/>
-              </a:lnSpc>
-              <a:spcBef>
-                <a:spcPts val="1000"/>
-              </a:spcBef>
-              <a:buClrTx/>
-              <a:buSzTx/>
-              <a:buFont typeface="黑体" panose="02010609060101010101" pitchFamily="49" charset="-122"/>
-              <a:buChar char="〉"/>
-            </a:pPr>
-            <a:r>
-              <a:rPr lang="en-US" altLang="zh-CN"/>
-              <a:t>Functools</a:t>
-            </a:r>
-            <a:endParaRPr lang="en-US" altLang="zh-CN"/>
-          </a:p>
-          <a:p>
-            <a:pPr lvl="1" algn="l">
-              <a:lnSpc>
-                <a:spcPct val="90000"/>
-              </a:lnSpc>
-              <a:spcBef>
-                <a:spcPts val="1000"/>
-              </a:spcBef>
-              <a:buClrTx/>
-              <a:buSzTx/>
-              <a:buFont typeface="黑体" panose="02010609060101010101" pitchFamily="49" charset="-122"/>
-              <a:buChar char="〉"/>
-            </a:pPr>
-            <a:r>
-              <a:rPr lang="en-US" altLang="zh-CN"/>
-              <a:t>partial</a:t>
-            </a:r>
-            <a:endParaRPr lang="en-US" altLang="zh-CN"/>
-          </a:p>
-          <a:p>
-            <a:pPr lvl="2" algn="l">
-              <a:lnSpc>
-                <a:spcPct val="90000"/>
-              </a:lnSpc>
-              <a:spcBef>
-                <a:spcPts val="1000"/>
-              </a:spcBef>
-              <a:buClrTx/>
-              <a:buSzTx/>
-              <a:buFont typeface="黑体" panose="02010609060101010101" pitchFamily="49" charset="-122"/>
-              <a:buChar char="〉"/>
-            </a:pPr>
-            <a:r>
-              <a:rPr lang="en-US" altLang="zh-CN"/>
-              <a:t>generate a new function with arguments already filled in</a:t>
-            </a:r>
-            <a:endParaRPr lang="en-US" altLang="zh-CN"/>
-          </a:p>
-        </p:txBody>
-      </p:sp>
-      <p:sp>
-        <p:nvSpPr>
-          <p:cNvPr id="2" name="文本框 1"/>
-          <p:cNvSpPr txBox="1"/>
-          <p:nvPr/>
-        </p:nvSpPr>
-        <p:spPr>
-          <a:xfrm>
-            <a:off x="8131175" y="914400"/>
-            <a:ext cx="3849370" cy="1476375"/>
-          </a:xfrm>
-          <a:prstGeom prst="rect">
-            <a:avLst/>
-          </a:prstGeom>
-          <a:noFill/>
-          <a:ln>
-            <a:solidFill>
-              <a:srgbClr val="C00000"/>
-            </a:solidFill>
-          </a:ln>
-        </p:spPr>
-        <p:txBody>
-          <a:bodyPr wrap="square" rtlCol="0">
-            <a:spAutoFit/>
-          </a:bodyPr>
-          <a:p>
-            <a:r>
-              <a:rPr lang="en-US" altLang="zh-CN"/>
-              <a:t>from functools import partial</a:t>
-            </a:r>
-            <a:endParaRPr lang="en-US" altLang="zh-CN"/>
-          </a:p>
-          <a:p>
-            <a:r>
-              <a:rPr lang="en-US" altLang="zh-CN"/>
-              <a:t>def mul(a, b):</a:t>
-            </a:r>
-            <a:endParaRPr lang="en-US" altLang="zh-CN"/>
-          </a:p>
-          <a:p>
-            <a:r>
-              <a:rPr lang="en-US" altLang="zh-CN"/>
-              <a:t>	return a * b</a:t>
-            </a:r>
-            <a:endParaRPr lang="en-US" altLang="zh-CN"/>
-          </a:p>
-          <a:p>
-            <a:r>
-              <a:rPr lang="en-US" altLang="zh-CN"/>
-              <a:t>func1 = partial(mul, 3)</a:t>
-            </a:r>
-            <a:endParaRPr lang="en-US" altLang="zh-CN"/>
-          </a:p>
-          <a:p>
-            <a:r>
-              <a:rPr lang="en-US" altLang="zh-CN"/>
-              <a:t>val = func1(2)</a:t>
-            </a:r>
-            <a:endParaRPr lang="en-US" altLang="zh-CN"/>
+          <a:bodyPr/>
+          <a:p>
+            <a:endParaRPr lang="zh-CN" altLang="en-US"/>
           </a:p>
         </p:txBody>
       </p:sp>
@@ -4132,7 +3909,7 @@
           <a:p>
             <a:r>
               <a:rPr lang="en-US" altLang="zh-CN" smtClean="0"/>
-              <a:t>Multiprocess 1/3</a:t>
+              <a:t>Utils</a:t>
             </a:r>
             <a:endParaRPr lang="en-US" altLang="zh-CN" smtClean="0"/>
           </a:p>
@@ -4148,71 +3925,177 @@
             <p:ph idx="1"/>
           </p:nvPr>
         </p:nvSpPr>
-        <p:spPr>
-          <a:xfrm>
-            <a:off x="838200" y="1211580"/>
-            <a:ext cx="6344285" cy="4549140"/>
-          </a:xfrm>
-        </p:spPr>
+        <p:spPr/>
         <p:txBody>
           <a:bodyPr>
             <a:normAutofit/>
           </a:bodyPr>
           <a:p>
-            <a:pPr marL="357505" indent="-357505" algn="l">
+            <a:pPr algn="l">
               <a:lnSpc>
-                <a:spcPct val="200000"/>
+                <a:spcPct val="90000"/>
               </a:lnSpc>
-              <a:buClr>
-                <a:schemeClr val="accent1"/>
-              </a:buClr>
+              <a:buClrTx/>
               <a:buSzTx/>
-              <a:buFont typeface="Wingdings" panose="05000000000000000000" pitchFamily="2" charset="2"/>
-              <a:buChar char=""/>
-            </a:pPr>
-            <a:r>
-              <a:rPr lang="en-US" altLang="zh-CN" smtClean="0"/>
-              <a:t>multiprocessing.Process</a:t>
-            </a:r>
-            <a:endParaRPr lang="en-US" altLang="zh-CN" smtClean="0"/>
+              <a:buChar char="〉"/>
+            </a:pPr>
+            <a:r>
+              <a:rPr lang="en-US" altLang="zh-CN"/>
+              <a:t>Date/time</a:t>
+            </a:r>
+            <a:endParaRPr lang="en-US" altLang="zh-CN"/>
           </a:p>
           <a:p>
             <a:pPr lvl="1" algn="l">
               <a:lnSpc>
-                <a:spcPct val="200000"/>
+                <a:spcPct val="90000"/>
               </a:lnSpc>
-              <a:buFont typeface="Wingdings" panose="05000000000000000000" pitchFamily="2" charset="2"/>
-              <a:buChar char=""/>
-            </a:pPr>
-            <a:r>
-              <a:rPr lang="en-US" altLang="zh-CN" smtClean="0"/>
-              <a:t>Process(target=f, args=(...))</a:t>
-            </a:r>
-            <a:endParaRPr lang="en-US" altLang="zh-CN" smtClean="0"/>
+              <a:spcBef>
+                <a:spcPts val="1000"/>
+              </a:spcBef>
+              <a:buClrTx/>
+              <a:buSzTx/>
+              <a:buFont typeface="黑体" panose="02010609060101010101" pitchFamily="49" charset="-122"/>
+              <a:buChar char="〉"/>
+            </a:pPr>
+            <a:r>
+              <a:rPr lang="en-US" altLang="zh-CN"/>
+              <a:t>time</a:t>
+            </a:r>
+            <a:endParaRPr lang="en-US" altLang="zh-CN"/>
+          </a:p>
+          <a:p>
+            <a:pPr lvl="2" algn="l">
+              <a:lnSpc>
+                <a:spcPct val="90000"/>
+              </a:lnSpc>
+              <a:spcBef>
+                <a:spcPts val="1000"/>
+              </a:spcBef>
+              <a:buClrTx/>
+              <a:buSzTx/>
+              <a:buFont typeface="黑体" panose="02010609060101010101" pitchFamily="49" charset="-122"/>
+              <a:buChar char="〉"/>
+            </a:pPr>
+            <a:r>
+              <a:rPr lang="en-US" altLang="zh-CN"/>
+              <a:t>time.gmtime(), time.localtime()</a:t>
+            </a:r>
+            <a:endParaRPr lang="en-US" altLang="zh-CN"/>
+          </a:p>
+          <a:p>
+            <a:pPr lvl="2" algn="l">
+              <a:lnSpc>
+                <a:spcPct val="90000"/>
+              </a:lnSpc>
+              <a:spcBef>
+                <a:spcPts val="1000"/>
+              </a:spcBef>
+              <a:buClrTx/>
+              <a:buSzTx/>
+              <a:buFont typeface="黑体" panose="02010609060101010101" pitchFamily="49" charset="-122"/>
+              <a:buChar char="〉"/>
+            </a:pPr>
+            <a:r>
+              <a:rPr lang="en-US" altLang="zh-CN"/>
+              <a:t>time.asctime(), time.strftime('%Y-%M-%d-%H:%M:%S')</a:t>
+            </a:r>
+            <a:endParaRPr lang="en-US" altLang="zh-CN"/>
           </a:p>
           <a:p>
             <a:pPr lvl="1" algn="l">
               <a:lnSpc>
-                <a:spcPct val="200000"/>
+                <a:spcPct val="90000"/>
               </a:lnSpc>
-              <a:buFont typeface="Wingdings" panose="05000000000000000000" pitchFamily="2" charset="2"/>
-              <a:buChar char=""/>
-            </a:pPr>
-            <a:r>
-              <a:rPr lang="en-US" altLang="zh-CN" smtClean="0"/>
-              <a:t>start(), join(), is_alive(), terminate(), exitcode</a:t>
-            </a:r>
-            <a:endParaRPr lang="en-US" altLang="zh-CN" smtClean="0"/>
+              <a:spcBef>
+                <a:spcPts val="1000"/>
+              </a:spcBef>
+              <a:buClrTx/>
+              <a:buSzTx/>
+              <a:buFont typeface="黑体" panose="02010609060101010101" pitchFamily="49" charset="-122"/>
+              <a:buChar char="〉"/>
+            </a:pPr>
+            <a:r>
+              <a:rPr lang="en-US" altLang="zh-CN"/>
+              <a:t>datetime</a:t>
+            </a:r>
+            <a:endParaRPr lang="en-US" altLang="zh-CN"/>
+          </a:p>
+          <a:p>
+            <a:pPr lvl="2" algn="l">
+              <a:lnSpc>
+                <a:spcPct val="90000"/>
+              </a:lnSpc>
+              <a:spcBef>
+                <a:spcPts val="1000"/>
+              </a:spcBef>
+              <a:buClrTx/>
+              <a:buSzTx/>
+              <a:buFont typeface="黑体" panose="02010609060101010101" pitchFamily="49" charset="-122"/>
+              <a:buChar char="〉"/>
+            </a:pPr>
+            <a:r>
+              <a:rPr lang="en-US" altLang="zh-CN" sz="2000"/>
+              <a:t>datetime.datetime.now().strftime('...')</a:t>
+            </a:r>
+            <a:endParaRPr lang="en-US" altLang="zh-CN" sz="2000"/>
           </a:p>
           <a:p>
             <a:pPr lvl="0" algn="l">
               <a:lnSpc>
-                <a:spcPct val="200000"/>
+                <a:spcPct val="90000"/>
               </a:lnSpc>
-              <a:buFont typeface="Wingdings" panose="05000000000000000000" pitchFamily="2" charset="2"/>
-              <a:buChar char=""/>
-            </a:pPr>
-            <a:endParaRPr lang="en-US" altLang="zh-CN" smtClean="0"/>
+              <a:spcBef>
+                <a:spcPts val="1000"/>
+              </a:spcBef>
+              <a:buClrTx/>
+              <a:buSzTx/>
+              <a:buFont typeface="黑体" panose="02010609060101010101" pitchFamily="49" charset="-122"/>
+              <a:buChar char="〉"/>
+            </a:pPr>
+            <a:r>
+              <a:rPr lang="en-US" altLang="zh-CN"/>
+              <a:t>Functools</a:t>
+            </a:r>
+            <a:endParaRPr lang="en-US" altLang="zh-CN"/>
+          </a:p>
+          <a:p>
+            <a:pPr lvl="1" algn="l">
+              <a:lnSpc>
+                <a:spcPct val="90000"/>
+              </a:lnSpc>
+              <a:spcBef>
+                <a:spcPts val="1000"/>
+              </a:spcBef>
+              <a:buClrTx/>
+              <a:buSzTx/>
+              <a:buFont typeface="黑体" panose="02010609060101010101" pitchFamily="49" charset="-122"/>
+              <a:buChar char="〉"/>
+            </a:pPr>
+            <a:r>
+              <a:rPr lang="en-US" altLang="zh-CN"/>
+              <a:t>partial</a:t>
+            </a:r>
+            <a:endParaRPr lang="en-US" altLang="zh-CN"/>
+          </a:p>
+          <a:p>
+            <a:pPr lvl="2" algn="l">
+              <a:lnSpc>
+                <a:spcPct val="90000"/>
+              </a:lnSpc>
+              <a:spcBef>
+                <a:spcPts val="1000"/>
+              </a:spcBef>
+              <a:buClrTx/>
+              <a:buSzTx/>
+              <a:buFont typeface="黑体" panose="02010609060101010101" pitchFamily="49" charset="-122"/>
+              <a:buChar char="〉"/>
+            </a:pPr>
+            <a:r>
+              <a:rPr lang="en-US" altLang="zh-CN"/>
+              <a:t>generate a new function with arguments already filled in</a:t>
+            </a:r>
+            <a:endParaRPr lang="en-US" altLang="zh-CN"/>
           </a:p>
         </p:txBody>
       </p:sp>
@@ -4224,8 +4107,8 @@
         </p:nvSpPr>
         <p:spPr>
           <a:xfrm>
-            <a:off x="7827010" y="1652905"/>
-            <a:ext cx="3978275" cy="1814830"/>
+            <a:off x="8131175" y="914400"/>
+            <a:ext cx="3849370" cy="1476375"/>
           </a:xfrm>
           <a:prstGeom prst="rect">
             <a:avLst/>
@@ -4233,7 +4116,7 @@
           <a:noFill/>
           <a:ln>
             <a:solidFill>
-              <a:srgbClr val="00B0F0"/>
+              <a:srgbClr val="C00000"/>
             </a:solidFill>
           </a:ln>
         </p:spPr>
@@ -4243,52 +4126,38 @@
           </a:bodyPr>
           <a:p>
             <a:r>
-              <a:rPr lang="zh-CN" altLang="en-US" sz="1400"/>
-              <a:t>def process1(name, seconds):</a:t>
-            </a:r>
-            <a:endParaRPr lang="zh-CN" altLang="en-US" sz="1400"/>
-          </a:p>
-          <a:p>
-            <a:r>
-              <a:rPr lang="zh-CN" altLang="en-US" sz="1400"/>
-              <a:t>    </a:t>
-            </a:r>
-            <a:r>
-              <a:rPr lang="en-US" altLang="zh-CN" sz="1400"/>
-              <a:t>...</a:t>
-            </a:r>
-            <a:endParaRPr lang="zh-CN" altLang="en-US" sz="1400"/>
-          </a:p>
-          <a:p>
-            <a:endParaRPr lang="zh-CN" altLang="en-US" sz="1400"/>
-          </a:p>
-          <a:p>
-            <a:r>
-              <a:rPr lang="zh-CN" altLang="en-US" sz="1400"/>
-              <a:t>def main():</a:t>
-            </a:r>
-            <a:endParaRPr lang="zh-CN" altLang="en-US" sz="1400"/>
-          </a:p>
-          <a:p>
-            <a:r>
-              <a:rPr lang="zh-CN" altLang="en-US" sz="1400"/>
-              <a:t>    p = mp.Process(target=process1, args=('p1', 3))</a:t>
-            </a:r>
-            <a:endParaRPr lang="zh-CN" altLang="en-US" sz="1400"/>
-          </a:p>
-          <a:p>
-            <a:r>
-              <a:rPr lang="zh-CN" altLang="en-US" sz="1400"/>
-              <a:t>    p.start()</a:t>
-            </a:r>
-            <a:endParaRPr lang="zh-CN" altLang="en-US" sz="1400"/>
-          </a:p>
-          <a:p>
-            <a:r>
-              <a:rPr lang="zh-CN" altLang="en-US" sz="1400"/>
-              <a:t>    p.join()</a:t>
-            </a:r>
-            <a:endParaRPr lang="zh-CN" altLang="en-US" sz="1400"/>
+              <a:rPr lang="en-US" altLang="zh-CN"/>
+              <a:t>from functools import partial</a:t>
+            </a:r>
+            <a:endParaRPr lang="en-US" altLang="zh-CN"/>
+          </a:p>
+          <a:p>
+            <a:r>
+              <a:rPr lang="en-US" altLang="zh-CN"/>
+              <a:t>def mul(a, b):</a:t>
+            </a:r>
+            <a:endParaRPr lang="en-US" altLang="zh-CN"/>
+          </a:p>
+          <a:p>
+            <a:r>
+              <a:rPr lang="en-US" altLang="zh-CN"/>
+              <a:t>	return a * b</a:t>
+            </a:r>
+            <a:endParaRPr lang="en-US" altLang="zh-CN"/>
+          </a:p>
+          <a:p>
+            <a:r>
+              <a:rPr lang="en-US" altLang="zh-CN"/>
+              <a:t>func1 = partial(mul, 3)</a:t>
+            </a:r>
+            <a:endParaRPr lang="en-US" altLang="zh-CN"/>
+          </a:p>
+          <a:p>
+            <a:r>
+              <a:rPr lang="en-US" altLang="zh-CN"/>
+              <a:t>val = func1(2)</a:t>
+            </a:r>
+            <a:endParaRPr lang="en-US" altLang="zh-CN"/>
           </a:p>
         </p:txBody>
       </p:sp>
@@ -4312,7 +4181,7 @@
       <p:grpSpPr/>
       <p:sp>
         <p:nvSpPr>
-          <p:cNvPr id="2" name="标题 1"/>
+          <p:cNvPr id="24578" name="标题 2"/>
           <p:cNvSpPr>
             <a:spLocks noGrp="1"/>
           </p:cNvSpPr>
@@ -4322,19 +4191,21 @@
         </p:nvSpPr>
         <p:spPr/>
         <p:txBody>
-          <a:bodyPr/>
-          <a:p>
-            <a:r>
-              <a:rPr lang="en-US" altLang="zh-CN"/>
-              <a:t>Multiprocess 2/3</a:t>
-            </a:r>
-            <a:endParaRPr lang="en-US" altLang="zh-CN"/>
-          </a:p>
-        </p:txBody>
-      </p:sp>
-      <p:sp>
-        <p:nvSpPr>
-          <p:cNvPr id="3" name="内容占位符 2"/>
+          <a:bodyPr anchor="b">
+            <a:normAutofit/>
+          </a:bodyPr>
+          <a:p>
+            <a:r>
+              <a:rPr lang="en-US" altLang="zh-CN" smtClean="0"/>
+              <a:t>Multiprocess 1/3</a:t>
+            </a:r>
+            <a:endParaRPr lang="en-US" altLang="zh-CN" smtClean="0"/>
+          </a:p>
+        </p:txBody>
+      </p:sp>
+      <p:sp>
+        <p:nvSpPr>
+          <p:cNvPr id="4" name="内容占位符 3"/>
           <p:cNvSpPr>
             <a:spLocks noGrp="1"/>
           </p:cNvSpPr>
@@ -4345,50 +4216,81 @@
         <p:spPr>
           <a:xfrm>
             <a:off x="838200" y="1211580"/>
-            <a:ext cx="6417310" cy="4549140"/>
+            <a:ext cx="6344285" cy="4549140"/>
           </a:xfrm>
         </p:spPr>
         <p:txBody>
-          <a:bodyPr/>
-          <a:p>
-            <a:r>
-              <a:rPr lang="en-US" altLang="zh-CN" smtClean="0">
-                <a:sym typeface="+mn-ea"/>
-              </a:rPr>
-              <a:t>multiprocessing.Pool</a:t>
-            </a:r>
-            <a:endParaRPr lang="en-US" altLang="zh-CN" smtClean="0">
-              <a:sym typeface="+mn-ea"/>
-            </a:endParaRPr>
-          </a:p>
-          <a:p>
-            <a:pPr lvl="1"/>
-            <a:r>
-              <a:rPr lang="en-US" altLang="zh-CN"/>
-              <a:t>Pool(process_cnt)</a:t>
-            </a:r>
-            <a:endParaRPr lang="en-US" altLang="zh-CN"/>
-          </a:p>
-          <a:p>
-            <a:pPr lvl="1"/>
-            <a:r>
-              <a:rPr lang="en-US" altLang="zh-CN"/>
-              <a:t>map(f, [iterables])</a:t>
-            </a:r>
-            <a:endParaRPr lang="en-US" altLang="zh-CN"/>
-          </a:p>
-        </p:txBody>
-      </p:sp>
-      <p:sp>
-        <p:nvSpPr>
-          <p:cNvPr id="4" name="文本框 3"/>
+          <a:bodyPr>
+            <a:normAutofit/>
+          </a:bodyPr>
+          <a:p>
+            <a:pPr marL="357505" indent="-357505" algn="l">
+              <a:lnSpc>
+                <a:spcPct val="200000"/>
+              </a:lnSpc>
+              <a:buClr>
+                <a:schemeClr val="accent1"/>
+              </a:buClr>
+              <a:buSzTx/>
+              <a:buFont typeface="Wingdings" panose="05000000000000000000" pitchFamily="2" charset="2"/>
+              <a:buChar char=""/>
+            </a:pPr>
+            <a:r>
+              <a:rPr lang="en-US" altLang="zh-CN" smtClean="0"/>
+              <a:t>multiprocessing.Process</a:t>
+            </a:r>
+            <a:endParaRPr lang="en-US" altLang="zh-CN" smtClean="0"/>
+          </a:p>
+          <a:p>
+            <a:pPr lvl="1" algn="l">
+              <a:lnSpc>
+                <a:spcPct val="200000"/>
+              </a:lnSpc>
+              <a:buFont typeface="Wingdings" panose="05000000000000000000" pitchFamily="2" charset="2"/>
+              <a:buChar char=""/>
+            </a:pPr>
+            <a:r>
+              <a:rPr lang="en-US" altLang="zh-CN" smtClean="0"/>
+              <a:t>Process(target=f, args=(...))</a:t>
+            </a:r>
+            <a:endParaRPr lang="en-US" altLang="zh-CN" smtClean="0"/>
+          </a:p>
+          <a:p>
+            <a:pPr lvl="1" algn="l">
+              <a:lnSpc>
+                <a:spcPct val="200000"/>
+              </a:lnSpc>
+              <a:buFont typeface="Wingdings" panose="05000000000000000000" pitchFamily="2" charset="2"/>
+              <a:buChar char=""/>
+            </a:pPr>
+            <a:r>
+              <a:rPr lang="en-US" altLang="zh-CN" smtClean="0"/>
+              <a:t>start(), join(), is_alive(), terminate(), exitcode</a:t>
+            </a:r>
+            <a:endParaRPr lang="en-US" altLang="zh-CN" smtClean="0"/>
+          </a:p>
+          <a:p>
+            <a:pPr lvl="0" algn="l">
+              <a:lnSpc>
+                <a:spcPct val="200000"/>
+              </a:lnSpc>
+              <a:buFont typeface="Wingdings" panose="05000000000000000000" pitchFamily="2" charset="2"/>
+              <a:buChar char=""/>
+            </a:pPr>
+            <a:endParaRPr lang="en-US" altLang="zh-CN" smtClean="0"/>
+          </a:p>
+        </p:txBody>
+      </p:sp>
+      <p:sp>
+        <p:nvSpPr>
+          <p:cNvPr id="2" name="文本框 1"/>
           <p:cNvSpPr txBox="1"/>
           <p:nvPr/>
         </p:nvSpPr>
         <p:spPr>
           <a:xfrm>
             <a:off x="7827010" y="1652905"/>
-            <a:ext cx="3978275" cy="2245360"/>
+            <a:ext cx="3978275" cy="1814830"/>
           </a:xfrm>
           <a:prstGeom prst="rect">
             <a:avLst/>
@@ -4407,21 +4309,18 @@
           <a:p>
             <a:r>
               <a:rPr lang="zh-CN" altLang="en-US" sz="1400"/>
-              <a:t>def f(x):</a:t>
+              <a:t>def process1(name, seconds):</a:t>
             </a:r>
             <a:endParaRPr lang="zh-CN" altLang="en-US" sz="1400"/>
           </a:p>
           <a:p>
             <a:r>
               <a:rPr lang="zh-CN" altLang="en-US" sz="1400"/>
-              <a:t>    time.sleep(x)</a:t>
-            </a:r>
-            <a:endParaRPr lang="zh-CN" altLang="en-US" sz="1400"/>
-          </a:p>
-          <a:p>
-            <a:r>
-              <a:rPr lang="zh-CN" altLang="en-US" sz="1400"/>
-              <a:t>    return x*x</a:t>
+              <a:t>    </a:t>
+            </a:r>
+            <a:r>
+              <a:rPr lang="en-US" altLang="zh-CN" sz="1400"/>
+              <a:t>...</a:t>
             </a:r>
             <a:endParaRPr lang="zh-CN" altLang="en-US" sz="1400"/>
           </a:p>
@@ -4438,39 +4337,21 @@
           <a:p>
             <a:r>
               <a:rPr lang="zh-CN" altLang="en-US" sz="1400"/>
-              <a:t>    pool = mp.Pool(mp.cpu_count())</a:t>
+              <a:t>    p = mp.Process(target=process1, args=('p1', 3))</a:t>
             </a:r>
             <a:endParaRPr lang="zh-CN" altLang="en-US" sz="1400"/>
           </a:p>
           <a:p>
             <a:r>
               <a:rPr lang="zh-CN" altLang="en-US" sz="1400"/>
-              <a:t>    results = pool.map(f, range(10))</a:t>
+              <a:t>    p.start()</a:t>
             </a:r>
             <a:endParaRPr lang="zh-CN" altLang="en-US" sz="1400"/>
           </a:p>
           <a:p>
             <a:r>
               <a:rPr lang="zh-CN" altLang="en-US" sz="1400"/>
-              <a:t>    </a:t>
-            </a:r>
-            <a:r>
-              <a:rPr lang="en-US" altLang="zh-CN" sz="1400"/>
-              <a:t>pool.close()</a:t>
-            </a:r>
-            <a:endParaRPr lang="en-US" altLang="zh-CN" sz="1400"/>
-          </a:p>
-          <a:p>
-            <a:r>
-              <a:rPr lang="en-US" altLang="zh-CN" sz="1400"/>
-              <a:t>    pool.join()</a:t>
-            </a:r>
-            <a:endParaRPr lang="zh-CN" altLang="en-US" sz="1400"/>
-          </a:p>
-          <a:p>
-            <a:r>
-              <a:rPr lang="zh-CN" altLang="en-US" sz="1400"/>
-              <a:t>    print(results)</a:t>
+              <a:t>    p.join()</a:t>
             </a:r>
             <a:endParaRPr lang="zh-CN" altLang="en-US" sz="1400"/>
           </a:p>
@@ -4510,7 +4391,7 @@
           <a:p>
             <a:r>
               <a:rPr lang="en-US" altLang="zh-CN"/>
-              <a:t>Multiprocess 3/3</a:t>
+              <a:t>Multiprocess 2/3</a:t>
             </a:r>
             <a:endParaRPr lang="en-US" altLang="zh-CN"/>
           </a:p>
@@ -4526,189 +4407,137 @@
             <p:ph idx="1"/>
           </p:nvPr>
         </p:nvSpPr>
-        <p:spPr/>
-        <p:txBody>
-          <a:bodyPr>
-            <a:normAutofit fontScale="50000"/>
-          </a:bodyPr>
-          <a:p>
-            <a:pPr lvl="0" algn="l">
-              <a:lnSpc>
-                <a:spcPct val="200000"/>
-              </a:lnSpc>
-              <a:buFont typeface="Wingdings" panose="05000000000000000000" pitchFamily="2" charset="2"/>
-              <a:buChar char=""/>
-            </a:pPr>
+        <p:spPr>
+          <a:xfrm>
+            <a:off x="838200" y="1211580"/>
+            <a:ext cx="6417310" cy="4549140"/>
+          </a:xfrm>
+        </p:spPr>
+        <p:txBody>
+          <a:bodyPr/>
+          <a:p>
             <a:r>
               <a:rPr lang="en-US" altLang="zh-CN" smtClean="0">
                 <a:sym typeface="+mn-ea"/>
               </a:rPr>
-              <a:t>Inter-Process Communication</a:t>
+              <a:t>multiprocessing.Pool</a:t>
             </a:r>
             <a:endParaRPr lang="en-US" altLang="zh-CN" smtClean="0">
               <a:sym typeface="+mn-ea"/>
             </a:endParaRPr>
           </a:p>
           <a:p>
-            <a:pPr lvl="1" algn="l">
-              <a:lnSpc>
-                <a:spcPct val="200000"/>
-              </a:lnSpc>
-              <a:buFont typeface="Wingdings" panose="05000000000000000000" pitchFamily="2" charset="2"/>
-              <a:buChar char=""/>
-            </a:pPr>
-            <a:r>
-              <a:rPr lang="en-US" altLang="zh-CN" sz="2000" smtClean="0">
-                <a:sym typeface="+mn-ea"/>
-              </a:rPr>
-              <a:t>multiprocessing.Lock()</a:t>
-            </a:r>
-            <a:endParaRPr lang="en-US" altLang="zh-CN" sz="2000" smtClean="0">
-              <a:sym typeface="+mn-ea"/>
-            </a:endParaRPr>
-          </a:p>
-          <a:p>
-            <a:pPr lvl="2" algn="l">
-              <a:lnSpc>
-                <a:spcPct val="200000"/>
-              </a:lnSpc>
-              <a:buFont typeface="Wingdings" panose="05000000000000000000" pitchFamily="2" charset="2"/>
-              <a:buChar char=""/>
-            </a:pPr>
-            <a:r>
-              <a:rPr lang="en-US" altLang="zh-CN" sz="1800" smtClean="0">
-                <a:sym typeface="+mn-ea"/>
-              </a:rPr>
-              <a:t>acquire(), release()</a:t>
-            </a:r>
-            <a:endParaRPr lang="en-US" altLang="zh-CN" sz="1800" smtClean="0">
-              <a:sym typeface="+mn-ea"/>
-            </a:endParaRPr>
-          </a:p>
-          <a:p>
-            <a:pPr lvl="1" algn="l">
-              <a:lnSpc>
-                <a:spcPct val="200000"/>
-              </a:lnSpc>
-              <a:buFont typeface="Wingdings" panose="05000000000000000000" pitchFamily="2" charset="2"/>
-              <a:buChar char=""/>
-            </a:pPr>
-            <a:r>
-              <a:rPr lang="en-US" altLang="zh-CN" smtClean="0">
-                <a:sym typeface="+mn-ea"/>
-              </a:rPr>
-              <a:t>multiprocessing.Value, multiprocessing.Array</a:t>
-            </a:r>
-            <a:endParaRPr lang="en-US" altLang="zh-CN" smtClean="0">
-              <a:sym typeface="+mn-ea"/>
-            </a:endParaRPr>
-          </a:p>
-          <a:p>
-            <a:pPr lvl="0" algn="l">
-              <a:lnSpc>
-                <a:spcPct val="200000"/>
-              </a:lnSpc>
-              <a:buFont typeface="Wingdings" panose="05000000000000000000" pitchFamily="2" charset="2"/>
-              <a:buChar char=""/>
-            </a:pPr>
-            <a:r>
-              <a:rPr lang="en-US" altLang="zh-CN" smtClean="0">
-                <a:sym typeface="+mn-ea"/>
-              </a:rPr>
-              <a:t>os.getpid(), os.getppid()</a:t>
-            </a:r>
-            <a:endParaRPr lang="en-US" altLang="zh-CN" smtClean="0">
-              <a:sym typeface="+mn-ea"/>
-            </a:endParaRPr>
-          </a:p>
-          <a:p>
-            <a:pPr lvl="0" algn="l">
-              <a:lnSpc>
-                <a:spcPct val="200000"/>
-              </a:lnSpc>
-              <a:buFont typeface="Wingdings" panose="05000000000000000000" pitchFamily="2" charset="2"/>
-              <a:buChar char=""/>
-            </a:pPr>
-            <a:r>
-              <a:rPr lang="en-US" altLang="zh-CN" smtClean="0">
-                <a:sym typeface="+mn-ea"/>
-              </a:rPr>
-              <a:t>multiprocessing.cpu_count()</a:t>
-            </a:r>
-            <a:endParaRPr lang="en-US" altLang="zh-CN" smtClean="0">
-              <a:sym typeface="+mn-ea"/>
-            </a:endParaRPr>
-          </a:p>
-          <a:p>
-            <a:pPr lvl="0" algn="l">
-              <a:lnSpc>
-                <a:spcPct val="200000"/>
-              </a:lnSpc>
-              <a:buFont typeface="Wingdings" panose="05000000000000000000" pitchFamily="2" charset="2"/>
-              <a:buChar char=""/>
-            </a:pPr>
-            <a:r>
-              <a:rPr lang="en-US" altLang="zh-CN" smtClean="0">
-                <a:sym typeface="+mn-ea"/>
-              </a:rPr>
-              <a:t>multiprocessing.set_start_method('spawn'/'fork'/'forkserver')</a:t>
-            </a:r>
-            <a:endParaRPr lang="en-US" altLang="zh-CN" smtClean="0">
-              <a:sym typeface="+mn-ea"/>
-            </a:endParaRPr>
-          </a:p>
-          <a:p>
-            <a:pPr lvl="1" algn="l">
-              <a:lnSpc>
-                <a:spcPct val="200000"/>
-              </a:lnSpc>
-              <a:buFont typeface="Wingdings" panose="05000000000000000000" pitchFamily="2" charset="2"/>
-              <a:buChar char=""/>
-            </a:pPr>
-            <a:r>
-              <a:rPr lang="en-US" altLang="zh-CN" sz="2000" smtClean="0">
-                <a:sym typeface="+mn-ea"/>
-              </a:rPr>
-              <a:t>spawn: Windows default, slow</a:t>
-            </a:r>
-            <a:endParaRPr lang="en-US" altLang="zh-CN" sz="2000" smtClean="0">
-              <a:sym typeface="+mn-ea"/>
-            </a:endParaRPr>
-          </a:p>
-          <a:p>
-            <a:pPr lvl="1" algn="l">
-              <a:lnSpc>
-                <a:spcPct val="200000"/>
-              </a:lnSpc>
-              <a:buFont typeface="Wingdings" panose="05000000000000000000" pitchFamily="2" charset="2"/>
-              <a:buChar char=""/>
-            </a:pPr>
-            <a:r>
-              <a:rPr lang="en-US" altLang="zh-CN" sz="2000" smtClean="0">
-                <a:sym typeface="+mn-ea"/>
-              </a:rPr>
-              <a:t>fork: Unix default</a:t>
-            </a:r>
-            <a:endParaRPr lang="en-US" altLang="zh-CN" smtClean="0"/>
-          </a:p>
-          <a:p>
-            <a:pPr lvl="0" algn="l">
-              <a:lnSpc>
-                <a:spcPct val="200000"/>
-              </a:lnSpc>
-              <a:buFont typeface="Wingdings" panose="05000000000000000000" pitchFamily="2" charset="2"/>
-              <a:buChar char=""/>
-            </a:pPr>
-            <a:r>
-              <a:rPr lang="en-US" altLang="zh-CN" smtClean="0">
-                <a:sym typeface="+mn-ea"/>
-              </a:rPr>
-              <a:t>concurrent.futures.ProcessPoolExecutor (3.2+)</a:t>
-            </a:r>
-            <a:endParaRPr lang="en-US" altLang="zh-CN" smtClean="0"/>
-          </a:p>
-          <a:p>
-            <a:endParaRPr lang="zh-CN" altLang="en-US"/>
+            <a:pPr lvl="1"/>
+            <a:r>
+              <a:rPr lang="en-US" altLang="zh-CN"/>
+              <a:t>Pool(process_cnt)</a:t>
+            </a:r>
+            <a:endParaRPr lang="en-US" altLang="zh-CN"/>
+          </a:p>
+          <a:p>
+            <a:pPr lvl="1"/>
+            <a:r>
+              <a:rPr lang="en-US" altLang="zh-CN"/>
+              <a:t>map(f, [iterables])</a:t>
+            </a:r>
+            <a:endParaRPr lang="en-US" altLang="zh-CN"/>
+          </a:p>
+        </p:txBody>
+      </p:sp>
+      <p:sp>
+        <p:nvSpPr>
+          <p:cNvPr id="4" name="文本框 3"/>
+          <p:cNvSpPr txBox="1"/>
+          <p:nvPr/>
+        </p:nvSpPr>
+        <p:spPr>
+          <a:xfrm>
+            <a:off x="7827010" y="1652905"/>
+            <a:ext cx="3978275" cy="2245360"/>
+          </a:xfrm>
+          <a:prstGeom prst="rect">
+            <a:avLst/>
+          </a:prstGeom>
+          <a:noFill/>
+          <a:ln>
+            <a:solidFill>
+              <a:srgbClr val="00B0F0"/>
+            </a:solidFill>
+          </a:ln>
+        </p:spPr>
+        <p:txBody>
+          <a:bodyPr wrap="square" rtlCol="0">
+            <a:spAutoFit/>
+          </a:bodyPr>
+          <a:p>
+            <a:r>
+              <a:rPr lang="zh-CN" altLang="en-US" sz="1400"/>
+              <a:t>def f(x):</a:t>
+            </a:r>
+            <a:endParaRPr lang="zh-CN" altLang="en-US" sz="1400"/>
+          </a:p>
+          <a:p>
+            <a:r>
+              <a:rPr lang="zh-CN" altLang="en-US" sz="1400"/>
+              <a:t>    time.sleep(x)</a:t>
+            </a:r>
+            <a:endParaRPr lang="zh-CN" altLang="en-US" sz="1400"/>
+          </a:p>
+          <a:p>
+            <a:r>
+              <a:rPr lang="zh-CN" altLang="en-US" sz="1400"/>
+              <a:t>    return x*x</a:t>
+            </a:r>
+            <a:endParaRPr lang="zh-CN" altLang="en-US" sz="1400"/>
+          </a:p>
+          <a:p>
+            <a:endParaRPr lang="zh-CN" altLang="en-US" sz="1400"/>
+          </a:p>
+          <a:p>
+            <a:r>
+              <a:rPr lang="zh-CN" altLang="en-US" sz="1400"/>
+              <a:t>def main():</a:t>
+            </a:r>
+            <a:endParaRPr lang="zh-CN" altLang="en-US" sz="1400"/>
+          </a:p>
+          <a:p>
+            <a:r>
+              <a:rPr lang="zh-CN" altLang="en-US" sz="1400"/>
+              <a:t>    pool = mp.Pool(mp.cpu_count())</a:t>
+            </a:r>
+            <a:endParaRPr lang="zh-CN" altLang="en-US" sz="1400"/>
+          </a:p>
+          <a:p>
+            <a:r>
+              <a:rPr lang="zh-CN" altLang="en-US" sz="1400"/>
+              <a:t>    results = pool.map(f, range(10))</a:t>
+            </a:r>
+            <a:endParaRPr lang="zh-CN" altLang="en-US" sz="1400"/>
+          </a:p>
+          <a:p>
+            <a:r>
+              <a:rPr lang="zh-CN" altLang="en-US" sz="1400"/>
+              <a:t>    </a:t>
+            </a:r>
+            <a:r>
+              <a:rPr lang="en-US" altLang="zh-CN" sz="1400"/>
+              <a:t>pool.close()</a:t>
+            </a:r>
+            <a:endParaRPr lang="en-US" altLang="zh-CN" sz="1400"/>
+          </a:p>
+          <a:p>
+            <a:r>
+              <a:rPr lang="en-US" altLang="zh-CN" sz="1400"/>
+              <a:t>    pool.join()</a:t>
+            </a:r>
+            <a:endParaRPr lang="zh-CN" altLang="en-US" sz="1400"/>
+          </a:p>
+          <a:p>
+            <a:r>
+              <a:rPr lang="zh-CN" altLang="en-US" sz="1400"/>
+              <a:t>    print(results)</a:t>
+            </a:r>
+            <a:endParaRPr lang="zh-CN" altLang="en-US" sz="1400"/>
           </a:p>
         </p:txBody>
       </p:sp>
@@ -4732,7 +4561,7 @@
       <p:grpSpPr/>
       <p:sp>
         <p:nvSpPr>
-          <p:cNvPr id="24578" name="标题 2"/>
+          <p:cNvPr id="2" name="标题 1"/>
           <p:cNvSpPr>
             <a:spLocks noGrp="1"/>
           </p:cNvSpPr>
@@ -4742,68 +4571,48 @@
         </p:nvSpPr>
         <p:spPr/>
         <p:txBody>
-          <a:bodyPr anchor="b">
-            <a:normAutofit/>
+          <a:bodyPr/>
+          <a:p>
+            <a:r>
+              <a:rPr lang="en-US" altLang="zh-CN"/>
+              <a:t>Multiprocess 3/3</a:t>
+            </a:r>
+            <a:endParaRPr lang="en-US" altLang="zh-CN"/>
+          </a:p>
+        </p:txBody>
+      </p:sp>
+      <p:sp>
+        <p:nvSpPr>
+          <p:cNvPr id="3" name="内容占位符 2"/>
+          <p:cNvSpPr>
+            <a:spLocks noGrp="1"/>
+          </p:cNvSpPr>
+          <p:nvPr>
+            <p:ph idx="1"/>
+          </p:nvPr>
+        </p:nvSpPr>
+        <p:spPr/>
+        <p:txBody>
+          <a:bodyPr>
+            <a:normAutofit fontScale="50000"/>
           </a:bodyPr>
           <a:p>
-            <a:r>
-              <a:rPr lang="en-US" altLang="zh-CN" smtClean="0"/>
-              <a:t>Thread</a:t>
-            </a:r>
-            <a:endParaRPr lang="en-US" altLang="zh-CN" smtClean="0"/>
-          </a:p>
-        </p:txBody>
-      </p:sp>
-      <p:sp>
-        <p:nvSpPr>
-          <p:cNvPr id="4" name="内容占位符 3"/>
-          <p:cNvSpPr>
-            <a:spLocks noGrp="1"/>
-          </p:cNvSpPr>
-          <p:nvPr>
-            <p:ph idx="1"/>
-          </p:nvPr>
-        </p:nvSpPr>
-        <p:spPr/>
-        <p:txBody>
-          <a:bodyPr>
-            <a:normAutofit fontScale="60000"/>
-          </a:bodyPr>
-          <a:p>
-            <a:pPr marL="357505" indent="-357505" algn="l">
+            <a:pPr lvl="0" algn="l">
               <a:lnSpc>
                 <a:spcPct val="200000"/>
               </a:lnSpc>
-              <a:buClr>
-                <a:schemeClr val="accent1"/>
-              </a:buClr>
-              <a:buSzTx/>
-              <a:buFont typeface="Wingdings" panose="05000000000000000000" pitchFamily="2" charset="2"/>
-              <a:buChar char=""/>
-            </a:pPr>
-            <a:r>
-              <a:rPr lang="en-US" altLang="zh-CN" smtClean="0"/>
-              <a:t>thread.start_new_thread(func, args)</a:t>
-            </a:r>
-            <a:endParaRPr lang="en-US" altLang="zh-CN" smtClean="0"/>
-          </a:p>
-          <a:p>
-            <a:pPr marL="357505" indent="-357505" algn="l">
-              <a:lnSpc>
-                <a:spcPct val="200000"/>
-              </a:lnSpc>
-              <a:buClr>
-                <a:schemeClr val="accent1"/>
-              </a:buClr>
-              <a:buSzTx/>
-              <a:buFont typeface="Wingdings" panose="05000000000000000000" pitchFamily="2" charset="2"/>
-              <a:buChar char=""/>
-            </a:pPr>
-            <a:r>
-              <a:rPr lang="en-US" altLang="zh-CN" smtClean="0"/>
-              <a:t>threading</a:t>
-            </a:r>
-            <a:endParaRPr lang="en-US" altLang="zh-CN" smtClean="0"/>
+              <a:buFont typeface="Wingdings" panose="05000000000000000000" pitchFamily="2" charset="2"/>
+              <a:buChar char=""/>
+            </a:pPr>
+            <a:r>
+              <a:rPr lang="en-US" altLang="zh-CN" smtClean="0">
+                <a:sym typeface="+mn-ea"/>
+              </a:rPr>
+              <a:t>Inter-Process Communication</a:t>
+            </a:r>
+            <a:endParaRPr lang="en-US" altLang="zh-CN" smtClean="0">
+              <a:sym typeface="+mn-ea"/>
+            </a:endParaRPr>
           </a:p>
           <a:p>
             <a:pPr lvl="1" algn="l">
@@ -4814,10 +4623,50 @@
               <a:buChar char=""/>
             </a:pPr>
             <a:r>
-              <a:rPr lang="en-US" altLang="zh-CN" smtClean="0"/>
-              <a:t>activeCount(), currentThread(), enumerate()</a:t>
-            </a:r>
-            <a:endParaRPr lang="en-US" altLang="zh-CN" smtClean="0"/>
+              <a:rPr lang="en-US" altLang="zh-CN" sz="2000" smtClean="0">
+                <a:sym typeface="+mn-ea"/>
+              </a:rPr>
+              <a:t>multiprocessing.Lock()</a:t>
+            </a:r>
+            <a:endParaRPr lang="en-US" altLang="zh-CN" sz="2000" smtClean="0">
+              <a:sym typeface="+mn-ea"/>
+            </a:endParaRPr>
+          </a:p>
+          <a:p>
+            <a:pPr lvl="2" algn="l">
+              <a:lnSpc>
+                <a:spcPct val="200000"/>
+              </a:lnSpc>
+              <a:buFont typeface="Wingdings" panose="05000000000000000000" pitchFamily="2" charset="2"/>
+              <a:buChar char=""/>
+            </a:pPr>
+            <a:r>
+              <a:rPr lang="en-US" altLang="zh-CN" sz="1800" smtClean="0">
+                <a:sym typeface="+mn-ea"/>
+              </a:rPr>
+              <a:t>acquire(), release()</a:t>
+            </a:r>
+            <a:endParaRPr lang="en-US" altLang="zh-CN" sz="1800" smtClean="0">
+              <a:sym typeface="+mn-ea"/>
+            </a:endParaRPr>
+          </a:p>
+          <a:p>
+            <a:pPr lvl="1" algn="l">
+              <a:lnSpc>
+                <a:spcPct val="200000"/>
+              </a:lnSpc>
+              <a:buFont typeface="Wingdings" panose="05000000000000000000" pitchFamily="2" charset="2"/>
+              <a:buChar char=""/>
+            </a:pPr>
+            <a:r>
+              <a:rPr lang="en-US" altLang="zh-CN" smtClean="0">
+                <a:sym typeface="+mn-ea"/>
+              </a:rPr>
+              <a:t>multiprocessing.Value, multiprocessing.Array</a:t>
+            </a:r>
+            <a:endParaRPr lang="en-US" altLang="zh-CN" smtClean="0">
+              <a:sym typeface="+mn-ea"/>
+            </a:endParaRPr>
           </a:p>
           <a:p>
             <a:pPr lvl="0" algn="l">
@@ -4828,10 +4677,50 @@
               <a:buChar char=""/>
             </a:pPr>
             <a:r>
-              <a:rPr lang="en-US" altLang="zh-CN" smtClean="0"/>
-              <a:t>threading.Thread class</a:t>
-            </a:r>
-            <a:endParaRPr lang="en-US" altLang="zh-CN" smtClean="0"/>
+              <a:rPr lang="en-US" altLang="zh-CN" smtClean="0">
+                <a:sym typeface="+mn-ea"/>
+              </a:rPr>
+              <a:t>os.getpid(), os.getppid()</a:t>
+            </a:r>
+            <a:endParaRPr lang="en-US" altLang="zh-CN" smtClean="0">
+              <a:sym typeface="+mn-ea"/>
+            </a:endParaRPr>
+          </a:p>
+          <a:p>
+            <a:pPr lvl="0" algn="l">
+              <a:lnSpc>
+                <a:spcPct val="200000"/>
+              </a:lnSpc>
+              <a:buFont typeface="Wingdings" panose="05000000000000000000" pitchFamily="2" charset="2"/>
+              <a:buChar char=""/>
+            </a:pPr>
+            <a:r>
+              <a:rPr lang="en-US" altLang="zh-CN" smtClean="0">
+                <a:sym typeface="+mn-ea"/>
+              </a:rPr>
+              <a:t>multiprocessing.cpu_count()</a:t>
+            </a:r>
+            <a:endParaRPr lang="en-US" altLang="zh-CN" smtClean="0">
+              <a:sym typeface="+mn-ea"/>
+            </a:endParaRPr>
+          </a:p>
+          <a:p>
+            <a:pPr lvl="0" algn="l">
+              <a:lnSpc>
+                <a:spcPct val="200000"/>
+              </a:lnSpc>
+              <a:buFont typeface="Wingdings" panose="05000000000000000000" pitchFamily="2" charset="2"/>
+              <a:buChar char=""/>
+            </a:pPr>
+            <a:r>
+              <a:rPr lang="en-US" altLang="zh-CN" smtClean="0">
+                <a:sym typeface="+mn-ea"/>
+              </a:rPr>
+              <a:t>multiprocessing.set_start_method('spawn'/'fork'/'forkserver')</a:t>
+            </a:r>
+            <a:endParaRPr lang="en-US" altLang="zh-CN" smtClean="0">
+              <a:sym typeface="+mn-ea"/>
+            </a:endParaRPr>
           </a:p>
           <a:p>
             <a:pPr lvl="1" algn="l">
@@ -4842,8 +4731,28 @@
               <a:buChar char=""/>
             </a:pPr>
             <a:r>
-              <a:rPr lang="en-US" altLang="zh-CN" smtClean="0"/>
-              <a:t>run(), start(), join(), isAlive(), getName(), setName()</a:t>
+              <a:rPr lang="en-US" altLang="zh-CN" sz="2000" smtClean="0">
+                <a:sym typeface="+mn-ea"/>
+              </a:rPr>
+              <a:t>spawn: Windows default, slow</a:t>
+            </a:r>
+            <a:endParaRPr lang="en-US" altLang="zh-CN" sz="2000" smtClean="0">
+              <a:sym typeface="+mn-ea"/>
+            </a:endParaRPr>
+          </a:p>
+          <a:p>
+            <a:pPr lvl="1" algn="l">
+              <a:lnSpc>
+                <a:spcPct val="200000"/>
+              </a:lnSpc>
+              <a:buFont typeface="Wingdings" panose="05000000000000000000" pitchFamily="2" charset="2"/>
+              <a:buChar char=""/>
+            </a:pPr>
+            <a:r>
+              <a:rPr lang="en-US" altLang="zh-CN" sz="2000" smtClean="0">
+                <a:sym typeface="+mn-ea"/>
+              </a:rPr>
+              <a:t>fork: Unix default</a:t>
             </a:r>
             <a:endParaRPr lang="en-US" altLang="zh-CN" smtClean="0"/>
           </a:p>
@@ -4856,52 +4765,15 @@
               <a:buChar char=""/>
             </a:pPr>
             <a:r>
-              <a:rPr lang="en-US" altLang="zh-CN" smtClean="0"/>
-              <a:t>threading.Lock</a:t>
+              <a:rPr lang="en-US" altLang="zh-CN" smtClean="0">
+                <a:sym typeface="+mn-ea"/>
+              </a:rPr>
+              <a:t>concurrent.futures.ProcessPoolExecutor (3.2+)</a:t>
             </a:r>
             <a:endParaRPr lang="en-US" altLang="zh-CN" smtClean="0"/>
           </a:p>
           <a:p>
-            <a:pPr lvl="1" algn="l">
-              <a:lnSpc>
-                <a:spcPct val="200000"/>
-              </a:lnSpc>
-              <a:buFont typeface="Wingdings" panose="05000000000000000000" pitchFamily="2" charset="2"/>
-              <a:buChar char=""/>
-            </a:pPr>
-            <a:r>
-              <a:rPr lang="en-US" altLang="zh-CN" smtClean="0"/>
-              <a:t>acquire(), release()</a:t>
-            </a:r>
-            <a:endParaRPr lang="en-US" altLang="zh-CN" smtClean="0"/>
-          </a:p>
-          <a:p>
-            <a:pPr lvl="0" algn="l">
-              <a:lnSpc>
-                <a:spcPct val="200000"/>
-              </a:lnSpc>
-              <a:buFont typeface="Wingdings" panose="05000000000000000000" pitchFamily="2" charset="2"/>
-              <a:buChar char=""/>
-            </a:pPr>
-            <a:r>
-              <a:rPr lang="en-US" altLang="zh-CN" smtClean="0"/>
-              <a:t>Queue</a:t>
-            </a:r>
-            <a:endParaRPr lang="en-US" altLang="zh-CN" smtClean="0"/>
-          </a:p>
-          <a:p>
-            <a:pPr lvl="1" algn="l">
-              <a:lnSpc>
-                <a:spcPct val="200000"/>
-              </a:lnSpc>
-              <a:buFont typeface="Wingdings" panose="05000000000000000000" pitchFamily="2" charset="2"/>
-              <a:buChar char=""/>
-            </a:pPr>
-            <a:r>
-              <a:rPr lang="en-US" altLang="zh-CN" smtClean="0"/>
-              <a:t>get(), put(), qsize(), empty(), full()</a:t>
-            </a:r>
-            <a:endParaRPr lang="en-US" altLang="zh-CN" smtClean="0"/>
+            <a:endParaRPr lang="zh-CN" altLang="en-US"/>
           </a:p>
         </p:txBody>
       </p:sp>
@@ -4941,7 +4813,7 @@
           <a:p>
             <a:r>
               <a:rPr lang="en-US" altLang="zh-CN" smtClean="0"/>
-              <a:t>Modules</a:t>
+              <a:t>Thread</a:t>
             </a:r>
             <a:endParaRPr lang="en-US" altLang="zh-CN" smtClean="0"/>
           </a:p>
@@ -4960,7 +4832,7 @@
         <p:spPr/>
         <p:txBody>
           <a:bodyPr>
-            <a:normAutofit/>
+            <a:normAutofit fontScale="60000"/>
           </a:bodyPr>
           <a:p>
             <a:pPr marL="357505" indent="-357505" algn="l">
@@ -4976,7 +4848,7 @@
             </a:pPr>
             <a:r>
               <a:rPr lang="en-US" altLang="zh-CN" smtClean="0"/>
-              <a:t>NumPy</a:t>
+              <a:t>thread.start_new_thread(func, args)</a:t>
             </a:r>
             <a:endParaRPr lang="en-US" altLang="zh-CN" smtClean="0"/>
           </a:p>
@@ -4994,61 +4866,105 @@
             </a:pPr>
             <a:r>
               <a:rPr lang="en-US" altLang="zh-CN" smtClean="0"/>
-              <a:t>Pandas</a:t>
+              <a:t>threading</a:t>
             </a:r>
             <a:endParaRPr lang="en-US" altLang="zh-CN" smtClean="0"/>
           </a:p>
           <a:p>
-            <a:pPr marL="357505" indent="-357505" algn="l">
+            <a:pPr lvl="1" algn="l">
               <a:lnSpc>
                 <a:spcPct val="200000"/>
               </a:lnSpc>
-              <a:buClr>
-                <a:schemeClr val="accent1"/>
-              </a:buClr>
-              <a:buSzTx/>
-              <a:buFont typeface="Wingdings" panose="05000000000000000000" pitchFamily="2" charset="2"/>
-              <a:buChar char=""/>
+              <a:buFont typeface="Wingdings" panose="05000000000000000000" pitchFamily="2" charset="2"/>
+              <a:buChar char=""/>
             </a:pPr>
             <a:r>
               <a:rPr lang="en-US" altLang="zh-CN" smtClean="0"/>
-              <a:t>Matplotlib, seaborn</a:t>
+              <a:t>activeCount(), currentThread(), enumerate()</a:t>
             </a:r>
             <a:endParaRPr lang="en-US" altLang="zh-CN" smtClean="0"/>
           </a:p>
           <a:p>
-            <a:pPr marL="357505" indent="-357505" algn="l">
+            <a:pPr lvl="0" algn="l">
               <a:lnSpc>
                 <a:spcPct val="200000"/>
               </a:lnSpc>
-              <a:buClr>
-                <a:schemeClr val="accent1"/>
-              </a:buClr>
-              <a:buSzTx/>
-              <a:buFont typeface="Wingdings" panose="05000000000000000000" pitchFamily="2" charset="2"/>
-              <a:buChar char=""/>
+              <a:buFont typeface="Wingdings" panose="05000000000000000000" pitchFamily="2" charset="2"/>
+              <a:buChar char=""/>
             </a:pPr>
             <a:r>
               <a:rPr lang="en-US" altLang="zh-CN" smtClean="0"/>
-              <a:t>SciPy, statsmodels</a:t>
+              <a:t>threading.Thread class</a:t>
             </a:r>
             <a:endParaRPr lang="en-US" altLang="zh-CN" smtClean="0"/>
           </a:p>
           <a:p>
-            <a:pPr marL="357505" indent="-357505" algn="l">
+            <a:pPr lvl="1" algn="l">
               <a:lnSpc>
                 <a:spcPct val="200000"/>
               </a:lnSpc>
-              <a:buClr>
-                <a:schemeClr val="accent1"/>
-              </a:buClr>
-              <a:buSzTx/>
-              <a:buFont typeface="Wingdings" panose="05000000000000000000" pitchFamily="2" charset="2"/>
-              <a:buChar char=""/>
+              <a:buFont typeface="Wingdings" panose="05000000000000000000" pitchFamily="2" charset="2"/>
+              <a:buChar char=""/>
             </a:pPr>
             <a:r>
               <a:rPr lang="en-US" altLang="zh-CN" smtClean="0"/>
-              <a:t>lxml</a:t>
+              <a:t>run(), start(), join(), isAlive(), getName(), setName()</a:t>
+            </a:r>
+            <a:endParaRPr lang="en-US" altLang="zh-CN" smtClean="0"/>
+          </a:p>
+          <a:p>
+            <a:pPr lvl="0" algn="l">
+              <a:lnSpc>
+                <a:spcPct val="200000"/>
+              </a:lnSpc>
+              <a:buFont typeface="Wingdings" panose="05000000000000000000" pitchFamily="2" charset="2"/>
+              <a:buChar char=""/>
+            </a:pPr>
+            <a:r>
+              <a:rPr lang="en-US" altLang="zh-CN" smtClean="0"/>
+              <a:t>threading.Lock</a:t>
+            </a:r>
+            <a:endParaRPr lang="en-US" altLang="zh-CN" smtClean="0"/>
+          </a:p>
+          <a:p>
+            <a:pPr lvl="1" algn="l">
+              <a:lnSpc>
+                <a:spcPct val="200000"/>
+              </a:lnSpc>
+              <a:buFont typeface="Wingdings" panose="05000000000000000000" pitchFamily="2" charset="2"/>
+              <a:buChar char=""/>
+            </a:pPr>
+            <a:r>
+              <a:rPr lang="en-US" altLang="zh-CN" smtClean="0"/>
+              <a:t>acquire(), release()</a:t>
+            </a:r>
+            <a:endParaRPr lang="en-US" altLang="zh-CN" smtClean="0"/>
+          </a:p>
+          <a:p>
+            <a:pPr lvl="0" algn="l">
+              <a:lnSpc>
+                <a:spcPct val="200000"/>
+              </a:lnSpc>
+              <a:buFont typeface="Wingdings" panose="05000000000000000000" pitchFamily="2" charset="2"/>
+              <a:buChar char=""/>
+            </a:pPr>
+            <a:r>
+              <a:rPr lang="en-US" altLang="zh-CN" smtClean="0"/>
+              <a:t>Queue</a:t>
+            </a:r>
+            <a:endParaRPr lang="en-US" altLang="zh-CN" smtClean="0"/>
+          </a:p>
+          <a:p>
+            <a:pPr lvl="1" algn="l">
+              <a:lnSpc>
+                <a:spcPct val="200000"/>
+              </a:lnSpc>
+              <a:buFont typeface="Wingdings" panose="05000000000000000000" pitchFamily="2" charset="2"/>
+              <a:buChar char=""/>
+            </a:pPr>
+            <a:r>
+              <a:rPr lang="en-US" altLang="zh-CN" smtClean="0"/>
+              <a:t>get(), put(), qsize(), empty(), full()</a:t>
             </a:r>
             <a:endParaRPr lang="en-US" altLang="zh-CN" smtClean="0"/>
           </a:p>
@@ -5074,7 +4990,7 @@
       <p:grpSpPr/>
       <p:sp>
         <p:nvSpPr>
-          <p:cNvPr id="2" name="标题 1"/>
+          <p:cNvPr id="24578" name="标题 2"/>
           <p:cNvSpPr>
             <a:spLocks noGrp="1"/>
           </p:cNvSpPr>
@@ -5084,19 +5000,21 @@
         </p:nvSpPr>
         <p:spPr/>
         <p:txBody>
-          <a:bodyPr/>
-          <a:p>
-            <a:r>
-              <a:rPr lang="en-US" altLang="zh-CN"/>
-              <a:t>File Operation</a:t>
-            </a:r>
-            <a:endParaRPr lang="en-US" altLang="zh-CN"/>
-          </a:p>
-        </p:txBody>
-      </p:sp>
-      <p:sp>
-        <p:nvSpPr>
-          <p:cNvPr id="3" name="内容占位符 2"/>
+          <a:bodyPr anchor="b">
+            <a:normAutofit/>
+          </a:bodyPr>
+          <a:p>
+            <a:r>
+              <a:rPr lang="en-US" altLang="zh-CN" smtClean="0"/>
+              <a:t>Modules</a:t>
+            </a:r>
+            <a:endParaRPr lang="en-US" altLang="zh-CN" smtClean="0"/>
+          </a:p>
+        </p:txBody>
+      </p:sp>
+      <p:sp>
+        <p:nvSpPr>
+          <p:cNvPr id="4" name="内容占位符 3"/>
           <p:cNvSpPr>
             <a:spLocks noGrp="1"/>
           </p:cNvSpPr>
@@ -5106,61 +5024,98 @@
         </p:nvSpPr>
         <p:spPr/>
         <p:txBody>
-          <a:bodyPr/>
-          <a:p>
-            <a:r>
-              <a:rPr lang="en-US" altLang="zh-CN"/>
-              <a:t>Open</a:t>
-            </a:r>
-            <a:endParaRPr lang="en-US" altLang="zh-CN"/>
-          </a:p>
-          <a:p>
-            <a:pPr lvl="1"/>
-            <a:r>
-              <a:rPr lang="en-US" altLang="zh-CN"/>
-              <a:t>f = open('fn', 'mode')</a:t>
-            </a:r>
-            <a:endParaRPr lang="en-US" altLang="zh-CN"/>
-          </a:p>
-          <a:p>
-            <a:pPr lvl="0"/>
-            <a:r>
-              <a:rPr lang="en-US" altLang="en-US"/>
-              <a:t>PDF</a:t>
-            </a:r>
-            <a:endParaRPr lang="en-US" altLang="en-US"/>
-          </a:p>
-          <a:p>
-            <a:pPr lvl="1"/>
-            <a:r>
-              <a:rPr lang="en-US" altLang="en-US"/>
-              <a:t>pip install fpdf</a:t>
-            </a:r>
-            <a:endParaRPr lang="en-US" altLang="en-US"/>
-          </a:p>
-          <a:p>
-            <a:pPr lvl="0"/>
-            <a:r>
-              <a:rPr lang="en-US" altLang="en-US"/>
-              <a:t>import shutil</a:t>
-            </a:r>
-            <a:endParaRPr lang="en-US" altLang="en-US"/>
-          </a:p>
-          <a:p>
-            <a:pPr lvl="1"/>
-            <a:r>
-              <a:rPr lang="en-US" altLang="en-US"/>
-              <a:t>shutil.copy(src, dst)</a:t>
-            </a:r>
-            <a:endParaRPr lang="en-US" altLang="en-US"/>
-          </a:p>
-          <a:p>
-            <a:pPr lvl="1"/>
-            <a:r>
-              <a:rPr lang="en-US" altLang="en-US"/>
-              <a:t>shutil.copytree(src_dir, dst_dir)</a:t>
-            </a:r>
-            <a:endParaRPr lang="en-US" altLang="en-US"/>
+          <a:bodyPr>
+            <a:normAutofit/>
+          </a:bodyPr>
+          <a:p>
+            <a:pPr marL="357505" indent="-357505" algn="l">
+              <a:lnSpc>
+                <a:spcPct val="200000"/>
+              </a:lnSpc>
+              <a:buClr>
+                <a:schemeClr val="accent1"/>
+              </a:buClr>
+              <a:buSzTx/>
+              <a:buFont typeface="Wingdings" panose="05000000000000000000" pitchFamily="2" charset="2"/>
+              <a:buChar char=""/>
+            </a:pPr>
+            <a:r>
+              <a:rPr lang="en-US" altLang="zh-CN" smtClean="0"/>
+              <a:t>NumPy</a:t>
+            </a:r>
+            <a:endParaRPr lang="en-US" altLang="zh-CN" smtClean="0"/>
+          </a:p>
+          <a:p>
+            <a:pPr marL="357505" indent="-357505" algn="l">
+              <a:lnSpc>
+                <a:spcPct val="200000"/>
+              </a:lnSpc>
+              <a:buClr>
+                <a:schemeClr val="accent1"/>
+              </a:buClr>
+              <a:buSzTx/>
+              <a:buFont typeface="Wingdings" panose="05000000000000000000" pitchFamily="2" charset="2"/>
+              <a:buChar char=""/>
+            </a:pPr>
+            <a:r>
+              <a:rPr lang="en-US" altLang="zh-CN" smtClean="0"/>
+              <a:t>Pandas</a:t>
+            </a:r>
+            <a:endParaRPr lang="en-US" altLang="zh-CN" smtClean="0"/>
+          </a:p>
+          <a:p>
+            <a:pPr marL="357505" indent="-357505" algn="l">
+              <a:lnSpc>
+                <a:spcPct val="200000"/>
+              </a:lnSpc>
+              <a:buClr>
+                <a:schemeClr val="accent1"/>
+              </a:buClr>
+              <a:buSzTx/>
+              <a:buFont typeface="Wingdings" panose="05000000000000000000" pitchFamily="2" charset="2"/>
+              <a:buChar char=""/>
+            </a:pPr>
+            <a:r>
+              <a:rPr lang="en-US" altLang="zh-CN" smtClean="0"/>
+              <a:t>Matplotlib, seaborn</a:t>
+            </a:r>
+            <a:endParaRPr lang="en-US" altLang="zh-CN" smtClean="0"/>
+          </a:p>
+          <a:p>
+            <a:pPr marL="357505" indent="-357505" algn="l">
+              <a:lnSpc>
+                <a:spcPct val="200000"/>
+              </a:lnSpc>
+              <a:buClr>
+                <a:schemeClr val="accent1"/>
+              </a:buClr>
+              <a:buSzTx/>
+              <a:buFont typeface="Wingdings" panose="05000000000000000000" pitchFamily="2" charset="2"/>
+              <a:buChar char=""/>
+            </a:pPr>
+            <a:r>
+              <a:rPr lang="en-US" altLang="zh-CN" smtClean="0"/>
+              <a:t>SciPy, statsmodels</a:t>
+            </a:r>
+            <a:endParaRPr lang="en-US" altLang="zh-CN" smtClean="0"/>
+          </a:p>
+          <a:p>
+            <a:pPr marL="357505" indent="-357505" algn="l">
+              <a:lnSpc>
+                <a:spcPct val="200000"/>
+              </a:lnSpc>
+              <a:buClr>
+                <a:schemeClr val="accent1"/>
+              </a:buClr>
+              <a:buSzTx/>
+              <a:buFont typeface="Wingdings" panose="05000000000000000000" pitchFamily="2" charset="2"/>
+              <a:buChar char=""/>
+            </a:pPr>
+            <a:r>
+              <a:rPr lang="en-US" altLang="zh-CN" smtClean="0"/>
+              <a:t>lxml</a:t>
+            </a:r>
+            <a:endParaRPr lang="en-US" altLang="zh-CN" smtClean="0"/>
           </a:p>
         </p:txBody>
       </p:sp>
@@ -5198,7 +5153,7 @@
           <a:p>
             <a:r>
               <a:rPr lang="en-US" altLang="zh-CN"/>
-              <a:t>Propcess</a:t>
+              <a:t>File Operation</a:t>
             </a:r>
             <a:endParaRPr lang="en-US" altLang="zh-CN"/>
           </a:p>
@@ -5220,7 +5175,7 @@
           <a:p>
             <a:r>
               <a:rPr lang="en-US" altLang="zh-CN"/>
-              <a:t>popen</a:t>
+              <a:t>Open</a:t>
             </a:r>
             <a:endParaRPr lang="en-US" altLang="zh-CN"/>
           </a:p>
@@ -5228,41 +5183,49 @@
             <a:pPr lvl="1"/>
             <a:r>
               <a:rPr lang="en-US" altLang="zh-CN"/>
-              <a:t>import os</a:t>
-            </a:r>
-            <a:endParaRPr lang="en-US" altLang="zh-CN"/>
+              <a:t>f = open('fn', 'mode')</a:t>
+            </a:r>
+            <a:endParaRPr lang="en-US" altLang="zh-CN"/>
+          </a:p>
+          <a:p>
+            <a:pPr lvl="0"/>
+            <a:r>
+              <a:rPr lang="en-US" altLang="en-US"/>
+              <a:t>PDF</a:t>
+            </a:r>
+            <a:endParaRPr lang="en-US" altLang="en-US"/>
           </a:p>
           <a:p>
             <a:pPr lvl="1"/>
             <a:r>
-              <a:rPr lang="en-US" altLang="zh-CN"/>
-              <a:t>os.popen('cmd')</a:t>
-            </a:r>
-            <a:endParaRPr lang="en-US" altLang="zh-CN"/>
+              <a:rPr lang="en-US" altLang="en-US"/>
+              <a:t>pip install fpdf</a:t>
+            </a:r>
+            <a:endParaRPr lang="en-US" altLang="en-US"/>
           </a:p>
           <a:p>
             <a:pPr lvl="0"/>
             <a:r>
-              <a:rPr lang="en-US" altLang="zh-CN"/>
-              <a:t>subproces</a:t>
-            </a:r>
-            <a:endParaRPr lang="en-US" altLang="zh-CN"/>
+              <a:rPr lang="en-US" altLang="en-US"/>
+              <a:t>import shutil</a:t>
+            </a:r>
+            <a:endParaRPr lang="en-US" altLang="en-US"/>
           </a:p>
           <a:p>
             <a:pPr lvl="1"/>
             <a:r>
-              <a:rPr lang="en-US" altLang="zh-CN"/>
-              <a:t>import subprocess</a:t>
-            </a:r>
-            <a:endParaRPr lang="en-US" altLang="zh-CN"/>
+              <a:rPr lang="en-US" altLang="en-US"/>
+              <a:t>shutil.copy(src, dst)</a:t>
+            </a:r>
+            <a:endParaRPr lang="en-US" altLang="en-US"/>
           </a:p>
           <a:p>
             <a:pPr lvl="1"/>
             <a:r>
-              <a:rPr lang="en-US" altLang="zh-CN"/>
-              <a:t>subprocess.call([cmd], [param1], ...)</a:t>
-            </a:r>
-            <a:endParaRPr lang="en-US" altLang="zh-CN"/>
+              <a:rPr lang="en-US" altLang="en-US"/>
+              <a:t>shutil.copytree(src_dir, dst_dir)</a:t>
+            </a:r>
+            <a:endParaRPr lang="en-US" altLang="en-US"/>
           </a:p>
         </p:txBody>
       </p:sp>
@@ -5300,7 +5263,7 @@
           <a:p>
             <a:r>
               <a:rPr lang="en-US" altLang="zh-CN"/>
-              <a:t>JSON</a:t>
+              <a:t>Propcess</a:t>
             </a:r>
             <a:endParaRPr lang="en-US" altLang="zh-CN"/>
           </a:p>
@@ -5322,14 +5285,7 @@
           <a:p>
             <a:r>
               <a:rPr lang="en-US" altLang="zh-CN"/>
-              <a:t>import json</a:t>
-            </a:r>
-            <a:endParaRPr lang="en-US" altLang="zh-CN"/>
-          </a:p>
-          <a:p>
-            <a:r>
-              <a:rPr lang="en-US" altLang="zh-CN"/>
-              <a:t>json to python data</a:t>
+              <a:t>popen</a:t>
             </a:r>
             <a:endParaRPr lang="en-US" altLang="zh-CN"/>
           </a:p>
@@ -5337,14 +5293,7 @@
             <a:pPr lvl="1"/>
             <a:r>
               <a:rPr lang="en-US" altLang="zh-CN"/>
-              <a:t>json.load(fp)</a:t>
-            </a:r>
-            <a:endParaRPr lang="en-US" altLang="zh-CN"/>
-          </a:p>
-          <a:p>
-            <a:r>
-              <a:rPr lang="en-US" altLang="zh-CN"/>
-              <a:t>python data to json</a:t>
+              <a:t>import os</a:t>
             </a:r>
             <a:endParaRPr lang="en-US" altLang="zh-CN"/>
           </a:p>
@@ -5352,7 +5301,31 @@
             <a:pPr lvl="1"/>
             <a:r>
               <a:rPr lang="en-US" altLang="zh-CN"/>
-              <a:t>json.dump(obj, fp)</a:t>
+              <a:t>os.popen('cmd')</a:t>
+            </a:r>
+            <a:endParaRPr lang="en-US" altLang="zh-CN"/>
+          </a:p>
+          <a:p>
+            <a:pPr lvl="0"/>
+            <a:r>
+              <a:rPr lang="en-US" altLang="zh-CN"/>
+              <a:t>subproces</a:t>
+            </a:r>
+            <a:endParaRPr lang="en-US" altLang="zh-CN"/>
+          </a:p>
+          <a:p>
+            <a:pPr lvl="1"/>
+            <a:r>
+              <a:rPr lang="en-US" altLang="zh-CN"/>
+              <a:t>import subprocess</a:t>
+            </a:r>
+            <a:endParaRPr lang="en-US" altLang="zh-CN"/>
+          </a:p>
+          <a:p>
+            <a:pPr lvl="1"/>
+            <a:r>
+              <a:rPr lang="en-US" altLang="zh-CN"/>
+              <a:t>subprocess.call([cmd], [param1], ...)</a:t>
             </a:r>
             <a:endParaRPr lang="en-US" altLang="zh-CN"/>
           </a:p>
@@ -5436,7 +5409,7 @@
       <p:grpSpPr/>
       <p:sp>
         <p:nvSpPr>
-          <p:cNvPr id="4" name="标题 3"/>
+          <p:cNvPr id="2" name="标题 1"/>
           <p:cNvSpPr>
             <a:spLocks noGrp="1"/>
           </p:cNvSpPr>
@@ -5450,27 +5423,103 @@
           <a:p>
             <a:r>
               <a:rPr lang="en-US" altLang="zh-CN"/>
-              <a:t>Packages</a:t>
-            </a:r>
-            <a:endParaRPr lang="en-US" altLang="zh-CN"/>
-          </a:p>
-        </p:txBody>
-      </p:sp>
-      <p:sp>
-        <p:nvSpPr>
-          <p:cNvPr id="5" name="文本占位符 4"/>
-          <p:cNvSpPr>
-            <a:spLocks noGrp="1"/>
-          </p:cNvSpPr>
-          <p:nvPr>
-            <p:ph type="body" idx="1"/>
+              <a:t>JSON</a:t>
+            </a:r>
+            <a:endParaRPr lang="en-US" altLang="zh-CN"/>
+          </a:p>
+        </p:txBody>
+      </p:sp>
+      <p:sp>
+        <p:nvSpPr>
+          <p:cNvPr id="3" name="内容占位符 2"/>
+          <p:cNvSpPr>
+            <a:spLocks noGrp="1"/>
+          </p:cNvSpPr>
+          <p:nvPr>
+            <p:ph idx="1"/>
           </p:nvPr>
         </p:nvSpPr>
         <p:spPr/>
         <p:txBody>
           <a:bodyPr/>
           <a:p>
-            <a:endParaRPr lang="zh-CN" altLang="en-US"/>
+            <a:r>
+              <a:rPr lang="en-US" altLang="zh-CN"/>
+              <a:t>import json</a:t>
+            </a:r>
+            <a:endParaRPr lang="en-US" altLang="zh-CN"/>
+          </a:p>
+          <a:p>
+            <a:r>
+              <a:rPr lang="en-US" altLang="zh-CN"/>
+              <a:t>Deserialize json-format string to python object (list, dict)</a:t>
+            </a:r>
+            <a:endParaRPr lang="en-US" altLang="zh-CN"/>
+          </a:p>
+          <a:p>
+            <a:pPr lvl="1"/>
+            <a:r>
+              <a:rPr lang="en-US" altLang="zh-CN" sz="2000"/>
+              <a:t>json.loads(str, encoding)</a:t>
+            </a:r>
+            <a:endParaRPr lang="en-US" altLang="zh-CN"/>
+          </a:p>
+          <a:p>
+            <a:r>
+              <a:rPr lang="en-US" altLang="zh-CN" sz="2400">
+                <a:sym typeface="+mn-ea"/>
+              </a:rPr>
+              <a:t>Serialize python object (list, dict) to json-format string</a:t>
+            </a:r>
+            <a:endParaRPr lang="en-US" altLang="zh-CN" sz="2400">
+              <a:sym typeface="+mn-ea"/>
+            </a:endParaRPr>
+          </a:p>
+          <a:p>
+            <a:pPr lvl="1"/>
+            <a:r>
+              <a:rPr lang="en-US" altLang="zh-CN" sz="2000">
+                <a:sym typeface="+mn-ea"/>
+              </a:rPr>
+              <a:t>json.dumps(obj)</a:t>
+            </a:r>
+            <a:endParaRPr lang="en-US" altLang="zh-CN" sz="2000">
+              <a:sym typeface="+mn-ea"/>
+            </a:endParaRPr>
+          </a:p>
+          <a:p>
+            <a:r>
+              <a:rPr lang="en-US" altLang="zh-CN" sz="2400">
+                <a:sym typeface="+mn-ea"/>
+              </a:rPr>
+              <a:t>Deserialize json file stream to python object (list, dict)</a:t>
+            </a:r>
+            <a:endParaRPr lang="en-US" altLang="zh-CN" sz="2400"/>
+          </a:p>
+          <a:p>
+            <a:pPr lvl="1"/>
+            <a:r>
+              <a:rPr lang="en-US" altLang="zh-CN" sz="2400">
+                <a:sym typeface="+mn-ea"/>
+              </a:rPr>
+              <a:t>json.load(fp)</a:t>
+            </a:r>
+            <a:endParaRPr lang="en-US" altLang="zh-CN" sz="2400"/>
+          </a:p>
+          <a:p>
+            <a:r>
+              <a:rPr lang="en-US" altLang="zh-CN"/>
+              <a:t>Serialize python object (list, dict) to json-format file stream</a:t>
+            </a:r>
+            <a:endParaRPr lang="en-US" altLang="zh-CN"/>
+          </a:p>
+          <a:p>
+            <a:pPr lvl="1"/>
+            <a:r>
+              <a:rPr lang="en-US" altLang="zh-CN"/>
+              <a:t>json.dump(obj, fp)</a:t>
+            </a:r>
+            <a:endParaRPr lang="en-US" altLang="zh-CN"/>
           </a:p>
         </p:txBody>
       </p:sp>
@@ -5494,6 +5543,64 @@
       <p:grpSpPr/>
       <p:sp>
         <p:nvSpPr>
+          <p:cNvPr id="4" name="标题 3"/>
+          <p:cNvSpPr>
+            <a:spLocks noGrp="1"/>
+          </p:cNvSpPr>
+          <p:nvPr>
+            <p:ph type="title"/>
+          </p:nvPr>
+        </p:nvSpPr>
+        <p:spPr/>
+        <p:txBody>
+          <a:bodyPr/>
+          <a:p>
+            <a:r>
+              <a:rPr lang="en-US" altLang="zh-CN"/>
+              <a:t>Packages</a:t>
+            </a:r>
+            <a:endParaRPr lang="en-US" altLang="zh-CN"/>
+          </a:p>
+        </p:txBody>
+      </p:sp>
+      <p:sp>
+        <p:nvSpPr>
+          <p:cNvPr id="5" name="文本占位符 4"/>
+          <p:cNvSpPr>
+            <a:spLocks noGrp="1"/>
+          </p:cNvSpPr>
+          <p:nvPr>
+            <p:ph type="body" idx="1"/>
+          </p:nvPr>
+        </p:nvSpPr>
+        <p:spPr/>
+        <p:txBody>
+          <a:bodyPr/>
+          <a:p>
+            <a:endParaRPr lang="zh-CN" altLang="en-US"/>
+          </a:p>
+        </p:txBody>
+      </p:sp>
+    </p:spTree>
+  </p:cSld>
+  <p:clrMapOvr>
+    <a:masterClrMapping/>
+  </p:clrMapOvr>
+</p:sld>
+</file>
+
+<file path=ppt/slides/slide22.xml><?xml version="1.0" encoding="utf-8"?>
+<p:sld xmlns:a="http://schemas.openxmlformats.org/drawingml/2006/main" xmlns:r="http://schemas.openxmlformats.org/officeDocument/2006/relationships" xmlns:p="http://schemas.openxmlformats.org/presentationml/2006/main">
+  <p:cSld>
+    <p:spTree>
+      <p:nvGrpSpPr>
+        <p:cNvPr id="1" name=""/>
+        <p:cNvGrpSpPr/>
+        <p:nvPr/>
+      </p:nvGrpSpPr>
+      <p:grpSpPr/>
+      <p:sp>
+        <p:nvSpPr>
           <p:cNvPr id="2" name="标题 1"/>
           <p:cNvSpPr>
             <a:spLocks noGrp="1"/>
@@ -5668,7 +5775,7 @@
                 <a:latin typeface="Arial" panose="020B0604020202020204" pitchFamily="34" charset="0"/>
                 <a:ea typeface="微软雅黑" panose="020B0503020204020204" charset="-122"/>
               </a:rPr>
-              <a:t>r.status/r.encoding/r.url/r.headers/r.text/r.json/r.raw</a:t>
+              <a:t>r.status_code/r.encoding/r.url/r.headers/r.text/r.json/r.raw</a:t>
             </a:r>
             <a:endParaRPr lang="en-US" altLang="zh-CN" sz="1400" dirty="0" smtClean="0">
               <a:latin typeface="Arial" panose="020B0604020202020204" pitchFamily="34" charset="0"/>
@@ -5898,174 +6005,6 @@
 </p:sld>
 </file>
 
-<file path=ppt/slides/slide22.xml><?xml version="1.0" encoding="utf-8"?>
-<p:sld xmlns:a="http://schemas.openxmlformats.org/drawingml/2006/main" xmlns:r="http://schemas.openxmlformats.org/officeDocument/2006/relationships" xmlns:p="http://schemas.openxmlformats.org/presentationml/2006/main">
-  <p:cSld>
-    <p:spTree>
-      <p:nvGrpSpPr>
-        <p:cNvPr id="1" name=""/>
-        <p:cNvGrpSpPr/>
-        <p:nvPr/>
-      </p:nvGrpSpPr>
-      <p:grpSpPr/>
-      <p:sp>
-        <p:nvSpPr>
-          <p:cNvPr id="2" name="标题 1"/>
-          <p:cNvSpPr>
-            <a:spLocks noGrp="1"/>
-          </p:cNvSpPr>
-          <p:nvPr>
-            <p:ph type="title"/>
-          </p:nvPr>
-        </p:nvSpPr>
-        <p:spPr/>
-        <p:txBody>
-          <a:bodyPr/>
-          <a:p>
-            <a:r>
-              <a:rPr lang="en-US" altLang="zh-CN"/>
-              <a:t>NumPy 1/2</a:t>
-            </a:r>
-            <a:endParaRPr lang="en-US" altLang="zh-CN"/>
-          </a:p>
-        </p:txBody>
-      </p:sp>
-      <p:sp>
-        <p:nvSpPr>
-          <p:cNvPr id="3" name="内容占位符 2"/>
-          <p:cNvSpPr>
-            <a:spLocks noGrp="1"/>
-          </p:cNvSpPr>
-          <p:nvPr>
-            <p:ph idx="1"/>
-          </p:nvPr>
-        </p:nvSpPr>
-        <p:spPr/>
-        <p:txBody>
-          <a:bodyPr>
-            <a:normAutofit fontScale="70000"/>
-          </a:bodyPr>
-          <a:p>
-            <a:r>
-              <a:rPr lang="en-US" altLang="zh-CN"/>
-              <a:t>import numpy as np</a:t>
-            </a:r>
-            <a:endParaRPr lang="en-US" altLang="zh-CN"/>
-          </a:p>
-          <a:p>
-            <a:r>
-              <a:rPr lang="en-US" altLang="zh-CN"/>
-              <a:t>array</a:t>
-            </a:r>
-            <a:endParaRPr lang="en-US" altLang="zh-CN"/>
-          </a:p>
-          <a:p>
-            <a:r>
-              <a:rPr lang="en-US" altLang="zh-CN"/>
-              <a:t>np.genfromtxt('filename', delimiter=',', usecolos=(), dtype=str)</a:t>
-            </a:r>
-            <a:endParaRPr lang="en-US" altLang="zh-CN"/>
-          </a:p>
-          <a:p>
-            <a:r>
-              <a:rPr lang="en-US" altLang="zh-CN"/>
-              <a:t>np.zeros()/np.ones()/np.empty()/np.identity()/np.matrix(arr), np.isnan()</a:t>
-            </a:r>
-            <a:endParaRPr lang="en-US" altLang="zh-CN"/>
-          </a:p>
-          <a:p>
-            <a:r>
-              <a:rPr lang="en-US" altLang="zh-CN"/>
-              <a:t>np.random.randn(count), np.random.randint(low, high, size)</a:t>
-            </a:r>
-            <a:endParaRPr lang="en-US" altLang="zh-CN"/>
-          </a:p>
-          <a:p>
-            <a:r>
-              <a:rPr lang="en-US" altLang="zh-CN"/>
-              <a:t>np.sum(arr), np.mean(arr), np.std(arr), np.var(arr), np.min(arr), np.max(arr), np.argmin(arr), np.argmax(arr)</a:t>
-            </a:r>
-            <a:endParaRPr lang="en-US" altLang="zh-CN"/>
-          </a:p>
-          <a:p>
-            <a:r>
-              <a:rPr lang="en-US" altLang="zh-CN"/>
-              <a:t>np.dot(arr1, arr2)</a:t>
-            </a:r>
-            <a:endParaRPr lang="en-US" altLang="zh-CN"/>
-          </a:p>
-          <a:p>
-            <a:r>
-              <a:rPr lang="en-US" altLang="zh-CN"/>
-              <a:t>np.c_(arr1, arr2)	// Concatenate two arrays</a:t>
-            </a:r>
-            <a:endParaRPr lang="en-US" altLang="zh-CN"/>
-          </a:p>
-          <a:p>
-            <a:r>
-              <a:rPr lang="en-US" altLang="zh-CN"/>
-              <a:t>np.reshape()</a:t>
-            </a:r>
-            <a:endParaRPr lang="en-US" altLang="zh-CN"/>
-          </a:p>
-          <a:p>
-            <a:r>
-              <a:rPr lang="en-US" altLang="zh-CN" sz="2400">
-                <a:sym typeface="+mn-ea"/>
-              </a:rPr>
-              <a:t>Boolean arrays</a:t>
-            </a:r>
-            <a:endParaRPr lang="en-US" altLang="zh-CN" sz="2400"/>
-          </a:p>
-          <a:p>
-            <a:pPr lvl="1">
-              <a:buFont typeface="Wingdings" panose="05000000000000000000" pitchFamily="2" charset="2"/>
-              <a:buChar char=""/>
-            </a:pPr>
-            <a:r>
-              <a:rPr lang="en-US" altLang="zh-CN" sz="2400">
-                <a:sym typeface="+mn-ea"/>
-              </a:rPr>
-              <a:t>arr.any(), arr.all()</a:t>
-            </a:r>
-            <a:endParaRPr lang="en-US" altLang="zh-CN" sz="2400"/>
-          </a:p>
-          <a:p>
-            <a:pPr lvl="0">
-              <a:buFont typeface="Wingdings" panose="05000000000000000000" pitchFamily="2" charset="2"/>
-              <a:buChar char=""/>
-            </a:pPr>
-            <a:r>
-              <a:rPr lang="en-US" altLang="zh-CN" sz="2400">
-                <a:sym typeface="+mn-ea"/>
-              </a:rPr>
-              <a:t>Set operation</a:t>
-            </a:r>
-            <a:endParaRPr lang="en-US" altLang="zh-CN" sz="2400"/>
-          </a:p>
-          <a:p>
-            <a:pPr lvl="1">
-              <a:buFont typeface="Wingdings" panose="05000000000000000000" pitchFamily="2" charset="2"/>
-              <a:buChar char=""/>
-            </a:pPr>
-            <a:r>
-              <a:rPr lang="en-US" altLang="zh-CN" sz="2400">
-                <a:sym typeface="+mn-ea"/>
-              </a:rPr>
-              <a:t>arr.sort(), np.unique(arr), np.intersect1d(arr1, arr2), np.union1d(arr1, arr2),np.split(arr, separator_arr, axis)</a:t>
-            </a:r>
-            <a:endParaRPr lang="en-US" altLang="zh-CN"/>
-          </a:p>
-        </p:txBody>
-      </p:sp>
-    </p:spTree>
-  </p:cSld>
-  <p:clrMapOvr>
-    <a:masterClrMapping/>
-  </p:clrMapOvr>
-</p:sld>
-</file>
-
 <file path=ppt/slides/slide23.xml><?xml version="1.0" encoding="utf-8"?>
 <p:sld xmlns:a="http://schemas.openxmlformats.org/drawingml/2006/main" xmlns:r="http://schemas.openxmlformats.org/officeDocument/2006/relationships" xmlns:p="http://schemas.openxmlformats.org/presentationml/2006/main">
   <p:cSld>
@@ -6092,7 +6031,7 @@
           <a:p>
             <a:r>
               <a:rPr lang="en-US" altLang="zh-CN"/>
-              <a:t>NumPy 2/2</a:t>
+              <a:t>NumPy 1/2</a:t>
             </a:r>
             <a:endParaRPr lang="en-US" altLang="zh-CN"/>
           </a:p>
@@ -6108,42 +6047,80 @@
             <p:ph idx="1"/>
           </p:nvPr>
         </p:nvSpPr>
-        <p:spPr>
-          <a:xfrm>
-            <a:off x="651510" y="1024710"/>
-            <a:ext cx="10858500" cy="5084543"/>
-          </a:xfrm>
-        </p:spPr>
+        <p:spPr/>
         <p:txBody>
           <a:bodyPr>
-            <a:normAutofit fontScale="90000"/>
+            <a:normAutofit fontScale="70000"/>
           </a:bodyPr>
           <a:p>
-            <a:endParaRPr lang="en-US" altLang="zh-CN"/>
-          </a:p>
-          <a:p>
-            <a:pPr lvl="0">
-              <a:buFont typeface="Wingdings" panose="05000000000000000000" pitchFamily="2" charset="2"/>
-              <a:buChar char=""/>
-            </a:pPr>
-            <a:r>
-              <a:rPr lang="en-US" altLang="zh-CN" sz="2880">
-                <a:sym typeface="+mn-ea"/>
-              </a:rPr>
-              <a:t>Element-wise array functions</a:t>
-            </a:r>
-            <a:endParaRPr lang="en-US" altLang="zh-CN" sz="2880"/>
-          </a:p>
-          <a:p>
-            <a:pPr lvl="1">
-              <a:buFont typeface="Wingdings" panose="05000000000000000000" pitchFamily="2" charset="2"/>
-              <a:buChar char=""/>
-            </a:pPr>
+            <a:r>
+              <a:rPr lang="en-US" altLang="zh-CN"/>
+              <a:t>import numpy as np</a:t>
+            </a:r>
+            <a:endParaRPr lang="en-US" altLang="zh-CN"/>
+          </a:p>
+          <a:p>
+            <a:r>
+              <a:rPr lang="en-US" altLang="zh-CN"/>
+              <a:t>array</a:t>
+            </a:r>
+            <a:endParaRPr lang="en-US" altLang="zh-CN"/>
+          </a:p>
+          <a:p>
+            <a:r>
+              <a:rPr lang="en-US" altLang="zh-CN"/>
+              <a:t>np.genfromtxt('filename', delimiter=',', usecolos=(), dtype=str)</a:t>
+            </a:r>
+            <a:endParaRPr lang="en-US" altLang="zh-CN"/>
+          </a:p>
+          <a:p>
+            <a:r>
+              <a:rPr lang="en-US" altLang="zh-CN"/>
+              <a:t>np.zeros()/np.ones()/np.empty()/np.identity()/np.matrix(arr), np.isnan()</a:t>
+            </a:r>
+            <a:endParaRPr lang="en-US" altLang="zh-CN"/>
+          </a:p>
+          <a:p>
+            <a:r>
+              <a:rPr lang="en-US" altLang="zh-CN"/>
+              <a:t>np.random.randn(count), np.random.randint(low, high, size)</a:t>
+            </a:r>
+            <a:endParaRPr lang="en-US" altLang="zh-CN"/>
+          </a:p>
+          <a:p>
+            <a:r>
+              <a:rPr lang="en-US" altLang="zh-CN"/>
+              <a:t>np.sum(arr), np.mean(arr), np.std(arr), np.var(arr), np.min(arr), np.max(arr), np.argmin(arr), np.argmax(arr)</a:t>
+            </a:r>
+            <a:endParaRPr lang="en-US" altLang="zh-CN"/>
+          </a:p>
+          <a:p>
+            <a:r>
+              <a:rPr lang="en-US" altLang="zh-CN"/>
+              <a:t>np.dot(arr1, arr2)</a:t>
+            </a:r>
+            <a:endParaRPr lang="en-US" altLang="zh-CN"/>
+          </a:p>
+          <a:p>
+            <a:r>
+              <a:rPr lang="en-US" altLang="zh-CN"/>
+              <a:t>np.c_(arr1, arr2)	// Concatenate two arrays</a:t>
+            </a:r>
+            <a:endParaRPr lang="en-US" altLang="zh-CN"/>
+          </a:p>
+          <a:p>
+            <a:r>
+              <a:rPr lang="en-US" altLang="zh-CN"/>
+              <a:t>np.reshape()</a:t>
+            </a:r>
+            <a:endParaRPr lang="en-US" altLang="zh-CN"/>
+          </a:p>
+          <a:p>
             <a:r>
               <a:rPr lang="en-US" altLang="zh-CN" sz="2400">
                 <a:sym typeface="+mn-ea"/>
               </a:rPr>
-              <a:t>np.sqrt(arr), np.exp(arr), np.modf(arr), np.fabs(arr), np.sqrt(arr), np.square(arr), np.sign(arr), np.log(arr), np.ceil(arr), np.floor(arr), np.rint(arr), np.isnan(arr), np.sin(arr), np.cos(arr), np.tan(arr)</a:t>
+              <a:t>Boolean arrays</a:t>
             </a:r>
             <a:endParaRPr lang="en-US" altLang="zh-CN" sz="2400"/>
           </a:p>
@@ -6156,29 +6133,33 @@
               <a:rPr lang="en-US" altLang="zh-CN" sz="2400">
                 <a:sym typeface="+mn-ea"/>
               </a:rPr>
-              <a:t>np.maximum(arr1, arr2), np.add(arr1, arr2), np.subtract(arr1, arr2), np.multiply(arr1, arr2), np.divide(arr1, arr2), np.power(arr1, arr2), np.minimum(arr1, arr2), np.greater(arr1, arr2), np.less(arr1, arr2)</a:t>
+              <a:t>arr.any(), arr.all()</a:t>
             </a:r>
             <a:endParaRPr lang="en-US" altLang="zh-CN" sz="2400"/>
           </a:p>
           <a:p>
+            <a:pPr lvl="0">
+              <a:buFont typeface="Wingdings" panose="05000000000000000000" pitchFamily="2" charset="2"/>
+              <a:buChar char=""/>
+            </a:pPr>
+            <a:r>
+              <a:rPr lang="en-US" altLang="zh-CN" sz="2400">
+                <a:sym typeface="+mn-ea"/>
+              </a:rPr>
+              <a:t>Set operation</a:t>
+            </a:r>
+            <a:endParaRPr lang="en-US" altLang="zh-CN" sz="2400"/>
+          </a:p>
+          <a:p>
             <a:pPr lvl="1">
               <a:buFont typeface="Wingdings" panose="05000000000000000000" pitchFamily="2" charset="2"/>
               <a:buChar char=""/>
             </a:pPr>
             <a:r>
-              <a:rPr lang="en-US" altLang="zh-CN" sz="2000"/>
-              <a:t>np.isin(x, list)</a:t>
-            </a:r>
-            <a:endParaRPr lang="en-US" altLang="zh-CN" sz="2000"/>
-          </a:p>
-          <a:p>
-            <a:pPr lvl="1">
-              <a:buFont typeface="Wingdings" panose="05000000000000000000" pitchFamily="2" charset="2"/>
-              <a:buChar char=""/>
-            </a:pPr>
-            <a:r>
-              <a:rPr lang="en-US" altLang="zh-CN"/>
-              <a:t>np.where(cond, x, y)</a:t>
+              <a:rPr lang="en-US" altLang="zh-CN" sz="2400">
+                <a:sym typeface="+mn-ea"/>
+              </a:rPr>
+              <a:t>arr.sort(), np.unique(arr), np.intersect1d(arr1, arr2), np.union1d(arr1, arr2),np.split(arr, separator_arr, axis)</a:t>
             </a:r>
             <a:endParaRPr lang="en-US" altLang="zh-CN"/>
           </a:p>
@@ -6218,7 +6199,7 @@
           <a:p>
             <a:r>
               <a:rPr lang="en-US" altLang="zh-CN"/>
-              <a:t>Pandas</a:t>
+              <a:t>NumPy 2/2</a:t>
             </a:r>
             <a:endParaRPr lang="en-US" altLang="zh-CN"/>
           </a:p>
@@ -6233,447 +6214,80 @@
           <p:nvPr>
             <p:ph idx="1"/>
           </p:nvPr>
-        </p:nvSpPr>
-        <p:spPr/>
-        <p:txBody>
-          <a:bodyPr>
-            <a:noAutofit/>
-          </a:bodyPr>
-          <a:p>
-            <a:r>
-              <a:rPr lang="en-US" altLang="zh-CN" sz="1400"/>
-              <a:t>Data analysis and manipulation library</a:t>
-            </a:r>
-            <a:endParaRPr lang="en-US" altLang="zh-CN" sz="1400"/>
-          </a:p>
-          <a:p>
-            <a:r>
-              <a:rPr lang="en-US" altLang="zh-CN" sz="1400"/>
-              <a:t>Data types</a:t>
-            </a:r>
-            <a:endParaRPr lang="en-US" altLang="zh-CN" sz="1400"/>
-          </a:p>
-          <a:p>
-            <a:pPr lvl="1">
-              <a:buFont typeface="Wingdings" panose="05000000000000000000" pitchFamily="2" charset="2"/>
-              <a:buChar char="l"/>
-            </a:pPr>
-            <a:r>
-              <a:rPr lang="en-US" altLang="zh-CN" sz="1200"/>
-              <a:t>pandas.Series (1D)</a:t>
-            </a:r>
-            <a:endParaRPr lang="en-US" altLang="zh-CN" sz="1200"/>
-          </a:p>
-          <a:p>
-            <a:pPr lvl="2">
-              <a:buFont typeface="Wingdings" panose="05000000000000000000" pitchFamily="2" charset="2"/>
-              <a:buChar char="l"/>
-            </a:pPr>
-            <a:r>
-              <a:rPr lang="en-US" altLang="zh-CN" sz="1020"/>
-              <a:t>unique(), value_counts(), is_in(list), isnull(), dropna(), fillna(), map(func)</a:t>
-            </a:r>
-            <a:endParaRPr lang="en-US" altLang="zh-CN" sz="1020"/>
-          </a:p>
-          <a:p>
-            <a:pPr lvl="2">
-              <a:buFont typeface="Wingdings" panose="05000000000000000000" pitchFamily="2" charset="2"/>
-              <a:buChar char="l"/>
-            </a:pPr>
-            <a:r>
-              <a:rPr lang="en-US" altLang="zh-CN" sz="1020"/>
-              <a:t>plot()</a:t>
-            </a:r>
-            <a:endParaRPr lang="en-US" altLang="zh-CN" sz="1020"/>
-          </a:p>
-          <a:p>
-            <a:pPr lvl="1">
-              <a:buFont typeface="Wingdings" panose="05000000000000000000" pitchFamily="2" charset="2"/>
-              <a:buChar char="l"/>
-            </a:pPr>
-            <a:r>
-              <a:rPr lang="en-US" altLang="zh-CN" sz="1200"/>
-              <a:t>pandas.DataFrame (2D)</a:t>
-            </a:r>
-            <a:endParaRPr lang="en-US" altLang="zh-CN" sz="1200"/>
-          </a:p>
-          <a:p>
-            <a:pPr lvl="2">
-              <a:buFont typeface="Wingdings" panose="05000000000000000000" pitchFamily="2" charset="2"/>
-              <a:buChar char="Ø"/>
-            </a:pPr>
-            <a:r>
-              <a:rPr lang="en-US" altLang="zh-CN" sz="1020"/>
-              <a:t>read_csv('a.csv', index_col=''), read_table('a.csv', sep=''), read_excel(), to_csv('a.csv')</a:t>
-            </a:r>
-            <a:endParaRPr lang="en-US" altLang="zh-CN" sz="1020"/>
-          </a:p>
-          <a:p>
-            <a:pPr lvl="2">
-              <a:buFont typeface="Wingdings" panose="05000000000000000000" pitchFamily="2" charset="2"/>
-              <a:buChar char="Ø"/>
-            </a:pPr>
-            <a:r>
-              <a:rPr lang="en-US" altLang="zh-CN" sz="1020"/>
-              <a:t>ExcelFile('a.xls') (xlrd/openpyxl), parse('sheetName')</a:t>
-            </a:r>
-            <a:endParaRPr lang="en-US" altLang="zh-CN" sz="1020"/>
-          </a:p>
-          <a:p>
-            <a:pPr lvl="2">
-              <a:buFont typeface="Wingdings" panose="05000000000000000000" pitchFamily="2" charset="2"/>
-              <a:buChar char="Ø"/>
-            </a:pPr>
-            <a:r>
-              <a:rPr lang="en-US" altLang="zh-CN" sz="1020"/>
-              <a:t>df.sum()/mean()/describe()/head()/drop_duplicates()/apply()/applymap()/astype()</a:t>
-            </a:r>
-            <a:endParaRPr lang="en-US" altLang="zh-CN" sz="1020"/>
-          </a:p>
-          <a:p>
-            <a:pPr lvl="2">
-              <a:buFont typeface="Wingdings" panose="05000000000000000000" pitchFamily="2" charset="2"/>
-              <a:buChar char="Ø"/>
-            </a:pPr>
-            <a:r>
-              <a:rPr lang="en-US" altLang="zh-CN" sz="1020"/>
-              <a:t>index, columns, loc(), iloc(), ix(), groupby('column').mean(), corr(), cov(), drop('columnName'), dropna(axis=, subset=)</a:t>
-            </a:r>
-            <a:endParaRPr lang="en-US" altLang="zh-CN" sz="1020"/>
-          </a:p>
-          <a:p>
-            <a:pPr lvl="2">
-              <a:buFont typeface="Wingdings" panose="05000000000000000000" pitchFamily="2" charset="2"/>
-              <a:buChar char="Ø"/>
-            </a:pPr>
-            <a:r>
-              <a:rPr lang="en-US" altLang="zh-CN" sz="1020"/>
-              <a:t>Can  be looked on as dictionary</a:t>
-            </a:r>
-            <a:endParaRPr lang="en-US" altLang="zh-CN" sz="1020"/>
-          </a:p>
-          <a:p>
-            <a:pPr lvl="2">
-              <a:buFont typeface="Wingdings" panose="05000000000000000000" pitchFamily="2" charset="2"/>
-              <a:buChar char="Ø"/>
-            </a:pPr>
-            <a:r>
-              <a:rPr lang="en-US" altLang="zh-CN" sz="1020"/>
-              <a:t>df.iloc[row_no]</a:t>
-            </a:r>
-            <a:endParaRPr lang="en-US" altLang="zh-CN" sz="1020"/>
-          </a:p>
-          <a:p>
-            <a:pPr lvl="1">
-              <a:buFont typeface="Wingdings" panose="05000000000000000000" pitchFamily="2" charset="2"/>
-              <a:buChar char="l"/>
-            </a:pPr>
-            <a:r>
-              <a:rPr lang="en-US" altLang="zh-CN" sz="1200"/>
-              <a:t>pandas.Panel</a:t>
-            </a:r>
-            <a:endParaRPr lang="en-US" altLang="zh-CN" sz="1200"/>
-          </a:p>
-          <a:p>
-            <a:pPr lvl="1">
-              <a:buFont typeface="Wingdings" panose="05000000000000000000" pitchFamily="2" charset="2"/>
-              <a:buChar char="l"/>
-            </a:pPr>
-            <a:r>
-              <a:rPr lang="en-US" altLang="zh-CN" sz="1200"/>
-              <a:t>pandas.Panel4D</a:t>
-            </a:r>
-            <a:endParaRPr lang="en-US" altLang="zh-CN" sz="1200"/>
-          </a:p>
-          <a:p>
-            <a:pPr lvl="0">
-              <a:buFont typeface="Wingdings" panose="05000000000000000000" pitchFamily="2" charset="2"/>
-              <a:buChar char="l"/>
-            </a:pPr>
-            <a:r>
-              <a:rPr lang="en-US" altLang="zh-CN" sz="1400"/>
-              <a:t>DB</a:t>
-            </a:r>
-            <a:endParaRPr lang="en-US" altLang="zh-CN" sz="1400"/>
-          </a:p>
-          <a:p>
-            <a:pPr lvl="1">
-              <a:buFont typeface="Wingdings" panose="05000000000000000000" pitchFamily="2" charset="2"/>
-              <a:buChar char="l"/>
-            </a:pPr>
-            <a:r>
-              <a:rPr lang="en-US" altLang="zh-CN" sz="1200"/>
-              <a:t>read_sql('sql_str', con=dbconn)</a:t>
-            </a:r>
-            <a:endParaRPr lang="en-US" altLang="zh-CN" sz="1200"/>
-          </a:p>
-          <a:p>
-            <a:pPr lvl="1">
-              <a:buFont typeface="Wingdings" panose="05000000000000000000" pitchFamily="2" charset="2"/>
-              <a:buChar char="l"/>
-            </a:pPr>
-            <a:r>
-              <a:rPr lang="en-US" altLang="zh-CN" sz="1200"/>
-              <a:t>read_sql_table()</a:t>
-            </a:r>
-            <a:endParaRPr lang="en-US" altLang="zh-CN" sz="1200"/>
-          </a:p>
-          <a:p>
-            <a:pPr lvl="1">
-              <a:buFont typeface="Wingdings" panose="05000000000000000000" pitchFamily="2" charset="2"/>
-              <a:buChar char="l"/>
-            </a:pPr>
-            <a:r>
-              <a:rPr lang="en-US" altLang="zh-CN" sz="1200"/>
-              <a:t>read_sql_query()</a:t>
-            </a:r>
-            <a:endParaRPr lang="en-US" altLang="zh-CN" sz="1200"/>
-          </a:p>
-          <a:p>
-            <a:pPr lvl="0">
-              <a:buFont typeface="Wingdings" panose="05000000000000000000" pitchFamily="2" charset="2"/>
-              <a:buChar char="l"/>
-            </a:pPr>
-            <a:r>
-              <a:rPr lang="en-US" altLang="zh-CN" sz="1400"/>
-              <a:t>Datetime</a:t>
-            </a:r>
-            <a:endParaRPr lang="en-US" altLang="zh-CN" sz="1400"/>
-          </a:p>
-          <a:p>
-            <a:pPr lvl="1">
-              <a:buFont typeface="Wingdings" panose="05000000000000000000" pitchFamily="2" charset="2"/>
-              <a:buChar char="l"/>
-            </a:pPr>
-            <a:r>
-              <a:rPr lang="en-US" altLang="zh-CN" sz="1200"/>
-              <a:t>to_datetime(df)</a:t>
-            </a:r>
-            <a:endParaRPr lang="en-US" altLang="zh-CN" sz="1200"/>
-          </a:p>
-        </p:txBody>
-      </p:sp>
-      <p:sp>
-        <p:nvSpPr>
-          <p:cNvPr id="4" name="文本框 3"/>
-          <p:cNvSpPr txBox="1"/>
-          <p:nvPr/>
         </p:nvSpPr>
         <p:spPr>
           <a:xfrm>
-            <a:off x="7687945" y="1630680"/>
-            <a:ext cx="3837305" cy="3725545"/>
+            <a:off x="651510" y="1024710"/>
+            <a:ext cx="10858500" cy="5084543"/>
           </a:xfrm>
-          <a:prstGeom prst="rect">
-            <a:avLst/>
-          </a:prstGeom>
-          <a:noFill/>
         </p:spPr>
         <p:txBody>
-          <a:bodyPr wrap="square" rtlCol="0">
-            <a:spAutoFit/>
+          <a:bodyPr>
+            <a:normAutofit fontScale="90000"/>
           </a:bodyPr>
           <a:p>
-            <a:pPr>
-              <a:lnSpc>
-                <a:spcPct val="130000"/>
-              </a:lnSpc>
-            </a:pPr>
-            <a:r>
-              <a:rPr lang="en-US" altLang="zh-CN" sz="1400" dirty="0" smtClean="0">
-                <a:latin typeface="Arial" panose="020B0604020202020204" pitchFamily="34" charset="0"/>
-                <a:ea typeface="微软雅黑" panose="020B0503020204020204" charset="-122"/>
+            <a:endParaRPr lang="en-US" altLang="zh-CN"/>
+          </a:p>
+          <a:p>
+            <a:pPr lvl="0">
+              <a:buFont typeface="Wingdings" panose="05000000000000000000" pitchFamily="2" charset="2"/>
+              <a:buChar char=""/>
+            </a:pPr>
+            <a:r>
+              <a:rPr lang="en-US" altLang="zh-CN" sz="2880">
+                <a:sym typeface="+mn-ea"/>
               </a:rPr>
-              <a:t>import pandas as pd</a:t>
-            </a:r>
-            <a:endParaRPr lang="en-US" altLang="zh-CN" sz="1400" dirty="0" smtClean="0">
-              <a:latin typeface="Arial" panose="020B0604020202020204" pitchFamily="34" charset="0"/>
-              <a:ea typeface="微软雅黑" panose="020B0503020204020204" charset="-122"/>
-            </a:endParaRPr>
-          </a:p>
-          <a:p>
-            <a:pPr>
-              <a:lnSpc>
-                <a:spcPct val="130000"/>
-              </a:lnSpc>
-            </a:pPr>
-            <a:endParaRPr lang="en-US" altLang="zh-CN" sz="1400" dirty="0" smtClean="0">
-              <a:latin typeface="Arial" panose="020B0604020202020204" pitchFamily="34" charset="0"/>
-              <a:ea typeface="微软雅黑" panose="020B0503020204020204" charset="-122"/>
-            </a:endParaRPr>
-          </a:p>
-          <a:p>
-            <a:pPr>
-              <a:lnSpc>
-                <a:spcPct val="130000"/>
-              </a:lnSpc>
-            </a:pPr>
-            <a:r>
-              <a:rPr lang="en-US" altLang="zh-CN" sz="1400" dirty="0" smtClean="0">
-                <a:latin typeface="Arial" panose="020B0604020202020204" pitchFamily="34" charset="0"/>
-                <a:ea typeface="微软雅黑" panose="020B0503020204020204" charset="-122"/>
+              <a:t>Element-wise array functions</a:t>
+            </a:r>
+            <a:endParaRPr lang="en-US" altLang="zh-CN" sz="2880"/>
+          </a:p>
+          <a:p>
+            <a:pPr lvl="1">
+              <a:buFont typeface="Wingdings" panose="05000000000000000000" pitchFamily="2" charset="2"/>
+              <a:buChar char=""/>
+            </a:pPr>
+            <a:r>
+              <a:rPr lang="en-US" altLang="zh-CN" sz="2400">
+                <a:sym typeface="+mn-ea"/>
               </a:rPr>
-              <a:t>counts = pd.Series(['a', 'b', 'c'])</a:t>
-            </a:r>
-            <a:endParaRPr lang="en-US" altLang="zh-CN" sz="1400" dirty="0" smtClean="0">
-              <a:latin typeface="Arial" panose="020B0604020202020204" pitchFamily="34" charset="0"/>
-              <a:ea typeface="微软雅黑" panose="020B0503020204020204" charset="-122"/>
-            </a:endParaRPr>
-          </a:p>
-          <a:p>
-            <a:pPr>
-              <a:lnSpc>
-                <a:spcPct val="130000"/>
-              </a:lnSpc>
-            </a:pPr>
-            <a:r>
-              <a:rPr lang="en-US" altLang="zh-CN" sz="1400" dirty="0" smtClean="0">
-                <a:latin typeface="Arial" panose="020B0604020202020204" pitchFamily="34" charset="0"/>
-                <a:ea typeface="微软雅黑" panose="020B0503020204020204" charset="-122"/>
+              <a:t>np.sqrt(arr), np.exp(arr), np.modf(arr), np.fabs(arr), np.sqrt(arr), np.square(arr), np.sign(arr), np.log(arr), np.ceil(arr), np.floor(arr), np.rint(arr), np.isnan(arr), np.sin(arr), np.cos(arr), np.tan(arr)</a:t>
+            </a:r>
+            <a:endParaRPr lang="en-US" altLang="zh-CN" sz="2400"/>
+          </a:p>
+          <a:p>
+            <a:pPr lvl="1">
+              <a:buFont typeface="Wingdings" panose="05000000000000000000" pitchFamily="2" charset="2"/>
+              <a:buChar char=""/>
+            </a:pPr>
+            <a:r>
+              <a:rPr lang="en-US" altLang="zh-CN" sz="2400">
+                <a:sym typeface="+mn-ea"/>
               </a:rPr>
-              <a:t>counts</a:t>
-            </a:r>
-            <a:endParaRPr lang="en-US" altLang="zh-CN" sz="1400" dirty="0" smtClean="0">
-              <a:latin typeface="Arial" panose="020B0604020202020204" pitchFamily="34" charset="0"/>
-              <a:ea typeface="微软雅黑" panose="020B0503020204020204" charset="-122"/>
-            </a:endParaRPr>
-          </a:p>
-          <a:p>
-            <a:pPr>
-              <a:lnSpc>
-                <a:spcPct val="130000"/>
-              </a:lnSpc>
-            </a:pPr>
-            <a:r>
-              <a:rPr lang="en-US" altLang="zh-CN" sz="1400" dirty="0" smtClean="0">
-                <a:latin typeface="Arial" panose="020B0604020202020204" pitchFamily="34" charset="0"/>
-                <a:ea typeface="微软雅黑" panose="020B0503020204020204" charset="-122"/>
-              </a:rPr>
-              <a:t>counts.index</a:t>
-            </a:r>
-            <a:endParaRPr lang="en-US" altLang="zh-CN" sz="1400" dirty="0" smtClean="0">
-              <a:latin typeface="Arial" panose="020B0604020202020204" pitchFamily="34" charset="0"/>
-              <a:ea typeface="微软雅黑" panose="020B0503020204020204" charset="-122"/>
-            </a:endParaRPr>
-          </a:p>
-          <a:p>
-            <a:pPr>
-              <a:lnSpc>
-                <a:spcPct val="130000"/>
-              </a:lnSpc>
-            </a:pPr>
-            <a:r>
-              <a:rPr lang="en-US" altLang="zh-CN" sz="1400" dirty="0" smtClean="0">
-                <a:latin typeface="Arial" panose="020B0604020202020204" pitchFamily="34" charset="0"/>
-                <a:ea typeface="微软雅黑" panose="020B0503020204020204" charset="-122"/>
-              </a:rPr>
-              <a:t>counts.values</a:t>
-            </a:r>
-            <a:endParaRPr lang="en-US" altLang="zh-CN" sz="1400" dirty="0" smtClean="0">
-              <a:latin typeface="Arial" panose="020B0604020202020204" pitchFamily="34" charset="0"/>
-              <a:ea typeface="微软雅黑" panose="020B0503020204020204" charset="-122"/>
-            </a:endParaRPr>
-          </a:p>
-          <a:p>
-            <a:pPr>
-              <a:lnSpc>
-                <a:spcPct val="130000"/>
-              </a:lnSpc>
-            </a:pPr>
-            <a:endParaRPr lang="en-US" altLang="zh-CN" sz="1400" dirty="0" smtClean="0">
-              <a:latin typeface="Arial" panose="020B0604020202020204" pitchFamily="34" charset="0"/>
-              <a:ea typeface="微软雅黑" panose="020B0503020204020204" charset="-122"/>
-            </a:endParaRPr>
-          </a:p>
-          <a:p>
-            <a:pPr>
-              <a:lnSpc>
-                <a:spcPct val="130000"/>
-              </a:lnSpc>
-            </a:pPr>
-            <a:r>
-              <a:rPr lang="en-US" altLang="zh-CN" sz="1400" dirty="0" smtClean="0">
-                <a:latin typeface="Arial" panose="020B0604020202020204" pitchFamily="34" charset="0"/>
-                <a:ea typeface="微软雅黑" panose="020B0503020204020204" charset="-122"/>
-              </a:rPr>
-              <a:t>data = pd.DataFrame({'column1': [1, 2, 3], 'column2': [1, 2, 3]})</a:t>
-            </a:r>
-            <a:endParaRPr lang="en-US" altLang="zh-CN" sz="1400" dirty="0" smtClean="0">
-              <a:latin typeface="Arial" panose="020B0604020202020204" pitchFamily="34" charset="0"/>
-              <a:ea typeface="微软雅黑" panose="020B0503020204020204" charset="-122"/>
-            </a:endParaRPr>
-          </a:p>
-          <a:p>
-            <a:pPr>
-              <a:lnSpc>
-                <a:spcPct val="130000"/>
-              </a:lnSpc>
-            </a:pPr>
-            <a:r>
-              <a:rPr lang="en-US" altLang="zh-CN" sz="1400" dirty="0" smtClean="0">
-                <a:latin typeface="Arial" panose="020B0604020202020204" pitchFamily="34" charset="0"/>
-                <a:ea typeface="微软雅黑" panose="020B0503020204020204" charset="-122"/>
-              </a:rPr>
-              <a:t>data</a:t>
-            </a:r>
-            <a:endParaRPr lang="en-US" altLang="zh-CN" sz="1400" dirty="0" smtClean="0">
-              <a:latin typeface="Arial" panose="020B0604020202020204" pitchFamily="34" charset="0"/>
-              <a:ea typeface="微软雅黑" panose="020B0503020204020204" charset="-122"/>
-            </a:endParaRPr>
-          </a:p>
-          <a:p>
-            <a:pPr>
-              <a:lnSpc>
-                <a:spcPct val="130000"/>
-              </a:lnSpc>
-            </a:pPr>
-            <a:r>
-              <a:rPr lang="en-US" altLang="zh-CN" sz="1400" dirty="0" smtClean="0">
-                <a:latin typeface="Arial" panose="020B0604020202020204" pitchFamily="34" charset="0"/>
-                <a:ea typeface="微软雅黑" panose="020B0503020204020204" charset="-122"/>
-              </a:rPr>
-              <a:t>data.values</a:t>
-            </a:r>
-            <a:endParaRPr lang="en-US" altLang="zh-CN" sz="1400" dirty="0" smtClean="0">
-              <a:latin typeface="Arial" panose="020B0604020202020204" pitchFamily="34" charset="0"/>
-              <a:ea typeface="微软雅黑" panose="020B0503020204020204" charset="-122"/>
-            </a:endParaRPr>
-          </a:p>
-          <a:p>
-            <a:pPr>
-              <a:lnSpc>
-                <a:spcPct val="130000"/>
-              </a:lnSpc>
-            </a:pPr>
-            <a:r>
-              <a:rPr lang="en-US" altLang="zh-CN" sz="1400" dirty="0" smtClean="0">
-                <a:latin typeface="Arial" panose="020B0604020202020204" pitchFamily="34" charset="0"/>
-                <a:ea typeface="微软雅黑" panose="020B0503020204020204" charset="-122"/>
-              </a:rPr>
-              <a:t>data.shape</a:t>
-            </a:r>
-            <a:endParaRPr lang="en-US" altLang="zh-CN" sz="1400" dirty="0" smtClean="0">
-              <a:latin typeface="Arial" panose="020B0604020202020204" pitchFamily="34" charset="0"/>
-              <a:ea typeface="微软雅黑" panose="020B0503020204020204" charset="-122"/>
-            </a:endParaRPr>
-          </a:p>
-          <a:p>
-            <a:pPr>
-              <a:lnSpc>
-                <a:spcPct val="130000"/>
-              </a:lnSpc>
-            </a:pPr>
-            <a:r>
-              <a:rPr lang="en-US" altLang="zh-CN" sz="1400" dirty="0" smtClean="0">
-                <a:latin typeface="Arial" panose="020B0604020202020204" pitchFamily="34" charset="0"/>
-                <a:ea typeface="微软雅黑" panose="020B0503020204020204" charset="-122"/>
-              </a:rPr>
-              <a:t>data = pd.read_csv('a.csv')</a:t>
-            </a:r>
-            <a:endParaRPr lang="en-US" altLang="zh-CN" sz="1400" dirty="0" smtClean="0">
-              <a:latin typeface="Arial" panose="020B0604020202020204" pitchFamily="34" charset="0"/>
-              <a:ea typeface="微软雅黑" panose="020B0503020204020204" charset="-122"/>
-            </a:endParaRPr>
+              <a:t>np.maximum(arr1, arr2), np.add(arr1, arr2), np.subtract(arr1, arr2), np.multiply(arr1, arr2), np.divide(arr1, arr2), np.power(arr1, arr2), np.minimum(arr1, arr2), np.greater(arr1, arr2), np.less(arr1, arr2)</a:t>
+            </a:r>
+            <a:endParaRPr lang="en-US" altLang="zh-CN" sz="2400"/>
+          </a:p>
+          <a:p>
+            <a:pPr lvl="1">
+              <a:buFont typeface="Wingdings" panose="05000000000000000000" pitchFamily="2" charset="2"/>
+              <a:buChar char=""/>
+            </a:pPr>
+            <a:r>
+              <a:rPr lang="en-US" altLang="zh-CN" sz="2000"/>
+              <a:t>np.isin(x, list)</a:t>
+            </a:r>
+            <a:endParaRPr lang="en-US" altLang="zh-CN" sz="2000"/>
+          </a:p>
+          <a:p>
+            <a:pPr lvl="1">
+              <a:buFont typeface="Wingdings" panose="05000000000000000000" pitchFamily="2" charset="2"/>
+              <a:buChar char=""/>
+            </a:pPr>
+            <a:r>
+              <a:rPr lang="en-US" altLang="zh-CN"/>
+              <a:t>np.where(cond, x, y)</a:t>
+            </a:r>
+            <a:endParaRPr lang="en-US" altLang="zh-CN"/>
           </a:p>
         </p:txBody>
       </p:sp>
@@ -6697,7 +6311,7 @@
       <p:grpSpPr/>
       <p:sp>
         <p:nvSpPr>
-          <p:cNvPr id="24578" name="标题 2"/>
+          <p:cNvPr id="2" name="标题 1"/>
           <p:cNvSpPr>
             <a:spLocks noGrp="1"/>
           </p:cNvSpPr>
@@ -6707,82 +6321,466 @@
         </p:nvSpPr>
         <p:spPr/>
         <p:txBody>
-          <a:bodyPr anchor="b">
-            <a:normAutofit/>
+          <a:bodyPr/>
+          <a:p>
+            <a:r>
+              <a:rPr lang="en-US" altLang="zh-CN"/>
+              <a:t>Pandas</a:t>
+            </a:r>
+            <a:endParaRPr lang="en-US" altLang="zh-CN"/>
+          </a:p>
+        </p:txBody>
+      </p:sp>
+      <p:sp>
+        <p:nvSpPr>
+          <p:cNvPr id="3" name="内容占位符 2"/>
+          <p:cNvSpPr>
+            <a:spLocks noGrp="1"/>
+          </p:cNvSpPr>
+          <p:nvPr>
+            <p:ph idx="1"/>
+          </p:nvPr>
+        </p:nvSpPr>
+        <p:spPr/>
+        <p:txBody>
+          <a:bodyPr>
+            <a:noAutofit/>
           </a:bodyPr>
           <a:p>
             <a:r>
-              <a:rPr lang="en-US" altLang="zh-CN" smtClean="0"/>
-              <a:t>SciPy</a:t>
-            </a:r>
-            <a:endParaRPr lang="en-US" altLang="zh-CN" smtClean="0"/>
-          </a:p>
-        </p:txBody>
-      </p:sp>
-      <p:sp>
-        <p:nvSpPr>
-          <p:cNvPr id="4" name="内容占位符 3"/>
-          <p:cNvSpPr>
-            <a:spLocks noGrp="1"/>
-          </p:cNvSpPr>
-          <p:nvPr>
-            <p:ph idx="1"/>
-          </p:nvPr>
-        </p:nvSpPr>
-        <p:spPr/>
-        <p:txBody>
-          <a:bodyPr>
-            <a:normAutofit/>
+              <a:rPr lang="en-US" altLang="zh-CN" sz="1400"/>
+              <a:t>Data analysis and manipulation library</a:t>
+            </a:r>
+            <a:endParaRPr lang="en-US" altLang="zh-CN" sz="1400"/>
+          </a:p>
+          <a:p>
+            <a:r>
+              <a:rPr lang="en-US" altLang="zh-CN" sz="1400"/>
+              <a:t>Data types</a:t>
+            </a:r>
+            <a:endParaRPr lang="en-US" altLang="zh-CN" sz="1400"/>
+          </a:p>
+          <a:p>
+            <a:pPr lvl="1">
+              <a:buFont typeface="Wingdings" panose="05000000000000000000" pitchFamily="2" charset="2"/>
+              <a:buChar char="l"/>
+            </a:pPr>
+            <a:r>
+              <a:rPr lang="en-US" altLang="zh-CN" sz="1200"/>
+              <a:t>pandas.Series (1D)</a:t>
+            </a:r>
+            <a:endParaRPr lang="en-US" altLang="zh-CN" sz="1200"/>
+          </a:p>
+          <a:p>
+            <a:pPr lvl="2">
+              <a:buFont typeface="Wingdings" panose="05000000000000000000" pitchFamily="2" charset="2"/>
+              <a:buChar char="l"/>
+            </a:pPr>
+            <a:r>
+              <a:rPr lang="en-US" altLang="zh-CN" sz="1020"/>
+              <a:t>unique(), value_counts(), is_in(list), isnull(), dropna(), fillna(), map(func)</a:t>
+            </a:r>
+            <a:endParaRPr lang="en-US" altLang="zh-CN" sz="1020"/>
+          </a:p>
+          <a:p>
+            <a:pPr lvl="2">
+              <a:buFont typeface="Wingdings" panose="05000000000000000000" pitchFamily="2" charset="2"/>
+              <a:buChar char="l"/>
+            </a:pPr>
+            <a:r>
+              <a:rPr lang="en-US" altLang="zh-CN" sz="1020"/>
+              <a:t>plot()</a:t>
+            </a:r>
+            <a:endParaRPr lang="en-US" altLang="zh-CN" sz="1020"/>
+          </a:p>
+          <a:p>
+            <a:pPr lvl="1">
+              <a:buFont typeface="Wingdings" panose="05000000000000000000" pitchFamily="2" charset="2"/>
+              <a:buChar char="l"/>
+            </a:pPr>
+            <a:r>
+              <a:rPr lang="en-US" altLang="zh-CN" sz="1200"/>
+              <a:t>pandas.DataFrame (2D)</a:t>
+            </a:r>
+            <a:endParaRPr lang="en-US" altLang="zh-CN" sz="1200"/>
+          </a:p>
+          <a:p>
+            <a:pPr lvl="2">
+              <a:buFont typeface="Wingdings" panose="05000000000000000000" pitchFamily="2" charset="2"/>
+              <a:buChar char="Ø"/>
+            </a:pPr>
+            <a:r>
+              <a:rPr lang="en-US" altLang="zh-CN" sz="1020"/>
+              <a:t>read_csv('a.csv', index_col=''), read_table('a.csv', sep=''), read_excel(), to_csv('a.csv')</a:t>
+            </a:r>
+            <a:endParaRPr lang="en-US" altLang="zh-CN" sz="1020"/>
+          </a:p>
+          <a:p>
+            <a:pPr lvl="2">
+              <a:buFont typeface="Wingdings" panose="05000000000000000000" pitchFamily="2" charset="2"/>
+              <a:buChar char="Ø"/>
+            </a:pPr>
+            <a:r>
+              <a:rPr lang="en-US" altLang="zh-CN" sz="1020"/>
+              <a:t>ExcelFile('a.xls') (xlrd/openpyxl), parse('sheetName')</a:t>
+            </a:r>
+            <a:endParaRPr lang="en-US" altLang="zh-CN" sz="1020"/>
+          </a:p>
+          <a:p>
+            <a:pPr lvl="2">
+              <a:buFont typeface="Wingdings" panose="05000000000000000000" pitchFamily="2" charset="2"/>
+              <a:buChar char="Ø"/>
+            </a:pPr>
+            <a:r>
+              <a:rPr lang="en-US" altLang="zh-CN" sz="1020"/>
+              <a:t>df.sum()/mean()/describe()/head()/drop_duplicates()/apply()/applymap()/astype()</a:t>
+            </a:r>
+            <a:endParaRPr lang="en-US" altLang="zh-CN" sz="1020"/>
+          </a:p>
+          <a:p>
+            <a:pPr lvl="2">
+              <a:buFont typeface="Wingdings" panose="05000000000000000000" pitchFamily="2" charset="2"/>
+              <a:buChar char="Ø"/>
+            </a:pPr>
+            <a:r>
+              <a:rPr lang="en-US" altLang="zh-CN" sz="1020"/>
+              <a:t>index, columns, loc(), iloc(), ix(), groupby('column').mean(), corr(), cov(), drop('columnName'), dropna(axis=, subset=)</a:t>
+            </a:r>
+            <a:endParaRPr lang="en-US" altLang="zh-CN" sz="1020"/>
+          </a:p>
+          <a:p>
+            <a:pPr lvl="2">
+              <a:buFont typeface="Wingdings" panose="05000000000000000000" pitchFamily="2" charset="2"/>
+              <a:buChar char="Ø"/>
+            </a:pPr>
+            <a:r>
+              <a:rPr lang="en-US" altLang="zh-CN" sz="1020"/>
+              <a:t>Can  be looked on as dictionary</a:t>
+            </a:r>
+            <a:endParaRPr lang="en-US" altLang="zh-CN" sz="1020"/>
+          </a:p>
+          <a:p>
+            <a:pPr lvl="2">
+              <a:buFont typeface="Wingdings" panose="05000000000000000000" pitchFamily="2" charset="2"/>
+              <a:buChar char="Ø"/>
+            </a:pPr>
+            <a:r>
+              <a:rPr lang="en-US" altLang="zh-CN" sz="1020"/>
+              <a:t>df.iloc[row_no]</a:t>
+            </a:r>
+            <a:endParaRPr lang="en-US" altLang="zh-CN" sz="1020"/>
+          </a:p>
+          <a:p>
+            <a:pPr lvl="1">
+              <a:buFont typeface="Wingdings" panose="05000000000000000000" pitchFamily="2" charset="2"/>
+              <a:buChar char="l"/>
+            </a:pPr>
+            <a:r>
+              <a:rPr lang="en-US" altLang="zh-CN" sz="1200"/>
+              <a:t>pandas.Panel</a:t>
+            </a:r>
+            <a:endParaRPr lang="en-US" altLang="zh-CN" sz="1200"/>
+          </a:p>
+          <a:p>
+            <a:pPr lvl="1">
+              <a:buFont typeface="Wingdings" panose="05000000000000000000" pitchFamily="2" charset="2"/>
+              <a:buChar char="l"/>
+            </a:pPr>
+            <a:r>
+              <a:rPr lang="en-US" altLang="zh-CN" sz="1200"/>
+              <a:t>pandas.Panel4D</a:t>
+            </a:r>
+            <a:endParaRPr lang="en-US" altLang="zh-CN" sz="1200"/>
+          </a:p>
+          <a:p>
+            <a:pPr lvl="0">
+              <a:buFont typeface="Wingdings" panose="05000000000000000000" pitchFamily="2" charset="2"/>
+              <a:buChar char="l"/>
+            </a:pPr>
+            <a:r>
+              <a:rPr lang="en-US" altLang="zh-CN" sz="1400"/>
+              <a:t>DB</a:t>
+            </a:r>
+            <a:endParaRPr lang="en-US" altLang="zh-CN" sz="1400"/>
+          </a:p>
+          <a:p>
+            <a:pPr lvl="1">
+              <a:buFont typeface="Wingdings" panose="05000000000000000000" pitchFamily="2" charset="2"/>
+              <a:buChar char="l"/>
+            </a:pPr>
+            <a:r>
+              <a:rPr lang="en-US" altLang="zh-CN" sz="1200"/>
+              <a:t>read_sql('sql_str', con=dbconn)</a:t>
+            </a:r>
+            <a:endParaRPr lang="en-US" altLang="zh-CN" sz="1200"/>
+          </a:p>
+          <a:p>
+            <a:pPr lvl="1">
+              <a:buFont typeface="Wingdings" panose="05000000000000000000" pitchFamily="2" charset="2"/>
+              <a:buChar char="l"/>
+            </a:pPr>
+            <a:r>
+              <a:rPr lang="en-US" altLang="zh-CN" sz="1200"/>
+              <a:t>read_sql_table()</a:t>
+            </a:r>
+            <a:endParaRPr lang="en-US" altLang="zh-CN" sz="1200"/>
+          </a:p>
+          <a:p>
+            <a:pPr lvl="1">
+              <a:buFont typeface="Wingdings" panose="05000000000000000000" pitchFamily="2" charset="2"/>
+              <a:buChar char="l"/>
+            </a:pPr>
+            <a:r>
+              <a:rPr lang="en-US" altLang="zh-CN" sz="1200"/>
+              <a:t>read_sql_query()</a:t>
+            </a:r>
+            <a:endParaRPr lang="en-US" altLang="zh-CN" sz="1200"/>
+          </a:p>
+          <a:p>
+            <a:pPr lvl="0">
+              <a:buFont typeface="Wingdings" panose="05000000000000000000" pitchFamily="2" charset="2"/>
+              <a:buChar char="l"/>
+            </a:pPr>
+            <a:r>
+              <a:rPr lang="en-US" altLang="zh-CN" sz="1400"/>
+              <a:t>Datetime</a:t>
+            </a:r>
+            <a:endParaRPr lang="en-US" altLang="zh-CN" sz="1400"/>
+          </a:p>
+          <a:p>
+            <a:pPr lvl="1">
+              <a:buFont typeface="Wingdings" panose="05000000000000000000" pitchFamily="2" charset="2"/>
+              <a:buChar char="l"/>
+            </a:pPr>
+            <a:r>
+              <a:rPr lang="en-US" altLang="zh-CN" sz="1200"/>
+              <a:t>to_datetime(df)</a:t>
+            </a:r>
+            <a:endParaRPr lang="en-US" altLang="zh-CN" sz="1200"/>
+          </a:p>
+        </p:txBody>
+      </p:sp>
+      <p:sp>
+        <p:nvSpPr>
+          <p:cNvPr id="4" name="文本框 3"/>
+          <p:cNvSpPr txBox="1"/>
+          <p:nvPr/>
+        </p:nvSpPr>
+        <p:spPr>
+          <a:xfrm>
+            <a:off x="7687945" y="1630680"/>
+            <a:ext cx="3837305" cy="3725545"/>
+          </a:xfrm>
+          <a:prstGeom prst="rect">
+            <a:avLst/>
+          </a:prstGeom>
+          <a:noFill/>
+        </p:spPr>
+        <p:txBody>
+          <a:bodyPr wrap="square" rtlCol="0">
+            <a:spAutoFit/>
           </a:bodyPr>
           <a:p>
-            <a:pPr marL="357505" indent="-357505" algn="l">
+            <a:pPr>
               <a:lnSpc>
-                <a:spcPct val="200000"/>
+                <a:spcPct val="130000"/>
               </a:lnSpc>
-              <a:buClr>
-                <a:schemeClr val="accent1"/>
-              </a:buClr>
-              <a:buSzTx/>
-              <a:buFont typeface="Wingdings" panose="05000000000000000000" pitchFamily="2" charset="2"/>
-              <a:buChar char=""/>
-            </a:pPr>
-            <a:r>
-              <a:rPr lang="en-US" altLang="zh-CN" smtClean="0"/>
-              <a:t>Scientific library</a:t>
-            </a:r>
-            <a:endParaRPr lang="en-US" altLang="zh-CN" smtClean="0"/>
-          </a:p>
-          <a:p>
-            <a:pPr marL="357505" indent="-357505" algn="l">
+            </a:pPr>
+            <a:r>
+              <a:rPr lang="en-US" altLang="zh-CN" sz="1400" dirty="0" smtClean="0">
+                <a:latin typeface="Arial" panose="020B0604020202020204" pitchFamily="34" charset="0"/>
+                <a:ea typeface="微软雅黑" panose="020B0503020204020204" charset="-122"/>
+              </a:rPr>
+              <a:t>import pandas as pd</a:t>
+            </a:r>
+            <a:endParaRPr lang="en-US" altLang="zh-CN" sz="1400" dirty="0" smtClean="0">
+              <a:latin typeface="Arial" panose="020B0604020202020204" pitchFamily="34" charset="0"/>
+              <a:ea typeface="微软雅黑" panose="020B0503020204020204" charset="-122"/>
+            </a:endParaRPr>
+          </a:p>
+          <a:p>
+            <a:pPr>
               <a:lnSpc>
-                <a:spcPct val="200000"/>
+                <a:spcPct val="130000"/>
               </a:lnSpc>
-              <a:buClr>
-                <a:schemeClr val="accent1"/>
-              </a:buClr>
-              <a:buSzTx/>
-              <a:buFont typeface="Wingdings" panose="05000000000000000000" pitchFamily="2" charset="2"/>
-              <a:buChar char=""/>
-            </a:pPr>
-            <a:r>
-              <a:rPr lang="en-US" altLang="zh-CN" smtClean="0"/>
-              <a:t>Sub packages</a:t>
-            </a:r>
-            <a:endParaRPr lang="en-US" altLang="zh-CN" smtClean="0"/>
-          </a:p>
-          <a:p>
-            <a:pPr lvl="1" algn="l">
+            </a:pPr>
+            <a:endParaRPr lang="en-US" altLang="zh-CN" sz="1400" dirty="0" smtClean="0">
+              <a:latin typeface="Arial" panose="020B0604020202020204" pitchFamily="34" charset="0"/>
+              <a:ea typeface="微软雅黑" panose="020B0503020204020204" charset="-122"/>
+            </a:endParaRPr>
+          </a:p>
+          <a:p>
+            <a:pPr>
               <a:lnSpc>
-                <a:spcPct val="200000"/>
+                <a:spcPct val="130000"/>
               </a:lnSpc>
-              <a:buFont typeface="Wingdings" panose="05000000000000000000" pitchFamily="2" charset="2"/>
-              <a:buChar char=""/>
-            </a:pPr>
-            <a:r>
-              <a:rPr lang="en-US" altLang="zh-CN" smtClean="0"/>
-              <a:t>cluster, fftpack, optimize, spatial, stats</a:t>
-            </a:r>
-            <a:endParaRPr lang="en-US" altLang="zh-CN" smtClean="0"/>
+            </a:pPr>
+            <a:r>
+              <a:rPr lang="en-US" altLang="zh-CN" sz="1400" dirty="0" smtClean="0">
+                <a:latin typeface="Arial" panose="020B0604020202020204" pitchFamily="34" charset="0"/>
+                <a:ea typeface="微软雅黑" panose="020B0503020204020204" charset="-122"/>
+              </a:rPr>
+              <a:t>counts = pd.Series(['a', 'b', 'c'])</a:t>
+            </a:r>
+            <a:endParaRPr lang="en-US" altLang="zh-CN" sz="1400" dirty="0" smtClean="0">
+              <a:latin typeface="Arial" panose="020B0604020202020204" pitchFamily="34" charset="0"/>
+              <a:ea typeface="微软雅黑" panose="020B0503020204020204" charset="-122"/>
+            </a:endParaRPr>
+          </a:p>
+          <a:p>
+            <a:pPr>
+              <a:lnSpc>
+                <a:spcPct val="130000"/>
+              </a:lnSpc>
+            </a:pPr>
+            <a:r>
+              <a:rPr lang="en-US" altLang="zh-CN" sz="1400" dirty="0" smtClean="0">
+                <a:latin typeface="Arial" panose="020B0604020202020204" pitchFamily="34" charset="0"/>
+                <a:ea typeface="微软雅黑" panose="020B0503020204020204" charset="-122"/>
+              </a:rPr>
+              <a:t>counts</a:t>
+            </a:r>
+            <a:endParaRPr lang="en-US" altLang="zh-CN" sz="1400" dirty="0" smtClean="0">
+              <a:latin typeface="Arial" panose="020B0604020202020204" pitchFamily="34" charset="0"/>
+              <a:ea typeface="微软雅黑" panose="020B0503020204020204" charset="-122"/>
+            </a:endParaRPr>
+          </a:p>
+          <a:p>
+            <a:pPr>
+              <a:lnSpc>
+                <a:spcPct val="130000"/>
+              </a:lnSpc>
+            </a:pPr>
+            <a:r>
+              <a:rPr lang="en-US" altLang="zh-CN" sz="1400" dirty="0" smtClean="0">
+                <a:latin typeface="Arial" panose="020B0604020202020204" pitchFamily="34" charset="0"/>
+                <a:ea typeface="微软雅黑" panose="020B0503020204020204" charset="-122"/>
+              </a:rPr>
+              <a:t>counts.index</a:t>
+            </a:r>
+            <a:endParaRPr lang="en-US" altLang="zh-CN" sz="1400" dirty="0" smtClean="0">
+              <a:latin typeface="Arial" panose="020B0604020202020204" pitchFamily="34" charset="0"/>
+              <a:ea typeface="微软雅黑" panose="020B0503020204020204" charset="-122"/>
+            </a:endParaRPr>
+          </a:p>
+          <a:p>
+            <a:pPr>
+              <a:lnSpc>
+                <a:spcPct val="130000"/>
+              </a:lnSpc>
+            </a:pPr>
+            <a:r>
+              <a:rPr lang="en-US" altLang="zh-CN" sz="1400" dirty="0" smtClean="0">
+                <a:latin typeface="Arial" panose="020B0604020202020204" pitchFamily="34" charset="0"/>
+                <a:ea typeface="微软雅黑" panose="020B0503020204020204" charset="-122"/>
+              </a:rPr>
+              <a:t>counts.values</a:t>
+            </a:r>
+            <a:endParaRPr lang="en-US" altLang="zh-CN" sz="1400" dirty="0" smtClean="0">
+              <a:latin typeface="Arial" panose="020B0604020202020204" pitchFamily="34" charset="0"/>
+              <a:ea typeface="微软雅黑" panose="020B0503020204020204" charset="-122"/>
+            </a:endParaRPr>
+          </a:p>
+          <a:p>
+            <a:pPr>
+              <a:lnSpc>
+                <a:spcPct val="130000"/>
+              </a:lnSpc>
+            </a:pPr>
+            <a:endParaRPr lang="en-US" altLang="zh-CN" sz="1400" dirty="0" smtClean="0">
+              <a:latin typeface="Arial" panose="020B0604020202020204" pitchFamily="34" charset="0"/>
+              <a:ea typeface="微软雅黑" panose="020B0503020204020204" charset="-122"/>
+            </a:endParaRPr>
+          </a:p>
+          <a:p>
+            <a:pPr>
+              <a:lnSpc>
+                <a:spcPct val="130000"/>
+              </a:lnSpc>
+            </a:pPr>
+            <a:r>
+              <a:rPr lang="en-US" altLang="zh-CN" sz="1400" dirty="0" smtClean="0">
+                <a:latin typeface="Arial" panose="020B0604020202020204" pitchFamily="34" charset="0"/>
+                <a:ea typeface="微软雅黑" panose="020B0503020204020204" charset="-122"/>
+              </a:rPr>
+              <a:t>data = pd.DataFrame({'column1': [1, 2, 3], 'column2': [1, 2, 3]})</a:t>
+            </a:r>
+            <a:endParaRPr lang="en-US" altLang="zh-CN" sz="1400" dirty="0" smtClean="0">
+              <a:latin typeface="Arial" panose="020B0604020202020204" pitchFamily="34" charset="0"/>
+              <a:ea typeface="微软雅黑" panose="020B0503020204020204" charset="-122"/>
+            </a:endParaRPr>
+          </a:p>
+          <a:p>
+            <a:pPr>
+              <a:lnSpc>
+                <a:spcPct val="130000"/>
+              </a:lnSpc>
+            </a:pPr>
+            <a:r>
+              <a:rPr lang="en-US" altLang="zh-CN" sz="1400" dirty="0" smtClean="0">
+                <a:latin typeface="Arial" panose="020B0604020202020204" pitchFamily="34" charset="0"/>
+                <a:ea typeface="微软雅黑" panose="020B0503020204020204" charset="-122"/>
+              </a:rPr>
+              <a:t>data</a:t>
+            </a:r>
+            <a:endParaRPr lang="en-US" altLang="zh-CN" sz="1400" dirty="0" smtClean="0">
+              <a:latin typeface="Arial" panose="020B0604020202020204" pitchFamily="34" charset="0"/>
+              <a:ea typeface="微软雅黑" panose="020B0503020204020204" charset="-122"/>
+            </a:endParaRPr>
+          </a:p>
+          <a:p>
+            <a:pPr>
+              <a:lnSpc>
+                <a:spcPct val="130000"/>
+              </a:lnSpc>
+            </a:pPr>
+            <a:r>
+              <a:rPr lang="en-US" altLang="zh-CN" sz="1400" dirty="0" smtClean="0">
+                <a:latin typeface="Arial" panose="020B0604020202020204" pitchFamily="34" charset="0"/>
+                <a:ea typeface="微软雅黑" panose="020B0503020204020204" charset="-122"/>
+              </a:rPr>
+              <a:t>data.values</a:t>
+            </a:r>
+            <a:endParaRPr lang="en-US" altLang="zh-CN" sz="1400" dirty="0" smtClean="0">
+              <a:latin typeface="Arial" panose="020B0604020202020204" pitchFamily="34" charset="0"/>
+              <a:ea typeface="微软雅黑" panose="020B0503020204020204" charset="-122"/>
+            </a:endParaRPr>
+          </a:p>
+          <a:p>
+            <a:pPr>
+              <a:lnSpc>
+                <a:spcPct val="130000"/>
+              </a:lnSpc>
+            </a:pPr>
+            <a:r>
+              <a:rPr lang="en-US" altLang="zh-CN" sz="1400" dirty="0" smtClean="0">
+                <a:latin typeface="Arial" panose="020B0604020202020204" pitchFamily="34" charset="0"/>
+                <a:ea typeface="微软雅黑" panose="020B0503020204020204" charset="-122"/>
+              </a:rPr>
+              <a:t>data.shape</a:t>
+            </a:r>
+            <a:endParaRPr lang="en-US" altLang="zh-CN" sz="1400" dirty="0" smtClean="0">
+              <a:latin typeface="Arial" panose="020B0604020202020204" pitchFamily="34" charset="0"/>
+              <a:ea typeface="微软雅黑" panose="020B0503020204020204" charset="-122"/>
+            </a:endParaRPr>
+          </a:p>
+          <a:p>
+            <a:pPr>
+              <a:lnSpc>
+                <a:spcPct val="130000"/>
+              </a:lnSpc>
+            </a:pPr>
+            <a:r>
+              <a:rPr lang="en-US" altLang="zh-CN" sz="1400" dirty="0" smtClean="0">
+                <a:latin typeface="Arial" panose="020B0604020202020204" pitchFamily="34" charset="0"/>
+                <a:ea typeface="微软雅黑" panose="020B0503020204020204" charset="-122"/>
+              </a:rPr>
+              <a:t>data = pd.read_csv('a.csv')</a:t>
+            </a:r>
+            <a:endParaRPr lang="en-US" altLang="zh-CN" sz="1400" dirty="0" smtClean="0">
+              <a:latin typeface="Arial" panose="020B0604020202020204" pitchFamily="34" charset="0"/>
+              <a:ea typeface="微软雅黑" panose="020B0503020204020204" charset="-122"/>
+            </a:endParaRPr>
           </a:p>
         </p:txBody>
       </p:sp>
@@ -6806,7 +6804,7 @@
       <p:grpSpPr/>
       <p:sp>
         <p:nvSpPr>
-          <p:cNvPr id="2" name="标题 1"/>
+          <p:cNvPr id="24578" name="标题 2"/>
           <p:cNvSpPr>
             <a:spLocks noGrp="1"/>
           </p:cNvSpPr>
@@ -6816,19 +6814,21 @@
         </p:nvSpPr>
         <p:spPr/>
         <p:txBody>
-          <a:bodyPr/>
-          <a:p>
-            <a:r>
-              <a:rPr lang="en-US" altLang="zh-CN"/>
-              <a:t>Matplotlib</a:t>
-            </a:r>
-            <a:endParaRPr lang="en-US" altLang="zh-CN"/>
-          </a:p>
-        </p:txBody>
-      </p:sp>
-      <p:sp>
-        <p:nvSpPr>
-          <p:cNvPr id="3" name="内容占位符 2"/>
+          <a:bodyPr anchor="b">
+            <a:normAutofit/>
+          </a:bodyPr>
+          <a:p>
+            <a:r>
+              <a:rPr lang="en-US" altLang="zh-CN" smtClean="0"/>
+              <a:t>SciPy</a:t>
+            </a:r>
+            <a:endParaRPr lang="en-US" altLang="zh-CN" smtClean="0"/>
+          </a:p>
+        </p:txBody>
+      </p:sp>
+      <p:sp>
+        <p:nvSpPr>
+          <p:cNvPr id="4" name="内容占位符 3"/>
           <p:cNvSpPr>
             <a:spLocks noGrp="1"/>
           </p:cNvSpPr>
@@ -6838,184 +6838,58 @@
         </p:nvSpPr>
         <p:spPr/>
         <p:txBody>
-          <a:bodyPr/>
-          <a:p>
-            <a:r>
-              <a:rPr lang="en-US" altLang="zh-CN" sz="1600">
-                <a:sym typeface="+mn-ea"/>
-              </a:rPr>
-              <a:t>matplotlib.use('Agg')	# when no display</a:t>
-            </a:r>
-            <a:endParaRPr lang="en-US" altLang="zh-CN" sz="1600"/>
-          </a:p>
-          <a:p>
-            <a:r>
-              <a:rPr lang="en-US" altLang="zh-CN" sz="1600"/>
-              <a:t>import matplotlib.pyplot as plt</a:t>
-            </a:r>
-            <a:endParaRPr lang="en-US" altLang="zh-CN" sz="1600"/>
-          </a:p>
-          <a:p>
-            <a:pPr lvl="1">
-              <a:buFont typeface="Wingdings" panose="05000000000000000000" pitchFamily="2" charset="2"/>
-              <a:buChar char="Ø"/>
-            </a:pPr>
-            <a:r>
-              <a:rPr lang="en-US" altLang="zh-CN" sz="1400"/>
-              <a:t>plt.title(text), </a:t>
-            </a:r>
-            <a:r>
-              <a:rPr lang="en-US" altLang="zh-CN" sz="1400">
-                <a:sym typeface="+mn-ea"/>
-              </a:rPr>
-              <a:t>plt.xlabel(), plt.ylabel(), plt.xticks(), plt.yticks(), plt.legend()</a:t>
-            </a:r>
-            <a:endParaRPr lang="en-US" altLang="zh-CN" sz="1400"/>
-          </a:p>
-          <a:p>
-            <a:pPr lvl="1">
-              <a:buFont typeface="Wingdings" panose="05000000000000000000" pitchFamily="2" charset="2"/>
-              <a:buChar char="Ø"/>
-            </a:pPr>
-            <a:r>
-              <a:rPr lang="en-US" altLang="zh-CN" sz="1400"/>
-              <a:t>plt.imshow(arr, cmap=plt.cm.gray), plt.imshow(img[..., ::-1])</a:t>
-            </a:r>
-            <a:endParaRPr lang="en-US" altLang="zh-CN" sz="1400"/>
-          </a:p>
-          <a:p>
-            <a:pPr lvl="1">
-              <a:buFont typeface="Wingdings" panose="05000000000000000000" pitchFamily="2" charset="2"/>
-              <a:buChar char="Ø"/>
-            </a:pPr>
-            <a:r>
-              <a:rPr lang="en-US" altLang="zh-CN" sz="1400"/>
-              <a:t>plt.show()</a:t>
-            </a:r>
-            <a:endParaRPr lang="en-US" altLang="zh-CN" sz="1400"/>
-          </a:p>
-          <a:p>
-            <a:pPr lvl="1">
-              <a:buFont typeface="Wingdings" panose="05000000000000000000" pitchFamily="2" charset="2"/>
-              <a:buChar char="Ø"/>
-            </a:pPr>
-            <a:r>
-              <a:rPr lang="en-US" altLang="zh-CN" sz="1400"/>
-              <a:t>plt.plot(), </a:t>
-            </a:r>
-            <a:r>
-              <a:rPr lang="en-US" altLang="zh-CN" sz="1400">
-                <a:sym typeface="+mn-ea"/>
-              </a:rPr>
-              <a:t>plt.subplot(), fig, ax = plt.subplots(), plt.clf()</a:t>
-            </a:r>
-            <a:endParaRPr lang="en-US" altLang="zh-CN" sz="1400"/>
-          </a:p>
-          <a:p>
-            <a:pPr lvl="1">
-              <a:buFont typeface="Wingdings" panose="05000000000000000000" pitchFamily="2" charset="2"/>
-              <a:buChar char="Ø"/>
-            </a:pPr>
-            <a:r>
-              <a:rPr lang="en-US" altLang="zh-CN" sz="1400"/>
-              <a:t>plt.hist(), plt.pcolor(),plt.colorbar(), plt.scatter(x, y, color)</a:t>
-            </a:r>
-            <a:endParaRPr lang="en-US" altLang="zh-CN" sz="1400"/>
-          </a:p>
-          <a:p>
-            <a:pPr lvl="1">
-              <a:buFont typeface="Wingdings" panose="05000000000000000000" pitchFamily="2" charset="2"/>
-              <a:buChar char="Ø"/>
-            </a:pPr>
-            <a:r>
-              <a:rPr lang="en-US" altLang="zh-CN" sz="1400"/>
-              <a:t>plt.axis('off')</a:t>
-            </a:r>
-            <a:endParaRPr lang="en-US" altLang="zh-CN" sz="1400"/>
-          </a:p>
-          <a:p>
-            <a:pPr lvl="1">
-              <a:buFont typeface="Wingdings" panose="05000000000000000000" pitchFamily="2" charset="2"/>
-              <a:buChar char="Ø"/>
-            </a:pPr>
-            <a:r>
-              <a:rPr lang="en-US" altLang="zh-CN" sz="1400"/>
-              <a:t>plt.savefig('a.png')</a:t>
-            </a:r>
-            <a:endParaRPr lang="en-US" altLang="zh-CN" sz="1400"/>
-          </a:p>
-          <a:p>
-            <a:pPr lvl="1">
-              <a:buFont typeface="Wingdings" panose="05000000000000000000" pitchFamily="2" charset="2"/>
-              <a:buChar char="Ø"/>
-            </a:pPr>
-            <a:r>
-              <a:rPr lang="en-US" altLang="zh-CN" sz="1400"/>
-              <a:t>plt.get_backend()</a:t>
-            </a:r>
-            <a:endParaRPr lang="en-US" altLang="zh-CN" sz="1400"/>
-          </a:p>
-          <a:p>
-            <a:r>
-              <a:rPr lang="en-US" altLang="zh-CN" sz="1600"/>
-              <a:t>Figure</a:t>
-            </a:r>
-            <a:endParaRPr lang="en-US" altLang="zh-CN" sz="1600"/>
-          </a:p>
-          <a:p>
-            <a:pPr lvl="1">
-              <a:buFont typeface="Wingdings" panose="05000000000000000000" pitchFamily="2" charset="2"/>
-              <a:buChar char="Ø"/>
-            </a:pPr>
-            <a:r>
-              <a:rPr lang="en-US" altLang="zh-CN" sz="1400"/>
-              <a:t>fig = plt.figure(figsize=(w,h))</a:t>
-            </a:r>
-            <a:endParaRPr lang="en-US" altLang="zh-CN" sz="1400"/>
-          </a:p>
-          <a:p>
-            <a:pPr lvl="1">
-              <a:buFont typeface="Wingdings" panose="05000000000000000000" pitchFamily="2" charset="2"/>
-              <a:buChar char="Ø"/>
-            </a:pPr>
-            <a:r>
-              <a:rPr lang="en-US" altLang="zh-CN" sz="1400"/>
-              <a:t>ax = fig.add_subplot()</a:t>
-            </a:r>
-            <a:endParaRPr lang="en-US" altLang="zh-CN" sz="1400"/>
-          </a:p>
-          <a:p>
-            <a:pPr lvl="1">
-              <a:buFont typeface="Wingdings" panose="05000000000000000000" pitchFamily="2" charset="2"/>
-              <a:buChar char="Ø"/>
-            </a:pPr>
-            <a:r>
-              <a:rPr lang="en-US" altLang="zh-CN" sz="1400"/>
-              <a:t>ax.matshow(matrix)</a:t>
-            </a:r>
-            <a:endParaRPr lang="en-US" altLang="zh-CN" sz="1400"/>
-          </a:p>
-          <a:p>
-            <a:pPr lvl="0">
-              <a:buFont typeface="Wingdings" panose="05000000000000000000" pitchFamily="2" charset="2"/>
-              <a:buChar char="Ø"/>
-            </a:pPr>
-            <a:r>
-              <a:rPr lang="en-US" altLang="zh-CN" sz="1600"/>
-              <a:t>Unicode support</a:t>
-            </a:r>
-            <a:endParaRPr lang="en-US" altLang="zh-CN" sz="1600"/>
-          </a:p>
-          <a:p>
-            <a:pPr lvl="1">
-              <a:buFont typeface="Wingdings" panose="05000000000000000000" pitchFamily="2" charset="2"/>
-              <a:buChar char="Ø"/>
-            </a:pPr>
-            <a:r>
-              <a:rPr lang="en-US" altLang="zh-CN" sz="1400"/>
-              <a:t>matplotlib.rcParams['font.family'] = 'SimHei'</a:t>
-            </a:r>
-            <a:endParaRPr lang="en-US" altLang="zh-CN" sz="1400"/>
+          <a:bodyPr>
+            <a:normAutofit/>
+          </a:bodyPr>
+          <a:p>
+            <a:pPr marL="357505" indent="-357505" algn="l">
+              <a:lnSpc>
+                <a:spcPct val="200000"/>
+              </a:lnSpc>
+              <a:buClr>
+                <a:schemeClr val="accent1"/>
+              </a:buClr>
+              <a:buSzTx/>
+              <a:buFont typeface="Wingdings" panose="05000000000000000000" pitchFamily="2" charset="2"/>
+              <a:buChar char=""/>
+            </a:pPr>
+            <a:r>
+              <a:rPr lang="en-US" altLang="zh-CN" smtClean="0"/>
+              <a:t>Scientific library</a:t>
+            </a:r>
+            <a:endParaRPr lang="en-US" altLang="zh-CN" smtClean="0"/>
+          </a:p>
+          <a:p>
+            <a:pPr marL="357505" indent="-357505" algn="l">
+              <a:lnSpc>
+                <a:spcPct val="200000"/>
+              </a:lnSpc>
+              <a:buClr>
+                <a:schemeClr val="accent1"/>
+              </a:buClr>
+              <a:buSzTx/>
+              <a:buFont typeface="Wingdings" panose="05000000000000000000" pitchFamily="2" charset="2"/>
+              <a:buChar char=""/>
+            </a:pPr>
+            <a:r>
+              <a:rPr lang="en-US" altLang="zh-CN" smtClean="0"/>
+              <a:t>Sub packages</a:t>
+            </a:r>
+            <a:endParaRPr lang="en-US" altLang="zh-CN" smtClean="0"/>
+          </a:p>
+          <a:p>
+            <a:pPr lvl="1" algn="l">
+              <a:lnSpc>
+                <a:spcPct val="200000"/>
+              </a:lnSpc>
+              <a:buFont typeface="Wingdings" panose="05000000000000000000" pitchFamily="2" charset="2"/>
+              <a:buChar char=""/>
+            </a:pPr>
+            <a:r>
+              <a:rPr lang="en-US" altLang="zh-CN" smtClean="0"/>
+              <a:t>cluster, fftpack, optimize, spatial, stats</a:t>
+            </a:r>
+            <a:endParaRPr lang="en-US" altLang="zh-CN" smtClean="0"/>
           </a:p>
         </p:txBody>
       </p:sp>
@@ -7039,7 +6913,7 @@
       <p:grpSpPr/>
       <p:sp>
         <p:nvSpPr>
-          <p:cNvPr id="24578" name="标题 2"/>
+          <p:cNvPr id="2" name="标题 1"/>
           <p:cNvSpPr>
             <a:spLocks noGrp="1"/>
           </p:cNvSpPr>
@@ -7049,21 +6923,19 @@
         </p:nvSpPr>
         <p:spPr/>
         <p:txBody>
-          <a:bodyPr anchor="b">
-            <a:normAutofit/>
-          </a:bodyPr>
-          <a:p>
-            <a:r>
-              <a:rPr lang="en-US" altLang="zh-CN" smtClean="0"/>
-              <a:t>Seaborn</a:t>
-            </a:r>
-            <a:endParaRPr lang="en-US" altLang="zh-CN" smtClean="0"/>
-          </a:p>
-        </p:txBody>
-      </p:sp>
-      <p:sp>
-        <p:nvSpPr>
-          <p:cNvPr id="4" name="内容占位符 3"/>
+          <a:bodyPr/>
+          <a:p>
+            <a:r>
+              <a:rPr lang="en-US" altLang="zh-CN"/>
+              <a:t>Matplotlib</a:t>
+            </a:r>
+            <a:endParaRPr lang="en-US" altLang="zh-CN"/>
+          </a:p>
+        </p:txBody>
+      </p:sp>
+      <p:sp>
+        <p:nvSpPr>
+          <p:cNvPr id="3" name="内容占位符 2"/>
           <p:cNvSpPr>
             <a:spLocks noGrp="1"/>
           </p:cNvSpPr>
@@ -7073,82 +6945,184 @@
         </p:nvSpPr>
         <p:spPr/>
         <p:txBody>
-          <a:bodyPr>
-            <a:normAutofit/>
-          </a:bodyPr>
-          <a:p>
-            <a:pPr marL="357505" indent="-357505" algn="l">
-              <a:lnSpc>
-                <a:spcPct val="200000"/>
-              </a:lnSpc>
-              <a:buClr>
-                <a:schemeClr val="accent1"/>
-              </a:buClr>
-              <a:buSzTx/>
-              <a:buFont typeface="Wingdings" panose="05000000000000000000" pitchFamily="2" charset="2"/>
-              <a:buChar char=""/>
-            </a:pPr>
-            <a:r>
-              <a:rPr lang="en-US" altLang="zh-CN" smtClean="0"/>
-              <a:t>Basic</a:t>
-            </a:r>
-            <a:endParaRPr lang="en-US" altLang="zh-CN" smtClean="0"/>
-          </a:p>
-          <a:p>
-            <a:pPr lvl="1" algn="l">
-              <a:lnSpc>
-                <a:spcPct val="200000"/>
-              </a:lnSpc>
-              <a:buFont typeface="Wingdings" panose="05000000000000000000" pitchFamily="2" charset="2"/>
-              <a:buChar char=""/>
-            </a:pPr>
-            <a:r>
-              <a:rPr lang="en-US" altLang="zh-CN" smtClean="0"/>
-              <a:t>pip install seaborn</a:t>
-            </a:r>
-            <a:endParaRPr lang="en-US" altLang="zh-CN" smtClean="0"/>
-          </a:p>
-          <a:p>
-            <a:pPr lvl="1" algn="l">
-              <a:lnSpc>
-                <a:spcPct val="200000"/>
-              </a:lnSpc>
-              <a:buFont typeface="Wingdings" panose="05000000000000000000" pitchFamily="2" charset="2"/>
-              <a:buChar char=""/>
-            </a:pPr>
-            <a:r>
-              <a:rPr lang="en-US" altLang="zh-CN" smtClean="0"/>
-              <a:t>import seaborn as sns</a:t>
-            </a:r>
-            <a:endParaRPr lang="en-US" altLang="zh-CN" smtClean="0"/>
-          </a:p>
-          <a:p>
-            <a:pPr lvl="1" algn="l">
-              <a:lnSpc>
-                <a:spcPct val="200000"/>
-              </a:lnSpc>
-              <a:buFont typeface="Wingdings" panose="05000000000000000000" pitchFamily="2" charset="2"/>
-              <a:buChar char=""/>
-            </a:pPr>
-            <a:r>
-              <a:rPr lang="en-US" altLang="zh-CN" smtClean="0"/>
-              <a:t>It's a kind of enhancement of matplotlib.</a:t>
-            </a:r>
-            <a:endParaRPr lang="en-US" altLang="zh-CN" smtClean="0"/>
-          </a:p>
-          <a:p>
-            <a:pPr lvl="1" algn="l">
-              <a:lnSpc>
-                <a:spcPct val="200000"/>
-              </a:lnSpc>
-              <a:buFont typeface="Wingdings" panose="05000000000000000000" pitchFamily="2" charset="2"/>
-              <a:buChar char=""/>
-            </a:pPr>
-            <a:r>
-              <a:rPr lang="en-US" altLang="zh-CN" smtClean="0"/>
-              <a:t>heatmap()</a:t>
-            </a:r>
-            <a:endParaRPr lang="en-US" altLang="zh-CN" smtClean="0"/>
+          <a:bodyPr/>
+          <a:p>
+            <a:r>
+              <a:rPr lang="en-US" altLang="zh-CN" sz="1600">
+                <a:sym typeface="+mn-ea"/>
+              </a:rPr>
+              <a:t>matplotlib.use('Agg')	# when no display</a:t>
+            </a:r>
+            <a:endParaRPr lang="en-US" altLang="zh-CN" sz="1600"/>
+          </a:p>
+          <a:p>
+            <a:r>
+              <a:rPr lang="en-US" altLang="zh-CN" sz="1600"/>
+              <a:t>import matplotlib.pyplot as plt</a:t>
+            </a:r>
+            <a:endParaRPr lang="en-US" altLang="zh-CN" sz="1600"/>
+          </a:p>
+          <a:p>
+            <a:pPr lvl="1">
+              <a:buFont typeface="Wingdings" panose="05000000000000000000" pitchFamily="2" charset="2"/>
+              <a:buChar char="Ø"/>
+            </a:pPr>
+            <a:r>
+              <a:rPr lang="en-US" altLang="zh-CN" sz="1400"/>
+              <a:t>plt.title(text), </a:t>
+            </a:r>
+            <a:r>
+              <a:rPr lang="en-US" altLang="zh-CN" sz="1400">
+                <a:sym typeface="+mn-ea"/>
+              </a:rPr>
+              <a:t>plt.xlabel(), plt.ylabel(), plt.xticks(), plt.yticks(), plt.legend()</a:t>
+            </a:r>
+            <a:endParaRPr lang="en-US" altLang="zh-CN" sz="1400"/>
+          </a:p>
+          <a:p>
+            <a:pPr lvl="1">
+              <a:buFont typeface="Wingdings" panose="05000000000000000000" pitchFamily="2" charset="2"/>
+              <a:buChar char="Ø"/>
+            </a:pPr>
+            <a:r>
+              <a:rPr lang="en-US" altLang="zh-CN" sz="1400"/>
+              <a:t>plt.imshow(arr, cmap=plt.cm.gray), plt.imshow(img[..., ::-1])</a:t>
+            </a:r>
+            <a:endParaRPr lang="en-US" altLang="zh-CN" sz="1400"/>
+          </a:p>
+          <a:p>
+            <a:pPr lvl="1">
+              <a:buFont typeface="Wingdings" panose="05000000000000000000" pitchFamily="2" charset="2"/>
+              <a:buChar char="Ø"/>
+            </a:pPr>
+            <a:r>
+              <a:rPr lang="en-US" altLang="zh-CN" sz="1400"/>
+              <a:t>plt.show()</a:t>
+            </a:r>
+            <a:endParaRPr lang="en-US" altLang="zh-CN" sz="1400"/>
+          </a:p>
+          <a:p>
+            <a:pPr lvl="1">
+              <a:buFont typeface="Wingdings" panose="05000000000000000000" pitchFamily="2" charset="2"/>
+              <a:buChar char="Ø"/>
+            </a:pPr>
+            <a:r>
+              <a:rPr lang="en-US" altLang="zh-CN" sz="1400"/>
+              <a:t>plt.plot(), </a:t>
+            </a:r>
+            <a:r>
+              <a:rPr lang="en-US" altLang="zh-CN" sz="1400">
+                <a:sym typeface="+mn-ea"/>
+              </a:rPr>
+              <a:t>plt.subplot(), fig, ax = plt.subplots(), plt.clf()</a:t>
+            </a:r>
+            <a:endParaRPr lang="en-US" altLang="zh-CN" sz="1400"/>
+          </a:p>
+          <a:p>
+            <a:pPr lvl="1">
+              <a:buFont typeface="Wingdings" panose="05000000000000000000" pitchFamily="2" charset="2"/>
+              <a:buChar char="Ø"/>
+            </a:pPr>
+            <a:r>
+              <a:rPr lang="en-US" altLang="zh-CN" sz="1400"/>
+              <a:t>plt.hist(), plt.pcolor(),plt.colorbar(), plt.scatter(x, y, color)</a:t>
+            </a:r>
+            <a:endParaRPr lang="en-US" altLang="zh-CN" sz="1400"/>
+          </a:p>
+          <a:p>
+            <a:pPr lvl="1">
+              <a:buFont typeface="Wingdings" panose="05000000000000000000" pitchFamily="2" charset="2"/>
+              <a:buChar char="Ø"/>
+            </a:pPr>
+            <a:r>
+              <a:rPr lang="en-US" altLang="zh-CN" sz="1400"/>
+              <a:t>plt.axis('off')</a:t>
+            </a:r>
+            <a:endParaRPr lang="en-US" altLang="zh-CN" sz="1400"/>
+          </a:p>
+          <a:p>
+            <a:pPr lvl="1">
+              <a:buFont typeface="Wingdings" panose="05000000000000000000" pitchFamily="2" charset="2"/>
+              <a:buChar char="Ø"/>
+            </a:pPr>
+            <a:r>
+              <a:rPr lang="en-US" altLang="zh-CN" sz="1400"/>
+              <a:t>plt.savefig('a.png')</a:t>
+            </a:r>
+            <a:endParaRPr lang="en-US" altLang="zh-CN" sz="1400"/>
+          </a:p>
+          <a:p>
+            <a:pPr lvl="1">
+              <a:buFont typeface="Wingdings" panose="05000000000000000000" pitchFamily="2" charset="2"/>
+              <a:buChar char="Ø"/>
+            </a:pPr>
+            <a:r>
+              <a:rPr lang="en-US" altLang="zh-CN" sz="1400"/>
+              <a:t>plt.get_backend()</a:t>
+            </a:r>
+            <a:endParaRPr lang="en-US" altLang="zh-CN" sz="1400"/>
+          </a:p>
+          <a:p>
+            <a:r>
+              <a:rPr lang="en-US" altLang="zh-CN" sz="1600"/>
+              <a:t>Figure</a:t>
+            </a:r>
+            <a:endParaRPr lang="en-US" altLang="zh-CN" sz="1600"/>
+          </a:p>
+          <a:p>
+            <a:pPr lvl="1">
+              <a:buFont typeface="Wingdings" panose="05000000000000000000" pitchFamily="2" charset="2"/>
+              <a:buChar char="Ø"/>
+            </a:pPr>
+            <a:r>
+              <a:rPr lang="en-US" altLang="zh-CN" sz="1400"/>
+              <a:t>fig = plt.figure(figsize=(w,h))</a:t>
+            </a:r>
+            <a:endParaRPr lang="en-US" altLang="zh-CN" sz="1400"/>
+          </a:p>
+          <a:p>
+            <a:pPr lvl="1">
+              <a:buFont typeface="Wingdings" panose="05000000000000000000" pitchFamily="2" charset="2"/>
+              <a:buChar char="Ø"/>
+            </a:pPr>
+            <a:r>
+              <a:rPr lang="en-US" altLang="zh-CN" sz="1400"/>
+              <a:t>ax = fig.add_subplot()</a:t>
+            </a:r>
+            <a:endParaRPr lang="en-US" altLang="zh-CN" sz="1400"/>
+          </a:p>
+          <a:p>
+            <a:pPr lvl="1">
+              <a:buFont typeface="Wingdings" panose="05000000000000000000" pitchFamily="2" charset="2"/>
+              <a:buChar char="Ø"/>
+            </a:pPr>
+            <a:r>
+              <a:rPr lang="en-US" altLang="zh-CN" sz="1400"/>
+              <a:t>ax.matshow(matrix)</a:t>
+            </a:r>
+            <a:endParaRPr lang="en-US" altLang="zh-CN" sz="1400"/>
+          </a:p>
+          <a:p>
+            <a:pPr lvl="0">
+              <a:buFont typeface="Wingdings" panose="05000000000000000000" pitchFamily="2" charset="2"/>
+              <a:buChar char="Ø"/>
+            </a:pPr>
+            <a:r>
+              <a:rPr lang="en-US" altLang="zh-CN" sz="1600"/>
+              <a:t>Unicode support</a:t>
+            </a:r>
+            <a:endParaRPr lang="en-US" altLang="zh-CN" sz="1600"/>
+          </a:p>
+          <a:p>
+            <a:pPr lvl="1">
+              <a:buFont typeface="Wingdings" panose="05000000000000000000" pitchFamily="2" charset="2"/>
+              <a:buChar char="Ø"/>
+            </a:pPr>
+            <a:r>
+              <a:rPr lang="en-US" altLang="zh-CN" sz="1400"/>
+              <a:t>matplotlib.rcParams['font.family'] = 'SimHei'</a:t>
+            </a:r>
+            <a:endParaRPr lang="en-US" altLang="zh-CN" sz="1400"/>
           </a:p>
         </p:txBody>
       </p:sp>
@@ -7188,7 +7162,7 @@
           <a:p>
             <a:r>
               <a:rPr lang="en-US" altLang="zh-CN" smtClean="0"/>
-              <a:t>xml</a:t>
+              <a:t>Seaborn</a:t>
             </a:r>
             <a:endParaRPr lang="en-US" altLang="zh-CN" smtClean="0"/>
           </a:p>
@@ -7207,7 +7181,7 @@
         <p:spPr/>
         <p:txBody>
           <a:bodyPr>
-            <a:normAutofit lnSpcReduction="20000"/>
+            <a:normAutofit/>
           </a:bodyPr>
           <a:p>
             <a:pPr marL="357505" indent="-357505" algn="l">
@@ -7237,7 +7211,7 @@
             </a:pPr>
             <a:r>
               <a:rPr lang="en-US" altLang="zh-CN" smtClean="0"/>
-              <a:t>import xml.etree.ElementTree as ET</a:t>
+              <a:t>pip install seaborn</a:t>
             </a:r>
             <a:endParaRPr lang="en-US" altLang="zh-CN" smtClean="0"/>
           </a:p>
@@ -7251,7 +7225,7 @@
             </a:pPr>
             <a:r>
               <a:rPr lang="en-US" altLang="zh-CN" smtClean="0"/>
-              <a:t>parser = ET.XMLParser(encoding='utf-8')</a:t>
+              <a:t>import seaborn as sns</a:t>
             </a:r>
             <a:endParaRPr lang="en-US" altLang="zh-CN" smtClean="0"/>
           </a:p>
@@ -7265,7 +7239,7 @@
             </a:pPr>
             <a:r>
               <a:rPr lang="en-US" altLang="zh-CN" smtClean="0"/>
-              <a:t>tree = ET.parse(fn, parser=parser)</a:t>
+              <a:t>It's a kind of enhancement of matplotlib.</a:t>
             </a:r>
             <a:endParaRPr lang="en-US" altLang="zh-CN" smtClean="0"/>
           </a:p>
@@ -7279,35 +7253,7 @@
             </a:pPr>
             <a:r>
               <a:rPr lang="en-US" altLang="zh-CN" smtClean="0"/>
-              <a:t>root = tree.getroot()</a:t>
-            </a:r>
-            <a:endParaRPr lang="en-US" altLang="zh-CN" smtClean="0"/>
-          </a:p>
-          <a:p>
-            <a:pPr lvl="1" algn="l">
-              <a:lnSpc>
-                <a:spcPct val="200000"/>
-              </a:lnSpc>
-              <a:buFont typeface="Wingdings" panose="05000000000000000000" pitchFamily="2" charset="2"/>
-              <a:buChar char=""/>
-            </a:pPr>
-            <a:r>
-              <a:rPr lang="en-US" altLang="zh-CN" smtClean="0"/>
-              <a:t>for elem in root.findall(./level1/level2):</a:t>
-            </a:r>
-            <a:endParaRPr lang="en-US" altLang="zh-CN" smtClean="0"/>
-          </a:p>
-          <a:p>
-            <a:pPr lvl="2" algn="l">
-              <a:lnSpc>
-                <a:spcPct val="200000"/>
-              </a:lnSpc>
-              <a:buFont typeface="Wingdings" panose="05000000000000000000" pitchFamily="2" charset="2"/>
-              <a:buChar char=""/>
-            </a:pPr>
-            <a:r>
-              <a:rPr lang="en-US" altLang="zh-CN" smtClean="0"/>
-              <a:t>attrib = elem.attrib['attrib_name']</a:t>
+              <a:t>heatmap()</a:t>
             </a:r>
             <a:endParaRPr lang="en-US" altLang="zh-CN" smtClean="0"/>
           </a:p>
@@ -7349,6 +7295,483 @@
           <a:p>
             <a:r>
               <a:rPr lang="en-US" altLang="zh-CN" smtClean="0"/>
+              <a:t>xml</a:t>
+            </a:r>
+            <a:endParaRPr lang="en-US" altLang="zh-CN" smtClean="0"/>
+          </a:p>
+        </p:txBody>
+      </p:sp>
+      <p:sp>
+        <p:nvSpPr>
+          <p:cNvPr id="4" name="内容占位符 3"/>
+          <p:cNvSpPr>
+            <a:spLocks noGrp="1"/>
+          </p:cNvSpPr>
+          <p:nvPr>
+            <p:ph idx="1"/>
+          </p:nvPr>
+        </p:nvSpPr>
+        <p:spPr/>
+        <p:txBody>
+          <a:bodyPr>
+            <a:normAutofit lnSpcReduction="20000"/>
+          </a:bodyPr>
+          <a:p>
+            <a:pPr marL="357505" indent="-357505" algn="l">
+              <a:lnSpc>
+                <a:spcPct val="200000"/>
+              </a:lnSpc>
+              <a:buClr>
+                <a:schemeClr val="accent1"/>
+              </a:buClr>
+              <a:buSzTx/>
+              <a:buFont typeface="Wingdings" panose="05000000000000000000" pitchFamily="2" charset="2"/>
+              <a:buChar char=""/>
+            </a:pPr>
+            <a:r>
+              <a:rPr lang="en-US" altLang="zh-CN" smtClean="0"/>
+              <a:t>Basic</a:t>
+            </a:r>
+            <a:endParaRPr lang="en-US" altLang="zh-CN" smtClean="0"/>
+          </a:p>
+          <a:p>
+            <a:pPr lvl="1" algn="l">
+              <a:lnSpc>
+                <a:spcPct val="200000"/>
+              </a:lnSpc>
+              <a:buFont typeface="Wingdings" panose="05000000000000000000" pitchFamily="2" charset="2"/>
+              <a:buChar char=""/>
+            </a:pPr>
+            <a:r>
+              <a:rPr lang="en-US" altLang="zh-CN" smtClean="0"/>
+              <a:t>import xml.etree.ElementTree as ET</a:t>
+            </a:r>
+            <a:endParaRPr lang="en-US" altLang="zh-CN" smtClean="0"/>
+          </a:p>
+          <a:p>
+            <a:pPr lvl="1" algn="l">
+              <a:lnSpc>
+                <a:spcPct val="200000"/>
+              </a:lnSpc>
+              <a:buFont typeface="Wingdings" panose="05000000000000000000" pitchFamily="2" charset="2"/>
+              <a:buChar char=""/>
+            </a:pPr>
+            <a:r>
+              <a:rPr lang="en-US" altLang="zh-CN" smtClean="0"/>
+              <a:t>parser = ET.XMLParser(encoding='utf-8')</a:t>
+            </a:r>
+            <a:endParaRPr lang="en-US" altLang="zh-CN" smtClean="0"/>
+          </a:p>
+          <a:p>
+            <a:pPr lvl="1" algn="l">
+              <a:lnSpc>
+                <a:spcPct val="200000"/>
+              </a:lnSpc>
+              <a:buFont typeface="Wingdings" panose="05000000000000000000" pitchFamily="2" charset="2"/>
+              <a:buChar char=""/>
+            </a:pPr>
+            <a:r>
+              <a:rPr lang="en-US" altLang="zh-CN" smtClean="0"/>
+              <a:t>tree = ET.parse(fn, parser=parser)</a:t>
+            </a:r>
+            <a:endParaRPr lang="en-US" altLang="zh-CN" smtClean="0"/>
+          </a:p>
+          <a:p>
+            <a:pPr lvl="1" algn="l">
+              <a:lnSpc>
+                <a:spcPct val="200000"/>
+              </a:lnSpc>
+              <a:buFont typeface="Wingdings" panose="05000000000000000000" pitchFamily="2" charset="2"/>
+              <a:buChar char=""/>
+            </a:pPr>
+            <a:r>
+              <a:rPr lang="en-US" altLang="zh-CN" smtClean="0"/>
+              <a:t>root = tree.getroot()</a:t>
+            </a:r>
+            <a:endParaRPr lang="en-US" altLang="zh-CN" smtClean="0"/>
+          </a:p>
+          <a:p>
+            <a:pPr lvl="1" algn="l">
+              <a:lnSpc>
+                <a:spcPct val="200000"/>
+              </a:lnSpc>
+              <a:buFont typeface="Wingdings" panose="05000000000000000000" pitchFamily="2" charset="2"/>
+              <a:buChar char=""/>
+            </a:pPr>
+            <a:r>
+              <a:rPr lang="en-US" altLang="zh-CN" smtClean="0"/>
+              <a:t>for elem in root.findall(./level1/level2):</a:t>
+            </a:r>
+            <a:endParaRPr lang="en-US" altLang="zh-CN" smtClean="0"/>
+          </a:p>
+          <a:p>
+            <a:pPr lvl="2" algn="l">
+              <a:lnSpc>
+                <a:spcPct val="200000"/>
+              </a:lnSpc>
+              <a:buFont typeface="Wingdings" panose="05000000000000000000" pitchFamily="2" charset="2"/>
+              <a:buChar char=""/>
+            </a:pPr>
+            <a:r>
+              <a:rPr lang="en-US" altLang="zh-CN" smtClean="0"/>
+              <a:t>attrib = elem.attrib['attrib_name']</a:t>
+            </a:r>
+            <a:endParaRPr lang="en-US" altLang="zh-CN" smtClean="0"/>
+          </a:p>
+        </p:txBody>
+      </p:sp>
+    </p:spTree>
+  </p:cSld>
+  <p:clrMapOvr>
+    <a:masterClrMapping/>
+  </p:clrMapOvr>
+</p:sld>
+</file>
+
+<file path=ppt/slides/slide3.xml><?xml version="1.0" encoding="utf-8"?>
+<p:sld xmlns:a="http://schemas.openxmlformats.org/drawingml/2006/main" xmlns:r="http://schemas.openxmlformats.org/officeDocument/2006/relationships" xmlns:p="http://schemas.openxmlformats.org/presentationml/2006/main">
+  <p:cSld>
+    <p:spTree>
+      <p:nvGrpSpPr>
+        <p:cNvPr id="1" name=""/>
+        <p:cNvGrpSpPr/>
+        <p:nvPr/>
+      </p:nvGrpSpPr>
+      <p:grpSpPr/>
+      <p:sp>
+        <p:nvSpPr>
+          <p:cNvPr id="2" name="标题 1"/>
+          <p:cNvSpPr>
+            <a:spLocks noGrp="1"/>
+          </p:cNvSpPr>
+          <p:nvPr>
+            <p:ph type="title"/>
+          </p:nvPr>
+        </p:nvSpPr>
+        <p:spPr/>
+        <p:txBody>
+          <a:bodyPr/>
+          <a:p>
+            <a:r>
+              <a:rPr lang="en-US" altLang="zh-CN"/>
+              <a:t>Basic 1/2</a:t>
+            </a:r>
+            <a:endParaRPr lang="en-US" altLang="zh-CN"/>
+          </a:p>
+        </p:txBody>
+      </p:sp>
+      <p:sp>
+        <p:nvSpPr>
+          <p:cNvPr id="3" name="内容占位符 2"/>
+          <p:cNvSpPr>
+            <a:spLocks noGrp="1"/>
+          </p:cNvSpPr>
+          <p:nvPr>
+            <p:ph idx="1"/>
+          </p:nvPr>
+        </p:nvSpPr>
+        <p:spPr>
+          <a:xfrm>
+            <a:off x="838200" y="1211580"/>
+            <a:ext cx="10515600" cy="4942840"/>
+          </a:xfrm>
+        </p:spPr>
+        <p:txBody>
+          <a:bodyPr>
+            <a:normAutofit fontScale="70000"/>
+          </a:bodyPr>
+          <a:p>
+            <a:r>
+              <a:rPr lang="en-US" altLang="zh-CN"/>
+              <a:t>dir(object), help(object.method), type(object), isinstance(obj, class)</a:t>
+            </a:r>
+            <a:endParaRPr lang="zh-CN" altLang="en-US"/>
+          </a:p>
+          <a:p>
+            <a:r>
+              <a:rPr lang="en-US" altLang="zh-CN"/>
+              <a:t>Debug</a:t>
+            </a:r>
+            <a:endParaRPr lang="en-US" altLang="zh-CN"/>
+          </a:p>
+          <a:p>
+            <a:pPr lvl="1" algn="just">
+              <a:buFont typeface="Wingdings" panose="05000000000000000000" pitchFamily="2" charset="2"/>
+              <a:buChar char="l"/>
+            </a:pPr>
+            <a:r>
+              <a:rPr lang="en-US" altLang="zh-CN" sz="2000"/>
+              <a:t>python -m pdb a.py</a:t>
+            </a:r>
+            <a:endParaRPr lang="en-US" altLang="zh-CN" sz="2000"/>
+          </a:p>
+          <a:p>
+            <a:r>
+              <a:rPr lang="en-US" altLang="zh-CN"/>
+              <a:t>Documentation</a:t>
+            </a:r>
+            <a:endParaRPr lang="en-US" altLang="zh-CN"/>
+          </a:p>
+          <a:p>
+            <a:pPr lvl="1">
+              <a:buFont typeface="Wingdings" panose="05000000000000000000" pitchFamily="2" charset="2"/>
+              <a:buChar char="l"/>
+            </a:pPr>
+            <a:r>
+              <a:rPr lang="en-US" altLang="zh-CN" sz="2000"/>
+              <a:t>pep257 tool</a:t>
+            </a:r>
+            <a:endParaRPr lang="en-US" altLang="zh-CN" sz="2000"/>
+          </a:p>
+          <a:p>
+            <a:r>
+              <a:rPr lang="en-US" altLang="zh-CN"/>
+              <a:t>Test</a:t>
+            </a:r>
+            <a:endParaRPr lang="en-US" altLang="zh-CN"/>
+          </a:p>
+          <a:p>
+            <a:pPr lvl="1">
+              <a:buFont typeface="Wingdings" panose="05000000000000000000" pitchFamily="2" charset="2"/>
+              <a:buChar char="l"/>
+            </a:pPr>
+            <a:r>
+              <a:rPr lang="en-US" altLang="zh-CN" sz="2000"/>
+              <a:t>assert</a:t>
+            </a:r>
+            <a:endParaRPr lang="en-US" altLang="zh-CN" sz="2000"/>
+          </a:p>
+          <a:p>
+            <a:pPr lvl="1">
+              <a:buFont typeface="Wingdings" panose="05000000000000000000" pitchFamily="2" charset="2"/>
+              <a:buChar char="l"/>
+            </a:pPr>
+            <a:r>
+              <a:rPr lang="en-US" altLang="zh-CN" sz="2000"/>
+              <a:t>Testing framework: py.test</a:t>
+            </a:r>
+            <a:endParaRPr lang="en-US" altLang="zh-CN" sz="2000"/>
+          </a:p>
+          <a:p>
+            <a:pPr lvl="1">
+              <a:buFont typeface="Wingdings" panose="05000000000000000000" pitchFamily="2" charset="2"/>
+              <a:buChar char="l"/>
+            </a:pPr>
+            <a:r>
+              <a:rPr lang="en-US" altLang="zh-CN" sz="2000"/>
+              <a:t>coverage</a:t>
+            </a:r>
+            <a:endParaRPr lang="en-US" altLang="zh-CN" sz="2000"/>
+          </a:p>
+          <a:p>
+            <a:r>
+              <a:rPr lang="en-US" altLang="zh-CN"/>
+              <a:t>Log</a:t>
+            </a:r>
+            <a:endParaRPr lang="en-US" altLang="zh-CN"/>
+          </a:p>
+          <a:p>
+            <a:pPr lvl="1">
+              <a:buFont typeface="Wingdings" panose="05000000000000000000" pitchFamily="2" charset="2"/>
+              <a:buChar char=""/>
+            </a:pPr>
+            <a:r>
+              <a:rPr lang="en-US" altLang="zh-CN" sz="2000"/>
+              <a:t>import logging</a:t>
+            </a:r>
+            <a:endParaRPr lang="en-US" altLang="zh-CN" sz="2000"/>
+          </a:p>
+          <a:p>
+            <a:r>
+              <a:rPr lang="en-US" altLang="zh-CN"/>
+              <a:t>Profile</a:t>
+            </a:r>
+            <a:endParaRPr lang="en-US" altLang="zh-CN"/>
+          </a:p>
+          <a:p>
+            <a:pPr lvl="1">
+              <a:buFont typeface="Wingdings" panose="05000000000000000000" pitchFamily="2" charset="2"/>
+              <a:buChar char=""/>
+            </a:pPr>
+            <a:r>
+              <a:rPr lang="en-US" altLang="zh-CN"/>
+              <a:t>python -m cProfile -s time a.py</a:t>
+            </a:r>
+            <a:endParaRPr lang="en-US" altLang="zh-CN"/>
+          </a:p>
+          <a:p>
+            <a:pPr lvl="1">
+              <a:buFont typeface="Wingdings" panose="05000000000000000000" pitchFamily="2" charset="2"/>
+              <a:buChar char=""/>
+            </a:pPr>
+            <a:r>
+              <a:rPr lang="en-US" altLang="zh-CN"/>
+              <a:t>%timeit (in iPython)</a:t>
+            </a:r>
+            <a:endParaRPr lang="en-US" altLang="zh-CN"/>
+          </a:p>
+          <a:p>
+            <a:pPr lvl="0">
+              <a:buFont typeface="Wingdings" panose="05000000000000000000" pitchFamily="2" charset="2"/>
+              <a:buChar char=""/>
+            </a:pPr>
+            <a:r>
+              <a:rPr lang="en-US" altLang="zh-CN"/>
+              <a:t>File encoding</a:t>
+            </a:r>
+            <a:endParaRPr lang="en-US" altLang="zh-CN"/>
+          </a:p>
+          <a:p>
+            <a:pPr lvl="1">
+              <a:buFont typeface="Wingdings" panose="05000000000000000000" pitchFamily="2" charset="2"/>
+              <a:buChar char=""/>
+            </a:pPr>
+            <a:r>
+              <a:rPr lang="en-US" altLang="zh-CN"/>
+              <a:t># -*- coding: &lt;encoding name&gt; -*-</a:t>
+            </a:r>
+            <a:endParaRPr lang="en-US" altLang="zh-CN"/>
+          </a:p>
+        </p:txBody>
+      </p:sp>
+      <p:sp>
+        <p:nvSpPr>
+          <p:cNvPr id="5" name="文本框 4"/>
+          <p:cNvSpPr txBox="1"/>
+          <p:nvPr/>
+        </p:nvSpPr>
+        <p:spPr>
+          <a:xfrm>
+            <a:off x="7701280" y="2055495"/>
+            <a:ext cx="3265805" cy="1209675"/>
+          </a:xfrm>
+          <a:prstGeom prst="rect">
+            <a:avLst/>
+          </a:prstGeom>
+          <a:noFill/>
+          <a:ln w="12700" cmpd="sng">
+            <a:solidFill>
+              <a:schemeClr val="accent1">
+                <a:shade val="50000"/>
+              </a:schemeClr>
+            </a:solidFill>
+            <a:prstDash val="solid"/>
+          </a:ln>
+        </p:spPr>
+        <p:txBody>
+          <a:bodyPr wrap="none" rtlCol="0">
+            <a:spAutoFit/>
+          </a:bodyPr>
+          <a:p>
+            <a:pPr>
+              <a:lnSpc>
+                <a:spcPct val="130000"/>
+              </a:lnSpc>
+            </a:pPr>
+            <a:r>
+              <a:rPr lang="en-US" altLang="zh-CN" sz="1400" dirty="0" smtClean="0">
+                <a:latin typeface="Arial" panose="020B0604020202020204" pitchFamily="34" charset="0"/>
+                <a:ea typeface="微软雅黑" panose="020B0503020204020204" charset="-122"/>
+              </a:rPr>
+              <a:t>import logging</a:t>
+            </a:r>
+            <a:endParaRPr lang="en-US" altLang="zh-CN" sz="1400" dirty="0" smtClean="0">
+              <a:latin typeface="Arial" panose="020B0604020202020204" pitchFamily="34" charset="0"/>
+              <a:ea typeface="微软雅黑" panose="020B0503020204020204" charset="-122"/>
+            </a:endParaRPr>
+          </a:p>
+          <a:p>
+            <a:pPr>
+              <a:lnSpc>
+                <a:spcPct val="130000"/>
+              </a:lnSpc>
+            </a:pPr>
+            <a:r>
+              <a:rPr lang="en-US" altLang="zh-CN" sz="1400" dirty="0" smtClean="0">
+                <a:latin typeface="Arial" panose="020B0604020202020204" pitchFamily="34" charset="0"/>
+                <a:ea typeface="微软雅黑" panose="020B0503020204020204" charset="-122"/>
+              </a:rPr>
+              <a:t>logger = logging.getLogger(__name__)</a:t>
+            </a:r>
+            <a:endParaRPr lang="en-US" altLang="zh-CN" sz="1400" dirty="0" smtClean="0">
+              <a:latin typeface="Arial" panose="020B0604020202020204" pitchFamily="34" charset="0"/>
+              <a:ea typeface="微软雅黑" panose="020B0503020204020204" charset="-122"/>
+            </a:endParaRPr>
+          </a:p>
+          <a:p>
+            <a:pPr>
+              <a:lnSpc>
+                <a:spcPct val="130000"/>
+              </a:lnSpc>
+            </a:pPr>
+            <a:r>
+              <a:rPr lang="en-US" altLang="zh-CN" sz="1400" dirty="0" smtClean="0">
+                <a:latin typeface="Arial" panose="020B0604020202020204" pitchFamily="34" charset="0"/>
+                <a:ea typeface="微软雅黑" panose="020B0503020204020204" charset="-122"/>
+              </a:rPr>
+              <a:t>logger.setLevel(logging.INFO)</a:t>
+            </a:r>
+            <a:endParaRPr lang="en-US" altLang="zh-CN" sz="1400" dirty="0" smtClean="0">
+              <a:latin typeface="Arial" panose="020B0604020202020204" pitchFamily="34" charset="0"/>
+              <a:ea typeface="微软雅黑" panose="020B0503020204020204" charset="-122"/>
+            </a:endParaRPr>
+          </a:p>
+          <a:p>
+            <a:pPr>
+              <a:lnSpc>
+                <a:spcPct val="130000"/>
+              </a:lnSpc>
+            </a:pPr>
+            <a:r>
+              <a:rPr lang="en-US" altLang="zh-CN" sz="1400" dirty="0" smtClean="0">
+                <a:latin typeface="Arial" panose="020B0604020202020204" pitchFamily="34" charset="0"/>
+                <a:ea typeface="微软雅黑" panose="020B0503020204020204" charset="-122"/>
+              </a:rPr>
+              <a:t>logger.info('timeout')</a:t>
+            </a:r>
+            <a:endParaRPr lang="en-US" altLang="zh-CN" sz="1400" dirty="0" smtClean="0">
+              <a:latin typeface="Arial" panose="020B0604020202020204" pitchFamily="34" charset="0"/>
+              <a:ea typeface="微软雅黑" panose="020B0503020204020204" charset="-122"/>
+            </a:endParaRPr>
+          </a:p>
+        </p:txBody>
+      </p:sp>
+    </p:spTree>
+  </p:cSld>
+  <p:clrMapOvr>
+    <a:masterClrMapping/>
+  </p:clrMapOvr>
+</p:sld>
+</file>
+
+<file path=ppt/slides/slide30.xml><?xml version="1.0" encoding="utf-8"?>
+<p:sld xmlns:a="http://schemas.openxmlformats.org/drawingml/2006/main" xmlns:r="http://schemas.openxmlformats.org/officeDocument/2006/relationships" xmlns:p="http://schemas.openxmlformats.org/presentationml/2006/main">
+  <p:cSld>
+    <p:spTree>
+      <p:nvGrpSpPr>
+        <p:cNvPr id="1" name=""/>
+        <p:cNvGrpSpPr/>
+        <p:nvPr/>
+      </p:nvGrpSpPr>
+      <p:grpSpPr/>
+      <p:sp>
+        <p:nvSpPr>
+          <p:cNvPr id="24578" name="标题 2"/>
+          <p:cNvSpPr>
+            <a:spLocks noGrp="1"/>
+          </p:cNvSpPr>
+          <p:nvPr>
+            <p:ph type="title"/>
+          </p:nvPr>
+        </p:nvSpPr>
+        <p:spPr/>
+        <p:txBody>
+          <a:bodyPr anchor="b">
+            <a:normAutofit/>
+          </a:bodyPr>
+          <a:p>
+            <a:r>
+              <a:rPr lang="en-US" altLang="zh-CN" smtClean="0"/>
               <a:t>GUI</a:t>
             </a:r>
             <a:endParaRPr lang="en-US" altLang="zh-CN" smtClean="0"/>
@@ -7627,434 +8050,6 @@
 </p:sld>
 </file>
 
-<file path=ppt/slides/slide3.xml><?xml version="1.0" encoding="utf-8"?>
-<p:sld xmlns:a="http://schemas.openxmlformats.org/drawingml/2006/main" xmlns:r="http://schemas.openxmlformats.org/officeDocument/2006/relationships" xmlns:p="http://schemas.openxmlformats.org/presentationml/2006/main">
-  <p:cSld>
-    <p:spTree>
-      <p:nvGrpSpPr>
-        <p:cNvPr id="1" name=""/>
-        <p:cNvGrpSpPr/>
-        <p:nvPr/>
-      </p:nvGrpSpPr>
-      <p:grpSpPr/>
-      <p:sp>
-        <p:nvSpPr>
-          <p:cNvPr id="2" name="标题 1"/>
-          <p:cNvSpPr>
-            <a:spLocks noGrp="1"/>
-          </p:cNvSpPr>
-          <p:nvPr>
-            <p:ph type="title"/>
-          </p:nvPr>
-        </p:nvSpPr>
-        <p:spPr/>
-        <p:txBody>
-          <a:bodyPr/>
-          <a:p>
-            <a:r>
-              <a:rPr lang="en-US" altLang="zh-CN"/>
-              <a:t>Basic 1/2</a:t>
-            </a:r>
-            <a:endParaRPr lang="en-US" altLang="zh-CN"/>
-          </a:p>
-        </p:txBody>
-      </p:sp>
-      <p:sp>
-        <p:nvSpPr>
-          <p:cNvPr id="3" name="内容占位符 2"/>
-          <p:cNvSpPr>
-            <a:spLocks noGrp="1"/>
-          </p:cNvSpPr>
-          <p:nvPr>
-            <p:ph idx="1"/>
-          </p:nvPr>
-        </p:nvSpPr>
-        <p:spPr>
-          <a:xfrm>
-            <a:off x="838200" y="1211580"/>
-            <a:ext cx="10515600" cy="4942840"/>
-          </a:xfrm>
-        </p:spPr>
-        <p:txBody>
-          <a:bodyPr>
-            <a:normAutofit fontScale="70000"/>
-          </a:bodyPr>
-          <a:p>
-            <a:r>
-              <a:rPr lang="en-US" altLang="zh-CN"/>
-              <a:t>dir(object), help(object.method), type(object), isinstance(obj, class)</a:t>
-            </a:r>
-            <a:endParaRPr lang="zh-CN" altLang="en-US"/>
-          </a:p>
-          <a:p>
-            <a:r>
-              <a:rPr lang="en-US" altLang="zh-CN"/>
-              <a:t>Debug</a:t>
-            </a:r>
-            <a:endParaRPr lang="en-US" altLang="zh-CN"/>
-          </a:p>
-          <a:p>
-            <a:pPr lvl="1" algn="just">
-              <a:buFont typeface="Wingdings" panose="05000000000000000000" pitchFamily="2" charset="2"/>
-              <a:buChar char="l"/>
-            </a:pPr>
-            <a:r>
-              <a:rPr lang="en-US" altLang="zh-CN" sz="2000"/>
-              <a:t>python -m pdb a.py</a:t>
-            </a:r>
-            <a:endParaRPr lang="en-US" altLang="zh-CN" sz="2000"/>
-          </a:p>
-          <a:p>
-            <a:r>
-              <a:rPr lang="en-US" altLang="zh-CN"/>
-              <a:t>Documentation</a:t>
-            </a:r>
-            <a:endParaRPr lang="en-US" altLang="zh-CN"/>
-          </a:p>
-          <a:p>
-            <a:pPr lvl="1">
-              <a:buFont typeface="Wingdings" panose="05000000000000000000" pitchFamily="2" charset="2"/>
-              <a:buChar char="l"/>
-            </a:pPr>
-            <a:r>
-              <a:rPr lang="en-US" altLang="zh-CN" sz="2000"/>
-              <a:t>pep257 tool</a:t>
-            </a:r>
-            <a:endParaRPr lang="en-US" altLang="zh-CN" sz="2000"/>
-          </a:p>
-          <a:p>
-            <a:r>
-              <a:rPr lang="en-US" altLang="zh-CN"/>
-              <a:t>Test</a:t>
-            </a:r>
-            <a:endParaRPr lang="en-US" altLang="zh-CN"/>
-          </a:p>
-          <a:p>
-            <a:pPr lvl="1">
-              <a:buFont typeface="Wingdings" panose="05000000000000000000" pitchFamily="2" charset="2"/>
-              <a:buChar char="l"/>
-            </a:pPr>
-            <a:r>
-              <a:rPr lang="en-US" altLang="zh-CN" sz="2000"/>
-              <a:t>assert</a:t>
-            </a:r>
-            <a:endParaRPr lang="en-US" altLang="zh-CN" sz="2000"/>
-          </a:p>
-          <a:p>
-            <a:pPr lvl="1">
-              <a:buFont typeface="Wingdings" panose="05000000000000000000" pitchFamily="2" charset="2"/>
-              <a:buChar char="l"/>
-            </a:pPr>
-            <a:r>
-              <a:rPr lang="en-US" altLang="zh-CN" sz="2000"/>
-              <a:t>Testing framework: py.test</a:t>
-            </a:r>
-            <a:endParaRPr lang="en-US" altLang="zh-CN" sz="2000"/>
-          </a:p>
-          <a:p>
-            <a:pPr lvl="1">
-              <a:buFont typeface="Wingdings" panose="05000000000000000000" pitchFamily="2" charset="2"/>
-              <a:buChar char="l"/>
-            </a:pPr>
-            <a:r>
-              <a:rPr lang="en-US" altLang="zh-CN" sz="2000"/>
-              <a:t>coverage</a:t>
-            </a:r>
-            <a:endParaRPr lang="en-US" altLang="zh-CN" sz="2000"/>
-          </a:p>
-          <a:p>
-            <a:r>
-              <a:rPr lang="en-US" altLang="zh-CN"/>
-              <a:t>Log</a:t>
-            </a:r>
-            <a:endParaRPr lang="en-US" altLang="zh-CN"/>
-          </a:p>
-          <a:p>
-            <a:pPr lvl="1">
-              <a:buFont typeface="Wingdings" panose="05000000000000000000" pitchFamily="2" charset="2"/>
-              <a:buChar char=""/>
-            </a:pPr>
-            <a:r>
-              <a:rPr lang="en-US" altLang="zh-CN" sz="2000"/>
-              <a:t>import logging</a:t>
-            </a:r>
-            <a:endParaRPr lang="en-US" altLang="zh-CN" sz="2000"/>
-          </a:p>
-          <a:p>
-            <a:r>
-              <a:rPr lang="en-US" altLang="zh-CN"/>
-              <a:t>Profile</a:t>
-            </a:r>
-            <a:endParaRPr lang="en-US" altLang="zh-CN"/>
-          </a:p>
-          <a:p>
-            <a:pPr lvl="1">
-              <a:buFont typeface="Wingdings" panose="05000000000000000000" pitchFamily="2" charset="2"/>
-              <a:buChar char=""/>
-            </a:pPr>
-            <a:r>
-              <a:rPr lang="en-US" altLang="zh-CN"/>
-              <a:t>python -m cProfile -s time a.py</a:t>
-            </a:r>
-            <a:endParaRPr lang="en-US" altLang="zh-CN"/>
-          </a:p>
-          <a:p>
-            <a:pPr lvl="1">
-              <a:buFont typeface="Wingdings" panose="05000000000000000000" pitchFamily="2" charset="2"/>
-              <a:buChar char=""/>
-            </a:pPr>
-            <a:r>
-              <a:rPr lang="en-US" altLang="zh-CN"/>
-              <a:t>%timeit (in iPython)</a:t>
-            </a:r>
-            <a:endParaRPr lang="en-US" altLang="zh-CN"/>
-          </a:p>
-          <a:p>
-            <a:pPr lvl="0">
-              <a:buFont typeface="Wingdings" panose="05000000000000000000" pitchFamily="2" charset="2"/>
-              <a:buChar char=""/>
-            </a:pPr>
-            <a:r>
-              <a:rPr lang="en-US" altLang="zh-CN"/>
-              <a:t>File encoding</a:t>
-            </a:r>
-            <a:endParaRPr lang="en-US" altLang="zh-CN"/>
-          </a:p>
-          <a:p>
-            <a:pPr lvl="1">
-              <a:buFont typeface="Wingdings" panose="05000000000000000000" pitchFamily="2" charset="2"/>
-              <a:buChar char=""/>
-            </a:pPr>
-            <a:r>
-              <a:rPr lang="en-US" altLang="zh-CN"/>
-              <a:t># -*- coding: &lt;encoding name&gt; -*-</a:t>
-            </a:r>
-            <a:endParaRPr lang="en-US" altLang="zh-CN"/>
-          </a:p>
-        </p:txBody>
-      </p:sp>
-      <p:sp>
-        <p:nvSpPr>
-          <p:cNvPr id="5" name="文本框 4"/>
-          <p:cNvSpPr txBox="1"/>
-          <p:nvPr/>
-        </p:nvSpPr>
-        <p:spPr>
-          <a:xfrm>
-            <a:off x="7701280" y="2055495"/>
-            <a:ext cx="3265805" cy="1209675"/>
-          </a:xfrm>
-          <a:prstGeom prst="rect">
-            <a:avLst/>
-          </a:prstGeom>
-          <a:noFill/>
-          <a:ln w="12700" cmpd="sng">
-            <a:solidFill>
-              <a:schemeClr val="accent1">
-                <a:shade val="50000"/>
-              </a:schemeClr>
-            </a:solidFill>
-            <a:prstDash val="solid"/>
-          </a:ln>
-        </p:spPr>
-        <p:txBody>
-          <a:bodyPr wrap="none" rtlCol="0">
-            <a:spAutoFit/>
-          </a:bodyPr>
-          <a:p>
-            <a:pPr>
-              <a:lnSpc>
-                <a:spcPct val="130000"/>
-              </a:lnSpc>
-            </a:pPr>
-            <a:r>
-              <a:rPr lang="en-US" altLang="zh-CN" sz="1400" dirty="0" smtClean="0">
-                <a:latin typeface="Arial" panose="020B0604020202020204" pitchFamily="34" charset="0"/>
-                <a:ea typeface="微软雅黑" panose="020B0503020204020204" charset="-122"/>
-              </a:rPr>
-              <a:t>import logging</a:t>
-            </a:r>
-            <a:endParaRPr lang="en-US" altLang="zh-CN" sz="1400" dirty="0" smtClean="0">
-              <a:latin typeface="Arial" panose="020B0604020202020204" pitchFamily="34" charset="0"/>
-              <a:ea typeface="微软雅黑" panose="020B0503020204020204" charset="-122"/>
-            </a:endParaRPr>
-          </a:p>
-          <a:p>
-            <a:pPr>
-              <a:lnSpc>
-                <a:spcPct val="130000"/>
-              </a:lnSpc>
-            </a:pPr>
-            <a:r>
-              <a:rPr lang="en-US" altLang="zh-CN" sz="1400" dirty="0" smtClean="0">
-                <a:latin typeface="Arial" panose="020B0604020202020204" pitchFamily="34" charset="0"/>
-                <a:ea typeface="微软雅黑" panose="020B0503020204020204" charset="-122"/>
-              </a:rPr>
-              <a:t>logger = logging.getLogger(__name__)</a:t>
-            </a:r>
-            <a:endParaRPr lang="en-US" altLang="zh-CN" sz="1400" dirty="0" smtClean="0">
-              <a:latin typeface="Arial" panose="020B0604020202020204" pitchFamily="34" charset="0"/>
-              <a:ea typeface="微软雅黑" panose="020B0503020204020204" charset="-122"/>
-            </a:endParaRPr>
-          </a:p>
-          <a:p>
-            <a:pPr>
-              <a:lnSpc>
-                <a:spcPct val="130000"/>
-              </a:lnSpc>
-            </a:pPr>
-            <a:r>
-              <a:rPr lang="en-US" altLang="zh-CN" sz="1400" dirty="0" smtClean="0">
-                <a:latin typeface="Arial" panose="020B0604020202020204" pitchFamily="34" charset="0"/>
-                <a:ea typeface="微软雅黑" panose="020B0503020204020204" charset="-122"/>
-              </a:rPr>
-              <a:t>logger.setLevel(logging.INFO)</a:t>
-            </a:r>
-            <a:endParaRPr lang="en-US" altLang="zh-CN" sz="1400" dirty="0" smtClean="0">
-              <a:latin typeface="Arial" panose="020B0604020202020204" pitchFamily="34" charset="0"/>
-              <a:ea typeface="微软雅黑" panose="020B0503020204020204" charset="-122"/>
-            </a:endParaRPr>
-          </a:p>
-          <a:p>
-            <a:pPr>
-              <a:lnSpc>
-                <a:spcPct val="130000"/>
-              </a:lnSpc>
-            </a:pPr>
-            <a:r>
-              <a:rPr lang="en-US" altLang="zh-CN" sz="1400" dirty="0" smtClean="0">
-                <a:latin typeface="Arial" panose="020B0604020202020204" pitchFamily="34" charset="0"/>
-                <a:ea typeface="微软雅黑" panose="020B0503020204020204" charset="-122"/>
-              </a:rPr>
-              <a:t>logger.info('timeout')</a:t>
-            </a:r>
-            <a:endParaRPr lang="en-US" altLang="zh-CN" sz="1400" dirty="0" smtClean="0">
-              <a:latin typeface="Arial" panose="020B0604020202020204" pitchFamily="34" charset="0"/>
-              <a:ea typeface="微软雅黑" panose="020B0503020204020204" charset="-122"/>
-            </a:endParaRPr>
-          </a:p>
-        </p:txBody>
-      </p:sp>
-    </p:spTree>
-  </p:cSld>
-  <p:clrMapOvr>
-    <a:masterClrMapping/>
-  </p:clrMapOvr>
-</p:sld>
-</file>
-
-<file path=ppt/slides/slide30.xml><?xml version="1.0" encoding="utf-8"?>
-<p:sld xmlns:a="http://schemas.openxmlformats.org/drawingml/2006/main" xmlns:r="http://schemas.openxmlformats.org/officeDocument/2006/relationships" xmlns:p="http://schemas.openxmlformats.org/presentationml/2006/main">
-  <p:cSld>
-    <p:spTree>
-      <p:nvGrpSpPr>
-        <p:cNvPr id="1" name=""/>
-        <p:cNvGrpSpPr/>
-        <p:nvPr/>
-      </p:nvGrpSpPr>
-      <p:grpSpPr/>
-      <p:sp>
-        <p:nvSpPr>
-          <p:cNvPr id="2" name="Title 1"/>
-          <p:cNvSpPr>
-            <a:spLocks noGrp="1"/>
-          </p:cNvSpPr>
-          <p:nvPr>
-            <p:ph type="title"/>
-          </p:nvPr>
-        </p:nvSpPr>
-        <p:spPr/>
-        <p:txBody>
-          <a:bodyPr>
-            <a:normAutofit/>
-          </a:bodyPr>
-          <a:p>
-            <a:r>
-              <a:rPr lang="x-none" altLang="en-US"/>
-              <a:t>Video</a:t>
-            </a:r>
-            <a:endParaRPr lang="x-none" altLang="en-US"/>
-          </a:p>
-        </p:txBody>
-      </p:sp>
-      <p:sp>
-        <p:nvSpPr>
-          <p:cNvPr id="3" name="Content Placeholder 2"/>
-          <p:cNvSpPr>
-            <a:spLocks noGrp="1"/>
-          </p:cNvSpPr>
-          <p:nvPr>
-            <p:ph idx="1"/>
-          </p:nvPr>
-        </p:nvSpPr>
-        <p:spPr/>
-        <p:txBody>
-          <a:bodyPr/>
-          <a:p>
-            <a:r>
-              <a:rPr lang="x-none" altLang="en-US"/>
-              <a:t>PyAv</a:t>
-            </a:r>
-            <a:endParaRPr lang="x-none" altLang="en-US"/>
-          </a:p>
-          <a:p>
-            <a:pPr lvl="1"/>
-            <a:r>
-              <a:rPr lang="x-none" altLang="en-US" sz="2000"/>
-              <a:t>Pythonic binding for FFmpeg or Libav</a:t>
-            </a:r>
-            <a:endParaRPr lang="x-none" altLang="en-US" sz="2000"/>
-          </a:p>
-          <a:p>
-            <a:pPr lvl="0"/>
-            <a:r>
-              <a:rPr lang="x-none" altLang="en-US"/>
-              <a:t>Install</a:t>
-            </a:r>
-            <a:endParaRPr lang="x-none" altLang="en-US"/>
-          </a:p>
-          <a:p>
-            <a:pPr lvl="1"/>
-            <a:r>
-              <a:rPr lang="x-none" altLang="en-US"/>
-              <a:t>sudo apt install -y python-dev pkg-config libavformat-dev libavcodec-dev libavdevice-dev libavutil-dev libswscale-dev libavresample-dev libavfilter-dev</a:t>
-            </a:r>
-            <a:endParaRPr lang="x-none" altLang="en-US"/>
-          </a:p>
-          <a:p>
-            <a:pPr lvl="1"/>
-            <a:r>
-              <a:rPr lang="x-none" altLang="en-US"/>
-              <a:t>pip install av</a:t>
-            </a:r>
-            <a:endParaRPr lang="x-none" altLang="en-US"/>
-          </a:p>
-          <a:p>
-            <a:pPr lvl="0"/>
-            <a:r>
-              <a:rPr lang="x-none" altLang="en-US"/>
-              <a:t>Usage</a:t>
-            </a:r>
-            <a:endParaRPr lang="x-none" altLang="en-US"/>
-          </a:p>
-          <a:p>
-            <a:pPr lvl="1"/>
-            <a:r>
-              <a:rPr lang="x-none" altLang="en-US"/>
-              <a:t>container = av.open(fn)</a:t>
-            </a:r>
-            <a:endParaRPr lang="x-none" altLang="en-US"/>
-          </a:p>
-        </p:txBody>
-      </p:sp>
-    </p:spTree>
-  </p:cSld>
-  <p:clrMapOvr>
-    <a:masterClrMapping/>
-  </p:clrMapOvr>
-</p:sld>
-</file>
-
 <file path=ppt/slides/slide31.xml><?xml version="1.0" encoding="utf-8"?>
 <p:sld xmlns:a="http://schemas.openxmlformats.org/drawingml/2006/main" xmlns:r="http://schemas.openxmlformats.org/officeDocument/2006/relationships" xmlns:p="http://schemas.openxmlformats.org/presentationml/2006/main">
   <p:cSld>
@@ -8067,7 +8062,7 @@
       <p:grpSpPr/>
       <p:sp>
         <p:nvSpPr>
-          <p:cNvPr id="2" name="标题 1"/>
+          <p:cNvPr id="2" name="Title 1"/>
           <p:cNvSpPr>
             <a:spLocks noGrp="1"/>
           </p:cNvSpPr>
@@ -8077,90 +8072,85 @@
         </p:nvSpPr>
         <p:spPr/>
         <p:txBody>
+          <a:bodyPr>
+            <a:normAutofit/>
+          </a:bodyPr>
+          <a:p>
+            <a:r>
+              <a:rPr lang="x-none" altLang="en-US"/>
+              <a:t>Video</a:t>
+            </a:r>
+            <a:endParaRPr lang="x-none" altLang="en-US"/>
+          </a:p>
+        </p:txBody>
+      </p:sp>
+      <p:sp>
+        <p:nvSpPr>
+          <p:cNvPr id="3" name="Content Placeholder 2"/>
+          <p:cNvSpPr>
+            <a:spLocks noGrp="1"/>
+          </p:cNvSpPr>
+          <p:nvPr>
+            <p:ph idx="1"/>
+          </p:nvPr>
+        </p:nvSpPr>
+        <p:spPr/>
+        <p:txBody>
           <a:bodyPr/>
           <a:p>
             <a:r>
-              <a:rPr lang="en-US" altLang="zh-CN"/>
-              <a:t>Audio</a:t>
-            </a:r>
-            <a:endParaRPr lang="en-US" altLang="zh-CN"/>
-          </a:p>
-        </p:txBody>
-      </p:sp>
-      <p:sp>
-        <p:nvSpPr>
-          <p:cNvPr id="3" name="内容占位符 2"/>
-          <p:cNvSpPr>
-            <a:spLocks noGrp="1"/>
-          </p:cNvSpPr>
-          <p:nvPr>
-            <p:ph idx="1"/>
-          </p:nvPr>
-        </p:nvSpPr>
-        <p:spPr/>
-        <p:txBody>
-          <a:bodyPr/>
-          <a:p>
-            <a:r>
-              <a:rPr lang="en-US" altLang="zh-CN"/>
-              <a:t>pip install librosa</a:t>
-            </a:r>
-            <a:endParaRPr lang="en-US" altLang="zh-CN"/>
-          </a:p>
-          <a:p>
-            <a:r>
-              <a:rPr lang="en-US" altLang="zh-CN"/>
+              <a:rPr lang="x-none" altLang="en-US"/>
+              <a:t>PyAv</a:t>
+            </a:r>
+            <a:endParaRPr lang="x-none" altLang="en-US"/>
+          </a:p>
+          <a:p>
+            <a:pPr lvl="1"/>
+            <a:r>
+              <a:rPr lang="x-none" altLang="en-US" sz="2000"/>
+              <a:t>Pythonic binding for FFmpeg or Libav</a:t>
+            </a:r>
+            <a:endParaRPr lang="x-none" altLang="en-US" sz="2000"/>
+          </a:p>
+          <a:p>
+            <a:pPr lvl="0"/>
+            <a:r>
+              <a:rPr lang="x-none" altLang="en-US"/>
+              <a:t>Install</a:t>
+            </a:r>
+            <a:endParaRPr lang="x-none" altLang="en-US"/>
+          </a:p>
+          <a:p>
+            <a:pPr lvl="1"/>
+            <a:r>
+              <a:rPr lang="x-none" altLang="en-US"/>
+              <a:t>sudo apt install -y python-dev pkg-config libavformat-dev libavcodec-dev libavdevice-dev libavutil-dev libswscale-dev libavresample-dev libavfilter-dev</a:t>
+            </a:r>
+            <a:endParaRPr lang="x-none" altLang="en-US"/>
+          </a:p>
+          <a:p>
+            <a:pPr lvl="1"/>
+            <a:r>
+              <a:rPr lang="x-none" altLang="en-US"/>
+              <a:t>pip install av</a:t>
+            </a:r>
+            <a:endParaRPr lang="x-none" altLang="en-US"/>
+          </a:p>
+          <a:p>
+            <a:pPr lvl="0"/>
+            <a:r>
+              <a:rPr lang="x-none" altLang="en-US"/>
               <a:t>Usage</a:t>
             </a:r>
-            <a:endParaRPr lang="en-US" altLang="zh-CN"/>
+            <a:endParaRPr lang="x-none" altLang="en-US"/>
           </a:p>
           <a:p>
             <a:pPr lvl="1"/>
             <a:r>
-              <a:rPr lang="en-US" altLang="zh-CN"/>
-              <a:t>import librosa</a:t>
-            </a:r>
-            <a:endParaRPr lang="en-US" altLang="zh-CN"/>
-          </a:p>
-          <a:p>
-            <a:pPr lvl="1"/>
-            <a:r>
-              <a:rPr lang="en-US" altLang="zh-CN"/>
-              <a:t>data, sample_rate = librosa.load(fn_audio)</a:t>
-            </a:r>
-            <a:endParaRPr lang="en-US" altLang="zh-CN"/>
-          </a:p>
-          <a:p>
-            <a:pPr lvl="1"/>
-            <a:r>
-              <a:rPr lang="en-US" altLang="zh-CN"/>
-              <a:t>import librosa.display</a:t>
-            </a:r>
-            <a:endParaRPr lang="en-US" altLang="zh-CN"/>
-          </a:p>
-          <a:p>
-            <a:pPr lvl="1"/>
-            <a:r>
-              <a:rPr lang="en-US" altLang="zh-CN"/>
-              <a:t>plt.figure()</a:t>
-            </a:r>
-            <a:endParaRPr lang="en-US" altLang="zh-CN"/>
-          </a:p>
-          <a:p>
-            <a:pPr lvl="1"/>
-            <a:r>
-              <a:rPr lang="en-US" altLang="zh-CN"/>
-              <a:t>librosa.dipslay.waveplot(data, sample_rate)</a:t>
-            </a:r>
-            <a:endParaRPr lang="en-US" altLang="zh-CN"/>
-          </a:p>
-          <a:p>
-            <a:pPr lvl="1"/>
-            <a:r>
-              <a:rPr lang="en-US" altLang="zh-CN"/>
-              <a:t>plt.show()</a:t>
-            </a:r>
-            <a:endParaRPr lang="en-US" altLang="zh-CN"/>
+              <a:rPr lang="x-none" altLang="en-US"/>
+              <a:t>container = av.open(fn)</a:t>
+            </a:r>
+            <a:endParaRPr lang="x-none" altLang="en-US"/>
           </a:p>
         </p:txBody>
       </p:sp>
@@ -8184,7 +8174,7 @@
       <p:grpSpPr/>
       <p:sp>
         <p:nvSpPr>
-          <p:cNvPr id="2" name="Title 1"/>
+          <p:cNvPr id="2" name="标题 1"/>
           <p:cNvSpPr>
             <a:spLocks noGrp="1"/>
           </p:cNvSpPr>
@@ -8197,16 +8187,16 @@
           <a:bodyPr/>
           <a:p>
             <a:r>
-              <a:rPr lang="x-none" altLang="en-US"/>
-              <a:t>3D</a:t>
-            </a:r>
-            <a:endParaRPr lang="x-none" altLang="en-US"/>
-          </a:p>
-        </p:txBody>
-      </p:sp>
-      <p:sp>
-        <p:nvSpPr>
-          <p:cNvPr id="3" name="Content Placeholder 2"/>
+              <a:rPr lang="en-US" altLang="zh-CN"/>
+              <a:t>Audio</a:t>
+            </a:r>
+            <a:endParaRPr lang="en-US" altLang="zh-CN"/>
+          </a:p>
+        </p:txBody>
+      </p:sp>
+      <p:sp>
+        <p:nvSpPr>
+          <p:cNvPr id="3" name="内容占位符 2"/>
           <p:cNvSpPr>
             <a:spLocks noGrp="1"/>
           </p:cNvSpPr>
@@ -8214,107 +8204,70 @@
             <p:ph idx="1"/>
           </p:nvPr>
         </p:nvSpPr>
-        <p:spPr>
-          <a:xfrm>
-            <a:off x="838200" y="1211580"/>
-            <a:ext cx="10515600" cy="4736465"/>
-          </a:xfrm>
-        </p:spPr>
-        <p:txBody>
-          <a:bodyPr>
-            <a:normAutofit/>
-          </a:bodyPr>
-          <a:p>
-            <a:pPr lvl="0"/>
-            <a:r>
-              <a:rPr lang="en-US" altLang="x-none"/>
-              <a:t>L</a:t>
-            </a:r>
-            <a:r>
-              <a:rPr lang="x-none" altLang="en-US"/>
-              <a:t>oad model</a:t>
-            </a:r>
-            <a:r>
-              <a:rPr lang="en-US" altLang="x-none"/>
-              <a:t>s</a:t>
-            </a:r>
-            <a:endParaRPr lang="x-none" altLang="en-US"/>
+        <p:spPr/>
+        <p:txBody>
+          <a:bodyPr/>
+          <a:p>
+            <a:r>
+              <a:rPr lang="en-US" altLang="zh-CN"/>
+              <a:t>pip install librosa</a:t>
+            </a:r>
+            <a:endParaRPr lang="en-US" altLang="zh-CN"/>
+          </a:p>
+          <a:p>
+            <a:r>
+              <a:rPr lang="en-US" altLang="zh-CN"/>
+              <a:t>Usage</a:t>
+            </a:r>
+            <a:endParaRPr lang="en-US" altLang="zh-CN"/>
           </a:p>
           <a:p>
             <a:pPr lvl="1"/>
             <a:r>
-              <a:rPr lang="x-none" altLang="en-US"/>
-              <a:t>objloader</a:t>
-            </a:r>
-            <a:r>
-              <a:rPr lang="en-US" altLang="x-none"/>
-              <a:t>, plyfile, PyAssimp, pyntcloud, PyMesh, pptk</a:t>
-            </a:r>
-            <a:endParaRPr lang="en-US" altLang="x-none"/>
-          </a:p>
-          <a:p>
-            <a:pPr lvl="0"/>
-            <a:r>
-              <a:rPr lang="x-none" altLang="en-US"/>
-              <a:t>3D math functions</a:t>
-            </a:r>
-            <a:endParaRPr lang="x-none" altLang="en-US"/>
+              <a:rPr lang="en-US" altLang="zh-CN"/>
+              <a:t>import librosa</a:t>
+            </a:r>
+            <a:endParaRPr lang="en-US" altLang="zh-CN"/>
           </a:p>
           <a:p>
             <a:pPr lvl="1"/>
             <a:r>
-              <a:rPr lang="x-none" altLang="en-US"/>
-              <a:t>pip install pyrr</a:t>
-            </a:r>
-            <a:endParaRPr lang="x-none" altLang="en-US"/>
-          </a:p>
-          <a:p>
-            <a:pPr lvl="0"/>
-            <a:r>
-              <a:rPr lang="en-US" altLang="x-none"/>
-              <a:t>Rendering</a:t>
-            </a:r>
-            <a:endParaRPr lang="en-US" altLang="x-none"/>
+              <a:rPr lang="en-US" altLang="zh-CN"/>
+              <a:t>data, sample_rate = librosa.load(fn_audio)</a:t>
+            </a:r>
+            <a:endParaRPr lang="en-US" altLang="zh-CN"/>
           </a:p>
           <a:p>
             <a:pPr lvl="1"/>
             <a:r>
-              <a:rPr lang="en-US" altLang="x-none"/>
-              <a:t>Open3D (https://github.com/IntelVCL/Open3D)</a:t>
-            </a:r>
-            <a:endParaRPr lang="en-US" altLang="x-none"/>
-          </a:p>
-          <a:p>
-            <a:pPr lvl="2"/>
-            <a:r>
-              <a:rPr lang="en-US" altLang="x-none"/>
-              <a:t>pip install open3d</a:t>
-            </a:r>
-            <a:endParaRPr lang="en-US" altLang="x-none"/>
+              <a:rPr lang="en-US" altLang="zh-CN"/>
+              <a:t>import librosa.display</a:t>
+            </a:r>
+            <a:endParaRPr lang="en-US" altLang="zh-CN"/>
           </a:p>
           <a:p>
             <a:pPr lvl="1"/>
             <a:r>
-              <a:rPr lang="en-US" altLang="x-none"/>
-              <a:t>PyOpenGL</a:t>
-            </a:r>
-            <a:endParaRPr lang="en-US" altLang="x-none"/>
+              <a:rPr lang="en-US" altLang="zh-CN"/>
+              <a:t>plt.figure()</a:t>
+            </a:r>
+            <a:endParaRPr lang="en-US" altLang="zh-CN"/>
           </a:p>
           <a:p>
             <a:pPr lvl="1"/>
             <a:r>
-              <a:rPr lang="en-US" altLang="x-none"/>
-              <a:t>ModernGL</a:t>
-            </a:r>
-            <a:endParaRPr lang="en-US" altLang="x-none"/>
+              <a:rPr lang="en-US" altLang="zh-CN"/>
+              <a:t>librosa.dipslay.waveplot(data, sample_rate)</a:t>
+            </a:r>
+            <a:endParaRPr lang="en-US" altLang="zh-CN"/>
           </a:p>
           <a:p>
             <a:pPr lvl="1"/>
             <a:r>
-              <a:rPr lang="en-US" altLang="x-none"/>
-              <a:t>VTK</a:t>
-            </a:r>
-            <a:endParaRPr lang="en-US" altLang="x-none"/>
+              <a:rPr lang="en-US" altLang="zh-CN"/>
+              <a:t>plt.show()</a:t>
+            </a:r>
+            <a:endParaRPr lang="en-US" altLang="zh-CN"/>
           </a:p>
         </p:txBody>
       </p:sp>
@@ -8327,6 +8280,160 @@
 </file>
 
 <file path=ppt/slides/slide33.xml><?xml version="1.0" encoding="utf-8"?>
+<p:sld xmlns:a="http://schemas.openxmlformats.org/drawingml/2006/main" xmlns:r="http://schemas.openxmlformats.org/officeDocument/2006/relationships" xmlns:p="http://schemas.openxmlformats.org/presentationml/2006/main">
+  <p:cSld>
+    <p:spTree>
+      <p:nvGrpSpPr>
+        <p:cNvPr id="1" name=""/>
+        <p:cNvGrpSpPr/>
+        <p:nvPr/>
+      </p:nvGrpSpPr>
+      <p:grpSpPr/>
+      <p:sp>
+        <p:nvSpPr>
+          <p:cNvPr id="2" name="Title 1"/>
+          <p:cNvSpPr>
+            <a:spLocks noGrp="1"/>
+          </p:cNvSpPr>
+          <p:nvPr>
+            <p:ph type="title"/>
+          </p:nvPr>
+        </p:nvSpPr>
+        <p:spPr/>
+        <p:txBody>
+          <a:bodyPr/>
+          <a:p>
+            <a:r>
+              <a:rPr lang="x-none" altLang="en-US"/>
+              <a:t>3D</a:t>
+            </a:r>
+            <a:endParaRPr lang="x-none" altLang="en-US"/>
+          </a:p>
+        </p:txBody>
+      </p:sp>
+      <p:sp>
+        <p:nvSpPr>
+          <p:cNvPr id="3" name="Content Placeholder 2"/>
+          <p:cNvSpPr>
+            <a:spLocks noGrp="1"/>
+          </p:cNvSpPr>
+          <p:nvPr>
+            <p:ph idx="1"/>
+          </p:nvPr>
+        </p:nvSpPr>
+        <p:spPr>
+          <a:xfrm>
+            <a:off x="838200" y="1211580"/>
+            <a:ext cx="10515600" cy="4736465"/>
+          </a:xfrm>
+        </p:spPr>
+        <p:txBody>
+          <a:bodyPr>
+            <a:normAutofit/>
+          </a:bodyPr>
+          <a:p>
+            <a:pPr lvl="0"/>
+            <a:r>
+              <a:rPr lang="en-US" altLang="x-none"/>
+              <a:t>L</a:t>
+            </a:r>
+            <a:r>
+              <a:rPr lang="x-none" altLang="en-US"/>
+              <a:t>oad model</a:t>
+            </a:r>
+            <a:r>
+              <a:rPr lang="en-US" altLang="x-none"/>
+              <a:t>s</a:t>
+            </a:r>
+            <a:endParaRPr lang="x-none" altLang="en-US"/>
+          </a:p>
+          <a:p>
+            <a:pPr lvl="1"/>
+            <a:r>
+              <a:rPr lang="x-none" altLang="en-US"/>
+              <a:t>objloader</a:t>
+            </a:r>
+            <a:r>
+              <a:rPr lang="en-US" altLang="x-none"/>
+              <a:t>, plyfile, PyAssimp, pyntcloud, PyMesh, pptk</a:t>
+            </a:r>
+            <a:endParaRPr lang="en-US" altLang="x-none"/>
+          </a:p>
+          <a:p>
+            <a:pPr lvl="0"/>
+            <a:r>
+              <a:rPr lang="x-none" altLang="en-US"/>
+              <a:t>3D math functions</a:t>
+            </a:r>
+            <a:endParaRPr lang="x-none" altLang="en-US"/>
+          </a:p>
+          <a:p>
+            <a:pPr lvl="1"/>
+            <a:r>
+              <a:rPr lang="x-none" altLang="en-US"/>
+              <a:t>pip install pyrr</a:t>
+            </a:r>
+            <a:endParaRPr lang="x-none" altLang="en-US"/>
+          </a:p>
+          <a:p>
+            <a:pPr lvl="0"/>
+            <a:r>
+              <a:rPr lang="en-US" altLang="x-none"/>
+              <a:t>Rendering</a:t>
+            </a:r>
+            <a:endParaRPr lang="en-US" altLang="x-none"/>
+          </a:p>
+          <a:p>
+            <a:pPr lvl="1"/>
+            <a:r>
+              <a:rPr lang="en-US" altLang="x-none"/>
+              <a:t>Open3D (https://github.com/IntelVCL/Open3D)</a:t>
+            </a:r>
+            <a:endParaRPr lang="en-US" altLang="x-none"/>
+          </a:p>
+          <a:p>
+            <a:pPr lvl="2"/>
+            <a:r>
+              <a:rPr lang="en-US" altLang="x-none"/>
+              <a:t>pip install open3d</a:t>
+            </a:r>
+            <a:endParaRPr lang="en-US" altLang="x-none"/>
+          </a:p>
+          <a:p>
+            <a:pPr lvl="1"/>
+            <a:r>
+              <a:rPr lang="en-US" altLang="x-none"/>
+              <a:t>PyOpenGL</a:t>
+            </a:r>
+            <a:endParaRPr lang="en-US" altLang="x-none"/>
+          </a:p>
+          <a:p>
+            <a:pPr lvl="1"/>
+            <a:r>
+              <a:rPr lang="en-US" altLang="x-none"/>
+              <a:t>ModernGL</a:t>
+            </a:r>
+            <a:endParaRPr lang="en-US" altLang="x-none"/>
+          </a:p>
+          <a:p>
+            <a:pPr lvl="1"/>
+            <a:r>
+              <a:rPr lang="en-US" altLang="x-none"/>
+              <a:t>VTK</a:t>
+            </a:r>
+            <a:endParaRPr lang="en-US" altLang="x-none"/>
+          </a:p>
+        </p:txBody>
+      </p:sp>
+    </p:spTree>
+  </p:cSld>
+  <p:clrMapOvr>
+    <a:masterClrMapping/>
+  </p:clrMapOvr>
+</p:sld>
+</file>
+
+<file path=ppt/slides/slide34.xml><?xml version="1.0" encoding="utf-8"?>
 <p:sld xmlns:a="http://schemas.openxmlformats.org/drawingml/2006/main" xmlns:r="http://schemas.openxmlformats.org/officeDocument/2006/relationships" xmlns:p="http://schemas.openxmlformats.org/presentationml/2006/main">
   <p:cSld>
     <p:spTree>
@@ -8687,7 +8794,7 @@
 </p:sld>
 </file>
 
-<file path=ppt/slides/slide34.xml><?xml version="1.0" encoding="utf-8"?>
+<file path=ppt/slides/slide35.xml><?xml version="1.0" encoding="utf-8"?>
 <p:sld xmlns:a="http://schemas.openxmlformats.org/drawingml/2006/main" xmlns:r="http://schemas.openxmlformats.org/officeDocument/2006/relationships" xmlns:p="http://schemas.openxmlformats.org/presentationml/2006/main">
   <p:cSld>
     <p:spTree>
@@ -8924,64 +9031,6 @@
             </a:r>
             <a:endParaRPr lang="en-US" altLang="zh-CN"/>
           </a:p>
-          <a:p>
-            <a:endParaRPr lang="zh-CN" altLang="en-US"/>
-          </a:p>
-        </p:txBody>
-      </p:sp>
-    </p:spTree>
-  </p:cSld>
-  <p:clrMapOvr>
-    <a:masterClrMapping/>
-  </p:clrMapOvr>
-</p:sld>
-</file>
-
-<file path=ppt/slides/slide35.xml><?xml version="1.0" encoding="utf-8"?>
-<p:sld xmlns:a="http://schemas.openxmlformats.org/drawingml/2006/main" xmlns:r="http://schemas.openxmlformats.org/officeDocument/2006/relationships" xmlns:p="http://schemas.openxmlformats.org/presentationml/2006/main">
-  <p:cSld>
-    <p:spTree>
-      <p:nvGrpSpPr>
-        <p:cNvPr id="1" name=""/>
-        <p:cNvGrpSpPr/>
-        <p:nvPr/>
-      </p:nvGrpSpPr>
-      <p:grpSpPr/>
-      <p:sp>
-        <p:nvSpPr>
-          <p:cNvPr id="4" name="标题 3"/>
-          <p:cNvSpPr>
-            <a:spLocks noGrp="1"/>
-          </p:cNvSpPr>
-          <p:nvPr>
-            <p:ph type="title"/>
-          </p:nvPr>
-        </p:nvSpPr>
-        <p:spPr/>
-        <p:txBody>
-          <a:bodyPr/>
-          <a:p>
-            <a:r>
-              <a:rPr lang="en-US" altLang="zh-CN"/>
-              <a:t>Advanced</a:t>
-            </a:r>
-            <a:endParaRPr lang="en-US" altLang="zh-CN"/>
-          </a:p>
-        </p:txBody>
-      </p:sp>
-      <p:sp>
-        <p:nvSpPr>
-          <p:cNvPr id="5" name="文本占位符 4"/>
-          <p:cNvSpPr>
-            <a:spLocks noGrp="1"/>
-          </p:cNvSpPr>
-          <p:nvPr>
-            <p:ph type="body" idx="1"/>
-          </p:nvPr>
-        </p:nvSpPr>
-        <p:spPr/>
-        <p:txBody>
-          <a:bodyPr/>
           <a:p>
             <a:endParaRPr lang="zh-CN" altLang="en-US"/>
           </a:p>
@@ -9021,7 +9070,7 @@
           <a:p>
             <a:r>
               <a:rPr lang="en-US" altLang="zh-CN"/>
-              <a:t>Wrap As Exe or Dll</a:t>
+              <a:t>QRCode</a:t>
             </a:r>
             <a:endParaRPr lang="en-US" altLang="zh-CN"/>
           </a:p>
@@ -9043,7 +9092,7 @@
           <a:p>
             <a:r>
               <a:rPr lang="en-US" altLang="zh-CN"/>
-              <a:t>py2exe</a:t>
+              <a:t>Genration</a:t>
             </a:r>
             <a:endParaRPr lang="en-US" altLang="zh-CN"/>
           </a:p>
@@ -9051,7 +9100,7 @@
             <a:pPr lvl="1"/>
             <a:r>
               <a:rPr lang="en-US" altLang="zh-CN"/>
-              <a:t>pip install py2exe</a:t>
+              <a:t>pip install qrcode</a:t>
             </a:r>
             <a:endParaRPr lang="en-US" altLang="zh-CN"/>
           </a:p>
@@ -9059,7 +9108,7 @@
             <a:pPr lvl="1"/>
             <a:r>
               <a:rPr lang="en-US" altLang="zh-CN"/>
-              <a:t>Only support python 3.3 or 3.4</a:t>
+              <a:t>img = qrcode.make(string1)</a:t>
             </a:r>
             <a:endParaRPr lang="en-US" altLang="zh-CN"/>
           </a:p>
@@ -9067,7 +9116,7 @@
             <a:pPr lvl="0"/>
             <a:r>
               <a:rPr lang="en-US" altLang="zh-CN"/>
-              <a:t>PyInstaller</a:t>
+              <a:t>Read</a:t>
             </a:r>
             <a:endParaRPr lang="en-US" altLang="zh-CN"/>
           </a:p>
@@ -9075,7 +9124,7 @@
             <a:pPr lvl="1"/>
             <a:r>
               <a:rPr lang="en-US" altLang="zh-CN"/>
-              <a:t>pip install pyinstaller</a:t>
+              <a:t>detector = cv.QRCodeDetector()</a:t>
             </a:r>
             <a:endParaRPr lang="en-US" altLang="zh-CN"/>
           </a:p>
@@ -9083,47 +9132,7 @@
             <a:pPr lvl="1"/>
             <a:r>
               <a:rPr lang="en-US" altLang="zh-CN"/>
-              <a:t>pyinstaller yourprogram.py</a:t>
-            </a:r>
-            <a:endParaRPr lang="en-US" altLang="zh-CN"/>
-          </a:p>
-          <a:p>
-            <a:pPr lvl="2"/>
-            <a:r>
-              <a:rPr lang="en-US" altLang="zh-CN"/>
-              <a:t>Files are generated into “dist” folder</a:t>
-            </a:r>
-            <a:endParaRPr lang="en-US" altLang="zh-CN"/>
-          </a:p>
-          <a:p>
-            <a:pPr lvl="2"/>
-            <a:r>
-              <a:rPr lang="en-US" altLang="zh-CN"/>
-              <a:t>yourprogram.spec</a:t>
-            </a:r>
-            <a:endParaRPr lang="en-US" altLang="zh-CN"/>
-          </a:p>
-          <a:p>
-            <a:pPr lvl="3"/>
-            <a:r>
-              <a:rPr lang="en-US" altLang="zh-CN"/>
-              <a:t>pyinstaller yourprogram.spec</a:t>
-            </a:r>
-            <a:endParaRPr lang="en-US" altLang="zh-CN"/>
-          </a:p>
-          <a:p>
-            <a:pPr lvl="2"/>
-            <a:r>
-              <a:rPr lang="en-US" altLang="zh-CN"/>
-              <a:t>“build” folder</a:t>
-            </a:r>
-            <a:endParaRPr lang="en-US" altLang="zh-CN"/>
-          </a:p>
-          <a:p>
-            <a:pPr lvl="2"/>
-            <a:r>
-              <a:rPr lang="en-US" altLang="zh-CN"/>
-              <a:t>-F: one-file bundled executable</a:t>
+              <a:t>data, bbox, straight_qrcode = detector.detectAndDecode(img)</a:t>
             </a:r>
             <a:endParaRPr lang="en-US" altLang="zh-CN"/>
           </a:p>
@@ -9138,6 +9147,206 @@
 </file>
 
 <file path=ppt/slides/slide37.xml><?xml version="1.0" encoding="utf-8"?>
+<p:sld xmlns:a="http://schemas.openxmlformats.org/drawingml/2006/main" xmlns:r="http://schemas.openxmlformats.org/officeDocument/2006/relationships" xmlns:p="http://schemas.openxmlformats.org/presentationml/2006/main">
+  <p:cSld>
+    <p:spTree>
+      <p:nvGrpSpPr>
+        <p:cNvPr id="1" name=""/>
+        <p:cNvGrpSpPr/>
+        <p:nvPr/>
+      </p:nvGrpSpPr>
+      <p:grpSpPr/>
+      <p:sp>
+        <p:nvSpPr>
+          <p:cNvPr id="4" name="标题 3"/>
+          <p:cNvSpPr>
+            <a:spLocks noGrp="1"/>
+          </p:cNvSpPr>
+          <p:nvPr>
+            <p:ph type="title"/>
+          </p:nvPr>
+        </p:nvSpPr>
+        <p:spPr/>
+        <p:txBody>
+          <a:bodyPr/>
+          <a:p>
+            <a:r>
+              <a:rPr lang="en-US" altLang="zh-CN"/>
+              <a:t>Advanced</a:t>
+            </a:r>
+            <a:endParaRPr lang="en-US" altLang="zh-CN"/>
+          </a:p>
+        </p:txBody>
+      </p:sp>
+      <p:sp>
+        <p:nvSpPr>
+          <p:cNvPr id="5" name="文本占位符 4"/>
+          <p:cNvSpPr>
+            <a:spLocks noGrp="1"/>
+          </p:cNvSpPr>
+          <p:nvPr>
+            <p:ph type="body" idx="1"/>
+          </p:nvPr>
+        </p:nvSpPr>
+        <p:spPr/>
+        <p:txBody>
+          <a:bodyPr/>
+          <a:p>
+            <a:endParaRPr lang="zh-CN" altLang="en-US"/>
+          </a:p>
+        </p:txBody>
+      </p:sp>
+    </p:spTree>
+  </p:cSld>
+  <p:clrMapOvr>
+    <a:masterClrMapping/>
+  </p:clrMapOvr>
+</p:sld>
+</file>
+
+<file path=ppt/slides/slide38.xml><?xml version="1.0" encoding="utf-8"?>
+<p:sld xmlns:a="http://schemas.openxmlformats.org/drawingml/2006/main" xmlns:r="http://schemas.openxmlformats.org/officeDocument/2006/relationships" xmlns:p="http://schemas.openxmlformats.org/presentationml/2006/main">
+  <p:cSld>
+    <p:spTree>
+      <p:nvGrpSpPr>
+        <p:cNvPr id="1" name=""/>
+        <p:cNvGrpSpPr/>
+        <p:nvPr/>
+      </p:nvGrpSpPr>
+      <p:grpSpPr/>
+      <p:sp>
+        <p:nvSpPr>
+          <p:cNvPr id="2" name="标题 1"/>
+          <p:cNvSpPr>
+            <a:spLocks noGrp="1"/>
+          </p:cNvSpPr>
+          <p:nvPr>
+            <p:ph type="title"/>
+          </p:nvPr>
+        </p:nvSpPr>
+        <p:spPr/>
+        <p:txBody>
+          <a:bodyPr/>
+          <a:p>
+            <a:r>
+              <a:rPr lang="en-US" altLang="zh-CN"/>
+              <a:t>Wrap As Exe or Dll</a:t>
+            </a:r>
+            <a:endParaRPr lang="en-US" altLang="zh-CN"/>
+          </a:p>
+        </p:txBody>
+      </p:sp>
+      <p:sp>
+        <p:nvSpPr>
+          <p:cNvPr id="3" name="内容占位符 2"/>
+          <p:cNvSpPr>
+            <a:spLocks noGrp="1"/>
+          </p:cNvSpPr>
+          <p:nvPr>
+            <p:ph idx="1"/>
+          </p:nvPr>
+        </p:nvSpPr>
+        <p:spPr/>
+        <p:txBody>
+          <a:bodyPr/>
+          <a:p>
+            <a:r>
+              <a:rPr lang="en-US" altLang="zh-CN"/>
+              <a:t>py2exe</a:t>
+            </a:r>
+            <a:endParaRPr lang="en-US" altLang="zh-CN"/>
+          </a:p>
+          <a:p>
+            <a:pPr lvl="1"/>
+            <a:r>
+              <a:rPr lang="en-US" altLang="zh-CN"/>
+              <a:t>pip install py2exe</a:t>
+            </a:r>
+            <a:endParaRPr lang="en-US" altLang="zh-CN"/>
+          </a:p>
+          <a:p>
+            <a:pPr lvl="1"/>
+            <a:r>
+              <a:rPr lang="en-US" altLang="zh-CN"/>
+              <a:t>Only support python 3.3 or 3.4</a:t>
+            </a:r>
+            <a:endParaRPr lang="en-US" altLang="zh-CN"/>
+          </a:p>
+          <a:p>
+            <a:pPr lvl="0"/>
+            <a:r>
+              <a:rPr lang="en-US" altLang="zh-CN"/>
+              <a:t>PyInstaller</a:t>
+            </a:r>
+            <a:endParaRPr lang="en-US" altLang="zh-CN"/>
+          </a:p>
+          <a:p>
+            <a:pPr lvl="1"/>
+            <a:r>
+              <a:rPr lang="en-US" altLang="zh-CN"/>
+              <a:t>pip install pyinstaller</a:t>
+            </a:r>
+            <a:endParaRPr lang="en-US" altLang="zh-CN"/>
+          </a:p>
+          <a:p>
+            <a:pPr lvl="1"/>
+            <a:r>
+              <a:rPr lang="en-US" altLang="zh-CN"/>
+              <a:t>pyinstaller yourprogram.py</a:t>
+            </a:r>
+            <a:endParaRPr lang="en-US" altLang="zh-CN"/>
+          </a:p>
+          <a:p>
+            <a:pPr lvl="2"/>
+            <a:r>
+              <a:rPr lang="en-US" altLang="zh-CN"/>
+              <a:t>Files are generated into “dist” folder</a:t>
+            </a:r>
+            <a:endParaRPr lang="en-US" altLang="zh-CN"/>
+          </a:p>
+          <a:p>
+            <a:pPr lvl="2"/>
+            <a:r>
+              <a:rPr lang="en-US" altLang="zh-CN"/>
+              <a:t>yourprogram.spec</a:t>
+            </a:r>
+            <a:endParaRPr lang="en-US" altLang="zh-CN"/>
+          </a:p>
+          <a:p>
+            <a:pPr lvl="3"/>
+            <a:r>
+              <a:rPr lang="en-US" altLang="zh-CN"/>
+              <a:t>pyinstaller yourprogram.spec</a:t>
+            </a:r>
+            <a:endParaRPr lang="en-US" altLang="zh-CN"/>
+          </a:p>
+          <a:p>
+            <a:pPr lvl="2"/>
+            <a:r>
+              <a:rPr lang="en-US" altLang="zh-CN"/>
+              <a:t>“build” folder</a:t>
+            </a:r>
+            <a:endParaRPr lang="en-US" altLang="zh-CN"/>
+          </a:p>
+          <a:p>
+            <a:pPr lvl="2"/>
+            <a:r>
+              <a:rPr lang="en-US" altLang="zh-CN"/>
+              <a:t>-F: one-file bundled executable</a:t>
+            </a:r>
+            <a:endParaRPr lang="en-US" altLang="zh-CN"/>
+          </a:p>
+        </p:txBody>
+      </p:sp>
+    </p:spTree>
+  </p:cSld>
+  <p:clrMapOvr>
+    <a:masterClrMapping/>
+  </p:clrMapOvr>
+</p:sld>
+</file>
+
+<file path=ppt/slides/slide39.xml><?xml version="1.0" encoding="utf-8"?>
 <p:sld xmlns:a="http://schemas.openxmlformats.org/drawingml/2006/main" xmlns:r="http://schemas.openxmlformats.org/officeDocument/2006/relationships" xmlns:p="http://schemas.openxmlformats.org/presentationml/2006/main">
   <p:cSld>
     <p:spTree>
@@ -9591,76 +9800,6 @@
 </p:sld>
 </file>
 
-<file path=ppt/slides/slide38.xml><?xml version="1.0" encoding="utf-8"?>
-<p:sld xmlns:a="http://schemas.openxmlformats.org/drawingml/2006/main" xmlns:r="http://schemas.openxmlformats.org/officeDocument/2006/relationships" xmlns:p="http://schemas.openxmlformats.org/presentationml/2006/main">
-  <p:cSld>
-    <p:spTree>
-      <p:nvGrpSpPr>
-        <p:cNvPr id="1" name=""/>
-        <p:cNvGrpSpPr/>
-        <p:nvPr/>
-      </p:nvGrpSpPr>
-      <p:grpSpPr/>
-      <p:sp>
-        <p:nvSpPr>
-          <p:cNvPr id="2" name="标题 1"/>
-          <p:cNvSpPr>
-            <a:spLocks noGrp="1"/>
-          </p:cNvSpPr>
-          <p:nvPr>
-            <p:ph type="title"/>
-          </p:nvPr>
-        </p:nvSpPr>
-        <p:spPr/>
-        <p:txBody>
-          <a:bodyPr/>
-          <a:p>
-            <a:r>
-              <a:rPr lang="en-US" altLang="zh-CN"/>
-              <a:t>Cython (2)</a:t>
-            </a:r>
-            <a:endParaRPr lang="en-US" altLang="zh-CN"/>
-          </a:p>
-        </p:txBody>
-      </p:sp>
-      <p:sp>
-        <p:nvSpPr>
-          <p:cNvPr id="3" name="内容占位符 2"/>
-          <p:cNvSpPr>
-            <a:spLocks noGrp="1"/>
-          </p:cNvSpPr>
-          <p:nvPr>
-            <p:ph idx="1"/>
-          </p:nvPr>
-        </p:nvSpPr>
-        <p:spPr/>
-        <p:txBody>
-          <a:bodyPr/>
-          <a:p>
-            <a:r>
-              <a:rPr lang="en-US" altLang="zh-CN"/>
-              <a:t>Static typing</a:t>
-            </a:r>
-            <a:endParaRPr lang="en-US" altLang="zh-CN"/>
-          </a:p>
-          <a:p>
-            <a:pPr lvl="1"/>
-            <a:r>
-              <a:rPr lang="en-US" altLang="zh-CN"/>
-              <a:t>cdef</a:t>
-            </a:r>
-            <a:endParaRPr lang="en-US" altLang="zh-CN"/>
-          </a:p>
-        </p:txBody>
-      </p:sp>
-    </p:spTree>
-  </p:cSld>
-  <p:clrMapOvr>
-    <a:masterClrMapping/>
-  </p:clrMapOvr>
-</p:sld>
-</file>
-
 <file path=ppt/slides/slide4.xml><?xml version="1.0" encoding="utf-8"?>
 <p:sld xmlns:a="http://schemas.openxmlformats.org/drawingml/2006/main" xmlns:r="http://schemas.openxmlformats.org/officeDocument/2006/relationships" xmlns:p="http://schemas.openxmlformats.org/presentationml/2006/main">
   <p:cSld>
@@ -9942,6 +10081,76 @@
               <a:t>trusted-host=mirrors.aliyun.com</a:t>
             </a:r>
             <a:endParaRPr lang="en-US"/>
+          </a:p>
+        </p:txBody>
+      </p:sp>
+    </p:spTree>
+  </p:cSld>
+  <p:clrMapOvr>
+    <a:masterClrMapping/>
+  </p:clrMapOvr>
+</p:sld>
+</file>
+
+<file path=ppt/slides/slide40.xml><?xml version="1.0" encoding="utf-8"?>
+<p:sld xmlns:a="http://schemas.openxmlformats.org/drawingml/2006/main" xmlns:r="http://schemas.openxmlformats.org/officeDocument/2006/relationships" xmlns:p="http://schemas.openxmlformats.org/presentationml/2006/main">
+  <p:cSld>
+    <p:spTree>
+      <p:nvGrpSpPr>
+        <p:cNvPr id="1" name=""/>
+        <p:cNvGrpSpPr/>
+        <p:nvPr/>
+      </p:nvGrpSpPr>
+      <p:grpSpPr/>
+      <p:sp>
+        <p:nvSpPr>
+          <p:cNvPr id="2" name="标题 1"/>
+          <p:cNvSpPr>
+            <a:spLocks noGrp="1"/>
+          </p:cNvSpPr>
+          <p:nvPr>
+            <p:ph type="title"/>
+          </p:nvPr>
+        </p:nvSpPr>
+        <p:spPr/>
+        <p:txBody>
+          <a:bodyPr/>
+          <a:p>
+            <a:r>
+              <a:rPr lang="en-US" altLang="zh-CN"/>
+              <a:t>Cython (2)</a:t>
+            </a:r>
+            <a:endParaRPr lang="en-US" altLang="zh-CN"/>
+          </a:p>
+        </p:txBody>
+      </p:sp>
+      <p:sp>
+        <p:nvSpPr>
+          <p:cNvPr id="3" name="内容占位符 2"/>
+          <p:cNvSpPr>
+            <a:spLocks noGrp="1"/>
+          </p:cNvSpPr>
+          <p:nvPr>
+            <p:ph idx="1"/>
+          </p:nvPr>
+        </p:nvSpPr>
+        <p:spPr/>
+        <p:txBody>
+          <a:bodyPr/>
+          <a:p>
+            <a:r>
+              <a:rPr lang="en-US" altLang="zh-CN"/>
+              <a:t>Static typing</a:t>
+            </a:r>
+            <a:endParaRPr lang="en-US" altLang="zh-CN"/>
+          </a:p>
+          <a:p>
+            <a:pPr lvl="1"/>
+            <a:r>
+              <a:rPr lang="en-US" altLang="zh-CN"/>
+              <a:t>cdef</a:t>
+            </a:r>
+            <a:endParaRPr lang="en-US" altLang="zh-CN"/>
           </a:p>
         </p:txBody>
       </p:sp>

--- a/Python/Python-Notes.pptx
+++ b/Python/Python-Notes.pptx
@@ -5,10 +5,10 @@
     <p:sldMasterId id="2147483648" r:id="rId1"/>
   </p:sldMasterIdLst>
   <p:notesMasterIdLst>
-    <p:notesMasterId r:id="rId43"/>
+    <p:notesMasterId r:id="rId50"/>
   </p:notesMasterIdLst>
   <p:handoutMasterIdLst>
-    <p:handoutMasterId r:id="rId44"/>
+    <p:handoutMasterId r:id="rId51"/>
   </p:handoutMasterIdLst>
   <p:sldIdLst>
     <p:sldId id="256" r:id="rId3"/>
@@ -22,35 +22,42 @@
     <p:sldId id="371" r:id="rId11"/>
     <p:sldId id="259" r:id="rId12"/>
     <p:sldId id="545" r:id="rId13"/>
-    <p:sldId id="287" r:id="rId14"/>
-    <p:sldId id="276" r:id="rId15"/>
-    <p:sldId id="333" r:id="rId16"/>
-    <p:sldId id="334" r:id="rId17"/>
-    <p:sldId id="275" r:id="rId18"/>
-    <p:sldId id="260" r:id="rId19"/>
-    <p:sldId id="353" r:id="rId20"/>
-    <p:sldId id="354" r:id="rId21"/>
-    <p:sldId id="352" r:id="rId22"/>
-    <p:sldId id="509" r:id="rId23"/>
-    <p:sldId id="266" r:id="rId24"/>
-    <p:sldId id="261" r:id="rId25"/>
-    <p:sldId id="273" r:id="rId26"/>
-    <p:sldId id="262" r:id="rId27"/>
-    <p:sldId id="284" r:id="rId28"/>
-    <p:sldId id="263" r:id="rId29"/>
-    <p:sldId id="324" r:id="rId30"/>
-    <p:sldId id="285" r:id="rId31"/>
-    <p:sldId id="286" r:id="rId32"/>
-    <p:sldId id="347" r:id="rId33"/>
-    <p:sldId id="448" r:id="rId34"/>
-    <p:sldId id="349" r:id="rId35"/>
-    <p:sldId id="332" r:id="rId36"/>
-    <p:sldId id="369" r:id="rId37"/>
-    <p:sldId id="574" r:id="rId38"/>
-    <p:sldId id="510" r:id="rId39"/>
-    <p:sldId id="351" r:id="rId40"/>
-    <p:sldId id="511" r:id="rId41"/>
-    <p:sldId id="512" r:id="rId42"/>
+    <p:sldId id="662" r:id="rId14"/>
+    <p:sldId id="287" r:id="rId15"/>
+    <p:sldId id="276" r:id="rId16"/>
+    <p:sldId id="333" r:id="rId17"/>
+    <p:sldId id="334" r:id="rId18"/>
+    <p:sldId id="275" r:id="rId19"/>
+    <p:sldId id="260" r:id="rId20"/>
+    <p:sldId id="353" r:id="rId21"/>
+    <p:sldId id="354" r:id="rId22"/>
+    <p:sldId id="352" r:id="rId23"/>
+    <p:sldId id="585" r:id="rId24"/>
+    <p:sldId id="637" r:id="rId25"/>
+    <p:sldId id="613" r:id="rId26"/>
+    <p:sldId id="509" r:id="rId27"/>
+    <p:sldId id="266" r:id="rId28"/>
+    <p:sldId id="261" r:id="rId29"/>
+    <p:sldId id="273" r:id="rId30"/>
+    <p:sldId id="262" r:id="rId31"/>
+    <p:sldId id="284" r:id="rId32"/>
+    <p:sldId id="263" r:id="rId33"/>
+    <p:sldId id="324" r:id="rId34"/>
+    <p:sldId id="285" r:id="rId35"/>
+    <p:sldId id="286" r:id="rId36"/>
+    <p:sldId id="347" r:id="rId37"/>
+    <p:sldId id="448" r:id="rId38"/>
+    <p:sldId id="349" r:id="rId39"/>
+    <p:sldId id="332" r:id="rId40"/>
+    <p:sldId id="369" r:id="rId41"/>
+    <p:sldId id="574" r:id="rId42"/>
+    <p:sldId id="575" r:id="rId43"/>
+    <p:sldId id="580" r:id="rId44"/>
+    <p:sldId id="608" r:id="rId45"/>
+    <p:sldId id="510" r:id="rId46"/>
+    <p:sldId id="351" r:id="rId47"/>
+    <p:sldId id="511" r:id="rId48"/>
+    <p:sldId id="512" r:id="rId49"/>
   </p:sldIdLst>
   <p:sldSz cx="12192000" cy="6858000"/>
   <p:notesSz cx="6858000" cy="9144000"/>
@@ -3849,7 +3856,7 @@
           <a:p>
             <a:r>
               <a:rPr lang="en-US" altLang="zh-CN"/>
-              <a:t>String</a:t>
+              <a:t>String, Bytes</a:t>
             </a:r>
             <a:endParaRPr lang="en-US" altLang="zh-CN"/>
           </a:p>
@@ -3869,7 +3876,35 @@
         <p:txBody>
           <a:bodyPr/>
           <a:p>
-            <a:endParaRPr lang="zh-CN" altLang="en-US"/>
+            <a:r>
+              <a:rPr lang="en-US" altLang="zh-CN"/>
+              <a:t>String to bytes</a:t>
+            </a:r>
+            <a:endParaRPr lang="en-US" altLang="zh-CN"/>
+          </a:p>
+          <a:p>
+            <a:pPr lvl="1"/>
+            <a:r>
+              <a:rPr lang="en-US" altLang="zh-CN"/>
+              <a:t>str.encode(sz)</a:t>
+            </a:r>
+            <a:endParaRPr lang="en-US" altLang="zh-CN"/>
+          </a:p>
+          <a:p>
+            <a:pPr lvl="0"/>
+            <a:r>
+              <a:rPr lang="en-US" altLang="zh-CN"/>
+              <a:t>Bytes to string</a:t>
+            </a:r>
+            <a:endParaRPr lang="en-US" altLang="zh-CN"/>
+          </a:p>
+          <a:p>
+            <a:pPr lvl="1"/>
+            <a:r>
+              <a:rPr lang="en-US" altLang="zh-CN"/>
+              <a:t>sz = bytes.decode()</a:t>
+            </a:r>
+            <a:endParaRPr lang="en-US" altLang="zh-CN"/>
           </a:p>
         </p:txBody>
       </p:sp>
@@ -3893,7 +3928,7 @@
       <p:grpSpPr/>
       <p:sp>
         <p:nvSpPr>
-          <p:cNvPr id="24578" name="标题 2"/>
+          <p:cNvPr id="2" name="标题 1"/>
           <p:cNvSpPr>
             <a:spLocks noGrp="1"/>
           </p:cNvSpPr>
@@ -3903,21 +3938,19 @@
         </p:nvSpPr>
         <p:spPr/>
         <p:txBody>
-          <a:bodyPr anchor="b">
-            <a:normAutofit/>
-          </a:bodyPr>
-          <a:p>
-            <a:r>
-              <a:rPr lang="en-US" altLang="zh-CN" smtClean="0"/>
-              <a:t>Utils</a:t>
-            </a:r>
-            <a:endParaRPr lang="en-US" altLang="zh-CN" smtClean="0"/>
-          </a:p>
-        </p:txBody>
-      </p:sp>
-      <p:sp>
-        <p:nvSpPr>
-          <p:cNvPr id="4" name="内容占位符 3"/>
+          <a:bodyPr/>
+          <a:p>
+            <a:r>
+              <a:rPr lang="en-US" altLang="zh-CN"/>
+              <a:t>Property</a:t>
+            </a:r>
+            <a:endParaRPr lang="en-US" altLang="zh-CN"/>
+          </a:p>
+        </p:txBody>
+      </p:sp>
+      <p:sp>
+        <p:nvSpPr>
+          <p:cNvPr id="3" name="内容占位符 2"/>
           <p:cNvSpPr>
             <a:spLocks noGrp="1"/>
           </p:cNvSpPr>
@@ -3927,235 +3960,51 @@
         </p:nvSpPr>
         <p:spPr/>
         <p:txBody>
-          <a:bodyPr>
-            <a:normAutofit/>
-          </a:bodyPr>
-          <a:p>
-            <a:pPr algn="l">
-              <a:lnSpc>
-                <a:spcPct val="90000"/>
-              </a:lnSpc>
-              <a:buClrTx/>
-              <a:buSzTx/>
-              <a:buChar char="〉"/>
-            </a:pPr>
-            <a:r>
-              <a:rPr lang="en-US" altLang="zh-CN"/>
-              <a:t>Date/time</a:t>
-            </a:r>
-            <a:endParaRPr lang="en-US" altLang="zh-CN"/>
-          </a:p>
-          <a:p>
-            <a:pPr lvl="1" algn="l">
-              <a:lnSpc>
-                <a:spcPct val="90000"/>
-              </a:lnSpc>
-              <a:spcBef>
-                <a:spcPts val="1000"/>
-              </a:spcBef>
-              <a:buClrTx/>
-              <a:buSzTx/>
-              <a:buFont typeface="黑体" panose="02010609060101010101" pitchFamily="49" charset="-122"/>
-              <a:buChar char="〉"/>
-            </a:pPr>
-            <a:r>
-              <a:rPr lang="en-US" altLang="zh-CN"/>
-              <a:t>time</a:t>
-            </a:r>
-            <a:endParaRPr lang="en-US" altLang="zh-CN"/>
-          </a:p>
-          <a:p>
-            <a:pPr lvl="2" algn="l">
-              <a:lnSpc>
-                <a:spcPct val="90000"/>
-              </a:lnSpc>
-              <a:spcBef>
-                <a:spcPts val="1000"/>
-              </a:spcBef>
-              <a:buClrTx/>
-              <a:buSzTx/>
-              <a:buFont typeface="黑体" panose="02010609060101010101" pitchFamily="49" charset="-122"/>
-              <a:buChar char="〉"/>
-            </a:pPr>
-            <a:r>
-              <a:rPr lang="en-US" altLang="zh-CN"/>
-              <a:t>time.gmtime(), time.localtime()</a:t>
-            </a:r>
-            <a:endParaRPr lang="en-US" altLang="zh-CN"/>
-          </a:p>
-          <a:p>
-            <a:pPr lvl="2" algn="l">
-              <a:lnSpc>
-                <a:spcPct val="90000"/>
-              </a:lnSpc>
-              <a:spcBef>
-                <a:spcPts val="1000"/>
-              </a:spcBef>
-              <a:buClrTx/>
-              <a:buSzTx/>
-              <a:buFont typeface="黑体" panose="02010609060101010101" pitchFamily="49" charset="-122"/>
-              <a:buChar char="〉"/>
-            </a:pPr>
-            <a:r>
-              <a:rPr lang="en-US" altLang="zh-CN"/>
-              <a:t>time.asctime(), time.strftime('%Y-%M-%d-%H:%M:%S')</a:t>
-            </a:r>
-            <a:endParaRPr lang="en-US" altLang="zh-CN"/>
-          </a:p>
-          <a:p>
-            <a:pPr lvl="1" algn="l">
-              <a:lnSpc>
-                <a:spcPct val="90000"/>
-              </a:lnSpc>
-              <a:spcBef>
-                <a:spcPts val="1000"/>
-              </a:spcBef>
-              <a:buClrTx/>
-              <a:buSzTx/>
-              <a:buFont typeface="黑体" panose="02010609060101010101" pitchFamily="49" charset="-122"/>
-              <a:buChar char="〉"/>
-            </a:pPr>
-            <a:r>
-              <a:rPr lang="en-US" altLang="zh-CN"/>
-              <a:t>datetime</a:t>
-            </a:r>
-            <a:endParaRPr lang="en-US" altLang="zh-CN"/>
-          </a:p>
-          <a:p>
-            <a:pPr lvl="2" algn="l">
-              <a:lnSpc>
-                <a:spcPct val="90000"/>
-              </a:lnSpc>
-              <a:spcBef>
-                <a:spcPts val="1000"/>
-              </a:spcBef>
-              <a:buClrTx/>
-              <a:buSzTx/>
-              <a:buFont typeface="黑体" panose="02010609060101010101" pitchFamily="49" charset="-122"/>
-              <a:buChar char="〉"/>
-            </a:pPr>
-            <a:r>
-              <a:rPr lang="en-US" altLang="zh-CN" sz="2000"/>
-              <a:t>datetime.datetime.now().strftime('...')</a:t>
-            </a:r>
-            <a:endParaRPr lang="en-US" altLang="zh-CN" sz="2000"/>
-          </a:p>
-          <a:p>
-            <a:pPr lvl="0" algn="l">
-              <a:lnSpc>
-                <a:spcPct val="90000"/>
-              </a:lnSpc>
-              <a:spcBef>
-                <a:spcPts val="1000"/>
-              </a:spcBef>
-              <a:buClrTx/>
-              <a:buSzTx/>
-              <a:buFont typeface="黑体" panose="02010609060101010101" pitchFamily="49" charset="-122"/>
-              <a:buChar char="〉"/>
-            </a:pPr>
-            <a:r>
-              <a:rPr lang="en-US" altLang="zh-CN"/>
-              <a:t>Functools</a:t>
-            </a:r>
-            <a:endParaRPr lang="en-US" altLang="zh-CN"/>
-          </a:p>
-          <a:p>
-            <a:pPr lvl="1" algn="l">
-              <a:lnSpc>
-                <a:spcPct val="90000"/>
-              </a:lnSpc>
-              <a:spcBef>
-                <a:spcPts val="1000"/>
-              </a:spcBef>
-              <a:buClrTx/>
-              <a:buSzTx/>
-              <a:buFont typeface="黑体" panose="02010609060101010101" pitchFamily="49" charset="-122"/>
-              <a:buChar char="〉"/>
-            </a:pPr>
-            <a:r>
-              <a:rPr lang="en-US" altLang="zh-CN"/>
-              <a:t>partial</a:t>
-            </a:r>
-            <a:endParaRPr lang="en-US" altLang="zh-CN"/>
-          </a:p>
-          <a:p>
-            <a:pPr lvl="2" algn="l">
-              <a:lnSpc>
-                <a:spcPct val="90000"/>
-              </a:lnSpc>
-              <a:spcBef>
-                <a:spcPts val="1000"/>
-              </a:spcBef>
-              <a:buClrTx/>
-              <a:buSzTx/>
-              <a:buFont typeface="黑体" panose="02010609060101010101" pitchFamily="49" charset="-122"/>
-              <a:buChar char="〉"/>
-            </a:pPr>
-            <a:r>
-              <a:rPr lang="en-US" altLang="zh-CN"/>
-              <a:t>generate a new function with arguments already filled in</a:t>
-            </a:r>
-            <a:endParaRPr lang="en-US" altLang="zh-CN"/>
-          </a:p>
-        </p:txBody>
-      </p:sp>
-      <p:sp>
-        <p:nvSpPr>
-          <p:cNvPr id="2" name="文本框 1"/>
-          <p:cNvSpPr txBox="1"/>
-          <p:nvPr/>
-        </p:nvSpPr>
-        <p:spPr>
-          <a:xfrm>
-            <a:off x="8131175" y="914400"/>
-            <a:ext cx="3849370" cy="1476375"/>
-          </a:xfrm>
-          <a:prstGeom prst="rect">
-            <a:avLst/>
-          </a:prstGeom>
-          <a:noFill/>
-          <a:ln>
-            <a:solidFill>
-              <a:srgbClr val="C00000"/>
-            </a:solidFill>
-          </a:ln>
-        </p:spPr>
-        <p:txBody>
-          <a:bodyPr wrap="square" rtlCol="0">
-            <a:spAutoFit/>
-          </a:bodyPr>
-          <a:p>
-            <a:r>
-              <a:rPr lang="en-US" altLang="zh-CN"/>
-              <a:t>from functools import partial</a:t>
-            </a:r>
-            <a:endParaRPr lang="en-US" altLang="zh-CN"/>
-          </a:p>
-          <a:p>
-            <a:r>
-              <a:rPr lang="en-US" altLang="zh-CN"/>
-              <a:t>def mul(a, b):</a:t>
-            </a:r>
-            <a:endParaRPr lang="en-US" altLang="zh-CN"/>
-          </a:p>
-          <a:p>
-            <a:r>
-              <a:rPr lang="en-US" altLang="zh-CN"/>
-              <a:t>	return a * b</a:t>
-            </a:r>
-            <a:endParaRPr lang="en-US" altLang="zh-CN"/>
-          </a:p>
-          <a:p>
-            <a:r>
-              <a:rPr lang="en-US" altLang="zh-CN"/>
-              <a:t>func1 = partial(mul, 3)</a:t>
-            </a:r>
-            <a:endParaRPr lang="en-US" altLang="zh-CN"/>
-          </a:p>
-          <a:p>
-            <a:r>
-              <a:rPr lang="en-US" altLang="zh-CN"/>
-              <a:t>val = func1(2)</a:t>
+          <a:bodyPr/>
+          <a:p>
+            <a:r>
+              <a:rPr lang="en-US" altLang="zh-CN"/>
+              <a:t>get</a:t>
+            </a:r>
+            <a:endParaRPr lang="en-US" altLang="zh-CN"/>
+          </a:p>
+          <a:p>
+            <a:pPr lvl="1"/>
+            <a:r>
+              <a:rPr lang="en-US" altLang="zh-CN"/>
+              <a:t>@property</a:t>
+            </a:r>
+            <a:endParaRPr lang="en-US" altLang="zh-CN"/>
+          </a:p>
+          <a:p>
+            <a:pPr lvl="1"/>
+            <a:r>
+              <a:rPr lang="en-US" altLang="zh-CN"/>
+              <a:t>def prop(self):</a:t>
+            </a:r>
+            <a:endParaRPr lang="en-US" altLang="zh-CN"/>
+          </a:p>
+          <a:p>
+            <a:pPr lvl="0"/>
+            <a:r>
+              <a:rPr lang="en-US" altLang="zh-CN"/>
+              <a:t>set</a:t>
+            </a:r>
+            <a:endParaRPr lang="en-US" altLang="zh-CN"/>
+          </a:p>
+          <a:p>
+            <a:pPr lvl="1"/>
+            <a:r>
+              <a:rPr lang="en-US" altLang="zh-CN"/>
+              <a:t>@{prop}.setter</a:t>
+            </a:r>
+            <a:endParaRPr lang="en-US" altLang="zh-CN"/>
+          </a:p>
+          <a:p>
+            <a:pPr lvl="1"/>
+            <a:r>
+              <a:rPr lang="en-US" altLang="zh-CN"/>
+              <a:t>def prop(self, value):</a:t>
             </a:r>
             <a:endParaRPr lang="en-US" altLang="zh-CN"/>
           </a:p>
@@ -4197,7 +4046,7 @@
           <a:p>
             <a:r>
               <a:rPr lang="en-US" altLang="zh-CN" smtClean="0"/>
-              <a:t>Multiprocess 1/3</a:t>
+              <a:t>Utils</a:t>
             </a:r>
             <a:endParaRPr lang="en-US" altLang="zh-CN" smtClean="0"/>
           </a:p>
@@ -4213,71 +4062,282 @@
             <p:ph idx="1"/>
           </p:nvPr>
         </p:nvSpPr>
-        <p:spPr>
-          <a:xfrm>
-            <a:off x="838200" y="1211580"/>
-            <a:ext cx="6344285" cy="4549140"/>
-          </a:xfrm>
-        </p:spPr>
+        <p:spPr/>
         <p:txBody>
           <a:bodyPr>
-            <a:normAutofit/>
+            <a:normAutofit fontScale="90000" lnSpcReduction="20000"/>
           </a:bodyPr>
           <a:p>
-            <a:pPr marL="357505" indent="-357505" algn="l">
+            <a:pPr algn="l">
               <a:lnSpc>
-                <a:spcPct val="200000"/>
+                <a:spcPct val="90000"/>
               </a:lnSpc>
-              <a:buClr>
-                <a:schemeClr val="accent1"/>
-              </a:buClr>
+              <a:buClrTx/>
               <a:buSzTx/>
-              <a:buFont typeface="Wingdings" panose="05000000000000000000" pitchFamily="2" charset="2"/>
-              <a:buChar char=""/>
-            </a:pPr>
-            <a:r>
-              <a:rPr lang="en-US" altLang="zh-CN" smtClean="0"/>
-              <a:t>multiprocessing.Process</a:t>
-            </a:r>
-            <a:endParaRPr lang="en-US" altLang="zh-CN" smtClean="0"/>
+              <a:buChar char="〉"/>
+            </a:pPr>
+            <a:r>
+              <a:rPr lang="en-US" altLang="zh-CN"/>
+              <a:t>Date/time</a:t>
+            </a:r>
+            <a:endParaRPr lang="en-US" altLang="zh-CN"/>
           </a:p>
           <a:p>
             <a:pPr lvl="1" algn="l">
               <a:lnSpc>
-                <a:spcPct val="200000"/>
+                <a:spcPct val="90000"/>
               </a:lnSpc>
-              <a:buFont typeface="Wingdings" panose="05000000000000000000" pitchFamily="2" charset="2"/>
-              <a:buChar char=""/>
-            </a:pPr>
-            <a:r>
-              <a:rPr lang="en-US" altLang="zh-CN" smtClean="0"/>
-              <a:t>Process(target=f, args=(...))</a:t>
-            </a:r>
-            <a:endParaRPr lang="en-US" altLang="zh-CN" smtClean="0"/>
+              <a:spcBef>
+                <a:spcPts val="1000"/>
+              </a:spcBef>
+              <a:buClrTx/>
+              <a:buSzTx/>
+              <a:buFont typeface="黑体" panose="02010609060101010101" pitchFamily="49" charset="-122"/>
+              <a:buChar char="〉"/>
+            </a:pPr>
+            <a:r>
+              <a:rPr lang="en-US" altLang="zh-CN"/>
+              <a:t>time</a:t>
+            </a:r>
+            <a:endParaRPr lang="en-US" altLang="zh-CN"/>
+          </a:p>
+          <a:p>
+            <a:pPr lvl="2" algn="l">
+              <a:lnSpc>
+                <a:spcPct val="90000"/>
+              </a:lnSpc>
+              <a:spcBef>
+                <a:spcPts val="1000"/>
+              </a:spcBef>
+              <a:buClrTx/>
+              <a:buSzTx/>
+              <a:buFont typeface="黑体" panose="02010609060101010101" pitchFamily="49" charset="-122"/>
+              <a:buChar char="〉"/>
+            </a:pPr>
+            <a:r>
+              <a:rPr lang="en-US" altLang="zh-CN"/>
+              <a:t>time.gmtime(), time.localtime()</a:t>
+            </a:r>
+            <a:endParaRPr lang="en-US" altLang="zh-CN"/>
+          </a:p>
+          <a:p>
+            <a:pPr lvl="2" algn="l">
+              <a:lnSpc>
+                <a:spcPct val="90000"/>
+              </a:lnSpc>
+              <a:spcBef>
+                <a:spcPts val="1000"/>
+              </a:spcBef>
+              <a:buClrTx/>
+              <a:buSzTx/>
+              <a:buFont typeface="黑体" panose="02010609060101010101" pitchFamily="49" charset="-122"/>
+              <a:buChar char="〉"/>
+            </a:pPr>
+            <a:r>
+              <a:rPr lang="en-US" altLang="zh-CN"/>
+              <a:t>time.asctime(), time.strftime('%Y-%M-%d-%H:%M:%S')</a:t>
+            </a:r>
+            <a:endParaRPr lang="en-US" altLang="zh-CN"/>
           </a:p>
           <a:p>
             <a:pPr lvl="1" algn="l">
               <a:lnSpc>
-                <a:spcPct val="200000"/>
+                <a:spcPct val="90000"/>
               </a:lnSpc>
-              <a:buFont typeface="Wingdings" panose="05000000000000000000" pitchFamily="2" charset="2"/>
-              <a:buChar char=""/>
-            </a:pPr>
-            <a:r>
-              <a:rPr lang="en-US" altLang="zh-CN" smtClean="0"/>
-              <a:t>start(), join(), is_alive(), terminate(), exitcode</a:t>
-            </a:r>
-            <a:endParaRPr lang="en-US" altLang="zh-CN" smtClean="0"/>
+              <a:spcBef>
+                <a:spcPts val="1000"/>
+              </a:spcBef>
+              <a:buClrTx/>
+              <a:buSzTx/>
+              <a:buFont typeface="黑体" panose="02010609060101010101" pitchFamily="49" charset="-122"/>
+              <a:buChar char="〉"/>
+            </a:pPr>
+            <a:r>
+              <a:rPr lang="en-US" altLang="zh-CN"/>
+              <a:t>datetime</a:t>
+            </a:r>
+            <a:endParaRPr lang="en-US" altLang="zh-CN"/>
+          </a:p>
+          <a:p>
+            <a:pPr lvl="2" algn="l">
+              <a:lnSpc>
+                <a:spcPct val="90000"/>
+              </a:lnSpc>
+              <a:spcBef>
+                <a:spcPts val="1000"/>
+              </a:spcBef>
+              <a:buClrTx/>
+              <a:buSzTx/>
+              <a:buFont typeface="黑体" panose="02010609060101010101" pitchFamily="49" charset="-122"/>
+              <a:buChar char="〉"/>
+            </a:pPr>
+            <a:r>
+              <a:rPr lang="en-US" altLang="zh-CN" sz="2000"/>
+              <a:t>dt = datetime.datetime.now()</a:t>
+            </a:r>
+            <a:endParaRPr lang="en-US" altLang="zh-CN" sz="2000"/>
+          </a:p>
+          <a:p>
+            <a:pPr lvl="2" algn="l">
+              <a:lnSpc>
+                <a:spcPct val="90000"/>
+              </a:lnSpc>
+              <a:spcBef>
+                <a:spcPts val="1000"/>
+              </a:spcBef>
+              <a:buClrTx/>
+              <a:buSzTx/>
+              <a:buFont typeface="黑体" panose="02010609060101010101" pitchFamily="49" charset="-122"/>
+              <a:buChar char="〉"/>
+            </a:pPr>
+            <a:r>
+              <a:rPr lang="en-US" altLang="zh-CN" sz="2000"/>
+              <a:t>dt.date(), dt.time(), dt.year, dt.month, dt.day, dt.hour, dt.minute, dt.second</a:t>
+            </a:r>
+            <a:endParaRPr lang="en-US" altLang="zh-CN" sz="2000"/>
+          </a:p>
+          <a:p>
+            <a:pPr lvl="1" algn="l">
+              <a:lnSpc>
+                <a:spcPct val="90000"/>
+              </a:lnSpc>
+              <a:spcBef>
+                <a:spcPts val="1000"/>
+              </a:spcBef>
+              <a:buClrTx/>
+              <a:buSzTx/>
+              <a:buFont typeface="黑体" panose="02010609060101010101" pitchFamily="49" charset="-122"/>
+              <a:buChar char="〉"/>
+            </a:pPr>
+            <a:r>
+              <a:rPr lang="en-US" altLang="zh-CN" sz="2220"/>
+              <a:t>datetime to string</a:t>
+            </a:r>
+            <a:endParaRPr lang="en-US" altLang="zh-CN" sz="2220"/>
+          </a:p>
+          <a:p>
+            <a:pPr lvl="2" algn="l">
+              <a:lnSpc>
+                <a:spcPct val="90000"/>
+              </a:lnSpc>
+              <a:spcBef>
+                <a:spcPts val="1000"/>
+              </a:spcBef>
+              <a:buClrTx/>
+              <a:buSzTx/>
+              <a:buFont typeface="黑体" panose="02010609060101010101" pitchFamily="49" charset="-122"/>
+              <a:buChar char="〉"/>
+            </a:pPr>
+            <a:r>
+              <a:rPr lang="en-US" altLang="zh-CN" sz="1795">
+                <a:sym typeface="+mn-ea"/>
+              </a:rPr>
+              <a:t>datetime.datetime.now().strftime('...')</a:t>
+            </a:r>
+            <a:endParaRPr lang="en-US" altLang="zh-CN" sz="1795">
+              <a:sym typeface="+mn-ea"/>
+            </a:endParaRPr>
+          </a:p>
+          <a:p>
+            <a:pPr lvl="1" algn="l">
+              <a:lnSpc>
+                <a:spcPct val="90000"/>
+              </a:lnSpc>
+              <a:spcBef>
+                <a:spcPts val="1000"/>
+              </a:spcBef>
+              <a:buClrTx/>
+              <a:buSzTx/>
+              <a:buFont typeface="黑体" panose="02010609060101010101" pitchFamily="49" charset="-122"/>
+              <a:buChar char="〉"/>
+            </a:pPr>
+            <a:r>
+              <a:rPr lang="en-US" altLang="zh-CN" sz="1990">
+                <a:sym typeface="+mn-ea"/>
+              </a:rPr>
+              <a:t>string to datetime</a:t>
+            </a:r>
+            <a:endParaRPr lang="en-US" altLang="zh-CN" sz="1990">
+              <a:sym typeface="+mn-ea"/>
+            </a:endParaRPr>
+          </a:p>
+          <a:p>
+            <a:pPr lvl="2" algn="l">
+              <a:lnSpc>
+                <a:spcPct val="90000"/>
+              </a:lnSpc>
+              <a:spcBef>
+                <a:spcPts val="1000"/>
+              </a:spcBef>
+              <a:buClrTx/>
+              <a:buSzTx/>
+              <a:buFont typeface="黑体" panose="02010609060101010101" pitchFamily="49" charset="-122"/>
+              <a:buChar char="〉"/>
+            </a:pPr>
+            <a:r>
+              <a:rPr lang="en-US" altLang="zh-CN" sz="1790">
+                <a:sym typeface="+mn-ea"/>
+              </a:rPr>
+              <a:t>datetime.strptime(sz, '%Y%m%d%H%M%S')</a:t>
+            </a:r>
+            <a:endParaRPr lang="en-US" altLang="zh-CN" sz="1990"/>
           </a:p>
           <a:p>
             <a:pPr lvl="0" algn="l">
               <a:lnSpc>
-                <a:spcPct val="200000"/>
+                <a:spcPct val="90000"/>
               </a:lnSpc>
-              <a:buFont typeface="Wingdings" panose="05000000000000000000" pitchFamily="2" charset="2"/>
-              <a:buChar char=""/>
-            </a:pPr>
-            <a:endParaRPr lang="en-US" altLang="zh-CN" smtClean="0"/>
+              <a:spcBef>
+                <a:spcPts val="1000"/>
+              </a:spcBef>
+              <a:buClrTx/>
+              <a:buSzTx/>
+              <a:buFont typeface="黑体" panose="02010609060101010101" pitchFamily="49" charset="-122"/>
+              <a:buChar char="〉"/>
+            </a:pPr>
+            <a:r>
+              <a:rPr lang="en-US" altLang="zh-CN"/>
+              <a:t>Functools</a:t>
+            </a:r>
+            <a:endParaRPr lang="en-US" altLang="zh-CN"/>
+          </a:p>
+          <a:p>
+            <a:pPr lvl="1" algn="l">
+              <a:lnSpc>
+                <a:spcPct val="90000"/>
+              </a:lnSpc>
+              <a:spcBef>
+                <a:spcPts val="1000"/>
+              </a:spcBef>
+              <a:buClrTx/>
+              <a:buSzTx/>
+              <a:buFont typeface="黑体" panose="02010609060101010101" pitchFamily="49" charset="-122"/>
+              <a:buChar char="〉"/>
+            </a:pPr>
+            <a:r>
+              <a:rPr lang="en-US" altLang="zh-CN"/>
+              <a:t>partial</a:t>
+            </a:r>
+            <a:endParaRPr lang="en-US" altLang="zh-CN"/>
+          </a:p>
+          <a:p>
+            <a:pPr lvl="2" algn="l">
+              <a:lnSpc>
+                <a:spcPct val="90000"/>
+              </a:lnSpc>
+              <a:spcBef>
+                <a:spcPts val="1000"/>
+              </a:spcBef>
+              <a:buClrTx/>
+              <a:buSzTx/>
+              <a:buFont typeface="黑体" panose="02010609060101010101" pitchFamily="49" charset="-122"/>
+              <a:buChar char="〉"/>
+            </a:pPr>
+            <a:r>
+              <a:rPr lang="en-US" altLang="zh-CN"/>
+              <a:t>generate a new function with arguments already filled in</a:t>
+            </a:r>
+            <a:endParaRPr lang="en-US" altLang="zh-CN"/>
           </a:p>
         </p:txBody>
       </p:sp>
@@ -4289,8 +4349,8 @@
         </p:nvSpPr>
         <p:spPr>
           <a:xfrm>
-            <a:off x="7827010" y="1652905"/>
-            <a:ext cx="3978275" cy="1814830"/>
+            <a:off x="8131175" y="914400"/>
+            <a:ext cx="3849370" cy="1476375"/>
           </a:xfrm>
           <a:prstGeom prst="rect">
             <a:avLst/>
@@ -4298,7 +4358,7 @@
           <a:noFill/>
           <a:ln>
             <a:solidFill>
-              <a:srgbClr val="00B0F0"/>
+              <a:srgbClr val="C00000"/>
             </a:solidFill>
           </a:ln>
         </p:spPr>
@@ -4308,52 +4368,38 @@
           </a:bodyPr>
           <a:p>
             <a:r>
-              <a:rPr lang="zh-CN" altLang="en-US" sz="1400"/>
-              <a:t>def process1(name, seconds):</a:t>
-            </a:r>
-            <a:endParaRPr lang="zh-CN" altLang="en-US" sz="1400"/>
-          </a:p>
-          <a:p>
-            <a:r>
-              <a:rPr lang="zh-CN" altLang="en-US" sz="1400"/>
-              <a:t>    </a:t>
-            </a:r>
-            <a:r>
-              <a:rPr lang="en-US" altLang="zh-CN" sz="1400"/>
-              <a:t>...</a:t>
-            </a:r>
-            <a:endParaRPr lang="zh-CN" altLang="en-US" sz="1400"/>
-          </a:p>
-          <a:p>
-            <a:endParaRPr lang="zh-CN" altLang="en-US" sz="1400"/>
-          </a:p>
-          <a:p>
-            <a:r>
-              <a:rPr lang="zh-CN" altLang="en-US" sz="1400"/>
-              <a:t>def main():</a:t>
-            </a:r>
-            <a:endParaRPr lang="zh-CN" altLang="en-US" sz="1400"/>
-          </a:p>
-          <a:p>
-            <a:r>
-              <a:rPr lang="zh-CN" altLang="en-US" sz="1400"/>
-              <a:t>    p = mp.Process(target=process1, args=('p1', 3))</a:t>
-            </a:r>
-            <a:endParaRPr lang="zh-CN" altLang="en-US" sz="1400"/>
-          </a:p>
-          <a:p>
-            <a:r>
-              <a:rPr lang="zh-CN" altLang="en-US" sz="1400"/>
-              <a:t>    p.start()</a:t>
-            </a:r>
-            <a:endParaRPr lang="zh-CN" altLang="en-US" sz="1400"/>
-          </a:p>
-          <a:p>
-            <a:r>
-              <a:rPr lang="zh-CN" altLang="en-US" sz="1400"/>
-              <a:t>    p.join()</a:t>
-            </a:r>
-            <a:endParaRPr lang="zh-CN" altLang="en-US" sz="1400"/>
+              <a:rPr lang="en-US" altLang="zh-CN"/>
+              <a:t>from functools import partial</a:t>
+            </a:r>
+            <a:endParaRPr lang="en-US" altLang="zh-CN"/>
+          </a:p>
+          <a:p>
+            <a:r>
+              <a:rPr lang="en-US" altLang="zh-CN"/>
+              <a:t>def mul(a, b):</a:t>
+            </a:r>
+            <a:endParaRPr lang="en-US" altLang="zh-CN"/>
+          </a:p>
+          <a:p>
+            <a:r>
+              <a:rPr lang="en-US" altLang="zh-CN"/>
+              <a:t>	return a * b</a:t>
+            </a:r>
+            <a:endParaRPr lang="en-US" altLang="zh-CN"/>
+          </a:p>
+          <a:p>
+            <a:r>
+              <a:rPr lang="en-US" altLang="zh-CN"/>
+              <a:t>func1 = partial(mul, 3)</a:t>
+            </a:r>
+            <a:endParaRPr lang="en-US" altLang="zh-CN"/>
+          </a:p>
+          <a:p>
+            <a:r>
+              <a:rPr lang="en-US" altLang="zh-CN"/>
+              <a:t>val = func1(2)</a:t>
+            </a:r>
+            <a:endParaRPr lang="en-US" altLang="zh-CN"/>
           </a:p>
         </p:txBody>
       </p:sp>
@@ -4377,7 +4423,7 @@
       <p:grpSpPr/>
       <p:sp>
         <p:nvSpPr>
-          <p:cNvPr id="2" name="标题 1"/>
+          <p:cNvPr id="24578" name="标题 2"/>
           <p:cNvSpPr>
             <a:spLocks noGrp="1"/>
           </p:cNvSpPr>
@@ -4387,19 +4433,21 @@
         </p:nvSpPr>
         <p:spPr/>
         <p:txBody>
-          <a:bodyPr/>
-          <a:p>
-            <a:r>
-              <a:rPr lang="en-US" altLang="zh-CN"/>
-              <a:t>Multiprocess 2/3</a:t>
-            </a:r>
-            <a:endParaRPr lang="en-US" altLang="zh-CN"/>
-          </a:p>
-        </p:txBody>
-      </p:sp>
-      <p:sp>
-        <p:nvSpPr>
-          <p:cNvPr id="3" name="内容占位符 2"/>
+          <a:bodyPr anchor="b">
+            <a:normAutofit/>
+          </a:bodyPr>
+          <a:p>
+            <a:r>
+              <a:rPr lang="en-US" altLang="zh-CN" smtClean="0"/>
+              <a:t>Multiprocess 1/3</a:t>
+            </a:r>
+            <a:endParaRPr lang="en-US" altLang="zh-CN" smtClean="0"/>
+          </a:p>
+        </p:txBody>
+      </p:sp>
+      <p:sp>
+        <p:nvSpPr>
+          <p:cNvPr id="4" name="内容占位符 3"/>
           <p:cNvSpPr>
             <a:spLocks noGrp="1"/>
           </p:cNvSpPr>
@@ -4410,50 +4458,81 @@
         <p:spPr>
           <a:xfrm>
             <a:off x="838200" y="1211580"/>
-            <a:ext cx="6417310" cy="4549140"/>
+            <a:ext cx="6344285" cy="4549140"/>
           </a:xfrm>
         </p:spPr>
         <p:txBody>
-          <a:bodyPr/>
-          <a:p>
-            <a:r>
-              <a:rPr lang="en-US" altLang="zh-CN" smtClean="0">
-                <a:sym typeface="+mn-ea"/>
-              </a:rPr>
-              <a:t>multiprocessing.Pool</a:t>
-            </a:r>
-            <a:endParaRPr lang="en-US" altLang="zh-CN" smtClean="0">
-              <a:sym typeface="+mn-ea"/>
-            </a:endParaRPr>
-          </a:p>
-          <a:p>
-            <a:pPr lvl="1"/>
-            <a:r>
-              <a:rPr lang="en-US" altLang="zh-CN"/>
-              <a:t>Pool(process_cnt)</a:t>
-            </a:r>
-            <a:endParaRPr lang="en-US" altLang="zh-CN"/>
-          </a:p>
-          <a:p>
-            <a:pPr lvl="1"/>
-            <a:r>
-              <a:rPr lang="en-US" altLang="zh-CN"/>
-              <a:t>map(f, [iterables])</a:t>
-            </a:r>
-            <a:endParaRPr lang="en-US" altLang="zh-CN"/>
-          </a:p>
-        </p:txBody>
-      </p:sp>
-      <p:sp>
-        <p:nvSpPr>
-          <p:cNvPr id="4" name="文本框 3"/>
+          <a:bodyPr>
+            <a:normAutofit/>
+          </a:bodyPr>
+          <a:p>
+            <a:pPr marL="357505" indent="-357505" algn="l">
+              <a:lnSpc>
+                <a:spcPct val="200000"/>
+              </a:lnSpc>
+              <a:buClr>
+                <a:schemeClr val="accent1"/>
+              </a:buClr>
+              <a:buSzTx/>
+              <a:buFont typeface="Wingdings" panose="05000000000000000000" pitchFamily="2" charset="2"/>
+              <a:buChar char=""/>
+            </a:pPr>
+            <a:r>
+              <a:rPr lang="en-US" altLang="zh-CN" smtClean="0"/>
+              <a:t>multiprocessing.Process</a:t>
+            </a:r>
+            <a:endParaRPr lang="en-US" altLang="zh-CN" smtClean="0"/>
+          </a:p>
+          <a:p>
+            <a:pPr lvl="1" algn="l">
+              <a:lnSpc>
+                <a:spcPct val="200000"/>
+              </a:lnSpc>
+              <a:buFont typeface="Wingdings" panose="05000000000000000000" pitchFamily="2" charset="2"/>
+              <a:buChar char=""/>
+            </a:pPr>
+            <a:r>
+              <a:rPr lang="en-US" altLang="zh-CN" smtClean="0"/>
+              <a:t>Process(target=f, args=(...))</a:t>
+            </a:r>
+            <a:endParaRPr lang="en-US" altLang="zh-CN" smtClean="0"/>
+          </a:p>
+          <a:p>
+            <a:pPr lvl="1" algn="l">
+              <a:lnSpc>
+                <a:spcPct val="200000"/>
+              </a:lnSpc>
+              <a:buFont typeface="Wingdings" panose="05000000000000000000" pitchFamily="2" charset="2"/>
+              <a:buChar char=""/>
+            </a:pPr>
+            <a:r>
+              <a:rPr lang="en-US" altLang="zh-CN" smtClean="0"/>
+              <a:t>start(), join(), is_alive(), terminate(), exitcode</a:t>
+            </a:r>
+            <a:endParaRPr lang="en-US" altLang="zh-CN" smtClean="0"/>
+          </a:p>
+          <a:p>
+            <a:pPr lvl="0" algn="l">
+              <a:lnSpc>
+                <a:spcPct val="200000"/>
+              </a:lnSpc>
+              <a:buFont typeface="Wingdings" panose="05000000000000000000" pitchFamily="2" charset="2"/>
+              <a:buChar char=""/>
+            </a:pPr>
+            <a:endParaRPr lang="en-US" altLang="zh-CN" smtClean="0"/>
+          </a:p>
+        </p:txBody>
+      </p:sp>
+      <p:sp>
+        <p:nvSpPr>
+          <p:cNvPr id="2" name="文本框 1"/>
           <p:cNvSpPr txBox="1"/>
           <p:nvPr/>
         </p:nvSpPr>
         <p:spPr>
           <a:xfrm>
             <a:off x="7827010" y="1652905"/>
-            <a:ext cx="3978275" cy="2245360"/>
+            <a:ext cx="3978275" cy="1814830"/>
           </a:xfrm>
           <a:prstGeom prst="rect">
             <a:avLst/>
@@ -4472,21 +4551,18 @@
           <a:p>
             <a:r>
               <a:rPr lang="zh-CN" altLang="en-US" sz="1400"/>
-              <a:t>def f(x):</a:t>
+              <a:t>def process1(name, seconds):</a:t>
             </a:r>
             <a:endParaRPr lang="zh-CN" altLang="en-US" sz="1400"/>
           </a:p>
           <a:p>
             <a:r>
               <a:rPr lang="zh-CN" altLang="en-US" sz="1400"/>
-              <a:t>    time.sleep(x)</a:t>
-            </a:r>
-            <a:endParaRPr lang="zh-CN" altLang="en-US" sz="1400"/>
-          </a:p>
-          <a:p>
-            <a:r>
-              <a:rPr lang="zh-CN" altLang="en-US" sz="1400"/>
-              <a:t>    return x*x</a:t>
+              <a:t>    </a:t>
+            </a:r>
+            <a:r>
+              <a:rPr lang="en-US" altLang="zh-CN" sz="1400"/>
+              <a:t>...</a:t>
             </a:r>
             <a:endParaRPr lang="zh-CN" altLang="en-US" sz="1400"/>
           </a:p>
@@ -4503,39 +4579,21 @@
           <a:p>
             <a:r>
               <a:rPr lang="zh-CN" altLang="en-US" sz="1400"/>
-              <a:t>    pool = mp.Pool(mp.cpu_count())</a:t>
+              <a:t>    p = mp.Process(target=process1, args=('p1', 3))</a:t>
             </a:r>
             <a:endParaRPr lang="zh-CN" altLang="en-US" sz="1400"/>
           </a:p>
           <a:p>
             <a:r>
               <a:rPr lang="zh-CN" altLang="en-US" sz="1400"/>
-              <a:t>    results = pool.map(f, range(10))</a:t>
+              <a:t>    p.start()</a:t>
             </a:r>
             <a:endParaRPr lang="zh-CN" altLang="en-US" sz="1400"/>
           </a:p>
           <a:p>
             <a:r>
               <a:rPr lang="zh-CN" altLang="en-US" sz="1400"/>
-              <a:t>    </a:t>
-            </a:r>
-            <a:r>
-              <a:rPr lang="en-US" altLang="zh-CN" sz="1400"/>
-              <a:t>pool.close()</a:t>
-            </a:r>
-            <a:endParaRPr lang="en-US" altLang="zh-CN" sz="1400"/>
-          </a:p>
-          <a:p>
-            <a:r>
-              <a:rPr lang="en-US" altLang="zh-CN" sz="1400"/>
-              <a:t>    pool.join()</a:t>
-            </a:r>
-            <a:endParaRPr lang="zh-CN" altLang="en-US" sz="1400"/>
-          </a:p>
-          <a:p>
-            <a:r>
-              <a:rPr lang="zh-CN" altLang="en-US" sz="1400"/>
-              <a:t>    print(results)</a:t>
+              <a:t>    p.join()</a:t>
             </a:r>
             <a:endParaRPr lang="zh-CN" altLang="en-US" sz="1400"/>
           </a:p>
@@ -4575,7 +4633,7 @@
           <a:p>
             <a:r>
               <a:rPr lang="en-US" altLang="zh-CN"/>
-              <a:t>Multiprocess 3/3</a:t>
+              <a:t>Multiprocess 2/3</a:t>
             </a:r>
             <a:endParaRPr lang="en-US" altLang="zh-CN"/>
           </a:p>
@@ -4591,189 +4649,137 @@
             <p:ph idx="1"/>
           </p:nvPr>
         </p:nvSpPr>
-        <p:spPr/>
-        <p:txBody>
-          <a:bodyPr>
-            <a:normAutofit fontScale="50000"/>
-          </a:bodyPr>
-          <a:p>
-            <a:pPr lvl="0" algn="l">
-              <a:lnSpc>
-                <a:spcPct val="200000"/>
-              </a:lnSpc>
-              <a:buFont typeface="Wingdings" panose="05000000000000000000" pitchFamily="2" charset="2"/>
-              <a:buChar char=""/>
-            </a:pPr>
+        <p:spPr>
+          <a:xfrm>
+            <a:off x="838200" y="1211580"/>
+            <a:ext cx="6417310" cy="4549140"/>
+          </a:xfrm>
+        </p:spPr>
+        <p:txBody>
+          <a:bodyPr/>
+          <a:p>
             <a:r>
               <a:rPr lang="en-US" altLang="zh-CN" smtClean="0">
                 <a:sym typeface="+mn-ea"/>
               </a:rPr>
-              <a:t>Inter-Process Communication</a:t>
+              <a:t>multiprocessing.Pool</a:t>
             </a:r>
             <a:endParaRPr lang="en-US" altLang="zh-CN" smtClean="0">
               <a:sym typeface="+mn-ea"/>
             </a:endParaRPr>
           </a:p>
           <a:p>
-            <a:pPr lvl="1" algn="l">
-              <a:lnSpc>
-                <a:spcPct val="200000"/>
-              </a:lnSpc>
-              <a:buFont typeface="Wingdings" panose="05000000000000000000" pitchFamily="2" charset="2"/>
-              <a:buChar char=""/>
-            </a:pPr>
-            <a:r>
-              <a:rPr lang="en-US" altLang="zh-CN" sz="2000" smtClean="0">
-                <a:sym typeface="+mn-ea"/>
-              </a:rPr>
-              <a:t>multiprocessing.Lock()</a:t>
-            </a:r>
-            <a:endParaRPr lang="en-US" altLang="zh-CN" sz="2000" smtClean="0">
-              <a:sym typeface="+mn-ea"/>
-            </a:endParaRPr>
-          </a:p>
-          <a:p>
-            <a:pPr lvl="2" algn="l">
-              <a:lnSpc>
-                <a:spcPct val="200000"/>
-              </a:lnSpc>
-              <a:buFont typeface="Wingdings" panose="05000000000000000000" pitchFamily="2" charset="2"/>
-              <a:buChar char=""/>
-            </a:pPr>
-            <a:r>
-              <a:rPr lang="en-US" altLang="zh-CN" sz="1800" smtClean="0">
-                <a:sym typeface="+mn-ea"/>
-              </a:rPr>
-              <a:t>acquire(), release()</a:t>
-            </a:r>
-            <a:endParaRPr lang="en-US" altLang="zh-CN" sz="1800" smtClean="0">
-              <a:sym typeface="+mn-ea"/>
-            </a:endParaRPr>
-          </a:p>
-          <a:p>
-            <a:pPr lvl="1" algn="l">
-              <a:lnSpc>
-                <a:spcPct val="200000"/>
-              </a:lnSpc>
-              <a:buFont typeface="Wingdings" panose="05000000000000000000" pitchFamily="2" charset="2"/>
-              <a:buChar char=""/>
-            </a:pPr>
-            <a:r>
-              <a:rPr lang="en-US" altLang="zh-CN" smtClean="0">
-                <a:sym typeface="+mn-ea"/>
-              </a:rPr>
-              <a:t>multiprocessing.Value, multiprocessing.Array</a:t>
-            </a:r>
-            <a:endParaRPr lang="en-US" altLang="zh-CN" smtClean="0">
-              <a:sym typeface="+mn-ea"/>
-            </a:endParaRPr>
-          </a:p>
-          <a:p>
-            <a:pPr lvl="0" algn="l">
-              <a:lnSpc>
-                <a:spcPct val="200000"/>
-              </a:lnSpc>
-              <a:buFont typeface="Wingdings" panose="05000000000000000000" pitchFamily="2" charset="2"/>
-              <a:buChar char=""/>
-            </a:pPr>
-            <a:r>
-              <a:rPr lang="en-US" altLang="zh-CN" smtClean="0">
-                <a:sym typeface="+mn-ea"/>
-              </a:rPr>
-              <a:t>os.getpid(), os.getppid()</a:t>
-            </a:r>
-            <a:endParaRPr lang="en-US" altLang="zh-CN" smtClean="0">
-              <a:sym typeface="+mn-ea"/>
-            </a:endParaRPr>
-          </a:p>
-          <a:p>
-            <a:pPr lvl="0" algn="l">
-              <a:lnSpc>
-                <a:spcPct val="200000"/>
-              </a:lnSpc>
-              <a:buFont typeface="Wingdings" panose="05000000000000000000" pitchFamily="2" charset="2"/>
-              <a:buChar char=""/>
-            </a:pPr>
-            <a:r>
-              <a:rPr lang="en-US" altLang="zh-CN" smtClean="0">
-                <a:sym typeface="+mn-ea"/>
-              </a:rPr>
-              <a:t>multiprocessing.cpu_count()</a:t>
-            </a:r>
-            <a:endParaRPr lang="en-US" altLang="zh-CN" smtClean="0">
-              <a:sym typeface="+mn-ea"/>
-            </a:endParaRPr>
-          </a:p>
-          <a:p>
-            <a:pPr lvl="0" algn="l">
-              <a:lnSpc>
-                <a:spcPct val="200000"/>
-              </a:lnSpc>
-              <a:buFont typeface="Wingdings" panose="05000000000000000000" pitchFamily="2" charset="2"/>
-              <a:buChar char=""/>
-            </a:pPr>
-            <a:r>
-              <a:rPr lang="en-US" altLang="zh-CN" smtClean="0">
-                <a:sym typeface="+mn-ea"/>
-              </a:rPr>
-              <a:t>multiprocessing.set_start_method('spawn'/'fork'/'forkserver')</a:t>
-            </a:r>
-            <a:endParaRPr lang="en-US" altLang="zh-CN" smtClean="0">
-              <a:sym typeface="+mn-ea"/>
-            </a:endParaRPr>
-          </a:p>
-          <a:p>
-            <a:pPr lvl="1" algn="l">
-              <a:lnSpc>
-                <a:spcPct val="200000"/>
-              </a:lnSpc>
-              <a:buFont typeface="Wingdings" panose="05000000000000000000" pitchFamily="2" charset="2"/>
-              <a:buChar char=""/>
-            </a:pPr>
-            <a:r>
-              <a:rPr lang="en-US" altLang="zh-CN" sz="2000" smtClean="0">
-                <a:sym typeface="+mn-ea"/>
-              </a:rPr>
-              <a:t>spawn: Windows default, slow</a:t>
-            </a:r>
-            <a:endParaRPr lang="en-US" altLang="zh-CN" sz="2000" smtClean="0">
-              <a:sym typeface="+mn-ea"/>
-            </a:endParaRPr>
-          </a:p>
-          <a:p>
-            <a:pPr lvl="1" algn="l">
-              <a:lnSpc>
-                <a:spcPct val="200000"/>
-              </a:lnSpc>
-              <a:buFont typeface="Wingdings" panose="05000000000000000000" pitchFamily="2" charset="2"/>
-              <a:buChar char=""/>
-            </a:pPr>
-            <a:r>
-              <a:rPr lang="en-US" altLang="zh-CN" sz="2000" smtClean="0">
-                <a:sym typeface="+mn-ea"/>
-              </a:rPr>
-              <a:t>fork: Unix default</a:t>
-            </a:r>
-            <a:endParaRPr lang="en-US" altLang="zh-CN" smtClean="0"/>
-          </a:p>
-          <a:p>
-            <a:pPr lvl="0" algn="l">
-              <a:lnSpc>
-                <a:spcPct val="200000"/>
-              </a:lnSpc>
-              <a:buFont typeface="Wingdings" panose="05000000000000000000" pitchFamily="2" charset="2"/>
-              <a:buChar char=""/>
-            </a:pPr>
-            <a:r>
-              <a:rPr lang="en-US" altLang="zh-CN" smtClean="0">
-                <a:sym typeface="+mn-ea"/>
-              </a:rPr>
-              <a:t>concurrent.futures.ProcessPoolExecutor (3.2+)</a:t>
-            </a:r>
-            <a:endParaRPr lang="en-US" altLang="zh-CN" smtClean="0"/>
-          </a:p>
-          <a:p>
-            <a:endParaRPr lang="zh-CN" altLang="en-US"/>
+            <a:pPr lvl="1"/>
+            <a:r>
+              <a:rPr lang="en-US" altLang="zh-CN"/>
+              <a:t>Pool(process_cnt)</a:t>
+            </a:r>
+            <a:endParaRPr lang="en-US" altLang="zh-CN"/>
+          </a:p>
+          <a:p>
+            <a:pPr lvl="1"/>
+            <a:r>
+              <a:rPr lang="en-US" altLang="zh-CN"/>
+              <a:t>map(f, [iterables])</a:t>
+            </a:r>
+            <a:endParaRPr lang="en-US" altLang="zh-CN"/>
+          </a:p>
+        </p:txBody>
+      </p:sp>
+      <p:sp>
+        <p:nvSpPr>
+          <p:cNvPr id="4" name="文本框 3"/>
+          <p:cNvSpPr txBox="1"/>
+          <p:nvPr/>
+        </p:nvSpPr>
+        <p:spPr>
+          <a:xfrm>
+            <a:off x="7827010" y="1652905"/>
+            <a:ext cx="3978275" cy="2245360"/>
+          </a:xfrm>
+          <a:prstGeom prst="rect">
+            <a:avLst/>
+          </a:prstGeom>
+          <a:noFill/>
+          <a:ln>
+            <a:solidFill>
+              <a:srgbClr val="00B0F0"/>
+            </a:solidFill>
+          </a:ln>
+        </p:spPr>
+        <p:txBody>
+          <a:bodyPr wrap="square" rtlCol="0">
+            <a:spAutoFit/>
+          </a:bodyPr>
+          <a:p>
+            <a:r>
+              <a:rPr lang="zh-CN" altLang="en-US" sz="1400"/>
+              <a:t>def f(x):</a:t>
+            </a:r>
+            <a:endParaRPr lang="zh-CN" altLang="en-US" sz="1400"/>
+          </a:p>
+          <a:p>
+            <a:r>
+              <a:rPr lang="zh-CN" altLang="en-US" sz="1400"/>
+              <a:t>    time.sleep(x)</a:t>
+            </a:r>
+            <a:endParaRPr lang="zh-CN" altLang="en-US" sz="1400"/>
+          </a:p>
+          <a:p>
+            <a:r>
+              <a:rPr lang="zh-CN" altLang="en-US" sz="1400"/>
+              <a:t>    return x*x</a:t>
+            </a:r>
+            <a:endParaRPr lang="zh-CN" altLang="en-US" sz="1400"/>
+          </a:p>
+          <a:p>
+            <a:endParaRPr lang="zh-CN" altLang="en-US" sz="1400"/>
+          </a:p>
+          <a:p>
+            <a:r>
+              <a:rPr lang="zh-CN" altLang="en-US" sz="1400"/>
+              <a:t>def main():</a:t>
+            </a:r>
+            <a:endParaRPr lang="zh-CN" altLang="en-US" sz="1400"/>
+          </a:p>
+          <a:p>
+            <a:r>
+              <a:rPr lang="zh-CN" altLang="en-US" sz="1400"/>
+              <a:t>    pool = mp.Pool(mp.cpu_count())</a:t>
+            </a:r>
+            <a:endParaRPr lang="zh-CN" altLang="en-US" sz="1400"/>
+          </a:p>
+          <a:p>
+            <a:r>
+              <a:rPr lang="zh-CN" altLang="en-US" sz="1400"/>
+              <a:t>    results = pool.map(f, range(10))</a:t>
+            </a:r>
+            <a:endParaRPr lang="zh-CN" altLang="en-US" sz="1400"/>
+          </a:p>
+          <a:p>
+            <a:r>
+              <a:rPr lang="zh-CN" altLang="en-US" sz="1400"/>
+              <a:t>    </a:t>
+            </a:r>
+            <a:r>
+              <a:rPr lang="en-US" altLang="zh-CN" sz="1400"/>
+              <a:t>pool.close()</a:t>
+            </a:r>
+            <a:endParaRPr lang="en-US" altLang="zh-CN" sz="1400"/>
+          </a:p>
+          <a:p>
+            <a:r>
+              <a:rPr lang="en-US" altLang="zh-CN" sz="1400"/>
+              <a:t>    pool.join()</a:t>
+            </a:r>
+            <a:endParaRPr lang="zh-CN" altLang="en-US" sz="1400"/>
+          </a:p>
+          <a:p>
+            <a:r>
+              <a:rPr lang="zh-CN" altLang="en-US" sz="1400"/>
+              <a:t>    print(results)</a:t>
+            </a:r>
+            <a:endParaRPr lang="zh-CN" altLang="en-US" sz="1400"/>
           </a:p>
         </p:txBody>
       </p:sp>
@@ -4797,7 +4803,7 @@
       <p:grpSpPr/>
       <p:sp>
         <p:nvSpPr>
-          <p:cNvPr id="24578" name="标题 2"/>
+          <p:cNvPr id="2" name="标题 1"/>
           <p:cNvSpPr>
             <a:spLocks noGrp="1"/>
           </p:cNvSpPr>
@@ -4807,68 +4813,48 @@
         </p:nvSpPr>
         <p:spPr/>
         <p:txBody>
-          <a:bodyPr anchor="b">
-            <a:normAutofit/>
+          <a:bodyPr/>
+          <a:p>
+            <a:r>
+              <a:rPr lang="en-US" altLang="zh-CN"/>
+              <a:t>Multiprocess 3/3</a:t>
+            </a:r>
+            <a:endParaRPr lang="en-US" altLang="zh-CN"/>
+          </a:p>
+        </p:txBody>
+      </p:sp>
+      <p:sp>
+        <p:nvSpPr>
+          <p:cNvPr id="3" name="内容占位符 2"/>
+          <p:cNvSpPr>
+            <a:spLocks noGrp="1"/>
+          </p:cNvSpPr>
+          <p:nvPr>
+            <p:ph idx="1"/>
+          </p:nvPr>
+        </p:nvSpPr>
+        <p:spPr/>
+        <p:txBody>
+          <a:bodyPr>
+            <a:normAutofit fontScale="50000"/>
           </a:bodyPr>
           <a:p>
-            <a:r>
-              <a:rPr lang="en-US" altLang="zh-CN" smtClean="0"/>
-              <a:t>Thread</a:t>
-            </a:r>
-            <a:endParaRPr lang="en-US" altLang="zh-CN" smtClean="0"/>
-          </a:p>
-        </p:txBody>
-      </p:sp>
-      <p:sp>
-        <p:nvSpPr>
-          <p:cNvPr id="4" name="内容占位符 3"/>
-          <p:cNvSpPr>
-            <a:spLocks noGrp="1"/>
-          </p:cNvSpPr>
-          <p:nvPr>
-            <p:ph idx="1"/>
-          </p:nvPr>
-        </p:nvSpPr>
-        <p:spPr/>
-        <p:txBody>
-          <a:bodyPr>
-            <a:normAutofit fontScale="60000"/>
-          </a:bodyPr>
-          <a:p>
-            <a:pPr marL="357505" indent="-357505" algn="l">
+            <a:pPr lvl="0" algn="l">
               <a:lnSpc>
                 <a:spcPct val="200000"/>
               </a:lnSpc>
-              <a:buClr>
-                <a:schemeClr val="accent1"/>
-              </a:buClr>
-              <a:buSzTx/>
               <a:buFont typeface="Wingdings" panose="05000000000000000000" pitchFamily="2" charset="2"/>
-              <a:buChar char=""/>
-            </a:pPr>
-            <a:r>
-              <a:rPr lang="en-US" altLang="zh-CN" smtClean="0"/>
-              <a:t>thread.start_new_thread(func, args)</a:t>
-            </a:r>
-            <a:endParaRPr lang="en-US" altLang="zh-CN" smtClean="0"/>
-          </a:p>
-          <a:p>
-            <a:pPr marL="357505" indent="-357505" algn="l">
-              <a:lnSpc>
-                <a:spcPct val="200000"/>
-              </a:lnSpc>
-              <a:buClr>
-                <a:schemeClr val="accent1"/>
-              </a:buClr>
-              <a:buSzTx/>
-              <a:buFont typeface="Wingdings" panose="05000000000000000000" pitchFamily="2" charset="2"/>
-              <a:buChar char=""/>
-            </a:pPr>
-            <a:r>
-              <a:rPr lang="en-US" altLang="zh-CN" smtClean="0"/>
-              <a:t>threading</a:t>
-            </a:r>
-            <a:endParaRPr lang="en-US" altLang="zh-CN" smtClean="0"/>
+              <a:buChar char=""/>
+            </a:pPr>
+            <a:r>
+              <a:rPr lang="en-US" altLang="zh-CN" smtClean="0">
+                <a:sym typeface="+mn-ea"/>
+              </a:rPr>
+              <a:t>Inter-Process Communication</a:t>
+            </a:r>
+            <a:endParaRPr lang="en-US" altLang="zh-CN" smtClean="0">
+              <a:sym typeface="+mn-ea"/>
+            </a:endParaRPr>
           </a:p>
           <a:p>
             <a:pPr lvl="1" algn="l">
@@ -4879,10 +4865,50 @@
               <a:buChar char=""/>
             </a:pPr>
             <a:r>
-              <a:rPr lang="en-US" altLang="zh-CN" smtClean="0"/>
-              <a:t>activeCount(), currentThread(), enumerate()</a:t>
-            </a:r>
-            <a:endParaRPr lang="en-US" altLang="zh-CN" smtClean="0"/>
+              <a:rPr lang="en-US" altLang="zh-CN" sz="2000" smtClean="0">
+                <a:sym typeface="+mn-ea"/>
+              </a:rPr>
+              <a:t>multiprocessing.Lock()</a:t>
+            </a:r>
+            <a:endParaRPr lang="en-US" altLang="zh-CN" sz="2000" smtClean="0">
+              <a:sym typeface="+mn-ea"/>
+            </a:endParaRPr>
+          </a:p>
+          <a:p>
+            <a:pPr lvl="2" algn="l">
+              <a:lnSpc>
+                <a:spcPct val="200000"/>
+              </a:lnSpc>
+              <a:buFont typeface="Wingdings" panose="05000000000000000000" pitchFamily="2" charset="2"/>
+              <a:buChar char=""/>
+            </a:pPr>
+            <a:r>
+              <a:rPr lang="en-US" altLang="zh-CN" sz="1800" smtClean="0">
+                <a:sym typeface="+mn-ea"/>
+              </a:rPr>
+              <a:t>acquire(), release()</a:t>
+            </a:r>
+            <a:endParaRPr lang="en-US" altLang="zh-CN" sz="1800" smtClean="0">
+              <a:sym typeface="+mn-ea"/>
+            </a:endParaRPr>
+          </a:p>
+          <a:p>
+            <a:pPr lvl="1" algn="l">
+              <a:lnSpc>
+                <a:spcPct val="200000"/>
+              </a:lnSpc>
+              <a:buFont typeface="Wingdings" panose="05000000000000000000" pitchFamily="2" charset="2"/>
+              <a:buChar char=""/>
+            </a:pPr>
+            <a:r>
+              <a:rPr lang="en-US" altLang="zh-CN" smtClean="0">
+                <a:sym typeface="+mn-ea"/>
+              </a:rPr>
+              <a:t>multiprocessing.Value, multiprocessing.Array</a:t>
+            </a:r>
+            <a:endParaRPr lang="en-US" altLang="zh-CN" smtClean="0">
+              <a:sym typeface="+mn-ea"/>
+            </a:endParaRPr>
           </a:p>
           <a:p>
             <a:pPr lvl="0" algn="l">
@@ -4893,10 +4919,50 @@
               <a:buChar char=""/>
             </a:pPr>
             <a:r>
-              <a:rPr lang="en-US" altLang="zh-CN" smtClean="0"/>
-              <a:t>threading.Thread class</a:t>
-            </a:r>
-            <a:endParaRPr lang="en-US" altLang="zh-CN" smtClean="0"/>
+              <a:rPr lang="en-US" altLang="zh-CN" smtClean="0">
+                <a:sym typeface="+mn-ea"/>
+              </a:rPr>
+              <a:t>os.getpid(), os.getppid()</a:t>
+            </a:r>
+            <a:endParaRPr lang="en-US" altLang="zh-CN" smtClean="0">
+              <a:sym typeface="+mn-ea"/>
+            </a:endParaRPr>
+          </a:p>
+          <a:p>
+            <a:pPr lvl="0" algn="l">
+              <a:lnSpc>
+                <a:spcPct val="200000"/>
+              </a:lnSpc>
+              <a:buFont typeface="Wingdings" panose="05000000000000000000" pitchFamily="2" charset="2"/>
+              <a:buChar char=""/>
+            </a:pPr>
+            <a:r>
+              <a:rPr lang="en-US" altLang="zh-CN" smtClean="0">
+                <a:sym typeface="+mn-ea"/>
+              </a:rPr>
+              <a:t>multiprocessing.cpu_count()</a:t>
+            </a:r>
+            <a:endParaRPr lang="en-US" altLang="zh-CN" smtClean="0">
+              <a:sym typeface="+mn-ea"/>
+            </a:endParaRPr>
+          </a:p>
+          <a:p>
+            <a:pPr lvl="0" algn="l">
+              <a:lnSpc>
+                <a:spcPct val="200000"/>
+              </a:lnSpc>
+              <a:buFont typeface="Wingdings" panose="05000000000000000000" pitchFamily="2" charset="2"/>
+              <a:buChar char=""/>
+            </a:pPr>
+            <a:r>
+              <a:rPr lang="en-US" altLang="zh-CN" smtClean="0">
+                <a:sym typeface="+mn-ea"/>
+              </a:rPr>
+              <a:t>multiprocessing.set_start_method('spawn'/'fork'/'forkserver')</a:t>
+            </a:r>
+            <a:endParaRPr lang="en-US" altLang="zh-CN" smtClean="0">
+              <a:sym typeface="+mn-ea"/>
+            </a:endParaRPr>
           </a:p>
           <a:p>
             <a:pPr lvl="1" algn="l">
@@ -4907,8 +4973,28 @@
               <a:buChar char=""/>
             </a:pPr>
             <a:r>
-              <a:rPr lang="en-US" altLang="zh-CN" smtClean="0"/>
-              <a:t>run(), start(), join(), isAlive(), getName(), setName()</a:t>
+              <a:rPr lang="en-US" altLang="zh-CN" sz="2000" smtClean="0">
+                <a:sym typeface="+mn-ea"/>
+              </a:rPr>
+              <a:t>spawn: Windows default, slow</a:t>
+            </a:r>
+            <a:endParaRPr lang="en-US" altLang="zh-CN" sz="2000" smtClean="0">
+              <a:sym typeface="+mn-ea"/>
+            </a:endParaRPr>
+          </a:p>
+          <a:p>
+            <a:pPr lvl="1" algn="l">
+              <a:lnSpc>
+                <a:spcPct val="200000"/>
+              </a:lnSpc>
+              <a:buFont typeface="Wingdings" panose="05000000000000000000" pitchFamily="2" charset="2"/>
+              <a:buChar char=""/>
+            </a:pPr>
+            <a:r>
+              <a:rPr lang="en-US" altLang="zh-CN" sz="2000" smtClean="0">
+                <a:sym typeface="+mn-ea"/>
+              </a:rPr>
+              <a:t>fork: Unix default</a:t>
             </a:r>
             <a:endParaRPr lang="en-US" altLang="zh-CN" smtClean="0"/>
           </a:p>
@@ -4921,52 +5007,15 @@
               <a:buChar char=""/>
             </a:pPr>
             <a:r>
-              <a:rPr lang="en-US" altLang="zh-CN" smtClean="0"/>
-              <a:t>threading.Lock</a:t>
+              <a:rPr lang="en-US" altLang="zh-CN" smtClean="0">
+                <a:sym typeface="+mn-ea"/>
+              </a:rPr>
+              <a:t>concurrent.futures.ProcessPoolExecutor (3.2+)</a:t>
             </a:r>
             <a:endParaRPr lang="en-US" altLang="zh-CN" smtClean="0"/>
           </a:p>
           <a:p>
-            <a:pPr lvl="1" algn="l">
-              <a:lnSpc>
-                <a:spcPct val="200000"/>
-              </a:lnSpc>
-              <a:buFont typeface="Wingdings" panose="05000000000000000000" pitchFamily="2" charset="2"/>
-              <a:buChar char=""/>
-            </a:pPr>
-            <a:r>
-              <a:rPr lang="en-US" altLang="zh-CN" smtClean="0"/>
-              <a:t>acquire(), release()</a:t>
-            </a:r>
-            <a:endParaRPr lang="en-US" altLang="zh-CN" smtClean="0"/>
-          </a:p>
-          <a:p>
-            <a:pPr lvl="0" algn="l">
-              <a:lnSpc>
-                <a:spcPct val="200000"/>
-              </a:lnSpc>
-              <a:buFont typeface="Wingdings" panose="05000000000000000000" pitchFamily="2" charset="2"/>
-              <a:buChar char=""/>
-            </a:pPr>
-            <a:r>
-              <a:rPr lang="en-US" altLang="zh-CN" smtClean="0"/>
-              <a:t>Queue</a:t>
-            </a:r>
-            <a:endParaRPr lang="en-US" altLang="zh-CN" smtClean="0"/>
-          </a:p>
-          <a:p>
-            <a:pPr lvl="1" algn="l">
-              <a:lnSpc>
-                <a:spcPct val="200000"/>
-              </a:lnSpc>
-              <a:buFont typeface="Wingdings" panose="05000000000000000000" pitchFamily="2" charset="2"/>
-              <a:buChar char=""/>
-            </a:pPr>
-            <a:r>
-              <a:rPr lang="en-US" altLang="zh-CN" smtClean="0"/>
-              <a:t>get(), put(), qsize(), empty(), full()</a:t>
-            </a:r>
-            <a:endParaRPr lang="en-US" altLang="zh-CN" smtClean="0"/>
+            <a:endParaRPr lang="zh-CN" altLang="en-US"/>
           </a:p>
         </p:txBody>
       </p:sp>
@@ -5006,7 +5055,7 @@
           <a:p>
             <a:r>
               <a:rPr lang="en-US" altLang="zh-CN" smtClean="0"/>
-              <a:t>Modules</a:t>
+              <a:t>Thread</a:t>
             </a:r>
             <a:endParaRPr lang="en-US" altLang="zh-CN" smtClean="0"/>
           </a:p>
@@ -5025,7 +5074,7 @@
         <p:spPr/>
         <p:txBody>
           <a:bodyPr>
-            <a:normAutofit/>
+            <a:normAutofit fontScale="60000"/>
           </a:bodyPr>
           <a:p>
             <a:pPr marL="357505" indent="-357505" algn="l">
@@ -5041,7 +5090,7 @@
             </a:pPr>
             <a:r>
               <a:rPr lang="en-US" altLang="zh-CN" smtClean="0"/>
-              <a:t>NumPy</a:t>
+              <a:t>thread.start_new_thread(func, args)</a:t>
             </a:r>
             <a:endParaRPr lang="en-US" altLang="zh-CN" smtClean="0"/>
           </a:p>
@@ -5059,61 +5108,105 @@
             </a:pPr>
             <a:r>
               <a:rPr lang="en-US" altLang="zh-CN" smtClean="0"/>
-              <a:t>Pandas</a:t>
+              <a:t>threading</a:t>
             </a:r>
             <a:endParaRPr lang="en-US" altLang="zh-CN" smtClean="0"/>
           </a:p>
           <a:p>
-            <a:pPr marL="357505" indent="-357505" algn="l">
+            <a:pPr lvl="1" algn="l">
               <a:lnSpc>
                 <a:spcPct val="200000"/>
               </a:lnSpc>
-              <a:buClr>
-                <a:schemeClr val="accent1"/>
-              </a:buClr>
-              <a:buSzTx/>
               <a:buFont typeface="Wingdings" panose="05000000000000000000" pitchFamily="2" charset="2"/>
-              <a:buChar char=""/>
+              <a:buChar char=""/>
             </a:pPr>
             <a:r>
               <a:rPr lang="en-US" altLang="zh-CN" smtClean="0"/>
-              <a:t>Matplotlib, seaborn</a:t>
+              <a:t>activeCount(), currentThread(), enumerate()</a:t>
             </a:r>
             <a:endParaRPr lang="en-US" altLang="zh-CN" smtClean="0"/>
           </a:p>
           <a:p>
-            <a:pPr marL="357505" indent="-357505" algn="l">
+            <a:pPr lvl="0" algn="l">
               <a:lnSpc>
                 <a:spcPct val="200000"/>
               </a:lnSpc>
-              <a:buClr>
-                <a:schemeClr val="accent1"/>
-              </a:buClr>
-              <a:buSzTx/>
               <a:buFont typeface="Wingdings" panose="05000000000000000000" pitchFamily="2" charset="2"/>
-              <a:buChar char=""/>
+              <a:buChar char=""/>
             </a:pPr>
             <a:r>
               <a:rPr lang="en-US" altLang="zh-CN" smtClean="0"/>
-              <a:t>SciPy, statsmodels</a:t>
+              <a:t>threading.Thread class</a:t>
             </a:r>
             <a:endParaRPr lang="en-US" altLang="zh-CN" smtClean="0"/>
           </a:p>
           <a:p>
-            <a:pPr marL="357505" indent="-357505" algn="l">
+            <a:pPr lvl="1" algn="l">
               <a:lnSpc>
                 <a:spcPct val="200000"/>
               </a:lnSpc>
-              <a:buClr>
-                <a:schemeClr val="accent1"/>
-              </a:buClr>
-              <a:buSzTx/>
               <a:buFont typeface="Wingdings" panose="05000000000000000000" pitchFamily="2" charset="2"/>
-              <a:buChar char=""/>
+              <a:buChar char=""/>
             </a:pPr>
             <a:r>
               <a:rPr lang="en-US" altLang="zh-CN" smtClean="0"/>
-              <a:t>lxml</a:t>
+              <a:t>run(), start(), join(), isAlive(), getName(), setName()</a:t>
+            </a:r>
+            <a:endParaRPr lang="en-US" altLang="zh-CN" smtClean="0"/>
+          </a:p>
+          <a:p>
+            <a:pPr lvl="0" algn="l">
+              <a:lnSpc>
+                <a:spcPct val="200000"/>
+              </a:lnSpc>
+              <a:buFont typeface="Wingdings" panose="05000000000000000000" pitchFamily="2" charset="2"/>
+              <a:buChar char=""/>
+            </a:pPr>
+            <a:r>
+              <a:rPr lang="en-US" altLang="zh-CN" smtClean="0"/>
+              <a:t>threading.Lock</a:t>
+            </a:r>
+            <a:endParaRPr lang="en-US" altLang="zh-CN" smtClean="0"/>
+          </a:p>
+          <a:p>
+            <a:pPr lvl="1" algn="l">
+              <a:lnSpc>
+                <a:spcPct val="200000"/>
+              </a:lnSpc>
+              <a:buFont typeface="Wingdings" panose="05000000000000000000" pitchFamily="2" charset="2"/>
+              <a:buChar char=""/>
+            </a:pPr>
+            <a:r>
+              <a:rPr lang="en-US" altLang="zh-CN" smtClean="0"/>
+              <a:t>acquire(), release()</a:t>
+            </a:r>
+            <a:endParaRPr lang="en-US" altLang="zh-CN" smtClean="0"/>
+          </a:p>
+          <a:p>
+            <a:pPr lvl="0" algn="l">
+              <a:lnSpc>
+                <a:spcPct val="200000"/>
+              </a:lnSpc>
+              <a:buFont typeface="Wingdings" panose="05000000000000000000" pitchFamily="2" charset="2"/>
+              <a:buChar char=""/>
+            </a:pPr>
+            <a:r>
+              <a:rPr lang="en-US" altLang="zh-CN" smtClean="0"/>
+              <a:t>Queue</a:t>
+            </a:r>
+            <a:endParaRPr lang="en-US" altLang="zh-CN" smtClean="0"/>
+          </a:p>
+          <a:p>
+            <a:pPr lvl="1" algn="l">
+              <a:lnSpc>
+                <a:spcPct val="200000"/>
+              </a:lnSpc>
+              <a:buFont typeface="Wingdings" panose="05000000000000000000" pitchFamily="2" charset="2"/>
+              <a:buChar char=""/>
+            </a:pPr>
+            <a:r>
+              <a:rPr lang="en-US" altLang="zh-CN" smtClean="0"/>
+              <a:t>get(), put(), qsize(), empty(), full()</a:t>
             </a:r>
             <a:endParaRPr lang="en-US" altLang="zh-CN" smtClean="0"/>
           </a:p>
@@ -5139,7 +5232,7 @@
       <p:grpSpPr/>
       <p:sp>
         <p:nvSpPr>
-          <p:cNvPr id="2" name="标题 1"/>
+          <p:cNvPr id="24578" name="标题 2"/>
           <p:cNvSpPr>
             <a:spLocks noGrp="1"/>
           </p:cNvSpPr>
@@ -5149,19 +5242,21 @@
         </p:nvSpPr>
         <p:spPr/>
         <p:txBody>
-          <a:bodyPr/>
-          <a:p>
-            <a:r>
-              <a:rPr lang="en-US" altLang="zh-CN"/>
-              <a:t>File Operation</a:t>
-            </a:r>
-            <a:endParaRPr lang="en-US" altLang="zh-CN"/>
-          </a:p>
-        </p:txBody>
-      </p:sp>
-      <p:sp>
-        <p:nvSpPr>
-          <p:cNvPr id="3" name="内容占位符 2"/>
+          <a:bodyPr anchor="b">
+            <a:normAutofit/>
+          </a:bodyPr>
+          <a:p>
+            <a:r>
+              <a:rPr lang="en-US" altLang="zh-CN" smtClean="0"/>
+              <a:t>Modules</a:t>
+            </a:r>
+            <a:endParaRPr lang="en-US" altLang="zh-CN" smtClean="0"/>
+          </a:p>
+        </p:txBody>
+      </p:sp>
+      <p:sp>
+        <p:nvSpPr>
+          <p:cNvPr id="4" name="内容占位符 3"/>
           <p:cNvSpPr>
             <a:spLocks noGrp="1"/>
           </p:cNvSpPr>
@@ -5171,61 +5266,98 @@
         </p:nvSpPr>
         <p:spPr/>
         <p:txBody>
-          <a:bodyPr/>
-          <a:p>
-            <a:r>
-              <a:rPr lang="en-US" altLang="zh-CN"/>
-              <a:t>Open</a:t>
-            </a:r>
-            <a:endParaRPr lang="en-US" altLang="zh-CN"/>
-          </a:p>
-          <a:p>
-            <a:pPr lvl="1"/>
-            <a:r>
-              <a:rPr lang="en-US" altLang="zh-CN"/>
-              <a:t>f = open('fn', 'mode')</a:t>
-            </a:r>
-            <a:endParaRPr lang="en-US" altLang="zh-CN"/>
-          </a:p>
-          <a:p>
-            <a:pPr lvl="0"/>
-            <a:r>
-              <a:rPr lang="en-US" altLang="en-US"/>
-              <a:t>PDF</a:t>
-            </a:r>
-            <a:endParaRPr lang="en-US" altLang="en-US"/>
-          </a:p>
-          <a:p>
-            <a:pPr lvl="1"/>
-            <a:r>
-              <a:rPr lang="en-US" altLang="en-US"/>
-              <a:t>pip install fpdf</a:t>
-            </a:r>
-            <a:endParaRPr lang="en-US" altLang="en-US"/>
-          </a:p>
-          <a:p>
-            <a:pPr lvl="0"/>
-            <a:r>
-              <a:rPr lang="en-US" altLang="en-US"/>
-              <a:t>import shutil</a:t>
-            </a:r>
-            <a:endParaRPr lang="en-US" altLang="en-US"/>
-          </a:p>
-          <a:p>
-            <a:pPr lvl="1"/>
-            <a:r>
-              <a:rPr lang="en-US" altLang="en-US"/>
-              <a:t>shutil.copy(src, dst)</a:t>
-            </a:r>
-            <a:endParaRPr lang="en-US" altLang="en-US"/>
-          </a:p>
-          <a:p>
-            <a:pPr lvl="1"/>
-            <a:r>
-              <a:rPr lang="en-US" altLang="en-US"/>
-              <a:t>shutil.copytree(src_dir, dst_dir)</a:t>
-            </a:r>
-            <a:endParaRPr lang="en-US" altLang="en-US"/>
+          <a:bodyPr>
+            <a:normAutofit/>
+          </a:bodyPr>
+          <a:p>
+            <a:pPr marL="357505" indent="-357505" algn="l">
+              <a:lnSpc>
+                <a:spcPct val="200000"/>
+              </a:lnSpc>
+              <a:buClr>
+                <a:schemeClr val="accent1"/>
+              </a:buClr>
+              <a:buSzTx/>
+              <a:buFont typeface="Wingdings" panose="05000000000000000000" pitchFamily="2" charset="2"/>
+              <a:buChar char=""/>
+            </a:pPr>
+            <a:r>
+              <a:rPr lang="en-US" altLang="zh-CN" smtClean="0"/>
+              <a:t>NumPy</a:t>
+            </a:r>
+            <a:endParaRPr lang="en-US" altLang="zh-CN" smtClean="0"/>
+          </a:p>
+          <a:p>
+            <a:pPr marL="357505" indent="-357505" algn="l">
+              <a:lnSpc>
+                <a:spcPct val="200000"/>
+              </a:lnSpc>
+              <a:buClr>
+                <a:schemeClr val="accent1"/>
+              </a:buClr>
+              <a:buSzTx/>
+              <a:buFont typeface="Wingdings" panose="05000000000000000000" pitchFamily="2" charset="2"/>
+              <a:buChar char=""/>
+            </a:pPr>
+            <a:r>
+              <a:rPr lang="en-US" altLang="zh-CN" smtClean="0"/>
+              <a:t>Pandas</a:t>
+            </a:r>
+            <a:endParaRPr lang="en-US" altLang="zh-CN" smtClean="0"/>
+          </a:p>
+          <a:p>
+            <a:pPr marL="357505" indent="-357505" algn="l">
+              <a:lnSpc>
+                <a:spcPct val="200000"/>
+              </a:lnSpc>
+              <a:buClr>
+                <a:schemeClr val="accent1"/>
+              </a:buClr>
+              <a:buSzTx/>
+              <a:buFont typeface="Wingdings" panose="05000000000000000000" pitchFamily="2" charset="2"/>
+              <a:buChar char=""/>
+            </a:pPr>
+            <a:r>
+              <a:rPr lang="en-US" altLang="zh-CN" smtClean="0"/>
+              <a:t>Matplotlib, seaborn</a:t>
+            </a:r>
+            <a:endParaRPr lang="en-US" altLang="zh-CN" smtClean="0"/>
+          </a:p>
+          <a:p>
+            <a:pPr marL="357505" indent="-357505" algn="l">
+              <a:lnSpc>
+                <a:spcPct val="200000"/>
+              </a:lnSpc>
+              <a:buClr>
+                <a:schemeClr val="accent1"/>
+              </a:buClr>
+              <a:buSzTx/>
+              <a:buFont typeface="Wingdings" panose="05000000000000000000" pitchFamily="2" charset="2"/>
+              <a:buChar char=""/>
+            </a:pPr>
+            <a:r>
+              <a:rPr lang="en-US" altLang="zh-CN" smtClean="0"/>
+              <a:t>SciPy, statsmodels</a:t>
+            </a:r>
+            <a:endParaRPr lang="en-US" altLang="zh-CN" smtClean="0"/>
+          </a:p>
+          <a:p>
+            <a:pPr marL="357505" indent="-357505" algn="l">
+              <a:lnSpc>
+                <a:spcPct val="200000"/>
+              </a:lnSpc>
+              <a:buClr>
+                <a:schemeClr val="accent1"/>
+              </a:buClr>
+              <a:buSzTx/>
+              <a:buFont typeface="Wingdings" panose="05000000000000000000" pitchFamily="2" charset="2"/>
+              <a:buChar char=""/>
+            </a:pPr>
+            <a:r>
+              <a:rPr lang="en-US" altLang="zh-CN" smtClean="0"/>
+              <a:t>lxml</a:t>
+            </a:r>
+            <a:endParaRPr lang="en-US" altLang="zh-CN" smtClean="0"/>
           </a:p>
         </p:txBody>
       </p:sp>
@@ -5263,7 +5395,7 @@
           <a:p>
             <a:r>
               <a:rPr lang="en-US" altLang="zh-CN"/>
-              <a:t>Propcess</a:t>
+              <a:t>File Operation</a:t>
             </a:r>
             <a:endParaRPr lang="en-US" altLang="zh-CN"/>
           </a:p>
@@ -5285,7 +5417,7 @@
           <a:p>
             <a:r>
               <a:rPr lang="en-US" altLang="zh-CN"/>
-              <a:t>popen</a:t>
+              <a:t>Open</a:t>
             </a:r>
             <a:endParaRPr lang="en-US" altLang="zh-CN"/>
           </a:p>
@@ -5293,41 +5425,49 @@
             <a:pPr lvl="1"/>
             <a:r>
               <a:rPr lang="en-US" altLang="zh-CN"/>
-              <a:t>import os</a:t>
-            </a:r>
-            <a:endParaRPr lang="en-US" altLang="zh-CN"/>
+              <a:t>f = open('fn', 'mode')</a:t>
+            </a:r>
+            <a:endParaRPr lang="en-US" altLang="zh-CN"/>
+          </a:p>
+          <a:p>
+            <a:pPr lvl="0"/>
+            <a:r>
+              <a:rPr lang="en-US" altLang="en-US"/>
+              <a:t>PDF</a:t>
+            </a:r>
+            <a:endParaRPr lang="en-US" altLang="en-US"/>
           </a:p>
           <a:p>
             <a:pPr lvl="1"/>
             <a:r>
-              <a:rPr lang="en-US" altLang="zh-CN"/>
-              <a:t>os.popen('cmd')</a:t>
-            </a:r>
-            <a:endParaRPr lang="en-US" altLang="zh-CN"/>
+              <a:rPr lang="en-US" altLang="en-US"/>
+              <a:t>pip install fpdf</a:t>
+            </a:r>
+            <a:endParaRPr lang="en-US" altLang="en-US"/>
           </a:p>
           <a:p>
             <a:pPr lvl="0"/>
             <a:r>
-              <a:rPr lang="en-US" altLang="zh-CN"/>
-              <a:t>subproces</a:t>
-            </a:r>
-            <a:endParaRPr lang="en-US" altLang="zh-CN"/>
+              <a:rPr lang="en-US" altLang="en-US"/>
+              <a:t>import shutil</a:t>
+            </a:r>
+            <a:endParaRPr lang="en-US" altLang="en-US"/>
           </a:p>
           <a:p>
             <a:pPr lvl="1"/>
             <a:r>
-              <a:rPr lang="en-US" altLang="zh-CN"/>
-              <a:t>import subprocess</a:t>
-            </a:r>
-            <a:endParaRPr lang="en-US" altLang="zh-CN"/>
+              <a:rPr lang="en-US" altLang="en-US"/>
+              <a:t>shutil.copy(src, dst)</a:t>
+            </a:r>
+            <a:endParaRPr lang="en-US" altLang="en-US"/>
           </a:p>
           <a:p>
             <a:pPr lvl="1"/>
             <a:r>
-              <a:rPr lang="en-US" altLang="zh-CN"/>
-              <a:t>subprocess.call([cmd], [param1], ...)</a:t>
-            </a:r>
-            <a:endParaRPr lang="en-US" altLang="zh-CN"/>
+              <a:rPr lang="en-US" altLang="en-US"/>
+              <a:t>shutil.copytree(src_dir, dst_dir)</a:t>
+            </a:r>
+            <a:endParaRPr lang="en-US" altLang="en-US"/>
           </a:p>
         </p:txBody>
       </p:sp>
@@ -5423,7 +5563,7 @@
           <a:p>
             <a:r>
               <a:rPr lang="en-US" altLang="zh-CN"/>
-              <a:t>JSON</a:t>
+              <a:t>Propcess</a:t>
             </a:r>
             <a:endParaRPr lang="en-US" altLang="zh-CN"/>
           </a:p>
@@ -5445,71 +5585,39 @@
           <a:p>
             <a:r>
               <a:rPr lang="en-US" altLang="zh-CN"/>
-              <a:t>import json</a:t>
-            </a:r>
-            <a:endParaRPr lang="en-US" altLang="zh-CN"/>
-          </a:p>
-          <a:p>
-            <a:r>
-              <a:rPr lang="en-US" altLang="zh-CN"/>
-              <a:t>Deserialize json-format string to python object (list, dict)</a:t>
+              <a:t>popen</a:t>
             </a:r>
             <a:endParaRPr lang="en-US" altLang="zh-CN"/>
           </a:p>
           <a:p>
             <a:pPr lvl="1"/>
             <a:r>
-              <a:rPr lang="en-US" altLang="zh-CN" sz="2000"/>
-              <a:t>json.loads(str, encoding)</a:t>
-            </a:r>
-            <a:endParaRPr lang="en-US" altLang="zh-CN"/>
-          </a:p>
-          <a:p>
-            <a:r>
-              <a:rPr lang="en-US" altLang="zh-CN" sz="2400">
-                <a:sym typeface="+mn-ea"/>
-              </a:rPr>
-              <a:t>Serialize python object (list, dict) to json-format string</a:t>
-            </a:r>
-            <a:endParaRPr lang="en-US" altLang="zh-CN" sz="2400">
-              <a:sym typeface="+mn-ea"/>
-            </a:endParaRPr>
+              <a:rPr lang="en-US" altLang="zh-CN"/>
+              <a:t>import os</a:t>
+            </a:r>
+            <a:endParaRPr lang="en-US" altLang="zh-CN"/>
           </a:p>
           <a:p>
             <a:pPr lvl="1"/>
             <a:r>
-              <a:rPr lang="en-US" altLang="zh-CN" sz="2000">
-                <a:sym typeface="+mn-ea"/>
-              </a:rPr>
-              <a:t>json.dumps(obj)</a:t>
-            </a:r>
-            <a:endParaRPr lang="en-US" altLang="zh-CN" sz="2000">
-              <a:sym typeface="+mn-ea"/>
-            </a:endParaRPr>
-          </a:p>
-          <a:p>
-            <a:r>
-              <a:rPr lang="en-US" altLang="zh-CN" sz="2400">
-                <a:sym typeface="+mn-ea"/>
-              </a:rPr>
-              <a:t>Deserialize json file stream to python object (list, dict)</a:t>
-            </a:r>
-            <a:endParaRPr lang="en-US" altLang="zh-CN" sz="2400"/>
+              <a:rPr lang="en-US" altLang="zh-CN"/>
+              <a:t>os.popen('cmd')</a:t>
+            </a:r>
+            <a:endParaRPr lang="en-US" altLang="zh-CN"/>
+          </a:p>
+          <a:p>
+            <a:pPr lvl="0"/>
+            <a:r>
+              <a:rPr lang="en-US" altLang="zh-CN"/>
+              <a:t>subproces</a:t>
+            </a:r>
+            <a:endParaRPr lang="en-US" altLang="zh-CN"/>
           </a:p>
           <a:p>
             <a:pPr lvl="1"/>
             <a:r>
-              <a:rPr lang="en-US" altLang="zh-CN" sz="2400">
-                <a:sym typeface="+mn-ea"/>
-              </a:rPr>
-              <a:t>json.load(fp)</a:t>
-            </a:r>
-            <a:endParaRPr lang="en-US" altLang="zh-CN" sz="2400"/>
-          </a:p>
-          <a:p>
-            <a:r>
-              <a:rPr lang="en-US" altLang="zh-CN"/>
-              <a:t>Serialize python object (list, dict) to json-format file stream</a:t>
+              <a:rPr lang="en-US" altLang="zh-CN"/>
+              <a:t>import subprocess</a:t>
             </a:r>
             <a:endParaRPr lang="en-US" altLang="zh-CN"/>
           </a:p>
@@ -5517,7 +5625,7 @@
             <a:pPr lvl="1"/>
             <a:r>
               <a:rPr lang="en-US" altLang="zh-CN"/>
-              <a:t>json.dump(obj, fp)</a:t>
+              <a:t>subprocess.call([cmd], [param1], ...)</a:t>
             </a:r>
             <a:endParaRPr lang="en-US" altLang="zh-CN"/>
           </a:p>
@@ -5543,7 +5651,7 @@
       <p:grpSpPr/>
       <p:sp>
         <p:nvSpPr>
-          <p:cNvPr id="4" name="标题 3"/>
+          <p:cNvPr id="2" name="标题 1"/>
           <p:cNvSpPr>
             <a:spLocks noGrp="1"/>
           </p:cNvSpPr>
@@ -5557,27 +5665,103 @@
           <a:p>
             <a:r>
               <a:rPr lang="en-US" altLang="zh-CN"/>
-              <a:t>Packages</a:t>
-            </a:r>
-            <a:endParaRPr lang="en-US" altLang="zh-CN"/>
-          </a:p>
-        </p:txBody>
-      </p:sp>
-      <p:sp>
-        <p:nvSpPr>
-          <p:cNvPr id="5" name="文本占位符 4"/>
-          <p:cNvSpPr>
-            <a:spLocks noGrp="1"/>
-          </p:cNvSpPr>
-          <p:nvPr>
-            <p:ph type="body" idx="1"/>
+              <a:t>JSON</a:t>
+            </a:r>
+            <a:endParaRPr lang="en-US" altLang="zh-CN"/>
+          </a:p>
+        </p:txBody>
+      </p:sp>
+      <p:sp>
+        <p:nvSpPr>
+          <p:cNvPr id="3" name="内容占位符 2"/>
+          <p:cNvSpPr>
+            <a:spLocks noGrp="1"/>
+          </p:cNvSpPr>
+          <p:nvPr>
+            <p:ph idx="1"/>
           </p:nvPr>
         </p:nvSpPr>
         <p:spPr/>
         <p:txBody>
           <a:bodyPr/>
           <a:p>
-            <a:endParaRPr lang="zh-CN" altLang="en-US"/>
+            <a:r>
+              <a:rPr lang="en-US" altLang="zh-CN"/>
+              <a:t>import json</a:t>
+            </a:r>
+            <a:endParaRPr lang="en-US" altLang="zh-CN"/>
+          </a:p>
+          <a:p>
+            <a:r>
+              <a:rPr lang="en-US" altLang="zh-CN"/>
+              <a:t>Deserialize json-format string to python object (list, dict)</a:t>
+            </a:r>
+            <a:endParaRPr lang="en-US" altLang="zh-CN"/>
+          </a:p>
+          <a:p>
+            <a:pPr lvl="1"/>
+            <a:r>
+              <a:rPr lang="en-US" altLang="zh-CN" sz="2000"/>
+              <a:t>json.loads(str, encoding)</a:t>
+            </a:r>
+            <a:endParaRPr lang="en-US" altLang="zh-CN"/>
+          </a:p>
+          <a:p>
+            <a:r>
+              <a:rPr lang="en-US" altLang="zh-CN" sz="2400">
+                <a:sym typeface="+mn-ea"/>
+              </a:rPr>
+              <a:t>Serialize python object (list, dict) to json-format string</a:t>
+            </a:r>
+            <a:endParaRPr lang="en-US" altLang="zh-CN" sz="2400">
+              <a:sym typeface="+mn-ea"/>
+            </a:endParaRPr>
+          </a:p>
+          <a:p>
+            <a:pPr lvl="1"/>
+            <a:r>
+              <a:rPr lang="en-US" altLang="zh-CN" sz="2000">
+                <a:sym typeface="+mn-ea"/>
+              </a:rPr>
+              <a:t>json.dumps(obj)</a:t>
+            </a:r>
+            <a:endParaRPr lang="en-US" altLang="zh-CN" sz="2000">
+              <a:sym typeface="+mn-ea"/>
+            </a:endParaRPr>
+          </a:p>
+          <a:p>
+            <a:r>
+              <a:rPr lang="en-US" altLang="zh-CN" sz="2400">
+                <a:sym typeface="+mn-ea"/>
+              </a:rPr>
+              <a:t>Deserialize json file stream to python object (list, dict)</a:t>
+            </a:r>
+            <a:endParaRPr lang="en-US" altLang="zh-CN" sz="2400"/>
+          </a:p>
+          <a:p>
+            <a:pPr lvl="1"/>
+            <a:r>
+              <a:rPr lang="en-US" altLang="zh-CN" sz="2400">
+                <a:sym typeface="+mn-ea"/>
+              </a:rPr>
+              <a:t>json.load(fp)</a:t>
+            </a:r>
+            <a:endParaRPr lang="en-US" altLang="zh-CN" sz="2400"/>
+          </a:p>
+          <a:p>
+            <a:r>
+              <a:rPr lang="en-US" altLang="zh-CN"/>
+              <a:t>Serialize python object (list, dict) to json-format file stream</a:t>
+            </a:r>
+            <a:endParaRPr lang="en-US" altLang="zh-CN"/>
+          </a:p>
+          <a:p>
+            <a:pPr lvl="1"/>
+            <a:r>
+              <a:rPr lang="en-US" altLang="zh-CN"/>
+              <a:t>json.dump(obj, fp)</a:t>
+            </a:r>
+            <a:endParaRPr lang="en-US" altLang="zh-CN"/>
           </a:p>
         </p:txBody>
       </p:sp>
@@ -5615,7 +5799,7 @@
           <a:p>
             <a:r>
               <a:rPr lang="en-US" altLang="zh-CN"/>
-              <a:t>Web</a:t>
+              <a:t>Exception</a:t>
             </a:r>
             <a:endParaRPr lang="en-US" altLang="zh-CN"/>
           </a:p>
@@ -5631,24 +5815,57 @@
             <p:ph idx="1"/>
           </p:nvPr>
         </p:nvSpPr>
-        <p:spPr/>
+        <p:spPr>
+          <a:xfrm>
+            <a:off x="838200" y="1211580"/>
+            <a:ext cx="5236210" cy="4549140"/>
+          </a:xfrm>
+        </p:spPr>
         <p:txBody>
           <a:bodyPr/>
           <a:p>
             <a:r>
               <a:rPr lang="en-US" altLang="zh-CN"/>
-              <a:t>requests</a:t>
-            </a:r>
-            <a:endParaRPr lang="en-US" altLang="zh-CN"/>
-          </a:p>
-          <a:p>
-            <a:pPr lvl="1">
-              <a:buFont typeface="Wingdings" panose="05000000000000000000" pitchFamily="2" charset="2"/>
-              <a:buChar char=""/>
-            </a:pPr>
-            <a:r>
-              <a:rPr lang="en-US" altLang="zh-CN"/>
-              <a:t>pip install requests</a:t>
+              <a:t>Catch exception</a:t>
+            </a:r>
+            <a:endParaRPr lang="en-US" altLang="zh-CN"/>
+          </a:p>
+          <a:p>
+            <a:pPr lvl="1"/>
+            <a:r>
+              <a:rPr lang="en-US" altLang="zh-CN" sz="2000"/>
+              <a:t>try</a:t>
+            </a:r>
+            <a:endParaRPr lang="en-US" altLang="zh-CN" sz="2000"/>
+          </a:p>
+          <a:p>
+            <a:pPr lvl="1"/>
+            <a:r>
+              <a:rPr lang="en-US" altLang="zh-CN" sz="2000"/>
+              <a:t>except</a:t>
+            </a:r>
+            <a:endParaRPr lang="en-US" altLang="zh-CN" sz="2000"/>
+          </a:p>
+          <a:p>
+            <a:pPr lvl="1"/>
+            <a:r>
+              <a:rPr lang="en-US" altLang="zh-CN" sz="2000"/>
+              <a:t>finally</a:t>
+            </a:r>
+            <a:endParaRPr lang="en-US" altLang="zh-CN"/>
+          </a:p>
+          <a:p>
+            <a:r>
+              <a:rPr lang="en-US" altLang="zh-CN"/>
+              <a:t>Throw exception</a:t>
+            </a:r>
+            <a:endParaRPr lang="en-US" altLang="zh-CN"/>
+          </a:p>
+          <a:p>
+            <a:pPr lvl="1"/>
+            <a:r>
+              <a:rPr lang="en-US" altLang="zh-CN"/>
+              <a:t>throw</a:t>
             </a:r>
             <a:endParaRPr lang="en-US" altLang="zh-CN"/>
           </a:p>
@@ -5662,336 +5879,48 @@
         </p:nvSpPr>
         <p:spPr>
           <a:xfrm>
-            <a:off x="6475730" y="1686560"/>
-            <a:ext cx="5139055" cy="4284980"/>
+            <a:off x="6753860" y="1537970"/>
+            <a:ext cx="4197985" cy="1198880"/>
           </a:xfrm>
           <a:prstGeom prst="rect">
             <a:avLst/>
           </a:prstGeom>
           <a:noFill/>
+          <a:ln>
+            <a:solidFill>
+              <a:srgbClr val="FFC000"/>
+            </a:solidFill>
+          </a:ln>
         </p:spPr>
         <p:txBody>
           <a:bodyPr wrap="square" rtlCol="0">
             <a:spAutoFit/>
           </a:bodyPr>
           <a:p>
-            <a:pPr>
-              <a:lnSpc>
-                <a:spcPct val="130000"/>
-              </a:lnSpc>
-            </a:pPr>
-            <a:r>
-              <a:rPr lang="en-US" altLang="zh-CN" sz="1400" dirty="0" smtClean="0">
-                <a:latin typeface="Arial" panose="020B0604020202020204" pitchFamily="34" charset="0"/>
-                <a:ea typeface="微软雅黑" panose="020B0503020204020204" charset="-122"/>
-              </a:rPr>
-              <a:t>import requests</a:t>
-            </a:r>
-            <a:endParaRPr lang="en-US" altLang="zh-CN" sz="1400" dirty="0" smtClean="0">
-              <a:latin typeface="Arial" panose="020B0604020202020204" pitchFamily="34" charset="0"/>
-              <a:ea typeface="微软雅黑" panose="020B0503020204020204" charset="-122"/>
-            </a:endParaRPr>
-          </a:p>
-          <a:p>
-            <a:pPr>
-              <a:lnSpc>
-                <a:spcPct val="130000"/>
-              </a:lnSpc>
-            </a:pPr>
-            <a:r>
-              <a:rPr lang="en-US" altLang="zh-CN" sz="1400" dirty="0" smtClean="0">
-                <a:latin typeface="Arial" panose="020B0604020202020204" pitchFamily="34" charset="0"/>
-                <a:ea typeface="微软雅黑" panose="020B0503020204020204" charset="-122"/>
-              </a:rPr>
-              <a:t>headers={'user-agent': 'myapp/1.0.0'}</a:t>
-            </a:r>
-            <a:endParaRPr lang="en-US" altLang="zh-CN" sz="1400" dirty="0" smtClean="0">
-              <a:latin typeface="Arial" panose="020B0604020202020204" pitchFamily="34" charset="0"/>
-              <a:ea typeface="微软雅黑" panose="020B0503020204020204" charset="-122"/>
-            </a:endParaRPr>
-          </a:p>
-          <a:p>
-            <a:pPr>
-              <a:lnSpc>
-                <a:spcPct val="130000"/>
-              </a:lnSpc>
-            </a:pPr>
-            <a:r>
-              <a:rPr lang="en-US" altLang="zh-CN" sz="1400" dirty="0" smtClean="0">
-                <a:latin typeface="Arial" panose="020B0604020202020204" pitchFamily="34" charset="0"/>
-                <a:ea typeface="微软雅黑" panose="020B0503020204020204" charset="-122"/>
-              </a:rPr>
-              <a:t>cookies=dict(cookies-are='working')</a:t>
-            </a:r>
-            <a:endParaRPr lang="en-US" altLang="zh-CN" sz="1400" dirty="0" smtClean="0">
-              <a:latin typeface="Arial" panose="020B0604020202020204" pitchFamily="34" charset="0"/>
-              <a:ea typeface="微软雅黑" panose="020B0503020204020204" charset="-122"/>
-            </a:endParaRPr>
-          </a:p>
-          <a:p>
-            <a:pPr>
-              <a:lnSpc>
-                <a:spcPct val="130000"/>
-              </a:lnSpc>
-            </a:pPr>
-            <a:r>
-              <a:rPr lang="en-US" altLang="zh-CN" sz="1400" dirty="0" smtClean="0">
-                <a:latin typeface="Arial" panose="020B0604020202020204" pitchFamily="34" charset="0"/>
-                <a:ea typeface="微软雅黑" panose="020B0503020204020204" charset="-122"/>
-              </a:rPr>
-              <a:t>payload = {'key1': 'value1', 'key2': 'value2}</a:t>
-            </a:r>
-            <a:endParaRPr lang="en-US" altLang="zh-CN" sz="1400" dirty="0" smtClean="0">
-              <a:latin typeface="Arial" panose="020B0604020202020204" pitchFamily="34" charset="0"/>
-              <a:ea typeface="微软雅黑" panose="020B0503020204020204" charset="-122"/>
-            </a:endParaRPr>
-          </a:p>
-          <a:p>
-            <a:pPr>
-              <a:lnSpc>
-                <a:spcPct val="130000"/>
-              </a:lnSpc>
-            </a:pPr>
-            <a:r>
-              <a:rPr lang="en-US" altLang="zh-CN" sz="1400" dirty="0" smtClean="0">
-                <a:latin typeface="Arial" panose="020B0604020202020204" pitchFamily="34" charset="0"/>
-                <a:ea typeface="微软雅黑" panose="020B0503020204020204" charset="-122"/>
-              </a:rPr>
-              <a:t>r = requests.get('http://www.baidu.com', headers=headers, cookies=cookies, params=payload)</a:t>
-            </a:r>
-            <a:endParaRPr lang="en-US" altLang="zh-CN" sz="1400" dirty="0" smtClean="0">
-              <a:latin typeface="Arial" panose="020B0604020202020204" pitchFamily="34" charset="0"/>
-              <a:ea typeface="微软雅黑" panose="020B0503020204020204" charset="-122"/>
-            </a:endParaRPr>
-          </a:p>
-          <a:p>
-            <a:pPr>
-              <a:lnSpc>
-                <a:spcPct val="130000"/>
-              </a:lnSpc>
-            </a:pPr>
-            <a:r>
-              <a:rPr lang="en-US" altLang="zh-CN" sz="1400" dirty="0" smtClean="0">
-                <a:latin typeface="Arial" panose="020B0604020202020204" pitchFamily="34" charset="0"/>
-                <a:ea typeface="微软雅黑" panose="020B0503020204020204" charset="-122"/>
-              </a:rPr>
-              <a:t>r.status_code/r.encoding/r.url/r.headers/r.text/r.json/r.raw</a:t>
-            </a:r>
-            <a:endParaRPr lang="en-US" altLang="zh-CN" sz="1400" dirty="0" smtClean="0">
-              <a:latin typeface="Arial" panose="020B0604020202020204" pitchFamily="34" charset="0"/>
-              <a:ea typeface="微软雅黑" panose="020B0503020204020204" charset="-122"/>
-            </a:endParaRPr>
-          </a:p>
-          <a:p>
-            <a:pPr>
-              <a:lnSpc>
-                <a:spcPct val="130000"/>
-              </a:lnSpc>
-            </a:pPr>
-            <a:r>
-              <a:rPr lang="en-US" altLang="zh-CN" sz="1400" dirty="0" smtClean="0">
-                <a:latin typeface="Arial" panose="020B0604020202020204" pitchFamily="34" charset="0"/>
-                <a:ea typeface="微软雅黑" panose="020B0503020204020204" charset="-122"/>
-                <a:sym typeface="+mn-ea"/>
-              </a:rPr>
-              <a:t>files = {'file': open('a.xls', rb)}</a:t>
-            </a:r>
-            <a:endParaRPr lang="en-US" altLang="zh-CN" sz="1400" dirty="0" smtClean="0">
-              <a:latin typeface="Arial" panose="020B0604020202020204" pitchFamily="34" charset="0"/>
-              <a:ea typeface="微软雅黑" panose="020B0503020204020204" charset="-122"/>
-            </a:endParaRPr>
-          </a:p>
-          <a:p>
-            <a:pPr>
-              <a:lnSpc>
-                <a:spcPct val="130000"/>
-              </a:lnSpc>
-            </a:pPr>
-            <a:r>
-              <a:rPr lang="en-US" altLang="zh-CN" sz="1400" dirty="0" smtClean="0">
-                <a:latin typeface="Arial" panose="020B0604020202020204" pitchFamily="34" charset="0"/>
-                <a:ea typeface="微软雅黑" panose="020B0503020204020204" charset="-122"/>
-              </a:rPr>
-              <a:t>r = requests.post('http://httpbin.org/post', data={'key': 'value'}, files=files) </a:t>
-            </a:r>
-            <a:endParaRPr lang="en-US" altLang="zh-CN" sz="1400" dirty="0" smtClean="0">
-              <a:latin typeface="Arial" panose="020B0604020202020204" pitchFamily="34" charset="0"/>
-              <a:ea typeface="微软雅黑" panose="020B0503020204020204" charset="-122"/>
-            </a:endParaRPr>
-          </a:p>
-          <a:p>
-            <a:pPr>
-              <a:lnSpc>
-                <a:spcPct val="130000"/>
-              </a:lnSpc>
-            </a:pPr>
-            <a:r>
-              <a:rPr lang="en-US" altLang="zh-CN" sz="1400" dirty="0" smtClean="0">
-                <a:latin typeface="Arial" panose="020B0604020202020204" pitchFamily="34" charset="0"/>
-                <a:ea typeface="微软雅黑" panose="020B0503020204020204" charset="-122"/>
-              </a:rPr>
-              <a:t># Basic authentication</a:t>
-            </a:r>
-            <a:endParaRPr lang="en-US" altLang="zh-CN" sz="1400" dirty="0" smtClean="0">
-              <a:latin typeface="Arial" panose="020B0604020202020204" pitchFamily="34" charset="0"/>
-              <a:ea typeface="微软雅黑" panose="020B0503020204020204" charset="-122"/>
-            </a:endParaRPr>
-          </a:p>
-          <a:p>
-            <a:pPr>
-              <a:lnSpc>
-                <a:spcPct val="130000"/>
-              </a:lnSpc>
-            </a:pPr>
-            <a:r>
-              <a:rPr lang="en-US" altLang="zh-CN" sz="1400" dirty="0" smtClean="0">
-                <a:latin typeface="Arial" panose="020B0604020202020204" pitchFamily="34" charset="0"/>
-                <a:ea typeface="微软雅黑" panose="020B0503020204020204" charset="-122"/>
-              </a:rPr>
-              <a:t>r = requests.get('https://api.github.com/user', auth=HTTPBasicAuth('user', 'pass'))</a:t>
-            </a:r>
-            <a:endParaRPr lang="en-US" altLang="zh-CN" sz="1400" dirty="0" smtClean="0">
-              <a:latin typeface="Arial" panose="020B0604020202020204" pitchFamily="34" charset="0"/>
-              <a:ea typeface="微软雅黑" panose="020B0503020204020204" charset="-122"/>
-            </a:endParaRPr>
-          </a:p>
-          <a:p>
-            <a:pPr>
-              <a:lnSpc>
-                <a:spcPct val="130000"/>
-              </a:lnSpc>
-            </a:pPr>
-            <a:r>
-              <a:rPr lang="en-US" altLang="zh-CN" sz="1400" dirty="0" smtClean="0">
-                <a:latin typeface="Arial" panose="020B0604020202020204" pitchFamily="34" charset="0"/>
-                <a:ea typeface="微软雅黑" panose="020B0503020204020204" charset="-122"/>
-              </a:rPr>
-              <a:t>r = requests.get('http://httpbin.org/digest-auth/auth/user/pass', auth=HTTPDigestAuth('user', 'pass'))</a:t>
-            </a:r>
-            <a:endParaRPr lang="en-US" altLang="zh-CN" sz="1400" dirty="0" smtClean="0">
-              <a:latin typeface="Arial" panose="020B0604020202020204" pitchFamily="34" charset="0"/>
-              <a:ea typeface="微软雅黑" panose="020B0503020204020204" charset="-122"/>
-            </a:endParaRPr>
-          </a:p>
-        </p:txBody>
-      </p:sp>
-      <p:sp>
-        <p:nvSpPr>
-          <p:cNvPr id="5" name="文本框 4"/>
-          <p:cNvSpPr txBox="1"/>
-          <p:nvPr/>
-        </p:nvSpPr>
-        <p:spPr>
-          <a:xfrm>
-            <a:off x="906780" y="5179695"/>
-            <a:ext cx="3079115" cy="929640"/>
-          </a:xfrm>
-          <a:prstGeom prst="rect">
-            <a:avLst/>
-          </a:prstGeom>
-          <a:noFill/>
-        </p:spPr>
-        <p:txBody>
-          <a:bodyPr wrap="none" rtlCol="0">
-            <a:spAutoFit/>
-          </a:bodyPr>
-          <a:p>
-            <a:pPr>
-              <a:lnSpc>
-                <a:spcPct val="130000"/>
-              </a:lnSpc>
-            </a:pPr>
-            <a:r>
-              <a:rPr lang="en-US" altLang="zh-CN" sz="1400" dirty="0" smtClean="0">
-                <a:latin typeface="Arial" panose="020B0604020202020204" pitchFamily="34" charset="0"/>
-                <a:ea typeface="微软雅黑" panose="020B0503020204020204" charset="-122"/>
-              </a:rPr>
-              <a:t>Post encoding types:</a:t>
-            </a:r>
-            <a:endParaRPr lang="en-US" altLang="zh-CN" sz="1400" dirty="0" smtClean="0">
-              <a:latin typeface="Arial" panose="020B0604020202020204" pitchFamily="34" charset="0"/>
-              <a:ea typeface="微软雅黑" panose="020B0503020204020204" charset="-122"/>
-            </a:endParaRPr>
-          </a:p>
-          <a:p>
-            <a:pPr>
-              <a:lnSpc>
-                <a:spcPct val="130000"/>
-              </a:lnSpc>
-            </a:pPr>
-            <a:r>
-              <a:rPr lang="en-US" altLang="zh-CN" sz="1400" dirty="0" smtClean="0">
-                <a:latin typeface="Arial" panose="020B0604020202020204" pitchFamily="34" charset="0"/>
-                <a:ea typeface="微软雅黑" panose="020B0503020204020204" charset="-122"/>
-              </a:rPr>
-              <a:t>- application/x-www-form-urlencoded</a:t>
-            </a:r>
-            <a:endParaRPr lang="en-US" altLang="zh-CN" sz="1400" dirty="0" smtClean="0">
-              <a:latin typeface="Arial" panose="020B0604020202020204" pitchFamily="34" charset="0"/>
-              <a:ea typeface="微软雅黑" panose="020B0503020204020204" charset="-122"/>
-            </a:endParaRPr>
-          </a:p>
-          <a:p>
-            <a:pPr>
-              <a:lnSpc>
-                <a:spcPct val="130000"/>
-              </a:lnSpc>
-            </a:pPr>
-            <a:r>
-              <a:rPr lang="en-US" altLang="zh-CN" sz="1400" dirty="0" smtClean="0">
-                <a:latin typeface="Arial" panose="020B0604020202020204" pitchFamily="34" charset="0"/>
-                <a:ea typeface="微软雅黑" panose="020B0503020204020204" charset="-122"/>
-              </a:rPr>
-              <a:t>- multipart/form-data</a:t>
-            </a:r>
-            <a:endParaRPr lang="en-US" altLang="zh-CN" sz="1400" dirty="0" smtClean="0">
-              <a:latin typeface="Arial" panose="020B0604020202020204" pitchFamily="34" charset="0"/>
-              <a:ea typeface="微软雅黑" panose="020B0503020204020204" charset="-122"/>
-            </a:endParaRPr>
-          </a:p>
-        </p:txBody>
-      </p:sp>
-      <p:sp>
-        <p:nvSpPr>
-          <p:cNvPr id="6" name="圆角矩形 5"/>
-          <p:cNvSpPr/>
-          <p:nvPr/>
-        </p:nvSpPr>
-        <p:spPr>
-          <a:xfrm>
-            <a:off x="4116070" y="4611370"/>
-            <a:ext cx="2036445" cy="810895"/>
-          </a:xfrm>
-          <a:prstGeom prst="roundRect">
-            <a:avLst/>
-          </a:prstGeom>
-          <a:ln>
-            <a:noFill/>
-          </a:ln>
-        </p:spPr>
-        <p:style>
-          <a:lnRef idx="2">
-            <a:schemeClr val="accent1">
-              <a:shade val="50000"/>
-            </a:schemeClr>
-          </a:lnRef>
-          <a:fillRef idx="1">
-            <a:schemeClr val="accent1"/>
-          </a:fillRef>
-          <a:effectRef idx="0">
-            <a:schemeClr val="accent1"/>
-          </a:effectRef>
-          <a:fontRef idx="minor">
-            <a:schemeClr val="lt1"/>
-          </a:fontRef>
-        </p:style>
-        <p:txBody>
-          <a:bodyPr rtlCol="0" anchor="ctr"/>
-          <a:p>
-            <a:pPr algn="ctr"/>
-            <a:r>
-              <a:rPr lang="en-US" altLang="zh-CN"/>
-              <a:t>Fiddler</a:t>
+            <a:r>
+              <a:rPr lang="en-US" altLang="zh-CN"/>
+              <a:t>try:</a:t>
+            </a:r>
+            <a:endParaRPr lang="en-US" altLang="zh-CN"/>
+          </a:p>
+          <a:p>
+            <a:r>
+              <a:rPr lang="en-US" altLang="zh-CN"/>
+              <a:t>	statements</a:t>
+            </a:r>
+            <a:endParaRPr lang="en-US" altLang="zh-CN"/>
+          </a:p>
+          <a:p>
+            <a:r>
+              <a:rPr lang="en-US" altLang="zh-CN"/>
+              <a:t>except Exception as e:</a:t>
+            </a:r>
+            <a:endParaRPr lang="en-US" altLang="zh-CN"/>
+          </a:p>
+          <a:p>
+            <a:r>
+              <a:rPr lang="en-US" altLang="zh-CN"/>
+              <a:t>	print(str(e))</a:t>
             </a:r>
             <a:endParaRPr lang="en-US" altLang="zh-CN"/>
           </a:p>
@@ -6031,7 +5960,7 @@
           <a:p>
             <a:r>
               <a:rPr lang="en-US" altLang="zh-CN"/>
-              <a:t>NumPy 1/2</a:t>
+              <a:t>Argparse</a:t>
             </a:r>
             <a:endParaRPr lang="en-US" altLang="zh-CN"/>
           </a:p>
@@ -6047,119 +5976,86 @@
             <p:ph idx="1"/>
           </p:nvPr>
         </p:nvSpPr>
-        <p:spPr/>
-        <p:txBody>
-          <a:bodyPr>
-            <a:normAutofit fontScale="70000"/>
+        <p:spPr>
+          <a:xfrm>
+            <a:off x="838200" y="1211580"/>
+            <a:ext cx="4700905" cy="4549140"/>
+          </a:xfrm>
+        </p:spPr>
+        <p:txBody>
+          <a:bodyPr/>
+          <a:p>
+            <a:r>
+              <a:rPr lang="en-US" altLang="zh-CN"/>
+              <a:t>import argparse</a:t>
+            </a:r>
+            <a:endParaRPr lang="en-US" altLang="zh-CN"/>
+          </a:p>
+          <a:p>
+            <a:endParaRPr lang="en-US" altLang="zh-CN"/>
+          </a:p>
+        </p:txBody>
+      </p:sp>
+      <p:sp>
+        <p:nvSpPr>
+          <p:cNvPr id="4" name="文本框 3"/>
+          <p:cNvSpPr txBox="1"/>
+          <p:nvPr/>
+        </p:nvSpPr>
+        <p:spPr>
+          <a:xfrm>
+            <a:off x="6753860" y="1537970"/>
+            <a:ext cx="4197985" cy="1753235"/>
+          </a:xfrm>
+          <a:prstGeom prst="rect">
+            <a:avLst/>
+          </a:prstGeom>
+          <a:noFill/>
+          <a:ln>
+            <a:solidFill>
+              <a:srgbClr val="FFC000"/>
+            </a:solidFill>
+          </a:ln>
+        </p:spPr>
+        <p:txBody>
+          <a:bodyPr wrap="square" rtlCol="0">
+            <a:spAutoFit/>
           </a:bodyPr>
           <a:p>
             <a:r>
               <a:rPr lang="en-US" altLang="zh-CN"/>
-              <a:t>import numpy as np</a:t>
-            </a:r>
-            <a:endParaRPr lang="en-US" altLang="zh-CN"/>
-          </a:p>
-          <a:p>
-            <a:r>
-              <a:rPr lang="en-US" altLang="zh-CN"/>
-              <a:t>array</a:t>
-            </a:r>
-            <a:endParaRPr lang="en-US" altLang="zh-CN"/>
-          </a:p>
-          <a:p>
-            <a:r>
-              <a:rPr lang="en-US" altLang="zh-CN"/>
-              <a:t>np.genfromtxt('filename', delimiter=',', usecolos=(), dtype=str)</a:t>
-            </a:r>
-            <a:endParaRPr lang="en-US" altLang="zh-CN"/>
-          </a:p>
-          <a:p>
-            <a:r>
-              <a:rPr lang="en-US" altLang="zh-CN"/>
-              <a:t>np.zeros()/np.ones()/np.empty()/np.identity()/np.matrix(arr), np.isnan()</a:t>
-            </a:r>
-            <a:endParaRPr lang="en-US" altLang="zh-CN"/>
-          </a:p>
-          <a:p>
-            <a:r>
-              <a:rPr lang="en-US" altLang="zh-CN"/>
-              <a:t>np.random.randn(count), np.random.randint(low, high, size)</a:t>
-            </a:r>
-            <a:endParaRPr lang="en-US" altLang="zh-CN"/>
-          </a:p>
-          <a:p>
-            <a:r>
-              <a:rPr lang="en-US" altLang="zh-CN"/>
-              <a:t>np.sum(arr), np.mean(arr), np.std(arr), np.var(arr), np.min(arr), np.max(arr), np.argmin(arr), np.argmax(arr)</a:t>
-            </a:r>
-            <a:endParaRPr lang="en-US" altLang="zh-CN"/>
-          </a:p>
-          <a:p>
-            <a:r>
-              <a:rPr lang="en-US" altLang="zh-CN"/>
-              <a:t>np.dot(arr1, arr2)</a:t>
-            </a:r>
-            <a:endParaRPr lang="en-US" altLang="zh-CN"/>
-          </a:p>
-          <a:p>
-            <a:r>
-              <a:rPr lang="en-US" altLang="zh-CN"/>
-              <a:t>np.c_(arr1, arr2)	// Concatenate two arrays</a:t>
-            </a:r>
-            <a:endParaRPr lang="en-US" altLang="zh-CN"/>
-          </a:p>
-          <a:p>
-            <a:r>
-              <a:rPr lang="en-US" altLang="zh-CN"/>
-              <a:t>np.reshape()</a:t>
-            </a:r>
-            <a:endParaRPr lang="en-US" altLang="zh-CN"/>
-          </a:p>
-          <a:p>
-            <a:r>
-              <a:rPr lang="en-US" altLang="zh-CN" sz="2400">
-                <a:sym typeface="+mn-ea"/>
-              </a:rPr>
-              <a:t>Boolean arrays</a:t>
-            </a:r>
-            <a:endParaRPr lang="en-US" altLang="zh-CN" sz="2400"/>
-          </a:p>
-          <a:p>
-            <a:pPr lvl="1">
-              <a:buFont typeface="Wingdings" panose="05000000000000000000" pitchFamily="2" charset="2"/>
-              <a:buChar char=""/>
-            </a:pPr>
-            <a:r>
-              <a:rPr lang="en-US" altLang="zh-CN" sz="2400">
-                <a:sym typeface="+mn-ea"/>
-              </a:rPr>
-              <a:t>arr.any(), arr.all()</a:t>
-            </a:r>
-            <a:endParaRPr lang="en-US" altLang="zh-CN" sz="2400"/>
-          </a:p>
-          <a:p>
-            <a:pPr lvl="0">
-              <a:buFont typeface="Wingdings" panose="05000000000000000000" pitchFamily="2" charset="2"/>
-              <a:buChar char=""/>
-            </a:pPr>
-            <a:r>
-              <a:rPr lang="en-US" altLang="zh-CN" sz="2400">
-                <a:sym typeface="+mn-ea"/>
-              </a:rPr>
-              <a:t>Set operation</a:t>
-            </a:r>
-            <a:endParaRPr lang="en-US" altLang="zh-CN" sz="2400"/>
-          </a:p>
-          <a:p>
-            <a:pPr lvl="1">
-              <a:buFont typeface="Wingdings" panose="05000000000000000000" pitchFamily="2" charset="2"/>
-              <a:buChar char=""/>
-            </a:pPr>
-            <a:r>
-              <a:rPr lang="en-US" altLang="zh-CN" sz="2400">
-                <a:sym typeface="+mn-ea"/>
-              </a:rPr>
-              <a:t>arr.sort(), np.unique(arr), np.intersect1d(arr1, arr2), np.union1d(arr1, arr2),np.split(arr, separator_arr, axis)</a:t>
+              <a:t>import argparse</a:t>
+            </a:r>
+            <a:endParaRPr lang="en-US" altLang="zh-CN"/>
+          </a:p>
+          <a:p>
+            <a:endParaRPr lang="en-US" altLang="zh-CN"/>
+          </a:p>
+          <a:p>
+            <a:r>
+              <a:rPr lang="en-US" altLang="zh-CN"/>
+              <a:t>parser = argparse.ArgumentParser()</a:t>
+            </a:r>
+            <a:endParaRPr lang="en-US" altLang="zh-CN"/>
+          </a:p>
+          <a:p>
+            <a:r>
+              <a:rPr lang="en-US" altLang="zh-CN"/>
+              <a:t>parser.add_argument('-v', type=int/str)</a:t>
+            </a:r>
+            <a:endParaRPr lang="en-US" altLang="zh-CN"/>
+          </a:p>
+          <a:p>
+            <a:r>
+              <a:rPr lang="en-US" altLang="zh-CN"/>
+              <a:t>args = parser.parse_args()</a:t>
+            </a:r>
+            <a:endParaRPr lang="en-US" altLang="zh-CN"/>
+          </a:p>
+          <a:p>
+            <a:r>
+              <a:rPr lang="en-US" altLang="zh-CN"/>
+              <a:t>print(args.echo)</a:t>
             </a:r>
             <a:endParaRPr lang="en-US" altLang="zh-CN"/>
           </a:p>
@@ -6199,7 +6095,7 @@
           <a:p>
             <a:r>
               <a:rPr lang="en-US" altLang="zh-CN"/>
-              <a:t>NumPy 2/2</a:t>
+              <a:t>Misc</a:t>
             </a:r>
             <a:endParaRPr lang="en-US" altLang="zh-CN"/>
           </a:p>
@@ -6215,77 +6111,61 @@
             <p:ph idx="1"/>
           </p:nvPr>
         </p:nvSpPr>
-        <p:spPr>
-          <a:xfrm>
-            <a:off x="651510" y="1024710"/>
-            <a:ext cx="10858500" cy="5084543"/>
-          </a:xfrm>
-        </p:spPr>
-        <p:txBody>
-          <a:bodyPr>
-            <a:normAutofit fontScale="90000"/>
-          </a:bodyPr>
-          <a:p>
-            <a:endParaRPr lang="en-US" altLang="zh-CN"/>
-          </a:p>
-          <a:p>
-            <a:pPr lvl="0">
-              <a:buFont typeface="Wingdings" panose="05000000000000000000" pitchFamily="2" charset="2"/>
-              <a:buChar char=""/>
-            </a:pPr>
-            <a:r>
-              <a:rPr lang="en-US" altLang="zh-CN" sz="2880">
-                <a:sym typeface="+mn-ea"/>
-              </a:rPr>
-              <a:t>Element-wise array functions</a:t>
-            </a:r>
-            <a:endParaRPr lang="en-US" altLang="zh-CN" sz="2880"/>
-          </a:p>
-          <a:p>
-            <a:pPr lvl="1">
-              <a:buFont typeface="Wingdings" panose="05000000000000000000" pitchFamily="2" charset="2"/>
-              <a:buChar char=""/>
-            </a:pPr>
-            <a:r>
-              <a:rPr lang="en-US" altLang="zh-CN" sz="2400">
-                <a:sym typeface="+mn-ea"/>
-              </a:rPr>
-              <a:t>np.sqrt(arr), np.exp(arr), np.modf(arr), np.fabs(arr), np.sqrt(arr), np.square(arr), np.sign(arr), np.log(arr), np.ceil(arr), np.floor(arr), np.rint(arr), np.isnan(arr), np.sin(arr), np.cos(arr), np.tan(arr)</a:t>
-            </a:r>
-            <a:endParaRPr lang="en-US" altLang="zh-CN" sz="2400"/>
-          </a:p>
-          <a:p>
-            <a:pPr lvl="1">
-              <a:buFont typeface="Wingdings" panose="05000000000000000000" pitchFamily="2" charset="2"/>
-              <a:buChar char=""/>
-            </a:pPr>
-            <a:r>
-              <a:rPr lang="en-US" altLang="zh-CN" sz="2400">
-                <a:sym typeface="+mn-ea"/>
-              </a:rPr>
-              <a:t>np.maximum(arr1, arr2), np.add(arr1, arr2), np.subtract(arr1, arr2), np.multiply(arr1, arr2), np.divide(arr1, arr2), np.power(arr1, arr2), np.minimum(arr1, arr2), np.greater(arr1, arr2), np.less(arr1, arr2)</a:t>
-            </a:r>
-            <a:endParaRPr lang="en-US" altLang="zh-CN" sz="2400"/>
-          </a:p>
-          <a:p>
-            <a:pPr lvl="1">
-              <a:buFont typeface="Wingdings" panose="05000000000000000000" pitchFamily="2" charset="2"/>
-              <a:buChar char=""/>
-            </a:pPr>
-            <a:r>
-              <a:rPr lang="en-US" altLang="zh-CN" sz="2000"/>
-              <a:t>np.isin(x, list)</a:t>
-            </a:r>
-            <a:endParaRPr lang="en-US" altLang="zh-CN" sz="2000"/>
-          </a:p>
-          <a:p>
-            <a:pPr lvl="1">
-              <a:buFont typeface="Wingdings" panose="05000000000000000000" pitchFamily="2" charset="2"/>
-              <a:buChar char=""/>
-            </a:pPr>
-            <a:r>
-              <a:rPr lang="en-US" altLang="zh-CN"/>
-              <a:t>np.where(cond, x, y)</a:t>
+        <p:spPr/>
+        <p:txBody>
+          <a:bodyPr/>
+          <a:p>
+            <a:r>
+              <a:rPr lang="en-US" altLang="zh-CN"/>
+              <a:t>Read input from keyboard</a:t>
+            </a:r>
+            <a:endParaRPr lang="en-US" altLang="zh-CN"/>
+          </a:p>
+          <a:p>
+            <a:pPr lvl="1"/>
+            <a:r>
+              <a:rPr lang="en-US" altLang="zh-CN"/>
+              <a:t>x = input('Enter a number: ')</a:t>
+            </a:r>
+            <a:endParaRPr lang="en-US" altLang="zh-CN"/>
+          </a:p>
+          <a:p>
+            <a:pPr lvl="0"/>
+            <a:r>
+              <a:rPr lang="en-US" altLang="zh-CN"/>
+              <a:t>File related</a:t>
+            </a:r>
+            <a:endParaRPr lang="en-US" altLang="zh-CN"/>
+          </a:p>
+          <a:p>
+            <a:pPr lvl="1"/>
+            <a:r>
+              <a:rPr lang="en-US" altLang="zh-CN"/>
+              <a:t>os.path.getsize(fn)</a:t>
+            </a:r>
+            <a:endParaRPr lang="en-US" altLang="zh-CN"/>
+          </a:p>
+          <a:p>
+            <a:pPr lvl="1"/>
+            <a:r>
+              <a:rPr lang="en-US" altLang="zh-CN"/>
+              <a:t>shutil.move(fn_src, fn_dst)</a:t>
+            </a:r>
+            <a:endParaRPr lang="en-US" altLang="zh-CN"/>
+          </a:p>
+          <a:p>
+            <a:pPr lvl="1"/>
+            <a:r>
+              <a:rPr lang="en-US" altLang="zh-CN"/>
+              <a:t>shutil.copyfile(fn_src, fn_dst)</a:t>
+            </a:r>
+            <a:endParaRPr lang="en-US" altLang="zh-CN"/>
+          </a:p>
+          <a:p>
+            <a:pPr lvl="1"/>
+            <a:r>
+              <a:rPr lang="en-US" altLang="zh-CN"/>
+              <a:t>os.remove(fn)</a:t>
             </a:r>
             <a:endParaRPr lang="en-US" altLang="zh-CN"/>
           </a:p>
@@ -6311,7 +6191,7 @@
       <p:grpSpPr/>
       <p:sp>
         <p:nvSpPr>
-          <p:cNvPr id="2" name="标题 1"/>
+          <p:cNvPr id="4" name="标题 3"/>
           <p:cNvSpPr>
             <a:spLocks noGrp="1"/>
           </p:cNvSpPr>
@@ -6325,462 +6205,27 @@
           <a:p>
             <a:r>
               <a:rPr lang="en-US" altLang="zh-CN"/>
-              <a:t>Pandas</a:t>
-            </a:r>
-            <a:endParaRPr lang="en-US" altLang="zh-CN"/>
-          </a:p>
-        </p:txBody>
-      </p:sp>
-      <p:sp>
-        <p:nvSpPr>
-          <p:cNvPr id="3" name="内容占位符 2"/>
-          <p:cNvSpPr>
-            <a:spLocks noGrp="1"/>
-          </p:cNvSpPr>
-          <p:nvPr>
-            <p:ph idx="1"/>
+              <a:t>Packages</a:t>
+            </a:r>
+            <a:endParaRPr lang="en-US" altLang="zh-CN"/>
+          </a:p>
+        </p:txBody>
+      </p:sp>
+      <p:sp>
+        <p:nvSpPr>
+          <p:cNvPr id="5" name="文本占位符 4"/>
+          <p:cNvSpPr>
+            <a:spLocks noGrp="1"/>
+          </p:cNvSpPr>
+          <p:nvPr>
+            <p:ph type="body" idx="1"/>
           </p:nvPr>
         </p:nvSpPr>
         <p:spPr/>
         <p:txBody>
-          <a:bodyPr>
-            <a:noAutofit/>
-          </a:bodyPr>
-          <a:p>
-            <a:r>
-              <a:rPr lang="en-US" altLang="zh-CN" sz="1400"/>
-              <a:t>Data analysis and manipulation library</a:t>
-            </a:r>
-            <a:endParaRPr lang="en-US" altLang="zh-CN" sz="1400"/>
-          </a:p>
-          <a:p>
-            <a:r>
-              <a:rPr lang="en-US" altLang="zh-CN" sz="1400"/>
-              <a:t>Data types</a:t>
-            </a:r>
-            <a:endParaRPr lang="en-US" altLang="zh-CN" sz="1400"/>
-          </a:p>
-          <a:p>
-            <a:pPr lvl="1">
-              <a:buFont typeface="Wingdings" panose="05000000000000000000" pitchFamily="2" charset="2"/>
-              <a:buChar char="l"/>
-            </a:pPr>
-            <a:r>
-              <a:rPr lang="en-US" altLang="zh-CN" sz="1200"/>
-              <a:t>pandas.Series (1D)</a:t>
-            </a:r>
-            <a:endParaRPr lang="en-US" altLang="zh-CN" sz="1200"/>
-          </a:p>
-          <a:p>
-            <a:pPr lvl="2">
-              <a:buFont typeface="Wingdings" panose="05000000000000000000" pitchFamily="2" charset="2"/>
-              <a:buChar char="l"/>
-            </a:pPr>
-            <a:r>
-              <a:rPr lang="en-US" altLang="zh-CN" sz="1020"/>
-              <a:t>unique(), value_counts(), is_in(list), isnull(), dropna(), fillna(), map(func)</a:t>
-            </a:r>
-            <a:endParaRPr lang="en-US" altLang="zh-CN" sz="1020"/>
-          </a:p>
-          <a:p>
-            <a:pPr lvl="2">
-              <a:buFont typeface="Wingdings" panose="05000000000000000000" pitchFamily="2" charset="2"/>
-              <a:buChar char="l"/>
-            </a:pPr>
-            <a:r>
-              <a:rPr lang="en-US" altLang="zh-CN" sz="1020"/>
-              <a:t>plot()</a:t>
-            </a:r>
-            <a:endParaRPr lang="en-US" altLang="zh-CN" sz="1020"/>
-          </a:p>
-          <a:p>
-            <a:pPr lvl="1">
-              <a:buFont typeface="Wingdings" panose="05000000000000000000" pitchFamily="2" charset="2"/>
-              <a:buChar char="l"/>
-            </a:pPr>
-            <a:r>
-              <a:rPr lang="en-US" altLang="zh-CN" sz="1200"/>
-              <a:t>pandas.DataFrame (2D)</a:t>
-            </a:r>
-            <a:endParaRPr lang="en-US" altLang="zh-CN" sz="1200"/>
-          </a:p>
-          <a:p>
-            <a:pPr lvl="2">
-              <a:buFont typeface="Wingdings" panose="05000000000000000000" pitchFamily="2" charset="2"/>
-              <a:buChar char="Ø"/>
-            </a:pPr>
-            <a:r>
-              <a:rPr lang="en-US" altLang="zh-CN" sz="1020"/>
-              <a:t>read_csv('a.csv', index_col=''), read_table('a.csv', sep=''), read_excel(), to_csv('a.csv')</a:t>
-            </a:r>
-            <a:endParaRPr lang="en-US" altLang="zh-CN" sz="1020"/>
-          </a:p>
-          <a:p>
-            <a:pPr lvl="2">
-              <a:buFont typeface="Wingdings" panose="05000000000000000000" pitchFamily="2" charset="2"/>
-              <a:buChar char="Ø"/>
-            </a:pPr>
-            <a:r>
-              <a:rPr lang="en-US" altLang="zh-CN" sz="1020"/>
-              <a:t>ExcelFile('a.xls') (xlrd/openpyxl), parse('sheetName')</a:t>
-            </a:r>
-            <a:endParaRPr lang="en-US" altLang="zh-CN" sz="1020"/>
-          </a:p>
-          <a:p>
-            <a:pPr lvl="2">
-              <a:buFont typeface="Wingdings" panose="05000000000000000000" pitchFamily="2" charset="2"/>
-              <a:buChar char="Ø"/>
-            </a:pPr>
-            <a:r>
-              <a:rPr lang="en-US" altLang="zh-CN" sz="1020"/>
-              <a:t>df.sum()/mean()/describe()/head()/drop_duplicates()/apply()/applymap()/astype()</a:t>
-            </a:r>
-            <a:endParaRPr lang="en-US" altLang="zh-CN" sz="1020"/>
-          </a:p>
-          <a:p>
-            <a:pPr lvl="2">
-              <a:buFont typeface="Wingdings" panose="05000000000000000000" pitchFamily="2" charset="2"/>
-              <a:buChar char="Ø"/>
-            </a:pPr>
-            <a:r>
-              <a:rPr lang="en-US" altLang="zh-CN" sz="1020"/>
-              <a:t>index, columns, loc(), iloc(), ix(), groupby('column').mean(), corr(), cov(), drop('columnName'), dropna(axis=, subset=)</a:t>
-            </a:r>
-            <a:endParaRPr lang="en-US" altLang="zh-CN" sz="1020"/>
-          </a:p>
-          <a:p>
-            <a:pPr lvl="2">
-              <a:buFont typeface="Wingdings" panose="05000000000000000000" pitchFamily="2" charset="2"/>
-              <a:buChar char="Ø"/>
-            </a:pPr>
-            <a:r>
-              <a:rPr lang="en-US" altLang="zh-CN" sz="1020"/>
-              <a:t>Can  be looked on as dictionary</a:t>
-            </a:r>
-            <a:endParaRPr lang="en-US" altLang="zh-CN" sz="1020"/>
-          </a:p>
-          <a:p>
-            <a:pPr lvl="2">
-              <a:buFont typeface="Wingdings" panose="05000000000000000000" pitchFamily="2" charset="2"/>
-              <a:buChar char="Ø"/>
-            </a:pPr>
-            <a:r>
-              <a:rPr lang="en-US" altLang="zh-CN" sz="1020"/>
-              <a:t>df.iloc[row_no]</a:t>
-            </a:r>
-            <a:endParaRPr lang="en-US" altLang="zh-CN" sz="1020"/>
-          </a:p>
-          <a:p>
-            <a:pPr lvl="1">
-              <a:buFont typeface="Wingdings" panose="05000000000000000000" pitchFamily="2" charset="2"/>
-              <a:buChar char="l"/>
-            </a:pPr>
-            <a:r>
-              <a:rPr lang="en-US" altLang="zh-CN" sz="1200"/>
-              <a:t>pandas.Panel</a:t>
-            </a:r>
-            <a:endParaRPr lang="en-US" altLang="zh-CN" sz="1200"/>
-          </a:p>
-          <a:p>
-            <a:pPr lvl="1">
-              <a:buFont typeface="Wingdings" panose="05000000000000000000" pitchFamily="2" charset="2"/>
-              <a:buChar char="l"/>
-            </a:pPr>
-            <a:r>
-              <a:rPr lang="en-US" altLang="zh-CN" sz="1200"/>
-              <a:t>pandas.Panel4D</a:t>
-            </a:r>
-            <a:endParaRPr lang="en-US" altLang="zh-CN" sz="1200"/>
-          </a:p>
-          <a:p>
-            <a:pPr lvl="0">
-              <a:buFont typeface="Wingdings" panose="05000000000000000000" pitchFamily="2" charset="2"/>
-              <a:buChar char="l"/>
-            </a:pPr>
-            <a:r>
-              <a:rPr lang="en-US" altLang="zh-CN" sz="1400"/>
-              <a:t>DB</a:t>
-            </a:r>
-            <a:endParaRPr lang="en-US" altLang="zh-CN" sz="1400"/>
-          </a:p>
-          <a:p>
-            <a:pPr lvl="1">
-              <a:buFont typeface="Wingdings" panose="05000000000000000000" pitchFamily="2" charset="2"/>
-              <a:buChar char="l"/>
-            </a:pPr>
-            <a:r>
-              <a:rPr lang="en-US" altLang="zh-CN" sz="1200"/>
-              <a:t>read_sql('sql_str', con=dbconn)</a:t>
-            </a:r>
-            <a:endParaRPr lang="en-US" altLang="zh-CN" sz="1200"/>
-          </a:p>
-          <a:p>
-            <a:pPr lvl="1">
-              <a:buFont typeface="Wingdings" panose="05000000000000000000" pitchFamily="2" charset="2"/>
-              <a:buChar char="l"/>
-            </a:pPr>
-            <a:r>
-              <a:rPr lang="en-US" altLang="zh-CN" sz="1200"/>
-              <a:t>read_sql_table()</a:t>
-            </a:r>
-            <a:endParaRPr lang="en-US" altLang="zh-CN" sz="1200"/>
-          </a:p>
-          <a:p>
-            <a:pPr lvl="1">
-              <a:buFont typeface="Wingdings" panose="05000000000000000000" pitchFamily="2" charset="2"/>
-              <a:buChar char="l"/>
-            </a:pPr>
-            <a:r>
-              <a:rPr lang="en-US" altLang="zh-CN" sz="1200"/>
-              <a:t>read_sql_query()</a:t>
-            </a:r>
-            <a:endParaRPr lang="en-US" altLang="zh-CN" sz="1200"/>
-          </a:p>
-          <a:p>
-            <a:pPr lvl="0">
-              <a:buFont typeface="Wingdings" panose="05000000000000000000" pitchFamily="2" charset="2"/>
-              <a:buChar char="l"/>
-            </a:pPr>
-            <a:r>
-              <a:rPr lang="en-US" altLang="zh-CN" sz="1400"/>
-              <a:t>Datetime</a:t>
-            </a:r>
-            <a:endParaRPr lang="en-US" altLang="zh-CN" sz="1400"/>
-          </a:p>
-          <a:p>
-            <a:pPr lvl="1">
-              <a:buFont typeface="Wingdings" panose="05000000000000000000" pitchFamily="2" charset="2"/>
-              <a:buChar char="l"/>
-            </a:pPr>
-            <a:r>
-              <a:rPr lang="en-US" altLang="zh-CN" sz="1200"/>
-              <a:t>to_datetime(df)</a:t>
-            </a:r>
-            <a:endParaRPr lang="en-US" altLang="zh-CN" sz="1200"/>
-          </a:p>
-        </p:txBody>
-      </p:sp>
-      <p:sp>
-        <p:nvSpPr>
-          <p:cNvPr id="4" name="文本框 3"/>
-          <p:cNvSpPr txBox="1"/>
-          <p:nvPr/>
-        </p:nvSpPr>
-        <p:spPr>
-          <a:xfrm>
-            <a:off x="7687945" y="1630680"/>
-            <a:ext cx="3837305" cy="3725545"/>
-          </a:xfrm>
-          <a:prstGeom prst="rect">
-            <a:avLst/>
-          </a:prstGeom>
-          <a:noFill/>
-        </p:spPr>
-        <p:txBody>
-          <a:bodyPr wrap="square" rtlCol="0">
-            <a:spAutoFit/>
-          </a:bodyPr>
-          <a:p>
-            <a:pPr>
-              <a:lnSpc>
-                <a:spcPct val="130000"/>
-              </a:lnSpc>
-            </a:pPr>
-            <a:r>
-              <a:rPr lang="en-US" altLang="zh-CN" sz="1400" dirty="0" smtClean="0">
-                <a:latin typeface="Arial" panose="020B0604020202020204" pitchFamily="34" charset="0"/>
-                <a:ea typeface="微软雅黑" panose="020B0503020204020204" charset="-122"/>
-              </a:rPr>
-              <a:t>import pandas as pd</a:t>
-            </a:r>
-            <a:endParaRPr lang="en-US" altLang="zh-CN" sz="1400" dirty="0" smtClean="0">
-              <a:latin typeface="Arial" panose="020B0604020202020204" pitchFamily="34" charset="0"/>
-              <a:ea typeface="微软雅黑" panose="020B0503020204020204" charset="-122"/>
-            </a:endParaRPr>
-          </a:p>
-          <a:p>
-            <a:pPr>
-              <a:lnSpc>
-                <a:spcPct val="130000"/>
-              </a:lnSpc>
-            </a:pPr>
-            <a:endParaRPr lang="en-US" altLang="zh-CN" sz="1400" dirty="0" smtClean="0">
-              <a:latin typeface="Arial" panose="020B0604020202020204" pitchFamily="34" charset="0"/>
-              <a:ea typeface="微软雅黑" panose="020B0503020204020204" charset="-122"/>
-            </a:endParaRPr>
-          </a:p>
-          <a:p>
-            <a:pPr>
-              <a:lnSpc>
-                <a:spcPct val="130000"/>
-              </a:lnSpc>
-            </a:pPr>
-            <a:r>
-              <a:rPr lang="en-US" altLang="zh-CN" sz="1400" dirty="0" smtClean="0">
-                <a:latin typeface="Arial" panose="020B0604020202020204" pitchFamily="34" charset="0"/>
-                <a:ea typeface="微软雅黑" panose="020B0503020204020204" charset="-122"/>
-              </a:rPr>
-              <a:t>counts = pd.Series(['a', 'b', 'c'])</a:t>
-            </a:r>
-            <a:endParaRPr lang="en-US" altLang="zh-CN" sz="1400" dirty="0" smtClean="0">
-              <a:latin typeface="Arial" panose="020B0604020202020204" pitchFamily="34" charset="0"/>
-              <a:ea typeface="微软雅黑" panose="020B0503020204020204" charset="-122"/>
-            </a:endParaRPr>
-          </a:p>
-          <a:p>
-            <a:pPr>
-              <a:lnSpc>
-                <a:spcPct val="130000"/>
-              </a:lnSpc>
-            </a:pPr>
-            <a:r>
-              <a:rPr lang="en-US" altLang="zh-CN" sz="1400" dirty="0" smtClean="0">
-                <a:latin typeface="Arial" panose="020B0604020202020204" pitchFamily="34" charset="0"/>
-                <a:ea typeface="微软雅黑" panose="020B0503020204020204" charset="-122"/>
-              </a:rPr>
-              <a:t>counts</a:t>
-            </a:r>
-            <a:endParaRPr lang="en-US" altLang="zh-CN" sz="1400" dirty="0" smtClean="0">
-              <a:latin typeface="Arial" panose="020B0604020202020204" pitchFamily="34" charset="0"/>
-              <a:ea typeface="微软雅黑" panose="020B0503020204020204" charset="-122"/>
-            </a:endParaRPr>
-          </a:p>
-          <a:p>
-            <a:pPr>
-              <a:lnSpc>
-                <a:spcPct val="130000"/>
-              </a:lnSpc>
-            </a:pPr>
-            <a:r>
-              <a:rPr lang="en-US" altLang="zh-CN" sz="1400" dirty="0" smtClean="0">
-                <a:latin typeface="Arial" panose="020B0604020202020204" pitchFamily="34" charset="0"/>
-                <a:ea typeface="微软雅黑" panose="020B0503020204020204" charset="-122"/>
-              </a:rPr>
-              <a:t>counts.index</a:t>
-            </a:r>
-            <a:endParaRPr lang="en-US" altLang="zh-CN" sz="1400" dirty="0" smtClean="0">
-              <a:latin typeface="Arial" panose="020B0604020202020204" pitchFamily="34" charset="0"/>
-              <a:ea typeface="微软雅黑" panose="020B0503020204020204" charset="-122"/>
-            </a:endParaRPr>
-          </a:p>
-          <a:p>
-            <a:pPr>
-              <a:lnSpc>
-                <a:spcPct val="130000"/>
-              </a:lnSpc>
-            </a:pPr>
-            <a:r>
-              <a:rPr lang="en-US" altLang="zh-CN" sz="1400" dirty="0" smtClean="0">
-                <a:latin typeface="Arial" panose="020B0604020202020204" pitchFamily="34" charset="0"/>
-                <a:ea typeface="微软雅黑" panose="020B0503020204020204" charset="-122"/>
-              </a:rPr>
-              <a:t>counts.values</a:t>
-            </a:r>
-            <a:endParaRPr lang="en-US" altLang="zh-CN" sz="1400" dirty="0" smtClean="0">
-              <a:latin typeface="Arial" panose="020B0604020202020204" pitchFamily="34" charset="0"/>
-              <a:ea typeface="微软雅黑" panose="020B0503020204020204" charset="-122"/>
-            </a:endParaRPr>
-          </a:p>
-          <a:p>
-            <a:pPr>
-              <a:lnSpc>
-                <a:spcPct val="130000"/>
-              </a:lnSpc>
-            </a:pPr>
-            <a:endParaRPr lang="en-US" altLang="zh-CN" sz="1400" dirty="0" smtClean="0">
-              <a:latin typeface="Arial" panose="020B0604020202020204" pitchFamily="34" charset="0"/>
-              <a:ea typeface="微软雅黑" panose="020B0503020204020204" charset="-122"/>
-            </a:endParaRPr>
-          </a:p>
-          <a:p>
-            <a:pPr>
-              <a:lnSpc>
-                <a:spcPct val="130000"/>
-              </a:lnSpc>
-            </a:pPr>
-            <a:r>
-              <a:rPr lang="en-US" altLang="zh-CN" sz="1400" dirty="0" smtClean="0">
-                <a:latin typeface="Arial" panose="020B0604020202020204" pitchFamily="34" charset="0"/>
-                <a:ea typeface="微软雅黑" panose="020B0503020204020204" charset="-122"/>
-              </a:rPr>
-              <a:t>data = pd.DataFrame({'column1': [1, 2, 3], 'column2': [1, 2, 3]})</a:t>
-            </a:r>
-            <a:endParaRPr lang="en-US" altLang="zh-CN" sz="1400" dirty="0" smtClean="0">
-              <a:latin typeface="Arial" panose="020B0604020202020204" pitchFamily="34" charset="0"/>
-              <a:ea typeface="微软雅黑" panose="020B0503020204020204" charset="-122"/>
-            </a:endParaRPr>
-          </a:p>
-          <a:p>
-            <a:pPr>
-              <a:lnSpc>
-                <a:spcPct val="130000"/>
-              </a:lnSpc>
-            </a:pPr>
-            <a:r>
-              <a:rPr lang="en-US" altLang="zh-CN" sz="1400" dirty="0" smtClean="0">
-                <a:latin typeface="Arial" panose="020B0604020202020204" pitchFamily="34" charset="0"/>
-                <a:ea typeface="微软雅黑" panose="020B0503020204020204" charset="-122"/>
-              </a:rPr>
-              <a:t>data</a:t>
-            </a:r>
-            <a:endParaRPr lang="en-US" altLang="zh-CN" sz="1400" dirty="0" smtClean="0">
-              <a:latin typeface="Arial" panose="020B0604020202020204" pitchFamily="34" charset="0"/>
-              <a:ea typeface="微软雅黑" panose="020B0503020204020204" charset="-122"/>
-            </a:endParaRPr>
-          </a:p>
-          <a:p>
-            <a:pPr>
-              <a:lnSpc>
-                <a:spcPct val="130000"/>
-              </a:lnSpc>
-            </a:pPr>
-            <a:r>
-              <a:rPr lang="en-US" altLang="zh-CN" sz="1400" dirty="0" smtClean="0">
-                <a:latin typeface="Arial" panose="020B0604020202020204" pitchFamily="34" charset="0"/>
-                <a:ea typeface="微软雅黑" panose="020B0503020204020204" charset="-122"/>
-              </a:rPr>
-              <a:t>data.values</a:t>
-            </a:r>
-            <a:endParaRPr lang="en-US" altLang="zh-CN" sz="1400" dirty="0" smtClean="0">
-              <a:latin typeface="Arial" panose="020B0604020202020204" pitchFamily="34" charset="0"/>
-              <a:ea typeface="微软雅黑" panose="020B0503020204020204" charset="-122"/>
-            </a:endParaRPr>
-          </a:p>
-          <a:p>
-            <a:pPr>
-              <a:lnSpc>
-                <a:spcPct val="130000"/>
-              </a:lnSpc>
-            </a:pPr>
-            <a:r>
-              <a:rPr lang="en-US" altLang="zh-CN" sz="1400" dirty="0" smtClean="0">
-                <a:latin typeface="Arial" panose="020B0604020202020204" pitchFamily="34" charset="0"/>
-                <a:ea typeface="微软雅黑" panose="020B0503020204020204" charset="-122"/>
-              </a:rPr>
-              <a:t>data.shape</a:t>
-            </a:r>
-            <a:endParaRPr lang="en-US" altLang="zh-CN" sz="1400" dirty="0" smtClean="0">
-              <a:latin typeface="Arial" panose="020B0604020202020204" pitchFamily="34" charset="0"/>
-              <a:ea typeface="微软雅黑" panose="020B0503020204020204" charset="-122"/>
-            </a:endParaRPr>
-          </a:p>
-          <a:p>
-            <a:pPr>
-              <a:lnSpc>
-                <a:spcPct val="130000"/>
-              </a:lnSpc>
-            </a:pPr>
-            <a:r>
-              <a:rPr lang="en-US" altLang="zh-CN" sz="1400" dirty="0" smtClean="0">
-                <a:latin typeface="Arial" panose="020B0604020202020204" pitchFamily="34" charset="0"/>
-                <a:ea typeface="微软雅黑" panose="020B0503020204020204" charset="-122"/>
-              </a:rPr>
-              <a:t>data = pd.read_csv('a.csv')</a:t>
-            </a:r>
-            <a:endParaRPr lang="en-US" altLang="zh-CN" sz="1400" dirty="0" smtClean="0">
-              <a:latin typeface="Arial" panose="020B0604020202020204" pitchFamily="34" charset="0"/>
-              <a:ea typeface="微软雅黑" panose="020B0503020204020204" charset="-122"/>
-            </a:endParaRPr>
+          <a:bodyPr/>
+          <a:p>
+            <a:endParaRPr lang="zh-CN" altLang="en-US"/>
           </a:p>
         </p:txBody>
       </p:sp>
@@ -6804,7 +6249,7 @@
       <p:grpSpPr/>
       <p:sp>
         <p:nvSpPr>
-          <p:cNvPr id="24578" name="标题 2"/>
+          <p:cNvPr id="2" name="标题 1"/>
           <p:cNvSpPr>
             <a:spLocks noGrp="1"/>
           </p:cNvSpPr>
@@ -6814,82 +6259,616 @@
         </p:nvSpPr>
         <p:spPr/>
         <p:txBody>
-          <a:bodyPr anchor="b">
-            <a:normAutofit/>
+          <a:bodyPr/>
+          <a:p>
+            <a:r>
+              <a:rPr lang="en-US" altLang="zh-CN"/>
+              <a:t>Web</a:t>
+            </a:r>
+            <a:endParaRPr lang="en-US" altLang="zh-CN"/>
+          </a:p>
+        </p:txBody>
+      </p:sp>
+      <p:sp>
+        <p:nvSpPr>
+          <p:cNvPr id="3" name="内容占位符 2"/>
+          <p:cNvSpPr>
+            <a:spLocks noGrp="1"/>
+          </p:cNvSpPr>
+          <p:nvPr>
+            <p:ph idx="1"/>
+          </p:nvPr>
+        </p:nvSpPr>
+        <p:spPr>
+          <a:xfrm>
+            <a:off x="838200" y="1211580"/>
+            <a:ext cx="5753100" cy="1971040"/>
+          </a:xfrm>
+        </p:spPr>
+        <p:txBody>
+          <a:bodyPr>
+            <a:normAutofit fontScale="90000"/>
           </a:bodyPr>
           <a:p>
             <a:r>
-              <a:rPr lang="en-US" altLang="zh-CN" smtClean="0"/>
-              <a:t>SciPy</a:t>
-            </a:r>
-            <a:endParaRPr lang="en-US" altLang="zh-CN" smtClean="0"/>
-          </a:p>
-        </p:txBody>
-      </p:sp>
-      <p:sp>
-        <p:nvSpPr>
-          <p:cNvPr id="4" name="内容占位符 3"/>
-          <p:cNvSpPr>
-            <a:spLocks noGrp="1"/>
-          </p:cNvSpPr>
-          <p:nvPr>
-            <p:ph idx="1"/>
-          </p:nvPr>
-        </p:nvSpPr>
-        <p:spPr/>
-        <p:txBody>
-          <a:bodyPr>
-            <a:normAutofit/>
-          </a:bodyPr>
-          <a:p>
-            <a:pPr marL="357505" indent="-357505" algn="l">
-              <a:lnSpc>
-                <a:spcPct val="200000"/>
-              </a:lnSpc>
-              <a:buClr>
-                <a:schemeClr val="accent1"/>
-              </a:buClr>
-              <a:buSzTx/>
-              <a:buFont typeface="Wingdings" panose="05000000000000000000" pitchFamily="2" charset="2"/>
-              <a:buChar char=""/>
-            </a:pPr>
-            <a:r>
-              <a:rPr lang="en-US" altLang="zh-CN" smtClean="0"/>
-              <a:t>Scientific library</a:t>
-            </a:r>
-            <a:endParaRPr lang="en-US" altLang="zh-CN" smtClean="0"/>
-          </a:p>
-          <a:p>
-            <a:pPr marL="357505" indent="-357505" algn="l">
-              <a:lnSpc>
-                <a:spcPct val="200000"/>
-              </a:lnSpc>
-              <a:buClr>
-                <a:schemeClr val="accent1"/>
-              </a:buClr>
-              <a:buSzTx/>
-              <a:buFont typeface="Wingdings" panose="05000000000000000000" pitchFamily="2" charset="2"/>
-              <a:buChar char=""/>
-            </a:pPr>
-            <a:r>
-              <a:rPr lang="en-US" altLang="zh-CN" smtClean="0"/>
-              <a:t>Sub packages</a:t>
-            </a:r>
-            <a:endParaRPr lang="en-US" altLang="zh-CN" smtClean="0"/>
-          </a:p>
-          <a:p>
-            <a:pPr lvl="1" algn="l">
-              <a:lnSpc>
-                <a:spcPct val="200000"/>
-              </a:lnSpc>
+              <a:rPr lang="en-US" altLang="zh-CN"/>
+              <a:t>requests</a:t>
+            </a:r>
+            <a:endParaRPr lang="en-US" altLang="zh-CN"/>
+          </a:p>
+          <a:p>
+            <a:pPr lvl="1">
               <a:buFont typeface="Wingdings" panose="05000000000000000000" pitchFamily="2" charset="2"/>
               <a:buChar char=""/>
             </a:pPr>
             <a:r>
-              <a:rPr lang="en-US" altLang="zh-CN" smtClean="0"/>
-              <a:t>cluster, fftpack, optimize, spatial, stats</a:t>
-            </a:r>
-            <a:endParaRPr lang="en-US" altLang="zh-CN" smtClean="0"/>
+              <a:rPr lang="en-US" altLang="zh-CN"/>
+              <a:t>https://2.python-requests.org/en/master/user/quickstart/#make-a-request</a:t>
+            </a:r>
+            <a:endParaRPr lang="en-US" altLang="zh-CN"/>
+          </a:p>
+          <a:p>
+            <a:pPr lvl="1">
+              <a:buFont typeface="Wingdings" panose="05000000000000000000" pitchFamily="2" charset="2"/>
+              <a:buChar char=""/>
+            </a:pPr>
+            <a:r>
+              <a:rPr lang="en-US" altLang="zh-CN"/>
+              <a:t>pip install requests</a:t>
+            </a:r>
+            <a:endParaRPr lang="en-US" altLang="zh-CN"/>
+          </a:p>
+          <a:p>
+            <a:pPr lvl="1">
+              <a:buFont typeface="Wingdings" panose="05000000000000000000" pitchFamily="2" charset="2"/>
+              <a:buChar char=""/>
+            </a:pPr>
+            <a:r>
+              <a:rPr lang="en-US" altLang="zh-CN"/>
+              <a:t>requests.code.ok</a:t>
+            </a:r>
+            <a:endParaRPr lang="en-US" altLang="zh-CN"/>
+          </a:p>
+        </p:txBody>
+      </p:sp>
+      <p:sp>
+        <p:nvSpPr>
+          <p:cNvPr id="4" name="文本框 3"/>
+          <p:cNvSpPr txBox="1"/>
+          <p:nvPr/>
+        </p:nvSpPr>
+        <p:spPr>
+          <a:xfrm>
+            <a:off x="6736080" y="914400"/>
+            <a:ext cx="5139055" cy="4284980"/>
+          </a:xfrm>
+          <a:prstGeom prst="rect">
+            <a:avLst/>
+          </a:prstGeom>
+          <a:noFill/>
+          <a:ln>
+            <a:solidFill>
+              <a:srgbClr val="FFC000"/>
+            </a:solidFill>
+          </a:ln>
+        </p:spPr>
+        <p:txBody>
+          <a:bodyPr wrap="square" rtlCol="0">
+            <a:spAutoFit/>
+          </a:bodyPr>
+          <a:p>
+            <a:pPr>
+              <a:lnSpc>
+                <a:spcPct val="130000"/>
+              </a:lnSpc>
+            </a:pPr>
+            <a:r>
+              <a:rPr lang="en-US" altLang="zh-CN" sz="1400" dirty="0" smtClean="0">
+                <a:latin typeface="Arial" panose="020B0604020202020204" pitchFamily="34" charset="0"/>
+                <a:ea typeface="微软雅黑" panose="020B0503020204020204" charset="-122"/>
+              </a:rPr>
+              <a:t>import requests</a:t>
+            </a:r>
+            <a:endParaRPr lang="en-US" altLang="zh-CN" sz="1400" dirty="0" smtClean="0">
+              <a:latin typeface="Arial" panose="020B0604020202020204" pitchFamily="34" charset="0"/>
+              <a:ea typeface="微软雅黑" panose="020B0503020204020204" charset="-122"/>
+            </a:endParaRPr>
+          </a:p>
+          <a:p>
+            <a:pPr>
+              <a:lnSpc>
+                <a:spcPct val="130000"/>
+              </a:lnSpc>
+            </a:pPr>
+            <a:r>
+              <a:rPr lang="en-US" altLang="zh-CN" sz="1400" dirty="0" smtClean="0">
+                <a:latin typeface="Arial" panose="020B0604020202020204" pitchFamily="34" charset="0"/>
+                <a:ea typeface="微软雅黑" panose="020B0503020204020204" charset="-122"/>
+              </a:rPr>
+              <a:t>headers={'user-agent': 'myapp/1.0.0'}</a:t>
+            </a:r>
+            <a:endParaRPr lang="en-US" altLang="zh-CN" sz="1400" dirty="0" smtClean="0">
+              <a:latin typeface="Arial" panose="020B0604020202020204" pitchFamily="34" charset="0"/>
+              <a:ea typeface="微软雅黑" panose="020B0503020204020204" charset="-122"/>
+            </a:endParaRPr>
+          </a:p>
+          <a:p>
+            <a:pPr>
+              <a:lnSpc>
+                <a:spcPct val="130000"/>
+              </a:lnSpc>
+            </a:pPr>
+            <a:r>
+              <a:rPr lang="en-US" altLang="zh-CN" sz="1400" dirty="0" smtClean="0">
+                <a:latin typeface="Arial" panose="020B0604020202020204" pitchFamily="34" charset="0"/>
+                <a:ea typeface="微软雅黑" panose="020B0503020204020204" charset="-122"/>
+              </a:rPr>
+              <a:t>cookies=dict(cookies-are='working')</a:t>
+            </a:r>
+            <a:endParaRPr lang="en-US" altLang="zh-CN" sz="1400" dirty="0" smtClean="0">
+              <a:latin typeface="Arial" panose="020B0604020202020204" pitchFamily="34" charset="0"/>
+              <a:ea typeface="微软雅黑" panose="020B0503020204020204" charset="-122"/>
+            </a:endParaRPr>
+          </a:p>
+          <a:p>
+            <a:pPr>
+              <a:lnSpc>
+                <a:spcPct val="130000"/>
+              </a:lnSpc>
+            </a:pPr>
+            <a:r>
+              <a:rPr lang="en-US" altLang="zh-CN" sz="1400" dirty="0" smtClean="0">
+                <a:latin typeface="Arial" panose="020B0604020202020204" pitchFamily="34" charset="0"/>
+                <a:ea typeface="微软雅黑" panose="020B0503020204020204" charset="-122"/>
+              </a:rPr>
+              <a:t>payload = {'key1': 'value1', 'key2': 'value2}</a:t>
+            </a:r>
+            <a:endParaRPr lang="en-US" altLang="zh-CN" sz="1400" dirty="0" smtClean="0">
+              <a:latin typeface="Arial" panose="020B0604020202020204" pitchFamily="34" charset="0"/>
+              <a:ea typeface="微软雅黑" panose="020B0503020204020204" charset="-122"/>
+            </a:endParaRPr>
+          </a:p>
+          <a:p>
+            <a:pPr>
+              <a:lnSpc>
+                <a:spcPct val="130000"/>
+              </a:lnSpc>
+            </a:pPr>
+            <a:r>
+              <a:rPr lang="en-US" altLang="zh-CN" sz="1400" dirty="0" smtClean="0">
+                <a:latin typeface="Arial" panose="020B0604020202020204" pitchFamily="34" charset="0"/>
+                <a:ea typeface="微软雅黑" panose="020B0503020204020204" charset="-122"/>
+              </a:rPr>
+              <a:t>r = requests.get('http://www.baidu.com', headers=headers, cookies=cookies, params=payload)</a:t>
+            </a:r>
+            <a:endParaRPr lang="en-US" altLang="zh-CN" sz="1400" dirty="0" smtClean="0">
+              <a:latin typeface="Arial" panose="020B0604020202020204" pitchFamily="34" charset="0"/>
+              <a:ea typeface="微软雅黑" panose="020B0503020204020204" charset="-122"/>
+            </a:endParaRPr>
+          </a:p>
+          <a:p>
+            <a:pPr>
+              <a:lnSpc>
+                <a:spcPct val="130000"/>
+              </a:lnSpc>
+            </a:pPr>
+            <a:r>
+              <a:rPr lang="en-US" altLang="zh-CN" sz="1400" dirty="0" smtClean="0">
+                <a:latin typeface="Arial" panose="020B0604020202020204" pitchFamily="34" charset="0"/>
+                <a:ea typeface="微软雅黑" panose="020B0503020204020204" charset="-122"/>
+              </a:rPr>
+              <a:t>r.status_code/r.encoding/r.url/r.headers/r.text/r.json/r.raw</a:t>
+            </a:r>
+            <a:endParaRPr lang="en-US" altLang="zh-CN" sz="1400" dirty="0" smtClean="0">
+              <a:latin typeface="Arial" panose="020B0604020202020204" pitchFamily="34" charset="0"/>
+              <a:ea typeface="微软雅黑" panose="020B0503020204020204" charset="-122"/>
+            </a:endParaRPr>
+          </a:p>
+          <a:p>
+            <a:pPr>
+              <a:lnSpc>
+                <a:spcPct val="130000"/>
+              </a:lnSpc>
+            </a:pPr>
+            <a:r>
+              <a:rPr lang="en-US" altLang="zh-CN" sz="1400" dirty="0" smtClean="0">
+                <a:latin typeface="Arial" panose="020B0604020202020204" pitchFamily="34" charset="0"/>
+                <a:ea typeface="微软雅黑" panose="020B0503020204020204" charset="-122"/>
+                <a:sym typeface="+mn-ea"/>
+              </a:rPr>
+              <a:t>files = {'file': open('a.xls', rb)}</a:t>
+            </a:r>
+            <a:endParaRPr lang="en-US" altLang="zh-CN" sz="1400" dirty="0" smtClean="0">
+              <a:latin typeface="Arial" panose="020B0604020202020204" pitchFamily="34" charset="0"/>
+              <a:ea typeface="微软雅黑" panose="020B0503020204020204" charset="-122"/>
+            </a:endParaRPr>
+          </a:p>
+          <a:p>
+            <a:pPr>
+              <a:lnSpc>
+                <a:spcPct val="130000"/>
+              </a:lnSpc>
+            </a:pPr>
+            <a:r>
+              <a:rPr lang="en-US" altLang="zh-CN" sz="1400" dirty="0" smtClean="0">
+                <a:latin typeface="Arial" panose="020B0604020202020204" pitchFamily="34" charset="0"/>
+                <a:ea typeface="微软雅黑" panose="020B0503020204020204" charset="-122"/>
+              </a:rPr>
+              <a:t>r = requests.post('http://httpbin.org/post', data={'key': 'value'}, files=files) </a:t>
+            </a:r>
+            <a:endParaRPr lang="en-US" altLang="zh-CN" sz="1400" dirty="0" smtClean="0">
+              <a:latin typeface="Arial" panose="020B0604020202020204" pitchFamily="34" charset="0"/>
+              <a:ea typeface="微软雅黑" panose="020B0503020204020204" charset="-122"/>
+            </a:endParaRPr>
+          </a:p>
+          <a:p>
+            <a:pPr>
+              <a:lnSpc>
+                <a:spcPct val="130000"/>
+              </a:lnSpc>
+            </a:pPr>
+            <a:r>
+              <a:rPr lang="en-US" altLang="zh-CN" sz="1400" dirty="0" smtClean="0">
+                <a:latin typeface="Arial" panose="020B0604020202020204" pitchFamily="34" charset="0"/>
+                <a:ea typeface="微软雅黑" panose="020B0503020204020204" charset="-122"/>
+              </a:rPr>
+              <a:t># Basic authentication</a:t>
+            </a:r>
+            <a:endParaRPr lang="en-US" altLang="zh-CN" sz="1400" dirty="0" smtClean="0">
+              <a:latin typeface="Arial" panose="020B0604020202020204" pitchFamily="34" charset="0"/>
+              <a:ea typeface="微软雅黑" panose="020B0503020204020204" charset="-122"/>
+            </a:endParaRPr>
+          </a:p>
+          <a:p>
+            <a:pPr>
+              <a:lnSpc>
+                <a:spcPct val="130000"/>
+              </a:lnSpc>
+            </a:pPr>
+            <a:r>
+              <a:rPr lang="en-US" altLang="zh-CN" sz="1400" dirty="0" smtClean="0">
+                <a:latin typeface="Arial" panose="020B0604020202020204" pitchFamily="34" charset="0"/>
+                <a:ea typeface="微软雅黑" panose="020B0503020204020204" charset="-122"/>
+              </a:rPr>
+              <a:t>r = requests.get('https://api.github.com/user', auth=HTTPBasicAuth('user', 'pass'))</a:t>
+            </a:r>
+            <a:endParaRPr lang="en-US" altLang="zh-CN" sz="1400" dirty="0" smtClean="0">
+              <a:latin typeface="Arial" panose="020B0604020202020204" pitchFamily="34" charset="0"/>
+              <a:ea typeface="微软雅黑" panose="020B0503020204020204" charset="-122"/>
+            </a:endParaRPr>
+          </a:p>
+          <a:p>
+            <a:pPr>
+              <a:lnSpc>
+                <a:spcPct val="130000"/>
+              </a:lnSpc>
+            </a:pPr>
+            <a:r>
+              <a:rPr lang="en-US" altLang="zh-CN" sz="1400" dirty="0" smtClean="0">
+                <a:latin typeface="Arial" panose="020B0604020202020204" pitchFamily="34" charset="0"/>
+                <a:ea typeface="微软雅黑" panose="020B0503020204020204" charset="-122"/>
+              </a:rPr>
+              <a:t>r = requests.get('http://httpbin.org/digest-auth/auth/user/pass', auth=HTTPDigestAuth('user', 'pass'))</a:t>
+            </a:r>
+            <a:endParaRPr lang="en-US" altLang="zh-CN" sz="1400" dirty="0" smtClean="0">
+              <a:latin typeface="Arial" panose="020B0604020202020204" pitchFamily="34" charset="0"/>
+              <a:ea typeface="微软雅黑" panose="020B0503020204020204" charset="-122"/>
+            </a:endParaRPr>
+          </a:p>
+        </p:txBody>
+      </p:sp>
+      <p:sp>
+        <p:nvSpPr>
+          <p:cNvPr id="5" name="文本框 4"/>
+          <p:cNvSpPr txBox="1"/>
+          <p:nvPr/>
+        </p:nvSpPr>
+        <p:spPr>
+          <a:xfrm>
+            <a:off x="6736080" y="5405755"/>
+            <a:ext cx="3079115" cy="1489075"/>
+          </a:xfrm>
+          <a:prstGeom prst="rect">
+            <a:avLst/>
+          </a:prstGeom>
+          <a:noFill/>
+          <a:ln>
+            <a:solidFill>
+              <a:srgbClr val="FFC000"/>
+            </a:solidFill>
+          </a:ln>
+        </p:spPr>
+        <p:txBody>
+          <a:bodyPr wrap="none" rtlCol="0">
+            <a:spAutoFit/>
+          </a:bodyPr>
+          <a:p>
+            <a:pPr>
+              <a:lnSpc>
+                <a:spcPct val="130000"/>
+              </a:lnSpc>
+            </a:pPr>
+            <a:r>
+              <a:rPr lang="en-US" altLang="zh-CN" sz="1400" dirty="0" smtClean="0">
+                <a:latin typeface="Arial" panose="020B0604020202020204" pitchFamily="34" charset="0"/>
+                <a:ea typeface="微软雅黑" panose="020B0503020204020204" charset="-122"/>
+              </a:rPr>
+              <a:t>Post encoding types:</a:t>
+            </a:r>
+            <a:endParaRPr lang="en-US" altLang="zh-CN" sz="1400" dirty="0" smtClean="0">
+              <a:latin typeface="Arial" panose="020B0604020202020204" pitchFamily="34" charset="0"/>
+              <a:ea typeface="微软雅黑" panose="020B0503020204020204" charset="-122"/>
+            </a:endParaRPr>
+          </a:p>
+          <a:p>
+            <a:pPr>
+              <a:lnSpc>
+                <a:spcPct val="130000"/>
+              </a:lnSpc>
+            </a:pPr>
+            <a:r>
+              <a:rPr lang="en-US" altLang="zh-CN" sz="1400" dirty="0" smtClean="0">
+                <a:latin typeface="Arial" panose="020B0604020202020204" pitchFamily="34" charset="0"/>
+                <a:ea typeface="微软雅黑" panose="020B0503020204020204" charset="-122"/>
+              </a:rPr>
+              <a:t>- application/x-www-form-urlencoded</a:t>
+            </a:r>
+            <a:endParaRPr lang="en-US" altLang="zh-CN" sz="1400" dirty="0" smtClean="0">
+              <a:latin typeface="Arial" panose="020B0604020202020204" pitchFamily="34" charset="0"/>
+              <a:ea typeface="微软雅黑" panose="020B0503020204020204" charset="-122"/>
+            </a:endParaRPr>
+          </a:p>
+          <a:p>
+            <a:pPr>
+              <a:lnSpc>
+                <a:spcPct val="130000"/>
+              </a:lnSpc>
+            </a:pPr>
+            <a:r>
+              <a:rPr lang="en-US" altLang="zh-CN" sz="1400" dirty="0" smtClean="0">
+                <a:latin typeface="Arial" panose="020B0604020202020204" pitchFamily="34" charset="0"/>
+                <a:ea typeface="微软雅黑" panose="020B0503020204020204" charset="-122"/>
+              </a:rPr>
+              <a:t>- multipart/form-data</a:t>
+            </a:r>
+            <a:endParaRPr lang="en-US" altLang="zh-CN" sz="1400" dirty="0" smtClean="0">
+              <a:latin typeface="Arial" panose="020B0604020202020204" pitchFamily="34" charset="0"/>
+              <a:ea typeface="微软雅黑" panose="020B0503020204020204" charset="-122"/>
+            </a:endParaRPr>
+          </a:p>
+          <a:p>
+            <a:pPr>
+              <a:lnSpc>
+                <a:spcPct val="130000"/>
+              </a:lnSpc>
+            </a:pPr>
+            <a:r>
+              <a:rPr lang="en-US" altLang="zh-CN" sz="1400" dirty="0" smtClean="0">
+                <a:latin typeface="Arial" panose="020B0604020202020204" pitchFamily="34" charset="0"/>
+                <a:ea typeface="微软雅黑" panose="020B0503020204020204" charset="-122"/>
+              </a:rPr>
+              <a:t>- application/json</a:t>
+            </a:r>
+            <a:endParaRPr lang="en-US" altLang="zh-CN" sz="1400" dirty="0" smtClean="0">
+              <a:latin typeface="Arial" panose="020B0604020202020204" pitchFamily="34" charset="0"/>
+              <a:ea typeface="微软雅黑" panose="020B0503020204020204" charset="-122"/>
+            </a:endParaRPr>
+          </a:p>
+          <a:p>
+            <a:pPr>
+              <a:lnSpc>
+                <a:spcPct val="130000"/>
+              </a:lnSpc>
+            </a:pPr>
+            <a:r>
+              <a:rPr lang="en-US" altLang="zh-CN" sz="1400" dirty="0" smtClean="0">
+                <a:latin typeface="Arial" panose="020B0604020202020204" pitchFamily="34" charset="0"/>
+                <a:ea typeface="微软雅黑" panose="020B0503020204020204" charset="-122"/>
+              </a:rPr>
+              <a:t>- text/xml</a:t>
+            </a:r>
+            <a:endParaRPr lang="en-US" altLang="zh-CN" sz="1400" dirty="0" smtClean="0">
+              <a:latin typeface="Arial" panose="020B0604020202020204" pitchFamily="34" charset="0"/>
+              <a:ea typeface="微软雅黑" panose="020B0503020204020204" charset="-122"/>
+            </a:endParaRPr>
+          </a:p>
+        </p:txBody>
+      </p:sp>
+      <p:sp>
+        <p:nvSpPr>
+          <p:cNvPr id="7" name="矩形 6"/>
+          <p:cNvSpPr/>
+          <p:nvPr/>
+        </p:nvSpPr>
+        <p:spPr>
+          <a:xfrm>
+            <a:off x="745490" y="3368675"/>
+            <a:ext cx="3240405" cy="2660015"/>
+          </a:xfrm>
+          <a:prstGeom prst="rect">
+            <a:avLst/>
+          </a:prstGeom>
+        </p:spPr>
+        <p:style>
+          <a:lnRef idx="2">
+            <a:schemeClr val="accent1">
+              <a:shade val="50000"/>
+            </a:schemeClr>
+          </a:lnRef>
+          <a:fillRef idx="1">
+            <a:schemeClr val="accent1"/>
+          </a:fillRef>
+          <a:effectRef idx="0">
+            <a:schemeClr val="accent1"/>
+          </a:effectRef>
+          <a:fontRef idx="minor">
+            <a:schemeClr val="lt1"/>
+          </a:fontRef>
+        </p:style>
+        <p:txBody>
+          <a:bodyPr rtlCol="0" anchor="t" anchorCtr="0"/>
+          <a:p>
+            <a:pPr algn="l"/>
+            <a:r>
+              <a:rPr lang="en-US" altLang="zh-CN"/>
+              <a:t>- get(url, params=payload, headers={'user-agent': 'aaa'}, cookies=cookies, timeout=sec)</a:t>
+            </a:r>
+            <a:endParaRPr lang="en-US" altLang="zh-CN"/>
+          </a:p>
+          <a:p>
+            <a:pPr algn="l"/>
+            <a:r>
+              <a:rPr lang="en-US" altLang="zh-CN"/>
+              <a:t>- post(url, data={'key', 'value'})</a:t>
+            </a:r>
+            <a:endParaRPr lang="en-US" altLang="zh-CN"/>
+          </a:p>
+          <a:p>
+            <a:pPr algn="l"/>
+            <a:r>
+              <a:rPr lang="en-US" altLang="zh-CN"/>
+              <a:t>- post(url, files={'file': ('fn', open('fn', 'rb'))})</a:t>
+            </a:r>
+            <a:endParaRPr lang="en-US" altLang="zh-CN"/>
+          </a:p>
+          <a:p>
+            <a:pPr algn="l"/>
+            <a:r>
+              <a:rPr lang="en-US" altLang="zh-CN"/>
+              <a:t>- put(url, data={'key', 'value'})</a:t>
+            </a:r>
+            <a:endParaRPr lang="en-US" altLang="zh-CN"/>
+          </a:p>
+          <a:p>
+            <a:pPr algn="l"/>
+            <a:r>
+              <a:rPr lang="en-US" altLang="zh-CN"/>
+              <a:t>- head(url)</a:t>
+            </a:r>
+            <a:endParaRPr lang="en-US" altLang="zh-CN"/>
+          </a:p>
+          <a:p>
+            <a:pPr algn="l"/>
+            <a:r>
+              <a:rPr lang="en-US" altLang="zh-CN"/>
+              <a:t>- options(url)</a:t>
+            </a:r>
+            <a:endParaRPr lang="en-US" altLang="zh-CN"/>
+          </a:p>
+        </p:txBody>
+      </p:sp>
+      <p:sp>
+        <p:nvSpPr>
+          <p:cNvPr id="8" name="矩形 7"/>
+          <p:cNvSpPr/>
+          <p:nvPr/>
+        </p:nvSpPr>
+        <p:spPr>
+          <a:xfrm>
+            <a:off x="4080510" y="3368040"/>
+            <a:ext cx="2396490" cy="2842895"/>
+          </a:xfrm>
+          <a:prstGeom prst="rect">
+            <a:avLst/>
+          </a:prstGeom>
+        </p:spPr>
+        <p:style>
+          <a:lnRef idx="2">
+            <a:schemeClr val="accent1">
+              <a:shade val="50000"/>
+            </a:schemeClr>
+          </a:lnRef>
+          <a:fillRef idx="1">
+            <a:schemeClr val="accent1"/>
+          </a:fillRef>
+          <a:effectRef idx="0">
+            <a:schemeClr val="accent1"/>
+          </a:effectRef>
+          <a:fontRef idx="minor">
+            <a:schemeClr val="lt1"/>
+          </a:fontRef>
+        </p:style>
+        <p:txBody>
+          <a:bodyPr rtlCol="0" anchor="t" anchorCtr="0"/>
+          <a:p>
+            <a:pPr algn="l"/>
+            <a:r>
+              <a:rPr lang="en-US" altLang="zh-CN"/>
+              <a:t>- r.status_code</a:t>
+            </a:r>
+            <a:endParaRPr lang="en-US" altLang="zh-CN"/>
+          </a:p>
+          <a:p>
+            <a:pPr algn="l"/>
+            <a:r>
+              <a:rPr lang="en-US" altLang="zh-CN"/>
+              <a:t>- r.text</a:t>
+            </a:r>
+            <a:endParaRPr lang="en-US" altLang="zh-CN"/>
+          </a:p>
+          <a:p>
+            <a:pPr algn="l"/>
+            <a:r>
+              <a:rPr lang="en-US" altLang="zh-CN"/>
+              <a:t>- r.encoding</a:t>
+            </a:r>
+            <a:endParaRPr lang="en-US" altLang="zh-CN"/>
+          </a:p>
+          <a:p>
+            <a:pPr algn="l"/>
+            <a:r>
+              <a:rPr lang="en-US" altLang="zh-CN"/>
+              <a:t>- r.content</a:t>
+            </a:r>
+            <a:endParaRPr lang="en-US" altLang="zh-CN"/>
+          </a:p>
+          <a:p>
+            <a:pPr algn="l"/>
+            <a:r>
+              <a:rPr lang="en-US" altLang="zh-CN"/>
+              <a:t>- r.raw</a:t>
+            </a:r>
+            <a:endParaRPr lang="en-US" altLang="zh-CN"/>
+          </a:p>
+          <a:p>
+            <a:pPr algn="l"/>
+            <a:r>
+              <a:rPr lang="en-US" altLang="zh-CN"/>
+              <a:t>- r.headers</a:t>
+            </a:r>
+            <a:endParaRPr lang="en-US" altLang="zh-CN"/>
+          </a:p>
+          <a:p>
+            <a:pPr algn="l"/>
+            <a:r>
+              <a:rPr lang="en-US" altLang="zh-CN"/>
+              <a:t>- r.cookies</a:t>
+            </a:r>
+            <a:endParaRPr lang="en-US" altLang="zh-CN"/>
+          </a:p>
+          <a:p>
+            <a:pPr algn="l"/>
+            <a:r>
+              <a:rPr lang="en-US" altLang="zh-CN"/>
+              <a:t>- r.url</a:t>
+            </a:r>
+            <a:endParaRPr lang="en-US" altLang="zh-CN"/>
+          </a:p>
+          <a:p>
+            <a:pPr algn="l"/>
+            <a:r>
+              <a:rPr lang="en-US" altLang="zh-CN"/>
+              <a:t>- r.history</a:t>
+            </a:r>
+            <a:endParaRPr lang="en-US" altLang="zh-CN"/>
+          </a:p>
+          <a:p>
+            <a:pPr algn="l"/>
+            <a:r>
+              <a:rPr lang="en-US" altLang="zh-CN"/>
+              <a:t>- r.json()</a:t>
+            </a:r>
+            <a:endParaRPr lang="en-US" altLang="zh-CN"/>
           </a:p>
         </p:txBody>
       </p:sp>
@@ -6927,7 +6906,7 @@
           <a:p>
             <a:r>
               <a:rPr lang="en-US" altLang="zh-CN"/>
-              <a:t>Matplotlib</a:t>
+              <a:t>NumPy 1/2</a:t>
             </a:r>
             <a:endParaRPr lang="en-US" altLang="zh-CN"/>
           </a:p>
@@ -6945,184 +6924,119 @@
         </p:nvSpPr>
         <p:spPr/>
         <p:txBody>
-          <a:bodyPr/>
-          <a:p>
-            <a:r>
-              <a:rPr lang="en-US" altLang="zh-CN" sz="1600">
+          <a:bodyPr>
+            <a:normAutofit fontScale="70000"/>
+          </a:bodyPr>
+          <a:p>
+            <a:r>
+              <a:rPr lang="en-US" altLang="zh-CN"/>
+              <a:t>import numpy as np</a:t>
+            </a:r>
+            <a:endParaRPr lang="en-US" altLang="zh-CN"/>
+          </a:p>
+          <a:p>
+            <a:r>
+              <a:rPr lang="en-US" altLang="zh-CN"/>
+              <a:t>array</a:t>
+            </a:r>
+            <a:endParaRPr lang="en-US" altLang="zh-CN"/>
+          </a:p>
+          <a:p>
+            <a:r>
+              <a:rPr lang="en-US" altLang="zh-CN"/>
+              <a:t>np.genfromtxt('filename', delimiter=',', usecolos=(), dtype=str)</a:t>
+            </a:r>
+            <a:endParaRPr lang="en-US" altLang="zh-CN"/>
+          </a:p>
+          <a:p>
+            <a:r>
+              <a:rPr lang="en-US" altLang="zh-CN"/>
+              <a:t>np.zeros()/np.ones()/np.empty()/np.identity()/np.matrix(arr), np.isnan()</a:t>
+            </a:r>
+            <a:endParaRPr lang="en-US" altLang="zh-CN"/>
+          </a:p>
+          <a:p>
+            <a:r>
+              <a:rPr lang="en-US" altLang="zh-CN"/>
+              <a:t>np.random.randn(count), np.random.randint(low, high, size)</a:t>
+            </a:r>
+            <a:endParaRPr lang="en-US" altLang="zh-CN"/>
+          </a:p>
+          <a:p>
+            <a:r>
+              <a:rPr lang="en-US" altLang="zh-CN"/>
+              <a:t>np.sum(arr), np.mean(arr), np.std(arr), np.var(arr), np.min(arr), np.max(arr), np.argmin(arr), np.argmax(arr)</a:t>
+            </a:r>
+            <a:endParaRPr lang="en-US" altLang="zh-CN"/>
+          </a:p>
+          <a:p>
+            <a:r>
+              <a:rPr lang="en-US" altLang="zh-CN"/>
+              <a:t>np.dot(arr1, arr2)</a:t>
+            </a:r>
+            <a:endParaRPr lang="en-US" altLang="zh-CN"/>
+          </a:p>
+          <a:p>
+            <a:r>
+              <a:rPr lang="en-US" altLang="zh-CN"/>
+              <a:t>np.c_(arr1, arr2)	// Concatenate two arrays</a:t>
+            </a:r>
+            <a:endParaRPr lang="en-US" altLang="zh-CN"/>
+          </a:p>
+          <a:p>
+            <a:r>
+              <a:rPr lang="en-US" altLang="zh-CN"/>
+              <a:t>np.reshape()</a:t>
+            </a:r>
+            <a:endParaRPr lang="en-US" altLang="zh-CN"/>
+          </a:p>
+          <a:p>
+            <a:r>
+              <a:rPr lang="en-US" altLang="zh-CN" sz="2400">
                 <a:sym typeface="+mn-ea"/>
               </a:rPr>
-              <a:t>matplotlib.use('Agg')	# when no display</a:t>
-            </a:r>
-            <a:endParaRPr lang="en-US" altLang="zh-CN" sz="1600"/>
-          </a:p>
-          <a:p>
-            <a:r>
-              <a:rPr lang="en-US" altLang="zh-CN" sz="1600"/>
-              <a:t>import matplotlib.pyplot as plt</a:t>
-            </a:r>
-            <a:endParaRPr lang="en-US" altLang="zh-CN" sz="1600"/>
+              <a:t>Boolean arrays</a:t>
+            </a:r>
+            <a:endParaRPr lang="en-US" altLang="zh-CN" sz="2400"/>
           </a:p>
           <a:p>
             <a:pPr lvl="1">
               <a:buFont typeface="Wingdings" panose="05000000000000000000" pitchFamily="2" charset="2"/>
-              <a:buChar char="Ø"/>
-            </a:pPr>
-            <a:r>
-              <a:rPr lang="en-US" altLang="zh-CN" sz="1400"/>
-              <a:t>plt.title(text), </a:t>
-            </a:r>
-            <a:r>
-              <a:rPr lang="en-US" altLang="zh-CN" sz="1400">
+              <a:buChar char=""/>
+            </a:pPr>
+            <a:r>
+              <a:rPr lang="en-US" altLang="zh-CN" sz="2400">
                 <a:sym typeface="+mn-ea"/>
               </a:rPr>
-              <a:t>plt.xlabel(), plt.ylabel(), plt.xticks(), plt.yticks(), plt.legend()</a:t>
-            </a:r>
-            <a:endParaRPr lang="en-US" altLang="zh-CN" sz="1400"/>
+              <a:t>arr.any(), arr.all()</a:t>
+            </a:r>
+            <a:endParaRPr lang="en-US" altLang="zh-CN" sz="2400"/>
+          </a:p>
+          <a:p>
+            <a:pPr lvl="0">
+              <a:buFont typeface="Wingdings" panose="05000000000000000000" pitchFamily="2" charset="2"/>
+              <a:buChar char=""/>
+            </a:pPr>
+            <a:r>
+              <a:rPr lang="en-US" altLang="zh-CN" sz="2400">
+                <a:sym typeface="+mn-ea"/>
+              </a:rPr>
+              <a:t>Set operation</a:t>
+            </a:r>
+            <a:endParaRPr lang="en-US" altLang="zh-CN" sz="2400"/>
           </a:p>
           <a:p>
             <a:pPr lvl="1">
               <a:buFont typeface="Wingdings" panose="05000000000000000000" pitchFamily="2" charset="2"/>
-              <a:buChar char="Ø"/>
-            </a:pPr>
-            <a:r>
-              <a:rPr lang="en-US" altLang="zh-CN" sz="1400"/>
-              <a:t>plt.imshow(arr, cmap=plt.cm.gray), plt.imshow(img[..., ::-1])</a:t>
-            </a:r>
-            <a:endParaRPr lang="en-US" altLang="zh-CN" sz="1400"/>
-          </a:p>
-          <a:p>
-            <a:pPr lvl="1">
-              <a:buFont typeface="Wingdings" panose="05000000000000000000" pitchFamily="2" charset="2"/>
-              <a:buChar char="Ø"/>
-            </a:pPr>
-            <a:r>
-              <a:rPr lang="en-US" altLang="zh-CN" sz="1400"/>
-              <a:t>plt.show()</a:t>
-            </a:r>
-            <a:endParaRPr lang="en-US" altLang="zh-CN" sz="1400"/>
-          </a:p>
-          <a:p>
-            <a:pPr lvl="1">
-              <a:buFont typeface="Wingdings" panose="05000000000000000000" pitchFamily="2" charset="2"/>
-              <a:buChar char="Ø"/>
-            </a:pPr>
-            <a:r>
-              <a:rPr lang="en-US" altLang="zh-CN" sz="1400"/>
-              <a:t>plt.plot(), </a:t>
-            </a:r>
-            <a:r>
-              <a:rPr lang="en-US" altLang="zh-CN" sz="1400">
+              <a:buChar char=""/>
+            </a:pPr>
+            <a:r>
+              <a:rPr lang="en-US" altLang="zh-CN" sz="2400">
                 <a:sym typeface="+mn-ea"/>
               </a:rPr>
-              <a:t>plt.subplot(), fig, ax = plt.subplots(), plt.clf()</a:t>
-            </a:r>
-            <a:endParaRPr lang="en-US" altLang="zh-CN" sz="1400"/>
-          </a:p>
-          <a:p>
-            <a:pPr lvl="1">
-              <a:buFont typeface="Wingdings" panose="05000000000000000000" pitchFamily="2" charset="2"/>
-              <a:buChar char="Ø"/>
-            </a:pPr>
-            <a:r>
-              <a:rPr lang="en-US" altLang="zh-CN" sz="1400"/>
-              <a:t>plt.hist(), plt.pcolor(),plt.colorbar(), plt.scatter(x, y, color)</a:t>
-            </a:r>
-            <a:endParaRPr lang="en-US" altLang="zh-CN" sz="1400"/>
-          </a:p>
-          <a:p>
-            <a:pPr lvl="1">
-              <a:buFont typeface="Wingdings" panose="05000000000000000000" pitchFamily="2" charset="2"/>
-              <a:buChar char="Ø"/>
-            </a:pPr>
-            <a:r>
-              <a:rPr lang="en-US" altLang="zh-CN" sz="1400"/>
-              <a:t>plt.axis('off')</a:t>
-            </a:r>
-            <a:endParaRPr lang="en-US" altLang="zh-CN" sz="1400"/>
-          </a:p>
-          <a:p>
-            <a:pPr lvl="1">
-              <a:buFont typeface="Wingdings" panose="05000000000000000000" pitchFamily="2" charset="2"/>
-              <a:buChar char="Ø"/>
-            </a:pPr>
-            <a:r>
-              <a:rPr lang="en-US" altLang="zh-CN" sz="1400"/>
-              <a:t>plt.savefig('a.png')</a:t>
-            </a:r>
-            <a:endParaRPr lang="en-US" altLang="zh-CN" sz="1400"/>
-          </a:p>
-          <a:p>
-            <a:pPr lvl="1">
-              <a:buFont typeface="Wingdings" panose="05000000000000000000" pitchFamily="2" charset="2"/>
-              <a:buChar char="Ø"/>
-            </a:pPr>
-            <a:r>
-              <a:rPr lang="en-US" altLang="zh-CN" sz="1400"/>
-              <a:t>plt.get_backend()</a:t>
-            </a:r>
-            <a:endParaRPr lang="en-US" altLang="zh-CN" sz="1400"/>
-          </a:p>
-          <a:p>
-            <a:r>
-              <a:rPr lang="en-US" altLang="zh-CN" sz="1600"/>
-              <a:t>Figure</a:t>
-            </a:r>
-            <a:endParaRPr lang="en-US" altLang="zh-CN" sz="1600"/>
-          </a:p>
-          <a:p>
-            <a:pPr lvl="1">
-              <a:buFont typeface="Wingdings" panose="05000000000000000000" pitchFamily="2" charset="2"/>
-              <a:buChar char="Ø"/>
-            </a:pPr>
-            <a:r>
-              <a:rPr lang="en-US" altLang="zh-CN" sz="1400"/>
-              <a:t>fig = plt.figure(figsize=(w,h))</a:t>
-            </a:r>
-            <a:endParaRPr lang="en-US" altLang="zh-CN" sz="1400"/>
-          </a:p>
-          <a:p>
-            <a:pPr lvl="1">
-              <a:buFont typeface="Wingdings" panose="05000000000000000000" pitchFamily="2" charset="2"/>
-              <a:buChar char="Ø"/>
-            </a:pPr>
-            <a:r>
-              <a:rPr lang="en-US" altLang="zh-CN" sz="1400"/>
-              <a:t>ax = fig.add_subplot()</a:t>
-            </a:r>
-            <a:endParaRPr lang="en-US" altLang="zh-CN" sz="1400"/>
-          </a:p>
-          <a:p>
-            <a:pPr lvl="1">
-              <a:buFont typeface="Wingdings" panose="05000000000000000000" pitchFamily="2" charset="2"/>
-              <a:buChar char="Ø"/>
-            </a:pPr>
-            <a:r>
-              <a:rPr lang="en-US" altLang="zh-CN" sz="1400"/>
-              <a:t>ax.matshow(matrix)</a:t>
-            </a:r>
-            <a:endParaRPr lang="en-US" altLang="zh-CN" sz="1400"/>
-          </a:p>
-          <a:p>
-            <a:pPr lvl="0">
-              <a:buFont typeface="Wingdings" panose="05000000000000000000" pitchFamily="2" charset="2"/>
-              <a:buChar char="Ø"/>
-            </a:pPr>
-            <a:r>
-              <a:rPr lang="en-US" altLang="zh-CN" sz="1600"/>
-              <a:t>Unicode support</a:t>
-            </a:r>
-            <a:endParaRPr lang="en-US" altLang="zh-CN" sz="1600"/>
-          </a:p>
-          <a:p>
-            <a:pPr lvl="1">
-              <a:buFont typeface="Wingdings" panose="05000000000000000000" pitchFamily="2" charset="2"/>
-              <a:buChar char="Ø"/>
-            </a:pPr>
-            <a:r>
-              <a:rPr lang="en-US" altLang="zh-CN" sz="1400"/>
-              <a:t>matplotlib.rcParams['font.family'] = 'SimHei'</a:t>
-            </a:r>
-            <a:endParaRPr lang="en-US" altLang="zh-CN" sz="1400"/>
+              <a:t>arr.sort(), np.unique(arr), np.intersect1d(arr1, arr2), np.union1d(arr1, arr2),np.split(arr, separator_arr, axis)</a:t>
+            </a:r>
+            <a:endParaRPr lang="en-US" altLang="zh-CN"/>
           </a:p>
         </p:txBody>
       </p:sp>
@@ -7146,7 +7060,7 @@
       <p:grpSpPr/>
       <p:sp>
         <p:nvSpPr>
-          <p:cNvPr id="24578" name="标题 2"/>
+          <p:cNvPr id="2" name="标题 1"/>
           <p:cNvSpPr>
             <a:spLocks noGrp="1"/>
           </p:cNvSpPr>
@@ -7156,106 +7070,99 @@
         </p:nvSpPr>
         <p:spPr/>
         <p:txBody>
-          <a:bodyPr anchor="b">
-            <a:normAutofit/>
+          <a:bodyPr/>
+          <a:p>
+            <a:r>
+              <a:rPr lang="en-US" altLang="zh-CN"/>
+              <a:t>NumPy 2/2</a:t>
+            </a:r>
+            <a:endParaRPr lang="en-US" altLang="zh-CN"/>
+          </a:p>
+        </p:txBody>
+      </p:sp>
+      <p:sp>
+        <p:nvSpPr>
+          <p:cNvPr id="3" name="内容占位符 2"/>
+          <p:cNvSpPr>
+            <a:spLocks noGrp="1"/>
+          </p:cNvSpPr>
+          <p:nvPr>
+            <p:ph idx="1"/>
+          </p:nvPr>
+        </p:nvSpPr>
+        <p:spPr>
+          <a:xfrm>
+            <a:off x="651510" y="1024710"/>
+            <a:ext cx="10858500" cy="5084543"/>
+          </a:xfrm>
+        </p:spPr>
+        <p:txBody>
+          <a:bodyPr>
+            <a:normAutofit fontScale="90000"/>
           </a:bodyPr>
           <a:p>
-            <a:r>
-              <a:rPr lang="en-US" altLang="zh-CN" smtClean="0"/>
-              <a:t>Seaborn</a:t>
-            </a:r>
-            <a:endParaRPr lang="en-US" altLang="zh-CN" smtClean="0"/>
-          </a:p>
-        </p:txBody>
-      </p:sp>
-      <p:sp>
-        <p:nvSpPr>
-          <p:cNvPr id="4" name="内容占位符 3"/>
-          <p:cNvSpPr>
-            <a:spLocks noGrp="1"/>
-          </p:cNvSpPr>
-          <p:nvPr>
-            <p:ph idx="1"/>
-          </p:nvPr>
-        </p:nvSpPr>
-        <p:spPr/>
-        <p:txBody>
-          <a:bodyPr>
-            <a:normAutofit/>
-          </a:bodyPr>
-          <a:p>
-            <a:pPr marL="357505" indent="-357505" algn="l">
-              <a:lnSpc>
-                <a:spcPct val="200000"/>
-              </a:lnSpc>
-              <a:buClr>
-                <a:schemeClr val="accent1"/>
-              </a:buClr>
-              <a:buSzTx/>
-              <a:buFont typeface="Wingdings" panose="05000000000000000000" pitchFamily="2" charset="2"/>
-              <a:buChar char=""/>
-            </a:pPr>
-            <a:r>
-              <a:rPr lang="en-US" altLang="zh-CN" smtClean="0"/>
-              <a:t>Basic</a:t>
-            </a:r>
-            <a:endParaRPr lang="en-US" altLang="zh-CN" smtClean="0"/>
-          </a:p>
-          <a:p>
-            <a:pPr lvl="1" algn="l">
-              <a:lnSpc>
-                <a:spcPct val="200000"/>
-              </a:lnSpc>
+            <a:endParaRPr lang="en-US" altLang="zh-CN"/>
+          </a:p>
+          <a:p>
+            <a:pPr lvl="0">
               <a:buFont typeface="Wingdings" panose="05000000000000000000" pitchFamily="2" charset="2"/>
               <a:buChar char=""/>
             </a:pPr>
             <a:r>
-              <a:rPr lang="en-US" altLang="zh-CN" smtClean="0"/>
-              <a:t>pip install seaborn</a:t>
-            </a:r>
-            <a:endParaRPr lang="en-US" altLang="zh-CN" smtClean="0"/>
-          </a:p>
-          <a:p>
-            <a:pPr lvl="1" algn="l">
-              <a:lnSpc>
-                <a:spcPct val="200000"/>
-              </a:lnSpc>
+              <a:rPr lang="en-US" altLang="zh-CN" sz="2880">
+                <a:sym typeface="+mn-ea"/>
+              </a:rPr>
+              <a:t>Element-wise array functions</a:t>
+            </a:r>
+            <a:endParaRPr lang="en-US" altLang="zh-CN" sz="2880"/>
+          </a:p>
+          <a:p>
+            <a:pPr lvl="1">
               <a:buFont typeface="Wingdings" panose="05000000000000000000" pitchFamily="2" charset="2"/>
               <a:buChar char=""/>
             </a:pPr>
             <a:r>
-              <a:rPr lang="en-US" altLang="zh-CN" smtClean="0"/>
-              <a:t>import seaborn as sns</a:t>
-            </a:r>
-            <a:endParaRPr lang="en-US" altLang="zh-CN" smtClean="0"/>
-          </a:p>
-          <a:p>
-            <a:pPr lvl="1" algn="l">
-              <a:lnSpc>
-                <a:spcPct val="200000"/>
-              </a:lnSpc>
+              <a:rPr lang="en-US" altLang="zh-CN" sz="2400">
+                <a:sym typeface="+mn-ea"/>
+              </a:rPr>
+              <a:t>np.sqrt(arr), np.exp(arr), np.modf(arr), np.fabs(arr), np.sqrt(arr), np.square(arr), np.sign(arr), np.log(arr), np.ceil(arr), np.floor(arr), np.rint(arr), np.isnan(arr), np.sin(arr), np.cos(arr), np.tan(arr)</a:t>
+            </a:r>
+            <a:endParaRPr lang="en-US" altLang="zh-CN" sz="2400"/>
+          </a:p>
+          <a:p>
+            <a:pPr lvl="1">
               <a:buFont typeface="Wingdings" panose="05000000000000000000" pitchFamily="2" charset="2"/>
               <a:buChar char=""/>
             </a:pPr>
             <a:r>
-              <a:rPr lang="en-US" altLang="zh-CN" smtClean="0"/>
-              <a:t>It's a kind of enhancement of matplotlib.</a:t>
-            </a:r>
-            <a:endParaRPr lang="en-US" altLang="zh-CN" smtClean="0"/>
-          </a:p>
-          <a:p>
-            <a:pPr lvl="1" algn="l">
-              <a:lnSpc>
-                <a:spcPct val="200000"/>
-              </a:lnSpc>
+              <a:rPr lang="en-US" altLang="zh-CN" sz="2400">
+                <a:sym typeface="+mn-ea"/>
+              </a:rPr>
+              <a:t>np.maximum(arr1, arr2), np.add(arr1, arr2), np.subtract(arr1, arr2), np.multiply(arr1, arr2), np.divide(arr1, arr2), np.power(arr1, arr2), np.minimum(arr1, arr2), np.greater(arr1, arr2), np.less(arr1, arr2)</a:t>
+            </a:r>
+            <a:endParaRPr lang="en-US" altLang="zh-CN" sz="2400"/>
+          </a:p>
+          <a:p>
+            <a:pPr lvl="1">
               <a:buFont typeface="Wingdings" panose="05000000000000000000" pitchFamily="2" charset="2"/>
               <a:buChar char=""/>
             </a:pPr>
             <a:r>
-              <a:rPr lang="en-US" altLang="zh-CN" smtClean="0"/>
-              <a:t>heatmap()</a:t>
-            </a:r>
-            <a:endParaRPr lang="en-US" altLang="zh-CN" smtClean="0"/>
+              <a:rPr lang="en-US" altLang="zh-CN" sz="2000"/>
+              <a:t>np.isin(x, list)</a:t>
+            </a:r>
+            <a:endParaRPr lang="en-US" altLang="zh-CN" sz="2000"/>
+          </a:p>
+          <a:p>
+            <a:pPr lvl="1">
+              <a:buFont typeface="Wingdings" panose="05000000000000000000" pitchFamily="2" charset="2"/>
+              <a:buChar char=""/>
+            </a:pPr>
+            <a:r>
+              <a:rPr lang="en-US" altLang="zh-CN"/>
+              <a:t>np.where(cond, x, y)</a:t>
+            </a:r>
+            <a:endParaRPr lang="en-US" altLang="zh-CN"/>
           </a:p>
         </p:txBody>
       </p:sp>
@@ -7279,7 +7186,7 @@
       <p:grpSpPr/>
       <p:sp>
         <p:nvSpPr>
-          <p:cNvPr id="24578" name="标题 2"/>
+          <p:cNvPr id="2" name="标题 1"/>
           <p:cNvSpPr>
             <a:spLocks noGrp="1"/>
           </p:cNvSpPr>
@@ -7289,134 +7196,466 @@
         </p:nvSpPr>
         <p:spPr/>
         <p:txBody>
-          <a:bodyPr anchor="b">
-            <a:normAutofit/>
+          <a:bodyPr/>
+          <a:p>
+            <a:r>
+              <a:rPr lang="en-US" altLang="zh-CN"/>
+              <a:t>Pandas</a:t>
+            </a:r>
+            <a:endParaRPr lang="en-US" altLang="zh-CN"/>
+          </a:p>
+        </p:txBody>
+      </p:sp>
+      <p:sp>
+        <p:nvSpPr>
+          <p:cNvPr id="3" name="内容占位符 2"/>
+          <p:cNvSpPr>
+            <a:spLocks noGrp="1"/>
+          </p:cNvSpPr>
+          <p:nvPr>
+            <p:ph idx="1"/>
+          </p:nvPr>
+        </p:nvSpPr>
+        <p:spPr/>
+        <p:txBody>
+          <a:bodyPr>
+            <a:noAutofit/>
           </a:bodyPr>
           <a:p>
             <a:r>
-              <a:rPr lang="en-US" altLang="zh-CN" smtClean="0"/>
-              <a:t>xml</a:t>
-            </a:r>
-            <a:endParaRPr lang="en-US" altLang="zh-CN" smtClean="0"/>
-          </a:p>
-        </p:txBody>
-      </p:sp>
-      <p:sp>
-        <p:nvSpPr>
-          <p:cNvPr id="4" name="内容占位符 3"/>
-          <p:cNvSpPr>
-            <a:spLocks noGrp="1"/>
-          </p:cNvSpPr>
-          <p:nvPr>
-            <p:ph idx="1"/>
-          </p:nvPr>
-        </p:nvSpPr>
-        <p:spPr/>
-        <p:txBody>
-          <a:bodyPr>
-            <a:normAutofit lnSpcReduction="20000"/>
+              <a:rPr lang="en-US" altLang="zh-CN" sz="1400"/>
+              <a:t>Data analysis and manipulation library</a:t>
+            </a:r>
+            <a:endParaRPr lang="en-US" altLang="zh-CN" sz="1400"/>
+          </a:p>
+          <a:p>
+            <a:r>
+              <a:rPr lang="en-US" altLang="zh-CN" sz="1400"/>
+              <a:t>Data types</a:t>
+            </a:r>
+            <a:endParaRPr lang="en-US" altLang="zh-CN" sz="1400"/>
+          </a:p>
+          <a:p>
+            <a:pPr lvl="1">
+              <a:buFont typeface="Wingdings" panose="05000000000000000000" pitchFamily="2" charset="2"/>
+              <a:buChar char="l"/>
+            </a:pPr>
+            <a:r>
+              <a:rPr lang="en-US" altLang="zh-CN" sz="1200"/>
+              <a:t>pandas.Series (1D)</a:t>
+            </a:r>
+            <a:endParaRPr lang="en-US" altLang="zh-CN" sz="1200"/>
+          </a:p>
+          <a:p>
+            <a:pPr lvl="2">
+              <a:buFont typeface="Wingdings" panose="05000000000000000000" pitchFamily="2" charset="2"/>
+              <a:buChar char="l"/>
+            </a:pPr>
+            <a:r>
+              <a:rPr lang="en-US" altLang="zh-CN" sz="1020"/>
+              <a:t>unique(), value_counts(), is_in(list), isnull(), dropna(), fillna(), map(func)</a:t>
+            </a:r>
+            <a:endParaRPr lang="en-US" altLang="zh-CN" sz="1020"/>
+          </a:p>
+          <a:p>
+            <a:pPr lvl="2">
+              <a:buFont typeface="Wingdings" panose="05000000000000000000" pitchFamily="2" charset="2"/>
+              <a:buChar char="l"/>
+            </a:pPr>
+            <a:r>
+              <a:rPr lang="en-US" altLang="zh-CN" sz="1020"/>
+              <a:t>plot()</a:t>
+            </a:r>
+            <a:endParaRPr lang="en-US" altLang="zh-CN" sz="1020"/>
+          </a:p>
+          <a:p>
+            <a:pPr lvl="1">
+              <a:buFont typeface="Wingdings" panose="05000000000000000000" pitchFamily="2" charset="2"/>
+              <a:buChar char="l"/>
+            </a:pPr>
+            <a:r>
+              <a:rPr lang="en-US" altLang="zh-CN" sz="1200"/>
+              <a:t>pandas.DataFrame (2D)</a:t>
+            </a:r>
+            <a:endParaRPr lang="en-US" altLang="zh-CN" sz="1200"/>
+          </a:p>
+          <a:p>
+            <a:pPr lvl="2">
+              <a:buFont typeface="Wingdings" panose="05000000000000000000" pitchFamily="2" charset="2"/>
+              <a:buChar char="Ø"/>
+            </a:pPr>
+            <a:r>
+              <a:rPr lang="en-US" altLang="zh-CN" sz="1020"/>
+              <a:t>read_csv('a.csv', index_col=''), read_table('a.csv', sep=''), read_excel(), to_csv('a.csv')</a:t>
+            </a:r>
+            <a:endParaRPr lang="en-US" altLang="zh-CN" sz="1020"/>
+          </a:p>
+          <a:p>
+            <a:pPr lvl="2">
+              <a:buFont typeface="Wingdings" panose="05000000000000000000" pitchFamily="2" charset="2"/>
+              <a:buChar char="Ø"/>
+            </a:pPr>
+            <a:r>
+              <a:rPr lang="en-US" altLang="zh-CN" sz="1020"/>
+              <a:t>ExcelFile('a.xls') (xlrd/openpyxl), parse('sheetName')</a:t>
+            </a:r>
+            <a:endParaRPr lang="en-US" altLang="zh-CN" sz="1020"/>
+          </a:p>
+          <a:p>
+            <a:pPr lvl="2">
+              <a:buFont typeface="Wingdings" panose="05000000000000000000" pitchFamily="2" charset="2"/>
+              <a:buChar char="Ø"/>
+            </a:pPr>
+            <a:r>
+              <a:rPr lang="en-US" altLang="zh-CN" sz="1020"/>
+              <a:t>df.sum()/mean()/describe()/head()/drop_duplicates()/apply()/applymap()/astype()</a:t>
+            </a:r>
+            <a:endParaRPr lang="en-US" altLang="zh-CN" sz="1020"/>
+          </a:p>
+          <a:p>
+            <a:pPr lvl="2">
+              <a:buFont typeface="Wingdings" panose="05000000000000000000" pitchFamily="2" charset="2"/>
+              <a:buChar char="Ø"/>
+            </a:pPr>
+            <a:r>
+              <a:rPr lang="en-US" altLang="zh-CN" sz="1020"/>
+              <a:t>index, columns, loc(), iloc(), ix(), groupby('column').mean(), corr(), cov(), drop('columnName'), dropna(axis=, subset=)</a:t>
+            </a:r>
+            <a:endParaRPr lang="en-US" altLang="zh-CN" sz="1020"/>
+          </a:p>
+          <a:p>
+            <a:pPr lvl="2">
+              <a:buFont typeface="Wingdings" panose="05000000000000000000" pitchFamily="2" charset="2"/>
+              <a:buChar char="Ø"/>
+            </a:pPr>
+            <a:r>
+              <a:rPr lang="en-US" altLang="zh-CN" sz="1020"/>
+              <a:t>Can  be looked on as dictionary</a:t>
+            </a:r>
+            <a:endParaRPr lang="en-US" altLang="zh-CN" sz="1020"/>
+          </a:p>
+          <a:p>
+            <a:pPr lvl="2">
+              <a:buFont typeface="Wingdings" panose="05000000000000000000" pitchFamily="2" charset="2"/>
+              <a:buChar char="Ø"/>
+            </a:pPr>
+            <a:r>
+              <a:rPr lang="en-US" altLang="zh-CN" sz="1020"/>
+              <a:t>df.iloc[row_no]</a:t>
+            </a:r>
+            <a:endParaRPr lang="en-US" altLang="zh-CN" sz="1020"/>
+          </a:p>
+          <a:p>
+            <a:pPr lvl="1">
+              <a:buFont typeface="Wingdings" panose="05000000000000000000" pitchFamily="2" charset="2"/>
+              <a:buChar char="l"/>
+            </a:pPr>
+            <a:r>
+              <a:rPr lang="en-US" altLang="zh-CN" sz="1200"/>
+              <a:t>pandas.Panel</a:t>
+            </a:r>
+            <a:endParaRPr lang="en-US" altLang="zh-CN" sz="1200"/>
+          </a:p>
+          <a:p>
+            <a:pPr lvl="1">
+              <a:buFont typeface="Wingdings" panose="05000000000000000000" pitchFamily="2" charset="2"/>
+              <a:buChar char="l"/>
+            </a:pPr>
+            <a:r>
+              <a:rPr lang="en-US" altLang="zh-CN" sz="1200"/>
+              <a:t>pandas.Panel4D</a:t>
+            </a:r>
+            <a:endParaRPr lang="en-US" altLang="zh-CN" sz="1200"/>
+          </a:p>
+          <a:p>
+            <a:pPr lvl="0">
+              <a:buFont typeface="Wingdings" panose="05000000000000000000" pitchFamily="2" charset="2"/>
+              <a:buChar char="l"/>
+            </a:pPr>
+            <a:r>
+              <a:rPr lang="en-US" altLang="zh-CN" sz="1400"/>
+              <a:t>DB</a:t>
+            </a:r>
+            <a:endParaRPr lang="en-US" altLang="zh-CN" sz="1400"/>
+          </a:p>
+          <a:p>
+            <a:pPr lvl="1">
+              <a:buFont typeface="Wingdings" panose="05000000000000000000" pitchFamily="2" charset="2"/>
+              <a:buChar char="l"/>
+            </a:pPr>
+            <a:r>
+              <a:rPr lang="en-US" altLang="zh-CN" sz="1200"/>
+              <a:t>read_sql('sql_str', con=dbconn)</a:t>
+            </a:r>
+            <a:endParaRPr lang="en-US" altLang="zh-CN" sz="1200"/>
+          </a:p>
+          <a:p>
+            <a:pPr lvl="1">
+              <a:buFont typeface="Wingdings" panose="05000000000000000000" pitchFamily="2" charset="2"/>
+              <a:buChar char="l"/>
+            </a:pPr>
+            <a:r>
+              <a:rPr lang="en-US" altLang="zh-CN" sz="1200"/>
+              <a:t>read_sql_table()</a:t>
+            </a:r>
+            <a:endParaRPr lang="en-US" altLang="zh-CN" sz="1200"/>
+          </a:p>
+          <a:p>
+            <a:pPr lvl="1">
+              <a:buFont typeface="Wingdings" panose="05000000000000000000" pitchFamily="2" charset="2"/>
+              <a:buChar char="l"/>
+            </a:pPr>
+            <a:r>
+              <a:rPr lang="en-US" altLang="zh-CN" sz="1200"/>
+              <a:t>read_sql_query()</a:t>
+            </a:r>
+            <a:endParaRPr lang="en-US" altLang="zh-CN" sz="1200"/>
+          </a:p>
+          <a:p>
+            <a:pPr lvl="0">
+              <a:buFont typeface="Wingdings" panose="05000000000000000000" pitchFamily="2" charset="2"/>
+              <a:buChar char="l"/>
+            </a:pPr>
+            <a:r>
+              <a:rPr lang="en-US" altLang="zh-CN" sz="1400"/>
+              <a:t>Datetime</a:t>
+            </a:r>
+            <a:endParaRPr lang="en-US" altLang="zh-CN" sz="1400"/>
+          </a:p>
+          <a:p>
+            <a:pPr lvl="1">
+              <a:buFont typeface="Wingdings" panose="05000000000000000000" pitchFamily="2" charset="2"/>
+              <a:buChar char="l"/>
+            </a:pPr>
+            <a:r>
+              <a:rPr lang="en-US" altLang="zh-CN" sz="1200"/>
+              <a:t>to_datetime(df)</a:t>
+            </a:r>
+            <a:endParaRPr lang="en-US" altLang="zh-CN" sz="1200"/>
+          </a:p>
+        </p:txBody>
+      </p:sp>
+      <p:sp>
+        <p:nvSpPr>
+          <p:cNvPr id="4" name="文本框 3"/>
+          <p:cNvSpPr txBox="1"/>
+          <p:nvPr/>
+        </p:nvSpPr>
+        <p:spPr>
+          <a:xfrm>
+            <a:off x="7687945" y="1630680"/>
+            <a:ext cx="3837305" cy="3725545"/>
+          </a:xfrm>
+          <a:prstGeom prst="rect">
+            <a:avLst/>
+          </a:prstGeom>
+          <a:noFill/>
+        </p:spPr>
+        <p:txBody>
+          <a:bodyPr wrap="square" rtlCol="0">
+            <a:spAutoFit/>
           </a:bodyPr>
           <a:p>
-            <a:pPr marL="357505" indent="-357505" algn="l">
+            <a:pPr>
               <a:lnSpc>
-                <a:spcPct val="200000"/>
+                <a:spcPct val="130000"/>
               </a:lnSpc>
-              <a:buClr>
-                <a:schemeClr val="accent1"/>
-              </a:buClr>
-              <a:buSzTx/>
-              <a:buFont typeface="Wingdings" panose="05000000000000000000" pitchFamily="2" charset="2"/>
-              <a:buChar char=""/>
-            </a:pPr>
-            <a:r>
-              <a:rPr lang="en-US" altLang="zh-CN" smtClean="0"/>
-              <a:t>Basic</a:t>
-            </a:r>
-            <a:endParaRPr lang="en-US" altLang="zh-CN" smtClean="0"/>
-          </a:p>
-          <a:p>
-            <a:pPr lvl="1" algn="l">
+            </a:pPr>
+            <a:r>
+              <a:rPr lang="en-US" altLang="zh-CN" sz="1400" dirty="0" smtClean="0">
+                <a:latin typeface="Arial" panose="020B0604020202020204" pitchFamily="34" charset="0"/>
+                <a:ea typeface="微软雅黑" panose="020B0503020204020204" charset="-122"/>
+              </a:rPr>
+              <a:t>import pandas as pd</a:t>
+            </a:r>
+            <a:endParaRPr lang="en-US" altLang="zh-CN" sz="1400" dirty="0" smtClean="0">
+              <a:latin typeface="Arial" panose="020B0604020202020204" pitchFamily="34" charset="0"/>
+              <a:ea typeface="微软雅黑" panose="020B0503020204020204" charset="-122"/>
+            </a:endParaRPr>
+          </a:p>
+          <a:p>
+            <a:pPr>
               <a:lnSpc>
-                <a:spcPct val="200000"/>
+                <a:spcPct val="130000"/>
               </a:lnSpc>
-              <a:buFont typeface="Wingdings" panose="05000000000000000000" pitchFamily="2" charset="2"/>
-              <a:buChar char=""/>
-            </a:pPr>
-            <a:r>
-              <a:rPr lang="en-US" altLang="zh-CN" smtClean="0"/>
-              <a:t>import xml.etree.ElementTree as ET</a:t>
-            </a:r>
-            <a:endParaRPr lang="en-US" altLang="zh-CN" smtClean="0"/>
-          </a:p>
-          <a:p>
-            <a:pPr lvl="1" algn="l">
+            </a:pPr>
+            <a:endParaRPr lang="en-US" altLang="zh-CN" sz="1400" dirty="0" smtClean="0">
+              <a:latin typeface="Arial" panose="020B0604020202020204" pitchFamily="34" charset="0"/>
+              <a:ea typeface="微软雅黑" panose="020B0503020204020204" charset="-122"/>
+            </a:endParaRPr>
+          </a:p>
+          <a:p>
+            <a:pPr>
               <a:lnSpc>
-                <a:spcPct val="200000"/>
+                <a:spcPct val="130000"/>
               </a:lnSpc>
-              <a:buFont typeface="Wingdings" panose="05000000000000000000" pitchFamily="2" charset="2"/>
-              <a:buChar char=""/>
-            </a:pPr>
-            <a:r>
-              <a:rPr lang="en-US" altLang="zh-CN" smtClean="0"/>
-              <a:t>parser = ET.XMLParser(encoding='utf-8')</a:t>
-            </a:r>
-            <a:endParaRPr lang="en-US" altLang="zh-CN" smtClean="0"/>
-          </a:p>
-          <a:p>
-            <a:pPr lvl="1" algn="l">
+            </a:pPr>
+            <a:r>
+              <a:rPr lang="en-US" altLang="zh-CN" sz="1400" dirty="0" smtClean="0">
+                <a:latin typeface="Arial" panose="020B0604020202020204" pitchFamily="34" charset="0"/>
+                <a:ea typeface="微软雅黑" panose="020B0503020204020204" charset="-122"/>
+              </a:rPr>
+              <a:t>counts = pd.Series(['a', 'b', 'c'])</a:t>
+            </a:r>
+            <a:endParaRPr lang="en-US" altLang="zh-CN" sz="1400" dirty="0" smtClean="0">
+              <a:latin typeface="Arial" panose="020B0604020202020204" pitchFamily="34" charset="0"/>
+              <a:ea typeface="微软雅黑" panose="020B0503020204020204" charset="-122"/>
+            </a:endParaRPr>
+          </a:p>
+          <a:p>
+            <a:pPr>
               <a:lnSpc>
-                <a:spcPct val="200000"/>
+                <a:spcPct val="130000"/>
               </a:lnSpc>
-              <a:buFont typeface="Wingdings" panose="05000000000000000000" pitchFamily="2" charset="2"/>
-              <a:buChar char=""/>
-            </a:pPr>
-            <a:r>
-              <a:rPr lang="en-US" altLang="zh-CN" smtClean="0"/>
-              <a:t>tree = ET.parse(fn, parser=parser)</a:t>
-            </a:r>
-            <a:endParaRPr lang="en-US" altLang="zh-CN" smtClean="0"/>
-          </a:p>
-          <a:p>
-            <a:pPr lvl="1" algn="l">
+            </a:pPr>
+            <a:r>
+              <a:rPr lang="en-US" altLang="zh-CN" sz="1400" dirty="0" smtClean="0">
+                <a:latin typeface="Arial" panose="020B0604020202020204" pitchFamily="34" charset="0"/>
+                <a:ea typeface="微软雅黑" panose="020B0503020204020204" charset="-122"/>
+              </a:rPr>
+              <a:t>counts</a:t>
+            </a:r>
+            <a:endParaRPr lang="en-US" altLang="zh-CN" sz="1400" dirty="0" smtClean="0">
+              <a:latin typeface="Arial" panose="020B0604020202020204" pitchFamily="34" charset="0"/>
+              <a:ea typeface="微软雅黑" panose="020B0503020204020204" charset="-122"/>
+            </a:endParaRPr>
+          </a:p>
+          <a:p>
+            <a:pPr>
               <a:lnSpc>
-                <a:spcPct val="200000"/>
+                <a:spcPct val="130000"/>
               </a:lnSpc>
-              <a:buFont typeface="Wingdings" panose="05000000000000000000" pitchFamily="2" charset="2"/>
-              <a:buChar char=""/>
-            </a:pPr>
-            <a:r>
-              <a:rPr lang="en-US" altLang="zh-CN" smtClean="0"/>
-              <a:t>root = tree.getroot()</a:t>
-            </a:r>
-            <a:endParaRPr lang="en-US" altLang="zh-CN" smtClean="0"/>
-          </a:p>
-          <a:p>
-            <a:pPr lvl="1" algn="l">
+            </a:pPr>
+            <a:r>
+              <a:rPr lang="en-US" altLang="zh-CN" sz="1400" dirty="0" smtClean="0">
+                <a:latin typeface="Arial" panose="020B0604020202020204" pitchFamily="34" charset="0"/>
+                <a:ea typeface="微软雅黑" panose="020B0503020204020204" charset="-122"/>
+              </a:rPr>
+              <a:t>counts.index</a:t>
+            </a:r>
+            <a:endParaRPr lang="en-US" altLang="zh-CN" sz="1400" dirty="0" smtClean="0">
+              <a:latin typeface="Arial" panose="020B0604020202020204" pitchFamily="34" charset="0"/>
+              <a:ea typeface="微软雅黑" panose="020B0503020204020204" charset="-122"/>
+            </a:endParaRPr>
+          </a:p>
+          <a:p>
+            <a:pPr>
               <a:lnSpc>
-                <a:spcPct val="200000"/>
+                <a:spcPct val="130000"/>
               </a:lnSpc>
-              <a:buFont typeface="Wingdings" panose="05000000000000000000" pitchFamily="2" charset="2"/>
-              <a:buChar char=""/>
-            </a:pPr>
-            <a:r>
-              <a:rPr lang="en-US" altLang="zh-CN" smtClean="0"/>
-              <a:t>for elem in root.findall(./level1/level2):</a:t>
-            </a:r>
-            <a:endParaRPr lang="en-US" altLang="zh-CN" smtClean="0"/>
-          </a:p>
-          <a:p>
-            <a:pPr lvl="2" algn="l">
+            </a:pPr>
+            <a:r>
+              <a:rPr lang="en-US" altLang="zh-CN" sz="1400" dirty="0" smtClean="0">
+                <a:latin typeface="Arial" panose="020B0604020202020204" pitchFamily="34" charset="0"/>
+                <a:ea typeface="微软雅黑" panose="020B0503020204020204" charset="-122"/>
+              </a:rPr>
+              <a:t>counts.values</a:t>
+            </a:r>
+            <a:endParaRPr lang="en-US" altLang="zh-CN" sz="1400" dirty="0" smtClean="0">
+              <a:latin typeface="Arial" panose="020B0604020202020204" pitchFamily="34" charset="0"/>
+              <a:ea typeface="微软雅黑" panose="020B0503020204020204" charset="-122"/>
+            </a:endParaRPr>
+          </a:p>
+          <a:p>
+            <a:pPr>
               <a:lnSpc>
-                <a:spcPct val="200000"/>
+                <a:spcPct val="130000"/>
               </a:lnSpc>
-              <a:buFont typeface="Wingdings" panose="05000000000000000000" pitchFamily="2" charset="2"/>
-              <a:buChar char=""/>
-            </a:pPr>
-            <a:r>
-              <a:rPr lang="en-US" altLang="zh-CN" smtClean="0"/>
-              <a:t>attrib = elem.attrib['attrib_name']</a:t>
-            </a:r>
-            <a:endParaRPr lang="en-US" altLang="zh-CN" smtClean="0"/>
+            </a:pPr>
+            <a:endParaRPr lang="en-US" altLang="zh-CN" sz="1400" dirty="0" smtClean="0">
+              <a:latin typeface="Arial" panose="020B0604020202020204" pitchFamily="34" charset="0"/>
+              <a:ea typeface="微软雅黑" panose="020B0503020204020204" charset="-122"/>
+            </a:endParaRPr>
+          </a:p>
+          <a:p>
+            <a:pPr>
+              <a:lnSpc>
+                <a:spcPct val="130000"/>
+              </a:lnSpc>
+            </a:pPr>
+            <a:r>
+              <a:rPr lang="en-US" altLang="zh-CN" sz="1400" dirty="0" smtClean="0">
+                <a:latin typeface="Arial" panose="020B0604020202020204" pitchFamily="34" charset="0"/>
+                <a:ea typeface="微软雅黑" panose="020B0503020204020204" charset="-122"/>
+              </a:rPr>
+              <a:t>data = pd.DataFrame({'column1': [1, 2, 3], 'column2': [1, 2, 3]})</a:t>
+            </a:r>
+            <a:endParaRPr lang="en-US" altLang="zh-CN" sz="1400" dirty="0" smtClean="0">
+              <a:latin typeface="Arial" panose="020B0604020202020204" pitchFamily="34" charset="0"/>
+              <a:ea typeface="微软雅黑" panose="020B0503020204020204" charset="-122"/>
+            </a:endParaRPr>
+          </a:p>
+          <a:p>
+            <a:pPr>
+              <a:lnSpc>
+                <a:spcPct val="130000"/>
+              </a:lnSpc>
+            </a:pPr>
+            <a:r>
+              <a:rPr lang="en-US" altLang="zh-CN" sz="1400" dirty="0" smtClean="0">
+                <a:latin typeface="Arial" panose="020B0604020202020204" pitchFamily="34" charset="0"/>
+                <a:ea typeface="微软雅黑" panose="020B0503020204020204" charset="-122"/>
+              </a:rPr>
+              <a:t>data</a:t>
+            </a:r>
+            <a:endParaRPr lang="en-US" altLang="zh-CN" sz="1400" dirty="0" smtClean="0">
+              <a:latin typeface="Arial" panose="020B0604020202020204" pitchFamily="34" charset="0"/>
+              <a:ea typeface="微软雅黑" panose="020B0503020204020204" charset="-122"/>
+            </a:endParaRPr>
+          </a:p>
+          <a:p>
+            <a:pPr>
+              <a:lnSpc>
+                <a:spcPct val="130000"/>
+              </a:lnSpc>
+            </a:pPr>
+            <a:r>
+              <a:rPr lang="en-US" altLang="zh-CN" sz="1400" dirty="0" smtClean="0">
+                <a:latin typeface="Arial" panose="020B0604020202020204" pitchFamily="34" charset="0"/>
+                <a:ea typeface="微软雅黑" panose="020B0503020204020204" charset="-122"/>
+              </a:rPr>
+              <a:t>data.values</a:t>
+            </a:r>
+            <a:endParaRPr lang="en-US" altLang="zh-CN" sz="1400" dirty="0" smtClean="0">
+              <a:latin typeface="Arial" panose="020B0604020202020204" pitchFamily="34" charset="0"/>
+              <a:ea typeface="微软雅黑" panose="020B0503020204020204" charset="-122"/>
+            </a:endParaRPr>
+          </a:p>
+          <a:p>
+            <a:pPr>
+              <a:lnSpc>
+                <a:spcPct val="130000"/>
+              </a:lnSpc>
+            </a:pPr>
+            <a:r>
+              <a:rPr lang="en-US" altLang="zh-CN" sz="1400" dirty="0" smtClean="0">
+                <a:latin typeface="Arial" panose="020B0604020202020204" pitchFamily="34" charset="0"/>
+                <a:ea typeface="微软雅黑" panose="020B0503020204020204" charset="-122"/>
+              </a:rPr>
+              <a:t>data.shape</a:t>
+            </a:r>
+            <a:endParaRPr lang="en-US" altLang="zh-CN" sz="1400" dirty="0" smtClean="0">
+              <a:latin typeface="Arial" panose="020B0604020202020204" pitchFamily="34" charset="0"/>
+              <a:ea typeface="微软雅黑" panose="020B0503020204020204" charset="-122"/>
+            </a:endParaRPr>
+          </a:p>
+          <a:p>
+            <a:pPr>
+              <a:lnSpc>
+                <a:spcPct val="130000"/>
+              </a:lnSpc>
+            </a:pPr>
+            <a:r>
+              <a:rPr lang="en-US" altLang="zh-CN" sz="1400" dirty="0" smtClean="0">
+                <a:latin typeface="Arial" panose="020B0604020202020204" pitchFamily="34" charset="0"/>
+                <a:ea typeface="微软雅黑" panose="020B0503020204020204" charset="-122"/>
+              </a:rPr>
+              <a:t>data = pd.read_csv('a.csv')</a:t>
+            </a:r>
+            <a:endParaRPr lang="en-US" altLang="zh-CN" sz="1400" dirty="0" smtClean="0">
+              <a:latin typeface="Arial" panose="020B0604020202020204" pitchFamily="34" charset="0"/>
+              <a:ea typeface="微软雅黑" panose="020B0503020204020204" charset="-122"/>
+            </a:endParaRPr>
           </a:p>
         </p:txBody>
       </p:sp>
@@ -7537,7 +7776,7 @@
             </a:pPr>
             <a:r>
               <a:rPr lang="en-US" altLang="zh-CN" sz="2000"/>
-              <a:t>assert</a:t>
+              <a:t>assert expression, error_argument</a:t>
             </a:r>
             <a:endParaRPr lang="en-US" altLang="zh-CN" sz="2000"/>
           </a:p>
@@ -7772,6 +8011,1274 @@
           <a:p>
             <a:r>
               <a:rPr lang="en-US" altLang="zh-CN" smtClean="0"/>
+              <a:t>SciPy</a:t>
+            </a:r>
+            <a:endParaRPr lang="en-US" altLang="zh-CN" smtClean="0"/>
+          </a:p>
+        </p:txBody>
+      </p:sp>
+      <p:sp>
+        <p:nvSpPr>
+          <p:cNvPr id="5" name="圆角矩形 4"/>
+          <p:cNvSpPr/>
+          <p:nvPr/>
+        </p:nvSpPr>
+        <p:spPr>
+          <a:xfrm>
+            <a:off x="3429000" y="2480945"/>
+            <a:ext cx="2537460" cy="896620"/>
+          </a:xfrm>
+          <a:prstGeom prst="roundRect">
+            <a:avLst/>
+          </a:prstGeom>
+        </p:spPr>
+        <p:style>
+          <a:lnRef idx="2">
+            <a:schemeClr val="accent1">
+              <a:shade val="50000"/>
+            </a:schemeClr>
+          </a:lnRef>
+          <a:fillRef idx="1">
+            <a:schemeClr val="accent1"/>
+          </a:fillRef>
+          <a:effectRef idx="0">
+            <a:schemeClr val="accent1"/>
+          </a:effectRef>
+          <a:fontRef idx="minor">
+            <a:schemeClr val="lt1"/>
+          </a:fontRef>
+        </p:style>
+        <p:txBody>
+          <a:bodyPr rtlCol="0" anchor="ctr"/>
+          <a:p>
+            <a:pPr algn="ctr"/>
+            <a:r>
+              <a:rPr lang="en-US" altLang="zh-CN" sz="2000"/>
+              <a:t>cluster</a:t>
+            </a:r>
+            <a:endParaRPr lang="en-US" altLang="zh-CN" sz="2000"/>
+          </a:p>
+        </p:txBody>
+      </p:sp>
+      <p:sp>
+        <p:nvSpPr>
+          <p:cNvPr id="6" name="圆角矩形 5"/>
+          <p:cNvSpPr/>
+          <p:nvPr/>
+        </p:nvSpPr>
+        <p:spPr>
+          <a:xfrm>
+            <a:off x="771525" y="4683760"/>
+            <a:ext cx="2537460" cy="896620"/>
+          </a:xfrm>
+          <a:prstGeom prst="roundRect">
+            <a:avLst/>
+          </a:prstGeom>
+        </p:spPr>
+        <p:style>
+          <a:lnRef idx="2">
+            <a:schemeClr val="accent1">
+              <a:shade val="50000"/>
+            </a:schemeClr>
+          </a:lnRef>
+          <a:fillRef idx="1">
+            <a:schemeClr val="accent1"/>
+          </a:fillRef>
+          <a:effectRef idx="0">
+            <a:schemeClr val="accent1"/>
+          </a:effectRef>
+          <a:fontRef idx="minor">
+            <a:schemeClr val="lt1"/>
+          </a:fontRef>
+        </p:style>
+        <p:txBody>
+          <a:bodyPr rtlCol="0" anchor="ctr"/>
+          <a:p>
+            <a:pPr algn="ctr"/>
+            <a:r>
+              <a:rPr lang="en-US" altLang="zh-CN" sz="2000"/>
+              <a:t>constants</a:t>
+            </a:r>
+            <a:endParaRPr lang="en-US" altLang="zh-CN" sz="2000"/>
+          </a:p>
+        </p:txBody>
+      </p:sp>
+      <p:sp>
+        <p:nvSpPr>
+          <p:cNvPr id="7" name="圆角矩形 6"/>
+          <p:cNvSpPr/>
+          <p:nvPr/>
+        </p:nvSpPr>
+        <p:spPr>
+          <a:xfrm>
+            <a:off x="771525" y="3575685"/>
+            <a:ext cx="2537460" cy="896620"/>
+          </a:xfrm>
+          <a:prstGeom prst="roundRect">
+            <a:avLst/>
+          </a:prstGeom>
+        </p:spPr>
+        <p:style>
+          <a:lnRef idx="2">
+            <a:schemeClr val="accent1">
+              <a:shade val="50000"/>
+            </a:schemeClr>
+          </a:lnRef>
+          <a:fillRef idx="1">
+            <a:schemeClr val="accent1"/>
+          </a:fillRef>
+          <a:effectRef idx="0">
+            <a:schemeClr val="accent1"/>
+          </a:effectRef>
+          <a:fontRef idx="minor">
+            <a:schemeClr val="lt1"/>
+          </a:fontRef>
+        </p:style>
+        <p:txBody>
+          <a:bodyPr rtlCol="0" anchor="ctr"/>
+          <a:p>
+            <a:pPr algn="ctr"/>
+            <a:r>
+              <a:rPr lang="en-US" altLang="zh-CN" sz="2000"/>
+              <a:t>fftpack</a:t>
+            </a:r>
+            <a:endParaRPr lang="en-US" altLang="zh-CN" sz="2000"/>
+          </a:p>
+        </p:txBody>
+      </p:sp>
+      <p:sp>
+        <p:nvSpPr>
+          <p:cNvPr id="8" name="圆角矩形 7"/>
+          <p:cNvSpPr/>
+          <p:nvPr/>
+        </p:nvSpPr>
+        <p:spPr>
+          <a:xfrm>
+            <a:off x="3429000" y="3575685"/>
+            <a:ext cx="2537460" cy="896620"/>
+          </a:xfrm>
+          <a:prstGeom prst="roundRect">
+            <a:avLst/>
+          </a:prstGeom>
+        </p:spPr>
+        <p:style>
+          <a:lnRef idx="2">
+            <a:schemeClr val="accent1">
+              <a:shade val="50000"/>
+            </a:schemeClr>
+          </a:lnRef>
+          <a:fillRef idx="1">
+            <a:schemeClr val="accent1"/>
+          </a:fillRef>
+          <a:effectRef idx="0">
+            <a:schemeClr val="accent1"/>
+          </a:effectRef>
+          <a:fontRef idx="minor">
+            <a:schemeClr val="lt1"/>
+          </a:fontRef>
+        </p:style>
+        <p:txBody>
+          <a:bodyPr rtlCol="0" anchor="ctr"/>
+          <a:p>
+            <a:pPr algn="ctr"/>
+            <a:r>
+              <a:rPr lang="en-US" altLang="zh-CN" sz="2000"/>
+              <a:t>integrate</a:t>
+            </a:r>
+            <a:endParaRPr lang="en-US" altLang="zh-CN" sz="2000"/>
+          </a:p>
+        </p:txBody>
+      </p:sp>
+      <p:sp>
+        <p:nvSpPr>
+          <p:cNvPr id="9" name="圆角矩形 8"/>
+          <p:cNvSpPr/>
+          <p:nvPr/>
+        </p:nvSpPr>
+        <p:spPr>
+          <a:xfrm>
+            <a:off x="3429000" y="4683760"/>
+            <a:ext cx="2537460" cy="896620"/>
+          </a:xfrm>
+          <a:prstGeom prst="roundRect">
+            <a:avLst/>
+          </a:prstGeom>
+        </p:spPr>
+        <p:style>
+          <a:lnRef idx="2">
+            <a:schemeClr val="accent1">
+              <a:shade val="50000"/>
+            </a:schemeClr>
+          </a:lnRef>
+          <a:fillRef idx="1">
+            <a:schemeClr val="accent1"/>
+          </a:fillRef>
+          <a:effectRef idx="0">
+            <a:schemeClr val="accent1"/>
+          </a:effectRef>
+          <a:fontRef idx="minor">
+            <a:schemeClr val="lt1"/>
+          </a:fontRef>
+        </p:style>
+        <p:txBody>
+          <a:bodyPr rtlCol="0" anchor="ctr"/>
+          <a:p>
+            <a:pPr algn="ctr"/>
+            <a:r>
+              <a:rPr lang="en-US" altLang="zh-CN" sz="2000"/>
+              <a:t>interpolate</a:t>
+            </a:r>
+            <a:endParaRPr lang="en-US" altLang="zh-CN" sz="2000"/>
+          </a:p>
+        </p:txBody>
+      </p:sp>
+      <p:sp>
+        <p:nvSpPr>
+          <p:cNvPr id="10" name="圆角矩形 9"/>
+          <p:cNvSpPr/>
+          <p:nvPr/>
+        </p:nvSpPr>
+        <p:spPr>
+          <a:xfrm>
+            <a:off x="6122670" y="4683760"/>
+            <a:ext cx="2537460" cy="896620"/>
+          </a:xfrm>
+          <a:prstGeom prst="roundRect">
+            <a:avLst/>
+          </a:prstGeom>
+        </p:spPr>
+        <p:style>
+          <a:lnRef idx="2">
+            <a:schemeClr val="accent1">
+              <a:shade val="50000"/>
+            </a:schemeClr>
+          </a:lnRef>
+          <a:fillRef idx="1">
+            <a:schemeClr val="accent1"/>
+          </a:fillRef>
+          <a:effectRef idx="0">
+            <a:schemeClr val="accent1"/>
+          </a:effectRef>
+          <a:fontRef idx="minor">
+            <a:schemeClr val="lt1"/>
+          </a:fontRef>
+        </p:style>
+        <p:txBody>
+          <a:bodyPr rtlCol="0" anchor="ctr"/>
+          <a:p>
+            <a:pPr algn="ctr"/>
+            <a:r>
+              <a:rPr lang="en-US" altLang="zh-CN" sz="2000"/>
+              <a:t>io</a:t>
+            </a:r>
+            <a:endParaRPr lang="en-US" altLang="zh-CN" sz="2000"/>
+          </a:p>
+        </p:txBody>
+      </p:sp>
+      <p:sp>
+        <p:nvSpPr>
+          <p:cNvPr id="11" name="圆角矩形 10"/>
+          <p:cNvSpPr/>
+          <p:nvPr/>
+        </p:nvSpPr>
+        <p:spPr>
+          <a:xfrm>
+            <a:off x="8816340" y="4683760"/>
+            <a:ext cx="2537460" cy="896620"/>
+          </a:xfrm>
+          <a:prstGeom prst="roundRect">
+            <a:avLst/>
+          </a:prstGeom>
+        </p:spPr>
+        <p:style>
+          <a:lnRef idx="2">
+            <a:schemeClr val="accent1">
+              <a:shade val="50000"/>
+            </a:schemeClr>
+          </a:lnRef>
+          <a:fillRef idx="1">
+            <a:schemeClr val="accent1"/>
+          </a:fillRef>
+          <a:effectRef idx="0">
+            <a:schemeClr val="accent1"/>
+          </a:effectRef>
+          <a:fontRef idx="minor">
+            <a:schemeClr val="lt1"/>
+          </a:fontRef>
+        </p:style>
+        <p:txBody>
+          <a:bodyPr rtlCol="0" anchor="ctr"/>
+          <a:p>
+            <a:pPr algn="ctr"/>
+            <a:r>
+              <a:rPr lang="en-US" altLang="zh-CN" sz="2000"/>
+              <a:t>linalg</a:t>
+            </a:r>
+            <a:endParaRPr lang="en-US" altLang="zh-CN" sz="2000"/>
+          </a:p>
+          <a:p>
+            <a:pPr algn="ctr"/>
+            <a:r>
+              <a:rPr lang="en-US" altLang="zh-CN" sz="2000"/>
+              <a:t>(linear algebra)</a:t>
+            </a:r>
+            <a:endParaRPr lang="en-US" altLang="zh-CN" sz="2000"/>
+          </a:p>
+        </p:txBody>
+      </p:sp>
+      <p:sp>
+        <p:nvSpPr>
+          <p:cNvPr id="12" name="圆角矩形 11"/>
+          <p:cNvSpPr/>
+          <p:nvPr/>
+        </p:nvSpPr>
+        <p:spPr>
+          <a:xfrm>
+            <a:off x="6122670" y="2480945"/>
+            <a:ext cx="2537460" cy="896620"/>
+          </a:xfrm>
+          <a:prstGeom prst="roundRect">
+            <a:avLst/>
+          </a:prstGeom>
+        </p:spPr>
+        <p:style>
+          <a:lnRef idx="2">
+            <a:schemeClr val="accent1">
+              <a:shade val="50000"/>
+            </a:schemeClr>
+          </a:lnRef>
+          <a:fillRef idx="1">
+            <a:schemeClr val="accent1"/>
+          </a:fillRef>
+          <a:effectRef idx="0">
+            <a:schemeClr val="accent1"/>
+          </a:effectRef>
+          <a:fontRef idx="minor">
+            <a:schemeClr val="lt1"/>
+          </a:fontRef>
+        </p:style>
+        <p:txBody>
+          <a:bodyPr rtlCol="0" anchor="ctr"/>
+          <a:p>
+            <a:pPr algn="ctr"/>
+            <a:r>
+              <a:rPr lang="en-US" altLang="zh-CN" sz="2000"/>
+              <a:t>sparse</a:t>
+            </a:r>
+            <a:endParaRPr lang="en-US" altLang="zh-CN" sz="2000"/>
+          </a:p>
+        </p:txBody>
+      </p:sp>
+      <p:sp>
+        <p:nvSpPr>
+          <p:cNvPr id="13" name="圆角矩形 12"/>
+          <p:cNvSpPr/>
+          <p:nvPr/>
+        </p:nvSpPr>
+        <p:spPr>
+          <a:xfrm>
+            <a:off x="6122670" y="3575685"/>
+            <a:ext cx="2537460" cy="896620"/>
+          </a:xfrm>
+          <a:prstGeom prst="roundRect">
+            <a:avLst/>
+          </a:prstGeom>
+        </p:spPr>
+        <p:style>
+          <a:lnRef idx="2">
+            <a:schemeClr val="accent1">
+              <a:shade val="50000"/>
+            </a:schemeClr>
+          </a:lnRef>
+          <a:fillRef idx="1">
+            <a:schemeClr val="accent1"/>
+          </a:fillRef>
+          <a:effectRef idx="0">
+            <a:schemeClr val="accent1"/>
+          </a:effectRef>
+          <a:fontRef idx="minor">
+            <a:schemeClr val="lt1"/>
+          </a:fontRef>
+        </p:style>
+        <p:txBody>
+          <a:bodyPr rtlCol="0" anchor="ctr"/>
+          <a:p>
+            <a:pPr algn="ctr"/>
+            <a:r>
+              <a:rPr lang="en-US" altLang="zh-CN" sz="2000"/>
+              <a:t>odr</a:t>
+            </a:r>
+            <a:endParaRPr lang="en-US" altLang="zh-CN" sz="2000"/>
+          </a:p>
+          <a:p>
+            <a:pPr algn="ctr"/>
+            <a:r>
+              <a:rPr lang="en-US" altLang="zh-CN" sz="2000"/>
+              <a:t>(Orthogonal distance regression)</a:t>
+            </a:r>
+            <a:endParaRPr lang="en-US" altLang="zh-CN" sz="2000"/>
+          </a:p>
+        </p:txBody>
+      </p:sp>
+      <p:sp>
+        <p:nvSpPr>
+          <p:cNvPr id="14" name="圆角矩形 13"/>
+          <p:cNvSpPr/>
+          <p:nvPr/>
+        </p:nvSpPr>
+        <p:spPr>
+          <a:xfrm>
+            <a:off x="771525" y="2480945"/>
+            <a:ext cx="2537460" cy="896620"/>
+          </a:xfrm>
+          <a:prstGeom prst="roundRect">
+            <a:avLst/>
+          </a:prstGeom>
+        </p:spPr>
+        <p:style>
+          <a:lnRef idx="2">
+            <a:schemeClr val="accent1">
+              <a:shade val="50000"/>
+            </a:schemeClr>
+          </a:lnRef>
+          <a:fillRef idx="1">
+            <a:schemeClr val="accent1"/>
+          </a:fillRef>
+          <a:effectRef idx="0">
+            <a:schemeClr val="accent1"/>
+          </a:effectRef>
+          <a:fontRef idx="minor">
+            <a:schemeClr val="lt1"/>
+          </a:fontRef>
+        </p:style>
+        <p:txBody>
+          <a:bodyPr rtlCol="0" anchor="ctr"/>
+          <a:p>
+            <a:pPr algn="ctr"/>
+            <a:r>
+              <a:rPr lang="en-US" altLang="zh-CN" sz="2000"/>
+              <a:t>optimize</a:t>
+            </a:r>
+            <a:endParaRPr lang="en-US" altLang="zh-CN" sz="2000"/>
+          </a:p>
+        </p:txBody>
+      </p:sp>
+      <p:sp>
+        <p:nvSpPr>
+          <p:cNvPr id="15" name="圆角矩形 14"/>
+          <p:cNvSpPr/>
+          <p:nvPr/>
+        </p:nvSpPr>
+        <p:spPr>
+          <a:xfrm>
+            <a:off x="3429000" y="1334135"/>
+            <a:ext cx="2537460" cy="896620"/>
+          </a:xfrm>
+          <a:prstGeom prst="roundRect">
+            <a:avLst/>
+          </a:prstGeom>
+        </p:spPr>
+        <p:style>
+          <a:lnRef idx="2">
+            <a:schemeClr val="accent1">
+              <a:shade val="50000"/>
+            </a:schemeClr>
+          </a:lnRef>
+          <a:fillRef idx="1">
+            <a:schemeClr val="accent1"/>
+          </a:fillRef>
+          <a:effectRef idx="0">
+            <a:schemeClr val="accent1"/>
+          </a:effectRef>
+          <a:fontRef idx="minor">
+            <a:schemeClr val="lt1"/>
+          </a:fontRef>
+        </p:style>
+        <p:txBody>
+          <a:bodyPr rtlCol="0" anchor="ctr"/>
+          <a:p>
+            <a:pPr algn="ctr"/>
+            <a:r>
+              <a:rPr lang="en-US" altLang="zh-CN" sz="2000"/>
+              <a:t>signal</a:t>
+            </a:r>
+            <a:endParaRPr lang="en-US" altLang="zh-CN" sz="2000"/>
+          </a:p>
+        </p:txBody>
+      </p:sp>
+      <p:sp>
+        <p:nvSpPr>
+          <p:cNvPr id="16" name="圆角矩形 15"/>
+          <p:cNvSpPr/>
+          <p:nvPr/>
+        </p:nvSpPr>
+        <p:spPr>
+          <a:xfrm>
+            <a:off x="6122670" y="1334135"/>
+            <a:ext cx="2537460" cy="896620"/>
+          </a:xfrm>
+          <a:prstGeom prst="roundRect">
+            <a:avLst/>
+          </a:prstGeom>
+        </p:spPr>
+        <p:style>
+          <a:lnRef idx="2">
+            <a:schemeClr val="accent1">
+              <a:shade val="50000"/>
+            </a:schemeClr>
+          </a:lnRef>
+          <a:fillRef idx="1">
+            <a:schemeClr val="accent1"/>
+          </a:fillRef>
+          <a:effectRef idx="0">
+            <a:schemeClr val="accent1"/>
+          </a:effectRef>
+          <a:fontRef idx="minor">
+            <a:schemeClr val="lt1"/>
+          </a:fontRef>
+        </p:style>
+        <p:txBody>
+          <a:bodyPr rtlCol="0" anchor="ctr"/>
+          <a:p>
+            <a:pPr algn="ctr"/>
+            <a:r>
+              <a:rPr lang="en-US" altLang="zh-CN" sz="2000"/>
+              <a:t>ndimage</a:t>
+            </a:r>
+            <a:endParaRPr lang="en-US" altLang="zh-CN" sz="2000"/>
+          </a:p>
+          <a:p>
+            <a:pPr algn="ctr"/>
+            <a:r>
+              <a:rPr lang="en-US" altLang="zh-CN" sz="2000"/>
+              <a:t>(n-dimension image)</a:t>
+            </a:r>
+            <a:endParaRPr lang="en-US" altLang="zh-CN" sz="2000"/>
+          </a:p>
+        </p:txBody>
+      </p:sp>
+      <p:sp>
+        <p:nvSpPr>
+          <p:cNvPr id="17" name="圆角矩形 16"/>
+          <p:cNvSpPr/>
+          <p:nvPr/>
+        </p:nvSpPr>
+        <p:spPr>
+          <a:xfrm>
+            <a:off x="8816340" y="2480945"/>
+            <a:ext cx="2537460" cy="896620"/>
+          </a:xfrm>
+          <a:prstGeom prst="roundRect">
+            <a:avLst/>
+          </a:prstGeom>
+        </p:spPr>
+        <p:style>
+          <a:lnRef idx="2">
+            <a:schemeClr val="accent1">
+              <a:shade val="50000"/>
+            </a:schemeClr>
+          </a:lnRef>
+          <a:fillRef idx="1">
+            <a:schemeClr val="accent1"/>
+          </a:fillRef>
+          <a:effectRef idx="0">
+            <a:schemeClr val="accent1"/>
+          </a:effectRef>
+          <a:fontRef idx="minor">
+            <a:schemeClr val="lt1"/>
+          </a:fontRef>
+        </p:style>
+        <p:txBody>
+          <a:bodyPr rtlCol="0" anchor="ctr"/>
+          <a:p>
+            <a:pPr algn="ctr"/>
+            <a:r>
+              <a:rPr lang="en-US" altLang="zh-CN" sz="2000"/>
+              <a:t>spatial</a:t>
+            </a:r>
+            <a:endParaRPr lang="en-US" altLang="zh-CN" sz="2000"/>
+          </a:p>
+        </p:txBody>
+      </p:sp>
+      <p:sp>
+        <p:nvSpPr>
+          <p:cNvPr id="18" name="圆角矩形 17"/>
+          <p:cNvSpPr/>
+          <p:nvPr/>
+        </p:nvSpPr>
+        <p:spPr>
+          <a:xfrm>
+            <a:off x="8816340" y="3575685"/>
+            <a:ext cx="2537460" cy="896620"/>
+          </a:xfrm>
+          <a:prstGeom prst="roundRect">
+            <a:avLst/>
+          </a:prstGeom>
+        </p:spPr>
+        <p:style>
+          <a:lnRef idx="2">
+            <a:schemeClr val="accent1">
+              <a:shade val="50000"/>
+            </a:schemeClr>
+          </a:lnRef>
+          <a:fillRef idx="1">
+            <a:schemeClr val="accent1"/>
+          </a:fillRef>
+          <a:effectRef idx="0">
+            <a:schemeClr val="accent1"/>
+          </a:effectRef>
+          <a:fontRef idx="minor">
+            <a:schemeClr val="lt1"/>
+          </a:fontRef>
+        </p:style>
+        <p:txBody>
+          <a:bodyPr rtlCol="0" anchor="ctr"/>
+          <a:p>
+            <a:pPr algn="ctr"/>
+            <a:r>
+              <a:rPr lang="en-US" altLang="zh-CN" sz="2000"/>
+              <a:t>special</a:t>
+            </a:r>
+            <a:endParaRPr lang="en-US" altLang="zh-CN" sz="2000"/>
+          </a:p>
+        </p:txBody>
+      </p:sp>
+      <p:sp>
+        <p:nvSpPr>
+          <p:cNvPr id="19" name="圆角矩形 18"/>
+          <p:cNvSpPr/>
+          <p:nvPr/>
+        </p:nvSpPr>
+        <p:spPr>
+          <a:xfrm>
+            <a:off x="8816340" y="1334135"/>
+            <a:ext cx="2537460" cy="896620"/>
+          </a:xfrm>
+          <a:prstGeom prst="roundRect">
+            <a:avLst/>
+          </a:prstGeom>
+        </p:spPr>
+        <p:style>
+          <a:lnRef idx="2">
+            <a:schemeClr val="accent1">
+              <a:shade val="50000"/>
+            </a:schemeClr>
+          </a:lnRef>
+          <a:fillRef idx="1">
+            <a:schemeClr val="accent1"/>
+          </a:fillRef>
+          <a:effectRef idx="0">
+            <a:schemeClr val="accent1"/>
+          </a:effectRef>
+          <a:fontRef idx="minor">
+            <a:schemeClr val="lt1"/>
+          </a:fontRef>
+        </p:style>
+        <p:txBody>
+          <a:bodyPr rtlCol="0" anchor="ctr"/>
+          <a:p>
+            <a:pPr algn="ctr"/>
+            <a:r>
+              <a:rPr lang="en-US" altLang="zh-CN" sz="2000"/>
+              <a:t>stats</a:t>
+            </a:r>
+            <a:endParaRPr lang="en-US" altLang="zh-CN" sz="2000"/>
+          </a:p>
+        </p:txBody>
+      </p:sp>
+      <p:sp>
+        <p:nvSpPr>
+          <p:cNvPr id="20" name="文本框 19"/>
+          <p:cNvSpPr txBox="1"/>
+          <p:nvPr/>
+        </p:nvSpPr>
+        <p:spPr>
+          <a:xfrm>
+            <a:off x="1153795" y="6069330"/>
+            <a:ext cx="7506335" cy="368300"/>
+          </a:xfrm>
+          <a:prstGeom prst="rect">
+            <a:avLst/>
+          </a:prstGeom>
+          <a:noFill/>
+        </p:spPr>
+        <p:txBody>
+          <a:bodyPr wrap="none" rtlCol="0">
+            <a:spAutoFit/>
+          </a:bodyPr>
+          <a:p>
+            <a:pPr algn="l"/>
+            <a:r>
+              <a:rPr lang="en-US" altLang="zh-CN"/>
+              <a:t>References: https://docs.scipy.org/doc/scipy/reference/tutorial/index.html</a:t>
+            </a:r>
+            <a:endParaRPr lang="en-US" altLang="zh-CN"/>
+          </a:p>
+        </p:txBody>
+      </p:sp>
+    </p:spTree>
+  </p:cSld>
+  <p:clrMapOvr>
+    <a:masterClrMapping/>
+  </p:clrMapOvr>
+</p:sld>
+</file>
+
+<file path=ppt/slides/slide31.xml><?xml version="1.0" encoding="utf-8"?>
+<p:sld xmlns:a="http://schemas.openxmlformats.org/drawingml/2006/main" xmlns:r="http://schemas.openxmlformats.org/officeDocument/2006/relationships" xmlns:p="http://schemas.openxmlformats.org/presentationml/2006/main">
+  <p:cSld>
+    <p:spTree>
+      <p:nvGrpSpPr>
+        <p:cNvPr id="1" name=""/>
+        <p:cNvGrpSpPr/>
+        <p:nvPr/>
+      </p:nvGrpSpPr>
+      <p:grpSpPr/>
+      <p:sp>
+        <p:nvSpPr>
+          <p:cNvPr id="2" name="标题 1"/>
+          <p:cNvSpPr>
+            <a:spLocks noGrp="1"/>
+          </p:cNvSpPr>
+          <p:nvPr>
+            <p:ph type="title"/>
+          </p:nvPr>
+        </p:nvSpPr>
+        <p:spPr/>
+        <p:txBody>
+          <a:bodyPr/>
+          <a:p>
+            <a:r>
+              <a:rPr lang="en-US" altLang="zh-CN"/>
+              <a:t>Matplotlib</a:t>
+            </a:r>
+            <a:endParaRPr lang="en-US" altLang="zh-CN"/>
+          </a:p>
+        </p:txBody>
+      </p:sp>
+      <p:sp>
+        <p:nvSpPr>
+          <p:cNvPr id="3" name="内容占位符 2"/>
+          <p:cNvSpPr>
+            <a:spLocks noGrp="1"/>
+          </p:cNvSpPr>
+          <p:nvPr>
+            <p:ph idx="1"/>
+          </p:nvPr>
+        </p:nvSpPr>
+        <p:spPr/>
+        <p:txBody>
+          <a:bodyPr/>
+          <a:p>
+            <a:r>
+              <a:rPr lang="en-US" altLang="zh-CN" sz="1600">
+                <a:sym typeface="+mn-ea"/>
+              </a:rPr>
+              <a:t>matplotlib.use('Agg')	# when no display</a:t>
+            </a:r>
+            <a:endParaRPr lang="en-US" altLang="zh-CN" sz="1600"/>
+          </a:p>
+          <a:p>
+            <a:r>
+              <a:rPr lang="en-US" altLang="zh-CN" sz="1600"/>
+              <a:t>import matplotlib.pyplot as plt</a:t>
+            </a:r>
+            <a:endParaRPr lang="en-US" altLang="zh-CN" sz="1600"/>
+          </a:p>
+          <a:p>
+            <a:pPr lvl="1">
+              <a:buFont typeface="Wingdings" panose="05000000000000000000" pitchFamily="2" charset="2"/>
+              <a:buChar char="Ø"/>
+            </a:pPr>
+            <a:r>
+              <a:rPr lang="en-US" altLang="zh-CN" sz="1400"/>
+              <a:t>plt.title(text), </a:t>
+            </a:r>
+            <a:r>
+              <a:rPr lang="en-US" altLang="zh-CN" sz="1400">
+                <a:sym typeface="+mn-ea"/>
+              </a:rPr>
+              <a:t>plt.xlabel(), plt.ylabel(), plt.xticks(), plt.yticks(), plt.legend()</a:t>
+            </a:r>
+            <a:endParaRPr lang="en-US" altLang="zh-CN" sz="1400"/>
+          </a:p>
+          <a:p>
+            <a:pPr lvl="1">
+              <a:buFont typeface="Wingdings" panose="05000000000000000000" pitchFamily="2" charset="2"/>
+              <a:buChar char="Ø"/>
+            </a:pPr>
+            <a:r>
+              <a:rPr lang="en-US" altLang="zh-CN" sz="1400"/>
+              <a:t>plt.imshow(arr, cmap=plt.cm.gray), plt.imshow(img[..., ::-1])</a:t>
+            </a:r>
+            <a:endParaRPr lang="en-US" altLang="zh-CN" sz="1400"/>
+          </a:p>
+          <a:p>
+            <a:pPr lvl="1">
+              <a:buFont typeface="Wingdings" panose="05000000000000000000" pitchFamily="2" charset="2"/>
+              <a:buChar char="Ø"/>
+            </a:pPr>
+            <a:r>
+              <a:rPr lang="en-US" altLang="zh-CN" sz="1400"/>
+              <a:t>plt.show()</a:t>
+            </a:r>
+            <a:endParaRPr lang="en-US" altLang="zh-CN" sz="1400"/>
+          </a:p>
+          <a:p>
+            <a:pPr lvl="1">
+              <a:buFont typeface="Wingdings" panose="05000000000000000000" pitchFamily="2" charset="2"/>
+              <a:buChar char="Ø"/>
+            </a:pPr>
+            <a:r>
+              <a:rPr lang="en-US" altLang="zh-CN" sz="1400"/>
+              <a:t>plt.plot(), </a:t>
+            </a:r>
+            <a:r>
+              <a:rPr lang="en-US" altLang="zh-CN" sz="1400">
+                <a:sym typeface="+mn-ea"/>
+              </a:rPr>
+              <a:t>plt.subplot(), fig, ax = plt.subplots(), plt.clf()</a:t>
+            </a:r>
+            <a:endParaRPr lang="en-US" altLang="zh-CN" sz="1400"/>
+          </a:p>
+          <a:p>
+            <a:pPr lvl="1">
+              <a:buFont typeface="Wingdings" panose="05000000000000000000" pitchFamily="2" charset="2"/>
+              <a:buChar char="Ø"/>
+            </a:pPr>
+            <a:r>
+              <a:rPr lang="en-US" altLang="zh-CN" sz="1400"/>
+              <a:t>plt.hist(), plt.pcolor(),plt.colorbar(), plt.scatter(x, y, color)</a:t>
+            </a:r>
+            <a:endParaRPr lang="en-US" altLang="zh-CN" sz="1400"/>
+          </a:p>
+          <a:p>
+            <a:pPr lvl="1">
+              <a:buFont typeface="Wingdings" panose="05000000000000000000" pitchFamily="2" charset="2"/>
+              <a:buChar char="Ø"/>
+            </a:pPr>
+            <a:r>
+              <a:rPr lang="en-US" altLang="zh-CN" sz="1400"/>
+              <a:t>plt.axis('off')</a:t>
+            </a:r>
+            <a:endParaRPr lang="en-US" altLang="zh-CN" sz="1400"/>
+          </a:p>
+          <a:p>
+            <a:pPr lvl="1">
+              <a:buFont typeface="Wingdings" panose="05000000000000000000" pitchFamily="2" charset="2"/>
+              <a:buChar char="Ø"/>
+            </a:pPr>
+            <a:r>
+              <a:rPr lang="en-US" altLang="zh-CN" sz="1400"/>
+              <a:t>plt.savefig('a.png')</a:t>
+            </a:r>
+            <a:endParaRPr lang="en-US" altLang="zh-CN" sz="1400"/>
+          </a:p>
+          <a:p>
+            <a:pPr lvl="1">
+              <a:buFont typeface="Wingdings" panose="05000000000000000000" pitchFamily="2" charset="2"/>
+              <a:buChar char="Ø"/>
+            </a:pPr>
+            <a:r>
+              <a:rPr lang="en-US" altLang="zh-CN" sz="1400"/>
+              <a:t>plt.get_backend()</a:t>
+            </a:r>
+            <a:endParaRPr lang="en-US" altLang="zh-CN" sz="1400"/>
+          </a:p>
+          <a:p>
+            <a:r>
+              <a:rPr lang="en-US" altLang="zh-CN" sz="1600"/>
+              <a:t>Figure</a:t>
+            </a:r>
+            <a:endParaRPr lang="en-US" altLang="zh-CN" sz="1600"/>
+          </a:p>
+          <a:p>
+            <a:pPr lvl="1">
+              <a:buFont typeface="Wingdings" panose="05000000000000000000" pitchFamily="2" charset="2"/>
+              <a:buChar char="Ø"/>
+            </a:pPr>
+            <a:r>
+              <a:rPr lang="en-US" altLang="zh-CN" sz="1400"/>
+              <a:t>fig = plt.figure(figsize=(w,h))</a:t>
+            </a:r>
+            <a:endParaRPr lang="en-US" altLang="zh-CN" sz="1400"/>
+          </a:p>
+          <a:p>
+            <a:pPr lvl="1">
+              <a:buFont typeface="Wingdings" panose="05000000000000000000" pitchFamily="2" charset="2"/>
+              <a:buChar char="Ø"/>
+            </a:pPr>
+            <a:r>
+              <a:rPr lang="en-US" altLang="zh-CN" sz="1400"/>
+              <a:t>ax = fig.add_subplot()</a:t>
+            </a:r>
+            <a:endParaRPr lang="en-US" altLang="zh-CN" sz="1400"/>
+          </a:p>
+          <a:p>
+            <a:pPr lvl="1">
+              <a:buFont typeface="Wingdings" panose="05000000000000000000" pitchFamily="2" charset="2"/>
+              <a:buChar char="Ø"/>
+            </a:pPr>
+            <a:r>
+              <a:rPr lang="en-US" altLang="zh-CN" sz="1400"/>
+              <a:t>ax.matshow(matrix)</a:t>
+            </a:r>
+            <a:endParaRPr lang="en-US" altLang="zh-CN" sz="1400"/>
+          </a:p>
+          <a:p>
+            <a:pPr lvl="0">
+              <a:buFont typeface="Wingdings" panose="05000000000000000000" pitchFamily="2" charset="2"/>
+              <a:buChar char="Ø"/>
+            </a:pPr>
+            <a:r>
+              <a:rPr lang="en-US" altLang="zh-CN" sz="1600"/>
+              <a:t>Unicode support</a:t>
+            </a:r>
+            <a:endParaRPr lang="en-US" altLang="zh-CN" sz="1600"/>
+          </a:p>
+          <a:p>
+            <a:pPr lvl="1">
+              <a:buFont typeface="Wingdings" panose="05000000000000000000" pitchFamily="2" charset="2"/>
+              <a:buChar char="Ø"/>
+            </a:pPr>
+            <a:r>
+              <a:rPr lang="en-US" altLang="zh-CN" sz="1400"/>
+              <a:t>matplotlib.rcParams['font.family'] = 'SimHei'</a:t>
+            </a:r>
+            <a:endParaRPr lang="en-US" altLang="zh-CN" sz="1400"/>
+          </a:p>
+        </p:txBody>
+      </p:sp>
+    </p:spTree>
+  </p:cSld>
+  <p:clrMapOvr>
+    <a:masterClrMapping/>
+  </p:clrMapOvr>
+</p:sld>
+</file>
+
+<file path=ppt/slides/slide32.xml><?xml version="1.0" encoding="utf-8"?>
+<p:sld xmlns:a="http://schemas.openxmlformats.org/drawingml/2006/main" xmlns:r="http://schemas.openxmlformats.org/officeDocument/2006/relationships" xmlns:p="http://schemas.openxmlformats.org/presentationml/2006/main">
+  <p:cSld>
+    <p:spTree>
+      <p:nvGrpSpPr>
+        <p:cNvPr id="1" name=""/>
+        <p:cNvGrpSpPr/>
+        <p:nvPr/>
+      </p:nvGrpSpPr>
+      <p:grpSpPr/>
+      <p:sp>
+        <p:nvSpPr>
+          <p:cNvPr id="24578" name="标题 2"/>
+          <p:cNvSpPr>
+            <a:spLocks noGrp="1"/>
+          </p:cNvSpPr>
+          <p:nvPr>
+            <p:ph type="title"/>
+          </p:nvPr>
+        </p:nvSpPr>
+        <p:spPr/>
+        <p:txBody>
+          <a:bodyPr anchor="b">
+            <a:normAutofit/>
+          </a:bodyPr>
+          <a:p>
+            <a:r>
+              <a:rPr lang="en-US" altLang="zh-CN" smtClean="0"/>
+              <a:t>Seaborn</a:t>
+            </a:r>
+            <a:endParaRPr lang="en-US" altLang="zh-CN" smtClean="0"/>
+          </a:p>
+        </p:txBody>
+      </p:sp>
+      <p:sp>
+        <p:nvSpPr>
+          <p:cNvPr id="4" name="内容占位符 3"/>
+          <p:cNvSpPr>
+            <a:spLocks noGrp="1"/>
+          </p:cNvSpPr>
+          <p:nvPr>
+            <p:ph idx="1"/>
+          </p:nvPr>
+        </p:nvSpPr>
+        <p:spPr/>
+        <p:txBody>
+          <a:bodyPr>
+            <a:normAutofit/>
+          </a:bodyPr>
+          <a:p>
+            <a:pPr marL="357505" indent="-357505" algn="l">
+              <a:lnSpc>
+                <a:spcPct val="200000"/>
+              </a:lnSpc>
+              <a:buClr>
+                <a:schemeClr val="accent1"/>
+              </a:buClr>
+              <a:buSzTx/>
+              <a:buFont typeface="Wingdings" panose="05000000000000000000" pitchFamily="2" charset="2"/>
+              <a:buChar char=""/>
+            </a:pPr>
+            <a:r>
+              <a:rPr lang="en-US" altLang="zh-CN" smtClean="0"/>
+              <a:t>Basic</a:t>
+            </a:r>
+            <a:endParaRPr lang="en-US" altLang="zh-CN" smtClean="0"/>
+          </a:p>
+          <a:p>
+            <a:pPr lvl="1" algn="l">
+              <a:lnSpc>
+                <a:spcPct val="200000"/>
+              </a:lnSpc>
+              <a:buFont typeface="Wingdings" panose="05000000000000000000" pitchFamily="2" charset="2"/>
+              <a:buChar char=""/>
+            </a:pPr>
+            <a:r>
+              <a:rPr lang="en-US" altLang="zh-CN" smtClean="0"/>
+              <a:t>pip install seaborn</a:t>
+            </a:r>
+            <a:endParaRPr lang="en-US" altLang="zh-CN" smtClean="0"/>
+          </a:p>
+          <a:p>
+            <a:pPr lvl="1" algn="l">
+              <a:lnSpc>
+                <a:spcPct val="200000"/>
+              </a:lnSpc>
+              <a:buFont typeface="Wingdings" panose="05000000000000000000" pitchFamily="2" charset="2"/>
+              <a:buChar char=""/>
+            </a:pPr>
+            <a:r>
+              <a:rPr lang="en-US" altLang="zh-CN" smtClean="0"/>
+              <a:t>import seaborn as sns</a:t>
+            </a:r>
+            <a:endParaRPr lang="en-US" altLang="zh-CN" smtClean="0"/>
+          </a:p>
+          <a:p>
+            <a:pPr lvl="1" algn="l">
+              <a:lnSpc>
+                <a:spcPct val="200000"/>
+              </a:lnSpc>
+              <a:buFont typeface="Wingdings" panose="05000000000000000000" pitchFamily="2" charset="2"/>
+              <a:buChar char=""/>
+            </a:pPr>
+            <a:r>
+              <a:rPr lang="en-US" altLang="zh-CN" smtClean="0"/>
+              <a:t>It's a kind of enhancement of matplotlib.</a:t>
+            </a:r>
+            <a:endParaRPr lang="en-US" altLang="zh-CN" smtClean="0"/>
+          </a:p>
+          <a:p>
+            <a:pPr lvl="1" algn="l">
+              <a:lnSpc>
+                <a:spcPct val="200000"/>
+              </a:lnSpc>
+              <a:buFont typeface="Wingdings" panose="05000000000000000000" pitchFamily="2" charset="2"/>
+              <a:buChar char=""/>
+            </a:pPr>
+            <a:r>
+              <a:rPr lang="en-US" altLang="zh-CN" smtClean="0"/>
+              <a:t>heatmap()</a:t>
+            </a:r>
+            <a:endParaRPr lang="en-US" altLang="zh-CN" smtClean="0"/>
+          </a:p>
+        </p:txBody>
+      </p:sp>
+    </p:spTree>
+  </p:cSld>
+  <p:clrMapOvr>
+    <a:masterClrMapping/>
+  </p:clrMapOvr>
+</p:sld>
+</file>
+
+<file path=ppt/slides/slide33.xml><?xml version="1.0" encoding="utf-8"?>
+<p:sld xmlns:a="http://schemas.openxmlformats.org/drawingml/2006/main" xmlns:r="http://schemas.openxmlformats.org/officeDocument/2006/relationships" xmlns:p="http://schemas.openxmlformats.org/presentationml/2006/main">
+  <p:cSld>
+    <p:spTree>
+      <p:nvGrpSpPr>
+        <p:cNvPr id="1" name=""/>
+        <p:cNvGrpSpPr/>
+        <p:nvPr/>
+      </p:nvGrpSpPr>
+      <p:grpSpPr/>
+      <p:sp>
+        <p:nvSpPr>
+          <p:cNvPr id="24578" name="标题 2"/>
+          <p:cNvSpPr>
+            <a:spLocks noGrp="1"/>
+          </p:cNvSpPr>
+          <p:nvPr>
+            <p:ph type="title"/>
+          </p:nvPr>
+        </p:nvSpPr>
+        <p:spPr/>
+        <p:txBody>
+          <a:bodyPr anchor="b">
+            <a:normAutofit/>
+          </a:bodyPr>
+          <a:p>
+            <a:r>
+              <a:rPr lang="en-US" altLang="zh-CN" smtClean="0"/>
+              <a:t>xml</a:t>
+            </a:r>
+            <a:endParaRPr lang="en-US" altLang="zh-CN" smtClean="0"/>
+          </a:p>
+        </p:txBody>
+      </p:sp>
+      <p:sp>
+        <p:nvSpPr>
+          <p:cNvPr id="4" name="内容占位符 3"/>
+          <p:cNvSpPr>
+            <a:spLocks noGrp="1"/>
+          </p:cNvSpPr>
+          <p:nvPr>
+            <p:ph idx="1"/>
+          </p:nvPr>
+        </p:nvSpPr>
+        <p:spPr/>
+        <p:txBody>
+          <a:bodyPr>
+            <a:normAutofit lnSpcReduction="20000"/>
+          </a:bodyPr>
+          <a:p>
+            <a:pPr marL="357505" indent="-357505" algn="l">
+              <a:lnSpc>
+                <a:spcPct val="200000"/>
+              </a:lnSpc>
+              <a:buClr>
+                <a:schemeClr val="accent1"/>
+              </a:buClr>
+              <a:buSzTx/>
+              <a:buFont typeface="Wingdings" panose="05000000000000000000" pitchFamily="2" charset="2"/>
+              <a:buChar char=""/>
+            </a:pPr>
+            <a:r>
+              <a:rPr lang="en-US" altLang="zh-CN" smtClean="0"/>
+              <a:t>Basic</a:t>
+            </a:r>
+            <a:endParaRPr lang="en-US" altLang="zh-CN" smtClean="0"/>
+          </a:p>
+          <a:p>
+            <a:pPr lvl="1" algn="l">
+              <a:lnSpc>
+                <a:spcPct val="200000"/>
+              </a:lnSpc>
+              <a:buFont typeface="Wingdings" panose="05000000000000000000" pitchFamily="2" charset="2"/>
+              <a:buChar char=""/>
+            </a:pPr>
+            <a:r>
+              <a:rPr lang="en-US" altLang="zh-CN" smtClean="0"/>
+              <a:t>import xml.etree.ElementTree as ET</a:t>
+            </a:r>
+            <a:endParaRPr lang="en-US" altLang="zh-CN" smtClean="0"/>
+          </a:p>
+          <a:p>
+            <a:pPr lvl="1" algn="l">
+              <a:lnSpc>
+                <a:spcPct val="200000"/>
+              </a:lnSpc>
+              <a:buFont typeface="Wingdings" panose="05000000000000000000" pitchFamily="2" charset="2"/>
+              <a:buChar char=""/>
+            </a:pPr>
+            <a:r>
+              <a:rPr lang="en-US" altLang="zh-CN" smtClean="0"/>
+              <a:t>parser = ET.XMLParser(encoding='utf-8')</a:t>
+            </a:r>
+            <a:endParaRPr lang="en-US" altLang="zh-CN" smtClean="0"/>
+          </a:p>
+          <a:p>
+            <a:pPr lvl="1" algn="l">
+              <a:lnSpc>
+                <a:spcPct val="200000"/>
+              </a:lnSpc>
+              <a:buFont typeface="Wingdings" panose="05000000000000000000" pitchFamily="2" charset="2"/>
+              <a:buChar char=""/>
+            </a:pPr>
+            <a:r>
+              <a:rPr lang="en-US" altLang="zh-CN" smtClean="0"/>
+              <a:t>tree = ET.parse(fn, parser=parser)</a:t>
+            </a:r>
+            <a:endParaRPr lang="en-US" altLang="zh-CN" smtClean="0"/>
+          </a:p>
+          <a:p>
+            <a:pPr lvl="1" algn="l">
+              <a:lnSpc>
+                <a:spcPct val="200000"/>
+              </a:lnSpc>
+              <a:buFont typeface="Wingdings" panose="05000000000000000000" pitchFamily="2" charset="2"/>
+              <a:buChar char=""/>
+            </a:pPr>
+            <a:r>
+              <a:rPr lang="en-US" altLang="zh-CN" smtClean="0"/>
+              <a:t>root = tree.getroot()</a:t>
+            </a:r>
+            <a:endParaRPr lang="en-US" altLang="zh-CN" smtClean="0"/>
+          </a:p>
+          <a:p>
+            <a:pPr lvl="1" algn="l">
+              <a:lnSpc>
+                <a:spcPct val="200000"/>
+              </a:lnSpc>
+              <a:buFont typeface="Wingdings" panose="05000000000000000000" pitchFamily="2" charset="2"/>
+              <a:buChar char=""/>
+            </a:pPr>
+            <a:r>
+              <a:rPr lang="en-US" altLang="zh-CN" smtClean="0"/>
+              <a:t>for elem in root.findall(./level1/level2):</a:t>
+            </a:r>
+            <a:endParaRPr lang="en-US" altLang="zh-CN" smtClean="0"/>
+          </a:p>
+          <a:p>
+            <a:pPr lvl="2" algn="l">
+              <a:lnSpc>
+                <a:spcPct val="200000"/>
+              </a:lnSpc>
+              <a:buFont typeface="Wingdings" panose="05000000000000000000" pitchFamily="2" charset="2"/>
+              <a:buChar char=""/>
+            </a:pPr>
+            <a:r>
+              <a:rPr lang="en-US" altLang="zh-CN" smtClean="0"/>
+              <a:t>attrib = elem.attrib['attrib_name']</a:t>
+            </a:r>
+            <a:endParaRPr lang="en-US" altLang="zh-CN" smtClean="0"/>
+          </a:p>
+        </p:txBody>
+      </p:sp>
+    </p:spTree>
+  </p:cSld>
+  <p:clrMapOvr>
+    <a:masterClrMapping/>
+  </p:clrMapOvr>
+</p:sld>
+</file>
+
+<file path=ppt/slides/slide34.xml><?xml version="1.0" encoding="utf-8"?>
+<p:sld xmlns:a="http://schemas.openxmlformats.org/drawingml/2006/main" xmlns:r="http://schemas.openxmlformats.org/officeDocument/2006/relationships" xmlns:p="http://schemas.openxmlformats.org/presentationml/2006/main">
+  <p:cSld>
+    <p:spTree>
+      <p:nvGrpSpPr>
+        <p:cNvPr id="1" name=""/>
+        <p:cNvGrpSpPr/>
+        <p:nvPr/>
+      </p:nvGrpSpPr>
+      <p:grpSpPr/>
+      <p:sp>
+        <p:nvSpPr>
+          <p:cNvPr id="24578" name="标题 2"/>
+          <p:cNvSpPr>
+            <a:spLocks noGrp="1"/>
+          </p:cNvSpPr>
+          <p:nvPr>
+            <p:ph type="title"/>
+          </p:nvPr>
+        </p:nvSpPr>
+        <p:spPr/>
+        <p:txBody>
+          <a:bodyPr anchor="b">
+            <a:normAutofit/>
+          </a:bodyPr>
+          <a:p>
+            <a:r>
+              <a:rPr lang="en-US" altLang="zh-CN" smtClean="0"/>
               <a:t>GUI</a:t>
             </a:r>
             <a:endParaRPr lang="en-US" altLang="zh-CN" smtClean="0"/>
@@ -8050,7 +9557,7 @@
 </p:sld>
 </file>
 
-<file path=ppt/slides/slide31.xml><?xml version="1.0" encoding="utf-8"?>
+<file path=ppt/slides/slide35.xml><?xml version="1.0" encoding="utf-8"?>
 <p:sld xmlns:a="http://schemas.openxmlformats.org/drawingml/2006/main" xmlns:r="http://schemas.openxmlformats.org/officeDocument/2006/relationships" xmlns:p="http://schemas.openxmlformats.org/presentationml/2006/main">
   <p:cSld>
     <p:spTree>
@@ -8162,7 +9669,7 @@
 </p:sld>
 </file>
 
-<file path=ppt/slides/slide32.xml><?xml version="1.0" encoding="utf-8"?>
+<file path=ppt/slides/slide36.xml><?xml version="1.0" encoding="utf-8"?>
 <p:sld xmlns:a="http://schemas.openxmlformats.org/drawingml/2006/main" xmlns:r="http://schemas.openxmlformats.org/officeDocument/2006/relationships" xmlns:p="http://schemas.openxmlformats.org/presentationml/2006/main">
   <p:cSld>
     <p:spTree>
@@ -8279,7 +9786,7 @@
 </p:sld>
 </file>
 
-<file path=ppt/slides/slide33.xml><?xml version="1.0" encoding="utf-8"?>
+<file path=ppt/slides/slide37.xml><?xml version="1.0" encoding="utf-8"?>
 <p:sld xmlns:a="http://schemas.openxmlformats.org/drawingml/2006/main" xmlns:r="http://schemas.openxmlformats.org/officeDocument/2006/relationships" xmlns:p="http://schemas.openxmlformats.org/presentationml/2006/main">
   <p:cSld>
     <p:spTree>
@@ -8433,7 +9940,7 @@
 </p:sld>
 </file>
 
-<file path=ppt/slides/slide34.xml><?xml version="1.0" encoding="utf-8"?>
+<file path=ppt/slides/slide38.xml><?xml version="1.0" encoding="utf-8"?>
 <p:sld xmlns:a="http://schemas.openxmlformats.org/drawingml/2006/main" xmlns:r="http://schemas.openxmlformats.org/officeDocument/2006/relationships" xmlns:p="http://schemas.openxmlformats.org/presentationml/2006/main">
   <p:cSld>
     <p:spTree>
@@ -8794,7 +10301,7 @@
 </p:sld>
 </file>
 
-<file path=ppt/slides/slide35.xml><?xml version="1.0" encoding="utf-8"?>
+<file path=ppt/slides/slide39.xml><?xml version="1.0" encoding="utf-8"?>
 <p:sld xmlns:a="http://schemas.openxmlformats.org/drawingml/2006/main" xmlns:r="http://schemas.openxmlformats.org/officeDocument/2006/relationships" xmlns:p="http://schemas.openxmlformats.org/presentationml/2006/main">
   <p:cSld>
     <p:spTree>
@@ -9044,7 +10551,7 @@
 </p:sld>
 </file>
 
-<file path=ppt/slides/slide36.xml><?xml version="1.0" encoding="utf-8"?>
+<file path=ppt/slides/slide4.xml><?xml version="1.0" encoding="utf-8"?>
 <p:sld xmlns:a="http://schemas.openxmlformats.org/drawingml/2006/main" xmlns:r="http://schemas.openxmlformats.org/officeDocument/2006/relationships" xmlns:p="http://schemas.openxmlformats.org/presentationml/2006/main">
   <p:cSld>
     <p:spTree>
@@ -9070,7 +10577,7 @@
           <a:p>
             <a:r>
               <a:rPr lang="en-US" altLang="zh-CN"/>
-              <a:t>QRCode</a:t>
+              <a:t>Basic 2/2</a:t>
             </a:r>
             <a:endParaRPr lang="en-US" altLang="zh-CN"/>
           </a:p>
@@ -9088,53 +10595,243 @@
         </p:nvSpPr>
         <p:spPr/>
         <p:txBody>
-          <a:bodyPr/>
-          <a:p>
-            <a:r>
-              <a:rPr lang="en-US" altLang="zh-CN"/>
-              <a:t>Genration</a:t>
-            </a:r>
-            <a:endParaRPr lang="en-US" altLang="zh-CN"/>
-          </a:p>
-          <a:p>
-            <a:pPr lvl="1"/>
-            <a:r>
-              <a:rPr lang="en-US" altLang="zh-CN"/>
-              <a:t>pip install qrcode</a:t>
-            </a:r>
-            <a:endParaRPr lang="en-US" altLang="zh-CN"/>
-          </a:p>
-          <a:p>
-            <a:pPr lvl="1"/>
-            <a:r>
-              <a:rPr lang="en-US" altLang="zh-CN"/>
-              <a:t>img = qrcode.make(string1)</a:t>
-            </a:r>
-            <a:endParaRPr lang="en-US" altLang="zh-CN"/>
-          </a:p>
-          <a:p>
-            <a:pPr lvl="0"/>
-            <a:r>
-              <a:rPr lang="en-US" altLang="zh-CN"/>
-              <a:t>Read</a:t>
-            </a:r>
-            <a:endParaRPr lang="en-US" altLang="zh-CN"/>
-          </a:p>
-          <a:p>
-            <a:pPr lvl="1"/>
-            <a:r>
-              <a:rPr lang="en-US" altLang="zh-CN"/>
-              <a:t>detector = cv.QRCodeDetector()</a:t>
-            </a:r>
-            <a:endParaRPr lang="en-US" altLang="zh-CN"/>
-          </a:p>
-          <a:p>
-            <a:pPr lvl="1"/>
-            <a:r>
-              <a:rPr lang="en-US" altLang="zh-CN"/>
-              <a:t>data, bbox, straight_qrcode = detector.detectAndDecode(img)</a:t>
-            </a:r>
-            <a:endParaRPr lang="en-US" altLang="zh-CN"/>
+          <a:bodyPr>
+            <a:noAutofit/>
+          </a:bodyPr>
+          <a:p>
+            <a:r>
+              <a:rPr lang="en-US" altLang="zh-CN" sz="1600"/>
+              <a:t>Pip</a:t>
+            </a:r>
+            <a:endParaRPr lang="en-US" altLang="zh-CN" sz="1600"/>
+          </a:p>
+          <a:p>
+            <a:pPr lvl="1">
+              <a:buFont typeface="Wingdings" panose="05000000000000000000" pitchFamily="2" charset="2"/>
+              <a:buChar char=""/>
+            </a:pPr>
+            <a:r>
+              <a:rPr lang="en-US" altLang="en-US" sz="1400"/>
+              <a:t>sudo apt install python-pip</a:t>
+            </a:r>
+            <a:endParaRPr lang="en-US" altLang="en-US" sz="1400"/>
+          </a:p>
+          <a:p>
+            <a:pPr lvl="1">
+              <a:buFont typeface="Wingdings" panose="05000000000000000000" pitchFamily="2" charset="2"/>
+              <a:buChar char=""/>
+            </a:pPr>
+            <a:r>
+              <a:rPr lang="en-US" altLang="en-US" sz="1400"/>
+              <a:t>pip search &lt;package_name&gt;</a:t>
+            </a:r>
+            <a:endParaRPr lang="en-US" altLang="zh-CN" sz="1400"/>
+          </a:p>
+          <a:p>
+            <a:pPr lvl="1">
+              <a:buFont typeface="Wingdings" panose="05000000000000000000" pitchFamily="2" charset="2"/>
+              <a:buChar char=""/>
+            </a:pPr>
+            <a:r>
+              <a:rPr lang="en-US" altLang="zh-CN" sz="1400"/>
+              <a:t>Mirror</a:t>
+            </a:r>
+            <a:endParaRPr lang="en-US" altLang="zh-CN" sz="1400"/>
+          </a:p>
+          <a:p>
+            <a:pPr lvl="2">
+              <a:buFont typeface="Wingdings" panose="05000000000000000000" pitchFamily="2" charset="2"/>
+              <a:buChar char=""/>
+            </a:pPr>
+            <a:r>
+              <a:rPr lang="en-US" altLang="zh-CN" sz="1200"/>
+              <a:t>Linux: ~/.pip/pip.conf</a:t>
+            </a:r>
+            <a:endParaRPr lang="en-US" altLang="zh-CN" sz="1200"/>
+          </a:p>
+          <a:p>
+            <a:pPr lvl="2">
+              <a:buFont typeface="Wingdings" panose="05000000000000000000" pitchFamily="2" charset="2"/>
+              <a:buChar char=""/>
+            </a:pPr>
+            <a:r>
+              <a:rPr lang="en-US" altLang="zh-CN" sz="1200"/>
+              <a:t>Windows: C:\ProgramData\pip\pip.ini</a:t>
+            </a:r>
+            <a:endParaRPr lang="en-US" altLang="zh-CN" sz="1400">
+              <a:latin typeface="幼圆" panose="02010509060101010101" pitchFamily="49" charset="-122"/>
+              <a:ea typeface="黑体" panose="02010609060101010101" pitchFamily="49" charset="-122"/>
+            </a:endParaRPr>
+          </a:p>
+          <a:p>
+            <a:pPr lvl="0">
+              <a:buFont typeface="Wingdings" panose="05000000000000000000" pitchFamily="2" charset="2"/>
+              <a:buChar char=""/>
+            </a:pPr>
+            <a:r>
+              <a:rPr lang="en-US" altLang="zh-CN" sz="1600">
+                <a:sym typeface="+mn-ea"/>
+              </a:rPr>
+              <a:t>ipython</a:t>
+            </a:r>
+            <a:endParaRPr lang="en-US" altLang="zh-CN" sz="1600">
+              <a:sym typeface="+mn-ea"/>
+            </a:endParaRPr>
+          </a:p>
+          <a:p>
+            <a:pPr lvl="1">
+              <a:buFont typeface="Wingdings" panose="05000000000000000000" pitchFamily="2" charset="2"/>
+              <a:buChar char=""/>
+            </a:pPr>
+            <a:r>
+              <a:rPr lang="x-none" altLang="en-US" sz="1400">
+                <a:sym typeface="+mn-ea"/>
+              </a:rPr>
+              <a:t>Install ipython in each virtualenv</a:t>
+            </a:r>
+            <a:endParaRPr lang="x-none" altLang="en-US" sz="1400">
+              <a:sym typeface="+mn-ea"/>
+            </a:endParaRPr>
+          </a:p>
+          <a:p>
+            <a:pPr lvl="1">
+              <a:buFont typeface="Wingdings" panose="05000000000000000000" pitchFamily="2" charset="2"/>
+              <a:buChar char=""/>
+            </a:pPr>
+            <a:r>
+              <a:rPr lang="en-US" altLang="zh-CN" sz="1600">
+                <a:latin typeface="幼圆" panose="02010509060101010101" pitchFamily="49" charset="-122"/>
+                <a:ea typeface="黑体" panose="02010609060101010101" pitchFamily="49" charset="-122"/>
+                <a:sym typeface="+mn-ea"/>
+              </a:rPr>
+              <a:t>pip install ipython</a:t>
+            </a:r>
+            <a:endParaRPr lang="en-US" altLang="zh-CN" sz="1600">
+              <a:latin typeface="幼圆" panose="02010509060101010101" pitchFamily="49" charset="-122"/>
+              <a:ea typeface="黑体" panose="02010609060101010101" pitchFamily="49" charset="-122"/>
+            </a:endParaRPr>
+          </a:p>
+          <a:p>
+            <a:pPr lvl="1">
+              <a:buFont typeface="Wingdings" panose="05000000000000000000" pitchFamily="2" charset="2"/>
+              <a:buChar char=""/>
+            </a:pPr>
+            <a:r>
+              <a:rPr lang="en-US" altLang="zh-CN" sz="1600">
+                <a:latin typeface="幼圆" panose="02010509060101010101" pitchFamily="49" charset="-122"/>
+                <a:ea typeface="黑体" panose="02010609060101010101" pitchFamily="49" charset="-122"/>
+                <a:sym typeface="+mn-ea"/>
+              </a:rPr>
+              <a:t>history, %hist, %logstart</a:t>
+            </a:r>
+            <a:endParaRPr lang="en-US" altLang="zh-CN" sz="1600">
+              <a:latin typeface="幼圆" panose="02010509060101010101" pitchFamily="49" charset="-122"/>
+              <a:ea typeface="黑体" panose="02010609060101010101" pitchFamily="49" charset="-122"/>
+              <a:sym typeface="+mn-ea"/>
+            </a:endParaRPr>
+          </a:p>
+          <a:p>
+            <a:pPr lvl="0">
+              <a:buFont typeface="Wingdings" panose="05000000000000000000" pitchFamily="2" charset="2"/>
+              <a:buChar char=""/>
+            </a:pPr>
+            <a:r>
+              <a:rPr lang="en-US" altLang="zh-CN" sz="1600"/>
+              <a:t>Jupyter Notebook</a:t>
+            </a:r>
+            <a:endParaRPr lang="en-US" altLang="zh-CN" sz="1600"/>
+          </a:p>
+          <a:p>
+            <a:pPr lvl="1">
+              <a:buFont typeface="Wingdings" panose="05000000000000000000" pitchFamily="2" charset="2"/>
+              <a:buChar char=""/>
+            </a:pPr>
+            <a:r>
+              <a:rPr lang="en-US" altLang="zh-CN" sz="1400">
+                <a:latin typeface="幼圆" panose="02010509060101010101" pitchFamily="49" charset="-122"/>
+                <a:ea typeface="黑体" panose="02010609060101010101" pitchFamily="49" charset="-122"/>
+              </a:rPr>
+              <a:t>web-based environment that enables interactive computing in notebook documents.</a:t>
+            </a:r>
+            <a:endParaRPr lang="en-US" altLang="zh-CN" sz="1400">
+              <a:latin typeface="幼圆" panose="02010509060101010101" pitchFamily="49" charset="-122"/>
+              <a:ea typeface="黑体" panose="02010609060101010101" pitchFamily="49" charset="-122"/>
+            </a:endParaRPr>
+          </a:p>
+          <a:p>
+            <a:pPr lvl="1">
+              <a:buFont typeface="Wingdings" panose="05000000000000000000" pitchFamily="2" charset="2"/>
+              <a:buChar char=""/>
+            </a:pPr>
+            <a:r>
+              <a:rPr lang="en-US" altLang="zh-CN" sz="1400">
+                <a:latin typeface="幼圆" panose="02010509060101010101" pitchFamily="49" charset="-122"/>
+                <a:ea typeface="黑体" panose="02010609060101010101" pitchFamily="49" charset="-122"/>
+              </a:rPr>
+              <a:t>pip install jupyter, jpyter notebook</a:t>
+            </a:r>
+            <a:endParaRPr lang="en-US" altLang="zh-CN" sz="1400">
+              <a:latin typeface="幼圆" panose="02010509060101010101" pitchFamily="49" charset="-122"/>
+              <a:ea typeface="黑体" panose="02010609060101010101" pitchFamily="49" charset="-122"/>
+            </a:endParaRPr>
+          </a:p>
+        </p:txBody>
+      </p:sp>
+      <p:sp>
+        <p:nvSpPr>
+          <p:cNvPr id="4" name="Text Box 3"/>
+          <p:cNvSpPr txBox="1"/>
+          <p:nvPr/>
+        </p:nvSpPr>
+        <p:spPr>
+          <a:xfrm>
+            <a:off x="6276340" y="1290955"/>
+            <a:ext cx="5230495" cy="1753235"/>
+          </a:xfrm>
+          <a:prstGeom prst="rect">
+            <a:avLst/>
+          </a:prstGeom>
+          <a:noFill/>
+          <a:ln>
+            <a:solidFill>
+              <a:schemeClr val="accent1"/>
+            </a:solidFill>
+          </a:ln>
+        </p:spPr>
+        <p:txBody>
+          <a:bodyPr wrap="square" rtlCol="0">
+            <a:spAutoFit/>
+          </a:bodyPr>
+          <a:p>
+            <a:r>
+              <a:rPr lang="en-US"/>
+              <a:t>[global]</a:t>
+            </a:r>
+            <a:endParaRPr lang="en-US"/>
+          </a:p>
+          <a:p>
+            <a:r>
+              <a:rPr lang="en-US"/>
+              <a:t>index-url=http://mirrors.aliyun.com/pypi/simple</a:t>
+            </a:r>
+            <a:endParaRPr lang="en-US"/>
+          </a:p>
+          <a:p>
+            <a:endParaRPr lang="en-US"/>
+          </a:p>
+          <a:p>
+            <a:r>
+              <a:rPr lang="en-US"/>
+              <a:t>[install]</a:t>
+            </a:r>
+            <a:endParaRPr lang="en-US"/>
+          </a:p>
+          <a:p>
+            <a:r>
+              <a:rPr lang="en-US"/>
+              <a:t>trusted-host=mirrors.aliyun.com</a:t>
+            </a:r>
+            <a:endParaRPr lang="en-US"/>
           </a:p>
         </p:txBody>
       </p:sp>
@@ -9146,7 +10843,7 @@
 </p:sld>
 </file>
 
-<file path=ppt/slides/slide37.xml><?xml version="1.0" encoding="utf-8"?>
+<file path=ppt/slides/slide40.xml><?xml version="1.0" encoding="utf-8"?>
 <p:sld xmlns:a="http://schemas.openxmlformats.org/drawingml/2006/main" xmlns:r="http://schemas.openxmlformats.org/officeDocument/2006/relationships" xmlns:p="http://schemas.openxmlformats.org/presentationml/2006/main">
   <p:cSld>
     <p:spTree>
@@ -9158,7 +10855,7 @@
       <p:grpSpPr/>
       <p:sp>
         <p:nvSpPr>
-          <p:cNvPr id="4" name="标题 3"/>
+          <p:cNvPr id="2" name="标题 1"/>
           <p:cNvSpPr>
             <a:spLocks noGrp="1"/>
           </p:cNvSpPr>
@@ -9172,27 +10869,87 @@
           <a:p>
             <a:r>
               <a:rPr lang="en-US" altLang="zh-CN"/>
-              <a:t>Advanced</a:t>
-            </a:r>
-            <a:endParaRPr lang="en-US" altLang="zh-CN"/>
-          </a:p>
-        </p:txBody>
-      </p:sp>
-      <p:sp>
-        <p:nvSpPr>
-          <p:cNvPr id="5" name="文本占位符 4"/>
-          <p:cNvSpPr>
-            <a:spLocks noGrp="1"/>
-          </p:cNvSpPr>
-          <p:nvPr>
-            <p:ph type="body" idx="1"/>
+              <a:t>QRCode</a:t>
+            </a:r>
+            <a:endParaRPr lang="en-US" altLang="zh-CN"/>
+          </a:p>
+        </p:txBody>
+      </p:sp>
+      <p:sp>
+        <p:nvSpPr>
+          <p:cNvPr id="3" name="内容占位符 2"/>
+          <p:cNvSpPr>
+            <a:spLocks noGrp="1"/>
+          </p:cNvSpPr>
+          <p:nvPr>
+            <p:ph idx="1"/>
           </p:nvPr>
         </p:nvSpPr>
         <p:spPr/>
         <p:txBody>
           <a:bodyPr/>
           <a:p>
-            <a:endParaRPr lang="zh-CN" altLang="en-US"/>
+            <a:r>
+              <a:rPr lang="en-US" altLang="zh-CN"/>
+              <a:t>Genration</a:t>
+            </a:r>
+            <a:endParaRPr lang="en-US" altLang="zh-CN"/>
+          </a:p>
+          <a:p>
+            <a:pPr lvl="1"/>
+            <a:r>
+              <a:rPr lang="en-US" altLang="zh-CN"/>
+              <a:t>pip install qrcode</a:t>
+            </a:r>
+            <a:endParaRPr lang="en-US" altLang="zh-CN"/>
+          </a:p>
+          <a:p>
+            <a:pPr lvl="1"/>
+            <a:r>
+              <a:rPr lang="en-US" altLang="zh-CN"/>
+              <a:t>img = qrcode.make(string1)	// img: PIL.Image</a:t>
+            </a:r>
+            <a:endParaRPr lang="en-US" altLang="zh-CN"/>
+          </a:p>
+          <a:p>
+            <a:pPr lvl="1"/>
+            <a:r>
+              <a:rPr lang="en-US" altLang="zh-CN"/>
+              <a:t>img.show()</a:t>
+            </a:r>
+            <a:endParaRPr lang="en-US" altLang="zh-CN"/>
+          </a:p>
+          <a:p>
+            <a:pPr lvl="1"/>
+            <a:r>
+              <a:rPr lang="en-US" altLang="zh-CN"/>
+              <a:t>img.save('fn.png')</a:t>
+            </a:r>
+            <a:endParaRPr lang="en-US" altLang="zh-CN"/>
+          </a:p>
+          <a:p>
+            <a:pPr lvl="0"/>
+            <a:r>
+              <a:rPr lang="en-US" altLang="zh-CN"/>
+              <a:t>Read</a:t>
+            </a:r>
+            <a:endParaRPr lang="en-US" altLang="zh-CN"/>
+          </a:p>
+          <a:p>
+            <a:pPr lvl="1"/>
+            <a:r>
+              <a:rPr lang="en-US" altLang="zh-CN"/>
+              <a:t>detector = cv.QRCodeDetector()</a:t>
+            </a:r>
+            <a:endParaRPr lang="en-US" altLang="zh-CN"/>
+          </a:p>
+          <a:p>
+            <a:pPr lvl="1"/>
+            <a:r>
+              <a:rPr lang="en-US" altLang="zh-CN"/>
+              <a:t>data, bbox, straight_qrcode = detector.detectAndDecode(img)</a:t>
+            </a:r>
+            <a:endParaRPr lang="en-US" altLang="zh-CN"/>
           </a:p>
         </p:txBody>
       </p:sp>
@@ -9204,7 +10961,7 @@
 </p:sld>
 </file>
 
-<file path=ppt/slides/slide38.xml><?xml version="1.0" encoding="utf-8"?>
+<file path=ppt/slides/slide41.xml><?xml version="1.0" encoding="utf-8"?>
 <p:sld xmlns:a="http://schemas.openxmlformats.org/drawingml/2006/main" xmlns:r="http://schemas.openxmlformats.org/officeDocument/2006/relationships" xmlns:p="http://schemas.openxmlformats.org/presentationml/2006/main">
   <p:cSld>
     <p:spTree>
@@ -9230,7 +10987,7 @@
           <a:p>
             <a:r>
               <a:rPr lang="en-US" altLang="zh-CN"/>
-              <a:t>Wrap As Exe or Dll</a:t>
+              <a:t>Base64</a:t>
             </a:r>
             <a:endParaRPr lang="en-US" altLang="zh-CN"/>
           </a:p>
@@ -9252,7 +11009,14 @@
           <a:p>
             <a:r>
               <a:rPr lang="en-US" altLang="zh-CN"/>
-              <a:t>py2exe</a:t>
+              <a:t>import base64</a:t>
+            </a:r>
+            <a:endParaRPr lang="en-US" altLang="zh-CN"/>
+          </a:p>
+          <a:p>
+            <a:r>
+              <a:rPr lang="en-US" altLang="zh-CN"/>
+              <a:t>Encode</a:t>
             </a:r>
             <a:endParaRPr lang="en-US" altLang="zh-CN"/>
           </a:p>
@@ -9260,7 +11024,7 @@
             <a:pPr lvl="1"/>
             <a:r>
               <a:rPr lang="en-US" altLang="zh-CN"/>
-              <a:t>pip install py2exe</a:t>
+              <a:t>bytes_base64 = base64.encodebytes(bytestring)</a:t>
             </a:r>
             <a:endParaRPr lang="en-US" altLang="zh-CN"/>
           </a:p>
@@ -9268,7 +11032,7 @@
             <a:pPr lvl="1"/>
             <a:r>
               <a:rPr lang="en-US" altLang="zh-CN"/>
-              <a:t>Only support python 3.3 or 3.4</a:t>
+              <a:t>bytes_base64 = base64.encode(file_input, file_output)</a:t>
             </a:r>
             <a:endParaRPr lang="en-US" altLang="zh-CN"/>
           </a:p>
@@ -9276,7 +11040,7 @@
             <a:pPr lvl="0"/>
             <a:r>
               <a:rPr lang="en-US" altLang="zh-CN"/>
-              <a:t>PyInstaller</a:t>
+              <a:t>Decode</a:t>
             </a:r>
             <a:endParaRPr lang="en-US" altLang="zh-CN"/>
           </a:p>
@@ -9284,7 +11048,7 @@
             <a:pPr lvl="1"/>
             <a:r>
               <a:rPr lang="en-US" altLang="zh-CN"/>
-              <a:t>pip install pyinstaller</a:t>
+              <a:t>bytes = base64.decodebytes(bytes_base64)</a:t>
             </a:r>
             <a:endParaRPr lang="en-US" altLang="zh-CN"/>
           </a:p>
@@ -9292,47 +11056,7 @@
             <a:pPr lvl="1"/>
             <a:r>
               <a:rPr lang="en-US" altLang="zh-CN"/>
-              <a:t>pyinstaller yourprogram.py</a:t>
-            </a:r>
-            <a:endParaRPr lang="en-US" altLang="zh-CN"/>
-          </a:p>
-          <a:p>
-            <a:pPr lvl="2"/>
-            <a:r>
-              <a:rPr lang="en-US" altLang="zh-CN"/>
-              <a:t>Files are generated into “dist” folder</a:t>
-            </a:r>
-            <a:endParaRPr lang="en-US" altLang="zh-CN"/>
-          </a:p>
-          <a:p>
-            <a:pPr lvl="2"/>
-            <a:r>
-              <a:rPr lang="en-US" altLang="zh-CN"/>
-              <a:t>yourprogram.spec</a:t>
-            </a:r>
-            <a:endParaRPr lang="en-US" altLang="zh-CN"/>
-          </a:p>
-          <a:p>
-            <a:pPr lvl="3"/>
-            <a:r>
-              <a:rPr lang="en-US" altLang="zh-CN"/>
-              <a:t>pyinstaller yourprogram.spec</a:t>
-            </a:r>
-            <a:endParaRPr lang="en-US" altLang="zh-CN"/>
-          </a:p>
-          <a:p>
-            <a:pPr lvl="2"/>
-            <a:r>
-              <a:rPr lang="en-US" altLang="zh-CN"/>
-              <a:t>“build” folder</a:t>
-            </a:r>
-            <a:endParaRPr lang="en-US" altLang="zh-CN"/>
-          </a:p>
-          <a:p>
-            <a:pPr lvl="2"/>
-            <a:r>
-              <a:rPr lang="en-US" altLang="zh-CN"/>
-              <a:t>-F: one-file bundled executable</a:t>
+              <a:t>base64.decode(file_input, file_output)</a:t>
             </a:r>
             <a:endParaRPr lang="en-US" altLang="zh-CN"/>
           </a:p>
@@ -9346,7 +11070,1053 @@
 </p:sld>
 </file>
 
-<file path=ppt/slides/slide39.xml><?xml version="1.0" encoding="utf-8"?>
+<file path=ppt/slides/slide42.xml><?xml version="1.0" encoding="utf-8"?>
+<p:sld xmlns:a="http://schemas.openxmlformats.org/drawingml/2006/main" xmlns:r="http://schemas.openxmlformats.org/officeDocument/2006/relationships" xmlns:p="http://schemas.openxmlformats.org/presentationml/2006/main">
+  <p:cSld>
+    <p:spTree>
+      <p:nvGrpSpPr>
+        <p:cNvPr id="1" name=""/>
+        <p:cNvGrpSpPr/>
+        <p:nvPr/>
+      </p:nvGrpSpPr>
+      <p:grpSpPr/>
+      <p:sp>
+        <p:nvSpPr>
+          <p:cNvPr id="2" name="标题 1"/>
+          <p:cNvSpPr>
+            <a:spLocks noGrp="1"/>
+          </p:cNvSpPr>
+          <p:nvPr>
+            <p:ph type="title"/>
+          </p:nvPr>
+        </p:nvSpPr>
+        <p:spPr/>
+        <p:txBody>
+          <a:bodyPr/>
+          <a:p>
+            <a:r>
+              <a:rPr lang="en-US" altLang="zh-CN"/>
+              <a:t>Hashlib</a:t>
+            </a:r>
+            <a:endParaRPr lang="en-US" altLang="zh-CN"/>
+          </a:p>
+        </p:txBody>
+      </p:sp>
+      <p:sp>
+        <p:nvSpPr>
+          <p:cNvPr id="3" name="内容占位符 2"/>
+          <p:cNvSpPr>
+            <a:spLocks noGrp="1"/>
+          </p:cNvSpPr>
+          <p:nvPr>
+            <p:ph idx="1"/>
+          </p:nvPr>
+        </p:nvSpPr>
+        <p:spPr>
+          <a:xfrm>
+            <a:off x="838200" y="1211580"/>
+            <a:ext cx="5275580" cy="4549140"/>
+          </a:xfrm>
+        </p:spPr>
+        <p:txBody>
+          <a:bodyPr/>
+          <a:p>
+            <a:r>
+              <a:rPr lang="en-US" altLang="zh-CN"/>
+              <a:t>import hashlib</a:t>
+            </a:r>
+            <a:endParaRPr lang="en-US" altLang="zh-CN"/>
+          </a:p>
+          <a:p>
+            <a:r>
+              <a:rPr lang="en-US" altLang="zh-CN"/>
+              <a:t>Construct hash object</a:t>
+            </a:r>
+            <a:endParaRPr lang="en-US" altLang="zh-CN"/>
+          </a:p>
+          <a:p>
+            <a:pPr lvl="1"/>
+            <a:r>
+              <a:rPr lang="en-US" altLang="zh-CN"/>
+              <a:t>ho = hashlib.md5()</a:t>
+            </a:r>
+            <a:endParaRPr lang="en-US" altLang="zh-CN"/>
+          </a:p>
+          <a:p>
+            <a:pPr lvl="1"/>
+            <a:r>
+              <a:rPr lang="en-US" altLang="zh-CN"/>
+              <a:t>ho = hashlib.sha1()</a:t>
+            </a:r>
+            <a:endParaRPr lang="en-US" altLang="zh-CN"/>
+          </a:p>
+          <a:p>
+            <a:pPr lvl="0"/>
+            <a:r>
+              <a:rPr lang="en-US" altLang="zh-CN"/>
+              <a:t>Feed bytes to hash object</a:t>
+            </a:r>
+            <a:endParaRPr lang="en-US" altLang="zh-CN"/>
+          </a:p>
+          <a:p>
+            <a:pPr lvl="1"/>
+            <a:r>
+              <a:rPr lang="en-US" altLang="zh-CN"/>
+              <a:t>ho.update(b'string')</a:t>
+            </a:r>
+            <a:endParaRPr lang="en-US" altLang="zh-CN"/>
+          </a:p>
+          <a:p>
+            <a:pPr lvl="1"/>
+            <a:r>
+              <a:rPr lang="en-US" altLang="zh-CN"/>
+              <a:t>ho.update(sz.encode('utf-8'))</a:t>
+            </a:r>
+            <a:endParaRPr lang="en-US" altLang="zh-CN"/>
+          </a:p>
+          <a:p>
+            <a:pPr lvl="0"/>
+            <a:r>
+              <a:rPr lang="en-US" altLang="zh-CN"/>
+              <a:t>Get secure hash</a:t>
+            </a:r>
+            <a:endParaRPr lang="en-US" altLang="zh-CN"/>
+          </a:p>
+          <a:p>
+            <a:pPr lvl="1"/>
+            <a:r>
+              <a:rPr lang="en-US" altLang="zh-CN"/>
+              <a:t>d = ho.digest()</a:t>
+            </a:r>
+            <a:endParaRPr lang="en-US" altLang="zh-CN"/>
+          </a:p>
+          <a:p>
+            <a:pPr lvl="1"/>
+            <a:r>
+              <a:rPr lang="en-US" altLang="zh-CN"/>
+              <a:t>hd = ho.hexdigest()</a:t>
+            </a:r>
+            <a:endParaRPr lang="en-US" altLang="zh-CN"/>
+          </a:p>
+          <a:p>
+            <a:pPr lvl="1"/>
+            <a:r>
+              <a:rPr lang="en-US" altLang="zh-CN"/>
+              <a:t>ho.digest_size, ho.block_size</a:t>
+            </a:r>
+            <a:endParaRPr lang="en-US" altLang="zh-CN"/>
+          </a:p>
+        </p:txBody>
+      </p:sp>
+      <p:sp>
+        <p:nvSpPr>
+          <p:cNvPr id="7" name="流程图: 过程 6"/>
+          <p:cNvSpPr/>
+          <p:nvPr/>
+        </p:nvSpPr>
+        <p:spPr>
+          <a:xfrm>
+            <a:off x="6870065" y="1551305"/>
+            <a:ext cx="3950335" cy="781685"/>
+          </a:xfrm>
+          <a:prstGeom prst="flowChartProcess">
+            <a:avLst/>
+          </a:prstGeom>
+        </p:spPr>
+        <p:style>
+          <a:lnRef idx="2">
+            <a:schemeClr val="accent1">
+              <a:shade val="50000"/>
+            </a:schemeClr>
+          </a:lnRef>
+          <a:fillRef idx="1">
+            <a:schemeClr val="accent1"/>
+          </a:fillRef>
+          <a:effectRef idx="0">
+            <a:schemeClr val="accent1"/>
+          </a:effectRef>
+          <a:fontRef idx="minor">
+            <a:schemeClr val="lt1"/>
+          </a:fontRef>
+        </p:style>
+        <p:txBody>
+          <a:bodyPr rtlCol="0" anchor="ctr"/>
+          <a:p>
+            <a:pPr algn="ctr"/>
+            <a:r>
+              <a:rPr lang="en-US" altLang="zh-CN"/>
+              <a:t>Construct hash object</a:t>
+            </a:r>
+            <a:endParaRPr lang="en-US" altLang="zh-CN"/>
+          </a:p>
+        </p:txBody>
+      </p:sp>
+      <p:sp>
+        <p:nvSpPr>
+          <p:cNvPr id="8" name="流程图: 过程 7"/>
+          <p:cNvSpPr/>
+          <p:nvPr/>
+        </p:nvSpPr>
+        <p:spPr>
+          <a:xfrm>
+            <a:off x="6870065" y="2659380"/>
+            <a:ext cx="3950335" cy="781685"/>
+          </a:xfrm>
+          <a:prstGeom prst="flowChartProcess">
+            <a:avLst/>
+          </a:prstGeom>
+        </p:spPr>
+        <p:style>
+          <a:lnRef idx="2">
+            <a:schemeClr val="accent1">
+              <a:shade val="50000"/>
+            </a:schemeClr>
+          </a:lnRef>
+          <a:fillRef idx="1">
+            <a:schemeClr val="accent1"/>
+          </a:fillRef>
+          <a:effectRef idx="0">
+            <a:schemeClr val="accent1"/>
+          </a:effectRef>
+          <a:fontRef idx="minor">
+            <a:schemeClr val="lt1"/>
+          </a:fontRef>
+        </p:style>
+        <p:txBody>
+          <a:bodyPr rtlCol="0" anchor="ctr"/>
+          <a:p>
+            <a:pPr algn="ctr"/>
+            <a:r>
+              <a:rPr lang="en-US" altLang="zh-CN"/>
+              <a:t>Invoke update() to feed bytes into hash object</a:t>
+            </a:r>
+            <a:endParaRPr lang="en-US" altLang="zh-CN"/>
+          </a:p>
+        </p:txBody>
+      </p:sp>
+      <p:sp>
+        <p:nvSpPr>
+          <p:cNvPr id="9" name="流程图: 过程 8"/>
+          <p:cNvSpPr/>
+          <p:nvPr/>
+        </p:nvSpPr>
+        <p:spPr>
+          <a:xfrm>
+            <a:off x="6870065" y="3780790"/>
+            <a:ext cx="3950335" cy="781685"/>
+          </a:xfrm>
+          <a:prstGeom prst="flowChartProcess">
+            <a:avLst/>
+          </a:prstGeom>
+        </p:spPr>
+        <p:style>
+          <a:lnRef idx="2">
+            <a:schemeClr val="accent1">
+              <a:shade val="50000"/>
+            </a:schemeClr>
+          </a:lnRef>
+          <a:fillRef idx="1">
+            <a:schemeClr val="accent1"/>
+          </a:fillRef>
+          <a:effectRef idx="0">
+            <a:schemeClr val="accent1"/>
+          </a:effectRef>
+          <a:fontRef idx="minor">
+            <a:schemeClr val="lt1"/>
+          </a:fontRef>
+        </p:style>
+        <p:txBody>
+          <a:bodyPr rtlCol="0" anchor="ctr"/>
+          <a:p>
+            <a:pPr algn="ctr"/>
+            <a:r>
+              <a:rPr lang="en-US" altLang="zh-CN"/>
+              <a:t>Invoke digest() or hexdigest() to get secure hash of all bytes fed to it</a:t>
+            </a:r>
+            <a:endParaRPr lang="en-US" altLang="zh-CN"/>
+          </a:p>
+        </p:txBody>
+      </p:sp>
+      <p:cxnSp>
+        <p:nvCxnSpPr>
+          <p:cNvPr id="12" name="直接箭头连接符 11"/>
+          <p:cNvCxnSpPr>
+            <a:stCxn id="7" idx="2"/>
+            <a:endCxn id="8" idx="0"/>
+          </p:cNvCxnSpPr>
+          <p:nvPr/>
+        </p:nvCxnSpPr>
+        <p:spPr>
+          <a:xfrm>
+            <a:off x="8845550" y="2332990"/>
+            <a:ext cx="0" cy="326390"/>
+          </a:xfrm>
+          <a:prstGeom prst="straightConnector1">
+            <a:avLst/>
+          </a:prstGeom>
+          <a:ln>
+            <a:tailEnd type="arrow"/>
+          </a:ln>
+        </p:spPr>
+        <p:style>
+          <a:lnRef idx="1">
+            <a:schemeClr val="accent1"/>
+          </a:lnRef>
+          <a:fillRef idx="0">
+            <a:schemeClr val="accent1"/>
+          </a:fillRef>
+          <a:effectRef idx="0">
+            <a:schemeClr val="accent1"/>
+          </a:effectRef>
+          <a:fontRef idx="minor">
+            <a:schemeClr val="tx1"/>
+          </a:fontRef>
+        </p:style>
+      </p:cxnSp>
+      <p:cxnSp>
+        <p:nvCxnSpPr>
+          <p:cNvPr id="13" name="直接箭头连接符 12"/>
+          <p:cNvCxnSpPr>
+            <a:stCxn id="8" idx="2"/>
+            <a:endCxn id="9" idx="0"/>
+          </p:cNvCxnSpPr>
+          <p:nvPr/>
+        </p:nvCxnSpPr>
+        <p:spPr>
+          <a:xfrm>
+            <a:off x="8845550" y="3441065"/>
+            <a:ext cx="0" cy="339725"/>
+          </a:xfrm>
+          <a:prstGeom prst="straightConnector1">
+            <a:avLst/>
+          </a:prstGeom>
+          <a:ln>
+            <a:tailEnd type="arrow"/>
+          </a:ln>
+        </p:spPr>
+        <p:style>
+          <a:lnRef idx="1">
+            <a:schemeClr val="accent1"/>
+          </a:lnRef>
+          <a:fillRef idx="0">
+            <a:schemeClr val="accent1"/>
+          </a:fillRef>
+          <a:effectRef idx="0">
+            <a:schemeClr val="accent1"/>
+          </a:effectRef>
+          <a:fontRef idx="minor">
+            <a:schemeClr val="tx1"/>
+          </a:fontRef>
+        </p:style>
+      </p:cxnSp>
+    </p:spTree>
+  </p:cSld>
+  <p:clrMapOvr>
+    <a:masterClrMapping/>
+  </p:clrMapOvr>
+</p:sld>
+</file>
+
+<file path=ppt/slides/slide43.xml><?xml version="1.0" encoding="utf-8"?>
+<p:sld xmlns:a="http://schemas.openxmlformats.org/drawingml/2006/main" xmlns:r="http://schemas.openxmlformats.org/officeDocument/2006/relationships" xmlns:p="http://schemas.openxmlformats.org/presentationml/2006/main">
+  <p:cSld>
+    <p:spTree>
+      <p:nvGrpSpPr>
+        <p:cNvPr id="1" name=""/>
+        <p:cNvGrpSpPr/>
+        <p:nvPr/>
+      </p:nvGrpSpPr>
+      <p:grpSpPr/>
+      <p:sp>
+        <p:nvSpPr>
+          <p:cNvPr id="2" name="标题 1"/>
+          <p:cNvSpPr>
+            <a:spLocks noGrp="1"/>
+          </p:cNvSpPr>
+          <p:nvPr>
+            <p:ph type="title"/>
+          </p:nvPr>
+        </p:nvSpPr>
+        <p:spPr/>
+        <p:txBody>
+          <a:bodyPr/>
+          <a:p>
+            <a:r>
+              <a:rPr lang="en-US" altLang="zh-CN"/>
+              <a:t>Pillow</a:t>
+            </a:r>
+            <a:endParaRPr lang="en-US" altLang="zh-CN"/>
+          </a:p>
+        </p:txBody>
+      </p:sp>
+      <p:sp>
+        <p:nvSpPr>
+          <p:cNvPr id="6" name="内容占位符 5"/>
+          <p:cNvSpPr>
+            <a:spLocks noGrp="1"/>
+          </p:cNvSpPr>
+          <p:nvPr>
+            <p:ph idx="1"/>
+          </p:nvPr>
+        </p:nvSpPr>
+        <p:spPr>
+          <a:xfrm>
+            <a:off x="838200" y="1211580"/>
+            <a:ext cx="2797810" cy="4549140"/>
+          </a:xfrm>
+        </p:spPr>
+        <p:txBody>
+          <a:bodyPr>
+            <a:normAutofit lnSpcReduction="10000"/>
+          </a:bodyPr>
+          <a:p>
+            <a:r>
+              <a:rPr lang="en-US" altLang="zh-CN"/>
+              <a:t>References</a:t>
+            </a:r>
+            <a:endParaRPr lang="en-US" altLang="zh-CN"/>
+          </a:p>
+          <a:p>
+            <a:pPr lvl="1"/>
+            <a:r>
+              <a:rPr lang="en-US" altLang="zh-CN"/>
+              <a:t>https://pillow.readthedocs.io/en/3.1.x/reference/Image.html</a:t>
+            </a:r>
+            <a:endParaRPr lang="en-US" altLang="zh-CN"/>
+          </a:p>
+          <a:p>
+            <a:pPr lvl="0"/>
+            <a:r>
+              <a:rPr lang="en-US" altLang="zh-CN"/>
+              <a:t>Usage</a:t>
+            </a:r>
+            <a:endParaRPr lang="en-US" altLang="zh-CN"/>
+          </a:p>
+          <a:p>
+            <a:pPr lvl="1"/>
+            <a:r>
+              <a:rPr lang="en-US" altLang="zh-CN"/>
+              <a:t>from PIL import Image</a:t>
+            </a:r>
+            <a:endParaRPr lang="en-US" altLang="zh-CN"/>
+          </a:p>
+          <a:p>
+            <a:pPr lvl="0"/>
+            <a:r>
+              <a:rPr lang="en-US" altLang="zh-CN"/>
+              <a:t>From/To numpy array</a:t>
+            </a:r>
+            <a:endParaRPr lang="en-US" altLang="zh-CN"/>
+          </a:p>
+          <a:p>
+            <a:pPr lvl="1"/>
+            <a:r>
+              <a:rPr lang="en-US" altLang="zh-CN" sz="2000"/>
+              <a:t>np.asarray(pil_image)</a:t>
+            </a:r>
+            <a:endParaRPr lang="en-US" altLang="zh-CN" sz="2000"/>
+          </a:p>
+          <a:p>
+            <a:pPr lvl="1"/>
+            <a:r>
+              <a:rPr lang="en-US" altLang="zh-CN" sz="2000"/>
+              <a:t>PIL.Image.fromarray(np_array)</a:t>
+            </a:r>
+            <a:endParaRPr lang="en-US" altLang="zh-CN"/>
+          </a:p>
+          <a:p>
+            <a:pPr lvl="1"/>
+            <a:endParaRPr lang="en-US" altLang="zh-CN"/>
+          </a:p>
+        </p:txBody>
+      </p:sp>
+      <p:sp>
+        <p:nvSpPr>
+          <p:cNvPr id="4" name="矩形 3"/>
+          <p:cNvSpPr/>
+          <p:nvPr/>
+        </p:nvSpPr>
+        <p:spPr>
+          <a:xfrm>
+            <a:off x="4055110" y="1212215"/>
+            <a:ext cx="3742055" cy="5449570"/>
+          </a:xfrm>
+          <a:prstGeom prst="rect">
+            <a:avLst/>
+          </a:prstGeom>
+        </p:spPr>
+        <p:style>
+          <a:lnRef idx="2">
+            <a:schemeClr val="accent1">
+              <a:shade val="50000"/>
+            </a:schemeClr>
+          </a:lnRef>
+          <a:fillRef idx="1">
+            <a:schemeClr val="accent1"/>
+          </a:fillRef>
+          <a:effectRef idx="0">
+            <a:schemeClr val="accent1"/>
+          </a:effectRef>
+          <a:fontRef idx="minor">
+            <a:schemeClr val="lt1"/>
+          </a:fontRef>
+        </p:style>
+        <p:txBody>
+          <a:bodyPr rtlCol="0" anchor="t" anchorCtr="0"/>
+          <a:p>
+            <a:pPr algn="ctr"/>
+            <a:r>
+              <a:rPr lang="en-US" altLang="zh-CN" sz="1600"/>
+              <a:t>Image</a:t>
+            </a:r>
+            <a:endParaRPr lang="en-US" altLang="zh-CN" sz="1600"/>
+          </a:p>
+          <a:p>
+            <a:pPr algn="l"/>
+            <a:r>
+              <a:rPr lang="en-US" altLang="zh-CN" sz="1600"/>
+              <a:t>- im = Image.open('fn')</a:t>
+            </a:r>
+            <a:endParaRPr lang="en-US" altLang="zh-CN" sz="1600"/>
+          </a:p>
+          <a:p>
+            <a:pPr algn="l"/>
+            <a:r>
+              <a:rPr lang="en-US" altLang="zh-CN" sz="1600"/>
+              <a:t>- im.save('fn', 'JPEG')</a:t>
+            </a:r>
+            <a:endParaRPr lang="en-US" altLang="zh-CN" sz="1600"/>
+          </a:p>
+          <a:p>
+            <a:pPr algn="l"/>
+            <a:r>
+              <a:rPr lang="en-US" altLang="zh-CN" sz="1600"/>
+              <a:t>- Image.alphacomposite(im1, im2)</a:t>
+            </a:r>
+            <a:endParaRPr lang="en-US" altLang="zh-CN" sz="1600"/>
+          </a:p>
+          <a:p>
+            <a:pPr algn="l"/>
+            <a:r>
+              <a:rPr lang="en-US" altLang="zh-CN" sz="1600"/>
+              <a:t>- Image.blend(im1, im2, alpha)</a:t>
+            </a:r>
+            <a:endParaRPr lang="en-US" altLang="zh-CN" sz="1600"/>
+          </a:p>
+          <a:p>
+            <a:pPr algn="l"/>
+            <a:r>
+              <a:rPr lang="en-US" altLang="zh-CN" sz="1600"/>
+              <a:t>- Image.composite(im1, im2, mask)</a:t>
+            </a:r>
+            <a:endParaRPr lang="en-US" altLang="zh-CN" sz="1600"/>
+          </a:p>
+          <a:p>
+            <a:pPr algn="l"/>
+            <a:r>
+              <a:rPr lang="en-US" altLang="zh-CN" sz="1600"/>
+              <a:t>- Image.eval(img, func)	// operate each pixel</a:t>
+            </a:r>
+            <a:endParaRPr lang="en-US" altLang="zh-CN" sz="1600"/>
+          </a:p>
+          <a:p>
+            <a:pPr algn="l"/>
+            <a:r>
+              <a:rPr lang="en-US" altLang="zh-CN" sz="1600"/>
+              <a:t>- Image.merge(mode, bands) // merge multiple channels</a:t>
+            </a:r>
+            <a:endParaRPr lang="en-US" altLang="zh-CN" sz="1600"/>
+          </a:p>
+          <a:p>
+            <a:pPr algn="l"/>
+            <a:r>
+              <a:rPr lang="en-US" altLang="zh-CN" sz="1600"/>
+              <a:t>- Image.new(mode, size, color)</a:t>
+            </a:r>
+            <a:endParaRPr lang="en-US" altLang="zh-CN" sz="1600"/>
+          </a:p>
+          <a:p>
+            <a:pPr algn="l"/>
+            <a:r>
+              <a:rPr lang="en-US" altLang="zh-CN" sz="1600"/>
+              <a:t>- im.convert()</a:t>
+            </a:r>
+            <a:endParaRPr lang="en-US" altLang="zh-CN" sz="1600"/>
+          </a:p>
+          <a:p>
+            <a:pPr algn="l"/>
+            <a:r>
+              <a:rPr lang="en-US" altLang="zh-CN" sz="1600"/>
+              <a:t>- im.copy()</a:t>
+            </a:r>
+            <a:endParaRPr lang="en-US" altLang="zh-CN" sz="1600"/>
+          </a:p>
+          <a:p>
+            <a:pPr algn="l"/>
+            <a:r>
+              <a:rPr lang="en-US" altLang="zh-CN" sz="1600"/>
+              <a:t>- im.crop(box)</a:t>
+            </a:r>
+            <a:endParaRPr lang="en-US" altLang="zh-CN" sz="1600"/>
+          </a:p>
+          <a:p>
+            <a:pPr algn="l"/>
+            <a:r>
+              <a:rPr lang="en-US" altLang="zh-CN" sz="1600"/>
+              <a:t>- im.filter(filter)</a:t>
+            </a:r>
+            <a:endParaRPr lang="en-US" altLang="zh-CN" sz="1600"/>
+          </a:p>
+          <a:p>
+            <a:pPr algn="l"/>
+            <a:r>
+              <a:rPr lang="en-US" altLang="zh-CN" sz="1600"/>
+              <a:t>- im.getbands()</a:t>
+            </a:r>
+            <a:endParaRPr lang="en-US" altLang="zh-CN" sz="1600"/>
+          </a:p>
+          <a:p>
+            <a:pPr algn="l"/>
+            <a:r>
+              <a:rPr lang="en-US" altLang="zh-CN" sz="1600"/>
+              <a:t>- im.getbbox()</a:t>
+            </a:r>
+            <a:endParaRPr lang="en-US" altLang="zh-CN" sz="1600"/>
+          </a:p>
+          <a:p>
+            <a:pPr algn="l"/>
+            <a:r>
+              <a:rPr lang="en-US" altLang="zh-CN" sz="1600"/>
+              <a:t>- im.getcolors()</a:t>
+            </a:r>
+            <a:endParaRPr lang="en-US" altLang="zh-CN" sz="1600"/>
+          </a:p>
+          <a:p>
+            <a:pPr algn="l"/>
+            <a:r>
+              <a:rPr lang="en-US" altLang="zh-CN" sz="1600"/>
+              <a:t>- im.getextrema()</a:t>
+            </a:r>
+            <a:endParaRPr lang="en-US" altLang="zh-CN" sz="1600"/>
+          </a:p>
+          <a:p>
+            <a:pPr algn="l"/>
+            <a:r>
+              <a:rPr lang="en-US" altLang="zh-CN" sz="1600"/>
+              <a:t>- im.getpixel()</a:t>
+            </a:r>
+            <a:endParaRPr lang="en-US" altLang="zh-CN" sz="1600"/>
+          </a:p>
+          <a:p>
+            <a:pPr algn="l"/>
+            <a:r>
+              <a:rPr lang="en-US" altLang="zh-CN" sz="1600"/>
+              <a:t>- im.histogram()</a:t>
+            </a:r>
+            <a:endParaRPr lang="en-US" altLang="zh-CN" sz="1600"/>
+          </a:p>
+          <a:p>
+            <a:pPr algn="l"/>
+            <a:r>
+              <a:rPr lang="en-US" altLang="zh-CN" sz="1600"/>
+              <a:t>- im.paste(im2)</a:t>
+            </a:r>
+            <a:endParaRPr lang="en-US" altLang="zh-CN" sz="1600"/>
+          </a:p>
+        </p:txBody>
+      </p:sp>
+      <p:sp>
+        <p:nvSpPr>
+          <p:cNvPr id="5" name="矩形 4"/>
+          <p:cNvSpPr/>
+          <p:nvPr/>
+        </p:nvSpPr>
+        <p:spPr>
+          <a:xfrm>
+            <a:off x="8044815" y="1212215"/>
+            <a:ext cx="3742055" cy="5449570"/>
+          </a:xfrm>
+          <a:prstGeom prst="rect">
+            <a:avLst/>
+          </a:prstGeom>
+        </p:spPr>
+        <p:style>
+          <a:lnRef idx="2">
+            <a:schemeClr val="accent1">
+              <a:shade val="50000"/>
+            </a:schemeClr>
+          </a:lnRef>
+          <a:fillRef idx="1">
+            <a:schemeClr val="accent1"/>
+          </a:fillRef>
+          <a:effectRef idx="0">
+            <a:schemeClr val="accent1"/>
+          </a:effectRef>
+          <a:fontRef idx="minor">
+            <a:schemeClr val="lt1"/>
+          </a:fontRef>
+        </p:style>
+        <p:txBody>
+          <a:bodyPr rtlCol="0" anchor="t" anchorCtr="0"/>
+          <a:p>
+            <a:pPr algn="ctr"/>
+            <a:r>
+              <a:rPr lang="en-US" altLang="zh-CN" sz="1600"/>
+              <a:t>Image</a:t>
+            </a:r>
+            <a:endParaRPr lang="en-US" altLang="zh-CN" sz="1600"/>
+          </a:p>
+          <a:p>
+            <a:pPr algn="l"/>
+            <a:r>
+              <a:rPr lang="en-US" altLang="zh-CN" sz="1600"/>
+              <a:t>- im.putalpha(alpha)</a:t>
+            </a:r>
+            <a:endParaRPr lang="en-US" altLang="zh-CN" sz="1600"/>
+          </a:p>
+          <a:p>
+            <a:pPr algn="l"/>
+            <a:r>
+              <a:rPr lang="en-US" altLang="zh-CN" sz="1600"/>
+              <a:t>- im.resize(size, resample=Image.BICUBIC)</a:t>
+            </a:r>
+            <a:endParaRPr lang="en-US" altLang="zh-CN" sz="1600"/>
+          </a:p>
+          <a:p>
+            <a:pPr algn="l"/>
+            <a:r>
+              <a:rPr lang="en-US" altLang="zh-CN" sz="1600"/>
+              <a:t>- im.rotate(size)</a:t>
+            </a:r>
+            <a:endParaRPr lang="en-US" altLang="zh-CN" sz="1600"/>
+          </a:p>
+          <a:p>
+            <a:pPr algn="l"/>
+            <a:r>
+              <a:rPr lang="en-US" altLang="zh-CN" sz="1600"/>
+              <a:t>- im.save(fn, format)</a:t>
+            </a:r>
+            <a:endParaRPr lang="en-US" altLang="zh-CN" sz="1600"/>
+          </a:p>
+          <a:p>
+            <a:pPr algn="l"/>
+            <a:r>
+              <a:rPr lang="en-US" altLang="zh-CN" sz="1600"/>
+              <a:t>- im.show(title)</a:t>
+            </a:r>
+            <a:endParaRPr lang="en-US" altLang="zh-CN" sz="1600"/>
+          </a:p>
+          <a:p>
+            <a:pPr algn="l"/>
+            <a:r>
+              <a:rPr lang="en-US" altLang="zh-CN" sz="1600"/>
+              <a:t>- im.split()</a:t>
+            </a:r>
+            <a:endParaRPr lang="en-US" altLang="zh-CN" sz="1600"/>
+          </a:p>
+          <a:p>
+            <a:pPr algn="l"/>
+            <a:r>
+              <a:rPr lang="en-US" altLang="zh-CN" sz="1600"/>
+              <a:t>- im.thumbnail(size)</a:t>
+            </a:r>
+            <a:endParaRPr lang="en-US" altLang="zh-CN" sz="1600"/>
+          </a:p>
+          <a:p>
+            <a:pPr algn="l"/>
+            <a:r>
+              <a:rPr lang="en-US" altLang="zh-CN" sz="1600"/>
+              <a:t>- im.tobytes()</a:t>
+            </a:r>
+            <a:endParaRPr lang="en-US" altLang="zh-CN" sz="1600"/>
+          </a:p>
+          <a:p>
+            <a:pPr algn="l"/>
+            <a:r>
+              <a:rPr lang="en-US" altLang="zh-CN" sz="1600"/>
+              <a:t>- im.transpose()</a:t>
+            </a:r>
+            <a:endParaRPr lang="en-US" altLang="zh-CN" sz="1600"/>
+          </a:p>
+          <a:p>
+            <a:pPr algn="l"/>
+            <a:r>
+              <a:rPr lang="en-US" altLang="zh-CN" sz="1600"/>
+              <a:t>- im.close()</a:t>
+            </a:r>
+            <a:endParaRPr lang="en-US" altLang="zh-CN" sz="1600"/>
+          </a:p>
+          <a:p>
+            <a:pPr algn="l"/>
+            <a:endParaRPr lang="en-US" altLang="zh-CN" sz="1600"/>
+          </a:p>
+          <a:p>
+            <a:pPr algn="l"/>
+            <a:r>
+              <a:rPr lang="en-US" altLang="zh-CN" sz="1600"/>
+              <a:t>- format</a:t>
+            </a:r>
+            <a:endParaRPr lang="en-US" altLang="zh-CN" sz="1600"/>
+          </a:p>
+          <a:p>
+            <a:pPr algn="l"/>
+            <a:r>
+              <a:rPr lang="en-US" altLang="zh-CN" sz="1600"/>
+              <a:t>- mode (1, L, RGB, RGBA, ...)</a:t>
+            </a:r>
+            <a:endParaRPr lang="en-US" altLang="zh-CN" sz="1600"/>
+          </a:p>
+          <a:p>
+            <a:pPr algn="l"/>
+            <a:r>
+              <a:rPr lang="en-US" altLang="zh-CN" sz="1600"/>
+              <a:t>- size</a:t>
+            </a:r>
+            <a:endParaRPr lang="en-US" altLang="zh-CN" sz="1600"/>
+          </a:p>
+          <a:p>
+            <a:pPr algn="l"/>
+            <a:r>
+              <a:rPr lang="en-US" altLang="zh-CN" sz="1600"/>
+              <a:t>- width</a:t>
+            </a:r>
+            <a:endParaRPr lang="en-US" altLang="zh-CN" sz="1600"/>
+          </a:p>
+          <a:p>
+            <a:pPr algn="l"/>
+            <a:r>
+              <a:rPr lang="en-US" altLang="zh-CN" sz="1600"/>
+              <a:t>- height</a:t>
+            </a:r>
+            <a:endParaRPr lang="en-US" altLang="zh-CN" sz="1600"/>
+          </a:p>
+          <a:p>
+            <a:pPr algn="l"/>
+            <a:r>
+              <a:rPr lang="en-US" altLang="zh-CN" sz="1600"/>
+              <a:t>- pallette</a:t>
+            </a:r>
+            <a:endParaRPr lang="en-US" altLang="zh-CN" sz="1600"/>
+          </a:p>
+          <a:p>
+            <a:pPr algn="l"/>
+            <a:r>
+              <a:rPr lang="en-US" altLang="zh-CN" sz="1600"/>
+              <a:t>- info</a:t>
+            </a:r>
+            <a:endParaRPr lang="en-US" altLang="zh-CN" sz="1600"/>
+          </a:p>
+        </p:txBody>
+      </p:sp>
+    </p:spTree>
+  </p:cSld>
+  <p:clrMapOvr>
+    <a:masterClrMapping/>
+  </p:clrMapOvr>
+</p:sld>
+</file>
+
+<file path=ppt/slides/slide44.xml><?xml version="1.0" encoding="utf-8"?>
+<p:sld xmlns:a="http://schemas.openxmlformats.org/drawingml/2006/main" xmlns:r="http://schemas.openxmlformats.org/officeDocument/2006/relationships" xmlns:p="http://schemas.openxmlformats.org/presentationml/2006/main">
+  <p:cSld>
+    <p:spTree>
+      <p:nvGrpSpPr>
+        <p:cNvPr id="1" name=""/>
+        <p:cNvGrpSpPr/>
+        <p:nvPr/>
+      </p:nvGrpSpPr>
+      <p:grpSpPr/>
+      <p:sp>
+        <p:nvSpPr>
+          <p:cNvPr id="4" name="标题 3"/>
+          <p:cNvSpPr>
+            <a:spLocks noGrp="1"/>
+          </p:cNvSpPr>
+          <p:nvPr>
+            <p:ph type="title"/>
+          </p:nvPr>
+        </p:nvSpPr>
+        <p:spPr/>
+        <p:txBody>
+          <a:bodyPr/>
+          <a:p>
+            <a:r>
+              <a:rPr lang="en-US" altLang="zh-CN"/>
+              <a:t>Advanced</a:t>
+            </a:r>
+            <a:endParaRPr lang="en-US" altLang="zh-CN"/>
+          </a:p>
+        </p:txBody>
+      </p:sp>
+      <p:sp>
+        <p:nvSpPr>
+          <p:cNvPr id="5" name="文本占位符 4"/>
+          <p:cNvSpPr>
+            <a:spLocks noGrp="1"/>
+          </p:cNvSpPr>
+          <p:nvPr>
+            <p:ph type="body" idx="1"/>
+          </p:nvPr>
+        </p:nvSpPr>
+        <p:spPr/>
+        <p:txBody>
+          <a:bodyPr/>
+          <a:p>
+            <a:endParaRPr lang="zh-CN" altLang="en-US"/>
+          </a:p>
+        </p:txBody>
+      </p:sp>
+    </p:spTree>
+  </p:cSld>
+  <p:clrMapOvr>
+    <a:masterClrMapping/>
+  </p:clrMapOvr>
+</p:sld>
+</file>
+
+<file path=ppt/slides/slide45.xml><?xml version="1.0" encoding="utf-8"?>
+<p:sld xmlns:a="http://schemas.openxmlformats.org/drawingml/2006/main" xmlns:r="http://schemas.openxmlformats.org/officeDocument/2006/relationships" xmlns:p="http://schemas.openxmlformats.org/presentationml/2006/main">
+  <p:cSld>
+    <p:spTree>
+      <p:nvGrpSpPr>
+        <p:cNvPr id="1" name=""/>
+        <p:cNvGrpSpPr/>
+        <p:nvPr/>
+      </p:nvGrpSpPr>
+      <p:grpSpPr/>
+      <p:sp>
+        <p:nvSpPr>
+          <p:cNvPr id="2" name="标题 1"/>
+          <p:cNvSpPr>
+            <a:spLocks noGrp="1"/>
+          </p:cNvSpPr>
+          <p:nvPr>
+            <p:ph type="title"/>
+          </p:nvPr>
+        </p:nvSpPr>
+        <p:spPr/>
+        <p:txBody>
+          <a:bodyPr/>
+          <a:p>
+            <a:r>
+              <a:rPr lang="en-US" altLang="zh-CN"/>
+              <a:t>Wrap As Exe or Dll</a:t>
+            </a:r>
+            <a:endParaRPr lang="en-US" altLang="zh-CN"/>
+          </a:p>
+        </p:txBody>
+      </p:sp>
+      <p:sp>
+        <p:nvSpPr>
+          <p:cNvPr id="3" name="内容占位符 2"/>
+          <p:cNvSpPr>
+            <a:spLocks noGrp="1"/>
+          </p:cNvSpPr>
+          <p:nvPr>
+            <p:ph idx="1"/>
+          </p:nvPr>
+        </p:nvSpPr>
+        <p:spPr/>
+        <p:txBody>
+          <a:bodyPr/>
+          <a:p>
+            <a:r>
+              <a:rPr lang="en-US" altLang="zh-CN"/>
+              <a:t>py2exe</a:t>
+            </a:r>
+            <a:endParaRPr lang="en-US" altLang="zh-CN"/>
+          </a:p>
+          <a:p>
+            <a:pPr lvl="1"/>
+            <a:r>
+              <a:rPr lang="en-US" altLang="zh-CN"/>
+              <a:t>pip install py2exe</a:t>
+            </a:r>
+            <a:endParaRPr lang="en-US" altLang="zh-CN"/>
+          </a:p>
+          <a:p>
+            <a:pPr lvl="1"/>
+            <a:r>
+              <a:rPr lang="en-US" altLang="zh-CN"/>
+              <a:t>Only support python 3.3 or 3.4</a:t>
+            </a:r>
+            <a:endParaRPr lang="en-US" altLang="zh-CN"/>
+          </a:p>
+          <a:p>
+            <a:pPr lvl="0"/>
+            <a:r>
+              <a:rPr lang="en-US" altLang="zh-CN"/>
+              <a:t>PyInstaller</a:t>
+            </a:r>
+            <a:endParaRPr lang="en-US" altLang="zh-CN"/>
+          </a:p>
+          <a:p>
+            <a:pPr lvl="1"/>
+            <a:r>
+              <a:rPr lang="en-US" altLang="zh-CN"/>
+              <a:t>pip install pyinstaller</a:t>
+            </a:r>
+            <a:endParaRPr lang="en-US" altLang="zh-CN"/>
+          </a:p>
+          <a:p>
+            <a:pPr lvl="1"/>
+            <a:r>
+              <a:rPr lang="en-US" altLang="zh-CN"/>
+              <a:t>pyinstaller yourprogram.py</a:t>
+            </a:r>
+            <a:endParaRPr lang="en-US" altLang="zh-CN"/>
+          </a:p>
+          <a:p>
+            <a:pPr lvl="2"/>
+            <a:r>
+              <a:rPr lang="en-US" altLang="zh-CN"/>
+              <a:t>Files are generated into “dist” folder</a:t>
+            </a:r>
+            <a:endParaRPr lang="en-US" altLang="zh-CN"/>
+          </a:p>
+          <a:p>
+            <a:pPr lvl="2"/>
+            <a:r>
+              <a:rPr lang="en-US" altLang="zh-CN"/>
+              <a:t>yourprogram.spec</a:t>
+            </a:r>
+            <a:endParaRPr lang="en-US" altLang="zh-CN"/>
+          </a:p>
+          <a:p>
+            <a:pPr lvl="3"/>
+            <a:r>
+              <a:rPr lang="en-US" altLang="zh-CN"/>
+              <a:t>pyinstaller yourprogram.spec</a:t>
+            </a:r>
+            <a:endParaRPr lang="en-US" altLang="zh-CN"/>
+          </a:p>
+          <a:p>
+            <a:pPr lvl="2"/>
+            <a:r>
+              <a:rPr lang="en-US" altLang="zh-CN"/>
+              <a:t>“build” folder</a:t>
+            </a:r>
+            <a:endParaRPr lang="en-US" altLang="zh-CN"/>
+          </a:p>
+          <a:p>
+            <a:pPr lvl="2"/>
+            <a:r>
+              <a:rPr lang="en-US" altLang="zh-CN"/>
+              <a:t>-F: one-file bundled executable</a:t>
+            </a:r>
+            <a:endParaRPr lang="en-US" altLang="zh-CN"/>
+          </a:p>
+        </p:txBody>
+      </p:sp>
+    </p:spTree>
+  </p:cSld>
+  <p:clrMapOvr>
+    <a:masterClrMapping/>
+  </p:clrMapOvr>
+</p:sld>
+</file>
+
+<file path=ppt/slides/slide46.xml><?xml version="1.0" encoding="utf-8"?>
 <p:sld xmlns:a="http://schemas.openxmlformats.org/drawingml/2006/main" xmlns:r="http://schemas.openxmlformats.org/officeDocument/2006/relationships" xmlns:p="http://schemas.openxmlformats.org/presentationml/2006/main">
   <p:cSld>
     <p:spTree>
@@ -9800,299 +12570,7 @@
 </p:sld>
 </file>
 
-<file path=ppt/slides/slide4.xml><?xml version="1.0" encoding="utf-8"?>
-<p:sld xmlns:a="http://schemas.openxmlformats.org/drawingml/2006/main" xmlns:r="http://schemas.openxmlformats.org/officeDocument/2006/relationships" xmlns:p="http://schemas.openxmlformats.org/presentationml/2006/main">
-  <p:cSld>
-    <p:spTree>
-      <p:nvGrpSpPr>
-        <p:cNvPr id="1" name=""/>
-        <p:cNvGrpSpPr/>
-        <p:nvPr/>
-      </p:nvGrpSpPr>
-      <p:grpSpPr/>
-      <p:sp>
-        <p:nvSpPr>
-          <p:cNvPr id="2" name="标题 1"/>
-          <p:cNvSpPr>
-            <a:spLocks noGrp="1"/>
-          </p:cNvSpPr>
-          <p:nvPr>
-            <p:ph type="title"/>
-          </p:nvPr>
-        </p:nvSpPr>
-        <p:spPr/>
-        <p:txBody>
-          <a:bodyPr/>
-          <a:p>
-            <a:r>
-              <a:rPr lang="en-US" altLang="zh-CN"/>
-              <a:t>Basic 2/2</a:t>
-            </a:r>
-            <a:endParaRPr lang="en-US" altLang="zh-CN"/>
-          </a:p>
-        </p:txBody>
-      </p:sp>
-      <p:sp>
-        <p:nvSpPr>
-          <p:cNvPr id="3" name="内容占位符 2"/>
-          <p:cNvSpPr>
-            <a:spLocks noGrp="1"/>
-          </p:cNvSpPr>
-          <p:nvPr>
-            <p:ph idx="1"/>
-          </p:nvPr>
-        </p:nvSpPr>
-        <p:spPr/>
-        <p:txBody>
-          <a:bodyPr>
-            <a:noAutofit/>
-          </a:bodyPr>
-          <a:p>
-            <a:r>
-              <a:rPr lang="en-US" altLang="zh-CN" sz="1600"/>
-              <a:t>Pip</a:t>
-            </a:r>
-            <a:endParaRPr lang="en-US" altLang="zh-CN" sz="1600"/>
-          </a:p>
-          <a:p>
-            <a:pPr lvl="1">
-              <a:buFont typeface="Wingdings" panose="05000000000000000000" pitchFamily="2" charset="2"/>
-              <a:buChar char=""/>
-            </a:pPr>
-            <a:r>
-              <a:rPr lang="en-US" altLang="en-US" sz="1400"/>
-              <a:t>sudo apt install python-pip</a:t>
-            </a:r>
-            <a:endParaRPr lang="en-US" altLang="en-US" sz="1400"/>
-          </a:p>
-          <a:p>
-            <a:pPr lvl="1">
-              <a:buFont typeface="Wingdings" panose="05000000000000000000" pitchFamily="2" charset="2"/>
-              <a:buChar char=""/>
-            </a:pPr>
-            <a:r>
-              <a:rPr lang="en-US" altLang="en-US" sz="1400"/>
-              <a:t>pip search &lt;package_name&gt;</a:t>
-            </a:r>
-            <a:endParaRPr lang="en-US" altLang="zh-CN" sz="1400"/>
-          </a:p>
-          <a:p>
-            <a:pPr lvl="1">
-              <a:buFont typeface="Wingdings" panose="05000000000000000000" pitchFamily="2" charset="2"/>
-              <a:buChar char=""/>
-            </a:pPr>
-            <a:r>
-              <a:rPr lang="en-US" altLang="zh-CN" sz="1400"/>
-              <a:t>Mirror</a:t>
-            </a:r>
-            <a:endParaRPr lang="en-US" altLang="zh-CN" sz="1400"/>
-          </a:p>
-          <a:p>
-            <a:pPr lvl="2">
-              <a:buFont typeface="Wingdings" panose="05000000000000000000" pitchFamily="2" charset="2"/>
-              <a:buChar char=""/>
-            </a:pPr>
-            <a:r>
-              <a:rPr lang="en-US" altLang="zh-CN" sz="1200"/>
-              <a:t>Linux: ~/.pip/pip.conf</a:t>
-            </a:r>
-            <a:endParaRPr lang="en-US" altLang="zh-CN" sz="1200"/>
-          </a:p>
-          <a:p>
-            <a:pPr lvl="2">
-              <a:buFont typeface="Wingdings" panose="05000000000000000000" pitchFamily="2" charset="2"/>
-              <a:buChar char=""/>
-            </a:pPr>
-            <a:r>
-              <a:rPr lang="en-US" altLang="zh-CN" sz="1200"/>
-              <a:t>Windows: C:\ProgramData\pip\pip.ini</a:t>
-            </a:r>
-            <a:endParaRPr lang="en-US" altLang="zh-CN" sz="1400">
-              <a:latin typeface="幼圆" panose="02010509060101010101" pitchFamily="49" charset="-122"/>
-              <a:ea typeface="黑体" panose="02010609060101010101" pitchFamily="49" charset="-122"/>
-            </a:endParaRPr>
-          </a:p>
-          <a:p>
-            <a:pPr lvl="0">
-              <a:buFont typeface="Wingdings" panose="05000000000000000000" pitchFamily="2" charset="2"/>
-              <a:buChar char=""/>
-            </a:pPr>
-            <a:r>
-              <a:rPr lang="en-US" altLang="zh-CN" sz="1600">
-                <a:sym typeface="+mn-ea"/>
-              </a:rPr>
-              <a:t>ipython</a:t>
-            </a:r>
-            <a:endParaRPr lang="en-US" altLang="zh-CN" sz="1600">
-              <a:sym typeface="+mn-ea"/>
-            </a:endParaRPr>
-          </a:p>
-          <a:p>
-            <a:pPr lvl="1">
-              <a:buFont typeface="Wingdings" panose="05000000000000000000" pitchFamily="2" charset="2"/>
-              <a:buChar char=""/>
-            </a:pPr>
-            <a:r>
-              <a:rPr lang="x-none" altLang="en-US" sz="1400">
-                <a:sym typeface="+mn-ea"/>
-              </a:rPr>
-              <a:t>Install ipython in each virtualenv</a:t>
-            </a:r>
-            <a:endParaRPr lang="x-none" altLang="en-US" sz="1400">
-              <a:sym typeface="+mn-ea"/>
-            </a:endParaRPr>
-          </a:p>
-          <a:p>
-            <a:pPr lvl="1">
-              <a:buFont typeface="Wingdings" panose="05000000000000000000" pitchFamily="2" charset="2"/>
-              <a:buChar char=""/>
-            </a:pPr>
-            <a:r>
-              <a:rPr lang="en-US" altLang="zh-CN" sz="1600">
-                <a:latin typeface="幼圆" panose="02010509060101010101" pitchFamily="49" charset="-122"/>
-                <a:ea typeface="黑体" panose="02010609060101010101" pitchFamily="49" charset="-122"/>
-                <a:sym typeface="+mn-ea"/>
-              </a:rPr>
-              <a:t>pip install ipython</a:t>
-            </a:r>
-            <a:endParaRPr lang="en-US" altLang="zh-CN" sz="1600">
-              <a:latin typeface="幼圆" panose="02010509060101010101" pitchFamily="49" charset="-122"/>
-              <a:ea typeface="黑体" panose="02010609060101010101" pitchFamily="49" charset="-122"/>
-            </a:endParaRPr>
-          </a:p>
-          <a:p>
-            <a:pPr lvl="1">
-              <a:buFont typeface="Wingdings" panose="05000000000000000000" pitchFamily="2" charset="2"/>
-              <a:buChar char=""/>
-            </a:pPr>
-            <a:r>
-              <a:rPr lang="en-US" altLang="zh-CN" sz="1600">
-                <a:latin typeface="幼圆" panose="02010509060101010101" pitchFamily="49" charset="-122"/>
-                <a:ea typeface="黑体" panose="02010609060101010101" pitchFamily="49" charset="-122"/>
-                <a:sym typeface="+mn-ea"/>
-              </a:rPr>
-              <a:t>history, %hist, %logstart</a:t>
-            </a:r>
-            <a:endParaRPr lang="en-US" altLang="zh-CN" sz="1600">
-              <a:latin typeface="幼圆" panose="02010509060101010101" pitchFamily="49" charset="-122"/>
-              <a:ea typeface="黑体" panose="02010609060101010101" pitchFamily="49" charset="-122"/>
-              <a:sym typeface="+mn-ea"/>
-            </a:endParaRPr>
-          </a:p>
-          <a:p>
-            <a:pPr lvl="0">
-              <a:buFont typeface="Wingdings" panose="05000000000000000000" pitchFamily="2" charset="2"/>
-              <a:buChar char=""/>
-            </a:pPr>
-            <a:r>
-              <a:rPr lang="en-US" altLang="zh-CN" sz="1600"/>
-              <a:t>Jupyter Notebook</a:t>
-            </a:r>
-            <a:endParaRPr lang="en-US" altLang="zh-CN" sz="1600"/>
-          </a:p>
-          <a:p>
-            <a:pPr lvl="1">
-              <a:buFont typeface="Wingdings" panose="05000000000000000000" pitchFamily="2" charset="2"/>
-              <a:buChar char=""/>
-            </a:pPr>
-            <a:r>
-              <a:rPr lang="en-US" altLang="zh-CN" sz="1400">
-                <a:latin typeface="幼圆" panose="02010509060101010101" pitchFamily="49" charset="-122"/>
-                <a:ea typeface="黑体" panose="02010609060101010101" pitchFamily="49" charset="-122"/>
-              </a:rPr>
-              <a:t>web-based environment that enables interactive computing in notebook documents.</a:t>
-            </a:r>
-            <a:endParaRPr lang="en-US" altLang="zh-CN" sz="1400">
-              <a:latin typeface="幼圆" panose="02010509060101010101" pitchFamily="49" charset="-122"/>
-              <a:ea typeface="黑体" panose="02010609060101010101" pitchFamily="49" charset="-122"/>
-            </a:endParaRPr>
-          </a:p>
-          <a:p>
-            <a:pPr lvl="1">
-              <a:buFont typeface="Wingdings" panose="05000000000000000000" pitchFamily="2" charset="2"/>
-              <a:buChar char=""/>
-            </a:pPr>
-            <a:r>
-              <a:rPr lang="en-US" altLang="zh-CN" sz="1400">
-                <a:latin typeface="幼圆" panose="02010509060101010101" pitchFamily="49" charset="-122"/>
-                <a:ea typeface="黑体" panose="02010609060101010101" pitchFamily="49" charset="-122"/>
-              </a:rPr>
-              <a:t>pip install jupyter, jpyter notebook</a:t>
-            </a:r>
-            <a:endParaRPr lang="en-US" altLang="zh-CN" sz="1400">
-              <a:latin typeface="幼圆" panose="02010509060101010101" pitchFamily="49" charset="-122"/>
-              <a:ea typeface="黑体" panose="02010609060101010101" pitchFamily="49" charset="-122"/>
-            </a:endParaRPr>
-          </a:p>
-        </p:txBody>
-      </p:sp>
-      <p:sp>
-        <p:nvSpPr>
-          <p:cNvPr id="4" name="Text Box 3"/>
-          <p:cNvSpPr txBox="1"/>
-          <p:nvPr/>
-        </p:nvSpPr>
-        <p:spPr>
-          <a:xfrm>
-            <a:off x="6276340" y="1290955"/>
-            <a:ext cx="5230495" cy="1753235"/>
-          </a:xfrm>
-          <a:prstGeom prst="rect">
-            <a:avLst/>
-          </a:prstGeom>
-          <a:noFill/>
-          <a:ln>
-            <a:solidFill>
-              <a:schemeClr val="accent1"/>
-            </a:solidFill>
-          </a:ln>
-        </p:spPr>
-        <p:txBody>
-          <a:bodyPr wrap="square" rtlCol="0">
-            <a:spAutoFit/>
-          </a:bodyPr>
-          <a:p>
-            <a:r>
-              <a:rPr lang="en-US"/>
-              <a:t>[global]</a:t>
-            </a:r>
-            <a:endParaRPr lang="en-US"/>
-          </a:p>
-          <a:p>
-            <a:r>
-              <a:rPr lang="en-US"/>
-              <a:t>index-url=http://mirrors.aliyun.com/pypi/simple</a:t>
-            </a:r>
-            <a:endParaRPr lang="en-US"/>
-          </a:p>
-          <a:p>
-            <a:endParaRPr lang="en-US"/>
-          </a:p>
-          <a:p>
-            <a:r>
-              <a:rPr lang="en-US"/>
-              <a:t>[install]</a:t>
-            </a:r>
-            <a:endParaRPr lang="en-US"/>
-          </a:p>
-          <a:p>
-            <a:r>
-              <a:rPr lang="en-US"/>
-              <a:t>trusted-host=mirrors.aliyun.com</a:t>
-            </a:r>
-            <a:endParaRPr lang="en-US"/>
-          </a:p>
-        </p:txBody>
-      </p:sp>
-    </p:spTree>
-  </p:cSld>
-  <p:clrMapOvr>
-    <a:masterClrMapping/>
-  </p:clrMapOvr>
-</p:sld>
-</file>
-
-<file path=ppt/slides/slide40.xml><?xml version="1.0" encoding="utf-8"?>
+<file path=ppt/slides/slide47.xml><?xml version="1.0" encoding="utf-8"?>
 <p:sld xmlns:a="http://schemas.openxmlformats.org/drawingml/2006/main" xmlns:r="http://schemas.openxmlformats.org/officeDocument/2006/relationships" xmlns:p="http://schemas.openxmlformats.org/presentationml/2006/main">
   <p:cSld>
     <p:spTree>
@@ -10613,8 +13091,30 @@
         <p:spPr/>
         <p:txBody>
           <a:bodyPr>
-            <a:normAutofit fontScale="90000"/>
+            <a:normAutofit/>
           </a:bodyPr>
+          <a:p>
+            <a:r>
+              <a:rPr lang="en-US" altLang="en-US"/>
+              <a:t>Static Analysis</a:t>
+            </a:r>
+            <a:endParaRPr lang="en-US" altLang="en-US"/>
+          </a:p>
+        </p:txBody>
+      </p:sp>
+      <p:sp>
+        <p:nvSpPr>
+          <p:cNvPr id="3" name="Content Placeholder 2"/>
+          <p:cNvSpPr>
+            <a:spLocks noGrp="1"/>
+          </p:cNvSpPr>
+          <p:nvPr>
+            <p:ph idx="1"/>
+          </p:nvPr>
+        </p:nvSpPr>
+        <p:spPr/>
+        <p:txBody>
+          <a:bodyPr/>
           <a:p>
             <a:r>
               <a:rPr lang="en-US" altLang="en-US"/>
@@ -10622,22 +13122,8 @@
             </a:r>
             <a:endParaRPr lang="en-US" altLang="en-US"/>
           </a:p>
-        </p:txBody>
-      </p:sp>
-      <p:sp>
-        <p:nvSpPr>
-          <p:cNvPr id="3" name="Content Placeholder 2"/>
-          <p:cNvSpPr>
-            <a:spLocks noGrp="1"/>
-          </p:cNvSpPr>
-          <p:nvPr>
-            <p:ph idx="1"/>
-          </p:nvPr>
-        </p:nvSpPr>
-        <p:spPr/>
-        <p:txBody>
-          <a:bodyPr/>
-          <a:p>
+          <a:p>
+            <a:pPr lvl="1"/>
             <a:r>
               <a:rPr lang="en-US" altLang="en-US"/>
               <a:t>Configuration</a:t>
@@ -10645,7 +13131,7 @@
             <a:endParaRPr lang="en-US" altLang="en-US"/>
           </a:p>
           <a:p>
-            <a:pPr lvl="1"/>
+            <a:pPr lvl="2"/>
             <a:r>
               <a:rPr lang="en-US"/>
               <a:t>pylint --generate-rcfile &gt; .pylintr</a:t>
@@ -10657,7 +13143,7 @@
             <a:endParaRPr lang="en-US"/>
           </a:p>
           <a:p>
-            <a:pPr lvl="1"/>
+            <a:pPr lvl="2"/>
             <a:r>
               <a:rPr lang="en-US" altLang="en-US"/>
               <a:t>.pylintrc</a:t>
@@ -10665,7 +13151,7 @@
             <a:endParaRPr lang="en-US" altLang="en-US"/>
           </a:p>
           <a:p>
-            <a:pPr lvl="2"/>
+            <a:pPr lvl="3"/>
             <a:r>
               <a:rPr lang="en-US"/>
               <a:t>extension-pkg-whitelist=cv2</a:t>
@@ -10673,10 +13159,34 @@
             <a:endParaRPr lang="en-US"/>
           </a:p>
           <a:p>
-            <a:pPr lvl="2"/>
+            <a:pPr lvl="3"/>
             <a:r>
               <a:rPr lang="en-US" altLang="en-US"/>
               <a:t>disable=print-statement, invalid-name</a:t>
+            </a:r>
+            <a:endParaRPr lang="en-US" altLang="en-US"/>
+          </a:p>
+          <a:p>
+            <a:pPr lvl="0"/>
+            <a:r>
+              <a:rPr lang="en-US" altLang="en-US"/>
+              <a:t>Flake8</a:t>
+            </a:r>
+            <a:endParaRPr lang="en-US" altLang="en-US"/>
+          </a:p>
+          <a:p>
+            <a:pPr lvl="1"/>
+            <a:r>
+              <a:rPr lang="en-US" altLang="en-US"/>
+              <a:t>Config</a:t>
+            </a:r>
+            <a:endParaRPr lang="en-US" altLang="en-US"/>
+          </a:p>
+          <a:p>
+            <a:pPr lvl="2"/>
+            <a:r>
+              <a:rPr lang="en-US" altLang="en-US"/>
+              <a:t>~/.config/flake8</a:t>
             </a:r>
             <a:endParaRPr lang="en-US" altLang="en-US"/>
           </a:p>
@@ -10863,195 +13373,195 @@
         <p:spPr>
           <a:xfrm>
             <a:off x="838200" y="1211580"/>
-            <a:ext cx="10515600" cy="5065395"/>
+            <a:ext cx="5678170" cy="5273675"/>
           </a:xfrm>
         </p:spPr>
         <p:txBody>
           <a:bodyPr>
-            <a:normAutofit fontScale="50000"/>
+            <a:noAutofit/>
           </a:bodyPr>
           <a:p>
             <a:r>
-              <a:rPr lang="en-US" altLang="en-US"/>
+              <a:rPr lang="en-US" altLang="en-US" sz="1400"/>
               <a:t>Vundle</a:t>
             </a:r>
-            <a:endParaRPr lang="en-US" altLang="en-US"/>
+            <a:endParaRPr lang="en-US" altLang="en-US" sz="1400"/>
           </a:p>
           <a:p>
             <a:pPr lvl="1"/>
             <a:r>
-              <a:rPr lang="en-US" altLang="en-US"/>
+              <a:rPr lang="en-US" altLang="en-US" sz="1200"/>
               <a:t> git clone https://github.com/VundleVim/Vundle.vim.git ~/.vim/bundle/Vundle.vim</a:t>
             </a:r>
-            <a:endParaRPr lang="en-US" altLang="en-US"/>
+            <a:endParaRPr lang="en-US" altLang="en-US" sz="1200"/>
           </a:p>
           <a:p>
             <a:pPr lvl="1"/>
             <a:r>
-              <a:rPr lang="en-US" altLang="en-US"/>
+              <a:rPr lang="en-US" altLang="en-US" sz="1200"/>
               <a:t>Edit .vimrc (Refer to https://github.com/VundleVim/Vundle.vim)</a:t>
             </a:r>
-            <a:endParaRPr lang="en-US" altLang="en-US"/>
+            <a:endParaRPr lang="en-US" altLang="en-US" sz="1200"/>
           </a:p>
           <a:p>
             <a:pPr lvl="1"/>
             <a:r>
-              <a:rPr lang="en-US" altLang="en-US"/>
+              <a:rPr lang="en-US" altLang="en-US" sz="1200"/>
               <a:t>Launch vim. Run “:PluginInstall”</a:t>
             </a:r>
-            <a:endParaRPr lang="en-US" altLang="en-US"/>
+            <a:endParaRPr lang="en-US" altLang="en-US" sz="1200"/>
           </a:p>
           <a:p>
             <a:pPr lvl="0"/>
             <a:r>
-              <a:rPr lang="en-US" altLang="en-US"/>
+              <a:rPr lang="en-US" altLang="en-US" sz="1400"/>
               <a:t>Plugins</a:t>
             </a:r>
-            <a:endParaRPr lang="en-US" altLang="en-US"/>
+            <a:endParaRPr lang="en-US" altLang="en-US" sz="1400"/>
           </a:p>
           <a:p>
             <a:pPr lvl="1"/>
             <a:r>
-              <a:rPr lang="en-US" altLang="en-US"/>
+              <a:rPr lang="en-US" altLang="en-US" sz="1200"/>
               <a:t>syntastic</a:t>
             </a:r>
-            <a:endParaRPr lang="en-US" altLang="en-US"/>
+            <a:endParaRPr lang="en-US" altLang="en-US" sz="1200"/>
           </a:p>
           <a:p>
             <a:pPr lvl="2"/>
             <a:r>
-              <a:rPr lang="en-US" altLang="en-US" sz="1800"/>
+              <a:rPr lang="en-US" altLang="en-US" sz="1000"/>
               <a:t>Add “Plugin 'vim-syntastic/syntastic'” to .vimrc</a:t>
             </a:r>
-            <a:endParaRPr lang="en-US" altLang="en-US" sz="1800"/>
+            <a:endParaRPr lang="en-US" altLang="en-US" sz="1000"/>
           </a:p>
           <a:p>
             <a:pPr lvl="2"/>
             <a:r>
-              <a:rPr lang="en-US" altLang="en-US" sz="1800"/>
+              <a:rPr lang="en-US" altLang="en-US" sz="1000"/>
               <a:t>Add “Plugin 'nvie/vim-flake8'” to .vimrc</a:t>
             </a:r>
-            <a:endParaRPr lang="en-US" altLang="en-US" sz="1800"/>
+            <a:endParaRPr lang="en-US" altLang="en-US" sz="1000"/>
           </a:p>
           <a:p>
             <a:pPr lvl="2"/>
             <a:r>
-              <a:rPr lang="en-US" altLang="en-US" sz="1800"/>
+              <a:rPr lang="en-US" altLang="en-US" sz="1000"/>
               <a:t>let python_highlight_all=1</a:t>
             </a:r>
-            <a:endParaRPr lang="en-US" altLang="en-US" sz="1800"/>
+            <a:endParaRPr lang="en-US" altLang="en-US" sz="1000"/>
           </a:p>
           <a:p>
             <a:pPr lvl="2"/>
             <a:r>
-              <a:rPr lang="en-US" altLang="en-US" sz="1800"/>
+              <a:rPr lang="en-US" altLang="en-US" sz="1000"/>
               <a:t>syntax on</a:t>
             </a:r>
-            <a:endParaRPr lang="en-US" altLang="en-US" sz="1800"/>
+            <a:endParaRPr lang="en-US" altLang="en-US" sz="1000"/>
           </a:p>
           <a:p>
             <a:pPr lvl="2"/>
             <a:r>
-              <a:rPr lang="en-US" altLang="en-US" sz="1800"/>
+              <a:rPr lang="en-US" altLang="en-US" sz="1000"/>
               <a:t>sudo ap install flake8</a:t>
             </a:r>
-            <a:endParaRPr lang="en-US" altLang="en-US" sz="1800"/>
+            <a:endParaRPr lang="en-US" altLang="en-US" sz="1000"/>
           </a:p>
           <a:p>
             <a:pPr lvl="1"/>
             <a:r>
-              <a:rPr lang="en-US" altLang="en-US"/>
+              <a:rPr lang="en-US" altLang="en-US" sz="1200"/>
               <a:t>NERDTree</a:t>
             </a:r>
-            <a:endParaRPr lang="en-US" altLang="en-US"/>
+            <a:endParaRPr lang="en-US" altLang="en-US" sz="1200"/>
           </a:p>
           <a:p>
             <a:pPr lvl="2"/>
             <a:r>
-              <a:rPr lang="en-US" altLang="en-US" sz="1800"/>
+              <a:rPr lang="en-US" altLang="en-US" sz="1000"/>
               <a:t>Add “Plugin 'scrooloose/nerdtree'” to .vimrc</a:t>
             </a:r>
-            <a:endParaRPr lang="en-US" altLang="en-US"/>
+            <a:endParaRPr lang="en-US" altLang="en-US" sz="1000"/>
           </a:p>
           <a:p>
             <a:pPr lvl="1"/>
             <a:r>
-              <a:rPr lang="en-US" altLang="en-US"/>
+              <a:rPr lang="en-US" altLang="en-US" sz="1200"/>
               <a:t>fugutive</a:t>
             </a:r>
-            <a:endParaRPr lang="en-US" altLang="en-US"/>
+            <a:endParaRPr lang="en-US" altLang="en-US" sz="1200"/>
           </a:p>
           <a:p>
             <a:pPr lvl="2"/>
             <a:r>
-              <a:rPr lang="en-US" altLang="en-US" sz="1800"/>
+              <a:rPr lang="en-US" altLang="en-US" sz="1000"/>
               <a:t>Add “Plugin 'tpope/vim-fugitive'” to .vimrc</a:t>
             </a:r>
-            <a:endParaRPr lang="en-US" altLang="en-US" sz="1800"/>
+            <a:endParaRPr lang="en-US" altLang="en-US" sz="1000"/>
           </a:p>
           <a:p>
             <a:pPr lvl="1"/>
             <a:r>
-              <a:rPr lang="en-US" altLang="en-US"/>
+              <a:rPr lang="en-US" altLang="en-US" sz="1200"/>
               <a:t>YouCompleteMe</a:t>
             </a:r>
-            <a:endParaRPr lang="en-US" altLang="en-US"/>
+            <a:endParaRPr lang="en-US" altLang="en-US" sz="1200"/>
           </a:p>
           <a:p>
             <a:pPr lvl="2"/>
             <a:r>
-              <a:rPr lang="en-US" altLang="en-US"/>
+              <a:rPr lang="en-US" altLang="en-US" sz="1000"/>
               <a:t>git clone https://github.com/Valloric/YouCompleteMe.git ~/.vim/bundle/</a:t>
             </a:r>
-            <a:endParaRPr lang="en-US" altLang="en-US"/>
+            <a:endParaRPr lang="en-US" altLang="en-US" sz="1000"/>
           </a:p>
           <a:p>
             <a:pPr lvl="2"/>
             <a:r>
-              <a:rPr lang="en-US" altLang="en-US"/>
+              <a:rPr lang="en-US" altLang="en-US" sz="1000"/>
               <a:t>cd ~/.vim/bundle/YouCompleteMe/</a:t>
             </a:r>
-            <a:endParaRPr lang="en-US" altLang="en-US"/>
+            <a:endParaRPr lang="en-US" altLang="en-US" sz="1000"/>
           </a:p>
           <a:p>
             <a:pPr lvl="2"/>
             <a:r>
-              <a:rPr lang="en-US" altLang="en-US"/>
+              <a:rPr lang="en-US" altLang="en-US" sz="1000"/>
               <a:t>git submodule update --init --recursive (may fail because of network restriction)</a:t>
             </a:r>
-            <a:endParaRPr lang="en-US" altLang="en-US"/>
+            <a:endParaRPr lang="en-US" altLang="en-US" sz="1000"/>
           </a:p>
           <a:p>
             <a:pPr lvl="2"/>
             <a:r>
-              <a:rPr lang="en-US" altLang="en-US"/>
+              <a:rPr lang="en-US" altLang="en-US" sz="1000"/>
               <a:t>python ./install.py</a:t>
             </a:r>
-            <a:endParaRPr lang="en-US" altLang="en-US"/>
+            <a:endParaRPr lang="en-US" altLang="en-US" sz="1000"/>
           </a:p>
           <a:p>
             <a:pPr lvl="2"/>
             <a:r>
-              <a:rPr lang="en-US" altLang="en-US"/>
+              <a:rPr lang="en-US" altLang="en-US" sz="1000"/>
               <a:t>Add “Bundle 'Valloric/YouCompleteMe'” to .vimrc</a:t>
             </a:r>
-            <a:endParaRPr lang="en-US" altLang="en-US"/>
+            <a:endParaRPr lang="en-US" altLang="en-US" sz="1000"/>
           </a:p>
           <a:p>
             <a:pPr lvl="2"/>
             <a:r>
-              <a:rPr lang="en-US" altLang="en-US"/>
+              <a:rPr lang="en-US" altLang="en-US" sz="1000"/>
               <a:t>virtualenv support: create .ycm_extra_conf.py</a:t>
             </a:r>
-            <a:endParaRPr lang="en-US" altLang="en-US"/>
+            <a:endParaRPr lang="en-US" altLang="en-US" sz="1000"/>
           </a:p>
           <a:p>
             <a:pPr lvl="1"/>
             <a:r>
-              <a:rPr lang="en-US" altLang="en-US"/>
+              <a:rPr lang="en-US" altLang="en-US" sz="1200"/>
               <a:t>taglist</a:t>
             </a:r>
-            <a:endParaRPr lang="en-US" altLang="en-US"/>
+            <a:endParaRPr lang="en-US" altLang="en-US" sz="1200"/>
           </a:p>
         </p:txBody>
       </p:sp>

--- a/Python/Python-Notes.pptx
+++ b/Python/Python-Notes.pptx
@@ -5,10 +5,10 @@
     <p:sldMasterId id="2147483648" r:id="rId1"/>
   </p:sldMasterIdLst>
   <p:notesMasterIdLst>
-    <p:notesMasterId r:id="rId50"/>
+    <p:notesMasterId r:id="rId53"/>
   </p:notesMasterIdLst>
   <p:handoutMasterIdLst>
-    <p:handoutMasterId r:id="rId51"/>
+    <p:handoutMasterId r:id="rId54"/>
   </p:handoutMasterIdLst>
   <p:sldIdLst>
     <p:sldId id="256" r:id="rId3"/>
@@ -34,30 +34,33 @@
     <p:sldId id="352" r:id="rId23"/>
     <p:sldId id="585" r:id="rId24"/>
     <p:sldId id="637" r:id="rId25"/>
-    <p:sldId id="613" r:id="rId26"/>
-    <p:sldId id="509" r:id="rId27"/>
-    <p:sldId id="266" r:id="rId28"/>
-    <p:sldId id="261" r:id="rId29"/>
-    <p:sldId id="273" r:id="rId30"/>
-    <p:sldId id="262" r:id="rId31"/>
-    <p:sldId id="284" r:id="rId32"/>
-    <p:sldId id="263" r:id="rId33"/>
-    <p:sldId id="324" r:id="rId34"/>
-    <p:sldId id="285" r:id="rId35"/>
-    <p:sldId id="286" r:id="rId36"/>
-    <p:sldId id="347" r:id="rId37"/>
-    <p:sldId id="448" r:id="rId38"/>
-    <p:sldId id="349" r:id="rId39"/>
-    <p:sldId id="332" r:id="rId40"/>
-    <p:sldId id="369" r:id="rId41"/>
-    <p:sldId id="574" r:id="rId42"/>
-    <p:sldId id="575" r:id="rId43"/>
-    <p:sldId id="580" r:id="rId44"/>
-    <p:sldId id="608" r:id="rId45"/>
-    <p:sldId id="510" r:id="rId46"/>
-    <p:sldId id="351" r:id="rId47"/>
-    <p:sldId id="511" r:id="rId48"/>
-    <p:sldId id="512" r:id="rId49"/>
+    <p:sldId id="704" r:id="rId26"/>
+    <p:sldId id="613" r:id="rId27"/>
+    <p:sldId id="509" r:id="rId28"/>
+    <p:sldId id="266" r:id="rId29"/>
+    <p:sldId id="261" r:id="rId30"/>
+    <p:sldId id="273" r:id="rId31"/>
+    <p:sldId id="262" r:id="rId32"/>
+    <p:sldId id="284" r:id="rId33"/>
+    <p:sldId id="263" r:id="rId34"/>
+    <p:sldId id="324" r:id="rId35"/>
+    <p:sldId id="285" r:id="rId36"/>
+    <p:sldId id="286" r:id="rId37"/>
+    <p:sldId id="347" r:id="rId38"/>
+    <p:sldId id="448" r:id="rId39"/>
+    <p:sldId id="349" r:id="rId40"/>
+    <p:sldId id="332" r:id="rId41"/>
+    <p:sldId id="369" r:id="rId42"/>
+    <p:sldId id="574" r:id="rId43"/>
+    <p:sldId id="575" r:id="rId44"/>
+    <p:sldId id="580" r:id="rId45"/>
+    <p:sldId id="608" r:id="rId46"/>
+    <p:sldId id="698" r:id="rId47"/>
+    <p:sldId id="730" r:id="rId48"/>
+    <p:sldId id="510" r:id="rId49"/>
+    <p:sldId id="351" r:id="rId50"/>
+    <p:sldId id="511" r:id="rId51"/>
+    <p:sldId id="512" r:id="rId52"/>
   </p:sldIdLst>
   <p:sldSz cx="12192000" cy="6858000"/>
   <p:notesSz cx="6858000" cy="9144000"/>
@@ -156,11 +159,6 @@
       </a:defRPr>
     </a:lvl9pPr>
   </p:defaultTextStyle>
-  <p:extLst>
-    <p:ext uri="{505F2C04-C923-438B-8C0F-E0CD2BADF298}">
-      <wppc:fontMiss xmlns:wppc="http://www.wps.cn/officeDocument/PresentationCustomData" type="true"/>
-    </p:ext>
-  </p:extLst>
 </p:presentation>
 </file>
 
@@ -4062,10 +4060,15 @@
             <p:ph idx="1"/>
           </p:nvPr>
         </p:nvSpPr>
-        <p:spPr/>
+        <p:spPr>
+          <a:xfrm>
+            <a:off x="838200" y="1211580"/>
+            <a:ext cx="10515600" cy="5226685"/>
+          </a:xfrm>
+        </p:spPr>
         <p:txBody>
           <a:bodyPr>
-            <a:normAutofit fontScale="90000" lnSpcReduction="20000"/>
+            <a:normAutofit lnSpcReduction="20000"/>
           </a:bodyPr>
           <a:p>
             <a:pPr algn="l">
@@ -4078,7 +4081,7 @@
             </a:pPr>
             <a:r>
               <a:rPr lang="en-US" altLang="zh-CN"/>
-              <a:t>Date/time</a:t>
+              <a:t>from datetime import date, time, datetime</a:t>
             </a:r>
             <a:endParaRPr lang="en-US" altLang="zh-CN"/>
           </a:p>
@@ -4116,7 +4119,26 @@
             </a:pPr>
             <a:r>
               <a:rPr lang="en-US" altLang="zh-CN"/>
-              <a:t>time.gmtime(), time.localtime()</a:t>
+              <a:t>time.gmtime(), time.localtime(), time.asctime(), time.strftime('%Y-%M-%d-%H:%M:%S')</a:t>
+            </a:r>
+            <a:endParaRPr lang="en-US" altLang="zh-CN"/>
+          </a:p>
+          <a:p>
+            <a:pPr lvl="1" algn="l">
+              <a:lnSpc>
+                <a:spcPct val="90000"/>
+              </a:lnSpc>
+              <a:spcBef>
+                <a:spcPts val="1000"/>
+              </a:spcBef>
+              <a:buClrTx/>
+              <a:buSzTx/>
+              <a:buFont typeface="黑体" panose="02010609060101010101" pitchFamily="49" charset="-122"/>
+              <a:buChar char="〉"/>
+            </a:pPr>
+            <a:r>
+              <a:rPr lang="en-US" altLang="zh-CN"/>
+              <a:t>date</a:t>
             </a:r>
             <a:endParaRPr lang="en-US" altLang="zh-CN"/>
           </a:p>
@@ -4134,8 +4156,8 @@
               <a:buChar char="〉"/>
             </a:pPr>
             <a:r>
-              <a:rPr lang="en-US" altLang="zh-CN"/>
-              <a:t>time.asctime(), time.strftime('%Y-%M-%d-%H:%M:%S')</a:t>
+              <a:rPr lang="en-US" altLang="zh-CN" sz="1800"/>
+              <a:t>today = date.today(), today.day today.month today.year today.weekday	</a:t>
             </a:r>
             <a:endParaRPr lang="en-US" altLang="zh-CN"/>
           </a:p>
@@ -4172,10 +4194,10 @@
               <a:buChar char="〉"/>
             </a:pPr>
             <a:r>
-              <a:rPr lang="en-US" altLang="zh-CN" sz="2000"/>
-              <a:t>dt = datetime.datetime.now()</a:t>
-            </a:r>
-            <a:endParaRPr lang="en-US" altLang="zh-CN" sz="2000"/>
+              <a:rPr lang="en-US" altLang="zh-CN"/>
+              <a:t>dt = datetime.now(), dt.date(), dt.time(), dt.year, dt.month, dt.day, dt.hour, dt.minute, dt.second</a:t>
+            </a:r>
+            <a:endParaRPr lang="en-US" altLang="zh-CN"/>
           </a:p>
           <a:p>
             <a:pPr lvl="2" algn="l">
@@ -4191,10 +4213,37 @@
               <a:buChar char="〉"/>
             </a:pPr>
             <a:r>
-              <a:rPr lang="en-US" altLang="zh-CN" sz="2000"/>
-              <a:t>dt.date(), dt.time(), dt.year, dt.month, dt.day, dt.hour, dt.minute, dt.second</a:t>
-            </a:r>
-            <a:endParaRPr lang="en-US" altLang="zh-CN" sz="2000"/>
+              <a:rPr lang="en-US" altLang="zh-CN" sz="1795">
+                <a:sym typeface="+mn-ea"/>
+              </a:rPr>
+              <a:t>datetime.datetime.now().strftime('...')</a:t>
+            </a:r>
+            <a:endParaRPr lang="en-US" altLang="zh-CN" sz="1795">
+              <a:sym typeface="+mn-ea"/>
+            </a:endParaRPr>
+          </a:p>
+          <a:p>
+            <a:pPr lvl="2" algn="l">
+              <a:lnSpc>
+                <a:spcPct val="90000"/>
+              </a:lnSpc>
+              <a:spcBef>
+                <a:spcPts val="1000"/>
+              </a:spcBef>
+              <a:buClrTx/>
+              <a:buSzTx/>
+              <a:buFont typeface="黑体" panose="02010609060101010101" pitchFamily="49" charset="-122"/>
+              <a:buChar char="〉"/>
+            </a:pPr>
+            <a:r>
+              <a:rPr lang="en-US" altLang="zh-CN" sz="1790">
+                <a:sym typeface="+mn-ea"/>
+              </a:rPr>
+              <a:t>datetime.strptime(sz, '%Y%m%d%H%M%S')</a:t>
+            </a:r>
+            <a:endParaRPr lang="en-US" altLang="zh-CN" sz="1790">
+              <a:sym typeface="+mn-ea"/>
+            </a:endParaRPr>
           </a:p>
           <a:p>
             <a:pPr lvl="1" algn="l">
@@ -4210,10 +4259,14 @@
               <a:buChar char="〉"/>
             </a:pPr>
             <a:r>
-              <a:rPr lang="en-US" altLang="zh-CN" sz="2220"/>
-              <a:t>datetime to string</a:t>
-            </a:r>
-            <a:endParaRPr lang="en-US" altLang="zh-CN" sz="2220"/>
+              <a:rPr lang="en-US" altLang="zh-CN" sz="1985">
+                <a:sym typeface="+mn-ea"/>
+              </a:rPr>
+              <a:t>timedelta</a:t>
+            </a:r>
+            <a:endParaRPr lang="en-US" altLang="zh-CN" sz="1985">
+              <a:sym typeface="+mn-ea"/>
+            </a:endParaRPr>
           </a:p>
           <a:p>
             <a:pPr lvl="2" algn="l">
@@ -4229,14 +4282,31 @@
               <a:buChar char="〉"/>
             </a:pPr>
             <a:r>
-              <a:rPr lang="en-US" altLang="zh-CN" sz="1795">
+              <a:rPr lang="en-US" altLang="zh-CN" sz="1785">
                 <a:sym typeface="+mn-ea"/>
               </a:rPr>
-              <a:t>datetime.datetime.now().strftime('...')</a:t>
-            </a:r>
-            <a:endParaRPr lang="en-US" altLang="zh-CN" sz="1795">
-              <a:sym typeface="+mn-ea"/>
-            </a:endParaRPr>
+              <a:t>dt1 = datetime.now() + timedelta(days=1, hours=1)</a:t>
+            </a:r>
+            <a:endParaRPr lang="en-US" altLang="zh-CN" sz="1985"/>
+          </a:p>
+          <a:p>
+            <a:pPr lvl="0" algn="l">
+              <a:lnSpc>
+                <a:spcPct val="90000"/>
+              </a:lnSpc>
+              <a:spcBef>
+                <a:spcPts val="1000"/>
+              </a:spcBef>
+              <a:buClrTx/>
+              <a:buSzTx/>
+              <a:buFont typeface="黑体" panose="02010609060101010101" pitchFamily="49" charset="-122"/>
+              <a:buChar char="〉"/>
+            </a:pPr>
+            <a:r>
+              <a:rPr lang="en-US" altLang="zh-CN"/>
+              <a:t>Functools</a:t>
+            </a:r>
+            <a:endParaRPr lang="en-US" altLang="zh-CN"/>
           </a:p>
           <a:p>
             <a:pPr lvl="1" algn="l">
@@ -4252,14 +4322,10 @@
               <a:buChar char="〉"/>
             </a:pPr>
             <a:r>
-              <a:rPr lang="en-US" altLang="zh-CN" sz="1990">
-                <a:sym typeface="+mn-ea"/>
-              </a:rPr>
-              <a:t>string to datetime</a:t>
-            </a:r>
-            <a:endParaRPr lang="en-US" altLang="zh-CN" sz="1990">
-              <a:sym typeface="+mn-ea"/>
-            </a:endParaRPr>
+              <a:rPr lang="en-US" altLang="zh-CN"/>
+              <a:t>partial</a:t>
+            </a:r>
+            <a:endParaRPr lang="en-US" altLang="zh-CN"/>
           </a:p>
           <a:p>
             <a:pPr lvl="2" algn="l">
@@ -4275,65 +4341,6 @@
               <a:buChar char="〉"/>
             </a:pPr>
             <a:r>
-              <a:rPr lang="en-US" altLang="zh-CN" sz="1790">
-                <a:sym typeface="+mn-ea"/>
-              </a:rPr>
-              <a:t>datetime.strptime(sz, '%Y%m%d%H%M%S')</a:t>
-            </a:r>
-            <a:endParaRPr lang="en-US" altLang="zh-CN" sz="1990"/>
-          </a:p>
-          <a:p>
-            <a:pPr lvl="0" algn="l">
-              <a:lnSpc>
-                <a:spcPct val="90000"/>
-              </a:lnSpc>
-              <a:spcBef>
-                <a:spcPts val="1000"/>
-              </a:spcBef>
-              <a:buClrTx/>
-              <a:buSzTx/>
-              <a:buFont typeface="黑体" panose="02010609060101010101" pitchFamily="49" charset="-122"/>
-              <a:buChar char="〉"/>
-            </a:pPr>
-            <a:r>
-              <a:rPr lang="en-US" altLang="zh-CN"/>
-              <a:t>Functools</a:t>
-            </a:r>
-            <a:endParaRPr lang="en-US" altLang="zh-CN"/>
-          </a:p>
-          <a:p>
-            <a:pPr lvl="1" algn="l">
-              <a:lnSpc>
-                <a:spcPct val="90000"/>
-              </a:lnSpc>
-              <a:spcBef>
-                <a:spcPts val="1000"/>
-              </a:spcBef>
-              <a:buClrTx/>
-              <a:buSzTx/>
-              <a:buFont typeface="黑体" panose="02010609060101010101" pitchFamily="49" charset="-122"/>
-              <a:buChar char="〉"/>
-            </a:pPr>
-            <a:r>
-              <a:rPr lang="en-US" altLang="zh-CN"/>
-              <a:t>partial</a:t>
-            </a:r>
-            <a:endParaRPr lang="en-US" altLang="zh-CN"/>
-          </a:p>
-          <a:p>
-            <a:pPr lvl="2" algn="l">
-              <a:lnSpc>
-                <a:spcPct val="90000"/>
-              </a:lnSpc>
-              <a:spcBef>
-                <a:spcPts val="1000"/>
-              </a:spcBef>
-              <a:buClrTx/>
-              <a:buSzTx/>
-              <a:buFont typeface="黑体" panose="02010609060101010101" pitchFamily="49" charset="-122"/>
-              <a:buChar char="〉"/>
-            </a:pPr>
-            <a:r>
               <a:rPr lang="en-US" altLang="zh-CN"/>
               <a:t>generate a new function with arguments already filled in</a:t>
             </a:r>
@@ -4349,7 +4356,7 @@
         </p:nvSpPr>
         <p:spPr>
           <a:xfrm>
-            <a:off x="8131175" y="914400"/>
+            <a:off x="7987665" y="4883785"/>
             <a:ext cx="3849370" cy="1476375"/>
           </a:xfrm>
           <a:prstGeom prst="rect">
@@ -5857,7 +5864,7 @@
           <a:p>
             <a:r>
               <a:rPr lang="en-US" altLang="zh-CN"/>
-              <a:t>Throw exception</a:t>
+              <a:t>Raise exception</a:t>
             </a:r>
             <a:endParaRPr lang="en-US" altLang="zh-CN"/>
           </a:p>
@@ -5865,8 +5872,20 @@
             <a:pPr lvl="1"/>
             <a:r>
               <a:rPr lang="en-US" altLang="zh-CN"/>
-              <a:t>throw</a:t>
-            </a:r>
+              <a:t>raise</a:t>
+            </a:r>
+            <a:endParaRPr lang="en-US" altLang="zh-CN"/>
+          </a:p>
+          <a:p>
+            <a:pPr lvl="0"/>
+            <a:r>
+              <a:rPr lang="en-US" altLang="zh-CN"/>
+              <a:t>Exception</a:t>
+            </a:r>
+            <a:endParaRPr lang="en-US" altLang="zh-CN"/>
+          </a:p>
+          <a:p>
+            <a:pPr lvl="1"/>
             <a:endParaRPr lang="en-US" altLang="zh-CN"/>
           </a:p>
         </p:txBody>
@@ -5879,7 +5898,7 @@
         </p:nvSpPr>
         <p:spPr>
           <a:xfrm>
-            <a:off x="6753860" y="1537970"/>
+            <a:off x="6741160" y="914400"/>
             <a:ext cx="4197985" cy="1198880"/>
           </a:xfrm>
           <a:prstGeom prst="rect">
@@ -5926,6 +5945,523 @@
           </a:p>
         </p:txBody>
       </p:sp>
+      <p:sp>
+        <p:nvSpPr>
+          <p:cNvPr id="5" name="圆角矩形 4"/>
+          <p:cNvSpPr/>
+          <p:nvPr/>
+        </p:nvSpPr>
+        <p:spPr>
+          <a:xfrm>
+            <a:off x="7536815" y="2437130"/>
+            <a:ext cx="1838960" cy="678180"/>
+          </a:xfrm>
+          <a:prstGeom prst="roundRect">
+            <a:avLst/>
+          </a:prstGeom>
+        </p:spPr>
+        <p:style>
+          <a:lnRef idx="2">
+            <a:schemeClr val="accent1">
+              <a:shade val="50000"/>
+            </a:schemeClr>
+          </a:lnRef>
+          <a:fillRef idx="1">
+            <a:schemeClr val="accent1"/>
+          </a:fillRef>
+          <a:effectRef idx="0">
+            <a:schemeClr val="accent1"/>
+          </a:effectRef>
+          <a:fontRef idx="minor">
+            <a:schemeClr val="lt1"/>
+          </a:fontRef>
+        </p:style>
+        <p:txBody>
+          <a:bodyPr rtlCol="0" anchor="ctr"/>
+          <a:p>
+            <a:pPr algn="ctr"/>
+            <a:r>
+              <a:rPr lang="en-US" altLang="zh-CN"/>
+              <a:t>Exception</a:t>
+            </a:r>
+            <a:endParaRPr lang="en-US" altLang="zh-CN"/>
+          </a:p>
+        </p:txBody>
+      </p:sp>
+      <p:sp>
+        <p:nvSpPr>
+          <p:cNvPr id="6" name="圆角矩形 5"/>
+          <p:cNvSpPr/>
+          <p:nvPr/>
+        </p:nvSpPr>
+        <p:spPr>
+          <a:xfrm>
+            <a:off x="7536815" y="3428365"/>
+            <a:ext cx="1838960" cy="678180"/>
+          </a:xfrm>
+          <a:prstGeom prst="roundRect">
+            <a:avLst/>
+          </a:prstGeom>
+        </p:spPr>
+        <p:style>
+          <a:lnRef idx="2">
+            <a:schemeClr val="accent1">
+              <a:shade val="50000"/>
+            </a:schemeClr>
+          </a:lnRef>
+          <a:fillRef idx="1">
+            <a:schemeClr val="accent1"/>
+          </a:fillRef>
+          <a:effectRef idx="0">
+            <a:schemeClr val="accent1"/>
+          </a:effectRef>
+          <a:fontRef idx="minor">
+            <a:schemeClr val="lt1"/>
+          </a:fontRef>
+        </p:style>
+        <p:txBody>
+          <a:bodyPr rtlCol="0" anchor="ctr"/>
+          <a:p>
+            <a:pPr algn="ctr"/>
+            <a:r>
+              <a:rPr lang="en-US" altLang="zh-CN"/>
+              <a:t>StandardError</a:t>
+            </a:r>
+            <a:endParaRPr lang="en-US" altLang="zh-CN"/>
+          </a:p>
+        </p:txBody>
+      </p:sp>
+      <p:sp>
+        <p:nvSpPr>
+          <p:cNvPr id="7" name="圆角矩形 6"/>
+          <p:cNvSpPr/>
+          <p:nvPr/>
+        </p:nvSpPr>
+        <p:spPr>
+          <a:xfrm>
+            <a:off x="4902200" y="3428365"/>
+            <a:ext cx="1838960" cy="678180"/>
+          </a:xfrm>
+          <a:prstGeom prst="roundRect">
+            <a:avLst/>
+          </a:prstGeom>
+        </p:spPr>
+        <p:style>
+          <a:lnRef idx="2">
+            <a:schemeClr val="accent1">
+              <a:shade val="50000"/>
+            </a:schemeClr>
+          </a:lnRef>
+          <a:fillRef idx="1">
+            <a:schemeClr val="accent1"/>
+          </a:fillRef>
+          <a:effectRef idx="0">
+            <a:schemeClr val="accent1"/>
+          </a:effectRef>
+          <a:fontRef idx="minor">
+            <a:schemeClr val="lt1"/>
+          </a:fontRef>
+        </p:style>
+        <p:txBody>
+          <a:bodyPr rtlCol="0" anchor="ctr"/>
+          <a:p>
+            <a:pPr algn="ctr"/>
+            <a:r>
+              <a:rPr lang="en-US" altLang="zh-CN"/>
+              <a:t>SystemExit</a:t>
+            </a:r>
+            <a:endParaRPr lang="en-US" altLang="zh-CN"/>
+          </a:p>
+        </p:txBody>
+      </p:sp>
+      <p:sp>
+        <p:nvSpPr>
+          <p:cNvPr id="8" name="圆角矩形 7"/>
+          <p:cNvSpPr/>
+          <p:nvPr/>
+        </p:nvSpPr>
+        <p:spPr>
+          <a:xfrm>
+            <a:off x="10026650" y="3428365"/>
+            <a:ext cx="1838960" cy="678180"/>
+          </a:xfrm>
+          <a:prstGeom prst="roundRect">
+            <a:avLst/>
+          </a:prstGeom>
+        </p:spPr>
+        <p:style>
+          <a:lnRef idx="2">
+            <a:schemeClr val="accent1">
+              <a:shade val="50000"/>
+            </a:schemeClr>
+          </a:lnRef>
+          <a:fillRef idx="1">
+            <a:schemeClr val="accent1"/>
+          </a:fillRef>
+          <a:effectRef idx="0">
+            <a:schemeClr val="accent1"/>
+          </a:effectRef>
+          <a:fontRef idx="minor">
+            <a:schemeClr val="lt1"/>
+          </a:fontRef>
+        </p:style>
+        <p:txBody>
+          <a:bodyPr rtlCol="0" anchor="ctr"/>
+          <a:p>
+            <a:pPr algn="ctr"/>
+            <a:r>
+              <a:rPr lang="en-US" altLang="zh-CN"/>
+              <a:t>StopIteration</a:t>
+            </a:r>
+            <a:endParaRPr lang="en-US" altLang="zh-CN"/>
+          </a:p>
+        </p:txBody>
+      </p:sp>
+      <p:sp>
+        <p:nvSpPr>
+          <p:cNvPr id="9" name="圆角矩形 8"/>
+          <p:cNvSpPr/>
+          <p:nvPr/>
+        </p:nvSpPr>
+        <p:spPr>
+          <a:xfrm>
+            <a:off x="5372100" y="4549775"/>
+            <a:ext cx="1838960" cy="678180"/>
+          </a:xfrm>
+          <a:prstGeom prst="roundRect">
+            <a:avLst/>
+          </a:prstGeom>
+        </p:spPr>
+        <p:style>
+          <a:lnRef idx="2">
+            <a:schemeClr val="accent1">
+              <a:shade val="50000"/>
+            </a:schemeClr>
+          </a:lnRef>
+          <a:fillRef idx="1">
+            <a:schemeClr val="accent1"/>
+          </a:fillRef>
+          <a:effectRef idx="0">
+            <a:schemeClr val="accent1"/>
+          </a:effectRef>
+          <a:fontRef idx="minor">
+            <a:schemeClr val="lt1"/>
+          </a:fontRef>
+        </p:style>
+        <p:txBody>
+          <a:bodyPr rtlCol="0" anchor="ctr"/>
+          <a:p>
+            <a:pPr algn="ctr"/>
+            <a:r>
+              <a:rPr lang="en-US" altLang="zh-CN"/>
+              <a:t>ArithmeticError</a:t>
+            </a:r>
+            <a:endParaRPr lang="en-US" altLang="zh-CN"/>
+          </a:p>
+        </p:txBody>
+      </p:sp>
+      <p:sp>
+        <p:nvSpPr>
+          <p:cNvPr id="10" name="圆角矩形 9"/>
+          <p:cNvSpPr/>
+          <p:nvPr/>
+        </p:nvSpPr>
+        <p:spPr>
+          <a:xfrm>
+            <a:off x="7353935" y="4549775"/>
+            <a:ext cx="1838960" cy="678180"/>
+          </a:xfrm>
+          <a:prstGeom prst="roundRect">
+            <a:avLst/>
+          </a:prstGeom>
+        </p:spPr>
+        <p:style>
+          <a:lnRef idx="2">
+            <a:schemeClr val="accent1">
+              <a:shade val="50000"/>
+            </a:schemeClr>
+          </a:lnRef>
+          <a:fillRef idx="1">
+            <a:schemeClr val="accent1"/>
+          </a:fillRef>
+          <a:effectRef idx="0">
+            <a:schemeClr val="accent1"/>
+          </a:effectRef>
+          <a:fontRef idx="minor">
+            <a:schemeClr val="lt1"/>
+          </a:fontRef>
+        </p:style>
+        <p:txBody>
+          <a:bodyPr rtlCol="0" anchor="ctr"/>
+          <a:p>
+            <a:pPr algn="ctr"/>
+            <a:r>
+              <a:rPr lang="en-US" altLang="zh-CN"/>
+              <a:t>OverflowError</a:t>
+            </a:r>
+            <a:endParaRPr lang="en-US" altLang="zh-CN"/>
+          </a:p>
+        </p:txBody>
+      </p:sp>
+      <p:cxnSp>
+        <p:nvCxnSpPr>
+          <p:cNvPr id="11" name="直接箭头连接符 10"/>
+          <p:cNvCxnSpPr>
+            <a:stCxn id="5" idx="2"/>
+            <a:endCxn id="7" idx="0"/>
+          </p:cNvCxnSpPr>
+          <p:nvPr/>
+        </p:nvCxnSpPr>
+        <p:spPr>
+          <a:xfrm flipH="1">
+            <a:off x="5821680" y="3115310"/>
+            <a:ext cx="2634615" cy="313055"/>
+          </a:xfrm>
+          <a:prstGeom prst="straightConnector1">
+            <a:avLst/>
+          </a:prstGeom>
+          <a:ln>
+            <a:tailEnd type="arrow"/>
+          </a:ln>
+        </p:spPr>
+        <p:style>
+          <a:lnRef idx="1">
+            <a:schemeClr val="accent1"/>
+          </a:lnRef>
+          <a:fillRef idx="0">
+            <a:schemeClr val="accent1"/>
+          </a:fillRef>
+          <a:effectRef idx="0">
+            <a:schemeClr val="accent1"/>
+          </a:effectRef>
+          <a:fontRef idx="minor">
+            <a:schemeClr val="tx1"/>
+          </a:fontRef>
+        </p:style>
+      </p:cxnSp>
+      <p:cxnSp>
+        <p:nvCxnSpPr>
+          <p:cNvPr id="12" name="直接箭头连接符 11"/>
+          <p:cNvCxnSpPr>
+            <a:stCxn id="5" idx="2"/>
+            <a:endCxn id="6" idx="0"/>
+          </p:cNvCxnSpPr>
+          <p:nvPr/>
+        </p:nvCxnSpPr>
+        <p:spPr>
+          <a:xfrm>
+            <a:off x="8456295" y="3115310"/>
+            <a:ext cx="0" cy="313055"/>
+          </a:xfrm>
+          <a:prstGeom prst="straightConnector1">
+            <a:avLst/>
+          </a:prstGeom>
+          <a:ln>
+            <a:tailEnd type="arrow"/>
+          </a:ln>
+        </p:spPr>
+        <p:style>
+          <a:lnRef idx="1">
+            <a:schemeClr val="accent1"/>
+          </a:lnRef>
+          <a:fillRef idx="0">
+            <a:schemeClr val="accent1"/>
+          </a:fillRef>
+          <a:effectRef idx="0">
+            <a:schemeClr val="accent1"/>
+          </a:effectRef>
+          <a:fontRef idx="minor">
+            <a:schemeClr val="tx1"/>
+          </a:fontRef>
+        </p:style>
+      </p:cxnSp>
+      <p:cxnSp>
+        <p:nvCxnSpPr>
+          <p:cNvPr id="13" name="直接箭头连接符 12"/>
+          <p:cNvCxnSpPr>
+            <a:stCxn id="5" idx="2"/>
+            <a:endCxn id="8" idx="0"/>
+          </p:cNvCxnSpPr>
+          <p:nvPr/>
+        </p:nvCxnSpPr>
+        <p:spPr>
+          <a:xfrm>
+            <a:off x="8456295" y="3115310"/>
+            <a:ext cx="2489835" cy="313055"/>
+          </a:xfrm>
+          <a:prstGeom prst="straightConnector1">
+            <a:avLst/>
+          </a:prstGeom>
+          <a:ln>
+            <a:tailEnd type="arrow"/>
+          </a:ln>
+        </p:spPr>
+        <p:style>
+          <a:lnRef idx="1">
+            <a:schemeClr val="accent1"/>
+          </a:lnRef>
+          <a:fillRef idx="0">
+            <a:schemeClr val="accent1"/>
+          </a:fillRef>
+          <a:effectRef idx="0">
+            <a:schemeClr val="accent1"/>
+          </a:effectRef>
+          <a:fontRef idx="minor">
+            <a:schemeClr val="tx1"/>
+          </a:fontRef>
+        </p:style>
+      </p:cxnSp>
+      <p:cxnSp>
+        <p:nvCxnSpPr>
+          <p:cNvPr id="14" name="直接箭头连接符 13"/>
+          <p:cNvCxnSpPr>
+            <a:stCxn id="6" idx="2"/>
+            <a:endCxn id="9" idx="0"/>
+          </p:cNvCxnSpPr>
+          <p:nvPr/>
+        </p:nvCxnSpPr>
+        <p:spPr>
+          <a:xfrm flipH="1">
+            <a:off x="6291580" y="4106545"/>
+            <a:ext cx="2164715" cy="443230"/>
+          </a:xfrm>
+          <a:prstGeom prst="straightConnector1">
+            <a:avLst/>
+          </a:prstGeom>
+          <a:ln>
+            <a:tailEnd type="arrow"/>
+          </a:ln>
+        </p:spPr>
+        <p:style>
+          <a:lnRef idx="1">
+            <a:schemeClr val="accent1"/>
+          </a:lnRef>
+          <a:fillRef idx="0">
+            <a:schemeClr val="accent1"/>
+          </a:fillRef>
+          <a:effectRef idx="0">
+            <a:schemeClr val="accent1"/>
+          </a:effectRef>
+          <a:fontRef idx="minor">
+            <a:schemeClr val="tx1"/>
+          </a:fontRef>
+        </p:style>
+      </p:cxnSp>
+      <p:cxnSp>
+        <p:nvCxnSpPr>
+          <p:cNvPr id="15" name="直接箭头连接符 14"/>
+          <p:cNvCxnSpPr>
+            <a:stCxn id="6" idx="2"/>
+            <a:endCxn id="10" idx="0"/>
+          </p:cNvCxnSpPr>
+          <p:nvPr/>
+        </p:nvCxnSpPr>
+        <p:spPr>
+          <a:xfrm flipH="1">
+            <a:off x="8273415" y="4106545"/>
+            <a:ext cx="182880" cy="443230"/>
+          </a:xfrm>
+          <a:prstGeom prst="straightConnector1">
+            <a:avLst/>
+          </a:prstGeom>
+          <a:ln>
+            <a:tailEnd type="arrow"/>
+          </a:ln>
+        </p:spPr>
+        <p:style>
+          <a:lnRef idx="1">
+            <a:schemeClr val="accent1"/>
+          </a:lnRef>
+          <a:fillRef idx="0">
+            <a:schemeClr val="accent1"/>
+          </a:fillRef>
+          <a:effectRef idx="0">
+            <a:schemeClr val="accent1"/>
+          </a:effectRef>
+          <a:fontRef idx="minor">
+            <a:schemeClr val="tx1"/>
+          </a:fontRef>
+        </p:style>
+      </p:cxnSp>
+      <p:sp>
+        <p:nvSpPr>
+          <p:cNvPr id="16" name="圆角矩形 15"/>
+          <p:cNvSpPr/>
+          <p:nvPr/>
+        </p:nvSpPr>
+        <p:spPr>
+          <a:xfrm>
+            <a:off x="9375775" y="4549775"/>
+            <a:ext cx="1838960" cy="678180"/>
+          </a:xfrm>
+          <a:prstGeom prst="roundRect">
+            <a:avLst/>
+          </a:prstGeom>
+        </p:spPr>
+        <p:style>
+          <a:lnRef idx="2">
+            <a:schemeClr val="accent1">
+              <a:shade val="50000"/>
+            </a:schemeClr>
+          </a:lnRef>
+          <a:fillRef idx="1">
+            <a:schemeClr val="accent1"/>
+          </a:fillRef>
+          <a:effectRef idx="0">
+            <a:schemeClr val="accent1"/>
+          </a:effectRef>
+          <a:fontRef idx="minor">
+            <a:schemeClr val="lt1"/>
+          </a:fontRef>
+        </p:style>
+        <p:txBody>
+          <a:bodyPr rtlCol="0" anchor="ctr"/>
+          <a:p>
+            <a:pPr algn="ctr"/>
+            <a:r>
+              <a:rPr lang="en-US" altLang="zh-CN"/>
+              <a:t>IOError</a:t>
+            </a:r>
+            <a:endParaRPr lang="en-US" altLang="zh-CN"/>
+          </a:p>
+        </p:txBody>
+      </p:sp>
+      <p:cxnSp>
+        <p:nvCxnSpPr>
+          <p:cNvPr id="17" name="直接箭头连接符 16"/>
+          <p:cNvCxnSpPr>
+            <a:stCxn id="6" idx="2"/>
+            <a:endCxn id="16" idx="0"/>
+          </p:cNvCxnSpPr>
+          <p:nvPr/>
+        </p:nvCxnSpPr>
+        <p:spPr>
+          <a:xfrm>
+            <a:off x="8456295" y="4106545"/>
+            <a:ext cx="1838960" cy="443230"/>
+          </a:xfrm>
+          <a:prstGeom prst="straightConnector1">
+            <a:avLst/>
+          </a:prstGeom>
+          <a:ln>
+            <a:tailEnd type="arrow"/>
+          </a:ln>
+        </p:spPr>
+        <p:style>
+          <a:lnRef idx="1">
+            <a:schemeClr val="accent1"/>
+          </a:lnRef>
+          <a:fillRef idx="0">
+            <a:schemeClr val="accent1"/>
+          </a:fillRef>
+          <a:effectRef idx="0">
+            <a:schemeClr val="accent1"/>
+          </a:effectRef>
+          <a:fontRef idx="minor">
+            <a:schemeClr val="tx1"/>
+          </a:fontRef>
+        </p:style>
+      </p:cxnSp>
     </p:spTree>
   </p:cSld>
   <p:clrMapOvr>
@@ -6095,7 +6631,7 @@
           <a:p>
             <a:r>
               <a:rPr lang="en-US" altLang="zh-CN"/>
-              <a:t>Misc</a:t>
+              <a:t>SQLite3</a:t>
             </a:r>
             <a:endParaRPr lang="en-US" altLang="zh-CN"/>
           </a:p>
@@ -6117,55 +6653,49 @@
           <a:p>
             <a:r>
               <a:rPr lang="en-US" altLang="zh-CN"/>
-              <a:t>Read input from keyboard</a:t>
-            </a:r>
-            <a:endParaRPr lang="en-US" altLang="zh-CN"/>
-          </a:p>
-          <a:p>
-            <a:pPr lvl="1"/>
-            <a:r>
-              <a:rPr lang="en-US" altLang="zh-CN"/>
-              <a:t>x = input('Enter a number: ')</a:t>
-            </a:r>
-            <a:endParaRPr lang="en-US" altLang="zh-CN"/>
-          </a:p>
-          <a:p>
-            <a:pPr lvl="0"/>
-            <a:r>
-              <a:rPr lang="en-US" altLang="zh-CN"/>
-              <a:t>File related</a:t>
-            </a:r>
-            <a:endParaRPr lang="en-US" altLang="zh-CN"/>
-          </a:p>
-          <a:p>
-            <a:pPr lvl="1"/>
-            <a:r>
-              <a:rPr lang="en-US" altLang="zh-CN"/>
-              <a:t>os.path.getsize(fn)</a:t>
-            </a:r>
-            <a:endParaRPr lang="en-US" altLang="zh-CN"/>
-          </a:p>
-          <a:p>
-            <a:pPr lvl="1"/>
-            <a:r>
-              <a:rPr lang="en-US" altLang="zh-CN"/>
-              <a:t>shutil.move(fn_src, fn_dst)</a:t>
-            </a:r>
-            <a:endParaRPr lang="en-US" altLang="zh-CN"/>
-          </a:p>
-          <a:p>
-            <a:pPr lvl="1"/>
-            <a:r>
-              <a:rPr lang="en-US" altLang="zh-CN"/>
-              <a:t>shutil.copyfile(fn_src, fn_dst)</a:t>
-            </a:r>
-            <a:endParaRPr lang="en-US" altLang="zh-CN"/>
-          </a:p>
-          <a:p>
-            <a:pPr lvl="1"/>
-            <a:r>
-              <a:rPr lang="en-US" altLang="zh-CN"/>
-              <a:t>os.remove(fn)</a:t>
+              <a:t>import sqlite3</a:t>
+            </a:r>
+            <a:endParaRPr lang="en-US" altLang="zh-CN"/>
+          </a:p>
+          <a:p>
+            <a:r>
+              <a:rPr lang="en-US" altLang="zh-CN"/>
+              <a:t>conn = sqlite3.connect(fn_db)</a:t>
+            </a:r>
+            <a:endParaRPr lang="en-US" altLang="zh-CN"/>
+          </a:p>
+          <a:p>
+            <a:r>
+              <a:rPr lang="en-US" altLang="zh-CN"/>
+              <a:t>cursor = conn.cursor()</a:t>
+            </a:r>
+            <a:endParaRPr lang="en-US" altLang="zh-CN"/>
+          </a:p>
+          <a:p>
+            <a:r>
+              <a:rPr lang="en-US" altLang="zh-CN"/>
+              <a:t>q = 'select ...'</a:t>
+            </a:r>
+            <a:endParaRPr lang="en-US" altLang="zh-CN"/>
+          </a:p>
+          <a:p>
+            <a:r>
+              <a:rPr lang="en-US" altLang="zh-CN"/>
+              <a:t>cursor.execute(q)</a:t>
+            </a:r>
+            <a:endParaRPr lang="en-US" altLang="zh-CN"/>
+          </a:p>
+          <a:p>
+            <a:r>
+              <a:rPr lang="en-US" altLang="zh-CN"/>
+              <a:t>record = cursor.fetchall()</a:t>
+            </a:r>
+            <a:endParaRPr lang="en-US" altLang="zh-CN"/>
+          </a:p>
+          <a:p>
+            <a:r>
+              <a:rPr lang="en-US" altLang="zh-CN"/>
+              <a:t>cursor.close()</a:t>
             </a:r>
             <a:endParaRPr lang="en-US" altLang="zh-CN"/>
           </a:p>
@@ -6191,7 +6721,7 @@
       <p:grpSpPr/>
       <p:sp>
         <p:nvSpPr>
-          <p:cNvPr id="4" name="标题 3"/>
+          <p:cNvPr id="2" name="标题 1"/>
           <p:cNvSpPr>
             <a:spLocks noGrp="1"/>
           </p:cNvSpPr>
@@ -6205,27 +6735,145 @@
           <a:p>
             <a:r>
               <a:rPr lang="en-US" altLang="zh-CN"/>
-              <a:t>Packages</a:t>
-            </a:r>
-            <a:endParaRPr lang="en-US" altLang="zh-CN"/>
-          </a:p>
-        </p:txBody>
-      </p:sp>
-      <p:sp>
-        <p:nvSpPr>
-          <p:cNvPr id="5" name="文本占位符 4"/>
-          <p:cNvSpPr>
-            <a:spLocks noGrp="1"/>
-          </p:cNvSpPr>
-          <p:nvPr>
-            <p:ph type="body" idx="1"/>
+              <a:t>Misc</a:t>
+            </a:r>
+            <a:endParaRPr lang="en-US" altLang="zh-CN"/>
+          </a:p>
+        </p:txBody>
+      </p:sp>
+      <p:sp>
+        <p:nvSpPr>
+          <p:cNvPr id="3" name="内容占位符 2"/>
+          <p:cNvSpPr>
+            <a:spLocks noGrp="1"/>
+          </p:cNvSpPr>
+          <p:nvPr>
+            <p:ph idx="1"/>
           </p:nvPr>
         </p:nvSpPr>
         <p:spPr/>
         <p:txBody>
-          <a:bodyPr/>
-          <a:p>
-            <a:endParaRPr lang="zh-CN" altLang="en-US"/>
+          <a:bodyPr>
+            <a:normAutofit lnSpcReduction="20000"/>
+          </a:bodyPr>
+          <a:p>
+            <a:r>
+              <a:rPr lang="en-US" altLang="zh-CN"/>
+              <a:t>Read input from keyboard</a:t>
+            </a:r>
+            <a:endParaRPr lang="en-US" altLang="zh-CN"/>
+          </a:p>
+          <a:p>
+            <a:pPr lvl="1"/>
+            <a:r>
+              <a:rPr lang="en-US" altLang="zh-CN"/>
+              <a:t>x = input('Enter a number: ')</a:t>
+            </a:r>
+            <a:endParaRPr lang="en-US" altLang="zh-CN"/>
+          </a:p>
+          <a:p>
+            <a:pPr lvl="0"/>
+            <a:r>
+              <a:rPr lang="en-US" altLang="zh-CN"/>
+              <a:t>File related</a:t>
+            </a:r>
+            <a:endParaRPr lang="en-US" altLang="zh-CN"/>
+          </a:p>
+          <a:p>
+            <a:pPr lvl="1"/>
+            <a:r>
+              <a:rPr lang="en-US" altLang="zh-CN"/>
+              <a:t>os.path.getsize(fn)</a:t>
+            </a:r>
+            <a:endParaRPr lang="en-US" altLang="zh-CN"/>
+          </a:p>
+          <a:p>
+            <a:pPr lvl="1"/>
+            <a:r>
+              <a:rPr lang="en-US" altLang="zh-CN"/>
+              <a:t>shutil.move(fn_src, fn_dst)</a:t>
+            </a:r>
+            <a:endParaRPr lang="en-US" altLang="zh-CN"/>
+          </a:p>
+          <a:p>
+            <a:pPr lvl="1"/>
+            <a:r>
+              <a:rPr lang="en-US" altLang="zh-CN"/>
+              <a:t>shutil.copyfile(fn_src, fn_dst)</a:t>
+            </a:r>
+            <a:endParaRPr lang="en-US" altLang="zh-CN"/>
+          </a:p>
+          <a:p>
+            <a:pPr lvl="1"/>
+            <a:r>
+              <a:rPr lang="en-US" altLang="zh-CN"/>
+              <a:t>os.remove(fn)</a:t>
+            </a:r>
+            <a:endParaRPr lang="en-US" altLang="zh-CN"/>
+          </a:p>
+          <a:p>
+            <a:pPr lvl="1"/>
+            <a:r>
+              <a:rPr lang="en-US" altLang="zh-CN"/>
+              <a:t>Get file size</a:t>
+            </a:r>
+            <a:endParaRPr lang="en-US" altLang="zh-CN"/>
+          </a:p>
+          <a:p>
+            <a:pPr lvl="2"/>
+            <a:r>
+              <a:rPr lang="en-US" altLang="zh-CN"/>
+              <a:t>fstat=os.stat(fn)  fstat.st_size</a:t>
+            </a:r>
+            <a:endParaRPr lang="en-US" altLang="zh-CN"/>
+          </a:p>
+          <a:p>
+            <a:pPr lvl="2"/>
+            <a:r>
+              <a:rPr lang="en-US" altLang="zh-CN"/>
+              <a:t>os.path.getsize(fn)</a:t>
+            </a:r>
+            <a:endParaRPr lang="en-US" altLang="zh-CN"/>
+          </a:p>
+          <a:p>
+            <a:pPr lvl="0"/>
+            <a:r>
+              <a:rPr lang="en-US" altLang="zh-CN"/>
+              <a:t>System info</a:t>
+            </a:r>
+            <a:endParaRPr lang="en-US" altLang="zh-CN"/>
+          </a:p>
+          <a:p>
+            <a:pPr lvl="1"/>
+            <a:r>
+              <a:rPr lang="en-US" altLang="zh-CN"/>
+              <a:t>multiprocessing.cpu_count()</a:t>
+            </a:r>
+            <a:endParaRPr lang="en-US" altLang="zh-CN"/>
+          </a:p>
+          <a:p>
+            <a:pPr lvl="1"/>
+            <a:r>
+              <a:rPr lang="en-US" altLang="zh-CN"/>
+              <a:t>pip install psutil</a:t>
+            </a:r>
+            <a:endParaRPr lang="en-US" altLang="zh-CN"/>
+          </a:p>
+          <a:p>
+            <a:pPr lvl="2"/>
+            <a:r>
+              <a:rPr lang="en-US" altLang="zh-CN"/>
+              <a:t>cpu_count(), cpu_percent()</a:t>
+            </a:r>
+            <a:endParaRPr lang="en-US" altLang="zh-CN"/>
+          </a:p>
+          <a:p>
+            <a:pPr lvl="2"/>
+            <a:r>
+              <a:rPr lang="en-US" altLang="zh-CN"/>
+              <a:t>virtual_memory() (total, available, percent, ...)</a:t>
+            </a:r>
+            <a:endParaRPr lang="en-US" altLang="zh-CN"/>
           </a:p>
         </p:txBody>
       </p:sp>
@@ -6238,6 +6886,64 @@
 </file>
 
 <file path=ppt/slides/slide26.xml><?xml version="1.0" encoding="utf-8"?>
+<p:sld xmlns:a="http://schemas.openxmlformats.org/drawingml/2006/main" xmlns:r="http://schemas.openxmlformats.org/officeDocument/2006/relationships" xmlns:p="http://schemas.openxmlformats.org/presentationml/2006/main">
+  <p:cSld>
+    <p:spTree>
+      <p:nvGrpSpPr>
+        <p:cNvPr id="1" name=""/>
+        <p:cNvGrpSpPr/>
+        <p:nvPr/>
+      </p:nvGrpSpPr>
+      <p:grpSpPr/>
+      <p:sp>
+        <p:nvSpPr>
+          <p:cNvPr id="4" name="标题 3"/>
+          <p:cNvSpPr>
+            <a:spLocks noGrp="1"/>
+          </p:cNvSpPr>
+          <p:nvPr>
+            <p:ph type="title"/>
+          </p:nvPr>
+        </p:nvSpPr>
+        <p:spPr/>
+        <p:txBody>
+          <a:bodyPr/>
+          <a:p>
+            <a:r>
+              <a:rPr lang="en-US" altLang="zh-CN"/>
+              <a:t>Packages</a:t>
+            </a:r>
+            <a:endParaRPr lang="en-US" altLang="zh-CN"/>
+          </a:p>
+        </p:txBody>
+      </p:sp>
+      <p:sp>
+        <p:nvSpPr>
+          <p:cNvPr id="5" name="文本占位符 4"/>
+          <p:cNvSpPr>
+            <a:spLocks noGrp="1"/>
+          </p:cNvSpPr>
+          <p:nvPr>
+            <p:ph type="body" idx="1"/>
+          </p:nvPr>
+        </p:nvSpPr>
+        <p:spPr/>
+        <p:txBody>
+          <a:bodyPr/>
+          <a:p>
+            <a:endParaRPr lang="zh-CN" altLang="en-US"/>
+          </a:p>
+        </p:txBody>
+      </p:sp>
+    </p:spTree>
+  </p:cSld>
+  <p:clrMapOvr>
+    <a:masterClrMapping/>
+  </p:clrMapOvr>
+</p:sld>
+</file>
+
+<file path=ppt/slides/slide27.xml><?xml version="1.0" encoding="utf-8"?>
 <p:sld xmlns:a="http://schemas.openxmlformats.org/drawingml/2006/main" xmlns:r="http://schemas.openxmlformats.org/officeDocument/2006/relationships" xmlns:p="http://schemas.openxmlformats.org/presentationml/2006/main">
   <p:cSld>
     <p:spTree>
@@ -6880,174 +7586,6 @@
 </p:sld>
 </file>
 
-<file path=ppt/slides/slide27.xml><?xml version="1.0" encoding="utf-8"?>
-<p:sld xmlns:a="http://schemas.openxmlformats.org/drawingml/2006/main" xmlns:r="http://schemas.openxmlformats.org/officeDocument/2006/relationships" xmlns:p="http://schemas.openxmlformats.org/presentationml/2006/main">
-  <p:cSld>
-    <p:spTree>
-      <p:nvGrpSpPr>
-        <p:cNvPr id="1" name=""/>
-        <p:cNvGrpSpPr/>
-        <p:nvPr/>
-      </p:nvGrpSpPr>
-      <p:grpSpPr/>
-      <p:sp>
-        <p:nvSpPr>
-          <p:cNvPr id="2" name="标题 1"/>
-          <p:cNvSpPr>
-            <a:spLocks noGrp="1"/>
-          </p:cNvSpPr>
-          <p:nvPr>
-            <p:ph type="title"/>
-          </p:nvPr>
-        </p:nvSpPr>
-        <p:spPr/>
-        <p:txBody>
-          <a:bodyPr/>
-          <a:p>
-            <a:r>
-              <a:rPr lang="en-US" altLang="zh-CN"/>
-              <a:t>NumPy 1/2</a:t>
-            </a:r>
-            <a:endParaRPr lang="en-US" altLang="zh-CN"/>
-          </a:p>
-        </p:txBody>
-      </p:sp>
-      <p:sp>
-        <p:nvSpPr>
-          <p:cNvPr id="3" name="内容占位符 2"/>
-          <p:cNvSpPr>
-            <a:spLocks noGrp="1"/>
-          </p:cNvSpPr>
-          <p:nvPr>
-            <p:ph idx="1"/>
-          </p:nvPr>
-        </p:nvSpPr>
-        <p:spPr/>
-        <p:txBody>
-          <a:bodyPr>
-            <a:normAutofit fontScale="70000"/>
-          </a:bodyPr>
-          <a:p>
-            <a:r>
-              <a:rPr lang="en-US" altLang="zh-CN"/>
-              <a:t>import numpy as np</a:t>
-            </a:r>
-            <a:endParaRPr lang="en-US" altLang="zh-CN"/>
-          </a:p>
-          <a:p>
-            <a:r>
-              <a:rPr lang="en-US" altLang="zh-CN"/>
-              <a:t>array</a:t>
-            </a:r>
-            <a:endParaRPr lang="en-US" altLang="zh-CN"/>
-          </a:p>
-          <a:p>
-            <a:r>
-              <a:rPr lang="en-US" altLang="zh-CN"/>
-              <a:t>np.genfromtxt('filename', delimiter=',', usecolos=(), dtype=str)</a:t>
-            </a:r>
-            <a:endParaRPr lang="en-US" altLang="zh-CN"/>
-          </a:p>
-          <a:p>
-            <a:r>
-              <a:rPr lang="en-US" altLang="zh-CN"/>
-              <a:t>np.zeros()/np.ones()/np.empty()/np.identity()/np.matrix(arr), np.isnan()</a:t>
-            </a:r>
-            <a:endParaRPr lang="en-US" altLang="zh-CN"/>
-          </a:p>
-          <a:p>
-            <a:r>
-              <a:rPr lang="en-US" altLang="zh-CN"/>
-              <a:t>np.random.randn(count), np.random.randint(low, high, size)</a:t>
-            </a:r>
-            <a:endParaRPr lang="en-US" altLang="zh-CN"/>
-          </a:p>
-          <a:p>
-            <a:r>
-              <a:rPr lang="en-US" altLang="zh-CN"/>
-              <a:t>np.sum(arr), np.mean(arr), np.std(arr), np.var(arr), np.min(arr), np.max(arr), np.argmin(arr), np.argmax(arr)</a:t>
-            </a:r>
-            <a:endParaRPr lang="en-US" altLang="zh-CN"/>
-          </a:p>
-          <a:p>
-            <a:r>
-              <a:rPr lang="en-US" altLang="zh-CN"/>
-              <a:t>np.dot(arr1, arr2)</a:t>
-            </a:r>
-            <a:endParaRPr lang="en-US" altLang="zh-CN"/>
-          </a:p>
-          <a:p>
-            <a:r>
-              <a:rPr lang="en-US" altLang="zh-CN"/>
-              <a:t>np.c_(arr1, arr2)	// Concatenate two arrays</a:t>
-            </a:r>
-            <a:endParaRPr lang="en-US" altLang="zh-CN"/>
-          </a:p>
-          <a:p>
-            <a:r>
-              <a:rPr lang="en-US" altLang="zh-CN"/>
-              <a:t>np.reshape()</a:t>
-            </a:r>
-            <a:endParaRPr lang="en-US" altLang="zh-CN"/>
-          </a:p>
-          <a:p>
-            <a:r>
-              <a:rPr lang="en-US" altLang="zh-CN" sz="2400">
-                <a:sym typeface="+mn-ea"/>
-              </a:rPr>
-              <a:t>Boolean arrays</a:t>
-            </a:r>
-            <a:endParaRPr lang="en-US" altLang="zh-CN" sz="2400"/>
-          </a:p>
-          <a:p>
-            <a:pPr lvl="1">
-              <a:buFont typeface="Wingdings" panose="05000000000000000000" pitchFamily="2" charset="2"/>
-              <a:buChar char=""/>
-            </a:pPr>
-            <a:r>
-              <a:rPr lang="en-US" altLang="zh-CN" sz="2400">
-                <a:sym typeface="+mn-ea"/>
-              </a:rPr>
-              <a:t>arr.any(), arr.all()</a:t>
-            </a:r>
-            <a:endParaRPr lang="en-US" altLang="zh-CN" sz="2400"/>
-          </a:p>
-          <a:p>
-            <a:pPr lvl="0">
-              <a:buFont typeface="Wingdings" panose="05000000000000000000" pitchFamily="2" charset="2"/>
-              <a:buChar char=""/>
-            </a:pPr>
-            <a:r>
-              <a:rPr lang="en-US" altLang="zh-CN" sz="2400">
-                <a:sym typeface="+mn-ea"/>
-              </a:rPr>
-              <a:t>Set operation</a:t>
-            </a:r>
-            <a:endParaRPr lang="en-US" altLang="zh-CN" sz="2400"/>
-          </a:p>
-          <a:p>
-            <a:pPr lvl="1">
-              <a:buFont typeface="Wingdings" panose="05000000000000000000" pitchFamily="2" charset="2"/>
-              <a:buChar char=""/>
-            </a:pPr>
-            <a:r>
-              <a:rPr lang="en-US" altLang="zh-CN" sz="2400">
-                <a:sym typeface="+mn-ea"/>
-              </a:rPr>
-              <a:t>arr.sort(), np.unique(arr), np.intersect1d(arr1, arr2), np.union1d(arr1, arr2),np.split(arr, separator_arr, axis)</a:t>
-            </a:r>
-            <a:endParaRPr lang="en-US" altLang="zh-CN"/>
-          </a:p>
-        </p:txBody>
-      </p:sp>
-    </p:spTree>
-  </p:cSld>
-  <p:clrMapOvr>
-    <a:masterClrMapping/>
-  </p:clrMapOvr>
-</p:sld>
-</file>
-
 <file path=ppt/slides/slide28.xml><?xml version="1.0" encoding="utf-8"?>
 <p:sld xmlns:a="http://schemas.openxmlformats.org/drawingml/2006/main" xmlns:r="http://schemas.openxmlformats.org/officeDocument/2006/relationships" xmlns:p="http://schemas.openxmlformats.org/presentationml/2006/main">
   <p:cSld>
@@ -7074,7 +7612,7 @@
           <a:p>
             <a:r>
               <a:rPr lang="en-US" altLang="zh-CN"/>
-              <a:t>NumPy 2/2</a:t>
+              <a:t>NumPy 1/2</a:t>
             </a:r>
             <a:endParaRPr lang="en-US" altLang="zh-CN"/>
           </a:p>
@@ -7090,18 +7628,95 @@
             <p:ph idx="1"/>
           </p:nvPr>
         </p:nvSpPr>
-        <p:spPr>
-          <a:xfrm>
-            <a:off x="651510" y="1024710"/>
-            <a:ext cx="10858500" cy="5084543"/>
-          </a:xfrm>
-        </p:spPr>
+        <p:spPr/>
         <p:txBody>
           <a:bodyPr>
-            <a:normAutofit fontScale="90000"/>
+            <a:normAutofit fontScale="70000"/>
           </a:bodyPr>
           <a:p>
-            <a:endParaRPr lang="en-US" altLang="zh-CN"/>
+            <a:r>
+              <a:rPr lang="en-US" altLang="zh-CN"/>
+              <a:t>import numpy as np</a:t>
+            </a:r>
+            <a:endParaRPr lang="en-US" altLang="zh-CN"/>
+          </a:p>
+          <a:p>
+            <a:r>
+              <a:rPr lang="en-US" altLang="zh-CN"/>
+              <a:t>array</a:t>
+            </a:r>
+            <a:endParaRPr lang="en-US" altLang="zh-CN"/>
+          </a:p>
+          <a:p>
+            <a:r>
+              <a:rPr lang="en-US" altLang="zh-CN"/>
+              <a:t>np.genfromtxt('filename', delimiter=',', usecolos=(), dtype=str)</a:t>
+            </a:r>
+            <a:endParaRPr lang="en-US" altLang="zh-CN"/>
+          </a:p>
+          <a:p>
+            <a:r>
+              <a:rPr lang="en-US" altLang="zh-CN"/>
+              <a:t>np.zeros()/np.ones()/np.empty()/np.identity()/np.matrix(arr), np.isnan()</a:t>
+            </a:r>
+            <a:endParaRPr lang="en-US" altLang="zh-CN"/>
+          </a:p>
+          <a:p>
+            <a:r>
+              <a:rPr lang="en-US" altLang="zh-CN"/>
+              <a:t>np.random.randn(count), np.random.randint(low, high, size)</a:t>
+            </a:r>
+            <a:endParaRPr lang="en-US" altLang="zh-CN"/>
+          </a:p>
+          <a:p>
+            <a:r>
+              <a:rPr lang="en-US" altLang="zh-CN"/>
+              <a:t>np.sum(arr), np.mean(arr), np.std(arr), np.var(arr), np.min(arr), np.max(arr), np.argmin(arr), np.argmax(arr)</a:t>
+            </a:r>
+            <a:endParaRPr lang="en-US" altLang="zh-CN"/>
+          </a:p>
+          <a:p>
+            <a:r>
+              <a:rPr lang="en-US" altLang="zh-CN"/>
+              <a:t>np.dot(arr1, arr2)</a:t>
+            </a:r>
+            <a:endParaRPr lang="en-US" altLang="zh-CN"/>
+          </a:p>
+          <a:p>
+            <a:r>
+              <a:rPr lang="en-US" altLang="zh-CN"/>
+              <a:t>np.c_(arr1, arr2)	// Concatenate two arrays</a:t>
+            </a:r>
+            <a:endParaRPr lang="en-US" altLang="zh-CN"/>
+          </a:p>
+          <a:p>
+            <a:r>
+              <a:rPr lang="en-US" altLang="zh-CN"/>
+              <a:t>np.reshape()</a:t>
+            </a:r>
+            <a:endParaRPr lang="en-US" altLang="zh-CN"/>
+          </a:p>
+          <a:p>
+            <a:r>
+              <a:rPr lang="en-US" altLang="zh-CN" sz="2400">
+                <a:sym typeface="+mn-ea"/>
+              </a:rPr>
+              <a:t>Boolean arrays</a:t>
+            </a:r>
+            <a:endParaRPr lang="en-US" altLang="zh-CN" sz="2400"/>
+          </a:p>
+          <a:p>
+            <a:pPr lvl="1">
+              <a:buFont typeface="Wingdings" panose="05000000000000000000" pitchFamily="2" charset="2"/>
+              <a:buChar char=""/>
+            </a:pPr>
+            <a:r>
+              <a:rPr lang="en-US" altLang="zh-CN" sz="2400">
+                <a:sym typeface="+mn-ea"/>
+              </a:rPr>
+              <a:t>arr.any(), arr.all()</a:t>
+            </a:r>
+            <a:endParaRPr lang="en-US" altLang="zh-CN" sz="2400"/>
           </a:p>
           <a:p>
             <a:pPr lvl="0">
@@ -7109,12 +7724,12 @@
               <a:buChar char=""/>
             </a:pPr>
             <a:r>
-              <a:rPr lang="en-US" altLang="zh-CN" sz="2880">
+              <a:rPr lang="en-US" altLang="zh-CN" sz="2400">
                 <a:sym typeface="+mn-ea"/>
               </a:rPr>
-              <a:t>Element-wise array functions</a:t>
-            </a:r>
-            <a:endParaRPr lang="en-US" altLang="zh-CN" sz="2880"/>
+              <a:t>Set operation</a:t>
+            </a:r>
+            <a:endParaRPr lang="en-US" altLang="zh-CN" sz="2400"/>
           </a:p>
           <a:p>
             <a:pPr lvl="1">
@@ -7125,42 +7740,7 @@
               <a:rPr lang="en-US" altLang="zh-CN" sz="2400">
                 <a:sym typeface="+mn-ea"/>
               </a:rPr>
-              <a:t>np.sqrt(arr), np.exp(arr), np.modf(arr), np.fabs(arr), np.sqrt(arr), np.square(arr), np.sign(arr), np.log(arr), np.ceil(arr), np.floor(arr), np.rint(arr), np.isnan(arr), np.sin(arr), np.cos(arr), np.tan(arr)</a:t>
-            </a:r>
-            <a:endParaRPr lang="en-US" altLang="zh-CN" sz="2400"/>
-          </a:p>
-          <a:p>
-            <a:pPr lvl="1">
-              <a:buFont typeface="Wingdings" panose="05000000000000000000" pitchFamily="2" charset="2"/>
-              <a:buChar char=""/>
-            </a:pPr>
-            <a:r>
-              <a:rPr lang="en-US" altLang="zh-CN" sz="2400">
-                <a:sym typeface="+mn-ea"/>
-              </a:rPr>
-              <a:t>np.maximum(arr1, arr2), np.add(arr1, arr2), np.subtract(arr1, arr2), np.multiply(arr1, arr2), np.divide(arr1, arr2), np.power(arr1, arr2), np.minimum(arr1, arr2), np.greater(arr1, arr2), np.less(arr1, arr2)</a:t>
-            </a:r>
-            <a:endParaRPr lang="en-US" altLang="zh-CN" sz="2400"/>
-          </a:p>
-          <a:p>
-            <a:pPr lvl="1">
-              <a:buFont typeface="Wingdings" panose="05000000000000000000" pitchFamily="2" charset="2"/>
-              <a:buChar char=""/>
-            </a:pPr>
-            <a:r>
-              <a:rPr lang="en-US" altLang="zh-CN" sz="2000"/>
-              <a:t>np.isin(x, list)</a:t>
-            </a:r>
-            <a:endParaRPr lang="en-US" altLang="zh-CN" sz="2000"/>
-          </a:p>
-          <a:p>
-            <a:pPr lvl="1">
-              <a:buFont typeface="Wingdings" panose="05000000000000000000" pitchFamily="2" charset="2"/>
-              <a:buChar char=""/>
-            </a:pPr>
-            <a:r>
-              <a:rPr lang="en-US" altLang="zh-CN"/>
-              <a:t>np.where(cond, x, y)</a:t>
+              <a:t>arr.sort(), np.unique(arr), np.intersect1d(arr1, arr2), np.union1d(arr1, arr2),np.split(arr, separator_arr, axis)</a:t>
             </a:r>
             <a:endParaRPr lang="en-US" altLang="zh-CN"/>
           </a:p>
@@ -7200,7 +7780,7 @@
           <a:p>
             <a:r>
               <a:rPr lang="en-US" altLang="zh-CN"/>
-              <a:t>Pandas</a:t>
+              <a:t>NumPy 2/2</a:t>
             </a:r>
             <a:endParaRPr lang="en-US" altLang="zh-CN"/>
           </a:p>
@@ -7216,446 +7796,79 @@
             <p:ph idx="1"/>
           </p:nvPr>
         </p:nvSpPr>
-        <p:spPr/>
+        <p:spPr>
+          <a:xfrm>
+            <a:off x="651510" y="1024710"/>
+            <a:ext cx="10858500" cy="5084543"/>
+          </a:xfrm>
+        </p:spPr>
         <p:txBody>
           <a:bodyPr>
-            <a:noAutofit/>
+            <a:normAutofit fontScale="90000"/>
           </a:bodyPr>
           <a:p>
-            <a:r>
-              <a:rPr lang="en-US" altLang="zh-CN" sz="1400"/>
-              <a:t>Data analysis and manipulation library</a:t>
-            </a:r>
-            <a:endParaRPr lang="en-US" altLang="zh-CN" sz="1400"/>
-          </a:p>
-          <a:p>
-            <a:r>
-              <a:rPr lang="en-US" altLang="zh-CN" sz="1400"/>
-              <a:t>Data types</a:t>
-            </a:r>
-            <a:endParaRPr lang="en-US" altLang="zh-CN" sz="1400"/>
+            <a:endParaRPr lang="en-US" altLang="zh-CN"/>
+          </a:p>
+          <a:p>
+            <a:pPr lvl="0">
+              <a:buFont typeface="Wingdings" panose="05000000000000000000" pitchFamily="2" charset="2"/>
+              <a:buChar char=""/>
+            </a:pPr>
+            <a:r>
+              <a:rPr lang="en-US" altLang="zh-CN" sz="2880">
+                <a:sym typeface="+mn-ea"/>
+              </a:rPr>
+              <a:t>Element-wise array functions</a:t>
+            </a:r>
+            <a:endParaRPr lang="en-US" altLang="zh-CN" sz="2880"/>
           </a:p>
           <a:p>
             <a:pPr lvl="1">
               <a:buFont typeface="Wingdings" panose="05000000000000000000" pitchFamily="2" charset="2"/>
-              <a:buChar char="l"/>
-            </a:pPr>
-            <a:r>
-              <a:rPr lang="en-US" altLang="zh-CN" sz="1200"/>
-              <a:t>pandas.Series (1D)</a:t>
-            </a:r>
-            <a:endParaRPr lang="en-US" altLang="zh-CN" sz="1200"/>
-          </a:p>
-          <a:p>
-            <a:pPr lvl="2">
-              <a:buFont typeface="Wingdings" panose="05000000000000000000" pitchFamily="2" charset="2"/>
-              <a:buChar char="l"/>
-            </a:pPr>
-            <a:r>
-              <a:rPr lang="en-US" altLang="zh-CN" sz="1020"/>
-              <a:t>unique(), value_counts(), is_in(list), isnull(), dropna(), fillna(), map(func)</a:t>
-            </a:r>
-            <a:endParaRPr lang="en-US" altLang="zh-CN" sz="1020"/>
-          </a:p>
-          <a:p>
-            <a:pPr lvl="2">
-              <a:buFont typeface="Wingdings" panose="05000000000000000000" pitchFamily="2" charset="2"/>
-              <a:buChar char="l"/>
-            </a:pPr>
-            <a:r>
-              <a:rPr lang="en-US" altLang="zh-CN" sz="1020"/>
-              <a:t>plot()</a:t>
-            </a:r>
-            <a:endParaRPr lang="en-US" altLang="zh-CN" sz="1020"/>
+              <a:buChar char=""/>
+            </a:pPr>
+            <a:r>
+              <a:rPr lang="en-US" altLang="zh-CN" sz="2400">
+                <a:sym typeface="+mn-ea"/>
+              </a:rPr>
+              <a:t>np.sqrt(arr), np.exp(arr), np.modf(arr), np.fabs(arr), np.sqrt(arr), np.square(arr), np.sign(arr), np.log(arr), np.ceil(arr), np.floor(arr), np.rint(arr), np.isnan(arr), np.sin(arr), np.cos(arr), np.tan(arr)</a:t>
+            </a:r>
+            <a:endParaRPr lang="en-US" altLang="zh-CN" sz="2400"/>
           </a:p>
           <a:p>
             <a:pPr lvl="1">
               <a:buFont typeface="Wingdings" panose="05000000000000000000" pitchFamily="2" charset="2"/>
-              <a:buChar char="l"/>
-            </a:pPr>
-            <a:r>
-              <a:rPr lang="en-US" altLang="zh-CN" sz="1200"/>
-              <a:t>pandas.DataFrame (2D)</a:t>
-            </a:r>
-            <a:endParaRPr lang="en-US" altLang="zh-CN" sz="1200"/>
-          </a:p>
-          <a:p>
-            <a:pPr lvl="2">
-              <a:buFont typeface="Wingdings" panose="05000000000000000000" pitchFamily="2" charset="2"/>
-              <a:buChar char="Ø"/>
-            </a:pPr>
-            <a:r>
-              <a:rPr lang="en-US" altLang="zh-CN" sz="1020"/>
-              <a:t>read_csv('a.csv', index_col=''), read_table('a.csv', sep=''), read_excel(), to_csv('a.csv')</a:t>
-            </a:r>
-            <a:endParaRPr lang="en-US" altLang="zh-CN" sz="1020"/>
-          </a:p>
-          <a:p>
-            <a:pPr lvl="2">
-              <a:buFont typeface="Wingdings" panose="05000000000000000000" pitchFamily="2" charset="2"/>
-              <a:buChar char="Ø"/>
-            </a:pPr>
-            <a:r>
-              <a:rPr lang="en-US" altLang="zh-CN" sz="1020"/>
-              <a:t>ExcelFile('a.xls') (xlrd/openpyxl), parse('sheetName')</a:t>
-            </a:r>
-            <a:endParaRPr lang="en-US" altLang="zh-CN" sz="1020"/>
-          </a:p>
-          <a:p>
-            <a:pPr lvl="2">
-              <a:buFont typeface="Wingdings" panose="05000000000000000000" pitchFamily="2" charset="2"/>
-              <a:buChar char="Ø"/>
-            </a:pPr>
-            <a:r>
-              <a:rPr lang="en-US" altLang="zh-CN" sz="1020"/>
-              <a:t>df.sum()/mean()/describe()/head()/drop_duplicates()/apply()/applymap()/astype()</a:t>
-            </a:r>
-            <a:endParaRPr lang="en-US" altLang="zh-CN" sz="1020"/>
-          </a:p>
-          <a:p>
-            <a:pPr lvl="2">
-              <a:buFont typeface="Wingdings" panose="05000000000000000000" pitchFamily="2" charset="2"/>
-              <a:buChar char="Ø"/>
-            </a:pPr>
-            <a:r>
-              <a:rPr lang="en-US" altLang="zh-CN" sz="1020"/>
-              <a:t>index, columns, loc(), iloc(), ix(), groupby('column').mean(), corr(), cov(), drop('columnName'), dropna(axis=, subset=)</a:t>
-            </a:r>
-            <a:endParaRPr lang="en-US" altLang="zh-CN" sz="1020"/>
-          </a:p>
-          <a:p>
-            <a:pPr lvl="2">
-              <a:buFont typeface="Wingdings" panose="05000000000000000000" pitchFamily="2" charset="2"/>
-              <a:buChar char="Ø"/>
-            </a:pPr>
-            <a:r>
-              <a:rPr lang="en-US" altLang="zh-CN" sz="1020"/>
-              <a:t>Can  be looked on as dictionary</a:t>
-            </a:r>
-            <a:endParaRPr lang="en-US" altLang="zh-CN" sz="1020"/>
-          </a:p>
-          <a:p>
-            <a:pPr lvl="2">
-              <a:buFont typeface="Wingdings" panose="05000000000000000000" pitchFamily="2" charset="2"/>
-              <a:buChar char="Ø"/>
-            </a:pPr>
-            <a:r>
-              <a:rPr lang="en-US" altLang="zh-CN" sz="1020"/>
-              <a:t>df.iloc[row_no]</a:t>
-            </a:r>
-            <a:endParaRPr lang="en-US" altLang="zh-CN" sz="1020"/>
+              <a:buChar char=""/>
+            </a:pPr>
+            <a:r>
+              <a:rPr lang="en-US" altLang="zh-CN" sz="2400">
+                <a:sym typeface="+mn-ea"/>
+              </a:rPr>
+              <a:t>np.maximum(arr1, arr2), np.add(arr1, arr2), np.subtract(arr1, arr2), np.multiply(arr1, arr2), np.divide(arr1, arr2), np.power(arr1, arr2), np.minimum(arr1, arr2), np.greater(arr1, arr2), np.less(arr1, arr2)</a:t>
+            </a:r>
+            <a:endParaRPr lang="en-US" altLang="zh-CN" sz="2400"/>
           </a:p>
           <a:p>
             <a:pPr lvl="1">
               <a:buFont typeface="Wingdings" panose="05000000000000000000" pitchFamily="2" charset="2"/>
-              <a:buChar char="l"/>
-            </a:pPr>
-            <a:r>
-              <a:rPr lang="en-US" altLang="zh-CN" sz="1200"/>
-              <a:t>pandas.Panel</a:t>
-            </a:r>
-            <a:endParaRPr lang="en-US" altLang="zh-CN" sz="1200"/>
+              <a:buChar char=""/>
+            </a:pPr>
+            <a:r>
+              <a:rPr lang="en-US" altLang="zh-CN" sz="2000"/>
+              <a:t>np.isin(x, list)</a:t>
+            </a:r>
+            <a:endParaRPr lang="en-US" altLang="zh-CN" sz="2000"/>
           </a:p>
           <a:p>
             <a:pPr lvl="1">
               <a:buFont typeface="Wingdings" panose="05000000000000000000" pitchFamily="2" charset="2"/>
-              <a:buChar char="l"/>
-            </a:pPr>
-            <a:r>
-              <a:rPr lang="en-US" altLang="zh-CN" sz="1200"/>
-              <a:t>pandas.Panel4D</a:t>
-            </a:r>
-            <a:endParaRPr lang="en-US" altLang="zh-CN" sz="1200"/>
-          </a:p>
-          <a:p>
-            <a:pPr lvl="0">
-              <a:buFont typeface="Wingdings" panose="05000000000000000000" pitchFamily="2" charset="2"/>
-              <a:buChar char="l"/>
-            </a:pPr>
-            <a:r>
-              <a:rPr lang="en-US" altLang="zh-CN" sz="1400"/>
-              <a:t>DB</a:t>
-            </a:r>
-            <a:endParaRPr lang="en-US" altLang="zh-CN" sz="1400"/>
-          </a:p>
-          <a:p>
-            <a:pPr lvl="1">
-              <a:buFont typeface="Wingdings" panose="05000000000000000000" pitchFamily="2" charset="2"/>
-              <a:buChar char="l"/>
-            </a:pPr>
-            <a:r>
-              <a:rPr lang="en-US" altLang="zh-CN" sz="1200"/>
-              <a:t>read_sql('sql_str', con=dbconn)</a:t>
-            </a:r>
-            <a:endParaRPr lang="en-US" altLang="zh-CN" sz="1200"/>
-          </a:p>
-          <a:p>
-            <a:pPr lvl="1">
-              <a:buFont typeface="Wingdings" panose="05000000000000000000" pitchFamily="2" charset="2"/>
-              <a:buChar char="l"/>
-            </a:pPr>
-            <a:r>
-              <a:rPr lang="en-US" altLang="zh-CN" sz="1200"/>
-              <a:t>read_sql_table()</a:t>
-            </a:r>
-            <a:endParaRPr lang="en-US" altLang="zh-CN" sz="1200"/>
-          </a:p>
-          <a:p>
-            <a:pPr lvl="1">
-              <a:buFont typeface="Wingdings" panose="05000000000000000000" pitchFamily="2" charset="2"/>
-              <a:buChar char="l"/>
-            </a:pPr>
-            <a:r>
-              <a:rPr lang="en-US" altLang="zh-CN" sz="1200"/>
-              <a:t>read_sql_query()</a:t>
-            </a:r>
-            <a:endParaRPr lang="en-US" altLang="zh-CN" sz="1200"/>
-          </a:p>
-          <a:p>
-            <a:pPr lvl="0">
-              <a:buFont typeface="Wingdings" panose="05000000000000000000" pitchFamily="2" charset="2"/>
-              <a:buChar char="l"/>
-            </a:pPr>
-            <a:r>
-              <a:rPr lang="en-US" altLang="zh-CN" sz="1400"/>
-              <a:t>Datetime</a:t>
-            </a:r>
-            <a:endParaRPr lang="en-US" altLang="zh-CN" sz="1400"/>
-          </a:p>
-          <a:p>
-            <a:pPr lvl="1">
-              <a:buFont typeface="Wingdings" panose="05000000000000000000" pitchFamily="2" charset="2"/>
-              <a:buChar char="l"/>
-            </a:pPr>
-            <a:r>
-              <a:rPr lang="en-US" altLang="zh-CN" sz="1200"/>
-              <a:t>to_datetime(df)</a:t>
-            </a:r>
-            <a:endParaRPr lang="en-US" altLang="zh-CN" sz="1200"/>
-          </a:p>
-        </p:txBody>
-      </p:sp>
-      <p:sp>
-        <p:nvSpPr>
-          <p:cNvPr id="4" name="文本框 3"/>
-          <p:cNvSpPr txBox="1"/>
-          <p:nvPr/>
-        </p:nvSpPr>
-        <p:spPr>
-          <a:xfrm>
-            <a:off x="7687945" y="1630680"/>
-            <a:ext cx="3837305" cy="3725545"/>
-          </a:xfrm>
-          <a:prstGeom prst="rect">
-            <a:avLst/>
-          </a:prstGeom>
-          <a:noFill/>
-        </p:spPr>
-        <p:txBody>
-          <a:bodyPr wrap="square" rtlCol="0">
-            <a:spAutoFit/>
-          </a:bodyPr>
-          <a:p>
-            <a:pPr>
-              <a:lnSpc>
-                <a:spcPct val="130000"/>
-              </a:lnSpc>
-            </a:pPr>
-            <a:r>
-              <a:rPr lang="en-US" altLang="zh-CN" sz="1400" dirty="0" smtClean="0">
-                <a:latin typeface="Arial" panose="020B0604020202020204" pitchFamily="34" charset="0"/>
-                <a:ea typeface="微软雅黑" panose="020B0503020204020204" charset="-122"/>
-              </a:rPr>
-              <a:t>import pandas as pd</a:t>
-            </a:r>
-            <a:endParaRPr lang="en-US" altLang="zh-CN" sz="1400" dirty="0" smtClean="0">
-              <a:latin typeface="Arial" panose="020B0604020202020204" pitchFamily="34" charset="0"/>
-              <a:ea typeface="微软雅黑" panose="020B0503020204020204" charset="-122"/>
-            </a:endParaRPr>
-          </a:p>
-          <a:p>
-            <a:pPr>
-              <a:lnSpc>
-                <a:spcPct val="130000"/>
-              </a:lnSpc>
-            </a:pPr>
-            <a:endParaRPr lang="en-US" altLang="zh-CN" sz="1400" dirty="0" smtClean="0">
-              <a:latin typeface="Arial" panose="020B0604020202020204" pitchFamily="34" charset="0"/>
-              <a:ea typeface="微软雅黑" panose="020B0503020204020204" charset="-122"/>
-            </a:endParaRPr>
-          </a:p>
-          <a:p>
-            <a:pPr>
-              <a:lnSpc>
-                <a:spcPct val="130000"/>
-              </a:lnSpc>
-            </a:pPr>
-            <a:r>
-              <a:rPr lang="en-US" altLang="zh-CN" sz="1400" dirty="0" smtClean="0">
-                <a:latin typeface="Arial" panose="020B0604020202020204" pitchFamily="34" charset="0"/>
-                <a:ea typeface="微软雅黑" panose="020B0503020204020204" charset="-122"/>
-              </a:rPr>
-              <a:t>counts = pd.Series(['a', 'b', 'c'])</a:t>
-            </a:r>
-            <a:endParaRPr lang="en-US" altLang="zh-CN" sz="1400" dirty="0" smtClean="0">
-              <a:latin typeface="Arial" panose="020B0604020202020204" pitchFamily="34" charset="0"/>
-              <a:ea typeface="微软雅黑" panose="020B0503020204020204" charset="-122"/>
-            </a:endParaRPr>
-          </a:p>
-          <a:p>
-            <a:pPr>
-              <a:lnSpc>
-                <a:spcPct val="130000"/>
-              </a:lnSpc>
-            </a:pPr>
-            <a:r>
-              <a:rPr lang="en-US" altLang="zh-CN" sz="1400" dirty="0" smtClean="0">
-                <a:latin typeface="Arial" panose="020B0604020202020204" pitchFamily="34" charset="0"/>
-                <a:ea typeface="微软雅黑" panose="020B0503020204020204" charset="-122"/>
-              </a:rPr>
-              <a:t>counts</a:t>
-            </a:r>
-            <a:endParaRPr lang="en-US" altLang="zh-CN" sz="1400" dirty="0" smtClean="0">
-              <a:latin typeface="Arial" panose="020B0604020202020204" pitchFamily="34" charset="0"/>
-              <a:ea typeface="微软雅黑" panose="020B0503020204020204" charset="-122"/>
-            </a:endParaRPr>
-          </a:p>
-          <a:p>
-            <a:pPr>
-              <a:lnSpc>
-                <a:spcPct val="130000"/>
-              </a:lnSpc>
-            </a:pPr>
-            <a:r>
-              <a:rPr lang="en-US" altLang="zh-CN" sz="1400" dirty="0" smtClean="0">
-                <a:latin typeface="Arial" panose="020B0604020202020204" pitchFamily="34" charset="0"/>
-                <a:ea typeface="微软雅黑" panose="020B0503020204020204" charset="-122"/>
-              </a:rPr>
-              <a:t>counts.index</a:t>
-            </a:r>
-            <a:endParaRPr lang="en-US" altLang="zh-CN" sz="1400" dirty="0" smtClean="0">
-              <a:latin typeface="Arial" panose="020B0604020202020204" pitchFamily="34" charset="0"/>
-              <a:ea typeface="微软雅黑" panose="020B0503020204020204" charset="-122"/>
-            </a:endParaRPr>
-          </a:p>
-          <a:p>
-            <a:pPr>
-              <a:lnSpc>
-                <a:spcPct val="130000"/>
-              </a:lnSpc>
-            </a:pPr>
-            <a:r>
-              <a:rPr lang="en-US" altLang="zh-CN" sz="1400" dirty="0" smtClean="0">
-                <a:latin typeface="Arial" panose="020B0604020202020204" pitchFamily="34" charset="0"/>
-                <a:ea typeface="微软雅黑" panose="020B0503020204020204" charset="-122"/>
-              </a:rPr>
-              <a:t>counts.values</a:t>
-            </a:r>
-            <a:endParaRPr lang="en-US" altLang="zh-CN" sz="1400" dirty="0" smtClean="0">
-              <a:latin typeface="Arial" panose="020B0604020202020204" pitchFamily="34" charset="0"/>
-              <a:ea typeface="微软雅黑" panose="020B0503020204020204" charset="-122"/>
-            </a:endParaRPr>
-          </a:p>
-          <a:p>
-            <a:pPr>
-              <a:lnSpc>
-                <a:spcPct val="130000"/>
-              </a:lnSpc>
-            </a:pPr>
-            <a:endParaRPr lang="en-US" altLang="zh-CN" sz="1400" dirty="0" smtClean="0">
-              <a:latin typeface="Arial" panose="020B0604020202020204" pitchFamily="34" charset="0"/>
-              <a:ea typeface="微软雅黑" panose="020B0503020204020204" charset="-122"/>
-            </a:endParaRPr>
-          </a:p>
-          <a:p>
-            <a:pPr>
-              <a:lnSpc>
-                <a:spcPct val="130000"/>
-              </a:lnSpc>
-            </a:pPr>
-            <a:r>
-              <a:rPr lang="en-US" altLang="zh-CN" sz="1400" dirty="0" smtClean="0">
-                <a:latin typeface="Arial" panose="020B0604020202020204" pitchFamily="34" charset="0"/>
-                <a:ea typeface="微软雅黑" panose="020B0503020204020204" charset="-122"/>
-              </a:rPr>
-              <a:t>data = pd.DataFrame({'column1': [1, 2, 3], 'column2': [1, 2, 3]})</a:t>
-            </a:r>
-            <a:endParaRPr lang="en-US" altLang="zh-CN" sz="1400" dirty="0" smtClean="0">
-              <a:latin typeface="Arial" panose="020B0604020202020204" pitchFamily="34" charset="0"/>
-              <a:ea typeface="微软雅黑" panose="020B0503020204020204" charset="-122"/>
-            </a:endParaRPr>
-          </a:p>
-          <a:p>
-            <a:pPr>
-              <a:lnSpc>
-                <a:spcPct val="130000"/>
-              </a:lnSpc>
-            </a:pPr>
-            <a:r>
-              <a:rPr lang="en-US" altLang="zh-CN" sz="1400" dirty="0" smtClean="0">
-                <a:latin typeface="Arial" panose="020B0604020202020204" pitchFamily="34" charset="0"/>
-                <a:ea typeface="微软雅黑" panose="020B0503020204020204" charset="-122"/>
-              </a:rPr>
-              <a:t>data</a:t>
-            </a:r>
-            <a:endParaRPr lang="en-US" altLang="zh-CN" sz="1400" dirty="0" smtClean="0">
-              <a:latin typeface="Arial" panose="020B0604020202020204" pitchFamily="34" charset="0"/>
-              <a:ea typeface="微软雅黑" panose="020B0503020204020204" charset="-122"/>
-            </a:endParaRPr>
-          </a:p>
-          <a:p>
-            <a:pPr>
-              <a:lnSpc>
-                <a:spcPct val="130000"/>
-              </a:lnSpc>
-            </a:pPr>
-            <a:r>
-              <a:rPr lang="en-US" altLang="zh-CN" sz="1400" dirty="0" smtClean="0">
-                <a:latin typeface="Arial" panose="020B0604020202020204" pitchFamily="34" charset="0"/>
-                <a:ea typeface="微软雅黑" panose="020B0503020204020204" charset="-122"/>
-              </a:rPr>
-              <a:t>data.values</a:t>
-            </a:r>
-            <a:endParaRPr lang="en-US" altLang="zh-CN" sz="1400" dirty="0" smtClean="0">
-              <a:latin typeface="Arial" panose="020B0604020202020204" pitchFamily="34" charset="0"/>
-              <a:ea typeface="微软雅黑" panose="020B0503020204020204" charset="-122"/>
-            </a:endParaRPr>
-          </a:p>
-          <a:p>
-            <a:pPr>
-              <a:lnSpc>
-                <a:spcPct val="130000"/>
-              </a:lnSpc>
-            </a:pPr>
-            <a:r>
-              <a:rPr lang="en-US" altLang="zh-CN" sz="1400" dirty="0" smtClean="0">
-                <a:latin typeface="Arial" panose="020B0604020202020204" pitchFamily="34" charset="0"/>
-                <a:ea typeface="微软雅黑" panose="020B0503020204020204" charset="-122"/>
-              </a:rPr>
-              <a:t>data.shape</a:t>
-            </a:r>
-            <a:endParaRPr lang="en-US" altLang="zh-CN" sz="1400" dirty="0" smtClean="0">
-              <a:latin typeface="Arial" panose="020B0604020202020204" pitchFamily="34" charset="0"/>
-              <a:ea typeface="微软雅黑" panose="020B0503020204020204" charset="-122"/>
-            </a:endParaRPr>
-          </a:p>
-          <a:p>
-            <a:pPr>
-              <a:lnSpc>
-                <a:spcPct val="130000"/>
-              </a:lnSpc>
-            </a:pPr>
-            <a:r>
-              <a:rPr lang="en-US" altLang="zh-CN" sz="1400" dirty="0" smtClean="0">
-                <a:latin typeface="Arial" panose="020B0604020202020204" pitchFamily="34" charset="0"/>
-                <a:ea typeface="微软雅黑" panose="020B0503020204020204" charset="-122"/>
-              </a:rPr>
-              <a:t>data = pd.read_csv('a.csv')</a:t>
-            </a:r>
-            <a:endParaRPr lang="en-US" altLang="zh-CN" sz="1400" dirty="0" smtClean="0">
-              <a:latin typeface="Arial" panose="020B0604020202020204" pitchFamily="34" charset="0"/>
-              <a:ea typeface="微软雅黑" panose="020B0503020204020204" charset="-122"/>
-            </a:endParaRPr>
+              <a:buChar char=""/>
+            </a:pPr>
+            <a:r>
+              <a:rPr lang="en-US" altLang="zh-CN"/>
+              <a:t>np.where(cond, x, y)</a:t>
+            </a:r>
+            <a:endParaRPr lang="en-US" altLang="zh-CN"/>
           </a:p>
         </p:txBody>
       </p:sp>
@@ -7984,6 +8197,499 @@
 </file>
 
 <file path=ppt/slides/slide30.xml><?xml version="1.0" encoding="utf-8"?>
+<p:sld xmlns:a="http://schemas.openxmlformats.org/drawingml/2006/main" xmlns:r="http://schemas.openxmlformats.org/officeDocument/2006/relationships" xmlns:p="http://schemas.openxmlformats.org/presentationml/2006/main">
+  <p:cSld>
+    <p:spTree>
+      <p:nvGrpSpPr>
+        <p:cNvPr id="1" name=""/>
+        <p:cNvGrpSpPr/>
+        <p:nvPr/>
+      </p:nvGrpSpPr>
+      <p:grpSpPr/>
+      <p:sp>
+        <p:nvSpPr>
+          <p:cNvPr id="2" name="标题 1"/>
+          <p:cNvSpPr>
+            <a:spLocks noGrp="1"/>
+          </p:cNvSpPr>
+          <p:nvPr>
+            <p:ph type="title"/>
+          </p:nvPr>
+        </p:nvSpPr>
+        <p:spPr/>
+        <p:txBody>
+          <a:bodyPr/>
+          <a:p>
+            <a:r>
+              <a:rPr lang="en-US" altLang="zh-CN"/>
+              <a:t>Pandas</a:t>
+            </a:r>
+            <a:endParaRPr lang="en-US" altLang="zh-CN"/>
+          </a:p>
+        </p:txBody>
+      </p:sp>
+      <p:sp>
+        <p:nvSpPr>
+          <p:cNvPr id="3" name="内容占位符 2"/>
+          <p:cNvSpPr>
+            <a:spLocks noGrp="1"/>
+          </p:cNvSpPr>
+          <p:nvPr>
+            <p:ph idx="1"/>
+          </p:nvPr>
+        </p:nvSpPr>
+        <p:spPr/>
+        <p:txBody>
+          <a:bodyPr>
+            <a:noAutofit/>
+          </a:bodyPr>
+          <a:p>
+            <a:r>
+              <a:rPr lang="en-US" altLang="zh-CN" sz="1400"/>
+              <a:t>Data analysis and manipulation library</a:t>
+            </a:r>
+            <a:endParaRPr lang="en-US" altLang="zh-CN" sz="1400"/>
+          </a:p>
+          <a:p>
+            <a:r>
+              <a:rPr lang="en-US" altLang="zh-CN" sz="1400"/>
+              <a:t>Data types</a:t>
+            </a:r>
+            <a:endParaRPr lang="en-US" altLang="zh-CN" sz="1400"/>
+          </a:p>
+          <a:p>
+            <a:pPr lvl="1">
+              <a:buFont typeface="Wingdings" panose="05000000000000000000" pitchFamily="2" charset="2"/>
+              <a:buChar char="l"/>
+            </a:pPr>
+            <a:r>
+              <a:rPr lang="en-US" altLang="zh-CN" sz="1200"/>
+              <a:t>pandas.Series (1D)</a:t>
+            </a:r>
+            <a:endParaRPr lang="en-US" altLang="zh-CN" sz="1200"/>
+          </a:p>
+          <a:p>
+            <a:pPr lvl="2">
+              <a:buFont typeface="Wingdings" panose="05000000000000000000" pitchFamily="2" charset="2"/>
+              <a:buChar char="l"/>
+            </a:pPr>
+            <a:r>
+              <a:rPr lang="en-US" altLang="zh-CN" sz="1020"/>
+              <a:t>unique(), value_counts(), is_in(list), isnull(), dropna(), fillna(), map(func)</a:t>
+            </a:r>
+            <a:endParaRPr lang="en-US" altLang="zh-CN" sz="1020"/>
+          </a:p>
+          <a:p>
+            <a:pPr lvl="2">
+              <a:buFont typeface="Wingdings" panose="05000000000000000000" pitchFamily="2" charset="2"/>
+              <a:buChar char="l"/>
+            </a:pPr>
+            <a:r>
+              <a:rPr lang="en-US" altLang="zh-CN" sz="1020"/>
+              <a:t>plot()</a:t>
+            </a:r>
+            <a:endParaRPr lang="en-US" altLang="zh-CN" sz="1020"/>
+          </a:p>
+          <a:p>
+            <a:pPr lvl="1">
+              <a:buFont typeface="Wingdings" panose="05000000000000000000" pitchFamily="2" charset="2"/>
+              <a:buChar char="l"/>
+            </a:pPr>
+            <a:r>
+              <a:rPr lang="en-US" altLang="zh-CN" sz="1200"/>
+              <a:t>pandas.DataFrame (2D)</a:t>
+            </a:r>
+            <a:endParaRPr lang="en-US" altLang="zh-CN" sz="1200"/>
+          </a:p>
+          <a:p>
+            <a:pPr lvl="2">
+              <a:buFont typeface="Wingdings" panose="05000000000000000000" pitchFamily="2" charset="2"/>
+              <a:buChar char="Ø"/>
+            </a:pPr>
+            <a:r>
+              <a:rPr lang="en-US" altLang="zh-CN" sz="1020"/>
+              <a:t>read_csv('a.csv', index_col=''), read_table('a.csv', sep=''), read_excel(), to_csv('a.csv')</a:t>
+            </a:r>
+            <a:endParaRPr lang="en-US" altLang="zh-CN" sz="1020"/>
+          </a:p>
+          <a:p>
+            <a:pPr lvl="2">
+              <a:buFont typeface="Wingdings" panose="05000000000000000000" pitchFamily="2" charset="2"/>
+              <a:buChar char="Ø"/>
+            </a:pPr>
+            <a:r>
+              <a:rPr lang="en-US" altLang="zh-CN" sz="1020"/>
+              <a:t>ExcelFile('a.xls') (xlrd/openpyxl), parse('sheetName')</a:t>
+            </a:r>
+            <a:endParaRPr lang="en-US" altLang="zh-CN" sz="1020"/>
+          </a:p>
+          <a:p>
+            <a:pPr lvl="2">
+              <a:buFont typeface="Wingdings" panose="05000000000000000000" pitchFamily="2" charset="2"/>
+              <a:buChar char="Ø"/>
+            </a:pPr>
+            <a:r>
+              <a:rPr lang="en-US" altLang="zh-CN" sz="1020"/>
+              <a:t>df.sum()/mean()/describe()/head()/drop_duplicates()/apply()/applymap()/astype()</a:t>
+            </a:r>
+            <a:endParaRPr lang="en-US" altLang="zh-CN" sz="1020"/>
+          </a:p>
+          <a:p>
+            <a:pPr lvl="2">
+              <a:buFont typeface="Wingdings" panose="05000000000000000000" pitchFamily="2" charset="2"/>
+              <a:buChar char="Ø"/>
+            </a:pPr>
+            <a:r>
+              <a:rPr lang="en-US" altLang="zh-CN" sz="1020"/>
+              <a:t>index, columns, loc(), iloc(), ix(), groupby('column').mean(), corr(), cov(), drop('columnName'), dropna(axis=, subset=)</a:t>
+            </a:r>
+            <a:endParaRPr lang="en-US" altLang="zh-CN" sz="1020"/>
+          </a:p>
+          <a:p>
+            <a:pPr lvl="2">
+              <a:buFont typeface="Wingdings" panose="05000000000000000000" pitchFamily="2" charset="2"/>
+              <a:buChar char="Ø"/>
+            </a:pPr>
+            <a:r>
+              <a:rPr lang="en-US" altLang="zh-CN" sz="1020"/>
+              <a:t>Can  be looked on as dictionary</a:t>
+            </a:r>
+            <a:endParaRPr lang="en-US" altLang="zh-CN" sz="1020"/>
+          </a:p>
+          <a:p>
+            <a:pPr lvl="2">
+              <a:buFont typeface="Wingdings" panose="05000000000000000000" pitchFamily="2" charset="2"/>
+              <a:buChar char="Ø"/>
+            </a:pPr>
+            <a:r>
+              <a:rPr lang="en-US" altLang="zh-CN" sz="1020"/>
+              <a:t>df.iloc[row_no]</a:t>
+            </a:r>
+            <a:endParaRPr lang="en-US" altLang="zh-CN" sz="1020"/>
+          </a:p>
+          <a:p>
+            <a:pPr lvl="1">
+              <a:buFont typeface="Wingdings" panose="05000000000000000000" pitchFamily="2" charset="2"/>
+              <a:buChar char="l"/>
+            </a:pPr>
+            <a:r>
+              <a:rPr lang="en-US" altLang="zh-CN" sz="1200"/>
+              <a:t>pandas.Panel</a:t>
+            </a:r>
+            <a:endParaRPr lang="en-US" altLang="zh-CN" sz="1200"/>
+          </a:p>
+          <a:p>
+            <a:pPr lvl="1">
+              <a:buFont typeface="Wingdings" panose="05000000000000000000" pitchFamily="2" charset="2"/>
+              <a:buChar char="l"/>
+            </a:pPr>
+            <a:r>
+              <a:rPr lang="en-US" altLang="zh-CN" sz="1200"/>
+              <a:t>pandas.Panel4D</a:t>
+            </a:r>
+            <a:endParaRPr lang="en-US" altLang="zh-CN" sz="1200"/>
+          </a:p>
+          <a:p>
+            <a:pPr lvl="0">
+              <a:buFont typeface="Wingdings" panose="05000000000000000000" pitchFamily="2" charset="2"/>
+              <a:buChar char="l"/>
+            </a:pPr>
+            <a:r>
+              <a:rPr lang="en-US" altLang="zh-CN" sz="1400"/>
+              <a:t>DB</a:t>
+            </a:r>
+            <a:endParaRPr lang="en-US" altLang="zh-CN" sz="1400"/>
+          </a:p>
+          <a:p>
+            <a:pPr lvl="1">
+              <a:buFont typeface="Wingdings" panose="05000000000000000000" pitchFamily="2" charset="2"/>
+              <a:buChar char="l"/>
+            </a:pPr>
+            <a:r>
+              <a:rPr lang="en-US" altLang="zh-CN" sz="1200"/>
+              <a:t>read_sql('sql_str', con=dbconn)</a:t>
+            </a:r>
+            <a:endParaRPr lang="en-US" altLang="zh-CN" sz="1200"/>
+          </a:p>
+          <a:p>
+            <a:pPr lvl="1">
+              <a:buFont typeface="Wingdings" panose="05000000000000000000" pitchFamily="2" charset="2"/>
+              <a:buChar char="l"/>
+            </a:pPr>
+            <a:r>
+              <a:rPr lang="en-US" altLang="zh-CN" sz="1200"/>
+              <a:t>read_sql_table()</a:t>
+            </a:r>
+            <a:endParaRPr lang="en-US" altLang="zh-CN" sz="1200"/>
+          </a:p>
+          <a:p>
+            <a:pPr lvl="1">
+              <a:buFont typeface="Wingdings" panose="05000000000000000000" pitchFamily="2" charset="2"/>
+              <a:buChar char="l"/>
+            </a:pPr>
+            <a:r>
+              <a:rPr lang="en-US" altLang="zh-CN" sz="1200"/>
+              <a:t>read_sql_query()</a:t>
+            </a:r>
+            <a:endParaRPr lang="en-US" altLang="zh-CN" sz="1200"/>
+          </a:p>
+          <a:p>
+            <a:pPr lvl="0">
+              <a:buFont typeface="Wingdings" panose="05000000000000000000" pitchFamily="2" charset="2"/>
+              <a:buChar char="l"/>
+            </a:pPr>
+            <a:r>
+              <a:rPr lang="en-US" altLang="zh-CN" sz="1400"/>
+              <a:t>Datetime</a:t>
+            </a:r>
+            <a:endParaRPr lang="en-US" altLang="zh-CN" sz="1400"/>
+          </a:p>
+          <a:p>
+            <a:pPr lvl="1">
+              <a:buFont typeface="Wingdings" panose="05000000000000000000" pitchFamily="2" charset="2"/>
+              <a:buChar char="l"/>
+            </a:pPr>
+            <a:r>
+              <a:rPr lang="en-US" altLang="zh-CN" sz="1200"/>
+              <a:t>to_datetime(df)</a:t>
+            </a:r>
+            <a:endParaRPr lang="en-US" altLang="zh-CN" sz="1200"/>
+          </a:p>
+        </p:txBody>
+      </p:sp>
+      <p:sp>
+        <p:nvSpPr>
+          <p:cNvPr id="4" name="文本框 3"/>
+          <p:cNvSpPr txBox="1"/>
+          <p:nvPr/>
+        </p:nvSpPr>
+        <p:spPr>
+          <a:xfrm>
+            <a:off x="7687945" y="1630680"/>
+            <a:ext cx="3837305" cy="3725545"/>
+          </a:xfrm>
+          <a:prstGeom prst="rect">
+            <a:avLst/>
+          </a:prstGeom>
+          <a:noFill/>
+        </p:spPr>
+        <p:txBody>
+          <a:bodyPr wrap="square" rtlCol="0">
+            <a:spAutoFit/>
+          </a:bodyPr>
+          <a:p>
+            <a:pPr>
+              <a:lnSpc>
+                <a:spcPct val="130000"/>
+              </a:lnSpc>
+            </a:pPr>
+            <a:r>
+              <a:rPr lang="en-US" altLang="zh-CN" sz="1400" dirty="0" smtClean="0">
+                <a:latin typeface="Arial" panose="020B0604020202020204" pitchFamily="34" charset="0"/>
+                <a:ea typeface="微软雅黑" panose="020B0503020204020204" charset="-122"/>
+              </a:rPr>
+              <a:t>import pandas as pd</a:t>
+            </a:r>
+            <a:endParaRPr lang="en-US" altLang="zh-CN" sz="1400" dirty="0" smtClean="0">
+              <a:latin typeface="Arial" panose="020B0604020202020204" pitchFamily="34" charset="0"/>
+              <a:ea typeface="微软雅黑" panose="020B0503020204020204" charset="-122"/>
+            </a:endParaRPr>
+          </a:p>
+          <a:p>
+            <a:pPr>
+              <a:lnSpc>
+                <a:spcPct val="130000"/>
+              </a:lnSpc>
+            </a:pPr>
+            <a:endParaRPr lang="en-US" altLang="zh-CN" sz="1400" dirty="0" smtClean="0">
+              <a:latin typeface="Arial" panose="020B0604020202020204" pitchFamily="34" charset="0"/>
+              <a:ea typeface="微软雅黑" panose="020B0503020204020204" charset="-122"/>
+            </a:endParaRPr>
+          </a:p>
+          <a:p>
+            <a:pPr>
+              <a:lnSpc>
+                <a:spcPct val="130000"/>
+              </a:lnSpc>
+            </a:pPr>
+            <a:r>
+              <a:rPr lang="en-US" altLang="zh-CN" sz="1400" dirty="0" smtClean="0">
+                <a:latin typeface="Arial" panose="020B0604020202020204" pitchFamily="34" charset="0"/>
+                <a:ea typeface="微软雅黑" panose="020B0503020204020204" charset="-122"/>
+              </a:rPr>
+              <a:t>counts = pd.Series(['a', 'b', 'c'])</a:t>
+            </a:r>
+            <a:endParaRPr lang="en-US" altLang="zh-CN" sz="1400" dirty="0" smtClean="0">
+              <a:latin typeface="Arial" panose="020B0604020202020204" pitchFamily="34" charset="0"/>
+              <a:ea typeface="微软雅黑" panose="020B0503020204020204" charset="-122"/>
+            </a:endParaRPr>
+          </a:p>
+          <a:p>
+            <a:pPr>
+              <a:lnSpc>
+                <a:spcPct val="130000"/>
+              </a:lnSpc>
+            </a:pPr>
+            <a:r>
+              <a:rPr lang="en-US" altLang="zh-CN" sz="1400" dirty="0" smtClean="0">
+                <a:latin typeface="Arial" panose="020B0604020202020204" pitchFamily="34" charset="0"/>
+                <a:ea typeface="微软雅黑" panose="020B0503020204020204" charset="-122"/>
+              </a:rPr>
+              <a:t>counts</a:t>
+            </a:r>
+            <a:endParaRPr lang="en-US" altLang="zh-CN" sz="1400" dirty="0" smtClean="0">
+              <a:latin typeface="Arial" panose="020B0604020202020204" pitchFamily="34" charset="0"/>
+              <a:ea typeface="微软雅黑" panose="020B0503020204020204" charset="-122"/>
+            </a:endParaRPr>
+          </a:p>
+          <a:p>
+            <a:pPr>
+              <a:lnSpc>
+                <a:spcPct val="130000"/>
+              </a:lnSpc>
+            </a:pPr>
+            <a:r>
+              <a:rPr lang="en-US" altLang="zh-CN" sz="1400" dirty="0" smtClean="0">
+                <a:latin typeface="Arial" panose="020B0604020202020204" pitchFamily="34" charset="0"/>
+                <a:ea typeface="微软雅黑" panose="020B0503020204020204" charset="-122"/>
+              </a:rPr>
+              <a:t>counts.index</a:t>
+            </a:r>
+            <a:endParaRPr lang="en-US" altLang="zh-CN" sz="1400" dirty="0" smtClean="0">
+              <a:latin typeface="Arial" panose="020B0604020202020204" pitchFamily="34" charset="0"/>
+              <a:ea typeface="微软雅黑" panose="020B0503020204020204" charset="-122"/>
+            </a:endParaRPr>
+          </a:p>
+          <a:p>
+            <a:pPr>
+              <a:lnSpc>
+                <a:spcPct val="130000"/>
+              </a:lnSpc>
+            </a:pPr>
+            <a:r>
+              <a:rPr lang="en-US" altLang="zh-CN" sz="1400" dirty="0" smtClean="0">
+                <a:latin typeface="Arial" panose="020B0604020202020204" pitchFamily="34" charset="0"/>
+                <a:ea typeface="微软雅黑" panose="020B0503020204020204" charset="-122"/>
+              </a:rPr>
+              <a:t>counts.values</a:t>
+            </a:r>
+            <a:endParaRPr lang="en-US" altLang="zh-CN" sz="1400" dirty="0" smtClean="0">
+              <a:latin typeface="Arial" panose="020B0604020202020204" pitchFamily="34" charset="0"/>
+              <a:ea typeface="微软雅黑" panose="020B0503020204020204" charset="-122"/>
+            </a:endParaRPr>
+          </a:p>
+          <a:p>
+            <a:pPr>
+              <a:lnSpc>
+                <a:spcPct val="130000"/>
+              </a:lnSpc>
+            </a:pPr>
+            <a:endParaRPr lang="en-US" altLang="zh-CN" sz="1400" dirty="0" smtClean="0">
+              <a:latin typeface="Arial" panose="020B0604020202020204" pitchFamily="34" charset="0"/>
+              <a:ea typeface="微软雅黑" panose="020B0503020204020204" charset="-122"/>
+            </a:endParaRPr>
+          </a:p>
+          <a:p>
+            <a:pPr>
+              <a:lnSpc>
+                <a:spcPct val="130000"/>
+              </a:lnSpc>
+            </a:pPr>
+            <a:r>
+              <a:rPr lang="en-US" altLang="zh-CN" sz="1400" dirty="0" smtClean="0">
+                <a:latin typeface="Arial" panose="020B0604020202020204" pitchFamily="34" charset="0"/>
+                <a:ea typeface="微软雅黑" panose="020B0503020204020204" charset="-122"/>
+              </a:rPr>
+              <a:t>data = pd.DataFrame({'column1': [1, 2, 3], 'column2': [1, 2, 3]})</a:t>
+            </a:r>
+            <a:endParaRPr lang="en-US" altLang="zh-CN" sz="1400" dirty="0" smtClean="0">
+              <a:latin typeface="Arial" panose="020B0604020202020204" pitchFamily="34" charset="0"/>
+              <a:ea typeface="微软雅黑" panose="020B0503020204020204" charset="-122"/>
+            </a:endParaRPr>
+          </a:p>
+          <a:p>
+            <a:pPr>
+              <a:lnSpc>
+                <a:spcPct val="130000"/>
+              </a:lnSpc>
+            </a:pPr>
+            <a:r>
+              <a:rPr lang="en-US" altLang="zh-CN" sz="1400" dirty="0" smtClean="0">
+                <a:latin typeface="Arial" panose="020B0604020202020204" pitchFamily="34" charset="0"/>
+                <a:ea typeface="微软雅黑" panose="020B0503020204020204" charset="-122"/>
+              </a:rPr>
+              <a:t>data</a:t>
+            </a:r>
+            <a:endParaRPr lang="en-US" altLang="zh-CN" sz="1400" dirty="0" smtClean="0">
+              <a:latin typeface="Arial" panose="020B0604020202020204" pitchFamily="34" charset="0"/>
+              <a:ea typeface="微软雅黑" panose="020B0503020204020204" charset="-122"/>
+            </a:endParaRPr>
+          </a:p>
+          <a:p>
+            <a:pPr>
+              <a:lnSpc>
+                <a:spcPct val="130000"/>
+              </a:lnSpc>
+            </a:pPr>
+            <a:r>
+              <a:rPr lang="en-US" altLang="zh-CN" sz="1400" dirty="0" smtClean="0">
+                <a:latin typeface="Arial" panose="020B0604020202020204" pitchFamily="34" charset="0"/>
+                <a:ea typeface="微软雅黑" panose="020B0503020204020204" charset="-122"/>
+              </a:rPr>
+              <a:t>data.values</a:t>
+            </a:r>
+            <a:endParaRPr lang="en-US" altLang="zh-CN" sz="1400" dirty="0" smtClean="0">
+              <a:latin typeface="Arial" panose="020B0604020202020204" pitchFamily="34" charset="0"/>
+              <a:ea typeface="微软雅黑" panose="020B0503020204020204" charset="-122"/>
+            </a:endParaRPr>
+          </a:p>
+          <a:p>
+            <a:pPr>
+              <a:lnSpc>
+                <a:spcPct val="130000"/>
+              </a:lnSpc>
+            </a:pPr>
+            <a:r>
+              <a:rPr lang="en-US" altLang="zh-CN" sz="1400" dirty="0" smtClean="0">
+                <a:latin typeface="Arial" panose="020B0604020202020204" pitchFamily="34" charset="0"/>
+                <a:ea typeface="微软雅黑" panose="020B0503020204020204" charset="-122"/>
+              </a:rPr>
+              <a:t>data.shape</a:t>
+            </a:r>
+            <a:endParaRPr lang="en-US" altLang="zh-CN" sz="1400" dirty="0" smtClean="0">
+              <a:latin typeface="Arial" panose="020B0604020202020204" pitchFamily="34" charset="0"/>
+              <a:ea typeface="微软雅黑" panose="020B0503020204020204" charset="-122"/>
+            </a:endParaRPr>
+          </a:p>
+          <a:p>
+            <a:pPr>
+              <a:lnSpc>
+                <a:spcPct val="130000"/>
+              </a:lnSpc>
+            </a:pPr>
+            <a:r>
+              <a:rPr lang="en-US" altLang="zh-CN" sz="1400" dirty="0" smtClean="0">
+                <a:latin typeface="Arial" panose="020B0604020202020204" pitchFamily="34" charset="0"/>
+                <a:ea typeface="微软雅黑" panose="020B0503020204020204" charset="-122"/>
+              </a:rPr>
+              <a:t>data = pd.read_csv('a.csv')</a:t>
+            </a:r>
+            <a:endParaRPr lang="en-US" altLang="zh-CN" sz="1400" dirty="0" smtClean="0">
+              <a:latin typeface="Arial" panose="020B0604020202020204" pitchFamily="34" charset="0"/>
+              <a:ea typeface="微软雅黑" panose="020B0503020204020204" charset="-122"/>
+            </a:endParaRPr>
+          </a:p>
+        </p:txBody>
+      </p:sp>
+    </p:spTree>
+  </p:cSld>
+  <p:clrMapOvr>
+    <a:masterClrMapping/>
+  </p:clrMapOvr>
+</p:sld>
+</file>
+
+<file path=ppt/slides/slide31.xml><?xml version="1.0" encoding="utf-8"?>
 <p:sld xmlns:a="http://schemas.openxmlformats.org/drawingml/2006/main" xmlns:r="http://schemas.openxmlformats.org/officeDocument/2006/relationships" xmlns:p="http://schemas.openxmlformats.org/presentationml/2006/main">
   <p:cSld>
     <p:spTree>
@@ -8724,239 +9430,6 @@
 </p:sld>
 </file>
 
-<file path=ppt/slides/slide31.xml><?xml version="1.0" encoding="utf-8"?>
-<p:sld xmlns:a="http://schemas.openxmlformats.org/drawingml/2006/main" xmlns:r="http://schemas.openxmlformats.org/officeDocument/2006/relationships" xmlns:p="http://schemas.openxmlformats.org/presentationml/2006/main">
-  <p:cSld>
-    <p:spTree>
-      <p:nvGrpSpPr>
-        <p:cNvPr id="1" name=""/>
-        <p:cNvGrpSpPr/>
-        <p:nvPr/>
-      </p:nvGrpSpPr>
-      <p:grpSpPr/>
-      <p:sp>
-        <p:nvSpPr>
-          <p:cNvPr id="2" name="标题 1"/>
-          <p:cNvSpPr>
-            <a:spLocks noGrp="1"/>
-          </p:cNvSpPr>
-          <p:nvPr>
-            <p:ph type="title"/>
-          </p:nvPr>
-        </p:nvSpPr>
-        <p:spPr/>
-        <p:txBody>
-          <a:bodyPr/>
-          <a:p>
-            <a:r>
-              <a:rPr lang="en-US" altLang="zh-CN"/>
-              <a:t>Matplotlib</a:t>
-            </a:r>
-            <a:endParaRPr lang="en-US" altLang="zh-CN"/>
-          </a:p>
-        </p:txBody>
-      </p:sp>
-      <p:sp>
-        <p:nvSpPr>
-          <p:cNvPr id="3" name="内容占位符 2"/>
-          <p:cNvSpPr>
-            <a:spLocks noGrp="1"/>
-          </p:cNvSpPr>
-          <p:nvPr>
-            <p:ph idx="1"/>
-          </p:nvPr>
-        </p:nvSpPr>
-        <p:spPr/>
-        <p:txBody>
-          <a:bodyPr/>
-          <a:p>
-            <a:r>
-              <a:rPr lang="en-US" altLang="zh-CN" sz="1600">
-                <a:sym typeface="+mn-ea"/>
-              </a:rPr>
-              <a:t>matplotlib.use('Agg')	# when no display</a:t>
-            </a:r>
-            <a:endParaRPr lang="en-US" altLang="zh-CN" sz="1600"/>
-          </a:p>
-          <a:p>
-            <a:r>
-              <a:rPr lang="en-US" altLang="zh-CN" sz="1600"/>
-              <a:t>import matplotlib.pyplot as plt</a:t>
-            </a:r>
-            <a:endParaRPr lang="en-US" altLang="zh-CN" sz="1600"/>
-          </a:p>
-          <a:p>
-            <a:pPr lvl="1">
-              <a:buFont typeface="Wingdings" panose="05000000000000000000" pitchFamily="2" charset="2"/>
-              <a:buChar char="Ø"/>
-            </a:pPr>
-            <a:r>
-              <a:rPr lang="en-US" altLang="zh-CN" sz="1400"/>
-              <a:t>plt.title(text), </a:t>
-            </a:r>
-            <a:r>
-              <a:rPr lang="en-US" altLang="zh-CN" sz="1400">
-                <a:sym typeface="+mn-ea"/>
-              </a:rPr>
-              <a:t>plt.xlabel(), plt.ylabel(), plt.xticks(), plt.yticks(), plt.legend()</a:t>
-            </a:r>
-            <a:endParaRPr lang="en-US" altLang="zh-CN" sz="1400"/>
-          </a:p>
-          <a:p>
-            <a:pPr lvl="1">
-              <a:buFont typeface="Wingdings" panose="05000000000000000000" pitchFamily="2" charset="2"/>
-              <a:buChar char="Ø"/>
-            </a:pPr>
-            <a:r>
-              <a:rPr lang="en-US" altLang="zh-CN" sz="1400"/>
-              <a:t>plt.imshow(arr, cmap=plt.cm.gray), plt.imshow(img[..., ::-1])</a:t>
-            </a:r>
-            <a:endParaRPr lang="en-US" altLang="zh-CN" sz="1400"/>
-          </a:p>
-          <a:p>
-            <a:pPr lvl="1">
-              <a:buFont typeface="Wingdings" panose="05000000000000000000" pitchFamily="2" charset="2"/>
-              <a:buChar char="Ø"/>
-            </a:pPr>
-            <a:r>
-              <a:rPr lang="en-US" altLang="zh-CN" sz="1400"/>
-              <a:t>plt.show()</a:t>
-            </a:r>
-            <a:endParaRPr lang="en-US" altLang="zh-CN" sz="1400"/>
-          </a:p>
-          <a:p>
-            <a:pPr lvl="1">
-              <a:buFont typeface="Wingdings" panose="05000000000000000000" pitchFamily="2" charset="2"/>
-              <a:buChar char="Ø"/>
-            </a:pPr>
-            <a:r>
-              <a:rPr lang="en-US" altLang="zh-CN" sz="1400"/>
-              <a:t>plt.plot(), </a:t>
-            </a:r>
-            <a:r>
-              <a:rPr lang="en-US" altLang="zh-CN" sz="1400">
-                <a:sym typeface="+mn-ea"/>
-              </a:rPr>
-              <a:t>plt.subplot(), fig, ax = plt.subplots(), plt.clf()</a:t>
-            </a:r>
-            <a:endParaRPr lang="en-US" altLang="zh-CN" sz="1400"/>
-          </a:p>
-          <a:p>
-            <a:pPr lvl="1">
-              <a:buFont typeface="Wingdings" panose="05000000000000000000" pitchFamily="2" charset="2"/>
-              <a:buChar char="Ø"/>
-            </a:pPr>
-            <a:r>
-              <a:rPr lang="en-US" altLang="zh-CN" sz="1400"/>
-              <a:t>plt.hist(), plt.pcolor(),plt.colorbar(), plt.scatter(x, y, color)</a:t>
-            </a:r>
-            <a:endParaRPr lang="en-US" altLang="zh-CN" sz="1400"/>
-          </a:p>
-          <a:p>
-            <a:pPr lvl="1">
-              <a:buFont typeface="Wingdings" panose="05000000000000000000" pitchFamily="2" charset="2"/>
-              <a:buChar char="Ø"/>
-            </a:pPr>
-            <a:r>
-              <a:rPr lang="en-US" altLang="zh-CN" sz="1400"/>
-              <a:t>plt.axis('off')</a:t>
-            </a:r>
-            <a:endParaRPr lang="en-US" altLang="zh-CN" sz="1400"/>
-          </a:p>
-          <a:p>
-            <a:pPr lvl="1">
-              <a:buFont typeface="Wingdings" panose="05000000000000000000" pitchFamily="2" charset="2"/>
-              <a:buChar char="Ø"/>
-            </a:pPr>
-            <a:r>
-              <a:rPr lang="en-US" altLang="zh-CN" sz="1400"/>
-              <a:t>plt.savefig('a.png')</a:t>
-            </a:r>
-            <a:endParaRPr lang="en-US" altLang="zh-CN" sz="1400"/>
-          </a:p>
-          <a:p>
-            <a:pPr lvl="1">
-              <a:buFont typeface="Wingdings" panose="05000000000000000000" pitchFamily="2" charset="2"/>
-              <a:buChar char="Ø"/>
-            </a:pPr>
-            <a:r>
-              <a:rPr lang="en-US" altLang="zh-CN" sz="1400"/>
-              <a:t>plt.get_backend()</a:t>
-            </a:r>
-            <a:endParaRPr lang="en-US" altLang="zh-CN" sz="1400"/>
-          </a:p>
-          <a:p>
-            <a:r>
-              <a:rPr lang="en-US" altLang="zh-CN" sz="1600"/>
-              <a:t>Figure</a:t>
-            </a:r>
-            <a:endParaRPr lang="en-US" altLang="zh-CN" sz="1600"/>
-          </a:p>
-          <a:p>
-            <a:pPr lvl="1">
-              <a:buFont typeface="Wingdings" panose="05000000000000000000" pitchFamily="2" charset="2"/>
-              <a:buChar char="Ø"/>
-            </a:pPr>
-            <a:r>
-              <a:rPr lang="en-US" altLang="zh-CN" sz="1400"/>
-              <a:t>fig = plt.figure(figsize=(w,h))</a:t>
-            </a:r>
-            <a:endParaRPr lang="en-US" altLang="zh-CN" sz="1400"/>
-          </a:p>
-          <a:p>
-            <a:pPr lvl="1">
-              <a:buFont typeface="Wingdings" panose="05000000000000000000" pitchFamily="2" charset="2"/>
-              <a:buChar char="Ø"/>
-            </a:pPr>
-            <a:r>
-              <a:rPr lang="en-US" altLang="zh-CN" sz="1400"/>
-              <a:t>ax = fig.add_subplot()</a:t>
-            </a:r>
-            <a:endParaRPr lang="en-US" altLang="zh-CN" sz="1400"/>
-          </a:p>
-          <a:p>
-            <a:pPr lvl="1">
-              <a:buFont typeface="Wingdings" panose="05000000000000000000" pitchFamily="2" charset="2"/>
-              <a:buChar char="Ø"/>
-            </a:pPr>
-            <a:r>
-              <a:rPr lang="en-US" altLang="zh-CN" sz="1400"/>
-              <a:t>ax.matshow(matrix)</a:t>
-            </a:r>
-            <a:endParaRPr lang="en-US" altLang="zh-CN" sz="1400"/>
-          </a:p>
-          <a:p>
-            <a:pPr lvl="0">
-              <a:buFont typeface="Wingdings" panose="05000000000000000000" pitchFamily="2" charset="2"/>
-              <a:buChar char="Ø"/>
-            </a:pPr>
-            <a:r>
-              <a:rPr lang="en-US" altLang="zh-CN" sz="1600"/>
-              <a:t>Unicode support</a:t>
-            </a:r>
-            <a:endParaRPr lang="en-US" altLang="zh-CN" sz="1600"/>
-          </a:p>
-          <a:p>
-            <a:pPr lvl="1">
-              <a:buFont typeface="Wingdings" panose="05000000000000000000" pitchFamily="2" charset="2"/>
-              <a:buChar char="Ø"/>
-            </a:pPr>
-            <a:r>
-              <a:rPr lang="en-US" altLang="zh-CN" sz="1400"/>
-              <a:t>matplotlib.rcParams['font.family'] = 'SimHei'</a:t>
-            </a:r>
-            <a:endParaRPr lang="en-US" altLang="zh-CN" sz="1400"/>
-          </a:p>
-        </p:txBody>
-      </p:sp>
-    </p:spTree>
-  </p:cSld>
-  <p:clrMapOvr>
-    <a:masterClrMapping/>
-  </p:clrMapOvr>
-</p:sld>
-</file>
-
 <file path=ppt/slides/slide32.xml><?xml version="1.0" encoding="utf-8"?>
 <p:sld xmlns:a="http://schemas.openxmlformats.org/drawingml/2006/main" xmlns:r="http://schemas.openxmlformats.org/officeDocument/2006/relationships" xmlns:p="http://schemas.openxmlformats.org/presentationml/2006/main">
   <p:cSld>
@@ -8969,7 +9442,7 @@
       <p:grpSpPr/>
       <p:sp>
         <p:nvSpPr>
-          <p:cNvPr id="24578" name="标题 2"/>
+          <p:cNvPr id="2" name="标题 1"/>
           <p:cNvSpPr>
             <a:spLocks noGrp="1"/>
           </p:cNvSpPr>
@@ -8979,21 +9452,19 @@
         </p:nvSpPr>
         <p:spPr/>
         <p:txBody>
-          <a:bodyPr anchor="b">
-            <a:normAutofit/>
-          </a:bodyPr>
-          <a:p>
-            <a:r>
-              <a:rPr lang="en-US" altLang="zh-CN" smtClean="0"/>
-              <a:t>Seaborn</a:t>
-            </a:r>
-            <a:endParaRPr lang="en-US" altLang="zh-CN" smtClean="0"/>
-          </a:p>
-        </p:txBody>
-      </p:sp>
-      <p:sp>
-        <p:nvSpPr>
-          <p:cNvPr id="4" name="内容占位符 3"/>
+          <a:bodyPr/>
+          <a:p>
+            <a:r>
+              <a:rPr lang="en-US" altLang="zh-CN"/>
+              <a:t>Matplotlib</a:t>
+            </a:r>
+            <a:endParaRPr lang="en-US" altLang="zh-CN"/>
+          </a:p>
+        </p:txBody>
+      </p:sp>
+      <p:sp>
+        <p:nvSpPr>
+          <p:cNvPr id="3" name="内容占位符 2"/>
           <p:cNvSpPr>
             <a:spLocks noGrp="1"/>
           </p:cNvSpPr>
@@ -9003,82 +9474,184 @@
         </p:nvSpPr>
         <p:spPr/>
         <p:txBody>
-          <a:bodyPr>
-            <a:normAutofit/>
-          </a:bodyPr>
-          <a:p>
-            <a:pPr marL="357505" indent="-357505" algn="l">
-              <a:lnSpc>
-                <a:spcPct val="200000"/>
-              </a:lnSpc>
-              <a:buClr>
-                <a:schemeClr val="accent1"/>
-              </a:buClr>
-              <a:buSzTx/>
+          <a:bodyPr/>
+          <a:p>
+            <a:r>
+              <a:rPr lang="en-US" altLang="zh-CN" sz="1600">
+                <a:sym typeface="+mn-ea"/>
+              </a:rPr>
+              <a:t>matplotlib.use('Agg')	# when no display</a:t>
+            </a:r>
+            <a:endParaRPr lang="en-US" altLang="zh-CN" sz="1600"/>
+          </a:p>
+          <a:p>
+            <a:r>
+              <a:rPr lang="en-US" altLang="zh-CN" sz="1600"/>
+              <a:t>import matplotlib.pyplot as plt</a:t>
+            </a:r>
+            <a:endParaRPr lang="en-US" altLang="zh-CN" sz="1600"/>
+          </a:p>
+          <a:p>
+            <a:pPr lvl="1">
               <a:buFont typeface="Wingdings" panose="05000000000000000000" pitchFamily="2" charset="2"/>
-              <a:buChar char=""/>
-            </a:pPr>
-            <a:r>
-              <a:rPr lang="en-US" altLang="zh-CN" smtClean="0"/>
-              <a:t>Basic</a:t>
-            </a:r>
-            <a:endParaRPr lang="en-US" altLang="zh-CN" smtClean="0"/>
-          </a:p>
-          <a:p>
-            <a:pPr lvl="1" algn="l">
-              <a:lnSpc>
-                <a:spcPct val="200000"/>
-              </a:lnSpc>
+              <a:buChar char="Ø"/>
+            </a:pPr>
+            <a:r>
+              <a:rPr lang="en-US" altLang="zh-CN" sz="1400"/>
+              <a:t>plt.title(text), </a:t>
+            </a:r>
+            <a:r>
+              <a:rPr lang="en-US" altLang="zh-CN" sz="1400">
+                <a:sym typeface="+mn-ea"/>
+              </a:rPr>
+              <a:t>plt.xlabel(), plt.ylabel(), plt.xticks(), plt.yticks(), plt.legend()</a:t>
+            </a:r>
+            <a:endParaRPr lang="en-US" altLang="zh-CN" sz="1400"/>
+          </a:p>
+          <a:p>
+            <a:pPr lvl="1">
               <a:buFont typeface="Wingdings" panose="05000000000000000000" pitchFamily="2" charset="2"/>
-              <a:buChar char=""/>
-            </a:pPr>
-            <a:r>
-              <a:rPr lang="en-US" altLang="zh-CN" smtClean="0"/>
-              <a:t>pip install seaborn</a:t>
-            </a:r>
-            <a:endParaRPr lang="en-US" altLang="zh-CN" smtClean="0"/>
-          </a:p>
-          <a:p>
-            <a:pPr lvl="1" algn="l">
-              <a:lnSpc>
-                <a:spcPct val="200000"/>
-              </a:lnSpc>
+              <a:buChar char="Ø"/>
+            </a:pPr>
+            <a:r>
+              <a:rPr lang="en-US" altLang="zh-CN" sz="1400"/>
+              <a:t>plt.imshow(arr, cmap=plt.cm.gray), plt.imshow(img[..., ::-1])</a:t>
+            </a:r>
+            <a:endParaRPr lang="en-US" altLang="zh-CN" sz="1400"/>
+          </a:p>
+          <a:p>
+            <a:pPr lvl="1">
               <a:buFont typeface="Wingdings" panose="05000000000000000000" pitchFamily="2" charset="2"/>
-              <a:buChar char=""/>
-            </a:pPr>
-            <a:r>
-              <a:rPr lang="en-US" altLang="zh-CN" smtClean="0"/>
-              <a:t>import seaborn as sns</a:t>
-            </a:r>
-            <a:endParaRPr lang="en-US" altLang="zh-CN" smtClean="0"/>
-          </a:p>
-          <a:p>
-            <a:pPr lvl="1" algn="l">
-              <a:lnSpc>
-                <a:spcPct val="200000"/>
-              </a:lnSpc>
+              <a:buChar char="Ø"/>
+            </a:pPr>
+            <a:r>
+              <a:rPr lang="en-US" altLang="zh-CN" sz="1400"/>
+              <a:t>plt.show()</a:t>
+            </a:r>
+            <a:endParaRPr lang="en-US" altLang="zh-CN" sz="1400"/>
+          </a:p>
+          <a:p>
+            <a:pPr lvl="1">
               <a:buFont typeface="Wingdings" panose="05000000000000000000" pitchFamily="2" charset="2"/>
-              <a:buChar char=""/>
-            </a:pPr>
-            <a:r>
-              <a:rPr lang="en-US" altLang="zh-CN" smtClean="0"/>
-              <a:t>It's a kind of enhancement of matplotlib.</a:t>
-            </a:r>
-            <a:endParaRPr lang="en-US" altLang="zh-CN" smtClean="0"/>
-          </a:p>
-          <a:p>
-            <a:pPr lvl="1" algn="l">
-              <a:lnSpc>
-                <a:spcPct val="200000"/>
-              </a:lnSpc>
+              <a:buChar char="Ø"/>
+            </a:pPr>
+            <a:r>
+              <a:rPr lang="en-US" altLang="zh-CN" sz="1400"/>
+              <a:t>plt.plot(), </a:t>
+            </a:r>
+            <a:r>
+              <a:rPr lang="en-US" altLang="zh-CN" sz="1400">
+                <a:sym typeface="+mn-ea"/>
+              </a:rPr>
+              <a:t>plt.subplot(), fig, ax = plt.subplots(), plt.clf()</a:t>
+            </a:r>
+            <a:endParaRPr lang="en-US" altLang="zh-CN" sz="1400"/>
+          </a:p>
+          <a:p>
+            <a:pPr lvl="1">
               <a:buFont typeface="Wingdings" panose="05000000000000000000" pitchFamily="2" charset="2"/>
-              <a:buChar char=""/>
-            </a:pPr>
-            <a:r>
-              <a:rPr lang="en-US" altLang="zh-CN" smtClean="0"/>
-              <a:t>heatmap()</a:t>
-            </a:r>
-            <a:endParaRPr lang="en-US" altLang="zh-CN" smtClean="0"/>
+              <a:buChar char="Ø"/>
+            </a:pPr>
+            <a:r>
+              <a:rPr lang="en-US" altLang="zh-CN" sz="1400"/>
+              <a:t>plt.hist(), plt.pcolor(),plt.colorbar(), plt.scatter(x, y, color)</a:t>
+            </a:r>
+            <a:endParaRPr lang="en-US" altLang="zh-CN" sz="1400"/>
+          </a:p>
+          <a:p>
+            <a:pPr lvl="1">
+              <a:buFont typeface="Wingdings" panose="05000000000000000000" pitchFamily="2" charset="2"/>
+              <a:buChar char="Ø"/>
+            </a:pPr>
+            <a:r>
+              <a:rPr lang="en-US" altLang="zh-CN" sz="1400"/>
+              <a:t>plt.axis('off')</a:t>
+            </a:r>
+            <a:endParaRPr lang="en-US" altLang="zh-CN" sz="1400"/>
+          </a:p>
+          <a:p>
+            <a:pPr lvl="1">
+              <a:buFont typeface="Wingdings" panose="05000000000000000000" pitchFamily="2" charset="2"/>
+              <a:buChar char="Ø"/>
+            </a:pPr>
+            <a:r>
+              <a:rPr lang="en-US" altLang="zh-CN" sz="1400"/>
+              <a:t>plt.savefig('a.png')</a:t>
+            </a:r>
+            <a:endParaRPr lang="en-US" altLang="zh-CN" sz="1400"/>
+          </a:p>
+          <a:p>
+            <a:pPr lvl="1">
+              <a:buFont typeface="Wingdings" panose="05000000000000000000" pitchFamily="2" charset="2"/>
+              <a:buChar char="Ø"/>
+            </a:pPr>
+            <a:r>
+              <a:rPr lang="en-US" altLang="zh-CN" sz="1400"/>
+              <a:t>plt.get_backend()</a:t>
+            </a:r>
+            <a:endParaRPr lang="en-US" altLang="zh-CN" sz="1400"/>
+          </a:p>
+          <a:p>
+            <a:r>
+              <a:rPr lang="en-US" altLang="zh-CN" sz="1600"/>
+              <a:t>Figure</a:t>
+            </a:r>
+            <a:endParaRPr lang="en-US" altLang="zh-CN" sz="1600"/>
+          </a:p>
+          <a:p>
+            <a:pPr lvl="1">
+              <a:buFont typeface="Wingdings" panose="05000000000000000000" pitchFamily="2" charset="2"/>
+              <a:buChar char="Ø"/>
+            </a:pPr>
+            <a:r>
+              <a:rPr lang="en-US" altLang="zh-CN" sz="1400"/>
+              <a:t>fig = plt.figure(figsize=(w,h))</a:t>
+            </a:r>
+            <a:endParaRPr lang="en-US" altLang="zh-CN" sz="1400"/>
+          </a:p>
+          <a:p>
+            <a:pPr lvl="1">
+              <a:buFont typeface="Wingdings" panose="05000000000000000000" pitchFamily="2" charset="2"/>
+              <a:buChar char="Ø"/>
+            </a:pPr>
+            <a:r>
+              <a:rPr lang="en-US" altLang="zh-CN" sz="1400"/>
+              <a:t>ax = fig.add_subplot()</a:t>
+            </a:r>
+            <a:endParaRPr lang="en-US" altLang="zh-CN" sz="1400"/>
+          </a:p>
+          <a:p>
+            <a:pPr lvl="1">
+              <a:buFont typeface="Wingdings" panose="05000000000000000000" pitchFamily="2" charset="2"/>
+              <a:buChar char="Ø"/>
+            </a:pPr>
+            <a:r>
+              <a:rPr lang="en-US" altLang="zh-CN" sz="1400"/>
+              <a:t>ax.matshow(matrix)</a:t>
+            </a:r>
+            <a:endParaRPr lang="en-US" altLang="zh-CN" sz="1400"/>
+          </a:p>
+          <a:p>
+            <a:pPr lvl="0">
+              <a:buFont typeface="Wingdings" panose="05000000000000000000" pitchFamily="2" charset="2"/>
+              <a:buChar char="Ø"/>
+            </a:pPr>
+            <a:r>
+              <a:rPr lang="en-US" altLang="zh-CN" sz="1600"/>
+              <a:t>Unicode support</a:t>
+            </a:r>
+            <a:endParaRPr lang="en-US" altLang="zh-CN" sz="1600"/>
+          </a:p>
+          <a:p>
+            <a:pPr lvl="1">
+              <a:buFont typeface="Wingdings" panose="05000000000000000000" pitchFamily="2" charset="2"/>
+              <a:buChar char="Ø"/>
+            </a:pPr>
+            <a:r>
+              <a:rPr lang="en-US" altLang="zh-CN" sz="1400"/>
+              <a:t>matplotlib.rcParams['font.family'] = 'SimHei'</a:t>
+            </a:r>
+            <a:endParaRPr lang="en-US" altLang="zh-CN" sz="1400"/>
           </a:p>
         </p:txBody>
       </p:sp>
@@ -9118,7 +9691,7 @@
           <a:p>
             <a:r>
               <a:rPr lang="en-US" altLang="zh-CN" smtClean="0"/>
-              <a:t>xml</a:t>
+              <a:t>Seaborn</a:t>
             </a:r>
             <a:endParaRPr lang="en-US" altLang="zh-CN" smtClean="0"/>
           </a:p>
@@ -9137,7 +9710,7 @@
         <p:spPr/>
         <p:txBody>
           <a:bodyPr>
-            <a:normAutofit lnSpcReduction="20000"/>
+            <a:normAutofit/>
           </a:bodyPr>
           <a:p>
             <a:pPr marL="357505" indent="-357505" algn="l">
@@ -9167,7 +9740,7 @@
             </a:pPr>
             <a:r>
               <a:rPr lang="en-US" altLang="zh-CN" smtClean="0"/>
-              <a:t>import xml.etree.ElementTree as ET</a:t>
+              <a:t>pip install seaborn</a:t>
             </a:r>
             <a:endParaRPr lang="en-US" altLang="zh-CN" smtClean="0"/>
           </a:p>
@@ -9181,7 +9754,7 @@
             </a:pPr>
             <a:r>
               <a:rPr lang="en-US" altLang="zh-CN" smtClean="0"/>
-              <a:t>parser = ET.XMLParser(encoding='utf-8')</a:t>
+              <a:t>import seaborn as sns</a:t>
             </a:r>
             <a:endParaRPr lang="en-US" altLang="zh-CN" smtClean="0"/>
           </a:p>
@@ -9195,7 +9768,7 @@
             </a:pPr>
             <a:r>
               <a:rPr lang="en-US" altLang="zh-CN" smtClean="0"/>
-              <a:t>tree = ET.parse(fn, parser=parser)</a:t>
+              <a:t>It's a kind of enhancement of matplotlib.</a:t>
             </a:r>
             <a:endParaRPr lang="en-US" altLang="zh-CN" smtClean="0"/>
           </a:p>
@@ -9209,35 +9782,7 @@
             </a:pPr>
             <a:r>
               <a:rPr lang="en-US" altLang="zh-CN" smtClean="0"/>
-              <a:t>root = tree.getroot()</a:t>
-            </a:r>
-            <a:endParaRPr lang="en-US" altLang="zh-CN" smtClean="0"/>
-          </a:p>
-          <a:p>
-            <a:pPr lvl="1" algn="l">
-              <a:lnSpc>
-                <a:spcPct val="200000"/>
-              </a:lnSpc>
-              <a:buFont typeface="Wingdings" panose="05000000000000000000" pitchFamily="2" charset="2"/>
-              <a:buChar char=""/>
-            </a:pPr>
-            <a:r>
-              <a:rPr lang="en-US" altLang="zh-CN" smtClean="0"/>
-              <a:t>for elem in root.findall(./level1/level2):</a:t>
-            </a:r>
-            <a:endParaRPr lang="en-US" altLang="zh-CN" smtClean="0"/>
-          </a:p>
-          <a:p>
-            <a:pPr lvl="2" algn="l">
-              <a:lnSpc>
-                <a:spcPct val="200000"/>
-              </a:lnSpc>
-              <a:buFont typeface="Wingdings" panose="05000000000000000000" pitchFamily="2" charset="2"/>
-              <a:buChar char=""/>
-            </a:pPr>
-            <a:r>
-              <a:rPr lang="en-US" altLang="zh-CN" smtClean="0"/>
-              <a:t>attrib = elem.attrib['attrib_name']</a:t>
+              <a:t>heatmap()</a:t>
             </a:r>
             <a:endParaRPr lang="en-US" altLang="zh-CN" smtClean="0"/>
           </a:p>
@@ -9279,6 +9824,167 @@
           <a:p>
             <a:r>
               <a:rPr lang="en-US" altLang="zh-CN" smtClean="0"/>
+              <a:t>xml</a:t>
+            </a:r>
+            <a:endParaRPr lang="en-US" altLang="zh-CN" smtClean="0"/>
+          </a:p>
+        </p:txBody>
+      </p:sp>
+      <p:sp>
+        <p:nvSpPr>
+          <p:cNvPr id="4" name="内容占位符 3"/>
+          <p:cNvSpPr>
+            <a:spLocks noGrp="1"/>
+          </p:cNvSpPr>
+          <p:nvPr>
+            <p:ph idx="1"/>
+          </p:nvPr>
+        </p:nvSpPr>
+        <p:spPr/>
+        <p:txBody>
+          <a:bodyPr>
+            <a:normAutofit lnSpcReduction="20000"/>
+          </a:bodyPr>
+          <a:p>
+            <a:pPr marL="357505" indent="-357505" algn="l">
+              <a:lnSpc>
+                <a:spcPct val="200000"/>
+              </a:lnSpc>
+              <a:buClr>
+                <a:schemeClr val="accent1"/>
+              </a:buClr>
+              <a:buSzTx/>
+              <a:buFont typeface="Wingdings" panose="05000000000000000000" pitchFamily="2" charset="2"/>
+              <a:buChar char=""/>
+            </a:pPr>
+            <a:r>
+              <a:rPr lang="en-US" altLang="zh-CN" smtClean="0"/>
+              <a:t>Basic</a:t>
+            </a:r>
+            <a:endParaRPr lang="en-US" altLang="zh-CN" smtClean="0"/>
+          </a:p>
+          <a:p>
+            <a:pPr lvl="1" algn="l">
+              <a:lnSpc>
+                <a:spcPct val="200000"/>
+              </a:lnSpc>
+              <a:buFont typeface="Wingdings" panose="05000000000000000000" pitchFamily="2" charset="2"/>
+              <a:buChar char=""/>
+            </a:pPr>
+            <a:r>
+              <a:rPr lang="en-US" altLang="zh-CN" smtClean="0"/>
+              <a:t>import xml.etree.ElementTree as ET</a:t>
+            </a:r>
+            <a:endParaRPr lang="en-US" altLang="zh-CN" smtClean="0"/>
+          </a:p>
+          <a:p>
+            <a:pPr lvl="1" algn="l">
+              <a:lnSpc>
+                <a:spcPct val="200000"/>
+              </a:lnSpc>
+              <a:buFont typeface="Wingdings" panose="05000000000000000000" pitchFamily="2" charset="2"/>
+              <a:buChar char=""/>
+            </a:pPr>
+            <a:r>
+              <a:rPr lang="en-US" altLang="zh-CN" smtClean="0"/>
+              <a:t>parser = ET.XMLParser(encoding='utf-8')</a:t>
+            </a:r>
+            <a:endParaRPr lang="en-US" altLang="zh-CN" smtClean="0"/>
+          </a:p>
+          <a:p>
+            <a:pPr lvl="1" algn="l">
+              <a:lnSpc>
+                <a:spcPct val="200000"/>
+              </a:lnSpc>
+              <a:buFont typeface="Wingdings" panose="05000000000000000000" pitchFamily="2" charset="2"/>
+              <a:buChar char=""/>
+            </a:pPr>
+            <a:r>
+              <a:rPr lang="en-US" altLang="zh-CN" smtClean="0"/>
+              <a:t>tree = ET.parse(fn, parser=parser)</a:t>
+            </a:r>
+            <a:endParaRPr lang="en-US" altLang="zh-CN" smtClean="0"/>
+          </a:p>
+          <a:p>
+            <a:pPr lvl="1" algn="l">
+              <a:lnSpc>
+                <a:spcPct val="200000"/>
+              </a:lnSpc>
+              <a:buFont typeface="Wingdings" panose="05000000000000000000" pitchFamily="2" charset="2"/>
+              <a:buChar char=""/>
+            </a:pPr>
+            <a:r>
+              <a:rPr lang="en-US" altLang="zh-CN" smtClean="0"/>
+              <a:t>root = tree.getroot()</a:t>
+            </a:r>
+            <a:endParaRPr lang="en-US" altLang="zh-CN" smtClean="0"/>
+          </a:p>
+          <a:p>
+            <a:pPr lvl="1" algn="l">
+              <a:lnSpc>
+                <a:spcPct val="200000"/>
+              </a:lnSpc>
+              <a:buFont typeface="Wingdings" panose="05000000000000000000" pitchFamily="2" charset="2"/>
+              <a:buChar char=""/>
+            </a:pPr>
+            <a:r>
+              <a:rPr lang="en-US" altLang="zh-CN" smtClean="0"/>
+              <a:t>for elem in root.findall(./level1/level2):</a:t>
+            </a:r>
+            <a:endParaRPr lang="en-US" altLang="zh-CN" smtClean="0"/>
+          </a:p>
+          <a:p>
+            <a:pPr lvl="2" algn="l">
+              <a:lnSpc>
+                <a:spcPct val="200000"/>
+              </a:lnSpc>
+              <a:buFont typeface="Wingdings" panose="05000000000000000000" pitchFamily="2" charset="2"/>
+              <a:buChar char=""/>
+            </a:pPr>
+            <a:r>
+              <a:rPr lang="en-US" altLang="zh-CN" smtClean="0"/>
+              <a:t>attrib = elem.attrib['attrib_name']</a:t>
+            </a:r>
+            <a:endParaRPr lang="en-US" altLang="zh-CN" smtClean="0"/>
+          </a:p>
+        </p:txBody>
+      </p:sp>
+    </p:spTree>
+  </p:cSld>
+  <p:clrMapOvr>
+    <a:masterClrMapping/>
+  </p:clrMapOvr>
+</p:sld>
+</file>
+
+<file path=ppt/slides/slide35.xml><?xml version="1.0" encoding="utf-8"?>
+<p:sld xmlns:a="http://schemas.openxmlformats.org/drawingml/2006/main" xmlns:r="http://schemas.openxmlformats.org/officeDocument/2006/relationships" xmlns:p="http://schemas.openxmlformats.org/presentationml/2006/main">
+  <p:cSld>
+    <p:spTree>
+      <p:nvGrpSpPr>
+        <p:cNvPr id="1" name=""/>
+        <p:cNvGrpSpPr/>
+        <p:nvPr/>
+      </p:nvGrpSpPr>
+      <p:grpSpPr/>
+      <p:sp>
+        <p:nvSpPr>
+          <p:cNvPr id="24578" name="标题 2"/>
+          <p:cNvSpPr>
+            <a:spLocks noGrp="1"/>
+          </p:cNvSpPr>
+          <p:nvPr>
+            <p:ph type="title"/>
+          </p:nvPr>
+        </p:nvSpPr>
+        <p:spPr/>
+        <p:txBody>
+          <a:bodyPr anchor="b">
+            <a:normAutofit/>
+          </a:bodyPr>
+          <a:p>
+            <a:r>
+              <a:rPr lang="en-US" altLang="zh-CN" smtClean="0"/>
               <a:t>GUI</a:t>
             </a:r>
             <a:endParaRPr lang="en-US" altLang="zh-CN" smtClean="0"/>
@@ -9557,118 +10263,6 @@
 </p:sld>
 </file>
 
-<file path=ppt/slides/slide35.xml><?xml version="1.0" encoding="utf-8"?>
-<p:sld xmlns:a="http://schemas.openxmlformats.org/drawingml/2006/main" xmlns:r="http://schemas.openxmlformats.org/officeDocument/2006/relationships" xmlns:p="http://schemas.openxmlformats.org/presentationml/2006/main">
-  <p:cSld>
-    <p:spTree>
-      <p:nvGrpSpPr>
-        <p:cNvPr id="1" name=""/>
-        <p:cNvGrpSpPr/>
-        <p:nvPr/>
-      </p:nvGrpSpPr>
-      <p:grpSpPr/>
-      <p:sp>
-        <p:nvSpPr>
-          <p:cNvPr id="2" name="Title 1"/>
-          <p:cNvSpPr>
-            <a:spLocks noGrp="1"/>
-          </p:cNvSpPr>
-          <p:nvPr>
-            <p:ph type="title"/>
-          </p:nvPr>
-        </p:nvSpPr>
-        <p:spPr/>
-        <p:txBody>
-          <a:bodyPr>
-            <a:normAutofit/>
-          </a:bodyPr>
-          <a:p>
-            <a:r>
-              <a:rPr lang="x-none" altLang="en-US"/>
-              <a:t>Video</a:t>
-            </a:r>
-            <a:endParaRPr lang="x-none" altLang="en-US"/>
-          </a:p>
-        </p:txBody>
-      </p:sp>
-      <p:sp>
-        <p:nvSpPr>
-          <p:cNvPr id="3" name="Content Placeholder 2"/>
-          <p:cNvSpPr>
-            <a:spLocks noGrp="1"/>
-          </p:cNvSpPr>
-          <p:nvPr>
-            <p:ph idx="1"/>
-          </p:nvPr>
-        </p:nvSpPr>
-        <p:spPr/>
-        <p:txBody>
-          <a:bodyPr/>
-          <a:p>
-            <a:r>
-              <a:rPr lang="x-none" altLang="en-US"/>
-              <a:t>PyAv</a:t>
-            </a:r>
-            <a:endParaRPr lang="x-none" altLang="en-US"/>
-          </a:p>
-          <a:p>
-            <a:pPr lvl="1"/>
-            <a:r>
-              <a:rPr lang="x-none" altLang="en-US" sz="2000"/>
-              <a:t>Pythonic binding for FFmpeg or Libav</a:t>
-            </a:r>
-            <a:endParaRPr lang="x-none" altLang="en-US" sz="2000"/>
-          </a:p>
-          <a:p>
-            <a:pPr lvl="0"/>
-            <a:r>
-              <a:rPr lang="x-none" altLang="en-US"/>
-              <a:t>Install</a:t>
-            </a:r>
-            <a:endParaRPr lang="x-none" altLang="en-US"/>
-          </a:p>
-          <a:p>
-            <a:pPr lvl="1"/>
-            <a:r>
-              <a:rPr lang="x-none" altLang="en-US"/>
-              <a:t>sudo apt install -y python-dev pkg-config libavformat-dev libavcodec-dev libavdevice-dev libavutil-dev libswscale-dev libavresample-dev libavfilter-dev</a:t>
-            </a:r>
-            <a:endParaRPr lang="x-none" altLang="en-US"/>
-          </a:p>
-          <a:p>
-            <a:pPr lvl="1"/>
-            <a:r>
-              <a:rPr lang="x-none" altLang="en-US"/>
-              <a:t>pip install av</a:t>
-            </a:r>
-            <a:endParaRPr lang="x-none" altLang="en-US"/>
-          </a:p>
-          <a:p>
-            <a:pPr lvl="0"/>
-            <a:r>
-              <a:rPr lang="x-none" altLang="en-US"/>
-              <a:t>Usage</a:t>
-            </a:r>
-            <a:endParaRPr lang="x-none" altLang="en-US"/>
-          </a:p>
-          <a:p>
-            <a:pPr lvl="1"/>
-            <a:r>
-              <a:rPr lang="x-none" altLang="en-US"/>
-              <a:t>container = av.open(fn)</a:t>
-            </a:r>
-            <a:endParaRPr lang="x-none" altLang="en-US"/>
-          </a:p>
-        </p:txBody>
-      </p:sp>
-    </p:spTree>
-  </p:cSld>
-  <p:clrMapOvr>
-    <a:masterClrMapping/>
-  </p:clrMapOvr>
-</p:sld>
-</file>
-
 <file path=ppt/slides/slide36.xml><?xml version="1.0" encoding="utf-8"?>
 <p:sld xmlns:a="http://schemas.openxmlformats.org/drawingml/2006/main" xmlns:r="http://schemas.openxmlformats.org/officeDocument/2006/relationships" xmlns:p="http://schemas.openxmlformats.org/presentationml/2006/main">
   <p:cSld>
@@ -9681,7 +10275,7 @@
       <p:grpSpPr/>
       <p:sp>
         <p:nvSpPr>
-          <p:cNvPr id="2" name="标题 1"/>
+          <p:cNvPr id="2" name="Title 1"/>
           <p:cNvSpPr>
             <a:spLocks noGrp="1"/>
           </p:cNvSpPr>
@@ -9691,90 +10285,85 @@
         </p:nvSpPr>
         <p:spPr/>
         <p:txBody>
+          <a:bodyPr>
+            <a:normAutofit/>
+          </a:bodyPr>
+          <a:p>
+            <a:r>
+              <a:rPr lang="x-none" altLang="en-US"/>
+              <a:t>Video</a:t>
+            </a:r>
+            <a:endParaRPr lang="x-none" altLang="en-US"/>
+          </a:p>
+        </p:txBody>
+      </p:sp>
+      <p:sp>
+        <p:nvSpPr>
+          <p:cNvPr id="3" name="Content Placeholder 2"/>
+          <p:cNvSpPr>
+            <a:spLocks noGrp="1"/>
+          </p:cNvSpPr>
+          <p:nvPr>
+            <p:ph idx="1"/>
+          </p:nvPr>
+        </p:nvSpPr>
+        <p:spPr/>
+        <p:txBody>
           <a:bodyPr/>
           <a:p>
             <a:r>
-              <a:rPr lang="en-US" altLang="zh-CN"/>
-              <a:t>Audio</a:t>
-            </a:r>
-            <a:endParaRPr lang="en-US" altLang="zh-CN"/>
-          </a:p>
-        </p:txBody>
-      </p:sp>
-      <p:sp>
-        <p:nvSpPr>
-          <p:cNvPr id="3" name="内容占位符 2"/>
-          <p:cNvSpPr>
-            <a:spLocks noGrp="1"/>
-          </p:cNvSpPr>
-          <p:nvPr>
-            <p:ph idx="1"/>
-          </p:nvPr>
-        </p:nvSpPr>
-        <p:spPr/>
-        <p:txBody>
-          <a:bodyPr/>
-          <a:p>
-            <a:r>
-              <a:rPr lang="en-US" altLang="zh-CN"/>
-              <a:t>pip install librosa</a:t>
-            </a:r>
-            <a:endParaRPr lang="en-US" altLang="zh-CN"/>
-          </a:p>
-          <a:p>
-            <a:r>
-              <a:rPr lang="en-US" altLang="zh-CN"/>
+              <a:rPr lang="x-none" altLang="en-US"/>
+              <a:t>PyAv</a:t>
+            </a:r>
+            <a:endParaRPr lang="x-none" altLang="en-US"/>
+          </a:p>
+          <a:p>
+            <a:pPr lvl="1"/>
+            <a:r>
+              <a:rPr lang="x-none" altLang="en-US" sz="2000"/>
+              <a:t>Pythonic binding for FFmpeg or Libav</a:t>
+            </a:r>
+            <a:endParaRPr lang="x-none" altLang="en-US" sz="2000"/>
+          </a:p>
+          <a:p>
+            <a:pPr lvl="0"/>
+            <a:r>
+              <a:rPr lang="x-none" altLang="en-US"/>
+              <a:t>Install</a:t>
+            </a:r>
+            <a:endParaRPr lang="x-none" altLang="en-US"/>
+          </a:p>
+          <a:p>
+            <a:pPr lvl="1"/>
+            <a:r>
+              <a:rPr lang="x-none" altLang="en-US"/>
+              <a:t>sudo apt install -y python-dev pkg-config libavformat-dev libavcodec-dev libavdevice-dev libavutil-dev libswscale-dev libavresample-dev libavfilter-dev</a:t>
+            </a:r>
+            <a:endParaRPr lang="x-none" altLang="en-US"/>
+          </a:p>
+          <a:p>
+            <a:pPr lvl="1"/>
+            <a:r>
+              <a:rPr lang="x-none" altLang="en-US"/>
+              <a:t>pip install av</a:t>
+            </a:r>
+            <a:endParaRPr lang="x-none" altLang="en-US"/>
+          </a:p>
+          <a:p>
+            <a:pPr lvl="0"/>
+            <a:r>
+              <a:rPr lang="x-none" altLang="en-US"/>
               <a:t>Usage</a:t>
             </a:r>
-            <a:endParaRPr lang="en-US" altLang="zh-CN"/>
+            <a:endParaRPr lang="x-none" altLang="en-US"/>
           </a:p>
           <a:p>
             <a:pPr lvl="1"/>
             <a:r>
-              <a:rPr lang="en-US" altLang="zh-CN"/>
-              <a:t>import librosa</a:t>
-            </a:r>
-            <a:endParaRPr lang="en-US" altLang="zh-CN"/>
-          </a:p>
-          <a:p>
-            <a:pPr lvl="1"/>
-            <a:r>
-              <a:rPr lang="en-US" altLang="zh-CN"/>
-              <a:t>data, sample_rate = librosa.load(fn_audio)</a:t>
-            </a:r>
-            <a:endParaRPr lang="en-US" altLang="zh-CN"/>
-          </a:p>
-          <a:p>
-            <a:pPr lvl="1"/>
-            <a:r>
-              <a:rPr lang="en-US" altLang="zh-CN"/>
-              <a:t>import librosa.display</a:t>
-            </a:r>
-            <a:endParaRPr lang="en-US" altLang="zh-CN"/>
-          </a:p>
-          <a:p>
-            <a:pPr lvl="1"/>
-            <a:r>
-              <a:rPr lang="en-US" altLang="zh-CN"/>
-              <a:t>plt.figure()</a:t>
-            </a:r>
-            <a:endParaRPr lang="en-US" altLang="zh-CN"/>
-          </a:p>
-          <a:p>
-            <a:pPr lvl="1"/>
-            <a:r>
-              <a:rPr lang="en-US" altLang="zh-CN"/>
-              <a:t>librosa.dipslay.waveplot(data, sample_rate)</a:t>
-            </a:r>
-            <a:endParaRPr lang="en-US" altLang="zh-CN"/>
-          </a:p>
-          <a:p>
-            <a:pPr lvl="1"/>
-            <a:r>
-              <a:rPr lang="en-US" altLang="zh-CN"/>
-              <a:t>plt.show()</a:t>
-            </a:r>
-            <a:endParaRPr lang="en-US" altLang="zh-CN"/>
+              <a:rPr lang="x-none" altLang="en-US"/>
+              <a:t>container = av.open(fn)</a:t>
+            </a:r>
+            <a:endParaRPr lang="x-none" altLang="en-US"/>
           </a:p>
         </p:txBody>
       </p:sp>
@@ -9798,7 +10387,7 @@
       <p:grpSpPr/>
       <p:sp>
         <p:nvSpPr>
-          <p:cNvPr id="2" name="Title 1"/>
+          <p:cNvPr id="2" name="标题 1"/>
           <p:cNvSpPr>
             <a:spLocks noGrp="1"/>
           </p:cNvSpPr>
@@ -9811,16 +10400,16 @@
           <a:bodyPr/>
           <a:p>
             <a:r>
-              <a:rPr lang="x-none" altLang="en-US"/>
-              <a:t>3D</a:t>
-            </a:r>
-            <a:endParaRPr lang="x-none" altLang="en-US"/>
-          </a:p>
-        </p:txBody>
-      </p:sp>
-      <p:sp>
-        <p:nvSpPr>
-          <p:cNvPr id="3" name="Content Placeholder 2"/>
+              <a:rPr lang="en-US" altLang="zh-CN"/>
+              <a:t>Audio</a:t>
+            </a:r>
+            <a:endParaRPr lang="en-US" altLang="zh-CN"/>
+          </a:p>
+        </p:txBody>
+      </p:sp>
+      <p:sp>
+        <p:nvSpPr>
+          <p:cNvPr id="3" name="内容占位符 2"/>
           <p:cNvSpPr>
             <a:spLocks noGrp="1"/>
           </p:cNvSpPr>
@@ -9828,107 +10417,70 @@
             <p:ph idx="1"/>
           </p:nvPr>
         </p:nvSpPr>
-        <p:spPr>
-          <a:xfrm>
-            <a:off x="838200" y="1211580"/>
-            <a:ext cx="10515600" cy="4736465"/>
-          </a:xfrm>
-        </p:spPr>
-        <p:txBody>
-          <a:bodyPr>
-            <a:normAutofit/>
-          </a:bodyPr>
-          <a:p>
-            <a:pPr lvl="0"/>
-            <a:r>
-              <a:rPr lang="en-US" altLang="x-none"/>
-              <a:t>L</a:t>
-            </a:r>
-            <a:r>
-              <a:rPr lang="x-none" altLang="en-US"/>
-              <a:t>oad model</a:t>
-            </a:r>
-            <a:r>
-              <a:rPr lang="en-US" altLang="x-none"/>
-              <a:t>s</a:t>
-            </a:r>
-            <a:endParaRPr lang="x-none" altLang="en-US"/>
+        <p:spPr/>
+        <p:txBody>
+          <a:bodyPr/>
+          <a:p>
+            <a:r>
+              <a:rPr lang="en-US" altLang="zh-CN"/>
+              <a:t>pip install librosa</a:t>
+            </a:r>
+            <a:endParaRPr lang="en-US" altLang="zh-CN"/>
+          </a:p>
+          <a:p>
+            <a:r>
+              <a:rPr lang="en-US" altLang="zh-CN"/>
+              <a:t>Usage</a:t>
+            </a:r>
+            <a:endParaRPr lang="en-US" altLang="zh-CN"/>
           </a:p>
           <a:p>
             <a:pPr lvl="1"/>
             <a:r>
-              <a:rPr lang="x-none" altLang="en-US"/>
-              <a:t>objloader</a:t>
-            </a:r>
-            <a:r>
-              <a:rPr lang="en-US" altLang="x-none"/>
-              <a:t>, plyfile, PyAssimp, pyntcloud, PyMesh, pptk</a:t>
-            </a:r>
-            <a:endParaRPr lang="en-US" altLang="x-none"/>
-          </a:p>
-          <a:p>
-            <a:pPr lvl="0"/>
-            <a:r>
-              <a:rPr lang="x-none" altLang="en-US"/>
-              <a:t>3D math functions</a:t>
-            </a:r>
-            <a:endParaRPr lang="x-none" altLang="en-US"/>
+              <a:rPr lang="en-US" altLang="zh-CN"/>
+              <a:t>import librosa</a:t>
+            </a:r>
+            <a:endParaRPr lang="en-US" altLang="zh-CN"/>
           </a:p>
           <a:p>
             <a:pPr lvl="1"/>
             <a:r>
-              <a:rPr lang="x-none" altLang="en-US"/>
-              <a:t>pip install pyrr</a:t>
-            </a:r>
-            <a:endParaRPr lang="x-none" altLang="en-US"/>
-          </a:p>
-          <a:p>
-            <a:pPr lvl="0"/>
-            <a:r>
-              <a:rPr lang="en-US" altLang="x-none"/>
-              <a:t>Rendering</a:t>
-            </a:r>
-            <a:endParaRPr lang="en-US" altLang="x-none"/>
+              <a:rPr lang="en-US" altLang="zh-CN"/>
+              <a:t>data, sample_rate = librosa.load(fn_audio)</a:t>
+            </a:r>
+            <a:endParaRPr lang="en-US" altLang="zh-CN"/>
           </a:p>
           <a:p>
             <a:pPr lvl="1"/>
             <a:r>
-              <a:rPr lang="en-US" altLang="x-none"/>
-              <a:t>Open3D (https://github.com/IntelVCL/Open3D)</a:t>
-            </a:r>
-            <a:endParaRPr lang="en-US" altLang="x-none"/>
-          </a:p>
-          <a:p>
-            <a:pPr lvl="2"/>
-            <a:r>
-              <a:rPr lang="en-US" altLang="x-none"/>
-              <a:t>pip install open3d</a:t>
-            </a:r>
-            <a:endParaRPr lang="en-US" altLang="x-none"/>
+              <a:rPr lang="en-US" altLang="zh-CN"/>
+              <a:t>import librosa.display</a:t>
+            </a:r>
+            <a:endParaRPr lang="en-US" altLang="zh-CN"/>
           </a:p>
           <a:p>
             <a:pPr lvl="1"/>
             <a:r>
-              <a:rPr lang="en-US" altLang="x-none"/>
-              <a:t>PyOpenGL</a:t>
-            </a:r>
-            <a:endParaRPr lang="en-US" altLang="x-none"/>
+              <a:rPr lang="en-US" altLang="zh-CN"/>
+              <a:t>plt.figure()</a:t>
+            </a:r>
+            <a:endParaRPr lang="en-US" altLang="zh-CN"/>
           </a:p>
           <a:p>
             <a:pPr lvl="1"/>
             <a:r>
-              <a:rPr lang="en-US" altLang="x-none"/>
-              <a:t>ModernGL</a:t>
-            </a:r>
-            <a:endParaRPr lang="en-US" altLang="x-none"/>
+              <a:rPr lang="en-US" altLang="zh-CN"/>
+              <a:t>librosa.dipslay.waveplot(data, sample_rate)</a:t>
+            </a:r>
+            <a:endParaRPr lang="en-US" altLang="zh-CN"/>
           </a:p>
           <a:p>
             <a:pPr lvl="1"/>
             <a:r>
-              <a:rPr lang="en-US" altLang="x-none"/>
-              <a:t>VTK</a:t>
-            </a:r>
-            <a:endParaRPr lang="en-US" altLang="x-none"/>
+              <a:rPr lang="en-US" altLang="zh-CN"/>
+              <a:t>plt.show()</a:t>
+            </a:r>
+            <a:endParaRPr lang="en-US" altLang="zh-CN"/>
           </a:p>
         </p:txBody>
       </p:sp>
@@ -9941,6 +10493,160 @@
 </file>
 
 <file path=ppt/slides/slide38.xml><?xml version="1.0" encoding="utf-8"?>
+<p:sld xmlns:a="http://schemas.openxmlformats.org/drawingml/2006/main" xmlns:r="http://schemas.openxmlformats.org/officeDocument/2006/relationships" xmlns:p="http://schemas.openxmlformats.org/presentationml/2006/main">
+  <p:cSld>
+    <p:spTree>
+      <p:nvGrpSpPr>
+        <p:cNvPr id="1" name=""/>
+        <p:cNvGrpSpPr/>
+        <p:nvPr/>
+      </p:nvGrpSpPr>
+      <p:grpSpPr/>
+      <p:sp>
+        <p:nvSpPr>
+          <p:cNvPr id="2" name="Title 1"/>
+          <p:cNvSpPr>
+            <a:spLocks noGrp="1"/>
+          </p:cNvSpPr>
+          <p:nvPr>
+            <p:ph type="title"/>
+          </p:nvPr>
+        </p:nvSpPr>
+        <p:spPr/>
+        <p:txBody>
+          <a:bodyPr/>
+          <a:p>
+            <a:r>
+              <a:rPr lang="x-none" altLang="en-US"/>
+              <a:t>3D</a:t>
+            </a:r>
+            <a:endParaRPr lang="x-none" altLang="en-US"/>
+          </a:p>
+        </p:txBody>
+      </p:sp>
+      <p:sp>
+        <p:nvSpPr>
+          <p:cNvPr id="3" name="Content Placeholder 2"/>
+          <p:cNvSpPr>
+            <a:spLocks noGrp="1"/>
+          </p:cNvSpPr>
+          <p:nvPr>
+            <p:ph idx="1"/>
+          </p:nvPr>
+        </p:nvSpPr>
+        <p:spPr>
+          <a:xfrm>
+            <a:off x="838200" y="1211580"/>
+            <a:ext cx="10515600" cy="4736465"/>
+          </a:xfrm>
+        </p:spPr>
+        <p:txBody>
+          <a:bodyPr>
+            <a:normAutofit/>
+          </a:bodyPr>
+          <a:p>
+            <a:pPr lvl="0"/>
+            <a:r>
+              <a:rPr lang="en-US" altLang="x-none"/>
+              <a:t>L</a:t>
+            </a:r>
+            <a:r>
+              <a:rPr lang="x-none" altLang="en-US"/>
+              <a:t>oad model</a:t>
+            </a:r>
+            <a:r>
+              <a:rPr lang="en-US" altLang="x-none"/>
+              <a:t>s</a:t>
+            </a:r>
+            <a:endParaRPr lang="x-none" altLang="en-US"/>
+          </a:p>
+          <a:p>
+            <a:pPr lvl="1"/>
+            <a:r>
+              <a:rPr lang="x-none" altLang="en-US"/>
+              <a:t>objloader</a:t>
+            </a:r>
+            <a:r>
+              <a:rPr lang="en-US" altLang="x-none"/>
+              <a:t>, plyfile, PyAssimp, pyntcloud, PyMesh, pptk</a:t>
+            </a:r>
+            <a:endParaRPr lang="en-US" altLang="x-none"/>
+          </a:p>
+          <a:p>
+            <a:pPr lvl="0"/>
+            <a:r>
+              <a:rPr lang="x-none" altLang="en-US"/>
+              <a:t>3D math functions</a:t>
+            </a:r>
+            <a:endParaRPr lang="x-none" altLang="en-US"/>
+          </a:p>
+          <a:p>
+            <a:pPr lvl="1"/>
+            <a:r>
+              <a:rPr lang="x-none" altLang="en-US"/>
+              <a:t>pip install pyrr</a:t>
+            </a:r>
+            <a:endParaRPr lang="x-none" altLang="en-US"/>
+          </a:p>
+          <a:p>
+            <a:pPr lvl="0"/>
+            <a:r>
+              <a:rPr lang="en-US" altLang="x-none"/>
+              <a:t>Rendering</a:t>
+            </a:r>
+            <a:endParaRPr lang="en-US" altLang="x-none"/>
+          </a:p>
+          <a:p>
+            <a:pPr lvl="1"/>
+            <a:r>
+              <a:rPr lang="en-US" altLang="x-none"/>
+              <a:t>Open3D (https://github.com/IntelVCL/Open3D)</a:t>
+            </a:r>
+            <a:endParaRPr lang="en-US" altLang="x-none"/>
+          </a:p>
+          <a:p>
+            <a:pPr lvl="2"/>
+            <a:r>
+              <a:rPr lang="en-US" altLang="x-none"/>
+              <a:t>pip install open3d</a:t>
+            </a:r>
+            <a:endParaRPr lang="en-US" altLang="x-none"/>
+          </a:p>
+          <a:p>
+            <a:pPr lvl="1"/>
+            <a:r>
+              <a:rPr lang="en-US" altLang="x-none"/>
+              <a:t>PyOpenGL</a:t>
+            </a:r>
+            <a:endParaRPr lang="en-US" altLang="x-none"/>
+          </a:p>
+          <a:p>
+            <a:pPr lvl="1"/>
+            <a:r>
+              <a:rPr lang="en-US" altLang="x-none"/>
+              <a:t>ModernGL</a:t>
+            </a:r>
+            <a:endParaRPr lang="en-US" altLang="x-none"/>
+          </a:p>
+          <a:p>
+            <a:pPr lvl="1"/>
+            <a:r>
+              <a:rPr lang="en-US" altLang="x-none"/>
+              <a:t>VTK</a:t>
+            </a:r>
+            <a:endParaRPr lang="en-US" altLang="x-none"/>
+          </a:p>
+        </p:txBody>
+      </p:sp>
+    </p:spTree>
+  </p:cSld>
+  <p:clrMapOvr>
+    <a:masterClrMapping/>
+  </p:clrMapOvr>
+</p:sld>
+</file>
+
+<file path=ppt/slides/slide39.xml><?xml version="1.0" encoding="utf-8"?>
 <p:sld xmlns:a="http://schemas.openxmlformats.org/drawingml/2006/main" xmlns:r="http://schemas.openxmlformats.org/officeDocument/2006/relationships" xmlns:p="http://schemas.openxmlformats.org/presentationml/2006/main">
   <p:cSld>
     <p:spTree>
@@ -10301,256 +11007,6 @@
 </p:sld>
 </file>
 
-<file path=ppt/slides/slide39.xml><?xml version="1.0" encoding="utf-8"?>
-<p:sld xmlns:a="http://schemas.openxmlformats.org/drawingml/2006/main" xmlns:r="http://schemas.openxmlformats.org/officeDocument/2006/relationships" xmlns:p="http://schemas.openxmlformats.org/presentationml/2006/main">
-  <p:cSld>
-    <p:spTree>
-      <p:nvGrpSpPr>
-        <p:cNvPr id="1" name=""/>
-        <p:cNvGrpSpPr/>
-        <p:nvPr/>
-      </p:nvGrpSpPr>
-      <p:grpSpPr/>
-      <p:sp>
-        <p:nvSpPr>
-          <p:cNvPr id="2" name="标题 1"/>
-          <p:cNvSpPr>
-            <a:spLocks noGrp="1"/>
-          </p:cNvSpPr>
-          <p:nvPr>
-            <p:ph type="title"/>
-          </p:nvPr>
-        </p:nvSpPr>
-        <p:spPr/>
-        <p:txBody>
-          <a:bodyPr/>
-          <a:p>
-            <a:r>
-              <a:rPr lang="en-US" altLang="zh-CN"/>
-              <a:t>Graphics and Game</a:t>
-            </a:r>
-            <a:endParaRPr lang="en-US" altLang="zh-CN"/>
-          </a:p>
-        </p:txBody>
-      </p:sp>
-      <p:sp>
-        <p:nvSpPr>
-          <p:cNvPr id="3" name="内容占位符 2"/>
-          <p:cNvSpPr>
-            <a:spLocks noGrp="1"/>
-          </p:cNvSpPr>
-          <p:nvPr>
-            <p:ph idx="1"/>
-          </p:nvPr>
-        </p:nvSpPr>
-        <p:spPr/>
-        <p:txBody>
-          <a:bodyPr>
-            <a:normAutofit/>
-          </a:bodyPr>
-          <a:p>
-            <a:r>
-              <a:rPr lang="en-US" altLang="zh-CN"/>
-              <a:t>Pygame Zero</a:t>
-            </a:r>
-            <a:endParaRPr lang="en-US" altLang="zh-CN"/>
-          </a:p>
-          <a:p>
-            <a:pPr lvl="1"/>
-            <a:r>
-              <a:rPr lang="en-US" altLang="zh-CN"/>
-              <a:t>pip install pgzero</a:t>
-            </a:r>
-            <a:endParaRPr lang="en-US" altLang="zh-CN"/>
-          </a:p>
-          <a:p>
-            <a:pPr lvl="1"/>
-            <a:r>
-              <a:rPr lang="en-US" altLang="zh-CN"/>
-              <a:t>pgzrun game.py</a:t>
-            </a:r>
-            <a:endParaRPr lang="en-US" altLang="zh-CN"/>
-          </a:p>
-          <a:p>
-            <a:pPr lvl="1"/>
-            <a:r>
-              <a:rPr lang="en-US" altLang="zh-CN"/>
-              <a:t>draw()</a:t>
-            </a:r>
-            <a:endParaRPr lang="en-US" altLang="zh-CN"/>
-          </a:p>
-          <a:p>
-            <a:pPr lvl="2"/>
-            <a:r>
-              <a:rPr lang="en-US" altLang="zh-CN" sz="1800"/>
-              <a:t>screen</a:t>
-            </a:r>
-            <a:endParaRPr lang="en-US" altLang="zh-CN" sz="1800"/>
-          </a:p>
-          <a:p>
-            <a:pPr lvl="3"/>
-            <a:r>
-              <a:rPr lang="en-US" altLang="zh-CN"/>
-              <a:t>clear()</a:t>
-            </a:r>
-            <a:endParaRPr lang="en-US" altLang="zh-CN"/>
-          </a:p>
-          <a:p>
-            <a:pPr lvl="3"/>
-            <a:r>
-              <a:rPr lang="en-US" altLang="zh-CN"/>
-              <a:t>draw.circle()</a:t>
-            </a:r>
-            <a:endParaRPr lang="en-US" altLang="zh-CN"/>
-          </a:p>
-          <a:p>
-            <a:pPr lvl="1"/>
-            <a:r>
-              <a:rPr lang="en-US" altLang="zh-CN"/>
-              <a:t>update()</a:t>
-            </a:r>
-            <a:endParaRPr lang="en-US" altLang="zh-CN"/>
-          </a:p>
-          <a:p>
-            <a:pPr lvl="1"/>
-            <a:r>
-              <a:rPr lang="en-US" altLang="zh-CN"/>
-              <a:t>on_key_down(key, mod, unicode)</a:t>
-            </a:r>
-            <a:endParaRPr lang="en-US" altLang="zh-CN"/>
-          </a:p>
-          <a:p>
-            <a:pPr lvl="1"/>
-            <a:r>
-              <a:rPr lang="en-US" altLang="zh-CN"/>
-              <a:t>on_key_up(key, mod)</a:t>
-            </a:r>
-            <a:endParaRPr lang="en-US" altLang="zh-CN"/>
-          </a:p>
-          <a:p>
-            <a:pPr lvl="1"/>
-            <a:r>
-              <a:rPr lang="en-US" altLang="zh-CN"/>
-              <a:t>on_mouse_down(pos, button)</a:t>
-            </a:r>
-            <a:endParaRPr lang="en-US" altLang="zh-CN"/>
-          </a:p>
-          <a:p>
-            <a:pPr lvl="1"/>
-            <a:r>
-              <a:rPr lang="en-US" altLang="zh-CN"/>
-              <a:t>on_mouse_up(pos, button)</a:t>
-            </a:r>
-            <a:endParaRPr lang="en-US" altLang="zh-CN"/>
-          </a:p>
-          <a:p>
-            <a:pPr lvl="1"/>
-            <a:r>
-              <a:rPr lang="en-US" altLang="zh-CN"/>
-              <a:t>on_mouse_move(pos, rel, buttons)</a:t>
-            </a:r>
-            <a:endParaRPr lang="en-US" altLang="zh-CN"/>
-          </a:p>
-        </p:txBody>
-      </p:sp>
-      <p:sp>
-        <p:nvSpPr>
-          <p:cNvPr id="4" name="文本框 3"/>
-          <p:cNvSpPr txBox="1"/>
-          <p:nvPr/>
-        </p:nvSpPr>
-        <p:spPr>
-          <a:xfrm>
-            <a:off x="6260465" y="1484630"/>
-            <a:ext cx="4379595" cy="2030095"/>
-          </a:xfrm>
-          <a:prstGeom prst="rect">
-            <a:avLst/>
-          </a:prstGeom>
-          <a:noFill/>
-          <a:ln>
-            <a:solidFill>
-              <a:srgbClr val="FFC000"/>
-            </a:solidFill>
-          </a:ln>
-        </p:spPr>
-        <p:txBody>
-          <a:bodyPr wrap="square" rtlCol="0">
-            <a:spAutoFit/>
-          </a:bodyPr>
-          <a:p>
-            <a:pPr lvl="1"/>
-            <a:r>
-              <a:rPr lang="en-US" altLang="zh-CN">
-                <a:sym typeface="+mn-ea"/>
-              </a:rPr>
-              <a:t>mouse</a:t>
-            </a:r>
-            <a:endParaRPr lang="en-US" altLang="zh-CN"/>
-          </a:p>
-          <a:p>
-            <a:pPr lvl="2"/>
-            <a:r>
-              <a:rPr lang="en-US" altLang="zh-CN">
-                <a:sym typeface="+mn-ea"/>
-              </a:rPr>
-              <a:t>LEFT/MIDDLE/RIGHT</a:t>
-            </a:r>
-            <a:endParaRPr lang="en-US" altLang="zh-CN"/>
-          </a:p>
-          <a:p>
-            <a:pPr lvl="1"/>
-            <a:r>
-              <a:rPr lang="en-US" altLang="zh-CN">
-                <a:sym typeface="+mn-ea"/>
-              </a:rPr>
-              <a:t>keys</a:t>
-            </a:r>
-            <a:endParaRPr lang="en-US" altLang="zh-CN"/>
-          </a:p>
-          <a:p>
-            <a:pPr lvl="2"/>
-            <a:r>
-              <a:rPr lang="en-US" altLang="zh-CN">
-                <a:sym typeface="+mn-ea"/>
-              </a:rPr>
-              <a:t>BACKSPACE/TAB/ESC/...</a:t>
-            </a:r>
-            <a:endParaRPr lang="en-US" altLang="zh-CN"/>
-          </a:p>
-          <a:p>
-            <a:pPr lvl="1"/>
-            <a:r>
-              <a:rPr lang="en-US" altLang="zh-CN">
-                <a:sym typeface="+mn-ea"/>
-              </a:rPr>
-              <a:t>keymods</a:t>
-            </a:r>
-            <a:endParaRPr lang="en-US" altLang="zh-CN"/>
-          </a:p>
-          <a:p>
-            <a:pPr lvl="2"/>
-            <a:r>
-              <a:rPr lang="en-US" altLang="zh-CN">
-                <a:sym typeface="+mn-ea"/>
-              </a:rPr>
-              <a:t>LSHIFT/ALT/...</a:t>
-            </a:r>
-            <a:endParaRPr lang="en-US" altLang="zh-CN"/>
-          </a:p>
-          <a:p>
-            <a:endParaRPr lang="zh-CN" altLang="en-US"/>
-          </a:p>
-        </p:txBody>
-      </p:sp>
-    </p:spTree>
-  </p:cSld>
-  <p:clrMapOvr>
-    <a:masterClrMapping/>
-  </p:clrMapOvr>
-</p:sld>
-</file>
-
 <file path=ppt/slides/slide4.xml><?xml version="1.0" encoding="utf-8"?>
 <p:sld xmlns:a="http://schemas.openxmlformats.org/drawingml/2006/main" xmlns:r="http://schemas.openxmlformats.org/officeDocument/2006/relationships" xmlns:p="http://schemas.openxmlformats.org/presentationml/2006/main">
   <p:cSld>
@@ -10869,7 +11325,7 @@
           <a:p>
             <a:r>
               <a:rPr lang="en-US" altLang="zh-CN"/>
-              <a:t>QRCode</a:t>
+              <a:t>Graphics and Game</a:t>
             </a:r>
             <a:endParaRPr lang="en-US" altLang="zh-CN"/>
           </a:p>
@@ -10887,11 +11343,13 @@
         </p:nvSpPr>
         <p:spPr/>
         <p:txBody>
-          <a:bodyPr/>
-          <a:p>
-            <a:r>
-              <a:rPr lang="en-US" altLang="zh-CN"/>
-              <a:t>Genration</a:t>
+          <a:bodyPr>
+            <a:normAutofit/>
+          </a:bodyPr>
+          <a:p>
+            <a:r>
+              <a:rPr lang="en-US" altLang="zh-CN"/>
+              <a:t>Pygame Zero</a:t>
             </a:r>
             <a:endParaRPr lang="en-US" altLang="zh-CN"/>
           </a:p>
@@ -10899,7 +11357,7 @@
             <a:pPr lvl="1"/>
             <a:r>
               <a:rPr lang="en-US" altLang="zh-CN"/>
-              <a:t>pip install qrcode</a:t>
+              <a:t>pip install pgzero</a:t>
             </a:r>
             <a:endParaRPr lang="en-US" altLang="zh-CN"/>
           </a:p>
@@ -10907,7 +11365,7 @@
             <a:pPr lvl="1"/>
             <a:r>
               <a:rPr lang="en-US" altLang="zh-CN"/>
-              <a:t>img = qrcode.make(string1)	// img: PIL.Image</a:t>
+              <a:t>pgzrun game.py</a:t>
             </a:r>
             <a:endParaRPr lang="en-US" altLang="zh-CN"/>
           </a:p>
@@ -10915,7 +11373,31 @@
             <a:pPr lvl="1"/>
             <a:r>
               <a:rPr lang="en-US" altLang="zh-CN"/>
-              <a:t>img.show()</a:t>
+              <a:t>draw()</a:t>
+            </a:r>
+            <a:endParaRPr lang="en-US" altLang="zh-CN"/>
+          </a:p>
+          <a:p>
+            <a:pPr lvl="2"/>
+            <a:r>
+              <a:rPr lang="en-US" altLang="zh-CN" sz="1800"/>
+              <a:t>screen</a:t>
+            </a:r>
+            <a:endParaRPr lang="en-US" altLang="zh-CN" sz="1800"/>
+          </a:p>
+          <a:p>
+            <a:pPr lvl="3"/>
+            <a:r>
+              <a:rPr lang="en-US" altLang="zh-CN"/>
+              <a:t>clear()</a:t>
+            </a:r>
+            <a:endParaRPr lang="en-US" altLang="zh-CN"/>
+          </a:p>
+          <a:p>
+            <a:pPr lvl="3"/>
+            <a:r>
+              <a:rPr lang="en-US" altLang="zh-CN"/>
+              <a:t>draw.circle()</a:t>
             </a:r>
             <a:endParaRPr lang="en-US" altLang="zh-CN"/>
           </a:p>
@@ -10923,15 +11405,7 @@
             <a:pPr lvl="1"/>
             <a:r>
               <a:rPr lang="en-US" altLang="zh-CN"/>
-              <a:t>img.save('fn.png')</a:t>
-            </a:r>
-            <a:endParaRPr lang="en-US" altLang="zh-CN"/>
-          </a:p>
-          <a:p>
-            <a:pPr lvl="0"/>
-            <a:r>
-              <a:rPr lang="en-US" altLang="zh-CN"/>
-              <a:t>Read</a:t>
+              <a:t>update()</a:t>
             </a:r>
             <a:endParaRPr lang="en-US" altLang="zh-CN"/>
           </a:p>
@@ -10939,7 +11413,7 @@
             <a:pPr lvl="1"/>
             <a:r>
               <a:rPr lang="en-US" altLang="zh-CN"/>
-              <a:t>detector = cv.QRCodeDetector()</a:t>
+              <a:t>on_key_down(key, mod, unicode)</a:t>
             </a:r>
             <a:endParaRPr lang="en-US" altLang="zh-CN"/>
           </a:p>
@@ -10947,9 +11421,123 @@
             <a:pPr lvl="1"/>
             <a:r>
               <a:rPr lang="en-US" altLang="zh-CN"/>
-              <a:t>data, bbox, straight_qrcode = detector.detectAndDecode(img)</a:t>
-            </a:r>
-            <a:endParaRPr lang="en-US" altLang="zh-CN"/>
+              <a:t>on_key_up(key, mod)</a:t>
+            </a:r>
+            <a:endParaRPr lang="en-US" altLang="zh-CN"/>
+          </a:p>
+          <a:p>
+            <a:pPr lvl="1"/>
+            <a:r>
+              <a:rPr lang="en-US" altLang="zh-CN"/>
+              <a:t>on_mouse_down(pos, button)</a:t>
+            </a:r>
+            <a:endParaRPr lang="en-US" altLang="zh-CN"/>
+          </a:p>
+          <a:p>
+            <a:pPr lvl="1"/>
+            <a:r>
+              <a:rPr lang="en-US" altLang="zh-CN"/>
+              <a:t>on_mouse_up(pos, button)</a:t>
+            </a:r>
+            <a:endParaRPr lang="en-US" altLang="zh-CN"/>
+          </a:p>
+          <a:p>
+            <a:pPr lvl="1"/>
+            <a:r>
+              <a:rPr lang="en-US" altLang="zh-CN"/>
+              <a:t>on_mouse_move(pos, rel, buttons)</a:t>
+            </a:r>
+            <a:endParaRPr lang="en-US" altLang="zh-CN"/>
+          </a:p>
+        </p:txBody>
+      </p:sp>
+      <p:sp>
+        <p:nvSpPr>
+          <p:cNvPr id="4" name="文本框 3"/>
+          <p:cNvSpPr txBox="1"/>
+          <p:nvPr/>
+        </p:nvSpPr>
+        <p:spPr>
+          <a:xfrm>
+            <a:off x="6260465" y="1484630"/>
+            <a:ext cx="4379595" cy="2030095"/>
+          </a:xfrm>
+          <a:prstGeom prst="rect">
+            <a:avLst/>
+          </a:prstGeom>
+          <a:noFill/>
+          <a:ln>
+            <a:solidFill>
+              <a:srgbClr val="FFC000"/>
+            </a:solidFill>
+          </a:ln>
+        </p:spPr>
+        <p:txBody>
+          <a:bodyPr wrap="square" rtlCol="0">
+            <a:spAutoFit/>
+          </a:bodyPr>
+          <a:p>
+            <a:pPr lvl="1"/>
+            <a:r>
+              <a:rPr lang="en-US" altLang="zh-CN">
+                <a:sym typeface="+mn-ea"/>
+              </a:rPr>
+              <a:t>mouse</a:t>
+            </a:r>
+            <a:endParaRPr lang="en-US" altLang="zh-CN"/>
+          </a:p>
+          <a:p>
+            <a:pPr lvl="2"/>
+            <a:r>
+              <a:rPr lang="en-US" altLang="zh-CN">
+                <a:sym typeface="+mn-ea"/>
+              </a:rPr>
+              <a:t>LEFT/MIDDLE/RIGHT</a:t>
+            </a:r>
+            <a:endParaRPr lang="en-US" altLang="zh-CN"/>
+          </a:p>
+          <a:p>
+            <a:pPr lvl="1"/>
+            <a:r>
+              <a:rPr lang="en-US" altLang="zh-CN">
+                <a:sym typeface="+mn-ea"/>
+              </a:rPr>
+              <a:t>keys</a:t>
+            </a:r>
+            <a:endParaRPr lang="en-US" altLang="zh-CN"/>
+          </a:p>
+          <a:p>
+            <a:pPr lvl="2"/>
+            <a:r>
+              <a:rPr lang="en-US" altLang="zh-CN">
+                <a:sym typeface="+mn-ea"/>
+              </a:rPr>
+              <a:t>BACKSPACE/TAB/ESC/...</a:t>
+            </a:r>
+            <a:endParaRPr lang="en-US" altLang="zh-CN"/>
+          </a:p>
+          <a:p>
+            <a:pPr lvl="1"/>
+            <a:r>
+              <a:rPr lang="en-US" altLang="zh-CN">
+                <a:sym typeface="+mn-ea"/>
+              </a:rPr>
+              <a:t>keymods</a:t>
+            </a:r>
+            <a:endParaRPr lang="en-US" altLang="zh-CN"/>
+          </a:p>
+          <a:p>
+            <a:pPr lvl="2"/>
+            <a:r>
+              <a:rPr lang="en-US" altLang="zh-CN">
+                <a:sym typeface="+mn-ea"/>
+              </a:rPr>
+              <a:t>LSHIFT/ALT/...</a:t>
+            </a:r>
+            <a:endParaRPr lang="en-US" altLang="zh-CN"/>
+          </a:p>
+          <a:p>
+            <a:endParaRPr lang="zh-CN" altLang="en-US"/>
           </a:p>
         </p:txBody>
       </p:sp>
@@ -10987,7 +11575,7 @@
           <a:p>
             <a:r>
               <a:rPr lang="en-US" altLang="zh-CN"/>
-              <a:t>Base64</a:t>
+              <a:t>QRCode</a:t>
             </a:r>
             <a:endParaRPr lang="en-US" altLang="zh-CN"/>
           </a:p>
@@ -11009,14 +11597,7 @@
           <a:p>
             <a:r>
               <a:rPr lang="en-US" altLang="zh-CN"/>
-              <a:t>import base64</a:t>
-            </a:r>
-            <a:endParaRPr lang="en-US" altLang="zh-CN"/>
-          </a:p>
-          <a:p>
-            <a:r>
-              <a:rPr lang="en-US" altLang="zh-CN"/>
-              <a:t>Encode</a:t>
+              <a:t>Genration</a:t>
             </a:r>
             <a:endParaRPr lang="en-US" altLang="zh-CN"/>
           </a:p>
@@ -11024,7 +11605,7 @@
             <a:pPr lvl="1"/>
             <a:r>
               <a:rPr lang="en-US" altLang="zh-CN"/>
-              <a:t>bytes_base64 = base64.encodebytes(bytestring)</a:t>
+              <a:t>pip install qrcode</a:t>
             </a:r>
             <a:endParaRPr lang="en-US" altLang="zh-CN"/>
           </a:p>
@@ -11032,7 +11613,23 @@
             <a:pPr lvl="1"/>
             <a:r>
               <a:rPr lang="en-US" altLang="zh-CN"/>
-              <a:t>bytes_base64 = base64.encode(file_input, file_output)</a:t>
+              <a:t>img = qrcode.make(string1)	// img: PIL.Image</a:t>
+            </a:r>
+            <a:endParaRPr lang="en-US" altLang="zh-CN"/>
+          </a:p>
+          <a:p>
+            <a:pPr lvl="1"/>
+            <a:r>
+              <a:rPr lang="en-US" altLang="zh-CN"/>
+              <a:t>img.show()</a:t>
+            </a:r>
+            <a:endParaRPr lang="en-US" altLang="zh-CN"/>
+          </a:p>
+          <a:p>
+            <a:pPr lvl="1"/>
+            <a:r>
+              <a:rPr lang="en-US" altLang="zh-CN"/>
+              <a:t>img.save('fn.png')</a:t>
             </a:r>
             <a:endParaRPr lang="en-US" altLang="zh-CN"/>
           </a:p>
@@ -11040,7 +11637,7 @@
             <a:pPr lvl="0"/>
             <a:r>
               <a:rPr lang="en-US" altLang="zh-CN"/>
-              <a:t>Decode</a:t>
+              <a:t>Read</a:t>
             </a:r>
             <a:endParaRPr lang="en-US" altLang="zh-CN"/>
           </a:p>
@@ -11048,7 +11645,7 @@
             <a:pPr lvl="1"/>
             <a:r>
               <a:rPr lang="en-US" altLang="zh-CN"/>
-              <a:t>bytes = base64.decodebytes(bytes_base64)</a:t>
+              <a:t>detector = cv.QRCodeDetector()</a:t>
             </a:r>
             <a:endParaRPr lang="en-US" altLang="zh-CN"/>
           </a:p>
@@ -11056,7 +11653,7 @@
             <a:pPr lvl="1"/>
             <a:r>
               <a:rPr lang="en-US" altLang="zh-CN"/>
-              <a:t>base64.decode(file_input, file_output)</a:t>
+              <a:t>data, bbox, straight_qrcode = detector.detectAndDecode(img)</a:t>
             </a:r>
             <a:endParaRPr lang="en-US" altLang="zh-CN"/>
           </a:p>
@@ -11071,6 +11668,115 @@
 </file>
 
 <file path=ppt/slides/slide42.xml><?xml version="1.0" encoding="utf-8"?>
+<p:sld xmlns:a="http://schemas.openxmlformats.org/drawingml/2006/main" xmlns:r="http://schemas.openxmlformats.org/officeDocument/2006/relationships" xmlns:p="http://schemas.openxmlformats.org/presentationml/2006/main">
+  <p:cSld>
+    <p:spTree>
+      <p:nvGrpSpPr>
+        <p:cNvPr id="1" name=""/>
+        <p:cNvGrpSpPr/>
+        <p:nvPr/>
+      </p:nvGrpSpPr>
+      <p:grpSpPr/>
+      <p:sp>
+        <p:nvSpPr>
+          <p:cNvPr id="2" name="标题 1"/>
+          <p:cNvSpPr>
+            <a:spLocks noGrp="1"/>
+          </p:cNvSpPr>
+          <p:nvPr>
+            <p:ph type="title"/>
+          </p:nvPr>
+        </p:nvSpPr>
+        <p:spPr/>
+        <p:txBody>
+          <a:bodyPr/>
+          <a:p>
+            <a:r>
+              <a:rPr lang="en-US" altLang="zh-CN"/>
+              <a:t>Base64</a:t>
+            </a:r>
+            <a:endParaRPr lang="en-US" altLang="zh-CN"/>
+          </a:p>
+        </p:txBody>
+      </p:sp>
+      <p:sp>
+        <p:nvSpPr>
+          <p:cNvPr id="3" name="内容占位符 2"/>
+          <p:cNvSpPr>
+            <a:spLocks noGrp="1"/>
+          </p:cNvSpPr>
+          <p:nvPr>
+            <p:ph idx="1"/>
+          </p:nvPr>
+        </p:nvSpPr>
+        <p:spPr/>
+        <p:txBody>
+          <a:bodyPr/>
+          <a:p>
+            <a:r>
+              <a:rPr lang="en-US" altLang="zh-CN"/>
+              <a:t>import base64</a:t>
+            </a:r>
+            <a:endParaRPr lang="en-US" altLang="zh-CN"/>
+          </a:p>
+          <a:p>
+            <a:r>
+              <a:rPr lang="en-US" altLang="zh-CN"/>
+              <a:t>Encode</a:t>
+            </a:r>
+            <a:endParaRPr lang="en-US" altLang="zh-CN"/>
+          </a:p>
+          <a:p>
+            <a:pPr lvl="1"/>
+            <a:r>
+              <a:rPr lang="en-US" altLang="zh-CN"/>
+              <a:t>bytes_base64 = base64.encodebytes(bytestring)</a:t>
+            </a:r>
+            <a:endParaRPr lang="en-US" altLang="zh-CN"/>
+          </a:p>
+          <a:p>
+            <a:pPr lvl="1"/>
+            <a:r>
+              <a:rPr lang="en-US" altLang="zh-CN"/>
+              <a:t>bytes_base64 = base64.encode(file_input, file_output)</a:t>
+            </a:r>
+            <a:endParaRPr lang="en-US" altLang="zh-CN"/>
+          </a:p>
+          <a:p>
+            <a:pPr lvl="0"/>
+            <a:r>
+              <a:rPr lang="en-US" altLang="zh-CN"/>
+              <a:t>Decode</a:t>
+            </a:r>
+            <a:endParaRPr lang="en-US" altLang="zh-CN"/>
+          </a:p>
+          <a:p>
+            <a:pPr lvl="1"/>
+            <a:r>
+              <a:rPr lang="en-US" altLang="zh-CN"/>
+              <a:t>bytes = base64.decodebytes(bytes_base64)</a:t>
+            </a:r>
+            <a:endParaRPr lang="en-US" altLang="zh-CN"/>
+          </a:p>
+          <a:p>
+            <a:pPr lvl="1"/>
+            <a:r>
+              <a:rPr lang="en-US" altLang="zh-CN"/>
+              <a:t>base64.decode(file_input, file_output)</a:t>
+            </a:r>
+            <a:endParaRPr lang="en-US" altLang="zh-CN"/>
+          </a:p>
+        </p:txBody>
+      </p:sp>
+    </p:spTree>
+  </p:cSld>
+  <p:clrMapOvr>
+    <a:masterClrMapping/>
+  </p:clrMapOvr>
+</p:sld>
+</file>
+
+<file path=ppt/slides/slide43.xml><?xml version="1.0" encoding="utf-8"?>
 <p:sld xmlns:a="http://schemas.openxmlformats.org/drawingml/2006/main" xmlns:r="http://schemas.openxmlformats.org/officeDocument/2006/relationships" xmlns:p="http://schemas.openxmlformats.org/presentationml/2006/main">
   <p:cSld>
     <p:spTree>
@@ -11417,7 +12123,7 @@
 </p:sld>
 </file>
 
-<file path=ppt/slides/slide43.xml><?xml version="1.0" encoding="utf-8"?>
+<file path=ppt/slides/slide44.xml><?xml version="1.0" encoding="utf-8"?>
 <p:sld xmlns:a="http://schemas.openxmlformats.org/drawingml/2006/main" xmlns:r="http://schemas.openxmlformats.org/officeDocument/2006/relationships" xmlns:p="http://schemas.openxmlformats.org/presentationml/2006/main">
   <p:cSld>
     <p:spTree>
@@ -11647,6 +12353,14 @@
             <a:pPr algn="l"/>
             <a:r>
               <a:rPr lang="en-US" altLang="zh-CN" sz="1600"/>
+              <a:t>	- im.convert('L')</a:t>
+            </a:r>
+            <a:endParaRPr lang="en-US" altLang="zh-CN" sz="1600"/>
+          </a:p>
+          <a:p>
+            <a:pPr algn="l"/>
+            <a:r>
+              <a:rPr lang="en-US" altLang="zh-CN" sz="1600"/>
               <a:t>- im.copy()</a:t>
             </a:r>
             <a:endParaRPr lang="en-US" altLang="zh-CN" sz="1600"/>
@@ -11668,6 +12382,17 @@
             <a:endParaRPr lang="en-US" altLang="zh-CN" sz="1600"/>
           </a:p>
           <a:p>
+            <a:pPr indent="0" algn="l">
+              <a:buFont typeface="Arial" panose="020B0604020202020204" pitchFamily="34" charset="0"/>
+              <a:buNone/>
+            </a:pPr>
+            <a:r>
+              <a:rPr lang="en-US" altLang="zh-CN" sz="1600"/>
+              <a:t>	- im.filter(ImageFilter.BLUR)</a:t>
+            </a:r>
+            <a:endParaRPr lang="en-US" altLang="zh-CN" sz="1600"/>
+          </a:p>
+          <a:p>
             <a:pPr algn="l"/>
             <a:r>
               <a:rPr lang="en-US" altLang="zh-CN" sz="1600"/>
@@ -11704,22 +12429,6 @@
             <a:r>
               <a:rPr lang="en-US" altLang="zh-CN" sz="1600"/>
               <a:t>- im.getpixel()</a:t>
-            </a:r>
-            <a:endParaRPr lang="en-US" altLang="zh-CN" sz="1600"/>
-          </a:p>
-          <a:p>
-            <a:pPr algn="l"/>
-            <a:r>
-              <a:rPr lang="en-US" altLang="zh-CN" sz="1600"/>
-              <a:t>- im.histogram()</a:t>
-            </a:r>
-            <a:endParaRPr lang="en-US" altLang="zh-CN" sz="1600"/>
-          </a:p>
-          <a:p>
-            <a:pPr algn="l"/>
-            <a:r>
-              <a:rPr lang="en-US" altLang="zh-CN" sz="1600"/>
-              <a:t>- im.paste(im2)</a:t>
             </a:r>
             <a:endParaRPr lang="en-US" altLang="zh-CN" sz="1600"/>
           </a:p>
@@ -11769,6 +12478,26 @@
           <a:p>
             <a:pPr algn="l"/>
             <a:r>
+              <a:rPr lang="en-US" altLang="zh-CN" sz="1600">
+                <a:sym typeface="+mn-ea"/>
+              </a:rPr>
+              <a:t>- im.histogram()</a:t>
+            </a:r>
+            <a:endParaRPr lang="en-US" altLang="zh-CN" sz="1600"/>
+          </a:p>
+          <a:p>
+            <a:pPr algn="l"/>
+            <a:r>
+              <a:rPr lang="en-US" altLang="zh-CN" sz="1600">
+                <a:sym typeface="+mn-ea"/>
+              </a:rPr>
+              <a:t>- im.paste(im2)</a:t>
+            </a:r>
+            <a:endParaRPr lang="en-US" altLang="zh-CN" sz="1600"/>
+          </a:p>
+          <a:p>
+            <a:pPr algn="l"/>
+            <a:r>
               <a:rPr lang="en-US" altLang="zh-CN" sz="1600"/>
               <a:t>- im.putalpha(alpha)</a:t>
             </a:r>
@@ -11786,7 +12515,7 @@
             <a:pPr algn="l"/>
             <a:r>
               <a:rPr lang="en-US" altLang="zh-CN" sz="1600"/>
-              <a:t>- im.rotate(size)</a:t>
+              <a:t>- im.rotate(angle)</a:t>
             </a:r>
             <a:endParaRPr lang="en-US" altLang="zh-CN" sz="1600"/>
           </a:p>
@@ -11908,61 +12637,132 @@
           </a:p>
         </p:txBody>
       </p:sp>
-    </p:spTree>
-  </p:cSld>
-  <p:clrMapOvr>
-    <a:masterClrMapping/>
-  </p:clrMapOvr>
-</p:sld>
-</file>
-
-<file path=ppt/slides/slide44.xml><?xml version="1.0" encoding="utf-8"?>
-<p:sld xmlns:a="http://schemas.openxmlformats.org/drawingml/2006/main" xmlns:r="http://schemas.openxmlformats.org/officeDocument/2006/relationships" xmlns:p="http://schemas.openxmlformats.org/presentationml/2006/main">
-  <p:cSld>
-    <p:spTree>
-      <p:nvGrpSpPr>
-        <p:cNvPr id="1" name=""/>
-        <p:cNvGrpSpPr/>
-        <p:nvPr/>
-      </p:nvGrpSpPr>
-      <p:grpSpPr/>
-      <p:sp>
-        <p:nvSpPr>
-          <p:cNvPr id="4" name="标题 3"/>
-          <p:cNvSpPr>
-            <a:spLocks noGrp="1"/>
-          </p:cNvSpPr>
-          <p:nvPr>
-            <p:ph type="title"/>
-          </p:nvPr>
-        </p:nvSpPr>
-        <p:spPr/>
-        <p:txBody>
-          <a:bodyPr/>
-          <a:p>
-            <a:r>
-              <a:rPr lang="en-US" altLang="zh-CN"/>
-              <a:t>Advanced</a:t>
-            </a:r>
-            <a:endParaRPr lang="en-US" altLang="zh-CN"/>
-          </a:p>
-        </p:txBody>
-      </p:sp>
-      <p:sp>
-        <p:nvSpPr>
-          <p:cNvPr id="5" name="文本占位符 4"/>
-          <p:cNvSpPr>
-            <a:spLocks noGrp="1"/>
-          </p:cNvSpPr>
-          <p:nvPr>
-            <p:ph type="body" idx="1"/>
-          </p:nvPr>
-        </p:nvSpPr>
-        <p:spPr/>
-        <p:txBody>
-          <a:bodyPr/>
-          <a:p>
-            <a:endParaRPr lang="zh-CN" altLang="en-US"/>
+      <p:sp>
+        <p:nvSpPr>
+          <p:cNvPr id="3" name="矩形 2"/>
+          <p:cNvSpPr/>
+          <p:nvPr/>
+        </p:nvSpPr>
+        <p:spPr>
+          <a:xfrm>
+            <a:off x="4055110" y="377825"/>
+            <a:ext cx="1955800" cy="652780"/>
+          </a:xfrm>
+          <a:prstGeom prst="rect">
+            <a:avLst/>
+          </a:prstGeom>
+        </p:spPr>
+        <p:style>
+          <a:lnRef idx="2">
+            <a:schemeClr val="accent1">
+              <a:shade val="50000"/>
+            </a:schemeClr>
+          </a:lnRef>
+          <a:fillRef idx="1">
+            <a:schemeClr val="accent1"/>
+          </a:fillRef>
+          <a:effectRef idx="0">
+            <a:schemeClr val="accent1"/>
+          </a:effectRef>
+          <a:fontRef idx="minor">
+            <a:schemeClr val="lt1"/>
+          </a:fontRef>
+        </p:style>
+        <p:txBody>
+          <a:bodyPr rtlCol="0" anchor="ctr"/>
+          <a:p>
+            <a:pPr algn="ctr"/>
+            <a:r>
+              <a:rPr lang="en-US" altLang="zh-CN"/>
+              <a:t>ImageFilter</a:t>
+            </a:r>
+            <a:endParaRPr lang="en-US" altLang="zh-CN"/>
+          </a:p>
+        </p:txBody>
+      </p:sp>
+      <p:sp>
+        <p:nvSpPr>
+          <p:cNvPr id="7" name="矩形 6"/>
+          <p:cNvSpPr/>
+          <p:nvPr/>
+        </p:nvSpPr>
+        <p:spPr>
+          <a:xfrm>
+            <a:off x="6323965" y="377825"/>
+            <a:ext cx="1955800" cy="652780"/>
+          </a:xfrm>
+          <a:prstGeom prst="rect">
+            <a:avLst/>
+          </a:prstGeom>
+        </p:spPr>
+        <p:style>
+          <a:lnRef idx="2">
+            <a:schemeClr val="accent1">
+              <a:shade val="50000"/>
+            </a:schemeClr>
+          </a:lnRef>
+          <a:fillRef idx="1">
+            <a:schemeClr val="accent1"/>
+          </a:fillRef>
+          <a:effectRef idx="0">
+            <a:schemeClr val="accent1"/>
+          </a:effectRef>
+          <a:fontRef idx="minor">
+            <a:schemeClr val="lt1"/>
+          </a:fontRef>
+        </p:style>
+        <p:txBody>
+          <a:bodyPr rtlCol="0" anchor="ctr"/>
+          <a:p>
+            <a:pPr algn="ctr"/>
+            <a:r>
+              <a:rPr lang="en-US" altLang="zh-CN"/>
+              <a:t>ImageDraw</a:t>
+            </a:r>
+            <a:endParaRPr lang="en-US" altLang="zh-CN"/>
+          </a:p>
+        </p:txBody>
+      </p:sp>
+      <p:sp>
+        <p:nvSpPr>
+          <p:cNvPr id="8" name="矩形 7"/>
+          <p:cNvSpPr/>
+          <p:nvPr/>
+        </p:nvSpPr>
+        <p:spPr>
+          <a:xfrm>
+            <a:off x="8579485" y="377825"/>
+            <a:ext cx="1955800" cy="652780"/>
+          </a:xfrm>
+          <a:prstGeom prst="rect">
+            <a:avLst/>
+          </a:prstGeom>
+        </p:spPr>
+        <p:style>
+          <a:lnRef idx="2">
+            <a:schemeClr val="accent1">
+              <a:shade val="50000"/>
+            </a:schemeClr>
+          </a:lnRef>
+          <a:fillRef idx="1">
+            <a:schemeClr val="accent1"/>
+          </a:fillRef>
+          <a:effectRef idx="0">
+            <a:schemeClr val="accent1"/>
+          </a:effectRef>
+          <a:fontRef idx="minor">
+            <a:schemeClr val="lt1"/>
+          </a:fontRef>
+        </p:style>
+        <p:txBody>
+          <a:bodyPr rtlCol="0" anchor="ctr"/>
+          <a:p>
+            <a:pPr algn="ctr"/>
+            <a:r>
+              <a:rPr lang="en-US" altLang="zh-CN"/>
+              <a:t>ImageFont</a:t>
+            </a:r>
+            <a:endParaRPr lang="en-US" altLang="zh-CN"/>
           </a:p>
         </p:txBody>
       </p:sp>
@@ -12000,7 +12800,7 @@
           <a:p>
             <a:r>
               <a:rPr lang="en-US" altLang="zh-CN"/>
-              <a:t>Wrap As Exe or Dll</a:t>
+              <a:t>Mayavi</a:t>
             </a:r>
             <a:endParaRPr lang="en-US" altLang="zh-CN"/>
           </a:p>
@@ -12022,7 +12822,7 @@
           <a:p>
             <a:r>
               <a:rPr lang="en-US" altLang="zh-CN"/>
-              <a:t>py2exe</a:t>
+              <a:t>Install</a:t>
             </a:r>
             <a:endParaRPr lang="en-US" altLang="zh-CN"/>
           </a:p>
@@ -12030,79 +12830,7 @@
             <a:pPr lvl="1"/>
             <a:r>
               <a:rPr lang="en-US" altLang="zh-CN"/>
-              <a:t>pip install py2exe</a:t>
-            </a:r>
-            <a:endParaRPr lang="en-US" altLang="zh-CN"/>
-          </a:p>
-          <a:p>
-            <a:pPr lvl="1"/>
-            <a:r>
-              <a:rPr lang="en-US" altLang="zh-CN"/>
-              <a:t>Only support python 3.3 or 3.4</a:t>
-            </a:r>
-            <a:endParaRPr lang="en-US" altLang="zh-CN"/>
-          </a:p>
-          <a:p>
-            <a:pPr lvl="0"/>
-            <a:r>
-              <a:rPr lang="en-US" altLang="zh-CN"/>
-              <a:t>PyInstaller</a:t>
-            </a:r>
-            <a:endParaRPr lang="en-US" altLang="zh-CN"/>
-          </a:p>
-          <a:p>
-            <a:pPr lvl="1"/>
-            <a:r>
-              <a:rPr lang="en-US" altLang="zh-CN"/>
-              <a:t>pip install pyinstaller</a:t>
-            </a:r>
-            <a:endParaRPr lang="en-US" altLang="zh-CN"/>
-          </a:p>
-          <a:p>
-            <a:pPr lvl="1"/>
-            <a:r>
-              <a:rPr lang="en-US" altLang="zh-CN"/>
-              <a:t>pyinstaller yourprogram.py</a:t>
-            </a:r>
-            <a:endParaRPr lang="en-US" altLang="zh-CN"/>
-          </a:p>
-          <a:p>
-            <a:pPr lvl="2"/>
-            <a:r>
-              <a:rPr lang="en-US" altLang="zh-CN"/>
-              <a:t>Files are generated into “dist” folder</a:t>
-            </a:r>
-            <a:endParaRPr lang="en-US" altLang="zh-CN"/>
-          </a:p>
-          <a:p>
-            <a:pPr lvl="2"/>
-            <a:r>
-              <a:rPr lang="en-US" altLang="zh-CN"/>
-              <a:t>yourprogram.spec</a:t>
-            </a:r>
-            <a:endParaRPr lang="en-US" altLang="zh-CN"/>
-          </a:p>
-          <a:p>
-            <a:pPr lvl="3"/>
-            <a:r>
-              <a:rPr lang="en-US" altLang="zh-CN"/>
-              <a:t>pyinstaller yourprogram.spec</a:t>
-            </a:r>
-            <a:endParaRPr lang="en-US" altLang="zh-CN"/>
-          </a:p>
-          <a:p>
-            <a:pPr lvl="2"/>
-            <a:r>
-              <a:rPr lang="en-US" altLang="zh-CN"/>
-              <a:t>“build” folder</a:t>
-            </a:r>
-            <a:endParaRPr lang="en-US" altLang="zh-CN"/>
-          </a:p>
-          <a:p>
-            <a:pPr lvl="2"/>
-            <a:r>
-              <a:rPr lang="en-US" altLang="zh-CN"/>
-              <a:t>-F: one-file bundled executable</a:t>
+              <a:t>pip install mayavi pyqt5==5.14.0</a:t>
             </a:r>
             <a:endParaRPr lang="en-US" altLang="zh-CN"/>
           </a:p>
@@ -12117,6 +12845,284 @@
 </file>
 
 <file path=ppt/slides/slide46.xml><?xml version="1.0" encoding="utf-8"?>
+<p:sld xmlns:a="http://schemas.openxmlformats.org/drawingml/2006/main" xmlns:r="http://schemas.openxmlformats.org/officeDocument/2006/relationships" xmlns:p="http://schemas.openxmlformats.org/presentationml/2006/main">
+  <p:cSld>
+    <p:spTree>
+      <p:nvGrpSpPr>
+        <p:cNvPr id="1" name=""/>
+        <p:cNvGrpSpPr/>
+        <p:nvPr/>
+      </p:nvGrpSpPr>
+      <p:grpSpPr/>
+      <p:sp>
+        <p:nvSpPr>
+          <p:cNvPr id="2" name="标题 1"/>
+          <p:cNvSpPr>
+            <a:spLocks noGrp="1"/>
+          </p:cNvSpPr>
+          <p:nvPr>
+            <p:ph type="title"/>
+          </p:nvPr>
+        </p:nvSpPr>
+        <p:spPr/>
+        <p:txBody>
+          <a:bodyPr/>
+          <a:p>
+            <a:r>
+              <a:rPr lang="en-US" altLang="zh-CN"/>
+              <a:t>Mechanize</a:t>
+            </a:r>
+            <a:endParaRPr lang="en-US" altLang="zh-CN"/>
+          </a:p>
+        </p:txBody>
+      </p:sp>
+      <p:sp>
+        <p:nvSpPr>
+          <p:cNvPr id="3" name="内容占位符 2"/>
+          <p:cNvSpPr>
+            <a:spLocks noGrp="1"/>
+          </p:cNvSpPr>
+          <p:nvPr>
+            <p:ph idx="1"/>
+          </p:nvPr>
+        </p:nvSpPr>
+        <p:spPr/>
+        <p:txBody>
+          <a:bodyPr/>
+          <a:p>
+            <a:r>
+              <a:rPr lang="en-US" altLang="zh-CN"/>
+              <a:t>Info</a:t>
+            </a:r>
+            <a:endParaRPr lang="en-US" altLang="zh-CN"/>
+          </a:p>
+          <a:p>
+            <a:pPr lvl="1"/>
+            <a:r>
+              <a:rPr lang="en-US" altLang="zh-CN"/>
+              <a:t>https://github.com/python-mechanize/mechanize</a:t>
+            </a:r>
+            <a:endParaRPr lang="en-US" altLang="zh-CN"/>
+          </a:p>
+          <a:p>
+            <a:pPr lvl="1"/>
+            <a:r>
+              <a:rPr lang="en-US" altLang="zh-CN"/>
+              <a:t>Automate interaction with HTTP web servers</a:t>
+            </a:r>
+            <a:endParaRPr lang="en-US" altLang="zh-CN"/>
+          </a:p>
+        </p:txBody>
+      </p:sp>
+    </p:spTree>
+  </p:cSld>
+  <p:clrMapOvr>
+    <a:masterClrMapping/>
+  </p:clrMapOvr>
+</p:sld>
+</file>
+
+<file path=ppt/slides/slide47.xml><?xml version="1.0" encoding="utf-8"?>
+<p:sld xmlns:a="http://schemas.openxmlformats.org/drawingml/2006/main" xmlns:r="http://schemas.openxmlformats.org/officeDocument/2006/relationships" xmlns:p="http://schemas.openxmlformats.org/presentationml/2006/main">
+  <p:cSld>
+    <p:spTree>
+      <p:nvGrpSpPr>
+        <p:cNvPr id="1" name=""/>
+        <p:cNvGrpSpPr/>
+        <p:nvPr/>
+      </p:nvGrpSpPr>
+      <p:grpSpPr/>
+      <p:sp>
+        <p:nvSpPr>
+          <p:cNvPr id="4" name="标题 3"/>
+          <p:cNvSpPr>
+            <a:spLocks noGrp="1"/>
+          </p:cNvSpPr>
+          <p:nvPr>
+            <p:ph type="title"/>
+          </p:nvPr>
+        </p:nvSpPr>
+        <p:spPr/>
+        <p:txBody>
+          <a:bodyPr/>
+          <a:p>
+            <a:r>
+              <a:rPr lang="en-US" altLang="zh-CN"/>
+              <a:t>Advanced</a:t>
+            </a:r>
+            <a:endParaRPr lang="en-US" altLang="zh-CN"/>
+          </a:p>
+        </p:txBody>
+      </p:sp>
+      <p:sp>
+        <p:nvSpPr>
+          <p:cNvPr id="5" name="文本占位符 4"/>
+          <p:cNvSpPr>
+            <a:spLocks noGrp="1"/>
+          </p:cNvSpPr>
+          <p:nvPr>
+            <p:ph type="body" idx="1"/>
+          </p:nvPr>
+        </p:nvSpPr>
+        <p:spPr/>
+        <p:txBody>
+          <a:bodyPr/>
+          <a:p>
+            <a:endParaRPr lang="zh-CN" altLang="en-US"/>
+          </a:p>
+        </p:txBody>
+      </p:sp>
+    </p:spTree>
+  </p:cSld>
+  <p:clrMapOvr>
+    <a:masterClrMapping/>
+  </p:clrMapOvr>
+</p:sld>
+</file>
+
+<file path=ppt/slides/slide48.xml><?xml version="1.0" encoding="utf-8"?>
+<p:sld xmlns:a="http://schemas.openxmlformats.org/drawingml/2006/main" xmlns:r="http://schemas.openxmlformats.org/officeDocument/2006/relationships" xmlns:p="http://schemas.openxmlformats.org/presentationml/2006/main">
+  <p:cSld>
+    <p:spTree>
+      <p:nvGrpSpPr>
+        <p:cNvPr id="1" name=""/>
+        <p:cNvGrpSpPr/>
+        <p:nvPr/>
+      </p:nvGrpSpPr>
+      <p:grpSpPr/>
+      <p:sp>
+        <p:nvSpPr>
+          <p:cNvPr id="2" name="标题 1"/>
+          <p:cNvSpPr>
+            <a:spLocks noGrp="1"/>
+          </p:cNvSpPr>
+          <p:nvPr>
+            <p:ph type="title"/>
+          </p:nvPr>
+        </p:nvSpPr>
+        <p:spPr/>
+        <p:txBody>
+          <a:bodyPr/>
+          <a:p>
+            <a:r>
+              <a:rPr lang="en-US" altLang="zh-CN"/>
+              <a:t>Wrap As Exe or Dll</a:t>
+            </a:r>
+            <a:endParaRPr lang="en-US" altLang="zh-CN"/>
+          </a:p>
+        </p:txBody>
+      </p:sp>
+      <p:sp>
+        <p:nvSpPr>
+          <p:cNvPr id="3" name="内容占位符 2"/>
+          <p:cNvSpPr>
+            <a:spLocks noGrp="1"/>
+          </p:cNvSpPr>
+          <p:nvPr>
+            <p:ph idx="1"/>
+          </p:nvPr>
+        </p:nvSpPr>
+        <p:spPr/>
+        <p:txBody>
+          <a:bodyPr/>
+          <a:p>
+            <a:r>
+              <a:rPr lang="en-US" altLang="zh-CN"/>
+              <a:t>py2exe</a:t>
+            </a:r>
+            <a:endParaRPr lang="en-US" altLang="zh-CN"/>
+          </a:p>
+          <a:p>
+            <a:pPr lvl="1"/>
+            <a:r>
+              <a:rPr lang="en-US" altLang="zh-CN"/>
+              <a:t>pip install py2exe</a:t>
+            </a:r>
+            <a:endParaRPr lang="en-US" altLang="zh-CN"/>
+          </a:p>
+          <a:p>
+            <a:pPr lvl="1"/>
+            <a:r>
+              <a:rPr lang="en-US" altLang="zh-CN"/>
+              <a:t>Only support python 3.3 or 3.4</a:t>
+            </a:r>
+            <a:endParaRPr lang="en-US" altLang="zh-CN"/>
+          </a:p>
+          <a:p>
+            <a:pPr lvl="0"/>
+            <a:r>
+              <a:rPr lang="en-US" altLang="zh-CN"/>
+              <a:t>PyInstaller</a:t>
+            </a:r>
+            <a:endParaRPr lang="en-US" altLang="zh-CN"/>
+          </a:p>
+          <a:p>
+            <a:pPr lvl="1"/>
+            <a:r>
+              <a:rPr lang="en-US" altLang="zh-CN"/>
+              <a:t>pip install pyinstaller</a:t>
+            </a:r>
+            <a:endParaRPr lang="en-US" altLang="zh-CN"/>
+          </a:p>
+          <a:p>
+            <a:pPr lvl="1"/>
+            <a:r>
+              <a:rPr lang="en-US" altLang="zh-CN"/>
+              <a:t>pyinstaller yourprogram.py</a:t>
+            </a:r>
+            <a:endParaRPr lang="en-US" altLang="zh-CN"/>
+          </a:p>
+          <a:p>
+            <a:pPr lvl="2"/>
+            <a:r>
+              <a:rPr lang="en-US" altLang="zh-CN"/>
+              <a:t>Files are generated into “dist” folder</a:t>
+            </a:r>
+            <a:endParaRPr lang="en-US" altLang="zh-CN"/>
+          </a:p>
+          <a:p>
+            <a:pPr lvl="2"/>
+            <a:r>
+              <a:rPr lang="en-US" altLang="zh-CN"/>
+              <a:t>yourprogram.spec</a:t>
+            </a:r>
+            <a:endParaRPr lang="en-US" altLang="zh-CN"/>
+          </a:p>
+          <a:p>
+            <a:pPr lvl="3"/>
+            <a:r>
+              <a:rPr lang="en-US" altLang="zh-CN"/>
+              <a:t>pyinstaller yourprogram.spec</a:t>
+            </a:r>
+            <a:endParaRPr lang="en-US" altLang="zh-CN"/>
+          </a:p>
+          <a:p>
+            <a:pPr lvl="2"/>
+            <a:r>
+              <a:rPr lang="en-US" altLang="zh-CN"/>
+              <a:t>“build” folder</a:t>
+            </a:r>
+            <a:endParaRPr lang="en-US" altLang="zh-CN"/>
+          </a:p>
+          <a:p>
+            <a:pPr lvl="2"/>
+            <a:r>
+              <a:rPr lang="en-US" altLang="zh-CN"/>
+              <a:t>-F: one-file bundled executable</a:t>
+            </a:r>
+            <a:endParaRPr lang="en-US" altLang="zh-CN"/>
+          </a:p>
+        </p:txBody>
+      </p:sp>
+    </p:spTree>
+  </p:cSld>
+  <p:clrMapOvr>
+    <a:masterClrMapping/>
+  </p:clrMapOvr>
+</p:sld>
+</file>
+
+<file path=ppt/slides/slide49.xml><?xml version="1.0" encoding="utf-8"?>
 <p:sld xmlns:a="http://schemas.openxmlformats.org/drawingml/2006/main" xmlns:r="http://schemas.openxmlformats.org/officeDocument/2006/relationships" xmlns:p="http://schemas.openxmlformats.org/presentationml/2006/main">
   <p:cSld>
     <p:spTree>
@@ -12570,76 +13576,6 @@
 </p:sld>
 </file>
 
-<file path=ppt/slides/slide47.xml><?xml version="1.0" encoding="utf-8"?>
-<p:sld xmlns:a="http://schemas.openxmlformats.org/drawingml/2006/main" xmlns:r="http://schemas.openxmlformats.org/officeDocument/2006/relationships" xmlns:p="http://schemas.openxmlformats.org/presentationml/2006/main">
-  <p:cSld>
-    <p:spTree>
-      <p:nvGrpSpPr>
-        <p:cNvPr id="1" name=""/>
-        <p:cNvGrpSpPr/>
-        <p:nvPr/>
-      </p:nvGrpSpPr>
-      <p:grpSpPr/>
-      <p:sp>
-        <p:nvSpPr>
-          <p:cNvPr id="2" name="标题 1"/>
-          <p:cNvSpPr>
-            <a:spLocks noGrp="1"/>
-          </p:cNvSpPr>
-          <p:nvPr>
-            <p:ph type="title"/>
-          </p:nvPr>
-        </p:nvSpPr>
-        <p:spPr/>
-        <p:txBody>
-          <a:bodyPr/>
-          <a:p>
-            <a:r>
-              <a:rPr lang="en-US" altLang="zh-CN"/>
-              <a:t>Cython (2)</a:t>
-            </a:r>
-            <a:endParaRPr lang="en-US" altLang="zh-CN"/>
-          </a:p>
-        </p:txBody>
-      </p:sp>
-      <p:sp>
-        <p:nvSpPr>
-          <p:cNvPr id="3" name="内容占位符 2"/>
-          <p:cNvSpPr>
-            <a:spLocks noGrp="1"/>
-          </p:cNvSpPr>
-          <p:nvPr>
-            <p:ph idx="1"/>
-          </p:nvPr>
-        </p:nvSpPr>
-        <p:spPr/>
-        <p:txBody>
-          <a:bodyPr/>
-          <a:p>
-            <a:r>
-              <a:rPr lang="en-US" altLang="zh-CN"/>
-              <a:t>Static typing</a:t>
-            </a:r>
-            <a:endParaRPr lang="en-US" altLang="zh-CN"/>
-          </a:p>
-          <a:p>
-            <a:pPr lvl="1"/>
-            <a:r>
-              <a:rPr lang="en-US" altLang="zh-CN"/>
-              <a:t>cdef</a:t>
-            </a:r>
-            <a:endParaRPr lang="en-US" altLang="zh-CN"/>
-          </a:p>
-        </p:txBody>
-      </p:sp>
-    </p:spTree>
-  </p:cSld>
-  <p:clrMapOvr>
-    <a:masterClrMapping/>
-  </p:clrMapOvr>
-</p:sld>
-</file>
-
 <file path=ppt/slides/slide5.xml><?xml version="1.0" encoding="utf-8"?>
 <p:sld xmlns:a="http://schemas.openxmlformats.org/drawingml/2006/main" xmlns:r="http://schemas.openxmlformats.org/officeDocument/2006/relationships" xmlns:p="http://schemas.openxmlformats.org/presentationml/2006/main">
   <p:cSld>
@@ -12799,6 +13735,76 @@
               <a:t>mkvirtualenv py3 --python=/usr/bin/python3</a:t>
             </a:r>
             <a:endParaRPr lang="en-US" altLang="en-US"/>
+          </a:p>
+        </p:txBody>
+      </p:sp>
+    </p:spTree>
+  </p:cSld>
+  <p:clrMapOvr>
+    <a:masterClrMapping/>
+  </p:clrMapOvr>
+</p:sld>
+</file>
+
+<file path=ppt/slides/slide50.xml><?xml version="1.0" encoding="utf-8"?>
+<p:sld xmlns:a="http://schemas.openxmlformats.org/drawingml/2006/main" xmlns:r="http://schemas.openxmlformats.org/officeDocument/2006/relationships" xmlns:p="http://schemas.openxmlformats.org/presentationml/2006/main">
+  <p:cSld>
+    <p:spTree>
+      <p:nvGrpSpPr>
+        <p:cNvPr id="1" name=""/>
+        <p:cNvGrpSpPr/>
+        <p:nvPr/>
+      </p:nvGrpSpPr>
+      <p:grpSpPr/>
+      <p:sp>
+        <p:nvSpPr>
+          <p:cNvPr id="2" name="标题 1"/>
+          <p:cNvSpPr>
+            <a:spLocks noGrp="1"/>
+          </p:cNvSpPr>
+          <p:nvPr>
+            <p:ph type="title"/>
+          </p:nvPr>
+        </p:nvSpPr>
+        <p:spPr/>
+        <p:txBody>
+          <a:bodyPr/>
+          <a:p>
+            <a:r>
+              <a:rPr lang="en-US" altLang="zh-CN"/>
+              <a:t>Cython (2)</a:t>
+            </a:r>
+            <a:endParaRPr lang="en-US" altLang="zh-CN"/>
+          </a:p>
+        </p:txBody>
+      </p:sp>
+      <p:sp>
+        <p:nvSpPr>
+          <p:cNvPr id="3" name="内容占位符 2"/>
+          <p:cNvSpPr>
+            <a:spLocks noGrp="1"/>
+          </p:cNvSpPr>
+          <p:nvPr>
+            <p:ph idx="1"/>
+          </p:nvPr>
+        </p:nvSpPr>
+        <p:spPr/>
+        <p:txBody>
+          <a:bodyPr/>
+          <a:p>
+            <a:r>
+              <a:rPr lang="en-US" altLang="zh-CN"/>
+              <a:t>Static typing</a:t>
+            </a:r>
+            <a:endParaRPr lang="en-US" altLang="zh-CN"/>
+          </a:p>
+          <a:p>
+            <a:pPr lvl="1"/>
+            <a:r>
+              <a:rPr lang="en-US" altLang="zh-CN"/>
+              <a:t>cdef</a:t>
+            </a:r>
+            <a:endParaRPr lang="en-US" altLang="zh-CN"/>
           </a:p>
         </p:txBody>
       </p:sp>

--- a/Python/Python-Notes.pptx
+++ b/Python/Python-Notes.pptx
@@ -5418,9 +5418,16 @@
             <p:ph idx="1"/>
           </p:nvPr>
         </p:nvSpPr>
-        <p:spPr/>
-        <p:txBody>
-          <a:bodyPr/>
+        <p:spPr>
+          <a:xfrm>
+            <a:off x="838200" y="1211580"/>
+            <a:ext cx="10515600" cy="4965700"/>
+          </a:xfrm>
+        </p:spPr>
+        <p:txBody>
+          <a:bodyPr>
+            <a:normAutofit fontScale="90000" lnSpcReduction="10000"/>
+          </a:bodyPr>
           <a:p>
             <a:r>
               <a:rPr lang="en-US" altLang="zh-CN"/>
@@ -5456,6 +5463,14 @@
             <a:pPr lvl="0"/>
             <a:r>
               <a:rPr lang="en-US" altLang="en-US"/>
+              <a:t>remove, copy, get size</a:t>
+            </a:r>
+            <a:endParaRPr lang="en-US" altLang="en-US"/>
+          </a:p>
+          <a:p>
+            <a:pPr lvl="1"/>
+            <a:r>
+              <a:rPr lang="en-US" altLang="en-US"/>
               <a:t>import shutil</a:t>
             </a:r>
             <a:endParaRPr lang="en-US" altLang="en-US"/>
@@ -5473,6 +5488,70 @@
             <a:r>
               <a:rPr lang="en-US" altLang="en-US"/>
               <a:t>shutil.copytree(src_dir, dst_dir)</a:t>
+            </a:r>
+            <a:endParaRPr lang="en-US" altLang="en-US"/>
+          </a:p>
+          <a:p>
+            <a:pPr lvl="1"/>
+            <a:r>
+              <a:rPr lang="en-US" altLang="en-US"/>
+              <a:t>os.remove(fn)</a:t>
+            </a:r>
+            <a:endParaRPr lang="en-US" altLang="en-US"/>
+          </a:p>
+          <a:p>
+            <a:pPr lvl="1"/>
+            <a:r>
+              <a:rPr lang="en-US" altLang="en-US"/>
+              <a:t>os.path.getsize(fn)</a:t>
+            </a:r>
+            <a:endParaRPr lang="en-US" altLang="en-US"/>
+          </a:p>
+          <a:p>
+            <a:pPr lvl="1"/>
+            <a:r>
+              <a:rPr lang="en-US" altLang="en-US"/>
+              <a:t>os.path.abspath(fn)</a:t>
+            </a:r>
+            <a:endParaRPr lang="en-US" altLang="en-US"/>
+          </a:p>
+          <a:p>
+            <a:pPr lvl="1"/>
+            <a:r>
+              <a:rPr lang="en-US" altLang="en-US"/>
+              <a:t>os.path.exists(fn)</a:t>
+            </a:r>
+            <a:endParaRPr lang="en-US" altLang="en-US"/>
+          </a:p>
+          <a:p>
+            <a:pPr lvl="0"/>
+            <a:r>
+              <a:rPr lang="en-US" altLang="en-US"/>
+              <a:t>Others</a:t>
+            </a:r>
+            <a:endParaRPr lang="en-US" altLang="en-US"/>
+          </a:p>
+          <a:p>
+            <a:pPr lvl="1"/>
+            <a:r>
+              <a:rPr lang="en-US" altLang="en-US"/>
+              <a:t>file compare</a:t>
+            </a:r>
+            <a:endParaRPr lang="en-US" altLang="en-US"/>
+          </a:p>
+          <a:p>
+            <a:pPr lvl="2"/>
+            <a:r>
+              <a:rPr lang="en-US" altLang="en-US"/>
+              <a:t>import filecmp</a:t>
+            </a:r>
+            <a:endParaRPr lang="en-US" altLang="en-US"/>
+          </a:p>
+          <a:p>
+            <a:pPr lvl="2"/>
+            <a:r>
+              <a:rPr lang="en-US" altLang="en-US"/>
+              <a:t>filecmp.cmp(fn1, fn2)</a:t>
             </a:r>
             <a:endParaRPr lang="en-US" altLang="en-US"/>
           </a:p>
@@ -6751,10 +6830,15 @@
             <p:ph idx="1"/>
           </p:nvPr>
         </p:nvSpPr>
-        <p:spPr/>
+        <p:spPr>
+          <a:xfrm>
+            <a:off x="838200" y="1211580"/>
+            <a:ext cx="10515600" cy="5474335"/>
+          </a:xfrm>
+        </p:spPr>
         <p:txBody>
           <a:bodyPr>
-            <a:normAutofit lnSpcReduction="20000"/>
+            <a:normAutofit fontScale="80000"/>
           </a:bodyPr>
           <a:p>
             <a:r>
@@ -6872,6 +6956,22 @@
             <a:r>
               <a:rPr lang="en-US" altLang="zh-CN"/>
               <a:t>virtual_memory() (total, available, percent, ...)</a:t>
+            </a:r>
+            <a:endParaRPr lang="en-US" altLang="zh-CN"/>
+          </a:p>
+          <a:p>
+            <a:pPr lvl="0"/>
+            <a:r>
+              <a:rPr lang="en-US" altLang="zh-CN"/>
+              <a:t>Garbage collection</a:t>
+            </a:r>
+            <a:endParaRPr lang="en-US" altLang="zh-CN"/>
+          </a:p>
+          <a:p>
+            <a:pPr lvl="1"/>
+            <a:r>
+              <a:rPr lang="en-US" altLang="zh-CN"/>
+              <a:t>gc.enable()		// time consuming</a:t>
             </a:r>
             <a:endParaRPr lang="en-US" altLang="zh-CN"/>
           </a:p>
@@ -10419,8 +10519,18 @@
         </p:nvSpPr>
         <p:spPr/>
         <p:txBody>
-          <a:bodyPr/>
-          <a:p>
+          <a:bodyPr>
+            <a:normAutofit lnSpcReduction="20000"/>
+          </a:bodyPr>
+          <a:p>
+            <a:r>
+              <a:rPr lang="en-US" altLang="zh-CN"/>
+              <a:t>Audio wave or spectrum drawing</a:t>
+            </a:r>
+            <a:endParaRPr lang="en-US" altLang="zh-CN"/>
+          </a:p>
+          <a:p>
+            <a:pPr lvl="1"/>
             <a:r>
               <a:rPr lang="en-US" altLang="zh-CN"/>
               <a:t>pip install librosa</a:t>
@@ -10428,6 +10538,7 @@
             <a:endParaRPr lang="en-US" altLang="zh-CN"/>
           </a:p>
           <a:p>
+            <a:pPr lvl="1"/>
             <a:r>
               <a:rPr lang="en-US" altLang="zh-CN"/>
               <a:t>Usage</a:t>
@@ -10435,10 +10546,66 @@
             <a:endParaRPr lang="en-US" altLang="zh-CN"/>
           </a:p>
           <a:p>
+            <a:pPr lvl="2"/>
+            <a:r>
+              <a:rPr lang="en-US" altLang="zh-CN"/>
+              <a:t>import librosa</a:t>
+            </a:r>
+            <a:endParaRPr lang="en-US" altLang="zh-CN"/>
+          </a:p>
+          <a:p>
+            <a:pPr lvl="2"/>
+            <a:r>
+              <a:rPr lang="en-US" altLang="zh-CN"/>
+              <a:t>data, sample_rate = librosa.load(fn_audio)</a:t>
+            </a:r>
+            <a:endParaRPr lang="en-US" altLang="zh-CN"/>
+          </a:p>
+          <a:p>
+            <a:pPr lvl="2"/>
+            <a:r>
+              <a:rPr lang="en-US" altLang="zh-CN"/>
+              <a:t>import librosa.display</a:t>
+            </a:r>
+            <a:endParaRPr lang="en-US" altLang="zh-CN"/>
+          </a:p>
+          <a:p>
+            <a:pPr lvl="2"/>
+            <a:r>
+              <a:rPr lang="en-US" altLang="zh-CN"/>
+              <a:t>plt.figure()</a:t>
+            </a:r>
+            <a:endParaRPr lang="en-US" altLang="zh-CN"/>
+          </a:p>
+          <a:p>
+            <a:pPr lvl="2"/>
+            <a:r>
+              <a:rPr lang="en-US" altLang="zh-CN"/>
+              <a:t>librosa.dipslay.waveplot(data, sample_rate)</a:t>
+            </a:r>
+            <a:endParaRPr lang="en-US" altLang="zh-CN"/>
+          </a:p>
+          <a:p>
+            <a:pPr lvl="2"/>
+            <a:r>
+              <a:rPr lang="en-US" altLang="zh-CN"/>
+              <a:t>plt.show()</a:t>
+            </a:r>
+            <a:endParaRPr lang="en-US" altLang="zh-CN"/>
+          </a:p>
+          <a:p>
+            <a:pPr lvl="0"/>
+            <a:r>
+              <a:rPr lang="en-US" altLang="zh-CN"/>
+              <a:t>pydub</a:t>
+            </a:r>
+            <a:endParaRPr lang="en-US" altLang="zh-CN"/>
+          </a:p>
+          <a:p>
             <a:pPr lvl="1"/>
             <a:r>
               <a:rPr lang="en-US" altLang="zh-CN"/>
-              <a:t>import librosa</a:t>
+              <a:t>pip install pydub</a:t>
             </a:r>
             <a:endParaRPr lang="en-US" altLang="zh-CN"/>
           </a:p>
@@ -10446,7 +10613,7 @@
             <a:pPr lvl="1"/>
             <a:r>
               <a:rPr lang="en-US" altLang="zh-CN"/>
-              <a:t>data, sample_rate = librosa.load(fn_audio)</a:t>
+              <a:t>from pydub import AudioSegment</a:t>
             </a:r>
             <a:endParaRPr lang="en-US" altLang="zh-CN"/>
           </a:p>
@@ -10454,7 +10621,7 @@
             <a:pPr lvl="1"/>
             <a:r>
               <a:rPr lang="en-US" altLang="zh-CN"/>
-              <a:t>import librosa.display</a:t>
+              <a:t>sound = AudioSegment.from_mp3(fn_mp3)</a:t>
             </a:r>
             <a:endParaRPr lang="en-US" altLang="zh-CN"/>
           </a:p>
@@ -10462,7 +10629,7 @@
             <a:pPr lvl="1"/>
             <a:r>
               <a:rPr lang="en-US" altLang="zh-CN"/>
-              <a:t>plt.figure()</a:t>
+              <a:t>target_sound = sound[:2000]	// 2000ms</a:t>
             </a:r>
             <a:endParaRPr lang="en-US" altLang="zh-CN"/>
           </a:p>
@@ -10470,15 +10637,7 @@
             <a:pPr lvl="1"/>
             <a:r>
               <a:rPr lang="en-US" altLang="zh-CN"/>
-              <a:t>librosa.dipslay.waveplot(data, sample_rate)</a:t>
-            </a:r>
-            <a:endParaRPr lang="en-US" altLang="zh-CN"/>
-          </a:p>
-          <a:p>
-            <a:pPr lvl="1"/>
-            <a:r>
-              <a:rPr lang="en-US" altLang="zh-CN"/>
-              <a:t>plt.show()</a:t>
+              <a:t>target_sound.export(fn_output, format='mp3')</a:t>
             </a:r>
             <a:endParaRPr lang="en-US" altLang="zh-CN"/>
           </a:p>

--- a/Python/Python-Notes.pptx
+++ b/Python/Python-Notes.pptx
@@ -6833,7 +6833,7 @@
         <p:spPr>
           <a:xfrm>
             <a:off x="838200" y="1211580"/>
-            <a:ext cx="10515600" cy="5474335"/>
+            <a:ext cx="5222240" cy="5474335"/>
           </a:xfrm>
         </p:spPr>
         <p:txBody>
@@ -6972,6 +6972,224 @@
             <a:r>
               <a:rPr lang="en-US" altLang="zh-CN"/>
               <a:t>gc.enable()		// time consuming</a:t>
+            </a:r>
+            <a:endParaRPr lang="en-US" altLang="zh-CN"/>
+          </a:p>
+        </p:txBody>
+      </p:sp>
+      <p:sp>
+        <p:nvSpPr>
+          <p:cNvPr id="4" name="内容占位符 2"/>
+          <p:cNvSpPr>
+            <a:spLocks noGrp="1"/>
+          </p:cNvSpPr>
+          <p:nvPr/>
+        </p:nvSpPr>
+        <p:spPr>
+          <a:xfrm>
+            <a:off x="6353175" y="1185545"/>
+            <a:ext cx="5222240" cy="5474335"/>
+          </a:xfrm>
+          <a:prstGeom prst="rect">
+            <a:avLst/>
+          </a:prstGeom>
+        </p:spPr>
+        <p:txBody>
+          <a:bodyPr vert="horz" lIns="91440" tIns="45720" rIns="91440" bIns="45720" rtlCol="0">
+            <a:normAutofit/>
+          </a:bodyPr>
+          <a:lstStyle>
+            <a:lvl1pPr marL="342900" indent="-342900" algn="l" defTabSz="914400" rtl="0" eaLnBrk="1" latinLnBrk="0" hangingPunct="1">
+              <a:lnSpc>
+                <a:spcPct val="90000"/>
+              </a:lnSpc>
+              <a:spcBef>
+                <a:spcPts val="1000"/>
+              </a:spcBef>
+              <a:buFont typeface="黑体" panose="02010609060101010101" pitchFamily="49" charset="-122"/>
+              <a:buChar char="〉"/>
+              <a:defRPr sz="2400" kern="1200">
+                <a:solidFill>
+                  <a:schemeClr val="tx1"/>
+                </a:solidFill>
+                <a:latin typeface="+mn-lt"/>
+                <a:ea typeface="+mn-ea"/>
+                <a:cs typeface="+mn-cs"/>
+              </a:defRPr>
+            </a:lvl1pPr>
+            <a:lvl2pPr marL="800100" indent="-342900" algn="l" defTabSz="914400" rtl="0" eaLnBrk="1" latinLnBrk="0" hangingPunct="1">
+              <a:lnSpc>
+                <a:spcPct val="90000"/>
+              </a:lnSpc>
+              <a:spcBef>
+                <a:spcPts val="500"/>
+              </a:spcBef>
+              <a:buFont typeface="Arial" panose="020B0604020202020204" pitchFamily="34" charset="0"/>
+              <a:buChar char="•"/>
+              <a:defRPr sz="2000" kern="1200">
+                <a:solidFill>
+                  <a:schemeClr val="tx1"/>
+                </a:solidFill>
+                <a:latin typeface="+mn-lt"/>
+                <a:ea typeface="+mn-ea"/>
+                <a:cs typeface="+mn-cs"/>
+              </a:defRPr>
+            </a:lvl2pPr>
+            <a:lvl3pPr marL="1257300" indent="-342900" algn="l" defTabSz="914400" rtl="0" eaLnBrk="1" latinLnBrk="0" hangingPunct="1">
+              <a:lnSpc>
+                <a:spcPct val="90000"/>
+              </a:lnSpc>
+              <a:spcBef>
+                <a:spcPts val="500"/>
+              </a:spcBef>
+              <a:buFont typeface="Arial" panose="020B0604020202020204" pitchFamily="34" charset="0"/>
+              <a:buChar char="•"/>
+              <a:defRPr sz="1800" kern="1200">
+                <a:solidFill>
+                  <a:schemeClr val="tx1"/>
+                </a:solidFill>
+                <a:latin typeface="+mn-lt"/>
+                <a:ea typeface="+mn-ea"/>
+                <a:cs typeface="+mn-cs"/>
+              </a:defRPr>
+            </a:lvl3pPr>
+            <a:lvl4pPr marL="1657350" indent="-285750" algn="l" defTabSz="914400" rtl="0" eaLnBrk="1" latinLnBrk="0" hangingPunct="1">
+              <a:lnSpc>
+                <a:spcPct val="90000"/>
+              </a:lnSpc>
+              <a:spcBef>
+                <a:spcPts val="500"/>
+              </a:spcBef>
+              <a:buFont typeface="Arial" panose="020B0604020202020204" pitchFamily="34" charset="0"/>
+              <a:buChar char="•"/>
+              <a:defRPr sz="1800" kern="1200">
+                <a:solidFill>
+                  <a:schemeClr val="tx1"/>
+                </a:solidFill>
+                <a:latin typeface="+mn-lt"/>
+                <a:ea typeface="+mn-ea"/>
+                <a:cs typeface="+mn-cs"/>
+              </a:defRPr>
+            </a:lvl4pPr>
+            <a:lvl5pPr marL="2114550" indent="-285750" algn="l" defTabSz="914400" rtl="0" eaLnBrk="1" latinLnBrk="0" hangingPunct="1">
+              <a:lnSpc>
+                <a:spcPct val="90000"/>
+              </a:lnSpc>
+              <a:spcBef>
+                <a:spcPts val="500"/>
+              </a:spcBef>
+              <a:buFont typeface="Arial" panose="020B0604020202020204" pitchFamily="34" charset="0"/>
+              <a:buChar char="•"/>
+              <a:defRPr sz="1800" kern="1200">
+                <a:solidFill>
+                  <a:schemeClr val="tx1"/>
+                </a:solidFill>
+                <a:latin typeface="+mn-lt"/>
+                <a:ea typeface="+mn-ea"/>
+                <a:cs typeface="+mn-cs"/>
+              </a:defRPr>
+            </a:lvl5pPr>
+            <a:lvl6pPr marL="2514600" indent="-228600" algn="l" defTabSz="914400" rtl="0" eaLnBrk="1" latinLnBrk="0" hangingPunct="1">
+              <a:lnSpc>
+                <a:spcPct val="90000"/>
+              </a:lnSpc>
+              <a:spcBef>
+                <a:spcPts val="500"/>
+              </a:spcBef>
+              <a:buFont typeface="Arial" panose="020B0604020202020204" pitchFamily="34" charset="0"/>
+              <a:buChar char="•"/>
+              <a:defRPr sz="1800" kern="1200">
+                <a:solidFill>
+                  <a:schemeClr val="tx1"/>
+                </a:solidFill>
+                <a:latin typeface="+mn-lt"/>
+                <a:ea typeface="+mn-ea"/>
+                <a:cs typeface="+mn-cs"/>
+              </a:defRPr>
+            </a:lvl6pPr>
+            <a:lvl7pPr marL="2971800" indent="-228600" algn="l" defTabSz="914400" rtl="0" eaLnBrk="1" latinLnBrk="0" hangingPunct="1">
+              <a:lnSpc>
+                <a:spcPct val="90000"/>
+              </a:lnSpc>
+              <a:spcBef>
+                <a:spcPts val="500"/>
+              </a:spcBef>
+              <a:buFont typeface="Arial" panose="020B0604020202020204" pitchFamily="34" charset="0"/>
+              <a:buChar char="•"/>
+              <a:defRPr sz="1800" kern="1200">
+                <a:solidFill>
+                  <a:schemeClr val="tx1"/>
+                </a:solidFill>
+                <a:latin typeface="+mn-lt"/>
+                <a:ea typeface="+mn-ea"/>
+                <a:cs typeface="+mn-cs"/>
+              </a:defRPr>
+            </a:lvl7pPr>
+            <a:lvl8pPr marL="3429000" indent="-228600" algn="l" defTabSz="914400" rtl="0" eaLnBrk="1" latinLnBrk="0" hangingPunct="1">
+              <a:lnSpc>
+                <a:spcPct val="90000"/>
+              </a:lnSpc>
+              <a:spcBef>
+                <a:spcPts val="500"/>
+              </a:spcBef>
+              <a:buFont typeface="Arial" panose="020B0604020202020204" pitchFamily="34" charset="0"/>
+              <a:buChar char="•"/>
+              <a:defRPr sz="1800" kern="1200">
+                <a:solidFill>
+                  <a:schemeClr val="tx1"/>
+                </a:solidFill>
+                <a:latin typeface="+mn-lt"/>
+                <a:ea typeface="+mn-ea"/>
+                <a:cs typeface="+mn-cs"/>
+              </a:defRPr>
+            </a:lvl8pPr>
+            <a:lvl9pPr marL="3886200" indent="-228600" algn="l" defTabSz="914400" rtl="0" eaLnBrk="1" latinLnBrk="0" hangingPunct="1">
+              <a:lnSpc>
+                <a:spcPct val="90000"/>
+              </a:lnSpc>
+              <a:spcBef>
+                <a:spcPts val="500"/>
+              </a:spcBef>
+              <a:buFont typeface="Arial" panose="020B0604020202020204" pitchFamily="34" charset="0"/>
+              <a:buChar char="•"/>
+              <a:defRPr sz="1800" kern="1200">
+                <a:solidFill>
+                  <a:schemeClr val="tx1"/>
+                </a:solidFill>
+                <a:latin typeface="+mn-lt"/>
+                <a:ea typeface="+mn-ea"/>
+                <a:cs typeface="+mn-cs"/>
+              </a:defRPr>
+            </a:lvl9pPr>
+          </a:lstStyle>
+          <a:p>
+            <a:r>
+              <a:rPr lang="en-US" altLang="zh-CN"/>
+              <a:t>Temp file and folder</a:t>
+            </a:r>
+            <a:endParaRPr lang="en-US" altLang="zh-CN"/>
+          </a:p>
+          <a:p>
+            <a:pPr lvl="1"/>
+            <a:r>
+              <a:rPr lang="en-US" altLang="zh-CN"/>
+              <a:t>import tempfile</a:t>
+            </a:r>
+            <a:endParaRPr lang="en-US" altLang="zh-CN"/>
+          </a:p>
+          <a:p>
+            <a:pPr lvl="1"/>
+            <a:r>
+              <a:rPr lang="en-US" altLang="zh-CN"/>
+              <a:t>tempfile.gettempdir()</a:t>
+            </a:r>
+            <a:endParaRPr lang="en-US" altLang="zh-CN"/>
+          </a:p>
+          <a:p>
+            <a:pPr lvl="1"/>
+            <a:r>
+              <a:rPr lang="en-US" altLang="zh-CN"/>
+              <a:t>tempfile.TemporaryFile()</a:t>
             </a:r>
             <a:endParaRPr lang="en-US" altLang="zh-CN"/>
           </a:p>
@@ -10701,7 +10919,7 @@
         </p:spPr>
         <p:txBody>
           <a:bodyPr>
-            <a:normAutofit/>
+            <a:normAutofit lnSpcReduction="20000"/>
           </a:bodyPr>
           <a:p>
             <a:pPr lvl="0"/>
@@ -10788,10 +11006,58 @@
             <a:endParaRPr lang="en-US" altLang="x-none"/>
           </a:p>
           <a:p>
+            <a:pPr lvl="2"/>
+            <a:r>
+              <a:rPr lang="en-US" altLang="x-none" sz="1800"/>
+              <a:t>Simpler and faster than PyOpenGL</a:t>
+            </a:r>
+            <a:endParaRPr lang="en-US" altLang="x-none" sz="1800"/>
+          </a:p>
+          <a:p>
+            <a:pPr lvl="2"/>
+            <a:r>
+              <a:rPr lang="en-US" altLang="x-none" sz="1800"/>
+              <a:t>Can render without a window</a:t>
+            </a:r>
+            <a:endParaRPr lang="en-US" altLang="x-none" sz="1800"/>
+          </a:p>
+          <a:p>
+            <a:pPr lvl="2"/>
+            <a:r>
+              <a:rPr lang="en-US" altLang="x-none" sz="1800"/>
+              <a:t>100% Pythonic</a:t>
+            </a:r>
+            <a:endParaRPr lang="en-US" altLang="x-none" sz="1800"/>
+          </a:p>
+          <a:p>
+            <a:pPr lvl="2"/>
+            <a:r>
+              <a:rPr lang="en-US" altLang="x-none" sz="1800"/>
+              <a:t>pip install moderngl</a:t>
+            </a:r>
+            <a:endParaRPr lang="en-US" altLang="x-none"/>
+          </a:p>
+          <a:p>
             <a:pPr lvl="1"/>
             <a:r>
               <a:rPr lang="en-US" altLang="x-none"/>
               <a:t>VTK</a:t>
+            </a:r>
+            <a:endParaRPr lang="en-US" altLang="x-none"/>
+          </a:p>
+          <a:p>
+            <a:pPr lvl="2"/>
+            <a:r>
+              <a:rPr lang="en-US" altLang="x-none"/>
+              <a:t>https://vtk.org/</a:t>
+            </a:r>
+            <a:endParaRPr lang="en-US" altLang="x-none"/>
+          </a:p>
+          <a:p>
+            <a:pPr lvl="2"/>
+            <a:r>
+              <a:rPr lang="en-US" altLang="x-none"/>
+              <a:t>pip install vtk</a:t>
             </a:r>
             <a:endParaRPr lang="en-US" altLang="x-none"/>
           </a:p>

--- a/Python/Python-Notes.pptx
+++ b/Python/Python-Notes.pptx
@@ -5,10 +5,10 @@
     <p:sldMasterId id="2147483648" r:id="rId1"/>
   </p:sldMasterIdLst>
   <p:notesMasterIdLst>
-    <p:notesMasterId r:id="rId53"/>
+    <p:notesMasterId r:id="rId58"/>
   </p:notesMasterIdLst>
   <p:handoutMasterIdLst>
-    <p:handoutMasterId r:id="rId54"/>
+    <p:handoutMasterId r:id="rId59"/>
   </p:handoutMasterIdLst>
   <p:sldIdLst>
     <p:sldId id="256" r:id="rId3"/>
@@ -32,35 +32,40 @@
     <p:sldId id="353" r:id="rId21"/>
     <p:sldId id="354" r:id="rId22"/>
     <p:sldId id="352" r:id="rId23"/>
-    <p:sldId id="585" r:id="rId24"/>
-    <p:sldId id="637" r:id="rId25"/>
-    <p:sldId id="704" r:id="rId26"/>
-    <p:sldId id="613" r:id="rId27"/>
-    <p:sldId id="509" r:id="rId28"/>
-    <p:sldId id="266" r:id="rId29"/>
-    <p:sldId id="261" r:id="rId30"/>
-    <p:sldId id="273" r:id="rId31"/>
-    <p:sldId id="262" r:id="rId32"/>
-    <p:sldId id="284" r:id="rId33"/>
-    <p:sldId id="263" r:id="rId34"/>
-    <p:sldId id="324" r:id="rId35"/>
-    <p:sldId id="285" r:id="rId36"/>
-    <p:sldId id="286" r:id="rId37"/>
-    <p:sldId id="347" r:id="rId38"/>
-    <p:sldId id="448" r:id="rId39"/>
-    <p:sldId id="349" r:id="rId40"/>
-    <p:sldId id="332" r:id="rId41"/>
-    <p:sldId id="369" r:id="rId42"/>
-    <p:sldId id="574" r:id="rId43"/>
-    <p:sldId id="575" r:id="rId44"/>
-    <p:sldId id="580" r:id="rId45"/>
-    <p:sldId id="608" r:id="rId46"/>
-    <p:sldId id="698" r:id="rId47"/>
-    <p:sldId id="730" r:id="rId48"/>
-    <p:sldId id="510" r:id="rId49"/>
-    <p:sldId id="351" r:id="rId50"/>
-    <p:sldId id="511" r:id="rId51"/>
-    <p:sldId id="512" r:id="rId52"/>
+    <p:sldId id="753" r:id="rId24"/>
+    <p:sldId id="585" r:id="rId25"/>
+    <p:sldId id="637" r:id="rId26"/>
+    <p:sldId id="704" r:id="rId27"/>
+    <p:sldId id="613" r:id="rId28"/>
+    <p:sldId id="509" r:id="rId29"/>
+    <p:sldId id="266" r:id="rId30"/>
+    <p:sldId id="261" r:id="rId31"/>
+    <p:sldId id="273" r:id="rId32"/>
+    <p:sldId id="262" r:id="rId33"/>
+    <p:sldId id="284" r:id="rId34"/>
+    <p:sldId id="263" r:id="rId35"/>
+    <p:sldId id="324" r:id="rId36"/>
+    <p:sldId id="285" r:id="rId37"/>
+    <p:sldId id="286" r:id="rId38"/>
+    <p:sldId id="347" r:id="rId39"/>
+    <p:sldId id="448" r:id="rId40"/>
+    <p:sldId id="349" r:id="rId41"/>
+    <p:sldId id="332" r:id="rId42"/>
+    <p:sldId id="369" r:id="rId43"/>
+    <p:sldId id="735" r:id="rId44"/>
+    <p:sldId id="737" r:id="rId45"/>
+    <p:sldId id="574" r:id="rId46"/>
+    <p:sldId id="575" r:id="rId47"/>
+    <p:sldId id="580" r:id="rId48"/>
+    <p:sldId id="786" r:id="rId49"/>
+    <p:sldId id="608" r:id="rId50"/>
+    <p:sldId id="698" r:id="rId51"/>
+    <p:sldId id="730" r:id="rId52"/>
+    <p:sldId id="748" r:id="rId53"/>
+    <p:sldId id="510" r:id="rId54"/>
+    <p:sldId id="351" r:id="rId55"/>
+    <p:sldId id="511" r:id="rId56"/>
+    <p:sldId id="512" r:id="rId57"/>
   </p:sldIdLst>
   <p:sldSz cx="12192000" cy="6858000"/>
   <p:notesSz cx="6858000" cy="9144000"/>
@@ -5421,12 +5426,12 @@
         <p:spPr>
           <a:xfrm>
             <a:off x="838200" y="1211580"/>
-            <a:ext cx="10515600" cy="4965700"/>
+            <a:ext cx="5236210" cy="4965700"/>
           </a:xfrm>
         </p:spPr>
         <p:txBody>
           <a:bodyPr>
-            <a:normAutofit fontScale="90000" lnSpcReduction="10000"/>
+            <a:normAutofit fontScale="90000"/>
           </a:bodyPr>
           <a:p>
             <a:r>
@@ -5476,6 +5481,19 @@
             <a:endParaRPr lang="en-US" altLang="en-US"/>
           </a:p>
           <a:p>
+            <a:pPr lvl="1" algn="l">
+              <a:buClrTx/>
+              <a:buSzTx/>
+            </a:pPr>
+            <a:r>
+              <a:rPr lang="en-US" altLang="en-US">
+                <a:sym typeface="+mn-ea"/>
+              </a:rPr>
+              <a:t>shutil.move(fn_src, fn_dst)</a:t>
+            </a:r>
+            <a:endParaRPr lang="en-US" altLang="en-US"/>
+          </a:p>
+          <a:p>
             <a:pPr lvl="1"/>
             <a:r>
               <a:rPr lang="en-US" altLang="en-US"/>
@@ -5486,6 +5504,16 @@
           <a:p>
             <a:pPr lvl="1"/>
             <a:r>
+              <a:rPr lang="en-US" altLang="zh-CN">
+                <a:sym typeface="+mn-ea"/>
+              </a:rPr>
+              <a:t>shutil.copyfile(fn_src, fn_dst)</a:t>
+            </a:r>
+            <a:endParaRPr lang="en-US" altLang="en-US"/>
+          </a:p>
+          <a:p>
+            <a:pPr lvl="1"/>
+            <a:r>
               <a:rPr lang="en-US" altLang="en-US"/>
               <a:t>shutil.copytree(src_dir, dst_dir)</a:t>
             </a:r>
@@ -5523,36 +5551,267 @@
             </a:r>
             <a:endParaRPr lang="en-US" altLang="en-US"/>
           </a:p>
+        </p:txBody>
+      </p:sp>
+      <p:sp>
+        <p:nvSpPr>
+          <p:cNvPr id="4" name="内容占位符 2"/>
+          <p:cNvSpPr>
+            <a:spLocks noGrp="1"/>
+          </p:cNvSpPr>
+          <p:nvPr/>
+        </p:nvSpPr>
+        <p:spPr>
+          <a:xfrm>
+            <a:off x="6249035" y="1172845"/>
+            <a:ext cx="5236210" cy="4965700"/>
+          </a:xfrm>
+          <a:prstGeom prst="rect">
+            <a:avLst/>
+          </a:prstGeom>
+        </p:spPr>
+        <p:txBody>
+          <a:bodyPr vert="horz" lIns="91440" tIns="45720" rIns="91440" bIns="45720" rtlCol="0">
+            <a:normAutofit/>
+          </a:bodyPr>
+          <a:lstStyle>
+            <a:lvl1pPr marL="342900" indent="-342900" algn="l" defTabSz="914400" rtl="0" eaLnBrk="1" latinLnBrk="0" hangingPunct="1">
+              <a:lnSpc>
+                <a:spcPct val="90000"/>
+              </a:lnSpc>
+              <a:spcBef>
+                <a:spcPts val="1000"/>
+              </a:spcBef>
+              <a:buFont typeface="黑体" panose="02010609060101010101" pitchFamily="49" charset="-122"/>
+              <a:buChar char="〉"/>
+              <a:defRPr sz="2400" kern="1200">
+                <a:solidFill>
+                  <a:schemeClr val="tx1"/>
+                </a:solidFill>
+                <a:latin typeface="+mn-lt"/>
+                <a:ea typeface="+mn-ea"/>
+                <a:cs typeface="+mn-cs"/>
+              </a:defRPr>
+            </a:lvl1pPr>
+            <a:lvl2pPr marL="800100" indent="-342900" algn="l" defTabSz="914400" rtl="0" eaLnBrk="1" latinLnBrk="0" hangingPunct="1">
+              <a:lnSpc>
+                <a:spcPct val="90000"/>
+              </a:lnSpc>
+              <a:spcBef>
+                <a:spcPts val="500"/>
+              </a:spcBef>
+              <a:buFont typeface="Arial" panose="020B0604020202020204" pitchFamily="34" charset="0"/>
+              <a:buChar char="•"/>
+              <a:defRPr sz="2000" kern="1200">
+                <a:solidFill>
+                  <a:schemeClr val="tx1"/>
+                </a:solidFill>
+                <a:latin typeface="+mn-lt"/>
+                <a:ea typeface="+mn-ea"/>
+                <a:cs typeface="+mn-cs"/>
+              </a:defRPr>
+            </a:lvl2pPr>
+            <a:lvl3pPr marL="1257300" indent="-342900" algn="l" defTabSz="914400" rtl="0" eaLnBrk="1" latinLnBrk="0" hangingPunct="1">
+              <a:lnSpc>
+                <a:spcPct val="90000"/>
+              </a:lnSpc>
+              <a:spcBef>
+                <a:spcPts val="500"/>
+              </a:spcBef>
+              <a:buFont typeface="Arial" panose="020B0604020202020204" pitchFamily="34" charset="0"/>
+              <a:buChar char="•"/>
+              <a:defRPr sz="1800" kern="1200">
+                <a:solidFill>
+                  <a:schemeClr val="tx1"/>
+                </a:solidFill>
+                <a:latin typeface="+mn-lt"/>
+                <a:ea typeface="+mn-ea"/>
+                <a:cs typeface="+mn-cs"/>
+              </a:defRPr>
+            </a:lvl3pPr>
+            <a:lvl4pPr marL="1657350" indent="-285750" algn="l" defTabSz="914400" rtl="0" eaLnBrk="1" latinLnBrk="0" hangingPunct="1">
+              <a:lnSpc>
+                <a:spcPct val="90000"/>
+              </a:lnSpc>
+              <a:spcBef>
+                <a:spcPts val="500"/>
+              </a:spcBef>
+              <a:buFont typeface="Arial" panose="020B0604020202020204" pitchFamily="34" charset="0"/>
+              <a:buChar char="•"/>
+              <a:defRPr sz="1800" kern="1200">
+                <a:solidFill>
+                  <a:schemeClr val="tx1"/>
+                </a:solidFill>
+                <a:latin typeface="+mn-lt"/>
+                <a:ea typeface="+mn-ea"/>
+                <a:cs typeface="+mn-cs"/>
+              </a:defRPr>
+            </a:lvl4pPr>
+            <a:lvl5pPr marL="2114550" indent="-285750" algn="l" defTabSz="914400" rtl="0" eaLnBrk="1" latinLnBrk="0" hangingPunct="1">
+              <a:lnSpc>
+                <a:spcPct val="90000"/>
+              </a:lnSpc>
+              <a:spcBef>
+                <a:spcPts val="500"/>
+              </a:spcBef>
+              <a:buFont typeface="Arial" panose="020B0604020202020204" pitchFamily="34" charset="0"/>
+              <a:buChar char="•"/>
+              <a:defRPr sz="1800" kern="1200">
+                <a:solidFill>
+                  <a:schemeClr val="tx1"/>
+                </a:solidFill>
+                <a:latin typeface="+mn-lt"/>
+                <a:ea typeface="+mn-ea"/>
+                <a:cs typeface="+mn-cs"/>
+              </a:defRPr>
+            </a:lvl5pPr>
+            <a:lvl6pPr marL="2514600" indent="-228600" algn="l" defTabSz="914400" rtl="0" eaLnBrk="1" latinLnBrk="0" hangingPunct="1">
+              <a:lnSpc>
+                <a:spcPct val="90000"/>
+              </a:lnSpc>
+              <a:spcBef>
+                <a:spcPts val="500"/>
+              </a:spcBef>
+              <a:buFont typeface="Arial" panose="020B0604020202020204" pitchFamily="34" charset="0"/>
+              <a:buChar char="•"/>
+              <a:defRPr sz="1800" kern="1200">
+                <a:solidFill>
+                  <a:schemeClr val="tx1"/>
+                </a:solidFill>
+                <a:latin typeface="+mn-lt"/>
+                <a:ea typeface="+mn-ea"/>
+                <a:cs typeface="+mn-cs"/>
+              </a:defRPr>
+            </a:lvl6pPr>
+            <a:lvl7pPr marL="2971800" indent="-228600" algn="l" defTabSz="914400" rtl="0" eaLnBrk="1" latinLnBrk="0" hangingPunct="1">
+              <a:lnSpc>
+                <a:spcPct val="90000"/>
+              </a:lnSpc>
+              <a:spcBef>
+                <a:spcPts val="500"/>
+              </a:spcBef>
+              <a:buFont typeface="Arial" panose="020B0604020202020204" pitchFamily="34" charset="0"/>
+              <a:buChar char="•"/>
+              <a:defRPr sz="1800" kern="1200">
+                <a:solidFill>
+                  <a:schemeClr val="tx1"/>
+                </a:solidFill>
+                <a:latin typeface="+mn-lt"/>
+                <a:ea typeface="+mn-ea"/>
+                <a:cs typeface="+mn-cs"/>
+              </a:defRPr>
+            </a:lvl7pPr>
+            <a:lvl8pPr marL="3429000" indent="-228600" algn="l" defTabSz="914400" rtl="0" eaLnBrk="1" latinLnBrk="0" hangingPunct="1">
+              <a:lnSpc>
+                <a:spcPct val="90000"/>
+              </a:lnSpc>
+              <a:spcBef>
+                <a:spcPts val="500"/>
+              </a:spcBef>
+              <a:buFont typeface="Arial" panose="020B0604020202020204" pitchFamily="34" charset="0"/>
+              <a:buChar char="•"/>
+              <a:defRPr sz="1800" kern="1200">
+                <a:solidFill>
+                  <a:schemeClr val="tx1"/>
+                </a:solidFill>
+                <a:latin typeface="+mn-lt"/>
+                <a:ea typeface="+mn-ea"/>
+                <a:cs typeface="+mn-cs"/>
+              </a:defRPr>
+            </a:lvl8pPr>
+            <a:lvl9pPr marL="3886200" indent="-228600" algn="l" defTabSz="914400" rtl="0" eaLnBrk="1" latinLnBrk="0" hangingPunct="1">
+              <a:lnSpc>
+                <a:spcPct val="90000"/>
+              </a:lnSpc>
+              <a:spcBef>
+                <a:spcPts val="500"/>
+              </a:spcBef>
+              <a:buFont typeface="Arial" panose="020B0604020202020204" pitchFamily="34" charset="0"/>
+              <a:buChar char="•"/>
+              <a:defRPr sz="1800" kern="1200">
+                <a:solidFill>
+                  <a:schemeClr val="tx1"/>
+                </a:solidFill>
+                <a:latin typeface="+mn-lt"/>
+                <a:ea typeface="+mn-ea"/>
+                <a:cs typeface="+mn-cs"/>
+              </a:defRPr>
+            </a:lvl9pPr>
+          </a:lstStyle>
           <a:p>
             <a:pPr lvl="0"/>
             <a:r>
-              <a:rPr lang="en-US" altLang="en-US"/>
-              <a:t>Others</a:t>
-            </a:r>
-            <a:endParaRPr lang="en-US" altLang="en-US"/>
-          </a:p>
-          <a:p>
-            <a:pPr lvl="1"/>
-            <a:r>
-              <a:rPr lang="en-US" altLang="en-US"/>
+              <a:rPr lang="en-US" altLang="zh-CN" sz="2400">
+                <a:sym typeface="+mn-ea"/>
+              </a:rPr>
+              <a:t>Temp file and folder</a:t>
+            </a:r>
+            <a:endParaRPr lang="en-US" altLang="zh-CN" sz="2400"/>
+          </a:p>
+          <a:p>
+            <a:pPr lvl="1"/>
+            <a:r>
+              <a:rPr lang="en-US" altLang="zh-CN" sz="2400">
+                <a:sym typeface="+mn-ea"/>
+              </a:rPr>
+              <a:t>import tempfile</a:t>
+            </a:r>
+            <a:endParaRPr lang="en-US" altLang="zh-CN" sz="2400"/>
+          </a:p>
+          <a:p>
+            <a:pPr lvl="1"/>
+            <a:r>
+              <a:rPr lang="en-US" altLang="zh-CN" sz="2400">
+                <a:sym typeface="+mn-ea"/>
+              </a:rPr>
+              <a:t>tempfile.gettempdir()</a:t>
+            </a:r>
+            <a:endParaRPr lang="en-US" altLang="zh-CN" sz="2400"/>
+          </a:p>
+          <a:p>
+            <a:pPr lvl="1"/>
+            <a:r>
+              <a:rPr lang="en-US" altLang="zh-CN" sz="2400">
+                <a:sym typeface="+mn-ea"/>
+              </a:rPr>
+              <a:t>tempfile.TemporaryFile()</a:t>
+            </a:r>
+            <a:endParaRPr lang="en-US" altLang="zh-CN" sz="2400">
+              <a:sym typeface="+mn-ea"/>
+            </a:endParaRPr>
+          </a:p>
+          <a:p>
+            <a:pPr lvl="0"/>
+            <a:r>
+              <a:rPr lang="en-US" altLang="en-US" sz="2880">
+                <a:sym typeface="+mn-ea"/>
+              </a:rPr>
               <a:t>file compare</a:t>
             </a:r>
-            <a:endParaRPr lang="en-US" altLang="en-US"/>
-          </a:p>
-          <a:p>
-            <a:pPr lvl="2"/>
-            <a:r>
-              <a:rPr lang="en-US" altLang="en-US"/>
+            <a:endParaRPr lang="en-US" altLang="en-US" sz="2880"/>
+          </a:p>
+          <a:p>
+            <a:pPr lvl="1"/>
+            <a:r>
+              <a:rPr lang="en-US" altLang="en-US" sz="2665">
+                <a:sym typeface="+mn-ea"/>
+              </a:rPr>
               <a:t>import filecmp</a:t>
             </a:r>
-            <a:endParaRPr lang="en-US" altLang="en-US"/>
-          </a:p>
-          <a:p>
-            <a:pPr lvl="2"/>
-            <a:r>
-              <a:rPr lang="en-US" altLang="en-US"/>
+            <a:endParaRPr lang="en-US" altLang="en-US" sz="2665"/>
+          </a:p>
+          <a:p>
+            <a:pPr lvl="1"/>
+            <a:r>
+              <a:rPr lang="en-US" altLang="en-US" sz="2665">
+                <a:sym typeface="+mn-ea"/>
+              </a:rPr>
               <a:t>filecmp.cmp(fn1, fn2)</a:t>
             </a:r>
+            <a:endParaRPr lang="en-US" altLang="en-US" sz="2665"/>
+          </a:p>
+          <a:p>
+            <a:pPr lvl="0"/>
             <a:endParaRPr lang="en-US" altLang="en-US"/>
           </a:p>
         </p:txBody>
@@ -5769,7 +6028,9 @@
         </p:nvSpPr>
         <p:spPr/>
         <p:txBody>
-          <a:bodyPr/>
+          <a:bodyPr>
+            <a:normAutofit lnSpcReduction="10000"/>
+          </a:bodyPr>
           <a:p>
             <a:r>
               <a:rPr lang="en-US" altLang="zh-CN"/>
@@ -5778,6 +6039,7 @@
             <a:endParaRPr lang="en-US" altLang="zh-CN"/>
           </a:p>
           <a:p>
+            <a:pPr lvl="1"/>
             <a:r>
               <a:rPr lang="en-US" altLang="zh-CN"/>
               <a:t>Deserialize json-format string to python object (list, dict)</a:t>
@@ -5785,21 +6047,34 @@
             <a:endParaRPr lang="en-US" altLang="zh-CN"/>
           </a:p>
           <a:p>
-            <a:pPr lvl="1"/>
-            <a:r>
-              <a:rPr lang="en-US" altLang="zh-CN" sz="2000"/>
+            <a:pPr lvl="2"/>
+            <a:r>
+              <a:rPr lang="en-US" altLang="zh-CN" sz="1800"/>
               <a:t>json.loads(str, encoding)</a:t>
             </a:r>
             <a:endParaRPr lang="en-US" altLang="zh-CN"/>
           </a:p>
           <a:p>
-            <a:r>
-              <a:rPr lang="en-US" altLang="zh-CN" sz="2400">
+            <a:pPr lvl="1"/>
+            <a:r>
+              <a:rPr lang="en-US" altLang="zh-CN" sz="2000">
                 <a:sym typeface="+mn-ea"/>
               </a:rPr>
               <a:t>Serialize python object (list, dict) to json-format string</a:t>
             </a:r>
-            <a:endParaRPr lang="en-US" altLang="zh-CN" sz="2400">
+            <a:endParaRPr lang="en-US" altLang="zh-CN" sz="2000">
+              <a:sym typeface="+mn-ea"/>
+            </a:endParaRPr>
+          </a:p>
+          <a:p>
+            <a:pPr lvl="2"/>
+            <a:r>
+              <a:rPr lang="en-US" altLang="zh-CN" sz="1800">
+                <a:sym typeface="+mn-ea"/>
+              </a:rPr>
+              <a:t>json.dumps(obj)</a:t>
+            </a:r>
+            <a:endParaRPr lang="en-US" altLang="zh-CN" sz="1800">
               <a:sym typeface="+mn-ea"/>
             </a:endParaRPr>
           </a:p>
@@ -5809,32 +6084,22 @@
               <a:rPr lang="en-US" altLang="zh-CN" sz="2000">
                 <a:sym typeface="+mn-ea"/>
               </a:rPr>
-              <a:t>json.dumps(obj)</a:t>
-            </a:r>
-            <a:endParaRPr lang="en-US" altLang="zh-CN" sz="2000">
-              <a:sym typeface="+mn-ea"/>
-            </a:endParaRPr>
-          </a:p>
-          <a:p>
-            <a:r>
-              <a:rPr lang="en-US" altLang="zh-CN" sz="2400">
-                <a:sym typeface="+mn-ea"/>
-              </a:rPr>
               <a:t>Deserialize json file stream to python object (list, dict)</a:t>
             </a:r>
-            <a:endParaRPr lang="en-US" altLang="zh-CN" sz="2400"/>
-          </a:p>
-          <a:p>
-            <a:pPr lvl="1"/>
-            <a:r>
-              <a:rPr lang="en-US" altLang="zh-CN" sz="2400">
+            <a:endParaRPr lang="en-US" altLang="zh-CN" sz="2000"/>
+          </a:p>
+          <a:p>
+            <a:pPr lvl="2"/>
+            <a:r>
+              <a:rPr lang="en-US" altLang="zh-CN" sz="2160">
                 <a:sym typeface="+mn-ea"/>
               </a:rPr>
               <a:t>json.load(fp)</a:t>
             </a:r>
-            <a:endParaRPr lang="en-US" altLang="zh-CN" sz="2400"/>
-          </a:p>
-          <a:p>
+            <a:endParaRPr lang="en-US" altLang="zh-CN" sz="2160"/>
+          </a:p>
+          <a:p>
+            <a:pPr lvl="1"/>
             <a:r>
               <a:rPr lang="en-US" altLang="zh-CN"/>
               <a:t>Serialize python object (list, dict) to json-format file stream</a:t>
@@ -5842,10 +6107,50 @@
             <a:endParaRPr lang="en-US" altLang="zh-CN"/>
           </a:p>
           <a:p>
-            <a:pPr lvl="1"/>
+            <a:pPr lvl="2"/>
             <a:r>
               <a:rPr lang="en-US" altLang="zh-CN"/>
               <a:t>json.dump(obj, fp)</a:t>
+            </a:r>
+            <a:endParaRPr lang="en-US" altLang="zh-CN"/>
+          </a:p>
+          <a:p>
+            <a:pPr lvl="1"/>
+            <a:r>
+              <a:rPr lang="en-US" altLang="zh-CN" sz="2000"/>
+              <a:t>JSONEncoder</a:t>
+            </a:r>
+            <a:endParaRPr lang="en-US" altLang="zh-CN" sz="2000"/>
+          </a:p>
+          <a:p>
+            <a:pPr lvl="1"/>
+            <a:r>
+              <a:rPr lang="en-US" altLang="zh-CN" sz="2000"/>
+              <a:t>JSONDecoder</a:t>
+            </a:r>
+            <a:endParaRPr lang="en-US" altLang="zh-CN"/>
+          </a:p>
+          <a:p>
+            <a:pPr lvl="0"/>
+            <a:r>
+              <a:rPr lang="en-US" altLang="zh-CN"/>
+              <a:t>import jsonpickle</a:t>
+            </a:r>
+            <a:endParaRPr lang="en-US" altLang="zh-CN"/>
+          </a:p>
+          <a:p>
+            <a:pPr lvl="1"/>
+            <a:r>
+              <a:rPr lang="en-US" altLang="zh-CN"/>
+              <a:t>str = jsonpickle.encode(obj)</a:t>
+            </a:r>
+            <a:endParaRPr lang="en-US" altLang="zh-CN"/>
+          </a:p>
+          <a:p>
+            <a:pPr lvl="1"/>
+            <a:r>
+              <a:rPr lang="en-US" altLang="zh-CN"/>
+              <a:t>obj = jsonpickle.decode(str)</a:t>
             </a:r>
             <a:endParaRPr lang="en-US" altLang="zh-CN"/>
           </a:p>
@@ -5860,6 +6165,105 @@
 </file>
 
 <file path=ppt/slides/slide22.xml><?xml version="1.0" encoding="utf-8"?>
+<p:sld xmlns:a="http://schemas.openxmlformats.org/drawingml/2006/main" xmlns:r="http://schemas.openxmlformats.org/officeDocument/2006/relationships" xmlns:p="http://schemas.openxmlformats.org/presentationml/2006/main">
+  <p:cSld>
+    <p:spTree>
+      <p:nvGrpSpPr>
+        <p:cNvPr id="1" name=""/>
+        <p:cNvGrpSpPr/>
+        <p:nvPr/>
+      </p:nvGrpSpPr>
+      <p:grpSpPr/>
+      <p:sp>
+        <p:nvSpPr>
+          <p:cNvPr id="2" name="标题 1"/>
+          <p:cNvSpPr>
+            <a:spLocks noGrp="1"/>
+          </p:cNvSpPr>
+          <p:nvPr>
+            <p:ph type="title"/>
+          </p:nvPr>
+        </p:nvSpPr>
+        <p:spPr/>
+        <p:txBody>
+          <a:bodyPr/>
+          <a:p>
+            <a:r>
+              <a:rPr lang="en-US" altLang="zh-CN"/>
+              <a:t>Serialize &amp; Deserialize</a:t>
+            </a:r>
+            <a:endParaRPr lang="en-US" altLang="zh-CN"/>
+          </a:p>
+        </p:txBody>
+      </p:sp>
+      <p:sp>
+        <p:nvSpPr>
+          <p:cNvPr id="3" name="内容占位符 2"/>
+          <p:cNvSpPr>
+            <a:spLocks noGrp="1"/>
+          </p:cNvSpPr>
+          <p:nvPr>
+            <p:ph idx="1"/>
+          </p:nvPr>
+        </p:nvSpPr>
+        <p:spPr/>
+        <p:txBody>
+          <a:bodyPr/>
+          <a:p>
+            <a:r>
+              <a:rPr lang="en-US" altLang="zh-CN"/>
+              <a:t>json</a:t>
+            </a:r>
+            <a:endParaRPr lang="en-US" altLang="zh-CN"/>
+          </a:p>
+          <a:p>
+            <a:r>
+              <a:rPr lang="en-US" altLang="zh-CN"/>
+              <a:t>jsonpickle</a:t>
+            </a:r>
+            <a:endParaRPr lang="en-US" altLang="zh-CN"/>
+          </a:p>
+          <a:p>
+            <a:r>
+              <a:rPr lang="en-US" altLang="zh-CN"/>
+              <a:t>pickle</a:t>
+            </a:r>
+            <a:endParaRPr lang="en-US" altLang="zh-CN"/>
+          </a:p>
+          <a:p>
+            <a:r>
+              <a:rPr lang="en-US" altLang="zh-CN"/>
+              <a:t>dill</a:t>
+            </a:r>
+            <a:endParaRPr lang="en-US" altLang="zh-CN"/>
+          </a:p>
+          <a:p>
+            <a:pPr lvl="1"/>
+            <a:r>
+              <a:rPr lang="en-US" altLang="zh-CN"/>
+              <a:t>dill extends python’s pickle module for serializing and de-serializing python objects to the majority of the built-in python types</a:t>
+            </a:r>
+            <a:endParaRPr lang="en-US" altLang="zh-CN"/>
+          </a:p>
+          <a:p>
+            <a:pPr lvl="1"/>
+            <a:r>
+              <a:rPr lang="en-US" altLang="zh-CN"/>
+              <a:t>API compatible with pickle</a:t>
+            </a:r>
+            <a:endParaRPr lang="en-US" altLang="zh-CN"/>
+          </a:p>
+        </p:txBody>
+      </p:sp>
+    </p:spTree>
+  </p:cSld>
+  <p:clrMapOvr>
+    <a:masterClrMapping/>
+  </p:clrMapOvr>
+</p:sld>
+</file>
+
+<file path=ppt/slides/slide23.xml><?xml version="1.0" encoding="utf-8"?>
 <p:sld xmlns:a="http://schemas.openxmlformats.org/drawingml/2006/main" xmlns:r="http://schemas.openxmlformats.org/officeDocument/2006/relationships" xmlns:p="http://schemas.openxmlformats.org/presentationml/2006/main">
   <p:cSld>
     <p:spTree>
@@ -6549,7 +6953,7 @@
 </p:sld>
 </file>
 
-<file path=ppt/slides/slide23.xml><?xml version="1.0" encoding="utf-8"?>
+<file path=ppt/slides/slide24.xml><?xml version="1.0" encoding="utf-8"?>
 <p:sld xmlns:a="http://schemas.openxmlformats.org/drawingml/2006/main" xmlns:r="http://schemas.openxmlformats.org/officeDocument/2006/relationships" xmlns:p="http://schemas.openxmlformats.org/presentationml/2006/main">
   <p:cSld>
     <p:spTree>
@@ -6671,110 +7075,6 @@
             <a:r>
               <a:rPr lang="en-US" altLang="zh-CN"/>
               <a:t>print(args.echo)</a:t>
-            </a:r>
-            <a:endParaRPr lang="en-US" altLang="zh-CN"/>
-          </a:p>
-        </p:txBody>
-      </p:sp>
-    </p:spTree>
-  </p:cSld>
-  <p:clrMapOvr>
-    <a:masterClrMapping/>
-  </p:clrMapOvr>
-</p:sld>
-</file>
-
-<file path=ppt/slides/slide24.xml><?xml version="1.0" encoding="utf-8"?>
-<p:sld xmlns:a="http://schemas.openxmlformats.org/drawingml/2006/main" xmlns:r="http://schemas.openxmlformats.org/officeDocument/2006/relationships" xmlns:p="http://schemas.openxmlformats.org/presentationml/2006/main">
-  <p:cSld>
-    <p:spTree>
-      <p:nvGrpSpPr>
-        <p:cNvPr id="1" name=""/>
-        <p:cNvGrpSpPr/>
-        <p:nvPr/>
-      </p:nvGrpSpPr>
-      <p:grpSpPr/>
-      <p:sp>
-        <p:nvSpPr>
-          <p:cNvPr id="2" name="标题 1"/>
-          <p:cNvSpPr>
-            <a:spLocks noGrp="1"/>
-          </p:cNvSpPr>
-          <p:nvPr>
-            <p:ph type="title"/>
-          </p:nvPr>
-        </p:nvSpPr>
-        <p:spPr/>
-        <p:txBody>
-          <a:bodyPr/>
-          <a:p>
-            <a:r>
-              <a:rPr lang="en-US" altLang="zh-CN"/>
-              <a:t>SQLite3</a:t>
-            </a:r>
-            <a:endParaRPr lang="en-US" altLang="zh-CN"/>
-          </a:p>
-        </p:txBody>
-      </p:sp>
-      <p:sp>
-        <p:nvSpPr>
-          <p:cNvPr id="3" name="内容占位符 2"/>
-          <p:cNvSpPr>
-            <a:spLocks noGrp="1"/>
-          </p:cNvSpPr>
-          <p:nvPr>
-            <p:ph idx="1"/>
-          </p:nvPr>
-        </p:nvSpPr>
-        <p:spPr/>
-        <p:txBody>
-          <a:bodyPr/>
-          <a:p>
-            <a:r>
-              <a:rPr lang="en-US" altLang="zh-CN"/>
-              <a:t>import sqlite3</a:t>
-            </a:r>
-            <a:endParaRPr lang="en-US" altLang="zh-CN"/>
-          </a:p>
-          <a:p>
-            <a:r>
-              <a:rPr lang="en-US" altLang="zh-CN"/>
-              <a:t>conn = sqlite3.connect(fn_db)</a:t>
-            </a:r>
-            <a:endParaRPr lang="en-US" altLang="zh-CN"/>
-          </a:p>
-          <a:p>
-            <a:r>
-              <a:rPr lang="en-US" altLang="zh-CN"/>
-              <a:t>cursor = conn.cursor()</a:t>
-            </a:r>
-            <a:endParaRPr lang="en-US" altLang="zh-CN"/>
-          </a:p>
-          <a:p>
-            <a:r>
-              <a:rPr lang="en-US" altLang="zh-CN"/>
-              <a:t>q = 'select ...'</a:t>
-            </a:r>
-            <a:endParaRPr lang="en-US" altLang="zh-CN"/>
-          </a:p>
-          <a:p>
-            <a:r>
-              <a:rPr lang="en-US" altLang="zh-CN"/>
-              <a:t>cursor.execute(q)</a:t>
-            </a:r>
-            <a:endParaRPr lang="en-US" altLang="zh-CN"/>
-          </a:p>
-          <a:p>
-            <a:r>
-              <a:rPr lang="en-US" altLang="zh-CN"/>
-              <a:t>record = cursor.fetchall()</a:t>
-            </a:r>
-            <a:endParaRPr lang="en-US" altLang="zh-CN"/>
-          </a:p>
-          <a:p>
-            <a:r>
-              <a:rPr lang="en-US" altLang="zh-CN"/>
-              <a:t>cursor.close()</a:t>
             </a:r>
             <a:endParaRPr lang="en-US" altLang="zh-CN"/>
           </a:p>
@@ -6814,7 +7114,7 @@
           <a:p>
             <a:r>
               <a:rPr lang="en-US" altLang="zh-CN"/>
-              <a:t>Misc</a:t>
+              <a:t>SQLite3</a:t>
             </a:r>
             <a:endParaRPr lang="en-US" altLang="zh-CN"/>
           </a:p>
@@ -6830,6 +7130,110 @@
             <p:ph idx="1"/>
           </p:nvPr>
         </p:nvSpPr>
+        <p:spPr/>
+        <p:txBody>
+          <a:bodyPr/>
+          <a:p>
+            <a:r>
+              <a:rPr lang="en-US" altLang="zh-CN"/>
+              <a:t>import sqlite3</a:t>
+            </a:r>
+            <a:endParaRPr lang="en-US" altLang="zh-CN"/>
+          </a:p>
+          <a:p>
+            <a:r>
+              <a:rPr lang="en-US" altLang="zh-CN"/>
+              <a:t>conn = sqlite3.connect(fn_db)</a:t>
+            </a:r>
+            <a:endParaRPr lang="en-US" altLang="zh-CN"/>
+          </a:p>
+          <a:p>
+            <a:r>
+              <a:rPr lang="en-US" altLang="zh-CN"/>
+              <a:t>cursor = conn.cursor()</a:t>
+            </a:r>
+            <a:endParaRPr lang="en-US" altLang="zh-CN"/>
+          </a:p>
+          <a:p>
+            <a:r>
+              <a:rPr lang="en-US" altLang="zh-CN"/>
+              <a:t>q = 'select ...'</a:t>
+            </a:r>
+            <a:endParaRPr lang="en-US" altLang="zh-CN"/>
+          </a:p>
+          <a:p>
+            <a:r>
+              <a:rPr lang="en-US" altLang="zh-CN"/>
+              <a:t>cursor.execute(q)</a:t>
+            </a:r>
+            <a:endParaRPr lang="en-US" altLang="zh-CN"/>
+          </a:p>
+          <a:p>
+            <a:r>
+              <a:rPr lang="en-US" altLang="zh-CN"/>
+              <a:t>record = cursor.fetchall()</a:t>
+            </a:r>
+            <a:endParaRPr lang="en-US" altLang="zh-CN"/>
+          </a:p>
+          <a:p>
+            <a:r>
+              <a:rPr lang="en-US" altLang="zh-CN"/>
+              <a:t>cursor.close()</a:t>
+            </a:r>
+            <a:endParaRPr lang="en-US" altLang="zh-CN"/>
+          </a:p>
+        </p:txBody>
+      </p:sp>
+    </p:spTree>
+  </p:cSld>
+  <p:clrMapOvr>
+    <a:masterClrMapping/>
+  </p:clrMapOvr>
+</p:sld>
+</file>
+
+<file path=ppt/slides/slide26.xml><?xml version="1.0" encoding="utf-8"?>
+<p:sld xmlns:a="http://schemas.openxmlformats.org/drawingml/2006/main" xmlns:r="http://schemas.openxmlformats.org/officeDocument/2006/relationships" xmlns:p="http://schemas.openxmlformats.org/presentationml/2006/main">
+  <p:cSld>
+    <p:spTree>
+      <p:nvGrpSpPr>
+        <p:cNvPr id="1" name=""/>
+        <p:cNvGrpSpPr/>
+        <p:nvPr/>
+      </p:nvGrpSpPr>
+      <p:grpSpPr/>
+      <p:sp>
+        <p:nvSpPr>
+          <p:cNvPr id="2" name="标题 1"/>
+          <p:cNvSpPr>
+            <a:spLocks noGrp="1"/>
+          </p:cNvSpPr>
+          <p:nvPr>
+            <p:ph type="title"/>
+          </p:nvPr>
+        </p:nvSpPr>
+        <p:spPr/>
+        <p:txBody>
+          <a:bodyPr/>
+          <a:p>
+            <a:r>
+              <a:rPr lang="en-US" altLang="zh-CN"/>
+              <a:t>Misc</a:t>
+            </a:r>
+            <a:endParaRPr lang="en-US" altLang="zh-CN"/>
+          </a:p>
+        </p:txBody>
+      </p:sp>
+      <p:sp>
+        <p:nvSpPr>
+          <p:cNvPr id="3" name="内容占位符 2"/>
+          <p:cNvSpPr>
+            <a:spLocks noGrp="1"/>
+          </p:cNvSpPr>
+          <p:nvPr>
+            <p:ph idx="1"/>
+          </p:nvPr>
+        </p:nvSpPr>
         <p:spPr>
           <a:xfrm>
             <a:off x="838200" y="1211580"/>
@@ -6838,7 +7242,7 @@
         </p:spPr>
         <p:txBody>
           <a:bodyPr>
-            <a:normAutofit fontScale="80000"/>
+            <a:normAutofit lnSpcReduction="10000"/>
           </a:bodyPr>
           <a:p>
             <a:r>
@@ -6859,47 +7263,23 @@
             <a:pPr lvl="0"/>
             <a:r>
               <a:rPr lang="en-US" altLang="zh-CN"/>
-              <a:t>File related</a:t>
-            </a:r>
-            <a:endParaRPr lang="en-US" altLang="zh-CN"/>
-          </a:p>
-          <a:p>
-            <a:pPr lvl="1"/>
-            <a:r>
-              <a:rPr lang="en-US" altLang="zh-CN"/>
-              <a:t>os.path.getsize(fn)</a:t>
-            </a:r>
-            <a:endParaRPr lang="en-US" altLang="zh-CN"/>
-          </a:p>
-          <a:p>
-            <a:pPr lvl="1"/>
-            <a:r>
-              <a:rPr lang="en-US" altLang="zh-CN"/>
-              <a:t>shutil.move(fn_src, fn_dst)</a:t>
-            </a:r>
-            <a:endParaRPr lang="en-US" altLang="zh-CN"/>
-          </a:p>
-          <a:p>
-            <a:pPr lvl="1"/>
-            <a:r>
-              <a:rPr lang="en-US" altLang="zh-CN"/>
-              <a:t>shutil.copyfile(fn_src, fn_dst)</a:t>
-            </a:r>
-            <a:endParaRPr lang="en-US" altLang="zh-CN"/>
-          </a:p>
-          <a:p>
-            <a:pPr lvl="1"/>
-            <a:r>
-              <a:rPr lang="en-US" altLang="zh-CN"/>
-              <a:t>os.remove(fn)</a:t>
-            </a:r>
-            <a:endParaRPr lang="en-US" altLang="zh-CN"/>
-          </a:p>
-          <a:p>
-            <a:pPr lvl="1"/>
-            <a:r>
-              <a:rPr lang="en-US" altLang="zh-CN"/>
-              <a:t>Get file size</a:t>
+              <a:t>System info</a:t>
+            </a:r>
+            <a:endParaRPr lang="en-US" altLang="zh-CN"/>
+          </a:p>
+          <a:p>
+            <a:pPr lvl="1"/>
+            <a:r>
+              <a:rPr lang="en-US" altLang="zh-CN"/>
+              <a:t>multiprocessing.cpu_count()</a:t>
+            </a:r>
+            <a:endParaRPr lang="en-US" altLang="zh-CN"/>
+          </a:p>
+          <a:p>
+            <a:pPr lvl="1"/>
+            <a:r>
+              <a:rPr lang="en-US" altLang="zh-CN"/>
+              <a:t>pip install psutil</a:t>
             </a:r>
             <a:endParaRPr lang="en-US" altLang="zh-CN"/>
           </a:p>
@@ -6907,7 +7287,7 @@
             <a:pPr lvl="2"/>
             <a:r>
               <a:rPr lang="en-US" altLang="zh-CN"/>
-              <a:t>fstat=os.stat(fn)  fstat.st_size</a:t>
+              <a:t>cpu_count(), cpu_percent()</a:t>
             </a:r>
             <a:endParaRPr lang="en-US" altLang="zh-CN"/>
           </a:p>
@@ -6915,7 +7295,15 @@
             <a:pPr lvl="2"/>
             <a:r>
               <a:rPr lang="en-US" altLang="zh-CN"/>
-              <a:t>os.path.getsize(fn)</a:t>
+              <a:t>virtual_memory() (total, available, percent, ...)</a:t>
+            </a:r>
+            <a:endParaRPr lang="en-US" altLang="zh-CN"/>
+          </a:p>
+          <a:p>
+            <a:pPr lvl="1"/>
+            <a:r>
+              <a:rPr lang="en-US" altLang="zh-CN" sz="2000"/>
+              <a:t>sys.float_info.epsilon</a:t>
             </a:r>
             <a:endParaRPr lang="en-US" altLang="zh-CN"/>
           </a:p>
@@ -6923,39 +7311,15 @@
             <a:pPr lvl="0"/>
             <a:r>
               <a:rPr lang="en-US" altLang="zh-CN"/>
-              <a:t>System info</a:t>
-            </a:r>
-            <a:endParaRPr lang="en-US" altLang="zh-CN"/>
-          </a:p>
-          <a:p>
-            <a:pPr lvl="1"/>
-            <a:r>
-              <a:rPr lang="en-US" altLang="zh-CN"/>
-              <a:t>multiprocessing.cpu_count()</a:t>
-            </a:r>
-            <a:endParaRPr lang="en-US" altLang="zh-CN"/>
-          </a:p>
-          <a:p>
-            <a:pPr lvl="1"/>
-            <a:r>
-              <a:rPr lang="en-US" altLang="zh-CN"/>
-              <a:t>pip install psutil</a:t>
-            </a:r>
-            <a:endParaRPr lang="en-US" altLang="zh-CN"/>
-          </a:p>
-          <a:p>
-            <a:pPr lvl="2"/>
-            <a:r>
-              <a:rPr lang="en-US" altLang="zh-CN"/>
-              <a:t>cpu_count(), cpu_percent()</a:t>
-            </a:r>
-            <a:endParaRPr lang="en-US" altLang="zh-CN"/>
-          </a:p>
-          <a:p>
-            <a:pPr lvl="2"/>
-            <a:r>
-              <a:rPr lang="en-US" altLang="zh-CN"/>
-              <a:t>virtual_memory() (total, available, percent, ...)</a:t>
+              <a:t>Garbage collection</a:t>
+            </a:r>
+            <a:endParaRPr lang="en-US" altLang="zh-CN"/>
+          </a:p>
+          <a:p>
+            <a:pPr lvl="1"/>
+            <a:r>
+              <a:rPr lang="en-US" altLang="zh-CN"/>
+              <a:t>gc.enable()		// time consuming</a:t>
             </a:r>
             <a:endParaRPr lang="en-US" altLang="zh-CN"/>
           </a:p>
@@ -6963,15 +7327,23 @@
             <a:pPr lvl="0"/>
             <a:r>
               <a:rPr lang="en-US" altLang="zh-CN"/>
-              <a:t>Garbage collection</a:t>
-            </a:r>
-            <a:endParaRPr lang="en-US" altLang="zh-CN"/>
-          </a:p>
-          <a:p>
-            <a:pPr lvl="1"/>
-            <a:r>
-              <a:rPr lang="en-US" altLang="zh-CN"/>
-              <a:t>gc.enable()		// time consuming</a:t>
+              <a:t>Version comparison</a:t>
+            </a:r>
+            <a:endParaRPr lang="en-US" altLang="zh-CN"/>
+          </a:p>
+          <a:p>
+            <a:pPr lvl="1"/>
+            <a:r>
+              <a:rPr lang="en-US" altLang="zh-CN"/>
+              <a:t>from packing import version</a:t>
+            </a:r>
+            <a:endParaRPr lang="en-US" altLang="zh-CN"/>
+          </a:p>
+          <a:p>
+            <a:pPr lvl="1"/>
+            <a:r>
+              <a:rPr lang="en-US" altLang="zh-CN"/>
+              <a:t>version.parse(skimage.__version__) &lt; verse.parse('0.16.0')</a:t>
             </a:r>
             <a:endParaRPr lang="en-US" altLang="zh-CN"/>
           </a:p>
@@ -7163,34 +7535,6 @@
             </a:lvl9pPr>
           </a:lstStyle>
           <a:p>
-            <a:r>
-              <a:rPr lang="en-US" altLang="zh-CN"/>
-              <a:t>Temp file and folder</a:t>
-            </a:r>
-            <a:endParaRPr lang="en-US" altLang="zh-CN"/>
-          </a:p>
-          <a:p>
-            <a:pPr lvl="1"/>
-            <a:r>
-              <a:rPr lang="en-US" altLang="zh-CN"/>
-              <a:t>import tempfile</a:t>
-            </a:r>
-            <a:endParaRPr lang="en-US" altLang="zh-CN"/>
-          </a:p>
-          <a:p>
-            <a:pPr lvl="1"/>
-            <a:r>
-              <a:rPr lang="en-US" altLang="zh-CN"/>
-              <a:t>tempfile.gettempdir()</a:t>
-            </a:r>
-            <a:endParaRPr lang="en-US" altLang="zh-CN"/>
-          </a:p>
-          <a:p>
-            <a:pPr lvl="1"/>
-            <a:r>
-              <a:rPr lang="en-US" altLang="zh-CN"/>
-              <a:t>tempfile.TemporaryFile()</a:t>
-            </a:r>
             <a:endParaRPr lang="en-US" altLang="zh-CN"/>
           </a:p>
         </p:txBody>
@@ -7203,7 +7547,7 @@
 </p:sld>
 </file>
 
-<file path=ppt/slides/slide26.xml><?xml version="1.0" encoding="utf-8"?>
+<file path=ppt/slides/slide27.xml><?xml version="1.0" encoding="utf-8"?>
 <p:sld xmlns:a="http://schemas.openxmlformats.org/drawingml/2006/main" xmlns:r="http://schemas.openxmlformats.org/officeDocument/2006/relationships" xmlns:p="http://schemas.openxmlformats.org/presentationml/2006/main">
   <p:cSld>
     <p:spTree>
@@ -7261,7 +7605,7 @@
 </p:sld>
 </file>
 
-<file path=ppt/slides/slide27.xml><?xml version="1.0" encoding="utf-8"?>
+<file path=ppt/slides/slide28.xml><?xml version="1.0" encoding="utf-8"?>
 <p:sld xmlns:a="http://schemas.openxmlformats.org/drawingml/2006/main" xmlns:r="http://schemas.openxmlformats.org/officeDocument/2006/relationships" xmlns:p="http://schemas.openxmlformats.org/presentationml/2006/main">
   <p:cSld>
     <p:spTree>
@@ -7904,174 +8248,6 @@
 </p:sld>
 </file>
 
-<file path=ppt/slides/slide28.xml><?xml version="1.0" encoding="utf-8"?>
-<p:sld xmlns:a="http://schemas.openxmlformats.org/drawingml/2006/main" xmlns:r="http://schemas.openxmlformats.org/officeDocument/2006/relationships" xmlns:p="http://schemas.openxmlformats.org/presentationml/2006/main">
-  <p:cSld>
-    <p:spTree>
-      <p:nvGrpSpPr>
-        <p:cNvPr id="1" name=""/>
-        <p:cNvGrpSpPr/>
-        <p:nvPr/>
-      </p:nvGrpSpPr>
-      <p:grpSpPr/>
-      <p:sp>
-        <p:nvSpPr>
-          <p:cNvPr id="2" name="标题 1"/>
-          <p:cNvSpPr>
-            <a:spLocks noGrp="1"/>
-          </p:cNvSpPr>
-          <p:nvPr>
-            <p:ph type="title"/>
-          </p:nvPr>
-        </p:nvSpPr>
-        <p:spPr/>
-        <p:txBody>
-          <a:bodyPr/>
-          <a:p>
-            <a:r>
-              <a:rPr lang="en-US" altLang="zh-CN"/>
-              <a:t>NumPy 1/2</a:t>
-            </a:r>
-            <a:endParaRPr lang="en-US" altLang="zh-CN"/>
-          </a:p>
-        </p:txBody>
-      </p:sp>
-      <p:sp>
-        <p:nvSpPr>
-          <p:cNvPr id="3" name="内容占位符 2"/>
-          <p:cNvSpPr>
-            <a:spLocks noGrp="1"/>
-          </p:cNvSpPr>
-          <p:nvPr>
-            <p:ph idx="1"/>
-          </p:nvPr>
-        </p:nvSpPr>
-        <p:spPr/>
-        <p:txBody>
-          <a:bodyPr>
-            <a:normAutofit fontScale="70000"/>
-          </a:bodyPr>
-          <a:p>
-            <a:r>
-              <a:rPr lang="en-US" altLang="zh-CN"/>
-              <a:t>import numpy as np</a:t>
-            </a:r>
-            <a:endParaRPr lang="en-US" altLang="zh-CN"/>
-          </a:p>
-          <a:p>
-            <a:r>
-              <a:rPr lang="en-US" altLang="zh-CN"/>
-              <a:t>array</a:t>
-            </a:r>
-            <a:endParaRPr lang="en-US" altLang="zh-CN"/>
-          </a:p>
-          <a:p>
-            <a:r>
-              <a:rPr lang="en-US" altLang="zh-CN"/>
-              <a:t>np.genfromtxt('filename', delimiter=',', usecolos=(), dtype=str)</a:t>
-            </a:r>
-            <a:endParaRPr lang="en-US" altLang="zh-CN"/>
-          </a:p>
-          <a:p>
-            <a:r>
-              <a:rPr lang="en-US" altLang="zh-CN"/>
-              <a:t>np.zeros()/np.ones()/np.empty()/np.identity()/np.matrix(arr), np.isnan()</a:t>
-            </a:r>
-            <a:endParaRPr lang="en-US" altLang="zh-CN"/>
-          </a:p>
-          <a:p>
-            <a:r>
-              <a:rPr lang="en-US" altLang="zh-CN"/>
-              <a:t>np.random.randn(count), np.random.randint(low, high, size)</a:t>
-            </a:r>
-            <a:endParaRPr lang="en-US" altLang="zh-CN"/>
-          </a:p>
-          <a:p>
-            <a:r>
-              <a:rPr lang="en-US" altLang="zh-CN"/>
-              <a:t>np.sum(arr), np.mean(arr), np.std(arr), np.var(arr), np.min(arr), np.max(arr), np.argmin(arr), np.argmax(arr)</a:t>
-            </a:r>
-            <a:endParaRPr lang="en-US" altLang="zh-CN"/>
-          </a:p>
-          <a:p>
-            <a:r>
-              <a:rPr lang="en-US" altLang="zh-CN"/>
-              <a:t>np.dot(arr1, arr2)</a:t>
-            </a:r>
-            <a:endParaRPr lang="en-US" altLang="zh-CN"/>
-          </a:p>
-          <a:p>
-            <a:r>
-              <a:rPr lang="en-US" altLang="zh-CN"/>
-              <a:t>np.c_(arr1, arr2)	// Concatenate two arrays</a:t>
-            </a:r>
-            <a:endParaRPr lang="en-US" altLang="zh-CN"/>
-          </a:p>
-          <a:p>
-            <a:r>
-              <a:rPr lang="en-US" altLang="zh-CN"/>
-              <a:t>np.reshape()</a:t>
-            </a:r>
-            <a:endParaRPr lang="en-US" altLang="zh-CN"/>
-          </a:p>
-          <a:p>
-            <a:r>
-              <a:rPr lang="en-US" altLang="zh-CN" sz="2400">
-                <a:sym typeface="+mn-ea"/>
-              </a:rPr>
-              <a:t>Boolean arrays</a:t>
-            </a:r>
-            <a:endParaRPr lang="en-US" altLang="zh-CN" sz="2400"/>
-          </a:p>
-          <a:p>
-            <a:pPr lvl="1">
-              <a:buFont typeface="Wingdings" panose="05000000000000000000" pitchFamily="2" charset="2"/>
-              <a:buChar char=""/>
-            </a:pPr>
-            <a:r>
-              <a:rPr lang="en-US" altLang="zh-CN" sz="2400">
-                <a:sym typeface="+mn-ea"/>
-              </a:rPr>
-              <a:t>arr.any(), arr.all()</a:t>
-            </a:r>
-            <a:endParaRPr lang="en-US" altLang="zh-CN" sz="2400"/>
-          </a:p>
-          <a:p>
-            <a:pPr lvl="0">
-              <a:buFont typeface="Wingdings" panose="05000000000000000000" pitchFamily="2" charset="2"/>
-              <a:buChar char=""/>
-            </a:pPr>
-            <a:r>
-              <a:rPr lang="en-US" altLang="zh-CN" sz="2400">
-                <a:sym typeface="+mn-ea"/>
-              </a:rPr>
-              <a:t>Set operation</a:t>
-            </a:r>
-            <a:endParaRPr lang="en-US" altLang="zh-CN" sz="2400"/>
-          </a:p>
-          <a:p>
-            <a:pPr lvl="1">
-              <a:buFont typeface="Wingdings" panose="05000000000000000000" pitchFamily="2" charset="2"/>
-              <a:buChar char=""/>
-            </a:pPr>
-            <a:r>
-              <a:rPr lang="en-US" altLang="zh-CN" sz="2400">
-                <a:sym typeface="+mn-ea"/>
-              </a:rPr>
-              <a:t>arr.sort(), np.unique(arr), np.intersect1d(arr1, arr2), np.union1d(arr1, arr2),np.split(arr, separator_arr, axis)</a:t>
-            </a:r>
-            <a:endParaRPr lang="en-US" altLang="zh-CN"/>
-          </a:p>
-        </p:txBody>
-      </p:sp>
-    </p:spTree>
-  </p:cSld>
-  <p:clrMapOvr>
-    <a:masterClrMapping/>
-  </p:clrMapOvr>
-</p:sld>
-</file>
-
 <file path=ppt/slides/slide29.xml><?xml version="1.0" encoding="utf-8"?>
 <p:sld xmlns:a="http://schemas.openxmlformats.org/drawingml/2006/main" xmlns:r="http://schemas.openxmlformats.org/officeDocument/2006/relationships" xmlns:p="http://schemas.openxmlformats.org/presentationml/2006/main">
   <p:cSld>
@@ -8098,7 +8274,7 @@
           <a:p>
             <a:r>
               <a:rPr lang="en-US" altLang="zh-CN"/>
-              <a:t>NumPy 2/2</a:t>
+              <a:t>NumPy 1/2</a:t>
             </a:r>
             <a:endParaRPr lang="en-US" altLang="zh-CN"/>
           </a:p>
@@ -8114,18 +8290,95 @@
             <p:ph idx="1"/>
           </p:nvPr>
         </p:nvSpPr>
-        <p:spPr>
-          <a:xfrm>
-            <a:off x="651510" y="1024710"/>
-            <a:ext cx="10858500" cy="5084543"/>
-          </a:xfrm>
-        </p:spPr>
+        <p:spPr/>
         <p:txBody>
           <a:bodyPr>
-            <a:normAutofit fontScale="90000"/>
+            <a:normAutofit fontScale="70000"/>
           </a:bodyPr>
           <a:p>
-            <a:endParaRPr lang="en-US" altLang="zh-CN"/>
+            <a:r>
+              <a:rPr lang="en-US" altLang="zh-CN"/>
+              <a:t>import numpy as np</a:t>
+            </a:r>
+            <a:endParaRPr lang="en-US" altLang="zh-CN"/>
+          </a:p>
+          <a:p>
+            <a:r>
+              <a:rPr lang="en-US" altLang="zh-CN"/>
+              <a:t>array</a:t>
+            </a:r>
+            <a:endParaRPr lang="en-US" altLang="zh-CN"/>
+          </a:p>
+          <a:p>
+            <a:r>
+              <a:rPr lang="en-US" altLang="zh-CN"/>
+              <a:t>np.genfromtxt('filename', delimiter=',', usecolos=(), dtype=str)</a:t>
+            </a:r>
+            <a:endParaRPr lang="en-US" altLang="zh-CN"/>
+          </a:p>
+          <a:p>
+            <a:r>
+              <a:rPr lang="en-US" altLang="zh-CN"/>
+              <a:t>np.zeros()/np.ones()/np.empty()/np.identity()/np.matrix(arr), np.isnan()</a:t>
+            </a:r>
+            <a:endParaRPr lang="en-US" altLang="zh-CN"/>
+          </a:p>
+          <a:p>
+            <a:r>
+              <a:rPr lang="en-US" altLang="zh-CN"/>
+              <a:t>np.random.randn(count), np.random.randint(low, high, size)</a:t>
+            </a:r>
+            <a:endParaRPr lang="en-US" altLang="zh-CN"/>
+          </a:p>
+          <a:p>
+            <a:r>
+              <a:rPr lang="en-US" altLang="zh-CN"/>
+              <a:t>np.sum(arr), np.mean(arr), np.std(arr), np.var(arr), np.min(arr), np.max(arr), np.argmin(arr), np.argmax(arr)</a:t>
+            </a:r>
+            <a:endParaRPr lang="en-US" altLang="zh-CN"/>
+          </a:p>
+          <a:p>
+            <a:r>
+              <a:rPr lang="en-US" altLang="zh-CN"/>
+              <a:t>np.dot(arr1, arr2)</a:t>
+            </a:r>
+            <a:endParaRPr lang="en-US" altLang="zh-CN"/>
+          </a:p>
+          <a:p>
+            <a:r>
+              <a:rPr lang="en-US" altLang="zh-CN"/>
+              <a:t>np.c_(arr1, arr2)	// Concatenate two arrays</a:t>
+            </a:r>
+            <a:endParaRPr lang="en-US" altLang="zh-CN"/>
+          </a:p>
+          <a:p>
+            <a:r>
+              <a:rPr lang="en-US" altLang="zh-CN"/>
+              <a:t>np.reshape()</a:t>
+            </a:r>
+            <a:endParaRPr lang="en-US" altLang="zh-CN"/>
+          </a:p>
+          <a:p>
+            <a:r>
+              <a:rPr lang="en-US" altLang="zh-CN" sz="2400">
+                <a:sym typeface="+mn-ea"/>
+              </a:rPr>
+              <a:t>Boolean arrays</a:t>
+            </a:r>
+            <a:endParaRPr lang="en-US" altLang="zh-CN" sz="2400"/>
+          </a:p>
+          <a:p>
+            <a:pPr lvl="1">
+              <a:buFont typeface="Wingdings" panose="05000000000000000000" pitchFamily="2" charset="2"/>
+              <a:buChar char=""/>
+            </a:pPr>
+            <a:r>
+              <a:rPr lang="en-US" altLang="zh-CN" sz="2400">
+                <a:sym typeface="+mn-ea"/>
+              </a:rPr>
+              <a:t>arr.any(), arr.all()</a:t>
+            </a:r>
+            <a:endParaRPr lang="en-US" altLang="zh-CN" sz="2400"/>
           </a:p>
           <a:p>
             <a:pPr lvl="0">
@@ -8133,12 +8386,12 @@
               <a:buChar char=""/>
             </a:pPr>
             <a:r>
-              <a:rPr lang="en-US" altLang="zh-CN" sz="2880">
+              <a:rPr lang="en-US" altLang="zh-CN" sz="2400">
                 <a:sym typeface="+mn-ea"/>
               </a:rPr>
-              <a:t>Element-wise array functions</a:t>
-            </a:r>
-            <a:endParaRPr lang="en-US" altLang="zh-CN" sz="2880"/>
+              <a:t>Set operation</a:t>
+            </a:r>
+            <a:endParaRPr lang="en-US" altLang="zh-CN" sz="2400"/>
           </a:p>
           <a:p>
             <a:pPr lvl="1">
@@ -8149,42 +8402,7 @@
               <a:rPr lang="en-US" altLang="zh-CN" sz="2400">
                 <a:sym typeface="+mn-ea"/>
               </a:rPr>
-              <a:t>np.sqrt(arr), np.exp(arr), np.modf(arr), np.fabs(arr), np.sqrt(arr), np.square(arr), np.sign(arr), np.log(arr), np.ceil(arr), np.floor(arr), np.rint(arr), np.isnan(arr), np.sin(arr), np.cos(arr), np.tan(arr)</a:t>
-            </a:r>
-            <a:endParaRPr lang="en-US" altLang="zh-CN" sz="2400"/>
-          </a:p>
-          <a:p>
-            <a:pPr lvl="1">
-              <a:buFont typeface="Wingdings" panose="05000000000000000000" pitchFamily="2" charset="2"/>
-              <a:buChar char=""/>
-            </a:pPr>
-            <a:r>
-              <a:rPr lang="en-US" altLang="zh-CN" sz="2400">
-                <a:sym typeface="+mn-ea"/>
-              </a:rPr>
-              <a:t>np.maximum(arr1, arr2), np.add(arr1, arr2), np.subtract(arr1, arr2), np.multiply(arr1, arr2), np.divide(arr1, arr2), np.power(arr1, arr2), np.minimum(arr1, arr2), np.greater(arr1, arr2), np.less(arr1, arr2)</a:t>
-            </a:r>
-            <a:endParaRPr lang="en-US" altLang="zh-CN" sz="2400"/>
-          </a:p>
-          <a:p>
-            <a:pPr lvl="1">
-              <a:buFont typeface="Wingdings" panose="05000000000000000000" pitchFamily="2" charset="2"/>
-              <a:buChar char=""/>
-            </a:pPr>
-            <a:r>
-              <a:rPr lang="en-US" altLang="zh-CN" sz="2000"/>
-              <a:t>np.isin(x, list)</a:t>
-            </a:r>
-            <a:endParaRPr lang="en-US" altLang="zh-CN" sz="2000"/>
-          </a:p>
-          <a:p>
-            <a:pPr lvl="1">
-              <a:buFont typeface="Wingdings" panose="05000000000000000000" pitchFamily="2" charset="2"/>
-              <a:buChar char=""/>
-            </a:pPr>
-            <a:r>
-              <a:rPr lang="en-US" altLang="zh-CN"/>
-              <a:t>np.where(cond, x, y)</a:t>
+              <a:t>arr.sort(), np.unique(arr), np.intersect1d(arr1, arr2), np.union1d(arr1, arr2),np.split(arr, separator_arr, axis)</a:t>
             </a:r>
             <a:endParaRPr lang="en-US" altLang="zh-CN"/>
           </a:p>
@@ -8540,6 +8758,132 @@
           <a:p>
             <a:r>
               <a:rPr lang="en-US" altLang="zh-CN"/>
+              <a:t>NumPy 2/2</a:t>
+            </a:r>
+            <a:endParaRPr lang="en-US" altLang="zh-CN"/>
+          </a:p>
+        </p:txBody>
+      </p:sp>
+      <p:sp>
+        <p:nvSpPr>
+          <p:cNvPr id="3" name="内容占位符 2"/>
+          <p:cNvSpPr>
+            <a:spLocks noGrp="1"/>
+          </p:cNvSpPr>
+          <p:nvPr>
+            <p:ph idx="1"/>
+          </p:nvPr>
+        </p:nvSpPr>
+        <p:spPr>
+          <a:xfrm>
+            <a:off x="651510" y="1024710"/>
+            <a:ext cx="10858500" cy="5084543"/>
+          </a:xfrm>
+        </p:spPr>
+        <p:txBody>
+          <a:bodyPr>
+            <a:normAutofit fontScale="90000"/>
+          </a:bodyPr>
+          <a:p>
+            <a:endParaRPr lang="en-US" altLang="zh-CN"/>
+          </a:p>
+          <a:p>
+            <a:pPr lvl="0">
+              <a:buFont typeface="Wingdings" panose="05000000000000000000" pitchFamily="2" charset="2"/>
+              <a:buChar char=""/>
+            </a:pPr>
+            <a:r>
+              <a:rPr lang="en-US" altLang="zh-CN" sz="2880">
+                <a:sym typeface="+mn-ea"/>
+              </a:rPr>
+              <a:t>Element-wise array functions</a:t>
+            </a:r>
+            <a:endParaRPr lang="en-US" altLang="zh-CN" sz="2880"/>
+          </a:p>
+          <a:p>
+            <a:pPr lvl="1">
+              <a:buFont typeface="Wingdings" panose="05000000000000000000" pitchFamily="2" charset="2"/>
+              <a:buChar char=""/>
+            </a:pPr>
+            <a:r>
+              <a:rPr lang="en-US" altLang="zh-CN" sz="2400">
+                <a:sym typeface="+mn-ea"/>
+              </a:rPr>
+              <a:t>np.sqrt(arr), np.exp(arr), np.modf(arr), np.fabs(arr), np.sqrt(arr), np.square(arr), np.sign(arr), np.log(arr), np.ceil(arr), np.floor(arr), np.rint(arr), np.isnan(arr), np.sin(arr), np.cos(arr), np.tan(arr)</a:t>
+            </a:r>
+            <a:endParaRPr lang="en-US" altLang="zh-CN" sz="2400"/>
+          </a:p>
+          <a:p>
+            <a:pPr lvl="1">
+              <a:buFont typeface="Wingdings" panose="05000000000000000000" pitchFamily="2" charset="2"/>
+              <a:buChar char=""/>
+            </a:pPr>
+            <a:r>
+              <a:rPr lang="en-US" altLang="zh-CN" sz="2400">
+                <a:sym typeface="+mn-ea"/>
+              </a:rPr>
+              <a:t>np.maximum(arr1, arr2), np.add(arr1, arr2), np.subtract(arr1, arr2), np.multiply(arr1, arr2), np.divide(arr1, arr2), np.power(arr1, arr2), np.minimum(arr1, arr2), np.greater(arr1, arr2), np.less(arr1, arr2)</a:t>
+            </a:r>
+            <a:endParaRPr lang="en-US" altLang="zh-CN" sz="2400"/>
+          </a:p>
+          <a:p>
+            <a:pPr lvl="1">
+              <a:buFont typeface="Wingdings" panose="05000000000000000000" pitchFamily="2" charset="2"/>
+              <a:buChar char=""/>
+            </a:pPr>
+            <a:r>
+              <a:rPr lang="en-US" altLang="zh-CN" sz="2000"/>
+              <a:t>np.isin(x, list)</a:t>
+            </a:r>
+            <a:endParaRPr lang="en-US" altLang="zh-CN" sz="2000"/>
+          </a:p>
+          <a:p>
+            <a:pPr lvl="1">
+              <a:buFont typeface="Wingdings" panose="05000000000000000000" pitchFamily="2" charset="2"/>
+              <a:buChar char=""/>
+            </a:pPr>
+            <a:r>
+              <a:rPr lang="en-US" altLang="zh-CN"/>
+              <a:t>np.where(cond, x, y)</a:t>
+            </a:r>
+            <a:endParaRPr lang="en-US" altLang="zh-CN"/>
+          </a:p>
+        </p:txBody>
+      </p:sp>
+    </p:spTree>
+  </p:cSld>
+  <p:clrMapOvr>
+    <a:masterClrMapping/>
+  </p:clrMapOvr>
+</p:sld>
+</file>
+
+<file path=ppt/slides/slide31.xml><?xml version="1.0" encoding="utf-8"?>
+<p:sld xmlns:a="http://schemas.openxmlformats.org/drawingml/2006/main" xmlns:r="http://schemas.openxmlformats.org/officeDocument/2006/relationships" xmlns:p="http://schemas.openxmlformats.org/presentationml/2006/main">
+  <p:cSld>
+    <p:spTree>
+      <p:nvGrpSpPr>
+        <p:cNvPr id="1" name=""/>
+        <p:cNvGrpSpPr/>
+        <p:nvPr/>
+      </p:nvGrpSpPr>
+      <p:grpSpPr/>
+      <p:sp>
+        <p:nvSpPr>
+          <p:cNvPr id="2" name="标题 1"/>
+          <p:cNvSpPr>
+            <a:spLocks noGrp="1"/>
+          </p:cNvSpPr>
+          <p:nvPr>
+            <p:ph type="title"/>
+          </p:nvPr>
+        </p:nvSpPr>
+        <p:spPr/>
+        <p:txBody>
+          <a:bodyPr/>
+          <a:p>
+            <a:r>
+              <a:rPr lang="en-US" altLang="zh-CN"/>
               <a:t>Pandas</a:t>
             </a:r>
             <a:endParaRPr lang="en-US" altLang="zh-CN"/>
@@ -9007,7 +9351,7 @@
 </p:sld>
 </file>
 
-<file path=ppt/slides/slide31.xml><?xml version="1.0" encoding="utf-8"?>
+<file path=ppt/slides/slide32.xml><?xml version="1.0" encoding="utf-8"?>
 <p:sld xmlns:a="http://schemas.openxmlformats.org/drawingml/2006/main" xmlns:r="http://schemas.openxmlformats.org/officeDocument/2006/relationships" xmlns:p="http://schemas.openxmlformats.org/presentationml/2006/main">
   <p:cSld>
     <p:spTree>
@@ -9748,239 +10092,6 @@
 </p:sld>
 </file>
 
-<file path=ppt/slides/slide32.xml><?xml version="1.0" encoding="utf-8"?>
-<p:sld xmlns:a="http://schemas.openxmlformats.org/drawingml/2006/main" xmlns:r="http://schemas.openxmlformats.org/officeDocument/2006/relationships" xmlns:p="http://schemas.openxmlformats.org/presentationml/2006/main">
-  <p:cSld>
-    <p:spTree>
-      <p:nvGrpSpPr>
-        <p:cNvPr id="1" name=""/>
-        <p:cNvGrpSpPr/>
-        <p:nvPr/>
-      </p:nvGrpSpPr>
-      <p:grpSpPr/>
-      <p:sp>
-        <p:nvSpPr>
-          <p:cNvPr id="2" name="标题 1"/>
-          <p:cNvSpPr>
-            <a:spLocks noGrp="1"/>
-          </p:cNvSpPr>
-          <p:nvPr>
-            <p:ph type="title"/>
-          </p:nvPr>
-        </p:nvSpPr>
-        <p:spPr/>
-        <p:txBody>
-          <a:bodyPr/>
-          <a:p>
-            <a:r>
-              <a:rPr lang="en-US" altLang="zh-CN"/>
-              <a:t>Matplotlib</a:t>
-            </a:r>
-            <a:endParaRPr lang="en-US" altLang="zh-CN"/>
-          </a:p>
-        </p:txBody>
-      </p:sp>
-      <p:sp>
-        <p:nvSpPr>
-          <p:cNvPr id="3" name="内容占位符 2"/>
-          <p:cNvSpPr>
-            <a:spLocks noGrp="1"/>
-          </p:cNvSpPr>
-          <p:nvPr>
-            <p:ph idx="1"/>
-          </p:nvPr>
-        </p:nvSpPr>
-        <p:spPr/>
-        <p:txBody>
-          <a:bodyPr/>
-          <a:p>
-            <a:r>
-              <a:rPr lang="en-US" altLang="zh-CN" sz="1600">
-                <a:sym typeface="+mn-ea"/>
-              </a:rPr>
-              <a:t>matplotlib.use('Agg')	# when no display</a:t>
-            </a:r>
-            <a:endParaRPr lang="en-US" altLang="zh-CN" sz="1600"/>
-          </a:p>
-          <a:p>
-            <a:r>
-              <a:rPr lang="en-US" altLang="zh-CN" sz="1600"/>
-              <a:t>import matplotlib.pyplot as plt</a:t>
-            </a:r>
-            <a:endParaRPr lang="en-US" altLang="zh-CN" sz="1600"/>
-          </a:p>
-          <a:p>
-            <a:pPr lvl="1">
-              <a:buFont typeface="Wingdings" panose="05000000000000000000" pitchFamily="2" charset="2"/>
-              <a:buChar char="Ø"/>
-            </a:pPr>
-            <a:r>
-              <a:rPr lang="en-US" altLang="zh-CN" sz="1400"/>
-              <a:t>plt.title(text), </a:t>
-            </a:r>
-            <a:r>
-              <a:rPr lang="en-US" altLang="zh-CN" sz="1400">
-                <a:sym typeface="+mn-ea"/>
-              </a:rPr>
-              <a:t>plt.xlabel(), plt.ylabel(), plt.xticks(), plt.yticks(), plt.legend()</a:t>
-            </a:r>
-            <a:endParaRPr lang="en-US" altLang="zh-CN" sz="1400"/>
-          </a:p>
-          <a:p>
-            <a:pPr lvl="1">
-              <a:buFont typeface="Wingdings" panose="05000000000000000000" pitchFamily="2" charset="2"/>
-              <a:buChar char="Ø"/>
-            </a:pPr>
-            <a:r>
-              <a:rPr lang="en-US" altLang="zh-CN" sz="1400"/>
-              <a:t>plt.imshow(arr, cmap=plt.cm.gray), plt.imshow(img[..., ::-1])</a:t>
-            </a:r>
-            <a:endParaRPr lang="en-US" altLang="zh-CN" sz="1400"/>
-          </a:p>
-          <a:p>
-            <a:pPr lvl="1">
-              <a:buFont typeface="Wingdings" panose="05000000000000000000" pitchFamily="2" charset="2"/>
-              <a:buChar char="Ø"/>
-            </a:pPr>
-            <a:r>
-              <a:rPr lang="en-US" altLang="zh-CN" sz="1400"/>
-              <a:t>plt.show()</a:t>
-            </a:r>
-            <a:endParaRPr lang="en-US" altLang="zh-CN" sz="1400"/>
-          </a:p>
-          <a:p>
-            <a:pPr lvl="1">
-              <a:buFont typeface="Wingdings" panose="05000000000000000000" pitchFamily="2" charset="2"/>
-              <a:buChar char="Ø"/>
-            </a:pPr>
-            <a:r>
-              <a:rPr lang="en-US" altLang="zh-CN" sz="1400"/>
-              <a:t>plt.plot(), </a:t>
-            </a:r>
-            <a:r>
-              <a:rPr lang="en-US" altLang="zh-CN" sz="1400">
-                <a:sym typeface="+mn-ea"/>
-              </a:rPr>
-              <a:t>plt.subplot(), fig, ax = plt.subplots(), plt.clf()</a:t>
-            </a:r>
-            <a:endParaRPr lang="en-US" altLang="zh-CN" sz="1400"/>
-          </a:p>
-          <a:p>
-            <a:pPr lvl="1">
-              <a:buFont typeface="Wingdings" panose="05000000000000000000" pitchFamily="2" charset="2"/>
-              <a:buChar char="Ø"/>
-            </a:pPr>
-            <a:r>
-              <a:rPr lang="en-US" altLang="zh-CN" sz="1400"/>
-              <a:t>plt.hist(), plt.pcolor(),plt.colorbar(), plt.scatter(x, y, color)</a:t>
-            </a:r>
-            <a:endParaRPr lang="en-US" altLang="zh-CN" sz="1400"/>
-          </a:p>
-          <a:p>
-            <a:pPr lvl="1">
-              <a:buFont typeface="Wingdings" panose="05000000000000000000" pitchFamily="2" charset="2"/>
-              <a:buChar char="Ø"/>
-            </a:pPr>
-            <a:r>
-              <a:rPr lang="en-US" altLang="zh-CN" sz="1400"/>
-              <a:t>plt.axis('off')</a:t>
-            </a:r>
-            <a:endParaRPr lang="en-US" altLang="zh-CN" sz="1400"/>
-          </a:p>
-          <a:p>
-            <a:pPr lvl="1">
-              <a:buFont typeface="Wingdings" panose="05000000000000000000" pitchFamily="2" charset="2"/>
-              <a:buChar char="Ø"/>
-            </a:pPr>
-            <a:r>
-              <a:rPr lang="en-US" altLang="zh-CN" sz="1400"/>
-              <a:t>plt.savefig('a.png')</a:t>
-            </a:r>
-            <a:endParaRPr lang="en-US" altLang="zh-CN" sz="1400"/>
-          </a:p>
-          <a:p>
-            <a:pPr lvl="1">
-              <a:buFont typeface="Wingdings" panose="05000000000000000000" pitchFamily="2" charset="2"/>
-              <a:buChar char="Ø"/>
-            </a:pPr>
-            <a:r>
-              <a:rPr lang="en-US" altLang="zh-CN" sz="1400"/>
-              <a:t>plt.get_backend()</a:t>
-            </a:r>
-            <a:endParaRPr lang="en-US" altLang="zh-CN" sz="1400"/>
-          </a:p>
-          <a:p>
-            <a:r>
-              <a:rPr lang="en-US" altLang="zh-CN" sz="1600"/>
-              <a:t>Figure</a:t>
-            </a:r>
-            <a:endParaRPr lang="en-US" altLang="zh-CN" sz="1600"/>
-          </a:p>
-          <a:p>
-            <a:pPr lvl="1">
-              <a:buFont typeface="Wingdings" panose="05000000000000000000" pitchFamily="2" charset="2"/>
-              <a:buChar char="Ø"/>
-            </a:pPr>
-            <a:r>
-              <a:rPr lang="en-US" altLang="zh-CN" sz="1400"/>
-              <a:t>fig = plt.figure(figsize=(w,h))</a:t>
-            </a:r>
-            <a:endParaRPr lang="en-US" altLang="zh-CN" sz="1400"/>
-          </a:p>
-          <a:p>
-            <a:pPr lvl="1">
-              <a:buFont typeface="Wingdings" panose="05000000000000000000" pitchFamily="2" charset="2"/>
-              <a:buChar char="Ø"/>
-            </a:pPr>
-            <a:r>
-              <a:rPr lang="en-US" altLang="zh-CN" sz="1400"/>
-              <a:t>ax = fig.add_subplot()</a:t>
-            </a:r>
-            <a:endParaRPr lang="en-US" altLang="zh-CN" sz="1400"/>
-          </a:p>
-          <a:p>
-            <a:pPr lvl="1">
-              <a:buFont typeface="Wingdings" panose="05000000000000000000" pitchFamily="2" charset="2"/>
-              <a:buChar char="Ø"/>
-            </a:pPr>
-            <a:r>
-              <a:rPr lang="en-US" altLang="zh-CN" sz="1400"/>
-              <a:t>ax.matshow(matrix)</a:t>
-            </a:r>
-            <a:endParaRPr lang="en-US" altLang="zh-CN" sz="1400"/>
-          </a:p>
-          <a:p>
-            <a:pPr lvl="0">
-              <a:buFont typeface="Wingdings" panose="05000000000000000000" pitchFamily="2" charset="2"/>
-              <a:buChar char="Ø"/>
-            </a:pPr>
-            <a:r>
-              <a:rPr lang="en-US" altLang="zh-CN" sz="1600"/>
-              <a:t>Unicode support</a:t>
-            </a:r>
-            <a:endParaRPr lang="en-US" altLang="zh-CN" sz="1600"/>
-          </a:p>
-          <a:p>
-            <a:pPr lvl="1">
-              <a:buFont typeface="Wingdings" panose="05000000000000000000" pitchFamily="2" charset="2"/>
-              <a:buChar char="Ø"/>
-            </a:pPr>
-            <a:r>
-              <a:rPr lang="en-US" altLang="zh-CN" sz="1400"/>
-              <a:t>matplotlib.rcParams['font.family'] = 'SimHei'</a:t>
-            </a:r>
-            <a:endParaRPr lang="en-US" altLang="zh-CN" sz="1400"/>
-          </a:p>
-        </p:txBody>
-      </p:sp>
-    </p:spTree>
-  </p:cSld>
-  <p:clrMapOvr>
-    <a:masterClrMapping/>
-  </p:clrMapOvr>
-</p:sld>
-</file>
-
 <file path=ppt/slides/slide33.xml><?xml version="1.0" encoding="utf-8"?>
 <p:sld xmlns:a="http://schemas.openxmlformats.org/drawingml/2006/main" xmlns:r="http://schemas.openxmlformats.org/officeDocument/2006/relationships" xmlns:p="http://schemas.openxmlformats.org/presentationml/2006/main">
   <p:cSld>
@@ -9993,7 +10104,7 @@
       <p:grpSpPr/>
       <p:sp>
         <p:nvSpPr>
-          <p:cNvPr id="24578" name="标题 2"/>
+          <p:cNvPr id="2" name="标题 1"/>
           <p:cNvSpPr>
             <a:spLocks noGrp="1"/>
           </p:cNvSpPr>
@@ -10003,21 +10114,19 @@
         </p:nvSpPr>
         <p:spPr/>
         <p:txBody>
-          <a:bodyPr anchor="b">
-            <a:normAutofit/>
-          </a:bodyPr>
-          <a:p>
-            <a:r>
-              <a:rPr lang="en-US" altLang="zh-CN" smtClean="0"/>
-              <a:t>Seaborn</a:t>
-            </a:r>
-            <a:endParaRPr lang="en-US" altLang="zh-CN" smtClean="0"/>
-          </a:p>
-        </p:txBody>
-      </p:sp>
-      <p:sp>
-        <p:nvSpPr>
-          <p:cNvPr id="4" name="内容占位符 3"/>
+          <a:bodyPr/>
+          <a:p>
+            <a:r>
+              <a:rPr lang="en-US" altLang="zh-CN"/>
+              <a:t>Matplotlib</a:t>
+            </a:r>
+            <a:endParaRPr lang="en-US" altLang="zh-CN"/>
+          </a:p>
+        </p:txBody>
+      </p:sp>
+      <p:sp>
+        <p:nvSpPr>
+          <p:cNvPr id="3" name="内容占位符 2"/>
           <p:cNvSpPr>
             <a:spLocks noGrp="1"/>
           </p:cNvSpPr>
@@ -10027,82 +10136,184 @@
         </p:nvSpPr>
         <p:spPr/>
         <p:txBody>
-          <a:bodyPr>
-            <a:normAutofit/>
-          </a:bodyPr>
-          <a:p>
-            <a:pPr marL="357505" indent="-357505" algn="l">
-              <a:lnSpc>
-                <a:spcPct val="200000"/>
-              </a:lnSpc>
-              <a:buClr>
-                <a:schemeClr val="accent1"/>
-              </a:buClr>
-              <a:buSzTx/>
+          <a:bodyPr/>
+          <a:p>
+            <a:r>
+              <a:rPr lang="en-US" altLang="zh-CN" sz="1600">
+                <a:sym typeface="+mn-ea"/>
+              </a:rPr>
+              <a:t>matplotlib.use('Agg')	# when no display</a:t>
+            </a:r>
+            <a:endParaRPr lang="en-US" altLang="zh-CN" sz="1600"/>
+          </a:p>
+          <a:p>
+            <a:r>
+              <a:rPr lang="en-US" altLang="zh-CN" sz="1600"/>
+              <a:t>import matplotlib.pyplot as plt</a:t>
+            </a:r>
+            <a:endParaRPr lang="en-US" altLang="zh-CN" sz="1600"/>
+          </a:p>
+          <a:p>
+            <a:pPr lvl="1">
               <a:buFont typeface="Wingdings" panose="05000000000000000000" pitchFamily="2" charset="2"/>
-              <a:buChar char=""/>
-            </a:pPr>
-            <a:r>
-              <a:rPr lang="en-US" altLang="zh-CN" smtClean="0"/>
-              <a:t>Basic</a:t>
-            </a:r>
-            <a:endParaRPr lang="en-US" altLang="zh-CN" smtClean="0"/>
-          </a:p>
-          <a:p>
-            <a:pPr lvl="1" algn="l">
-              <a:lnSpc>
-                <a:spcPct val="200000"/>
-              </a:lnSpc>
+              <a:buChar char="Ø"/>
+            </a:pPr>
+            <a:r>
+              <a:rPr lang="en-US" altLang="zh-CN" sz="1400"/>
+              <a:t>plt.title(text), </a:t>
+            </a:r>
+            <a:r>
+              <a:rPr lang="en-US" altLang="zh-CN" sz="1400">
+                <a:sym typeface="+mn-ea"/>
+              </a:rPr>
+              <a:t>plt.xlabel(), plt.ylabel(), plt.xticks(), plt.yticks(), plt.legend()</a:t>
+            </a:r>
+            <a:endParaRPr lang="en-US" altLang="zh-CN" sz="1400"/>
+          </a:p>
+          <a:p>
+            <a:pPr lvl="1">
               <a:buFont typeface="Wingdings" panose="05000000000000000000" pitchFamily="2" charset="2"/>
-              <a:buChar char=""/>
-            </a:pPr>
-            <a:r>
-              <a:rPr lang="en-US" altLang="zh-CN" smtClean="0"/>
-              <a:t>pip install seaborn</a:t>
-            </a:r>
-            <a:endParaRPr lang="en-US" altLang="zh-CN" smtClean="0"/>
-          </a:p>
-          <a:p>
-            <a:pPr lvl="1" algn="l">
-              <a:lnSpc>
-                <a:spcPct val="200000"/>
-              </a:lnSpc>
+              <a:buChar char="Ø"/>
+            </a:pPr>
+            <a:r>
+              <a:rPr lang="en-US" altLang="zh-CN" sz="1400"/>
+              <a:t>plt.imshow(arr, cmap=plt.cm.gray), plt.imshow(img[..., ::-1])</a:t>
+            </a:r>
+            <a:endParaRPr lang="en-US" altLang="zh-CN" sz="1400"/>
+          </a:p>
+          <a:p>
+            <a:pPr lvl="1">
               <a:buFont typeface="Wingdings" panose="05000000000000000000" pitchFamily="2" charset="2"/>
-              <a:buChar char=""/>
-            </a:pPr>
-            <a:r>
-              <a:rPr lang="en-US" altLang="zh-CN" smtClean="0"/>
-              <a:t>import seaborn as sns</a:t>
-            </a:r>
-            <a:endParaRPr lang="en-US" altLang="zh-CN" smtClean="0"/>
-          </a:p>
-          <a:p>
-            <a:pPr lvl="1" algn="l">
-              <a:lnSpc>
-                <a:spcPct val="200000"/>
-              </a:lnSpc>
+              <a:buChar char="Ø"/>
+            </a:pPr>
+            <a:r>
+              <a:rPr lang="en-US" altLang="zh-CN" sz="1400"/>
+              <a:t>plt.show()</a:t>
+            </a:r>
+            <a:endParaRPr lang="en-US" altLang="zh-CN" sz="1400"/>
+          </a:p>
+          <a:p>
+            <a:pPr lvl="1">
               <a:buFont typeface="Wingdings" panose="05000000000000000000" pitchFamily="2" charset="2"/>
-              <a:buChar char=""/>
-            </a:pPr>
-            <a:r>
-              <a:rPr lang="en-US" altLang="zh-CN" smtClean="0"/>
-              <a:t>It's a kind of enhancement of matplotlib.</a:t>
-            </a:r>
-            <a:endParaRPr lang="en-US" altLang="zh-CN" smtClean="0"/>
-          </a:p>
-          <a:p>
-            <a:pPr lvl="1" algn="l">
-              <a:lnSpc>
-                <a:spcPct val="200000"/>
-              </a:lnSpc>
+              <a:buChar char="Ø"/>
+            </a:pPr>
+            <a:r>
+              <a:rPr lang="en-US" altLang="zh-CN" sz="1400"/>
+              <a:t>plt.plot(), </a:t>
+            </a:r>
+            <a:r>
+              <a:rPr lang="en-US" altLang="zh-CN" sz="1400">
+                <a:sym typeface="+mn-ea"/>
+              </a:rPr>
+              <a:t>plt.subplot(), fig, ax = plt.subplots(), plt.clf()</a:t>
+            </a:r>
+            <a:endParaRPr lang="en-US" altLang="zh-CN" sz="1400"/>
+          </a:p>
+          <a:p>
+            <a:pPr lvl="1">
               <a:buFont typeface="Wingdings" panose="05000000000000000000" pitchFamily="2" charset="2"/>
-              <a:buChar char=""/>
-            </a:pPr>
-            <a:r>
-              <a:rPr lang="en-US" altLang="zh-CN" smtClean="0"/>
-              <a:t>heatmap()</a:t>
-            </a:r>
-            <a:endParaRPr lang="en-US" altLang="zh-CN" smtClean="0"/>
+              <a:buChar char="Ø"/>
+            </a:pPr>
+            <a:r>
+              <a:rPr lang="en-US" altLang="zh-CN" sz="1400"/>
+              <a:t>plt.hist(), plt.pcolor(),plt.colorbar(), plt.scatter(x, y, color)</a:t>
+            </a:r>
+            <a:endParaRPr lang="en-US" altLang="zh-CN" sz="1400"/>
+          </a:p>
+          <a:p>
+            <a:pPr lvl="1">
+              <a:buFont typeface="Wingdings" panose="05000000000000000000" pitchFamily="2" charset="2"/>
+              <a:buChar char="Ø"/>
+            </a:pPr>
+            <a:r>
+              <a:rPr lang="en-US" altLang="zh-CN" sz="1400"/>
+              <a:t>plt.axis('off')</a:t>
+            </a:r>
+            <a:endParaRPr lang="en-US" altLang="zh-CN" sz="1400"/>
+          </a:p>
+          <a:p>
+            <a:pPr lvl="1">
+              <a:buFont typeface="Wingdings" panose="05000000000000000000" pitchFamily="2" charset="2"/>
+              <a:buChar char="Ø"/>
+            </a:pPr>
+            <a:r>
+              <a:rPr lang="en-US" altLang="zh-CN" sz="1400"/>
+              <a:t>plt.savefig('a.png')</a:t>
+            </a:r>
+            <a:endParaRPr lang="en-US" altLang="zh-CN" sz="1400"/>
+          </a:p>
+          <a:p>
+            <a:pPr lvl="1">
+              <a:buFont typeface="Wingdings" panose="05000000000000000000" pitchFamily="2" charset="2"/>
+              <a:buChar char="Ø"/>
+            </a:pPr>
+            <a:r>
+              <a:rPr lang="en-US" altLang="zh-CN" sz="1400"/>
+              <a:t>plt.get_backend()</a:t>
+            </a:r>
+            <a:endParaRPr lang="en-US" altLang="zh-CN" sz="1400"/>
+          </a:p>
+          <a:p>
+            <a:r>
+              <a:rPr lang="en-US" altLang="zh-CN" sz="1600"/>
+              <a:t>Figure</a:t>
+            </a:r>
+            <a:endParaRPr lang="en-US" altLang="zh-CN" sz="1600"/>
+          </a:p>
+          <a:p>
+            <a:pPr lvl="1">
+              <a:buFont typeface="Wingdings" panose="05000000000000000000" pitchFamily="2" charset="2"/>
+              <a:buChar char="Ø"/>
+            </a:pPr>
+            <a:r>
+              <a:rPr lang="en-US" altLang="zh-CN" sz="1400"/>
+              <a:t>fig = plt.figure(figsize=(w,h))</a:t>
+            </a:r>
+            <a:endParaRPr lang="en-US" altLang="zh-CN" sz="1400"/>
+          </a:p>
+          <a:p>
+            <a:pPr lvl="1">
+              <a:buFont typeface="Wingdings" panose="05000000000000000000" pitchFamily="2" charset="2"/>
+              <a:buChar char="Ø"/>
+            </a:pPr>
+            <a:r>
+              <a:rPr lang="en-US" altLang="zh-CN" sz="1400"/>
+              <a:t>ax = fig.add_subplot()</a:t>
+            </a:r>
+            <a:endParaRPr lang="en-US" altLang="zh-CN" sz="1400"/>
+          </a:p>
+          <a:p>
+            <a:pPr lvl="1">
+              <a:buFont typeface="Wingdings" panose="05000000000000000000" pitchFamily="2" charset="2"/>
+              <a:buChar char="Ø"/>
+            </a:pPr>
+            <a:r>
+              <a:rPr lang="en-US" altLang="zh-CN" sz="1400"/>
+              <a:t>ax.matshow(matrix)</a:t>
+            </a:r>
+            <a:endParaRPr lang="en-US" altLang="zh-CN" sz="1400"/>
+          </a:p>
+          <a:p>
+            <a:pPr lvl="0">
+              <a:buFont typeface="Wingdings" panose="05000000000000000000" pitchFamily="2" charset="2"/>
+              <a:buChar char="Ø"/>
+            </a:pPr>
+            <a:r>
+              <a:rPr lang="en-US" altLang="zh-CN" sz="1600"/>
+              <a:t>Unicode support</a:t>
+            </a:r>
+            <a:endParaRPr lang="en-US" altLang="zh-CN" sz="1600"/>
+          </a:p>
+          <a:p>
+            <a:pPr lvl="1">
+              <a:buFont typeface="Wingdings" panose="05000000000000000000" pitchFamily="2" charset="2"/>
+              <a:buChar char="Ø"/>
+            </a:pPr>
+            <a:r>
+              <a:rPr lang="en-US" altLang="zh-CN" sz="1400"/>
+              <a:t>matplotlib.rcParams['font.family'] = 'SimHei'</a:t>
+            </a:r>
+            <a:endParaRPr lang="en-US" altLang="zh-CN" sz="1400"/>
           </a:p>
         </p:txBody>
       </p:sp>
@@ -10142,7 +10353,7 @@
           <a:p>
             <a:r>
               <a:rPr lang="en-US" altLang="zh-CN" smtClean="0"/>
-              <a:t>xml</a:t>
+              <a:t>Seaborn</a:t>
             </a:r>
             <a:endParaRPr lang="en-US" altLang="zh-CN" smtClean="0"/>
           </a:p>
@@ -10161,7 +10372,7 @@
         <p:spPr/>
         <p:txBody>
           <a:bodyPr>
-            <a:normAutofit lnSpcReduction="20000"/>
+            <a:normAutofit/>
           </a:bodyPr>
           <a:p>
             <a:pPr marL="357505" indent="-357505" algn="l">
@@ -10191,7 +10402,7 @@
             </a:pPr>
             <a:r>
               <a:rPr lang="en-US" altLang="zh-CN" smtClean="0"/>
-              <a:t>import xml.etree.ElementTree as ET</a:t>
+              <a:t>pip install seaborn</a:t>
             </a:r>
             <a:endParaRPr lang="en-US" altLang="zh-CN" smtClean="0"/>
           </a:p>
@@ -10205,7 +10416,7 @@
             </a:pPr>
             <a:r>
               <a:rPr lang="en-US" altLang="zh-CN" smtClean="0"/>
-              <a:t>parser = ET.XMLParser(encoding='utf-8')</a:t>
+              <a:t>import seaborn as sns</a:t>
             </a:r>
             <a:endParaRPr lang="en-US" altLang="zh-CN" smtClean="0"/>
           </a:p>
@@ -10219,7 +10430,7 @@
             </a:pPr>
             <a:r>
               <a:rPr lang="en-US" altLang="zh-CN" smtClean="0"/>
-              <a:t>tree = ET.parse(fn, parser=parser)</a:t>
+              <a:t>It's a kind of enhancement of matplotlib.</a:t>
             </a:r>
             <a:endParaRPr lang="en-US" altLang="zh-CN" smtClean="0"/>
           </a:p>
@@ -10233,35 +10444,7 @@
             </a:pPr>
             <a:r>
               <a:rPr lang="en-US" altLang="zh-CN" smtClean="0"/>
-              <a:t>root = tree.getroot()</a:t>
-            </a:r>
-            <a:endParaRPr lang="en-US" altLang="zh-CN" smtClean="0"/>
-          </a:p>
-          <a:p>
-            <a:pPr lvl="1" algn="l">
-              <a:lnSpc>
-                <a:spcPct val="200000"/>
-              </a:lnSpc>
-              <a:buFont typeface="Wingdings" panose="05000000000000000000" pitchFamily="2" charset="2"/>
-              <a:buChar char=""/>
-            </a:pPr>
-            <a:r>
-              <a:rPr lang="en-US" altLang="zh-CN" smtClean="0"/>
-              <a:t>for elem in root.findall(./level1/level2):</a:t>
-            </a:r>
-            <a:endParaRPr lang="en-US" altLang="zh-CN" smtClean="0"/>
-          </a:p>
-          <a:p>
-            <a:pPr lvl="2" algn="l">
-              <a:lnSpc>
-                <a:spcPct val="200000"/>
-              </a:lnSpc>
-              <a:buFont typeface="Wingdings" panose="05000000000000000000" pitchFamily="2" charset="2"/>
-              <a:buChar char=""/>
-            </a:pPr>
-            <a:r>
-              <a:rPr lang="en-US" altLang="zh-CN" smtClean="0"/>
-              <a:t>attrib = elem.attrib['attrib_name']</a:t>
+              <a:t>heatmap()</a:t>
             </a:r>
             <a:endParaRPr lang="en-US" altLang="zh-CN" smtClean="0"/>
           </a:p>
@@ -10303,6 +10486,167 @@
           <a:p>
             <a:r>
               <a:rPr lang="en-US" altLang="zh-CN" smtClean="0"/>
+              <a:t>xml</a:t>
+            </a:r>
+            <a:endParaRPr lang="en-US" altLang="zh-CN" smtClean="0"/>
+          </a:p>
+        </p:txBody>
+      </p:sp>
+      <p:sp>
+        <p:nvSpPr>
+          <p:cNvPr id="4" name="内容占位符 3"/>
+          <p:cNvSpPr>
+            <a:spLocks noGrp="1"/>
+          </p:cNvSpPr>
+          <p:nvPr>
+            <p:ph idx="1"/>
+          </p:nvPr>
+        </p:nvSpPr>
+        <p:spPr/>
+        <p:txBody>
+          <a:bodyPr>
+            <a:normAutofit lnSpcReduction="20000"/>
+          </a:bodyPr>
+          <a:p>
+            <a:pPr marL="357505" indent="-357505" algn="l">
+              <a:lnSpc>
+                <a:spcPct val="200000"/>
+              </a:lnSpc>
+              <a:buClr>
+                <a:schemeClr val="accent1"/>
+              </a:buClr>
+              <a:buSzTx/>
+              <a:buFont typeface="Wingdings" panose="05000000000000000000" pitchFamily="2" charset="2"/>
+              <a:buChar char=""/>
+            </a:pPr>
+            <a:r>
+              <a:rPr lang="en-US" altLang="zh-CN" smtClean="0"/>
+              <a:t>Basic</a:t>
+            </a:r>
+            <a:endParaRPr lang="en-US" altLang="zh-CN" smtClean="0"/>
+          </a:p>
+          <a:p>
+            <a:pPr lvl="1" algn="l">
+              <a:lnSpc>
+                <a:spcPct val="200000"/>
+              </a:lnSpc>
+              <a:buFont typeface="Wingdings" panose="05000000000000000000" pitchFamily="2" charset="2"/>
+              <a:buChar char=""/>
+            </a:pPr>
+            <a:r>
+              <a:rPr lang="en-US" altLang="zh-CN" smtClean="0"/>
+              <a:t>import xml.etree.ElementTree as ET</a:t>
+            </a:r>
+            <a:endParaRPr lang="en-US" altLang="zh-CN" smtClean="0"/>
+          </a:p>
+          <a:p>
+            <a:pPr lvl="1" algn="l">
+              <a:lnSpc>
+                <a:spcPct val="200000"/>
+              </a:lnSpc>
+              <a:buFont typeface="Wingdings" panose="05000000000000000000" pitchFamily="2" charset="2"/>
+              <a:buChar char=""/>
+            </a:pPr>
+            <a:r>
+              <a:rPr lang="en-US" altLang="zh-CN" smtClean="0"/>
+              <a:t>parser = ET.XMLParser(encoding='utf-8')</a:t>
+            </a:r>
+            <a:endParaRPr lang="en-US" altLang="zh-CN" smtClean="0"/>
+          </a:p>
+          <a:p>
+            <a:pPr lvl="1" algn="l">
+              <a:lnSpc>
+                <a:spcPct val="200000"/>
+              </a:lnSpc>
+              <a:buFont typeface="Wingdings" panose="05000000000000000000" pitchFamily="2" charset="2"/>
+              <a:buChar char=""/>
+            </a:pPr>
+            <a:r>
+              <a:rPr lang="en-US" altLang="zh-CN" smtClean="0"/>
+              <a:t>tree = ET.parse(fn, parser=parser)</a:t>
+            </a:r>
+            <a:endParaRPr lang="en-US" altLang="zh-CN" smtClean="0"/>
+          </a:p>
+          <a:p>
+            <a:pPr lvl="1" algn="l">
+              <a:lnSpc>
+                <a:spcPct val="200000"/>
+              </a:lnSpc>
+              <a:buFont typeface="Wingdings" panose="05000000000000000000" pitchFamily="2" charset="2"/>
+              <a:buChar char=""/>
+            </a:pPr>
+            <a:r>
+              <a:rPr lang="en-US" altLang="zh-CN" smtClean="0"/>
+              <a:t>root = tree.getroot()</a:t>
+            </a:r>
+            <a:endParaRPr lang="en-US" altLang="zh-CN" smtClean="0"/>
+          </a:p>
+          <a:p>
+            <a:pPr lvl="1" algn="l">
+              <a:lnSpc>
+                <a:spcPct val="200000"/>
+              </a:lnSpc>
+              <a:buFont typeface="Wingdings" panose="05000000000000000000" pitchFamily="2" charset="2"/>
+              <a:buChar char=""/>
+            </a:pPr>
+            <a:r>
+              <a:rPr lang="en-US" altLang="zh-CN" smtClean="0"/>
+              <a:t>for elem in root.findall(./level1/level2):</a:t>
+            </a:r>
+            <a:endParaRPr lang="en-US" altLang="zh-CN" smtClean="0"/>
+          </a:p>
+          <a:p>
+            <a:pPr lvl="2" algn="l">
+              <a:lnSpc>
+                <a:spcPct val="200000"/>
+              </a:lnSpc>
+              <a:buFont typeface="Wingdings" panose="05000000000000000000" pitchFamily="2" charset="2"/>
+              <a:buChar char=""/>
+            </a:pPr>
+            <a:r>
+              <a:rPr lang="en-US" altLang="zh-CN" smtClean="0"/>
+              <a:t>attrib = elem.attrib['attrib_name']</a:t>
+            </a:r>
+            <a:endParaRPr lang="en-US" altLang="zh-CN" smtClean="0"/>
+          </a:p>
+        </p:txBody>
+      </p:sp>
+    </p:spTree>
+  </p:cSld>
+  <p:clrMapOvr>
+    <a:masterClrMapping/>
+  </p:clrMapOvr>
+</p:sld>
+</file>
+
+<file path=ppt/slides/slide36.xml><?xml version="1.0" encoding="utf-8"?>
+<p:sld xmlns:a="http://schemas.openxmlformats.org/drawingml/2006/main" xmlns:r="http://schemas.openxmlformats.org/officeDocument/2006/relationships" xmlns:p="http://schemas.openxmlformats.org/presentationml/2006/main">
+  <p:cSld>
+    <p:spTree>
+      <p:nvGrpSpPr>
+        <p:cNvPr id="1" name=""/>
+        <p:cNvGrpSpPr/>
+        <p:nvPr/>
+      </p:nvGrpSpPr>
+      <p:grpSpPr/>
+      <p:sp>
+        <p:nvSpPr>
+          <p:cNvPr id="24578" name="标题 2"/>
+          <p:cNvSpPr>
+            <a:spLocks noGrp="1"/>
+          </p:cNvSpPr>
+          <p:nvPr>
+            <p:ph type="title"/>
+          </p:nvPr>
+        </p:nvSpPr>
+        <p:spPr/>
+        <p:txBody>
+          <a:bodyPr anchor="b">
+            <a:normAutofit/>
+          </a:bodyPr>
+          <a:p>
+            <a:r>
+              <a:rPr lang="en-US" altLang="zh-CN" smtClean="0"/>
               <a:t>GUI</a:t>
             </a:r>
             <a:endParaRPr lang="en-US" altLang="zh-CN" smtClean="0"/>
@@ -10581,118 +10925,6 @@
 </p:sld>
 </file>
 
-<file path=ppt/slides/slide36.xml><?xml version="1.0" encoding="utf-8"?>
-<p:sld xmlns:a="http://schemas.openxmlformats.org/drawingml/2006/main" xmlns:r="http://schemas.openxmlformats.org/officeDocument/2006/relationships" xmlns:p="http://schemas.openxmlformats.org/presentationml/2006/main">
-  <p:cSld>
-    <p:spTree>
-      <p:nvGrpSpPr>
-        <p:cNvPr id="1" name=""/>
-        <p:cNvGrpSpPr/>
-        <p:nvPr/>
-      </p:nvGrpSpPr>
-      <p:grpSpPr/>
-      <p:sp>
-        <p:nvSpPr>
-          <p:cNvPr id="2" name="Title 1"/>
-          <p:cNvSpPr>
-            <a:spLocks noGrp="1"/>
-          </p:cNvSpPr>
-          <p:nvPr>
-            <p:ph type="title"/>
-          </p:nvPr>
-        </p:nvSpPr>
-        <p:spPr/>
-        <p:txBody>
-          <a:bodyPr>
-            <a:normAutofit/>
-          </a:bodyPr>
-          <a:p>
-            <a:r>
-              <a:rPr lang="x-none" altLang="en-US"/>
-              <a:t>Video</a:t>
-            </a:r>
-            <a:endParaRPr lang="x-none" altLang="en-US"/>
-          </a:p>
-        </p:txBody>
-      </p:sp>
-      <p:sp>
-        <p:nvSpPr>
-          <p:cNvPr id="3" name="Content Placeholder 2"/>
-          <p:cNvSpPr>
-            <a:spLocks noGrp="1"/>
-          </p:cNvSpPr>
-          <p:nvPr>
-            <p:ph idx="1"/>
-          </p:nvPr>
-        </p:nvSpPr>
-        <p:spPr/>
-        <p:txBody>
-          <a:bodyPr/>
-          <a:p>
-            <a:r>
-              <a:rPr lang="x-none" altLang="en-US"/>
-              <a:t>PyAv</a:t>
-            </a:r>
-            <a:endParaRPr lang="x-none" altLang="en-US"/>
-          </a:p>
-          <a:p>
-            <a:pPr lvl="1"/>
-            <a:r>
-              <a:rPr lang="x-none" altLang="en-US" sz="2000"/>
-              <a:t>Pythonic binding for FFmpeg or Libav</a:t>
-            </a:r>
-            <a:endParaRPr lang="x-none" altLang="en-US" sz="2000"/>
-          </a:p>
-          <a:p>
-            <a:pPr lvl="0"/>
-            <a:r>
-              <a:rPr lang="x-none" altLang="en-US"/>
-              <a:t>Install</a:t>
-            </a:r>
-            <a:endParaRPr lang="x-none" altLang="en-US"/>
-          </a:p>
-          <a:p>
-            <a:pPr lvl="1"/>
-            <a:r>
-              <a:rPr lang="x-none" altLang="en-US"/>
-              <a:t>sudo apt install -y python-dev pkg-config libavformat-dev libavcodec-dev libavdevice-dev libavutil-dev libswscale-dev libavresample-dev libavfilter-dev</a:t>
-            </a:r>
-            <a:endParaRPr lang="x-none" altLang="en-US"/>
-          </a:p>
-          <a:p>
-            <a:pPr lvl="1"/>
-            <a:r>
-              <a:rPr lang="x-none" altLang="en-US"/>
-              <a:t>pip install av</a:t>
-            </a:r>
-            <a:endParaRPr lang="x-none" altLang="en-US"/>
-          </a:p>
-          <a:p>
-            <a:pPr lvl="0"/>
-            <a:r>
-              <a:rPr lang="x-none" altLang="en-US"/>
-              <a:t>Usage</a:t>
-            </a:r>
-            <a:endParaRPr lang="x-none" altLang="en-US"/>
-          </a:p>
-          <a:p>
-            <a:pPr lvl="1"/>
-            <a:r>
-              <a:rPr lang="x-none" altLang="en-US"/>
-              <a:t>container = av.open(fn)</a:t>
-            </a:r>
-            <a:endParaRPr lang="x-none" altLang="en-US"/>
-          </a:p>
-        </p:txBody>
-      </p:sp>
-    </p:spTree>
-  </p:cSld>
-  <p:clrMapOvr>
-    <a:masterClrMapping/>
-  </p:clrMapOvr>
-</p:sld>
-</file>
-
 <file path=ppt/slides/slide37.xml><?xml version="1.0" encoding="utf-8"?>
 <p:sld xmlns:a="http://schemas.openxmlformats.org/drawingml/2006/main" xmlns:r="http://schemas.openxmlformats.org/officeDocument/2006/relationships" xmlns:p="http://schemas.openxmlformats.org/presentationml/2006/main">
   <p:cSld>
@@ -10705,7 +10937,7 @@
       <p:grpSpPr/>
       <p:sp>
         <p:nvSpPr>
-          <p:cNvPr id="2" name="标题 1"/>
+          <p:cNvPr id="2" name="Title 1"/>
           <p:cNvSpPr>
             <a:spLocks noGrp="1"/>
           </p:cNvSpPr>
@@ -10715,19 +10947,21 @@
         </p:nvSpPr>
         <p:spPr/>
         <p:txBody>
-          <a:bodyPr/>
-          <a:p>
-            <a:r>
-              <a:rPr lang="en-US" altLang="zh-CN"/>
-              <a:t>Audio</a:t>
-            </a:r>
-            <a:endParaRPr lang="en-US" altLang="zh-CN"/>
-          </a:p>
-        </p:txBody>
-      </p:sp>
-      <p:sp>
-        <p:nvSpPr>
-          <p:cNvPr id="3" name="内容占位符 2"/>
+          <a:bodyPr>
+            <a:normAutofit/>
+          </a:bodyPr>
+          <a:p>
+            <a:r>
+              <a:rPr lang="x-none" altLang="en-US"/>
+              <a:t>Video</a:t>
+            </a:r>
+            <a:endParaRPr lang="x-none" altLang="en-US"/>
+          </a:p>
+        </p:txBody>
+      </p:sp>
+      <p:sp>
+        <p:nvSpPr>
+          <p:cNvPr id="3" name="Content Placeholder 2"/>
           <p:cNvSpPr>
             <a:spLocks noGrp="1"/>
           </p:cNvSpPr>
@@ -10735,129 +10969,400 @@
             <p:ph idx="1"/>
           </p:nvPr>
         </p:nvSpPr>
-        <p:spPr/>
+        <p:spPr>
+          <a:xfrm>
+            <a:off x="838200" y="1211580"/>
+            <a:ext cx="5391785" cy="5396230"/>
+          </a:xfrm>
+        </p:spPr>
         <p:txBody>
           <a:bodyPr>
-            <a:normAutofit lnSpcReduction="20000"/>
+            <a:normAutofit fontScale="90000" lnSpcReduction="10000"/>
           </a:bodyPr>
           <a:p>
             <a:r>
-              <a:rPr lang="en-US" altLang="zh-CN"/>
-              <a:t>Audio wave or spectrum drawing</a:t>
-            </a:r>
-            <a:endParaRPr lang="en-US" altLang="zh-CN"/>
-          </a:p>
-          <a:p>
-            <a:pPr lvl="1"/>
-            <a:r>
-              <a:rPr lang="en-US" altLang="zh-CN"/>
-              <a:t>pip install librosa</a:t>
-            </a:r>
-            <a:endParaRPr lang="en-US" altLang="zh-CN"/>
-          </a:p>
-          <a:p>
-            <a:pPr lvl="1"/>
-            <a:r>
-              <a:rPr lang="en-US" altLang="zh-CN"/>
+              <a:rPr lang="en-US" altLang="x-none"/>
+              <a:t>scikit-video</a:t>
+            </a:r>
+            <a:endParaRPr lang="en-US" altLang="x-none"/>
+          </a:p>
+          <a:p>
+            <a:pPr lvl="1"/>
+            <a:r>
+              <a:rPr lang="en-US" altLang="x-none" sz="2000"/>
+              <a:t>pip install scikit-video</a:t>
+            </a:r>
+            <a:endParaRPr lang="en-US" altLang="x-none" sz="2000"/>
+          </a:p>
+          <a:p>
+            <a:pPr lvl="1"/>
+            <a:r>
+              <a:rPr lang="en-US" altLang="x-none"/>
+              <a:t>Based on ffmpeg or libav</a:t>
+            </a:r>
+            <a:endParaRPr lang="en-US" altLang="x-none"/>
+          </a:p>
+          <a:p>
+            <a:pPr lvl="1"/>
+            <a:r>
+              <a:rPr lang="en-US" altLang="x-none"/>
+              <a:t>import skvideo.io</a:t>
+            </a:r>
+            <a:endParaRPr lang="en-US" altLang="x-none"/>
+          </a:p>
+          <a:p>
+            <a:pPr lvl="1"/>
+            <a:r>
+              <a:rPr lang="en-US" altLang="x-none" sz="2000"/>
+              <a:t>Read</a:t>
+            </a:r>
+            <a:endParaRPr lang="en-US" altLang="x-none" sz="2000"/>
+          </a:p>
+          <a:p>
+            <a:pPr lvl="2"/>
+            <a:r>
+              <a:rPr lang="en-US" altLang="x-none" sz="1800"/>
+              <a:t>vread(fn)	// read all frames into mem</a:t>
+            </a:r>
+            <a:endParaRPr lang="en-US" altLang="x-none" sz="1800"/>
+          </a:p>
+          <a:p>
+            <a:pPr lvl="2"/>
+            <a:r>
+              <a:rPr lang="en-US" altLang="x-none" sz="1800"/>
+              <a:t>vreader(fn)	// frame by frame</a:t>
+            </a:r>
+            <a:endParaRPr lang="en-US" altLang="x-none" sz="1800"/>
+          </a:p>
+          <a:p>
+            <a:pPr lvl="2"/>
+            <a:r>
+              <a:rPr lang="en-US" altLang="x-none"/>
+              <a:t>FFmpegReader(fn, inputdict, outputdict)</a:t>
+            </a:r>
+            <a:endParaRPr lang="en-US" altLang="x-none"/>
+          </a:p>
+          <a:p>
+            <a:pPr lvl="1"/>
+            <a:r>
+              <a:rPr lang="en-US" altLang="x-none" sz="2000"/>
+              <a:t>Writer</a:t>
+            </a:r>
+            <a:endParaRPr lang="en-US" altLang="x-none" sz="2000"/>
+          </a:p>
+          <a:p>
+            <a:pPr lvl="2"/>
+            <a:r>
+              <a:rPr lang="en-US" altLang="x-none"/>
+              <a:t>vwrite(fn, outputdata)</a:t>
+            </a:r>
+            <a:endParaRPr lang="en-US" altLang="x-none"/>
+          </a:p>
+          <a:p>
+            <a:pPr lvl="2"/>
+            <a:r>
+              <a:rPr lang="en-US" altLang="x-none"/>
+              <a:t>writer = FFmpegWriter(fn, outputdict, verbosity=1)</a:t>
+            </a:r>
+            <a:endParaRPr lang="en-US" altLang="x-none"/>
+          </a:p>
+          <a:p>
+            <a:pPr lvl="2"/>
+            <a:r>
+              <a:rPr lang="en-US" altLang="x-none"/>
+              <a:t>writer.writeFrame(frame)</a:t>
+            </a:r>
+            <a:endParaRPr lang="en-US" altLang="x-none"/>
+          </a:p>
+          <a:p>
+            <a:pPr lvl="2"/>
+            <a:r>
+              <a:rPr lang="en-US" altLang="x-none"/>
+              <a:t>writer.close()</a:t>
+            </a:r>
+            <a:endParaRPr lang="en-US" altLang="x-none"/>
+          </a:p>
+          <a:p>
+            <a:pPr lvl="1"/>
+            <a:r>
+              <a:rPr lang="en-US" altLang="x-none"/>
+              <a:t>Read metadata</a:t>
+            </a:r>
+            <a:endParaRPr lang="en-US" altLang="x-none"/>
+          </a:p>
+          <a:p>
+            <a:pPr lvl="2"/>
+            <a:r>
+              <a:rPr lang="en-US" altLang="x-none" sz="1800"/>
+              <a:t>ffprobe(fn)</a:t>
+            </a:r>
+            <a:endParaRPr lang="en-US" altLang="x-none"/>
+          </a:p>
+          <a:p>
+            <a:pPr lvl="1"/>
+            <a:r>
+              <a:rPr lang="en-US" altLang="x-none"/>
+              <a:t>Sample data</a:t>
+            </a:r>
+            <a:endParaRPr lang="en-US" altLang="x-none"/>
+          </a:p>
+          <a:p>
+            <a:pPr lvl="2"/>
+            <a:r>
+              <a:rPr lang="en-US" altLang="x-none"/>
+              <a:t>import skvideo.datasets</a:t>
+            </a:r>
+            <a:endParaRPr lang="en-US" altLang="x-none"/>
+          </a:p>
+          <a:p>
+            <a:pPr lvl="2"/>
+            <a:r>
+              <a:rPr lang="en-US" altLang="x-none"/>
+              <a:t>bigbuckbunny, bikes, fullreferencepair</a:t>
+            </a:r>
+            <a:endParaRPr lang="en-US" altLang="x-none"/>
+          </a:p>
+        </p:txBody>
+      </p:sp>
+      <p:sp>
+        <p:nvSpPr>
+          <p:cNvPr id="4" name="Content Placeholder 2"/>
+          <p:cNvSpPr>
+            <a:spLocks noGrp="1"/>
+          </p:cNvSpPr>
+          <p:nvPr/>
+        </p:nvSpPr>
+        <p:spPr>
+          <a:xfrm>
+            <a:off x="6418580" y="1250950"/>
+            <a:ext cx="5391785" cy="4549140"/>
+          </a:xfrm>
+          <a:prstGeom prst="rect">
+            <a:avLst/>
+          </a:prstGeom>
+        </p:spPr>
+        <p:txBody>
+          <a:bodyPr vert="horz" lIns="91440" tIns="45720" rIns="91440" bIns="45720" rtlCol="0">
+            <a:normAutofit/>
+          </a:bodyPr>
+          <a:lstStyle>
+            <a:lvl1pPr marL="342900" indent="-342900" algn="l" defTabSz="914400" rtl="0" eaLnBrk="1" latinLnBrk="0" hangingPunct="1">
+              <a:lnSpc>
+                <a:spcPct val="90000"/>
+              </a:lnSpc>
+              <a:spcBef>
+                <a:spcPts val="1000"/>
+              </a:spcBef>
+              <a:buFont typeface="黑体" panose="02010609060101010101" pitchFamily="49" charset="-122"/>
+              <a:buChar char="〉"/>
+              <a:defRPr sz="2400" kern="1200">
+                <a:solidFill>
+                  <a:schemeClr val="tx1"/>
+                </a:solidFill>
+                <a:latin typeface="+mn-lt"/>
+                <a:ea typeface="+mn-ea"/>
+                <a:cs typeface="+mn-cs"/>
+              </a:defRPr>
+            </a:lvl1pPr>
+            <a:lvl2pPr marL="800100" indent="-342900" algn="l" defTabSz="914400" rtl="0" eaLnBrk="1" latinLnBrk="0" hangingPunct="1">
+              <a:lnSpc>
+                <a:spcPct val="90000"/>
+              </a:lnSpc>
+              <a:spcBef>
+                <a:spcPts val="500"/>
+              </a:spcBef>
+              <a:buFont typeface="Arial" panose="020B0604020202020204" pitchFamily="34" charset="0"/>
+              <a:buChar char="•"/>
+              <a:defRPr sz="2000" kern="1200">
+                <a:solidFill>
+                  <a:schemeClr val="tx1"/>
+                </a:solidFill>
+                <a:latin typeface="+mn-lt"/>
+                <a:ea typeface="+mn-ea"/>
+                <a:cs typeface="+mn-cs"/>
+              </a:defRPr>
+            </a:lvl2pPr>
+            <a:lvl3pPr marL="1257300" indent="-342900" algn="l" defTabSz="914400" rtl="0" eaLnBrk="1" latinLnBrk="0" hangingPunct="1">
+              <a:lnSpc>
+                <a:spcPct val="90000"/>
+              </a:lnSpc>
+              <a:spcBef>
+                <a:spcPts val="500"/>
+              </a:spcBef>
+              <a:buFont typeface="Arial" panose="020B0604020202020204" pitchFamily="34" charset="0"/>
+              <a:buChar char="•"/>
+              <a:defRPr sz="1800" kern="1200">
+                <a:solidFill>
+                  <a:schemeClr val="tx1"/>
+                </a:solidFill>
+                <a:latin typeface="+mn-lt"/>
+                <a:ea typeface="+mn-ea"/>
+                <a:cs typeface="+mn-cs"/>
+              </a:defRPr>
+            </a:lvl3pPr>
+            <a:lvl4pPr marL="1657350" indent="-285750" algn="l" defTabSz="914400" rtl="0" eaLnBrk="1" latinLnBrk="0" hangingPunct="1">
+              <a:lnSpc>
+                <a:spcPct val="90000"/>
+              </a:lnSpc>
+              <a:spcBef>
+                <a:spcPts val="500"/>
+              </a:spcBef>
+              <a:buFont typeface="Arial" panose="020B0604020202020204" pitchFamily="34" charset="0"/>
+              <a:buChar char="•"/>
+              <a:defRPr sz="1800" kern="1200">
+                <a:solidFill>
+                  <a:schemeClr val="tx1"/>
+                </a:solidFill>
+                <a:latin typeface="+mn-lt"/>
+                <a:ea typeface="+mn-ea"/>
+                <a:cs typeface="+mn-cs"/>
+              </a:defRPr>
+            </a:lvl4pPr>
+            <a:lvl5pPr marL="2114550" indent="-285750" algn="l" defTabSz="914400" rtl="0" eaLnBrk="1" latinLnBrk="0" hangingPunct="1">
+              <a:lnSpc>
+                <a:spcPct val="90000"/>
+              </a:lnSpc>
+              <a:spcBef>
+                <a:spcPts val="500"/>
+              </a:spcBef>
+              <a:buFont typeface="Arial" panose="020B0604020202020204" pitchFamily="34" charset="0"/>
+              <a:buChar char="•"/>
+              <a:defRPr sz="1800" kern="1200">
+                <a:solidFill>
+                  <a:schemeClr val="tx1"/>
+                </a:solidFill>
+                <a:latin typeface="+mn-lt"/>
+                <a:ea typeface="+mn-ea"/>
+                <a:cs typeface="+mn-cs"/>
+              </a:defRPr>
+            </a:lvl5pPr>
+            <a:lvl6pPr marL="2514600" indent="-228600" algn="l" defTabSz="914400" rtl="0" eaLnBrk="1" latinLnBrk="0" hangingPunct="1">
+              <a:lnSpc>
+                <a:spcPct val="90000"/>
+              </a:lnSpc>
+              <a:spcBef>
+                <a:spcPts val="500"/>
+              </a:spcBef>
+              <a:buFont typeface="Arial" panose="020B0604020202020204" pitchFamily="34" charset="0"/>
+              <a:buChar char="•"/>
+              <a:defRPr sz="1800" kern="1200">
+                <a:solidFill>
+                  <a:schemeClr val="tx1"/>
+                </a:solidFill>
+                <a:latin typeface="+mn-lt"/>
+                <a:ea typeface="+mn-ea"/>
+                <a:cs typeface="+mn-cs"/>
+              </a:defRPr>
+            </a:lvl6pPr>
+            <a:lvl7pPr marL="2971800" indent="-228600" algn="l" defTabSz="914400" rtl="0" eaLnBrk="1" latinLnBrk="0" hangingPunct="1">
+              <a:lnSpc>
+                <a:spcPct val="90000"/>
+              </a:lnSpc>
+              <a:spcBef>
+                <a:spcPts val="500"/>
+              </a:spcBef>
+              <a:buFont typeface="Arial" panose="020B0604020202020204" pitchFamily="34" charset="0"/>
+              <a:buChar char="•"/>
+              <a:defRPr sz="1800" kern="1200">
+                <a:solidFill>
+                  <a:schemeClr val="tx1"/>
+                </a:solidFill>
+                <a:latin typeface="+mn-lt"/>
+                <a:ea typeface="+mn-ea"/>
+                <a:cs typeface="+mn-cs"/>
+              </a:defRPr>
+            </a:lvl7pPr>
+            <a:lvl8pPr marL="3429000" indent="-228600" algn="l" defTabSz="914400" rtl="0" eaLnBrk="1" latinLnBrk="0" hangingPunct="1">
+              <a:lnSpc>
+                <a:spcPct val="90000"/>
+              </a:lnSpc>
+              <a:spcBef>
+                <a:spcPts val="500"/>
+              </a:spcBef>
+              <a:buFont typeface="Arial" panose="020B0604020202020204" pitchFamily="34" charset="0"/>
+              <a:buChar char="•"/>
+              <a:defRPr sz="1800" kern="1200">
+                <a:solidFill>
+                  <a:schemeClr val="tx1"/>
+                </a:solidFill>
+                <a:latin typeface="+mn-lt"/>
+                <a:ea typeface="+mn-ea"/>
+                <a:cs typeface="+mn-cs"/>
+              </a:defRPr>
+            </a:lvl8pPr>
+            <a:lvl9pPr marL="3886200" indent="-228600" algn="l" defTabSz="914400" rtl="0" eaLnBrk="1" latinLnBrk="0" hangingPunct="1">
+              <a:lnSpc>
+                <a:spcPct val="90000"/>
+              </a:lnSpc>
+              <a:spcBef>
+                <a:spcPts val="500"/>
+              </a:spcBef>
+              <a:buFont typeface="Arial" panose="020B0604020202020204" pitchFamily="34" charset="0"/>
+              <a:buChar char="•"/>
+              <a:defRPr sz="1800" kern="1200">
+                <a:solidFill>
+                  <a:schemeClr val="tx1"/>
+                </a:solidFill>
+                <a:latin typeface="+mn-lt"/>
+                <a:ea typeface="+mn-ea"/>
+                <a:cs typeface="+mn-cs"/>
+              </a:defRPr>
+            </a:lvl9pPr>
+          </a:lstStyle>
+          <a:p>
+            <a:r>
+              <a:rPr lang="x-none" altLang="en-US"/>
+              <a:t>PyAv</a:t>
+            </a:r>
+            <a:endParaRPr lang="x-none" altLang="en-US"/>
+          </a:p>
+          <a:p>
+            <a:pPr lvl="1"/>
+            <a:r>
+              <a:rPr lang="x-none" altLang="en-US" sz="2000"/>
+              <a:t>Pythonic binding for FFmpeg or Libav</a:t>
+            </a:r>
+            <a:endParaRPr lang="x-none" altLang="en-US" sz="2000"/>
+          </a:p>
+          <a:p>
+            <a:pPr lvl="1"/>
+            <a:r>
+              <a:rPr lang="x-none" altLang="en-US"/>
+              <a:t>Install</a:t>
+            </a:r>
+            <a:endParaRPr lang="x-none" altLang="en-US"/>
+          </a:p>
+          <a:p>
+            <a:pPr lvl="2"/>
+            <a:r>
+              <a:rPr lang="x-none" altLang="en-US"/>
+              <a:t>sudo apt install -y python-dev pkg-config libavformat-dev libavcodec-dev libavdevice-dev libavutil-dev libswscale-dev libavresample-dev libavfilter-dev</a:t>
+            </a:r>
+            <a:endParaRPr lang="x-none" altLang="en-US"/>
+          </a:p>
+          <a:p>
+            <a:pPr lvl="2"/>
+            <a:r>
+              <a:rPr lang="x-none" altLang="en-US"/>
+              <a:t>pip install av</a:t>
+            </a:r>
+            <a:endParaRPr lang="x-none" altLang="en-US"/>
+          </a:p>
+          <a:p>
+            <a:pPr lvl="1"/>
+            <a:r>
+              <a:rPr lang="x-none" altLang="en-US"/>
               <a:t>Usage</a:t>
             </a:r>
-            <a:endParaRPr lang="en-US" altLang="zh-CN"/>
+            <a:endParaRPr lang="x-none" altLang="en-US"/>
           </a:p>
           <a:p>
             <a:pPr lvl="2"/>
             <a:r>
-              <a:rPr lang="en-US" altLang="zh-CN"/>
-              <a:t>import librosa</a:t>
-            </a:r>
-            <a:endParaRPr lang="en-US" altLang="zh-CN"/>
-          </a:p>
-          <a:p>
-            <a:pPr lvl="2"/>
-            <a:r>
-              <a:rPr lang="en-US" altLang="zh-CN"/>
-              <a:t>data, sample_rate = librosa.load(fn_audio)</a:t>
-            </a:r>
-            <a:endParaRPr lang="en-US" altLang="zh-CN"/>
-          </a:p>
-          <a:p>
-            <a:pPr lvl="2"/>
-            <a:r>
-              <a:rPr lang="en-US" altLang="zh-CN"/>
-              <a:t>import librosa.display</a:t>
-            </a:r>
-            <a:endParaRPr lang="en-US" altLang="zh-CN"/>
-          </a:p>
-          <a:p>
-            <a:pPr lvl="2"/>
-            <a:r>
-              <a:rPr lang="en-US" altLang="zh-CN"/>
-              <a:t>plt.figure()</a:t>
-            </a:r>
-            <a:endParaRPr lang="en-US" altLang="zh-CN"/>
-          </a:p>
-          <a:p>
-            <a:pPr lvl="2"/>
-            <a:r>
-              <a:rPr lang="en-US" altLang="zh-CN"/>
-              <a:t>librosa.dipslay.waveplot(data, sample_rate)</a:t>
-            </a:r>
-            <a:endParaRPr lang="en-US" altLang="zh-CN"/>
-          </a:p>
-          <a:p>
-            <a:pPr lvl="2"/>
-            <a:r>
-              <a:rPr lang="en-US" altLang="zh-CN"/>
-              <a:t>plt.show()</a:t>
-            </a:r>
-            <a:endParaRPr lang="en-US" altLang="zh-CN"/>
-          </a:p>
-          <a:p>
-            <a:pPr lvl="0"/>
-            <a:r>
-              <a:rPr lang="en-US" altLang="zh-CN"/>
-              <a:t>pydub</a:t>
-            </a:r>
-            <a:endParaRPr lang="en-US" altLang="zh-CN"/>
-          </a:p>
-          <a:p>
-            <a:pPr lvl="1"/>
-            <a:r>
-              <a:rPr lang="en-US" altLang="zh-CN"/>
-              <a:t>pip install pydub</a:t>
-            </a:r>
-            <a:endParaRPr lang="en-US" altLang="zh-CN"/>
-          </a:p>
-          <a:p>
-            <a:pPr lvl="1"/>
-            <a:r>
-              <a:rPr lang="en-US" altLang="zh-CN"/>
-              <a:t>from pydub import AudioSegment</a:t>
-            </a:r>
-            <a:endParaRPr lang="en-US" altLang="zh-CN"/>
-          </a:p>
-          <a:p>
-            <a:pPr lvl="1"/>
-            <a:r>
-              <a:rPr lang="en-US" altLang="zh-CN"/>
-              <a:t>sound = AudioSegment.from_mp3(fn_mp3)</a:t>
-            </a:r>
-            <a:endParaRPr lang="en-US" altLang="zh-CN"/>
-          </a:p>
-          <a:p>
-            <a:pPr lvl="1"/>
-            <a:r>
-              <a:rPr lang="en-US" altLang="zh-CN"/>
-              <a:t>target_sound = sound[:2000]	// 2000ms</a:t>
-            </a:r>
-            <a:endParaRPr lang="en-US" altLang="zh-CN"/>
-          </a:p>
-          <a:p>
-            <a:pPr lvl="1"/>
-            <a:r>
-              <a:rPr lang="en-US" altLang="zh-CN"/>
-              <a:t>target_sound.export(fn_output, format='mp3')</a:t>
-            </a:r>
-            <a:endParaRPr lang="en-US" altLang="zh-CN"/>
+              <a:rPr lang="x-none" altLang="en-US"/>
+              <a:t>container = av.open(fn)</a:t>
+            </a:r>
+            <a:endParaRPr lang="x-none" altLang="en-US"/>
           </a:p>
         </p:txBody>
       </p:sp>
@@ -10881,7 +11386,7 @@
       <p:grpSpPr/>
       <p:sp>
         <p:nvSpPr>
-          <p:cNvPr id="2" name="Title 1"/>
+          <p:cNvPr id="2" name="标题 1"/>
           <p:cNvSpPr>
             <a:spLocks noGrp="1"/>
           </p:cNvSpPr>
@@ -10894,16 +11399,16 @@
           <a:bodyPr/>
           <a:p>
             <a:r>
-              <a:rPr lang="x-none" altLang="en-US"/>
-              <a:t>3D</a:t>
-            </a:r>
-            <a:endParaRPr lang="x-none" altLang="en-US"/>
-          </a:p>
-        </p:txBody>
-      </p:sp>
-      <p:sp>
-        <p:nvSpPr>
-          <p:cNvPr id="3" name="Content Placeholder 2"/>
+              <a:rPr lang="en-US" altLang="zh-CN"/>
+              <a:t>Audio</a:t>
+            </a:r>
+            <a:endParaRPr lang="en-US" altLang="zh-CN"/>
+          </a:p>
+        </p:txBody>
+      </p:sp>
+      <p:sp>
+        <p:nvSpPr>
+          <p:cNvPr id="3" name="内容占位符 2"/>
           <p:cNvSpPr>
             <a:spLocks noGrp="1"/>
           </p:cNvSpPr>
@@ -10914,152 +11419,439 @@
         <p:spPr>
           <a:xfrm>
             <a:off x="838200" y="1211580"/>
-            <a:ext cx="10515600" cy="4736465"/>
+            <a:ext cx="5418455" cy="5357495"/>
           </a:xfrm>
         </p:spPr>
         <p:txBody>
           <a:bodyPr>
-            <a:normAutofit lnSpcReduction="20000"/>
+            <a:normAutofit lnSpcReduction="10000"/>
           </a:bodyPr>
           <a:p>
+            <a:r>
+              <a:rPr lang="en-US" altLang="zh-CN" sz="1800"/>
+              <a:t>References</a:t>
+            </a:r>
+            <a:endParaRPr lang="en-US" altLang="zh-CN" sz="1800"/>
+          </a:p>
+          <a:p>
+            <a:pPr lvl="1"/>
+            <a:r>
+              <a:rPr lang="en-US" altLang="zh-CN" sz="1600"/>
+              <a:t>https://wiki.python.org/moin/Audio</a:t>
+            </a:r>
+            <a:endParaRPr lang="en-US" altLang="zh-CN" sz="1600"/>
+          </a:p>
+          <a:p>
+            <a:pPr lvl="1"/>
+            <a:r>
+              <a:rPr lang="en-US" altLang="zh-CN" sz="1600"/>
+              <a:t>https://realpython.com/playing-and-recording-sound-python/</a:t>
+            </a:r>
+            <a:endParaRPr lang="en-US" altLang="zh-CN" sz="1600"/>
+          </a:p>
+          <a:p>
+            <a:r>
+              <a:rPr lang="en-US" altLang="zh-CN" sz="1800"/>
+              <a:t>Audio wave or spectrum drawing</a:t>
+            </a:r>
+            <a:endParaRPr lang="en-US" altLang="zh-CN" sz="1800"/>
+          </a:p>
+          <a:p>
+            <a:pPr lvl="1"/>
+            <a:r>
+              <a:rPr lang="en-US" altLang="zh-CN" sz="1600"/>
+              <a:t>pip install librosa</a:t>
+            </a:r>
+            <a:endParaRPr lang="en-US" altLang="zh-CN" sz="1600"/>
+          </a:p>
+          <a:p>
+            <a:pPr lvl="1"/>
+            <a:r>
+              <a:rPr lang="en-US" altLang="zh-CN" sz="1600"/>
+              <a:t>Usage</a:t>
+            </a:r>
+            <a:endParaRPr lang="en-US" altLang="zh-CN" sz="1600"/>
+          </a:p>
+          <a:p>
+            <a:pPr lvl="2"/>
+            <a:r>
+              <a:rPr lang="en-US" altLang="zh-CN" sz="1400"/>
+              <a:t>import librosa</a:t>
+            </a:r>
+            <a:endParaRPr lang="en-US" altLang="zh-CN" sz="1400"/>
+          </a:p>
+          <a:p>
+            <a:pPr lvl="2"/>
+            <a:r>
+              <a:rPr lang="en-US" altLang="zh-CN" sz="1400"/>
+              <a:t>data, sample_rate = librosa.load(fn_audio)</a:t>
+            </a:r>
+            <a:endParaRPr lang="en-US" altLang="zh-CN" sz="1400"/>
+          </a:p>
+          <a:p>
+            <a:pPr lvl="2"/>
+            <a:r>
+              <a:rPr lang="en-US" altLang="zh-CN" sz="1400"/>
+              <a:t>import librosa.display</a:t>
+            </a:r>
+            <a:endParaRPr lang="en-US" altLang="zh-CN" sz="1400"/>
+          </a:p>
+          <a:p>
+            <a:pPr lvl="2"/>
+            <a:r>
+              <a:rPr lang="en-US" altLang="zh-CN" sz="1400"/>
+              <a:t>plt.figure()</a:t>
+            </a:r>
+            <a:endParaRPr lang="en-US" altLang="zh-CN" sz="1400"/>
+          </a:p>
+          <a:p>
+            <a:pPr lvl="2"/>
+            <a:r>
+              <a:rPr lang="en-US" altLang="zh-CN" sz="1400"/>
+              <a:t>librosa.dipslay.waveplot(data, sample_rate)</a:t>
+            </a:r>
+            <a:endParaRPr lang="en-US" altLang="zh-CN" sz="1400"/>
+          </a:p>
+          <a:p>
+            <a:pPr lvl="2"/>
+            <a:r>
+              <a:rPr lang="en-US" altLang="zh-CN" sz="1400"/>
+              <a:t>plt.show()</a:t>
+            </a:r>
+            <a:endParaRPr lang="en-US" altLang="zh-CN" sz="1400"/>
+          </a:p>
+          <a:p>
             <a:pPr lvl="0"/>
             <a:r>
-              <a:rPr lang="en-US" altLang="x-none"/>
-              <a:t>L</a:t>
-            </a:r>
-            <a:r>
-              <a:rPr lang="x-none" altLang="en-US"/>
-              <a:t>oad model</a:t>
-            </a:r>
-            <a:r>
-              <a:rPr lang="en-US" altLang="x-none"/>
-              <a:t>s</a:t>
-            </a:r>
-            <a:endParaRPr lang="x-none" altLang="en-US"/>
-          </a:p>
-          <a:p>
-            <a:pPr lvl="1"/>
-            <a:r>
-              <a:rPr lang="x-none" altLang="en-US"/>
-              <a:t>objloader</a:t>
-            </a:r>
-            <a:r>
-              <a:rPr lang="en-US" altLang="x-none"/>
-              <a:t>, plyfile, PyAssimp, pyntcloud, PyMesh, pptk</a:t>
-            </a:r>
-            <a:endParaRPr lang="en-US" altLang="x-none"/>
-          </a:p>
+              <a:rPr lang="en-US" altLang="zh-CN" sz="1800"/>
+              <a:t>pydub</a:t>
+            </a:r>
+            <a:endParaRPr lang="en-US" altLang="zh-CN" sz="1800"/>
+          </a:p>
+          <a:p>
+            <a:pPr lvl="1"/>
+            <a:r>
+              <a:rPr lang="en-US" altLang="zh-CN" sz="1600"/>
+              <a:t>pip install pydub</a:t>
+            </a:r>
+            <a:endParaRPr lang="en-US" altLang="zh-CN" sz="1600"/>
+          </a:p>
+          <a:p>
+            <a:pPr lvl="1"/>
+            <a:r>
+              <a:rPr lang="en-US" altLang="zh-CN" sz="1600"/>
+              <a:t>from pydub import AudioSegment</a:t>
+            </a:r>
+            <a:endParaRPr lang="en-US" altLang="zh-CN" sz="1600"/>
+          </a:p>
+          <a:p>
+            <a:pPr lvl="1"/>
+            <a:r>
+              <a:rPr lang="en-US" altLang="zh-CN" sz="1600"/>
+              <a:t>sound = AudioSegment.from_mp3(fn_mp3)</a:t>
+            </a:r>
+            <a:endParaRPr lang="en-US" altLang="zh-CN" sz="1600"/>
+          </a:p>
+          <a:p>
+            <a:pPr lvl="1"/>
+            <a:r>
+              <a:rPr lang="en-US" altLang="zh-CN" sz="1600"/>
+              <a:t>sound.duration_seconds</a:t>
+            </a:r>
+            <a:endParaRPr lang="en-US" altLang="zh-CN" sz="1600"/>
+          </a:p>
+          <a:p>
+            <a:pPr lvl="1"/>
+            <a:r>
+              <a:rPr lang="en-US" altLang="zh-CN" sz="1600"/>
+              <a:t>target_sound = sound[:2000]	// 2000ms</a:t>
+            </a:r>
+            <a:endParaRPr lang="en-US" altLang="zh-CN" sz="1600"/>
+          </a:p>
+          <a:p>
+            <a:pPr lvl="1"/>
+            <a:r>
+              <a:rPr lang="en-US" altLang="zh-CN" sz="1600"/>
+              <a:t>target_sound.export(fn_output, format='mp3')</a:t>
+            </a:r>
+            <a:endParaRPr lang="en-US" altLang="zh-CN" sz="1600"/>
+          </a:p>
+        </p:txBody>
+      </p:sp>
+      <p:sp>
+        <p:nvSpPr>
+          <p:cNvPr id="4" name="内容占位符 2"/>
+          <p:cNvSpPr>
+            <a:spLocks noGrp="1"/>
+          </p:cNvSpPr>
+          <p:nvPr/>
+        </p:nvSpPr>
+        <p:spPr>
+          <a:xfrm>
+            <a:off x="6379210" y="1237615"/>
+            <a:ext cx="5418455" cy="4549140"/>
+          </a:xfrm>
+          <a:prstGeom prst="rect">
+            <a:avLst/>
+          </a:prstGeom>
+        </p:spPr>
+        <p:txBody>
+          <a:bodyPr vert="horz" lIns="91440" tIns="45720" rIns="91440" bIns="45720" rtlCol="0">
+            <a:normAutofit/>
+          </a:bodyPr>
+          <a:lstStyle>
+            <a:lvl1pPr marL="342900" indent="-342900" algn="l" defTabSz="914400" rtl="0" eaLnBrk="1" latinLnBrk="0" hangingPunct="1">
+              <a:lnSpc>
+                <a:spcPct val="90000"/>
+              </a:lnSpc>
+              <a:spcBef>
+                <a:spcPts val="1000"/>
+              </a:spcBef>
+              <a:buFont typeface="黑体" panose="02010609060101010101" pitchFamily="49" charset="-122"/>
+              <a:buChar char="〉"/>
+              <a:defRPr sz="2400" kern="1200">
+                <a:solidFill>
+                  <a:schemeClr val="tx1"/>
+                </a:solidFill>
+                <a:latin typeface="+mn-lt"/>
+                <a:ea typeface="+mn-ea"/>
+                <a:cs typeface="+mn-cs"/>
+              </a:defRPr>
+            </a:lvl1pPr>
+            <a:lvl2pPr marL="800100" indent="-342900" algn="l" defTabSz="914400" rtl="0" eaLnBrk="1" latinLnBrk="0" hangingPunct="1">
+              <a:lnSpc>
+                <a:spcPct val="90000"/>
+              </a:lnSpc>
+              <a:spcBef>
+                <a:spcPts val="500"/>
+              </a:spcBef>
+              <a:buFont typeface="Arial" panose="020B0604020202020204" pitchFamily="34" charset="0"/>
+              <a:buChar char="•"/>
+              <a:defRPr sz="2000" kern="1200">
+                <a:solidFill>
+                  <a:schemeClr val="tx1"/>
+                </a:solidFill>
+                <a:latin typeface="+mn-lt"/>
+                <a:ea typeface="+mn-ea"/>
+                <a:cs typeface="+mn-cs"/>
+              </a:defRPr>
+            </a:lvl2pPr>
+            <a:lvl3pPr marL="1257300" indent="-342900" algn="l" defTabSz="914400" rtl="0" eaLnBrk="1" latinLnBrk="0" hangingPunct="1">
+              <a:lnSpc>
+                <a:spcPct val="90000"/>
+              </a:lnSpc>
+              <a:spcBef>
+                <a:spcPts val="500"/>
+              </a:spcBef>
+              <a:buFont typeface="Arial" panose="020B0604020202020204" pitchFamily="34" charset="0"/>
+              <a:buChar char="•"/>
+              <a:defRPr sz="1800" kern="1200">
+                <a:solidFill>
+                  <a:schemeClr val="tx1"/>
+                </a:solidFill>
+                <a:latin typeface="+mn-lt"/>
+                <a:ea typeface="+mn-ea"/>
+                <a:cs typeface="+mn-cs"/>
+              </a:defRPr>
+            </a:lvl3pPr>
+            <a:lvl4pPr marL="1657350" indent="-285750" algn="l" defTabSz="914400" rtl="0" eaLnBrk="1" latinLnBrk="0" hangingPunct="1">
+              <a:lnSpc>
+                <a:spcPct val="90000"/>
+              </a:lnSpc>
+              <a:spcBef>
+                <a:spcPts val="500"/>
+              </a:spcBef>
+              <a:buFont typeface="Arial" panose="020B0604020202020204" pitchFamily="34" charset="0"/>
+              <a:buChar char="•"/>
+              <a:defRPr sz="1800" kern="1200">
+                <a:solidFill>
+                  <a:schemeClr val="tx1"/>
+                </a:solidFill>
+                <a:latin typeface="+mn-lt"/>
+                <a:ea typeface="+mn-ea"/>
+                <a:cs typeface="+mn-cs"/>
+              </a:defRPr>
+            </a:lvl4pPr>
+            <a:lvl5pPr marL="2114550" indent="-285750" algn="l" defTabSz="914400" rtl="0" eaLnBrk="1" latinLnBrk="0" hangingPunct="1">
+              <a:lnSpc>
+                <a:spcPct val="90000"/>
+              </a:lnSpc>
+              <a:spcBef>
+                <a:spcPts val="500"/>
+              </a:spcBef>
+              <a:buFont typeface="Arial" panose="020B0604020202020204" pitchFamily="34" charset="0"/>
+              <a:buChar char="•"/>
+              <a:defRPr sz="1800" kern="1200">
+                <a:solidFill>
+                  <a:schemeClr val="tx1"/>
+                </a:solidFill>
+                <a:latin typeface="+mn-lt"/>
+                <a:ea typeface="+mn-ea"/>
+                <a:cs typeface="+mn-cs"/>
+              </a:defRPr>
+            </a:lvl5pPr>
+            <a:lvl6pPr marL="2514600" indent="-228600" algn="l" defTabSz="914400" rtl="0" eaLnBrk="1" latinLnBrk="0" hangingPunct="1">
+              <a:lnSpc>
+                <a:spcPct val="90000"/>
+              </a:lnSpc>
+              <a:spcBef>
+                <a:spcPts val="500"/>
+              </a:spcBef>
+              <a:buFont typeface="Arial" panose="020B0604020202020204" pitchFamily="34" charset="0"/>
+              <a:buChar char="•"/>
+              <a:defRPr sz="1800" kern="1200">
+                <a:solidFill>
+                  <a:schemeClr val="tx1"/>
+                </a:solidFill>
+                <a:latin typeface="+mn-lt"/>
+                <a:ea typeface="+mn-ea"/>
+                <a:cs typeface="+mn-cs"/>
+              </a:defRPr>
+            </a:lvl6pPr>
+            <a:lvl7pPr marL="2971800" indent="-228600" algn="l" defTabSz="914400" rtl="0" eaLnBrk="1" latinLnBrk="0" hangingPunct="1">
+              <a:lnSpc>
+                <a:spcPct val="90000"/>
+              </a:lnSpc>
+              <a:spcBef>
+                <a:spcPts val="500"/>
+              </a:spcBef>
+              <a:buFont typeface="Arial" panose="020B0604020202020204" pitchFamily="34" charset="0"/>
+              <a:buChar char="•"/>
+              <a:defRPr sz="1800" kern="1200">
+                <a:solidFill>
+                  <a:schemeClr val="tx1"/>
+                </a:solidFill>
+                <a:latin typeface="+mn-lt"/>
+                <a:ea typeface="+mn-ea"/>
+                <a:cs typeface="+mn-cs"/>
+              </a:defRPr>
+            </a:lvl7pPr>
+            <a:lvl8pPr marL="3429000" indent="-228600" algn="l" defTabSz="914400" rtl="0" eaLnBrk="1" latinLnBrk="0" hangingPunct="1">
+              <a:lnSpc>
+                <a:spcPct val="90000"/>
+              </a:lnSpc>
+              <a:spcBef>
+                <a:spcPts val="500"/>
+              </a:spcBef>
+              <a:buFont typeface="Arial" panose="020B0604020202020204" pitchFamily="34" charset="0"/>
+              <a:buChar char="•"/>
+              <a:defRPr sz="1800" kern="1200">
+                <a:solidFill>
+                  <a:schemeClr val="tx1"/>
+                </a:solidFill>
+                <a:latin typeface="+mn-lt"/>
+                <a:ea typeface="+mn-ea"/>
+                <a:cs typeface="+mn-cs"/>
+              </a:defRPr>
+            </a:lvl8pPr>
+            <a:lvl9pPr marL="3886200" indent="-228600" algn="l" defTabSz="914400" rtl="0" eaLnBrk="1" latinLnBrk="0" hangingPunct="1">
+              <a:lnSpc>
+                <a:spcPct val="90000"/>
+              </a:lnSpc>
+              <a:spcBef>
+                <a:spcPts val="500"/>
+              </a:spcBef>
+              <a:buFont typeface="Arial" panose="020B0604020202020204" pitchFamily="34" charset="0"/>
+              <a:buChar char="•"/>
+              <a:defRPr sz="1800" kern="1200">
+                <a:solidFill>
+                  <a:schemeClr val="tx1"/>
+                </a:solidFill>
+                <a:latin typeface="+mn-lt"/>
+                <a:ea typeface="+mn-ea"/>
+                <a:cs typeface="+mn-cs"/>
+              </a:defRPr>
+            </a:lvl9pPr>
+          </a:lstStyle>
           <a:p>
             <a:pPr lvl="0"/>
             <a:r>
-              <a:rPr lang="x-none" altLang="en-US"/>
-              <a:t>3D math functions</a:t>
-            </a:r>
-            <a:endParaRPr lang="x-none" altLang="en-US"/>
-          </a:p>
-          <a:p>
-            <a:pPr lvl="1"/>
-            <a:r>
-              <a:rPr lang="x-none" altLang="en-US"/>
-              <a:t>pip install pyrr</a:t>
-            </a:r>
-            <a:endParaRPr lang="x-none" altLang="en-US"/>
+              <a:rPr lang="en-US" altLang="zh-CN" sz="2400">
+                <a:sym typeface="+mn-ea"/>
+              </a:rPr>
+              <a:t>srt subtitle</a:t>
+            </a:r>
+            <a:endParaRPr lang="en-US" altLang="zh-CN" sz="2400"/>
+          </a:p>
+          <a:p>
+            <a:pPr lvl="1"/>
+            <a:r>
+              <a:rPr lang="en-US" altLang="zh-CN">
+                <a:sym typeface="+mn-ea"/>
+              </a:rPr>
+              <a:t>https://srt.readthedocs.io/en/latest/index.html</a:t>
+            </a:r>
+            <a:endParaRPr lang="en-US" altLang="zh-CN">
+              <a:sym typeface="+mn-ea"/>
+            </a:endParaRPr>
+          </a:p>
+          <a:p>
+            <a:pPr lvl="1"/>
+            <a:r>
+              <a:rPr lang="en-US" altLang="zh-CN">
+                <a:sym typeface="+mn-ea"/>
+              </a:rPr>
+              <a:t>pip install srt</a:t>
+            </a:r>
+            <a:endParaRPr lang="en-US" altLang="zh-CN">
+              <a:sym typeface="+mn-ea"/>
+            </a:endParaRPr>
+          </a:p>
+          <a:p>
+            <a:pPr lvl="1"/>
+            <a:r>
+              <a:rPr lang="en-US" altLang="zh-CN"/>
+              <a:t>subtitle_generator = srt.parse(srt_conents)</a:t>
+            </a:r>
+            <a:endParaRPr lang="en-US" altLang="zh-CN"/>
+          </a:p>
+          <a:p>
+            <a:pPr lvl="2"/>
+            <a:r>
+              <a:rPr lang="en-US" altLang="zh-CN"/>
+              <a:t>subtitle_generator[0].start/end/content</a:t>
+            </a:r>
+            <a:endParaRPr lang="en-US" altLang="zh-CN"/>
+          </a:p>
+          <a:p>
+            <a:pPr lvl="1"/>
+            <a:r>
+              <a:rPr lang="en-US" altLang="zh-CN"/>
+              <a:t>srt_content = srt.compose(subtitles)</a:t>
+            </a:r>
+            <a:endParaRPr lang="en-US" altLang="zh-CN"/>
+          </a:p>
+          <a:p>
+            <a:pPr lvl="2"/>
+            <a:r>
+              <a:rPr lang="en-US" altLang="zh-CN" sz="1800"/>
+              <a:t>srt.Subtitle(index, start, end, content)</a:t>
+            </a:r>
+            <a:endParaRPr lang="en-US" altLang="zh-CN"/>
           </a:p>
           <a:p>
             <a:pPr lvl="0"/>
             <a:r>
-              <a:rPr lang="en-US" altLang="x-none"/>
-              <a:t>Rendering</a:t>
-            </a:r>
-            <a:endParaRPr lang="en-US" altLang="x-none"/>
-          </a:p>
-          <a:p>
-            <a:pPr lvl="1"/>
-            <a:r>
-              <a:rPr lang="en-US" altLang="x-none"/>
-              <a:t>Open3D (https://github.com/IntelVCL/Open3D)</a:t>
-            </a:r>
-            <a:endParaRPr lang="en-US" altLang="x-none"/>
-          </a:p>
-          <a:p>
-            <a:pPr lvl="2"/>
-            <a:r>
-              <a:rPr lang="en-US" altLang="x-none"/>
-              <a:t>pip install open3d</a:t>
-            </a:r>
-            <a:endParaRPr lang="en-US" altLang="x-none"/>
-          </a:p>
-          <a:p>
-            <a:pPr lvl="1"/>
-            <a:r>
-              <a:rPr lang="en-US" altLang="x-none"/>
-              <a:t>PyOpenGL</a:t>
-            </a:r>
-            <a:endParaRPr lang="en-US" altLang="x-none"/>
-          </a:p>
-          <a:p>
-            <a:pPr lvl="1"/>
-            <a:r>
-              <a:rPr lang="en-US" altLang="x-none"/>
-              <a:t>ModernGL</a:t>
-            </a:r>
-            <a:endParaRPr lang="en-US" altLang="x-none"/>
-          </a:p>
-          <a:p>
-            <a:pPr lvl="2"/>
-            <a:r>
-              <a:rPr lang="en-US" altLang="x-none" sz="1800"/>
-              <a:t>Simpler and faster than PyOpenGL</a:t>
-            </a:r>
-            <a:endParaRPr lang="en-US" altLang="x-none" sz="1800"/>
-          </a:p>
-          <a:p>
-            <a:pPr lvl="2"/>
-            <a:r>
-              <a:rPr lang="en-US" altLang="x-none" sz="1800"/>
-              <a:t>Can render without a window</a:t>
-            </a:r>
-            <a:endParaRPr lang="en-US" altLang="x-none" sz="1800"/>
-          </a:p>
-          <a:p>
-            <a:pPr lvl="2"/>
-            <a:r>
-              <a:rPr lang="en-US" altLang="x-none" sz="1800"/>
-              <a:t>100% Pythonic</a:t>
-            </a:r>
-            <a:endParaRPr lang="en-US" altLang="x-none" sz="1800"/>
-          </a:p>
-          <a:p>
-            <a:pPr lvl="2"/>
-            <a:r>
-              <a:rPr lang="en-US" altLang="x-none" sz="1800"/>
-              <a:t>pip install moderngl</a:t>
-            </a:r>
-            <a:endParaRPr lang="en-US" altLang="x-none"/>
-          </a:p>
-          <a:p>
-            <a:pPr lvl="1"/>
-            <a:r>
-              <a:rPr lang="en-US" altLang="x-none"/>
-              <a:t>VTK</a:t>
-            </a:r>
-            <a:endParaRPr lang="en-US" altLang="x-none"/>
-          </a:p>
-          <a:p>
-            <a:pPr lvl="2"/>
-            <a:r>
-              <a:rPr lang="en-US" altLang="x-none"/>
-              <a:t>https://vtk.org/</a:t>
-            </a:r>
-            <a:endParaRPr lang="en-US" altLang="x-none"/>
-          </a:p>
-          <a:p>
-            <a:pPr lvl="2"/>
-            <a:r>
-              <a:rPr lang="en-US" altLang="x-none"/>
-              <a:t>pip install vtk</a:t>
-            </a:r>
-            <a:endParaRPr lang="en-US" altLang="x-none"/>
+              <a:rPr lang="en-US" altLang="zh-CN"/>
+              <a:t>scipy.io.wavfile</a:t>
+            </a:r>
+            <a:endParaRPr lang="en-US" altLang="zh-CN"/>
+          </a:p>
+          <a:p>
+            <a:pPr lvl="1"/>
+            <a:r>
+              <a:rPr lang="en-US" altLang="zh-CN"/>
+              <a:t>fs, data = wavfile.read(fn)</a:t>
+            </a:r>
+            <a:endParaRPr lang="en-US" altLang="zh-CN"/>
+          </a:p>
+          <a:p>
+            <a:pPr lvl="1"/>
+            <a:r>
+              <a:rPr lang="en-US" altLang="zh-CN"/>
+              <a:t>wavfile.write(fn, fs, data)</a:t>
+            </a:r>
+            <a:endParaRPr lang="en-US" altLang="zh-CN"/>
           </a:p>
         </p:txBody>
       </p:sp>
@@ -11072,6 +11864,500 @@
 </file>
 
 <file path=ppt/slides/slide39.xml><?xml version="1.0" encoding="utf-8"?>
+<p:sld xmlns:a="http://schemas.openxmlformats.org/drawingml/2006/main" xmlns:r="http://schemas.openxmlformats.org/officeDocument/2006/relationships" xmlns:p="http://schemas.openxmlformats.org/presentationml/2006/main">
+  <p:cSld>
+    <p:spTree>
+      <p:nvGrpSpPr>
+        <p:cNvPr id="1" name=""/>
+        <p:cNvGrpSpPr/>
+        <p:nvPr/>
+      </p:nvGrpSpPr>
+      <p:grpSpPr/>
+      <p:sp>
+        <p:nvSpPr>
+          <p:cNvPr id="2" name="Title 1"/>
+          <p:cNvSpPr>
+            <a:spLocks noGrp="1"/>
+          </p:cNvSpPr>
+          <p:nvPr>
+            <p:ph type="title"/>
+          </p:nvPr>
+        </p:nvSpPr>
+        <p:spPr/>
+        <p:txBody>
+          <a:bodyPr/>
+          <a:p>
+            <a:r>
+              <a:rPr lang="x-none" altLang="en-US"/>
+              <a:t>3D</a:t>
+            </a:r>
+            <a:endParaRPr lang="x-none" altLang="en-US"/>
+          </a:p>
+        </p:txBody>
+      </p:sp>
+      <p:sp>
+        <p:nvSpPr>
+          <p:cNvPr id="3" name="Content Placeholder 2"/>
+          <p:cNvSpPr>
+            <a:spLocks noGrp="1"/>
+          </p:cNvSpPr>
+          <p:nvPr>
+            <p:ph idx="1"/>
+          </p:nvPr>
+        </p:nvSpPr>
+        <p:spPr>
+          <a:xfrm>
+            <a:off x="838200" y="1211580"/>
+            <a:ext cx="10515600" cy="4736465"/>
+          </a:xfrm>
+        </p:spPr>
+        <p:txBody>
+          <a:bodyPr>
+            <a:normAutofit lnSpcReduction="20000"/>
+          </a:bodyPr>
+          <a:p>
+            <a:pPr lvl="0"/>
+            <a:r>
+              <a:rPr lang="en-US" altLang="x-none"/>
+              <a:t>L</a:t>
+            </a:r>
+            <a:r>
+              <a:rPr lang="x-none" altLang="en-US"/>
+              <a:t>oad model</a:t>
+            </a:r>
+            <a:r>
+              <a:rPr lang="en-US" altLang="x-none"/>
+              <a:t>s</a:t>
+            </a:r>
+            <a:endParaRPr lang="x-none" altLang="en-US"/>
+          </a:p>
+          <a:p>
+            <a:pPr lvl="1"/>
+            <a:r>
+              <a:rPr lang="x-none" altLang="en-US"/>
+              <a:t>objloader</a:t>
+            </a:r>
+            <a:r>
+              <a:rPr lang="en-US" altLang="x-none"/>
+              <a:t>, plyfile, PyAssimp, pyntcloud, PyMesh, pptk</a:t>
+            </a:r>
+            <a:endParaRPr lang="en-US" altLang="x-none"/>
+          </a:p>
+          <a:p>
+            <a:pPr lvl="0"/>
+            <a:r>
+              <a:rPr lang="x-none" altLang="en-US"/>
+              <a:t>3D math functions</a:t>
+            </a:r>
+            <a:endParaRPr lang="x-none" altLang="en-US"/>
+          </a:p>
+          <a:p>
+            <a:pPr lvl="1"/>
+            <a:r>
+              <a:rPr lang="x-none" altLang="en-US"/>
+              <a:t>pip install pyrr</a:t>
+            </a:r>
+            <a:endParaRPr lang="x-none" altLang="en-US"/>
+          </a:p>
+          <a:p>
+            <a:pPr lvl="0"/>
+            <a:r>
+              <a:rPr lang="en-US" altLang="x-none"/>
+              <a:t>Rendering</a:t>
+            </a:r>
+            <a:endParaRPr lang="en-US" altLang="x-none"/>
+          </a:p>
+          <a:p>
+            <a:pPr lvl="1"/>
+            <a:r>
+              <a:rPr lang="en-US" altLang="x-none"/>
+              <a:t>Open3D (https://github.com/IntelVCL/Open3D)</a:t>
+            </a:r>
+            <a:endParaRPr lang="en-US" altLang="x-none"/>
+          </a:p>
+          <a:p>
+            <a:pPr lvl="2"/>
+            <a:r>
+              <a:rPr lang="en-US" altLang="x-none"/>
+              <a:t>pip install open3d</a:t>
+            </a:r>
+            <a:endParaRPr lang="en-US" altLang="x-none"/>
+          </a:p>
+          <a:p>
+            <a:pPr lvl="1"/>
+            <a:r>
+              <a:rPr lang="en-US" altLang="x-none"/>
+              <a:t>PyOpenGL</a:t>
+            </a:r>
+            <a:endParaRPr lang="en-US" altLang="x-none"/>
+          </a:p>
+          <a:p>
+            <a:pPr lvl="1"/>
+            <a:r>
+              <a:rPr lang="en-US" altLang="x-none"/>
+              <a:t>ModernGL</a:t>
+            </a:r>
+            <a:endParaRPr lang="en-US" altLang="x-none"/>
+          </a:p>
+          <a:p>
+            <a:pPr lvl="2"/>
+            <a:r>
+              <a:rPr lang="en-US" altLang="x-none" sz="1800"/>
+              <a:t>Simpler and faster than PyOpenGL</a:t>
+            </a:r>
+            <a:endParaRPr lang="en-US" altLang="x-none" sz="1800"/>
+          </a:p>
+          <a:p>
+            <a:pPr lvl="2"/>
+            <a:r>
+              <a:rPr lang="en-US" altLang="x-none" sz="1800"/>
+              <a:t>Can render without a window</a:t>
+            </a:r>
+            <a:endParaRPr lang="en-US" altLang="x-none" sz="1800"/>
+          </a:p>
+          <a:p>
+            <a:pPr lvl="2"/>
+            <a:r>
+              <a:rPr lang="en-US" altLang="x-none" sz="1800"/>
+              <a:t>100% Pythonic</a:t>
+            </a:r>
+            <a:endParaRPr lang="en-US" altLang="x-none" sz="1800"/>
+          </a:p>
+          <a:p>
+            <a:pPr lvl="2"/>
+            <a:r>
+              <a:rPr lang="en-US" altLang="x-none" sz="1800"/>
+              <a:t>pip install moderngl</a:t>
+            </a:r>
+            <a:endParaRPr lang="en-US" altLang="x-none"/>
+          </a:p>
+          <a:p>
+            <a:pPr lvl="1"/>
+            <a:r>
+              <a:rPr lang="en-US" altLang="x-none"/>
+              <a:t>VTK</a:t>
+            </a:r>
+            <a:endParaRPr lang="en-US" altLang="x-none"/>
+          </a:p>
+          <a:p>
+            <a:pPr lvl="2"/>
+            <a:r>
+              <a:rPr lang="en-US" altLang="x-none"/>
+              <a:t>https://vtk.org/</a:t>
+            </a:r>
+            <a:endParaRPr lang="en-US" altLang="x-none"/>
+          </a:p>
+          <a:p>
+            <a:pPr lvl="2"/>
+            <a:r>
+              <a:rPr lang="en-US" altLang="x-none"/>
+              <a:t>pip install vtk</a:t>
+            </a:r>
+            <a:endParaRPr lang="en-US" altLang="x-none"/>
+          </a:p>
+        </p:txBody>
+      </p:sp>
+    </p:spTree>
+  </p:cSld>
+  <p:clrMapOvr>
+    <a:masterClrMapping/>
+  </p:clrMapOvr>
+</p:sld>
+</file>
+
+<file path=ppt/slides/slide4.xml><?xml version="1.0" encoding="utf-8"?>
+<p:sld xmlns:a="http://schemas.openxmlformats.org/drawingml/2006/main" xmlns:r="http://schemas.openxmlformats.org/officeDocument/2006/relationships" xmlns:p="http://schemas.openxmlformats.org/presentationml/2006/main">
+  <p:cSld>
+    <p:spTree>
+      <p:nvGrpSpPr>
+        <p:cNvPr id="1" name=""/>
+        <p:cNvGrpSpPr/>
+        <p:nvPr/>
+      </p:nvGrpSpPr>
+      <p:grpSpPr/>
+      <p:sp>
+        <p:nvSpPr>
+          <p:cNvPr id="2" name="标题 1"/>
+          <p:cNvSpPr>
+            <a:spLocks noGrp="1"/>
+          </p:cNvSpPr>
+          <p:nvPr>
+            <p:ph type="title"/>
+          </p:nvPr>
+        </p:nvSpPr>
+        <p:spPr/>
+        <p:txBody>
+          <a:bodyPr/>
+          <a:p>
+            <a:r>
+              <a:rPr lang="en-US" altLang="zh-CN"/>
+              <a:t>Basic 2/2</a:t>
+            </a:r>
+            <a:endParaRPr lang="en-US" altLang="zh-CN"/>
+          </a:p>
+        </p:txBody>
+      </p:sp>
+      <p:sp>
+        <p:nvSpPr>
+          <p:cNvPr id="3" name="内容占位符 2"/>
+          <p:cNvSpPr>
+            <a:spLocks noGrp="1"/>
+          </p:cNvSpPr>
+          <p:nvPr>
+            <p:ph idx="1"/>
+          </p:nvPr>
+        </p:nvSpPr>
+        <p:spPr/>
+        <p:txBody>
+          <a:bodyPr>
+            <a:noAutofit/>
+          </a:bodyPr>
+          <a:p>
+            <a:r>
+              <a:rPr lang="en-US" altLang="zh-CN" sz="1600"/>
+              <a:t>Pip</a:t>
+            </a:r>
+            <a:endParaRPr lang="en-US" altLang="zh-CN" sz="1600"/>
+          </a:p>
+          <a:p>
+            <a:pPr lvl="1">
+              <a:buFont typeface="Wingdings" panose="05000000000000000000" pitchFamily="2" charset="2"/>
+              <a:buChar char=""/>
+            </a:pPr>
+            <a:r>
+              <a:rPr lang="en-US" altLang="en-US" sz="1400"/>
+              <a:t>sudo apt install python-pip</a:t>
+            </a:r>
+            <a:endParaRPr lang="en-US" altLang="en-US" sz="1400"/>
+          </a:p>
+          <a:p>
+            <a:pPr lvl="1">
+              <a:buFont typeface="Wingdings" panose="05000000000000000000" pitchFamily="2" charset="2"/>
+              <a:buChar char=""/>
+            </a:pPr>
+            <a:r>
+              <a:rPr lang="en-US" altLang="en-US" sz="1400"/>
+              <a:t>pip search &lt;package_name&gt;</a:t>
+            </a:r>
+            <a:endParaRPr lang="en-US" altLang="zh-CN" sz="1400"/>
+          </a:p>
+          <a:p>
+            <a:pPr lvl="1">
+              <a:buFont typeface="Wingdings" panose="05000000000000000000" pitchFamily="2" charset="2"/>
+              <a:buChar char=""/>
+            </a:pPr>
+            <a:r>
+              <a:rPr lang="en-US" altLang="zh-CN" sz="1400"/>
+              <a:t>Mirror</a:t>
+            </a:r>
+            <a:endParaRPr lang="en-US" altLang="zh-CN" sz="1400"/>
+          </a:p>
+          <a:p>
+            <a:pPr lvl="2">
+              <a:buFont typeface="Wingdings" panose="05000000000000000000" pitchFamily="2" charset="2"/>
+              <a:buChar char=""/>
+            </a:pPr>
+            <a:r>
+              <a:rPr lang="en-US" altLang="zh-CN" sz="1200"/>
+              <a:t>Linux: ~/.pip/pip.conf</a:t>
+            </a:r>
+            <a:endParaRPr lang="en-US" altLang="zh-CN" sz="1200"/>
+          </a:p>
+          <a:p>
+            <a:pPr lvl="2">
+              <a:buFont typeface="Wingdings" panose="05000000000000000000" pitchFamily="2" charset="2"/>
+              <a:buChar char=""/>
+            </a:pPr>
+            <a:r>
+              <a:rPr lang="en-US" altLang="zh-CN" sz="1200"/>
+              <a:t>Windows: C:\ProgramData\pip\pip.ini</a:t>
+            </a:r>
+            <a:endParaRPr lang="en-US" altLang="zh-CN" sz="1400">
+              <a:latin typeface="幼圆" panose="02010509060101010101" pitchFamily="49" charset="-122"/>
+              <a:ea typeface="黑体" panose="02010609060101010101" pitchFamily="49" charset="-122"/>
+            </a:endParaRPr>
+          </a:p>
+          <a:p>
+            <a:pPr lvl="0">
+              <a:buFont typeface="Wingdings" panose="05000000000000000000" pitchFamily="2" charset="2"/>
+              <a:buChar char=""/>
+            </a:pPr>
+            <a:r>
+              <a:rPr lang="en-US" altLang="zh-CN" sz="1600">
+                <a:sym typeface="+mn-ea"/>
+              </a:rPr>
+              <a:t>ipython</a:t>
+            </a:r>
+            <a:endParaRPr lang="en-US" altLang="zh-CN" sz="1600">
+              <a:sym typeface="+mn-ea"/>
+            </a:endParaRPr>
+          </a:p>
+          <a:p>
+            <a:pPr lvl="1">
+              <a:buFont typeface="Wingdings" panose="05000000000000000000" pitchFamily="2" charset="2"/>
+              <a:buChar char=""/>
+            </a:pPr>
+            <a:r>
+              <a:rPr lang="x-none" altLang="en-US" sz="1400">
+                <a:sym typeface="+mn-ea"/>
+              </a:rPr>
+              <a:t>Install ipython in each virtualenv</a:t>
+            </a:r>
+            <a:endParaRPr lang="x-none" altLang="en-US" sz="1400">
+              <a:sym typeface="+mn-ea"/>
+            </a:endParaRPr>
+          </a:p>
+          <a:p>
+            <a:pPr lvl="1">
+              <a:buFont typeface="Wingdings" panose="05000000000000000000" pitchFamily="2" charset="2"/>
+              <a:buChar char=""/>
+            </a:pPr>
+            <a:r>
+              <a:rPr lang="en-US" altLang="zh-CN" sz="1600">
+                <a:latin typeface="幼圆" panose="02010509060101010101" pitchFamily="49" charset="-122"/>
+                <a:ea typeface="黑体" panose="02010609060101010101" pitchFamily="49" charset="-122"/>
+                <a:sym typeface="+mn-ea"/>
+              </a:rPr>
+              <a:t>pip install ipython</a:t>
+            </a:r>
+            <a:endParaRPr lang="en-US" altLang="zh-CN" sz="1600">
+              <a:latin typeface="幼圆" panose="02010509060101010101" pitchFamily="49" charset="-122"/>
+              <a:ea typeface="黑体" panose="02010609060101010101" pitchFamily="49" charset="-122"/>
+            </a:endParaRPr>
+          </a:p>
+          <a:p>
+            <a:pPr lvl="1">
+              <a:buFont typeface="Wingdings" panose="05000000000000000000" pitchFamily="2" charset="2"/>
+              <a:buChar char=""/>
+            </a:pPr>
+            <a:r>
+              <a:rPr lang="en-US" altLang="zh-CN" sz="1600">
+                <a:latin typeface="幼圆" panose="02010509060101010101" pitchFamily="49" charset="-122"/>
+                <a:ea typeface="黑体" panose="02010609060101010101" pitchFamily="49" charset="-122"/>
+                <a:sym typeface="+mn-ea"/>
+              </a:rPr>
+              <a:t>history, %hist, %logstart</a:t>
+            </a:r>
+            <a:endParaRPr lang="en-US" altLang="zh-CN" sz="1600">
+              <a:latin typeface="幼圆" panose="02010509060101010101" pitchFamily="49" charset="-122"/>
+              <a:ea typeface="黑体" panose="02010609060101010101" pitchFamily="49" charset="-122"/>
+              <a:sym typeface="+mn-ea"/>
+            </a:endParaRPr>
+          </a:p>
+          <a:p>
+            <a:pPr lvl="0">
+              <a:buFont typeface="Wingdings" panose="05000000000000000000" pitchFamily="2" charset="2"/>
+              <a:buChar char=""/>
+            </a:pPr>
+            <a:r>
+              <a:rPr lang="en-US" altLang="zh-CN" sz="1600"/>
+              <a:t>Jupyter Notebook</a:t>
+            </a:r>
+            <a:endParaRPr lang="en-US" altLang="zh-CN" sz="1600"/>
+          </a:p>
+          <a:p>
+            <a:pPr lvl="1">
+              <a:buFont typeface="Wingdings" panose="05000000000000000000" pitchFamily="2" charset="2"/>
+              <a:buChar char=""/>
+            </a:pPr>
+            <a:r>
+              <a:rPr lang="en-US" altLang="zh-CN" sz="1400">
+                <a:latin typeface="幼圆" panose="02010509060101010101" pitchFamily="49" charset="-122"/>
+                <a:ea typeface="黑体" panose="02010609060101010101" pitchFamily="49" charset="-122"/>
+              </a:rPr>
+              <a:t>web-based environment that enables interactive computing in notebook documents.</a:t>
+            </a:r>
+            <a:endParaRPr lang="en-US" altLang="zh-CN" sz="1400">
+              <a:latin typeface="幼圆" panose="02010509060101010101" pitchFamily="49" charset="-122"/>
+              <a:ea typeface="黑体" panose="02010609060101010101" pitchFamily="49" charset="-122"/>
+            </a:endParaRPr>
+          </a:p>
+          <a:p>
+            <a:pPr lvl="1">
+              <a:buFont typeface="Wingdings" panose="05000000000000000000" pitchFamily="2" charset="2"/>
+              <a:buChar char=""/>
+            </a:pPr>
+            <a:r>
+              <a:rPr lang="en-US" altLang="zh-CN" sz="1400">
+                <a:latin typeface="幼圆" panose="02010509060101010101" pitchFamily="49" charset="-122"/>
+                <a:ea typeface="黑体" panose="02010609060101010101" pitchFamily="49" charset="-122"/>
+              </a:rPr>
+              <a:t>pip install jupyter, jpyter notebook</a:t>
+            </a:r>
+            <a:endParaRPr lang="en-US" altLang="zh-CN" sz="1400">
+              <a:latin typeface="幼圆" panose="02010509060101010101" pitchFamily="49" charset="-122"/>
+              <a:ea typeface="黑体" panose="02010609060101010101" pitchFamily="49" charset="-122"/>
+            </a:endParaRPr>
+          </a:p>
+        </p:txBody>
+      </p:sp>
+      <p:sp>
+        <p:nvSpPr>
+          <p:cNvPr id="4" name="Text Box 3"/>
+          <p:cNvSpPr txBox="1"/>
+          <p:nvPr/>
+        </p:nvSpPr>
+        <p:spPr>
+          <a:xfrm>
+            <a:off x="6276340" y="1290955"/>
+            <a:ext cx="5230495" cy="1753235"/>
+          </a:xfrm>
+          <a:prstGeom prst="rect">
+            <a:avLst/>
+          </a:prstGeom>
+          <a:noFill/>
+          <a:ln>
+            <a:solidFill>
+              <a:schemeClr val="accent1"/>
+            </a:solidFill>
+          </a:ln>
+        </p:spPr>
+        <p:txBody>
+          <a:bodyPr wrap="square" rtlCol="0">
+            <a:spAutoFit/>
+          </a:bodyPr>
+          <a:p>
+            <a:r>
+              <a:rPr lang="en-US"/>
+              <a:t>[global]</a:t>
+            </a:r>
+            <a:endParaRPr lang="en-US"/>
+          </a:p>
+          <a:p>
+            <a:r>
+              <a:rPr lang="en-US"/>
+              <a:t>index-url=http://mirrors.aliyun.com/pypi/simple</a:t>
+            </a:r>
+            <a:endParaRPr lang="en-US"/>
+          </a:p>
+          <a:p>
+            <a:endParaRPr lang="en-US"/>
+          </a:p>
+          <a:p>
+            <a:r>
+              <a:rPr lang="en-US"/>
+              <a:t>[install]</a:t>
+            </a:r>
+            <a:endParaRPr lang="en-US"/>
+          </a:p>
+          <a:p>
+            <a:r>
+              <a:rPr lang="en-US"/>
+              <a:t>trusted-host=mirrors.aliyun.com</a:t>
+            </a:r>
+            <a:endParaRPr lang="en-US"/>
+          </a:p>
+        </p:txBody>
+      </p:sp>
+    </p:spTree>
+  </p:cSld>
+  <p:clrMapOvr>
+    <a:masterClrMapping/>
+  </p:clrMapOvr>
+</p:sld>
+</file>
+
+<file path=ppt/slides/slide40.xml><?xml version="1.0" encoding="utf-8"?>
 <p:sld xmlns:a="http://schemas.openxmlformats.org/drawingml/2006/main" xmlns:r="http://schemas.openxmlformats.org/officeDocument/2006/relationships" xmlns:p="http://schemas.openxmlformats.org/presentationml/2006/main">
   <p:cSld>
     <p:spTree>
@@ -11432,299 +12718,7 @@
 </p:sld>
 </file>
 
-<file path=ppt/slides/slide4.xml><?xml version="1.0" encoding="utf-8"?>
-<p:sld xmlns:a="http://schemas.openxmlformats.org/drawingml/2006/main" xmlns:r="http://schemas.openxmlformats.org/officeDocument/2006/relationships" xmlns:p="http://schemas.openxmlformats.org/presentationml/2006/main">
-  <p:cSld>
-    <p:spTree>
-      <p:nvGrpSpPr>
-        <p:cNvPr id="1" name=""/>
-        <p:cNvGrpSpPr/>
-        <p:nvPr/>
-      </p:nvGrpSpPr>
-      <p:grpSpPr/>
-      <p:sp>
-        <p:nvSpPr>
-          <p:cNvPr id="2" name="标题 1"/>
-          <p:cNvSpPr>
-            <a:spLocks noGrp="1"/>
-          </p:cNvSpPr>
-          <p:nvPr>
-            <p:ph type="title"/>
-          </p:nvPr>
-        </p:nvSpPr>
-        <p:spPr/>
-        <p:txBody>
-          <a:bodyPr/>
-          <a:p>
-            <a:r>
-              <a:rPr lang="en-US" altLang="zh-CN"/>
-              <a:t>Basic 2/2</a:t>
-            </a:r>
-            <a:endParaRPr lang="en-US" altLang="zh-CN"/>
-          </a:p>
-        </p:txBody>
-      </p:sp>
-      <p:sp>
-        <p:nvSpPr>
-          <p:cNvPr id="3" name="内容占位符 2"/>
-          <p:cNvSpPr>
-            <a:spLocks noGrp="1"/>
-          </p:cNvSpPr>
-          <p:nvPr>
-            <p:ph idx="1"/>
-          </p:nvPr>
-        </p:nvSpPr>
-        <p:spPr/>
-        <p:txBody>
-          <a:bodyPr>
-            <a:noAutofit/>
-          </a:bodyPr>
-          <a:p>
-            <a:r>
-              <a:rPr lang="en-US" altLang="zh-CN" sz="1600"/>
-              <a:t>Pip</a:t>
-            </a:r>
-            <a:endParaRPr lang="en-US" altLang="zh-CN" sz="1600"/>
-          </a:p>
-          <a:p>
-            <a:pPr lvl="1">
-              <a:buFont typeface="Wingdings" panose="05000000000000000000" pitchFamily="2" charset="2"/>
-              <a:buChar char=""/>
-            </a:pPr>
-            <a:r>
-              <a:rPr lang="en-US" altLang="en-US" sz="1400"/>
-              <a:t>sudo apt install python-pip</a:t>
-            </a:r>
-            <a:endParaRPr lang="en-US" altLang="en-US" sz="1400"/>
-          </a:p>
-          <a:p>
-            <a:pPr lvl="1">
-              <a:buFont typeface="Wingdings" panose="05000000000000000000" pitchFamily="2" charset="2"/>
-              <a:buChar char=""/>
-            </a:pPr>
-            <a:r>
-              <a:rPr lang="en-US" altLang="en-US" sz="1400"/>
-              <a:t>pip search &lt;package_name&gt;</a:t>
-            </a:r>
-            <a:endParaRPr lang="en-US" altLang="zh-CN" sz="1400"/>
-          </a:p>
-          <a:p>
-            <a:pPr lvl="1">
-              <a:buFont typeface="Wingdings" panose="05000000000000000000" pitchFamily="2" charset="2"/>
-              <a:buChar char=""/>
-            </a:pPr>
-            <a:r>
-              <a:rPr lang="en-US" altLang="zh-CN" sz="1400"/>
-              <a:t>Mirror</a:t>
-            </a:r>
-            <a:endParaRPr lang="en-US" altLang="zh-CN" sz="1400"/>
-          </a:p>
-          <a:p>
-            <a:pPr lvl="2">
-              <a:buFont typeface="Wingdings" panose="05000000000000000000" pitchFamily="2" charset="2"/>
-              <a:buChar char=""/>
-            </a:pPr>
-            <a:r>
-              <a:rPr lang="en-US" altLang="zh-CN" sz="1200"/>
-              <a:t>Linux: ~/.pip/pip.conf</a:t>
-            </a:r>
-            <a:endParaRPr lang="en-US" altLang="zh-CN" sz="1200"/>
-          </a:p>
-          <a:p>
-            <a:pPr lvl="2">
-              <a:buFont typeface="Wingdings" panose="05000000000000000000" pitchFamily="2" charset="2"/>
-              <a:buChar char=""/>
-            </a:pPr>
-            <a:r>
-              <a:rPr lang="en-US" altLang="zh-CN" sz="1200"/>
-              <a:t>Windows: C:\ProgramData\pip\pip.ini</a:t>
-            </a:r>
-            <a:endParaRPr lang="en-US" altLang="zh-CN" sz="1400">
-              <a:latin typeface="幼圆" panose="02010509060101010101" pitchFamily="49" charset="-122"/>
-              <a:ea typeface="黑体" panose="02010609060101010101" pitchFamily="49" charset="-122"/>
-            </a:endParaRPr>
-          </a:p>
-          <a:p>
-            <a:pPr lvl="0">
-              <a:buFont typeface="Wingdings" panose="05000000000000000000" pitchFamily="2" charset="2"/>
-              <a:buChar char=""/>
-            </a:pPr>
-            <a:r>
-              <a:rPr lang="en-US" altLang="zh-CN" sz="1600">
-                <a:sym typeface="+mn-ea"/>
-              </a:rPr>
-              <a:t>ipython</a:t>
-            </a:r>
-            <a:endParaRPr lang="en-US" altLang="zh-CN" sz="1600">
-              <a:sym typeface="+mn-ea"/>
-            </a:endParaRPr>
-          </a:p>
-          <a:p>
-            <a:pPr lvl="1">
-              <a:buFont typeface="Wingdings" panose="05000000000000000000" pitchFamily="2" charset="2"/>
-              <a:buChar char=""/>
-            </a:pPr>
-            <a:r>
-              <a:rPr lang="x-none" altLang="en-US" sz="1400">
-                <a:sym typeface="+mn-ea"/>
-              </a:rPr>
-              <a:t>Install ipython in each virtualenv</a:t>
-            </a:r>
-            <a:endParaRPr lang="x-none" altLang="en-US" sz="1400">
-              <a:sym typeface="+mn-ea"/>
-            </a:endParaRPr>
-          </a:p>
-          <a:p>
-            <a:pPr lvl="1">
-              <a:buFont typeface="Wingdings" panose="05000000000000000000" pitchFamily="2" charset="2"/>
-              <a:buChar char=""/>
-            </a:pPr>
-            <a:r>
-              <a:rPr lang="en-US" altLang="zh-CN" sz="1600">
-                <a:latin typeface="幼圆" panose="02010509060101010101" pitchFamily="49" charset="-122"/>
-                <a:ea typeface="黑体" panose="02010609060101010101" pitchFamily="49" charset="-122"/>
-                <a:sym typeface="+mn-ea"/>
-              </a:rPr>
-              <a:t>pip install ipython</a:t>
-            </a:r>
-            <a:endParaRPr lang="en-US" altLang="zh-CN" sz="1600">
-              <a:latin typeface="幼圆" panose="02010509060101010101" pitchFamily="49" charset="-122"/>
-              <a:ea typeface="黑体" panose="02010609060101010101" pitchFamily="49" charset="-122"/>
-            </a:endParaRPr>
-          </a:p>
-          <a:p>
-            <a:pPr lvl="1">
-              <a:buFont typeface="Wingdings" panose="05000000000000000000" pitchFamily="2" charset="2"/>
-              <a:buChar char=""/>
-            </a:pPr>
-            <a:r>
-              <a:rPr lang="en-US" altLang="zh-CN" sz="1600">
-                <a:latin typeface="幼圆" panose="02010509060101010101" pitchFamily="49" charset="-122"/>
-                <a:ea typeface="黑体" panose="02010609060101010101" pitchFamily="49" charset="-122"/>
-                <a:sym typeface="+mn-ea"/>
-              </a:rPr>
-              <a:t>history, %hist, %logstart</a:t>
-            </a:r>
-            <a:endParaRPr lang="en-US" altLang="zh-CN" sz="1600">
-              <a:latin typeface="幼圆" panose="02010509060101010101" pitchFamily="49" charset="-122"/>
-              <a:ea typeface="黑体" panose="02010609060101010101" pitchFamily="49" charset="-122"/>
-              <a:sym typeface="+mn-ea"/>
-            </a:endParaRPr>
-          </a:p>
-          <a:p>
-            <a:pPr lvl="0">
-              <a:buFont typeface="Wingdings" panose="05000000000000000000" pitchFamily="2" charset="2"/>
-              <a:buChar char=""/>
-            </a:pPr>
-            <a:r>
-              <a:rPr lang="en-US" altLang="zh-CN" sz="1600"/>
-              <a:t>Jupyter Notebook</a:t>
-            </a:r>
-            <a:endParaRPr lang="en-US" altLang="zh-CN" sz="1600"/>
-          </a:p>
-          <a:p>
-            <a:pPr lvl="1">
-              <a:buFont typeface="Wingdings" panose="05000000000000000000" pitchFamily="2" charset="2"/>
-              <a:buChar char=""/>
-            </a:pPr>
-            <a:r>
-              <a:rPr lang="en-US" altLang="zh-CN" sz="1400">
-                <a:latin typeface="幼圆" panose="02010509060101010101" pitchFamily="49" charset="-122"/>
-                <a:ea typeface="黑体" panose="02010609060101010101" pitchFamily="49" charset="-122"/>
-              </a:rPr>
-              <a:t>web-based environment that enables interactive computing in notebook documents.</a:t>
-            </a:r>
-            <a:endParaRPr lang="en-US" altLang="zh-CN" sz="1400">
-              <a:latin typeface="幼圆" panose="02010509060101010101" pitchFamily="49" charset="-122"/>
-              <a:ea typeface="黑体" panose="02010609060101010101" pitchFamily="49" charset="-122"/>
-            </a:endParaRPr>
-          </a:p>
-          <a:p>
-            <a:pPr lvl="1">
-              <a:buFont typeface="Wingdings" panose="05000000000000000000" pitchFamily="2" charset="2"/>
-              <a:buChar char=""/>
-            </a:pPr>
-            <a:r>
-              <a:rPr lang="en-US" altLang="zh-CN" sz="1400">
-                <a:latin typeface="幼圆" panose="02010509060101010101" pitchFamily="49" charset="-122"/>
-                <a:ea typeface="黑体" panose="02010609060101010101" pitchFamily="49" charset="-122"/>
-              </a:rPr>
-              <a:t>pip install jupyter, jpyter notebook</a:t>
-            </a:r>
-            <a:endParaRPr lang="en-US" altLang="zh-CN" sz="1400">
-              <a:latin typeface="幼圆" panose="02010509060101010101" pitchFamily="49" charset="-122"/>
-              <a:ea typeface="黑体" panose="02010609060101010101" pitchFamily="49" charset="-122"/>
-            </a:endParaRPr>
-          </a:p>
-        </p:txBody>
-      </p:sp>
-      <p:sp>
-        <p:nvSpPr>
-          <p:cNvPr id="4" name="Text Box 3"/>
-          <p:cNvSpPr txBox="1"/>
-          <p:nvPr/>
-        </p:nvSpPr>
-        <p:spPr>
-          <a:xfrm>
-            <a:off x="6276340" y="1290955"/>
-            <a:ext cx="5230495" cy="1753235"/>
-          </a:xfrm>
-          <a:prstGeom prst="rect">
-            <a:avLst/>
-          </a:prstGeom>
-          <a:noFill/>
-          <a:ln>
-            <a:solidFill>
-              <a:schemeClr val="accent1"/>
-            </a:solidFill>
-          </a:ln>
-        </p:spPr>
-        <p:txBody>
-          <a:bodyPr wrap="square" rtlCol="0">
-            <a:spAutoFit/>
-          </a:bodyPr>
-          <a:p>
-            <a:r>
-              <a:rPr lang="en-US"/>
-              <a:t>[global]</a:t>
-            </a:r>
-            <a:endParaRPr lang="en-US"/>
-          </a:p>
-          <a:p>
-            <a:r>
-              <a:rPr lang="en-US"/>
-              <a:t>index-url=http://mirrors.aliyun.com/pypi/simple</a:t>
-            </a:r>
-            <a:endParaRPr lang="en-US"/>
-          </a:p>
-          <a:p>
-            <a:endParaRPr lang="en-US"/>
-          </a:p>
-          <a:p>
-            <a:r>
-              <a:rPr lang="en-US"/>
-              <a:t>[install]</a:t>
-            </a:r>
-            <a:endParaRPr lang="en-US"/>
-          </a:p>
-          <a:p>
-            <a:r>
-              <a:rPr lang="en-US"/>
-              <a:t>trusted-host=mirrors.aliyun.com</a:t>
-            </a:r>
-            <a:endParaRPr lang="en-US"/>
-          </a:p>
-        </p:txBody>
-      </p:sp>
-    </p:spTree>
-  </p:cSld>
-  <p:clrMapOvr>
-    <a:masterClrMapping/>
-  </p:clrMapOvr>
-</p:sld>
-</file>
-
-<file path=ppt/slides/slide40.xml><?xml version="1.0" encoding="utf-8"?>
+<file path=ppt/slides/slide41.xml><?xml version="1.0" encoding="utf-8"?>
 <p:sld xmlns:a="http://schemas.openxmlformats.org/drawingml/2006/main" xmlns:r="http://schemas.openxmlformats.org/officeDocument/2006/relationships" xmlns:p="http://schemas.openxmlformats.org/presentationml/2006/main">
   <p:cSld>
     <p:spTree>
@@ -11963,124 +12957,6 @@
           </a:p>
           <a:p>
             <a:endParaRPr lang="zh-CN" altLang="en-US"/>
-          </a:p>
-        </p:txBody>
-      </p:sp>
-    </p:spTree>
-  </p:cSld>
-  <p:clrMapOvr>
-    <a:masterClrMapping/>
-  </p:clrMapOvr>
-</p:sld>
-</file>
-
-<file path=ppt/slides/slide41.xml><?xml version="1.0" encoding="utf-8"?>
-<p:sld xmlns:a="http://schemas.openxmlformats.org/drawingml/2006/main" xmlns:r="http://schemas.openxmlformats.org/officeDocument/2006/relationships" xmlns:p="http://schemas.openxmlformats.org/presentationml/2006/main">
-  <p:cSld>
-    <p:spTree>
-      <p:nvGrpSpPr>
-        <p:cNvPr id="1" name=""/>
-        <p:cNvGrpSpPr/>
-        <p:nvPr/>
-      </p:nvGrpSpPr>
-      <p:grpSpPr/>
-      <p:sp>
-        <p:nvSpPr>
-          <p:cNvPr id="2" name="标题 1"/>
-          <p:cNvSpPr>
-            <a:spLocks noGrp="1"/>
-          </p:cNvSpPr>
-          <p:nvPr>
-            <p:ph type="title"/>
-          </p:nvPr>
-        </p:nvSpPr>
-        <p:spPr/>
-        <p:txBody>
-          <a:bodyPr/>
-          <a:p>
-            <a:r>
-              <a:rPr lang="en-US" altLang="zh-CN"/>
-              <a:t>QRCode</a:t>
-            </a:r>
-            <a:endParaRPr lang="en-US" altLang="zh-CN"/>
-          </a:p>
-        </p:txBody>
-      </p:sp>
-      <p:sp>
-        <p:nvSpPr>
-          <p:cNvPr id="3" name="内容占位符 2"/>
-          <p:cNvSpPr>
-            <a:spLocks noGrp="1"/>
-          </p:cNvSpPr>
-          <p:nvPr>
-            <p:ph idx="1"/>
-          </p:nvPr>
-        </p:nvSpPr>
-        <p:spPr/>
-        <p:txBody>
-          <a:bodyPr/>
-          <a:p>
-            <a:r>
-              <a:rPr lang="en-US" altLang="zh-CN"/>
-              <a:t>Genration</a:t>
-            </a:r>
-            <a:endParaRPr lang="en-US" altLang="zh-CN"/>
-          </a:p>
-          <a:p>
-            <a:pPr lvl="1"/>
-            <a:r>
-              <a:rPr lang="en-US" altLang="zh-CN"/>
-              <a:t>pip install qrcode</a:t>
-            </a:r>
-            <a:endParaRPr lang="en-US" altLang="zh-CN"/>
-          </a:p>
-          <a:p>
-            <a:pPr lvl="1"/>
-            <a:r>
-              <a:rPr lang="en-US" altLang="zh-CN"/>
-              <a:t>img = qrcode.make(string1)	// img: PIL.Image</a:t>
-            </a:r>
-            <a:endParaRPr lang="en-US" altLang="zh-CN"/>
-          </a:p>
-          <a:p>
-            <a:pPr lvl="1"/>
-            <a:r>
-              <a:rPr lang="en-US" altLang="zh-CN"/>
-              <a:t>img.show()</a:t>
-            </a:r>
-            <a:endParaRPr lang="en-US" altLang="zh-CN"/>
-          </a:p>
-          <a:p>
-            <a:pPr lvl="1"/>
-            <a:r>
-              <a:rPr lang="en-US" altLang="zh-CN"/>
-              <a:t>img.save('fn.png')</a:t>
-            </a:r>
-            <a:endParaRPr lang="en-US" altLang="zh-CN"/>
-          </a:p>
-          <a:p>
-            <a:pPr lvl="0"/>
-            <a:r>
-              <a:rPr lang="en-US" altLang="zh-CN"/>
-              <a:t>Read</a:t>
-            </a:r>
-            <a:endParaRPr lang="en-US" altLang="zh-CN"/>
-          </a:p>
-          <a:p>
-            <a:pPr lvl="1"/>
-            <a:r>
-              <a:rPr lang="en-US" altLang="zh-CN"/>
-              <a:t>detector = cv.QRCodeDetector()</a:t>
-            </a:r>
-            <a:endParaRPr lang="en-US" altLang="zh-CN"/>
-          </a:p>
-          <a:p>
-            <a:pPr lvl="1"/>
-            <a:r>
-              <a:rPr lang="en-US" altLang="zh-CN"/>
-              <a:t>data, bbox, straight_qrcode = detector.detectAndDecode(img)</a:t>
-            </a:r>
-            <a:endParaRPr lang="en-US" altLang="zh-CN"/>
           </a:p>
         </p:txBody>
       </p:sp>
@@ -12118,7 +12994,7 @@
           <a:p>
             <a:r>
               <a:rPr lang="en-US" altLang="zh-CN"/>
-              <a:t>Base64</a:t>
+              <a:t>NetworkX</a:t>
             </a:r>
             <a:endParaRPr lang="en-US" altLang="zh-CN"/>
           </a:p>
@@ -12134,60 +13010,328 @@
             <p:ph idx="1"/>
           </p:nvPr>
         </p:nvSpPr>
-        <p:spPr/>
+        <p:spPr>
+          <a:xfrm>
+            <a:off x="838200" y="1211580"/>
+            <a:ext cx="3997325" cy="4549140"/>
+          </a:xfrm>
+        </p:spPr>
         <p:txBody>
           <a:bodyPr/>
           <a:p>
             <a:r>
               <a:rPr lang="en-US" altLang="zh-CN"/>
-              <a:t>import base64</a:t>
-            </a:r>
-            <a:endParaRPr lang="en-US" altLang="zh-CN"/>
-          </a:p>
-          <a:p>
-            <a:r>
-              <a:rPr lang="en-US" altLang="zh-CN"/>
-              <a:t>Encode</a:t>
-            </a:r>
-            <a:endParaRPr lang="en-US" altLang="zh-CN"/>
-          </a:p>
-          <a:p>
-            <a:pPr lvl="1"/>
-            <a:r>
-              <a:rPr lang="en-US" altLang="zh-CN"/>
-              <a:t>bytes_base64 = base64.encodebytes(bytestring)</a:t>
-            </a:r>
-            <a:endParaRPr lang="en-US" altLang="zh-CN"/>
-          </a:p>
-          <a:p>
-            <a:pPr lvl="1"/>
-            <a:r>
-              <a:rPr lang="en-US" altLang="zh-CN"/>
-              <a:t>bytes_base64 = base64.encode(file_input, file_output)</a:t>
-            </a:r>
-            <a:endParaRPr lang="en-US" altLang="zh-CN"/>
-          </a:p>
-          <a:p>
-            <a:pPr lvl="0"/>
-            <a:r>
-              <a:rPr lang="en-US" altLang="zh-CN"/>
-              <a:t>Decode</a:t>
-            </a:r>
-            <a:endParaRPr lang="en-US" altLang="zh-CN"/>
-          </a:p>
-          <a:p>
-            <a:pPr lvl="1"/>
-            <a:r>
-              <a:rPr lang="en-US" altLang="zh-CN"/>
-              <a:t>bytes = base64.decodebytes(bytes_base64)</a:t>
-            </a:r>
-            <a:endParaRPr lang="en-US" altLang="zh-CN"/>
-          </a:p>
-          <a:p>
-            <a:pPr lvl="1"/>
-            <a:r>
-              <a:rPr lang="en-US" altLang="zh-CN"/>
-              <a:t>base64.decode(file_input, file_output)</a:t>
+              <a:t>Usage</a:t>
+            </a:r>
+            <a:endParaRPr lang="en-US" altLang="zh-CN"/>
+          </a:p>
+          <a:p>
+            <a:pPr lvl="1"/>
+            <a:r>
+              <a:rPr lang="en-US" altLang="zh-CN"/>
+              <a:t>import networkx as nx</a:t>
+            </a:r>
+            <a:endParaRPr lang="en-US" altLang="zh-CN"/>
+          </a:p>
+          <a:p>
+            <a:pPr lvl="1"/>
+            <a:r>
+              <a:rPr lang="en-US" altLang="zh-CN"/>
+              <a:t>G = nx.Graph()</a:t>
+            </a:r>
+            <a:endParaRPr lang="en-US" altLang="zh-CN"/>
+          </a:p>
+          <a:p>
+            <a:pPr lvl="1"/>
+            <a:r>
+              <a:rPr lang="en-US" altLang="zh-CN"/>
+              <a:t>DG = nx.DiGraph()</a:t>
+            </a:r>
+            <a:endParaRPr lang="en-US" altLang="zh-CN"/>
+          </a:p>
+          <a:p>
+            <a:pPr lvl="2"/>
+            <a:r>
+              <a:rPr lang="en-US" altLang="zh-CN"/>
+              <a:t>directed graph</a:t>
+            </a:r>
+            <a:endParaRPr lang="en-US" altLang="zh-CN"/>
+          </a:p>
+          <a:p>
+            <a:pPr lvl="1"/>
+            <a:r>
+              <a:rPr lang="en-US" altLang="zh-CN"/>
+              <a:t>MG = nx.MultiGraph()</a:t>
+            </a:r>
+            <a:endParaRPr lang="en-US" altLang="zh-CN"/>
+          </a:p>
+          <a:p>
+            <a:pPr lvl="2"/>
+            <a:r>
+              <a:rPr lang="en-US" altLang="zh-CN"/>
+              <a:t>allow multiple edges between any pair of nodes</a:t>
+            </a:r>
+            <a:endParaRPr lang="en-US" altLang="zh-CN"/>
+          </a:p>
+          <a:p>
+            <a:pPr lvl="1"/>
+            <a:r>
+              <a:rPr lang="en-US" altLang="zh-CN"/>
+              <a:t>nx.connected_components(G)</a:t>
+            </a:r>
+            <a:endParaRPr lang="en-US" altLang="zh-CN"/>
+          </a:p>
+          <a:p>
+            <a:pPr lvl="1"/>
+            <a:r>
+              <a:rPr lang="en-US" altLang="zh-CN"/>
+              <a:t>nx.peterson_graph()</a:t>
+            </a:r>
+            <a:endParaRPr lang="en-US" altLang="zh-CN"/>
+          </a:p>
+          <a:p>
+            <a:pPr lvl="1"/>
+            <a:r>
+              <a:rPr lang="en-US" altLang="zh-CN"/>
+              <a:t>nx.draw(G, with_labels=True)</a:t>
+            </a:r>
+            <a:endParaRPr lang="en-US" altLang="zh-CN"/>
+          </a:p>
+        </p:txBody>
+      </p:sp>
+      <p:sp>
+        <p:nvSpPr>
+          <p:cNvPr id="4" name="矩形 3"/>
+          <p:cNvSpPr/>
+          <p:nvPr/>
+        </p:nvSpPr>
+        <p:spPr>
+          <a:xfrm>
+            <a:off x="5082540" y="1081405"/>
+            <a:ext cx="4017645" cy="5500370"/>
+          </a:xfrm>
+          <a:prstGeom prst="rect">
+            <a:avLst/>
+          </a:prstGeom>
+        </p:spPr>
+        <p:style>
+          <a:lnRef idx="2">
+            <a:schemeClr val="accent1">
+              <a:shade val="50000"/>
+            </a:schemeClr>
+          </a:lnRef>
+          <a:fillRef idx="1">
+            <a:schemeClr val="accent1"/>
+          </a:fillRef>
+          <a:effectRef idx="0">
+            <a:schemeClr val="accent1"/>
+          </a:effectRef>
+          <a:fontRef idx="minor">
+            <a:schemeClr val="lt1"/>
+          </a:fontRef>
+        </p:style>
+        <p:txBody>
+          <a:bodyPr rtlCol="0" anchor="ctr"/>
+          <a:p>
+            <a:pPr algn="ctr"/>
+            <a:r>
+              <a:rPr lang="en-US" altLang="zh-CN"/>
+              <a:t>Graph</a:t>
+            </a:r>
+            <a:endParaRPr lang="en-US" altLang="zh-CN"/>
+          </a:p>
+          <a:p>
+            <a:pPr algn="l"/>
+            <a:r>
+              <a:rPr lang="en-US" altLang="zh-CN"/>
+              <a:t>-nodes</a:t>
+            </a:r>
+            <a:endParaRPr lang="en-US" altLang="zh-CN"/>
+          </a:p>
+          <a:p>
+            <a:pPr algn="l"/>
+            <a:r>
+              <a:rPr lang="en-US" altLang="zh-CN"/>
+              <a:t>-edges</a:t>
+            </a:r>
+            <a:endParaRPr lang="en-US" altLang="zh-CN"/>
+          </a:p>
+          <a:p>
+            <a:pPr algn="l"/>
+            <a:r>
+              <a:rPr lang="en-US" altLang="zh-CN"/>
+              <a:t>- adj[obj]	# list adjacent nodes</a:t>
+            </a:r>
+            <a:endParaRPr lang="en-US" altLang="zh-CN"/>
+          </a:p>
+          <a:p>
+            <a:pPr algn="l"/>
+            <a:r>
+              <a:rPr lang="en-US" altLang="zh-CN"/>
+              <a:t>- degree[obj] # list number of edges incident to obj</a:t>
+            </a:r>
+            <a:endParaRPr lang="en-US" altLang="zh-CN"/>
+          </a:p>
+          <a:p>
+            <a:pPr algn="l"/>
+            <a:r>
+              <a:rPr lang="en-US" altLang="zh-CN"/>
+              <a:t>- remove_node(obj)</a:t>
+            </a:r>
+            <a:endParaRPr lang="en-US" altLang="zh-CN"/>
+          </a:p>
+          <a:p>
+            <a:pPr algn="l"/>
+            <a:r>
+              <a:rPr lang="en-US" altLang="zh-CN"/>
+              <a:t>- remove_edge(edge)</a:t>
+            </a:r>
+            <a:endParaRPr lang="en-US" altLang="zh-CN"/>
+          </a:p>
+          <a:p>
+            <a:pPr algn="l"/>
+            <a:endParaRPr lang="en-US" altLang="zh-CN"/>
+          </a:p>
+          <a:p>
+            <a:pPr algn="l"/>
+            <a:r>
+              <a:rPr lang="en-US" altLang="zh-CN"/>
+              <a:t>- add_node(obj)</a:t>
+            </a:r>
+            <a:endParaRPr lang="en-US" altLang="zh-CN"/>
+          </a:p>
+          <a:p>
+            <a:pPr algn="l"/>
+            <a:r>
+              <a:rPr lang="en-US" altLang="zh-CN"/>
+              <a:t>- add_nodes_from([obj_list])</a:t>
+            </a:r>
+            <a:endParaRPr lang="en-US" altLang="zh-CN"/>
+          </a:p>
+          <a:p>
+            <a:pPr algn="l"/>
+            <a:r>
+              <a:rPr lang="en-US" altLang="zh-CN"/>
+              <a:t>- add_edge(edge_start, edge_end)</a:t>
+            </a:r>
+            <a:endParaRPr lang="en-US" altLang="zh-CN"/>
+          </a:p>
+          <a:p>
+            <a:pPr algn="l"/>
+            <a:r>
+              <a:rPr lang="en-US" altLang="zh-CN"/>
+              <a:t>- add_edges_from([edges])</a:t>
+            </a:r>
+            <a:endParaRPr lang="en-US" altLang="zh-CN"/>
+          </a:p>
+          <a:p>
+            <a:pPr algn="l"/>
+            <a:r>
+              <a:rPr lang="en-US" altLang="zh-CN"/>
+              <a:t>- add_weighted_edges_from([edges])</a:t>
+            </a:r>
+            <a:endParaRPr lang="en-US" altLang="zh-CN"/>
+          </a:p>
+          <a:p>
+            <a:pPr algn="l"/>
+            <a:r>
+              <a:rPr lang="en-US" altLang="zh-CN"/>
+              <a:t>- clear()</a:t>
+            </a:r>
+            <a:endParaRPr lang="en-US" altLang="zh-CN"/>
+          </a:p>
+          <a:p>
+            <a:pPr algn="l"/>
+            <a:r>
+              <a:rPr lang="en-US" altLang="zh-CN"/>
+              <a:t>- number_of_nodes()</a:t>
+            </a:r>
+            <a:endParaRPr lang="en-US" altLang="zh-CN"/>
+          </a:p>
+          <a:p>
+            <a:pPr algn="l"/>
+            <a:r>
+              <a:rPr lang="en-US" altLang="zh-CN"/>
+              <a:t>- number_of_edges()</a:t>
+            </a:r>
+            <a:endParaRPr lang="en-US" altLang="zh-CN"/>
+          </a:p>
+          <a:p>
+            <a:pPr algn="l"/>
+            <a:endParaRPr lang="en-US" altLang="zh-CN"/>
+          </a:p>
+        </p:txBody>
+      </p:sp>
+      <p:sp>
+        <p:nvSpPr>
+          <p:cNvPr id="5" name="矩形 4"/>
+          <p:cNvSpPr/>
+          <p:nvPr/>
+        </p:nvSpPr>
+        <p:spPr>
+          <a:xfrm>
+            <a:off x="9230995" y="1211580"/>
+            <a:ext cx="2803525" cy="4927600"/>
+          </a:xfrm>
+          <a:prstGeom prst="rect">
+            <a:avLst/>
+          </a:prstGeom>
+        </p:spPr>
+        <p:style>
+          <a:lnRef idx="2">
+            <a:schemeClr val="accent1">
+              <a:shade val="50000"/>
+            </a:schemeClr>
+          </a:lnRef>
+          <a:fillRef idx="1">
+            <a:schemeClr val="accent1"/>
+          </a:fillRef>
+          <a:effectRef idx="0">
+            <a:schemeClr val="accent1"/>
+          </a:effectRef>
+          <a:fontRef idx="minor">
+            <a:schemeClr val="lt1"/>
+          </a:fontRef>
+        </p:style>
+        <p:txBody>
+          <a:bodyPr rtlCol="0" anchor="ctr"/>
+          <a:p>
+            <a:pPr algn="ctr"/>
+            <a:r>
+              <a:rPr lang="en-US" altLang="zh-CN"/>
+              <a:t>DiGraph</a:t>
+            </a:r>
+            <a:endParaRPr lang="en-US" altLang="zh-CN"/>
+          </a:p>
+          <a:p>
+            <a:pPr algn="l"/>
+            <a:r>
+              <a:rPr lang="en-US" altLang="zh-CN"/>
+              <a:t>- out_edges()</a:t>
+            </a:r>
+            <a:endParaRPr lang="en-US" altLang="zh-CN"/>
+          </a:p>
+          <a:p>
+            <a:pPr algn="l"/>
+            <a:r>
+              <a:rPr lang="en-US" altLang="zh-CN"/>
+              <a:t>- in_edges()</a:t>
+            </a:r>
+            <a:endParaRPr lang="en-US" altLang="zh-CN"/>
+          </a:p>
+          <a:p>
+            <a:pPr algn="l"/>
+            <a:r>
+              <a:rPr lang="en-US" altLang="zh-CN"/>
+              <a:t>- predecessors()</a:t>
+            </a:r>
+            <a:endParaRPr lang="en-US" altLang="zh-CN"/>
+          </a:p>
+          <a:p>
+            <a:pPr algn="l"/>
+            <a:r>
+              <a:rPr lang="en-US" altLang="zh-CN"/>
+              <a:t>- sucessors()</a:t>
             </a:r>
             <a:endParaRPr lang="en-US" altLang="zh-CN"/>
           </a:p>
@@ -12202,6 +13346,422 @@
 </file>
 
 <file path=ppt/slides/slide43.xml><?xml version="1.0" encoding="utf-8"?>
+<p:sld xmlns:a="http://schemas.openxmlformats.org/drawingml/2006/main" xmlns:r="http://schemas.openxmlformats.org/officeDocument/2006/relationships" xmlns:p="http://schemas.openxmlformats.org/presentationml/2006/main">
+  <p:cSld>
+    <p:spTree>
+      <p:nvGrpSpPr>
+        <p:cNvPr id="1" name=""/>
+        <p:cNvGrpSpPr/>
+        <p:nvPr/>
+      </p:nvGrpSpPr>
+      <p:grpSpPr/>
+      <p:sp>
+        <p:nvSpPr>
+          <p:cNvPr id="2" name="标题 1"/>
+          <p:cNvSpPr>
+            <a:spLocks noGrp="1"/>
+          </p:cNvSpPr>
+          <p:nvPr>
+            <p:ph type="title"/>
+          </p:nvPr>
+        </p:nvSpPr>
+        <p:spPr/>
+        <p:txBody>
+          <a:bodyPr/>
+          <a:p>
+            <a:r>
+              <a:rPr lang="en-US" altLang="zh-CN"/>
+              <a:t>Drawing</a:t>
+            </a:r>
+            <a:endParaRPr lang="en-US" altLang="zh-CN"/>
+          </a:p>
+        </p:txBody>
+      </p:sp>
+      <p:sp>
+        <p:nvSpPr>
+          <p:cNvPr id="3" name="内容占位符 2"/>
+          <p:cNvSpPr>
+            <a:spLocks noGrp="1"/>
+          </p:cNvSpPr>
+          <p:nvPr>
+            <p:ph idx="1"/>
+          </p:nvPr>
+        </p:nvSpPr>
+        <p:spPr/>
+        <p:txBody>
+          <a:bodyPr/>
+          <a:p>
+            <a:r>
+              <a:rPr lang="en-US" altLang="zh-CN"/>
+              <a:t>from PIL import Image, ImageDraw</a:t>
+            </a:r>
+            <a:endParaRPr lang="en-US" altLang="zh-CN"/>
+          </a:p>
+          <a:p>
+            <a:pPr lvl="1"/>
+            <a:r>
+              <a:rPr lang="en-US" altLang="zh-CN"/>
+              <a:t>im = Image.new('RGB', (500, 300), (128, 128, 128))</a:t>
+            </a:r>
+            <a:endParaRPr lang="en-US" altLang="zh-CN"/>
+          </a:p>
+          <a:p>
+            <a:pPr lvl="1"/>
+            <a:r>
+              <a:rPr lang="en-US" altLang="zh-CN"/>
+              <a:t>draw = ImageDraw.Draw(im)</a:t>
+            </a:r>
+            <a:endParaRPr lang="en-US" altLang="zh-CN"/>
+          </a:p>
+          <a:p>
+            <a:pPr lvl="1"/>
+            <a:r>
+              <a:rPr lang="en-US" altLang="zh-CN"/>
+              <a:t>draw.ellipse((100, 100, 150, 200), fill=(255, 0, 0), outline=(0, 0, 0))</a:t>
+            </a:r>
+            <a:endParaRPr lang="en-US" altLang="zh-CN"/>
+          </a:p>
+          <a:p>
+            <a:pPr lvl="1"/>
+            <a:r>
+              <a:rPr lang="en-US" altLang="zh-CN"/>
+              <a:t>draw.rectangle((200, 100, 300, 200), fill=(0, 192, 192), outline=(255, 255, 255))</a:t>
+            </a:r>
+            <a:endParaRPr lang="en-US" altLang="zh-CN"/>
+          </a:p>
+          <a:p>
+            <a:pPr lvl="1"/>
+            <a:r>
+              <a:rPr lang="en-US" altLang="zh-CN"/>
+              <a:t>draw.line((350, 200, 450, 100), fill=(255, 255, 0), width=10)</a:t>
+            </a:r>
+            <a:endParaRPr lang="en-US" altLang="zh-CN"/>
+          </a:p>
+          <a:p>
+            <a:pPr lvl="1"/>
+            <a:r>
+              <a:rPr lang="en-US" altLang="zh-CN"/>
+              <a:t>im.save('imagedraw.jpg', quality=95)</a:t>
+            </a:r>
+            <a:endParaRPr lang="en-US" altLang="zh-CN"/>
+          </a:p>
+        </p:txBody>
+      </p:sp>
+    </p:spTree>
+  </p:cSld>
+  <p:clrMapOvr>
+    <a:masterClrMapping/>
+  </p:clrMapOvr>
+</p:sld>
+</file>
+
+<file path=ppt/slides/slide44.xml><?xml version="1.0" encoding="utf-8"?>
+<p:sld xmlns:a="http://schemas.openxmlformats.org/drawingml/2006/main" xmlns:r="http://schemas.openxmlformats.org/officeDocument/2006/relationships" xmlns:p="http://schemas.openxmlformats.org/presentationml/2006/main">
+  <p:cSld>
+    <p:spTree>
+      <p:nvGrpSpPr>
+        <p:cNvPr id="1" name=""/>
+        <p:cNvGrpSpPr/>
+        <p:nvPr/>
+      </p:nvGrpSpPr>
+      <p:grpSpPr/>
+      <p:sp>
+        <p:nvSpPr>
+          <p:cNvPr id="2" name="标题 1"/>
+          <p:cNvSpPr>
+            <a:spLocks noGrp="1"/>
+          </p:cNvSpPr>
+          <p:nvPr>
+            <p:ph type="title"/>
+          </p:nvPr>
+        </p:nvSpPr>
+        <p:spPr/>
+        <p:txBody>
+          <a:bodyPr/>
+          <a:p>
+            <a:r>
+              <a:rPr lang="en-US" altLang="zh-CN"/>
+              <a:t>QRCode</a:t>
+            </a:r>
+            <a:endParaRPr lang="en-US" altLang="zh-CN"/>
+          </a:p>
+        </p:txBody>
+      </p:sp>
+      <p:sp>
+        <p:nvSpPr>
+          <p:cNvPr id="3" name="内容占位符 2"/>
+          <p:cNvSpPr>
+            <a:spLocks noGrp="1"/>
+          </p:cNvSpPr>
+          <p:nvPr>
+            <p:ph idx="1"/>
+          </p:nvPr>
+        </p:nvSpPr>
+        <p:spPr/>
+        <p:txBody>
+          <a:bodyPr/>
+          <a:p>
+            <a:r>
+              <a:rPr lang="en-US" altLang="zh-CN"/>
+              <a:t>Genration</a:t>
+            </a:r>
+            <a:endParaRPr lang="en-US" altLang="zh-CN"/>
+          </a:p>
+          <a:p>
+            <a:pPr lvl="1"/>
+            <a:r>
+              <a:rPr lang="en-US" altLang="zh-CN"/>
+              <a:t>pip install qrcode</a:t>
+            </a:r>
+            <a:endParaRPr lang="en-US" altLang="zh-CN"/>
+          </a:p>
+          <a:p>
+            <a:pPr lvl="1"/>
+            <a:r>
+              <a:rPr lang="en-US" altLang="zh-CN"/>
+              <a:t>img = qrcode.make(string1)	// img: PIL.Image</a:t>
+            </a:r>
+            <a:endParaRPr lang="en-US" altLang="zh-CN"/>
+          </a:p>
+          <a:p>
+            <a:pPr lvl="1"/>
+            <a:r>
+              <a:rPr lang="en-US" altLang="zh-CN"/>
+              <a:t>img.show()</a:t>
+            </a:r>
+            <a:endParaRPr lang="en-US" altLang="zh-CN"/>
+          </a:p>
+          <a:p>
+            <a:pPr lvl="1"/>
+            <a:r>
+              <a:rPr lang="en-US" altLang="zh-CN"/>
+              <a:t>img.save('fn.png')</a:t>
+            </a:r>
+            <a:endParaRPr lang="en-US" altLang="zh-CN"/>
+          </a:p>
+          <a:p>
+            <a:pPr lvl="0"/>
+            <a:r>
+              <a:rPr lang="en-US" altLang="zh-CN"/>
+              <a:t>Read</a:t>
+            </a:r>
+            <a:endParaRPr lang="en-US" altLang="zh-CN"/>
+          </a:p>
+          <a:p>
+            <a:pPr lvl="1"/>
+            <a:r>
+              <a:rPr lang="en-US" altLang="zh-CN"/>
+              <a:t>detector = cv.QRCodeDetector()</a:t>
+            </a:r>
+            <a:endParaRPr lang="en-US" altLang="zh-CN"/>
+          </a:p>
+          <a:p>
+            <a:pPr lvl="1"/>
+            <a:r>
+              <a:rPr lang="en-US" altLang="zh-CN"/>
+              <a:t>data, bbox, straight_qrcode = detector.detectAndDecode(img)</a:t>
+            </a:r>
+            <a:endParaRPr lang="en-US" altLang="zh-CN"/>
+          </a:p>
+        </p:txBody>
+      </p:sp>
+    </p:spTree>
+  </p:cSld>
+  <p:clrMapOvr>
+    <a:masterClrMapping/>
+  </p:clrMapOvr>
+</p:sld>
+</file>
+
+<file path=ppt/slides/slide45.xml><?xml version="1.0" encoding="utf-8"?>
+<p:sld xmlns:a="http://schemas.openxmlformats.org/drawingml/2006/main" xmlns:r="http://schemas.openxmlformats.org/officeDocument/2006/relationships" xmlns:p="http://schemas.openxmlformats.org/presentationml/2006/main">
+  <p:cSld>
+    <p:spTree>
+      <p:nvGrpSpPr>
+        <p:cNvPr id="1" name=""/>
+        <p:cNvGrpSpPr/>
+        <p:nvPr/>
+      </p:nvGrpSpPr>
+      <p:grpSpPr/>
+      <p:sp>
+        <p:nvSpPr>
+          <p:cNvPr id="2" name="标题 1"/>
+          <p:cNvSpPr>
+            <a:spLocks noGrp="1"/>
+          </p:cNvSpPr>
+          <p:nvPr>
+            <p:ph type="title"/>
+          </p:nvPr>
+        </p:nvSpPr>
+        <p:spPr/>
+        <p:txBody>
+          <a:bodyPr/>
+          <a:p>
+            <a:r>
+              <a:rPr lang="en-US" altLang="zh-CN"/>
+              <a:t>Base64</a:t>
+            </a:r>
+            <a:endParaRPr lang="en-US" altLang="zh-CN"/>
+          </a:p>
+        </p:txBody>
+      </p:sp>
+      <p:sp>
+        <p:nvSpPr>
+          <p:cNvPr id="3" name="内容占位符 2"/>
+          <p:cNvSpPr>
+            <a:spLocks noGrp="1"/>
+          </p:cNvSpPr>
+          <p:nvPr>
+            <p:ph idx="1"/>
+          </p:nvPr>
+        </p:nvSpPr>
+        <p:spPr>
+          <a:xfrm>
+            <a:off x="838200" y="1211580"/>
+            <a:ext cx="5991225" cy="5161280"/>
+          </a:xfrm>
+        </p:spPr>
+        <p:txBody>
+          <a:bodyPr>
+            <a:normAutofit fontScale="80000"/>
+          </a:bodyPr>
+          <a:p>
+            <a:r>
+              <a:rPr lang="en-US" altLang="zh-CN"/>
+              <a:t>import base64</a:t>
+            </a:r>
+            <a:endParaRPr lang="en-US" altLang="zh-CN"/>
+          </a:p>
+          <a:p>
+            <a:r>
+              <a:rPr lang="en-US" altLang="zh-CN"/>
+              <a:t>Encode</a:t>
+            </a:r>
+            <a:endParaRPr lang="en-US" altLang="zh-CN"/>
+          </a:p>
+          <a:p>
+            <a:pPr lvl="1"/>
+            <a:r>
+              <a:rPr lang="en-US" altLang="zh-CN"/>
+              <a:t>bytes_base64 = base64.encodebytes(str.encode('ascii'))</a:t>
+            </a:r>
+            <a:endParaRPr lang="en-US" altLang="zh-CN"/>
+          </a:p>
+          <a:p>
+            <a:pPr lvl="1"/>
+            <a:r>
+              <a:rPr lang="en-US" altLang="zh-CN"/>
+              <a:t>bytes_base64 = base64.encode(file_input, file_output)</a:t>
+            </a:r>
+            <a:endParaRPr lang="en-US" altLang="zh-CN"/>
+          </a:p>
+          <a:p>
+            <a:pPr lvl="0"/>
+            <a:r>
+              <a:rPr lang="en-US" altLang="zh-CN"/>
+              <a:t>Decode</a:t>
+            </a:r>
+            <a:endParaRPr lang="en-US" altLang="zh-CN"/>
+          </a:p>
+          <a:p>
+            <a:pPr lvl="1"/>
+            <a:r>
+              <a:rPr lang="en-US" altLang="zh-CN"/>
+              <a:t>bytes = base64.decodebytes(bytes_base64).decode('ascii')</a:t>
+            </a:r>
+            <a:endParaRPr lang="en-US" altLang="zh-CN"/>
+          </a:p>
+          <a:p>
+            <a:pPr lvl="1"/>
+            <a:r>
+              <a:rPr lang="en-US" altLang="zh-CN"/>
+              <a:t>base64.decode(file_input, file_output)</a:t>
+            </a:r>
+            <a:endParaRPr lang="en-US" altLang="zh-CN"/>
+          </a:p>
+          <a:p>
+            <a:pPr lvl="0"/>
+            <a:r>
+              <a:rPr lang="en-US" altLang="zh-CN"/>
+              <a:t>Theory</a:t>
+            </a:r>
+            <a:endParaRPr lang="en-US" altLang="zh-CN"/>
+          </a:p>
+          <a:p>
+            <a:pPr lvl="1"/>
+            <a:r>
+              <a:rPr lang="en-US" altLang="zh-CN"/>
+              <a:t>Get the ASCII value of each character in the string.</a:t>
+            </a:r>
+            <a:endParaRPr lang="en-US" altLang="zh-CN"/>
+          </a:p>
+          <a:p>
+            <a:pPr lvl="1"/>
+            <a:r>
+              <a:rPr lang="en-US" altLang="zh-CN"/>
+              <a:t>Compute the 8-bit binary equivalent of the ASCII values</a:t>
+            </a:r>
+            <a:endParaRPr lang="en-US" altLang="zh-CN"/>
+          </a:p>
+          <a:p>
+            <a:pPr lvl="1"/>
+            <a:r>
+              <a:rPr lang="en-US" altLang="zh-CN" b="1"/>
+              <a:t>Convert the 8-bit characters chunk into chunks of 6 bits by re-grouping the digits</a:t>
+            </a:r>
+            <a:endParaRPr lang="en-US" altLang="zh-CN" b="1"/>
+          </a:p>
+          <a:p>
+            <a:pPr lvl="1"/>
+            <a:r>
+              <a:rPr lang="en-US" altLang="zh-CN"/>
+              <a:t>Convert the 6-bit binary groups to their respective decimal values.</a:t>
+            </a:r>
+            <a:endParaRPr lang="en-US" altLang="zh-CN"/>
+          </a:p>
+          <a:p>
+            <a:pPr lvl="1"/>
+            <a:r>
+              <a:rPr lang="en-US" altLang="zh-CN"/>
+              <a:t>Use the Base64 encoding table to align the respective Base64 values for each decimal value.</a:t>
+            </a:r>
+            <a:endParaRPr lang="en-US" altLang="zh-CN"/>
+          </a:p>
+        </p:txBody>
+      </p:sp>
+      <p:pic>
+        <p:nvPicPr>
+          <p:cNvPr id="4" name="图片 3"/>
+          <p:cNvPicPr>
+            <a:picLocks noChangeAspect="1"/>
+          </p:cNvPicPr>
+          <p:nvPr/>
+        </p:nvPicPr>
+        <p:blipFill>
+          <a:blip r:embed="rId1"/>
+          <a:stretch>
+            <a:fillRect/>
+          </a:stretch>
+        </p:blipFill>
+        <p:spPr>
+          <a:xfrm>
+            <a:off x="6829425" y="1329690"/>
+            <a:ext cx="5257165" cy="3848735"/>
+          </a:xfrm>
+          <a:prstGeom prst="rect">
+            <a:avLst/>
+          </a:prstGeom>
+        </p:spPr>
+      </p:pic>
+    </p:spTree>
+  </p:cSld>
+  <p:clrMapOvr>
+    <a:masterClrMapping/>
+  </p:clrMapOvr>
+</p:sld>
+</file>
+
+<file path=ppt/slides/slide46.xml><?xml version="1.0" encoding="utf-8"?>
 <p:sld xmlns:a="http://schemas.openxmlformats.org/drawingml/2006/main" xmlns:r="http://schemas.openxmlformats.org/officeDocument/2006/relationships" xmlns:p="http://schemas.openxmlformats.org/presentationml/2006/main">
   <p:cSld>
     <p:spTree>
@@ -12548,7 +14108,315 @@
 </p:sld>
 </file>
 
-<file path=ppt/slides/slide44.xml><?xml version="1.0" encoding="utf-8"?>
+<file path=ppt/slides/slide47.xml><?xml version="1.0" encoding="utf-8"?>
+<p:sld xmlns:a="http://schemas.openxmlformats.org/drawingml/2006/main" xmlns:r="http://schemas.openxmlformats.org/officeDocument/2006/relationships" xmlns:p="http://schemas.openxmlformats.org/presentationml/2006/main">
+  <p:cSld>
+    <p:spTree>
+      <p:nvGrpSpPr>
+        <p:cNvPr id="1" name=""/>
+        <p:cNvGrpSpPr/>
+        <p:nvPr/>
+      </p:nvGrpSpPr>
+      <p:grpSpPr/>
+      <p:sp>
+        <p:nvSpPr>
+          <p:cNvPr id="2" name="标题 1"/>
+          <p:cNvSpPr>
+            <a:spLocks noGrp="1"/>
+          </p:cNvSpPr>
+          <p:nvPr>
+            <p:ph type="title"/>
+          </p:nvPr>
+        </p:nvSpPr>
+        <p:spPr/>
+        <p:txBody>
+          <a:bodyPr/>
+          <a:p>
+            <a:r>
+              <a:rPr lang="en-US" altLang="zh-CN"/>
+              <a:t>Cryptography</a:t>
+            </a:r>
+            <a:endParaRPr lang="en-US" altLang="zh-CN"/>
+          </a:p>
+        </p:txBody>
+      </p:sp>
+      <p:sp>
+        <p:nvSpPr>
+          <p:cNvPr id="3" name="内容占位符 2"/>
+          <p:cNvSpPr>
+            <a:spLocks noGrp="1"/>
+          </p:cNvSpPr>
+          <p:nvPr>
+            <p:ph idx="1"/>
+          </p:nvPr>
+        </p:nvSpPr>
+        <p:spPr>
+          <a:xfrm>
+            <a:off x="838200" y="1211580"/>
+            <a:ext cx="7755255" cy="5434330"/>
+          </a:xfrm>
+        </p:spPr>
+        <p:txBody>
+          <a:bodyPr>
+            <a:normAutofit fontScale="70000"/>
+          </a:bodyPr>
+          <a:p>
+            <a:r>
+              <a:rPr lang="en-US" altLang="zh-CN"/>
+              <a:t>pip install cryptography</a:t>
+            </a:r>
+            <a:endParaRPr lang="en-US" altLang="zh-CN"/>
+          </a:p>
+          <a:p>
+            <a:pPr lvl="1"/>
+            <a:r>
+              <a:rPr lang="en-US" altLang="zh-CN" sz="2000"/>
+              <a:t>fernet.Fernet</a:t>
+            </a:r>
+            <a:endParaRPr lang="en-US" altLang="zh-CN"/>
+          </a:p>
+          <a:p>
+            <a:r>
+              <a:rPr lang="en-US" altLang="zh-CN"/>
+              <a:t>Types</a:t>
+            </a:r>
+            <a:endParaRPr lang="en-US" altLang="zh-CN"/>
+          </a:p>
+          <a:p>
+            <a:pPr lvl="1"/>
+            <a:r>
+              <a:rPr lang="en-US" altLang="zh-CN"/>
+              <a:t>reverse cipher</a:t>
+            </a:r>
+            <a:endParaRPr lang="en-US" altLang="zh-CN"/>
+          </a:p>
+          <a:p>
+            <a:pPr lvl="1"/>
+            <a:r>
+              <a:rPr lang="en-US" altLang="zh-CN"/>
+              <a:t>Caesar cipher</a:t>
+            </a:r>
+            <a:endParaRPr lang="en-US" altLang="zh-CN"/>
+          </a:p>
+          <a:p>
+            <a:pPr lvl="2"/>
+            <a:r>
+              <a:rPr lang="en-US" altLang="zh-CN"/>
+              <a:t>ROT13</a:t>
+            </a:r>
+            <a:endParaRPr lang="en-US" altLang="zh-CN"/>
+          </a:p>
+          <a:p>
+            <a:pPr lvl="1"/>
+            <a:r>
+              <a:rPr lang="en-US" altLang="zh-CN"/>
+              <a:t>Transposition cipher</a:t>
+            </a:r>
+            <a:endParaRPr lang="en-US" altLang="zh-CN"/>
+          </a:p>
+          <a:p>
+            <a:pPr lvl="1"/>
+            <a:r>
+              <a:rPr lang="en-US" altLang="zh-CN"/>
+              <a:t>Base64</a:t>
+            </a:r>
+            <a:endParaRPr lang="en-US" altLang="zh-CN"/>
+          </a:p>
+          <a:p>
+            <a:pPr lvl="1"/>
+            <a:r>
+              <a:rPr lang="en-US" altLang="zh-CN"/>
+              <a:t>Affine cipher</a:t>
+            </a:r>
+            <a:endParaRPr lang="en-US" altLang="zh-CN"/>
+          </a:p>
+          <a:p>
+            <a:pPr lvl="1"/>
+            <a:r>
+              <a:rPr lang="en-US" altLang="zh-CN"/>
+              <a:t>Monoalphabetic cipher (substitute using a dict)</a:t>
+            </a:r>
+            <a:endParaRPr lang="en-US" altLang="zh-CN"/>
+          </a:p>
+          <a:p>
+            <a:pPr lvl="1"/>
+            <a:r>
+              <a:rPr lang="en-US" altLang="zh-CN"/>
+              <a:t>simple substitution cipher</a:t>
+            </a:r>
+            <a:endParaRPr lang="en-US" altLang="zh-CN"/>
+          </a:p>
+          <a:p>
+            <a:pPr lvl="1"/>
+            <a:r>
+              <a:rPr lang="en-US" altLang="zh-CN"/>
+              <a:t>Vignere cipher (polyalphabetic cipher)</a:t>
+            </a:r>
+            <a:endParaRPr lang="en-US" altLang="zh-CN"/>
+          </a:p>
+          <a:p>
+            <a:pPr lvl="1"/>
+            <a:r>
+              <a:rPr lang="en-US" altLang="zh-CN"/>
+              <a:t>Symmetric cryptography (secret key cryptography)</a:t>
+            </a:r>
+            <a:endParaRPr lang="en-US" altLang="zh-CN"/>
+          </a:p>
+          <a:p>
+            <a:pPr lvl="2"/>
+            <a:r>
+              <a:rPr lang="en-US" altLang="zh-CN" sz="1800"/>
+              <a:t>DES (Data Encryption Standard)	pyDES</a:t>
+            </a:r>
+            <a:endParaRPr lang="en-US" altLang="zh-CN" sz="1800"/>
+          </a:p>
+          <a:p>
+            <a:pPr lvl="1"/>
+            <a:r>
+              <a:rPr lang="en-US" altLang="zh-CN"/>
+              <a:t>Asymmetric cryptography (public key cryptography)</a:t>
+            </a:r>
+            <a:endParaRPr lang="en-US" altLang="zh-CN"/>
+          </a:p>
+          <a:p>
+            <a:pPr lvl="2"/>
+            <a:r>
+              <a:rPr lang="en-US" altLang="zh-CN" sz="1800"/>
+              <a:t>one key for encryption, another key for decryption</a:t>
+            </a:r>
+            <a:endParaRPr lang="en-US" altLang="zh-CN" sz="1800"/>
+          </a:p>
+          <a:p>
+            <a:pPr lvl="2"/>
+            <a:r>
+              <a:rPr lang="en-US" altLang="zh-CN" sz="1800"/>
+              <a:t>RSA</a:t>
+            </a:r>
+            <a:endParaRPr lang="en-US" altLang="zh-CN"/>
+          </a:p>
+          <a:p>
+            <a:pPr lvl="0"/>
+            <a:r>
+              <a:rPr lang="en-US" altLang="zh-CN"/>
+              <a:t>References</a:t>
+            </a:r>
+            <a:endParaRPr lang="en-US" altLang="zh-CN"/>
+          </a:p>
+          <a:p>
+            <a:pPr lvl="1"/>
+            <a:r>
+              <a:rPr lang="en-US" altLang="zh-CN"/>
+              <a:t>https://www.tutorialspoint.com/cryptography_with_python/cryptography_with_python_quick_guide.htm</a:t>
+            </a:r>
+            <a:endParaRPr lang="en-US" altLang="zh-CN"/>
+          </a:p>
+        </p:txBody>
+      </p:sp>
+      <p:pic>
+        <p:nvPicPr>
+          <p:cNvPr id="4" name="图片 3"/>
+          <p:cNvPicPr>
+            <a:picLocks noChangeAspect="1"/>
+          </p:cNvPicPr>
+          <p:nvPr/>
+        </p:nvPicPr>
+        <p:blipFill>
+          <a:blip r:embed="rId1"/>
+          <a:stretch>
+            <a:fillRect/>
+          </a:stretch>
+        </p:blipFill>
+        <p:spPr>
+          <a:xfrm>
+            <a:off x="8980170" y="532765"/>
+            <a:ext cx="3026410" cy="2101215"/>
+          </a:xfrm>
+          <a:prstGeom prst="rect">
+            <a:avLst/>
+          </a:prstGeom>
+        </p:spPr>
+      </p:pic>
+      <p:pic>
+        <p:nvPicPr>
+          <p:cNvPr id="5" name="图片 4"/>
+          <p:cNvPicPr>
+            <a:picLocks noChangeAspect="1"/>
+          </p:cNvPicPr>
+          <p:nvPr/>
+        </p:nvPicPr>
+        <p:blipFill>
+          <a:blip r:embed="rId2"/>
+          <a:stretch>
+            <a:fillRect/>
+          </a:stretch>
+        </p:blipFill>
+        <p:spPr>
+          <a:xfrm>
+            <a:off x="5414010" y="694690"/>
+            <a:ext cx="3566160" cy="1612900"/>
+          </a:xfrm>
+          <a:prstGeom prst="rect">
+            <a:avLst/>
+          </a:prstGeom>
+        </p:spPr>
+      </p:pic>
+      <p:pic>
+        <p:nvPicPr>
+          <p:cNvPr id="6" name="图片 5"/>
+          <p:cNvPicPr>
+            <a:picLocks noChangeAspect="1"/>
+          </p:cNvPicPr>
+          <p:nvPr/>
+        </p:nvPicPr>
+        <p:blipFill>
+          <a:blip r:embed="rId3"/>
+          <a:stretch>
+            <a:fillRect/>
+          </a:stretch>
+        </p:blipFill>
+        <p:spPr>
+          <a:xfrm>
+            <a:off x="7750175" y="2529205"/>
+            <a:ext cx="4124325" cy="2419350"/>
+          </a:xfrm>
+          <a:prstGeom prst="rect">
+            <a:avLst/>
+          </a:prstGeom>
+        </p:spPr>
+      </p:pic>
+      <p:pic>
+        <p:nvPicPr>
+          <p:cNvPr id="7" name="图片 6"/>
+          <p:cNvPicPr>
+            <a:picLocks noChangeAspect="1"/>
+          </p:cNvPicPr>
+          <p:nvPr/>
+        </p:nvPicPr>
+        <p:blipFill>
+          <a:blip r:embed="rId4"/>
+          <a:stretch>
+            <a:fillRect/>
+          </a:stretch>
+        </p:blipFill>
+        <p:spPr>
+          <a:xfrm>
+            <a:off x="6348730" y="2825750"/>
+            <a:ext cx="1266825" cy="971550"/>
+          </a:xfrm>
+          <a:prstGeom prst="rect">
+            <a:avLst/>
+          </a:prstGeom>
+        </p:spPr>
+      </p:pic>
+    </p:spTree>
+  </p:cSld>
+  <p:clrMapOvr>
+    <a:masterClrMapping/>
+  </p:clrMapOvr>
+</p:sld>
+</file>
+
+<file path=ppt/slides/slide48.xml><?xml version="1.0" encoding="utf-8"?>
 <p:sld xmlns:a="http://schemas.openxmlformats.org/drawingml/2006/main" xmlns:r="http://schemas.openxmlformats.org/officeDocument/2006/relationships" xmlns:p="http://schemas.openxmlformats.org/presentationml/2006/main">
   <p:cSld>
     <p:spTree>
@@ -13199,7 +15067,7 @@
 </p:sld>
 </file>
 
-<file path=ppt/slides/slide45.xml><?xml version="1.0" encoding="utf-8"?>
+<file path=ppt/slides/slide49.xml><?xml version="1.0" encoding="utf-8"?>
 <p:sld xmlns:a="http://schemas.openxmlformats.org/drawingml/2006/main" xmlns:r="http://schemas.openxmlformats.org/officeDocument/2006/relationships" xmlns:p="http://schemas.openxmlformats.org/presentationml/2006/main">
   <p:cSld>
     <p:spTree>
@@ -13269,7 +15137,7 @@
 </p:sld>
 </file>
 
-<file path=ppt/slides/slide46.xml><?xml version="1.0" encoding="utf-8"?>
+<file path=ppt/slides/slide5.xml><?xml version="1.0" encoding="utf-8"?>
 <p:sld xmlns:a="http://schemas.openxmlformats.org/drawingml/2006/main" xmlns:r="http://schemas.openxmlformats.org/officeDocument/2006/relationships" xmlns:p="http://schemas.openxmlformats.org/presentationml/2006/main">
   <p:cSld>
     <p:spTree>
@@ -13281,7 +15149,7 @@
       <p:grpSpPr/>
       <p:sp>
         <p:nvSpPr>
-          <p:cNvPr id="2" name="标题 1"/>
+          <p:cNvPr id="2" name="Title 1"/>
           <p:cNvSpPr>
             <a:spLocks noGrp="1"/>
           </p:cNvSpPr>
@@ -13291,19 +15159,21 @@
         </p:nvSpPr>
         <p:spPr/>
         <p:txBody>
-          <a:bodyPr/>
-          <a:p>
-            <a:r>
-              <a:rPr lang="en-US" altLang="zh-CN"/>
-              <a:t>Mechanize</a:t>
-            </a:r>
-            <a:endParaRPr lang="en-US" altLang="zh-CN"/>
-          </a:p>
-        </p:txBody>
-      </p:sp>
-      <p:sp>
-        <p:nvSpPr>
-          <p:cNvPr id="3" name="内容占位符 2"/>
+          <a:bodyPr>
+            <a:normAutofit fontScale="90000"/>
+          </a:bodyPr>
+          <a:p>
+            <a:r>
+              <a:rPr lang="en-US" altLang="en-US"/>
+              <a:t>Virtualenv, VirtualenvWrapper</a:t>
+            </a:r>
+            <a:endParaRPr lang="en-US" altLang="en-US"/>
+          </a:p>
+        </p:txBody>
+      </p:sp>
+      <p:sp>
+        <p:nvSpPr>
+          <p:cNvPr id="3" name="Content Placeholder 2"/>
           <p:cNvSpPr>
             <a:spLocks noGrp="1"/>
           </p:cNvSpPr>
@@ -13313,29 +15183,119 @@
         </p:nvSpPr>
         <p:spPr/>
         <p:txBody>
-          <a:bodyPr/>
-          <a:p>
-            <a:r>
-              <a:rPr lang="en-US" altLang="zh-CN"/>
-              <a:t>Info</a:t>
-            </a:r>
-            <a:endParaRPr lang="en-US" altLang="zh-CN"/>
-          </a:p>
-          <a:p>
-            <a:pPr lvl="1"/>
-            <a:r>
-              <a:rPr lang="en-US" altLang="zh-CN"/>
-              <a:t>https://github.com/python-mechanize/mechanize</a:t>
-            </a:r>
-            <a:endParaRPr lang="en-US" altLang="zh-CN"/>
-          </a:p>
-          <a:p>
-            <a:pPr lvl="1"/>
-            <a:r>
-              <a:rPr lang="en-US" altLang="zh-CN"/>
-              <a:t>Automate interaction with HTTP web servers</a:t>
-            </a:r>
-            <a:endParaRPr lang="en-US" altLang="zh-CN"/>
+          <a:bodyPr>
+            <a:normAutofit lnSpcReduction="20000"/>
+          </a:bodyPr>
+          <a:p>
+            <a:r>
+              <a:rPr lang="en-US" altLang="en-US"/>
+              <a:t>Linux Install</a:t>
+            </a:r>
+            <a:endParaRPr lang="en-US" altLang="en-US"/>
+          </a:p>
+          <a:p>
+            <a:pPr lvl="1"/>
+            <a:r>
+              <a:rPr lang="en-US" altLang="en-US"/>
+              <a:t>sudo apt install virtualenv virtualenvwrapper</a:t>
+            </a:r>
+            <a:endParaRPr lang="en-US" altLang="en-US"/>
+          </a:p>
+          <a:p>
+            <a:pPr lvl="1"/>
+            <a:r>
+              <a:rPr lang="en-US" altLang="en-US"/>
+              <a:t>pip3 install virtualenvwrapper</a:t>
+            </a:r>
+            <a:endParaRPr lang="en-US" altLang="en-US"/>
+          </a:p>
+          <a:p>
+            <a:pPr lvl="1"/>
+            <a:r>
+              <a:rPr lang="en-US" altLang="en-US"/>
+              <a:t>Modify ~/.bashrc</a:t>
+            </a:r>
+            <a:endParaRPr lang="en-US" altLang="en-US"/>
+          </a:p>
+          <a:p>
+            <a:pPr lvl="2"/>
+            <a:r>
+              <a:rPr lang="en-US" altLang="en-US"/>
+              <a:t>export WORKON_HOME=~/.virtualenvs</a:t>
+            </a:r>
+            <a:endParaRPr lang="en-US" altLang="en-US"/>
+          </a:p>
+          <a:p>
+            <a:pPr lvl="2"/>
+            <a:r>
+              <a:rPr lang="en-US" altLang="en-US"/>
+              <a:t>export PROJECT_HOME=~/workspace</a:t>
+            </a:r>
+            <a:endParaRPr lang="en-US" altLang="en-US"/>
+          </a:p>
+          <a:p>
+            <a:pPr lvl="2"/>
+            <a:r>
+              <a:rPr lang="en-US" altLang="en-US"/>
+              <a:t>export VIRTUALENVWRAPPER_PYTHON=/usr/bin/python3</a:t>
+            </a:r>
+            <a:endParaRPr lang="en-US" altLang="en-US"/>
+          </a:p>
+          <a:p>
+            <a:pPr lvl="2"/>
+            <a:r>
+              <a:rPr lang="en-US" altLang="en-US"/>
+              <a:t>source /usr/share/virtualenvwrapper/virtualenvwrapper.sh</a:t>
+            </a:r>
+            <a:endParaRPr lang="en-US" altLang="en-US"/>
+          </a:p>
+          <a:p>
+            <a:pPr lvl="1"/>
+            <a:r>
+              <a:rPr lang="en-US" altLang="en-US"/>
+              <a:t>source ~/.bashrc</a:t>
+            </a:r>
+            <a:endParaRPr lang="en-US" altLang="en-US"/>
+          </a:p>
+          <a:p>
+            <a:pPr lvl="0"/>
+            <a:r>
+              <a:rPr lang="en-US" altLang="en-US"/>
+              <a:t>Windows Install</a:t>
+            </a:r>
+            <a:endParaRPr lang="en-US" altLang="en-US"/>
+          </a:p>
+          <a:p>
+            <a:pPr lvl="1"/>
+            <a:r>
+              <a:rPr lang="en-US" altLang="en-US" sz="2000"/>
+              <a:t>pip install virtualenvwrapper-win</a:t>
+            </a:r>
+            <a:endParaRPr lang="en-US" altLang="en-US"/>
+          </a:p>
+          <a:p>
+            <a:pPr lvl="0"/>
+            <a:r>
+              <a:rPr lang="en-US" altLang="en-US"/>
+              <a:t>Usage</a:t>
+            </a:r>
+            <a:endParaRPr lang="en-US" altLang="en-US"/>
+          </a:p>
+          <a:p>
+            <a:pPr lvl="1"/>
+            <a:r>
+              <a:rPr lang="en-US" altLang="en-US"/>
+              <a:t>Use original pip source instead of aliyun source</a:t>
+            </a:r>
+            <a:endParaRPr lang="en-US" altLang="en-US"/>
+          </a:p>
+          <a:p>
+            <a:pPr lvl="1"/>
+            <a:r>
+              <a:rPr lang="en-US" altLang="en-US"/>
+              <a:t>mkvirtualenv py3 --python=/usr/bin/python3</a:t>
+            </a:r>
+            <a:endParaRPr lang="en-US" altLang="en-US"/>
           </a:p>
         </p:txBody>
       </p:sp>
@@ -13347,7 +15307,7 @@
 </p:sld>
 </file>
 
-<file path=ppt/slides/slide47.xml><?xml version="1.0" encoding="utf-8"?>
+<file path=ppt/slides/slide50.xml><?xml version="1.0" encoding="utf-8"?>
 <p:sld xmlns:a="http://schemas.openxmlformats.org/drawingml/2006/main" xmlns:r="http://schemas.openxmlformats.org/officeDocument/2006/relationships" xmlns:p="http://schemas.openxmlformats.org/presentationml/2006/main">
   <p:cSld>
     <p:spTree>
@@ -13359,7 +15319,7 @@
       <p:grpSpPr/>
       <p:sp>
         <p:nvSpPr>
-          <p:cNvPr id="4" name="标题 3"/>
+          <p:cNvPr id="2" name="标题 1"/>
           <p:cNvSpPr>
             <a:spLocks noGrp="1"/>
           </p:cNvSpPr>
@@ -13373,27 +15333,47 @@
           <a:p>
             <a:r>
               <a:rPr lang="en-US" altLang="zh-CN"/>
-              <a:t>Advanced</a:t>
-            </a:r>
-            <a:endParaRPr lang="en-US" altLang="zh-CN"/>
-          </a:p>
-        </p:txBody>
-      </p:sp>
-      <p:sp>
-        <p:nvSpPr>
-          <p:cNvPr id="5" name="文本占位符 4"/>
+              <a:t>Mechanize</a:t>
+            </a:r>
+            <a:endParaRPr lang="en-US" altLang="zh-CN"/>
+          </a:p>
+        </p:txBody>
+      </p:sp>
+      <p:sp>
+        <p:nvSpPr>
+          <p:cNvPr id="3" name="内容占位符 2"/>
           <p:cNvSpPr>
             <a:spLocks noGrp="1"/>
           </p:cNvSpPr>
           <p:nvPr>
-            <p:ph type="body" idx="1"/>
+            <p:ph idx="1"/>
           </p:nvPr>
         </p:nvSpPr>
         <p:spPr/>
         <p:txBody>
           <a:bodyPr/>
           <a:p>
-            <a:endParaRPr lang="zh-CN" altLang="en-US"/>
+            <a:r>
+              <a:rPr lang="en-US" altLang="zh-CN"/>
+              <a:t>Info</a:t>
+            </a:r>
+            <a:endParaRPr lang="en-US" altLang="zh-CN"/>
+          </a:p>
+          <a:p>
+            <a:pPr lvl="1"/>
+            <a:r>
+              <a:rPr lang="en-US" altLang="zh-CN"/>
+              <a:t>https://github.com/python-mechanize/mechanize</a:t>
+            </a:r>
+            <a:endParaRPr lang="en-US" altLang="zh-CN"/>
+          </a:p>
+          <a:p>
+            <a:pPr lvl="1"/>
+            <a:r>
+              <a:rPr lang="en-US" altLang="zh-CN"/>
+              <a:t>Automate interaction with HTTP web servers</a:t>
+            </a:r>
+            <a:endParaRPr lang="en-US" altLang="zh-CN"/>
           </a:p>
         </p:txBody>
       </p:sp>
@@ -13405,7 +15385,7 @@
 </p:sld>
 </file>
 
-<file path=ppt/slides/slide48.xml><?xml version="1.0" encoding="utf-8"?>
+<file path=ppt/slides/slide51.xml><?xml version="1.0" encoding="utf-8"?>
 <p:sld xmlns:a="http://schemas.openxmlformats.org/drawingml/2006/main" xmlns:r="http://schemas.openxmlformats.org/officeDocument/2006/relationships" xmlns:p="http://schemas.openxmlformats.org/presentationml/2006/main">
   <p:cSld>
     <p:spTree>
@@ -13431,7 +15411,7 @@
           <a:p>
             <a:r>
               <a:rPr lang="en-US" altLang="zh-CN"/>
-              <a:t>Wrap As Exe or Dll</a:t>
+              <a:t>Baidu AI</a:t>
             </a:r>
             <a:endParaRPr lang="en-US" altLang="zh-CN"/>
           </a:p>
@@ -13453,87 +15433,62 @@
           <a:p>
             <a:r>
               <a:rPr lang="en-US" altLang="zh-CN"/>
-              <a:t>py2exe</a:t>
-            </a:r>
-            <a:endParaRPr lang="en-US" altLang="zh-CN"/>
-          </a:p>
-          <a:p>
-            <a:pPr lvl="1"/>
-            <a:r>
-              <a:rPr lang="en-US" altLang="zh-CN"/>
-              <a:t>pip install py2exe</a:t>
-            </a:r>
-            <a:endParaRPr lang="en-US" altLang="zh-CN"/>
-          </a:p>
-          <a:p>
-            <a:pPr lvl="1"/>
-            <a:r>
-              <a:rPr lang="en-US" altLang="zh-CN"/>
-              <a:t>Only support python 3.3 or 3.4</a:t>
-            </a:r>
-            <a:endParaRPr lang="en-US" altLang="zh-CN"/>
-          </a:p>
-          <a:p>
-            <a:pPr lvl="0"/>
-            <a:r>
-              <a:rPr lang="en-US" altLang="zh-CN"/>
-              <a:t>PyInstaller</a:t>
-            </a:r>
-            <a:endParaRPr lang="en-US" altLang="zh-CN"/>
-          </a:p>
-          <a:p>
-            <a:pPr lvl="1"/>
-            <a:r>
-              <a:rPr lang="en-US" altLang="zh-CN"/>
-              <a:t>pip install pyinstaller</a:t>
-            </a:r>
-            <a:endParaRPr lang="en-US" altLang="zh-CN"/>
-          </a:p>
-          <a:p>
-            <a:pPr lvl="1"/>
-            <a:r>
-              <a:rPr lang="en-US" altLang="zh-CN"/>
-              <a:t>pyinstaller yourprogram.py</a:t>
+              <a:t>pip install baidu-aip</a:t>
+            </a:r>
+            <a:endParaRPr lang="en-US" altLang="zh-CN"/>
+          </a:p>
+          <a:p>
+            <a:r>
+              <a:rPr lang="en-US" altLang="zh-CN"/>
+              <a:t>AipSpeech</a:t>
+            </a:r>
+            <a:endParaRPr lang="en-US" altLang="zh-CN"/>
+          </a:p>
+          <a:p>
+            <a:pPr lvl="1"/>
+            <a:r>
+              <a:rPr lang="en-US" altLang="zh-CN"/>
+              <a:t>client = AipSpeech(APP_ID, API_KEY, SECRET_KEY)</a:t>
+            </a:r>
+            <a:endParaRPr lang="en-US" altLang="zh-CN"/>
+          </a:p>
+          <a:p>
+            <a:pPr lvl="1"/>
+            <a:r>
+              <a:rPr lang="en-US" altLang="zh-CN"/>
+              <a:t>result =client.synthesis(txt, 'zh', 1, {'spd': 5, 'pit': 5, 'vol': 5, 'per': 0})</a:t>
             </a:r>
             <a:endParaRPr lang="en-US" altLang="zh-CN"/>
           </a:p>
           <a:p>
             <a:pPr lvl="2"/>
             <a:r>
-              <a:rPr lang="en-US" altLang="zh-CN"/>
-              <a:t>Files are generated into “dist” folder</a:t>
-            </a:r>
-            <a:endParaRPr lang="en-US" altLang="zh-CN"/>
-          </a:p>
-          <a:p>
-            <a:pPr lvl="2"/>
-            <a:r>
-              <a:rPr lang="en-US" altLang="zh-CN"/>
-              <a:t>yourprogram.spec</a:t>
-            </a:r>
-            <a:endParaRPr lang="en-US" altLang="zh-CN"/>
-          </a:p>
-          <a:p>
-            <a:pPr lvl="3"/>
-            <a:r>
-              <a:rPr lang="en-US" altLang="zh-CN"/>
-              <a:t>pyinstaller yourprogram.spec</a:t>
-            </a:r>
-            <a:endParaRPr lang="en-US" altLang="zh-CN"/>
-          </a:p>
-          <a:p>
-            <a:pPr lvl="2"/>
-            <a:r>
-              <a:rPr lang="en-US" altLang="zh-CN"/>
-              <a:t>“build” folder</a:t>
-            </a:r>
-            <a:endParaRPr lang="en-US" altLang="zh-CN"/>
-          </a:p>
-          <a:p>
-            <a:pPr lvl="2"/>
-            <a:r>
-              <a:rPr lang="en-US" altLang="zh-CN"/>
-              <a:t>-F: one-file bundled executable</a:t>
+              <a:rPr lang="en-US" altLang="zh-CN" sz="1800"/>
+              <a:t>result: mp3 data</a:t>
+            </a:r>
+            <a:endParaRPr lang="en-US" altLang="zh-CN"/>
+          </a:p>
+          <a:p>
+            <a:pPr lvl="1"/>
+            <a:r>
+              <a:rPr lang="en-US" altLang="zh-CN"/>
+              <a:t>client.setConnectionTimeoutInMillis()</a:t>
+            </a:r>
+            <a:endParaRPr lang="en-US" altLang="zh-CN"/>
+          </a:p>
+          <a:p>
+            <a:pPr lvl="1"/>
+            <a:r>
+              <a:rPr lang="en-US" altLang="zh-CN"/>
+              <a:t>client.setSocketTimeoutInMillis()</a:t>
+            </a:r>
+            <a:endParaRPr lang="en-US" altLang="zh-CN"/>
+          </a:p>
+          <a:p>
+            <a:pPr lvl="1"/>
+            <a:r>
+              <a:rPr lang="en-US" altLang="zh-CN"/>
+              <a:t>max text length: 1024 bytes</a:t>
             </a:r>
             <a:endParaRPr lang="en-US" altLang="zh-CN"/>
           </a:p>
@@ -13547,7 +15502,207 @@
 </p:sld>
 </file>
 
-<file path=ppt/slides/slide49.xml><?xml version="1.0" encoding="utf-8"?>
+<file path=ppt/slides/slide52.xml><?xml version="1.0" encoding="utf-8"?>
+<p:sld xmlns:a="http://schemas.openxmlformats.org/drawingml/2006/main" xmlns:r="http://schemas.openxmlformats.org/officeDocument/2006/relationships" xmlns:p="http://schemas.openxmlformats.org/presentationml/2006/main">
+  <p:cSld>
+    <p:spTree>
+      <p:nvGrpSpPr>
+        <p:cNvPr id="1" name=""/>
+        <p:cNvGrpSpPr/>
+        <p:nvPr/>
+      </p:nvGrpSpPr>
+      <p:grpSpPr/>
+      <p:sp>
+        <p:nvSpPr>
+          <p:cNvPr id="4" name="标题 3"/>
+          <p:cNvSpPr>
+            <a:spLocks noGrp="1"/>
+          </p:cNvSpPr>
+          <p:nvPr>
+            <p:ph type="title"/>
+          </p:nvPr>
+        </p:nvSpPr>
+        <p:spPr/>
+        <p:txBody>
+          <a:bodyPr/>
+          <a:p>
+            <a:r>
+              <a:rPr lang="en-US" altLang="zh-CN"/>
+              <a:t>Advanced</a:t>
+            </a:r>
+            <a:endParaRPr lang="en-US" altLang="zh-CN"/>
+          </a:p>
+        </p:txBody>
+      </p:sp>
+      <p:sp>
+        <p:nvSpPr>
+          <p:cNvPr id="5" name="文本占位符 4"/>
+          <p:cNvSpPr>
+            <a:spLocks noGrp="1"/>
+          </p:cNvSpPr>
+          <p:nvPr>
+            <p:ph type="body" idx="1"/>
+          </p:nvPr>
+        </p:nvSpPr>
+        <p:spPr/>
+        <p:txBody>
+          <a:bodyPr/>
+          <a:p>
+            <a:endParaRPr lang="zh-CN" altLang="en-US"/>
+          </a:p>
+        </p:txBody>
+      </p:sp>
+    </p:spTree>
+  </p:cSld>
+  <p:clrMapOvr>
+    <a:masterClrMapping/>
+  </p:clrMapOvr>
+</p:sld>
+</file>
+
+<file path=ppt/slides/slide53.xml><?xml version="1.0" encoding="utf-8"?>
+<p:sld xmlns:a="http://schemas.openxmlformats.org/drawingml/2006/main" xmlns:r="http://schemas.openxmlformats.org/officeDocument/2006/relationships" xmlns:p="http://schemas.openxmlformats.org/presentationml/2006/main">
+  <p:cSld>
+    <p:spTree>
+      <p:nvGrpSpPr>
+        <p:cNvPr id="1" name=""/>
+        <p:cNvGrpSpPr/>
+        <p:nvPr/>
+      </p:nvGrpSpPr>
+      <p:grpSpPr/>
+      <p:sp>
+        <p:nvSpPr>
+          <p:cNvPr id="2" name="标题 1"/>
+          <p:cNvSpPr>
+            <a:spLocks noGrp="1"/>
+          </p:cNvSpPr>
+          <p:nvPr>
+            <p:ph type="title"/>
+          </p:nvPr>
+        </p:nvSpPr>
+        <p:spPr/>
+        <p:txBody>
+          <a:bodyPr/>
+          <a:p>
+            <a:r>
+              <a:rPr lang="en-US" altLang="zh-CN"/>
+              <a:t>Wrap As Exe or Dll</a:t>
+            </a:r>
+            <a:endParaRPr lang="en-US" altLang="zh-CN"/>
+          </a:p>
+        </p:txBody>
+      </p:sp>
+      <p:sp>
+        <p:nvSpPr>
+          <p:cNvPr id="3" name="内容占位符 2"/>
+          <p:cNvSpPr>
+            <a:spLocks noGrp="1"/>
+          </p:cNvSpPr>
+          <p:nvPr>
+            <p:ph idx="1"/>
+          </p:nvPr>
+        </p:nvSpPr>
+        <p:spPr/>
+        <p:txBody>
+          <a:bodyPr/>
+          <a:p>
+            <a:r>
+              <a:rPr lang="en-US" altLang="zh-CN"/>
+              <a:t>py2exe</a:t>
+            </a:r>
+            <a:endParaRPr lang="en-US" altLang="zh-CN"/>
+          </a:p>
+          <a:p>
+            <a:pPr lvl="1"/>
+            <a:r>
+              <a:rPr lang="en-US" altLang="zh-CN"/>
+              <a:t>pip install py2exe</a:t>
+            </a:r>
+            <a:endParaRPr lang="en-US" altLang="zh-CN"/>
+          </a:p>
+          <a:p>
+            <a:pPr lvl="1"/>
+            <a:r>
+              <a:rPr lang="en-US" altLang="zh-CN"/>
+              <a:t>Only support python 3.3 or 3.4</a:t>
+            </a:r>
+            <a:endParaRPr lang="en-US" altLang="zh-CN"/>
+          </a:p>
+          <a:p>
+            <a:pPr lvl="0"/>
+            <a:r>
+              <a:rPr lang="en-US" altLang="zh-CN"/>
+              <a:t>PyInstaller</a:t>
+            </a:r>
+            <a:endParaRPr lang="en-US" altLang="zh-CN"/>
+          </a:p>
+          <a:p>
+            <a:pPr lvl="1"/>
+            <a:r>
+              <a:rPr lang="en-US" altLang="zh-CN"/>
+              <a:t>pip install pyinstaller</a:t>
+            </a:r>
+            <a:endParaRPr lang="en-US" altLang="zh-CN"/>
+          </a:p>
+          <a:p>
+            <a:pPr lvl="1"/>
+            <a:r>
+              <a:rPr lang="en-US" altLang="zh-CN"/>
+              <a:t>pyinstaller yourprogram.py</a:t>
+            </a:r>
+            <a:endParaRPr lang="en-US" altLang="zh-CN"/>
+          </a:p>
+          <a:p>
+            <a:pPr lvl="2"/>
+            <a:r>
+              <a:rPr lang="en-US" altLang="zh-CN"/>
+              <a:t>Files are generated into “dist” folder</a:t>
+            </a:r>
+            <a:endParaRPr lang="en-US" altLang="zh-CN"/>
+          </a:p>
+          <a:p>
+            <a:pPr lvl="2"/>
+            <a:r>
+              <a:rPr lang="en-US" altLang="zh-CN"/>
+              <a:t>yourprogram.spec</a:t>
+            </a:r>
+            <a:endParaRPr lang="en-US" altLang="zh-CN"/>
+          </a:p>
+          <a:p>
+            <a:pPr lvl="3"/>
+            <a:r>
+              <a:rPr lang="en-US" altLang="zh-CN"/>
+              <a:t>pyinstaller yourprogram.spec</a:t>
+            </a:r>
+            <a:endParaRPr lang="en-US" altLang="zh-CN"/>
+          </a:p>
+          <a:p>
+            <a:pPr lvl="2"/>
+            <a:r>
+              <a:rPr lang="en-US" altLang="zh-CN"/>
+              <a:t>“build” folder</a:t>
+            </a:r>
+            <a:endParaRPr lang="en-US" altLang="zh-CN"/>
+          </a:p>
+          <a:p>
+            <a:pPr lvl="2"/>
+            <a:r>
+              <a:rPr lang="en-US" altLang="zh-CN"/>
+              <a:t>-F: one-file bundled executable</a:t>
+            </a:r>
+            <a:endParaRPr lang="en-US" altLang="zh-CN"/>
+          </a:p>
+        </p:txBody>
+      </p:sp>
+    </p:spTree>
+  </p:cSld>
+  <p:clrMapOvr>
+    <a:masterClrMapping/>
+  </p:clrMapOvr>
+</p:sld>
+</file>
+
+<file path=ppt/slides/slide54.xml><?xml version="1.0" encoding="utf-8"?>
 <p:sld xmlns:a="http://schemas.openxmlformats.org/drawingml/2006/main" xmlns:r="http://schemas.openxmlformats.org/officeDocument/2006/relationships" xmlns:p="http://schemas.openxmlformats.org/presentationml/2006/main">
   <p:cSld>
     <p:spTree>
@@ -14001,177 +16156,7 @@
 </p:sld>
 </file>
 
-<file path=ppt/slides/slide5.xml><?xml version="1.0" encoding="utf-8"?>
-<p:sld xmlns:a="http://schemas.openxmlformats.org/drawingml/2006/main" xmlns:r="http://schemas.openxmlformats.org/officeDocument/2006/relationships" xmlns:p="http://schemas.openxmlformats.org/presentationml/2006/main">
-  <p:cSld>
-    <p:spTree>
-      <p:nvGrpSpPr>
-        <p:cNvPr id="1" name=""/>
-        <p:cNvGrpSpPr/>
-        <p:nvPr/>
-      </p:nvGrpSpPr>
-      <p:grpSpPr/>
-      <p:sp>
-        <p:nvSpPr>
-          <p:cNvPr id="2" name="Title 1"/>
-          <p:cNvSpPr>
-            <a:spLocks noGrp="1"/>
-          </p:cNvSpPr>
-          <p:nvPr>
-            <p:ph type="title"/>
-          </p:nvPr>
-        </p:nvSpPr>
-        <p:spPr/>
-        <p:txBody>
-          <a:bodyPr>
-            <a:normAutofit fontScale="90000"/>
-          </a:bodyPr>
-          <a:p>
-            <a:r>
-              <a:rPr lang="en-US" altLang="en-US"/>
-              <a:t>Virtualenv, VirtualenvWrapper</a:t>
-            </a:r>
-            <a:endParaRPr lang="en-US" altLang="en-US"/>
-          </a:p>
-        </p:txBody>
-      </p:sp>
-      <p:sp>
-        <p:nvSpPr>
-          <p:cNvPr id="3" name="Content Placeholder 2"/>
-          <p:cNvSpPr>
-            <a:spLocks noGrp="1"/>
-          </p:cNvSpPr>
-          <p:nvPr>
-            <p:ph idx="1"/>
-          </p:nvPr>
-        </p:nvSpPr>
-        <p:spPr/>
-        <p:txBody>
-          <a:bodyPr>
-            <a:normAutofit lnSpcReduction="20000"/>
-          </a:bodyPr>
-          <a:p>
-            <a:r>
-              <a:rPr lang="en-US" altLang="en-US"/>
-              <a:t>Linux Install</a:t>
-            </a:r>
-            <a:endParaRPr lang="en-US" altLang="en-US"/>
-          </a:p>
-          <a:p>
-            <a:pPr lvl="1"/>
-            <a:r>
-              <a:rPr lang="en-US" altLang="en-US"/>
-              <a:t>sudo apt install virtualenv virtualenvwrapper</a:t>
-            </a:r>
-            <a:endParaRPr lang="en-US" altLang="en-US"/>
-          </a:p>
-          <a:p>
-            <a:pPr lvl="1"/>
-            <a:r>
-              <a:rPr lang="en-US" altLang="en-US"/>
-              <a:t>pip3 install virtualenvwrapper</a:t>
-            </a:r>
-            <a:endParaRPr lang="en-US" altLang="en-US"/>
-          </a:p>
-          <a:p>
-            <a:pPr lvl="1"/>
-            <a:r>
-              <a:rPr lang="en-US" altLang="en-US"/>
-              <a:t>Modify ~/.bashrc</a:t>
-            </a:r>
-            <a:endParaRPr lang="en-US" altLang="en-US"/>
-          </a:p>
-          <a:p>
-            <a:pPr lvl="2"/>
-            <a:r>
-              <a:rPr lang="en-US" altLang="en-US"/>
-              <a:t>export WORKON_HOME=~/.virtualenvs</a:t>
-            </a:r>
-            <a:endParaRPr lang="en-US" altLang="en-US"/>
-          </a:p>
-          <a:p>
-            <a:pPr lvl="2"/>
-            <a:r>
-              <a:rPr lang="en-US" altLang="en-US"/>
-              <a:t>export PROJECT_HOME=~/workspace</a:t>
-            </a:r>
-            <a:endParaRPr lang="en-US" altLang="en-US"/>
-          </a:p>
-          <a:p>
-            <a:pPr lvl="2"/>
-            <a:r>
-              <a:rPr lang="en-US" altLang="en-US"/>
-              <a:t>export VIRTUALENVWRAPPER_PYTHON=/usr/bin/python3</a:t>
-            </a:r>
-            <a:endParaRPr lang="en-US" altLang="en-US"/>
-          </a:p>
-          <a:p>
-            <a:pPr lvl="2"/>
-            <a:r>
-              <a:rPr lang="en-US" altLang="en-US"/>
-              <a:t>source /usr/share/virtualenvwrapper/virtualenvwrapper.sh</a:t>
-            </a:r>
-            <a:endParaRPr lang="en-US" altLang="en-US"/>
-          </a:p>
-          <a:p>
-            <a:pPr lvl="1"/>
-            <a:r>
-              <a:rPr lang="en-US" altLang="en-US"/>
-              <a:t>source ~/.bashrc</a:t>
-            </a:r>
-            <a:endParaRPr lang="en-US" altLang="en-US"/>
-          </a:p>
-          <a:p>
-            <a:pPr lvl="0"/>
-            <a:r>
-              <a:rPr lang="en-US" altLang="en-US"/>
-              <a:t>Windows Install</a:t>
-            </a:r>
-            <a:endParaRPr lang="en-US" altLang="en-US"/>
-          </a:p>
-          <a:p>
-            <a:pPr lvl="1"/>
-            <a:r>
-              <a:rPr lang="en-US" altLang="en-US" sz="2000"/>
-              <a:t>pip install virtualenvwrapper-win</a:t>
-            </a:r>
-            <a:endParaRPr lang="en-US" altLang="en-US"/>
-          </a:p>
-          <a:p>
-            <a:pPr lvl="0"/>
-            <a:r>
-              <a:rPr lang="en-US" altLang="en-US"/>
-              <a:t>Usage</a:t>
-            </a:r>
-            <a:endParaRPr lang="en-US" altLang="en-US"/>
-          </a:p>
-          <a:p>
-            <a:pPr lvl="1"/>
-            <a:r>
-              <a:rPr lang="en-US" altLang="en-US"/>
-              <a:t>Use original pip source instead of aliyun source</a:t>
-            </a:r>
-            <a:endParaRPr lang="en-US" altLang="en-US"/>
-          </a:p>
-          <a:p>
-            <a:pPr lvl="1"/>
-            <a:r>
-              <a:rPr lang="en-US" altLang="en-US"/>
-              <a:t>mkvirtualenv py3 --python=/usr/bin/python3</a:t>
-            </a:r>
-            <a:endParaRPr lang="en-US" altLang="en-US"/>
-          </a:p>
-        </p:txBody>
-      </p:sp>
-    </p:spTree>
-  </p:cSld>
-  <p:clrMapOvr>
-    <a:masterClrMapping/>
-  </p:clrMapOvr>
-</p:sld>
-</file>
-
-<file path=ppt/slides/slide50.xml><?xml version="1.0" encoding="utf-8"?>
+<file path=ppt/slides/slide55.xml><?xml version="1.0" encoding="utf-8"?>
 <p:sld xmlns:a="http://schemas.openxmlformats.org/drawingml/2006/main" xmlns:r="http://schemas.openxmlformats.org/officeDocument/2006/relationships" xmlns:p="http://schemas.openxmlformats.org/presentationml/2006/main">
   <p:cSld>
     <p:spTree>

--- a/Python/Python-Notes.pptx
+++ b/Python/Python-Notes.pptx
@@ -5,10 +5,10 @@
     <p:sldMasterId id="2147483648" r:id="rId1"/>
   </p:sldMasterIdLst>
   <p:notesMasterIdLst>
-    <p:notesMasterId r:id="rId58"/>
+    <p:notesMasterId r:id="rId60"/>
   </p:notesMasterIdLst>
   <p:handoutMasterIdLst>
-    <p:handoutMasterId r:id="rId59"/>
+    <p:handoutMasterId r:id="rId61"/>
   </p:handoutMasterIdLst>
   <p:sldIdLst>
     <p:sldId id="256" r:id="rId3"/>
@@ -62,10 +62,12 @@
     <p:sldId id="698" r:id="rId51"/>
     <p:sldId id="730" r:id="rId52"/>
     <p:sldId id="748" r:id="rId53"/>
-    <p:sldId id="510" r:id="rId54"/>
-    <p:sldId id="351" r:id="rId55"/>
-    <p:sldId id="511" r:id="rId56"/>
-    <p:sldId id="512" r:id="rId57"/>
+    <p:sldId id="796" r:id="rId54"/>
+    <p:sldId id="510" r:id="rId55"/>
+    <p:sldId id="351" r:id="rId56"/>
+    <p:sldId id="511" r:id="rId57"/>
+    <p:sldId id="512" r:id="rId58"/>
+    <p:sldId id="795" r:id="rId59"/>
   </p:sldIdLst>
   <p:sldSz cx="12192000" cy="6858000"/>
   <p:notesSz cx="6858000" cy="9144000"/>
@@ -5970,7 +5972,7 @@
             <a:pPr lvl="1"/>
             <a:r>
               <a:rPr lang="en-US" altLang="zh-CN"/>
-              <a:t>subprocess.call([cmd], [param1], ...)</a:t>
+              <a:t>subprocess.call([cmd, param1, ...])</a:t>
             </a:r>
             <a:endParaRPr lang="en-US" altLang="zh-CN"/>
           </a:p>
@@ -15181,10 +15183,15 @@
             <p:ph idx="1"/>
           </p:nvPr>
         </p:nvSpPr>
-        <p:spPr/>
+        <p:spPr>
+          <a:xfrm>
+            <a:off x="838200" y="1211580"/>
+            <a:ext cx="10515600" cy="5369560"/>
+          </a:xfrm>
+        </p:spPr>
         <p:txBody>
           <a:bodyPr>
-            <a:normAutofit lnSpcReduction="20000"/>
+            <a:normAutofit fontScale="70000"/>
           </a:bodyPr>
           <a:p>
             <a:r>
@@ -15271,6 +15278,14 @@
               <a:rPr lang="en-US" altLang="en-US" sz="2000"/>
               <a:t>pip install virtualenvwrapper-win</a:t>
             </a:r>
+            <a:endParaRPr lang="en-US" altLang="en-US" sz="2000"/>
+          </a:p>
+          <a:p>
+            <a:pPr lvl="1"/>
+            <a:r>
+              <a:rPr lang="en-US" altLang="en-US"/>
+              <a:t>https://github.com/davidmarble/virtualenvwrapper-win</a:t>
+            </a:r>
             <a:endParaRPr lang="en-US" altLang="en-US"/>
           </a:p>
           <a:p>
@@ -15294,6 +15309,38 @@
             <a:r>
               <a:rPr lang="en-US" altLang="en-US"/>
               <a:t>mkvirtualenv py3 --python=/usr/bin/python3</a:t>
+            </a:r>
+            <a:endParaRPr lang="en-US" altLang="en-US"/>
+          </a:p>
+          <a:p>
+            <a:pPr lvl="1"/>
+            <a:r>
+              <a:rPr lang="en-US" altLang="en-US"/>
+              <a:t>lsvirtualenv</a:t>
+            </a:r>
+            <a:endParaRPr lang="en-US" altLang="en-US"/>
+          </a:p>
+          <a:p>
+            <a:pPr lvl="1"/>
+            <a:r>
+              <a:rPr lang="en-US" altLang="en-US"/>
+              <a:t>workon {virtualenv}</a:t>
+            </a:r>
+            <a:endParaRPr lang="en-US" altLang="en-US"/>
+          </a:p>
+          <a:p>
+            <a:pPr lvl="1"/>
+            <a:r>
+              <a:rPr lang="en-US" altLang="en-US"/>
+              <a:t>deactivate</a:t>
+            </a:r>
+            <a:endParaRPr lang="en-US" altLang="en-US"/>
+          </a:p>
+          <a:p>
+            <a:pPr lvl="1"/>
+            <a:r>
+              <a:rPr lang="en-US" altLang="en-US"/>
+              <a:t>rmvirtualenv</a:t>
             </a:r>
             <a:endParaRPr lang="en-US" altLang="en-US"/>
           </a:p>
@@ -15514,7 +15561,7 @@
       <p:grpSpPr/>
       <p:sp>
         <p:nvSpPr>
-          <p:cNvPr id="4" name="标题 3"/>
+          <p:cNvPr id="2" name="标题 1"/>
           <p:cNvSpPr>
             <a:spLocks noGrp="1"/>
           </p:cNvSpPr>
@@ -15528,27 +15575,47 @@
           <a:p>
             <a:r>
               <a:rPr lang="en-US" altLang="zh-CN"/>
-              <a:t>Advanced</a:t>
-            </a:r>
-            <a:endParaRPr lang="en-US" altLang="zh-CN"/>
-          </a:p>
-        </p:txBody>
-      </p:sp>
-      <p:sp>
-        <p:nvSpPr>
-          <p:cNvPr id="5" name="文本占位符 4"/>
+              <a:t>Zip, Unzip</a:t>
+            </a:r>
+            <a:endParaRPr lang="en-US" altLang="zh-CN"/>
+          </a:p>
+        </p:txBody>
+      </p:sp>
+      <p:sp>
+        <p:nvSpPr>
+          <p:cNvPr id="3" name="内容占位符 2"/>
           <p:cNvSpPr>
             <a:spLocks noGrp="1"/>
           </p:cNvSpPr>
           <p:nvPr>
-            <p:ph type="body" idx="1"/>
+            <p:ph idx="1"/>
           </p:nvPr>
         </p:nvSpPr>
         <p:spPr/>
         <p:txBody>
           <a:bodyPr/>
           <a:p>
-            <a:endParaRPr lang="zh-CN" altLang="en-US"/>
+            <a:r>
+              <a:rPr lang="en-US" altLang="zh-CN"/>
+              <a:t>import zipfile</a:t>
+            </a:r>
+            <a:endParaRPr lang="en-US" altLang="zh-CN"/>
+          </a:p>
+          <a:p>
+            <a:pPr lvl="1"/>
+            <a:r>
+              <a:rPr lang="en-US" altLang="zh-CN"/>
+              <a:t>with zipfile.ZipFile(path_to_zip_file, 'r') as zip_ref:</a:t>
+            </a:r>
+            <a:endParaRPr lang="en-US" altLang="zh-CN"/>
+          </a:p>
+          <a:p>
+            <a:pPr lvl="1"/>
+            <a:r>
+              <a:rPr lang="en-US" altLang="zh-CN"/>
+              <a:t>    zip_ref.extractall(directory_to_extract_to)</a:t>
+            </a:r>
+            <a:endParaRPr lang="en-US" altLang="zh-CN"/>
           </a:p>
         </p:txBody>
       </p:sp>
@@ -15572,7 +15639,7 @@
       <p:grpSpPr/>
       <p:sp>
         <p:nvSpPr>
-          <p:cNvPr id="2" name="标题 1"/>
+          <p:cNvPr id="4" name="标题 3"/>
           <p:cNvSpPr>
             <a:spLocks noGrp="1"/>
           </p:cNvSpPr>
@@ -15586,111 +15653,27 @@
           <a:p>
             <a:r>
               <a:rPr lang="en-US" altLang="zh-CN"/>
-              <a:t>Wrap As Exe or Dll</a:t>
-            </a:r>
-            <a:endParaRPr lang="en-US" altLang="zh-CN"/>
-          </a:p>
-        </p:txBody>
-      </p:sp>
-      <p:sp>
-        <p:nvSpPr>
-          <p:cNvPr id="3" name="内容占位符 2"/>
+              <a:t>Advanced</a:t>
+            </a:r>
+            <a:endParaRPr lang="en-US" altLang="zh-CN"/>
+          </a:p>
+        </p:txBody>
+      </p:sp>
+      <p:sp>
+        <p:nvSpPr>
+          <p:cNvPr id="5" name="文本占位符 4"/>
           <p:cNvSpPr>
             <a:spLocks noGrp="1"/>
           </p:cNvSpPr>
           <p:nvPr>
-            <p:ph idx="1"/>
+            <p:ph type="body" idx="1"/>
           </p:nvPr>
         </p:nvSpPr>
         <p:spPr/>
         <p:txBody>
           <a:bodyPr/>
           <a:p>
-            <a:r>
-              <a:rPr lang="en-US" altLang="zh-CN"/>
-              <a:t>py2exe</a:t>
-            </a:r>
-            <a:endParaRPr lang="en-US" altLang="zh-CN"/>
-          </a:p>
-          <a:p>
-            <a:pPr lvl="1"/>
-            <a:r>
-              <a:rPr lang="en-US" altLang="zh-CN"/>
-              <a:t>pip install py2exe</a:t>
-            </a:r>
-            <a:endParaRPr lang="en-US" altLang="zh-CN"/>
-          </a:p>
-          <a:p>
-            <a:pPr lvl="1"/>
-            <a:r>
-              <a:rPr lang="en-US" altLang="zh-CN"/>
-              <a:t>Only support python 3.3 or 3.4</a:t>
-            </a:r>
-            <a:endParaRPr lang="en-US" altLang="zh-CN"/>
-          </a:p>
-          <a:p>
-            <a:pPr lvl="0"/>
-            <a:r>
-              <a:rPr lang="en-US" altLang="zh-CN"/>
-              <a:t>PyInstaller</a:t>
-            </a:r>
-            <a:endParaRPr lang="en-US" altLang="zh-CN"/>
-          </a:p>
-          <a:p>
-            <a:pPr lvl="1"/>
-            <a:r>
-              <a:rPr lang="en-US" altLang="zh-CN"/>
-              <a:t>pip install pyinstaller</a:t>
-            </a:r>
-            <a:endParaRPr lang="en-US" altLang="zh-CN"/>
-          </a:p>
-          <a:p>
-            <a:pPr lvl="1"/>
-            <a:r>
-              <a:rPr lang="en-US" altLang="zh-CN"/>
-              <a:t>pyinstaller yourprogram.py</a:t>
-            </a:r>
-            <a:endParaRPr lang="en-US" altLang="zh-CN"/>
-          </a:p>
-          <a:p>
-            <a:pPr lvl="2"/>
-            <a:r>
-              <a:rPr lang="en-US" altLang="zh-CN"/>
-              <a:t>Files are generated into “dist” folder</a:t>
-            </a:r>
-            <a:endParaRPr lang="en-US" altLang="zh-CN"/>
-          </a:p>
-          <a:p>
-            <a:pPr lvl="2"/>
-            <a:r>
-              <a:rPr lang="en-US" altLang="zh-CN"/>
-              <a:t>yourprogram.spec</a:t>
-            </a:r>
-            <a:endParaRPr lang="en-US" altLang="zh-CN"/>
-          </a:p>
-          <a:p>
-            <a:pPr lvl="3"/>
-            <a:r>
-              <a:rPr lang="en-US" altLang="zh-CN"/>
-              <a:t>pyinstaller yourprogram.spec</a:t>
-            </a:r>
-            <a:endParaRPr lang="en-US" altLang="zh-CN"/>
-          </a:p>
-          <a:p>
-            <a:pPr lvl="2"/>
-            <a:r>
-              <a:rPr lang="en-US" altLang="zh-CN"/>
-              <a:t>“build” folder</a:t>
-            </a:r>
-            <a:endParaRPr lang="en-US" altLang="zh-CN"/>
-          </a:p>
-          <a:p>
-            <a:pPr lvl="2"/>
-            <a:r>
-              <a:rPr lang="en-US" altLang="zh-CN"/>
-              <a:t>-F: one-file bundled executable</a:t>
-            </a:r>
-            <a:endParaRPr lang="en-US" altLang="zh-CN"/>
+            <a:endParaRPr lang="zh-CN" altLang="en-US"/>
           </a:p>
         </p:txBody>
       </p:sp>
@@ -15703,6 +15686,148 @@
 </file>
 
 <file path=ppt/slides/slide54.xml><?xml version="1.0" encoding="utf-8"?>
+<p:sld xmlns:a="http://schemas.openxmlformats.org/drawingml/2006/main" xmlns:r="http://schemas.openxmlformats.org/officeDocument/2006/relationships" xmlns:p="http://schemas.openxmlformats.org/presentationml/2006/main">
+  <p:cSld>
+    <p:spTree>
+      <p:nvGrpSpPr>
+        <p:cNvPr id="1" name=""/>
+        <p:cNvGrpSpPr/>
+        <p:nvPr/>
+      </p:nvGrpSpPr>
+      <p:grpSpPr/>
+      <p:sp>
+        <p:nvSpPr>
+          <p:cNvPr id="2" name="标题 1"/>
+          <p:cNvSpPr>
+            <a:spLocks noGrp="1"/>
+          </p:cNvSpPr>
+          <p:nvPr>
+            <p:ph type="title"/>
+          </p:nvPr>
+        </p:nvSpPr>
+        <p:spPr/>
+        <p:txBody>
+          <a:bodyPr/>
+          <a:p>
+            <a:r>
+              <a:rPr lang="en-US" altLang="zh-CN"/>
+              <a:t>Wrap As Exe or Dll</a:t>
+            </a:r>
+            <a:endParaRPr lang="en-US" altLang="zh-CN"/>
+          </a:p>
+        </p:txBody>
+      </p:sp>
+      <p:sp>
+        <p:nvSpPr>
+          <p:cNvPr id="3" name="内容占位符 2"/>
+          <p:cNvSpPr>
+            <a:spLocks noGrp="1"/>
+          </p:cNvSpPr>
+          <p:nvPr>
+            <p:ph idx="1"/>
+          </p:nvPr>
+        </p:nvSpPr>
+        <p:spPr/>
+        <p:txBody>
+          <a:bodyPr/>
+          <a:p>
+            <a:r>
+              <a:rPr lang="en-US" altLang="zh-CN"/>
+              <a:t>py2exe</a:t>
+            </a:r>
+            <a:endParaRPr lang="en-US" altLang="zh-CN"/>
+          </a:p>
+          <a:p>
+            <a:pPr lvl="1"/>
+            <a:r>
+              <a:rPr lang="en-US" altLang="zh-CN"/>
+              <a:t>pip install py2exe</a:t>
+            </a:r>
+            <a:endParaRPr lang="en-US" altLang="zh-CN"/>
+          </a:p>
+          <a:p>
+            <a:pPr lvl="1"/>
+            <a:r>
+              <a:rPr lang="en-US" altLang="zh-CN"/>
+              <a:t>Only support python 3.3 or 3.4</a:t>
+            </a:r>
+            <a:endParaRPr lang="en-US" altLang="zh-CN"/>
+          </a:p>
+          <a:p>
+            <a:pPr lvl="0"/>
+            <a:r>
+              <a:rPr lang="en-US" altLang="zh-CN"/>
+              <a:t>PyInstaller</a:t>
+            </a:r>
+            <a:endParaRPr lang="en-US" altLang="zh-CN"/>
+          </a:p>
+          <a:p>
+            <a:pPr lvl="1"/>
+            <a:r>
+              <a:rPr lang="en-US" altLang="zh-CN"/>
+              <a:t>pip install pyinstaller</a:t>
+            </a:r>
+            <a:endParaRPr lang="en-US" altLang="zh-CN"/>
+          </a:p>
+          <a:p>
+            <a:pPr lvl="1"/>
+            <a:r>
+              <a:rPr lang="en-US" altLang="zh-CN"/>
+              <a:t>pyinstaller yourprogram.py</a:t>
+            </a:r>
+            <a:endParaRPr lang="en-US" altLang="zh-CN"/>
+          </a:p>
+          <a:p>
+            <a:pPr lvl="2"/>
+            <a:r>
+              <a:rPr lang="en-US" altLang="zh-CN"/>
+              <a:t>Files are generated into “dist” folder</a:t>
+            </a:r>
+            <a:endParaRPr lang="en-US" altLang="zh-CN"/>
+          </a:p>
+          <a:p>
+            <a:pPr lvl="2"/>
+            <a:r>
+              <a:rPr lang="en-US" altLang="zh-CN"/>
+              <a:t>yourprogram.spec</a:t>
+            </a:r>
+            <a:endParaRPr lang="en-US" altLang="zh-CN"/>
+          </a:p>
+          <a:p>
+            <a:pPr lvl="3"/>
+            <a:r>
+              <a:rPr lang="en-US" altLang="zh-CN"/>
+              <a:t>pyinstaller yourprogram.spec</a:t>
+            </a:r>
+            <a:endParaRPr lang="en-US" altLang="zh-CN"/>
+          </a:p>
+          <a:p>
+            <a:pPr lvl="2"/>
+            <a:r>
+              <a:rPr lang="en-US" altLang="zh-CN"/>
+              <a:t>“build” folder</a:t>
+            </a:r>
+            <a:endParaRPr lang="en-US" altLang="zh-CN"/>
+          </a:p>
+          <a:p>
+            <a:pPr lvl="2"/>
+            <a:r>
+              <a:rPr lang="en-US" altLang="zh-CN"/>
+              <a:t>-F: one-file bundled executable</a:t>
+            </a:r>
+            <a:endParaRPr lang="en-US" altLang="zh-CN"/>
+          </a:p>
+        </p:txBody>
+      </p:sp>
+    </p:spTree>
+  </p:cSld>
+  <p:clrMapOvr>
+    <a:masterClrMapping/>
+  </p:clrMapOvr>
+</p:sld>
+</file>
+
+<file path=ppt/slides/slide55.xml><?xml version="1.0" encoding="utf-8"?>
 <p:sld xmlns:a="http://schemas.openxmlformats.org/drawingml/2006/main" xmlns:r="http://schemas.openxmlformats.org/officeDocument/2006/relationships" xmlns:p="http://schemas.openxmlformats.org/presentationml/2006/main">
   <p:cSld>
     <p:spTree>
@@ -16156,7 +16281,7 @@
 </p:sld>
 </file>
 
-<file path=ppt/slides/slide55.xml><?xml version="1.0" encoding="utf-8"?>
+<file path=ppt/slides/slide56.xml><?xml version="1.0" encoding="utf-8"?>
 <p:sld xmlns:a="http://schemas.openxmlformats.org/drawingml/2006/main" xmlns:r="http://schemas.openxmlformats.org/officeDocument/2006/relationships" xmlns:p="http://schemas.openxmlformats.org/presentationml/2006/main">
   <p:cSld>
     <p:spTree>
@@ -16213,6 +16338,432 @@
             <a:r>
               <a:rPr lang="en-US" altLang="zh-CN"/>
               <a:t>cdef</a:t>
+            </a:r>
+            <a:endParaRPr lang="en-US" altLang="zh-CN"/>
+          </a:p>
+        </p:txBody>
+      </p:sp>
+    </p:spTree>
+  </p:cSld>
+  <p:clrMapOvr>
+    <a:masterClrMapping/>
+  </p:clrMapOvr>
+</p:sld>
+</file>
+
+<file path=ppt/slides/slide57.xml><?xml version="1.0" encoding="utf-8"?>
+<p:sld xmlns:a="http://schemas.openxmlformats.org/drawingml/2006/main" xmlns:r="http://schemas.openxmlformats.org/officeDocument/2006/relationships" xmlns:p="http://schemas.openxmlformats.org/presentationml/2006/main">
+  <p:cSld>
+    <p:spTree>
+      <p:nvGrpSpPr>
+        <p:cNvPr id="1" name=""/>
+        <p:cNvGrpSpPr/>
+        <p:nvPr/>
+      </p:nvGrpSpPr>
+      <p:grpSpPr/>
+      <p:sp>
+        <p:nvSpPr>
+          <p:cNvPr id="2" name="标题 1"/>
+          <p:cNvSpPr>
+            <a:spLocks noGrp="1"/>
+          </p:cNvSpPr>
+          <p:nvPr>
+            <p:ph type="title"/>
+          </p:nvPr>
+        </p:nvSpPr>
+        <p:spPr/>
+        <p:txBody>
+          <a:bodyPr/>
+          <a:p>
+            <a:r>
+              <a:rPr lang="en-US" altLang="zh-CN"/>
+              <a:t>Interface with C/C++ Library</a:t>
+            </a:r>
+            <a:endParaRPr lang="en-US" altLang="zh-CN"/>
+          </a:p>
+        </p:txBody>
+      </p:sp>
+      <p:sp>
+        <p:nvSpPr>
+          <p:cNvPr id="3" name="内容占位符 2"/>
+          <p:cNvSpPr>
+            <a:spLocks noGrp="1"/>
+          </p:cNvSpPr>
+          <p:nvPr>
+            <p:ph idx="1"/>
+          </p:nvPr>
+        </p:nvSpPr>
+        <p:spPr>
+          <a:xfrm>
+            <a:off x="838200" y="1211580"/>
+            <a:ext cx="6186805" cy="5032375"/>
+          </a:xfrm>
+        </p:spPr>
+        <p:txBody>
+          <a:bodyPr>
+            <a:normAutofit fontScale="90000" lnSpcReduction="20000"/>
+          </a:bodyPr>
+          <a:p>
+            <a:r>
+              <a:rPr lang="en-US" altLang="zh-CN"/>
+              <a:t>References</a:t>
+            </a:r>
+            <a:endParaRPr lang="en-US" altLang="zh-CN"/>
+          </a:p>
+          <a:p>
+            <a:pPr lvl="1"/>
+            <a:r>
+              <a:rPr lang="en-US" altLang="zh-CN"/>
+              <a:t>https://realpython.com/python-bindings-overview/</a:t>
+            </a:r>
+            <a:endParaRPr lang="en-US" altLang="zh-CN"/>
+          </a:p>
+          <a:p>
+            <a:pPr lvl="0"/>
+            <a:r>
+              <a:rPr lang="en-US" altLang="zh-CN" sz="2400">
+                <a:sym typeface="+mn-ea"/>
+              </a:rPr>
+              <a:t>ctypes</a:t>
+            </a:r>
+            <a:endParaRPr lang="en-US" altLang="zh-CN" sz="2400"/>
+          </a:p>
+          <a:p>
+            <a:pPr lvl="1"/>
+            <a:r>
+              <a:rPr lang="en-US" altLang="zh-CN" sz="2400">
+                <a:sym typeface="+mn-ea"/>
+              </a:rPr>
+              <a:t>low-level, load dll directly</a:t>
+            </a:r>
+            <a:endParaRPr lang="en-US" altLang="zh-CN" sz="2400"/>
+          </a:p>
+          <a:p>
+            <a:pPr lvl="1"/>
+            <a:r>
+              <a:rPr lang="en-US" altLang="zh-CN" sz="2400">
+                <a:sym typeface="+mn-ea"/>
+              </a:rPr>
+              <a:t>only C</a:t>
+            </a:r>
+            <a:endParaRPr lang="en-US" altLang="zh-CN" sz="2400">
+              <a:sym typeface="+mn-ea"/>
+            </a:endParaRPr>
+          </a:p>
+          <a:p>
+            <a:pPr lvl="1"/>
+            <a:r>
+              <a:rPr lang="en-US" altLang="zh-CN" sz="2400"/>
+              <a:t>https://docs.python.org/3/library/ctypes.html</a:t>
+            </a:r>
+            <a:endParaRPr lang="en-US" altLang="zh-CN" sz="2400"/>
+          </a:p>
+          <a:p>
+            <a:pPr lvl="0"/>
+            <a:r>
+              <a:rPr lang="en-US" altLang="zh-CN"/>
+              <a:t>CFFI (C Foreign Function Interface)</a:t>
+            </a:r>
+            <a:endParaRPr lang="en-US" altLang="zh-CN"/>
+          </a:p>
+          <a:p>
+            <a:pPr lvl="1"/>
+            <a:r>
+              <a:rPr lang="en-US" altLang="zh-CN"/>
+              <a:t>from cffi import FFI</a:t>
+            </a:r>
+            <a:endParaRPr lang="en-US" altLang="zh-CN"/>
+          </a:p>
+          <a:p>
+            <a:pPr lvl="1"/>
+            <a:r>
+              <a:rPr lang="en-US" altLang="zh-CN"/>
+              <a:t>Only C</a:t>
+            </a:r>
+            <a:endParaRPr lang="en-US" altLang="zh-CN"/>
+          </a:p>
+          <a:p>
+            <a:pPr lvl="1"/>
+            <a:r>
+              <a:rPr lang="en-US" altLang="zh-CN"/>
+              <a:t>Steps</a:t>
+            </a:r>
+            <a:endParaRPr lang="en-US" altLang="zh-CN"/>
+          </a:p>
+          <a:p>
+            <a:pPr lvl="2"/>
+            <a:r>
+              <a:rPr lang="en-US" altLang="zh-CN" sz="1800"/>
+              <a:t>Write python code describing the bindings</a:t>
+            </a:r>
+            <a:endParaRPr lang="en-US" altLang="zh-CN" sz="1800"/>
+          </a:p>
+          <a:p>
+            <a:pPr lvl="2"/>
+            <a:r>
+              <a:rPr lang="en-US" altLang="zh-CN" sz="1800"/>
+              <a:t>Run the code to generate a loadable module</a:t>
+            </a:r>
+            <a:endParaRPr lang="en-US" altLang="zh-CN" sz="1800"/>
+          </a:p>
+          <a:p>
+            <a:pPr lvl="2"/>
+            <a:r>
+              <a:rPr lang="en-US" altLang="zh-CN" sz="1800"/>
+              <a:t>Modify calling code to import and use the new module</a:t>
+            </a:r>
+            <a:endParaRPr lang="en-US" altLang="zh-CN"/>
+          </a:p>
+          <a:p>
+            <a:pPr lvl="0"/>
+            <a:r>
+              <a:rPr lang="en-US" altLang="zh-CN"/>
+              <a:t>PyBind11</a:t>
+            </a:r>
+            <a:endParaRPr lang="en-US" altLang="zh-CN"/>
+          </a:p>
+          <a:p>
+            <a:pPr lvl="1"/>
+            <a:r>
+              <a:rPr lang="en-US" altLang="zh-CN" sz="2000"/>
+              <a:t>Supports C++</a:t>
+            </a:r>
+            <a:endParaRPr lang="en-US" altLang="zh-CN"/>
+          </a:p>
+        </p:txBody>
+      </p:sp>
+      <p:sp>
+        <p:nvSpPr>
+          <p:cNvPr id="4" name="内容占位符 2"/>
+          <p:cNvSpPr>
+            <a:spLocks noGrp="1"/>
+          </p:cNvSpPr>
+          <p:nvPr/>
+        </p:nvSpPr>
+        <p:spPr>
+          <a:xfrm>
+            <a:off x="7200265" y="1146175"/>
+            <a:ext cx="4648835" cy="5032375"/>
+          </a:xfrm>
+          <a:prstGeom prst="rect">
+            <a:avLst/>
+          </a:prstGeom>
+        </p:spPr>
+        <p:txBody>
+          <a:bodyPr vert="horz" lIns="91440" tIns="45720" rIns="91440" bIns="45720" rtlCol="0">
+            <a:normAutofit lnSpcReduction="10000"/>
+          </a:bodyPr>
+          <a:lstStyle>
+            <a:lvl1pPr marL="342900" indent="-342900" algn="l" defTabSz="914400" rtl="0" eaLnBrk="1" latinLnBrk="0" hangingPunct="1">
+              <a:lnSpc>
+                <a:spcPct val="90000"/>
+              </a:lnSpc>
+              <a:spcBef>
+                <a:spcPts val="1000"/>
+              </a:spcBef>
+              <a:buFont typeface="黑体" panose="02010609060101010101" pitchFamily="49" charset="-122"/>
+              <a:buChar char="〉"/>
+              <a:defRPr sz="2400" kern="1200">
+                <a:solidFill>
+                  <a:schemeClr val="tx1"/>
+                </a:solidFill>
+                <a:latin typeface="+mn-lt"/>
+                <a:ea typeface="+mn-ea"/>
+                <a:cs typeface="+mn-cs"/>
+              </a:defRPr>
+            </a:lvl1pPr>
+            <a:lvl2pPr marL="800100" indent="-342900" algn="l" defTabSz="914400" rtl="0" eaLnBrk="1" latinLnBrk="0" hangingPunct="1">
+              <a:lnSpc>
+                <a:spcPct val="90000"/>
+              </a:lnSpc>
+              <a:spcBef>
+                <a:spcPts val="500"/>
+              </a:spcBef>
+              <a:buFont typeface="Arial" panose="020B0604020202020204" pitchFamily="34" charset="0"/>
+              <a:buChar char="•"/>
+              <a:defRPr sz="2000" kern="1200">
+                <a:solidFill>
+                  <a:schemeClr val="tx1"/>
+                </a:solidFill>
+                <a:latin typeface="+mn-lt"/>
+                <a:ea typeface="+mn-ea"/>
+                <a:cs typeface="+mn-cs"/>
+              </a:defRPr>
+            </a:lvl2pPr>
+            <a:lvl3pPr marL="1257300" indent="-342900" algn="l" defTabSz="914400" rtl="0" eaLnBrk="1" latinLnBrk="0" hangingPunct="1">
+              <a:lnSpc>
+                <a:spcPct val="90000"/>
+              </a:lnSpc>
+              <a:spcBef>
+                <a:spcPts val="500"/>
+              </a:spcBef>
+              <a:buFont typeface="Arial" panose="020B0604020202020204" pitchFamily="34" charset="0"/>
+              <a:buChar char="•"/>
+              <a:defRPr sz="1800" kern="1200">
+                <a:solidFill>
+                  <a:schemeClr val="tx1"/>
+                </a:solidFill>
+                <a:latin typeface="+mn-lt"/>
+                <a:ea typeface="+mn-ea"/>
+                <a:cs typeface="+mn-cs"/>
+              </a:defRPr>
+            </a:lvl3pPr>
+            <a:lvl4pPr marL="1657350" indent="-285750" algn="l" defTabSz="914400" rtl="0" eaLnBrk="1" latinLnBrk="0" hangingPunct="1">
+              <a:lnSpc>
+                <a:spcPct val="90000"/>
+              </a:lnSpc>
+              <a:spcBef>
+                <a:spcPts val="500"/>
+              </a:spcBef>
+              <a:buFont typeface="Arial" panose="020B0604020202020204" pitchFamily="34" charset="0"/>
+              <a:buChar char="•"/>
+              <a:defRPr sz="1800" kern="1200">
+                <a:solidFill>
+                  <a:schemeClr val="tx1"/>
+                </a:solidFill>
+                <a:latin typeface="+mn-lt"/>
+                <a:ea typeface="+mn-ea"/>
+                <a:cs typeface="+mn-cs"/>
+              </a:defRPr>
+            </a:lvl4pPr>
+            <a:lvl5pPr marL="2114550" indent="-285750" algn="l" defTabSz="914400" rtl="0" eaLnBrk="1" latinLnBrk="0" hangingPunct="1">
+              <a:lnSpc>
+                <a:spcPct val="90000"/>
+              </a:lnSpc>
+              <a:spcBef>
+                <a:spcPts val="500"/>
+              </a:spcBef>
+              <a:buFont typeface="Arial" panose="020B0604020202020204" pitchFamily="34" charset="0"/>
+              <a:buChar char="•"/>
+              <a:defRPr sz="1800" kern="1200">
+                <a:solidFill>
+                  <a:schemeClr val="tx1"/>
+                </a:solidFill>
+                <a:latin typeface="+mn-lt"/>
+                <a:ea typeface="+mn-ea"/>
+                <a:cs typeface="+mn-cs"/>
+              </a:defRPr>
+            </a:lvl5pPr>
+            <a:lvl6pPr marL="2514600" indent="-228600" algn="l" defTabSz="914400" rtl="0" eaLnBrk="1" latinLnBrk="0" hangingPunct="1">
+              <a:lnSpc>
+                <a:spcPct val="90000"/>
+              </a:lnSpc>
+              <a:spcBef>
+                <a:spcPts val="500"/>
+              </a:spcBef>
+              <a:buFont typeface="Arial" panose="020B0604020202020204" pitchFamily="34" charset="0"/>
+              <a:buChar char="•"/>
+              <a:defRPr sz="1800" kern="1200">
+                <a:solidFill>
+                  <a:schemeClr val="tx1"/>
+                </a:solidFill>
+                <a:latin typeface="+mn-lt"/>
+                <a:ea typeface="+mn-ea"/>
+                <a:cs typeface="+mn-cs"/>
+              </a:defRPr>
+            </a:lvl6pPr>
+            <a:lvl7pPr marL="2971800" indent="-228600" algn="l" defTabSz="914400" rtl="0" eaLnBrk="1" latinLnBrk="0" hangingPunct="1">
+              <a:lnSpc>
+                <a:spcPct val="90000"/>
+              </a:lnSpc>
+              <a:spcBef>
+                <a:spcPts val="500"/>
+              </a:spcBef>
+              <a:buFont typeface="Arial" panose="020B0604020202020204" pitchFamily="34" charset="0"/>
+              <a:buChar char="•"/>
+              <a:defRPr sz="1800" kern="1200">
+                <a:solidFill>
+                  <a:schemeClr val="tx1"/>
+                </a:solidFill>
+                <a:latin typeface="+mn-lt"/>
+                <a:ea typeface="+mn-ea"/>
+                <a:cs typeface="+mn-cs"/>
+              </a:defRPr>
+            </a:lvl7pPr>
+            <a:lvl8pPr marL="3429000" indent="-228600" algn="l" defTabSz="914400" rtl="0" eaLnBrk="1" latinLnBrk="0" hangingPunct="1">
+              <a:lnSpc>
+                <a:spcPct val="90000"/>
+              </a:lnSpc>
+              <a:spcBef>
+                <a:spcPts val="500"/>
+              </a:spcBef>
+              <a:buFont typeface="Arial" panose="020B0604020202020204" pitchFamily="34" charset="0"/>
+              <a:buChar char="•"/>
+              <a:defRPr sz="1800" kern="1200">
+                <a:solidFill>
+                  <a:schemeClr val="tx1"/>
+                </a:solidFill>
+                <a:latin typeface="+mn-lt"/>
+                <a:ea typeface="+mn-ea"/>
+                <a:cs typeface="+mn-cs"/>
+              </a:defRPr>
+            </a:lvl8pPr>
+            <a:lvl9pPr marL="3886200" indent="-228600" algn="l" defTabSz="914400" rtl="0" eaLnBrk="1" latinLnBrk="0" hangingPunct="1">
+              <a:lnSpc>
+                <a:spcPct val="90000"/>
+              </a:lnSpc>
+              <a:spcBef>
+                <a:spcPts val="500"/>
+              </a:spcBef>
+              <a:buFont typeface="Arial" panose="020B0604020202020204" pitchFamily="34" charset="0"/>
+              <a:buChar char="•"/>
+              <a:defRPr sz="1800" kern="1200">
+                <a:solidFill>
+                  <a:schemeClr val="tx1"/>
+                </a:solidFill>
+                <a:latin typeface="+mn-lt"/>
+                <a:ea typeface="+mn-ea"/>
+                <a:cs typeface="+mn-cs"/>
+              </a:defRPr>
+            </a:lvl9pPr>
+          </a:lstStyle>
+          <a:p>
+            <a:pPr lvl="0"/>
+            <a:r>
+              <a:rPr lang="en-US" altLang="zh-CN" sz="2400">
+                <a:sym typeface="+mn-ea"/>
+              </a:rPr>
+              <a:t>Cython</a:t>
+            </a:r>
+            <a:endParaRPr lang="en-US" altLang="zh-CN" sz="2400"/>
+          </a:p>
+          <a:p>
+            <a:pPr lvl="0"/>
+            <a:r>
+              <a:rPr lang="en-US" altLang="zh-CN" sz="2400">
+                <a:sym typeface="+mn-ea"/>
+              </a:rPr>
+              <a:t>SWIG</a:t>
+            </a:r>
+            <a:endParaRPr lang="en-US" altLang="zh-CN" sz="2400"/>
+          </a:p>
+          <a:p>
+            <a:pPr lvl="1"/>
+            <a:r>
+              <a:rPr lang="en-US" altLang="zh-CN" sz="2400">
+                <a:sym typeface="+mn-ea"/>
+              </a:rPr>
+              <a:t>Generating bindings for interpreted languages from C/C++ header files</a:t>
+            </a:r>
+            <a:endParaRPr lang="en-US" altLang="zh-CN" sz="2400"/>
+          </a:p>
+          <a:p>
+            <a:pPr lvl="0"/>
+            <a:r>
+              <a:rPr lang="en-US" altLang="zh-CN" sz="2400">
+                <a:sym typeface="+mn-ea"/>
+              </a:rPr>
+              <a:t>Boost.Python</a:t>
+            </a:r>
+            <a:endParaRPr lang="en-US" altLang="zh-CN" sz="2400"/>
+          </a:p>
+          <a:p>
+            <a:pPr lvl="1"/>
+            <a:r>
+              <a:rPr lang="en-US" altLang="zh-CN" sz="2400">
+                <a:sym typeface="+mn-ea"/>
+              </a:rPr>
+              <a:t>https://www.boost.org/doc/libs/1_59_0/libs/python/doc/</a:t>
             </a:r>
             <a:endParaRPr lang="en-US" altLang="zh-CN"/>
           </a:p>

--- a/Python/Python-Notes.pptx
+++ b/Python/Python-Notes.pptx
@@ -5,10 +5,10 @@
     <p:sldMasterId id="2147483648" r:id="rId1"/>
   </p:sldMasterIdLst>
   <p:notesMasterIdLst>
-    <p:notesMasterId r:id="rId60"/>
+    <p:notesMasterId r:id="rId61"/>
   </p:notesMasterIdLst>
   <p:handoutMasterIdLst>
-    <p:handoutMasterId r:id="rId61"/>
+    <p:handoutMasterId r:id="rId62"/>
   </p:handoutMasterIdLst>
   <p:sldIdLst>
     <p:sldId id="256" r:id="rId3"/>
@@ -65,9 +65,10 @@
     <p:sldId id="796" r:id="rId54"/>
     <p:sldId id="510" r:id="rId55"/>
     <p:sldId id="351" r:id="rId56"/>
-    <p:sldId id="511" r:id="rId57"/>
-    <p:sldId id="512" r:id="rId58"/>
-    <p:sldId id="795" r:id="rId59"/>
+    <p:sldId id="802" r:id="rId57"/>
+    <p:sldId id="511" r:id="rId58"/>
+    <p:sldId id="512" r:id="rId59"/>
+    <p:sldId id="795" r:id="rId60"/>
   </p:sldIdLst>
   <p:sldSz cx="12192000" cy="6858000"/>
   <p:notesSz cx="6858000" cy="9144000"/>
@@ -3674,7 +3675,7 @@
             <a:pPr algn="ctr"/>
             <a:r>
               <a:rPr lang="en-US" altLang="zh-CN" sz="2000" smtClean="0"/>
-              <a:t>Last updated: 11/24/2019</a:t>
+              <a:t>Last updated: 12/12/2020</a:t>
             </a:r>
             <a:endParaRPr lang="en-US" altLang="zh-CN" sz="2000" smtClean="0"/>
           </a:p>
@@ -5743,78 +5744,102 @@
           <a:p>
             <a:pPr lvl="0"/>
             <a:r>
-              <a:rPr lang="en-US" altLang="zh-CN" sz="2400">
+              <a:rPr lang="en-US" altLang="zh-CN" sz="2000">
                 <a:sym typeface="+mn-ea"/>
               </a:rPr>
               <a:t>Temp file and folder</a:t>
             </a:r>
-            <a:endParaRPr lang="en-US" altLang="zh-CN" sz="2400"/>
-          </a:p>
-          <a:p>
-            <a:pPr lvl="1"/>
-            <a:r>
-              <a:rPr lang="en-US" altLang="zh-CN" sz="2400">
+            <a:endParaRPr lang="en-US" altLang="zh-CN" sz="2000"/>
+          </a:p>
+          <a:p>
+            <a:pPr lvl="1"/>
+            <a:r>
+              <a:rPr lang="en-US" altLang="zh-CN" sz="1800">
                 <a:sym typeface="+mn-ea"/>
               </a:rPr>
               <a:t>import tempfile</a:t>
             </a:r>
-            <a:endParaRPr lang="en-US" altLang="zh-CN" sz="2400"/>
-          </a:p>
-          <a:p>
-            <a:pPr lvl="1"/>
-            <a:r>
-              <a:rPr lang="en-US" altLang="zh-CN" sz="2400">
+            <a:endParaRPr lang="en-US" altLang="zh-CN" sz="1800"/>
+          </a:p>
+          <a:p>
+            <a:pPr lvl="1"/>
+            <a:r>
+              <a:rPr lang="en-US" altLang="zh-CN" sz="1800">
                 <a:sym typeface="+mn-ea"/>
               </a:rPr>
               <a:t>tempfile.gettempdir()</a:t>
             </a:r>
-            <a:endParaRPr lang="en-US" altLang="zh-CN" sz="2400"/>
-          </a:p>
-          <a:p>
-            <a:pPr lvl="1"/>
-            <a:r>
-              <a:rPr lang="en-US" altLang="zh-CN" sz="2400">
+            <a:endParaRPr lang="en-US" altLang="zh-CN" sz="1800"/>
+          </a:p>
+          <a:p>
+            <a:pPr lvl="1"/>
+            <a:r>
+              <a:rPr lang="en-US" altLang="zh-CN" sz="1800">
                 <a:sym typeface="+mn-ea"/>
               </a:rPr>
               <a:t>tempfile.TemporaryFile()</a:t>
             </a:r>
-            <a:endParaRPr lang="en-US" altLang="zh-CN" sz="2400">
+            <a:endParaRPr lang="en-US" altLang="zh-CN" sz="1800">
               <a:sym typeface="+mn-ea"/>
             </a:endParaRPr>
           </a:p>
           <a:p>
             <a:pPr lvl="0"/>
             <a:r>
-              <a:rPr lang="en-US" altLang="en-US" sz="2880">
+              <a:rPr lang="en-US" altLang="en-US" sz="2000">
                 <a:sym typeface="+mn-ea"/>
               </a:rPr>
               <a:t>file compare</a:t>
             </a:r>
-            <a:endParaRPr lang="en-US" altLang="en-US" sz="2880"/>
-          </a:p>
-          <a:p>
-            <a:pPr lvl="1"/>
-            <a:r>
-              <a:rPr lang="en-US" altLang="en-US" sz="2665">
+            <a:endParaRPr lang="en-US" altLang="en-US" sz="2000"/>
+          </a:p>
+          <a:p>
+            <a:pPr lvl="1"/>
+            <a:r>
+              <a:rPr lang="en-US" altLang="en-US" sz="1800">
                 <a:sym typeface="+mn-ea"/>
               </a:rPr>
               <a:t>import filecmp</a:t>
             </a:r>
-            <a:endParaRPr lang="en-US" altLang="en-US" sz="2665"/>
-          </a:p>
-          <a:p>
-            <a:pPr lvl="1"/>
-            <a:r>
-              <a:rPr lang="en-US" altLang="en-US" sz="2665">
+            <a:endParaRPr lang="en-US" altLang="en-US" sz="1800"/>
+          </a:p>
+          <a:p>
+            <a:pPr lvl="1"/>
+            <a:r>
+              <a:rPr lang="en-US" altLang="en-US" sz="1800">
                 <a:sym typeface="+mn-ea"/>
               </a:rPr>
               <a:t>filecmp.cmp(fn1, fn2)</a:t>
             </a:r>
-            <a:endParaRPr lang="en-US" altLang="en-US" sz="2665"/>
+            <a:endParaRPr lang="en-US" altLang="en-US" sz="1800">
+              <a:sym typeface="+mn-ea"/>
+            </a:endParaRPr>
           </a:p>
           <a:p>
             <a:pPr lvl="0"/>
-            <a:endParaRPr lang="en-US" altLang="en-US"/>
+            <a:r>
+              <a:rPr lang="en-US" altLang="en-US" sz="2160">
+                <a:sym typeface="+mn-ea"/>
+              </a:rPr>
+              <a:t>file modification time</a:t>
+            </a:r>
+            <a:endParaRPr lang="en-US" altLang="en-US" sz="2160">
+              <a:sym typeface="+mn-ea"/>
+            </a:endParaRPr>
+          </a:p>
+          <a:p>
+            <a:pPr lvl="1"/>
+            <a:r>
+              <a:rPr lang="en-US" altLang="en-US" sz="1800">
+                <a:sym typeface="+mn-ea"/>
+              </a:rPr>
+              <a:t>os.stat(fn).st_mtime</a:t>
+            </a:r>
+            <a:endParaRPr lang="en-US" altLang="en-US" sz="1800"/>
+          </a:p>
+          <a:p>
+            <a:pPr lvl="0"/>
+            <a:endParaRPr lang="en-US" altLang="en-US" sz="1800"/>
           </a:p>
         </p:txBody>
       </p:sp>
@@ -5964,15 +5989,55 @@
             <a:pPr lvl="1"/>
             <a:r>
               <a:rPr lang="en-US" altLang="zh-CN"/>
+              <a:t>call</a:t>
+            </a:r>
+            <a:endParaRPr lang="en-US" altLang="zh-CN"/>
+          </a:p>
+          <a:p>
+            <a:pPr lvl="2"/>
+            <a:r>
+              <a:rPr lang="en-US" altLang="zh-CN"/>
               <a:t>import subprocess</a:t>
             </a:r>
             <a:endParaRPr lang="en-US" altLang="zh-CN"/>
           </a:p>
           <a:p>
-            <a:pPr lvl="1"/>
+            <a:pPr lvl="2"/>
             <a:r>
               <a:rPr lang="en-US" altLang="zh-CN"/>
               <a:t>subprocess.call([cmd, param1, ...])</a:t>
+            </a:r>
+            <a:endParaRPr lang="en-US" altLang="zh-CN"/>
+          </a:p>
+          <a:p>
+            <a:pPr lvl="1"/>
+            <a:r>
+              <a:rPr lang="en-US" altLang="zh-CN"/>
+              <a:t>Popen</a:t>
+            </a:r>
+            <a:endParaRPr lang="en-US" altLang="zh-CN"/>
+          </a:p>
+          <a:p>
+            <a:pPr lvl="2"/>
+            <a:r>
+              <a:rPr lang="en-US" altLang="zh-CN"/>
+              <a:t>cmd = ''</a:t>
+            </a:r>
+            <a:endParaRPr lang="en-US" altLang="zh-CN"/>
+          </a:p>
+          <a:p>
+            <a:pPr lvl="2"/>
+            <a:r>
+              <a:rPr lang="en-US" altLang="zh-CN"/>
+              <a:t>sp = subprocess.Popen(cmd)</a:t>
+            </a:r>
+            <a:endParaRPr lang="en-US" altLang="zh-CN"/>
+          </a:p>
+          <a:p>
+            <a:pPr lvl="2"/>
+            <a:r>
+              <a:rPr lang="en-US" altLang="zh-CN"/>
+              <a:t>result = sp.wait()</a:t>
             </a:r>
             <a:endParaRPr lang="en-US" altLang="zh-CN"/>
           </a:p>
@@ -7541,3594 +7606,9 @@
           </a:p>
         </p:txBody>
       </p:sp>
-    </p:spTree>
-  </p:cSld>
-  <p:clrMapOvr>
-    <a:masterClrMapping/>
-  </p:clrMapOvr>
-</p:sld>
-</file>
-
-<file path=ppt/slides/slide27.xml><?xml version="1.0" encoding="utf-8"?>
-<p:sld xmlns:a="http://schemas.openxmlformats.org/drawingml/2006/main" xmlns:r="http://schemas.openxmlformats.org/officeDocument/2006/relationships" xmlns:p="http://schemas.openxmlformats.org/presentationml/2006/main">
-  <p:cSld>
-    <p:spTree>
-      <p:nvGrpSpPr>
-        <p:cNvPr id="1" name=""/>
-        <p:cNvGrpSpPr/>
-        <p:nvPr/>
-      </p:nvGrpSpPr>
-      <p:grpSpPr/>
-      <p:sp>
-        <p:nvSpPr>
-          <p:cNvPr id="4" name="标题 3"/>
-          <p:cNvSpPr>
-            <a:spLocks noGrp="1"/>
-          </p:cNvSpPr>
-          <p:nvPr>
-            <p:ph type="title"/>
-          </p:nvPr>
-        </p:nvSpPr>
-        <p:spPr/>
-        <p:txBody>
-          <a:bodyPr/>
-          <a:p>
-            <a:r>
-              <a:rPr lang="en-US" altLang="zh-CN"/>
-              <a:t>Packages</a:t>
-            </a:r>
-            <a:endParaRPr lang="en-US" altLang="zh-CN"/>
-          </a:p>
-        </p:txBody>
-      </p:sp>
-      <p:sp>
-        <p:nvSpPr>
-          <p:cNvPr id="5" name="文本占位符 4"/>
-          <p:cNvSpPr>
-            <a:spLocks noGrp="1"/>
-          </p:cNvSpPr>
-          <p:nvPr>
-            <p:ph type="body" idx="1"/>
-          </p:nvPr>
-        </p:nvSpPr>
-        <p:spPr/>
-        <p:txBody>
-          <a:bodyPr/>
-          <a:p>
-            <a:endParaRPr lang="zh-CN" altLang="en-US"/>
-          </a:p>
-        </p:txBody>
-      </p:sp>
-    </p:spTree>
-  </p:cSld>
-  <p:clrMapOvr>
-    <a:masterClrMapping/>
-  </p:clrMapOvr>
-</p:sld>
-</file>
-
-<file path=ppt/slides/slide28.xml><?xml version="1.0" encoding="utf-8"?>
-<p:sld xmlns:a="http://schemas.openxmlformats.org/drawingml/2006/main" xmlns:r="http://schemas.openxmlformats.org/officeDocument/2006/relationships" xmlns:p="http://schemas.openxmlformats.org/presentationml/2006/main">
-  <p:cSld>
-    <p:spTree>
-      <p:nvGrpSpPr>
-        <p:cNvPr id="1" name=""/>
-        <p:cNvGrpSpPr/>
-        <p:nvPr/>
-      </p:nvGrpSpPr>
-      <p:grpSpPr/>
-      <p:sp>
-        <p:nvSpPr>
-          <p:cNvPr id="2" name="标题 1"/>
-          <p:cNvSpPr>
-            <a:spLocks noGrp="1"/>
-          </p:cNvSpPr>
-          <p:nvPr>
-            <p:ph type="title"/>
-          </p:nvPr>
-        </p:nvSpPr>
-        <p:spPr/>
-        <p:txBody>
-          <a:bodyPr/>
-          <a:p>
-            <a:r>
-              <a:rPr lang="en-US" altLang="zh-CN"/>
-              <a:t>Web</a:t>
-            </a:r>
-            <a:endParaRPr lang="en-US" altLang="zh-CN"/>
-          </a:p>
-        </p:txBody>
-      </p:sp>
-      <p:sp>
-        <p:nvSpPr>
-          <p:cNvPr id="3" name="内容占位符 2"/>
-          <p:cNvSpPr>
-            <a:spLocks noGrp="1"/>
-          </p:cNvSpPr>
-          <p:nvPr>
-            <p:ph idx="1"/>
-          </p:nvPr>
-        </p:nvSpPr>
-        <p:spPr>
-          <a:xfrm>
-            <a:off x="838200" y="1211580"/>
-            <a:ext cx="5753100" cy="1971040"/>
-          </a:xfrm>
-        </p:spPr>
-        <p:txBody>
-          <a:bodyPr>
-            <a:normAutofit fontScale="90000"/>
-          </a:bodyPr>
-          <a:p>
-            <a:r>
-              <a:rPr lang="en-US" altLang="zh-CN"/>
-              <a:t>requests</a:t>
-            </a:r>
-            <a:endParaRPr lang="en-US" altLang="zh-CN"/>
-          </a:p>
-          <a:p>
-            <a:pPr lvl="1">
-              <a:buFont typeface="Wingdings" panose="05000000000000000000" pitchFamily="2" charset="2"/>
-              <a:buChar char=""/>
-            </a:pPr>
-            <a:r>
-              <a:rPr lang="en-US" altLang="zh-CN"/>
-              <a:t>https://2.python-requests.org/en/master/user/quickstart/#make-a-request</a:t>
-            </a:r>
-            <a:endParaRPr lang="en-US" altLang="zh-CN"/>
-          </a:p>
-          <a:p>
-            <a:pPr lvl="1">
-              <a:buFont typeface="Wingdings" panose="05000000000000000000" pitchFamily="2" charset="2"/>
-              <a:buChar char=""/>
-            </a:pPr>
-            <a:r>
-              <a:rPr lang="en-US" altLang="zh-CN"/>
-              <a:t>pip install requests</a:t>
-            </a:r>
-            <a:endParaRPr lang="en-US" altLang="zh-CN"/>
-          </a:p>
-          <a:p>
-            <a:pPr lvl="1">
-              <a:buFont typeface="Wingdings" panose="05000000000000000000" pitchFamily="2" charset="2"/>
-              <a:buChar char=""/>
-            </a:pPr>
-            <a:r>
-              <a:rPr lang="en-US" altLang="zh-CN"/>
-              <a:t>requests.code.ok</a:t>
-            </a:r>
-            <a:endParaRPr lang="en-US" altLang="zh-CN"/>
-          </a:p>
-        </p:txBody>
-      </p:sp>
-      <p:sp>
-        <p:nvSpPr>
-          <p:cNvPr id="4" name="文本框 3"/>
-          <p:cNvSpPr txBox="1"/>
-          <p:nvPr/>
-        </p:nvSpPr>
-        <p:spPr>
-          <a:xfrm>
-            <a:off x="6736080" y="914400"/>
-            <a:ext cx="5139055" cy="4284980"/>
-          </a:xfrm>
-          <a:prstGeom prst="rect">
-            <a:avLst/>
-          </a:prstGeom>
-          <a:noFill/>
-          <a:ln>
-            <a:solidFill>
-              <a:srgbClr val="FFC000"/>
-            </a:solidFill>
-          </a:ln>
-        </p:spPr>
-        <p:txBody>
-          <a:bodyPr wrap="square" rtlCol="0">
-            <a:spAutoFit/>
-          </a:bodyPr>
-          <a:p>
-            <a:pPr>
-              <a:lnSpc>
-                <a:spcPct val="130000"/>
-              </a:lnSpc>
-            </a:pPr>
-            <a:r>
-              <a:rPr lang="en-US" altLang="zh-CN" sz="1400" dirty="0" smtClean="0">
-                <a:latin typeface="Arial" panose="020B0604020202020204" pitchFamily="34" charset="0"/>
-                <a:ea typeface="微软雅黑" panose="020B0503020204020204" charset="-122"/>
-              </a:rPr>
-              <a:t>import requests</a:t>
-            </a:r>
-            <a:endParaRPr lang="en-US" altLang="zh-CN" sz="1400" dirty="0" smtClean="0">
-              <a:latin typeface="Arial" panose="020B0604020202020204" pitchFamily="34" charset="0"/>
-              <a:ea typeface="微软雅黑" panose="020B0503020204020204" charset="-122"/>
-            </a:endParaRPr>
-          </a:p>
-          <a:p>
-            <a:pPr>
-              <a:lnSpc>
-                <a:spcPct val="130000"/>
-              </a:lnSpc>
-            </a:pPr>
-            <a:r>
-              <a:rPr lang="en-US" altLang="zh-CN" sz="1400" dirty="0" smtClean="0">
-                <a:latin typeface="Arial" panose="020B0604020202020204" pitchFamily="34" charset="0"/>
-                <a:ea typeface="微软雅黑" panose="020B0503020204020204" charset="-122"/>
-              </a:rPr>
-              <a:t>headers={'user-agent': 'myapp/1.0.0'}</a:t>
-            </a:r>
-            <a:endParaRPr lang="en-US" altLang="zh-CN" sz="1400" dirty="0" smtClean="0">
-              <a:latin typeface="Arial" panose="020B0604020202020204" pitchFamily="34" charset="0"/>
-              <a:ea typeface="微软雅黑" panose="020B0503020204020204" charset="-122"/>
-            </a:endParaRPr>
-          </a:p>
-          <a:p>
-            <a:pPr>
-              <a:lnSpc>
-                <a:spcPct val="130000"/>
-              </a:lnSpc>
-            </a:pPr>
-            <a:r>
-              <a:rPr lang="en-US" altLang="zh-CN" sz="1400" dirty="0" smtClean="0">
-                <a:latin typeface="Arial" panose="020B0604020202020204" pitchFamily="34" charset="0"/>
-                <a:ea typeface="微软雅黑" panose="020B0503020204020204" charset="-122"/>
-              </a:rPr>
-              <a:t>cookies=dict(cookies-are='working')</a:t>
-            </a:r>
-            <a:endParaRPr lang="en-US" altLang="zh-CN" sz="1400" dirty="0" smtClean="0">
-              <a:latin typeface="Arial" panose="020B0604020202020204" pitchFamily="34" charset="0"/>
-              <a:ea typeface="微软雅黑" panose="020B0503020204020204" charset="-122"/>
-            </a:endParaRPr>
-          </a:p>
-          <a:p>
-            <a:pPr>
-              <a:lnSpc>
-                <a:spcPct val="130000"/>
-              </a:lnSpc>
-            </a:pPr>
-            <a:r>
-              <a:rPr lang="en-US" altLang="zh-CN" sz="1400" dirty="0" smtClean="0">
-                <a:latin typeface="Arial" panose="020B0604020202020204" pitchFamily="34" charset="0"/>
-                <a:ea typeface="微软雅黑" panose="020B0503020204020204" charset="-122"/>
-              </a:rPr>
-              <a:t>payload = {'key1': 'value1', 'key2': 'value2}</a:t>
-            </a:r>
-            <a:endParaRPr lang="en-US" altLang="zh-CN" sz="1400" dirty="0" smtClean="0">
-              <a:latin typeface="Arial" panose="020B0604020202020204" pitchFamily="34" charset="0"/>
-              <a:ea typeface="微软雅黑" panose="020B0503020204020204" charset="-122"/>
-            </a:endParaRPr>
-          </a:p>
-          <a:p>
-            <a:pPr>
-              <a:lnSpc>
-                <a:spcPct val="130000"/>
-              </a:lnSpc>
-            </a:pPr>
-            <a:r>
-              <a:rPr lang="en-US" altLang="zh-CN" sz="1400" dirty="0" smtClean="0">
-                <a:latin typeface="Arial" panose="020B0604020202020204" pitchFamily="34" charset="0"/>
-                <a:ea typeface="微软雅黑" panose="020B0503020204020204" charset="-122"/>
-              </a:rPr>
-              <a:t>r = requests.get('http://www.baidu.com', headers=headers, cookies=cookies, params=payload)</a:t>
-            </a:r>
-            <a:endParaRPr lang="en-US" altLang="zh-CN" sz="1400" dirty="0" smtClean="0">
-              <a:latin typeface="Arial" panose="020B0604020202020204" pitchFamily="34" charset="0"/>
-              <a:ea typeface="微软雅黑" panose="020B0503020204020204" charset="-122"/>
-            </a:endParaRPr>
-          </a:p>
-          <a:p>
-            <a:pPr>
-              <a:lnSpc>
-                <a:spcPct val="130000"/>
-              </a:lnSpc>
-            </a:pPr>
-            <a:r>
-              <a:rPr lang="en-US" altLang="zh-CN" sz="1400" dirty="0" smtClean="0">
-                <a:latin typeface="Arial" panose="020B0604020202020204" pitchFamily="34" charset="0"/>
-                <a:ea typeface="微软雅黑" panose="020B0503020204020204" charset="-122"/>
-              </a:rPr>
-              <a:t>r.status_code/r.encoding/r.url/r.headers/r.text/r.json/r.raw</a:t>
-            </a:r>
-            <a:endParaRPr lang="en-US" altLang="zh-CN" sz="1400" dirty="0" smtClean="0">
-              <a:latin typeface="Arial" panose="020B0604020202020204" pitchFamily="34" charset="0"/>
-              <a:ea typeface="微软雅黑" panose="020B0503020204020204" charset="-122"/>
-            </a:endParaRPr>
-          </a:p>
-          <a:p>
-            <a:pPr>
-              <a:lnSpc>
-                <a:spcPct val="130000"/>
-              </a:lnSpc>
-            </a:pPr>
-            <a:r>
-              <a:rPr lang="en-US" altLang="zh-CN" sz="1400" dirty="0" smtClean="0">
-                <a:latin typeface="Arial" panose="020B0604020202020204" pitchFamily="34" charset="0"/>
-                <a:ea typeface="微软雅黑" panose="020B0503020204020204" charset="-122"/>
-                <a:sym typeface="+mn-ea"/>
-              </a:rPr>
-              <a:t>files = {'file': open('a.xls', rb)}</a:t>
-            </a:r>
-            <a:endParaRPr lang="en-US" altLang="zh-CN" sz="1400" dirty="0" smtClean="0">
-              <a:latin typeface="Arial" panose="020B0604020202020204" pitchFamily="34" charset="0"/>
-              <a:ea typeface="微软雅黑" panose="020B0503020204020204" charset="-122"/>
-            </a:endParaRPr>
-          </a:p>
-          <a:p>
-            <a:pPr>
-              <a:lnSpc>
-                <a:spcPct val="130000"/>
-              </a:lnSpc>
-            </a:pPr>
-            <a:r>
-              <a:rPr lang="en-US" altLang="zh-CN" sz="1400" dirty="0" smtClean="0">
-                <a:latin typeface="Arial" panose="020B0604020202020204" pitchFamily="34" charset="0"/>
-                <a:ea typeface="微软雅黑" panose="020B0503020204020204" charset="-122"/>
-              </a:rPr>
-              <a:t>r = requests.post('http://httpbin.org/post', data={'key': 'value'}, files=files) </a:t>
-            </a:r>
-            <a:endParaRPr lang="en-US" altLang="zh-CN" sz="1400" dirty="0" smtClean="0">
-              <a:latin typeface="Arial" panose="020B0604020202020204" pitchFamily="34" charset="0"/>
-              <a:ea typeface="微软雅黑" panose="020B0503020204020204" charset="-122"/>
-            </a:endParaRPr>
-          </a:p>
-          <a:p>
-            <a:pPr>
-              <a:lnSpc>
-                <a:spcPct val="130000"/>
-              </a:lnSpc>
-            </a:pPr>
-            <a:r>
-              <a:rPr lang="en-US" altLang="zh-CN" sz="1400" dirty="0" smtClean="0">
-                <a:latin typeface="Arial" panose="020B0604020202020204" pitchFamily="34" charset="0"/>
-                <a:ea typeface="微软雅黑" panose="020B0503020204020204" charset="-122"/>
-              </a:rPr>
-              <a:t># Basic authentication</a:t>
-            </a:r>
-            <a:endParaRPr lang="en-US" altLang="zh-CN" sz="1400" dirty="0" smtClean="0">
-              <a:latin typeface="Arial" panose="020B0604020202020204" pitchFamily="34" charset="0"/>
-              <a:ea typeface="微软雅黑" panose="020B0503020204020204" charset="-122"/>
-            </a:endParaRPr>
-          </a:p>
-          <a:p>
-            <a:pPr>
-              <a:lnSpc>
-                <a:spcPct val="130000"/>
-              </a:lnSpc>
-            </a:pPr>
-            <a:r>
-              <a:rPr lang="en-US" altLang="zh-CN" sz="1400" dirty="0" smtClean="0">
-                <a:latin typeface="Arial" panose="020B0604020202020204" pitchFamily="34" charset="0"/>
-                <a:ea typeface="微软雅黑" panose="020B0503020204020204" charset="-122"/>
-              </a:rPr>
-              <a:t>r = requests.get('https://api.github.com/user', auth=HTTPBasicAuth('user', 'pass'))</a:t>
-            </a:r>
-            <a:endParaRPr lang="en-US" altLang="zh-CN" sz="1400" dirty="0" smtClean="0">
-              <a:latin typeface="Arial" panose="020B0604020202020204" pitchFamily="34" charset="0"/>
-              <a:ea typeface="微软雅黑" panose="020B0503020204020204" charset="-122"/>
-            </a:endParaRPr>
-          </a:p>
-          <a:p>
-            <a:pPr>
-              <a:lnSpc>
-                <a:spcPct val="130000"/>
-              </a:lnSpc>
-            </a:pPr>
-            <a:r>
-              <a:rPr lang="en-US" altLang="zh-CN" sz="1400" dirty="0" smtClean="0">
-                <a:latin typeface="Arial" panose="020B0604020202020204" pitchFamily="34" charset="0"/>
-                <a:ea typeface="微软雅黑" panose="020B0503020204020204" charset="-122"/>
-              </a:rPr>
-              <a:t>r = requests.get('http://httpbin.org/digest-auth/auth/user/pass', auth=HTTPDigestAuth('user', 'pass'))</a:t>
-            </a:r>
-            <a:endParaRPr lang="en-US" altLang="zh-CN" sz="1400" dirty="0" smtClean="0">
-              <a:latin typeface="Arial" panose="020B0604020202020204" pitchFamily="34" charset="0"/>
-              <a:ea typeface="微软雅黑" panose="020B0503020204020204" charset="-122"/>
-            </a:endParaRPr>
-          </a:p>
-        </p:txBody>
-      </p:sp>
-      <p:sp>
-        <p:nvSpPr>
-          <p:cNvPr id="5" name="文本框 4"/>
-          <p:cNvSpPr txBox="1"/>
-          <p:nvPr/>
-        </p:nvSpPr>
-        <p:spPr>
-          <a:xfrm>
-            <a:off x="6736080" y="5405755"/>
-            <a:ext cx="3079115" cy="1489075"/>
-          </a:xfrm>
-          <a:prstGeom prst="rect">
-            <a:avLst/>
-          </a:prstGeom>
-          <a:noFill/>
-          <a:ln>
-            <a:solidFill>
-              <a:srgbClr val="FFC000"/>
-            </a:solidFill>
-          </a:ln>
-        </p:spPr>
-        <p:txBody>
-          <a:bodyPr wrap="none" rtlCol="0">
-            <a:spAutoFit/>
-          </a:bodyPr>
-          <a:p>
-            <a:pPr>
-              <a:lnSpc>
-                <a:spcPct val="130000"/>
-              </a:lnSpc>
-            </a:pPr>
-            <a:r>
-              <a:rPr lang="en-US" altLang="zh-CN" sz="1400" dirty="0" smtClean="0">
-                <a:latin typeface="Arial" panose="020B0604020202020204" pitchFamily="34" charset="0"/>
-                <a:ea typeface="微软雅黑" panose="020B0503020204020204" charset="-122"/>
-              </a:rPr>
-              <a:t>Post encoding types:</a:t>
-            </a:r>
-            <a:endParaRPr lang="en-US" altLang="zh-CN" sz="1400" dirty="0" smtClean="0">
-              <a:latin typeface="Arial" panose="020B0604020202020204" pitchFamily="34" charset="0"/>
-              <a:ea typeface="微软雅黑" panose="020B0503020204020204" charset="-122"/>
-            </a:endParaRPr>
-          </a:p>
-          <a:p>
-            <a:pPr>
-              <a:lnSpc>
-                <a:spcPct val="130000"/>
-              </a:lnSpc>
-            </a:pPr>
-            <a:r>
-              <a:rPr lang="en-US" altLang="zh-CN" sz="1400" dirty="0" smtClean="0">
-                <a:latin typeface="Arial" panose="020B0604020202020204" pitchFamily="34" charset="0"/>
-                <a:ea typeface="微软雅黑" panose="020B0503020204020204" charset="-122"/>
-              </a:rPr>
-              <a:t>- application/x-www-form-urlencoded</a:t>
-            </a:r>
-            <a:endParaRPr lang="en-US" altLang="zh-CN" sz="1400" dirty="0" smtClean="0">
-              <a:latin typeface="Arial" panose="020B0604020202020204" pitchFamily="34" charset="0"/>
-              <a:ea typeface="微软雅黑" panose="020B0503020204020204" charset="-122"/>
-            </a:endParaRPr>
-          </a:p>
-          <a:p>
-            <a:pPr>
-              <a:lnSpc>
-                <a:spcPct val="130000"/>
-              </a:lnSpc>
-            </a:pPr>
-            <a:r>
-              <a:rPr lang="en-US" altLang="zh-CN" sz="1400" dirty="0" smtClean="0">
-                <a:latin typeface="Arial" panose="020B0604020202020204" pitchFamily="34" charset="0"/>
-                <a:ea typeface="微软雅黑" panose="020B0503020204020204" charset="-122"/>
-              </a:rPr>
-              <a:t>- multipart/form-data</a:t>
-            </a:r>
-            <a:endParaRPr lang="en-US" altLang="zh-CN" sz="1400" dirty="0" smtClean="0">
-              <a:latin typeface="Arial" panose="020B0604020202020204" pitchFamily="34" charset="0"/>
-              <a:ea typeface="微软雅黑" panose="020B0503020204020204" charset="-122"/>
-            </a:endParaRPr>
-          </a:p>
-          <a:p>
-            <a:pPr>
-              <a:lnSpc>
-                <a:spcPct val="130000"/>
-              </a:lnSpc>
-            </a:pPr>
-            <a:r>
-              <a:rPr lang="en-US" altLang="zh-CN" sz="1400" dirty="0" smtClean="0">
-                <a:latin typeface="Arial" panose="020B0604020202020204" pitchFamily="34" charset="0"/>
-                <a:ea typeface="微软雅黑" panose="020B0503020204020204" charset="-122"/>
-              </a:rPr>
-              <a:t>- application/json</a:t>
-            </a:r>
-            <a:endParaRPr lang="en-US" altLang="zh-CN" sz="1400" dirty="0" smtClean="0">
-              <a:latin typeface="Arial" panose="020B0604020202020204" pitchFamily="34" charset="0"/>
-              <a:ea typeface="微软雅黑" panose="020B0503020204020204" charset="-122"/>
-            </a:endParaRPr>
-          </a:p>
-          <a:p>
-            <a:pPr>
-              <a:lnSpc>
-                <a:spcPct val="130000"/>
-              </a:lnSpc>
-            </a:pPr>
-            <a:r>
-              <a:rPr lang="en-US" altLang="zh-CN" sz="1400" dirty="0" smtClean="0">
-                <a:latin typeface="Arial" panose="020B0604020202020204" pitchFamily="34" charset="0"/>
-                <a:ea typeface="微软雅黑" panose="020B0503020204020204" charset="-122"/>
-              </a:rPr>
-              <a:t>- text/xml</a:t>
-            </a:r>
-            <a:endParaRPr lang="en-US" altLang="zh-CN" sz="1400" dirty="0" smtClean="0">
-              <a:latin typeface="Arial" panose="020B0604020202020204" pitchFamily="34" charset="0"/>
-              <a:ea typeface="微软雅黑" panose="020B0503020204020204" charset="-122"/>
-            </a:endParaRPr>
-          </a:p>
-        </p:txBody>
-      </p:sp>
-      <p:sp>
-        <p:nvSpPr>
-          <p:cNvPr id="7" name="矩形 6"/>
-          <p:cNvSpPr/>
-          <p:nvPr/>
-        </p:nvSpPr>
-        <p:spPr>
-          <a:xfrm>
-            <a:off x="745490" y="3368675"/>
-            <a:ext cx="3240405" cy="2660015"/>
-          </a:xfrm>
-          <a:prstGeom prst="rect">
-            <a:avLst/>
-          </a:prstGeom>
-        </p:spPr>
-        <p:style>
-          <a:lnRef idx="2">
-            <a:schemeClr val="accent1">
-              <a:shade val="50000"/>
-            </a:schemeClr>
-          </a:lnRef>
-          <a:fillRef idx="1">
-            <a:schemeClr val="accent1"/>
-          </a:fillRef>
-          <a:effectRef idx="0">
-            <a:schemeClr val="accent1"/>
-          </a:effectRef>
-          <a:fontRef idx="minor">
-            <a:schemeClr val="lt1"/>
-          </a:fontRef>
-        </p:style>
-        <p:txBody>
-          <a:bodyPr rtlCol="0" anchor="t" anchorCtr="0"/>
-          <a:p>
-            <a:pPr algn="l"/>
-            <a:r>
-              <a:rPr lang="en-US" altLang="zh-CN"/>
-              <a:t>- get(url, params=payload, headers={'user-agent': 'aaa'}, cookies=cookies, timeout=sec)</a:t>
-            </a:r>
-            <a:endParaRPr lang="en-US" altLang="zh-CN"/>
-          </a:p>
-          <a:p>
-            <a:pPr algn="l"/>
-            <a:r>
-              <a:rPr lang="en-US" altLang="zh-CN"/>
-              <a:t>- post(url, data={'key', 'value'})</a:t>
-            </a:r>
-            <a:endParaRPr lang="en-US" altLang="zh-CN"/>
-          </a:p>
-          <a:p>
-            <a:pPr algn="l"/>
-            <a:r>
-              <a:rPr lang="en-US" altLang="zh-CN"/>
-              <a:t>- post(url, files={'file': ('fn', open('fn', 'rb'))})</a:t>
-            </a:r>
-            <a:endParaRPr lang="en-US" altLang="zh-CN"/>
-          </a:p>
-          <a:p>
-            <a:pPr algn="l"/>
-            <a:r>
-              <a:rPr lang="en-US" altLang="zh-CN"/>
-              <a:t>- put(url, data={'key', 'value'})</a:t>
-            </a:r>
-            <a:endParaRPr lang="en-US" altLang="zh-CN"/>
-          </a:p>
-          <a:p>
-            <a:pPr algn="l"/>
-            <a:r>
-              <a:rPr lang="en-US" altLang="zh-CN"/>
-              <a:t>- head(url)</a:t>
-            </a:r>
-            <a:endParaRPr lang="en-US" altLang="zh-CN"/>
-          </a:p>
-          <a:p>
-            <a:pPr algn="l"/>
-            <a:r>
-              <a:rPr lang="en-US" altLang="zh-CN"/>
-              <a:t>- options(url)</a:t>
-            </a:r>
-            <a:endParaRPr lang="en-US" altLang="zh-CN"/>
-          </a:p>
-        </p:txBody>
-      </p:sp>
-      <p:sp>
-        <p:nvSpPr>
-          <p:cNvPr id="8" name="矩形 7"/>
-          <p:cNvSpPr/>
-          <p:nvPr/>
-        </p:nvSpPr>
-        <p:spPr>
-          <a:xfrm>
-            <a:off x="4080510" y="3368040"/>
-            <a:ext cx="2396490" cy="2842895"/>
-          </a:xfrm>
-          <a:prstGeom prst="rect">
-            <a:avLst/>
-          </a:prstGeom>
-        </p:spPr>
-        <p:style>
-          <a:lnRef idx="2">
-            <a:schemeClr val="accent1">
-              <a:shade val="50000"/>
-            </a:schemeClr>
-          </a:lnRef>
-          <a:fillRef idx="1">
-            <a:schemeClr val="accent1"/>
-          </a:fillRef>
-          <a:effectRef idx="0">
-            <a:schemeClr val="accent1"/>
-          </a:effectRef>
-          <a:fontRef idx="minor">
-            <a:schemeClr val="lt1"/>
-          </a:fontRef>
-        </p:style>
-        <p:txBody>
-          <a:bodyPr rtlCol="0" anchor="t" anchorCtr="0"/>
-          <a:p>
-            <a:pPr algn="l"/>
-            <a:r>
-              <a:rPr lang="en-US" altLang="zh-CN"/>
-              <a:t>- r.status_code</a:t>
-            </a:r>
-            <a:endParaRPr lang="en-US" altLang="zh-CN"/>
-          </a:p>
-          <a:p>
-            <a:pPr algn="l"/>
-            <a:r>
-              <a:rPr lang="en-US" altLang="zh-CN"/>
-              <a:t>- r.text</a:t>
-            </a:r>
-            <a:endParaRPr lang="en-US" altLang="zh-CN"/>
-          </a:p>
-          <a:p>
-            <a:pPr algn="l"/>
-            <a:r>
-              <a:rPr lang="en-US" altLang="zh-CN"/>
-              <a:t>- r.encoding</a:t>
-            </a:r>
-            <a:endParaRPr lang="en-US" altLang="zh-CN"/>
-          </a:p>
-          <a:p>
-            <a:pPr algn="l"/>
-            <a:r>
-              <a:rPr lang="en-US" altLang="zh-CN"/>
-              <a:t>- r.content</a:t>
-            </a:r>
-            <a:endParaRPr lang="en-US" altLang="zh-CN"/>
-          </a:p>
-          <a:p>
-            <a:pPr algn="l"/>
-            <a:r>
-              <a:rPr lang="en-US" altLang="zh-CN"/>
-              <a:t>- r.raw</a:t>
-            </a:r>
-            <a:endParaRPr lang="en-US" altLang="zh-CN"/>
-          </a:p>
-          <a:p>
-            <a:pPr algn="l"/>
-            <a:r>
-              <a:rPr lang="en-US" altLang="zh-CN"/>
-              <a:t>- r.headers</a:t>
-            </a:r>
-            <a:endParaRPr lang="en-US" altLang="zh-CN"/>
-          </a:p>
-          <a:p>
-            <a:pPr algn="l"/>
-            <a:r>
-              <a:rPr lang="en-US" altLang="zh-CN"/>
-              <a:t>- r.cookies</a:t>
-            </a:r>
-            <a:endParaRPr lang="en-US" altLang="zh-CN"/>
-          </a:p>
-          <a:p>
-            <a:pPr algn="l"/>
-            <a:r>
-              <a:rPr lang="en-US" altLang="zh-CN"/>
-              <a:t>- r.url</a:t>
-            </a:r>
-            <a:endParaRPr lang="en-US" altLang="zh-CN"/>
-          </a:p>
-          <a:p>
-            <a:pPr algn="l"/>
-            <a:r>
-              <a:rPr lang="en-US" altLang="zh-CN"/>
-              <a:t>- r.history</a:t>
-            </a:r>
-            <a:endParaRPr lang="en-US" altLang="zh-CN"/>
-          </a:p>
-          <a:p>
-            <a:pPr algn="l"/>
-            <a:r>
-              <a:rPr lang="en-US" altLang="zh-CN"/>
-              <a:t>- r.json()</a:t>
-            </a:r>
-            <a:endParaRPr lang="en-US" altLang="zh-CN"/>
-          </a:p>
-        </p:txBody>
-      </p:sp>
-    </p:spTree>
-  </p:cSld>
-  <p:clrMapOvr>
-    <a:masterClrMapping/>
-  </p:clrMapOvr>
-</p:sld>
-</file>
-
-<file path=ppt/slides/slide29.xml><?xml version="1.0" encoding="utf-8"?>
-<p:sld xmlns:a="http://schemas.openxmlformats.org/drawingml/2006/main" xmlns:r="http://schemas.openxmlformats.org/officeDocument/2006/relationships" xmlns:p="http://schemas.openxmlformats.org/presentationml/2006/main">
-  <p:cSld>
-    <p:spTree>
-      <p:nvGrpSpPr>
-        <p:cNvPr id="1" name=""/>
-        <p:cNvGrpSpPr/>
-        <p:nvPr/>
-      </p:nvGrpSpPr>
-      <p:grpSpPr/>
-      <p:sp>
-        <p:nvSpPr>
-          <p:cNvPr id="2" name="标题 1"/>
-          <p:cNvSpPr>
-            <a:spLocks noGrp="1"/>
-          </p:cNvSpPr>
-          <p:nvPr>
-            <p:ph type="title"/>
-          </p:nvPr>
-        </p:nvSpPr>
-        <p:spPr/>
-        <p:txBody>
-          <a:bodyPr/>
-          <a:p>
-            <a:r>
-              <a:rPr lang="en-US" altLang="zh-CN"/>
-              <a:t>NumPy 1/2</a:t>
-            </a:r>
-            <a:endParaRPr lang="en-US" altLang="zh-CN"/>
-          </a:p>
-        </p:txBody>
-      </p:sp>
-      <p:sp>
-        <p:nvSpPr>
-          <p:cNvPr id="3" name="内容占位符 2"/>
-          <p:cNvSpPr>
-            <a:spLocks noGrp="1"/>
-          </p:cNvSpPr>
-          <p:nvPr>
-            <p:ph idx="1"/>
-          </p:nvPr>
-        </p:nvSpPr>
-        <p:spPr/>
-        <p:txBody>
-          <a:bodyPr>
-            <a:normAutofit fontScale="70000"/>
-          </a:bodyPr>
-          <a:p>
-            <a:r>
-              <a:rPr lang="en-US" altLang="zh-CN"/>
-              <a:t>import numpy as np</a:t>
-            </a:r>
-            <a:endParaRPr lang="en-US" altLang="zh-CN"/>
-          </a:p>
-          <a:p>
-            <a:r>
-              <a:rPr lang="en-US" altLang="zh-CN"/>
-              <a:t>array</a:t>
-            </a:r>
-            <a:endParaRPr lang="en-US" altLang="zh-CN"/>
-          </a:p>
-          <a:p>
-            <a:r>
-              <a:rPr lang="en-US" altLang="zh-CN"/>
-              <a:t>np.genfromtxt('filename', delimiter=',', usecolos=(), dtype=str)</a:t>
-            </a:r>
-            <a:endParaRPr lang="en-US" altLang="zh-CN"/>
-          </a:p>
-          <a:p>
-            <a:r>
-              <a:rPr lang="en-US" altLang="zh-CN"/>
-              <a:t>np.zeros()/np.ones()/np.empty()/np.identity()/np.matrix(arr), np.isnan()</a:t>
-            </a:r>
-            <a:endParaRPr lang="en-US" altLang="zh-CN"/>
-          </a:p>
-          <a:p>
-            <a:r>
-              <a:rPr lang="en-US" altLang="zh-CN"/>
-              <a:t>np.random.randn(count), np.random.randint(low, high, size)</a:t>
-            </a:r>
-            <a:endParaRPr lang="en-US" altLang="zh-CN"/>
-          </a:p>
-          <a:p>
-            <a:r>
-              <a:rPr lang="en-US" altLang="zh-CN"/>
-              <a:t>np.sum(arr), np.mean(arr), np.std(arr), np.var(arr), np.min(arr), np.max(arr), np.argmin(arr), np.argmax(arr)</a:t>
-            </a:r>
-            <a:endParaRPr lang="en-US" altLang="zh-CN"/>
-          </a:p>
-          <a:p>
-            <a:r>
-              <a:rPr lang="en-US" altLang="zh-CN"/>
-              <a:t>np.dot(arr1, arr2)</a:t>
-            </a:r>
-            <a:endParaRPr lang="en-US" altLang="zh-CN"/>
-          </a:p>
-          <a:p>
-            <a:r>
-              <a:rPr lang="en-US" altLang="zh-CN"/>
-              <a:t>np.c_(arr1, arr2)	// Concatenate two arrays</a:t>
-            </a:r>
-            <a:endParaRPr lang="en-US" altLang="zh-CN"/>
-          </a:p>
-          <a:p>
-            <a:r>
-              <a:rPr lang="en-US" altLang="zh-CN"/>
-              <a:t>np.reshape()</a:t>
-            </a:r>
-            <a:endParaRPr lang="en-US" altLang="zh-CN"/>
-          </a:p>
-          <a:p>
-            <a:r>
-              <a:rPr lang="en-US" altLang="zh-CN" sz="2400">
-                <a:sym typeface="+mn-ea"/>
-              </a:rPr>
-              <a:t>Boolean arrays</a:t>
-            </a:r>
-            <a:endParaRPr lang="en-US" altLang="zh-CN" sz="2400"/>
-          </a:p>
-          <a:p>
-            <a:pPr lvl="1">
-              <a:buFont typeface="Wingdings" panose="05000000000000000000" pitchFamily="2" charset="2"/>
-              <a:buChar char=""/>
-            </a:pPr>
-            <a:r>
-              <a:rPr lang="en-US" altLang="zh-CN" sz="2400">
-                <a:sym typeface="+mn-ea"/>
-              </a:rPr>
-              <a:t>arr.any(), arr.all()</a:t>
-            </a:r>
-            <a:endParaRPr lang="en-US" altLang="zh-CN" sz="2400"/>
-          </a:p>
-          <a:p>
-            <a:pPr lvl="0">
-              <a:buFont typeface="Wingdings" panose="05000000000000000000" pitchFamily="2" charset="2"/>
-              <a:buChar char=""/>
-            </a:pPr>
-            <a:r>
-              <a:rPr lang="en-US" altLang="zh-CN" sz="2400">
-                <a:sym typeface="+mn-ea"/>
-              </a:rPr>
-              <a:t>Set operation</a:t>
-            </a:r>
-            <a:endParaRPr lang="en-US" altLang="zh-CN" sz="2400"/>
-          </a:p>
-          <a:p>
-            <a:pPr lvl="1">
-              <a:buFont typeface="Wingdings" panose="05000000000000000000" pitchFamily="2" charset="2"/>
-              <a:buChar char=""/>
-            </a:pPr>
-            <a:r>
-              <a:rPr lang="en-US" altLang="zh-CN" sz="2400">
-                <a:sym typeface="+mn-ea"/>
-              </a:rPr>
-              <a:t>arr.sort(), np.unique(arr), np.intersect1d(arr1, arr2), np.union1d(arr1, arr2),np.split(arr, separator_arr, axis)</a:t>
-            </a:r>
-            <a:endParaRPr lang="en-US" altLang="zh-CN"/>
-          </a:p>
-        </p:txBody>
-      </p:sp>
-    </p:spTree>
-  </p:cSld>
-  <p:clrMapOvr>
-    <a:masterClrMapping/>
-  </p:clrMapOvr>
-</p:sld>
-</file>
-
-<file path=ppt/slides/slide3.xml><?xml version="1.0" encoding="utf-8"?>
-<p:sld xmlns:a="http://schemas.openxmlformats.org/drawingml/2006/main" xmlns:r="http://schemas.openxmlformats.org/officeDocument/2006/relationships" xmlns:p="http://schemas.openxmlformats.org/presentationml/2006/main">
-  <p:cSld>
-    <p:spTree>
-      <p:nvGrpSpPr>
-        <p:cNvPr id="1" name=""/>
-        <p:cNvGrpSpPr/>
-        <p:nvPr/>
-      </p:nvGrpSpPr>
-      <p:grpSpPr/>
-      <p:sp>
-        <p:nvSpPr>
-          <p:cNvPr id="2" name="标题 1"/>
-          <p:cNvSpPr>
-            <a:spLocks noGrp="1"/>
-          </p:cNvSpPr>
-          <p:nvPr>
-            <p:ph type="title"/>
-          </p:nvPr>
-        </p:nvSpPr>
-        <p:spPr/>
-        <p:txBody>
-          <a:bodyPr/>
-          <a:p>
-            <a:r>
-              <a:rPr lang="en-US" altLang="zh-CN"/>
-              <a:t>Basic 1/2</a:t>
-            </a:r>
-            <a:endParaRPr lang="en-US" altLang="zh-CN"/>
-          </a:p>
-        </p:txBody>
-      </p:sp>
-      <p:sp>
-        <p:nvSpPr>
-          <p:cNvPr id="3" name="内容占位符 2"/>
-          <p:cNvSpPr>
-            <a:spLocks noGrp="1"/>
-          </p:cNvSpPr>
-          <p:nvPr>
-            <p:ph idx="1"/>
-          </p:nvPr>
-        </p:nvSpPr>
-        <p:spPr>
-          <a:xfrm>
-            <a:off x="838200" y="1211580"/>
-            <a:ext cx="10515600" cy="4942840"/>
-          </a:xfrm>
-        </p:spPr>
-        <p:txBody>
-          <a:bodyPr>
-            <a:normAutofit fontScale="70000"/>
-          </a:bodyPr>
-          <a:p>
-            <a:r>
-              <a:rPr lang="en-US" altLang="zh-CN"/>
-              <a:t>dir(object), help(object.method), type(object), isinstance(obj, class)</a:t>
-            </a:r>
-            <a:endParaRPr lang="zh-CN" altLang="en-US"/>
-          </a:p>
-          <a:p>
-            <a:r>
-              <a:rPr lang="en-US" altLang="zh-CN"/>
-              <a:t>Debug</a:t>
-            </a:r>
-            <a:endParaRPr lang="en-US" altLang="zh-CN"/>
-          </a:p>
-          <a:p>
-            <a:pPr lvl="1" algn="just">
-              <a:buFont typeface="Wingdings" panose="05000000000000000000" pitchFamily="2" charset="2"/>
-              <a:buChar char="l"/>
-            </a:pPr>
-            <a:r>
-              <a:rPr lang="en-US" altLang="zh-CN" sz="2000"/>
-              <a:t>python -m pdb a.py</a:t>
-            </a:r>
-            <a:endParaRPr lang="en-US" altLang="zh-CN" sz="2000"/>
-          </a:p>
-          <a:p>
-            <a:r>
-              <a:rPr lang="en-US" altLang="zh-CN"/>
-              <a:t>Documentation</a:t>
-            </a:r>
-            <a:endParaRPr lang="en-US" altLang="zh-CN"/>
-          </a:p>
-          <a:p>
-            <a:pPr lvl="1">
-              <a:buFont typeface="Wingdings" panose="05000000000000000000" pitchFamily="2" charset="2"/>
-              <a:buChar char="l"/>
-            </a:pPr>
-            <a:r>
-              <a:rPr lang="en-US" altLang="zh-CN" sz="2000"/>
-              <a:t>pep257 tool</a:t>
-            </a:r>
-            <a:endParaRPr lang="en-US" altLang="zh-CN" sz="2000"/>
-          </a:p>
-          <a:p>
-            <a:r>
-              <a:rPr lang="en-US" altLang="zh-CN"/>
-              <a:t>Test</a:t>
-            </a:r>
-            <a:endParaRPr lang="en-US" altLang="zh-CN"/>
-          </a:p>
-          <a:p>
-            <a:pPr lvl="1">
-              <a:buFont typeface="Wingdings" panose="05000000000000000000" pitchFamily="2" charset="2"/>
-              <a:buChar char="l"/>
-            </a:pPr>
-            <a:r>
-              <a:rPr lang="en-US" altLang="zh-CN" sz="2000"/>
-              <a:t>assert expression, error_argument</a:t>
-            </a:r>
-            <a:endParaRPr lang="en-US" altLang="zh-CN" sz="2000"/>
-          </a:p>
-          <a:p>
-            <a:pPr lvl="1">
-              <a:buFont typeface="Wingdings" panose="05000000000000000000" pitchFamily="2" charset="2"/>
-              <a:buChar char="l"/>
-            </a:pPr>
-            <a:r>
-              <a:rPr lang="en-US" altLang="zh-CN" sz="2000"/>
-              <a:t>Testing framework: py.test</a:t>
-            </a:r>
-            <a:endParaRPr lang="en-US" altLang="zh-CN" sz="2000"/>
-          </a:p>
-          <a:p>
-            <a:pPr lvl="1">
-              <a:buFont typeface="Wingdings" panose="05000000000000000000" pitchFamily="2" charset="2"/>
-              <a:buChar char="l"/>
-            </a:pPr>
-            <a:r>
-              <a:rPr lang="en-US" altLang="zh-CN" sz="2000"/>
-              <a:t>coverage</a:t>
-            </a:r>
-            <a:endParaRPr lang="en-US" altLang="zh-CN" sz="2000"/>
-          </a:p>
-          <a:p>
-            <a:r>
-              <a:rPr lang="en-US" altLang="zh-CN"/>
-              <a:t>Log</a:t>
-            </a:r>
-            <a:endParaRPr lang="en-US" altLang="zh-CN"/>
-          </a:p>
-          <a:p>
-            <a:pPr lvl="1">
-              <a:buFont typeface="Wingdings" panose="05000000000000000000" pitchFamily="2" charset="2"/>
-              <a:buChar char=""/>
-            </a:pPr>
-            <a:r>
-              <a:rPr lang="en-US" altLang="zh-CN" sz="2000"/>
-              <a:t>import logging</a:t>
-            </a:r>
-            <a:endParaRPr lang="en-US" altLang="zh-CN" sz="2000"/>
-          </a:p>
-          <a:p>
-            <a:r>
-              <a:rPr lang="en-US" altLang="zh-CN"/>
-              <a:t>Profile</a:t>
-            </a:r>
-            <a:endParaRPr lang="en-US" altLang="zh-CN"/>
-          </a:p>
-          <a:p>
-            <a:pPr lvl="1">
-              <a:buFont typeface="Wingdings" panose="05000000000000000000" pitchFamily="2" charset="2"/>
-              <a:buChar char=""/>
-            </a:pPr>
-            <a:r>
-              <a:rPr lang="en-US" altLang="zh-CN"/>
-              <a:t>python -m cProfile -s time a.py</a:t>
-            </a:r>
-            <a:endParaRPr lang="en-US" altLang="zh-CN"/>
-          </a:p>
-          <a:p>
-            <a:pPr lvl="1">
-              <a:buFont typeface="Wingdings" panose="05000000000000000000" pitchFamily="2" charset="2"/>
-              <a:buChar char=""/>
-            </a:pPr>
-            <a:r>
-              <a:rPr lang="en-US" altLang="zh-CN"/>
-              <a:t>%timeit (in iPython)</a:t>
-            </a:r>
-            <a:endParaRPr lang="en-US" altLang="zh-CN"/>
-          </a:p>
-          <a:p>
-            <a:pPr lvl="0">
-              <a:buFont typeface="Wingdings" panose="05000000000000000000" pitchFamily="2" charset="2"/>
-              <a:buChar char=""/>
-            </a:pPr>
-            <a:r>
-              <a:rPr lang="en-US" altLang="zh-CN"/>
-              <a:t>File encoding</a:t>
-            </a:r>
-            <a:endParaRPr lang="en-US" altLang="zh-CN"/>
-          </a:p>
-          <a:p>
-            <a:pPr lvl="1">
-              <a:buFont typeface="Wingdings" panose="05000000000000000000" pitchFamily="2" charset="2"/>
-              <a:buChar char=""/>
-            </a:pPr>
-            <a:r>
-              <a:rPr lang="en-US" altLang="zh-CN"/>
-              <a:t># -*- coding: &lt;encoding name&gt; -*-</a:t>
-            </a:r>
-            <a:endParaRPr lang="en-US" altLang="zh-CN"/>
-          </a:p>
-        </p:txBody>
-      </p:sp>
-      <p:sp>
-        <p:nvSpPr>
-          <p:cNvPr id="5" name="文本框 4"/>
-          <p:cNvSpPr txBox="1"/>
-          <p:nvPr/>
-        </p:nvSpPr>
-        <p:spPr>
-          <a:xfrm>
-            <a:off x="7701280" y="2055495"/>
-            <a:ext cx="3265805" cy="1209675"/>
-          </a:xfrm>
-          <a:prstGeom prst="rect">
-            <a:avLst/>
-          </a:prstGeom>
-          <a:noFill/>
-          <a:ln w="12700" cmpd="sng">
-            <a:solidFill>
-              <a:schemeClr val="accent1">
-                <a:shade val="50000"/>
-              </a:schemeClr>
-            </a:solidFill>
-            <a:prstDash val="solid"/>
-          </a:ln>
-        </p:spPr>
-        <p:txBody>
-          <a:bodyPr wrap="none" rtlCol="0">
-            <a:spAutoFit/>
-          </a:bodyPr>
-          <a:p>
-            <a:pPr>
-              <a:lnSpc>
-                <a:spcPct val="130000"/>
-              </a:lnSpc>
-            </a:pPr>
-            <a:r>
-              <a:rPr lang="en-US" altLang="zh-CN" sz="1400" dirty="0" smtClean="0">
-                <a:latin typeface="Arial" panose="020B0604020202020204" pitchFamily="34" charset="0"/>
-                <a:ea typeface="微软雅黑" panose="020B0503020204020204" charset="-122"/>
-              </a:rPr>
-              <a:t>import logging</a:t>
-            </a:r>
-            <a:endParaRPr lang="en-US" altLang="zh-CN" sz="1400" dirty="0" smtClean="0">
-              <a:latin typeface="Arial" panose="020B0604020202020204" pitchFamily="34" charset="0"/>
-              <a:ea typeface="微软雅黑" panose="020B0503020204020204" charset="-122"/>
-            </a:endParaRPr>
-          </a:p>
-          <a:p>
-            <a:pPr>
-              <a:lnSpc>
-                <a:spcPct val="130000"/>
-              </a:lnSpc>
-            </a:pPr>
-            <a:r>
-              <a:rPr lang="en-US" altLang="zh-CN" sz="1400" dirty="0" smtClean="0">
-                <a:latin typeface="Arial" panose="020B0604020202020204" pitchFamily="34" charset="0"/>
-                <a:ea typeface="微软雅黑" panose="020B0503020204020204" charset="-122"/>
-              </a:rPr>
-              <a:t>logger = logging.getLogger(__name__)</a:t>
-            </a:r>
-            <a:endParaRPr lang="en-US" altLang="zh-CN" sz="1400" dirty="0" smtClean="0">
-              <a:latin typeface="Arial" panose="020B0604020202020204" pitchFamily="34" charset="0"/>
-              <a:ea typeface="微软雅黑" panose="020B0503020204020204" charset="-122"/>
-            </a:endParaRPr>
-          </a:p>
-          <a:p>
-            <a:pPr>
-              <a:lnSpc>
-                <a:spcPct val="130000"/>
-              </a:lnSpc>
-            </a:pPr>
-            <a:r>
-              <a:rPr lang="en-US" altLang="zh-CN" sz="1400" dirty="0" smtClean="0">
-                <a:latin typeface="Arial" panose="020B0604020202020204" pitchFamily="34" charset="0"/>
-                <a:ea typeface="微软雅黑" panose="020B0503020204020204" charset="-122"/>
-              </a:rPr>
-              <a:t>logger.setLevel(logging.INFO)</a:t>
-            </a:r>
-            <a:endParaRPr lang="en-US" altLang="zh-CN" sz="1400" dirty="0" smtClean="0">
-              <a:latin typeface="Arial" panose="020B0604020202020204" pitchFamily="34" charset="0"/>
-              <a:ea typeface="微软雅黑" panose="020B0503020204020204" charset="-122"/>
-            </a:endParaRPr>
-          </a:p>
-          <a:p>
-            <a:pPr>
-              <a:lnSpc>
-                <a:spcPct val="130000"/>
-              </a:lnSpc>
-            </a:pPr>
-            <a:r>
-              <a:rPr lang="en-US" altLang="zh-CN" sz="1400" dirty="0" smtClean="0">
-                <a:latin typeface="Arial" panose="020B0604020202020204" pitchFamily="34" charset="0"/>
-                <a:ea typeface="微软雅黑" panose="020B0503020204020204" charset="-122"/>
-              </a:rPr>
-              <a:t>logger.info('timeout')</a:t>
-            </a:r>
-            <a:endParaRPr lang="en-US" altLang="zh-CN" sz="1400" dirty="0" smtClean="0">
-              <a:latin typeface="Arial" panose="020B0604020202020204" pitchFamily="34" charset="0"/>
-              <a:ea typeface="微软雅黑" panose="020B0503020204020204" charset="-122"/>
-            </a:endParaRPr>
-          </a:p>
-        </p:txBody>
-      </p:sp>
-    </p:spTree>
-  </p:cSld>
-  <p:clrMapOvr>
-    <a:masterClrMapping/>
-  </p:clrMapOvr>
-</p:sld>
-</file>
-
-<file path=ppt/slides/slide30.xml><?xml version="1.0" encoding="utf-8"?>
-<p:sld xmlns:a="http://schemas.openxmlformats.org/drawingml/2006/main" xmlns:r="http://schemas.openxmlformats.org/officeDocument/2006/relationships" xmlns:p="http://schemas.openxmlformats.org/presentationml/2006/main">
-  <p:cSld>
-    <p:spTree>
-      <p:nvGrpSpPr>
-        <p:cNvPr id="1" name=""/>
-        <p:cNvGrpSpPr/>
-        <p:nvPr/>
-      </p:nvGrpSpPr>
-      <p:grpSpPr/>
-      <p:sp>
-        <p:nvSpPr>
-          <p:cNvPr id="2" name="标题 1"/>
-          <p:cNvSpPr>
-            <a:spLocks noGrp="1"/>
-          </p:cNvSpPr>
-          <p:nvPr>
-            <p:ph type="title"/>
-          </p:nvPr>
-        </p:nvSpPr>
-        <p:spPr/>
-        <p:txBody>
-          <a:bodyPr/>
-          <a:p>
-            <a:r>
-              <a:rPr lang="en-US" altLang="zh-CN"/>
-              <a:t>NumPy 2/2</a:t>
-            </a:r>
-            <a:endParaRPr lang="en-US" altLang="zh-CN"/>
-          </a:p>
-        </p:txBody>
-      </p:sp>
-      <p:sp>
-        <p:nvSpPr>
-          <p:cNvPr id="3" name="内容占位符 2"/>
-          <p:cNvSpPr>
-            <a:spLocks noGrp="1"/>
-          </p:cNvSpPr>
-          <p:nvPr>
-            <p:ph idx="1"/>
-          </p:nvPr>
-        </p:nvSpPr>
-        <p:spPr>
-          <a:xfrm>
-            <a:off x="651510" y="1024710"/>
-            <a:ext cx="10858500" cy="5084543"/>
-          </a:xfrm>
-        </p:spPr>
-        <p:txBody>
-          <a:bodyPr>
-            <a:normAutofit fontScale="90000"/>
-          </a:bodyPr>
-          <a:p>
-            <a:endParaRPr lang="en-US" altLang="zh-CN"/>
-          </a:p>
-          <a:p>
-            <a:pPr lvl="0">
-              <a:buFont typeface="Wingdings" panose="05000000000000000000" pitchFamily="2" charset="2"/>
-              <a:buChar char=""/>
-            </a:pPr>
-            <a:r>
-              <a:rPr lang="en-US" altLang="zh-CN" sz="2880">
-                <a:sym typeface="+mn-ea"/>
-              </a:rPr>
-              <a:t>Element-wise array functions</a:t>
-            </a:r>
-            <a:endParaRPr lang="en-US" altLang="zh-CN" sz="2880"/>
-          </a:p>
-          <a:p>
-            <a:pPr lvl="1">
-              <a:buFont typeface="Wingdings" panose="05000000000000000000" pitchFamily="2" charset="2"/>
-              <a:buChar char=""/>
-            </a:pPr>
-            <a:r>
-              <a:rPr lang="en-US" altLang="zh-CN" sz="2400">
-                <a:sym typeface="+mn-ea"/>
-              </a:rPr>
-              <a:t>np.sqrt(arr), np.exp(arr), np.modf(arr), np.fabs(arr), np.sqrt(arr), np.square(arr), np.sign(arr), np.log(arr), np.ceil(arr), np.floor(arr), np.rint(arr), np.isnan(arr), np.sin(arr), np.cos(arr), np.tan(arr)</a:t>
-            </a:r>
-            <a:endParaRPr lang="en-US" altLang="zh-CN" sz="2400"/>
-          </a:p>
-          <a:p>
-            <a:pPr lvl="1">
-              <a:buFont typeface="Wingdings" panose="05000000000000000000" pitchFamily="2" charset="2"/>
-              <a:buChar char=""/>
-            </a:pPr>
-            <a:r>
-              <a:rPr lang="en-US" altLang="zh-CN" sz="2400">
-                <a:sym typeface="+mn-ea"/>
-              </a:rPr>
-              <a:t>np.maximum(arr1, arr2), np.add(arr1, arr2), np.subtract(arr1, arr2), np.multiply(arr1, arr2), np.divide(arr1, arr2), np.power(arr1, arr2), np.minimum(arr1, arr2), np.greater(arr1, arr2), np.less(arr1, arr2)</a:t>
-            </a:r>
-            <a:endParaRPr lang="en-US" altLang="zh-CN" sz="2400"/>
-          </a:p>
-          <a:p>
-            <a:pPr lvl="1">
-              <a:buFont typeface="Wingdings" panose="05000000000000000000" pitchFamily="2" charset="2"/>
-              <a:buChar char=""/>
-            </a:pPr>
-            <a:r>
-              <a:rPr lang="en-US" altLang="zh-CN" sz="2000"/>
-              <a:t>np.isin(x, list)</a:t>
-            </a:r>
-            <a:endParaRPr lang="en-US" altLang="zh-CN" sz="2000"/>
-          </a:p>
-          <a:p>
-            <a:pPr lvl="1">
-              <a:buFont typeface="Wingdings" panose="05000000000000000000" pitchFamily="2" charset="2"/>
-              <a:buChar char=""/>
-            </a:pPr>
-            <a:r>
-              <a:rPr lang="en-US" altLang="zh-CN"/>
-              <a:t>np.where(cond, x, y)</a:t>
-            </a:r>
-            <a:endParaRPr lang="en-US" altLang="zh-CN"/>
-          </a:p>
-        </p:txBody>
-      </p:sp>
-    </p:spTree>
-  </p:cSld>
-  <p:clrMapOvr>
-    <a:masterClrMapping/>
-  </p:clrMapOvr>
-</p:sld>
-</file>
-
-<file path=ppt/slides/slide31.xml><?xml version="1.0" encoding="utf-8"?>
-<p:sld xmlns:a="http://schemas.openxmlformats.org/drawingml/2006/main" xmlns:r="http://schemas.openxmlformats.org/officeDocument/2006/relationships" xmlns:p="http://schemas.openxmlformats.org/presentationml/2006/main">
-  <p:cSld>
-    <p:spTree>
-      <p:nvGrpSpPr>
-        <p:cNvPr id="1" name=""/>
-        <p:cNvGrpSpPr/>
-        <p:nvPr/>
-      </p:nvGrpSpPr>
-      <p:grpSpPr/>
-      <p:sp>
-        <p:nvSpPr>
-          <p:cNvPr id="2" name="标题 1"/>
-          <p:cNvSpPr>
-            <a:spLocks noGrp="1"/>
-          </p:cNvSpPr>
-          <p:nvPr>
-            <p:ph type="title"/>
-          </p:nvPr>
-        </p:nvSpPr>
-        <p:spPr/>
-        <p:txBody>
-          <a:bodyPr/>
-          <a:p>
-            <a:r>
-              <a:rPr lang="en-US" altLang="zh-CN"/>
-              <a:t>Pandas</a:t>
-            </a:r>
-            <a:endParaRPr lang="en-US" altLang="zh-CN"/>
-          </a:p>
-        </p:txBody>
-      </p:sp>
-      <p:sp>
-        <p:nvSpPr>
-          <p:cNvPr id="3" name="内容占位符 2"/>
-          <p:cNvSpPr>
-            <a:spLocks noGrp="1"/>
-          </p:cNvSpPr>
-          <p:nvPr>
-            <p:ph idx="1"/>
-          </p:nvPr>
-        </p:nvSpPr>
-        <p:spPr/>
-        <p:txBody>
-          <a:bodyPr>
-            <a:noAutofit/>
-          </a:bodyPr>
-          <a:p>
-            <a:r>
-              <a:rPr lang="en-US" altLang="zh-CN" sz="1400"/>
-              <a:t>Data analysis and manipulation library</a:t>
-            </a:r>
-            <a:endParaRPr lang="en-US" altLang="zh-CN" sz="1400"/>
-          </a:p>
-          <a:p>
-            <a:r>
-              <a:rPr lang="en-US" altLang="zh-CN" sz="1400"/>
-              <a:t>Data types</a:t>
-            </a:r>
-            <a:endParaRPr lang="en-US" altLang="zh-CN" sz="1400"/>
-          </a:p>
-          <a:p>
-            <a:pPr lvl="1">
-              <a:buFont typeface="Wingdings" panose="05000000000000000000" pitchFamily="2" charset="2"/>
-              <a:buChar char="l"/>
-            </a:pPr>
-            <a:r>
-              <a:rPr lang="en-US" altLang="zh-CN" sz="1200"/>
-              <a:t>pandas.Series (1D)</a:t>
-            </a:r>
-            <a:endParaRPr lang="en-US" altLang="zh-CN" sz="1200"/>
-          </a:p>
-          <a:p>
-            <a:pPr lvl="2">
-              <a:buFont typeface="Wingdings" panose="05000000000000000000" pitchFamily="2" charset="2"/>
-              <a:buChar char="l"/>
-            </a:pPr>
-            <a:r>
-              <a:rPr lang="en-US" altLang="zh-CN" sz="1020"/>
-              <a:t>unique(), value_counts(), is_in(list), isnull(), dropna(), fillna(), map(func)</a:t>
-            </a:r>
-            <a:endParaRPr lang="en-US" altLang="zh-CN" sz="1020"/>
-          </a:p>
-          <a:p>
-            <a:pPr lvl="2">
-              <a:buFont typeface="Wingdings" panose="05000000000000000000" pitchFamily="2" charset="2"/>
-              <a:buChar char="l"/>
-            </a:pPr>
-            <a:r>
-              <a:rPr lang="en-US" altLang="zh-CN" sz="1020"/>
-              <a:t>plot()</a:t>
-            </a:r>
-            <a:endParaRPr lang="en-US" altLang="zh-CN" sz="1020"/>
-          </a:p>
-          <a:p>
-            <a:pPr lvl="1">
-              <a:buFont typeface="Wingdings" panose="05000000000000000000" pitchFamily="2" charset="2"/>
-              <a:buChar char="l"/>
-            </a:pPr>
-            <a:r>
-              <a:rPr lang="en-US" altLang="zh-CN" sz="1200"/>
-              <a:t>pandas.DataFrame (2D)</a:t>
-            </a:r>
-            <a:endParaRPr lang="en-US" altLang="zh-CN" sz="1200"/>
-          </a:p>
-          <a:p>
-            <a:pPr lvl="2">
-              <a:buFont typeface="Wingdings" panose="05000000000000000000" pitchFamily="2" charset="2"/>
-              <a:buChar char="Ø"/>
-            </a:pPr>
-            <a:r>
-              <a:rPr lang="en-US" altLang="zh-CN" sz="1020"/>
-              <a:t>read_csv('a.csv', index_col=''), read_table('a.csv', sep=''), read_excel(), to_csv('a.csv')</a:t>
-            </a:r>
-            <a:endParaRPr lang="en-US" altLang="zh-CN" sz="1020"/>
-          </a:p>
-          <a:p>
-            <a:pPr lvl="2">
-              <a:buFont typeface="Wingdings" panose="05000000000000000000" pitchFamily="2" charset="2"/>
-              <a:buChar char="Ø"/>
-            </a:pPr>
-            <a:r>
-              <a:rPr lang="en-US" altLang="zh-CN" sz="1020"/>
-              <a:t>ExcelFile('a.xls') (xlrd/openpyxl), parse('sheetName')</a:t>
-            </a:r>
-            <a:endParaRPr lang="en-US" altLang="zh-CN" sz="1020"/>
-          </a:p>
-          <a:p>
-            <a:pPr lvl="2">
-              <a:buFont typeface="Wingdings" panose="05000000000000000000" pitchFamily="2" charset="2"/>
-              <a:buChar char="Ø"/>
-            </a:pPr>
-            <a:r>
-              <a:rPr lang="en-US" altLang="zh-CN" sz="1020"/>
-              <a:t>df.sum()/mean()/describe()/head()/drop_duplicates()/apply()/applymap()/astype()</a:t>
-            </a:r>
-            <a:endParaRPr lang="en-US" altLang="zh-CN" sz="1020"/>
-          </a:p>
-          <a:p>
-            <a:pPr lvl="2">
-              <a:buFont typeface="Wingdings" panose="05000000000000000000" pitchFamily="2" charset="2"/>
-              <a:buChar char="Ø"/>
-            </a:pPr>
-            <a:r>
-              <a:rPr lang="en-US" altLang="zh-CN" sz="1020"/>
-              <a:t>index, columns, loc(), iloc(), ix(), groupby('column').mean(), corr(), cov(), drop('columnName'), dropna(axis=, subset=)</a:t>
-            </a:r>
-            <a:endParaRPr lang="en-US" altLang="zh-CN" sz="1020"/>
-          </a:p>
-          <a:p>
-            <a:pPr lvl="2">
-              <a:buFont typeface="Wingdings" panose="05000000000000000000" pitchFamily="2" charset="2"/>
-              <a:buChar char="Ø"/>
-            </a:pPr>
-            <a:r>
-              <a:rPr lang="en-US" altLang="zh-CN" sz="1020"/>
-              <a:t>Can  be looked on as dictionary</a:t>
-            </a:r>
-            <a:endParaRPr lang="en-US" altLang="zh-CN" sz="1020"/>
-          </a:p>
-          <a:p>
-            <a:pPr lvl="2">
-              <a:buFont typeface="Wingdings" panose="05000000000000000000" pitchFamily="2" charset="2"/>
-              <a:buChar char="Ø"/>
-            </a:pPr>
-            <a:r>
-              <a:rPr lang="en-US" altLang="zh-CN" sz="1020"/>
-              <a:t>df.iloc[row_no]</a:t>
-            </a:r>
-            <a:endParaRPr lang="en-US" altLang="zh-CN" sz="1020"/>
-          </a:p>
-          <a:p>
-            <a:pPr lvl="1">
-              <a:buFont typeface="Wingdings" panose="05000000000000000000" pitchFamily="2" charset="2"/>
-              <a:buChar char="l"/>
-            </a:pPr>
-            <a:r>
-              <a:rPr lang="en-US" altLang="zh-CN" sz="1200"/>
-              <a:t>pandas.Panel</a:t>
-            </a:r>
-            <a:endParaRPr lang="en-US" altLang="zh-CN" sz="1200"/>
-          </a:p>
-          <a:p>
-            <a:pPr lvl="1">
-              <a:buFont typeface="Wingdings" panose="05000000000000000000" pitchFamily="2" charset="2"/>
-              <a:buChar char="l"/>
-            </a:pPr>
-            <a:r>
-              <a:rPr lang="en-US" altLang="zh-CN" sz="1200"/>
-              <a:t>pandas.Panel4D</a:t>
-            </a:r>
-            <a:endParaRPr lang="en-US" altLang="zh-CN" sz="1200"/>
-          </a:p>
-          <a:p>
-            <a:pPr lvl="0">
-              <a:buFont typeface="Wingdings" panose="05000000000000000000" pitchFamily="2" charset="2"/>
-              <a:buChar char="l"/>
-            </a:pPr>
-            <a:r>
-              <a:rPr lang="en-US" altLang="zh-CN" sz="1400"/>
-              <a:t>DB</a:t>
-            </a:r>
-            <a:endParaRPr lang="en-US" altLang="zh-CN" sz="1400"/>
-          </a:p>
-          <a:p>
-            <a:pPr lvl="1">
-              <a:buFont typeface="Wingdings" panose="05000000000000000000" pitchFamily="2" charset="2"/>
-              <a:buChar char="l"/>
-            </a:pPr>
-            <a:r>
-              <a:rPr lang="en-US" altLang="zh-CN" sz="1200"/>
-              <a:t>read_sql('sql_str', con=dbconn)</a:t>
-            </a:r>
-            <a:endParaRPr lang="en-US" altLang="zh-CN" sz="1200"/>
-          </a:p>
-          <a:p>
-            <a:pPr lvl="1">
-              <a:buFont typeface="Wingdings" panose="05000000000000000000" pitchFamily="2" charset="2"/>
-              <a:buChar char="l"/>
-            </a:pPr>
-            <a:r>
-              <a:rPr lang="en-US" altLang="zh-CN" sz="1200"/>
-              <a:t>read_sql_table()</a:t>
-            </a:r>
-            <a:endParaRPr lang="en-US" altLang="zh-CN" sz="1200"/>
-          </a:p>
-          <a:p>
-            <a:pPr lvl="1">
-              <a:buFont typeface="Wingdings" panose="05000000000000000000" pitchFamily="2" charset="2"/>
-              <a:buChar char="l"/>
-            </a:pPr>
-            <a:r>
-              <a:rPr lang="en-US" altLang="zh-CN" sz="1200"/>
-              <a:t>read_sql_query()</a:t>
-            </a:r>
-            <a:endParaRPr lang="en-US" altLang="zh-CN" sz="1200"/>
-          </a:p>
-          <a:p>
-            <a:pPr lvl="0">
-              <a:buFont typeface="Wingdings" panose="05000000000000000000" pitchFamily="2" charset="2"/>
-              <a:buChar char="l"/>
-            </a:pPr>
-            <a:r>
-              <a:rPr lang="en-US" altLang="zh-CN" sz="1400"/>
-              <a:t>Datetime</a:t>
-            </a:r>
-            <a:endParaRPr lang="en-US" altLang="zh-CN" sz="1400"/>
-          </a:p>
-          <a:p>
-            <a:pPr lvl="1">
-              <a:buFont typeface="Wingdings" panose="05000000000000000000" pitchFamily="2" charset="2"/>
-              <a:buChar char="l"/>
-            </a:pPr>
-            <a:r>
-              <a:rPr lang="en-US" altLang="zh-CN" sz="1200"/>
-              <a:t>to_datetime(df)</a:t>
-            </a:r>
-            <a:endParaRPr lang="en-US" altLang="zh-CN" sz="1200"/>
-          </a:p>
-        </p:txBody>
-      </p:sp>
-      <p:sp>
-        <p:nvSpPr>
-          <p:cNvPr id="4" name="文本框 3"/>
-          <p:cNvSpPr txBox="1"/>
-          <p:nvPr/>
-        </p:nvSpPr>
-        <p:spPr>
-          <a:xfrm>
-            <a:off x="7687945" y="1630680"/>
-            <a:ext cx="3837305" cy="3725545"/>
-          </a:xfrm>
-          <a:prstGeom prst="rect">
-            <a:avLst/>
-          </a:prstGeom>
-          <a:noFill/>
-        </p:spPr>
-        <p:txBody>
-          <a:bodyPr wrap="square" rtlCol="0">
-            <a:spAutoFit/>
-          </a:bodyPr>
-          <a:p>
-            <a:pPr>
-              <a:lnSpc>
-                <a:spcPct val="130000"/>
-              </a:lnSpc>
-            </a:pPr>
-            <a:r>
-              <a:rPr lang="en-US" altLang="zh-CN" sz="1400" dirty="0" smtClean="0">
-                <a:latin typeface="Arial" panose="020B0604020202020204" pitchFamily="34" charset="0"/>
-                <a:ea typeface="微软雅黑" panose="020B0503020204020204" charset="-122"/>
-              </a:rPr>
-              <a:t>import pandas as pd</a:t>
-            </a:r>
-            <a:endParaRPr lang="en-US" altLang="zh-CN" sz="1400" dirty="0" smtClean="0">
-              <a:latin typeface="Arial" panose="020B0604020202020204" pitchFamily="34" charset="0"/>
-              <a:ea typeface="微软雅黑" panose="020B0503020204020204" charset="-122"/>
-            </a:endParaRPr>
-          </a:p>
-          <a:p>
-            <a:pPr>
-              <a:lnSpc>
-                <a:spcPct val="130000"/>
-              </a:lnSpc>
-            </a:pPr>
-            <a:endParaRPr lang="en-US" altLang="zh-CN" sz="1400" dirty="0" smtClean="0">
-              <a:latin typeface="Arial" panose="020B0604020202020204" pitchFamily="34" charset="0"/>
-              <a:ea typeface="微软雅黑" panose="020B0503020204020204" charset="-122"/>
-            </a:endParaRPr>
-          </a:p>
-          <a:p>
-            <a:pPr>
-              <a:lnSpc>
-                <a:spcPct val="130000"/>
-              </a:lnSpc>
-            </a:pPr>
-            <a:r>
-              <a:rPr lang="en-US" altLang="zh-CN" sz="1400" dirty="0" smtClean="0">
-                <a:latin typeface="Arial" panose="020B0604020202020204" pitchFamily="34" charset="0"/>
-                <a:ea typeface="微软雅黑" panose="020B0503020204020204" charset="-122"/>
-              </a:rPr>
-              <a:t>counts = pd.Series(['a', 'b', 'c'])</a:t>
-            </a:r>
-            <a:endParaRPr lang="en-US" altLang="zh-CN" sz="1400" dirty="0" smtClean="0">
-              <a:latin typeface="Arial" panose="020B0604020202020204" pitchFamily="34" charset="0"/>
-              <a:ea typeface="微软雅黑" panose="020B0503020204020204" charset="-122"/>
-            </a:endParaRPr>
-          </a:p>
-          <a:p>
-            <a:pPr>
-              <a:lnSpc>
-                <a:spcPct val="130000"/>
-              </a:lnSpc>
-            </a:pPr>
-            <a:r>
-              <a:rPr lang="en-US" altLang="zh-CN" sz="1400" dirty="0" smtClean="0">
-                <a:latin typeface="Arial" panose="020B0604020202020204" pitchFamily="34" charset="0"/>
-                <a:ea typeface="微软雅黑" panose="020B0503020204020204" charset="-122"/>
-              </a:rPr>
-              <a:t>counts</a:t>
-            </a:r>
-            <a:endParaRPr lang="en-US" altLang="zh-CN" sz="1400" dirty="0" smtClean="0">
-              <a:latin typeface="Arial" panose="020B0604020202020204" pitchFamily="34" charset="0"/>
-              <a:ea typeface="微软雅黑" panose="020B0503020204020204" charset="-122"/>
-            </a:endParaRPr>
-          </a:p>
-          <a:p>
-            <a:pPr>
-              <a:lnSpc>
-                <a:spcPct val="130000"/>
-              </a:lnSpc>
-            </a:pPr>
-            <a:r>
-              <a:rPr lang="en-US" altLang="zh-CN" sz="1400" dirty="0" smtClean="0">
-                <a:latin typeface="Arial" panose="020B0604020202020204" pitchFamily="34" charset="0"/>
-                <a:ea typeface="微软雅黑" panose="020B0503020204020204" charset="-122"/>
-              </a:rPr>
-              <a:t>counts.index</a:t>
-            </a:r>
-            <a:endParaRPr lang="en-US" altLang="zh-CN" sz="1400" dirty="0" smtClean="0">
-              <a:latin typeface="Arial" panose="020B0604020202020204" pitchFamily="34" charset="0"/>
-              <a:ea typeface="微软雅黑" panose="020B0503020204020204" charset="-122"/>
-            </a:endParaRPr>
-          </a:p>
-          <a:p>
-            <a:pPr>
-              <a:lnSpc>
-                <a:spcPct val="130000"/>
-              </a:lnSpc>
-            </a:pPr>
-            <a:r>
-              <a:rPr lang="en-US" altLang="zh-CN" sz="1400" dirty="0" smtClean="0">
-                <a:latin typeface="Arial" panose="020B0604020202020204" pitchFamily="34" charset="0"/>
-                <a:ea typeface="微软雅黑" panose="020B0503020204020204" charset="-122"/>
-              </a:rPr>
-              <a:t>counts.values</a:t>
-            </a:r>
-            <a:endParaRPr lang="en-US" altLang="zh-CN" sz="1400" dirty="0" smtClean="0">
-              <a:latin typeface="Arial" panose="020B0604020202020204" pitchFamily="34" charset="0"/>
-              <a:ea typeface="微软雅黑" panose="020B0503020204020204" charset="-122"/>
-            </a:endParaRPr>
-          </a:p>
-          <a:p>
-            <a:pPr>
-              <a:lnSpc>
-                <a:spcPct val="130000"/>
-              </a:lnSpc>
-            </a:pPr>
-            <a:endParaRPr lang="en-US" altLang="zh-CN" sz="1400" dirty="0" smtClean="0">
-              <a:latin typeface="Arial" panose="020B0604020202020204" pitchFamily="34" charset="0"/>
-              <a:ea typeface="微软雅黑" panose="020B0503020204020204" charset="-122"/>
-            </a:endParaRPr>
-          </a:p>
-          <a:p>
-            <a:pPr>
-              <a:lnSpc>
-                <a:spcPct val="130000"/>
-              </a:lnSpc>
-            </a:pPr>
-            <a:r>
-              <a:rPr lang="en-US" altLang="zh-CN" sz="1400" dirty="0" smtClean="0">
-                <a:latin typeface="Arial" panose="020B0604020202020204" pitchFamily="34" charset="0"/>
-                <a:ea typeface="微软雅黑" panose="020B0503020204020204" charset="-122"/>
-              </a:rPr>
-              <a:t>data = pd.DataFrame({'column1': [1, 2, 3], 'column2': [1, 2, 3]})</a:t>
-            </a:r>
-            <a:endParaRPr lang="en-US" altLang="zh-CN" sz="1400" dirty="0" smtClean="0">
-              <a:latin typeface="Arial" panose="020B0604020202020204" pitchFamily="34" charset="0"/>
-              <a:ea typeface="微软雅黑" panose="020B0503020204020204" charset="-122"/>
-            </a:endParaRPr>
-          </a:p>
-          <a:p>
-            <a:pPr>
-              <a:lnSpc>
-                <a:spcPct val="130000"/>
-              </a:lnSpc>
-            </a:pPr>
-            <a:r>
-              <a:rPr lang="en-US" altLang="zh-CN" sz="1400" dirty="0" smtClean="0">
-                <a:latin typeface="Arial" panose="020B0604020202020204" pitchFamily="34" charset="0"/>
-                <a:ea typeface="微软雅黑" panose="020B0503020204020204" charset="-122"/>
-              </a:rPr>
-              <a:t>data</a:t>
-            </a:r>
-            <a:endParaRPr lang="en-US" altLang="zh-CN" sz="1400" dirty="0" smtClean="0">
-              <a:latin typeface="Arial" panose="020B0604020202020204" pitchFamily="34" charset="0"/>
-              <a:ea typeface="微软雅黑" panose="020B0503020204020204" charset="-122"/>
-            </a:endParaRPr>
-          </a:p>
-          <a:p>
-            <a:pPr>
-              <a:lnSpc>
-                <a:spcPct val="130000"/>
-              </a:lnSpc>
-            </a:pPr>
-            <a:r>
-              <a:rPr lang="en-US" altLang="zh-CN" sz="1400" dirty="0" smtClean="0">
-                <a:latin typeface="Arial" panose="020B0604020202020204" pitchFamily="34" charset="0"/>
-                <a:ea typeface="微软雅黑" panose="020B0503020204020204" charset="-122"/>
-              </a:rPr>
-              <a:t>data.values</a:t>
-            </a:r>
-            <a:endParaRPr lang="en-US" altLang="zh-CN" sz="1400" dirty="0" smtClean="0">
-              <a:latin typeface="Arial" panose="020B0604020202020204" pitchFamily="34" charset="0"/>
-              <a:ea typeface="微软雅黑" panose="020B0503020204020204" charset="-122"/>
-            </a:endParaRPr>
-          </a:p>
-          <a:p>
-            <a:pPr>
-              <a:lnSpc>
-                <a:spcPct val="130000"/>
-              </a:lnSpc>
-            </a:pPr>
-            <a:r>
-              <a:rPr lang="en-US" altLang="zh-CN" sz="1400" dirty="0" smtClean="0">
-                <a:latin typeface="Arial" panose="020B0604020202020204" pitchFamily="34" charset="0"/>
-                <a:ea typeface="微软雅黑" panose="020B0503020204020204" charset="-122"/>
-              </a:rPr>
-              <a:t>data.shape</a:t>
-            </a:r>
-            <a:endParaRPr lang="en-US" altLang="zh-CN" sz="1400" dirty="0" smtClean="0">
-              <a:latin typeface="Arial" panose="020B0604020202020204" pitchFamily="34" charset="0"/>
-              <a:ea typeface="微软雅黑" panose="020B0503020204020204" charset="-122"/>
-            </a:endParaRPr>
-          </a:p>
-          <a:p>
-            <a:pPr>
-              <a:lnSpc>
-                <a:spcPct val="130000"/>
-              </a:lnSpc>
-            </a:pPr>
-            <a:r>
-              <a:rPr lang="en-US" altLang="zh-CN" sz="1400" dirty="0" smtClean="0">
-                <a:latin typeface="Arial" panose="020B0604020202020204" pitchFamily="34" charset="0"/>
-                <a:ea typeface="微软雅黑" panose="020B0503020204020204" charset="-122"/>
-              </a:rPr>
-              <a:t>data = pd.read_csv('a.csv')</a:t>
-            </a:r>
-            <a:endParaRPr lang="en-US" altLang="zh-CN" sz="1400" dirty="0" smtClean="0">
-              <a:latin typeface="Arial" panose="020B0604020202020204" pitchFamily="34" charset="0"/>
-              <a:ea typeface="微软雅黑" panose="020B0503020204020204" charset="-122"/>
-            </a:endParaRPr>
-          </a:p>
-        </p:txBody>
-      </p:sp>
-    </p:spTree>
-  </p:cSld>
-  <p:clrMapOvr>
-    <a:masterClrMapping/>
-  </p:clrMapOvr>
-</p:sld>
-</file>
-
-<file path=ppt/slides/slide32.xml><?xml version="1.0" encoding="utf-8"?>
-<p:sld xmlns:a="http://schemas.openxmlformats.org/drawingml/2006/main" xmlns:r="http://schemas.openxmlformats.org/officeDocument/2006/relationships" xmlns:p="http://schemas.openxmlformats.org/presentationml/2006/main">
-  <p:cSld>
-    <p:spTree>
-      <p:nvGrpSpPr>
-        <p:cNvPr id="1" name=""/>
-        <p:cNvGrpSpPr/>
-        <p:nvPr/>
-      </p:nvGrpSpPr>
-      <p:grpSpPr/>
-      <p:sp>
-        <p:nvSpPr>
-          <p:cNvPr id="24578" name="标题 2"/>
-          <p:cNvSpPr>
-            <a:spLocks noGrp="1"/>
-          </p:cNvSpPr>
-          <p:nvPr>
-            <p:ph type="title"/>
-          </p:nvPr>
-        </p:nvSpPr>
-        <p:spPr/>
-        <p:txBody>
-          <a:bodyPr anchor="b">
-            <a:normAutofit/>
-          </a:bodyPr>
-          <a:p>
-            <a:r>
-              <a:rPr lang="en-US" altLang="zh-CN" smtClean="0"/>
-              <a:t>SciPy</a:t>
-            </a:r>
-            <a:endParaRPr lang="en-US" altLang="zh-CN" smtClean="0"/>
-          </a:p>
-        </p:txBody>
-      </p:sp>
-      <p:sp>
-        <p:nvSpPr>
-          <p:cNvPr id="5" name="圆角矩形 4"/>
-          <p:cNvSpPr/>
-          <p:nvPr/>
-        </p:nvSpPr>
-        <p:spPr>
-          <a:xfrm>
-            <a:off x="3429000" y="2480945"/>
-            <a:ext cx="2537460" cy="896620"/>
-          </a:xfrm>
-          <a:prstGeom prst="roundRect">
-            <a:avLst/>
-          </a:prstGeom>
-        </p:spPr>
-        <p:style>
-          <a:lnRef idx="2">
-            <a:schemeClr val="accent1">
-              <a:shade val="50000"/>
-            </a:schemeClr>
-          </a:lnRef>
-          <a:fillRef idx="1">
-            <a:schemeClr val="accent1"/>
-          </a:fillRef>
-          <a:effectRef idx="0">
-            <a:schemeClr val="accent1"/>
-          </a:effectRef>
-          <a:fontRef idx="minor">
-            <a:schemeClr val="lt1"/>
-          </a:fontRef>
-        </p:style>
-        <p:txBody>
-          <a:bodyPr rtlCol="0" anchor="ctr"/>
-          <a:p>
-            <a:pPr algn="ctr"/>
-            <a:r>
-              <a:rPr lang="en-US" altLang="zh-CN" sz="2000"/>
-              <a:t>cluster</a:t>
-            </a:r>
-            <a:endParaRPr lang="en-US" altLang="zh-CN" sz="2000"/>
-          </a:p>
-        </p:txBody>
-      </p:sp>
-      <p:sp>
-        <p:nvSpPr>
-          <p:cNvPr id="6" name="圆角矩形 5"/>
-          <p:cNvSpPr/>
-          <p:nvPr/>
-        </p:nvSpPr>
-        <p:spPr>
-          <a:xfrm>
-            <a:off x="771525" y="4683760"/>
-            <a:ext cx="2537460" cy="896620"/>
-          </a:xfrm>
-          <a:prstGeom prst="roundRect">
-            <a:avLst/>
-          </a:prstGeom>
-        </p:spPr>
-        <p:style>
-          <a:lnRef idx="2">
-            <a:schemeClr val="accent1">
-              <a:shade val="50000"/>
-            </a:schemeClr>
-          </a:lnRef>
-          <a:fillRef idx="1">
-            <a:schemeClr val="accent1"/>
-          </a:fillRef>
-          <a:effectRef idx="0">
-            <a:schemeClr val="accent1"/>
-          </a:effectRef>
-          <a:fontRef idx="minor">
-            <a:schemeClr val="lt1"/>
-          </a:fontRef>
-        </p:style>
-        <p:txBody>
-          <a:bodyPr rtlCol="0" anchor="ctr"/>
-          <a:p>
-            <a:pPr algn="ctr"/>
-            <a:r>
-              <a:rPr lang="en-US" altLang="zh-CN" sz="2000"/>
-              <a:t>constants</a:t>
-            </a:r>
-            <a:endParaRPr lang="en-US" altLang="zh-CN" sz="2000"/>
-          </a:p>
-        </p:txBody>
-      </p:sp>
-      <p:sp>
-        <p:nvSpPr>
-          <p:cNvPr id="7" name="圆角矩形 6"/>
-          <p:cNvSpPr/>
-          <p:nvPr/>
-        </p:nvSpPr>
-        <p:spPr>
-          <a:xfrm>
-            <a:off x="771525" y="3575685"/>
-            <a:ext cx="2537460" cy="896620"/>
-          </a:xfrm>
-          <a:prstGeom prst="roundRect">
-            <a:avLst/>
-          </a:prstGeom>
-        </p:spPr>
-        <p:style>
-          <a:lnRef idx="2">
-            <a:schemeClr val="accent1">
-              <a:shade val="50000"/>
-            </a:schemeClr>
-          </a:lnRef>
-          <a:fillRef idx="1">
-            <a:schemeClr val="accent1"/>
-          </a:fillRef>
-          <a:effectRef idx="0">
-            <a:schemeClr val="accent1"/>
-          </a:effectRef>
-          <a:fontRef idx="minor">
-            <a:schemeClr val="lt1"/>
-          </a:fontRef>
-        </p:style>
-        <p:txBody>
-          <a:bodyPr rtlCol="0" anchor="ctr"/>
-          <a:p>
-            <a:pPr algn="ctr"/>
-            <a:r>
-              <a:rPr lang="en-US" altLang="zh-CN" sz="2000"/>
-              <a:t>fftpack</a:t>
-            </a:r>
-            <a:endParaRPr lang="en-US" altLang="zh-CN" sz="2000"/>
-          </a:p>
-        </p:txBody>
-      </p:sp>
-      <p:sp>
-        <p:nvSpPr>
-          <p:cNvPr id="8" name="圆角矩形 7"/>
-          <p:cNvSpPr/>
-          <p:nvPr/>
-        </p:nvSpPr>
-        <p:spPr>
-          <a:xfrm>
-            <a:off x="3429000" y="3575685"/>
-            <a:ext cx="2537460" cy="896620"/>
-          </a:xfrm>
-          <a:prstGeom prst="roundRect">
-            <a:avLst/>
-          </a:prstGeom>
-        </p:spPr>
-        <p:style>
-          <a:lnRef idx="2">
-            <a:schemeClr val="accent1">
-              <a:shade val="50000"/>
-            </a:schemeClr>
-          </a:lnRef>
-          <a:fillRef idx="1">
-            <a:schemeClr val="accent1"/>
-          </a:fillRef>
-          <a:effectRef idx="0">
-            <a:schemeClr val="accent1"/>
-          </a:effectRef>
-          <a:fontRef idx="minor">
-            <a:schemeClr val="lt1"/>
-          </a:fontRef>
-        </p:style>
-        <p:txBody>
-          <a:bodyPr rtlCol="0" anchor="ctr"/>
-          <a:p>
-            <a:pPr algn="ctr"/>
-            <a:r>
-              <a:rPr lang="en-US" altLang="zh-CN" sz="2000"/>
-              <a:t>integrate</a:t>
-            </a:r>
-            <a:endParaRPr lang="en-US" altLang="zh-CN" sz="2000"/>
-          </a:p>
-        </p:txBody>
-      </p:sp>
-      <p:sp>
-        <p:nvSpPr>
-          <p:cNvPr id="9" name="圆角矩形 8"/>
-          <p:cNvSpPr/>
-          <p:nvPr/>
-        </p:nvSpPr>
-        <p:spPr>
-          <a:xfrm>
-            <a:off x="3429000" y="4683760"/>
-            <a:ext cx="2537460" cy="896620"/>
-          </a:xfrm>
-          <a:prstGeom prst="roundRect">
-            <a:avLst/>
-          </a:prstGeom>
-        </p:spPr>
-        <p:style>
-          <a:lnRef idx="2">
-            <a:schemeClr val="accent1">
-              <a:shade val="50000"/>
-            </a:schemeClr>
-          </a:lnRef>
-          <a:fillRef idx="1">
-            <a:schemeClr val="accent1"/>
-          </a:fillRef>
-          <a:effectRef idx="0">
-            <a:schemeClr val="accent1"/>
-          </a:effectRef>
-          <a:fontRef idx="minor">
-            <a:schemeClr val="lt1"/>
-          </a:fontRef>
-        </p:style>
-        <p:txBody>
-          <a:bodyPr rtlCol="0" anchor="ctr"/>
-          <a:p>
-            <a:pPr algn="ctr"/>
-            <a:r>
-              <a:rPr lang="en-US" altLang="zh-CN" sz="2000"/>
-              <a:t>interpolate</a:t>
-            </a:r>
-            <a:endParaRPr lang="en-US" altLang="zh-CN" sz="2000"/>
-          </a:p>
-        </p:txBody>
-      </p:sp>
-      <p:sp>
-        <p:nvSpPr>
-          <p:cNvPr id="10" name="圆角矩形 9"/>
-          <p:cNvSpPr/>
-          <p:nvPr/>
-        </p:nvSpPr>
-        <p:spPr>
-          <a:xfrm>
-            <a:off x="6122670" y="4683760"/>
-            <a:ext cx="2537460" cy="896620"/>
-          </a:xfrm>
-          <a:prstGeom prst="roundRect">
-            <a:avLst/>
-          </a:prstGeom>
-        </p:spPr>
-        <p:style>
-          <a:lnRef idx="2">
-            <a:schemeClr val="accent1">
-              <a:shade val="50000"/>
-            </a:schemeClr>
-          </a:lnRef>
-          <a:fillRef idx="1">
-            <a:schemeClr val="accent1"/>
-          </a:fillRef>
-          <a:effectRef idx="0">
-            <a:schemeClr val="accent1"/>
-          </a:effectRef>
-          <a:fontRef idx="minor">
-            <a:schemeClr val="lt1"/>
-          </a:fontRef>
-        </p:style>
-        <p:txBody>
-          <a:bodyPr rtlCol="0" anchor="ctr"/>
-          <a:p>
-            <a:pPr algn="ctr"/>
-            <a:r>
-              <a:rPr lang="en-US" altLang="zh-CN" sz="2000"/>
-              <a:t>io</a:t>
-            </a:r>
-            <a:endParaRPr lang="en-US" altLang="zh-CN" sz="2000"/>
-          </a:p>
-        </p:txBody>
-      </p:sp>
-      <p:sp>
-        <p:nvSpPr>
-          <p:cNvPr id="11" name="圆角矩形 10"/>
-          <p:cNvSpPr/>
-          <p:nvPr/>
-        </p:nvSpPr>
-        <p:spPr>
-          <a:xfrm>
-            <a:off x="8816340" y="4683760"/>
-            <a:ext cx="2537460" cy="896620"/>
-          </a:xfrm>
-          <a:prstGeom prst="roundRect">
-            <a:avLst/>
-          </a:prstGeom>
-        </p:spPr>
-        <p:style>
-          <a:lnRef idx="2">
-            <a:schemeClr val="accent1">
-              <a:shade val="50000"/>
-            </a:schemeClr>
-          </a:lnRef>
-          <a:fillRef idx="1">
-            <a:schemeClr val="accent1"/>
-          </a:fillRef>
-          <a:effectRef idx="0">
-            <a:schemeClr val="accent1"/>
-          </a:effectRef>
-          <a:fontRef idx="minor">
-            <a:schemeClr val="lt1"/>
-          </a:fontRef>
-        </p:style>
-        <p:txBody>
-          <a:bodyPr rtlCol="0" anchor="ctr"/>
-          <a:p>
-            <a:pPr algn="ctr"/>
-            <a:r>
-              <a:rPr lang="en-US" altLang="zh-CN" sz="2000"/>
-              <a:t>linalg</a:t>
-            </a:r>
-            <a:endParaRPr lang="en-US" altLang="zh-CN" sz="2000"/>
-          </a:p>
-          <a:p>
-            <a:pPr algn="ctr"/>
-            <a:r>
-              <a:rPr lang="en-US" altLang="zh-CN" sz="2000"/>
-              <a:t>(linear algebra)</a:t>
-            </a:r>
-            <a:endParaRPr lang="en-US" altLang="zh-CN" sz="2000"/>
-          </a:p>
-        </p:txBody>
-      </p:sp>
-      <p:sp>
-        <p:nvSpPr>
-          <p:cNvPr id="12" name="圆角矩形 11"/>
-          <p:cNvSpPr/>
-          <p:nvPr/>
-        </p:nvSpPr>
-        <p:spPr>
-          <a:xfrm>
-            <a:off x="6122670" y="2480945"/>
-            <a:ext cx="2537460" cy="896620"/>
-          </a:xfrm>
-          <a:prstGeom prst="roundRect">
-            <a:avLst/>
-          </a:prstGeom>
-        </p:spPr>
-        <p:style>
-          <a:lnRef idx="2">
-            <a:schemeClr val="accent1">
-              <a:shade val="50000"/>
-            </a:schemeClr>
-          </a:lnRef>
-          <a:fillRef idx="1">
-            <a:schemeClr val="accent1"/>
-          </a:fillRef>
-          <a:effectRef idx="0">
-            <a:schemeClr val="accent1"/>
-          </a:effectRef>
-          <a:fontRef idx="minor">
-            <a:schemeClr val="lt1"/>
-          </a:fontRef>
-        </p:style>
-        <p:txBody>
-          <a:bodyPr rtlCol="0" anchor="ctr"/>
-          <a:p>
-            <a:pPr algn="ctr"/>
-            <a:r>
-              <a:rPr lang="en-US" altLang="zh-CN" sz="2000"/>
-              <a:t>sparse</a:t>
-            </a:r>
-            <a:endParaRPr lang="en-US" altLang="zh-CN" sz="2000"/>
-          </a:p>
-        </p:txBody>
-      </p:sp>
-      <p:sp>
-        <p:nvSpPr>
-          <p:cNvPr id="13" name="圆角矩形 12"/>
-          <p:cNvSpPr/>
-          <p:nvPr/>
-        </p:nvSpPr>
-        <p:spPr>
-          <a:xfrm>
-            <a:off x="6122670" y="3575685"/>
-            <a:ext cx="2537460" cy="896620"/>
-          </a:xfrm>
-          <a:prstGeom prst="roundRect">
-            <a:avLst/>
-          </a:prstGeom>
-        </p:spPr>
-        <p:style>
-          <a:lnRef idx="2">
-            <a:schemeClr val="accent1">
-              <a:shade val="50000"/>
-            </a:schemeClr>
-          </a:lnRef>
-          <a:fillRef idx="1">
-            <a:schemeClr val="accent1"/>
-          </a:fillRef>
-          <a:effectRef idx="0">
-            <a:schemeClr val="accent1"/>
-          </a:effectRef>
-          <a:fontRef idx="minor">
-            <a:schemeClr val="lt1"/>
-          </a:fontRef>
-        </p:style>
-        <p:txBody>
-          <a:bodyPr rtlCol="0" anchor="ctr"/>
-          <a:p>
-            <a:pPr algn="ctr"/>
-            <a:r>
-              <a:rPr lang="en-US" altLang="zh-CN" sz="2000"/>
-              <a:t>odr</a:t>
-            </a:r>
-            <a:endParaRPr lang="en-US" altLang="zh-CN" sz="2000"/>
-          </a:p>
-          <a:p>
-            <a:pPr algn="ctr"/>
-            <a:r>
-              <a:rPr lang="en-US" altLang="zh-CN" sz="2000"/>
-              <a:t>(Orthogonal distance regression)</a:t>
-            </a:r>
-            <a:endParaRPr lang="en-US" altLang="zh-CN" sz="2000"/>
-          </a:p>
-        </p:txBody>
-      </p:sp>
-      <p:sp>
-        <p:nvSpPr>
-          <p:cNvPr id="14" name="圆角矩形 13"/>
-          <p:cNvSpPr/>
-          <p:nvPr/>
-        </p:nvSpPr>
-        <p:spPr>
-          <a:xfrm>
-            <a:off x="771525" y="2480945"/>
-            <a:ext cx="2537460" cy="896620"/>
-          </a:xfrm>
-          <a:prstGeom prst="roundRect">
-            <a:avLst/>
-          </a:prstGeom>
-        </p:spPr>
-        <p:style>
-          <a:lnRef idx="2">
-            <a:schemeClr val="accent1">
-              <a:shade val="50000"/>
-            </a:schemeClr>
-          </a:lnRef>
-          <a:fillRef idx="1">
-            <a:schemeClr val="accent1"/>
-          </a:fillRef>
-          <a:effectRef idx="0">
-            <a:schemeClr val="accent1"/>
-          </a:effectRef>
-          <a:fontRef idx="minor">
-            <a:schemeClr val="lt1"/>
-          </a:fontRef>
-        </p:style>
-        <p:txBody>
-          <a:bodyPr rtlCol="0" anchor="ctr"/>
-          <a:p>
-            <a:pPr algn="ctr"/>
-            <a:r>
-              <a:rPr lang="en-US" altLang="zh-CN" sz="2000"/>
-              <a:t>optimize</a:t>
-            </a:r>
-            <a:endParaRPr lang="en-US" altLang="zh-CN" sz="2000"/>
-          </a:p>
-        </p:txBody>
-      </p:sp>
-      <p:sp>
-        <p:nvSpPr>
-          <p:cNvPr id="15" name="圆角矩形 14"/>
-          <p:cNvSpPr/>
-          <p:nvPr/>
-        </p:nvSpPr>
-        <p:spPr>
-          <a:xfrm>
-            <a:off x="3429000" y="1334135"/>
-            <a:ext cx="2537460" cy="896620"/>
-          </a:xfrm>
-          <a:prstGeom prst="roundRect">
-            <a:avLst/>
-          </a:prstGeom>
-        </p:spPr>
-        <p:style>
-          <a:lnRef idx="2">
-            <a:schemeClr val="accent1">
-              <a:shade val="50000"/>
-            </a:schemeClr>
-          </a:lnRef>
-          <a:fillRef idx="1">
-            <a:schemeClr val="accent1"/>
-          </a:fillRef>
-          <a:effectRef idx="0">
-            <a:schemeClr val="accent1"/>
-          </a:effectRef>
-          <a:fontRef idx="minor">
-            <a:schemeClr val="lt1"/>
-          </a:fontRef>
-        </p:style>
-        <p:txBody>
-          <a:bodyPr rtlCol="0" anchor="ctr"/>
-          <a:p>
-            <a:pPr algn="ctr"/>
-            <a:r>
-              <a:rPr lang="en-US" altLang="zh-CN" sz="2000"/>
-              <a:t>signal</a:t>
-            </a:r>
-            <a:endParaRPr lang="en-US" altLang="zh-CN" sz="2000"/>
-          </a:p>
-        </p:txBody>
-      </p:sp>
-      <p:sp>
-        <p:nvSpPr>
-          <p:cNvPr id="16" name="圆角矩形 15"/>
-          <p:cNvSpPr/>
-          <p:nvPr/>
-        </p:nvSpPr>
-        <p:spPr>
-          <a:xfrm>
-            <a:off x="6122670" y="1334135"/>
-            <a:ext cx="2537460" cy="896620"/>
-          </a:xfrm>
-          <a:prstGeom prst="roundRect">
-            <a:avLst/>
-          </a:prstGeom>
-        </p:spPr>
-        <p:style>
-          <a:lnRef idx="2">
-            <a:schemeClr val="accent1">
-              <a:shade val="50000"/>
-            </a:schemeClr>
-          </a:lnRef>
-          <a:fillRef idx="1">
-            <a:schemeClr val="accent1"/>
-          </a:fillRef>
-          <a:effectRef idx="0">
-            <a:schemeClr val="accent1"/>
-          </a:effectRef>
-          <a:fontRef idx="minor">
-            <a:schemeClr val="lt1"/>
-          </a:fontRef>
-        </p:style>
-        <p:txBody>
-          <a:bodyPr rtlCol="0" anchor="ctr"/>
-          <a:p>
-            <a:pPr algn="ctr"/>
-            <a:r>
-              <a:rPr lang="en-US" altLang="zh-CN" sz="2000"/>
-              <a:t>ndimage</a:t>
-            </a:r>
-            <a:endParaRPr lang="en-US" altLang="zh-CN" sz="2000"/>
-          </a:p>
-          <a:p>
-            <a:pPr algn="ctr"/>
-            <a:r>
-              <a:rPr lang="en-US" altLang="zh-CN" sz="2000"/>
-              <a:t>(n-dimension image)</a:t>
-            </a:r>
-            <a:endParaRPr lang="en-US" altLang="zh-CN" sz="2000"/>
-          </a:p>
-        </p:txBody>
-      </p:sp>
-      <p:sp>
-        <p:nvSpPr>
-          <p:cNvPr id="17" name="圆角矩形 16"/>
-          <p:cNvSpPr/>
-          <p:nvPr/>
-        </p:nvSpPr>
-        <p:spPr>
-          <a:xfrm>
-            <a:off x="8816340" y="2480945"/>
-            <a:ext cx="2537460" cy="896620"/>
-          </a:xfrm>
-          <a:prstGeom prst="roundRect">
-            <a:avLst/>
-          </a:prstGeom>
-        </p:spPr>
-        <p:style>
-          <a:lnRef idx="2">
-            <a:schemeClr val="accent1">
-              <a:shade val="50000"/>
-            </a:schemeClr>
-          </a:lnRef>
-          <a:fillRef idx="1">
-            <a:schemeClr val="accent1"/>
-          </a:fillRef>
-          <a:effectRef idx="0">
-            <a:schemeClr val="accent1"/>
-          </a:effectRef>
-          <a:fontRef idx="minor">
-            <a:schemeClr val="lt1"/>
-          </a:fontRef>
-        </p:style>
-        <p:txBody>
-          <a:bodyPr rtlCol="0" anchor="ctr"/>
-          <a:p>
-            <a:pPr algn="ctr"/>
-            <a:r>
-              <a:rPr lang="en-US" altLang="zh-CN" sz="2000"/>
-              <a:t>spatial</a:t>
-            </a:r>
-            <a:endParaRPr lang="en-US" altLang="zh-CN" sz="2000"/>
-          </a:p>
-        </p:txBody>
-      </p:sp>
-      <p:sp>
-        <p:nvSpPr>
-          <p:cNvPr id="18" name="圆角矩形 17"/>
-          <p:cNvSpPr/>
-          <p:nvPr/>
-        </p:nvSpPr>
-        <p:spPr>
-          <a:xfrm>
-            <a:off x="8816340" y="3575685"/>
-            <a:ext cx="2537460" cy="896620"/>
-          </a:xfrm>
-          <a:prstGeom prst="roundRect">
-            <a:avLst/>
-          </a:prstGeom>
-        </p:spPr>
-        <p:style>
-          <a:lnRef idx="2">
-            <a:schemeClr val="accent1">
-              <a:shade val="50000"/>
-            </a:schemeClr>
-          </a:lnRef>
-          <a:fillRef idx="1">
-            <a:schemeClr val="accent1"/>
-          </a:fillRef>
-          <a:effectRef idx="0">
-            <a:schemeClr val="accent1"/>
-          </a:effectRef>
-          <a:fontRef idx="minor">
-            <a:schemeClr val="lt1"/>
-          </a:fontRef>
-        </p:style>
-        <p:txBody>
-          <a:bodyPr rtlCol="0" anchor="ctr"/>
-          <a:p>
-            <a:pPr algn="ctr"/>
-            <a:r>
-              <a:rPr lang="en-US" altLang="zh-CN" sz="2000"/>
-              <a:t>special</a:t>
-            </a:r>
-            <a:endParaRPr lang="en-US" altLang="zh-CN" sz="2000"/>
-          </a:p>
-        </p:txBody>
-      </p:sp>
-      <p:sp>
-        <p:nvSpPr>
-          <p:cNvPr id="19" name="圆角矩形 18"/>
-          <p:cNvSpPr/>
-          <p:nvPr/>
-        </p:nvSpPr>
-        <p:spPr>
-          <a:xfrm>
-            <a:off x="8816340" y="1334135"/>
-            <a:ext cx="2537460" cy="896620"/>
-          </a:xfrm>
-          <a:prstGeom prst="roundRect">
-            <a:avLst/>
-          </a:prstGeom>
-        </p:spPr>
-        <p:style>
-          <a:lnRef idx="2">
-            <a:schemeClr val="accent1">
-              <a:shade val="50000"/>
-            </a:schemeClr>
-          </a:lnRef>
-          <a:fillRef idx="1">
-            <a:schemeClr val="accent1"/>
-          </a:fillRef>
-          <a:effectRef idx="0">
-            <a:schemeClr val="accent1"/>
-          </a:effectRef>
-          <a:fontRef idx="minor">
-            <a:schemeClr val="lt1"/>
-          </a:fontRef>
-        </p:style>
-        <p:txBody>
-          <a:bodyPr rtlCol="0" anchor="ctr"/>
-          <a:p>
-            <a:pPr algn="ctr"/>
-            <a:r>
-              <a:rPr lang="en-US" altLang="zh-CN" sz="2000"/>
-              <a:t>stats</a:t>
-            </a:r>
-            <a:endParaRPr lang="en-US" altLang="zh-CN" sz="2000"/>
-          </a:p>
-        </p:txBody>
-      </p:sp>
-      <p:sp>
-        <p:nvSpPr>
-          <p:cNvPr id="20" name="文本框 19"/>
-          <p:cNvSpPr txBox="1"/>
-          <p:nvPr/>
-        </p:nvSpPr>
-        <p:spPr>
-          <a:xfrm>
-            <a:off x="1153795" y="6069330"/>
-            <a:ext cx="7506335" cy="368300"/>
-          </a:xfrm>
-          <a:prstGeom prst="rect">
-            <a:avLst/>
-          </a:prstGeom>
-          <a:noFill/>
-        </p:spPr>
-        <p:txBody>
-          <a:bodyPr wrap="none" rtlCol="0">
-            <a:spAutoFit/>
-          </a:bodyPr>
-          <a:p>
-            <a:pPr algn="l"/>
-            <a:r>
-              <a:rPr lang="en-US" altLang="zh-CN"/>
-              <a:t>References: https://docs.scipy.org/doc/scipy/reference/tutorial/index.html</a:t>
-            </a:r>
-            <a:endParaRPr lang="en-US" altLang="zh-CN"/>
-          </a:p>
-        </p:txBody>
-      </p:sp>
-    </p:spTree>
-  </p:cSld>
-  <p:clrMapOvr>
-    <a:masterClrMapping/>
-  </p:clrMapOvr>
-</p:sld>
-</file>
-
-<file path=ppt/slides/slide33.xml><?xml version="1.0" encoding="utf-8"?>
-<p:sld xmlns:a="http://schemas.openxmlformats.org/drawingml/2006/main" xmlns:r="http://schemas.openxmlformats.org/officeDocument/2006/relationships" xmlns:p="http://schemas.openxmlformats.org/presentationml/2006/main">
-  <p:cSld>
-    <p:spTree>
-      <p:nvGrpSpPr>
-        <p:cNvPr id="1" name=""/>
-        <p:cNvGrpSpPr/>
-        <p:nvPr/>
-      </p:nvGrpSpPr>
-      <p:grpSpPr/>
-      <p:sp>
-        <p:nvSpPr>
-          <p:cNvPr id="2" name="标题 1"/>
-          <p:cNvSpPr>
-            <a:spLocks noGrp="1"/>
-          </p:cNvSpPr>
-          <p:nvPr>
-            <p:ph type="title"/>
-          </p:nvPr>
-        </p:nvSpPr>
-        <p:spPr/>
-        <p:txBody>
-          <a:bodyPr/>
-          <a:p>
-            <a:r>
-              <a:rPr lang="en-US" altLang="zh-CN"/>
-              <a:t>Matplotlib</a:t>
-            </a:r>
-            <a:endParaRPr lang="en-US" altLang="zh-CN"/>
-          </a:p>
-        </p:txBody>
-      </p:sp>
-      <p:sp>
-        <p:nvSpPr>
-          <p:cNvPr id="3" name="内容占位符 2"/>
-          <p:cNvSpPr>
-            <a:spLocks noGrp="1"/>
-          </p:cNvSpPr>
-          <p:nvPr>
-            <p:ph idx="1"/>
-          </p:nvPr>
-        </p:nvSpPr>
-        <p:spPr/>
-        <p:txBody>
-          <a:bodyPr/>
-          <a:p>
-            <a:r>
-              <a:rPr lang="en-US" altLang="zh-CN" sz="1600">
-                <a:sym typeface="+mn-ea"/>
-              </a:rPr>
-              <a:t>matplotlib.use('Agg')	# when no display</a:t>
-            </a:r>
-            <a:endParaRPr lang="en-US" altLang="zh-CN" sz="1600"/>
-          </a:p>
-          <a:p>
-            <a:r>
-              <a:rPr lang="en-US" altLang="zh-CN" sz="1600"/>
-              <a:t>import matplotlib.pyplot as plt</a:t>
-            </a:r>
-            <a:endParaRPr lang="en-US" altLang="zh-CN" sz="1600"/>
-          </a:p>
-          <a:p>
-            <a:pPr lvl="1">
-              <a:buFont typeface="Wingdings" panose="05000000000000000000" pitchFamily="2" charset="2"/>
-              <a:buChar char="Ø"/>
-            </a:pPr>
-            <a:r>
-              <a:rPr lang="en-US" altLang="zh-CN" sz="1400"/>
-              <a:t>plt.title(text), </a:t>
-            </a:r>
-            <a:r>
-              <a:rPr lang="en-US" altLang="zh-CN" sz="1400">
-                <a:sym typeface="+mn-ea"/>
-              </a:rPr>
-              <a:t>plt.xlabel(), plt.ylabel(), plt.xticks(), plt.yticks(), plt.legend()</a:t>
-            </a:r>
-            <a:endParaRPr lang="en-US" altLang="zh-CN" sz="1400"/>
-          </a:p>
-          <a:p>
-            <a:pPr lvl="1">
-              <a:buFont typeface="Wingdings" panose="05000000000000000000" pitchFamily="2" charset="2"/>
-              <a:buChar char="Ø"/>
-            </a:pPr>
-            <a:r>
-              <a:rPr lang="en-US" altLang="zh-CN" sz="1400"/>
-              <a:t>plt.imshow(arr, cmap=plt.cm.gray), plt.imshow(img[..., ::-1])</a:t>
-            </a:r>
-            <a:endParaRPr lang="en-US" altLang="zh-CN" sz="1400"/>
-          </a:p>
-          <a:p>
-            <a:pPr lvl="1">
-              <a:buFont typeface="Wingdings" panose="05000000000000000000" pitchFamily="2" charset="2"/>
-              <a:buChar char="Ø"/>
-            </a:pPr>
-            <a:r>
-              <a:rPr lang="en-US" altLang="zh-CN" sz="1400"/>
-              <a:t>plt.show()</a:t>
-            </a:r>
-            <a:endParaRPr lang="en-US" altLang="zh-CN" sz="1400"/>
-          </a:p>
-          <a:p>
-            <a:pPr lvl="1">
-              <a:buFont typeface="Wingdings" panose="05000000000000000000" pitchFamily="2" charset="2"/>
-              <a:buChar char="Ø"/>
-            </a:pPr>
-            <a:r>
-              <a:rPr lang="en-US" altLang="zh-CN" sz="1400"/>
-              <a:t>plt.plot(), </a:t>
-            </a:r>
-            <a:r>
-              <a:rPr lang="en-US" altLang="zh-CN" sz="1400">
-                <a:sym typeface="+mn-ea"/>
-              </a:rPr>
-              <a:t>plt.subplot(), fig, ax = plt.subplots(), plt.clf()</a:t>
-            </a:r>
-            <a:endParaRPr lang="en-US" altLang="zh-CN" sz="1400"/>
-          </a:p>
-          <a:p>
-            <a:pPr lvl="1">
-              <a:buFont typeface="Wingdings" panose="05000000000000000000" pitchFamily="2" charset="2"/>
-              <a:buChar char="Ø"/>
-            </a:pPr>
-            <a:r>
-              <a:rPr lang="en-US" altLang="zh-CN" sz="1400"/>
-              <a:t>plt.hist(), plt.pcolor(),plt.colorbar(), plt.scatter(x, y, color)</a:t>
-            </a:r>
-            <a:endParaRPr lang="en-US" altLang="zh-CN" sz="1400"/>
-          </a:p>
-          <a:p>
-            <a:pPr lvl="1">
-              <a:buFont typeface="Wingdings" panose="05000000000000000000" pitchFamily="2" charset="2"/>
-              <a:buChar char="Ø"/>
-            </a:pPr>
-            <a:r>
-              <a:rPr lang="en-US" altLang="zh-CN" sz="1400"/>
-              <a:t>plt.axis('off')</a:t>
-            </a:r>
-            <a:endParaRPr lang="en-US" altLang="zh-CN" sz="1400"/>
-          </a:p>
-          <a:p>
-            <a:pPr lvl="1">
-              <a:buFont typeface="Wingdings" panose="05000000000000000000" pitchFamily="2" charset="2"/>
-              <a:buChar char="Ø"/>
-            </a:pPr>
-            <a:r>
-              <a:rPr lang="en-US" altLang="zh-CN" sz="1400"/>
-              <a:t>plt.savefig('a.png')</a:t>
-            </a:r>
-            <a:endParaRPr lang="en-US" altLang="zh-CN" sz="1400"/>
-          </a:p>
-          <a:p>
-            <a:pPr lvl="1">
-              <a:buFont typeface="Wingdings" panose="05000000000000000000" pitchFamily="2" charset="2"/>
-              <a:buChar char="Ø"/>
-            </a:pPr>
-            <a:r>
-              <a:rPr lang="en-US" altLang="zh-CN" sz="1400"/>
-              <a:t>plt.get_backend()</a:t>
-            </a:r>
-            <a:endParaRPr lang="en-US" altLang="zh-CN" sz="1400"/>
-          </a:p>
-          <a:p>
-            <a:r>
-              <a:rPr lang="en-US" altLang="zh-CN" sz="1600"/>
-              <a:t>Figure</a:t>
-            </a:r>
-            <a:endParaRPr lang="en-US" altLang="zh-CN" sz="1600"/>
-          </a:p>
-          <a:p>
-            <a:pPr lvl="1">
-              <a:buFont typeface="Wingdings" panose="05000000000000000000" pitchFamily="2" charset="2"/>
-              <a:buChar char="Ø"/>
-            </a:pPr>
-            <a:r>
-              <a:rPr lang="en-US" altLang="zh-CN" sz="1400"/>
-              <a:t>fig = plt.figure(figsize=(w,h))</a:t>
-            </a:r>
-            <a:endParaRPr lang="en-US" altLang="zh-CN" sz="1400"/>
-          </a:p>
-          <a:p>
-            <a:pPr lvl="1">
-              <a:buFont typeface="Wingdings" panose="05000000000000000000" pitchFamily="2" charset="2"/>
-              <a:buChar char="Ø"/>
-            </a:pPr>
-            <a:r>
-              <a:rPr lang="en-US" altLang="zh-CN" sz="1400"/>
-              <a:t>ax = fig.add_subplot()</a:t>
-            </a:r>
-            <a:endParaRPr lang="en-US" altLang="zh-CN" sz="1400"/>
-          </a:p>
-          <a:p>
-            <a:pPr lvl="1">
-              <a:buFont typeface="Wingdings" panose="05000000000000000000" pitchFamily="2" charset="2"/>
-              <a:buChar char="Ø"/>
-            </a:pPr>
-            <a:r>
-              <a:rPr lang="en-US" altLang="zh-CN" sz="1400"/>
-              <a:t>ax.matshow(matrix)</a:t>
-            </a:r>
-            <a:endParaRPr lang="en-US" altLang="zh-CN" sz="1400"/>
-          </a:p>
-          <a:p>
-            <a:pPr lvl="0">
-              <a:buFont typeface="Wingdings" panose="05000000000000000000" pitchFamily="2" charset="2"/>
-              <a:buChar char="Ø"/>
-            </a:pPr>
-            <a:r>
-              <a:rPr lang="en-US" altLang="zh-CN" sz="1600"/>
-              <a:t>Unicode support</a:t>
-            </a:r>
-            <a:endParaRPr lang="en-US" altLang="zh-CN" sz="1600"/>
-          </a:p>
-          <a:p>
-            <a:pPr lvl="1">
-              <a:buFont typeface="Wingdings" panose="05000000000000000000" pitchFamily="2" charset="2"/>
-              <a:buChar char="Ø"/>
-            </a:pPr>
-            <a:r>
-              <a:rPr lang="en-US" altLang="zh-CN" sz="1400"/>
-              <a:t>matplotlib.rcParams['font.family'] = 'SimHei'</a:t>
-            </a:r>
-            <a:endParaRPr lang="en-US" altLang="zh-CN" sz="1400"/>
-          </a:p>
-        </p:txBody>
-      </p:sp>
-    </p:spTree>
-  </p:cSld>
-  <p:clrMapOvr>
-    <a:masterClrMapping/>
-  </p:clrMapOvr>
-</p:sld>
-</file>
-
-<file path=ppt/slides/slide34.xml><?xml version="1.0" encoding="utf-8"?>
-<p:sld xmlns:a="http://schemas.openxmlformats.org/drawingml/2006/main" xmlns:r="http://schemas.openxmlformats.org/officeDocument/2006/relationships" xmlns:p="http://schemas.openxmlformats.org/presentationml/2006/main">
-  <p:cSld>
-    <p:spTree>
-      <p:nvGrpSpPr>
-        <p:cNvPr id="1" name=""/>
-        <p:cNvGrpSpPr/>
-        <p:nvPr/>
-      </p:nvGrpSpPr>
-      <p:grpSpPr/>
-      <p:sp>
-        <p:nvSpPr>
-          <p:cNvPr id="24578" name="标题 2"/>
-          <p:cNvSpPr>
-            <a:spLocks noGrp="1"/>
-          </p:cNvSpPr>
-          <p:nvPr>
-            <p:ph type="title"/>
-          </p:nvPr>
-        </p:nvSpPr>
-        <p:spPr/>
-        <p:txBody>
-          <a:bodyPr anchor="b">
-            <a:normAutofit/>
-          </a:bodyPr>
-          <a:p>
-            <a:r>
-              <a:rPr lang="en-US" altLang="zh-CN" smtClean="0"/>
-              <a:t>Seaborn</a:t>
-            </a:r>
-            <a:endParaRPr lang="en-US" altLang="zh-CN" smtClean="0"/>
-          </a:p>
-        </p:txBody>
-      </p:sp>
-      <p:sp>
-        <p:nvSpPr>
-          <p:cNvPr id="4" name="内容占位符 3"/>
-          <p:cNvSpPr>
-            <a:spLocks noGrp="1"/>
-          </p:cNvSpPr>
-          <p:nvPr>
-            <p:ph idx="1"/>
-          </p:nvPr>
-        </p:nvSpPr>
-        <p:spPr/>
-        <p:txBody>
-          <a:bodyPr>
-            <a:normAutofit/>
-          </a:bodyPr>
-          <a:p>
-            <a:pPr marL="357505" indent="-357505" algn="l">
-              <a:lnSpc>
-                <a:spcPct val="200000"/>
-              </a:lnSpc>
-              <a:buClr>
-                <a:schemeClr val="accent1"/>
-              </a:buClr>
-              <a:buSzTx/>
-              <a:buFont typeface="Wingdings" panose="05000000000000000000" pitchFamily="2" charset="2"/>
-              <a:buChar char=""/>
-            </a:pPr>
-            <a:r>
-              <a:rPr lang="en-US" altLang="zh-CN" smtClean="0"/>
-              <a:t>Basic</a:t>
-            </a:r>
-            <a:endParaRPr lang="en-US" altLang="zh-CN" smtClean="0"/>
-          </a:p>
-          <a:p>
-            <a:pPr lvl="1" algn="l">
-              <a:lnSpc>
-                <a:spcPct val="200000"/>
-              </a:lnSpc>
-              <a:buFont typeface="Wingdings" panose="05000000000000000000" pitchFamily="2" charset="2"/>
-              <a:buChar char=""/>
-            </a:pPr>
-            <a:r>
-              <a:rPr lang="en-US" altLang="zh-CN" smtClean="0"/>
-              <a:t>pip install seaborn</a:t>
-            </a:r>
-            <a:endParaRPr lang="en-US" altLang="zh-CN" smtClean="0"/>
-          </a:p>
-          <a:p>
-            <a:pPr lvl="1" algn="l">
-              <a:lnSpc>
-                <a:spcPct val="200000"/>
-              </a:lnSpc>
-              <a:buFont typeface="Wingdings" panose="05000000000000000000" pitchFamily="2" charset="2"/>
-              <a:buChar char=""/>
-            </a:pPr>
-            <a:r>
-              <a:rPr lang="en-US" altLang="zh-CN" smtClean="0"/>
-              <a:t>import seaborn as sns</a:t>
-            </a:r>
-            <a:endParaRPr lang="en-US" altLang="zh-CN" smtClean="0"/>
-          </a:p>
-          <a:p>
-            <a:pPr lvl="1" algn="l">
-              <a:lnSpc>
-                <a:spcPct val="200000"/>
-              </a:lnSpc>
-              <a:buFont typeface="Wingdings" panose="05000000000000000000" pitchFamily="2" charset="2"/>
-              <a:buChar char=""/>
-            </a:pPr>
-            <a:r>
-              <a:rPr lang="en-US" altLang="zh-CN" smtClean="0"/>
-              <a:t>It's a kind of enhancement of matplotlib.</a:t>
-            </a:r>
-            <a:endParaRPr lang="en-US" altLang="zh-CN" smtClean="0"/>
-          </a:p>
-          <a:p>
-            <a:pPr lvl="1" algn="l">
-              <a:lnSpc>
-                <a:spcPct val="200000"/>
-              </a:lnSpc>
-              <a:buFont typeface="Wingdings" panose="05000000000000000000" pitchFamily="2" charset="2"/>
-              <a:buChar char=""/>
-            </a:pPr>
-            <a:r>
-              <a:rPr lang="en-US" altLang="zh-CN" smtClean="0"/>
-              <a:t>heatmap()</a:t>
-            </a:r>
-            <a:endParaRPr lang="en-US" altLang="zh-CN" smtClean="0"/>
-          </a:p>
-        </p:txBody>
-      </p:sp>
-    </p:spTree>
-  </p:cSld>
-  <p:clrMapOvr>
-    <a:masterClrMapping/>
-  </p:clrMapOvr>
-</p:sld>
-</file>
-
-<file path=ppt/slides/slide35.xml><?xml version="1.0" encoding="utf-8"?>
-<p:sld xmlns:a="http://schemas.openxmlformats.org/drawingml/2006/main" xmlns:r="http://schemas.openxmlformats.org/officeDocument/2006/relationships" xmlns:p="http://schemas.openxmlformats.org/presentationml/2006/main">
-  <p:cSld>
-    <p:spTree>
-      <p:nvGrpSpPr>
-        <p:cNvPr id="1" name=""/>
-        <p:cNvGrpSpPr/>
-        <p:nvPr/>
-      </p:nvGrpSpPr>
-      <p:grpSpPr/>
-      <p:sp>
-        <p:nvSpPr>
-          <p:cNvPr id="24578" name="标题 2"/>
-          <p:cNvSpPr>
-            <a:spLocks noGrp="1"/>
-          </p:cNvSpPr>
-          <p:nvPr>
-            <p:ph type="title"/>
-          </p:nvPr>
-        </p:nvSpPr>
-        <p:spPr/>
-        <p:txBody>
-          <a:bodyPr anchor="b">
-            <a:normAutofit/>
-          </a:bodyPr>
-          <a:p>
-            <a:r>
-              <a:rPr lang="en-US" altLang="zh-CN" smtClean="0"/>
-              <a:t>xml</a:t>
-            </a:r>
-            <a:endParaRPr lang="en-US" altLang="zh-CN" smtClean="0"/>
-          </a:p>
-        </p:txBody>
-      </p:sp>
-      <p:sp>
-        <p:nvSpPr>
-          <p:cNvPr id="4" name="内容占位符 3"/>
-          <p:cNvSpPr>
-            <a:spLocks noGrp="1"/>
-          </p:cNvSpPr>
-          <p:nvPr>
-            <p:ph idx="1"/>
-          </p:nvPr>
-        </p:nvSpPr>
-        <p:spPr/>
-        <p:txBody>
-          <a:bodyPr>
-            <a:normAutofit lnSpcReduction="20000"/>
-          </a:bodyPr>
-          <a:p>
-            <a:pPr marL="357505" indent="-357505" algn="l">
-              <a:lnSpc>
-                <a:spcPct val="200000"/>
-              </a:lnSpc>
-              <a:buClr>
-                <a:schemeClr val="accent1"/>
-              </a:buClr>
-              <a:buSzTx/>
-              <a:buFont typeface="Wingdings" panose="05000000000000000000" pitchFamily="2" charset="2"/>
-              <a:buChar char=""/>
-            </a:pPr>
-            <a:r>
-              <a:rPr lang="en-US" altLang="zh-CN" smtClean="0"/>
-              <a:t>Basic</a:t>
-            </a:r>
-            <a:endParaRPr lang="en-US" altLang="zh-CN" smtClean="0"/>
-          </a:p>
-          <a:p>
-            <a:pPr lvl="1" algn="l">
-              <a:lnSpc>
-                <a:spcPct val="200000"/>
-              </a:lnSpc>
-              <a:buFont typeface="Wingdings" panose="05000000000000000000" pitchFamily="2" charset="2"/>
-              <a:buChar char=""/>
-            </a:pPr>
-            <a:r>
-              <a:rPr lang="en-US" altLang="zh-CN" smtClean="0"/>
-              <a:t>import xml.etree.ElementTree as ET</a:t>
-            </a:r>
-            <a:endParaRPr lang="en-US" altLang="zh-CN" smtClean="0"/>
-          </a:p>
-          <a:p>
-            <a:pPr lvl="1" algn="l">
-              <a:lnSpc>
-                <a:spcPct val="200000"/>
-              </a:lnSpc>
-              <a:buFont typeface="Wingdings" panose="05000000000000000000" pitchFamily="2" charset="2"/>
-              <a:buChar char=""/>
-            </a:pPr>
-            <a:r>
-              <a:rPr lang="en-US" altLang="zh-CN" smtClean="0"/>
-              <a:t>parser = ET.XMLParser(encoding='utf-8')</a:t>
-            </a:r>
-            <a:endParaRPr lang="en-US" altLang="zh-CN" smtClean="0"/>
-          </a:p>
-          <a:p>
-            <a:pPr lvl="1" algn="l">
-              <a:lnSpc>
-                <a:spcPct val="200000"/>
-              </a:lnSpc>
-              <a:buFont typeface="Wingdings" panose="05000000000000000000" pitchFamily="2" charset="2"/>
-              <a:buChar char=""/>
-            </a:pPr>
-            <a:r>
-              <a:rPr lang="en-US" altLang="zh-CN" smtClean="0"/>
-              <a:t>tree = ET.parse(fn, parser=parser)</a:t>
-            </a:r>
-            <a:endParaRPr lang="en-US" altLang="zh-CN" smtClean="0"/>
-          </a:p>
-          <a:p>
-            <a:pPr lvl="1" algn="l">
-              <a:lnSpc>
-                <a:spcPct val="200000"/>
-              </a:lnSpc>
-              <a:buFont typeface="Wingdings" panose="05000000000000000000" pitchFamily="2" charset="2"/>
-              <a:buChar char=""/>
-            </a:pPr>
-            <a:r>
-              <a:rPr lang="en-US" altLang="zh-CN" smtClean="0"/>
-              <a:t>root = tree.getroot()</a:t>
-            </a:r>
-            <a:endParaRPr lang="en-US" altLang="zh-CN" smtClean="0"/>
-          </a:p>
-          <a:p>
-            <a:pPr lvl="1" algn="l">
-              <a:lnSpc>
-                <a:spcPct val="200000"/>
-              </a:lnSpc>
-              <a:buFont typeface="Wingdings" panose="05000000000000000000" pitchFamily="2" charset="2"/>
-              <a:buChar char=""/>
-            </a:pPr>
-            <a:r>
-              <a:rPr lang="en-US" altLang="zh-CN" smtClean="0"/>
-              <a:t>for elem in root.findall(./level1/level2):</a:t>
-            </a:r>
-            <a:endParaRPr lang="en-US" altLang="zh-CN" smtClean="0"/>
-          </a:p>
-          <a:p>
-            <a:pPr lvl="2" algn="l">
-              <a:lnSpc>
-                <a:spcPct val="200000"/>
-              </a:lnSpc>
-              <a:buFont typeface="Wingdings" panose="05000000000000000000" pitchFamily="2" charset="2"/>
-              <a:buChar char=""/>
-            </a:pPr>
-            <a:r>
-              <a:rPr lang="en-US" altLang="zh-CN" smtClean="0"/>
-              <a:t>attrib = elem.attrib['attrib_name']</a:t>
-            </a:r>
-            <a:endParaRPr lang="en-US" altLang="zh-CN" smtClean="0"/>
-          </a:p>
-        </p:txBody>
-      </p:sp>
-    </p:spTree>
-  </p:cSld>
-  <p:clrMapOvr>
-    <a:masterClrMapping/>
-  </p:clrMapOvr>
-</p:sld>
-</file>
-
-<file path=ppt/slides/slide36.xml><?xml version="1.0" encoding="utf-8"?>
-<p:sld xmlns:a="http://schemas.openxmlformats.org/drawingml/2006/main" xmlns:r="http://schemas.openxmlformats.org/officeDocument/2006/relationships" xmlns:p="http://schemas.openxmlformats.org/presentationml/2006/main">
-  <p:cSld>
-    <p:spTree>
-      <p:nvGrpSpPr>
-        <p:cNvPr id="1" name=""/>
-        <p:cNvGrpSpPr/>
-        <p:nvPr/>
-      </p:nvGrpSpPr>
-      <p:grpSpPr/>
-      <p:sp>
-        <p:nvSpPr>
-          <p:cNvPr id="24578" name="标题 2"/>
-          <p:cNvSpPr>
-            <a:spLocks noGrp="1"/>
-          </p:cNvSpPr>
-          <p:nvPr>
-            <p:ph type="title"/>
-          </p:nvPr>
-        </p:nvSpPr>
-        <p:spPr/>
-        <p:txBody>
-          <a:bodyPr anchor="b">
-            <a:normAutofit/>
-          </a:bodyPr>
-          <a:p>
-            <a:r>
-              <a:rPr lang="en-US" altLang="zh-CN" smtClean="0"/>
-              <a:t>GUI</a:t>
-            </a:r>
-            <a:endParaRPr lang="en-US" altLang="zh-CN" smtClean="0"/>
-          </a:p>
-        </p:txBody>
-      </p:sp>
-      <p:sp>
-        <p:nvSpPr>
-          <p:cNvPr id="4" name="内容占位符 3"/>
-          <p:cNvSpPr>
-            <a:spLocks noGrp="1"/>
-          </p:cNvSpPr>
-          <p:nvPr>
-            <p:ph idx="1"/>
-          </p:nvPr>
-        </p:nvSpPr>
-        <p:spPr/>
-        <p:txBody>
-          <a:bodyPr>
-            <a:normAutofit fontScale="60000"/>
-          </a:bodyPr>
-          <a:p>
-            <a:pPr marL="357505" indent="-357505" algn="l">
-              <a:lnSpc>
-                <a:spcPct val="200000"/>
-              </a:lnSpc>
-              <a:buClr>
-                <a:schemeClr val="accent1"/>
-              </a:buClr>
-              <a:buSzTx/>
-              <a:buFont typeface="Wingdings" panose="05000000000000000000" pitchFamily="2" charset="2"/>
-              <a:buChar char=""/>
-            </a:pPr>
-            <a:r>
-              <a:rPr lang="en-US" altLang="zh-CN" smtClean="0"/>
-              <a:t>Tkinter</a:t>
-            </a:r>
-            <a:endParaRPr lang="en-US" altLang="zh-CN" smtClean="0"/>
-          </a:p>
-          <a:p>
-            <a:pPr lvl="1" algn="l">
-              <a:lnSpc>
-                <a:spcPct val="200000"/>
-              </a:lnSpc>
-              <a:buFont typeface="Wingdings" panose="05000000000000000000" pitchFamily="2" charset="2"/>
-              <a:buChar char=""/>
-            </a:pPr>
-            <a:r>
-              <a:rPr lang="en-US" altLang="zh-CN" smtClean="0"/>
-              <a:t>import tkinter</a:t>
-            </a:r>
-            <a:endParaRPr lang="en-US" altLang="zh-CN" smtClean="0"/>
-          </a:p>
-          <a:p>
-            <a:pPr lvl="1" algn="l">
-              <a:lnSpc>
-                <a:spcPct val="200000"/>
-              </a:lnSpc>
-              <a:buFont typeface="Wingdings" panose="05000000000000000000" pitchFamily="2" charset="2"/>
-              <a:buChar char=""/>
-            </a:pPr>
-            <a:r>
-              <a:rPr lang="en-US" altLang="zh-CN" smtClean="0"/>
-              <a:t>Tkinter._test()</a:t>
-            </a:r>
-            <a:endParaRPr lang="en-US" altLang="zh-CN" smtClean="0"/>
-          </a:p>
-          <a:p>
-            <a:pPr lvl="1" algn="l">
-              <a:lnSpc>
-                <a:spcPct val="200000"/>
-              </a:lnSpc>
-              <a:buFont typeface="Wingdings" panose="05000000000000000000" pitchFamily="2" charset="2"/>
-              <a:buChar char=""/>
-            </a:pPr>
-            <a:r>
-              <a:rPr lang="en-US" altLang="zh-CN" smtClean="0"/>
-              <a:t>Tk()	// return root widget</a:t>
-            </a:r>
-            <a:endParaRPr lang="en-US" altLang="zh-CN" smtClean="0"/>
-          </a:p>
-          <a:p>
-            <a:pPr lvl="2" algn="l">
-              <a:lnSpc>
-                <a:spcPct val="200000"/>
-              </a:lnSpc>
-              <a:buFont typeface="Wingdings" panose="05000000000000000000" pitchFamily="2" charset="2"/>
-              <a:buChar char=""/>
-            </a:pPr>
-            <a:r>
-              <a:rPr lang="en-US" altLang="zh-CN" smtClean="0"/>
-              <a:t>destroy()</a:t>
-            </a:r>
-            <a:endParaRPr lang="en-US" altLang="zh-CN" smtClean="0"/>
-          </a:p>
-          <a:p>
-            <a:pPr lvl="1" algn="l">
-              <a:lnSpc>
-                <a:spcPct val="200000"/>
-              </a:lnSpc>
-              <a:buFont typeface="Wingdings" panose="05000000000000000000" pitchFamily="2" charset="2"/>
-              <a:buChar char=""/>
-            </a:pPr>
-            <a:r>
-              <a:rPr lang="en-US" altLang="zh-CN" smtClean="0"/>
-              <a:t>Frame</a:t>
-            </a:r>
-            <a:endParaRPr lang="en-US" altLang="zh-CN" smtClean="0"/>
-          </a:p>
-          <a:p>
-            <a:pPr lvl="2" algn="l">
-              <a:lnSpc>
-                <a:spcPct val="200000"/>
-              </a:lnSpc>
-              <a:buFont typeface="Wingdings" panose="05000000000000000000" pitchFamily="2" charset="2"/>
-              <a:buChar char=""/>
-            </a:pPr>
-            <a:r>
-              <a:rPr lang="en-US" altLang="zh-CN" smtClean="0"/>
-              <a:t>mainloop()</a:t>
-            </a:r>
-            <a:endParaRPr lang="en-US" altLang="zh-CN" smtClean="0"/>
-          </a:p>
-          <a:p>
-            <a:pPr lvl="0" algn="l">
-              <a:lnSpc>
-                <a:spcPct val="200000"/>
-              </a:lnSpc>
-              <a:buFont typeface="Wingdings" panose="05000000000000000000" pitchFamily="2" charset="2"/>
-              <a:buChar char=""/>
-            </a:pPr>
-            <a:r>
-              <a:rPr lang="en-US" altLang="zh-CN" smtClean="0"/>
-              <a:t>Reference</a:t>
-            </a:r>
-            <a:endParaRPr lang="en-US" altLang="zh-CN" smtClean="0"/>
-          </a:p>
-          <a:p>
-            <a:pPr lvl="1" algn="l">
-              <a:lnSpc>
-                <a:spcPct val="200000"/>
-              </a:lnSpc>
-              <a:buFont typeface="Wingdings" panose="05000000000000000000" pitchFamily="2" charset="2"/>
-              <a:buChar char=""/>
-            </a:pPr>
-            <a:r>
-              <a:rPr lang="en-US" altLang="zh-CN" smtClean="0"/>
-              <a:t>http://infohost.nmt.edu/tcc/help/pubs/tkinter/web/index.html</a:t>
-            </a:r>
-            <a:endParaRPr lang="en-US" altLang="zh-CN" smtClean="0"/>
-          </a:p>
-        </p:txBody>
-      </p:sp>
-      <p:sp>
-        <p:nvSpPr>
-          <p:cNvPr id="2" name="文本框 1"/>
-          <p:cNvSpPr txBox="1"/>
-          <p:nvPr/>
-        </p:nvSpPr>
-        <p:spPr>
-          <a:xfrm>
-            <a:off x="7054850" y="1144270"/>
-            <a:ext cx="4228465" cy="4246245"/>
-          </a:xfrm>
-          <a:prstGeom prst="rect">
-            <a:avLst/>
-          </a:prstGeom>
-          <a:noFill/>
-          <a:ln w="12700" cmpd="sng">
-            <a:solidFill>
-              <a:schemeClr val="accent1">
-                <a:shade val="50000"/>
-              </a:schemeClr>
-            </a:solidFill>
-            <a:prstDash val="solid"/>
-          </a:ln>
-        </p:spPr>
-        <p:txBody>
-          <a:bodyPr wrap="square" rtlCol="0">
-            <a:spAutoFit/>
-          </a:bodyPr>
-          <a:p>
-            <a:r>
-              <a:rPr lang="en-US" altLang="zh-CN"/>
-              <a:t>import tkinter as tk</a:t>
-            </a:r>
-            <a:endParaRPr lang="en-US" altLang="zh-CN"/>
-          </a:p>
-          <a:p>
-            <a:r>
-              <a:rPr lang="en-US" altLang="zh-CN"/>
-              <a:t>root = tk.Tk()</a:t>
-            </a:r>
-            <a:endParaRPr lang="en-US" altLang="zh-CN"/>
-          </a:p>
-          <a:p>
-            <a:r>
-              <a:rPr lang="en-US" altLang="zh-CN"/>
-              <a:t>app = Application(master=root)</a:t>
-            </a:r>
-            <a:endParaRPr lang="en-US" altLang="zh-CN"/>
-          </a:p>
-          <a:p>
-            <a:r>
-              <a:rPr lang="en-US" altLang="zh-CN"/>
-              <a:t>app.master.title('Title')</a:t>
-            </a:r>
-            <a:endParaRPr lang="en-US" altLang="zh-CN"/>
-          </a:p>
-          <a:p>
-            <a:r>
-              <a:rPr lang="en-US" altLang="zh-CN"/>
-              <a:t>app.master.geometry('800x600')</a:t>
-            </a:r>
-            <a:endParaRPr lang="en-US" altLang="zh-CN"/>
-          </a:p>
-          <a:p>
-            <a:r>
-              <a:rPr lang="en-US" altLang="zh-CN"/>
-              <a:t>app.mainloop()</a:t>
-            </a:r>
-            <a:endParaRPr lang="en-US" altLang="zh-CN"/>
-          </a:p>
-          <a:p>
-            <a:endParaRPr lang="en-US" altLang="zh-CN"/>
-          </a:p>
-          <a:p>
-            <a:r>
-              <a:rPr lang="en-US" altLang="zh-CN"/>
-              <a:t>class Application(tk.Frame):</a:t>
-            </a:r>
-            <a:endParaRPr lang="en-US" altLang="zh-CN"/>
-          </a:p>
-          <a:p>
-            <a:r>
-              <a:rPr lang="en-US" altLang="zh-CN"/>
-              <a:t>    def __init__(self):</a:t>
-            </a:r>
-            <a:endParaRPr lang="en-US" altLang="zh-CN"/>
-          </a:p>
-          <a:p>
-            <a:r>
-              <a:rPr lang="en-US" altLang="zh-CN"/>
-              <a:t>        super().__init__(self)</a:t>
-            </a:r>
-            <a:endParaRPr lang="en-US" altLang="zh-CN"/>
-          </a:p>
-          <a:p>
-            <a:r>
-              <a:rPr lang="en-US" altLang="zh-CN"/>
-              <a:t>        self.pack()</a:t>
-            </a:r>
-            <a:endParaRPr lang="en-US" altLang="zh-CN"/>
-          </a:p>
-          <a:p>
-            <a:r>
-              <a:rPr lang="en-US" altLang="zh-CN"/>
-              <a:t>        btn = tk.Button(self, text='', command=cmd)</a:t>
-            </a:r>
-            <a:endParaRPr lang="en-US" altLang="zh-CN"/>
-          </a:p>
-          <a:p>
-            <a:r>
-              <a:rPr lang="en-US" altLang="zh-CN"/>
-              <a:t>        btn.grid(row=r, column=c, columnspan=cs)</a:t>
-            </a:r>
-            <a:endParaRPr lang="en-US" altLang="zh-CN"/>
-          </a:p>
-        </p:txBody>
-      </p:sp>
-    </p:spTree>
-  </p:cSld>
-  <p:clrMapOvr>
-    <a:masterClrMapping/>
-  </p:clrMapOvr>
-</p:sld>
-</file>
-
-<file path=ppt/slides/slide37.xml><?xml version="1.0" encoding="utf-8"?>
-<p:sld xmlns:a="http://schemas.openxmlformats.org/drawingml/2006/main" xmlns:r="http://schemas.openxmlformats.org/officeDocument/2006/relationships" xmlns:p="http://schemas.openxmlformats.org/presentationml/2006/main">
-  <p:cSld>
-    <p:spTree>
-      <p:nvGrpSpPr>
-        <p:cNvPr id="1" name=""/>
-        <p:cNvGrpSpPr/>
-        <p:nvPr/>
-      </p:nvGrpSpPr>
-      <p:grpSpPr/>
-      <p:sp>
-        <p:nvSpPr>
-          <p:cNvPr id="2" name="Title 1"/>
-          <p:cNvSpPr>
-            <a:spLocks noGrp="1"/>
-          </p:cNvSpPr>
-          <p:nvPr>
-            <p:ph type="title"/>
-          </p:nvPr>
-        </p:nvSpPr>
-        <p:spPr/>
-        <p:txBody>
-          <a:bodyPr>
-            <a:normAutofit/>
-          </a:bodyPr>
-          <a:p>
-            <a:r>
-              <a:rPr lang="x-none" altLang="en-US"/>
-              <a:t>Video</a:t>
-            </a:r>
-            <a:endParaRPr lang="x-none" altLang="en-US"/>
-          </a:p>
-        </p:txBody>
-      </p:sp>
-      <p:sp>
-        <p:nvSpPr>
-          <p:cNvPr id="3" name="Content Placeholder 2"/>
-          <p:cNvSpPr>
-            <a:spLocks noGrp="1"/>
-          </p:cNvSpPr>
-          <p:nvPr>
-            <p:ph idx="1"/>
-          </p:nvPr>
-        </p:nvSpPr>
-        <p:spPr>
-          <a:xfrm>
-            <a:off x="838200" y="1211580"/>
-            <a:ext cx="5391785" cy="5396230"/>
-          </a:xfrm>
-        </p:spPr>
-        <p:txBody>
-          <a:bodyPr>
-            <a:normAutofit fontScale="90000" lnSpcReduction="10000"/>
-          </a:bodyPr>
-          <a:p>
-            <a:r>
-              <a:rPr lang="en-US" altLang="x-none"/>
-              <a:t>scikit-video</a:t>
-            </a:r>
-            <a:endParaRPr lang="en-US" altLang="x-none"/>
-          </a:p>
-          <a:p>
-            <a:pPr lvl="1"/>
-            <a:r>
-              <a:rPr lang="en-US" altLang="x-none" sz="2000"/>
-              <a:t>pip install scikit-video</a:t>
-            </a:r>
-            <a:endParaRPr lang="en-US" altLang="x-none" sz="2000"/>
-          </a:p>
-          <a:p>
-            <a:pPr lvl="1"/>
-            <a:r>
-              <a:rPr lang="en-US" altLang="x-none"/>
-              <a:t>Based on ffmpeg or libav</a:t>
-            </a:r>
-            <a:endParaRPr lang="en-US" altLang="x-none"/>
-          </a:p>
-          <a:p>
-            <a:pPr lvl="1"/>
-            <a:r>
-              <a:rPr lang="en-US" altLang="x-none"/>
-              <a:t>import skvideo.io</a:t>
-            </a:r>
-            <a:endParaRPr lang="en-US" altLang="x-none"/>
-          </a:p>
-          <a:p>
-            <a:pPr lvl="1"/>
-            <a:r>
-              <a:rPr lang="en-US" altLang="x-none" sz="2000"/>
-              <a:t>Read</a:t>
-            </a:r>
-            <a:endParaRPr lang="en-US" altLang="x-none" sz="2000"/>
-          </a:p>
-          <a:p>
-            <a:pPr lvl="2"/>
-            <a:r>
-              <a:rPr lang="en-US" altLang="x-none" sz="1800"/>
-              <a:t>vread(fn)	// read all frames into mem</a:t>
-            </a:r>
-            <a:endParaRPr lang="en-US" altLang="x-none" sz="1800"/>
-          </a:p>
-          <a:p>
-            <a:pPr lvl="2"/>
-            <a:r>
-              <a:rPr lang="en-US" altLang="x-none" sz="1800"/>
-              <a:t>vreader(fn)	// frame by frame</a:t>
-            </a:r>
-            <a:endParaRPr lang="en-US" altLang="x-none" sz="1800"/>
-          </a:p>
-          <a:p>
-            <a:pPr lvl="2"/>
-            <a:r>
-              <a:rPr lang="en-US" altLang="x-none"/>
-              <a:t>FFmpegReader(fn, inputdict, outputdict)</a:t>
-            </a:r>
-            <a:endParaRPr lang="en-US" altLang="x-none"/>
-          </a:p>
-          <a:p>
-            <a:pPr lvl="1"/>
-            <a:r>
-              <a:rPr lang="en-US" altLang="x-none" sz="2000"/>
-              <a:t>Writer</a:t>
-            </a:r>
-            <a:endParaRPr lang="en-US" altLang="x-none" sz="2000"/>
-          </a:p>
-          <a:p>
-            <a:pPr lvl="2"/>
-            <a:r>
-              <a:rPr lang="en-US" altLang="x-none"/>
-              <a:t>vwrite(fn, outputdata)</a:t>
-            </a:r>
-            <a:endParaRPr lang="en-US" altLang="x-none"/>
-          </a:p>
-          <a:p>
-            <a:pPr lvl="2"/>
-            <a:r>
-              <a:rPr lang="en-US" altLang="x-none"/>
-              <a:t>writer = FFmpegWriter(fn, outputdict, verbosity=1)</a:t>
-            </a:r>
-            <a:endParaRPr lang="en-US" altLang="x-none"/>
-          </a:p>
-          <a:p>
-            <a:pPr lvl="2"/>
-            <a:r>
-              <a:rPr lang="en-US" altLang="x-none"/>
-              <a:t>writer.writeFrame(frame)</a:t>
-            </a:r>
-            <a:endParaRPr lang="en-US" altLang="x-none"/>
-          </a:p>
-          <a:p>
-            <a:pPr lvl="2"/>
-            <a:r>
-              <a:rPr lang="en-US" altLang="x-none"/>
-              <a:t>writer.close()</a:t>
-            </a:r>
-            <a:endParaRPr lang="en-US" altLang="x-none"/>
-          </a:p>
-          <a:p>
-            <a:pPr lvl="1"/>
-            <a:r>
-              <a:rPr lang="en-US" altLang="x-none"/>
-              <a:t>Read metadata</a:t>
-            </a:r>
-            <a:endParaRPr lang="en-US" altLang="x-none"/>
-          </a:p>
-          <a:p>
-            <a:pPr lvl="2"/>
-            <a:r>
-              <a:rPr lang="en-US" altLang="x-none" sz="1800"/>
-              <a:t>ffprobe(fn)</a:t>
-            </a:r>
-            <a:endParaRPr lang="en-US" altLang="x-none"/>
-          </a:p>
-          <a:p>
-            <a:pPr lvl="1"/>
-            <a:r>
-              <a:rPr lang="en-US" altLang="x-none"/>
-              <a:t>Sample data</a:t>
-            </a:r>
-            <a:endParaRPr lang="en-US" altLang="x-none"/>
-          </a:p>
-          <a:p>
-            <a:pPr lvl="2"/>
-            <a:r>
-              <a:rPr lang="en-US" altLang="x-none"/>
-              <a:t>import skvideo.datasets</a:t>
-            </a:r>
-            <a:endParaRPr lang="en-US" altLang="x-none"/>
-          </a:p>
-          <a:p>
-            <a:pPr lvl="2"/>
-            <a:r>
-              <a:rPr lang="en-US" altLang="x-none"/>
-              <a:t>bigbuckbunny, bikes, fullreferencepair</a:t>
-            </a:r>
-            <a:endParaRPr lang="en-US" altLang="x-none"/>
-          </a:p>
-        </p:txBody>
-      </p:sp>
-      <p:sp>
-        <p:nvSpPr>
-          <p:cNvPr id="4" name="Content Placeholder 2"/>
+      <p:sp>
+        <p:nvSpPr>
+          <p:cNvPr id="5" name="内容占位符 2"/>
           <p:cNvSpPr>
             <a:spLocks noGrp="1"/>
           </p:cNvSpPr>
@@ -11136,8 +7616,8 @@
         </p:nvSpPr>
         <p:spPr>
           <a:xfrm>
-            <a:off x="6418580" y="1250950"/>
-            <a:ext cx="5391785" cy="4549140"/>
+            <a:off x="6353175" y="1185545"/>
+            <a:ext cx="5222240" cy="5474335"/>
           </a:xfrm>
           <a:prstGeom prst="rect">
             <a:avLst/>
@@ -11313,58 +7793,74 @@
           </a:lstStyle>
           <a:p>
             <a:r>
-              <a:rPr lang="x-none" altLang="en-US"/>
-              <a:t>PyAv</a:t>
-            </a:r>
-            <a:endParaRPr lang="x-none" altLang="en-US"/>
-          </a:p>
-          <a:p>
-            <a:pPr lvl="1"/>
-            <a:r>
-              <a:rPr lang="x-none" altLang="en-US" sz="2000"/>
-              <a:t>Pythonic binding for FFmpeg or Libav</a:t>
-            </a:r>
-            <a:endParaRPr lang="x-none" altLang="en-US" sz="2000"/>
-          </a:p>
-          <a:p>
-            <a:pPr lvl="1"/>
-            <a:r>
-              <a:rPr lang="x-none" altLang="en-US"/>
-              <a:t>Install</a:t>
-            </a:r>
-            <a:endParaRPr lang="x-none" altLang="en-US"/>
+              <a:rPr lang="en-US" altLang="zh-CN"/>
+              <a:t>Formatter</a:t>
+            </a:r>
+            <a:endParaRPr lang="en-US" altLang="zh-CN"/>
+          </a:p>
+          <a:p>
+            <a:pPr lvl="1"/>
+            <a:r>
+              <a:rPr lang="en-US" altLang="zh-CN"/>
+              <a:t>yapf</a:t>
+            </a:r>
+            <a:endParaRPr lang="en-US" altLang="zh-CN"/>
           </a:p>
           <a:p>
             <a:pPr lvl="2"/>
             <a:r>
-              <a:rPr lang="x-none" altLang="en-US"/>
-              <a:t>sudo apt install -y python-dev pkg-config libavformat-dev libavcodec-dev libavdevice-dev libavutil-dev libswscale-dev libavresample-dev libavfilter-dev</a:t>
-            </a:r>
-            <a:endParaRPr lang="x-none" altLang="en-US"/>
+              <a:rPr lang="en-US" altLang="zh-CN"/>
+              <a:t>pip install yapf</a:t>
+            </a:r>
+            <a:endParaRPr lang="en-US" altLang="zh-CN"/>
           </a:p>
           <a:p>
             <a:pPr lvl="2"/>
             <a:r>
-              <a:rPr lang="x-none" altLang="en-US"/>
-              <a:t>pip install av</a:t>
-            </a:r>
-            <a:endParaRPr lang="x-none" altLang="en-US"/>
-          </a:p>
-          <a:p>
-            <a:pPr lvl="1"/>
-            <a:r>
-              <a:rPr lang="x-none" altLang="en-US"/>
-              <a:t>Usage</a:t>
-            </a:r>
-            <a:endParaRPr lang="x-none" altLang="en-US"/>
+              <a:rPr lang="en-US" altLang="zh-CN"/>
+              <a:t>yapf input.py &gt;output.py</a:t>
+            </a:r>
+            <a:endParaRPr lang="en-US" altLang="zh-CN"/>
           </a:p>
           <a:p>
             <a:pPr lvl="2"/>
             <a:r>
-              <a:rPr lang="x-none" altLang="en-US"/>
-              <a:t>container = av.open(fn)</a:t>
-            </a:r>
-            <a:endParaRPr lang="x-none" altLang="en-US"/>
+              <a:rPr lang="en-US" altLang="zh-CN"/>
+              <a:t>https://github.com/google/yapf</a:t>
+            </a:r>
+            <a:endParaRPr lang="en-US" altLang="zh-CN"/>
+          </a:p>
+          <a:p>
+            <a:pPr lvl="1"/>
+            <a:r>
+              <a:rPr lang="en-US" altLang="zh-CN"/>
+              <a:t>black</a:t>
+            </a:r>
+            <a:endParaRPr lang="en-US" altLang="zh-CN"/>
+          </a:p>
+          <a:p>
+            <a:pPr lvl="2"/>
+            <a:r>
+              <a:rPr lang="en-US" altLang="zh-CN"/>
+              <a:t>pip install git+git://github.com/psf/black</a:t>
+            </a:r>
+            <a:endParaRPr lang="en-US" altLang="zh-CN"/>
+          </a:p>
+          <a:p>
+            <a:pPr lvl="2"/>
+            <a:r>
+              <a:rPr lang="en-US" altLang="zh-CN"/>
+              <a:t>black input.py</a:t>
+            </a:r>
+            <a:endParaRPr lang="en-US" altLang="zh-CN"/>
+          </a:p>
+          <a:p>
+            <a:pPr lvl="2"/>
+            <a:r>
+              <a:rPr lang="en-US" altLang="zh-CN"/>
+              <a:t>https://github.com/psf/black</a:t>
+            </a:r>
+            <a:endParaRPr lang="en-US" altLang="zh-CN"/>
           </a:p>
         </p:txBody>
       </p:sp>
@@ -11376,7 +7872,7 @@
 </p:sld>
 </file>
 
-<file path=ppt/slides/slide38.xml><?xml version="1.0" encoding="utf-8"?>
+<file path=ppt/slides/slide27.xml><?xml version="1.0" encoding="utf-8"?>
 <p:sld xmlns:a="http://schemas.openxmlformats.org/drawingml/2006/main" xmlns:r="http://schemas.openxmlformats.org/officeDocument/2006/relationships" xmlns:p="http://schemas.openxmlformats.org/presentationml/2006/main">
   <p:cSld>
     <p:spTree>
@@ -11388,6 +7884,64 @@
       <p:grpSpPr/>
       <p:sp>
         <p:nvSpPr>
+          <p:cNvPr id="4" name="标题 3"/>
+          <p:cNvSpPr>
+            <a:spLocks noGrp="1"/>
+          </p:cNvSpPr>
+          <p:nvPr>
+            <p:ph type="title"/>
+          </p:nvPr>
+        </p:nvSpPr>
+        <p:spPr/>
+        <p:txBody>
+          <a:bodyPr/>
+          <a:p>
+            <a:r>
+              <a:rPr lang="en-US" altLang="zh-CN"/>
+              <a:t>Packages</a:t>
+            </a:r>
+            <a:endParaRPr lang="en-US" altLang="zh-CN"/>
+          </a:p>
+        </p:txBody>
+      </p:sp>
+      <p:sp>
+        <p:nvSpPr>
+          <p:cNvPr id="5" name="文本占位符 4"/>
+          <p:cNvSpPr>
+            <a:spLocks noGrp="1"/>
+          </p:cNvSpPr>
+          <p:nvPr>
+            <p:ph type="body" idx="1"/>
+          </p:nvPr>
+        </p:nvSpPr>
+        <p:spPr/>
+        <p:txBody>
+          <a:bodyPr/>
+          <a:p>
+            <a:endParaRPr lang="zh-CN" altLang="en-US"/>
+          </a:p>
+        </p:txBody>
+      </p:sp>
+    </p:spTree>
+  </p:cSld>
+  <p:clrMapOvr>
+    <a:masterClrMapping/>
+  </p:clrMapOvr>
+</p:sld>
+</file>
+
+<file path=ppt/slides/slide28.xml><?xml version="1.0" encoding="utf-8"?>
+<p:sld xmlns:a="http://schemas.openxmlformats.org/drawingml/2006/main" xmlns:r="http://schemas.openxmlformats.org/officeDocument/2006/relationships" xmlns:p="http://schemas.openxmlformats.org/presentationml/2006/main">
+  <p:cSld>
+    <p:spTree>
+      <p:nvGrpSpPr>
+        <p:cNvPr id="1" name=""/>
+        <p:cNvGrpSpPr/>
+        <p:nvPr/>
+      </p:nvGrpSpPr>
+      <p:grpSpPr/>
+      <p:sp>
+        <p:nvSpPr>
           <p:cNvPr id="2" name="标题 1"/>
           <p:cNvSpPr>
             <a:spLocks noGrp="1"/>
@@ -11402,7 +7956,7 @@
           <a:p>
             <a:r>
               <a:rPr lang="en-US" altLang="zh-CN"/>
-              <a:t>Audio</a:t>
+              <a:t>Web</a:t>
             </a:r>
             <a:endParaRPr lang="en-US" altLang="zh-CN"/>
           </a:p>
@@ -11421,168 +7975,3526 @@
         <p:spPr>
           <a:xfrm>
             <a:off x="838200" y="1211580"/>
-            <a:ext cx="5418455" cy="5357495"/>
+            <a:ext cx="5753100" cy="1971040"/>
           </a:xfrm>
         </p:spPr>
         <p:txBody>
           <a:bodyPr>
-            <a:normAutofit lnSpcReduction="10000"/>
+            <a:normAutofit fontScale="90000"/>
           </a:bodyPr>
           <a:p>
             <a:r>
+              <a:rPr lang="en-US" altLang="zh-CN"/>
+              <a:t>requests</a:t>
+            </a:r>
+            <a:endParaRPr lang="en-US" altLang="zh-CN"/>
+          </a:p>
+          <a:p>
+            <a:pPr lvl="1">
+              <a:buFont typeface="Wingdings" panose="05000000000000000000" pitchFamily="2" charset="2"/>
+              <a:buChar char=""/>
+            </a:pPr>
+            <a:r>
+              <a:rPr lang="en-US" altLang="zh-CN"/>
+              <a:t>https://2.python-requests.org/en/master/user/quickstart/#make-a-request</a:t>
+            </a:r>
+            <a:endParaRPr lang="en-US" altLang="zh-CN"/>
+          </a:p>
+          <a:p>
+            <a:pPr lvl="1">
+              <a:buFont typeface="Wingdings" panose="05000000000000000000" pitchFamily="2" charset="2"/>
+              <a:buChar char=""/>
+            </a:pPr>
+            <a:r>
+              <a:rPr lang="en-US" altLang="zh-CN"/>
+              <a:t>pip install requests</a:t>
+            </a:r>
+            <a:endParaRPr lang="en-US" altLang="zh-CN"/>
+          </a:p>
+          <a:p>
+            <a:pPr lvl="1">
+              <a:buFont typeface="Wingdings" panose="05000000000000000000" pitchFamily="2" charset="2"/>
+              <a:buChar char=""/>
+            </a:pPr>
+            <a:r>
+              <a:rPr lang="en-US" altLang="zh-CN"/>
+              <a:t>requests.code.ok</a:t>
+            </a:r>
+            <a:endParaRPr lang="en-US" altLang="zh-CN"/>
+          </a:p>
+        </p:txBody>
+      </p:sp>
+      <p:sp>
+        <p:nvSpPr>
+          <p:cNvPr id="4" name="文本框 3"/>
+          <p:cNvSpPr txBox="1"/>
+          <p:nvPr/>
+        </p:nvSpPr>
+        <p:spPr>
+          <a:xfrm>
+            <a:off x="6736080" y="914400"/>
+            <a:ext cx="5139055" cy="4284980"/>
+          </a:xfrm>
+          <a:prstGeom prst="rect">
+            <a:avLst/>
+          </a:prstGeom>
+          <a:noFill/>
+          <a:ln>
+            <a:solidFill>
+              <a:srgbClr val="FFC000"/>
+            </a:solidFill>
+          </a:ln>
+        </p:spPr>
+        <p:txBody>
+          <a:bodyPr wrap="square" rtlCol="0">
+            <a:spAutoFit/>
+          </a:bodyPr>
+          <a:p>
+            <a:pPr>
+              <a:lnSpc>
+                <a:spcPct val="130000"/>
+              </a:lnSpc>
+            </a:pPr>
+            <a:r>
+              <a:rPr lang="en-US" altLang="zh-CN" sz="1400" dirty="0" smtClean="0">
+                <a:latin typeface="Arial" panose="020B0604020202020204" pitchFamily="34" charset="0"/>
+                <a:ea typeface="微软雅黑" panose="020B0503020204020204" charset="-122"/>
+              </a:rPr>
+              <a:t>import requests</a:t>
+            </a:r>
+            <a:endParaRPr lang="en-US" altLang="zh-CN" sz="1400" dirty="0" smtClean="0">
+              <a:latin typeface="Arial" panose="020B0604020202020204" pitchFamily="34" charset="0"/>
+              <a:ea typeface="微软雅黑" panose="020B0503020204020204" charset="-122"/>
+            </a:endParaRPr>
+          </a:p>
+          <a:p>
+            <a:pPr>
+              <a:lnSpc>
+                <a:spcPct val="130000"/>
+              </a:lnSpc>
+            </a:pPr>
+            <a:r>
+              <a:rPr lang="en-US" altLang="zh-CN" sz="1400" dirty="0" smtClean="0">
+                <a:latin typeface="Arial" panose="020B0604020202020204" pitchFamily="34" charset="0"/>
+                <a:ea typeface="微软雅黑" panose="020B0503020204020204" charset="-122"/>
+              </a:rPr>
+              <a:t>headers={'user-agent': 'myapp/1.0.0'}</a:t>
+            </a:r>
+            <a:endParaRPr lang="en-US" altLang="zh-CN" sz="1400" dirty="0" smtClean="0">
+              <a:latin typeface="Arial" panose="020B0604020202020204" pitchFamily="34" charset="0"/>
+              <a:ea typeface="微软雅黑" panose="020B0503020204020204" charset="-122"/>
+            </a:endParaRPr>
+          </a:p>
+          <a:p>
+            <a:pPr>
+              <a:lnSpc>
+                <a:spcPct val="130000"/>
+              </a:lnSpc>
+            </a:pPr>
+            <a:r>
+              <a:rPr lang="en-US" altLang="zh-CN" sz="1400" dirty="0" smtClean="0">
+                <a:latin typeface="Arial" panose="020B0604020202020204" pitchFamily="34" charset="0"/>
+                <a:ea typeface="微软雅黑" panose="020B0503020204020204" charset="-122"/>
+              </a:rPr>
+              <a:t>cookies=dict(cookies-are='working')</a:t>
+            </a:r>
+            <a:endParaRPr lang="en-US" altLang="zh-CN" sz="1400" dirty="0" smtClean="0">
+              <a:latin typeface="Arial" panose="020B0604020202020204" pitchFamily="34" charset="0"/>
+              <a:ea typeface="微软雅黑" panose="020B0503020204020204" charset="-122"/>
+            </a:endParaRPr>
+          </a:p>
+          <a:p>
+            <a:pPr>
+              <a:lnSpc>
+                <a:spcPct val="130000"/>
+              </a:lnSpc>
+            </a:pPr>
+            <a:r>
+              <a:rPr lang="en-US" altLang="zh-CN" sz="1400" dirty="0" smtClean="0">
+                <a:latin typeface="Arial" panose="020B0604020202020204" pitchFamily="34" charset="0"/>
+                <a:ea typeface="微软雅黑" panose="020B0503020204020204" charset="-122"/>
+              </a:rPr>
+              <a:t>payload = {'key1': 'value1', 'key2': 'value2}</a:t>
+            </a:r>
+            <a:endParaRPr lang="en-US" altLang="zh-CN" sz="1400" dirty="0" smtClean="0">
+              <a:latin typeface="Arial" panose="020B0604020202020204" pitchFamily="34" charset="0"/>
+              <a:ea typeface="微软雅黑" panose="020B0503020204020204" charset="-122"/>
+            </a:endParaRPr>
+          </a:p>
+          <a:p>
+            <a:pPr>
+              <a:lnSpc>
+                <a:spcPct val="130000"/>
+              </a:lnSpc>
+            </a:pPr>
+            <a:r>
+              <a:rPr lang="en-US" altLang="zh-CN" sz="1400" dirty="0" smtClean="0">
+                <a:latin typeface="Arial" panose="020B0604020202020204" pitchFamily="34" charset="0"/>
+                <a:ea typeface="微软雅黑" panose="020B0503020204020204" charset="-122"/>
+              </a:rPr>
+              <a:t>r = requests.get('http://www.baidu.com', headers=headers, cookies=cookies, params=payload)</a:t>
+            </a:r>
+            <a:endParaRPr lang="en-US" altLang="zh-CN" sz="1400" dirty="0" smtClean="0">
+              <a:latin typeface="Arial" panose="020B0604020202020204" pitchFamily="34" charset="0"/>
+              <a:ea typeface="微软雅黑" panose="020B0503020204020204" charset="-122"/>
+            </a:endParaRPr>
+          </a:p>
+          <a:p>
+            <a:pPr>
+              <a:lnSpc>
+                <a:spcPct val="130000"/>
+              </a:lnSpc>
+            </a:pPr>
+            <a:r>
+              <a:rPr lang="en-US" altLang="zh-CN" sz="1400" dirty="0" smtClean="0">
+                <a:latin typeface="Arial" panose="020B0604020202020204" pitchFamily="34" charset="0"/>
+                <a:ea typeface="微软雅黑" panose="020B0503020204020204" charset="-122"/>
+              </a:rPr>
+              <a:t>r.status_code/r.encoding/r.url/r.headers/r.text/r.json/r.raw</a:t>
+            </a:r>
+            <a:endParaRPr lang="en-US" altLang="zh-CN" sz="1400" dirty="0" smtClean="0">
+              <a:latin typeface="Arial" panose="020B0604020202020204" pitchFamily="34" charset="0"/>
+              <a:ea typeface="微软雅黑" panose="020B0503020204020204" charset="-122"/>
+            </a:endParaRPr>
+          </a:p>
+          <a:p>
+            <a:pPr>
+              <a:lnSpc>
+                <a:spcPct val="130000"/>
+              </a:lnSpc>
+            </a:pPr>
+            <a:r>
+              <a:rPr lang="en-US" altLang="zh-CN" sz="1400" dirty="0" smtClean="0">
+                <a:latin typeface="Arial" panose="020B0604020202020204" pitchFamily="34" charset="0"/>
+                <a:ea typeface="微软雅黑" panose="020B0503020204020204" charset="-122"/>
+                <a:sym typeface="+mn-ea"/>
+              </a:rPr>
+              <a:t>files = {'file': open('a.xls', rb)}</a:t>
+            </a:r>
+            <a:endParaRPr lang="en-US" altLang="zh-CN" sz="1400" dirty="0" smtClean="0">
+              <a:latin typeface="Arial" panose="020B0604020202020204" pitchFamily="34" charset="0"/>
+              <a:ea typeface="微软雅黑" panose="020B0503020204020204" charset="-122"/>
+            </a:endParaRPr>
+          </a:p>
+          <a:p>
+            <a:pPr>
+              <a:lnSpc>
+                <a:spcPct val="130000"/>
+              </a:lnSpc>
+            </a:pPr>
+            <a:r>
+              <a:rPr lang="en-US" altLang="zh-CN" sz="1400" dirty="0" smtClean="0">
+                <a:latin typeface="Arial" panose="020B0604020202020204" pitchFamily="34" charset="0"/>
+                <a:ea typeface="微软雅黑" panose="020B0503020204020204" charset="-122"/>
+              </a:rPr>
+              <a:t>r = requests.post('http://httpbin.org/post', data={'key': 'value'}, files=files) </a:t>
+            </a:r>
+            <a:endParaRPr lang="en-US" altLang="zh-CN" sz="1400" dirty="0" smtClean="0">
+              <a:latin typeface="Arial" panose="020B0604020202020204" pitchFamily="34" charset="0"/>
+              <a:ea typeface="微软雅黑" panose="020B0503020204020204" charset="-122"/>
+            </a:endParaRPr>
+          </a:p>
+          <a:p>
+            <a:pPr>
+              <a:lnSpc>
+                <a:spcPct val="130000"/>
+              </a:lnSpc>
+            </a:pPr>
+            <a:r>
+              <a:rPr lang="en-US" altLang="zh-CN" sz="1400" dirty="0" smtClean="0">
+                <a:latin typeface="Arial" panose="020B0604020202020204" pitchFamily="34" charset="0"/>
+                <a:ea typeface="微软雅黑" panose="020B0503020204020204" charset="-122"/>
+              </a:rPr>
+              <a:t># Basic authentication</a:t>
+            </a:r>
+            <a:endParaRPr lang="en-US" altLang="zh-CN" sz="1400" dirty="0" smtClean="0">
+              <a:latin typeface="Arial" panose="020B0604020202020204" pitchFamily="34" charset="0"/>
+              <a:ea typeface="微软雅黑" panose="020B0503020204020204" charset="-122"/>
+            </a:endParaRPr>
+          </a:p>
+          <a:p>
+            <a:pPr>
+              <a:lnSpc>
+                <a:spcPct val="130000"/>
+              </a:lnSpc>
+            </a:pPr>
+            <a:r>
+              <a:rPr lang="en-US" altLang="zh-CN" sz="1400" dirty="0" smtClean="0">
+                <a:latin typeface="Arial" panose="020B0604020202020204" pitchFamily="34" charset="0"/>
+                <a:ea typeface="微软雅黑" panose="020B0503020204020204" charset="-122"/>
+              </a:rPr>
+              <a:t>r = requests.get('https://api.github.com/user', auth=HTTPBasicAuth('user', 'pass'))</a:t>
+            </a:r>
+            <a:endParaRPr lang="en-US" altLang="zh-CN" sz="1400" dirty="0" smtClean="0">
+              <a:latin typeface="Arial" panose="020B0604020202020204" pitchFamily="34" charset="0"/>
+              <a:ea typeface="微软雅黑" panose="020B0503020204020204" charset="-122"/>
+            </a:endParaRPr>
+          </a:p>
+          <a:p>
+            <a:pPr>
+              <a:lnSpc>
+                <a:spcPct val="130000"/>
+              </a:lnSpc>
+            </a:pPr>
+            <a:r>
+              <a:rPr lang="en-US" altLang="zh-CN" sz="1400" dirty="0" smtClean="0">
+                <a:latin typeface="Arial" panose="020B0604020202020204" pitchFamily="34" charset="0"/>
+                <a:ea typeface="微软雅黑" panose="020B0503020204020204" charset="-122"/>
+              </a:rPr>
+              <a:t>r = requests.get('http://httpbin.org/digest-auth/auth/user/pass', auth=HTTPDigestAuth('user', 'pass'))</a:t>
+            </a:r>
+            <a:endParaRPr lang="en-US" altLang="zh-CN" sz="1400" dirty="0" smtClean="0">
+              <a:latin typeface="Arial" panose="020B0604020202020204" pitchFamily="34" charset="0"/>
+              <a:ea typeface="微软雅黑" panose="020B0503020204020204" charset="-122"/>
+            </a:endParaRPr>
+          </a:p>
+        </p:txBody>
+      </p:sp>
+      <p:sp>
+        <p:nvSpPr>
+          <p:cNvPr id="5" name="文本框 4"/>
+          <p:cNvSpPr txBox="1"/>
+          <p:nvPr/>
+        </p:nvSpPr>
+        <p:spPr>
+          <a:xfrm>
+            <a:off x="6736080" y="5405755"/>
+            <a:ext cx="3079115" cy="1489075"/>
+          </a:xfrm>
+          <a:prstGeom prst="rect">
+            <a:avLst/>
+          </a:prstGeom>
+          <a:noFill/>
+          <a:ln>
+            <a:solidFill>
+              <a:srgbClr val="FFC000"/>
+            </a:solidFill>
+          </a:ln>
+        </p:spPr>
+        <p:txBody>
+          <a:bodyPr wrap="none" rtlCol="0">
+            <a:spAutoFit/>
+          </a:bodyPr>
+          <a:p>
+            <a:pPr>
+              <a:lnSpc>
+                <a:spcPct val="130000"/>
+              </a:lnSpc>
+            </a:pPr>
+            <a:r>
+              <a:rPr lang="en-US" altLang="zh-CN" sz="1400" dirty="0" smtClean="0">
+                <a:latin typeface="Arial" panose="020B0604020202020204" pitchFamily="34" charset="0"/>
+                <a:ea typeface="微软雅黑" panose="020B0503020204020204" charset="-122"/>
+              </a:rPr>
+              <a:t>Post encoding types:</a:t>
+            </a:r>
+            <a:endParaRPr lang="en-US" altLang="zh-CN" sz="1400" dirty="0" smtClean="0">
+              <a:latin typeface="Arial" panose="020B0604020202020204" pitchFamily="34" charset="0"/>
+              <a:ea typeface="微软雅黑" panose="020B0503020204020204" charset="-122"/>
+            </a:endParaRPr>
+          </a:p>
+          <a:p>
+            <a:pPr>
+              <a:lnSpc>
+                <a:spcPct val="130000"/>
+              </a:lnSpc>
+            </a:pPr>
+            <a:r>
+              <a:rPr lang="en-US" altLang="zh-CN" sz="1400" dirty="0" smtClean="0">
+                <a:latin typeface="Arial" panose="020B0604020202020204" pitchFamily="34" charset="0"/>
+                <a:ea typeface="微软雅黑" panose="020B0503020204020204" charset="-122"/>
+              </a:rPr>
+              <a:t>- application/x-www-form-urlencoded</a:t>
+            </a:r>
+            <a:endParaRPr lang="en-US" altLang="zh-CN" sz="1400" dirty="0" smtClean="0">
+              <a:latin typeface="Arial" panose="020B0604020202020204" pitchFamily="34" charset="0"/>
+              <a:ea typeface="微软雅黑" panose="020B0503020204020204" charset="-122"/>
+            </a:endParaRPr>
+          </a:p>
+          <a:p>
+            <a:pPr>
+              <a:lnSpc>
+                <a:spcPct val="130000"/>
+              </a:lnSpc>
+            </a:pPr>
+            <a:r>
+              <a:rPr lang="en-US" altLang="zh-CN" sz="1400" dirty="0" smtClean="0">
+                <a:latin typeface="Arial" panose="020B0604020202020204" pitchFamily="34" charset="0"/>
+                <a:ea typeface="微软雅黑" panose="020B0503020204020204" charset="-122"/>
+              </a:rPr>
+              <a:t>- multipart/form-data</a:t>
+            </a:r>
+            <a:endParaRPr lang="en-US" altLang="zh-CN" sz="1400" dirty="0" smtClean="0">
+              <a:latin typeface="Arial" panose="020B0604020202020204" pitchFamily="34" charset="0"/>
+              <a:ea typeface="微软雅黑" panose="020B0503020204020204" charset="-122"/>
+            </a:endParaRPr>
+          </a:p>
+          <a:p>
+            <a:pPr>
+              <a:lnSpc>
+                <a:spcPct val="130000"/>
+              </a:lnSpc>
+            </a:pPr>
+            <a:r>
+              <a:rPr lang="en-US" altLang="zh-CN" sz="1400" dirty="0" smtClean="0">
+                <a:latin typeface="Arial" panose="020B0604020202020204" pitchFamily="34" charset="0"/>
+                <a:ea typeface="微软雅黑" panose="020B0503020204020204" charset="-122"/>
+              </a:rPr>
+              <a:t>- application/json</a:t>
+            </a:r>
+            <a:endParaRPr lang="en-US" altLang="zh-CN" sz="1400" dirty="0" smtClean="0">
+              <a:latin typeface="Arial" panose="020B0604020202020204" pitchFamily="34" charset="0"/>
+              <a:ea typeface="微软雅黑" panose="020B0503020204020204" charset="-122"/>
+            </a:endParaRPr>
+          </a:p>
+          <a:p>
+            <a:pPr>
+              <a:lnSpc>
+                <a:spcPct val="130000"/>
+              </a:lnSpc>
+            </a:pPr>
+            <a:r>
+              <a:rPr lang="en-US" altLang="zh-CN" sz="1400" dirty="0" smtClean="0">
+                <a:latin typeface="Arial" panose="020B0604020202020204" pitchFamily="34" charset="0"/>
+                <a:ea typeface="微软雅黑" panose="020B0503020204020204" charset="-122"/>
+              </a:rPr>
+              <a:t>- text/xml</a:t>
+            </a:r>
+            <a:endParaRPr lang="en-US" altLang="zh-CN" sz="1400" dirty="0" smtClean="0">
+              <a:latin typeface="Arial" panose="020B0604020202020204" pitchFamily="34" charset="0"/>
+              <a:ea typeface="微软雅黑" panose="020B0503020204020204" charset="-122"/>
+            </a:endParaRPr>
+          </a:p>
+        </p:txBody>
+      </p:sp>
+      <p:sp>
+        <p:nvSpPr>
+          <p:cNvPr id="7" name="矩形 6"/>
+          <p:cNvSpPr/>
+          <p:nvPr/>
+        </p:nvSpPr>
+        <p:spPr>
+          <a:xfrm>
+            <a:off x="745490" y="3368675"/>
+            <a:ext cx="3240405" cy="2660015"/>
+          </a:xfrm>
+          <a:prstGeom prst="rect">
+            <a:avLst/>
+          </a:prstGeom>
+        </p:spPr>
+        <p:style>
+          <a:lnRef idx="2">
+            <a:schemeClr val="accent1">
+              <a:shade val="50000"/>
+            </a:schemeClr>
+          </a:lnRef>
+          <a:fillRef idx="1">
+            <a:schemeClr val="accent1"/>
+          </a:fillRef>
+          <a:effectRef idx="0">
+            <a:schemeClr val="accent1"/>
+          </a:effectRef>
+          <a:fontRef idx="minor">
+            <a:schemeClr val="lt1"/>
+          </a:fontRef>
+        </p:style>
+        <p:txBody>
+          <a:bodyPr rtlCol="0" anchor="t" anchorCtr="0"/>
+          <a:p>
+            <a:pPr algn="l"/>
+            <a:r>
+              <a:rPr lang="en-US" altLang="zh-CN"/>
+              <a:t>- get(url, params=payload, headers={'user-agent': 'aaa'}, cookies=cookies, timeout=sec)</a:t>
+            </a:r>
+            <a:endParaRPr lang="en-US" altLang="zh-CN"/>
+          </a:p>
+          <a:p>
+            <a:pPr algn="l"/>
+            <a:r>
+              <a:rPr lang="en-US" altLang="zh-CN"/>
+              <a:t>- post(url, data={'key', 'value'})</a:t>
+            </a:r>
+            <a:endParaRPr lang="en-US" altLang="zh-CN"/>
+          </a:p>
+          <a:p>
+            <a:pPr algn="l"/>
+            <a:r>
+              <a:rPr lang="en-US" altLang="zh-CN"/>
+              <a:t>- post(url, files={'file': ('fn', open('fn', 'rb'))})</a:t>
+            </a:r>
+            <a:endParaRPr lang="en-US" altLang="zh-CN"/>
+          </a:p>
+          <a:p>
+            <a:pPr algn="l"/>
+            <a:r>
+              <a:rPr lang="en-US" altLang="zh-CN"/>
+              <a:t>- put(url, data={'key', 'value'})</a:t>
+            </a:r>
+            <a:endParaRPr lang="en-US" altLang="zh-CN"/>
+          </a:p>
+          <a:p>
+            <a:pPr algn="l"/>
+            <a:r>
+              <a:rPr lang="en-US" altLang="zh-CN"/>
+              <a:t>- head(url)</a:t>
+            </a:r>
+            <a:endParaRPr lang="en-US" altLang="zh-CN"/>
+          </a:p>
+          <a:p>
+            <a:pPr algn="l"/>
+            <a:r>
+              <a:rPr lang="en-US" altLang="zh-CN"/>
+              <a:t>- options(url)</a:t>
+            </a:r>
+            <a:endParaRPr lang="en-US" altLang="zh-CN"/>
+          </a:p>
+        </p:txBody>
+      </p:sp>
+      <p:sp>
+        <p:nvSpPr>
+          <p:cNvPr id="8" name="矩形 7"/>
+          <p:cNvSpPr/>
+          <p:nvPr/>
+        </p:nvSpPr>
+        <p:spPr>
+          <a:xfrm>
+            <a:off x="4080510" y="3368040"/>
+            <a:ext cx="2396490" cy="2842895"/>
+          </a:xfrm>
+          <a:prstGeom prst="rect">
+            <a:avLst/>
+          </a:prstGeom>
+        </p:spPr>
+        <p:style>
+          <a:lnRef idx="2">
+            <a:schemeClr val="accent1">
+              <a:shade val="50000"/>
+            </a:schemeClr>
+          </a:lnRef>
+          <a:fillRef idx="1">
+            <a:schemeClr val="accent1"/>
+          </a:fillRef>
+          <a:effectRef idx="0">
+            <a:schemeClr val="accent1"/>
+          </a:effectRef>
+          <a:fontRef idx="minor">
+            <a:schemeClr val="lt1"/>
+          </a:fontRef>
+        </p:style>
+        <p:txBody>
+          <a:bodyPr rtlCol="0" anchor="t" anchorCtr="0"/>
+          <a:p>
+            <a:pPr algn="l"/>
+            <a:r>
+              <a:rPr lang="en-US" altLang="zh-CN"/>
+              <a:t>- r.status_code</a:t>
+            </a:r>
+            <a:endParaRPr lang="en-US" altLang="zh-CN"/>
+          </a:p>
+          <a:p>
+            <a:pPr algn="l"/>
+            <a:r>
+              <a:rPr lang="en-US" altLang="zh-CN"/>
+              <a:t>- r.text</a:t>
+            </a:r>
+            <a:endParaRPr lang="en-US" altLang="zh-CN"/>
+          </a:p>
+          <a:p>
+            <a:pPr algn="l"/>
+            <a:r>
+              <a:rPr lang="en-US" altLang="zh-CN"/>
+              <a:t>- r.encoding</a:t>
+            </a:r>
+            <a:endParaRPr lang="en-US" altLang="zh-CN"/>
+          </a:p>
+          <a:p>
+            <a:pPr algn="l"/>
+            <a:r>
+              <a:rPr lang="en-US" altLang="zh-CN"/>
+              <a:t>- r.content</a:t>
+            </a:r>
+            <a:endParaRPr lang="en-US" altLang="zh-CN"/>
+          </a:p>
+          <a:p>
+            <a:pPr algn="l"/>
+            <a:r>
+              <a:rPr lang="en-US" altLang="zh-CN"/>
+              <a:t>- r.raw</a:t>
+            </a:r>
+            <a:endParaRPr lang="en-US" altLang="zh-CN"/>
+          </a:p>
+          <a:p>
+            <a:pPr algn="l"/>
+            <a:r>
+              <a:rPr lang="en-US" altLang="zh-CN"/>
+              <a:t>- r.headers</a:t>
+            </a:r>
+            <a:endParaRPr lang="en-US" altLang="zh-CN"/>
+          </a:p>
+          <a:p>
+            <a:pPr algn="l"/>
+            <a:r>
+              <a:rPr lang="en-US" altLang="zh-CN"/>
+              <a:t>- r.cookies</a:t>
+            </a:r>
+            <a:endParaRPr lang="en-US" altLang="zh-CN"/>
+          </a:p>
+          <a:p>
+            <a:pPr algn="l"/>
+            <a:r>
+              <a:rPr lang="en-US" altLang="zh-CN"/>
+              <a:t>- r.url</a:t>
+            </a:r>
+            <a:endParaRPr lang="en-US" altLang="zh-CN"/>
+          </a:p>
+          <a:p>
+            <a:pPr algn="l"/>
+            <a:r>
+              <a:rPr lang="en-US" altLang="zh-CN"/>
+              <a:t>- r.history</a:t>
+            </a:r>
+            <a:endParaRPr lang="en-US" altLang="zh-CN"/>
+          </a:p>
+          <a:p>
+            <a:pPr algn="l"/>
+            <a:r>
+              <a:rPr lang="en-US" altLang="zh-CN"/>
+              <a:t>- r.json()</a:t>
+            </a:r>
+            <a:endParaRPr lang="en-US" altLang="zh-CN"/>
+          </a:p>
+        </p:txBody>
+      </p:sp>
+    </p:spTree>
+  </p:cSld>
+  <p:clrMapOvr>
+    <a:masterClrMapping/>
+  </p:clrMapOvr>
+</p:sld>
+</file>
+
+<file path=ppt/slides/slide29.xml><?xml version="1.0" encoding="utf-8"?>
+<p:sld xmlns:a="http://schemas.openxmlformats.org/drawingml/2006/main" xmlns:r="http://schemas.openxmlformats.org/officeDocument/2006/relationships" xmlns:p="http://schemas.openxmlformats.org/presentationml/2006/main">
+  <p:cSld>
+    <p:spTree>
+      <p:nvGrpSpPr>
+        <p:cNvPr id="1" name=""/>
+        <p:cNvGrpSpPr/>
+        <p:nvPr/>
+      </p:nvGrpSpPr>
+      <p:grpSpPr/>
+      <p:sp>
+        <p:nvSpPr>
+          <p:cNvPr id="2" name="标题 1"/>
+          <p:cNvSpPr>
+            <a:spLocks noGrp="1"/>
+          </p:cNvSpPr>
+          <p:nvPr>
+            <p:ph type="title"/>
+          </p:nvPr>
+        </p:nvSpPr>
+        <p:spPr/>
+        <p:txBody>
+          <a:bodyPr/>
+          <a:p>
+            <a:r>
+              <a:rPr lang="en-US" altLang="zh-CN"/>
+              <a:t>NumPy 1/2</a:t>
+            </a:r>
+            <a:endParaRPr lang="en-US" altLang="zh-CN"/>
+          </a:p>
+        </p:txBody>
+      </p:sp>
+      <p:sp>
+        <p:nvSpPr>
+          <p:cNvPr id="3" name="内容占位符 2"/>
+          <p:cNvSpPr>
+            <a:spLocks noGrp="1"/>
+          </p:cNvSpPr>
+          <p:nvPr>
+            <p:ph idx="1"/>
+          </p:nvPr>
+        </p:nvSpPr>
+        <p:spPr/>
+        <p:txBody>
+          <a:bodyPr>
+            <a:normAutofit fontScale="70000"/>
+          </a:bodyPr>
+          <a:p>
+            <a:r>
+              <a:rPr lang="en-US" altLang="zh-CN"/>
+              <a:t>import numpy as np</a:t>
+            </a:r>
+            <a:endParaRPr lang="en-US" altLang="zh-CN"/>
+          </a:p>
+          <a:p>
+            <a:r>
+              <a:rPr lang="en-US" altLang="zh-CN"/>
+              <a:t>array</a:t>
+            </a:r>
+            <a:endParaRPr lang="en-US" altLang="zh-CN"/>
+          </a:p>
+          <a:p>
+            <a:r>
+              <a:rPr lang="en-US" altLang="zh-CN"/>
+              <a:t>np.genfromtxt('filename', delimiter=',', usecolos=(), dtype=str)</a:t>
+            </a:r>
+            <a:endParaRPr lang="en-US" altLang="zh-CN"/>
+          </a:p>
+          <a:p>
+            <a:r>
+              <a:rPr lang="en-US" altLang="zh-CN"/>
+              <a:t>np.zeros()/np.ones()/np.empty()/np.identity()/np.matrix(arr), np.isnan()</a:t>
+            </a:r>
+            <a:endParaRPr lang="en-US" altLang="zh-CN"/>
+          </a:p>
+          <a:p>
+            <a:r>
+              <a:rPr lang="en-US" altLang="zh-CN"/>
+              <a:t>np.random.randn(count), np.random.randint(low, high, size)</a:t>
+            </a:r>
+            <a:endParaRPr lang="en-US" altLang="zh-CN"/>
+          </a:p>
+          <a:p>
+            <a:r>
+              <a:rPr lang="en-US" altLang="zh-CN"/>
+              <a:t>np.sum(arr), np.mean(arr), np.std(arr), np.var(arr), np.min(arr), np.max(arr), np.argmin(arr), np.argmax(arr)</a:t>
+            </a:r>
+            <a:endParaRPr lang="en-US" altLang="zh-CN"/>
+          </a:p>
+          <a:p>
+            <a:r>
+              <a:rPr lang="en-US" altLang="zh-CN"/>
+              <a:t>np.dot(arr1, arr2)</a:t>
+            </a:r>
+            <a:endParaRPr lang="en-US" altLang="zh-CN"/>
+          </a:p>
+          <a:p>
+            <a:r>
+              <a:rPr lang="en-US" altLang="zh-CN"/>
+              <a:t>np.c_(arr1, arr2)	// Concatenate two arrays</a:t>
+            </a:r>
+            <a:endParaRPr lang="en-US" altLang="zh-CN"/>
+          </a:p>
+          <a:p>
+            <a:r>
+              <a:rPr lang="en-US" altLang="zh-CN"/>
+              <a:t>np.reshape()</a:t>
+            </a:r>
+            <a:endParaRPr lang="en-US" altLang="zh-CN"/>
+          </a:p>
+          <a:p>
+            <a:r>
+              <a:rPr lang="en-US" altLang="zh-CN" sz="2400">
+                <a:sym typeface="+mn-ea"/>
+              </a:rPr>
+              <a:t>Boolean arrays</a:t>
+            </a:r>
+            <a:endParaRPr lang="en-US" altLang="zh-CN" sz="2400"/>
+          </a:p>
+          <a:p>
+            <a:pPr lvl="1">
+              <a:buFont typeface="Wingdings" panose="05000000000000000000" pitchFamily="2" charset="2"/>
+              <a:buChar char=""/>
+            </a:pPr>
+            <a:r>
+              <a:rPr lang="en-US" altLang="zh-CN" sz="2400">
+                <a:sym typeface="+mn-ea"/>
+              </a:rPr>
+              <a:t>arr.any(), arr.all()</a:t>
+            </a:r>
+            <a:endParaRPr lang="en-US" altLang="zh-CN" sz="2400"/>
+          </a:p>
+          <a:p>
+            <a:pPr lvl="0">
+              <a:buFont typeface="Wingdings" panose="05000000000000000000" pitchFamily="2" charset="2"/>
+              <a:buChar char=""/>
+            </a:pPr>
+            <a:r>
+              <a:rPr lang="en-US" altLang="zh-CN" sz="2400">
+                <a:sym typeface="+mn-ea"/>
+              </a:rPr>
+              <a:t>Set operation</a:t>
+            </a:r>
+            <a:endParaRPr lang="en-US" altLang="zh-CN" sz="2400"/>
+          </a:p>
+          <a:p>
+            <a:pPr lvl="1">
+              <a:buFont typeface="Wingdings" panose="05000000000000000000" pitchFamily="2" charset="2"/>
+              <a:buChar char=""/>
+            </a:pPr>
+            <a:r>
+              <a:rPr lang="en-US" altLang="zh-CN" sz="2400">
+                <a:sym typeface="+mn-ea"/>
+              </a:rPr>
+              <a:t>arr.sort(), np.unique(arr), np.intersect1d(arr1, arr2), np.union1d(arr1, arr2),np.split(arr, separator_arr, axis)</a:t>
+            </a:r>
+            <a:endParaRPr lang="en-US" altLang="zh-CN"/>
+          </a:p>
+        </p:txBody>
+      </p:sp>
+    </p:spTree>
+  </p:cSld>
+  <p:clrMapOvr>
+    <a:masterClrMapping/>
+  </p:clrMapOvr>
+</p:sld>
+</file>
+
+<file path=ppt/slides/slide3.xml><?xml version="1.0" encoding="utf-8"?>
+<p:sld xmlns:a="http://schemas.openxmlformats.org/drawingml/2006/main" xmlns:r="http://schemas.openxmlformats.org/officeDocument/2006/relationships" xmlns:p="http://schemas.openxmlformats.org/presentationml/2006/main">
+  <p:cSld>
+    <p:spTree>
+      <p:nvGrpSpPr>
+        <p:cNvPr id="1" name=""/>
+        <p:cNvGrpSpPr/>
+        <p:nvPr/>
+      </p:nvGrpSpPr>
+      <p:grpSpPr/>
+      <p:sp>
+        <p:nvSpPr>
+          <p:cNvPr id="2" name="标题 1"/>
+          <p:cNvSpPr>
+            <a:spLocks noGrp="1"/>
+          </p:cNvSpPr>
+          <p:nvPr>
+            <p:ph type="title"/>
+          </p:nvPr>
+        </p:nvSpPr>
+        <p:spPr/>
+        <p:txBody>
+          <a:bodyPr/>
+          <a:p>
+            <a:r>
+              <a:rPr lang="en-US" altLang="zh-CN"/>
+              <a:t>Basic 1/2</a:t>
+            </a:r>
+            <a:endParaRPr lang="en-US" altLang="zh-CN"/>
+          </a:p>
+        </p:txBody>
+      </p:sp>
+      <p:sp>
+        <p:nvSpPr>
+          <p:cNvPr id="3" name="内容占位符 2"/>
+          <p:cNvSpPr>
+            <a:spLocks noGrp="1"/>
+          </p:cNvSpPr>
+          <p:nvPr>
+            <p:ph idx="1"/>
+          </p:nvPr>
+        </p:nvSpPr>
+        <p:spPr>
+          <a:xfrm>
+            <a:off x="838200" y="1211580"/>
+            <a:ext cx="10515600" cy="4942840"/>
+          </a:xfrm>
+        </p:spPr>
+        <p:txBody>
+          <a:bodyPr>
+            <a:normAutofit fontScale="70000"/>
+          </a:bodyPr>
+          <a:p>
+            <a:r>
+              <a:rPr lang="en-US" altLang="zh-CN"/>
+              <a:t>dir(object), help(object.method), type(object), isinstance(obj, class)</a:t>
+            </a:r>
+            <a:endParaRPr lang="zh-CN" altLang="en-US"/>
+          </a:p>
+          <a:p>
+            <a:r>
+              <a:rPr lang="en-US" altLang="zh-CN"/>
+              <a:t>Debug</a:t>
+            </a:r>
+            <a:endParaRPr lang="en-US" altLang="zh-CN"/>
+          </a:p>
+          <a:p>
+            <a:pPr lvl="1" algn="just">
+              <a:buFont typeface="Wingdings" panose="05000000000000000000" pitchFamily="2" charset="2"/>
+              <a:buChar char="l"/>
+            </a:pPr>
+            <a:r>
+              <a:rPr lang="en-US" altLang="zh-CN" sz="2000"/>
+              <a:t>python -m pdb a.py</a:t>
+            </a:r>
+            <a:endParaRPr lang="en-US" altLang="zh-CN" sz="2000"/>
+          </a:p>
+          <a:p>
+            <a:r>
+              <a:rPr lang="en-US" altLang="zh-CN"/>
+              <a:t>Documentation</a:t>
+            </a:r>
+            <a:endParaRPr lang="en-US" altLang="zh-CN"/>
+          </a:p>
+          <a:p>
+            <a:pPr lvl="1">
+              <a:buFont typeface="Wingdings" panose="05000000000000000000" pitchFamily="2" charset="2"/>
+              <a:buChar char="l"/>
+            </a:pPr>
+            <a:r>
+              <a:rPr lang="en-US" altLang="zh-CN" sz="2000"/>
+              <a:t>pep257 tool</a:t>
+            </a:r>
+            <a:endParaRPr lang="en-US" altLang="zh-CN" sz="2000"/>
+          </a:p>
+          <a:p>
+            <a:r>
+              <a:rPr lang="en-US" altLang="zh-CN"/>
+              <a:t>Test</a:t>
+            </a:r>
+            <a:endParaRPr lang="en-US" altLang="zh-CN"/>
+          </a:p>
+          <a:p>
+            <a:pPr lvl="1">
+              <a:buFont typeface="Wingdings" panose="05000000000000000000" pitchFamily="2" charset="2"/>
+              <a:buChar char="l"/>
+            </a:pPr>
+            <a:r>
+              <a:rPr lang="en-US" altLang="zh-CN" sz="2000"/>
+              <a:t>assert expression, error_argument</a:t>
+            </a:r>
+            <a:endParaRPr lang="en-US" altLang="zh-CN" sz="2000"/>
+          </a:p>
+          <a:p>
+            <a:pPr lvl="1">
+              <a:buFont typeface="Wingdings" panose="05000000000000000000" pitchFamily="2" charset="2"/>
+              <a:buChar char="l"/>
+            </a:pPr>
+            <a:r>
+              <a:rPr lang="en-US" altLang="zh-CN" sz="2000"/>
+              <a:t>Testing framework: py.test</a:t>
+            </a:r>
+            <a:endParaRPr lang="en-US" altLang="zh-CN" sz="2000"/>
+          </a:p>
+          <a:p>
+            <a:pPr lvl="1">
+              <a:buFont typeface="Wingdings" panose="05000000000000000000" pitchFamily="2" charset="2"/>
+              <a:buChar char="l"/>
+            </a:pPr>
+            <a:r>
+              <a:rPr lang="en-US" altLang="zh-CN" sz="2000"/>
+              <a:t>coverage</a:t>
+            </a:r>
+            <a:endParaRPr lang="en-US" altLang="zh-CN" sz="2000"/>
+          </a:p>
+          <a:p>
+            <a:r>
+              <a:rPr lang="en-US" altLang="zh-CN"/>
+              <a:t>Log</a:t>
+            </a:r>
+            <a:endParaRPr lang="en-US" altLang="zh-CN"/>
+          </a:p>
+          <a:p>
+            <a:pPr lvl="1">
+              <a:buFont typeface="Wingdings" panose="05000000000000000000" pitchFamily="2" charset="2"/>
+              <a:buChar char=""/>
+            </a:pPr>
+            <a:r>
+              <a:rPr lang="en-US" altLang="zh-CN" sz="2000"/>
+              <a:t>import logging</a:t>
+            </a:r>
+            <a:endParaRPr lang="en-US" altLang="zh-CN" sz="2000"/>
+          </a:p>
+          <a:p>
+            <a:r>
+              <a:rPr lang="en-US" altLang="zh-CN"/>
+              <a:t>Profile</a:t>
+            </a:r>
+            <a:endParaRPr lang="en-US" altLang="zh-CN"/>
+          </a:p>
+          <a:p>
+            <a:pPr lvl="1">
+              <a:buFont typeface="Wingdings" panose="05000000000000000000" pitchFamily="2" charset="2"/>
+              <a:buChar char=""/>
+            </a:pPr>
+            <a:r>
+              <a:rPr lang="en-US" altLang="zh-CN"/>
+              <a:t>python -m cProfile -s time a.py</a:t>
+            </a:r>
+            <a:endParaRPr lang="en-US" altLang="zh-CN"/>
+          </a:p>
+          <a:p>
+            <a:pPr lvl="1">
+              <a:buFont typeface="Wingdings" panose="05000000000000000000" pitchFamily="2" charset="2"/>
+              <a:buChar char=""/>
+            </a:pPr>
+            <a:r>
+              <a:rPr lang="en-US" altLang="zh-CN"/>
+              <a:t>%timeit (in iPython)</a:t>
+            </a:r>
+            <a:endParaRPr lang="en-US" altLang="zh-CN"/>
+          </a:p>
+          <a:p>
+            <a:pPr lvl="0">
+              <a:buFont typeface="Wingdings" panose="05000000000000000000" pitchFamily="2" charset="2"/>
+              <a:buChar char=""/>
+            </a:pPr>
+            <a:r>
+              <a:rPr lang="en-US" altLang="zh-CN"/>
+              <a:t>File encoding</a:t>
+            </a:r>
+            <a:endParaRPr lang="en-US" altLang="zh-CN"/>
+          </a:p>
+          <a:p>
+            <a:pPr lvl="1">
+              <a:buFont typeface="Wingdings" panose="05000000000000000000" pitchFamily="2" charset="2"/>
+              <a:buChar char=""/>
+            </a:pPr>
+            <a:r>
+              <a:rPr lang="en-US" altLang="zh-CN"/>
+              <a:t># -*- coding: &lt;encoding name&gt; -*-</a:t>
+            </a:r>
+            <a:endParaRPr lang="en-US" altLang="zh-CN"/>
+          </a:p>
+        </p:txBody>
+      </p:sp>
+      <p:sp>
+        <p:nvSpPr>
+          <p:cNvPr id="5" name="文本框 4"/>
+          <p:cNvSpPr txBox="1"/>
+          <p:nvPr/>
+        </p:nvSpPr>
+        <p:spPr>
+          <a:xfrm>
+            <a:off x="7701280" y="2055495"/>
+            <a:ext cx="3265805" cy="1209675"/>
+          </a:xfrm>
+          <a:prstGeom prst="rect">
+            <a:avLst/>
+          </a:prstGeom>
+          <a:noFill/>
+          <a:ln w="12700" cmpd="sng">
+            <a:solidFill>
+              <a:schemeClr val="accent1">
+                <a:shade val="50000"/>
+              </a:schemeClr>
+            </a:solidFill>
+            <a:prstDash val="solid"/>
+          </a:ln>
+        </p:spPr>
+        <p:txBody>
+          <a:bodyPr wrap="none" rtlCol="0">
+            <a:spAutoFit/>
+          </a:bodyPr>
+          <a:p>
+            <a:pPr>
+              <a:lnSpc>
+                <a:spcPct val="130000"/>
+              </a:lnSpc>
+            </a:pPr>
+            <a:r>
+              <a:rPr lang="en-US" altLang="zh-CN" sz="1400" dirty="0" smtClean="0">
+                <a:latin typeface="Arial" panose="020B0604020202020204" pitchFamily="34" charset="0"/>
+                <a:ea typeface="微软雅黑" panose="020B0503020204020204" charset="-122"/>
+              </a:rPr>
+              <a:t>import logging</a:t>
+            </a:r>
+            <a:endParaRPr lang="en-US" altLang="zh-CN" sz="1400" dirty="0" smtClean="0">
+              <a:latin typeface="Arial" panose="020B0604020202020204" pitchFamily="34" charset="0"/>
+              <a:ea typeface="微软雅黑" panose="020B0503020204020204" charset="-122"/>
+            </a:endParaRPr>
+          </a:p>
+          <a:p>
+            <a:pPr>
+              <a:lnSpc>
+                <a:spcPct val="130000"/>
+              </a:lnSpc>
+            </a:pPr>
+            <a:r>
+              <a:rPr lang="en-US" altLang="zh-CN" sz="1400" dirty="0" smtClean="0">
+                <a:latin typeface="Arial" panose="020B0604020202020204" pitchFamily="34" charset="0"/>
+                <a:ea typeface="微软雅黑" panose="020B0503020204020204" charset="-122"/>
+              </a:rPr>
+              <a:t>logger = logging.getLogger(__name__)</a:t>
+            </a:r>
+            <a:endParaRPr lang="en-US" altLang="zh-CN" sz="1400" dirty="0" smtClean="0">
+              <a:latin typeface="Arial" panose="020B0604020202020204" pitchFamily="34" charset="0"/>
+              <a:ea typeface="微软雅黑" panose="020B0503020204020204" charset="-122"/>
+            </a:endParaRPr>
+          </a:p>
+          <a:p>
+            <a:pPr>
+              <a:lnSpc>
+                <a:spcPct val="130000"/>
+              </a:lnSpc>
+            </a:pPr>
+            <a:r>
+              <a:rPr lang="en-US" altLang="zh-CN" sz="1400" dirty="0" smtClean="0">
+                <a:latin typeface="Arial" panose="020B0604020202020204" pitchFamily="34" charset="0"/>
+                <a:ea typeface="微软雅黑" panose="020B0503020204020204" charset="-122"/>
+              </a:rPr>
+              <a:t>logger.setLevel(logging.INFO)</a:t>
+            </a:r>
+            <a:endParaRPr lang="en-US" altLang="zh-CN" sz="1400" dirty="0" smtClean="0">
+              <a:latin typeface="Arial" panose="020B0604020202020204" pitchFamily="34" charset="0"/>
+              <a:ea typeface="微软雅黑" panose="020B0503020204020204" charset="-122"/>
+            </a:endParaRPr>
+          </a:p>
+          <a:p>
+            <a:pPr>
+              <a:lnSpc>
+                <a:spcPct val="130000"/>
+              </a:lnSpc>
+            </a:pPr>
+            <a:r>
+              <a:rPr lang="en-US" altLang="zh-CN" sz="1400" dirty="0" smtClean="0">
+                <a:latin typeface="Arial" panose="020B0604020202020204" pitchFamily="34" charset="0"/>
+                <a:ea typeface="微软雅黑" panose="020B0503020204020204" charset="-122"/>
+              </a:rPr>
+              <a:t>logger.info('timeout')</a:t>
+            </a:r>
+            <a:endParaRPr lang="en-US" altLang="zh-CN" sz="1400" dirty="0" smtClean="0">
+              <a:latin typeface="Arial" panose="020B0604020202020204" pitchFamily="34" charset="0"/>
+              <a:ea typeface="微软雅黑" panose="020B0503020204020204" charset="-122"/>
+            </a:endParaRPr>
+          </a:p>
+        </p:txBody>
+      </p:sp>
+    </p:spTree>
+  </p:cSld>
+  <p:clrMapOvr>
+    <a:masterClrMapping/>
+  </p:clrMapOvr>
+</p:sld>
+</file>
+
+<file path=ppt/slides/slide30.xml><?xml version="1.0" encoding="utf-8"?>
+<p:sld xmlns:a="http://schemas.openxmlformats.org/drawingml/2006/main" xmlns:r="http://schemas.openxmlformats.org/officeDocument/2006/relationships" xmlns:p="http://schemas.openxmlformats.org/presentationml/2006/main">
+  <p:cSld>
+    <p:spTree>
+      <p:nvGrpSpPr>
+        <p:cNvPr id="1" name=""/>
+        <p:cNvGrpSpPr/>
+        <p:nvPr/>
+      </p:nvGrpSpPr>
+      <p:grpSpPr/>
+      <p:sp>
+        <p:nvSpPr>
+          <p:cNvPr id="2" name="标题 1"/>
+          <p:cNvSpPr>
+            <a:spLocks noGrp="1"/>
+          </p:cNvSpPr>
+          <p:nvPr>
+            <p:ph type="title"/>
+          </p:nvPr>
+        </p:nvSpPr>
+        <p:spPr/>
+        <p:txBody>
+          <a:bodyPr/>
+          <a:p>
+            <a:r>
+              <a:rPr lang="en-US" altLang="zh-CN"/>
+              <a:t>NumPy 2/2</a:t>
+            </a:r>
+            <a:endParaRPr lang="en-US" altLang="zh-CN"/>
+          </a:p>
+        </p:txBody>
+      </p:sp>
+      <p:sp>
+        <p:nvSpPr>
+          <p:cNvPr id="3" name="内容占位符 2"/>
+          <p:cNvSpPr>
+            <a:spLocks noGrp="1"/>
+          </p:cNvSpPr>
+          <p:nvPr>
+            <p:ph idx="1"/>
+          </p:nvPr>
+        </p:nvSpPr>
+        <p:spPr>
+          <a:xfrm>
+            <a:off x="651510" y="1024710"/>
+            <a:ext cx="10858500" cy="5084543"/>
+          </a:xfrm>
+        </p:spPr>
+        <p:txBody>
+          <a:bodyPr>
+            <a:normAutofit fontScale="90000"/>
+          </a:bodyPr>
+          <a:p>
+            <a:endParaRPr lang="en-US" altLang="zh-CN"/>
+          </a:p>
+          <a:p>
+            <a:pPr lvl="0">
+              <a:buFont typeface="Wingdings" panose="05000000000000000000" pitchFamily="2" charset="2"/>
+              <a:buChar char=""/>
+            </a:pPr>
+            <a:r>
+              <a:rPr lang="en-US" altLang="zh-CN" sz="2880">
+                <a:sym typeface="+mn-ea"/>
+              </a:rPr>
+              <a:t>Element-wise array functions</a:t>
+            </a:r>
+            <a:endParaRPr lang="en-US" altLang="zh-CN" sz="2880"/>
+          </a:p>
+          <a:p>
+            <a:pPr lvl="1">
+              <a:buFont typeface="Wingdings" panose="05000000000000000000" pitchFamily="2" charset="2"/>
+              <a:buChar char=""/>
+            </a:pPr>
+            <a:r>
+              <a:rPr lang="en-US" altLang="zh-CN" sz="2400">
+                <a:sym typeface="+mn-ea"/>
+              </a:rPr>
+              <a:t>np.sqrt(arr), np.exp(arr), np.modf(arr), np.fabs(arr), np.sqrt(arr), np.square(arr), np.sign(arr), np.log(arr), np.ceil(arr), np.floor(arr), np.rint(arr), np.isnan(arr), np.sin(arr), np.cos(arr), np.tan(arr)</a:t>
+            </a:r>
+            <a:endParaRPr lang="en-US" altLang="zh-CN" sz="2400"/>
+          </a:p>
+          <a:p>
+            <a:pPr lvl="1">
+              <a:buFont typeface="Wingdings" panose="05000000000000000000" pitchFamily="2" charset="2"/>
+              <a:buChar char=""/>
+            </a:pPr>
+            <a:r>
+              <a:rPr lang="en-US" altLang="zh-CN" sz="2400">
+                <a:sym typeface="+mn-ea"/>
+              </a:rPr>
+              <a:t>np.maximum(arr1, arr2), np.add(arr1, arr2), np.subtract(arr1, arr2), np.multiply(arr1, arr2), np.divide(arr1, arr2), np.power(arr1, arr2), np.minimum(arr1, arr2), np.greater(arr1, arr2), np.less(arr1, arr2)</a:t>
+            </a:r>
+            <a:endParaRPr lang="en-US" altLang="zh-CN" sz="2400"/>
+          </a:p>
+          <a:p>
+            <a:pPr lvl="1">
+              <a:buFont typeface="Wingdings" panose="05000000000000000000" pitchFamily="2" charset="2"/>
+              <a:buChar char=""/>
+            </a:pPr>
+            <a:r>
+              <a:rPr lang="en-US" altLang="zh-CN" sz="2000"/>
+              <a:t>np.isin(x, list)</a:t>
+            </a:r>
+            <a:endParaRPr lang="en-US" altLang="zh-CN" sz="2000"/>
+          </a:p>
+          <a:p>
+            <a:pPr lvl="1">
+              <a:buFont typeface="Wingdings" panose="05000000000000000000" pitchFamily="2" charset="2"/>
+              <a:buChar char=""/>
+            </a:pPr>
+            <a:r>
+              <a:rPr lang="en-US" altLang="zh-CN"/>
+              <a:t>np.where(cond, x, y)</a:t>
+            </a:r>
+            <a:endParaRPr lang="en-US" altLang="zh-CN"/>
+          </a:p>
+        </p:txBody>
+      </p:sp>
+    </p:spTree>
+  </p:cSld>
+  <p:clrMapOvr>
+    <a:masterClrMapping/>
+  </p:clrMapOvr>
+</p:sld>
+</file>
+
+<file path=ppt/slides/slide31.xml><?xml version="1.0" encoding="utf-8"?>
+<p:sld xmlns:a="http://schemas.openxmlformats.org/drawingml/2006/main" xmlns:r="http://schemas.openxmlformats.org/officeDocument/2006/relationships" xmlns:p="http://schemas.openxmlformats.org/presentationml/2006/main">
+  <p:cSld>
+    <p:spTree>
+      <p:nvGrpSpPr>
+        <p:cNvPr id="1" name=""/>
+        <p:cNvGrpSpPr/>
+        <p:nvPr/>
+      </p:nvGrpSpPr>
+      <p:grpSpPr/>
+      <p:sp>
+        <p:nvSpPr>
+          <p:cNvPr id="2" name="标题 1"/>
+          <p:cNvSpPr>
+            <a:spLocks noGrp="1"/>
+          </p:cNvSpPr>
+          <p:nvPr>
+            <p:ph type="title"/>
+          </p:nvPr>
+        </p:nvSpPr>
+        <p:spPr/>
+        <p:txBody>
+          <a:bodyPr/>
+          <a:p>
+            <a:r>
+              <a:rPr lang="en-US" altLang="zh-CN"/>
+              <a:t>Pandas</a:t>
+            </a:r>
+            <a:endParaRPr lang="en-US" altLang="zh-CN"/>
+          </a:p>
+        </p:txBody>
+      </p:sp>
+      <p:sp>
+        <p:nvSpPr>
+          <p:cNvPr id="3" name="内容占位符 2"/>
+          <p:cNvSpPr>
+            <a:spLocks noGrp="1"/>
+          </p:cNvSpPr>
+          <p:nvPr>
+            <p:ph idx="1"/>
+          </p:nvPr>
+        </p:nvSpPr>
+        <p:spPr/>
+        <p:txBody>
+          <a:bodyPr>
+            <a:noAutofit/>
+          </a:bodyPr>
+          <a:p>
+            <a:r>
+              <a:rPr lang="en-US" altLang="zh-CN" sz="1400"/>
+              <a:t>Data analysis and manipulation library</a:t>
+            </a:r>
+            <a:endParaRPr lang="en-US" altLang="zh-CN" sz="1400"/>
+          </a:p>
+          <a:p>
+            <a:r>
+              <a:rPr lang="en-US" altLang="zh-CN" sz="1400"/>
+              <a:t>Data types</a:t>
+            </a:r>
+            <a:endParaRPr lang="en-US" altLang="zh-CN" sz="1400"/>
+          </a:p>
+          <a:p>
+            <a:pPr lvl="1">
+              <a:buFont typeface="Wingdings" panose="05000000000000000000" pitchFamily="2" charset="2"/>
+              <a:buChar char="l"/>
+            </a:pPr>
+            <a:r>
+              <a:rPr lang="en-US" altLang="zh-CN" sz="1200"/>
+              <a:t>pandas.Series (1D)</a:t>
+            </a:r>
+            <a:endParaRPr lang="en-US" altLang="zh-CN" sz="1200"/>
+          </a:p>
+          <a:p>
+            <a:pPr lvl="2">
+              <a:buFont typeface="Wingdings" panose="05000000000000000000" pitchFamily="2" charset="2"/>
+              <a:buChar char="l"/>
+            </a:pPr>
+            <a:r>
+              <a:rPr lang="en-US" altLang="zh-CN" sz="1020"/>
+              <a:t>unique(), value_counts(), is_in(list), isnull(), dropna(), fillna(), map(func)</a:t>
+            </a:r>
+            <a:endParaRPr lang="en-US" altLang="zh-CN" sz="1020"/>
+          </a:p>
+          <a:p>
+            <a:pPr lvl="2">
+              <a:buFont typeface="Wingdings" panose="05000000000000000000" pitchFamily="2" charset="2"/>
+              <a:buChar char="l"/>
+            </a:pPr>
+            <a:r>
+              <a:rPr lang="en-US" altLang="zh-CN" sz="1020"/>
+              <a:t>plot()</a:t>
+            </a:r>
+            <a:endParaRPr lang="en-US" altLang="zh-CN" sz="1020"/>
+          </a:p>
+          <a:p>
+            <a:pPr lvl="1">
+              <a:buFont typeface="Wingdings" panose="05000000000000000000" pitchFamily="2" charset="2"/>
+              <a:buChar char="l"/>
+            </a:pPr>
+            <a:r>
+              <a:rPr lang="en-US" altLang="zh-CN" sz="1200"/>
+              <a:t>pandas.DataFrame (2D)</a:t>
+            </a:r>
+            <a:endParaRPr lang="en-US" altLang="zh-CN" sz="1200"/>
+          </a:p>
+          <a:p>
+            <a:pPr lvl="2">
+              <a:buFont typeface="Wingdings" panose="05000000000000000000" pitchFamily="2" charset="2"/>
+              <a:buChar char="Ø"/>
+            </a:pPr>
+            <a:r>
+              <a:rPr lang="en-US" altLang="zh-CN" sz="1020"/>
+              <a:t>read_csv('a.csv', index_col=''), read_table('a.csv', sep=''), read_excel(), to_csv('a.csv')</a:t>
+            </a:r>
+            <a:endParaRPr lang="en-US" altLang="zh-CN" sz="1020"/>
+          </a:p>
+          <a:p>
+            <a:pPr lvl="2">
+              <a:buFont typeface="Wingdings" panose="05000000000000000000" pitchFamily="2" charset="2"/>
+              <a:buChar char="Ø"/>
+            </a:pPr>
+            <a:r>
+              <a:rPr lang="en-US" altLang="zh-CN" sz="1020"/>
+              <a:t>ExcelFile('a.xls') (xlrd/openpyxl), parse('sheetName')</a:t>
+            </a:r>
+            <a:endParaRPr lang="en-US" altLang="zh-CN" sz="1020"/>
+          </a:p>
+          <a:p>
+            <a:pPr lvl="2">
+              <a:buFont typeface="Wingdings" panose="05000000000000000000" pitchFamily="2" charset="2"/>
+              <a:buChar char="Ø"/>
+            </a:pPr>
+            <a:r>
+              <a:rPr lang="en-US" altLang="zh-CN" sz="1020"/>
+              <a:t>df.sum()/mean()/describe()/head()/drop_duplicates()/apply()/applymap()/astype()</a:t>
+            </a:r>
+            <a:endParaRPr lang="en-US" altLang="zh-CN" sz="1020"/>
+          </a:p>
+          <a:p>
+            <a:pPr lvl="2">
+              <a:buFont typeface="Wingdings" panose="05000000000000000000" pitchFamily="2" charset="2"/>
+              <a:buChar char="Ø"/>
+            </a:pPr>
+            <a:r>
+              <a:rPr lang="en-US" altLang="zh-CN" sz="1020"/>
+              <a:t>index, columns, loc(), iloc(), ix(), groupby('column').mean(), corr(), cov(), drop('columnName'), dropna(axis=, subset=)</a:t>
+            </a:r>
+            <a:endParaRPr lang="en-US" altLang="zh-CN" sz="1020"/>
+          </a:p>
+          <a:p>
+            <a:pPr lvl="2">
+              <a:buFont typeface="Wingdings" panose="05000000000000000000" pitchFamily="2" charset="2"/>
+              <a:buChar char="Ø"/>
+            </a:pPr>
+            <a:r>
+              <a:rPr lang="en-US" altLang="zh-CN" sz="1020"/>
+              <a:t>Can  be looked on as dictionary</a:t>
+            </a:r>
+            <a:endParaRPr lang="en-US" altLang="zh-CN" sz="1020"/>
+          </a:p>
+          <a:p>
+            <a:pPr lvl="2">
+              <a:buFont typeface="Wingdings" panose="05000000000000000000" pitchFamily="2" charset="2"/>
+              <a:buChar char="Ø"/>
+            </a:pPr>
+            <a:r>
+              <a:rPr lang="en-US" altLang="zh-CN" sz="1020"/>
+              <a:t>df.iloc[row_no]</a:t>
+            </a:r>
+            <a:endParaRPr lang="en-US" altLang="zh-CN" sz="1020"/>
+          </a:p>
+          <a:p>
+            <a:pPr lvl="1">
+              <a:buFont typeface="Wingdings" panose="05000000000000000000" pitchFamily="2" charset="2"/>
+              <a:buChar char="l"/>
+            </a:pPr>
+            <a:r>
+              <a:rPr lang="en-US" altLang="zh-CN" sz="1200"/>
+              <a:t>pandas.Panel</a:t>
+            </a:r>
+            <a:endParaRPr lang="en-US" altLang="zh-CN" sz="1200"/>
+          </a:p>
+          <a:p>
+            <a:pPr lvl="1">
+              <a:buFont typeface="Wingdings" panose="05000000000000000000" pitchFamily="2" charset="2"/>
+              <a:buChar char="l"/>
+            </a:pPr>
+            <a:r>
+              <a:rPr lang="en-US" altLang="zh-CN" sz="1200"/>
+              <a:t>pandas.Panel4D</a:t>
+            </a:r>
+            <a:endParaRPr lang="en-US" altLang="zh-CN" sz="1200"/>
+          </a:p>
+          <a:p>
+            <a:pPr lvl="0">
+              <a:buFont typeface="Wingdings" panose="05000000000000000000" pitchFamily="2" charset="2"/>
+              <a:buChar char="l"/>
+            </a:pPr>
+            <a:r>
+              <a:rPr lang="en-US" altLang="zh-CN" sz="1400"/>
+              <a:t>DB</a:t>
+            </a:r>
+            <a:endParaRPr lang="en-US" altLang="zh-CN" sz="1400"/>
+          </a:p>
+          <a:p>
+            <a:pPr lvl="1">
+              <a:buFont typeface="Wingdings" panose="05000000000000000000" pitchFamily="2" charset="2"/>
+              <a:buChar char="l"/>
+            </a:pPr>
+            <a:r>
+              <a:rPr lang="en-US" altLang="zh-CN" sz="1200"/>
+              <a:t>read_sql('sql_str', con=dbconn)</a:t>
+            </a:r>
+            <a:endParaRPr lang="en-US" altLang="zh-CN" sz="1200"/>
+          </a:p>
+          <a:p>
+            <a:pPr lvl="1">
+              <a:buFont typeface="Wingdings" panose="05000000000000000000" pitchFamily="2" charset="2"/>
+              <a:buChar char="l"/>
+            </a:pPr>
+            <a:r>
+              <a:rPr lang="en-US" altLang="zh-CN" sz="1200"/>
+              <a:t>read_sql_table()</a:t>
+            </a:r>
+            <a:endParaRPr lang="en-US" altLang="zh-CN" sz="1200"/>
+          </a:p>
+          <a:p>
+            <a:pPr lvl="1">
+              <a:buFont typeface="Wingdings" panose="05000000000000000000" pitchFamily="2" charset="2"/>
+              <a:buChar char="l"/>
+            </a:pPr>
+            <a:r>
+              <a:rPr lang="en-US" altLang="zh-CN" sz="1200"/>
+              <a:t>read_sql_query()</a:t>
+            </a:r>
+            <a:endParaRPr lang="en-US" altLang="zh-CN" sz="1200"/>
+          </a:p>
+          <a:p>
+            <a:pPr lvl="0">
+              <a:buFont typeface="Wingdings" panose="05000000000000000000" pitchFamily="2" charset="2"/>
+              <a:buChar char="l"/>
+            </a:pPr>
+            <a:r>
+              <a:rPr lang="en-US" altLang="zh-CN" sz="1400"/>
+              <a:t>Datetime</a:t>
+            </a:r>
+            <a:endParaRPr lang="en-US" altLang="zh-CN" sz="1400"/>
+          </a:p>
+          <a:p>
+            <a:pPr lvl="1">
+              <a:buFont typeface="Wingdings" panose="05000000000000000000" pitchFamily="2" charset="2"/>
+              <a:buChar char="l"/>
+            </a:pPr>
+            <a:r>
+              <a:rPr lang="en-US" altLang="zh-CN" sz="1200"/>
+              <a:t>to_datetime(df)</a:t>
+            </a:r>
+            <a:endParaRPr lang="en-US" altLang="zh-CN" sz="1200"/>
+          </a:p>
+        </p:txBody>
+      </p:sp>
+      <p:sp>
+        <p:nvSpPr>
+          <p:cNvPr id="4" name="文本框 3"/>
+          <p:cNvSpPr txBox="1"/>
+          <p:nvPr/>
+        </p:nvSpPr>
+        <p:spPr>
+          <a:xfrm>
+            <a:off x="7687945" y="1630680"/>
+            <a:ext cx="3837305" cy="3725545"/>
+          </a:xfrm>
+          <a:prstGeom prst="rect">
+            <a:avLst/>
+          </a:prstGeom>
+          <a:noFill/>
+        </p:spPr>
+        <p:txBody>
+          <a:bodyPr wrap="square" rtlCol="0">
+            <a:spAutoFit/>
+          </a:bodyPr>
+          <a:p>
+            <a:pPr>
+              <a:lnSpc>
+                <a:spcPct val="130000"/>
+              </a:lnSpc>
+            </a:pPr>
+            <a:r>
+              <a:rPr lang="en-US" altLang="zh-CN" sz="1400" dirty="0" smtClean="0">
+                <a:latin typeface="Arial" panose="020B0604020202020204" pitchFamily="34" charset="0"/>
+                <a:ea typeface="微软雅黑" panose="020B0503020204020204" charset="-122"/>
+              </a:rPr>
+              <a:t>import pandas as pd</a:t>
+            </a:r>
+            <a:endParaRPr lang="en-US" altLang="zh-CN" sz="1400" dirty="0" smtClean="0">
+              <a:latin typeface="Arial" panose="020B0604020202020204" pitchFamily="34" charset="0"/>
+              <a:ea typeface="微软雅黑" panose="020B0503020204020204" charset="-122"/>
+            </a:endParaRPr>
+          </a:p>
+          <a:p>
+            <a:pPr>
+              <a:lnSpc>
+                <a:spcPct val="130000"/>
+              </a:lnSpc>
+            </a:pPr>
+            <a:endParaRPr lang="en-US" altLang="zh-CN" sz="1400" dirty="0" smtClean="0">
+              <a:latin typeface="Arial" panose="020B0604020202020204" pitchFamily="34" charset="0"/>
+              <a:ea typeface="微软雅黑" panose="020B0503020204020204" charset="-122"/>
+            </a:endParaRPr>
+          </a:p>
+          <a:p>
+            <a:pPr>
+              <a:lnSpc>
+                <a:spcPct val="130000"/>
+              </a:lnSpc>
+            </a:pPr>
+            <a:r>
+              <a:rPr lang="en-US" altLang="zh-CN" sz="1400" dirty="0" smtClean="0">
+                <a:latin typeface="Arial" panose="020B0604020202020204" pitchFamily="34" charset="0"/>
+                <a:ea typeface="微软雅黑" panose="020B0503020204020204" charset="-122"/>
+              </a:rPr>
+              <a:t>counts = pd.Series(['a', 'b', 'c'])</a:t>
+            </a:r>
+            <a:endParaRPr lang="en-US" altLang="zh-CN" sz="1400" dirty="0" smtClean="0">
+              <a:latin typeface="Arial" panose="020B0604020202020204" pitchFamily="34" charset="0"/>
+              <a:ea typeface="微软雅黑" panose="020B0503020204020204" charset="-122"/>
+            </a:endParaRPr>
+          </a:p>
+          <a:p>
+            <a:pPr>
+              <a:lnSpc>
+                <a:spcPct val="130000"/>
+              </a:lnSpc>
+            </a:pPr>
+            <a:r>
+              <a:rPr lang="en-US" altLang="zh-CN" sz="1400" dirty="0" smtClean="0">
+                <a:latin typeface="Arial" panose="020B0604020202020204" pitchFamily="34" charset="0"/>
+                <a:ea typeface="微软雅黑" panose="020B0503020204020204" charset="-122"/>
+              </a:rPr>
+              <a:t>counts</a:t>
+            </a:r>
+            <a:endParaRPr lang="en-US" altLang="zh-CN" sz="1400" dirty="0" smtClean="0">
+              <a:latin typeface="Arial" panose="020B0604020202020204" pitchFamily="34" charset="0"/>
+              <a:ea typeface="微软雅黑" panose="020B0503020204020204" charset="-122"/>
+            </a:endParaRPr>
+          </a:p>
+          <a:p>
+            <a:pPr>
+              <a:lnSpc>
+                <a:spcPct val="130000"/>
+              </a:lnSpc>
+            </a:pPr>
+            <a:r>
+              <a:rPr lang="en-US" altLang="zh-CN" sz="1400" dirty="0" smtClean="0">
+                <a:latin typeface="Arial" panose="020B0604020202020204" pitchFamily="34" charset="0"/>
+                <a:ea typeface="微软雅黑" panose="020B0503020204020204" charset="-122"/>
+              </a:rPr>
+              <a:t>counts.index</a:t>
+            </a:r>
+            <a:endParaRPr lang="en-US" altLang="zh-CN" sz="1400" dirty="0" smtClean="0">
+              <a:latin typeface="Arial" panose="020B0604020202020204" pitchFamily="34" charset="0"/>
+              <a:ea typeface="微软雅黑" panose="020B0503020204020204" charset="-122"/>
+            </a:endParaRPr>
+          </a:p>
+          <a:p>
+            <a:pPr>
+              <a:lnSpc>
+                <a:spcPct val="130000"/>
+              </a:lnSpc>
+            </a:pPr>
+            <a:r>
+              <a:rPr lang="en-US" altLang="zh-CN" sz="1400" dirty="0" smtClean="0">
+                <a:latin typeface="Arial" panose="020B0604020202020204" pitchFamily="34" charset="0"/>
+                <a:ea typeface="微软雅黑" panose="020B0503020204020204" charset="-122"/>
+              </a:rPr>
+              <a:t>counts.values</a:t>
+            </a:r>
+            <a:endParaRPr lang="en-US" altLang="zh-CN" sz="1400" dirty="0" smtClean="0">
+              <a:latin typeface="Arial" panose="020B0604020202020204" pitchFamily="34" charset="0"/>
+              <a:ea typeface="微软雅黑" panose="020B0503020204020204" charset="-122"/>
+            </a:endParaRPr>
+          </a:p>
+          <a:p>
+            <a:pPr>
+              <a:lnSpc>
+                <a:spcPct val="130000"/>
+              </a:lnSpc>
+            </a:pPr>
+            <a:endParaRPr lang="en-US" altLang="zh-CN" sz="1400" dirty="0" smtClean="0">
+              <a:latin typeface="Arial" panose="020B0604020202020204" pitchFamily="34" charset="0"/>
+              <a:ea typeface="微软雅黑" panose="020B0503020204020204" charset="-122"/>
+            </a:endParaRPr>
+          </a:p>
+          <a:p>
+            <a:pPr>
+              <a:lnSpc>
+                <a:spcPct val="130000"/>
+              </a:lnSpc>
+            </a:pPr>
+            <a:r>
+              <a:rPr lang="en-US" altLang="zh-CN" sz="1400" dirty="0" smtClean="0">
+                <a:latin typeface="Arial" panose="020B0604020202020204" pitchFamily="34" charset="0"/>
+                <a:ea typeface="微软雅黑" panose="020B0503020204020204" charset="-122"/>
+              </a:rPr>
+              <a:t>data = pd.DataFrame({'column1': [1, 2, 3], 'column2': [1, 2, 3]})</a:t>
+            </a:r>
+            <a:endParaRPr lang="en-US" altLang="zh-CN" sz="1400" dirty="0" smtClean="0">
+              <a:latin typeface="Arial" panose="020B0604020202020204" pitchFamily="34" charset="0"/>
+              <a:ea typeface="微软雅黑" panose="020B0503020204020204" charset="-122"/>
+            </a:endParaRPr>
+          </a:p>
+          <a:p>
+            <a:pPr>
+              <a:lnSpc>
+                <a:spcPct val="130000"/>
+              </a:lnSpc>
+            </a:pPr>
+            <a:r>
+              <a:rPr lang="en-US" altLang="zh-CN" sz="1400" dirty="0" smtClean="0">
+                <a:latin typeface="Arial" panose="020B0604020202020204" pitchFamily="34" charset="0"/>
+                <a:ea typeface="微软雅黑" panose="020B0503020204020204" charset="-122"/>
+              </a:rPr>
+              <a:t>data</a:t>
+            </a:r>
+            <a:endParaRPr lang="en-US" altLang="zh-CN" sz="1400" dirty="0" smtClean="0">
+              <a:latin typeface="Arial" panose="020B0604020202020204" pitchFamily="34" charset="0"/>
+              <a:ea typeface="微软雅黑" panose="020B0503020204020204" charset="-122"/>
+            </a:endParaRPr>
+          </a:p>
+          <a:p>
+            <a:pPr>
+              <a:lnSpc>
+                <a:spcPct val="130000"/>
+              </a:lnSpc>
+            </a:pPr>
+            <a:r>
+              <a:rPr lang="en-US" altLang="zh-CN" sz="1400" dirty="0" smtClean="0">
+                <a:latin typeface="Arial" panose="020B0604020202020204" pitchFamily="34" charset="0"/>
+                <a:ea typeface="微软雅黑" panose="020B0503020204020204" charset="-122"/>
+              </a:rPr>
+              <a:t>data.values</a:t>
+            </a:r>
+            <a:endParaRPr lang="en-US" altLang="zh-CN" sz="1400" dirty="0" smtClean="0">
+              <a:latin typeface="Arial" panose="020B0604020202020204" pitchFamily="34" charset="0"/>
+              <a:ea typeface="微软雅黑" panose="020B0503020204020204" charset="-122"/>
+            </a:endParaRPr>
+          </a:p>
+          <a:p>
+            <a:pPr>
+              <a:lnSpc>
+                <a:spcPct val="130000"/>
+              </a:lnSpc>
+            </a:pPr>
+            <a:r>
+              <a:rPr lang="en-US" altLang="zh-CN" sz="1400" dirty="0" smtClean="0">
+                <a:latin typeface="Arial" panose="020B0604020202020204" pitchFamily="34" charset="0"/>
+                <a:ea typeface="微软雅黑" panose="020B0503020204020204" charset="-122"/>
+              </a:rPr>
+              <a:t>data.shape</a:t>
+            </a:r>
+            <a:endParaRPr lang="en-US" altLang="zh-CN" sz="1400" dirty="0" smtClean="0">
+              <a:latin typeface="Arial" panose="020B0604020202020204" pitchFamily="34" charset="0"/>
+              <a:ea typeface="微软雅黑" panose="020B0503020204020204" charset="-122"/>
+            </a:endParaRPr>
+          </a:p>
+          <a:p>
+            <a:pPr>
+              <a:lnSpc>
+                <a:spcPct val="130000"/>
+              </a:lnSpc>
+            </a:pPr>
+            <a:r>
+              <a:rPr lang="en-US" altLang="zh-CN" sz="1400" dirty="0" smtClean="0">
+                <a:latin typeface="Arial" panose="020B0604020202020204" pitchFamily="34" charset="0"/>
+                <a:ea typeface="微软雅黑" panose="020B0503020204020204" charset="-122"/>
+              </a:rPr>
+              <a:t>data = pd.read_csv('a.csv')</a:t>
+            </a:r>
+            <a:endParaRPr lang="en-US" altLang="zh-CN" sz="1400" dirty="0" smtClean="0">
+              <a:latin typeface="Arial" panose="020B0604020202020204" pitchFamily="34" charset="0"/>
+              <a:ea typeface="微软雅黑" panose="020B0503020204020204" charset="-122"/>
+            </a:endParaRPr>
+          </a:p>
+        </p:txBody>
+      </p:sp>
+    </p:spTree>
+  </p:cSld>
+  <p:clrMapOvr>
+    <a:masterClrMapping/>
+  </p:clrMapOvr>
+</p:sld>
+</file>
+
+<file path=ppt/slides/slide32.xml><?xml version="1.0" encoding="utf-8"?>
+<p:sld xmlns:a="http://schemas.openxmlformats.org/drawingml/2006/main" xmlns:r="http://schemas.openxmlformats.org/officeDocument/2006/relationships" xmlns:p="http://schemas.openxmlformats.org/presentationml/2006/main">
+  <p:cSld>
+    <p:spTree>
+      <p:nvGrpSpPr>
+        <p:cNvPr id="1" name=""/>
+        <p:cNvGrpSpPr/>
+        <p:nvPr/>
+      </p:nvGrpSpPr>
+      <p:grpSpPr/>
+      <p:sp>
+        <p:nvSpPr>
+          <p:cNvPr id="24578" name="标题 2"/>
+          <p:cNvSpPr>
+            <a:spLocks noGrp="1"/>
+          </p:cNvSpPr>
+          <p:nvPr>
+            <p:ph type="title"/>
+          </p:nvPr>
+        </p:nvSpPr>
+        <p:spPr/>
+        <p:txBody>
+          <a:bodyPr anchor="b">
+            <a:normAutofit/>
+          </a:bodyPr>
+          <a:p>
+            <a:r>
+              <a:rPr lang="en-US" altLang="zh-CN" smtClean="0"/>
+              <a:t>SciPy</a:t>
+            </a:r>
+            <a:endParaRPr lang="en-US" altLang="zh-CN" smtClean="0"/>
+          </a:p>
+        </p:txBody>
+      </p:sp>
+      <p:sp>
+        <p:nvSpPr>
+          <p:cNvPr id="5" name="圆角矩形 4"/>
+          <p:cNvSpPr/>
+          <p:nvPr/>
+        </p:nvSpPr>
+        <p:spPr>
+          <a:xfrm>
+            <a:off x="3429000" y="2480945"/>
+            <a:ext cx="2537460" cy="896620"/>
+          </a:xfrm>
+          <a:prstGeom prst="roundRect">
+            <a:avLst/>
+          </a:prstGeom>
+        </p:spPr>
+        <p:style>
+          <a:lnRef idx="2">
+            <a:schemeClr val="accent1">
+              <a:shade val="50000"/>
+            </a:schemeClr>
+          </a:lnRef>
+          <a:fillRef idx="1">
+            <a:schemeClr val="accent1"/>
+          </a:fillRef>
+          <a:effectRef idx="0">
+            <a:schemeClr val="accent1"/>
+          </a:effectRef>
+          <a:fontRef idx="minor">
+            <a:schemeClr val="lt1"/>
+          </a:fontRef>
+        </p:style>
+        <p:txBody>
+          <a:bodyPr rtlCol="0" anchor="ctr"/>
+          <a:p>
+            <a:pPr algn="ctr"/>
+            <a:r>
+              <a:rPr lang="en-US" altLang="zh-CN" sz="2000"/>
+              <a:t>cluster</a:t>
+            </a:r>
+            <a:endParaRPr lang="en-US" altLang="zh-CN" sz="2000"/>
+          </a:p>
+        </p:txBody>
+      </p:sp>
+      <p:sp>
+        <p:nvSpPr>
+          <p:cNvPr id="6" name="圆角矩形 5"/>
+          <p:cNvSpPr/>
+          <p:nvPr/>
+        </p:nvSpPr>
+        <p:spPr>
+          <a:xfrm>
+            <a:off x="771525" y="4683760"/>
+            <a:ext cx="2537460" cy="896620"/>
+          </a:xfrm>
+          <a:prstGeom prst="roundRect">
+            <a:avLst/>
+          </a:prstGeom>
+        </p:spPr>
+        <p:style>
+          <a:lnRef idx="2">
+            <a:schemeClr val="accent1">
+              <a:shade val="50000"/>
+            </a:schemeClr>
+          </a:lnRef>
+          <a:fillRef idx="1">
+            <a:schemeClr val="accent1"/>
+          </a:fillRef>
+          <a:effectRef idx="0">
+            <a:schemeClr val="accent1"/>
+          </a:effectRef>
+          <a:fontRef idx="minor">
+            <a:schemeClr val="lt1"/>
+          </a:fontRef>
+        </p:style>
+        <p:txBody>
+          <a:bodyPr rtlCol="0" anchor="ctr"/>
+          <a:p>
+            <a:pPr algn="ctr"/>
+            <a:r>
+              <a:rPr lang="en-US" altLang="zh-CN" sz="2000"/>
+              <a:t>constants</a:t>
+            </a:r>
+            <a:endParaRPr lang="en-US" altLang="zh-CN" sz="2000"/>
+          </a:p>
+        </p:txBody>
+      </p:sp>
+      <p:sp>
+        <p:nvSpPr>
+          <p:cNvPr id="7" name="圆角矩形 6"/>
+          <p:cNvSpPr/>
+          <p:nvPr/>
+        </p:nvSpPr>
+        <p:spPr>
+          <a:xfrm>
+            <a:off x="771525" y="3575685"/>
+            <a:ext cx="2537460" cy="896620"/>
+          </a:xfrm>
+          <a:prstGeom prst="roundRect">
+            <a:avLst/>
+          </a:prstGeom>
+        </p:spPr>
+        <p:style>
+          <a:lnRef idx="2">
+            <a:schemeClr val="accent1">
+              <a:shade val="50000"/>
+            </a:schemeClr>
+          </a:lnRef>
+          <a:fillRef idx="1">
+            <a:schemeClr val="accent1"/>
+          </a:fillRef>
+          <a:effectRef idx="0">
+            <a:schemeClr val="accent1"/>
+          </a:effectRef>
+          <a:fontRef idx="minor">
+            <a:schemeClr val="lt1"/>
+          </a:fontRef>
+        </p:style>
+        <p:txBody>
+          <a:bodyPr rtlCol="0" anchor="ctr"/>
+          <a:p>
+            <a:pPr algn="ctr"/>
+            <a:r>
+              <a:rPr lang="en-US" altLang="zh-CN" sz="2000"/>
+              <a:t>fftpack</a:t>
+            </a:r>
+            <a:endParaRPr lang="en-US" altLang="zh-CN" sz="2000"/>
+          </a:p>
+        </p:txBody>
+      </p:sp>
+      <p:sp>
+        <p:nvSpPr>
+          <p:cNvPr id="8" name="圆角矩形 7"/>
+          <p:cNvSpPr/>
+          <p:nvPr/>
+        </p:nvSpPr>
+        <p:spPr>
+          <a:xfrm>
+            <a:off x="3429000" y="3575685"/>
+            <a:ext cx="2537460" cy="896620"/>
+          </a:xfrm>
+          <a:prstGeom prst="roundRect">
+            <a:avLst/>
+          </a:prstGeom>
+        </p:spPr>
+        <p:style>
+          <a:lnRef idx="2">
+            <a:schemeClr val="accent1">
+              <a:shade val="50000"/>
+            </a:schemeClr>
+          </a:lnRef>
+          <a:fillRef idx="1">
+            <a:schemeClr val="accent1"/>
+          </a:fillRef>
+          <a:effectRef idx="0">
+            <a:schemeClr val="accent1"/>
+          </a:effectRef>
+          <a:fontRef idx="minor">
+            <a:schemeClr val="lt1"/>
+          </a:fontRef>
+        </p:style>
+        <p:txBody>
+          <a:bodyPr rtlCol="0" anchor="ctr"/>
+          <a:p>
+            <a:pPr algn="ctr"/>
+            <a:r>
+              <a:rPr lang="en-US" altLang="zh-CN" sz="2000"/>
+              <a:t>integrate</a:t>
+            </a:r>
+            <a:endParaRPr lang="en-US" altLang="zh-CN" sz="2000"/>
+          </a:p>
+        </p:txBody>
+      </p:sp>
+      <p:sp>
+        <p:nvSpPr>
+          <p:cNvPr id="9" name="圆角矩形 8"/>
+          <p:cNvSpPr/>
+          <p:nvPr/>
+        </p:nvSpPr>
+        <p:spPr>
+          <a:xfrm>
+            <a:off x="3429000" y="4683760"/>
+            <a:ext cx="2537460" cy="896620"/>
+          </a:xfrm>
+          <a:prstGeom prst="roundRect">
+            <a:avLst/>
+          </a:prstGeom>
+        </p:spPr>
+        <p:style>
+          <a:lnRef idx="2">
+            <a:schemeClr val="accent1">
+              <a:shade val="50000"/>
+            </a:schemeClr>
+          </a:lnRef>
+          <a:fillRef idx="1">
+            <a:schemeClr val="accent1"/>
+          </a:fillRef>
+          <a:effectRef idx="0">
+            <a:schemeClr val="accent1"/>
+          </a:effectRef>
+          <a:fontRef idx="minor">
+            <a:schemeClr val="lt1"/>
+          </a:fontRef>
+        </p:style>
+        <p:txBody>
+          <a:bodyPr rtlCol="0" anchor="ctr"/>
+          <a:p>
+            <a:pPr algn="ctr"/>
+            <a:r>
+              <a:rPr lang="en-US" altLang="zh-CN" sz="2000"/>
+              <a:t>interpolate</a:t>
+            </a:r>
+            <a:endParaRPr lang="en-US" altLang="zh-CN" sz="2000"/>
+          </a:p>
+        </p:txBody>
+      </p:sp>
+      <p:sp>
+        <p:nvSpPr>
+          <p:cNvPr id="10" name="圆角矩形 9"/>
+          <p:cNvSpPr/>
+          <p:nvPr/>
+        </p:nvSpPr>
+        <p:spPr>
+          <a:xfrm>
+            <a:off x="6122670" y="4683760"/>
+            <a:ext cx="2537460" cy="896620"/>
+          </a:xfrm>
+          <a:prstGeom prst="roundRect">
+            <a:avLst/>
+          </a:prstGeom>
+        </p:spPr>
+        <p:style>
+          <a:lnRef idx="2">
+            <a:schemeClr val="accent1">
+              <a:shade val="50000"/>
+            </a:schemeClr>
+          </a:lnRef>
+          <a:fillRef idx="1">
+            <a:schemeClr val="accent1"/>
+          </a:fillRef>
+          <a:effectRef idx="0">
+            <a:schemeClr val="accent1"/>
+          </a:effectRef>
+          <a:fontRef idx="minor">
+            <a:schemeClr val="lt1"/>
+          </a:fontRef>
+        </p:style>
+        <p:txBody>
+          <a:bodyPr rtlCol="0" anchor="ctr"/>
+          <a:p>
+            <a:pPr algn="ctr"/>
+            <a:r>
+              <a:rPr lang="en-US" altLang="zh-CN" sz="2000"/>
+              <a:t>io</a:t>
+            </a:r>
+            <a:endParaRPr lang="en-US" altLang="zh-CN" sz="2000"/>
+          </a:p>
+        </p:txBody>
+      </p:sp>
+      <p:sp>
+        <p:nvSpPr>
+          <p:cNvPr id="11" name="圆角矩形 10"/>
+          <p:cNvSpPr/>
+          <p:nvPr/>
+        </p:nvSpPr>
+        <p:spPr>
+          <a:xfrm>
+            <a:off x="8816340" y="4683760"/>
+            <a:ext cx="2537460" cy="896620"/>
+          </a:xfrm>
+          <a:prstGeom prst="roundRect">
+            <a:avLst/>
+          </a:prstGeom>
+        </p:spPr>
+        <p:style>
+          <a:lnRef idx="2">
+            <a:schemeClr val="accent1">
+              <a:shade val="50000"/>
+            </a:schemeClr>
+          </a:lnRef>
+          <a:fillRef idx="1">
+            <a:schemeClr val="accent1"/>
+          </a:fillRef>
+          <a:effectRef idx="0">
+            <a:schemeClr val="accent1"/>
+          </a:effectRef>
+          <a:fontRef idx="minor">
+            <a:schemeClr val="lt1"/>
+          </a:fontRef>
+        </p:style>
+        <p:txBody>
+          <a:bodyPr rtlCol="0" anchor="ctr"/>
+          <a:p>
+            <a:pPr algn="ctr"/>
+            <a:r>
+              <a:rPr lang="en-US" altLang="zh-CN" sz="2000"/>
+              <a:t>linalg</a:t>
+            </a:r>
+            <a:endParaRPr lang="en-US" altLang="zh-CN" sz="2000"/>
+          </a:p>
+          <a:p>
+            <a:pPr algn="ctr"/>
+            <a:r>
+              <a:rPr lang="en-US" altLang="zh-CN" sz="2000"/>
+              <a:t>(linear algebra)</a:t>
+            </a:r>
+            <a:endParaRPr lang="en-US" altLang="zh-CN" sz="2000"/>
+          </a:p>
+        </p:txBody>
+      </p:sp>
+      <p:sp>
+        <p:nvSpPr>
+          <p:cNvPr id="12" name="圆角矩形 11"/>
+          <p:cNvSpPr/>
+          <p:nvPr/>
+        </p:nvSpPr>
+        <p:spPr>
+          <a:xfrm>
+            <a:off x="6122670" y="2480945"/>
+            <a:ext cx="2537460" cy="896620"/>
+          </a:xfrm>
+          <a:prstGeom prst="roundRect">
+            <a:avLst/>
+          </a:prstGeom>
+        </p:spPr>
+        <p:style>
+          <a:lnRef idx="2">
+            <a:schemeClr val="accent1">
+              <a:shade val="50000"/>
+            </a:schemeClr>
+          </a:lnRef>
+          <a:fillRef idx="1">
+            <a:schemeClr val="accent1"/>
+          </a:fillRef>
+          <a:effectRef idx="0">
+            <a:schemeClr val="accent1"/>
+          </a:effectRef>
+          <a:fontRef idx="minor">
+            <a:schemeClr val="lt1"/>
+          </a:fontRef>
+        </p:style>
+        <p:txBody>
+          <a:bodyPr rtlCol="0" anchor="ctr"/>
+          <a:p>
+            <a:pPr algn="ctr"/>
+            <a:r>
+              <a:rPr lang="en-US" altLang="zh-CN" sz="2000"/>
+              <a:t>sparse</a:t>
+            </a:r>
+            <a:endParaRPr lang="en-US" altLang="zh-CN" sz="2000"/>
+          </a:p>
+        </p:txBody>
+      </p:sp>
+      <p:sp>
+        <p:nvSpPr>
+          <p:cNvPr id="13" name="圆角矩形 12"/>
+          <p:cNvSpPr/>
+          <p:nvPr/>
+        </p:nvSpPr>
+        <p:spPr>
+          <a:xfrm>
+            <a:off x="6122670" y="3575685"/>
+            <a:ext cx="2537460" cy="896620"/>
+          </a:xfrm>
+          <a:prstGeom prst="roundRect">
+            <a:avLst/>
+          </a:prstGeom>
+        </p:spPr>
+        <p:style>
+          <a:lnRef idx="2">
+            <a:schemeClr val="accent1">
+              <a:shade val="50000"/>
+            </a:schemeClr>
+          </a:lnRef>
+          <a:fillRef idx="1">
+            <a:schemeClr val="accent1"/>
+          </a:fillRef>
+          <a:effectRef idx="0">
+            <a:schemeClr val="accent1"/>
+          </a:effectRef>
+          <a:fontRef idx="minor">
+            <a:schemeClr val="lt1"/>
+          </a:fontRef>
+        </p:style>
+        <p:txBody>
+          <a:bodyPr rtlCol="0" anchor="ctr"/>
+          <a:p>
+            <a:pPr algn="ctr"/>
+            <a:r>
+              <a:rPr lang="en-US" altLang="zh-CN" sz="2000"/>
+              <a:t>odr</a:t>
+            </a:r>
+            <a:endParaRPr lang="en-US" altLang="zh-CN" sz="2000"/>
+          </a:p>
+          <a:p>
+            <a:pPr algn="ctr"/>
+            <a:r>
+              <a:rPr lang="en-US" altLang="zh-CN" sz="2000"/>
+              <a:t>(Orthogonal distance regression)</a:t>
+            </a:r>
+            <a:endParaRPr lang="en-US" altLang="zh-CN" sz="2000"/>
+          </a:p>
+        </p:txBody>
+      </p:sp>
+      <p:sp>
+        <p:nvSpPr>
+          <p:cNvPr id="14" name="圆角矩形 13"/>
+          <p:cNvSpPr/>
+          <p:nvPr/>
+        </p:nvSpPr>
+        <p:spPr>
+          <a:xfrm>
+            <a:off x="771525" y="2480945"/>
+            <a:ext cx="2537460" cy="896620"/>
+          </a:xfrm>
+          <a:prstGeom prst="roundRect">
+            <a:avLst/>
+          </a:prstGeom>
+        </p:spPr>
+        <p:style>
+          <a:lnRef idx="2">
+            <a:schemeClr val="accent1">
+              <a:shade val="50000"/>
+            </a:schemeClr>
+          </a:lnRef>
+          <a:fillRef idx="1">
+            <a:schemeClr val="accent1"/>
+          </a:fillRef>
+          <a:effectRef idx="0">
+            <a:schemeClr val="accent1"/>
+          </a:effectRef>
+          <a:fontRef idx="minor">
+            <a:schemeClr val="lt1"/>
+          </a:fontRef>
+        </p:style>
+        <p:txBody>
+          <a:bodyPr rtlCol="0" anchor="ctr"/>
+          <a:p>
+            <a:pPr algn="ctr"/>
+            <a:r>
+              <a:rPr lang="en-US" altLang="zh-CN" sz="2000"/>
+              <a:t>optimize</a:t>
+            </a:r>
+            <a:endParaRPr lang="en-US" altLang="zh-CN" sz="2000"/>
+          </a:p>
+        </p:txBody>
+      </p:sp>
+      <p:sp>
+        <p:nvSpPr>
+          <p:cNvPr id="15" name="圆角矩形 14"/>
+          <p:cNvSpPr/>
+          <p:nvPr/>
+        </p:nvSpPr>
+        <p:spPr>
+          <a:xfrm>
+            <a:off x="3429000" y="1334135"/>
+            <a:ext cx="2537460" cy="896620"/>
+          </a:xfrm>
+          <a:prstGeom prst="roundRect">
+            <a:avLst/>
+          </a:prstGeom>
+        </p:spPr>
+        <p:style>
+          <a:lnRef idx="2">
+            <a:schemeClr val="accent1">
+              <a:shade val="50000"/>
+            </a:schemeClr>
+          </a:lnRef>
+          <a:fillRef idx="1">
+            <a:schemeClr val="accent1"/>
+          </a:fillRef>
+          <a:effectRef idx="0">
+            <a:schemeClr val="accent1"/>
+          </a:effectRef>
+          <a:fontRef idx="minor">
+            <a:schemeClr val="lt1"/>
+          </a:fontRef>
+        </p:style>
+        <p:txBody>
+          <a:bodyPr rtlCol="0" anchor="ctr"/>
+          <a:p>
+            <a:pPr algn="ctr"/>
+            <a:r>
+              <a:rPr lang="en-US" altLang="zh-CN" sz="2000"/>
+              <a:t>signal</a:t>
+            </a:r>
+            <a:endParaRPr lang="en-US" altLang="zh-CN" sz="2000"/>
+          </a:p>
+        </p:txBody>
+      </p:sp>
+      <p:sp>
+        <p:nvSpPr>
+          <p:cNvPr id="16" name="圆角矩形 15"/>
+          <p:cNvSpPr/>
+          <p:nvPr/>
+        </p:nvSpPr>
+        <p:spPr>
+          <a:xfrm>
+            <a:off x="6122670" y="1334135"/>
+            <a:ext cx="2537460" cy="896620"/>
+          </a:xfrm>
+          <a:prstGeom prst="roundRect">
+            <a:avLst/>
+          </a:prstGeom>
+        </p:spPr>
+        <p:style>
+          <a:lnRef idx="2">
+            <a:schemeClr val="accent1">
+              <a:shade val="50000"/>
+            </a:schemeClr>
+          </a:lnRef>
+          <a:fillRef idx="1">
+            <a:schemeClr val="accent1"/>
+          </a:fillRef>
+          <a:effectRef idx="0">
+            <a:schemeClr val="accent1"/>
+          </a:effectRef>
+          <a:fontRef idx="minor">
+            <a:schemeClr val="lt1"/>
+          </a:fontRef>
+        </p:style>
+        <p:txBody>
+          <a:bodyPr rtlCol="0" anchor="ctr"/>
+          <a:p>
+            <a:pPr algn="ctr"/>
+            <a:r>
+              <a:rPr lang="en-US" altLang="zh-CN" sz="2000"/>
+              <a:t>ndimage</a:t>
+            </a:r>
+            <a:endParaRPr lang="en-US" altLang="zh-CN" sz="2000"/>
+          </a:p>
+          <a:p>
+            <a:pPr algn="ctr"/>
+            <a:r>
+              <a:rPr lang="en-US" altLang="zh-CN" sz="2000"/>
+              <a:t>(n-dimension image)</a:t>
+            </a:r>
+            <a:endParaRPr lang="en-US" altLang="zh-CN" sz="2000"/>
+          </a:p>
+        </p:txBody>
+      </p:sp>
+      <p:sp>
+        <p:nvSpPr>
+          <p:cNvPr id="17" name="圆角矩形 16"/>
+          <p:cNvSpPr/>
+          <p:nvPr/>
+        </p:nvSpPr>
+        <p:spPr>
+          <a:xfrm>
+            <a:off x="8816340" y="2480945"/>
+            <a:ext cx="2537460" cy="896620"/>
+          </a:xfrm>
+          <a:prstGeom prst="roundRect">
+            <a:avLst/>
+          </a:prstGeom>
+        </p:spPr>
+        <p:style>
+          <a:lnRef idx="2">
+            <a:schemeClr val="accent1">
+              <a:shade val="50000"/>
+            </a:schemeClr>
+          </a:lnRef>
+          <a:fillRef idx="1">
+            <a:schemeClr val="accent1"/>
+          </a:fillRef>
+          <a:effectRef idx="0">
+            <a:schemeClr val="accent1"/>
+          </a:effectRef>
+          <a:fontRef idx="minor">
+            <a:schemeClr val="lt1"/>
+          </a:fontRef>
+        </p:style>
+        <p:txBody>
+          <a:bodyPr rtlCol="0" anchor="ctr"/>
+          <a:p>
+            <a:pPr algn="ctr"/>
+            <a:r>
+              <a:rPr lang="en-US" altLang="zh-CN" sz="2000"/>
+              <a:t>spatial</a:t>
+            </a:r>
+            <a:endParaRPr lang="en-US" altLang="zh-CN" sz="2000"/>
+          </a:p>
+        </p:txBody>
+      </p:sp>
+      <p:sp>
+        <p:nvSpPr>
+          <p:cNvPr id="18" name="圆角矩形 17"/>
+          <p:cNvSpPr/>
+          <p:nvPr/>
+        </p:nvSpPr>
+        <p:spPr>
+          <a:xfrm>
+            <a:off x="8816340" y="3575685"/>
+            <a:ext cx="2537460" cy="896620"/>
+          </a:xfrm>
+          <a:prstGeom prst="roundRect">
+            <a:avLst/>
+          </a:prstGeom>
+        </p:spPr>
+        <p:style>
+          <a:lnRef idx="2">
+            <a:schemeClr val="accent1">
+              <a:shade val="50000"/>
+            </a:schemeClr>
+          </a:lnRef>
+          <a:fillRef idx="1">
+            <a:schemeClr val="accent1"/>
+          </a:fillRef>
+          <a:effectRef idx="0">
+            <a:schemeClr val="accent1"/>
+          </a:effectRef>
+          <a:fontRef idx="minor">
+            <a:schemeClr val="lt1"/>
+          </a:fontRef>
+        </p:style>
+        <p:txBody>
+          <a:bodyPr rtlCol="0" anchor="ctr"/>
+          <a:p>
+            <a:pPr algn="ctr"/>
+            <a:r>
+              <a:rPr lang="en-US" altLang="zh-CN" sz="2000"/>
+              <a:t>special</a:t>
+            </a:r>
+            <a:endParaRPr lang="en-US" altLang="zh-CN" sz="2000"/>
+          </a:p>
+        </p:txBody>
+      </p:sp>
+      <p:sp>
+        <p:nvSpPr>
+          <p:cNvPr id="19" name="圆角矩形 18"/>
+          <p:cNvSpPr/>
+          <p:nvPr/>
+        </p:nvSpPr>
+        <p:spPr>
+          <a:xfrm>
+            <a:off x="8816340" y="1334135"/>
+            <a:ext cx="2537460" cy="896620"/>
+          </a:xfrm>
+          <a:prstGeom prst="roundRect">
+            <a:avLst/>
+          </a:prstGeom>
+        </p:spPr>
+        <p:style>
+          <a:lnRef idx="2">
+            <a:schemeClr val="accent1">
+              <a:shade val="50000"/>
+            </a:schemeClr>
+          </a:lnRef>
+          <a:fillRef idx="1">
+            <a:schemeClr val="accent1"/>
+          </a:fillRef>
+          <a:effectRef idx="0">
+            <a:schemeClr val="accent1"/>
+          </a:effectRef>
+          <a:fontRef idx="minor">
+            <a:schemeClr val="lt1"/>
+          </a:fontRef>
+        </p:style>
+        <p:txBody>
+          <a:bodyPr rtlCol="0" anchor="ctr"/>
+          <a:p>
+            <a:pPr algn="ctr"/>
+            <a:r>
+              <a:rPr lang="en-US" altLang="zh-CN" sz="2000"/>
+              <a:t>stats</a:t>
+            </a:r>
+            <a:endParaRPr lang="en-US" altLang="zh-CN" sz="2000"/>
+          </a:p>
+        </p:txBody>
+      </p:sp>
+      <p:sp>
+        <p:nvSpPr>
+          <p:cNvPr id="20" name="文本框 19"/>
+          <p:cNvSpPr txBox="1"/>
+          <p:nvPr/>
+        </p:nvSpPr>
+        <p:spPr>
+          <a:xfrm>
+            <a:off x="1153795" y="6069330"/>
+            <a:ext cx="7506335" cy="368300"/>
+          </a:xfrm>
+          <a:prstGeom prst="rect">
+            <a:avLst/>
+          </a:prstGeom>
+          <a:noFill/>
+        </p:spPr>
+        <p:txBody>
+          <a:bodyPr wrap="none" rtlCol="0">
+            <a:spAutoFit/>
+          </a:bodyPr>
+          <a:p>
+            <a:pPr algn="l"/>
+            <a:r>
+              <a:rPr lang="en-US" altLang="zh-CN"/>
+              <a:t>References: https://docs.scipy.org/doc/scipy/reference/tutorial/index.html</a:t>
+            </a:r>
+            <a:endParaRPr lang="en-US" altLang="zh-CN"/>
+          </a:p>
+        </p:txBody>
+      </p:sp>
+    </p:spTree>
+  </p:cSld>
+  <p:clrMapOvr>
+    <a:masterClrMapping/>
+  </p:clrMapOvr>
+</p:sld>
+</file>
+
+<file path=ppt/slides/slide33.xml><?xml version="1.0" encoding="utf-8"?>
+<p:sld xmlns:a="http://schemas.openxmlformats.org/drawingml/2006/main" xmlns:r="http://schemas.openxmlformats.org/officeDocument/2006/relationships" xmlns:p="http://schemas.openxmlformats.org/presentationml/2006/main">
+  <p:cSld>
+    <p:spTree>
+      <p:nvGrpSpPr>
+        <p:cNvPr id="1" name=""/>
+        <p:cNvGrpSpPr/>
+        <p:nvPr/>
+      </p:nvGrpSpPr>
+      <p:grpSpPr/>
+      <p:sp>
+        <p:nvSpPr>
+          <p:cNvPr id="2" name="标题 1"/>
+          <p:cNvSpPr>
+            <a:spLocks noGrp="1"/>
+          </p:cNvSpPr>
+          <p:nvPr>
+            <p:ph type="title"/>
+          </p:nvPr>
+        </p:nvSpPr>
+        <p:spPr/>
+        <p:txBody>
+          <a:bodyPr/>
+          <a:p>
+            <a:r>
+              <a:rPr lang="en-US" altLang="zh-CN"/>
+              <a:t>Matplotlib</a:t>
+            </a:r>
+            <a:endParaRPr lang="en-US" altLang="zh-CN"/>
+          </a:p>
+        </p:txBody>
+      </p:sp>
+      <p:sp>
+        <p:nvSpPr>
+          <p:cNvPr id="3" name="内容占位符 2"/>
+          <p:cNvSpPr>
+            <a:spLocks noGrp="1"/>
+          </p:cNvSpPr>
+          <p:nvPr>
+            <p:ph idx="1"/>
+          </p:nvPr>
+        </p:nvSpPr>
+        <p:spPr>
+          <a:xfrm>
+            <a:off x="838200" y="1211580"/>
+            <a:ext cx="10515600" cy="5135880"/>
+          </a:xfrm>
+        </p:spPr>
+        <p:txBody>
+          <a:bodyPr>
+            <a:normAutofit lnSpcReduction="20000"/>
+          </a:bodyPr>
+          <a:p>
+            <a:r>
+              <a:rPr lang="en-US" altLang="zh-CN" sz="1800">
+                <a:sym typeface="+mn-ea"/>
+              </a:rPr>
+              <a:t>Configure</a:t>
+            </a:r>
+            <a:endParaRPr lang="en-US" altLang="zh-CN" sz="1800">
+              <a:sym typeface="+mn-ea"/>
+            </a:endParaRPr>
+          </a:p>
+          <a:p>
+            <a:pPr lvl="1"/>
+            <a:r>
+              <a:rPr lang="en-US" altLang="zh-CN" sz="1400">
+                <a:sym typeface="+mn-ea"/>
+              </a:rPr>
+              <a:t>matplotlib.matplotlib_fname()</a:t>
+            </a:r>
+            <a:endParaRPr lang="en-US" altLang="zh-CN" sz="1400">
+              <a:sym typeface="+mn-ea"/>
+            </a:endParaRPr>
+          </a:p>
+          <a:p>
+            <a:pPr lvl="1"/>
+            <a:r>
+              <a:rPr lang="en-US" altLang="zh-CN" sz="1400">
+                <a:sym typeface="+mn-ea"/>
+              </a:rPr>
+              <a:t>sudo apt install python3-tk</a:t>
+            </a:r>
+            <a:endParaRPr lang="en-US" altLang="zh-CN" sz="1400">
+              <a:sym typeface="+mn-ea"/>
+            </a:endParaRPr>
+          </a:p>
+          <a:p>
+            <a:pPr lvl="1"/>
+            <a:r>
+              <a:rPr lang="en-US" altLang="zh-CN" sz="1400">
+                <a:sym typeface="+mn-ea"/>
+              </a:rPr>
+              <a:t>matplotlib.use('TkAgg')</a:t>
+            </a:r>
+            <a:endParaRPr lang="en-US" altLang="zh-CN" sz="1400"/>
+          </a:p>
+          <a:p>
+            <a:r>
               <a:rPr lang="en-US" altLang="zh-CN" sz="1800"/>
-              <a:t>References</a:t>
+              <a:t>import matplotlib.pyplot as plt</a:t>
             </a:r>
             <a:endParaRPr lang="en-US" altLang="zh-CN" sz="1800"/>
           </a:p>
           <a:p>
-            <a:pPr lvl="1"/>
+            <a:pPr lvl="1">
+              <a:buFont typeface="Wingdings" panose="05000000000000000000" pitchFamily="2" charset="2"/>
+              <a:buChar char="Ø"/>
+            </a:pPr>
             <a:r>
               <a:rPr lang="en-US" altLang="zh-CN" sz="1600"/>
-              <a:t>https://wiki.python.org/moin/Audio</a:t>
+              <a:t>plt.title(text), </a:t>
+            </a:r>
+            <a:r>
+              <a:rPr lang="en-US" altLang="zh-CN" sz="1600">
+                <a:sym typeface="+mn-ea"/>
+              </a:rPr>
+              <a:t>plt.xlabel(), plt.ylabel(), plt.xticks(), plt.yticks(), plt.legend()</a:t>
             </a:r>
             <a:endParaRPr lang="en-US" altLang="zh-CN" sz="1600"/>
           </a:p>
           <a:p>
-            <a:pPr lvl="1"/>
+            <a:pPr lvl="1">
+              <a:buFont typeface="Wingdings" panose="05000000000000000000" pitchFamily="2" charset="2"/>
+              <a:buChar char="Ø"/>
+            </a:pPr>
             <a:r>
               <a:rPr lang="en-US" altLang="zh-CN" sz="1600"/>
-              <a:t>https://realpython.com/playing-and-recording-sound-python/</a:t>
+              <a:t>plt.imshow(arr, cmap=plt.cm.gray), plt.imshow(img[..., ::-1])</a:t>
             </a:r>
             <a:endParaRPr lang="en-US" altLang="zh-CN" sz="1600"/>
           </a:p>
           <a:p>
+            <a:pPr lvl="1">
+              <a:buFont typeface="Wingdings" panose="05000000000000000000" pitchFamily="2" charset="2"/>
+              <a:buChar char="Ø"/>
+            </a:pPr>
+            <a:r>
+              <a:rPr lang="en-US" altLang="zh-CN" sz="1600"/>
+              <a:t>plt.show()</a:t>
+            </a:r>
+            <a:endParaRPr lang="en-US" altLang="zh-CN" sz="1600"/>
+          </a:p>
+          <a:p>
+            <a:pPr lvl="1">
+              <a:buFont typeface="Wingdings" panose="05000000000000000000" pitchFamily="2" charset="2"/>
+              <a:buChar char="Ø"/>
+            </a:pPr>
+            <a:r>
+              <a:rPr lang="en-US" altLang="zh-CN" sz="1600"/>
+              <a:t>plt.plot(), </a:t>
+            </a:r>
+            <a:r>
+              <a:rPr lang="en-US" altLang="zh-CN" sz="1600">
+                <a:sym typeface="+mn-ea"/>
+              </a:rPr>
+              <a:t>plt.subplot(), fig, ax = plt.subplots(), plt.clf()</a:t>
+            </a:r>
+            <a:endParaRPr lang="en-US" altLang="zh-CN" sz="1600"/>
+          </a:p>
+          <a:p>
+            <a:pPr lvl="1">
+              <a:buFont typeface="Wingdings" panose="05000000000000000000" pitchFamily="2" charset="2"/>
+              <a:buChar char="Ø"/>
+            </a:pPr>
+            <a:r>
+              <a:rPr lang="en-US" altLang="zh-CN" sz="1600"/>
+              <a:t>plt.hist(), plt.pcolor(),plt.colorbar(), plt.scatter(x, y, color)</a:t>
+            </a:r>
+            <a:endParaRPr lang="en-US" altLang="zh-CN" sz="1600"/>
+          </a:p>
+          <a:p>
+            <a:pPr lvl="1">
+              <a:buFont typeface="Wingdings" panose="05000000000000000000" pitchFamily="2" charset="2"/>
+              <a:buChar char="Ø"/>
+            </a:pPr>
+            <a:r>
+              <a:rPr lang="en-US" altLang="zh-CN" sz="1600"/>
+              <a:t>plt.axis('off')</a:t>
+            </a:r>
+            <a:endParaRPr lang="en-US" altLang="zh-CN" sz="1600"/>
+          </a:p>
+          <a:p>
+            <a:pPr lvl="1">
+              <a:buFont typeface="Wingdings" panose="05000000000000000000" pitchFamily="2" charset="2"/>
+              <a:buChar char="Ø"/>
+            </a:pPr>
+            <a:r>
+              <a:rPr lang="en-US" altLang="zh-CN" sz="1600"/>
+              <a:t>plt.savefig('a.png')</a:t>
+            </a:r>
+            <a:endParaRPr lang="en-US" altLang="zh-CN" sz="1600"/>
+          </a:p>
+          <a:p>
+            <a:pPr lvl="1">
+              <a:buFont typeface="Wingdings" panose="05000000000000000000" pitchFamily="2" charset="2"/>
+              <a:buChar char="Ø"/>
+            </a:pPr>
+            <a:r>
+              <a:rPr lang="en-US" altLang="zh-CN" sz="1600"/>
+              <a:t>plt.get_backend()</a:t>
+            </a:r>
+            <a:endParaRPr lang="en-US" altLang="zh-CN" sz="1600"/>
+          </a:p>
+          <a:p>
             <a:r>
               <a:rPr lang="en-US" altLang="zh-CN" sz="1800"/>
-              <a:t>Audio wave or spectrum drawing</a:t>
+              <a:t>Figure</a:t>
             </a:r>
             <a:endParaRPr lang="en-US" altLang="zh-CN" sz="1800"/>
           </a:p>
           <a:p>
-            <a:pPr lvl="1"/>
+            <a:pPr lvl="1">
+              <a:buFont typeface="Wingdings" panose="05000000000000000000" pitchFamily="2" charset="2"/>
+              <a:buChar char="Ø"/>
+            </a:pPr>
             <a:r>
               <a:rPr lang="en-US" altLang="zh-CN" sz="1600"/>
-              <a:t>pip install librosa</a:t>
+              <a:t>fig = plt.figure(figsize=(w,h))</a:t>
             </a:r>
             <a:endParaRPr lang="en-US" altLang="zh-CN" sz="1600"/>
           </a:p>
           <a:p>
-            <a:pPr lvl="1"/>
+            <a:pPr lvl="1">
+              <a:buFont typeface="Wingdings" panose="05000000000000000000" pitchFamily="2" charset="2"/>
+              <a:buChar char="Ø"/>
+            </a:pPr>
             <a:r>
               <a:rPr lang="en-US" altLang="zh-CN" sz="1600"/>
-              <a:t>Usage</a:t>
+              <a:t>ax = fig.add_subplot()</a:t>
             </a:r>
             <a:endParaRPr lang="en-US" altLang="zh-CN" sz="1600"/>
           </a:p>
           <a:p>
+            <a:pPr lvl="1">
+              <a:buFont typeface="Wingdings" panose="05000000000000000000" pitchFamily="2" charset="2"/>
+              <a:buChar char="Ø"/>
+            </a:pPr>
+            <a:r>
+              <a:rPr lang="en-US" altLang="zh-CN" sz="1600"/>
+              <a:t>ax.matshow(matrix)</a:t>
+            </a:r>
+            <a:endParaRPr lang="en-US" altLang="zh-CN" sz="1600"/>
+          </a:p>
+          <a:p>
+            <a:pPr lvl="0">
+              <a:buFont typeface="Wingdings" panose="05000000000000000000" pitchFamily="2" charset="2"/>
+              <a:buChar char="Ø"/>
+            </a:pPr>
+            <a:r>
+              <a:rPr lang="en-US" altLang="zh-CN" sz="1800"/>
+              <a:t>Unicode support</a:t>
+            </a:r>
+            <a:endParaRPr lang="en-US" altLang="zh-CN" sz="1800"/>
+          </a:p>
+          <a:p>
+            <a:pPr lvl="1">
+              <a:buFont typeface="Wingdings" panose="05000000000000000000" pitchFamily="2" charset="2"/>
+              <a:buChar char="Ø"/>
+            </a:pPr>
+            <a:r>
+              <a:rPr lang="en-US" altLang="zh-CN" sz="1600"/>
+              <a:t>matplotlib.rcParams['font.family'] = 'SimHei'</a:t>
+            </a:r>
+            <a:endParaRPr lang="en-US" altLang="zh-CN" sz="1600"/>
+          </a:p>
+        </p:txBody>
+      </p:sp>
+    </p:spTree>
+  </p:cSld>
+  <p:clrMapOvr>
+    <a:masterClrMapping/>
+  </p:clrMapOvr>
+</p:sld>
+</file>
+
+<file path=ppt/slides/slide34.xml><?xml version="1.0" encoding="utf-8"?>
+<p:sld xmlns:a="http://schemas.openxmlformats.org/drawingml/2006/main" xmlns:r="http://schemas.openxmlformats.org/officeDocument/2006/relationships" xmlns:p="http://schemas.openxmlformats.org/presentationml/2006/main">
+  <p:cSld>
+    <p:spTree>
+      <p:nvGrpSpPr>
+        <p:cNvPr id="1" name=""/>
+        <p:cNvGrpSpPr/>
+        <p:nvPr/>
+      </p:nvGrpSpPr>
+      <p:grpSpPr/>
+      <p:sp>
+        <p:nvSpPr>
+          <p:cNvPr id="24578" name="标题 2"/>
+          <p:cNvSpPr>
+            <a:spLocks noGrp="1"/>
+          </p:cNvSpPr>
+          <p:nvPr>
+            <p:ph type="title"/>
+          </p:nvPr>
+        </p:nvSpPr>
+        <p:spPr/>
+        <p:txBody>
+          <a:bodyPr anchor="b">
+            <a:normAutofit/>
+          </a:bodyPr>
+          <a:p>
+            <a:r>
+              <a:rPr lang="en-US" altLang="zh-CN" smtClean="0"/>
+              <a:t>Seaborn</a:t>
+            </a:r>
+            <a:endParaRPr lang="en-US" altLang="zh-CN" smtClean="0"/>
+          </a:p>
+        </p:txBody>
+      </p:sp>
+      <p:sp>
+        <p:nvSpPr>
+          <p:cNvPr id="4" name="内容占位符 3"/>
+          <p:cNvSpPr>
+            <a:spLocks noGrp="1"/>
+          </p:cNvSpPr>
+          <p:nvPr>
+            <p:ph idx="1"/>
+          </p:nvPr>
+        </p:nvSpPr>
+        <p:spPr/>
+        <p:txBody>
+          <a:bodyPr>
+            <a:normAutofit/>
+          </a:bodyPr>
+          <a:p>
+            <a:pPr marL="357505" indent="-357505" algn="l">
+              <a:lnSpc>
+                <a:spcPct val="200000"/>
+              </a:lnSpc>
+              <a:buClr>
+                <a:schemeClr val="accent1"/>
+              </a:buClr>
+              <a:buSzTx/>
+              <a:buFont typeface="Wingdings" panose="05000000000000000000" pitchFamily="2" charset="2"/>
+              <a:buChar char=""/>
+            </a:pPr>
+            <a:r>
+              <a:rPr lang="en-US" altLang="zh-CN" smtClean="0"/>
+              <a:t>Basic</a:t>
+            </a:r>
+            <a:endParaRPr lang="en-US" altLang="zh-CN" smtClean="0"/>
+          </a:p>
+          <a:p>
+            <a:pPr lvl="1" algn="l">
+              <a:lnSpc>
+                <a:spcPct val="200000"/>
+              </a:lnSpc>
+              <a:buFont typeface="Wingdings" panose="05000000000000000000" pitchFamily="2" charset="2"/>
+              <a:buChar char=""/>
+            </a:pPr>
+            <a:r>
+              <a:rPr lang="en-US" altLang="zh-CN" smtClean="0"/>
+              <a:t>pip install seaborn</a:t>
+            </a:r>
+            <a:endParaRPr lang="en-US" altLang="zh-CN" smtClean="0"/>
+          </a:p>
+          <a:p>
+            <a:pPr lvl="1" algn="l">
+              <a:lnSpc>
+                <a:spcPct val="200000"/>
+              </a:lnSpc>
+              <a:buFont typeface="Wingdings" panose="05000000000000000000" pitchFamily="2" charset="2"/>
+              <a:buChar char=""/>
+            </a:pPr>
+            <a:r>
+              <a:rPr lang="en-US" altLang="zh-CN" smtClean="0"/>
+              <a:t>import seaborn as sns</a:t>
+            </a:r>
+            <a:endParaRPr lang="en-US" altLang="zh-CN" smtClean="0"/>
+          </a:p>
+          <a:p>
+            <a:pPr lvl="1" algn="l">
+              <a:lnSpc>
+                <a:spcPct val="200000"/>
+              </a:lnSpc>
+              <a:buFont typeface="Wingdings" panose="05000000000000000000" pitchFamily="2" charset="2"/>
+              <a:buChar char=""/>
+            </a:pPr>
+            <a:r>
+              <a:rPr lang="en-US" altLang="zh-CN" smtClean="0"/>
+              <a:t>It's a kind of enhancement of matplotlib.</a:t>
+            </a:r>
+            <a:endParaRPr lang="en-US" altLang="zh-CN" smtClean="0"/>
+          </a:p>
+          <a:p>
+            <a:pPr lvl="1" algn="l">
+              <a:lnSpc>
+                <a:spcPct val="200000"/>
+              </a:lnSpc>
+              <a:buFont typeface="Wingdings" panose="05000000000000000000" pitchFamily="2" charset="2"/>
+              <a:buChar char=""/>
+            </a:pPr>
+            <a:r>
+              <a:rPr lang="en-US" altLang="zh-CN" smtClean="0"/>
+              <a:t>heatmap()</a:t>
+            </a:r>
+            <a:endParaRPr lang="en-US" altLang="zh-CN" smtClean="0"/>
+          </a:p>
+        </p:txBody>
+      </p:sp>
+    </p:spTree>
+  </p:cSld>
+  <p:clrMapOvr>
+    <a:masterClrMapping/>
+  </p:clrMapOvr>
+</p:sld>
+</file>
+
+<file path=ppt/slides/slide35.xml><?xml version="1.0" encoding="utf-8"?>
+<p:sld xmlns:a="http://schemas.openxmlformats.org/drawingml/2006/main" xmlns:r="http://schemas.openxmlformats.org/officeDocument/2006/relationships" xmlns:p="http://schemas.openxmlformats.org/presentationml/2006/main">
+  <p:cSld>
+    <p:spTree>
+      <p:nvGrpSpPr>
+        <p:cNvPr id="1" name=""/>
+        <p:cNvGrpSpPr/>
+        <p:nvPr/>
+      </p:nvGrpSpPr>
+      <p:grpSpPr/>
+      <p:sp>
+        <p:nvSpPr>
+          <p:cNvPr id="24578" name="标题 2"/>
+          <p:cNvSpPr>
+            <a:spLocks noGrp="1"/>
+          </p:cNvSpPr>
+          <p:nvPr>
+            <p:ph type="title"/>
+          </p:nvPr>
+        </p:nvSpPr>
+        <p:spPr/>
+        <p:txBody>
+          <a:bodyPr anchor="b">
+            <a:normAutofit/>
+          </a:bodyPr>
+          <a:p>
+            <a:r>
+              <a:rPr lang="en-US" altLang="zh-CN" smtClean="0"/>
+              <a:t>xml</a:t>
+            </a:r>
+            <a:endParaRPr lang="en-US" altLang="zh-CN" smtClean="0"/>
+          </a:p>
+        </p:txBody>
+      </p:sp>
+      <p:sp>
+        <p:nvSpPr>
+          <p:cNvPr id="4" name="内容占位符 3"/>
+          <p:cNvSpPr>
+            <a:spLocks noGrp="1"/>
+          </p:cNvSpPr>
+          <p:nvPr>
+            <p:ph idx="1"/>
+          </p:nvPr>
+        </p:nvSpPr>
+        <p:spPr/>
+        <p:txBody>
+          <a:bodyPr>
+            <a:normAutofit lnSpcReduction="20000"/>
+          </a:bodyPr>
+          <a:p>
+            <a:pPr marL="357505" indent="-357505" algn="l">
+              <a:lnSpc>
+                <a:spcPct val="200000"/>
+              </a:lnSpc>
+              <a:buClr>
+                <a:schemeClr val="accent1"/>
+              </a:buClr>
+              <a:buSzTx/>
+              <a:buFont typeface="Wingdings" panose="05000000000000000000" pitchFamily="2" charset="2"/>
+              <a:buChar char=""/>
+            </a:pPr>
+            <a:r>
+              <a:rPr lang="en-US" altLang="zh-CN" smtClean="0"/>
+              <a:t>Basic</a:t>
+            </a:r>
+            <a:endParaRPr lang="en-US" altLang="zh-CN" smtClean="0"/>
+          </a:p>
+          <a:p>
+            <a:pPr lvl="1" algn="l">
+              <a:lnSpc>
+                <a:spcPct val="200000"/>
+              </a:lnSpc>
+              <a:buFont typeface="Wingdings" panose="05000000000000000000" pitchFamily="2" charset="2"/>
+              <a:buChar char=""/>
+            </a:pPr>
+            <a:r>
+              <a:rPr lang="en-US" altLang="zh-CN" smtClean="0"/>
+              <a:t>import xml.etree.ElementTree as ET</a:t>
+            </a:r>
+            <a:endParaRPr lang="en-US" altLang="zh-CN" smtClean="0"/>
+          </a:p>
+          <a:p>
+            <a:pPr lvl="1" algn="l">
+              <a:lnSpc>
+                <a:spcPct val="200000"/>
+              </a:lnSpc>
+              <a:buFont typeface="Wingdings" panose="05000000000000000000" pitchFamily="2" charset="2"/>
+              <a:buChar char=""/>
+            </a:pPr>
+            <a:r>
+              <a:rPr lang="en-US" altLang="zh-CN" smtClean="0"/>
+              <a:t>parser = ET.XMLParser(encoding='utf-8')</a:t>
+            </a:r>
+            <a:endParaRPr lang="en-US" altLang="zh-CN" smtClean="0"/>
+          </a:p>
+          <a:p>
+            <a:pPr lvl="1" algn="l">
+              <a:lnSpc>
+                <a:spcPct val="200000"/>
+              </a:lnSpc>
+              <a:buFont typeface="Wingdings" panose="05000000000000000000" pitchFamily="2" charset="2"/>
+              <a:buChar char=""/>
+            </a:pPr>
+            <a:r>
+              <a:rPr lang="en-US" altLang="zh-CN" smtClean="0"/>
+              <a:t>tree = ET.parse(fn, parser=parser)</a:t>
+            </a:r>
+            <a:endParaRPr lang="en-US" altLang="zh-CN" smtClean="0"/>
+          </a:p>
+          <a:p>
+            <a:pPr lvl="1" algn="l">
+              <a:lnSpc>
+                <a:spcPct val="200000"/>
+              </a:lnSpc>
+              <a:buFont typeface="Wingdings" panose="05000000000000000000" pitchFamily="2" charset="2"/>
+              <a:buChar char=""/>
+            </a:pPr>
+            <a:r>
+              <a:rPr lang="en-US" altLang="zh-CN" smtClean="0"/>
+              <a:t>root = tree.getroot()</a:t>
+            </a:r>
+            <a:endParaRPr lang="en-US" altLang="zh-CN" smtClean="0"/>
+          </a:p>
+          <a:p>
+            <a:pPr lvl="1" algn="l">
+              <a:lnSpc>
+                <a:spcPct val="200000"/>
+              </a:lnSpc>
+              <a:buFont typeface="Wingdings" panose="05000000000000000000" pitchFamily="2" charset="2"/>
+              <a:buChar char=""/>
+            </a:pPr>
+            <a:r>
+              <a:rPr lang="en-US" altLang="zh-CN" smtClean="0"/>
+              <a:t>for elem in root.findall(./level1/level2):</a:t>
+            </a:r>
+            <a:endParaRPr lang="en-US" altLang="zh-CN" smtClean="0"/>
+          </a:p>
+          <a:p>
+            <a:pPr lvl="2" algn="l">
+              <a:lnSpc>
+                <a:spcPct val="200000"/>
+              </a:lnSpc>
+              <a:buFont typeface="Wingdings" panose="05000000000000000000" pitchFamily="2" charset="2"/>
+              <a:buChar char=""/>
+            </a:pPr>
+            <a:r>
+              <a:rPr lang="en-US" altLang="zh-CN" smtClean="0"/>
+              <a:t>attrib = elem.attrib['attrib_name']</a:t>
+            </a:r>
+            <a:endParaRPr lang="en-US" altLang="zh-CN" smtClean="0"/>
+          </a:p>
+        </p:txBody>
+      </p:sp>
+    </p:spTree>
+  </p:cSld>
+  <p:clrMapOvr>
+    <a:masterClrMapping/>
+  </p:clrMapOvr>
+</p:sld>
+</file>
+
+<file path=ppt/slides/slide36.xml><?xml version="1.0" encoding="utf-8"?>
+<p:sld xmlns:a="http://schemas.openxmlformats.org/drawingml/2006/main" xmlns:r="http://schemas.openxmlformats.org/officeDocument/2006/relationships" xmlns:p="http://schemas.openxmlformats.org/presentationml/2006/main">
+  <p:cSld>
+    <p:spTree>
+      <p:nvGrpSpPr>
+        <p:cNvPr id="1" name=""/>
+        <p:cNvGrpSpPr/>
+        <p:nvPr/>
+      </p:nvGrpSpPr>
+      <p:grpSpPr/>
+      <p:sp>
+        <p:nvSpPr>
+          <p:cNvPr id="24578" name="标题 2"/>
+          <p:cNvSpPr>
+            <a:spLocks noGrp="1"/>
+          </p:cNvSpPr>
+          <p:nvPr>
+            <p:ph type="title"/>
+          </p:nvPr>
+        </p:nvSpPr>
+        <p:spPr/>
+        <p:txBody>
+          <a:bodyPr anchor="b">
+            <a:normAutofit/>
+          </a:bodyPr>
+          <a:p>
+            <a:r>
+              <a:rPr lang="en-US" altLang="zh-CN" smtClean="0"/>
+              <a:t>GUI</a:t>
+            </a:r>
+            <a:endParaRPr lang="en-US" altLang="zh-CN" smtClean="0"/>
+          </a:p>
+        </p:txBody>
+      </p:sp>
+      <p:sp>
+        <p:nvSpPr>
+          <p:cNvPr id="4" name="内容占位符 3"/>
+          <p:cNvSpPr>
+            <a:spLocks noGrp="1"/>
+          </p:cNvSpPr>
+          <p:nvPr>
+            <p:ph idx="1"/>
+          </p:nvPr>
+        </p:nvSpPr>
+        <p:spPr/>
+        <p:txBody>
+          <a:bodyPr>
+            <a:normAutofit fontScale="60000"/>
+          </a:bodyPr>
+          <a:p>
+            <a:pPr marL="357505" indent="-357505" algn="l">
+              <a:lnSpc>
+                <a:spcPct val="200000"/>
+              </a:lnSpc>
+              <a:buClr>
+                <a:schemeClr val="accent1"/>
+              </a:buClr>
+              <a:buSzTx/>
+              <a:buFont typeface="Wingdings" panose="05000000000000000000" pitchFamily="2" charset="2"/>
+              <a:buChar char=""/>
+            </a:pPr>
+            <a:r>
+              <a:rPr lang="en-US" altLang="zh-CN" smtClean="0"/>
+              <a:t>Tkinter</a:t>
+            </a:r>
+            <a:endParaRPr lang="en-US" altLang="zh-CN" smtClean="0"/>
+          </a:p>
+          <a:p>
+            <a:pPr lvl="1" algn="l">
+              <a:lnSpc>
+                <a:spcPct val="200000"/>
+              </a:lnSpc>
+              <a:buFont typeface="Wingdings" panose="05000000000000000000" pitchFamily="2" charset="2"/>
+              <a:buChar char=""/>
+            </a:pPr>
+            <a:r>
+              <a:rPr lang="en-US" altLang="zh-CN" smtClean="0"/>
+              <a:t>import tkinter</a:t>
+            </a:r>
+            <a:endParaRPr lang="en-US" altLang="zh-CN" smtClean="0"/>
+          </a:p>
+          <a:p>
+            <a:pPr lvl="1" algn="l">
+              <a:lnSpc>
+                <a:spcPct val="200000"/>
+              </a:lnSpc>
+              <a:buFont typeface="Wingdings" panose="05000000000000000000" pitchFamily="2" charset="2"/>
+              <a:buChar char=""/>
+            </a:pPr>
+            <a:r>
+              <a:rPr lang="en-US" altLang="zh-CN" smtClean="0"/>
+              <a:t>Tkinter._test()</a:t>
+            </a:r>
+            <a:endParaRPr lang="en-US" altLang="zh-CN" smtClean="0"/>
+          </a:p>
+          <a:p>
+            <a:pPr lvl="1" algn="l">
+              <a:lnSpc>
+                <a:spcPct val="200000"/>
+              </a:lnSpc>
+              <a:buFont typeface="Wingdings" panose="05000000000000000000" pitchFamily="2" charset="2"/>
+              <a:buChar char=""/>
+            </a:pPr>
+            <a:r>
+              <a:rPr lang="en-US" altLang="zh-CN" smtClean="0"/>
+              <a:t>Tk()	// return root widget</a:t>
+            </a:r>
+            <a:endParaRPr lang="en-US" altLang="zh-CN" smtClean="0"/>
+          </a:p>
+          <a:p>
+            <a:pPr lvl="2" algn="l">
+              <a:lnSpc>
+                <a:spcPct val="200000"/>
+              </a:lnSpc>
+              <a:buFont typeface="Wingdings" panose="05000000000000000000" pitchFamily="2" charset="2"/>
+              <a:buChar char=""/>
+            </a:pPr>
+            <a:r>
+              <a:rPr lang="en-US" altLang="zh-CN" smtClean="0"/>
+              <a:t>destroy()</a:t>
+            </a:r>
+            <a:endParaRPr lang="en-US" altLang="zh-CN" smtClean="0"/>
+          </a:p>
+          <a:p>
+            <a:pPr lvl="1" algn="l">
+              <a:lnSpc>
+                <a:spcPct val="200000"/>
+              </a:lnSpc>
+              <a:buFont typeface="Wingdings" panose="05000000000000000000" pitchFamily="2" charset="2"/>
+              <a:buChar char=""/>
+            </a:pPr>
+            <a:r>
+              <a:rPr lang="en-US" altLang="zh-CN" smtClean="0"/>
+              <a:t>Frame</a:t>
+            </a:r>
+            <a:endParaRPr lang="en-US" altLang="zh-CN" smtClean="0"/>
+          </a:p>
+          <a:p>
+            <a:pPr lvl="2" algn="l">
+              <a:lnSpc>
+                <a:spcPct val="200000"/>
+              </a:lnSpc>
+              <a:buFont typeface="Wingdings" panose="05000000000000000000" pitchFamily="2" charset="2"/>
+              <a:buChar char=""/>
+            </a:pPr>
+            <a:r>
+              <a:rPr lang="en-US" altLang="zh-CN" smtClean="0"/>
+              <a:t>mainloop()</a:t>
+            </a:r>
+            <a:endParaRPr lang="en-US" altLang="zh-CN" smtClean="0"/>
+          </a:p>
+          <a:p>
+            <a:pPr lvl="0" algn="l">
+              <a:lnSpc>
+                <a:spcPct val="200000"/>
+              </a:lnSpc>
+              <a:buFont typeface="Wingdings" panose="05000000000000000000" pitchFamily="2" charset="2"/>
+              <a:buChar char=""/>
+            </a:pPr>
+            <a:r>
+              <a:rPr lang="en-US" altLang="zh-CN" smtClean="0"/>
+              <a:t>Reference</a:t>
+            </a:r>
+            <a:endParaRPr lang="en-US" altLang="zh-CN" smtClean="0"/>
+          </a:p>
+          <a:p>
+            <a:pPr lvl="1" algn="l">
+              <a:lnSpc>
+                <a:spcPct val="200000"/>
+              </a:lnSpc>
+              <a:buFont typeface="Wingdings" panose="05000000000000000000" pitchFamily="2" charset="2"/>
+              <a:buChar char=""/>
+            </a:pPr>
+            <a:r>
+              <a:rPr lang="en-US" altLang="zh-CN" smtClean="0"/>
+              <a:t>http://infohost.nmt.edu/tcc/help/pubs/tkinter/web/index.html</a:t>
+            </a:r>
+            <a:endParaRPr lang="en-US" altLang="zh-CN" smtClean="0"/>
+          </a:p>
+        </p:txBody>
+      </p:sp>
+      <p:sp>
+        <p:nvSpPr>
+          <p:cNvPr id="2" name="文本框 1"/>
+          <p:cNvSpPr txBox="1"/>
+          <p:nvPr/>
+        </p:nvSpPr>
+        <p:spPr>
+          <a:xfrm>
+            <a:off x="7054850" y="1144270"/>
+            <a:ext cx="4228465" cy="4246245"/>
+          </a:xfrm>
+          <a:prstGeom prst="rect">
+            <a:avLst/>
+          </a:prstGeom>
+          <a:noFill/>
+          <a:ln w="12700" cmpd="sng">
+            <a:solidFill>
+              <a:schemeClr val="accent1">
+                <a:shade val="50000"/>
+              </a:schemeClr>
+            </a:solidFill>
+            <a:prstDash val="solid"/>
+          </a:ln>
+        </p:spPr>
+        <p:txBody>
+          <a:bodyPr wrap="square" rtlCol="0">
+            <a:spAutoFit/>
+          </a:bodyPr>
+          <a:p>
+            <a:r>
+              <a:rPr lang="en-US" altLang="zh-CN"/>
+              <a:t>import tkinter as tk</a:t>
+            </a:r>
+            <a:endParaRPr lang="en-US" altLang="zh-CN"/>
+          </a:p>
+          <a:p>
+            <a:r>
+              <a:rPr lang="en-US" altLang="zh-CN"/>
+              <a:t>root = tk.Tk()</a:t>
+            </a:r>
+            <a:endParaRPr lang="en-US" altLang="zh-CN"/>
+          </a:p>
+          <a:p>
+            <a:r>
+              <a:rPr lang="en-US" altLang="zh-CN"/>
+              <a:t>app = Application(master=root)</a:t>
+            </a:r>
+            <a:endParaRPr lang="en-US" altLang="zh-CN"/>
+          </a:p>
+          <a:p>
+            <a:r>
+              <a:rPr lang="en-US" altLang="zh-CN"/>
+              <a:t>app.master.title('Title')</a:t>
+            </a:r>
+            <a:endParaRPr lang="en-US" altLang="zh-CN"/>
+          </a:p>
+          <a:p>
+            <a:r>
+              <a:rPr lang="en-US" altLang="zh-CN"/>
+              <a:t>app.master.geometry('800x600')</a:t>
+            </a:r>
+            <a:endParaRPr lang="en-US" altLang="zh-CN"/>
+          </a:p>
+          <a:p>
+            <a:r>
+              <a:rPr lang="en-US" altLang="zh-CN"/>
+              <a:t>app.mainloop()</a:t>
+            </a:r>
+            <a:endParaRPr lang="en-US" altLang="zh-CN"/>
+          </a:p>
+          <a:p>
+            <a:endParaRPr lang="en-US" altLang="zh-CN"/>
+          </a:p>
+          <a:p>
+            <a:r>
+              <a:rPr lang="en-US" altLang="zh-CN"/>
+              <a:t>class Application(tk.Frame):</a:t>
+            </a:r>
+            <a:endParaRPr lang="en-US" altLang="zh-CN"/>
+          </a:p>
+          <a:p>
+            <a:r>
+              <a:rPr lang="en-US" altLang="zh-CN"/>
+              <a:t>    def __init__(self):</a:t>
+            </a:r>
+            <a:endParaRPr lang="en-US" altLang="zh-CN"/>
+          </a:p>
+          <a:p>
+            <a:r>
+              <a:rPr lang="en-US" altLang="zh-CN"/>
+              <a:t>        super().__init__(self)</a:t>
+            </a:r>
+            <a:endParaRPr lang="en-US" altLang="zh-CN"/>
+          </a:p>
+          <a:p>
+            <a:r>
+              <a:rPr lang="en-US" altLang="zh-CN"/>
+              <a:t>        self.pack()</a:t>
+            </a:r>
+            <a:endParaRPr lang="en-US" altLang="zh-CN"/>
+          </a:p>
+          <a:p>
+            <a:r>
+              <a:rPr lang="en-US" altLang="zh-CN"/>
+              <a:t>        btn = tk.Button(self, text='', command=cmd)</a:t>
+            </a:r>
+            <a:endParaRPr lang="en-US" altLang="zh-CN"/>
+          </a:p>
+          <a:p>
+            <a:r>
+              <a:rPr lang="en-US" altLang="zh-CN"/>
+              <a:t>        btn.grid(row=r, column=c, columnspan=cs)</a:t>
+            </a:r>
+            <a:endParaRPr lang="en-US" altLang="zh-CN"/>
+          </a:p>
+        </p:txBody>
+      </p:sp>
+    </p:spTree>
+  </p:cSld>
+  <p:clrMapOvr>
+    <a:masterClrMapping/>
+  </p:clrMapOvr>
+</p:sld>
+</file>
+
+<file path=ppt/slides/slide37.xml><?xml version="1.0" encoding="utf-8"?>
+<p:sld xmlns:a="http://schemas.openxmlformats.org/drawingml/2006/main" xmlns:r="http://schemas.openxmlformats.org/officeDocument/2006/relationships" xmlns:p="http://schemas.openxmlformats.org/presentationml/2006/main">
+  <p:cSld>
+    <p:spTree>
+      <p:nvGrpSpPr>
+        <p:cNvPr id="1" name=""/>
+        <p:cNvGrpSpPr/>
+        <p:nvPr/>
+      </p:nvGrpSpPr>
+      <p:grpSpPr/>
+      <p:sp>
+        <p:nvSpPr>
+          <p:cNvPr id="2" name="Title 1"/>
+          <p:cNvSpPr>
+            <a:spLocks noGrp="1"/>
+          </p:cNvSpPr>
+          <p:nvPr>
+            <p:ph type="title"/>
+          </p:nvPr>
+        </p:nvSpPr>
+        <p:spPr/>
+        <p:txBody>
+          <a:bodyPr>
+            <a:normAutofit/>
+          </a:bodyPr>
+          <a:p>
+            <a:r>
+              <a:rPr lang="x-none" altLang="en-US"/>
+              <a:t>Video</a:t>
+            </a:r>
+            <a:endParaRPr lang="x-none" altLang="en-US"/>
+          </a:p>
+        </p:txBody>
+      </p:sp>
+      <p:sp>
+        <p:nvSpPr>
+          <p:cNvPr id="3" name="Content Placeholder 2"/>
+          <p:cNvSpPr>
+            <a:spLocks noGrp="1"/>
+          </p:cNvSpPr>
+          <p:nvPr>
+            <p:ph idx="1"/>
+          </p:nvPr>
+        </p:nvSpPr>
+        <p:spPr>
+          <a:xfrm>
+            <a:off x="838200" y="1211580"/>
+            <a:ext cx="5391785" cy="5396230"/>
+          </a:xfrm>
+        </p:spPr>
+        <p:txBody>
+          <a:bodyPr>
+            <a:normAutofit fontScale="90000" lnSpcReduction="10000"/>
+          </a:bodyPr>
+          <a:p>
+            <a:r>
+              <a:rPr lang="en-US" altLang="x-none"/>
+              <a:t>scikit-video</a:t>
+            </a:r>
+            <a:endParaRPr lang="en-US" altLang="x-none"/>
+          </a:p>
+          <a:p>
+            <a:pPr lvl="1"/>
+            <a:r>
+              <a:rPr lang="en-US" altLang="x-none" sz="2000"/>
+              <a:t>pip install scikit-video</a:t>
+            </a:r>
+            <a:endParaRPr lang="en-US" altLang="x-none" sz="2000"/>
+          </a:p>
+          <a:p>
+            <a:pPr lvl="1"/>
+            <a:r>
+              <a:rPr lang="en-US" altLang="x-none"/>
+              <a:t>Based on ffmpeg or libav</a:t>
+            </a:r>
+            <a:endParaRPr lang="en-US" altLang="x-none"/>
+          </a:p>
+          <a:p>
+            <a:pPr lvl="1"/>
+            <a:r>
+              <a:rPr lang="en-US" altLang="x-none"/>
+              <a:t>import skvideo.io</a:t>
+            </a:r>
+            <a:endParaRPr lang="en-US" altLang="x-none"/>
+          </a:p>
+          <a:p>
+            <a:pPr lvl="1"/>
+            <a:r>
+              <a:rPr lang="en-US" altLang="x-none" sz="2000"/>
+              <a:t>Read</a:t>
+            </a:r>
+            <a:endParaRPr lang="en-US" altLang="x-none" sz="2000"/>
+          </a:p>
+          <a:p>
             <a:pPr lvl="2"/>
             <a:r>
-              <a:rPr lang="en-US" altLang="zh-CN" sz="1400"/>
-              <a:t>import librosa</a:t>
-            </a:r>
-            <a:endParaRPr lang="en-US" altLang="zh-CN" sz="1400"/>
+              <a:rPr lang="en-US" altLang="x-none" sz="1800"/>
+              <a:t>vread(fn)	// read all frames into mem</a:t>
+            </a:r>
+            <a:endParaRPr lang="en-US" altLang="x-none" sz="1800"/>
           </a:p>
           <a:p>
             <a:pPr lvl="2"/>
             <a:r>
-              <a:rPr lang="en-US" altLang="zh-CN" sz="1400"/>
-              <a:t>data, sample_rate = librosa.load(fn_audio)</a:t>
-            </a:r>
-            <a:endParaRPr lang="en-US" altLang="zh-CN" sz="1400"/>
+              <a:rPr lang="en-US" altLang="x-none" sz="1800"/>
+              <a:t>vreader(fn)	// frame by frame</a:t>
+            </a:r>
+            <a:endParaRPr lang="en-US" altLang="x-none" sz="1800"/>
           </a:p>
           <a:p>
             <a:pPr lvl="2"/>
             <a:r>
-              <a:rPr lang="en-US" altLang="zh-CN" sz="1400"/>
-              <a:t>import librosa.display</a:t>
-            </a:r>
-            <a:endParaRPr lang="en-US" altLang="zh-CN" sz="1400"/>
+              <a:rPr lang="en-US" altLang="x-none"/>
+              <a:t>FFmpegReader(fn, inputdict, outputdict)</a:t>
+            </a:r>
+            <a:endParaRPr lang="en-US" altLang="x-none"/>
+          </a:p>
+          <a:p>
+            <a:pPr lvl="1"/>
+            <a:r>
+              <a:rPr lang="en-US" altLang="x-none" sz="2000"/>
+              <a:t>Writer</a:t>
+            </a:r>
+            <a:endParaRPr lang="en-US" altLang="x-none" sz="2000"/>
           </a:p>
           <a:p>
             <a:pPr lvl="2"/>
             <a:r>
-              <a:rPr lang="en-US" altLang="zh-CN" sz="1400"/>
-              <a:t>plt.figure()</a:t>
-            </a:r>
-            <a:endParaRPr lang="en-US" altLang="zh-CN" sz="1400"/>
+              <a:rPr lang="en-US" altLang="x-none"/>
+              <a:t>vwrite(fn, outputdata)</a:t>
+            </a:r>
+            <a:endParaRPr lang="en-US" altLang="x-none"/>
           </a:p>
           <a:p>
             <a:pPr lvl="2"/>
             <a:r>
-              <a:rPr lang="en-US" altLang="zh-CN" sz="1400"/>
-              <a:t>librosa.dipslay.waveplot(data, sample_rate)</a:t>
-            </a:r>
-            <a:endParaRPr lang="en-US" altLang="zh-CN" sz="1400"/>
+              <a:rPr lang="en-US" altLang="x-none"/>
+              <a:t>writer = FFmpegWriter(fn, outputdict, verbosity=1)</a:t>
+            </a:r>
+            <a:endParaRPr lang="en-US" altLang="x-none"/>
           </a:p>
           <a:p>
             <a:pPr lvl="2"/>
             <a:r>
-              <a:rPr lang="en-US" altLang="zh-CN" sz="1400"/>
-              <a:t>plt.show()</a:t>
-            </a:r>
-            <a:endParaRPr lang="en-US" altLang="zh-CN" sz="1400"/>
-          </a:p>
-          <a:p>
-            <a:pPr lvl="0"/>
-            <a:r>
-              <a:rPr lang="en-US" altLang="zh-CN" sz="1800"/>
-              <a:t>pydub</a:t>
-            </a:r>
-            <a:endParaRPr lang="en-US" altLang="zh-CN" sz="1800"/>
-          </a:p>
-          <a:p>
-            <a:pPr lvl="1"/>
-            <a:r>
-              <a:rPr lang="en-US" altLang="zh-CN" sz="1600"/>
-              <a:t>pip install pydub</a:t>
-            </a:r>
-            <a:endParaRPr lang="en-US" altLang="zh-CN" sz="1600"/>
-          </a:p>
-          <a:p>
-            <a:pPr lvl="1"/>
-            <a:r>
-              <a:rPr lang="en-US" altLang="zh-CN" sz="1600"/>
-              <a:t>from pydub import AudioSegment</a:t>
-            </a:r>
-            <a:endParaRPr lang="en-US" altLang="zh-CN" sz="1600"/>
-          </a:p>
-          <a:p>
-            <a:pPr lvl="1"/>
-            <a:r>
-              <a:rPr lang="en-US" altLang="zh-CN" sz="1600"/>
-              <a:t>sound = AudioSegment.from_mp3(fn_mp3)</a:t>
-            </a:r>
-            <a:endParaRPr lang="en-US" altLang="zh-CN" sz="1600"/>
-          </a:p>
-          <a:p>
-            <a:pPr lvl="1"/>
-            <a:r>
-              <a:rPr lang="en-US" altLang="zh-CN" sz="1600"/>
-              <a:t>sound.duration_seconds</a:t>
-            </a:r>
-            <a:endParaRPr lang="en-US" altLang="zh-CN" sz="1600"/>
-          </a:p>
-          <a:p>
-            <a:pPr lvl="1"/>
-            <a:r>
-              <a:rPr lang="en-US" altLang="zh-CN" sz="1600"/>
-              <a:t>target_sound = sound[:2000]	// 2000ms</a:t>
-            </a:r>
-            <a:endParaRPr lang="en-US" altLang="zh-CN" sz="1600"/>
-          </a:p>
-          <a:p>
-            <a:pPr lvl="1"/>
-            <a:r>
-              <a:rPr lang="en-US" altLang="zh-CN" sz="1600"/>
-              <a:t>target_sound.export(fn_output, format='mp3')</a:t>
-            </a:r>
-            <a:endParaRPr lang="en-US" altLang="zh-CN" sz="1600"/>
-          </a:p>
-        </p:txBody>
-      </p:sp>
-      <p:sp>
-        <p:nvSpPr>
-          <p:cNvPr id="4" name="内容占位符 2"/>
+              <a:rPr lang="en-US" altLang="x-none"/>
+              <a:t>writer.writeFrame(frame)</a:t>
+            </a:r>
+            <a:endParaRPr lang="en-US" altLang="x-none"/>
+          </a:p>
+          <a:p>
+            <a:pPr lvl="2"/>
+            <a:r>
+              <a:rPr lang="en-US" altLang="x-none"/>
+              <a:t>writer.close()</a:t>
+            </a:r>
+            <a:endParaRPr lang="en-US" altLang="x-none"/>
+          </a:p>
+          <a:p>
+            <a:pPr lvl="1"/>
+            <a:r>
+              <a:rPr lang="en-US" altLang="x-none"/>
+              <a:t>Read metadata</a:t>
+            </a:r>
+            <a:endParaRPr lang="en-US" altLang="x-none"/>
+          </a:p>
+          <a:p>
+            <a:pPr lvl="2"/>
+            <a:r>
+              <a:rPr lang="en-US" altLang="x-none" sz="1800"/>
+              <a:t>ffprobe(fn)</a:t>
+            </a:r>
+            <a:endParaRPr lang="en-US" altLang="x-none"/>
+          </a:p>
+          <a:p>
+            <a:pPr lvl="1"/>
+            <a:r>
+              <a:rPr lang="en-US" altLang="x-none"/>
+              <a:t>Sample data</a:t>
+            </a:r>
+            <a:endParaRPr lang="en-US" altLang="x-none"/>
+          </a:p>
+          <a:p>
+            <a:pPr lvl="2"/>
+            <a:r>
+              <a:rPr lang="en-US" altLang="x-none"/>
+              <a:t>import skvideo.datasets</a:t>
+            </a:r>
+            <a:endParaRPr lang="en-US" altLang="x-none"/>
+          </a:p>
+          <a:p>
+            <a:pPr lvl="2"/>
+            <a:r>
+              <a:rPr lang="en-US" altLang="x-none"/>
+              <a:t>bigbuckbunny, bikes, fullreferencepair</a:t>
+            </a:r>
+            <a:endParaRPr lang="en-US" altLang="x-none"/>
+          </a:p>
+        </p:txBody>
+      </p:sp>
+      <p:sp>
+        <p:nvSpPr>
+          <p:cNvPr id="4" name="Content Placeholder 2"/>
           <p:cNvSpPr>
             <a:spLocks noGrp="1"/>
           </p:cNvSpPr>
@@ -11590,8 +11502,8 @@
         </p:nvSpPr>
         <p:spPr>
           <a:xfrm>
-            <a:off x="6379210" y="1237615"/>
-            <a:ext cx="5418455" cy="4549140"/>
+            <a:off x="6418580" y="1250950"/>
+            <a:ext cx="5391785" cy="4549140"/>
           </a:xfrm>
           <a:prstGeom prst="rect">
             <a:avLst/>
@@ -11766,6 +11678,460 @@
             </a:lvl9pPr>
           </a:lstStyle>
           <a:p>
+            <a:r>
+              <a:rPr lang="x-none" altLang="en-US"/>
+              <a:t>PyAv</a:t>
+            </a:r>
+            <a:endParaRPr lang="x-none" altLang="en-US"/>
+          </a:p>
+          <a:p>
+            <a:pPr lvl="1"/>
+            <a:r>
+              <a:rPr lang="x-none" altLang="en-US" sz="2000"/>
+              <a:t>Pythonic binding for FFmpeg or Libav</a:t>
+            </a:r>
+            <a:endParaRPr lang="x-none" altLang="en-US" sz="2000"/>
+          </a:p>
+          <a:p>
+            <a:pPr lvl="1"/>
+            <a:r>
+              <a:rPr lang="x-none" altLang="en-US"/>
+              <a:t>Install</a:t>
+            </a:r>
+            <a:endParaRPr lang="x-none" altLang="en-US"/>
+          </a:p>
+          <a:p>
+            <a:pPr lvl="2"/>
+            <a:r>
+              <a:rPr lang="x-none" altLang="en-US"/>
+              <a:t>sudo apt install -y python-dev pkg-config libavformat-dev libavcodec-dev libavdevice-dev libavutil-dev libswscale-dev libavresample-dev libavfilter-dev</a:t>
+            </a:r>
+            <a:endParaRPr lang="x-none" altLang="en-US"/>
+          </a:p>
+          <a:p>
+            <a:pPr lvl="2"/>
+            <a:r>
+              <a:rPr lang="x-none" altLang="en-US"/>
+              <a:t>pip install av</a:t>
+            </a:r>
+            <a:endParaRPr lang="x-none" altLang="en-US"/>
+          </a:p>
+          <a:p>
+            <a:pPr lvl="1"/>
+            <a:r>
+              <a:rPr lang="x-none" altLang="en-US"/>
+              <a:t>Usage</a:t>
+            </a:r>
+            <a:endParaRPr lang="x-none" altLang="en-US"/>
+          </a:p>
+          <a:p>
+            <a:pPr lvl="2"/>
+            <a:r>
+              <a:rPr lang="x-none" altLang="en-US"/>
+              <a:t>container = av.open(fn)</a:t>
+            </a:r>
+            <a:endParaRPr lang="x-none" altLang="en-US"/>
+          </a:p>
+        </p:txBody>
+      </p:sp>
+    </p:spTree>
+  </p:cSld>
+  <p:clrMapOvr>
+    <a:masterClrMapping/>
+  </p:clrMapOvr>
+</p:sld>
+</file>
+
+<file path=ppt/slides/slide38.xml><?xml version="1.0" encoding="utf-8"?>
+<p:sld xmlns:a="http://schemas.openxmlformats.org/drawingml/2006/main" xmlns:r="http://schemas.openxmlformats.org/officeDocument/2006/relationships" xmlns:p="http://schemas.openxmlformats.org/presentationml/2006/main">
+  <p:cSld>
+    <p:spTree>
+      <p:nvGrpSpPr>
+        <p:cNvPr id="1" name=""/>
+        <p:cNvGrpSpPr/>
+        <p:nvPr/>
+      </p:nvGrpSpPr>
+      <p:grpSpPr/>
+      <p:sp>
+        <p:nvSpPr>
+          <p:cNvPr id="2" name="标题 1"/>
+          <p:cNvSpPr>
+            <a:spLocks noGrp="1"/>
+          </p:cNvSpPr>
+          <p:nvPr>
+            <p:ph type="title"/>
+          </p:nvPr>
+        </p:nvSpPr>
+        <p:spPr/>
+        <p:txBody>
+          <a:bodyPr/>
+          <a:p>
+            <a:r>
+              <a:rPr lang="en-US" altLang="zh-CN"/>
+              <a:t>Audio</a:t>
+            </a:r>
+            <a:endParaRPr lang="en-US" altLang="zh-CN"/>
+          </a:p>
+        </p:txBody>
+      </p:sp>
+      <p:sp>
+        <p:nvSpPr>
+          <p:cNvPr id="3" name="内容占位符 2"/>
+          <p:cNvSpPr>
+            <a:spLocks noGrp="1"/>
+          </p:cNvSpPr>
+          <p:nvPr>
+            <p:ph idx="1"/>
+          </p:nvPr>
+        </p:nvSpPr>
+        <p:spPr>
+          <a:xfrm>
+            <a:off x="838200" y="1211580"/>
+            <a:ext cx="5418455" cy="5357495"/>
+          </a:xfrm>
+        </p:spPr>
+        <p:txBody>
+          <a:bodyPr>
+            <a:normAutofit lnSpcReduction="10000"/>
+          </a:bodyPr>
+          <a:p>
+            <a:r>
+              <a:rPr lang="en-US" altLang="zh-CN" sz="1800"/>
+              <a:t>References</a:t>
+            </a:r>
+            <a:endParaRPr lang="en-US" altLang="zh-CN" sz="1800"/>
+          </a:p>
+          <a:p>
+            <a:pPr lvl="1"/>
+            <a:r>
+              <a:rPr lang="en-US" altLang="zh-CN" sz="1600"/>
+              <a:t>https://wiki.python.org/moin/Audio</a:t>
+            </a:r>
+            <a:endParaRPr lang="en-US" altLang="zh-CN" sz="1600"/>
+          </a:p>
+          <a:p>
+            <a:pPr lvl="1"/>
+            <a:r>
+              <a:rPr lang="en-US" altLang="zh-CN" sz="1600"/>
+              <a:t>https://realpython.com/playing-and-recording-sound-python/</a:t>
+            </a:r>
+            <a:endParaRPr lang="en-US" altLang="zh-CN" sz="1600"/>
+          </a:p>
+          <a:p>
+            <a:r>
+              <a:rPr lang="en-US" altLang="zh-CN" sz="1800"/>
+              <a:t>Audio wave or spectrum drawing</a:t>
+            </a:r>
+            <a:endParaRPr lang="en-US" altLang="zh-CN" sz="1800"/>
+          </a:p>
+          <a:p>
+            <a:pPr lvl="1"/>
+            <a:r>
+              <a:rPr lang="en-US" altLang="zh-CN" sz="1600"/>
+              <a:t>pip install librosa</a:t>
+            </a:r>
+            <a:endParaRPr lang="en-US" altLang="zh-CN" sz="1600"/>
+          </a:p>
+          <a:p>
+            <a:pPr lvl="1"/>
+            <a:r>
+              <a:rPr lang="en-US" altLang="zh-CN" sz="1600"/>
+              <a:t>Usage</a:t>
+            </a:r>
+            <a:endParaRPr lang="en-US" altLang="zh-CN" sz="1600"/>
+          </a:p>
+          <a:p>
+            <a:pPr lvl="2"/>
+            <a:r>
+              <a:rPr lang="en-US" altLang="zh-CN" sz="1400"/>
+              <a:t>import librosa</a:t>
+            </a:r>
+            <a:endParaRPr lang="en-US" altLang="zh-CN" sz="1400"/>
+          </a:p>
+          <a:p>
+            <a:pPr lvl="2"/>
+            <a:r>
+              <a:rPr lang="en-US" altLang="zh-CN" sz="1400"/>
+              <a:t>data, sample_rate = librosa.load(fn_audio)</a:t>
+            </a:r>
+            <a:endParaRPr lang="en-US" altLang="zh-CN" sz="1400"/>
+          </a:p>
+          <a:p>
+            <a:pPr lvl="2"/>
+            <a:r>
+              <a:rPr lang="en-US" altLang="zh-CN" sz="1400"/>
+              <a:t>import librosa.display</a:t>
+            </a:r>
+            <a:endParaRPr lang="en-US" altLang="zh-CN" sz="1400"/>
+          </a:p>
+          <a:p>
+            <a:pPr lvl="2"/>
+            <a:r>
+              <a:rPr lang="en-US" altLang="zh-CN" sz="1400"/>
+              <a:t>plt.figure()</a:t>
+            </a:r>
+            <a:endParaRPr lang="en-US" altLang="zh-CN" sz="1400"/>
+          </a:p>
+          <a:p>
+            <a:pPr lvl="2"/>
+            <a:r>
+              <a:rPr lang="en-US" altLang="zh-CN" sz="1400"/>
+              <a:t>librosa.dipslay.waveplot(data, sample_rate)</a:t>
+            </a:r>
+            <a:endParaRPr lang="en-US" altLang="zh-CN" sz="1400"/>
+          </a:p>
+          <a:p>
+            <a:pPr lvl="2"/>
+            <a:r>
+              <a:rPr lang="en-US" altLang="zh-CN" sz="1400"/>
+              <a:t>plt.show()</a:t>
+            </a:r>
+            <a:endParaRPr lang="en-US" altLang="zh-CN" sz="1400"/>
+          </a:p>
+          <a:p>
+            <a:pPr lvl="0"/>
+            <a:r>
+              <a:rPr lang="en-US" altLang="zh-CN" sz="1800"/>
+              <a:t>pydub</a:t>
+            </a:r>
+            <a:endParaRPr lang="en-US" altLang="zh-CN" sz="1800"/>
+          </a:p>
+          <a:p>
+            <a:pPr lvl="1"/>
+            <a:r>
+              <a:rPr lang="en-US" altLang="zh-CN" sz="1600"/>
+              <a:t>pip install pydub</a:t>
+            </a:r>
+            <a:endParaRPr lang="en-US" altLang="zh-CN" sz="1600"/>
+          </a:p>
+          <a:p>
+            <a:pPr lvl="1"/>
+            <a:r>
+              <a:rPr lang="en-US" altLang="zh-CN" sz="1600"/>
+              <a:t>from pydub import AudioSegment</a:t>
+            </a:r>
+            <a:endParaRPr lang="en-US" altLang="zh-CN" sz="1600"/>
+          </a:p>
+          <a:p>
+            <a:pPr lvl="1"/>
+            <a:r>
+              <a:rPr lang="en-US" altLang="zh-CN" sz="1600"/>
+              <a:t>sound = AudioSegment.from_mp3(fn_mp3)</a:t>
+            </a:r>
+            <a:endParaRPr lang="en-US" altLang="zh-CN" sz="1600"/>
+          </a:p>
+          <a:p>
+            <a:pPr lvl="1"/>
+            <a:r>
+              <a:rPr lang="en-US" altLang="zh-CN" sz="1600"/>
+              <a:t>sound.duration_seconds</a:t>
+            </a:r>
+            <a:endParaRPr lang="en-US" altLang="zh-CN" sz="1600"/>
+          </a:p>
+          <a:p>
+            <a:pPr lvl="1"/>
+            <a:r>
+              <a:rPr lang="en-US" altLang="zh-CN" sz="1600"/>
+              <a:t>target_sound = sound[:2000]	// 2000ms</a:t>
+            </a:r>
+            <a:endParaRPr lang="en-US" altLang="zh-CN" sz="1600"/>
+          </a:p>
+          <a:p>
+            <a:pPr lvl="1"/>
+            <a:r>
+              <a:rPr lang="en-US" altLang="zh-CN" sz="1600"/>
+              <a:t>target_sound.export(fn_output, format='mp3')</a:t>
+            </a:r>
+            <a:endParaRPr lang="en-US" altLang="zh-CN" sz="1600"/>
+          </a:p>
+        </p:txBody>
+      </p:sp>
+      <p:sp>
+        <p:nvSpPr>
+          <p:cNvPr id="4" name="内容占位符 2"/>
+          <p:cNvSpPr>
+            <a:spLocks noGrp="1"/>
+          </p:cNvSpPr>
+          <p:nvPr/>
+        </p:nvSpPr>
+        <p:spPr>
+          <a:xfrm>
+            <a:off x="6379210" y="1237615"/>
+            <a:ext cx="5418455" cy="4549140"/>
+          </a:xfrm>
+          <a:prstGeom prst="rect">
+            <a:avLst/>
+          </a:prstGeom>
+        </p:spPr>
+        <p:txBody>
+          <a:bodyPr vert="horz" lIns="91440" tIns="45720" rIns="91440" bIns="45720" rtlCol="0">
+            <a:normAutofit/>
+          </a:bodyPr>
+          <a:lstStyle>
+            <a:lvl1pPr marL="342900" indent="-342900" algn="l" defTabSz="914400" rtl="0" eaLnBrk="1" latinLnBrk="0" hangingPunct="1">
+              <a:lnSpc>
+                <a:spcPct val="90000"/>
+              </a:lnSpc>
+              <a:spcBef>
+                <a:spcPts val="1000"/>
+              </a:spcBef>
+              <a:buFont typeface="黑体" panose="02010609060101010101" pitchFamily="49" charset="-122"/>
+              <a:buChar char="〉"/>
+              <a:defRPr sz="2400" kern="1200">
+                <a:solidFill>
+                  <a:schemeClr val="tx1"/>
+                </a:solidFill>
+                <a:latin typeface="+mn-lt"/>
+                <a:ea typeface="+mn-ea"/>
+                <a:cs typeface="+mn-cs"/>
+              </a:defRPr>
+            </a:lvl1pPr>
+            <a:lvl2pPr marL="800100" indent="-342900" algn="l" defTabSz="914400" rtl="0" eaLnBrk="1" latinLnBrk="0" hangingPunct="1">
+              <a:lnSpc>
+                <a:spcPct val="90000"/>
+              </a:lnSpc>
+              <a:spcBef>
+                <a:spcPts val="500"/>
+              </a:spcBef>
+              <a:buFont typeface="Arial" panose="020B0604020202020204" pitchFamily="34" charset="0"/>
+              <a:buChar char="•"/>
+              <a:defRPr sz="2000" kern="1200">
+                <a:solidFill>
+                  <a:schemeClr val="tx1"/>
+                </a:solidFill>
+                <a:latin typeface="+mn-lt"/>
+                <a:ea typeface="+mn-ea"/>
+                <a:cs typeface="+mn-cs"/>
+              </a:defRPr>
+            </a:lvl2pPr>
+            <a:lvl3pPr marL="1257300" indent="-342900" algn="l" defTabSz="914400" rtl="0" eaLnBrk="1" latinLnBrk="0" hangingPunct="1">
+              <a:lnSpc>
+                <a:spcPct val="90000"/>
+              </a:lnSpc>
+              <a:spcBef>
+                <a:spcPts val="500"/>
+              </a:spcBef>
+              <a:buFont typeface="Arial" panose="020B0604020202020204" pitchFamily="34" charset="0"/>
+              <a:buChar char="•"/>
+              <a:defRPr sz="1800" kern="1200">
+                <a:solidFill>
+                  <a:schemeClr val="tx1"/>
+                </a:solidFill>
+                <a:latin typeface="+mn-lt"/>
+                <a:ea typeface="+mn-ea"/>
+                <a:cs typeface="+mn-cs"/>
+              </a:defRPr>
+            </a:lvl3pPr>
+            <a:lvl4pPr marL="1657350" indent="-285750" algn="l" defTabSz="914400" rtl="0" eaLnBrk="1" latinLnBrk="0" hangingPunct="1">
+              <a:lnSpc>
+                <a:spcPct val="90000"/>
+              </a:lnSpc>
+              <a:spcBef>
+                <a:spcPts val="500"/>
+              </a:spcBef>
+              <a:buFont typeface="Arial" panose="020B0604020202020204" pitchFamily="34" charset="0"/>
+              <a:buChar char="•"/>
+              <a:defRPr sz="1800" kern="1200">
+                <a:solidFill>
+                  <a:schemeClr val="tx1"/>
+                </a:solidFill>
+                <a:latin typeface="+mn-lt"/>
+                <a:ea typeface="+mn-ea"/>
+                <a:cs typeface="+mn-cs"/>
+              </a:defRPr>
+            </a:lvl4pPr>
+            <a:lvl5pPr marL="2114550" indent="-285750" algn="l" defTabSz="914400" rtl="0" eaLnBrk="1" latinLnBrk="0" hangingPunct="1">
+              <a:lnSpc>
+                <a:spcPct val="90000"/>
+              </a:lnSpc>
+              <a:spcBef>
+                <a:spcPts val="500"/>
+              </a:spcBef>
+              <a:buFont typeface="Arial" panose="020B0604020202020204" pitchFamily="34" charset="0"/>
+              <a:buChar char="•"/>
+              <a:defRPr sz="1800" kern="1200">
+                <a:solidFill>
+                  <a:schemeClr val="tx1"/>
+                </a:solidFill>
+                <a:latin typeface="+mn-lt"/>
+                <a:ea typeface="+mn-ea"/>
+                <a:cs typeface="+mn-cs"/>
+              </a:defRPr>
+            </a:lvl5pPr>
+            <a:lvl6pPr marL="2514600" indent="-228600" algn="l" defTabSz="914400" rtl="0" eaLnBrk="1" latinLnBrk="0" hangingPunct="1">
+              <a:lnSpc>
+                <a:spcPct val="90000"/>
+              </a:lnSpc>
+              <a:spcBef>
+                <a:spcPts val="500"/>
+              </a:spcBef>
+              <a:buFont typeface="Arial" panose="020B0604020202020204" pitchFamily="34" charset="0"/>
+              <a:buChar char="•"/>
+              <a:defRPr sz="1800" kern="1200">
+                <a:solidFill>
+                  <a:schemeClr val="tx1"/>
+                </a:solidFill>
+                <a:latin typeface="+mn-lt"/>
+                <a:ea typeface="+mn-ea"/>
+                <a:cs typeface="+mn-cs"/>
+              </a:defRPr>
+            </a:lvl6pPr>
+            <a:lvl7pPr marL="2971800" indent="-228600" algn="l" defTabSz="914400" rtl="0" eaLnBrk="1" latinLnBrk="0" hangingPunct="1">
+              <a:lnSpc>
+                <a:spcPct val="90000"/>
+              </a:lnSpc>
+              <a:spcBef>
+                <a:spcPts val="500"/>
+              </a:spcBef>
+              <a:buFont typeface="Arial" panose="020B0604020202020204" pitchFamily="34" charset="0"/>
+              <a:buChar char="•"/>
+              <a:defRPr sz="1800" kern="1200">
+                <a:solidFill>
+                  <a:schemeClr val="tx1"/>
+                </a:solidFill>
+                <a:latin typeface="+mn-lt"/>
+                <a:ea typeface="+mn-ea"/>
+                <a:cs typeface="+mn-cs"/>
+              </a:defRPr>
+            </a:lvl7pPr>
+            <a:lvl8pPr marL="3429000" indent="-228600" algn="l" defTabSz="914400" rtl="0" eaLnBrk="1" latinLnBrk="0" hangingPunct="1">
+              <a:lnSpc>
+                <a:spcPct val="90000"/>
+              </a:lnSpc>
+              <a:spcBef>
+                <a:spcPts val="500"/>
+              </a:spcBef>
+              <a:buFont typeface="Arial" panose="020B0604020202020204" pitchFamily="34" charset="0"/>
+              <a:buChar char="•"/>
+              <a:defRPr sz="1800" kern="1200">
+                <a:solidFill>
+                  <a:schemeClr val="tx1"/>
+                </a:solidFill>
+                <a:latin typeface="+mn-lt"/>
+                <a:ea typeface="+mn-ea"/>
+                <a:cs typeface="+mn-cs"/>
+              </a:defRPr>
+            </a:lvl8pPr>
+            <a:lvl9pPr marL="3886200" indent="-228600" algn="l" defTabSz="914400" rtl="0" eaLnBrk="1" latinLnBrk="0" hangingPunct="1">
+              <a:lnSpc>
+                <a:spcPct val="90000"/>
+              </a:lnSpc>
+              <a:spcBef>
+                <a:spcPts val="500"/>
+              </a:spcBef>
+              <a:buFont typeface="Arial" panose="020B0604020202020204" pitchFamily="34" charset="0"/>
+              <a:buChar char="•"/>
+              <a:defRPr sz="1800" kern="1200">
+                <a:solidFill>
+                  <a:schemeClr val="tx1"/>
+                </a:solidFill>
+                <a:latin typeface="+mn-lt"/>
+                <a:ea typeface="+mn-ea"/>
+                <a:cs typeface="+mn-cs"/>
+              </a:defRPr>
+            </a:lvl9pPr>
+          </a:lstStyle>
+          <a:p>
             <a:pPr lvl="0"/>
             <a:r>
               <a:rPr lang="en-US" altLang="zh-CN" sz="2400">
@@ -15289,6 +15655,14 @@
             <a:endParaRPr lang="en-US" altLang="en-US"/>
           </a:p>
           <a:p>
+            <a:pPr lvl="1"/>
+            <a:r>
+              <a:rPr lang="en-US" altLang="en-US"/>
+              <a:t>scripts\activate.bat</a:t>
+            </a:r>
+            <a:endParaRPr lang="en-US" altLang="en-US"/>
+          </a:p>
+          <a:p>
             <a:pPr lvl="0"/>
             <a:r>
               <a:rPr lang="en-US" altLang="en-US"/>
@@ -15727,9 +16101,16 @@
             <p:ph idx="1"/>
           </p:nvPr>
         </p:nvSpPr>
-        <p:spPr/>
-        <p:txBody>
-          <a:bodyPr/>
+        <p:spPr>
+          <a:xfrm>
+            <a:off x="838200" y="1211580"/>
+            <a:ext cx="6486525" cy="4549140"/>
+          </a:xfrm>
+        </p:spPr>
+        <p:txBody>
+          <a:bodyPr>
+            <a:normAutofit lnSpcReduction="10000"/>
+          </a:bodyPr>
           <a:p>
             <a:r>
               <a:rPr lang="en-US" altLang="zh-CN"/>
@@ -15741,11 +16122,35 @@
             <a:pPr lvl="1"/>
             <a:r>
               <a:rPr lang="en-US" altLang="zh-CN"/>
+              <a:t>MUST run on Windows</a:t>
+            </a:r>
+            <a:endParaRPr lang="en-US" altLang="zh-CN"/>
+          </a:p>
+          <a:p>
+            <a:pPr lvl="2"/>
+            <a:r>
+              <a:rPr lang="en-US" altLang="zh-CN"/>
               <a:t>pip install py2exe</a:t>
             </a:r>
             <a:endParaRPr lang="en-US" altLang="zh-CN"/>
           </a:p>
           <a:p>
+            <a:pPr lvl="2"/>
+            <a:r>
+              <a:rPr lang="en-US" altLang="zh-CN"/>
+              <a:t>Create setup.py</a:t>
+            </a:r>
+            <a:endParaRPr lang="en-US" altLang="zh-CN"/>
+          </a:p>
+          <a:p>
+            <a:pPr lvl="2"/>
+            <a:r>
+              <a:rPr lang="en-US" altLang="zh-CN"/>
+              <a:t>python ./setup.py py2exe</a:t>
+            </a:r>
+            <a:endParaRPr lang="en-US" altLang="zh-CN"/>
+          </a:p>
+          <a:p>
             <a:pPr lvl="1"/>
             <a:r>
               <a:rPr lang="en-US" altLang="zh-CN"/>
@@ -15814,6 +16219,110 @@
             <a:r>
               <a:rPr lang="en-US" altLang="zh-CN"/>
               <a:t>-F: one-file bundled executable</a:t>
+            </a:r>
+            <a:endParaRPr lang="en-US" altLang="zh-CN"/>
+          </a:p>
+        </p:txBody>
+      </p:sp>
+      <p:sp>
+        <p:nvSpPr>
+          <p:cNvPr id="10" name="文本框 9"/>
+          <p:cNvSpPr txBox="1"/>
+          <p:nvPr/>
+        </p:nvSpPr>
+        <p:spPr>
+          <a:xfrm>
+            <a:off x="6621780" y="1386840"/>
+            <a:ext cx="4949190" cy="3138170"/>
+          </a:xfrm>
+          <a:prstGeom prst="rect">
+            <a:avLst/>
+          </a:prstGeom>
+          <a:noFill/>
+          <a:ln>
+            <a:solidFill>
+              <a:srgbClr val="FFC000"/>
+            </a:solidFill>
+          </a:ln>
+        </p:spPr>
+        <p:txBody>
+          <a:bodyPr wrap="square" rtlCol="0">
+            <a:spAutoFit/>
+          </a:bodyPr>
+          <a:p>
+            <a:r>
+              <a:rPr lang="en-US" altLang="zh-CN"/>
+              <a:t># setup.py</a:t>
+            </a:r>
+            <a:endParaRPr lang="en-US" altLang="zh-CN"/>
+          </a:p>
+          <a:p>
+            <a:r>
+              <a:rPr lang="en-US" altLang="zh-CN"/>
+              <a:t>from distutils.core import setup</a:t>
+            </a:r>
+            <a:endParaRPr lang="en-US" altLang="zh-CN"/>
+          </a:p>
+          <a:p>
+            <a:r>
+              <a:rPr lang="en-US" altLang="zh-CN"/>
+              <a:t>import py2exe</a:t>
+            </a:r>
+            <a:endParaRPr lang="en-US" altLang="zh-CN"/>
+          </a:p>
+          <a:p>
+            <a:r>
+              <a:rPr lang="en-US" altLang="zh-CN"/>
+              <a:t>setup(</a:t>
+            </a:r>
+            <a:endParaRPr lang="en-US" altLang="zh-CN"/>
+          </a:p>
+          <a:p>
+            <a:r>
+              <a:rPr lang="en-US" altLang="zh-CN"/>
+              <a:t>	console=['myscript.py'],</a:t>
+            </a:r>
+            <a:endParaRPr lang="en-US" altLang="zh-CN"/>
+          </a:p>
+          <a:p>
+            <a:r>
+              <a:rPr lang="en-US" altLang="zh-CN"/>
+              <a:t>	options={</a:t>
+            </a:r>
+            <a:endParaRPr lang="en-US" altLang="zh-CN"/>
+          </a:p>
+          <a:p>
+            <a:r>
+              <a:rPr lang="en-US" altLang="zh-CN"/>
+              <a:t>		'py2exe': {</a:t>
+            </a:r>
+            <a:endParaRPr lang="en-US" altLang="zh-CN"/>
+          </a:p>
+          <a:p>
+            <a:r>
+              <a:rPr lang="en-US" altLang="zh-CN"/>
+              <a:t>			'packages': ['libaray']</a:t>
+            </a:r>
+            <a:endParaRPr lang="en-US" altLang="zh-CN"/>
+          </a:p>
+          <a:p>
+            <a:r>
+              <a:rPr lang="en-US" altLang="zh-CN"/>
+              <a:t>			}</a:t>
+            </a:r>
+            <a:endParaRPr lang="en-US" altLang="zh-CN"/>
+          </a:p>
+          <a:p>
+            <a:r>
+              <a:rPr lang="en-US" altLang="zh-CN"/>
+              <a:t>		}</a:t>
+            </a:r>
+            <a:endParaRPr lang="en-US" altLang="zh-CN"/>
+          </a:p>
+          <a:p>
+            <a:r>
+              <a:rPr lang="en-US" altLang="zh-CN"/>
+              <a:t>)</a:t>
             </a:r>
             <a:endParaRPr lang="en-US" altLang="zh-CN"/>
           </a:p>
@@ -15828,6 +16337,166 @@
 </file>
 
 <file path=ppt/slides/slide55.xml><?xml version="1.0" encoding="utf-8"?>
+<p:sld xmlns:a="http://schemas.openxmlformats.org/drawingml/2006/main" xmlns:r="http://schemas.openxmlformats.org/officeDocument/2006/relationships" xmlns:p="http://schemas.openxmlformats.org/presentationml/2006/main">
+  <p:cSld>
+    <p:spTree>
+      <p:nvGrpSpPr>
+        <p:cNvPr id="1" name=""/>
+        <p:cNvGrpSpPr/>
+        <p:nvPr/>
+      </p:nvGrpSpPr>
+      <p:grpSpPr/>
+      <p:sp>
+        <p:nvSpPr>
+          <p:cNvPr id="2" name="标题 1"/>
+          <p:cNvSpPr>
+            <a:spLocks noGrp="1"/>
+          </p:cNvSpPr>
+          <p:nvPr>
+            <p:ph type="title"/>
+          </p:nvPr>
+        </p:nvSpPr>
+        <p:spPr/>
+        <p:txBody>
+          <a:bodyPr/>
+          <a:p>
+            <a:r>
+              <a:rPr lang="en-US" altLang="zh-CN"/>
+              <a:t>Performance</a:t>
+            </a:r>
+            <a:endParaRPr lang="en-US" altLang="zh-CN"/>
+          </a:p>
+        </p:txBody>
+      </p:sp>
+      <p:sp>
+        <p:nvSpPr>
+          <p:cNvPr id="3" name="内容占位符 2"/>
+          <p:cNvSpPr>
+            <a:spLocks noGrp="1"/>
+          </p:cNvSpPr>
+          <p:nvPr>
+            <p:ph idx="1"/>
+          </p:nvPr>
+        </p:nvSpPr>
+        <p:spPr>
+          <a:xfrm>
+            <a:off x="838200" y="1211580"/>
+            <a:ext cx="6891020" cy="4549140"/>
+          </a:xfrm>
+        </p:spPr>
+        <p:txBody>
+          <a:bodyPr/>
+          <a:p>
+            <a:r>
+              <a:rPr lang="en-US" altLang="zh-CN"/>
+              <a:t>Refer</a:t>
+            </a:r>
+            <a:endParaRPr lang="en-US" altLang="zh-CN"/>
+          </a:p>
+          <a:p>
+            <a:pPr lvl="1"/>
+            <a:r>
+              <a:rPr lang="en-US" altLang="zh-CN"/>
+              <a:t>https://stackify.com/20-simple-python-performance-tuning-tips/</a:t>
+            </a:r>
+            <a:endParaRPr lang="en-US" altLang="zh-CN"/>
+          </a:p>
+          <a:p>
+            <a:pPr lvl="0"/>
+            <a:r>
+              <a:rPr lang="en-US" altLang="zh-CN"/>
+              <a:t>List vs. Set</a:t>
+            </a:r>
+            <a:endParaRPr lang="en-US" altLang="zh-CN"/>
+          </a:p>
+          <a:p>
+            <a:pPr lvl="1"/>
+            <a:r>
+              <a:rPr lang="en-US" altLang="zh-CN"/>
+              <a:t>set.add() is much faster than a list, may be 500 times faster for large list.</a:t>
+            </a:r>
+            <a:endParaRPr lang="en-US" altLang="zh-CN"/>
+          </a:p>
+        </p:txBody>
+      </p:sp>
+      <p:sp>
+        <p:nvSpPr>
+          <p:cNvPr id="10" name="文本框 9"/>
+          <p:cNvSpPr txBox="1"/>
+          <p:nvPr/>
+        </p:nvSpPr>
+        <p:spPr>
+          <a:xfrm>
+            <a:off x="7729220" y="1386840"/>
+            <a:ext cx="4246245" cy="2861310"/>
+          </a:xfrm>
+          <a:prstGeom prst="rect">
+            <a:avLst/>
+          </a:prstGeom>
+          <a:noFill/>
+          <a:ln>
+            <a:solidFill>
+              <a:srgbClr val="FFC000"/>
+            </a:solidFill>
+          </a:ln>
+        </p:spPr>
+        <p:txBody>
+          <a:bodyPr wrap="square" rtlCol="0">
+            <a:spAutoFit/>
+          </a:bodyPr>
+          <a:p>
+            <a:r>
+              <a:rPr lang="en-US" altLang="zh-CN"/>
+              <a:t>set1 ={1, 2, 3}</a:t>
+            </a:r>
+            <a:endParaRPr lang="en-US" altLang="zh-CN"/>
+          </a:p>
+          <a:p>
+            <a:r>
+              <a:rPr lang="en-US" altLang="zh-CN"/>
+              <a:t>set2 = {1, 3, 5}</a:t>
+            </a:r>
+            <a:endParaRPr lang="en-US" altLang="zh-CN"/>
+          </a:p>
+          <a:p>
+            <a:r>
+              <a:rPr lang="en-US" altLang="zh-CN"/>
+              <a:t>set1 | set2	# union, in set1 or set2</a:t>
+            </a:r>
+            <a:endParaRPr lang="en-US" altLang="zh-CN"/>
+          </a:p>
+          <a:p>
+            <a:r>
+              <a:rPr lang="en-US" altLang="zh-CN"/>
+              <a:t>set1 &amp; set2	# intersection, both in set1 and in set 2</a:t>
+            </a:r>
+            <a:endParaRPr lang="en-US" altLang="zh-CN"/>
+          </a:p>
+          <a:p>
+            <a:r>
+              <a:rPr lang="en-US" altLang="zh-CN"/>
+              <a:t>set1 - set2	# diff, in set1 but not in set2</a:t>
+            </a:r>
+            <a:endParaRPr lang="en-US" altLang="zh-CN"/>
+          </a:p>
+          <a:p>
+            <a:r>
+              <a:rPr lang="en-US" altLang="zh-CN"/>
+              <a:t>set1 ^ set2	# symmetric diff, only in set1 or set2</a:t>
+            </a:r>
+            <a:endParaRPr lang="en-US" altLang="zh-CN"/>
+          </a:p>
+        </p:txBody>
+      </p:sp>
+    </p:spTree>
+  </p:cSld>
+  <p:clrMapOvr>
+    <a:masterClrMapping/>
+  </p:clrMapOvr>
+</p:sld>
+</file>
+
+<file path=ppt/slides/slide56.xml><?xml version="1.0" encoding="utf-8"?>
 <p:sld xmlns:a="http://schemas.openxmlformats.org/drawingml/2006/main" xmlns:r="http://schemas.openxmlformats.org/officeDocument/2006/relationships" xmlns:p="http://schemas.openxmlformats.org/presentationml/2006/main">
   <p:cSld>
     <p:spTree>
@@ -16281,7 +16950,7 @@
 </p:sld>
 </file>
 
-<file path=ppt/slides/slide56.xml><?xml version="1.0" encoding="utf-8"?>
+<file path=ppt/slides/slide57.xml><?xml version="1.0" encoding="utf-8"?>
 <p:sld xmlns:a="http://schemas.openxmlformats.org/drawingml/2006/main" xmlns:r="http://schemas.openxmlformats.org/officeDocument/2006/relationships" xmlns:p="http://schemas.openxmlformats.org/presentationml/2006/main">
   <p:cSld>
     <p:spTree>
@@ -16351,7 +17020,7 @@
 </p:sld>
 </file>
 
-<file path=ppt/slides/slide57.xml><?xml version="1.0" encoding="utf-8"?>
+<file path=ppt/slides/slide58.xml><?xml version="1.0" encoding="utf-8"?>
 <p:sld xmlns:a="http://schemas.openxmlformats.org/drawingml/2006/main" xmlns:r="http://schemas.openxmlformats.org/officeDocument/2006/relationships" xmlns:p="http://schemas.openxmlformats.org/presentationml/2006/main">
   <p:cSld>
     <p:spTree>
@@ -17214,74 +17883,279 @@
           <a:bodyPr/>
           <a:p>
             <a:r>
-              <a:rPr lang="en-US" altLang="zh-CN"/>
+              <a:rPr lang="en-US" altLang="zh-CN">
+                <a:solidFill>
+                  <a:schemeClr val="bg1">
+                    <a:lumMod val="50000"/>
+                  </a:schemeClr>
+                </a:solidFill>
+              </a:rPr>
               <a:t>Obfuscate</a:t>
             </a:r>
-            <a:endParaRPr lang="en-US" altLang="zh-CN"/>
-          </a:p>
-          <a:p>
-            <a:pPr lvl="1"/>
-            <a:r>
-              <a:rPr lang="en-US" altLang="zh-CN"/>
+            <a:endParaRPr lang="en-US" altLang="zh-CN">
+              <a:solidFill>
+                <a:schemeClr val="bg1">
+                  <a:lumMod val="50000"/>
+                </a:schemeClr>
+              </a:solidFill>
+            </a:endParaRPr>
+          </a:p>
+          <a:p>
+            <a:pPr lvl="1"/>
+            <a:r>
+              <a:rPr lang="en-US" altLang="zh-CN">
+                <a:solidFill>
+                  <a:schemeClr val="bg1">
+                    <a:lumMod val="50000"/>
+                  </a:schemeClr>
+                </a:solidFill>
+              </a:rPr>
               <a:t>pip install pyarmor</a:t>
             </a:r>
-            <a:endParaRPr lang="en-US" altLang="zh-CN"/>
-          </a:p>
-          <a:p>
-            <a:pPr lvl="1"/>
-            <a:r>
-              <a:rPr lang="en-US" altLang="zh-CN"/>
+            <a:endParaRPr lang="en-US" altLang="zh-CN">
+              <a:solidFill>
+                <a:schemeClr val="bg1">
+                  <a:lumMod val="50000"/>
+                </a:schemeClr>
+              </a:solidFill>
+            </a:endParaRPr>
+          </a:p>
+          <a:p>
+            <a:pPr lvl="1"/>
+            <a:r>
+              <a:rPr lang="en-US" altLang="zh-CN">
+                <a:solidFill>
+                  <a:schemeClr val="bg1">
+                    <a:lumMod val="50000"/>
+                  </a:schemeClr>
+                </a:solidFill>
+              </a:rPr>
               <a:t>pyarmor obfuscate foo.py</a:t>
             </a:r>
-            <a:endParaRPr lang="en-US" altLang="zh-CN"/>
-          </a:p>
-          <a:p>
-            <a:pPr lvl="1"/>
-            <a:r>
-              <a:rPr lang="en-US" altLang="zh-CN"/>
+            <a:endParaRPr lang="en-US" altLang="zh-CN">
+              <a:solidFill>
+                <a:schemeClr val="bg1">
+                  <a:lumMod val="50000"/>
+                </a:schemeClr>
+              </a:solidFill>
+            </a:endParaRPr>
+          </a:p>
+          <a:p>
+            <a:pPr lvl="1"/>
+            <a:r>
+              <a:rPr lang="en-US" altLang="zh-CN">
+                <a:solidFill>
+                  <a:schemeClr val="bg1">
+                    <a:lumMod val="50000"/>
+                  </a:schemeClr>
+                </a:solidFill>
+              </a:rPr>
               <a:t>Build for other platforms different from current host</a:t>
             </a:r>
-            <a:endParaRPr lang="en-US" altLang="zh-CN"/>
+            <a:endParaRPr lang="en-US" altLang="zh-CN">
+              <a:solidFill>
+                <a:schemeClr val="bg1">
+                  <a:lumMod val="50000"/>
+                </a:schemeClr>
+              </a:solidFill>
+            </a:endParaRPr>
           </a:p>
           <a:p>
             <a:pPr lvl="2"/>
             <a:r>
-              <a:rPr lang="en-US" altLang="zh-CN"/>
+              <a:rPr lang="en-US" altLang="zh-CN">
+                <a:solidFill>
+                  <a:schemeClr val="bg1">
+                    <a:lumMod val="50000"/>
+                  </a:schemeClr>
+                </a:solidFill>
+              </a:rPr>
               <a:t>pyarmor download</a:t>
             </a:r>
-            <a:endParaRPr lang="en-US" altLang="zh-CN"/>
+            <a:endParaRPr lang="en-US" altLang="zh-CN">
+              <a:solidFill>
+                <a:schemeClr val="bg1">
+                  <a:lumMod val="50000"/>
+                </a:schemeClr>
+              </a:solidFill>
+            </a:endParaRPr>
           </a:p>
           <a:p>
             <a:pPr lvl="2"/>
             <a:r>
-              <a:rPr lang="en-US" altLang="zh-CN"/>
+              <a:rPr lang="en-US" altLang="zh-CN">
+                <a:solidFill>
+                  <a:schemeClr val="bg1">
+                    <a:lumMod val="50000"/>
+                  </a:schemeClr>
+                </a:solidFill>
+              </a:rPr>
               <a:t>pyarmor obfuscate --platform &lt;platform-name&gt; a.py</a:t>
             </a:r>
-            <a:endParaRPr lang="en-US" altLang="zh-CN"/>
-          </a:p>
-          <a:p>
-            <a:pPr lvl="1"/>
-            <a:r>
-              <a:rPr lang="en-US" altLang="zh-CN" sz="2000"/>
+            <a:endParaRPr lang="en-US" altLang="zh-CN">
+              <a:solidFill>
+                <a:schemeClr val="bg1">
+                  <a:lumMod val="50000"/>
+                </a:schemeClr>
+              </a:solidFill>
+            </a:endParaRPr>
+          </a:p>
+          <a:p>
+            <a:pPr lvl="1"/>
+            <a:r>
+              <a:rPr lang="en-US" altLang="zh-CN" sz="2000">
+                <a:solidFill>
+                  <a:schemeClr val="bg1">
+                    <a:lumMod val="50000"/>
+                  </a:schemeClr>
+                </a:solidFill>
+              </a:rPr>
               <a:t>--restrict=0</a:t>
             </a:r>
-            <a:endParaRPr lang="en-US" altLang="zh-CN"/>
-          </a:p>
-          <a:p>
-            <a:pPr lvl="1"/>
-            <a:r>
-              <a:rPr lang="en-US" altLang="zh-CN"/>
+            <a:endParaRPr lang="en-US" altLang="zh-CN">
+              <a:solidFill>
+                <a:schemeClr val="bg1">
+                  <a:lumMod val="50000"/>
+                </a:schemeClr>
+              </a:solidFill>
+            </a:endParaRPr>
+          </a:p>
+          <a:p>
+            <a:pPr lvl="1"/>
+            <a:r>
+              <a:rPr lang="en-US" altLang="zh-CN">
+                <a:solidFill>
+                  <a:schemeClr val="bg1">
+                    <a:lumMod val="50000"/>
+                  </a:schemeClr>
+                </a:solidFill>
+              </a:rPr>
               <a:t>Obfuscate whole package</a:t>
             </a:r>
-            <a:endParaRPr lang="en-US" altLang="zh-CN"/>
+            <a:endParaRPr lang="en-US" altLang="zh-CN">
+              <a:solidFill>
+                <a:schemeClr val="bg1">
+                  <a:lumMod val="50000"/>
+                </a:schemeClr>
+              </a:solidFill>
+            </a:endParaRPr>
           </a:p>
           <a:p>
             <a:pPr lvl="2"/>
             <a:r>
-              <a:rPr lang="en-US" altLang="zh-CN"/>
+              <a:rPr lang="en-US" altLang="zh-CN">
+                <a:solidFill>
+                  <a:schemeClr val="bg1">
+                    <a:lumMod val="50000"/>
+                  </a:schemeClr>
+                </a:solidFill>
+              </a:rPr>
               <a:t>pyarmor obfuscate --recursive --output dist/pkg pkg/__init__.py</a:t>
             </a:r>
-            <a:endParaRPr lang="en-US" altLang="zh-CN"/>
+            <a:endParaRPr lang="en-US" altLang="zh-CN">
+              <a:solidFill>
+                <a:schemeClr val="bg1">
+                  <a:lumMod val="50000"/>
+                </a:schemeClr>
+              </a:solidFill>
+            </a:endParaRPr>
+          </a:p>
+          <a:p>
+            <a:pPr lvl="0"/>
+            <a:r>
+              <a:rPr lang="en-US" altLang="zh-CN"/>
+              <a:t>Cythonize</a:t>
+            </a:r>
+            <a:endParaRPr lang="en-US" altLang="zh-CN"/>
+          </a:p>
+          <a:p>
+            <a:pPr lvl="1"/>
+            <a:r>
+              <a:rPr lang="en-US" altLang="zh-CN"/>
+              <a:t>Create setup.py</a:t>
+            </a:r>
+            <a:endParaRPr lang="en-US" altLang="zh-CN"/>
+          </a:p>
+          <a:p>
+            <a:pPr lvl="1"/>
+            <a:r>
+              <a:rPr lang="en-US" altLang="zh-CN"/>
+              <a:t>python ./setup.py build_ext --inplace</a:t>
+            </a:r>
+            <a:endParaRPr lang="en-US" altLang="zh-CN"/>
+          </a:p>
+          <a:p>
+            <a:pPr lvl="2"/>
+            <a:r>
+              <a:rPr lang="en-US" altLang="zh-CN"/>
+              <a:t>output .so file, which can be used by python transparently</a:t>
+            </a:r>
+            <a:endParaRPr lang="en-US" altLang="zh-CN"/>
+          </a:p>
+        </p:txBody>
+      </p:sp>
+      <p:sp>
+        <p:nvSpPr>
+          <p:cNvPr id="4" name="文本框 3"/>
+          <p:cNvSpPr txBox="1"/>
+          <p:nvPr/>
+        </p:nvSpPr>
+        <p:spPr>
+          <a:xfrm>
+            <a:off x="8042910" y="914400"/>
+            <a:ext cx="3808095" cy="2306955"/>
+          </a:xfrm>
+          <a:prstGeom prst="rect">
+            <a:avLst/>
+          </a:prstGeom>
+          <a:noFill/>
+          <a:ln>
+            <a:solidFill>
+              <a:srgbClr val="FFC000"/>
+            </a:solidFill>
+          </a:ln>
+        </p:spPr>
+        <p:txBody>
+          <a:bodyPr wrap="square" rtlCol="0">
+            <a:spAutoFit/>
+          </a:bodyPr>
+          <a:p>
+            <a:r>
+              <a:rPr lang="en-US" altLang="zh-CN"/>
+              <a:t># setup.py</a:t>
+            </a:r>
+            <a:endParaRPr lang="zh-CN" altLang="en-US"/>
+          </a:p>
+          <a:p>
+            <a:r>
+              <a:rPr lang="zh-CN" altLang="en-US"/>
+              <a:t>from setuptools import setup</a:t>
+            </a:r>
+            <a:endParaRPr lang="zh-CN" altLang="en-US"/>
+          </a:p>
+          <a:p>
+            <a:r>
+              <a:rPr lang="zh-CN" altLang="en-US"/>
+              <a:t>from Cython.Build import cythonize</a:t>
+            </a:r>
+            <a:endParaRPr lang="zh-CN" altLang="en-US"/>
+          </a:p>
+          <a:p>
+            <a:endParaRPr lang="zh-CN" altLang="en-US"/>
+          </a:p>
+          <a:p>
+            <a:r>
+              <a:rPr lang="zh-CN" altLang="en-US"/>
+              <a:t>setup(    ext_modules=cythonize('module.py')</a:t>
+            </a:r>
+            <a:endParaRPr lang="zh-CN" altLang="en-US"/>
+          </a:p>
+          <a:p>
+            <a:r>
+              <a:rPr lang="zh-CN" altLang="en-US"/>
+              <a:t>)</a:t>
+            </a:r>
+            <a:endParaRPr lang="zh-CN" altLang="en-US"/>
           </a:p>
         </p:txBody>
       </p:sp>
@@ -17430,7 +18304,7 @@
             <a:pPr lvl="2"/>
             <a:r>
               <a:rPr lang="en-US" altLang="en-US" sz="1000"/>
-              <a:t>sudo ap install flake8</a:t>
+              <a:t>sudo apt install flake8</a:t>
             </a:r>
             <a:endParaRPr lang="en-US" altLang="en-US" sz="1000"/>
           </a:p>

--- a/Python/Python-Notes.pptx
+++ b/Python/Python-Notes.pptx
@@ -5,10 +5,10 @@
     <p:sldMasterId id="2147483648" r:id="rId1"/>
   </p:sldMasterIdLst>
   <p:notesMasterIdLst>
-    <p:notesMasterId r:id="rId73"/>
+    <p:notesMasterId r:id="rId74"/>
   </p:notesMasterIdLst>
   <p:handoutMasterIdLst>
-    <p:handoutMasterId r:id="rId74"/>
+    <p:handoutMasterId r:id="rId75"/>
   </p:handoutMasterIdLst>
   <p:sldIdLst>
     <p:sldId id="256" r:id="rId3"/>
@@ -37,50 +37,51 @@
     <p:sldId id="637" r:id="rId26"/>
     <p:sldId id="704" r:id="rId27"/>
     <p:sldId id="923" r:id="rId28"/>
-    <p:sldId id="613" r:id="rId29"/>
-    <p:sldId id="509" r:id="rId30"/>
-    <p:sldId id="266" r:id="rId31"/>
-    <p:sldId id="261" r:id="rId32"/>
-    <p:sldId id="273" r:id="rId33"/>
-    <p:sldId id="262" r:id="rId34"/>
-    <p:sldId id="284" r:id="rId35"/>
-    <p:sldId id="263" r:id="rId36"/>
-    <p:sldId id="324" r:id="rId37"/>
-    <p:sldId id="285" r:id="rId38"/>
-    <p:sldId id="808" r:id="rId39"/>
-    <p:sldId id="286" r:id="rId40"/>
-    <p:sldId id="887" r:id="rId41"/>
-    <p:sldId id="888" r:id="rId42"/>
-    <p:sldId id="889" r:id="rId43"/>
-    <p:sldId id="890" r:id="rId44"/>
-    <p:sldId id="891" r:id="rId45"/>
-    <p:sldId id="892" r:id="rId46"/>
-    <p:sldId id="893" r:id="rId47"/>
-    <p:sldId id="894" r:id="rId48"/>
-    <p:sldId id="899" r:id="rId49"/>
-    <p:sldId id="900" r:id="rId50"/>
-    <p:sldId id="901" r:id="rId51"/>
-    <p:sldId id="886" r:id="rId52"/>
-    <p:sldId id="902" r:id="rId53"/>
-    <p:sldId id="903" r:id="rId54"/>
-    <p:sldId id="904" r:id="rId55"/>
-    <p:sldId id="347" r:id="rId56"/>
-    <p:sldId id="448" r:id="rId57"/>
-    <p:sldId id="885" r:id="rId58"/>
-    <p:sldId id="349" r:id="rId59"/>
-    <p:sldId id="906" r:id="rId60"/>
-    <p:sldId id="836" r:id="rId61"/>
-    <p:sldId id="810" r:id="rId62"/>
-    <p:sldId id="809" r:id="rId63"/>
-    <p:sldId id="811" r:id="rId64"/>
-    <p:sldId id="905" r:id="rId65"/>
-    <p:sldId id="510" r:id="rId66"/>
-    <p:sldId id="351" r:id="rId67"/>
-    <p:sldId id="802" r:id="rId68"/>
-    <p:sldId id="511" r:id="rId69"/>
-    <p:sldId id="512" r:id="rId70"/>
-    <p:sldId id="806" r:id="rId71"/>
-    <p:sldId id="795" r:id="rId72"/>
+    <p:sldId id="968" r:id="rId29"/>
+    <p:sldId id="613" r:id="rId30"/>
+    <p:sldId id="509" r:id="rId31"/>
+    <p:sldId id="266" r:id="rId32"/>
+    <p:sldId id="261" r:id="rId33"/>
+    <p:sldId id="273" r:id="rId34"/>
+    <p:sldId id="262" r:id="rId35"/>
+    <p:sldId id="284" r:id="rId36"/>
+    <p:sldId id="263" r:id="rId37"/>
+    <p:sldId id="324" r:id="rId38"/>
+    <p:sldId id="285" r:id="rId39"/>
+    <p:sldId id="808" r:id="rId40"/>
+    <p:sldId id="286" r:id="rId41"/>
+    <p:sldId id="887" r:id="rId42"/>
+    <p:sldId id="888" r:id="rId43"/>
+    <p:sldId id="889" r:id="rId44"/>
+    <p:sldId id="890" r:id="rId45"/>
+    <p:sldId id="891" r:id="rId46"/>
+    <p:sldId id="892" r:id="rId47"/>
+    <p:sldId id="893" r:id="rId48"/>
+    <p:sldId id="894" r:id="rId49"/>
+    <p:sldId id="899" r:id="rId50"/>
+    <p:sldId id="900" r:id="rId51"/>
+    <p:sldId id="901" r:id="rId52"/>
+    <p:sldId id="886" r:id="rId53"/>
+    <p:sldId id="902" r:id="rId54"/>
+    <p:sldId id="903" r:id="rId55"/>
+    <p:sldId id="904" r:id="rId56"/>
+    <p:sldId id="347" r:id="rId57"/>
+    <p:sldId id="448" r:id="rId58"/>
+    <p:sldId id="885" r:id="rId59"/>
+    <p:sldId id="349" r:id="rId60"/>
+    <p:sldId id="906" r:id="rId61"/>
+    <p:sldId id="836" r:id="rId62"/>
+    <p:sldId id="810" r:id="rId63"/>
+    <p:sldId id="809" r:id="rId64"/>
+    <p:sldId id="811" r:id="rId65"/>
+    <p:sldId id="905" r:id="rId66"/>
+    <p:sldId id="510" r:id="rId67"/>
+    <p:sldId id="351" r:id="rId68"/>
+    <p:sldId id="802" r:id="rId69"/>
+    <p:sldId id="511" r:id="rId70"/>
+    <p:sldId id="512" r:id="rId71"/>
+    <p:sldId id="806" r:id="rId72"/>
+    <p:sldId id="795" r:id="rId73"/>
   </p:sldIdLst>
   <p:sldSz cx="12192000" cy="6858000"/>
   <p:notesSz cx="6858000" cy="9144000"/>
@@ -3748,95 +3749,142 @@
         <p:spPr/>
         <p:txBody>
           <a:bodyPr>
-            <a:normAutofit lnSpcReduction="20000"/>
+            <a:normAutofit/>
           </a:bodyPr>
           <a:p>
-            <a:pPr marL="357505" indent="-357505" algn="l">
+            <a:pPr algn="l">
               <a:lnSpc>
-                <a:spcPct val="200000"/>
+                <a:spcPct val="90000"/>
               </a:lnSpc>
-              <a:buClr>
-                <a:schemeClr val="accent1"/>
-              </a:buClr>
+              <a:buClrTx/>
               <a:buSzTx/>
-              <a:buFont typeface="Wingdings" panose="05000000000000000000" pitchFamily="2" charset="2"/>
-              <a:buChar char=""/>
+              <a:buChar char="〉"/>
             </a:pPr>
             <a:r>
-              <a:rPr lang="en-US" altLang="zh-CN" smtClean="0"/>
+              <a:rPr lang="en-US" altLang="zh-CN"/>
               <a:t>Built-in type</a:t>
             </a:r>
-            <a:endParaRPr lang="en-US" altLang="zh-CN" smtClean="0"/>
+            <a:endParaRPr lang="en-US" altLang="zh-CN"/>
           </a:p>
           <a:p>
             <a:pPr lvl="1" algn="l">
               <a:lnSpc>
-                <a:spcPct val="200000"/>
+                <a:spcPct val="90000"/>
               </a:lnSpc>
-              <a:buFont typeface="Wingdings" panose="05000000000000000000" pitchFamily="2" charset="2"/>
-              <a:buChar char="l"/>
+              <a:buClrTx/>
+              <a:buSzTx/>
+              <a:buChar char="•"/>
             </a:pPr>
             <a:r>
-              <a:rPr lang="en-US" altLang="zh-CN" smtClean="0"/>
+              <a:rPr lang="en-US" altLang="zh-CN"/>
               <a:t>bool, bytearray, bytes, complex, dict, float, frozenset, int, list, set (unique), slice, str, tuple</a:t>
             </a:r>
-            <a:endParaRPr lang="en-US" altLang="zh-CN" smtClean="0"/>
+            <a:endParaRPr lang="en-US" altLang="zh-CN"/>
           </a:p>
           <a:p>
             <a:pPr lvl="1" algn="l">
               <a:lnSpc>
-                <a:spcPct val="200000"/>
+                <a:spcPct val="90000"/>
               </a:lnSpc>
-              <a:buFont typeface="Wingdings" panose="05000000000000000000" pitchFamily="2" charset="2"/>
-              <a:buChar char="l"/>
+              <a:buClrTx/>
+              <a:buSzTx/>
+              <a:buChar char="•"/>
             </a:pPr>
             <a:r>
-              <a:rPr lang="en-US" altLang="zh-CN" smtClean="0"/>
+              <a:rPr lang="en-US" altLang="zh-CN"/>
               <a:t>repr()	// Convert into string</a:t>
             </a:r>
-            <a:endParaRPr lang="en-US" altLang="zh-CN" smtClean="0"/>
+            <a:endParaRPr lang="en-US" altLang="zh-CN"/>
           </a:p>
           <a:p>
             <a:pPr lvl="1" algn="l">
               <a:lnSpc>
-                <a:spcPct val="200000"/>
+                <a:spcPct val="90000"/>
               </a:lnSpc>
-              <a:buFont typeface="Wingdings" panose="05000000000000000000" pitchFamily="2" charset="2"/>
-              <a:buChar char="l"/>
+              <a:buClrTx/>
+              <a:buSzTx/>
+              <a:buChar char="•"/>
             </a:pPr>
             <a:r>
-              <a:rPr lang="en-US" altLang="zh-CN" smtClean="0"/>
+              <a:rPr lang="en-US" altLang="zh-CN"/>
               <a:t>eval()	// Parser data from string</a:t>
             </a:r>
-            <a:endParaRPr lang="en-US" altLang="zh-CN" smtClean="0"/>
+            <a:endParaRPr lang="en-US" altLang="zh-CN"/>
           </a:p>
           <a:p>
             <a:pPr lvl="0" algn="l">
               <a:lnSpc>
-                <a:spcPct val="200000"/>
+                <a:spcPct val="90000"/>
               </a:lnSpc>
-              <a:buFont typeface="Wingdings" panose="05000000000000000000" pitchFamily="2" charset="2"/>
-              <a:buChar char="l"/>
+              <a:buClrTx/>
+              <a:buSzTx/>
+              <a:buChar char="〉"/>
             </a:pPr>
             <a:r>
-              <a:rPr lang="en-US" altLang="zh-CN" smtClean="0"/>
+              <a:rPr lang="en-US" altLang="zh-CN"/>
               <a:t>Pass-by-object-reference</a:t>
             </a:r>
-            <a:endParaRPr lang="en-US" altLang="zh-CN" smtClean="0"/>
+            <a:endParaRPr lang="en-US" altLang="zh-CN"/>
           </a:p>
           <a:p>
             <a:pPr lvl="1" algn="l">
               <a:lnSpc>
-                <a:spcPct val="200000"/>
+                <a:spcPct val="90000"/>
               </a:lnSpc>
-              <a:buFont typeface="Wingdings" panose="05000000000000000000" pitchFamily="2" charset="2"/>
-              <a:buChar char="l"/>
+              <a:buClrTx/>
+              <a:buSzTx/>
+              <a:buChar char="•"/>
             </a:pPr>
             <a:r>
+              <a:rPr lang="en-US" altLang="zh-CN"/>
+              <a:t>Assignment: binding a name with an object</a:t>
+            </a:r>
+            <a:endParaRPr lang="en-US" altLang="zh-CN"/>
+          </a:p>
+          <a:p>
+            <a:pPr lvl="0" algn="l">
+              <a:lnSpc>
+                <a:spcPct val="90000"/>
+              </a:lnSpc>
+              <a:buClrTx/>
+              <a:buSzTx/>
+              <a:buChar char="〉"/>
+            </a:pPr>
+            <a:r>
               <a:rPr lang="en-US" altLang="zh-CN" smtClean="0"/>
-              <a:t>Assignment: binding a name with an object</a:t>
+              <a:t>Sort</a:t>
             </a:r>
             <a:endParaRPr lang="en-US" altLang="zh-CN" smtClean="0"/>
+          </a:p>
+          <a:p>
+            <a:pPr lvl="1" algn="l">
+              <a:lnSpc>
+                <a:spcPct val="90000"/>
+              </a:lnSpc>
+              <a:buClrTx/>
+              <a:buSzTx/>
+              <a:buChar char="•"/>
+            </a:pPr>
+            <a:r>
+              <a:rPr lang="en-US" altLang="zh-CN"/>
+              <a:t>sort dict by value</a:t>
+            </a:r>
+            <a:endParaRPr lang="en-US" altLang="zh-CN"/>
+          </a:p>
+          <a:p>
+            <a:pPr lvl="2" algn="l">
+              <a:lnSpc>
+                <a:spcPct val="90000"/>
+              </a:lnSpc>
+              <a:buClrTx/>
+              <a:buSzTx/>
+              <a:buChar char="•"/>
+            </a:pPr>
+            <a:r>
+              <a:rPr lang="en-US" altLang="zh-CN"/>
+              <a:t>sorted(d.items(), key = lambda x: x[1], reverse = reverse)</a:t>
+            </a:r>
+            <a:endParaRPr lang="en-US" altLang="zh-CN"/>
           </a:p>
         </p:txBody>
       </p:sp>
@@ -7686,6 +7734,157 @@
           <a:p>
             <a:r>
               <a:rPr lang="en-US" altLang="zh-CN"/>
+              <a:t>Itertools</a:t>
+            </a:r>
+            <a:endParaRPr lang="en-US" altLang="zh-CN"/>
+          </a:p>
+        </p:txBody>
+      </p:sp>
+      <p:sp>
+        <p:nvSpPr>
+          <p:cNvPr id="3" name="内容占位符 2"/>
+          <p:cNvSpPr>
+            <a:spLocks noGrp="1"/>
+          </p:cNvSpPr>
+          <p:nvPr>
+            <p:ph idx="1"/>
+          </p:nvPr>
+        </p:nvSpPr>
+        <p:spPr/>
+        <p:txBody>
+          <a:bodyPr>
+            <a:normAutofit lnSpcReduction="20000"/>
+          </a:bodyPr>
+          <a:p>
+            <a:r>
+              <a:rPr lang="en-US" altLang="zh-CN"/>
+              <a:t>itertools.count(start, step)</a:t>
+            </a:r>
+            <a:endParaRPr lang="en-US" altLang="zh-CN"/>
+          </a:p>
+          <a:p>
+            <a:r>
+              <a:rPr lang="en-US" altLang="zh-CN"/>
+              <a:t>itertools.cycle(‘ABCD’) =&gt; ‘A’, ‘B’, ‘C’, ‘D’, ‘A’, ...</a:t>
+            </a:r>
+            <a:endParaRPr lang="en-US" altLang="zh-CN"/>
+          </a:p>
+          <a:p>
+            <a:r>
+              <a:rPr lang="en-US" altLang="zh-CN"/>
+              <a:t>itertools.repeat(elem, [,n]) =&gt; elem, elem, ...</a:t>
+            </a:r>
+            <a:endParaRPr lang="en-US" altLang="zh-CN"/>
+          </a:p>
+          <a:p>
+            <a:r>
+              <a:rPr lang="en-US" altLang="zh-CN"/>
+              <a:t>Permutation</a:t>
+            </a:r>
+            <a:endParaRPr lang="en-US" altLang="zh-CN"/>
+          </a:p>
+          <a:p>
+            <a:pPr lvl="1"/>
+            <a:r>
+              <a:rPr lang="en-US" altLang="zh-CN"/>
+              <a:t>perm = itertools.permutation([1, 2, 3], 2)	// P32</a:t>
+            </a:r>
+            <a:endParaRPr lang="en-US" altLang="zh-CN"/>
+          </a:p>
+          <a:p>
+            <a:pPr lvl="1"/>
+            <a:r>
+              <a:rPr lang="en-US" altLang="zh-CN"/>
+              <a:t>for p in list(perm):</a:t>
+            </a:r>
+            <a:endParaRPr lang="en-US" altLang="zh-CN"/>
+          </a:p>
+          <a:p>
+            <a:pPr lvl="2"/>
+            <a:r>
+              <a:rPr lang="en-US" altLang="zh-CN"/>
+              <a:t>print p</a:t>
+            </a:r>
+            <a:endParaRPr lang="en-US" altLang="zh-CN"/>
+          </a:p>
+          <a:p>
+            <a:pPr lvl="0"/>
+            <a:r>
+              <a:rPr lang="en-US" altLang="zh-CN"/>
+              <a:t>Combination</a:t>
+            </a:r>
+            <a:endParaRPr lang="en-US" altLang="zh-CN"/>
+          </a:p>
+          <a:p>
+            <a:pPr lvl="1"/>
+            <a:r>
+              <a:rPr lang="en-US" altLang="zh-CN"/>
+              <a:t>comb = list(</a:t>
+            </a:r>
+            <a:r>
+              <a:rPr lang="en-US" altLang="zh-CN">
+                <a:sym typeface="+mn-ea"/>
+              </a:rPr>
+              <a:t>itertools.</a:t>
+            </a:r>
+            <a:r>
+              <a:rPr lang="en-US" altLang="zh-CN"/>
+              <a:t>combination([1, 2, 3], 2))</a:t>
+            </a:r>
+            <a:endParaRPr lang="en-US" altLang="zh-CN"/>
+          </a:p>
+          <a:p>
+            <a:pPr lvl="0"/>
+            <a:r>
+              <a:rPr lang="en-US" altLang="zh-CN"/>
+              <a:t>Product</a:t>
+            </a:r>
+            <a:endParaRPr lang="en-US" altLang="zh-CN"/>
+          </a:p>
+          <a:p>
+            <a:pPr lvl="1"/>
+            <a:r>
+              <a:rPr lang="en-US" altLang="zh-CN"/>
+              <a:t>prod = list(itertools.product(‘AB’, [1, 2])) =&gt; [(‘A’, 1), (‘A’, 2), (‘B’, 1), (‘B’, 2)]</a:t>
+            </a:r>
+            <a:endParaRPr lang="en-US" altLang="zh-CN"/>
+          </a:p>
+        </p:txBody>
+      </p:sp>
+    </p:spTree>
+  </p:cSld>
+  <p:clrMapOvr>
+    <a:masterClrMapping/>
+  </p:clrMapOvr>
+</p:sld>
+</file>
+
+<file path=ppt/slides/slide28.xml><?xml version="1.0" encoding="utf-8"?>
+<p:sld xmlns:a="http://schemas.openxmlformats.org/drawingml/2006/main" xmlns:r="http://schemas.openxmlformats.org/officeDocument/2006/relationships" xmlns:p="http://schemas.openxmlformats.org/presentationml/2006/main">
+  <p:cSld>
+    <p:spTree>
+      <p:nvGrpSpPr>
+        <p:cNvPr id="1" name=""/>
+        <p:cNvGrpSpPr/>
+        <p:nvPr/>
+      </p:nvGrpSpPr>
+      <p:grpSpPr/>
+      <p:sp>
+        <p:nvSpPr>
+          <p:cNvPr id="2" name="标题 1"/>
+          <p:cNvSpPr>
+            <a:spLocks noGrp="1"/>
+          </p:cNvSpPr>
+          <p:nvPr>
+            <p:ph type="title"/>
+          </p:nvPr>
+        </p:nvSpPr>
+        <p:spPr/>
+        <p:txBody>
+          <a:bodyPr/>
+          <a:p>
+            <a:r>
+              <a:rPr lang="en-US" altLang="zh-CN"/>
               <a:t>Misc</a:t>
             </a:r>
             <a:endParaRPr lang="en-US" altLang="zh-CN"/>
@@ -8273,7 +8472,7 @@
 </p:sld>
 </file>
 
-<file path=ppt/slides/slide28.xml><?xml version="1.0" encoding="utf-8"?>
+<file path=ppt/slides/slide29.xml><?xml version="1.0" encoding="utf-8"?>
 <p:sld xmlns:a="http://schemas.openxmlformats.org/drawingml/2006/main" xmlns:r="http://schemas.openxmlformats.org/officeDocument/2006/relationships" xmlns:p="http://schemas.openxmlformats.org/presentationml/2006/main">
   <p:cSld>
     <p:spTree>
@@ -8331,7 +8530,323 @@
 </p:sld>
 </file>
 
-<file path=ppt/slides/slide29.xml><?xml version="1.0" encoding="utf-8"?>
+<file path=ppt/slides/slide3.xml><?xml version="1.0" encoding="utf-8"?>
+<p:sld xmlns:a="http://schemas.openxmlformats.org/drawingml/2006/main" xmlns:r="http://schemas.openxmlformats.org/officeDocument/2006/relationships" xmlns:p="http://schemas.openxmlformats.org/presentationml/2006/main">
+  <p:cSld>
+    <p:spTree>
+      <p:nvGrpSpPr>
+        <p:cNvPr id="1" name=""/>
+        <p:cNvGrpSpPr/>
+        <p:nvPr/>
+      </p:nvGrpSpPr>
+      <p:grpSpPr/>
+      <p:sp>
+        <p:nvSpPr>
+          <p:cNvPr id="2" name="标题 1"/>
+          <p:cNvSpPr>
+            <a:spLocks noGrp="1"/>
+          </p:cNvSpPr>
+          <p:nvPr>
+            <p:ph type="title"/>
+          </p:nvPr>
+        </p:nvSpPr>
+        <p:spPr/>
+        <p:txBody>
+          <a:bodyPr/>
+          <a:p>
+            <a:r>
+              <a:rPr lang="en-US" altLang="zh-CN"/>
+              <a:t>Basic 1/2</a:t>
+            </a:r>
+            <a:endParaRPr lang="en-US" altLang="zh-CN"/>
+          </a:p>
+        </p:txBody>
+      </p:sp>
+      <p:sp>
+        <p:nvSpPr>
+          <p:cNvPr id="3" name="内容占位符 2"/>
+          <p:cNvSpPr>
+            <a:spLocks noGrp="1"/>
+          </p:cNvSpPr>
+          <p:nvPr>
+            <p:ph idx="1"/>
+          </p:nvPr>
+        </p:nvSpPr>
+        <p:spPr>
+          <a:xfrm>
+            <a:off x="838200" y="1211580"/>
+            <a:ext cx="10515600" cy="4942840"/>
+          </a:xfrm>
+        </p:spPr>
+        <p:txBody>
+          <a:bodyPr>
+            <a:normAutofit fontScale="70000"/>
+          </a:bodyPr>
+          <a:p>
+            <a:r>
+              <a:rPr lang="en-US" altLang="zh-CN"/>
+              <a:t>dir(object), help(object.method), type(object), isinstance(obj, class)</a:t>
+            </a:r>
+            <a:endParaRPr lang="zh-CN" altLang="en-US"/>
+          </a:p>
+          <a:p>
+            <a:r>
+              <a:rPr lang="en-US" altLang="zh-CN"/>
+              <a:t>Debug</a:t>
+            </a:r>
+            <a:endParaRPr lang="en-US" altLang="zh-CN"/>
+          </a:p>
+          <a:p>
+            <a:pPr lvl="1" algn="just">
+              <a:buFont typeface="Wingdings" panose="05000000000000000000" pitchFamily="2" charset="2"/>
+              <a:buChar char="l"/>
+            </a:pPr>
+            <a:r>
+              <a:rPr lang="en-US" altLang="zh-CN" sz="2000"/>
+              <a:t>python -m pdb a.py</a:t>
+            </a:r>
+            <a:endParaRPr lang="en-US" altLang="zh-CN" sz="2000"/>
+          </a:p>
+          <a:p>
+            <a:r>
+              <a:rPr lang="en-US" altLang="zh-CN"/>
+              <a:t>Documentation</a:t>
+            </a:r>
+            <a:endParaRPr lang="en-US" altLang="zh-CN"/>
+          </a:p>
+          <a:p>
+            <a:pPr lvl="1">
+              <a:buFont typeface="Wingdings" panose="05000000000000000000" pitchFamily="2" charset="2"/>
+              <a:buChar char="l"/>
+            </a:pPr>
+            <a:r>
+              <a:rPr lang="en-US" altLang="zh-CN" sz="2000"/>
+              <a:t>pep257 tool</a:t>
+            </a:r>
+            <a:endParaRPr lang="en-US" altLang="zh-CN" sz="2000"/>
+          </a:p>
+          <a:p>
+            <a:r>
+              <a:rPr lang="en-US" altLang="zh-CN"/>
+              <a:t>Test</a:t>
+            </a:r>
+            <a:endParaRPr lang="en-US" altLang="zh-CN"/>
+          </a:p>
+          <a:p>
+            <a:pPr lvl="1">
+              <a:buFont typeface="Wingdings" panose="05000000000000000000" pitchFamily="2" charset="2"/>
+              <a:buChar char="l"/>
+            </a:pPr>
+            <a:r>
+              <a:rPr lang="en-US" altLang="zh-CN" sz="2000"/>
+              <a:t>assert expression, error_argument</a:t>
+            </a:r>
+            <a:endParaRPr lang="en-US" altLang="zh-CN" sz="2000"/>
+          </a:p>
+          <a:p>
+            <a:pPr lvl="1">
+              <a:buFont typeface="Wingdings" panose="05000000000000000000" pitchFamily="2" charset="2"/>
+              <a:buChar char="l"/>
+            </a:pPr>
+            <a:r>
+              <a:rPr lang="en-US" altLang="zh-CN" sz="2000"/>
+              <a:t>Testing framework: py.test</a:t>
+            </a:r>
+            <a:endParaRPr lang="en-US" altLang="zh-CN" sz="2000"/>
+          </a:p>
+          <a:p>
+            <a:pPr lvl="1">
+              <a:buFont typeface="Wingdings" panose="05000000000000000000" pitchFamily="2" charset="2"/>
+              <a:buChar char="l"/>
+            </a:pPr>
+            <a:r>
+              <a:rPr lang="en-US" altLang="zh-CN" sz="2000"/>
+              <a:t>coverage</a:t>
+            </a:r>
+            <a:endParaRPr lang="en-US" altLang="zh-CN" sz="2000"/>
+          </a:p>
+          <a:p>
+            <a:r>
+              <a:rPr lang="en-US" altLang="zh-CN"/>
+              <a:t>Log</a:t>
+            </a:r>
+            <a:endParaRPr lang="en-US" altLang="zh-CN"/>
+          </a:p>
+          <a:p>
+            <a:pPr lvl="1">
+              <a:buFont typeface="Wingdings" panose="05000000000000000000" pitchFamily="2" charset="2"/>
+              <a:buChar char=""/>
+            </a:pPr>
+            <a:r>
+              <a:rPr lang="en-US" altLang="zh-CN" sz="2000"/>
+              <a:t>import logging</a:t>
+            </a:r>
+            <a:endParaRPr lang="en-US" altLang="zh-CN" sz="2000"/>
+          </a:p>
+          <a:p>
+            <a:r>
+              <a:rPr lang="en-US" altLang="zh-CN"/>
+              <a:t>Profile</a:t>
+            </a:r>
+            <a:endParaRPr lang="en-US" altLang="zh-CN"/>
+          </a:p>
+          <a:p>
+            <a:pPr lvl="1">
+              <a:buFont typeface="Wingdings" panose="05000000000000000000" pitchFamily="2" charset="2"/>
+              <a:buChar char=""/>
+            </a:pPr>
+            <a:r>
+              <a:rPr lang="en-US" altLang="zh-CN"/>
+              <a:t>python -m cProfile -s time a.py</a:t>
+            </a:r>
+            <a:endParaRPr lang="en-US" altLang="zh-CN"/>
+          </a:p>
+          <a:p>
+            <a:pPr lvl="1">
+              <a:buFont typeface="Wingdings" panose="05000000000000000000" pitchFamily="2" charset="2"/>
+              <a:buChar char=""/>
+            </a:pPr>
+            <a:r>
+              <a:rPr lang="en-US" altLang="zh-CN"/>
+              <a:t>%timeit (in iPython)</a:t>
+            </a:r>
+            <a:endParaRPr lang="en-US" altLang="zh-CN"/>
+          </a:p>
+          <a:p>
+            <a:pPr lvl="0">
+              <a:buFont typeface="Wingdings" panose="05000000000000000000" pitchFamily="2" charset="2"/>
+              <a:buChar char=""/>
+            </a:pPr>
+            <a:r>
+              <a:rPr lang="en-US" altLang="zh-CN"/>
+              <a:t>File encoding</a:t>
+            </a:r>
+            <a:endParaRPr lang="en-US" altLang="zh-CN"/>
+          </a:p>
+          <a:p>
+            <a:pPr lvl="1">
+              <a:buFont typeface="Wingdings" panose="05000000000000000000" pitchFamily="2" charset="2"/>
+              <a:buChar char=""/>
+            </a:pPr>
+            <a:r>
+              <a:rPr lang="en-US" altLang="zh-CN"/>
+              <a:t># -*- coding: &lt;encoding name&gt; -*-</a:t>
+            </a:r>
+            <a:endParaRPr lang="en-US" altLang="zh-CN"/>
+          </a:p>
+        </p:txBody>
+      </p:sp>
+      <p:sp>
+        <p:nvSpPr>
+          <p:cNvPr id="5" name="文本框 4"/>
+          <p:cNvSpPr txBox="1"/>
+          <p:nvPr/>
+        </p:nvSpPr>
+        <p:spPr>
+          <a:xfrm>
+            <a:off x="7701280" y="2055495"/>
+            <a:ext cx="3265805" cy="1209675"/>
+          </a:xfrm>
+          <a:prstGeom prst="rect">
+            <a:avLst/>
+          </a:prstGeom>
+          <a:noFill/>
+          <a:ln w="12700" cmpd="sng">
+            <a:solidFill>
+              <a:schemeClr val="accent1">
+                <a:shade val="50000"/>
+              </a:schemeClr>
+            </a:solidFill>
+            <a:prstDash val="solid"/>
+          </a:ln>
+        </p:spPr>
+        <p:txBody>
+          <a:bodyPr wrap="none" rtlCol="0">
+            <a:spAutoFit/>
+          </a:bodyPr>
+          <a:p>
+            <a:pPr>
+              <a:lnSpc>
+                <a:spcPct val="130000"/>
+              </a:lnSpc>
+            </a:pPr>
+            <a:r>
+              <a:rPr lang="en-US" altLang="zh-CN" sz="1400" dirty="0" smtClean="0">
+                <a:latin typeface="Arial" panose="020B0604020202020204" pitchFamily="34" charset="0"/>
+                <a:ea typeface="微软雅黑" panose="020B0503020204020204" charset="-122"/>
+              </a:rPr>
+              <a:t>import logging</a:t>
+            </a:r>
+            <a:endParaRPr lang="en-US" altLang="zh-CN" sz="1400" dirty="0" smtClean="0">
+              <a:latin typeface="Arial" panose="020B0604020202020204" pitchFamily="34" charset="0"/>
+              <a:ea typeface="微软雅黑" panose="020B0503020204020204" charset="-122"/>
+            </a:endParaRPr>
+          </a:p>
+          <a:p>
+            <a:pPr>
+              <a:lnSpc>
+                <a:spcPct val="130000"/>
+              </a:lnSpc>
+            </a:pPr>
+            <a:r>
+              <a:rPr lang="en-US" altLang="zh-CN" sz="1400" dirty="0" smtClean="0">
+                <a:latin typeface="Arial" panose="020B0604020202020204" pitchFamily="34" charset="0"/>
+                <a:ea typeface="微软雅黑" panose="020B0503020204020204" charset="-122"/>
+              </a:rPr>
+              <a:t>logger = logging.getLogger(__name__)</a:t>
+            </a:r>
+            <a:endParaRPr lang="en-US" altLang="zh-CN" sz="1400" dirty="0" smtClean="0">
+              <a:latin typeface="Arial" panose="020B0604020202020204" pitchFamily="34" charset="0"/>
+              <a:ea typeface="微软雅黑" panose="020B0503020204020204" charset="-122"/>
+            </a:endParaRPr>
+          </a:p>
+          <a:p>
+            <a:pPr>
+              <a:lnSpc>
+                <a:spcPct val="130000"/>
+              </a:lnSpc>
+            </a:pPr>
+            <a:r>
+              <a:rPr lang="en-US" altLang="zh-CN" sz="1400" dirty="0" smtClean="0">
+                <a:latin typeface="Arial" panose="020B0604020202020204" pitchFamily="34" charset="0"/>
+                <a:ea typeface="微软雅黑" panose="020B0503020204020204" charset="-122"/>
+              </a:rPr>
+              <a:t>logger.setLevel(logging.INFO)</a:t>
+            </a:r>
+            <a:endParaRPr lang="en-US" altLang="zh-CN" sz="1400" dirty="0" smtClean="0">
+              <a:latin typeface="Arial" panose="020B0604020202020204" pitchFamily="34" charset="0"/>
+              <a:ea typeface="微软雅黑" panose="020B0503020204020204" charset="-122"/>
+            </a:endParaRPr>
+          </a:p>
+          <a:p>
+            <a:pPr>
+              <a:lnSpc>
+                <a:spcPct val="130000"/>
+              </a:lnSpc>
+            </a:pPr>
+            <a:r>
+              <a:rPr lang="en-US" altLang="zh-CN" sz="1400" dirty="0" smtClean="0">
+                <a:latin typeface="Arial" panose="020B0604020202020204" pitchFamily="34" charset="0"/>
+                <a:ea typeface="微软雅黑" panose="020B0503020204020204" charset="-122"/>
+              </a:rPr>
+              <a:t>logger.info('timeout')</a:t>
+            </a:r>
+            <a:endParaRPr lang="en-US" altLang="zh-CN" sz="1400" dirty="0" smtClean="0">
+              <a:latin typeface="Arial" panose="020B0604020202020204" pitchFamily="34" charset="0"/>
+              <a:ea typeface="微软雅黑" panose="020B0503020204020204" charset="-122"/>
+            </a:endParaRPr>
+          </a:p>
+        </p:txBody>
+      </p:sp>
+    </p:spTree>
+  </p:cSld>
+  <p:clrMapOvr>
+    <a:masterClrMapping/>
+  </p:clrMapOvr>
+</p:sld>
+</file>
+
+<file path=ppt/slides/slide30.xml><?xml version="1.0" encoding="utf-8"?>
 <p:sld xmlns:a="http://schemas.openxmlformats.org/drawingml/2006/main" xmlns:r="http://schemas.openxmlformats.org/officeDocument/2006/relationships" xmlns:p="http://schemas.openxmlformats.org/presentationml/2006/main">
   <p:cSld>
     <p:spTree>
@@ -8974,491 +9489,6 @@
 </p:sld>
 </file>
 
-<file path=ppt/slides/slide3.xml><?xml version="1.0" encoding="utf-8"?>
-<p:sld xmlns:a="http://schemas.openxmlformats.org/drawingml/2006/main" xmlns:r="http://schemas.openxmlformats.org/officeDocument/2006/relationships" xmlns:p="http://schemas.openxmlformats.org/presentationml/2006/main">
-  <p:cSld>
-    <p:spTree>
-      <p:nvGrpSpPr>
-        <p:cNvPr id="1" name=""/>
-        <p:cNvGrpSpPr/>
-        <p:nvPr/>
-      </p:nvGrpSpPr>
-      <p:grpSpPr/>
-      <p:sp>
-        <p:nvSpPr>
-          <p:cNvPr id="2" name="标题 1"/>
-          <p:cNvSpPr>
-            <a:spLocks noGrp="1"/>
-          </p:cNvSpPr>
-          <p:nvPr>
-            <p:ph type="title"/>
-          </p:nvPr>
-        </p:nvSpPr>
-        <p:spPr/>
-        <p:txBody>
-          <a:bodyPr/>
-          <a:p>
-            <a:r>
-              <a:rPr lang="en-US" altLang="zh-CN"/>
-              <a:t>Basic 1/2</a:t>
-            </a:r>
-            <a:endParaRPr lang="en-US" altLang="zh-CN"/>
-          </a:p>
-        </p:txBody>
-      </p:sp>
-      <p:sp>
-        <p:nvSpPr>
-          <p:cNvPr id="3" name="内容占位符 2"/>
-          <p:cNvSpPr>
-            <a:spLocks noGrp="1"/>
-          </p:cNvSpPr>
-          <p:nvPr>
-            <p:ph idx="1"/>
-          </p:nvPr>
-        </p:nvSpPr>
-        <p:spPr>
-          <a:xfrm>
-            <a:off x="838200" y="1211580"/>
-            <a:ext cx="10515600" cy="4942840"/>
-          </a:xfrm>
-        </p:spPr>
-        <p:txBody>
-          <a:bodyPr>
-            <a:normAutofit fontScale="70000"/>
-          </a:bodyPr>
-          <a:p>
-            <a:r>
-              <a:rPr lang="en-US" altLang="zh-CN"/>
-              <a:t>dir(object), help(object.method), type(object), isinstance(obj, class)</a:t>
-            </a:r>
-            <a:endParaRPr lang="zh-CN" altLang="en-US"/>
-          </a:p>
-          <a:p>
-            <a:r>
-              <a:rPr lang="en-US" altLang="zh-CN"/>
-              <a:t>Debug</a:t>
-            </a:r>
-            <a:endParaRPr lang="en-US" altLang="zh-CN"/>
-          </a:p>
-          <a:p>
-            <a:pPr lvl="1" algn="just">
-              <a:buFont typeface="Wingdings" panose="05000000000000000000" pitchFamily="2" charset="2"/>
-              <a:buChar char="l"/>
-            </a:pPr>
-            <a:r>
-              <a:rPr lang="en-US" altLang="zh-CN" sz="2000"/>
-              <a:t>python -m pdb a.py</a:t>
-            </a:r>
-            <a:endParaRPr lang="en-US" altLang="zh-CN" sz="2000"/>
-          </a:p>
-          <a:p>
-            <a:r>
-              <a:rPr lang="en-US" altLang="zh-CN"/>
-              <a:t>Documentation</a:t>
-            </a:r>
-            <a:endParaRPr lang="en-US" altLang="zh-CN"/>
-          </a:p>
-          <a:p>
-            <a:pPr lvl="1">
-              <a:buFont typeface="Wingdings" panose="05000000000000000000" pitchFamily="2" charset="2"/>
-              <a:buChar char="l"/>
-            </a:pPr>
-            <a:r>
-              <a:rPr lang="en-US" altLang="zh-CN" sz="2000"/>
-              <a:t>pep257 tool</a:t>
-            </a:r>
-            <a:endParaRPr lang="en-US" altLang="zh-CN" sz="2000"/>
-          </a:p>
-          <a:p>
-            <a:r>
-              <a:rPr lang="en-US" altLang="zh-CN"/>
-              <a:t>Test</a:t>
-            </a:r>
-            <a:endParaRPr lang="en-US" altLang="zh-CN"/>
-          </a:p>
-          <a:p>
-            <a:pPr lvl="1">
-              <a:buFont typeface="Wingdings" panose="05000000000000000000" pitchFamily="2" charset="2"/>
-              <a:buChar char="l"/>
-            </a:pPr>
-            <a:r>
-              <a:rPr lang="en-US" altLang="zh-CN" sz="2000"/>
-              <a:t>assert expression, error_argument</a:t>
-            </a:r>
-            <a:endParaRPr lang="en-US" altLang="zh-CN" sz="2000"/>
-          </a:p>
-          <a:p>
-            <a:pPr lvl="1">
-              <a:buFont typeface="Wingdings" panose="05000000000000000000" pitchFamily="2" charset="2"/>
-              <a:buChar char="l"/>
-            </a:pPr>
-            <a:r>
-              <a:rPr lang="en-US" altLang="zh-CN" sz="2000"/>
-              <a:t>Testing framework: py.test</a:t>
-            </a:r>
-            <a:endParaRPr lang="en-US" altLang="zh-CN" sz="2000"/>
-          </a:p>
-          <a:p>
-            <a:pPr lvl="1">
-              <a:buFont typeface="Wingdings" panose="05000000000000000000" pitchFamily="2" charset="2"/>
-              <a:buChar char="l"/>
-            </a:pPr>
-            <a:r>
-              <a:rPr lang="en-US" altLang="zh-CN" sz="2000"/>
-              <a:t>coverage</a:t>
-            </a:r>
-            <a:endParaRPr lang="en-US" altLang="zh-CN" sz="2000"/>
-          </a:p>
-          <a:p>
-            <a:r>
-              <a:rPr lang="en-US" altLang="zh-CN"/>
-              <a:t>Log</a:t>
-            </a:r>
-            <a:endParaRPr lang="en-US" altLang="zh-CN"/>
-          </a:p>
-          <a:p>
-            <a:pPr lvl="1">
-              <a:buFont typeface="Wingdings" panose="05000000000000000000" pitchFamily="2" charset="2"/>
-              <a:buChar char=""/>
-            </a:pPr>
-            <a:r>
-              <a:rPr lang="en-US" altLang="zh-CN" sz="2000"/>
-              <a:t>import logging</a:t>
-            </a:r>
-            <a:endParaRPr lang="en-US" altLang="zh-CN" sz="2000"/>
-          </a:p>
-          <a:p>
-            <a:r>
-              <a:rPr lang="en-US" altLang="zh-CN"/>
-              <a:t>Profile</a:t>
-            </a:r>
-            <a:endParaRPr lang="en-US" altLang="zh-CN"/>
-          </a:p>
-          <a:p>
-            <a:pPr lvl="1">
-              <a:buFont typeface="Wingdings" panose="05000000000000000000" pitchFamily="2" charset="2"/>
-              <a:buChar char=""/>
-            </a:pPr>
-            <a:r>
-              <a:rPr lang="en-US" altLang="zh-CN"/>
-              <a:t>python -m cProfile -s time a.py</a:t>
-            </a:r>
-            <a:endParaRPr lang="en-US" altLang="zh-CN"/>
-          </a:p>
-          <a:p>
-            <a:pPr lvl="1">
-              <a:buFont typeface="Wingdings" panose="05000000000000000000" pitchFamily="2" charset="2"/>
-              <a:buChar char=""/>
-            </a:pPr>
-            <a:r>
-              <a:rPr lang="en-US" altLang="zh-CN"/>
-              <a:t>%timeit (in iPython)</a:t>
-            </a:r>
-            <a:endParaRPr lang="en-US" altLang="zh-CN"/>
-          </a:p>
-          <a:p>
-            <a:pPr lvl="0">
-              <a:buFont typeface="Wingdings" panose="05000000000000000000" pitchFamily="2" charset="2"/>
-              <a:buChar char=""/>
-            </a:pPr>
-            <a:r>
-              <a:rPr lang="en-US" altLang="zh-CN"/>
-              <a:t>File encoding</a:t>
-            </a:r>
-            <a:endParaRPr lang="en-US" altLang="zh-CN"/>
-          </a:p>
-          <a:p>
-            <a:pPr lvl="1">
-              <a:buFont typeface="Wingdings" panose="05000000000000000000" pitchFamily="2" charset="2"/>
-              <a:buChar char=""/>
-            </a:pPr>
-            <a:r>
-              <a:rPr lang="en-US" altLang="zh-CN"/>
-              <a:t># -*- coding: &lt;encoding name&gt; -*-</a:t>
-            </a:r>
-            <a:endParaRPr lang="en-US" altLang="zh-CN"/>
-          </a:p>
-        </p:txBody>
-      </p:sp>
-      <p:sp>
-        <p:nvSpPr>
-          <p:cNvPr id="5" name="文本框 4"/>
-          <p:cNvSpPr txBox="1"/>
-          <p:nvPr/>
-        </p:nvSpPr>
-        <p:spPr>
-          <a:xfrm>
-            <a:off x="7701280" y="2055495"/>
-            <a:ext cx="3265805" cy="1209675"/>
-          </a:xfrm>
-          <a:prstGeom prst="rect">
-            <a:avLst/>
-          </a:prstGeom>
-          <a:noFill/>
-          <a:ln w="12700" cmpd="sng">
-            <a:solidFill>
-              <a:schemeClr val="accent1">
-                <a:shade val="50000"/>
-              </a:schemeClr>
-            </a:solidFill>
-            <a:prstDash val="solid"/>
-          </a:ln>
-        </p:spPr>
-        <p:txBody>
-          <a:bodyPr wrap="none" rtlCol="0">
-            <a:spAutoFit/>
-          </a:bodyPr>
-          <a:p>
-            <a:pPr>
-              <a:lnSpc>
-                <a:spcPct val="130000"/>
-              </a:lnSpc>
-            </a:pPr>
-            <a:r>
-              <a:rPr lang="en-US" altLang="zh-CN" sz="1400" dirty="0" smtClean="0">
-                <a:latin typeface="Arial" panose="020B0604020202020204" pitchFamily="34" charset="0"/>
-                <a:ea typeface="微软雅黑" panose="020B0503020204020204" charset="-122"/>
-              </a:rPr>
-              <a:t>import logging</a:t>
-            </a:r>
-            <a:endParaRPr lang="en-US" altLang="zh-CN" sz="1400" dirty="0" smtClean="0">
-              <a:latin typeface="Arial" panose="020B0604020202020204" pitchFamily="34" charset="0"/>
-              <a:ea typeface="微软雅黑" panose="020B0503020204020204" charset="-122"/>
-            </a:endParaRPr>
-          </a:p>
-          <a:p>
-            <a:pPr>
-              <a:lnSpc>
-                <a:spcPct val="130000"/>
-              </a:lnSpc>
-            </a:pPr>
-            <a:r>
-              <a:rPr lang="en-US" altLang="zh-CN" sz="1400" dirty="0" smtClean="0">
-                <a:latin typeface="Arial" panose="020B0604020202020204" pitchFamily="34" charset="0"/>
-                <a:ea typeface="微软雅黑" panose="020B0503020204020204" charset="-122"/>
-              </a:rPr>
-              <a:t>logger = logging.getLogger(__name__)</a:t>
-            </a:r>
-            <a:endParaRPr lang="en-US" altLang="zh-CN" sz="1400" dirty="0" smtClean="0">
-              <a:latin typeface="Arial" panose="020B0604020202020204" pitchFamily="34" charset="0"/>
-              <a:ea typeface="微软雅黑" panose="020B0503020204020204" charset="-122"/>
-            </a:endParaRPr>
-          </a:p>
-          <a:p>
-            <a:pPr>
-              <a:lnSpc>
-                <a:spcPct val="130000"/>
-              </a:lnSpc>
-            </a:pPr>
-            <a:r>
-              <a:rPr lang="en-US" altLang="zh-CN" sz="1400" dirty="0" smtClean="0">
-                <a:latin typeface="Arial" panose="020B0604020202020204" pitchFamily="34" charset="0"/>
-                <a:ea typeface="微软雅黑" panose="020B0503020204020204" charset="-122"/>
-              </a:rPr>
-              <a:t>logger.setLevel(logging.INFO)</a:t>
-            </a:r>
-            <a:endParaRPr lang="en-US" altLang="zh-CN" sz="1400" dirty="0" smtClean="0">
-              <a:latin typeface="Arial" panose="020B0604020202020204" pitchFamily="34" charset="0"/>
-              <a:ea typeface="微软雅黑" panose="020B0503020204020204" charset="-122"/>
-            </a:endParaRPr>
-          </a:p>
-          <a:p>
-            <a:pPr>
-              <a:lnSpc>
-                <a:spcPct val="130000"/>
-              </a:lnSpc>
-            </a:pPr>
-            <a:r>
-              <a:rPr lang="en-US" altLang="zh-CN" sz="1400" dirty="0" smtClean="0">
-                <a:latin typeface="Arial" panose="020B0604020202020204" pitchFamily="34" charset="0"/>
-                <a:ea typeface="微软雅黑" panose="020B0503020204020204" charset="-122"/>
-              </a:rPr>
-              <a:t>logger.info('timeout')</a:t>
-            </a:r>
-            <a:endParaRPr lang="en-US" altLang="zh-CN" sz="1400" dirty="0" smtClean="0">
-              <a:latin typeface="Arial" panose="020B0604020202020204" pitchFamily="34" charset="0"/>
-              <a:ea typeface="微软雅黑" panose="020B0503020204020204" charset="-122"/>
-            </a:endParaRPr>
-          </a:p>
-        </p:txBody>
-      </p:sp>
-    </p:spTree>
-  </p:cSld>
-  <p:clrMapOvr>
-    <a:masterClrMapping/>
-  </p:clrMapOvr>
-</p:sld>
-</file>
-
-<file path=ppt/slides/slide30.xml><?xml version="1.0" encoding="utf-8"?>
-<p:sld xmlns:a="http://schemas.openxmlformats.org/drawingml/2006/main" xmlns:r="http://schemas.openxmlformats.org/officeDocument/2006/relationships" xmlns:p="http://schemas.openxmlformats.org/presentationml/2006/main">
-  <p:cSld>
-    <p:spTree>
-      <p:nvGrpSpPr>
-        <p:cNvPr id="1" name=""/>
-        <p:cNvGrpSpPr/>
-        <p:nvPr/>
-      </p:nvGrpSpPr>
-      <p:grpSpPr/>
-      <p:sp>
-        <p:nvSpPr>
-          <p:cNvPr id="2" name="标题 1"/>
-          <p:cNvSpPr>
-            <a:spLocks noGrp="1"/>
-          </p:cNvSpPr>
-          <p:nvPr>
-            <p:ph type="title"/>
-          </p:nvPr>
-        </p:nvSpPr>
-        <p:spPr/>
-        <p:txBody>
-          <a:bodyPr/>
-          <a:p>
-            <a:r>
-              <a:rPr lang="en-US" altLang="zh-CN"/>
-              <a:t>NumPy 1/2</a:t>
-            </a:r>
-            <a:endParaRPr lang="en-US" altLang="zh-CN"/>
-          </a:p>
-        </p:txBody>
-      </p:sp>
-      <p:sp>
-        <p:nvSpPr>
-          <p:cNvPr id="3" name="内容占位符 2"/>
-          <p:cNvSpPr>
-            <a:spLocks noGrp="1"/>
-          </p:cNvSpPr>
-          <p:nvPr>
-            <p:ph idx="1"/>
-          </p:nvPr>
-        </p:nvSpPr>
-        <p:spPr/>
-        <p:txBody>
-          <a:bodyPr>
-            <a:normAutofit fontScale="60000"/>
-          </a:bodyPr>
-          <a:p>
-            <a:r>
-              <a:rPr lang="en-US" altLang="zh-CN"/>
-              <a:t>import numpy as np</a:t>
-            </a:r>
-            <a:endParaRPr lang="en-US" altLang="zh-CN"/>
-          </a:p>
-          <a:p>
-            <a:r>
-              <a:rPr lang="en-US" altLang="zh-CN"/>
-              <a:t>array</a:t>
-            </a:r>
-            <a:endParaRPr lang="en-US" altLang="zh-CN"/>
-          </a:p>
-          <a:p>
-            <a:r>
-              <a:rPr lang="en-US" altLang="zh-CN"/>
-              <a:t>np.genfromtxt('filename', delimiter=',', usecolos=(), dtype=str)</a:t>
-            </a:r>
-            <a:endParaRPr lang="en-US" altLang="zh-CN"/>
-          </a:p>
-          <a:p>
-            <a:r>
-              <a:rPr lang="en-US" altLang="zh-CN"/>
-              <a:t>np.zeros()/np.ones()/np.empty()/np.identity()/np.matrix(arr), np.isnan()</a:t>
-            </a:r>
-            <a:endParaRPr lang="en-US" altLang="zh-CN"/>
-          </a:p>
-          <a:p>
-            <a:r>
-              <a:rPr lang="en-US" altLang="zh-CN"/>
-              <a:t>np.random.randn(count), np.random.randint(low, high, size)</a:t>
-            </a:r>
-            <a:endParaRPr lang="en-US" altLang="zh-CN"/>
-          </a:p>
-          <a:p>
-            <a:r>
-              <a:rPr lang="en-US" altLang="zh-CN"/>
-              <a:t>np.sum(arr), np.mean(arr), np.std(arr), np.var(arr), np.min(arr), np.max(arr), np.argmin(arr), np.argmax(arr)</a:t>
-            </a:r>
-            <a:endParaRPr lang="en-US" altLang="zh-CN"/>
-          </a:p>
-          <a:p>
-            <a:r>
-              <a:rPr lang="en-US" altLang="zh-CN"/>
-              <a:t>np.dot(arr1, arr2)</a:t>
-            </a:r>
-            <a:endParaRPr lang="en-US" altLang="zh-CN"/>
-          </a:p>
-          <a:p>
-            <a:r>
-              <a:rPr lang="en-US" altLang="zh-CN"/>
-              <a:t>np.c_(arr1, arr2)	// Concatenate two arrays</a:t>
-            </a:r>
-            <a:endParaRPr lang="en-US" altLang="zh-CN"/>
-          </a:p>
-          <a:p>
-            <a:r>
-              <a:rPr lang="en-US" altLang="zh-CN"/>
-              <a:t>np.reshape()</a:t>
-            </a:r>
-            <a:endParaRPr lang="en-US" altLang="zh-CN"/>
-          </a:p>
-          <a:p>
-            <a:r>
-              <a:rPr lang="en-US" altLang="zh-CN" sz="2400">
-                <a:sym typeface="+mn-ea"/>
-              </a:rPr>
-              <a:t>Boolean arrays</a:t>
-            </a:r>
-            <a:endParaRPr lang="en-US" altLang="zh-CN" sz="2400"/>
-          </a:p>
-          <a:p>
-            <a:pPr lvl="1">
-              <a:buFont typeface="Arial" panose="020B0604020202020204" pitchFamily="34" charset="0"/>
-              <a:buChar char="•"/>
-            </a:pPr>
-            <a:r>
-              <a:rPr lang="en-US" altLang="zh-CN" sz="2400">
-                <a:sym typeface="+mn-ea"/>
-              </a:rPr>
-              <a:t>arr.any(), arr.all()</a:t>
-            </a:r>
-            <a:endParaRPr lang="en-US" altLang="zh-CN" sz="2400"/>
-          </a:p>
-          <a:p>
-            <a:pPr lvl="0" algn="l">
-              <a:buClrTx/>
-              <a:buSzTx/>
-              <a:buChar char="〉"/>
-            </a:pPr>
-            <a:r>
-              <a:rPr lang="en-US" altLang="zh-CN" sz="2400">
-                <a:sym typeface="+mn-ea"/>
-              </a:rPr>
-              <a:t>Set operation</a:t>
-            </a:r>
-            <a:endParaRPr lang="en-US" altLang="zh-CN" sz="2400"/>
-          </a:p>
-          <a:p>
-            <a:pPr lvl="1">
-              <a:buFont typeface="Arial" panose="020B0604020202020204" pitchFamily="34" charset="0"/>
-              <a:buChar char="•"/>
-            </a:pPr>
-            <a:r>
-              <a:rPr lang="en-US" altLang="zh-CN" sz="2400">
-                <a:sym typeface="+mn-ea"/>
-              </a:rPr>
-              <a:t>arr.sort(), np.unique(arr), np.intersect1d(arr1, arr2), np.union1d(arr1, arr2),np.split(arr, separator_arr, axis)</a:t>
-            </a:r>
-            <a:endParaRPr lang="en-US" altLang="zh-CN"/>
-          </a:p>
-        </p:txBody>
-      </p:sp>
-    </p:spTree>
-  </p:cSld>
-  <p:clrMapOvr>
-    <a:masterClrMapping/>
-  </p:clrMapOvr>
-</p:sld>
-</file>
-
 <file path=ppt/slides/slide31.xml><?xml version="1.0" encoding="utf-8"?>
 <p:sld xmlns:a="http://schemas.openxmlformats.org/drawingml/2006/main" xmlns:r="http://schemas.openxmlformats.org/officeDocument/2006/relationships" xmlns:p="http://schemas.openxmlformats.org/presentationml/2006/main">
   <p:cSld>
@@ -9485,7 +9515,7 @@
           <a:p>
             <a:r>
               <a:rPr lang="en-US" altLang="zh-CN"/>
-              <a:t>NumPy 2/2</a:t>
+              <a:t>NumPy 1/2</a:t>
             </a:r>
             <a:endParaRPr lang="en-US" altLang="zh-CN"/>
           </a:p>
@@ -9501,16 +9531,95 @@
             <p:ph idx="1"/>
           </p:nvPr>
         </p:nvSpPr>
-        <p:spPr>
-          <a:xfrm>
-            <a:off x="651510" y="1024710"/>
-            <a:ext cx="10858500" cy="5084543"/>
-          </a:xfrm>
-        </p:spPr>
-        <p:txBody>
-          <a:bodyPr/>
-          <a:p>
-            <a:endParaRPr lang="en-US" altLang="zh-CN" sz="2000"/>
+        <p:spPr/>
+        <p:txBody>
+          <a:bodyPr>
+            <a:normAutofit fontScale="60000"/>
+          </a:bodyPr>
+          <a:p>
+            <a:r>
+              <a:rPr lang="en-US" altLang="zh-CN"/>
+              <a:t>import numpy as np</a:t>
+            </a:r>
+            <a:endParaRPr lang="en-US" altLang="zh-CN"/>
+          </a:p>
+          <a:p>
+            <a:r>
+              <a:rPr lang="en-US" altLang="zh-CN"/>
+              <a:t>array</a:t>
+            </a:r>
+            <a:endParaRPr lang="en-US" altLang="zh-CN"/>
+          </a:p>
+          <a:p>
+            <a:r>
+              <a:rPr lang="en-US" altLang="zh-CN"/>
+              <a:t>np.genfromtxt('filename', delimiter=',', usecolos=(), dtype=str)</a:t>
+            </a:r>
+            <a:endParaRPr lang="en-US" altLang="zh-CN"/>
+          </a:p>
+          <a:p>
+            <a:r>
+              <a:rPr lang="en-US" altLang="zh-CN"/>
+              <a:t>np.zeros()/np.ones()/np.empty()/np.identity()/np.matrix(arr), np.isnan()</a:t>
+            </a:r>
+            <a:endParaRPr lang="en-US" altLang="zh-CN"/>
+          </a:p>
+          <a:p>
+            <a:r>
+              <a:rPr lang="en-US" altLang="zh-CN"/>
+              <a:t>np.random.randn(count), np.random.randint(low, high, size)</a:t>
+            </a:r>
+            <a:endParaRPr lang="en-US" altLang="zh-CN"/>
+          </a:p>
+          <a:p>
+            <a:r>
+              <a:rPr lang="en-US" altLang="zh-CN"/>
+              <a:t>np.sum(arr), np.mean(arr), np.std(arr), np.var(arr), np.min(arr), np.max(arr), np.argmin(arr), np.argmax(arr)</a:t>
+            </a:r>
+            <a:endParaRPr lang="en-US" altLang="zh-CN"/>
+          </a:p>
+          <a:p>
+            <a:r>
+              <a:rPr lang="en-US" altLang="zh-CN"/>
+              <a:t>np.dot(arr1, arr2)</a:t>
+            </a:r>
+            <a:endParaRPr lang="en-US" altLang="zh-CN"/>
+          </a:p>
+          <a:p>
+            <a:r>
+              <a:rPr lang="en-US" altLang="zh-CN"/>
+              <a:t>np.c_(arr1, arr2)	// Concatenate two arrays</a:t>
+            </a:r>
+            <a:endParaRPr lang="en-US" altLang="zh-CN"/>
+          </a:p>
+          <a:p>
+            <a:r>
+              <a:rPr lang="en-US" altLang="zh-CN"/>
+              <a:t>np.reshape()</a:t>
+            </a:r>
+            <a:endParaRPr lang="en-US" altLang="zh-CN"/>
+          </a:p>
+          <a:p>
+            <a:r>
+              <a:rPr lang="en-US" altLang="zh-CN" sz="2400">
+                <a:sym typeface="+mn-ea"/>
+              </a:rPr>
+              <a:t>Boolean arrays</a:t>
+            </a:r>
+            <a:endParaRPr lang="en-US" altLang="zh-CN" sz="2400"/>
+          </a:p>
+          <a:p>
+            <a:pPr lvl="1">
+              <a:buFont typeface="Arial" panose="020B0604020202020204" pitchFamily="34" charset="0"/>
+              <a:buChar char="•"/>
+            </a:pPr>
+            <a:r>
+              <a:rPr lang="en-US" altLang="zh-CN" sz="2400">
+                <a:sym typeface="+mn-ea"/>
+              </a:rPr>
+              <a:t>arr.any(), arr.all()</a:t>
+            </a:r>
+            <a:endParaRPr lang="en-US" altLang="zh-CN" sz="2400"/>
           </a:p>
           <a:p>
             <a:pPr lvl="0" algn="l">
@@ -9519,12 +9628,12 @@
               <a:buChar char="〉"/>
             </a:pPr>
             <a:r>
-              <a:rPr lang="en-US" altLang="zh-CN" sz="2000">
+              <a:rPr lang="en-US" altLang="zh-CN" sz="2400">
                 <a:sym typeface="+mn-ea"/>
               </a:rPr>
-              <a:t>Element-wise array functions</a:t>
-            </a:r>
-            <a:endParaRPr lang="en-US" altLang="zh-CN" sz="2000"/>
+              <a:t>Set operation</a:t>
+            </a:r>
+            <a:endParaRPr lang="en-US" altLang="zh-CN" sz="2400"/>
           </a:p>
           <a:p>
             <a:pPr lvl="1">
@@ -9532,72 +9641,12 @@
               <a:buChar char="•"/>
             </a:pPr>
             <a:r>
-              <a:rPr lang="en-US" altLang="zh-CN">
+              <a:rPr lang="en-US" altLang="zh-CN" sz="2400">
                 <a:sym typeface="+mn-ea"/>
               </a:rPr>
-              <a:t>np.sqrt(arr), np.exp(arr), np.modf(arr), np.fabs(arr), np.sqrt(arr), np.square(arr), np.sign(arr), np.log(arr), np.ceil(arr), np.floor(arr), np.rint(arr), np.isnan(arr), np.sin(arr), np.cos(arr), np.tan(arr)</a:t>
-            </a:r>
-            <a:endParaRPr lang="en-US" altLang="zh-CN"/>
-          </a:p>
-          <a:p>
-            <a:pPr lvl="1">
-              <a:buFont typeface="Arial" panose="020B0604020202020204" pitchFamily="34" charset="0"/>
-              <a:buChar char="•"/>
-            </a:pPr>
-            <a:r>
-              <a:rPr lang="en-US" altLang="zh-CN">
-                <a:sym typeface="+mn-ea"/>
-              </a:rPr>
-              <a:t>np.maximum(arr1, arr2), np.add(arr1, arr2), np.subtract(arr1, arr2), np.multiply(arr1, arr2), np.divide(arr1, arr2), np.power(arr1, arr2), np.minimum(arr1, arr2), np.greater(arr1, arr2), np.less(arr1, arr2)</a:t>
-            </a:r>
-            <a:endParaRPr lang="en-US" altLang="zh-CN"/>
-          </a:p>
-          <a:p>
-            <a:pPr lvl="1">
-              <a:buFont typeface="Arial" panose="020B0604020202020204" pitchFamily="34" charset="0"/>
-              <a:buChar char="•"/>
-            </a:pPr>
-            <a:r>
-              <a:rPr lang="en-US" altLang="zh-CN" sz="1800"/>
-              <a:t>np.isin(x, list)</a:t>
-            </a:r>
-            <a:endParaRPr lang="en-US" altLang="zh-CN" sz="1800"/>
-          </a:p>
-          <a:p>
-            <a:pPr lvl="1">
-              <a:buFont typeface="Arial" panose="020B0604020202020204" pitchFamily="34" charset="0"/>
-              <a:buChar char="•"/>
-            </a:pPr>
-            <a:r>
-              <a:rPr lang="en-US" altLang="zh-CN" sz="1800"/>
-              <a:t>np.where(cond, x, y)</a:t>
-            </a:r>
-            <a:endParaRPr lang="en-US" altLang="zh-CN" sz="1800"/>
-          </a:p>
-          <a:p>
-            <a:pPr lvl="0" algn="l">
-              <a:buClrTx/>
-              <a:buSzTx/>
-              <a:buChar char="〉"/>
-            </a:pPr>
-            <a:r>
-              <a:rPr lang="en-US" altLang="zh-CN" sz="2000"/>
-              <a:t>Other Functions</a:t>
-            </a:r>
-            <a:endParaRPr lang="en-US" altLang="zh-CN" sz="2000"/>
-          </a:p>
-          <a:p>
-            <a:pPr lvl="1" algn="l">
-              <a:buClrTx/>
-              <a:buSzTx/>
-              <a:buFont typeface="Arial" panose="020B0604020202020204" pitchFamily="34" charset="0"/>
-              <a:buChar char="•"/>
-            </a:pPr>
-            <a:r>
-              <a:rPr lang="en-US" altLang="zh-CN" sz="1665"/>
-              <a:t>numpy.set_printoptions(threshold=sys.maxsize)	# print all elments in array</a:t>
-            </a:r>
-            <a:endParaRPr lang="en-US" altLang="zh-CN" sz="1665"/>
+              <a:t>arr.sort(), np.unique(arr), np.intersect1d(arr1, arr2), np.union1d(arr1, arr2),np.split(arr, separator_arr, axis)</a:t>
+            </a:r>
+            <a:endParaRPr lang="en-US" altLang="zh-CN"/>
           </a:p>
         </p:txBody>
       </p:sp>
@@ -9635,6 +9684,156 @@
           <a:p>
             <a:r>
               <a:rPr lang="en-US" altLang="zh-CN"/>
+              <a:t>NumPy 2/2</a:t>
+            </a:r>
+            <a:endParaRPr lang="en-US" altLang="zh-CN"/>
+          </a:p>
+        </p:txBody>
+      </p:sp>
+      <p:sp>
+        <p:nvSpPr>
+          <p:cNvPr id="3" name="内容占位符 2"/>
+          <p:cNvSpPr>
+            <a:spLocks noGrp="1"/>
+          </p:cNvSpPr>
+          <p:nvPr>
+            <p:ph idx="1"/>
+          </p:nvPr>
+        </p:nvSpPr>
+        <p:spPr>
+          <a:xfrm>
+            <a:off x="651510" y="1024710"/>
+            <a:ext cx="10858500" cy="5084543"/>
+          </a:xfrm>
+        </p:spPr>
+        <p:txBody>
+          <a:bodyPr/>
+          <a:p>
+            <a:endParaRPr lang="en-US" altLang="zh-CN" sz="2000"/>
+          </a:p>
+          <a:p>
+            <a:pPr lvl="0" algn="l">
+              <a:buClrTx/>
+              <a:buSzTx/>
+              <a:buChar char="〉"/>
+            </a:pPr>
+            <a:r>
+              <a:rPr lang="en-US" altLang="zh-CN" sz="2000">
+                <a:sym typeface="+mn-ea"/>
+              </a:rPr>
+              <a:t>Element-wise array functions</a:t>
+            </a:r>
+            <a:endParaRPr lang="en-US" altLang="zh-CN" sz="2000"/>
+          </a:p>
+          <a:p>
+            <a:pPr lvl="1">
+              <a:buFont typeface="Arial" panose="020B0604020202020204" pitchFamily="34" charset="0"/>
+              <a:buChar char="•"/>
+            </a:pPr>
+            <a:r>
+              <a:rPr lang="en-US" altLang="zh-CN">
+                <a:sym typeface="+mn-ea"/>
+              </a:rPr>
+              <a:t>np.sqrt(arr), np.exp(arr), np.modf(arr), np.fabs(arr), np.sqrt(arr), np.square(arr), np.sign(arr), np.log(arr), np.ceil(arr), np.floor(arr), np.rint(arr), np.isnan(arr), np.sin(arr), np.cos(arr), np.tan(arr)</a:t>
+            </a:r>
+            <a:endParaRPr lang="en-US" altLang="zh-CN"/>
+          </a:p>
+          <a:p>
+            <a:pPr lvl="1">
+              <a:buFont typeface="Arial" panose="020B0604020202020204" pitchFamily="34" charset="0"/>
+              <a:buChar char="•"/>
+            </a:pPr>
+            <a:r>
+              <a:rPr lang="en-US" altLang="zh-CN">
+                <a:sym typeface="+mn-ea"/>
+              </a:rPr>
+              <a:t>np.maximum(arr1, arr2), np.add(arr1, arr2), np.subtract(arr1, arr2), np.multiply(arr1, arr2), np.divide(arr1, arr2), np.power(arr1, arr2), np.minimum(arr1, arr2), np.greater(arr1, arr2), np.less(arr1, arr2)</a:t>
+            </a:r>
+            <a:endParaRPr lang="en-US" altLang="zh-CN"/>
+          </a:p>
+          <a:p>
+            <a:pPr lvl="1">
+              <a:buFont typeface="Arial" panose="020B0604020202020204" pitchFamily="34" charset="0"/>
+              <a:buChar char="•"/>
+            </a:pPr>
+            <a:r>
+              <a:rPr lang="en-US" altLang="zh-CN" sz="1800"/>
+              <a:t>np.isin(x, list)</a:t>
+            </a:r>
+            <a:endParaRPr lang="en-US" altLang="zh-CN" sz="1800"/>
+          </a:p>
+          <a:p>
+            <a:pPr lvl="1">
+              <a:buFont typeface="Arial" panose="020B0604020202020204" pitchFamily="34" charset="0"/>
+              <a:buChar char="•"/>
+            </a:pPr>
+            <a:r>
+              <a:rPr lang="en-US" altLang="zh-CN" sz="1800"/>
+              <a:t>np.where(cond, x, y)</a:t>
+            </a:r>
+            <a:endParaRPr lang="en-US" altLang="zh-CN" sz="1800"/>
+          </a:p>
+          <a:p>
+            <a:pPr lvl="0" algn="l">
+              <a:buClrTx/>
+              <a:buSzTx/>
+              <a:buChar char="〉"/>
+            </a:pPr>
+            <a:r>
+              <a:rPr lang="en-US" altLang="zh-CN" sz="2000"/>
+              <a:t>Other Functions</a:t>
+            </a:r>
+            <a:endParaRPr lang="en-US" altLang="zh-CN" sz="2000"/>
+          </a:p>
+          <a:p>
+            <a:pPr lvl="1" algn="l">
+              <a:buClrTx/>
+              <a:buSzTx/>
+              <a:buFont typeface="Arial" panose="020B0604020202020204" pitchFamily="34" charset="0"/>
+              <a:buChar char="•"/>
+            </a:pPr>
+            <a:r>
+              <a:rPr lang="en-US" altLang="zh-CN" sz="1665"/>
+              <a:t>numpy.set_printoptions(threshold=sys.maxsize)	# print all elments in array</a:t>
+            </a:r>
+            <a:endParaRPr lang="en-US" altLang="zh-CN" sz="1665"/>
+          </a:p>
+        </p:txBody>
+      </p:sp>
+    </p:spTree>
+  </p:cSld>
+  <p:clrMapOvr>
+    <a:masterClrMapping/>
+  </p:clrMapOvr>
+</p:sld>
+</file>
+
+<file path=ppt/slides/slide33.xml><?xml version="1.0" encoding="utf-8"?>
+<p:sld xmlns:a="http://schemas.openxmlformats.org/drawingml/2006/main" xmlns:r="http://schemas.openxmlformats.org/officeDocument/2006/relationships" xmlns:p="http://schemas.openxmlformats.org/presentationml/2006/main">
+  <p:cSld>
+    <p:spTree>
+      <p:nvGrpSpPr>
+        <p:cNvPr id="1" name=""/>
+        <p:cNvGrpSpPr/>
+        <p:nvPr/>
+      </p:nvGrpSpPr>
+      <p:grpSpPr/>
+      <p:sp>
+        <p:nvSpPr>
+          <p:cNvPr id="2" name="标题 1"/>
+          <p:cNvSpPr>
+            <a:spLocks noGrp="1"/>
+          </p:cNvSpPr>
+          <p:nvPr>
+            <p:ph type="title"/>
+          </p:nvPr>
+        </p:nvSpPr>
+        <p:spPr/>
+        <p:txBody>
+          <a:bodyPr/>
+          <a:p>
+            <a:r>
+              <a:rPr lang="en-US" altLang="zh-CN"/>
               <a:t>Pandas</a:t>
             </a:r>
             <a:endParaRPr lang="en-US" altLang="zh-CN"/>
@@ -10102,7 +10301,7 @@
 </p:sld>
 </file>
 
-<file path=ppt/slides/slide33.xml><?xml version="1.0" encoding="utf-8"?>
+<file path=ppt/slides/slide34.xml><?xml version="1.0" encoding="utf-8"?>
 <p:sld xmlns:a="http://schemas.openxmlformats.org/drawingml/2006/main" xmlns:r="http://schemas.openxmlformats.org/officeDocument/2006/relationships" xmlns:p="http://schemas.openxmlformats.org/presentationml/2006/main">
   <p:cSld>
     <p:spTree>
@@ -10843,282 +11042,6 @@
 </p:sld>
 </file>
 
-<file path=ppt/slides/slide34.xml><?xml version="1.0" encoding="utf-8"?>
-<p:sld xmlns:a="http://schemas.openxmlformats.org/drawingml/2006/main" xmlns:r="http://schemas.openxmlformats.org/officeDocument/2006/relationships" xmlns:p="http://schemas.openxmlformats.org/presentationml/2006/main">
-  <p:cSld>
-    <p:spTree>
-      <p:nvGrpSpPr>
-        <p:cNvPr id="1" name=""/>
-        <p:cNvGrpSpPr/>
-        <p:nvPr/>
-      </p:nvGrpSpPr>
-      <p:grpSpPr/>
-      <p:sp>
-        <p:nvSpPr>
-          <p:cNvPr id="2" name="标题 1"/>
-          <p:cNvSpPr>
-            <a:spLocks noGrp="1"/>
-          </p:cNvSpPr>
-          <p:nvPr>
-            <p:ph type="title"/>
-          </p:nvPr>
-        </p:nvSpPr>
-        <p:spPr/>
-        <p:txBody>
-          <a:bodyPr/>
-          <a:p>
-            <a:r>
-              <a:rPr lang="en-US" altLang="zh-CN"/>
-              <a:t>Matplotlib</a:t>
-            </a:r>
-            <a:endParaRPr lang="en-US" altLang="zh-CN"/>
-          </a:p>
-        </p:txBody>
-      </p:sp>
-      <p:sp>
-        <p:nvSpPr>
-          <p:cNvPr id="3" name="内容占位符 2"/>
-          <p:cNvSpPr>
-            <a:spLocks noGrp="1"/>
-          </p:cNvSpPr>
-          <p:nvPr>
-            <p:ph idx="1"/>
-          </p:nvPr>
-        </p:nvSpPr>
-        <p:spPr>
-          <a:xfrm>
-            <a:off x="838200" y="1211580"/>
-            <a:ext cx="10515600" cy="5135880"/>
-          </a:xfrm>
-        </p:spPr>
-        <p:txBody>
-          <a:bodyPr>
-            <a:normAutofit lnSpcReduction="20000"/>
-          </a:bodyPr>
-          <a:p>
-            <a:r>
-              <a:rPr lang="en-US" altLang="zh-CN" sz="1800">
-                <a:sym typeface="+mn-ea"/>
-              </a:rPr>
-              <a:t>Configure</a:t>
-            </a:r>
-            <a:endParaRPr lang="en-US" altLang="zh-CN" sz="1800">
-              <a:sym typeface="+mn-ea"/>
-            </a:endParaRPr>
-          </a:p>
-          <a:p>
-            <a:pPr lvl="1"/>
-            <a:r>
-              <a:rPr lang="en-US" altLang="zh-CN" sz="1400">
-                <a:sym typeface="+mn-ea"/>
-              </a:rPr>
-              <a:t>matplotlib.matplotlib_fname()</a:t>
-            </a:r>
-            <a:endParaRPr lang="en-US" altLang="zh-CN" sz="1400">
-              <a:sym typeface="+mn-ea"/>
-            </a:endParaRPr>
-          </a:p>
-          <a:p>
-            <a:pPr lvl="1"/>
-            <a:r>
-              <a:rPr lang="en-US" altLang="zh-CN" sz="1400">
-                <a:sym typeface="+mn-ea"/>
-              </a:rPr>
-              <a:t>sudo apt install python3-tk</a:t>
-            </a:r>
-            <a:endParaRPr lang="en-US" altLang="zh-CN" sz="1400">
-              <a:sym typeface="+mn-ea"/>
-            </a:endParaRPr>
-          </a:p>
-          <a:p>
-            <a:pPr lvl="1"/>
-            <a:r>
-              <a:rPr lang="en-US" altLang="zh-CN" sz="1400">
-                <a:sym typeface="+mn-ea"/>
-              </a:rPr>
-              <a:t>matplotlib.use('TkAgg')</a:t>
-            </a:r>
-            <a:endParaRPr lang="en-US" altLang="zh-CN" sz="1400"/>
-          </a:p>
-          <a:p>
-            <a:r>
-              <a:rPr lang="en-US" altLang="zh-CN" sz="1800"/>
-              <a:t>import matplotlib.pyplot as plt</a:t>
-            </a:r>
-            <a:endParaRPr lang="en-US" altLang="zh-CN" sz="1800"/>
-          </a:p>
-          <a:p>
-            <a:pPr lvl="1">
-              <a:buFont typeface="Wingdings" panose="05000000000000000000" pitchFamily="2" charset="2"/>
-              <a:buChar char="Ø"/>
-            </a:pPr>
-            <a:r>
-              <a:rPr lang="en-US" altLang="zh-CN" sz="1600"/>
-              <a:t>plt.title(text), </a:t>
-            </a:r>
-            <a:r>
-              <a:rPr lang="en-US" altLang="zh-CN" sz="1600">
-                <a:sym typeface="+mn-ea"/>
-              </a:rPr>
-              <a:t>plt.xlabel(), plt.ylabel(), plt.xticks(), plt.yticks(), plt.legend()</a:t>
-            </a:r>
-            <a:endParaRPr lang="en-US" altLang="zh-CN" sz="1600"/>
-          </a:p>
-          <a:p>
-            <a:pPr lvl="1">
-              <a:buFont typeface="Wingdings" panose="05000000000000000000" pitchFamily="2" charset="2"/>
-              <a:buChar char="Ø"/>
-            </a:pPr>
-            <a:r>
-              <a:rPr lang="en-US" altLang="zh-CN" sz="1600"/>
-              <a:t>plt.imshow(arr, cmap=plt.cm.gray), plt.imshow(img[..., ::-1])</a:t>
-            </a:r>
-            <a:endParaRPr lang="en-US" altLang="zh-CN" sz="1600"/>
-          </a:p>
-          <a:p>
-            <a:pPr lvl="1">
-              <a:buFont typeface="Wingdings" panose="05000000000000000000" pitchFamily="2" charset="2"/>
-              <a:buChar char="Ø"/>
-            </a:pPr>
-            <a:r>
-              <a:rPr lang="en-US" altLang="zh-CN" sz="1600"/>
-              <a:t>plt.show()</a:t>
-            </a:r>
-            <a:endParaRPr lang="en-US" altLang="zh-CN" sz="1600"/>
-          </a:p>
-          <a:p>
-            <a:pPr lvl="1">
-              <a:buFont typeface="Wingdings" panose="05000000000000000000" pitchFamily="2" charset="2"/>
-              <a:buChar char="Ø"/>
-            </a:pPr>
-            <a:r>
-              <a:rPr lang="en-US" altLang="zh-CN" sz="1600"/>
-              <a:t>plt.plot(), </a:t>
-            </a:r>
-            <a:r>
-              <a:rPr lang="en-US" altLang="zh-CN" sz="1600">
-                <a:sym typeface="+mn-ea"/>
-              </a:rPr>
-              <a:t>plt.subplot(), fig, ax = plt.subplots(), plt.clf()</a:t>
-            </a:r>
-            <a:endParaRPr lang="en-US" altLang="zh-CN" sz="1600"/>
-          </a:p>
-          <a:p>
-            <a:pPr lvl="1">
-              <a:buFont typeface="Wingdings" panose="05000000000000000000" pitchFamily="2" charset="2"/>
-              <a:buChar char="Ø"/>
-            </a:pPr>
-            <a:r>
-              <a:rPr lang="en-US" altLang="zh-CN" sz="1600"/>
-              <a:t>plt.hist(), plt.pcolor(),plt.colorbar(), plt.scatter(x, y, color)</a:t>
-            </a:r>
-            <a:endParaRPr lang="en-US" altLang="zh-CN" sz="1600"/>
-          </a:p>
-          <a:p>
-            <a:pPr lvl="1">
-              <a:buFont typeface="Wingdings" panose="05000000000000000000" pitchFamily="2" charset="2"/>
-              <a:buChar char="Ø"/>
-            </a:pPr>
-            <a:r>
-              <a:rPr lang="en-US" altLang="zh-CN" sz="1600"/>
-              <a:t>plt.axis('off')</a:t>
-            </a:r>
-            <a:endParaRPr lang="en-US" altLang="zh-CN" sz="1600"/>
-          </a:p>
-          <a:p>
-            <a:pPr lvl="1">
-              <a:buFont typeface="Wingdings" panose="05000000000000000000" pitchFamily="2" charset="2"/>
-              <a:buChar char="Ø"/>
-            </a:pPr>
-            <a:r>
-              <a:rPr lang="en-US" altLang="zh-CN" sz="1600"/>
-              <a:t>plt.savefig('a.png')</a:t>
-            </a:r>
-            <a:endParaRPr lang="en-US" altLang="zh-CN" sz="1600"/>
-          </a:p>
-          <a:p>
-            <a:pPr lvl="1">
-              <a:buFont typeface="Wingdings" panose="05000000000000000000" pitchFamily="2" charset="2"/>
-              <a:buChar char="Ø"/>
-            </a:pPr>
-            <a:r>
-              <a:rPr lang="en-US" altLang="zh-CN" sz="1600"/>
-              <a:t>plt.get_backend()</a:t>
-            </a:r>
-            <a:endParaRPr lang="en-US" altLang="zh-CN" sz="1600"/>
-          </a:p>
-          <a:p>
-            <a:r>
-              <a:rPr lang="en-US" altLang="zh-CN" sz="1800"/>
-              <a:t>Figure</a:t>
-            </a:r>
-            <a:endParaRPr lang="en-US" altLang="zh-CN" sz="1800"/>
-          </a:p>
-          <a:p>
-            <a:pPr lvl="1">
-              <a:buFont typeface="Wingdings" panose="05000000000000000000" pitchFamily="2" charset="2"/>
-              <a:buChar char="Ø"/>
-            </a:pPr>
-            <a:r>
-              <a:rPr lang="en-US" altLang="zh-CN" sz="1600"/>
-              <a:t>fig = plt.figure(figsize=(w,h))</a:t>
-            </a:r>
-            <a:endParaRPr lang="en-US" altLang="zh-CN" sz="1600"/>
-          </a:p>
-          <a:p>
-            <a:pPr lvl="1">
-              <a:buFont typeface="Wingdings" panose="05000000000000000000" pitchFamily="2" charset="2"/>
-              <a:buChar char="Ø"/>
-            </a:pPr>
-            <a:r>
-              <a:rPr lang="en-US" altLang="zh-CN" sz="1600"/>
-              <a:t>ax = fig.add_subplot()</a:t>
-            </a:r>
-            <a:endParaRPr lang="en-US" altLang="zh-CN" sz="1600"/>
-          </a:p>
-          <a:p>
-            <a:pPr lvl="1">
-              <a:buFont typeface="Wingdings" panose="05000000000000000000" pitchFamily="2" charset="2"/>
-              <a:buChar char="Ø"/>
-            </a:pPr>
-            <a:r>
-              <a:rPr lang="en-US" altLang="zh-CN" sz="1600"/>
-              <a:t>ax.matshow(matrix)</a:t>
-            </a:r>
-            <a:endParaRPr lang="en-US" altLang="zh-CN" sz="1600"/>
-          </a:p>
-          <a:p>
-            <a:pPr lvl="0">
-              <a:buFont typeface="Wingdings" panose="05000000000000000000" pitchFamily="2" charset="2"/>
-              <a:buChar char="Ø"/>
-            </a:pPr>
-            <a:r>
-              <a:rPr lang="en-US" altLang="zh-CN" sz="1800"/>
-              <a:t>Unicode support</a:t>
-            </a:r>
-            <a:endParaRPr lang="en-US" altLang="zh-CN" sz="1800"/>
-          </a:p>
-          <a:p>
-            <a:pPr lvl="1">
-              <a:buFont typeface="Wingdings" panose="05000000000000000000" pitchFamily="2" charset="2"/>
-              <a:buChar char="Ø"/>
-            </a:pPr>
-            <a:r>
-              <a:rPr lang="en-US" altLang="zh-CN" sz="1600"/>
-              <a:t>matplotlib.rcParams['font.family'] = 'SimHei'</a:t>
-            </a:r>
-            <a:endParaRPr lang="en-US" altLang="zh-CN" sz="1600"/>
-          </a:p>
-        </p:txBody>
-      </p:sp>
-    </p:spTree>
-  </p:cSld>
-  <p:clrMapOvr>
-    <a:masterClrMapping/>
-  </p:clrMapOvr>
-</p:sld>
-</file>
-
 <file path=ppt/slides/slide35.xml><?xml version="1.0" encoding="utf-8"?>
 <p:sld xmlns:a="http://schemas.openxmlformats.org/drawingml/2006/main" xmlns:r="http://schemas.openxmlformats.org/officeDocument/2006/relationships" xmlns:p="http://schemas.openxmlformats.org/presentationml/2006/main">
   <p:cSld>
@@ -11131,7 +11054,7 @@
       <p:grpSpPr/>
       <p:sp>
         <p:nvSpPr>
-          <p:cNvPr id="24578" name="标题 2"/>
+          <p:cNvPr id="2" name="标题 1"/>
           <p:cNvSpPr>
             <a:spLocks noGrp="1"/>
           </p:cNvSpPr>
@@ -11141,21 +11064,19 @@
         </p:nvSpPr>
         <p:spPr/>
         <p:txBody>
-          <a:bodyPr anchor="b">
-            <a:normAutofit/>
-          </a:bodyPr>
-          <a:p>
-            <a:r>
-              <a:rPr lang="en-US" altLang="zh-CN" smtClean="0"/>
-              <a:t>Seaborn</a:t>
-            </a:r>
-            <a:endParaRPr lang="en-US" altLang="zh-CN" smtClean="0"/>
-          </a:p>
-        </p:txBody>
-      </p:sp>
-      <p:sp>
-        <p:nvSpPr>
-          <p:cNvPr id="4" name="内容占位符 3"/>
+          <a:bodyPr/>
+          <a:p>
+            <a:r>
+              <a:rPr lang="en-US" altLang="zh-CN"/>
+              <a:t>Matplotlib</a:t>
+            </a:r>
+            <a:endParaRPr lang="en-US" altLang="zh-CN"/>
+          </a:p>
+        </p:txBody>
+      </p:sp>
+      <p:sp>
+        <p:nvSpPr>
+          <p:cNvPr id="3" name="内容占位符 2"/>
           <p:cNvSpPr>
             <a:spLocks noGrp="1"/>
           </p:cNvSpPr>
@@ -11163,84 +11084,229 @@
             <p:ph idx="1"/>
           </p:nvPr>
         </p:nvSpPr>
-        <p:spPr/>
+        <p:spPr>
+          <a:xfrm>
+            <a:off x="838200" y="1211580"/>
+            <a:ext cx="10515600" cy="5135880"/>
+          </a:xfrm>
+        </p:spPr>
         <p:txBody>
           <a:bodyPr>
-            <a:normAutofit/>
+            <a:normAutofit lnSpcReduction="20000"/>
           </a:bodyPr>
           <a:p>
-            <a:pPr marL="357505" indent="-357505" algn="l">
-              <a:lnSpc>
-                <a:spcPct val="200000"/>
-              </a:lnSpc>
-              <a:buClr>
-                <a:schemeClr val="accent1"/>
-              </a:buClr>
-              <a:buSzTx/>
+            <a:r>
+              <a:rPr lang="en-US" altLang="zh-CN" sz="1800">
+                <a:sym typeface="+mn-ea"/>
+              </a:rPr>
+              <a:t>Configure</a:t>
+            </a:r>
+            <a:endParaRPr lang="en-US" altLang="zh-CN" sz="1800">
+              <a:sym typeface="+mn-ea"/>
+            </a:endParaRPr>
+          </a:p>
+          <a:p>
+            <a:pPr lvl="1"/>
+            <a:r>
+              <a:rPr lang="en-US" altLang="zh-CN" sz="1400">
+                <a:sym typeface="+mn-ea"/>
+              </a:rPr>
+              <a:t>matplotlib.matplotlib_fname()</a:t>
+            </a:r>
+            <a:endParaRPr lang="en-US" altLang="zh-CN" sz="1400">
+              <a:sym typeface="+mn-ea"/>
+            </a:endParaRPr>
+          </a:p>
+          <a:p>
+            <a:pPr lvl="1"/>
+            <a:r>
+              <a:rPr lang="en-US" altLang="zh-CN" sz="1400">
+                <a:sym typeface="+mn-ea"/>
+              </a:rPr>
+              <a:t>sudo apt install python3-tk</a:t>
+            </a:r>
+            <a:endParaRPr lang="en-US" altLang="zh-CN" sz="1400">
+              <a:sym typeface="+mn-ea"/>
+            </a:endParaRPr>
+          </a:p>
+          <a:p>
+            <a:pPr lvl="1"/>
+            <a:r>
+              <a:rPr lang="en-US" altLang="zh-CN" sz="1400">
+                <a:sym typeface="+mn-ea"/>
+              </a:rPr>
+              <a:t>matplotlib.use('TkAgg')</a:t>
+            </a:r>
+            <a:endParaRPr lang="en-US" altLang="zh-CN" sz="1400"/>
+          </a:p>
+          <a:p>
+            <a:r>
+              <a:rPr lang="en-US" altLang="zh-CN" sz="1800"/>
+              <a:t>import matplotlib.pyplot as plt</a:t>
+            </a:r>
+            <a:endParaRPr lang="en-US" altLang="zh-CN" sz="1800"/>
+          </a:p>
+          <a:p>
+            <a:pPr lvl="1">
               <a:buFont typeface="Wingdings" panose="05000000000000000000" pitchFamily="2" charset="2"/>
-              <a:buChar char=""/>
+              <a:buChar char="Ø"/>
             </a:pPr>
             <a:r>
-              <a:rPr lang="en-US" altLang="zh-CN" smtClean="0"/>
-              <a:t>Basic</a:t>
-            </a:r>
-            <a:endParaRPr lang="en-US" altLang="zh-CN" smtClean="0"/>
-          </a:p>
-          <a:p>
-            <a:pPr lvl="1" algn="l">
-              <a:lnSpc>
-                <a:spcPct val="200000"/>
-              </a:lnSpc>
+              <a:rPr lang="en-US" altLang="zh-CN" sz="1600"/>
+              <a:t>plt.title(text), </a:t>
+            </a:r>
+            <a:r>
+              <a:rPr lang="en-US" altLang="zh-CN" sz="1600">
+                <a:sym typeface="+mn-ea"/>
+              </a:rPr>
+              <a:t>plt.xlabel(), plt.ylabel(), plt.xticks(), plt.yticks(), plt.legend()</a:t>
+            </a:r>
+            <a:endParaRPr lang="en-US" altLang="zh-CN" sz="1600"/>
+          </a:p>
+          <a:p>
+            <a:pPr lvl="1">
               <a:buFont typeface="Wingdings" panose="05000000000000000000" pitchFamily="2" charset="2"/>
-              <a:buChar char=""/>
+              <a:buChar char="Ø"/>
             </a:pPr>
             <a:r>
-              <a:rPr lang="en-US" altLang="zh-CN" smtClean="0"/>
-              <a:t>pip install seaborn</a:t>
-            </a:r>
-            <a:endParaRPr lang="en-US" altLang="zh-CN" smtClean="0"/>
-          </a:p>
-          <a:p>
-            <a:pPr lvl="1" algn="l">
-              <a:lnSpc>
-                <a:spcPct val="200000"/>
-              </a:lnSpc>
+              <a:rPr lang="en-US" altLang="zh-CN" sz="1600"/>
+              <a:t>plt.imshow(arr, cmap=plt.cm.gray), plt.imshow(img[..., ::-1])</a:t>
+            </a:r>
+            <a:endParaRPr lang="en-US" altLang="zh-CN" sz="1600"/>
+          </a:p>
+          <a:p>
+            <a:pPr lvl="1">
               <a:buFont typeface="Wingdings" panose="05000000000000000000" pitchFamily="2" charset="2"/>
-              <a:buChar char=""/>
+              <a:buChar char="Ø"/>
             </a:pPr>
             <a:r>
-              <a:rPr lang="en-US" altLang="zh-CN" smtClean="0"/>
-              <a:t>import seaborn as sns</a:t>
-            </a:r>
-            <a:endParaRPr lang="en-US" altLang="zh-CN" smtClean="0"/>
-          </a:p>
-          <a:p>
-            <a:pPr lvl="1" algn="l">
-              <a:lnSpc>
-                <a:spcPct val="200000"/>
-              </a:lnSpc>
+              <a:rPr lang="en-US" altLang="zh-CN" sz="1600"/>
+              <a:t>plt.show()</a:t>
+            </a:r>
+            <a:endParaRPr lang="en-US" altLang="zh-CN" sz="1600"/>
+          </a:p>
+          <a:p>
+            <a:pPr lvl="1">
               <a:buFont typeface="Wingdings" panose="05000000000000000000" pitchFamily="2" charset="2"/>
-              <a:buChar char=""/>
+              <a:buChar char="Ø"/>
             </a:pPr>
             <a:r>
-              <a:rPr lang="en-US" altLang="zh-CN" smtClean="0"/>
-              <a:t>It's a kind of enhancement of matplotlib.</a:t>
-            </a:r>
-            <a:endParaRPr lang="en-US" altLang="zh-CN" smtClean="0"/>
-          </a:p>
-          <a:p>
-            <a:pPr lvl="1" algn="l">
-              <a:lnSpc>
-                <a:spcPct val="200000"/>
-              </a:lnSpc>
+              <a:rPr lang="en-US" altLang="zh-CN" sz="1600"/>
+              <a:t>plt.plot(), </a:t>
+            </a:r>
+            <a:r>
+              <a:rPr lang="en-US" altLang="zh-CN" sz="1600">
+                <a:sym typeface="+mn-ea"/>
+              </a:rPr>
+              <a:t>plt.subplot(), fig, ax = plt.subplots(), plt.clf()</a:t>
+            </a:r>
+            <a:endParaRPr lang="en-US" altLang="zh-CN" sz="1600"/>
+          </a:p>
+          <a:p>
+            <a:pPr lvl="1">
               <a:buFont typeface="Wingdings" panose="05000000000000000000" pitchFamily="2" charset="2"/>
-              <a:buChar char=""/>
+              <a:buChar char="Ø"/>
             </a:pPr>
             <a:r>
-              <a:rPr lang="en-US" altLang="zh-CN" smtClean="0"/>
-              <a:t>heatmap()</a:t>
-            </a:r>
-            <a:endParaRPr lang="en-US" altLang="zh-CN" smtClean="0"/>
+              <a:rPr lang="en-US" altLang="zh-CN" sz="1600"/>
+              <a:t>plt.hist(), plt.pcolor(),plt.colorbar(), plt.scatter(x, y, color)</a:t>
+            </a:r>
+            <a:endParaRPr lang="en-US" altLang="zh-CN" sz="1600"/>
+          </a:p>
+          <a:p>
+            <a:pPr lvl="1">
+              <a:buFont typeface="Wingdings" panose="05000000000000000000" pitchFamily="2" charset="2"/>
+              <a:buChar char="Ø"/>
+            </a:pPr>
+            <a:r>
+              <a:rPr lang="en-US" altLang="zh-CN" sz="1600"/>
+              <a:t>plt.axis('off')</a:t>
+            </a:r>
+            <a:endParaRPr lang="en-US" altLang="zh-CN" sz="1600"/>
+          </a:p>
+          <a:p>
+            <a:pPr lvl="1">
+              <a:buFont typeface="Wingdings" panose="05000000000000000000" pitchFamily="2" charset="2"/>
+              <a:buChar char="Ø"/>
+            </a:pPr>
+            <a:r>
+              <a:rPr lang="en-US" altLang="zh-CN" sz="1600"/>
+              <a:t>plt.savefig('a.png')</a:t>
+            </a:r>
+            <a:endParaRPr lang="en-US" altLang="zh-CN" sz="1600"/>
+          </a:p>
+          <a:p>
+            <a:pPr lvl="1">
+              <a:buFont typeface="Wingdings" panose="05000000000000000000" pitchFamily="2" charset="2"/>
+              <a:buChar char="Ø"/>
+            </a:pPr>
+            <a:r>
+              <a:rPr lang="en-US" altLang="zh-CN" sz="1600"/>
+              <a:t>plt.get_backend()</a:t>
+            </a:r>
+            <a:endParaRPr lang="en-US" altLang="zh-CN" sz="1600"/>
+          </a:p>
+          <a:p>
+            <a:r>
+              <a:rPr lang="en-US" altLang="zh-CN" sz="1800"/>
+              <a:t>Figure</a:t>
+            </a:r>
+            <a:endParaRPr lang="en-US" altLang="zh-CN" sz="1800"/>
+          </a:p>
+          <a:p>
+            <a:pPr lvl="1">
+              <a:buFont typeface="Wingdings" panose="05000000000000000000" pitchFamily="2" charset="2"/>
+              <a:buChar char="Ø"/>
+            </a:pPr>
+            <a:r>
+              <a:rPr lang="en-US" altLang="zh-CN" sz="1600"/>
+              <a:t>fig = plt.figure(figsize=(w,h))</a:t>
+            </a:r>
+            <a:endParaRPr lang="en-US" altLang="zh-CN" sz="1600"/>
+          </a:p>
+          <a:p>
+            <a:pPr lvl="1">
+              <a:buFont typeface="Wingdings" panose="05000000000000000000" pitchFamily="2" charset="2"/>
+              <a:buChar char="Ø"/>
+            </a:pPr>
+            <a:r>
+              <a:rPr lang="en-US" altLang="zh-CN" sz="1600"/>
+              <a:t>ax = fig.add_subplot()</a:t>
+            </a:r>
+            <a:endParaRPr lang="en-US" altLang="zh-CN" sz="1600"/>
+          </a:p>
+          <a:p>
+            <a:pPr lvl="1">
+              <a:buFont typeface="Wingdings" panose="05000000000000000000" pitchFamily="2" charset="2"/>
+              <a:buChar char="Ø"/>
+            </a:pPr>
+            <a:r>
+              <a:rPr lang="en-US" altLang="zh-CN" sz="1600"/>
+              <a:t>ax.matshow(matrix)</a:t>
+            </a:r>
+            <a:endParaRPr lang="en-US" altLang="zh-CN" sz="1600"/>
+          </a:p>
+          <a:p>
+            <a:pPr lvl="0">
+              <a:buFont typeface="Wingdings" panose="05000000000000000000" pitchFamily="2" charset="2"/>
+              <a:buChar char="Ø"/>
+            </a:pPr>
+            <a:r>
+              <a:rPr lang="en-US" altLang="zh-CN" sz="1800"/>
+              <a:t>Unicode support</a:t>
+            </a:r>
+            <a:endParaRPr lang="en-US" altLang="zh-CN" sz="1800"/>
+          </a:p>
+          <a:p>
+            <a:pPr lvl="1">
+              <a:buFont typeface="Wingdings" panose="05000000000000000000" pitchFamily="2" charset="2"/>
+              <a:buChar char="Ø"/>
+            </a:pPr>
+            <a:r>
+              <a:rPr lang="en-US" altLang="zh-CN" sz="1600"/>
+              <a:t>matplotlib.rcParams['font.family'] = 'SimHei'</a:t>
+            </a:r>
+            <a:endParaRPr lang="en-US" altLang="zh-CN" sz="1600"/>
           </a:p>
         </p:txBody>
       </p:sp>
@@ -11280,7 +11346,7 @@
           <a:p>
             <a:r>
               <a:rPr lang="en-US" altLang="zh-CN" smtClean="0"/>
-              <a:t>xml</a:t>
+              <a:t>Seaborn</a:t>
             </a:r>
             <a:endParaRPr lang="en-US" altLang="zh-CN" smtClean="0"/>
           </a:p>
@@ -11299,7 +11365,7 @@
         <p:spPr/>
         <p:txBody>
           <a:bodyPr>
-            <a:normAutofit lnSpcReduction="20000"/>
+            <a:normAutofit/>
           </a:bodyPr>
           <a:p>
             <a:pPr marL="357505" indent="-357505" algn="l">
@@ -11329,7 +11395,7 @@
             </a:pPr>
             <a:r>
               <a:rPr lang="en-US" altLang="zh-CN" smtClean="0"/>
-              <a:t>import xml.etree.ElementTree as ET</a:t>
+              <a:t>pip install seaborn</a:t>
             </a:r>
             <a:endParaRPr lang="en-US" altLang="zh-CN" smtClean="0"/>
           </a:p>
@@ -11343,7 +11409,7 @@
             </a:pPr>
             <a:r>
               <a:rPr lang="en-US" altLang="zh-CN" smtClean="0"/>
-              <a:t>parser = ET.XMLParser(encoding='utf-8')</a:t>
+              <a:t>import seaborn as sns</a:t>
             </a:r>
             <a:endParaRPr lang="en-US" altLang="zh-CN" smtClean="0"/>
           </a:p>
@@ -11357,7 +11423,7 @@
             </a:pPr>
             <a:r>
               <a:rPr lang="en-US" altLang="zh-CN" smtClean="0"/>
-              <a:t>tree = ET.parse(fn, parser=parser)</a:t>
+              <a:t>It's a kind of enhancement of matplotlib.</a:t>
             </a:r>
             <a:endParaRPr lang="en-US" altLang="zh-CN" smtClean="0"/>
           </a:p>
@@ -11371,35 +11437,7 @@
             </a:pPr>
             <a:r>
               <a:rPr lang="en-US" altLang="zh-CN" smtClean="0"/>
-              <a:t>root = tree.getroot()</a:t>
-            </a:r>
-            <a:endParaRPr lang="en-US" altLang="zh-CN" smtClean="0"/>
-          </a:p>
-          <a:p>
-            <a:pPr lvl="1" algn="l">
-              <a:lnSpc>
-                <a:spcPct val="200000"/>
-              </a:lnSpc>
-              <a:buFont typeface="Wingdings" panose="05000000000000000000" pitchFamily="2" charset="2"/>
-              <a:buChar char=""/>
-            </a:pPr>
-            <a:r>
-              <a:rPr lang="en-US" altLang="zh-CN" smtClean="0"/>
-              <a:t>for elem in root.findall(./level1/level2):</a:t>
-            </a:r>
-            <a:endParaRPr lang="en-US" altLang="zh-CN" smtClean="0"/>
-          </a:p>
-          <a:p>
-            <a:pPr lvl="2" algn="l">
-              <a:lnSpc>
-                <a:spcPct val="200000"/>
-              </a:lnSpc>
-              <a:buFont typeface="Wingdings" panose="05000000000000000000" pitchFamily="2" charset="2"/>
-              <a:buChar char=""/>
-            </a:pPr>
-            <a:r>
-              <a:rPr lang="en-US" altLang="zh-CN" smtClean="0"/>
-              <a:t>attrib = elem.attrib['attrib_name']</a:t>
+              <a:t>heatmap()</a:t>
             </a:r>
             <a:endParaRPr lang="en-US" altLang="zh-CN" smtClean="0"/>
           </a:p>
@@ -11425,7 +11463,7 @@
       <p:grpSpPr/>
       <p:sp>
         <p:nvSpPr>
-          <p:cNvPr id="2" name="标题 1"/>
+          <p:cNvPr id="24578" name="标题 2"/>
           <p:cNvSpPr>
             <a:spLocks noGrp="1"/>
           </p:cNvSpPr>
@@ -11435,19 +11473,21 @@
         </p:nvSpPr>
         <p:spPr/>
         <p:txBody>
-          <a:bodyPr/>
-          <a:p>
-            <a:r>
-              <a:rPr lang="en-US" altLang="zh-CN"/>
-              <a:t>HTML</a:t>
-            </a:r>
-            <a:endParaRPr lang="en-US" altLang="zh-CN"/>
-          </a:p>
-        </p:txBody>
-      </p:sp>
-      <p:sp>
-        <p:nvSpPr>
-          <p:cNvPr id="3" name="内容占位符 2"/>
+          <a:bodyPr anchor="b">
+            <a:normAutofit/>
+          </a:bodyPr>
+          <a:p>
+            <a:r>
+              <a:rPr lang="en-US" altLang="zh-CN" smtClean="0"/>
+              <a:t>xml</a:t>
+            </a:r>
+            <a:endParaRPr lang="en-US" altLang="zh-CN" smtClean="0"/>
+          </a:p>
+        </p:txBody>
+      </p:sp>
+      <p:sp>
+        <p:nvSpPr>
+          <p:cNvPr id="4" name="内容占位符 3"/>
           <p:cNvSpPr>
             <a:spLocks noGrp="1"/>
           </p:cNvSpPr>
@@ -11457,21 +11497,110 @@
         </p:nvSpPr>
         <p:spPr/>
         <p:txBody>
-          <a:bodyPr/>
-          <a:p>
-            <a:r>
-              <a:rPr lang="en-US" altLang="zh-CN"/>
-              <a:t>beautifulSoup</a:t>
-            </a:r>
-            <a:endParaRPr lang="en-US" altLang="zh-CN"/>
-          </a:p>
-          <a:p>
-            <a:pPr lvl="1"/>
-            <a:r>
-              <a:rPr lang="en-US" altLang="zh-CN"/>
-              <a:t>pip install beautifulsoup4</a:t>
-            </a:r>
-            <a:endParaRPr lang="en-US" altLang="zh-CN"/>
+          <a:bodyPr>
+            <a:normAutofit lnSpcReduction="20000"/>
+          </a:bodyPr>
+          <a:p>
+            <a:pPr marL="357505" indent="-357505" algn="l">
+              <a:lnSpc>
+                <a:spcPct val="200000"/>
+              </a:lnSpc>
+              <a:buClr>
+                <a:schemeClr val="accent1"/>
+              </a:buClr>
+              <a:buSzTx/>
+              <a:buFont typeface="Wingdings" panose="05000000000000000000" pitchFamily="2" charset="2"/>
+              <a:buChar char=""/>
+            </a:pPr>
+            <a:r>
+              <a:rPr lang="en-US" altLang="zh-CN" smtClean="0"/>
+              <a:t>Basic</a:t>
+            </a:r>
+            <a:endParaRPr lang="en-US" altLang="zh-CN" smtClean="0"/>
+          </a:p>
+          <a:p>
+            <a:pPr lvl="1" algn="l">
+              <a:lnSpc>
+                <a:spcPct val="200000"/>
+              </a:lnSpc>
+              <a:buFont typeface="Wingdings" panose="05000000000000000000" pitchFamily="2" charset="2"/>
+              <a:buChar char=""/>
+            </a:pPr>
+            <a:r>
+              <a:rPr lang="en-US" altLang="zh-CN" smtClean="0"/>
+              <a:t>import xml.etree.ElementTree as ET</a:t>
+            </a:r>
+            <a:endParaRPr lang="en-US" altLang="zh-CN" smtClean="0"/>
+          </a:p>
+          <a:p>
+            <a:pPr lvl="1" algn="l">
+              <a:lnSpc>
+                <a:spcPct val="200000"/>
+              </a:lnSpc>
+              <a:buFont typeface="Wingdings" panose="05000000000000000000" pitchFamily="2" charset="2"/>
+              <a:buChar char=""/>
+            </a:pPr>
+            <a:r>
+              <a:rPr lang="en-US" altLang="zh-CN" smtClean="0"/>
+              <a:t>parser = ET.XMLParser(encoding='utf-8')</a:t>
+            </a:r>
+            <a:endParaRPr lang="en-US" altLang="zh-CN" smtClean="0"/>
+          </a:p>
+          <a:p>
+            <a:pPr lvl="1" algn="l">
+              <a:lnSpc>
+                <a:spcPct val="200000"/>
+              </a:lnSpc>
+              <a:buFont typeface="Wingdings" panose="05000000000000000000" pitchFamily="2" charset="2"/>
+              <a:buChar char=""/>
+            </a:pPr>
+            <a:r>
+              <a:rPr lang="en-US" altLang="zh-CN" smtClean="0"/>
+              <a:t>tree = ET.parse(fn, parser=parser)</a:t>
+            </a:r>
+            <a:endParaRPr lang="en-US" altLang="zh-CN" smtClean="0"/>
+          </a:p>
+          <a:p>
+            <a:pPr lvl="1" algn="l">
+              <a:lnSpc>
+                <a:spcPct val="200000"/>
+              </a:lnSpc>
+              <a:buFont typeface="Wingdings" panose="05000000000000000000" pitchFamily="2" charset="2"/>
+              <a:buChar char=""/>
+            </a:pPr>
+            <a:r>
+              <a:rPr lang="en-US" altLang="zh-CN" smtClean="0"/>
+              <a:t>root = tree.getroot()</a:t>
+            </a:r>
+            <a:endParaRPr lang="en-US" altLang="zh-CN" smtClean="0"/>
+          </a:p>
+          <a:p>
+            <a:pPr lvl="1" algn="l">
+              <a:lnSpc>
+                <a:spcPct val="200000"/>
+              </a:lnSpc>
+              <a:buFont typeface="Wingdings" panose="05000000000000000000" pitchFamily="2" charset="2"/>
+              <a:buChar char=""/>
+            </a:pPr>
+            <a:r>
+              <a:rPr lang="en-US" altLang="zh-CN" smtClean="0"/>
+              <a:t>for elem in root.findall(./level1/level2):</a:t>
+            </a:r>
+            <a:endParaRPr lang="en-US" altLang="zh-CN" smtClean="0"/>
+          </a:p>
+          <a:p>
+            <a:pPr lvl="2" algn="l">
+              <a:lnSpc>
+                <a:spcPct val="200000"/>
+              </a:lnSpc>
+              <a:buFont typeface="Wingdings" panose="05000000000000000000" pitchFamily="2" charset="2"/>
+              <a:buChar char=""/>
+            </a:pPr>
+            <a:r>
+              <a:rPr lang="en-US" altLang="zh-CN" smtClean="0"/>
+              <a:t>attrib = elem.attrib['attrib_name']</a:t>
+            </a:r>
+            <a:endParaRPr lang="en-US" altLang="zh-CN" smtClean="0"/>
           </a:p>
         </p:txBody>
       </p:sp>
@@ -11495,6 +11624,76 @@
       <p:grpSpPr/>
       <p:sp>
         <p:nvSpPr>
+          <p:cNvPr id="2" name="标题 1"/>
+          <p:cNvSpPr>
+            <a:spLocks noGrp="1"/>
+          </p:cNvSpPr>
+          <p:nvPr>
+            <p:ph type="title"/>
+          </p:nvPr>
+        </p:nvSpPr>
+        <p:spPr/>
+        <p:txBody>
+          <a:bodyPr/>
+          <a:p>
+            <a:r>
+              <a:rPr lang="en-US" altLang="zh-CN"/>
+              <a:t>HTML</a:t>
+            </a:r>
+            <a:endParaRPr lang="en-US" altLang="zh-CN"/>
+          </a:p>
+        </p:txBody>
+      </p:sp>
+      <p:sp>
+        <p:nvSpPr>
+          <p:cNvPr id="3" name="内容占位符 2"/>
+          <p:cNvSpPr>
+            <a:spLocks noGrp="1"/>
+          </p:cNvSpPr>
+          <p:nvPr>
+            <p:ph idx="1"/>
+          </p:nvPr>
+        </p:nvSpPr>
+        <p:spPr/>
+        <p:txBody>
+          <a:bodyPr/>
+          <a:p>
+            <a:r>
+              <a:rPr lang="en-US" altLang="zh-CN"/>
+              <a:t>beautifulSoup</a:t>
+            </a:r>
+            <a:endParaRPr lang="en-US" altLang="zh-CN"/>
+          </a:p>
+          <a:p>
+            <a:pPr lvl="1"/>
+            <a:r>
+              <a:rPr lang="en-US" altLang="zh-CN"/>
+              <a:t>pip install beautifulsoup4</a:t>
+            </a:r>
+            <a:endParaRPr lang="en-US" altLang="zh-CN"/>
+          </a:p>
+        </p:txBody>
+      </p:sp>
+    </p:spTree>
+  </p:cSld>
+  <p:clrMapOvr>
+    <a:masterClrMapping/>
+  </p:clrMapOvr>
+</p:sld>
+</file>
+
+<file path=ppt/slides/slide39.xml><?xml version="1.0" encoding="utf-8"?>
+<p:sld xmlns:a="http://schemas.openxmlformats.org/drawingml/2006/main" xmlns:r="http://schemas.openxmlformats.org/officeDocument/2006/relationships" xmlns:p="http://schemas.openxmlformats.org/presentationml/2006/main">
+  <p:cSld>
+    <p:spTree>
+      <p:nvGrpSpPr>
+        <p:cNvPr id="1" name=""/>
+        <p:cNvGrpSpPr/>
+        <p:nvPr/>
+      </p:nvGrpSpPr>
+      <p:grpSpPr/>
+      <p:sp>
+        <p:nvSpPr>
           <p:cNvPr id="24578" name="标题 2"/>
           <p:cNvSpPr>
             <a:spLocks noGrp="1"/>
@@ -11789,7 +11988,367 @@
 </p:sld>
 </file>
 
-<file path=ppt/slides/slide39.xml><?xml version="1.0" encoding="utf-8"?>
+<file path=ppt/slides/slide4.xml><?xml version="1.0" encoding="utf-8"?>
+<p:sld xmlns:a="http://schemas.openxmlformats.org/drawingml/2006/main" xmlns:r="http://schemas.openxmlformats.org/officeDocument/2006/relationships" xmlns:p="http://schemas.openxmlformats.org/presentationml/2006/main">
+  <p:cSld>
+    <p:spTree>
+      <p:nvGrpSpPr>
+        <p:cNvPr id="1" name=""/>
+        <p:cNvGrpSpPr/>
+        <p:nvPr/>
+      </p:nvGrpSpPr>
+      <p:grpSpPr/>
+      <p:sp>
+        <p:nvSpPr>
+          <p:cNvPr id="2" name="标题 1"/>
+          <p:cNvSpPr>
+            <a:spLocks noGrp="1"/>
+          </p:cNvSpPr>
+          <p:nvPr>
+            <p:ph type="title"/>
+          </p:nvPr>
+        </p:nvSpPr>
+        <p:spPr/>
+        <p:txBody>
+          <a:bodyPr/>
+          <a:p>
+            <a:r>
+              <a:rPr lang="en-US" altLang="zh-CN"/>
+              <a:t>Basic 2/2</a:t>
+            </a:r>
+            <a:endParaRPr lang="en-US" altLang="zh-CN"/>
+          </a:p>
+        </p:txBody>
+      </p:sp>
+      <p:sp>
+        <p:nvSpPr>
+          <p:cNvPr id="3" name="内容占位符 2"/>
+          <p:cNvSpPr>
+            <a:spLocks noGrp="1"/>
+          </p:cNvSpPr>
+          <p:nvPr>
+            <p:ph idx="1"/>
+          </p:nvPr>
+        </p:nvSpPr>
+        <p:spPr/>
+        <p:txBody>
+          <a:bodyPr>
+            <a:noAutofit/>
+          </a:bodyPr>
+          <a:p>
+            <a:r>
+              <a:rPr lang="en-US" altLang="zh-CN" sz="1600"/>
+              <a:t>Pip</a:t>
+            </a:r>
+            <a:endParaRPr lang="en-US" altLang="zh-CN" sz="1600"/>
+          </a:p>
+          <a:p>
+            <a:pPr lvl="1">
+              <a:buFont typeface="Wingdings" panose="05000000000000000000" pitchFamily="2" charset="2"/>
+              <a:buChar char=""/>
+            </a:pPr>
+            <a:r>
+              <a:rPr lang="en-US" altLang="en-US" sz="1400"/>
+              <a:t>sudo apt install python-pip</a:t>
+            </a:r>
+            <a:endParaRPr lang="en-US" altLang="en-US" sz="1400"/>
+          </a:p>
+          <a:p>
+            <a:pPr lvl="1">
+              <a:buFont typeface="Wingdings" panose="05000000000000000000" pitchFamily="2" charset="2"/>
+              <a:buChar char=""/>
+            </a:pPr>
+            <a:r>
+              <a:rPr lang="en-US" altLang="en-US" sz="1400"/>
+              <a:t>pip search &lt;package_name&gt;</a:t>
+            </a:r>
+            <a:endParaRPr lang="en-US" altLang="zh-CN" sz="1400"/>
+          </a:p>
+          <a:p>
+            <a:pPr lvl="1">
+              <a:buFont typeface="Wingdings" panose="05000000000000000000" pitchFamily="2" charset="2"/>
+              <a:buChar char=""/>
+            </a:pPr>
+            <a:r>
+              <a:rPr lang="en-US" altLang="zh-CN" sz="1400"/>
+              <a:t>Mirror</a:t>
+            </a:r>
+            <a:endParaRPr lang="en-US" altLang="zh-CN" sz="1400"/>
+          </a:p>
+          <a:p>
+            <a:pPr lvl="2">
+              <a:buFont typeface="Wingdings" panose="05000000000000000000" pitchFamily="2" charset="2"/>
+              <a:buChar char=""/>
+            </a:pPr>
+            <a:r>
+              <a:rPr lang="en-US" altLang="zh-CN" sz="1200"/>
+              <a:t>Linux: ~/.pip/pip.conf</a:t>
+            </a:r>
+            <a:endParaRPr lang="en-US" altLang="zh-CN" sz="1200"/>
+          </a:p>
+          <a:p>
+            <a:pPr lvl="2">
+              <a:buFont typeface="Wingdings" panose="05000000000000000000" pitchFamily="2" charset="2"/>
+              <a:buChar char=""/>
+            </a:pPr>
+            <a:r>
+              <a:rPr lang="en-US" altLang="zh-CN" sz="1200"/>
+              <a:t>Windows: C:\ProgramData\pip\pip.ini</a:t>
+            </a:r>
+            <a:endParaRPr lang="en-US" altLang="zh-CN" sz="1400">
+              <a:latin typeface="幼圆" panose="02010509060101010101" pitchFamily="49" charset="-122"/>
+              <a:ea typeface="黑体" panose="02010609060101010101" pitchFamily="49" charset="-122"/>
+            </a:endParaRPr>
+          </a:p>
+          <a:p>
+            <a:pPr lvl="0">
+              <a:buFont typeface="Wingdings" panose="05000000000000000000" pitchFamily="2" charset="2"/>
+              <a:buChar char=""/>
+            </a:pPr>
+            <a:r>
+              <a:rPr lang="en-US" altLang="zh-CN" sz="1600">
+                <a:sym typeface="+mn-ea"/>
+              </a:rPr>
+              <a:t>ipython</a:t>
+            </a:r>
+            <a:endParaRPr lang="en-US" altLang="zh-CN" sz="1600">
+              <a:sym typeface="+mn-ea"/>
+            </a:endParaRPr>
+          </a:p>
+          <a:p>
+            <a:pPr lvl="1">
+              <a:buFont typeface="Wingdings" panose="05000000000000000000" pitchFamily="2" charset="2"/>
+              <a:buChar char=""/>
+            </a:pPr>
+            <a:r>
+              <a:rPr lang="x-none" altLang="en-US" sz="1400">
+                <a:sym typeface="+mn-ea"/>
+              </a:rPr>
+              <a:t>Install ipython in each virtualenv</a:t>
+            </a:r>
+            <a:endParaRPr lang="x-none" altLang="en-US" sz="1400">
+              <a:sym typeface="+mn-ea"/>
+            </a:endParaRPr>
+          </a:p>
+          <a:p>
+            <a:pPr lvl="1">
+              <a:buFont typeface="Wingdings" panose="05000000000000000000" pitchFamily="2" charset="2"/>
+              <a:buChar char=""/>
+            </a:pPr>
+            <a:r>
+              <a:rPr lang="en-US" altLang="zh-CN" sz="1600">
+                <a:latin typeface="幼圆" panose="02010509060101010101" pitchFamily="49" charset="-122"/>
+                <a:ea typeface="黑体" panose="02010609060101010101" pitchFamily="49" charset="-122"/>
+                <a:sym typeface="+mn-ea"/>
+              </a:rPr>
+              <a:t>pip install ipython</a:t>
+            </a:r>
+            <a:endParaRPr lang="en-US" altLang="zh-CN" sz="1600">
+              <a:latin typeface="幼圆" panose="02010509060101010101" pitchFamily="49" charset="-122"/>
+              <a:ea typeface="黑体" panose="02010609060101010101" pitchFamily="49" charset="-122"/>
+            </a:endParaRPr>
+          </a:p>
+          <a:p>
+            <a:pPr lvl="1">
+              <a:buFont typeface="Wingdings" panose="05000000000000000000" pitchFamily="2" charset="2"/>
+              <a:buChar char=""/>
+            </a:pPr>
+            <a:r>
+              <a:rPr lang="en-US" altLang="zh-CN" sz="1600">
+                <a:latin typeface="幼圆" panose="02010509060101010101" pitchFamily="49" charset="-122"/>
+                <a:ea typeface="黑体" panose="02010609060101010101" pitchFamily="49" charset="-122"/>
+                <a:sym typeface="+mn-ea"/>
+              </a:rPr>
+              <a:t>history, %hist, %logstart</a:t>
+            </a:r>
+            <a:endParaRPr lang="en-US" altLang="zh-CN" sz="1600">
+              <a:latin typeface="幼圆" panose="02010509060101010101" pitchFamily="49" charset="-122"/>
+              <a:ea typeface="黑体" panose="02010609060101010101" pitchFamily="49" charset="-122"/>
+              <a:sym typeface="+mn-ea"/>
+            </a:endParaRPr>
+          </a:p>
+          <a:p>
+            <a:pPr lvl="0">
+              <a:buFont typeface="Wingdings" panose="05000000000000000000" pitchFamily="2" charset="2"/>
+              <a:buChar char=""/>
+            </a:pPr>
+            <a:r>
+              <a:rPr lang="en-US" altLang="zh-CN" sz="1600"/>
+              <a:t>Jupyter Notebook</a:t>
+            </a:r>
+            <a:endParaRPr lang="en-US" altLang="zh-CN" sz="1600"/>
+          </a:p>
+          <a:p>
+            <a:pPr lvl="1">
+              <a:buFont typeface="Wingdings" panose="05000000000000000000" pitchFamily="2" charset="2"/>
+              <a:buChar char=""/>
+            </a:pPr>
+            <a:r>
+              <a:rPr lang="en-US" altLang="zh-CN" sz="1400">
+                <a:latin typeface="幼圆" panose="02010509060101010101" pitchFamily="49" charset="-122"/>
+                <a:ea typeface="黑体" panose="02010609060101010101" pitchFamily="49" charset="-122"/>
+              </a:rPr>
+              <a:t>web-based environment that enables interactive computing in notebook documents.</a:t>
+            </a:r>
+            <a:endParaRPr lang="en-US" altLang="zh-CN" sz="1400">
+              <a:latin typeface="幼圆" panose="02010509060101010101" pitchFamily="49" charset="-122"/>
+              <a:ea typeface="黑体" panose="02010609060101010101" pitchFamily="49" charset="-122"/>
+            </a:endParaRPr>
+          </a:p>
+          <a:p>
+            <a:pPr lvl="1">
+              <a:buFont typeface="Wingdings" panose="05000000000000000000" pitchFamily="2" charset="2"/>
+              <a:buChar char=""/>
+            </a:pPr>
+            <a:r>
+              <a:rPr lang="en-US" altLang="zh-CN" sz="1400">
+                <a:latin typeface="幼圆" panose="02010509060101010101" pitchFamily="49" charset="-122"/>
+                <a:ea typeface="黑体" panose="02010609060101010101" pitchFamily="49" charset="-122"/>
+              </a:rPr>
+              <a:t>pip install jupyter, jupyter notebook</a:t>
+            </a:r>
+            <a:endParaRPr lang="en-US" altLang="zh-CN" sz="1400">
+              <a:latin typeface="幼圆" panose="02010509060101010101" pitchFamily="49" charset="-122"/>
+              <a:ea typeface="黑体" panose="02010609060101010101" pitchFamily="49" charset="-122"/>
+            </a:endParaRPr>
+          </a:p>
+          <a:p>
+            <a:pPr lvl="1">
+              <a:buFont typeface="Wingdings" panose="05000000000000000000" pitchFamily="2" charset="2"/>
+              <a:buChar char=""/>
+            </a:pPr>
+            <a:r>
+              <a:rPr lang="en-US" altLang="zh-CN" sz="1400">
+                <a:latin typeface="幼圆" panose="02010509060101010101" pitchFamily="49" charset="-122"/>
+                <a:ea typeface="黑体" panose="02010609060101010101" pitchFamily="49" charset="-122"/>
+              </a:rPr>
+              <a:t>Conovert .ipynb to .py</a:t>
+            </a:r>
+            <a:endParaRPr lang="en-US" altLang="zh-CN" sz="1400">
+              <a:latin typeface="幼圆" panose="02010509060101010101" pitchFamily="49" charset="-122"/>
+              <a:ea typeface="黑体" panose="02010609060101010101" pitchFamily="49" charset="-122"/>
+            </a:endParaRPr>
+          </a:p>
+          <a:p>
+            <a:pPr lvl="2">
+              <a:buFont typeface="Wingdings" panose="05000000000000000000" pitchFamily="2" charset="2"/>
+              <a:buChar char=""/>
+            </a:pPr>
+            <a:r>
+              <a:rPr lang="en-US" altLang="zh-CN" sz="1260">
+                <a:latin typeface="幼圆" panose="02010509060101010101" pitchFamily="49" charset="-122"/>
+                <a:ea typeface="黑体" panose="02010609060101010101" pitchFamily="49" charset="-122"/>
+              </a:rPr>
+              <a:t>pip install ipynb-py-convert</a:t>
+            </a:r>
+            <a:endParaRPr lang="en-US" altLang="zh-CN" sz="1260">
+              <a:latin typeface="幼圆" panose="02010509060101010101" pitchFamily="49" charset="-122"/>
+              <a:ea typeface="黑体" panose="02010609060101010101" pitchFamily="49" charset="-122"/>
+            </a:endParaRPr>
+          </a:p>
+          <a:p>
+            <a:pPr lvl="2">
+              <a:buFont typeface="Wingdings" panose="05000000000000000000" pitchFamily="2" charset="2"/>
+              <a:buChar char=""/>
+            </a:pPr>
+            <a:r>
+              <a:rPr lang="en-US" altLang="zh-CN" sz="1260">
+                <a:latin typeface="幼圆" panose="02010509060101010101" pitchFamily="49" charset="-122"/>
+                <a:ea typeface="黑体" panose="02010609060101010101" pitchFamily="49" charset="-122"/>
+              </a:rPr>
+              <a:t>ipynb-py-convert examples/plot.py examples/plot.ipynb</a:t>
+            </a:r>
+            <a:endParaRPr lang="en-US" altLang="zh-CN" sz="1260">
+              <a:latin typeface="幼圆" panose="02010509060101010101" pitchFamily="49" charset="-122"/>
+              <a:ea typeface="黑体" panose="02010609060101010101" pitchFamily="49" charset="-122"/>
+            </a:endParaRPr>
+          </a:p>
+          <a:p>
+            <a:pPr lvl="2">
+              <a:buFont typeface="Wingdings" panose="05000000000000000000" pitchFamily="2" charset="2"/>
+              <a:buChar char=""/>
+            </a:pPr>
+            <a:r>
+              <a:rPr lang="en-US" altLang="zh-CN" sz="1260">
+                <a:latin typeface="幼圆" panose="02010509060101010101" pitchFamily="49" charset="-122"/>
+                <a:ea typeface="黑体" panose="02010609060101010101" pitchFamily="49" charset="-122"/>
+              </a:rPr>
+              <a:t>ipynb-py-convert examples/plot.ipynb examples/plot.py</a:t>
+            </a:r>
+            <a:endParaRPr lang="en-US" altLang="zh-CN" sz="1260">
+              <a:latin typeface="幼圆" panose="02010509060101010101" pitchFamily="49" charset="-122"/>
+              <a:ea typeface="黑体" panose="02010609060101010101" pitchFamily="49" charset="-122"/>
+            </a:endParaRPr>
+          </a:p>
+        </p:txBody>
+      </p:sp>
+      <p:sp>
+        <p:nvSpPr>
+          <p:cNvPr id="4" name="Text Box 3"/>
+          <p:cNvSpPr txBox="1"/>
+          <p:nvPr/>
+        </p:nvSpPr>
+        <p:spPr>
+          <a:xfrm>
+            <a:off x="6276340" y="1290955"/>
+            <a:ext cx="5230495" cy="1753235"/>
+          </a:xfrm>
+          <a:prstGeom prst="rect">
+            <a:avLst/>
+          </a:prstGeom>
+          <a:noFill/>
+          <a:ln>
+            <a:solidFill>
+              <a:schemeClr val="accent1"/>
+            </a:solidFill>
+          </a:ln>
+        </p:spPr>
+        <p:txBody>
+          <a:bodyPr wrap="square" rtlCol="0">
+            <a:spAutoFit/>
+          </a:bodyPr>
+          <a:p>
+            <a:r>
+              <a:rPr lang="en-US"/>
+              <a:t>[global]</a:t>
+            </a:r>
+            <a:endParaRPr lang="en-US"/>
+          </a:p>
+          <a:p>
+            <a:r>
+              <a:rPr lang="en-US"/>
+              <a:t>index-url=http://mirrors.aliyun.com/pypi/simple</a:t>
+            </a:r>
+            <a:endParaRPr lang="en-US"/>
+          </a:p>
+          <a:p>
+            <a:endParaRPr lang="en-US"/>
+          </a:p>
+          <a:p>
+            <a:r>
+              <a:rPr lang="en-US"/>
+              <a:t>[install]</a:t>
+            </a:r>
+            <a:endParaRPr lang="en-US"/>
+          </a:p>
+          <a:p>
+            <a:r>
+              <a:rPr lang="en-US"/>
+              <a:t>trusted-host=mirrors.aliyun.com</a:t>
+            </a:r>
+            <a:endParaRPr lang="en-US"/>
+          </a:p>
+        </p:txBody>
+      </p:sp>
+    </p:spTree>
+  </p:cSld>
+  <p:clrMapOvr>
+    <a:masterClrMapping/>
+  </p:clrMapOvr>
+</p:sld>
+</file>
+
+<file path=ppt/slides/slide40.xml><?xml version="1.0" encoding="utf-8"?>
 <p:sld xmlns:a="http://schemas.openxmlformats.org/drawingml/2006/main" xmlns:r="http://schemas.openxmlformats.org/officeDocument/2006/relationships" xmlns:p="http://schemas.openxmlformats.org/presentationml/2006/main">
   <p:cSld>
     <p:spTree>
@@ -12150,367 +12709,7 @@
 </p:sld>
 </file>
 
-<file path=ppt/slides/slide4.xml><?xml version="1.0" encoding="utf-8"?>
-<p:sld xmlns:a="http://schemas.openxmlformats.org/drawingml/2006/main" xmlns:r="http://schemas.openxmlformats.org/officeDocument/2006/relationships" xmlns:p="http://schemas.openxmlformats.org/presentationml/2006/main">
-  <p:cSld>
-    <p:spTree>
-      <p:nvGrpSpPr>
-        <p:cNvPr id="1" name=""/>
-        <p:cNvGrpSpPr/>
-        <p:nvPr/>
-      </p:nvGrpSpPr>
-      <p:grpSpPr/>
-      <p:sp>
-        <p:nvSpPr>
-          <p:cNvPr id="2" name="标题 1"/>
-          <p:cNvSpPr>
-            <a:spLocks noGrp="1"/>
-          </p:cNvSpPr>
-          <p:nvPr>
-            <p:ph type="title"/>
-          </p:nvPr>
-        </p:nvSpPr>
-        <p:spPr/>
-        <p:txBody>
-          <a:bodyPr/>
-          <a:p>
-            <a:r>
-              <a:rPr lang="en-US" altLang="zh-CN"/>
-              <a:t>Basic 2/2</a:t>
-            </a:r>
-            <a:endParaRPr lang="en-US" altLang="zh-CN"/>
-          </a:p>
-        </p:txBody>
-      </p:sp>
-      <p:sp>
-        <p:nvSpPr>
-          <p:cNvPr id="3" name="内容占位符 2"/>
-          <p:cNvSpPr>
-            <a:spLocks noGrp="1"/>
-          </p:cNvSpPr>
-          <p:nvPr>
-            <p:ph idx="1"/>
-          </p:nvPr>
-        </p:nvSpPr>
-        <p:spPr/>
-        <p:txBody>
-          <a:bodyPr>
-            <a:noAutofit/>
-          </a:bodyPr>
-          <a:p>
-            <a:r>
-              <a:rPr lang="en-US" altLang="zh-CN" sz="1600"/>
-              <a:t>Pip</a:t>
-            </a:r>
-            <a:endParaRPr lang="en-US" altLang="zh-CN" sz="1600"/>
-          </a:p>
-          <a:p>
-            <a:pPr lvl="1">
-              <a:buFont typeface="Wingdings" panose="05000000000000000000" pitchFamily="2" charset="2"/>
-              <a:buChar char=""/>
-            </a:pPr>
-            <a:r>
-              <a:rPr lang="en-US" altLang="en-US" sz="1400"/>
-              <a:t>sudo apt install python-pip</a:t>
-            </a:r>
-            <a:endParaRPr lang="en-US" altLang="en-US" sz="1400"/>
-          </a:p>
-          <a:p>
-            <a:pPr lvl="1">
-              <a:buFont typeface="Wingdings" panose="05000000000000000000" pitchFamily="2" charset="2"/>
-              <a:buChar char=""/>
-            </a:pPr>
-            <a:r>
-              <a:rPr lang="en-US" altLang="en-US" sz="1400"/>
-              <a:t>pip search &lt;package_name&gt;</a:t>
-            </a:r>
-            <a:endParaRPr lang="en-US" altLang="zh-CN" sz="1400"/>
-          </a:p>
-          <a:p>
-            <a:pPr lvl="1">
-              <a:buFont typeface="Wingdings" panose="05000000000000000000" pitchFamily="2" charset="2"/>
-              <a:buChar char=""/>
-            </a:pPr>
-            <a:r>
-              <a:rPr lang="en-US" altLang="zh-CN" sz="1400"/>
-              <a:t>Mirror</a:t>
-            </a:r>
-            <a:endParaRPr lang="en-US" altLang="zh-CN" sz="1400"/>
-          </a:p>
-          <a:p>
-            <a:pPr lvl="2">
-              <a:buFont typeface="Wingdings" panose="05000000000000000000" pitchFamily="2" charset="2"/>
-              <a:buChar char=""/>
-            </a:pPr>
-            <a:r>
-              <a:rPr lang="en-US" altLang="zh-CN" sz="1200"/>
-              <a:t>Linux: ~/.pip/pip.conf</a:t>
-            </a:r>
-            <a:endParaRPr lang="en-US" altLang="zh-CN" sz="1200"/>
-          </a:p>
-          <a:p>
-            <a:pPr lvl="2">
-              <a:buFont typeface="Wingdings" panose="05000000000000000000" pitchFamily="2" charset="2"/>
-              <a:buChar char=""/>
-            </a:pPr>
-            <a:r>
-              <a:rPr lang="en-US" altLang="zh-CN" sz="1200"/>
-              <a:t>Windows: C:\ProgramData\pip\pip.ini</a:t>
-            </a:r>
-            <a:endParaRPr lang="en-US" altLang="zh-CN" sz="1400">
-              <a:latin typeface="幼圆" panose="02010509060101010101" pitchFamily="49" charset="-122"/>
-              <a:ea typeface="黑体" panose="02010609060101010101" pitchFamily="49" charset="-122"/>
-            </a:endParaRPr>
-          </a:p>
-          <a:p>
-            <a:pPr lvl="0">
-              <a:buFont typeface="Wingdings" panose="05000000000000000000" pitchFamily="2" charset="2"/>
-              <a:buChar char=""/>
-            </a:pPr>
-            <a:r>
-              <a:rPr lang="en-US" altLang="zh-CN" sz="1600">
-                <a:sym typeface="+mn-ea"/>
-              </a:rPr>
-              <a:t>ipython</a:t>
-            </a:r>
-            <a:endParaRPr lang="en-US" altLang="zh-CN" sz="1600">
-              <a:sym typeface="+mn-ea"/>
-            </a:endParaRPr>
-          </a:p>
-          <a:p>
-            <a:pPr lvl="1">
-              <a:buFont typeface="Wingdings" panose="05000000000000000000" pitchFamily="2" charset="2"/>
-              <a:buChar char=""/>
-            </a:pPr>
-            <a:r>
-              <a:rPr lang="x-none" altLang="en-US" sz="1400">
-                <a:sym typeface="+mn-ea"/>
-              </a:rPr>
-              <a:t>Install ipython in each virtualenv</a:t>
-            </a:r>
-            <a:endParaRPr lang="x-none" altLang="en-US" sz="1400">
-              <a:sym typeface="+mn-ea"/>
-            </a:endParaRPr>
-          </a:p>
-          <a:p>
-            <a:pPr lvl="1">
-              <a:buFont typeface="Wingdings" panose="05000000000000000000" pitchFamily="2" charset="2"/>
-              <a:buChar char=""/>
-            </a:pPr>
-            <a:r>
-              <a:rPr lang="en-US" altLang="zh-CN" sz="1600">
-                <a:latin typeface="幼圆" panose="02010509060101010101" pitchFamily="49" charset="-122"/>
-                <a:ea typeface="黑体" panose="02010609060101010101" pitchFamily="49" charset="-122"/>
-                <a:sym typeface="+mn-ea"/>
-              </a:rPr>
-              <a:t>pip install ipython</a:t>
-            </a:r>
-            <a:endParaRPr lang="en-US" altLang="zh-CN" sz="1600">
-              <a:latin typeface="幼圆" panose="02010509060101010101" pitchFamily="49" charset="-122"/>
-              <a:ea typeface="黑体" panose="02010609060101010101" pitchFamily="49" charset="-122"/>
-            </a:endParaRPr>
-          </a:p>
-          <a:p>
-            <a:pPr lvl="1">
-              <a:buFont typeface="Wingdings" panose="05000000000000000000" pitchFamily="2" charset="2"/>
-              <a:buChar char=""/>
-            </a:pPr>
-            <a:r>
-              <a:rPr lang="en-US" altLang="zh-CN" sz="1600">
-                <a:latin typeface="幼圆" panose="02010509060101010101" pitchFamily="49" charset="-122"/>
-                <a:ea typeface="黑体" panose="02010609060101010101" pitchFamily="49" charset="-122"/>
-                <a:sym typeface="+mn-ea"/>
-              </a:rPr>
-              <a:t>history, %hist, %logstart</a:t>
-            </a:r>
-            <a:endParaRPr lang="en-US" altLang="zh-CN" sz="1600">
-              <a:latin typeface="幼圆" panose="02010509060101010101" pitchFamily="49" charset="-122"/>
-              <a:ea typeface="黑体" panose="02010609060101010101" pitchFamily="49" charset="-122"/>
-              <a:sym typeface="+mn-ea"/>
-            </a:endParaRPr>
-          </a:p>
-          <a:p>
-            <a:pPr lvl="0">
-              <a:buFont typeface="Wingdings" panose="05000000000000000000" pitchFamily="2" charset="2"/>
-              <a:buChar char=""/>
-            </a:pPr>
-            <a:r>
-              <a:rPr lang="en-US" altLang="zh-CN" sz="1600"/>
-              <a:t>Jupyter Notebook</a:t>
-            </a:r>
-            <a:endParaRPr lang="en-US" altLang="zh-CN" sz="1600"/>
-          </a:p>
-          <a:p>
-            <a:pPr lvl="1">
-              <a:buFont typeface="Wingdings" panose="05000000000000000000" pitchFamily="2" charset="2"/>
-              <a:buChar char=""/>
-            </a:pPr>
-            <a:r>
-              <a:rPr lang="en-US" altLang="zh-CN" sz="1400">
-                <a:latin typeface="幼圆" panose="02010509060101010101" pitchFamily="49" charset="-122"/>
-                <a:ea typeface="黑体" panose="02010609060101010101" pitchFamily="49" charset="-122"/>
-              </a:rPr>
-              <a:t>web-based environment that enables interactive computing in notebook documents.</a:t>
-            </a:r>
-            <a:endParaRPr lang="en-US" altLang="zh-CN" sz="1400">
-              <a:latin typeface="幼圆" panose="02010509060101010101" pitchFamily="49" charset="-122"/>
-              <a:ea typeface="黑体" panose="02010609060101010101" pitchFamily="49" charset="-122"/>
-            </a:endParaRPr>
-          </a:p>
-          <a:p>
-            <a:pPr lvl="1">
-              <a:buFont typeface="Wingdings" panose="05000000000000000000" pitchFamily="2" charset="2"/>
-              <a:buChar char=""/>
-            </a:pPr>
-            <a:r>
-              <a:rPr lang="en-US" altLang="zh-CN" sz="1400">
-                <a:latin typeface="幼圆" panose="02010509060101010101" pitchFamily="49" charset="-122"/>
-                <a:ea typeface="黑体" panose="02010609060101010101" pitchFamily="49" charset="-122"/>
-              </a:rPr>
-              <a:t>pip install jupyter, jupyter notebook</a:t>
-            </a:r>
-            <a:endParaRPr lang="en-US" altLang="zh-CN" sz="1400">
-              <a:latin typeface="幼圆" panose="02010509060101010101" pitchFamily="49" charset="-122"/>
-              <a:ea typeface="黑体" panose="02010609060101010101" pitchFamily="49" charset="-122"/>
-            </a:endParaRPr>
-          </a:p>
-          <a:p>
-            <a:pPr lvl="1">
-              <a:buFont typeface="Wingdings" panose="05000000000000000000" pitchFamily="2" charset="2"/>
-              <a:buChar char=""/>
-            </a:pPr>
-            <a:r>
-              <a:rPr lang="en-US" altLang="zh-CN" sz="1400">
-                <a:latin typeface="幼圆" panose="02010509060101010101" pitchFamily="49" charset="-122"/>
-                <a:ea typeface="黑体" panose="02010609060101010101" pitchFamily="49" charset="-122"/>
-              </a:rPr>
-              <a:t>Conovert .ipynb to .py</a:t>
-            </a:r>
-            <a:endParaRPr lang="en-US" altLang="zh-CN" sz="1400">
-              <a:latin typeface="幼圆" panose="02010509060101010101" pitchFamily="49" charset="-122"/>
-              <a:ea typeface="黑体" panose="02010609060101010101" pitchFamily="49" charset="-122"/>
-            </a:endParaRPr>
-          </a:p>
-          <a:p>
-            <a:pPr lvl="2">
-              <a:buFont typeface="Wingdings" panose="05000000000000000000" pitchFamily="2" charset="2"/>
-              <a:buChar char=""/>
-            </a:pPr>
-            <a:r>
-              <a:rPr lang="en-US" altLang="zh-CN" sz="1260">
-                <a:latin typeface="幼圆" panose="02010509060101010101" pitchFamily="49" charset="-122"/>
-                <a:ea typeface="黑体" panose="02010609060101010101" pitchFamily="49" charset="-122"/>
-              </a:rPr>
-              <a:t>pip install ipynb-py-convert</a:t>
-            </a:r>
-            <a:endParaRPr lang="en-US" altLang="zh-CN" sz="1260">
-              <a:latin typeface="幼圆" panose="02010509060101010101" pitchFamily="49" charset="-122"/>
-              <a:ea typeface="黑体" panose="02010609060101010101" pitchFamily="49" charset="-122"/>
-            </a:endParaRPr>
-          </a:p>
-          <a:p>
-            <a:pPr lvl="2">
-              <a:buFont typeface="Wingdings" panose="05000000000000000000" pitchFamily="2" charset="2"/>
-              <a:buChar char=""/>
-            </a:pPr>
-            <a:r>
-              <a:rPr lang="en-US" altLang="zh-CN" sz="1260">
-                <a:latin typeface="幼圆" panose="02010509060101010101" pitchFamily="49" charset="-122"/>
-                <a:ea typeface="黑体" panose="02010609060101010101" pitchFamily="49" charset="-122"/>
-              </a:rPr>
-              <a:t>ipynb-py-convert examples/plot.py examples/plot.ipynb</a:t>
-            </a:r>
-            <a:endParaRPr lang="en-US" altLang="zh-CN" sz="1260">
-              <a:latin typeface="幼圆" panose="02010509060101010101" pitchFamily="49" charset="-122"/>
-              <a:ea typeface="黑体" panose="02010609060101010101" pitchFamily="49" charset="-122"/>
-            </a:endParaRPr>
-          </a:p>
-          <a:p>
-            <a:pPr lvl="2">
-              <a:buFont typeface="Wingdings" panose="05000000000000000000" pitchFamily="2" charset="2"/>
-              <a:buChar char=""/>
-            </a:pPr>
-            <a:r>
-              <a:rPr lang="en-US" altLang="zh-CN" sz="1260">
-                <a:latin typeface="幼圆" panose="02010509060101010101" pitchFamily="49" charset="-122"/>
-                <a:ea typeface="黑体" panose="02010609060101010101" pitchFamily="49" charset="-122"/>
-              </a:rPr>
-              <a:t>ipynb-py-convert examples/plot.ipynb examples/plot.py</a:t>
-            </a:r>
-            <a:endParaRPr lang="en-US" altLang="zh-CN" sz="1260">
-              <a:latin typeface="幼圆" panose="02010509060101010101" pitchFamily="49" charset="-122"/>
-              <a:ea typeface="黑体" panose="02010609060101010101" pitchFamily="49" charset="-122"/>
-            </a:endParaRPr>
-          </a:p>
-        </p:txBody>
-      </p:sp>
-      <p:sp>
-        <p:nvSpPr>
-          <p:cNvPr id="4" name="Text Box 3"/>
-          <p:cNvSpPr txBox="1"/>
-          <p:nvPr/>
-        </p:nvSpPr>
-        <p:spPr>
-          <a:xfrm>
-            <a:off x="6276340" y="1290955"/>
-            <a:ext cx="5230495" cy="1753235"/>
-          </a:xfrm>
-          <a:prstGeom prst="rect">
-            <a:avLst/>
-          </a:prstGeom>
-          <a:noFill/>
-          <a:ln>
-            <a:solidFill>
-              <a:schemeClr val="accent1"/>
-            </a:solidFill>
-          </a:ln>
-        </p:spPr>
-        <p:txBody>
-          <a:bodyPr wrap="square" rtlCol="0">
-            <a:spAutoFit/>
-          </a:bodyPr>
-          <a:p>
-            <a:r>
-              <a:rPr lang="en-US"/>
-              <a:t>[global]</a:t>
-            </a:r>
-            <a:endParaRPr lang="en-US"/>
-          </a:p>
-          <a:p>
-            <a:r>
-              <a:rPr lang="en-US"/>
-              <a:t>index-url=http://mirrors.aliyun.com/pypi/simple</a:t>
-            </a:r>
-            <a:endParaRPr lang="en-US"/>
-          </a:p>
-          <a:p>
-            <a:endParaRPr lang="en-US"/>
-          </a:p>
-          <a:p>
-            <a:r>
-              <a:rPr lang="en-US"/>
-              <a:t>[install]</a:t>
-            </a:r>
-            <a:endParaRPr lang="en-US"/>
-          </a:p>
-          <a:p>
-            <a:r>
-              <a:rPr lang="en-US"/>
-              <a:t>trusted-host=mirrors.aliyun.com</a:t>
-            </a:r>
-            <a:endParaRPr lang="en-US"/>
-          </a:p>
-        </p:txBody>
-      </p:sp>
-    </p:spTree>
-  </p:cSld>
-  <p:clrMapOvr>
-    <a:masterClrMapping/>
-  </p:clrMapOvr>
-</p:sld>
-</file>
-
-<file path=ppt/slides/slide40.xml><?xml version="1.0" encoding="utf-8"?>
+<file path=ppt/slides/slide41.xml><?xml version="1.0" encoding="utf-8"?>
 <p:sld xmlns:a="http://schemas.openxmlformats.org/drawingml/2006/main" xmlns:r="http://schemas.openxmlformats.org/officeDocument/2006/relationships" xmlns:p="http://schemas.openxmlformats.org/presentationml/2006/main">
   <p:cSld>
     <p:spTree>
@@ -12760,7 +12959,7 @@
 </p:sld>
 </file>
 
-<file path=ppt/slides/slide41.xml><?xml version="1.0" encoding="utf-8"?>
+<file path=ppt/slides/slide42.xml><?xml version="1.0" encoding="utf-8"?>
 <p:sld xmlns:a="http://schemas.openxmlformats.org/drawingml/2006/main" xmlns:r="http://schemas.openxmlformats.org/officeDocument/2006/relationships" xmlns:p="http://schemas.openxmlformats.org/presentationml/2006/main">
   <p:cSld>
     <p:spTree>
@@ -13137,116 +13336,6 @@
 </p:sld>
 </file>
 
-<file path=ppt/slides/slide42.xml><?xml version="1.0" encoding="utf-8"?>
-<p:sld xmlns:a="http://schemas.openxmlformats.org/drawingml/2006/main" xmlns:r="http://schemas.openxmlformats.org/officeDocument/2006/relationships" xmlns:p="http://schemas.openxmlformats.org/presentationml/2006/main">
-  <p:cSld>
-    <p:spTree>
-      <p:nvGrpSpPr>
-        <p:cNvPr id="1" name=""/>
-        <p:cNvGrpSpPr/>
-        <p:nvPr/>
-      </p:nvGrpSpPr>
-      <p:grpSpPr/>
-      <p:sp>
-        <p:nvSpPr>
-          <p:cNvPr id="2" name="标题 1"/>
-          <p:cNvSpPr>
-            <a:spLocks noGrp="1"/>
-          </p:cNvSpPr>
-          <p:nvPr>
-            <p:ph type="title"/>
-          </p:nvPr>
-        </p:nvSpPr>
-        <p:spPr/>
-        <p:txBody>
-          <a:bodyPr/>
-          <a:p>
-            <a:r>
-              <a:rPr lang="en-US" altLang="zh-CN"/>
-              <a:t>Drawing</a:t>
-            </a:r>
-            <a:endParaRPr lang="en-US" altLang="zh-CN"/>
-          </a:p>
-        </p:txBody>
-      </p:sp>
-      <p:sp>
-        <p:nvSpPr>
-          <p:cNvPr id="3" name="内容占位符 2"/>
-          <p:cNvSpPr>
-            <a:spLocks noGrp="1"/>
-          </p:cNvSpPr>
-          <p:nvPr>
-            <p:ph idx="1"/>
-          </p:nvPr>
-        </p:nvSpPr>
-        <p:spPr/>
-        <p:txBody>
-          <a:bodyPr/>
-          <a:p>
-            <a:r>
-              <a:rPr lang="en-US" altLang="zh-CN"/>
-              <a:t>from PIL import Image, ImageDraw</a:t>
-            </a:r>
-            <a:endParaRPr lang="en-US" altLang="zh-CN"/>
-          </a:p>
-          <a:p>
-            <a:pPr lvl="1"/>
-            <a:r>
-              <a:rPr lang="en-US" altLang="zh-CN"/>
-              <a:t>im = Image.new('RGB', (500, 300), (128, 128, 128))</a:t>
-            </a:r>
-            <a:endParaRPr lang="en-US" altLang="zh-CN"/>
-          </a:p>
-          <a:p>
-            <a:pPr lvl="1"/>
-            <a:r>
-              <a:rPr lang="en-US" altLang="zh-CN"/>
-              <a:t>draw = ImageDraw.Draw(im)</a:t>
-            </a:r>
-            <a:endParaRPr lang="en-US" altLang="zh-CN"/>
-          </a:p>
-          <a:p>
-            <a:pPr lvl="1"/>
-            <a:r>
-              <a:rPr lang="en-US" altLang="zh-CN"/>
-              <a:t>draw.ellipse((100, 100, 150, 200), fill=(255, 0, 0), outline=(0, 0, 0))</a:t>
-            </a:r>
-            <a:endParaRPr lang="en-US" altLang="zh-CN"/>
-          </a:p>
-          <a:p>
-            <a:pPr lvl="1"/>
-            <a:r>
-              <a:rPr lang="en-US" altLang="zh-CN"/>
-              <a:t>draw.rectangle((200, 100, 300, 200), fill=(0, 192, 192), outline=(255, 255, 255))</a:t>
-            </a:r>
-            <a:endParaRPr lang="en-US" altLang="zh-CN"/>
-          </a:p>
-          <a:p>
-            <a:pPr lvl="1"/>
-            <a:r>
-              <a:rPr lang="en-US" altLang="zh-CN"/>
-              <a:t>draw.line((350, 200, 450, 100), fill=(255, 255, 0), width=10)</a:t>
-            </a:r>
-            <a:endParaRPr lang="en-US" altLang="zh-CN"/>
-          </a:p>
-          <a:p>
-            <a:pPr lvl="1"/>
-            <a:r>
-              <a:rPr lang="en-US" altLang="zh-CN"/>
-              <a:t>im.save('imagedraw.jpg', quality=95)</a:t>
-            </a:r>
-            <a:endParaRPr lang="en-US" altLang="zh-CN"/>
-          </a:p>
-        </p:txBody>
-      </p:sp>
-    </p:spTree>
-  </p:cSld>
-  <p:clrMapOvr>
-    <a:masterClrMapping/>
-  </p:clrMapOvr>
-</p:sld>
-</file>
-
 <file path=ppt/slides/slide43.xml><?xml version="1.0" encoding="utf-8"?>
 <p:sld xmlns:a="http://schemas.openxmlformats.org/drawingml/2006/main" xmlns:r="http://schemas.openxmlformats.org/officeDocument/2006/relationships" xmlns:p="http://schemas.openxmlformats.org/presentationml/2006/main">
   <p:cSld>
@@ -13273,7 +13362,7 @@
           <a:p>
             <a:r>
               <a:rPr lang="en-US" altLang="zh-CN"/>
-              <a:t>QRCode</a:t>
+              <a:t>Drawing</a:t>
             </a:r>
             <a:endParaRPr lang="en-US" altLang="zh-CN"/>
           </a:p>
@@ -13295,63 +13384,55 @@
           <a:p>
             <a:r>
               <a:rPr lang="en-US" altLang="zh-CN"/>
-              <a:t>Genration</a:t>
-            </a:r>
-            <a:endParaRPr lang="en-US" altLang="zh-CN"/>
-          </a:p>
-          <a:p>
-            <a:pPr lvl="1"/>
-            <a:r>
-              <a:rPr lang="en-US" altLang="zh-CN"/>
-              <a:t>pip install qrcode</a:t>
-            </a:r>
-            <a:endParaRPr lang="en-US" altLang="zh-CN"/>
-          </a:p>
-          <a:p>
-            <a:pPr lvl="1"/>
-            <a:r>
-              <a:rPr lang="en-US" altLang="zh-CN"/>
-              <a:t>img = qrcode.make(string1)	// img: PIL.Image</a:t>
-            </a:r>
-            <a:endParaRPr lang="en-US" altLang="zh-CN"/>
-          </a:p>
-          <a:p>
-            <a:pPr lvl="1"/>
-            <a:r>
-              <a:rPr lang="en-US" altLang="zh-CN"/>
-              <a:t>img.show()</a:t>
-            </a:r>
-            <a:endParaRPr lang="en-US" altLang="zh-CN"/>
-          </a:p>
-          <a:p>
-            <a:pPr lvl="1"/>
-            <a:r>
-              <a:rPr lang="en-US" altLang="zh-CN"/>
-              <a:t>img.save('fn.png')</a:t>
-            </a:r>
-            <a:endParaRPr lang="en-US" altLang="zh-CN"/>
-          </a:p>
-          <a:p>
-            <a:pPr lvl="0"/>
-            <a:r>
-              <a:rPr lang="en-US" altLang="zh-CN"/>
-              <a:t>Read</a:t>
-            </a:r>
-            <a:endParaRPr lang="en-US" altLang="zh-CN"/>
-          </a:p>
-          <a:p>
-            <a:pPr lvl="1"/>
-            <a:r>
-              <a:rPr lang="en-US" altLang="zh-CN"/>
-              <a:t>detector = cv.QRCodeDetector()</a:t>
-            </a:r>
-            <a:endParaRPr lang="en-US" altLang="zh-CN"/>
-          </a:p>
-          <a:p>
-            <a:pPr lvl="1"/>
-            <a:r>
-              <a:rPr lang="en-US" altLang="zh-CN"/>
-              <a:t>data, bbox, straight_qrcode = detector.detectAndDecode(img)</a:t>
+              <a:t>from PIL import Image, ImageDraw</a:t>
+            </a:r>
+            <a:endParaRPr lang="en-US" altLang="zh-CN"/>
+          </a:p>
+          <a:p>
+            <a:pPr lvl="1"/>
+            <a:r>
+              <a:rPr lang="en-US" altLang="zh-CN"/>
+              <a:t>im = Image.new('RGB', (500, 300), (128, 128, 128))</a:t>
+            </a:r>
+            <a:endParaRPr lang="en-US" altLang="zh-CN"/>
+          </a:p>
+          <a:p>
+            <a:pPr lvl="1"/>
+            <a:r>
+              <a:rPr lang="en-US" altLang="zh-CN"/>
+              <a:t>draw = ImageDraw.Draw(im)</a:t>
+            </a:r>
+            <a:endParaRPr lang="en-US" altLang="zh-CN"/>
+          </a:p>
+          <a:p>
+            <a:pPr lvl="1"/>
+            <a:r>
+              <a:rPr lang="en-US" altLang="zh-CN"/>
+              <a:t>draw.ellipse((100, 100, 150, 200), fill=(255, 0, 0), outline=(0, 0, 0))</a:t>
+            </a:r>
+            <a:endParaRPr lang="en-US" altLang="zh-CN"/>
+          </a:p>
+          <a:p>
+            <a:pPr lvl="1"/>
+            <a:r>
+              <a:rPr lang="en-US" altLang="zh-CN"/>
+              <a:t>draw.rectangle((200, 100, 300, 200), fill=(0, 192, 192), outline=(255, 255, 255))</a:t>
+            </a:r>
+            <a:endParaRPr lang="en-US" altLang="zh-CN"/>
+          </a:p>
+          <a:p>
+            <a:pPr lvl="1"/>
+            <a:r>
+              <a:rPr lang="en-US" altLang="zh-CN"/>
+              <a:t>draw.line((350, 200, 450, 100), fill=(255, 255, 0), width=10)</a:t>
+            </a:r>
+            <a:endParaRPr lang="en-US" altLang="zh-CN"/>
+          </a:p>
+          <a:p>
+            <a:pPr lvl="1"/>
+            <a:r>
+              <a:rPr lang="en-US" altLang="zh-CN"/>
+              <a:t>im.save('imagedraw.jpg', quality=95)</a:t>
             </a:r>
             <a:endParaRPr lang="en-US" altLang="zh-CN"/>
           </a:p>
@@ -13366,6 +13447,124 @@
 </file>
 
 <file path=ppt/slides/slide44.xml><?xml version="1.0" encoding="utf-8"?>
+<p:sld xmlns:a="http://schemas.openxmlformats.org/drawingml/2006/main" xmlns:r="http://schemas.openxmlformats.org/officeDocument/2006/relationships" xmlns:p="http://schemas.openxmlformats.org/presentationml/2006/main">
+  <p:cSld>
+    <p:spTree>
+      <p:nvGrpSpPr>
+        <p:cNvPr id="1" name=""/>
+        <p:cNvGrpSpPr/>
+        <p:nvPr/>
+      </p:nvGrpSpPr>
+      <p:grpSpPr/>
+      <p:sp>
+        <p:nvSpPr>
+          <p:cNvPr id="2" name="标题 1"/>
+          <p:cNvSpPr>
+            <a:spLocks noGrp="1"/>
+          </p:cNvSpPr>
+          <p:nvPr>
+            <p:ph type="title"/>
+          </p:nvPr>
+        </p:nvSpPr>
+        <p:spPr/>
+        <p:txBody>
+          <a:bodyPr/>
+          <a:p>
+            <a:r>
+              <a:rPr lang="en-US" altLang="zh-CN"/>
+              <a:t>QRCode</a:t>
+            </a:r>
+            <a:endParaRPr lang="en-US" altLang="zh-CN"/>
+          </a:p>
+        </p:txBody>
+      </p:sp>
+      <p:sp>
+        <p:nvSpPr>
+          <p:cNvPr id="3" name="内容占位符 2"/>
+          <p:cNvSpPr>
+            <a:spLocks noGrp="1"/>
+          </p:cNvSpPr>
+          <p:nvPr>
+            <p:ph idx="1"/>
+          </p:nvPr>
+        </p:nvSpPr>
+        <p:spPr/>
+        <p:txBody>
+          <a:bodyPr/>
+          <a:p>
+            <a:r>
+              <a:rPr lang="en-US" altLang="zh-CN"/>
+              <a:t>Genration</a:t>
+            </a:r>
+            <a:endParaRPr lang="en-US" altLang="zh-CN"/>
+          </a:p>
+          <a:p>
+            <a:pPr lvl="1"/>
+            <a:r>
+              <a:rPr lang="en-US" altLang="zh-CN"/>
+              <a:t>pip install qrcode</a:t>
+            </a:r>
+            <a:endParaRPr lang="en-US" altLang="zh-CN"/>
+          </a:p>
+          <a:p>
+            <a:pPr lvl="1"/>
+            <a:r>
+              <a:rPr lang="en-US" altLang="zh-CN"/>
+              <a:t>img = qrcode.make(string1)	// img: PIL.Image</a:t>
+            </a:r>
+            <a:endParaRPr lang="en-US" altLang="zh-CN"/>
+          </a:p>
+          <a:p>
+            <a:pPr lvl="1"/>
+            <a:r>
+              <a:rPr lang="en-US" altLang="zh-CN"/>
+              <a:t>img.show()</a:t>
+            </a:r>
+            <a:endParaRPr lang="en-US" altLang="zh-CN"/>
+          </a:p>
+          <a:p>
+            <a:pPr lvl="1"/>
+            <a:r>
+              <a:rPr lang="en-US" altLang="zh-CN"/>
+              <a:t>img.save('fn.png')</a:t>
+            </a:r>
+            <a:endParaRPr lang="en-US" altLang="zh-CN"/>
+          </a:p>
+          <a:p>
+            <a:pPr lvl="0"/>
+            <a:r>
+              <a:rPr lang="en-US" altLang="zh-CN"/>
+              <a:t>Read</a:t>
+            </a:r>
+            <a:endParaRPr lang="en-US" altLang="zh-CN"/>
+          </a:p>
+          <a:p>
+            <a:pPr lvl="1"/>
+            <a:r>
+              <a:rPr lang="en-US" altLang="zh-CN"/>
+              <a:t>detector = cv.QRCodeDetector()</a:t>
+            </a:r>
+            <a:endParaRPr lang="en-US" altLang="zh-CN"/>
+          </a:p>
+          <a:p>
+            <a:pPr lvl="1"/>
+            <a:r>
+              <a:rPr lang="en-US" altLang="zh-CN"/>
+              <a:t>data, bbox, straight_qrcode = detector.detectAndDecode(img)</a:t>
+            </a:r>
+            <a:endParaRPr lang="en-US" altLang="zh-CN"/>
+          </a:p>
+        </p:txBody>
+      </p:sp>
+    </p:spTree>
+  </p:cSld>
+  <p:clrMapOvr>
+    <a:masterClrMapping/>
+  </p:clrMapOvr>
+</p:sld>
+</file>
+
+<file path=ppt/slides/slide45.xml><?xml version="1.0" encoding="utf-8"?>
 <p:sld xmlns:a="http://schemas.openxmlformats.org/drawingml/2006/main" xmlns:r="http://schemas.openxmlformats.org/officeDocument/2006/relationships" xmlns:p="http://schemas.openxmlformats.org/presentationml/2006/main">
   <p:cSld>
     <p:spTree>
@@ -13577,7 +13776,7 @@
 </p:sld>
 </file>
 
-<file path=ppt/slides/slide45.xml><?xml version="1.0" encoding="utf-8"?>
+<file path=ppt/slides/slide46.xml><?xml version="1.0" encoding="utf-8"?>
 <p:sld xmlns:a="http://schemas.openxmlformats.org/drawingml/2006/main" xmlns:r="http://schemas.openxmlformats.org/officeDocument/2006/relationships" xmlns:p="http://schemas.openxmlformats.org/presentationml/2006/main">
   <p:cSld>
     <p:spTree>
@@ -13924,7 +14123,7 @@
 </p:sld>
 </file>
 
-<file path=ppt/slides/slide46.xml><?xml version="1.0" encoding="utf-8"?>
+<file path=ppt/slides/slide47.xml><?xml version="1.0" encoding="utf-8"?>
 <p:sld xmlns:a="http://schemas.openxmlformats.org/drawingml/2006/main" xmlns:r="http://schemas.openxmlformats.org/officeDocument/2006/relationships" xmlns:p="http://schemas.openxmlformats.org/presentationml/2006/main">
   <p:cSld>
     <p:spTree>
@@ -14232,84 +14431,6 @@
 </p:sld>
 </file>
 
-<file path=ppt/slides/slide47.xml><?xml version="1.0" encoding="utf-8"?>
-<p:sld xmlns:a="http://schemas.openxmlformats.org/drawingml/2006/main" xmlns:r="http://schemas.openxmlformats.org/officeDocument/2006/relationships" xmlns:p="http://schemas.openxmlformats.org/presentationml/2006/main">
-  <p:cSld>
-    <p:spTree>
-      <p:nvGrpSpPr>
-        <p:cNvPr id="1" name=""/>
-        <p:cNvGrpSpPr/>
-        <p:nvPr/>
-      </p:nvGrpSpPr>
-      <p:grpSpPr/>
-      <p:sp>
-        <p:nvSpPr>
-          <p:cNvPr id="2" name="标题 1"/>
-          <p:cNvSpPr>
-            <a:spLocks noGrp="1"/>
-          </p:cNvSpPr>
-          <p:nvPr>
-            <p:ph type="title"/>
-          </p:nvPr>
-        </p:nvSpPr>
-        <p:spPr/>
-        <p:txBody>
-          <a:bodyPr/>
-          <a:p>
-            <a:r>
-              <a:rPr lang="en-US" altLang="zh-CN"/>
-              <a:t>Mechanize</a:t>
-            </a:r>
-            <a:endParaRPr lang="en-US" altLang="zh-CN"/>
-          </a:p>
-        </p:txBody>
-      </p:sp>
-      <p:sp>
-        <p:nvSpPr>
-          <p:cNvPr id="3" name="内容占位符 2"/>
-          <p:cNvSpPr>
-            <a:spLocks noGrp="1"/>
-          </p:cNvSpPr>
-          <p:nvPr>
-            <p:ph idx="1"/>
-          </p:nvPr>
-        </p:nvSpPr>
-        <p:spPr/>
-        <p:txBody>
-          <a:bodyPr/>
-          <a:p>
-            <a:r>
-              <a:rPr lang="en-US" altLang="zh-CN"/>
-              <a:t>Info</a:t>
-            </a:r>
-            <a:endParaRPr lang="en-US" altLang="zh-CN"/>
-          </a:p>
-          <a:p>
-            <a:pPr lvl="1"/>
-            <a:r>
-              <a:rPr lang="en-US" altLang="zh-CN"/>
-              <a:t>https://github.com/python-mechanize/mechanize</a:t>
-            </a:r>
-            <a:endParaRPr lang="en-US" altLang="zh-CN"/>
-          </a:p>
-          <a:p>
-            <a:pPr lvl="1"/>
-            <a:r>
-              <a:rPr lang="en-US" altLang="zh-CN"/>
-              <a:t>Automate interaction with HTTP web servers</a:t>
-            </a:r>
-            <a:endParaRPr lang="en-US" altLang="zh-CN"/>
-          </a:p>
-        </p:txBody>
-      </p:sp>
-    </p:spTree>
-  </p:cSld>
-  <p:clrMapOvr>
-    <a:masterClrMapping/>
-  </p:clrMapOvr>
-</p:sld>
-</file>
-
 <file path=ppt/slides/slide48.xml><?xml version="1.0" encoding="utf-8"?>
 <p:sld xmlns:a="http://schemas.openxmlformats.org/drawingml/2006/main" xmlns:r="http://schemas.openxmlformats.org/officeDocument/2006/relationships" xmlns:p="http://schemas.openxmlformats.org/presentationml/2006/main">
   <p:cSld>
@@ -14336,7 +14457,7 @@
           <a:p>
             <a:r>
               <a:rPr lang="en-US" altLang="zh-CN"/>
-              <a:t>Baidu AI</a:t>
+              <a:t>Mechanize</a:t>
             </a:r>
             <a:endParaRPr lang="en-US" altLang="zh-CN"/>
           </a:p>
@@ -14358,62 +14479,23 @@
           <a:p>
             <a:r>
               <a:rPr lang="en-US" altLang="zh-CN"/>
-              <a:t>pip install baidu-aip</a:t>
-            </a:r>
-            <a:endParaRPr lang="en-US" altLang="zh-CN"/>
-          </a:p>
-          <a:p>
-            <a:r>
-              <a:rPr lang="en-US" altLang="zh-CN"/>
-              <a:t>AipSpeech</a:t>
-            </a:r>
-            <a:endParaRPr lang="en-US" altLang="zh-CN"/>
-          </a:p>
-          <a:p>
-            <a:pPr lvl="1"/>
-            <a:r>
-              <a:rPr lang="en-US" altLang="zh-CN"/>
-              <a:t>client = AipSpeech(APP_ID, API_KEY, SECRET_KEY)</a:t>
-            </a:r>
-            <a:endParaRPr lang="en-US" altLang="zh-CN"/>
-          </a:p>
-          <a:p>
-            <a:pPr lvl="1"/>
-            <a:r>
-              <a:rPr lang="en-US" altLang="zh-CN"/>
-              <a:t>result =client.synthesis(txt, 'zh', 1, {'spd': 5, 'pit': 5, 'vol': 5, 'per': 0})</a:t>
-            </a:r>
-            <a:endParaRPr lang="en-US" altLang="zh-CN"/>
-          </a:p>
-          <a:p>
-            <a:pPr lvl="2"/>
-            <a:r>
-              <a:rPr lang="en-US" altLang="zh-CN" sz="1800"/>
-              <a:t>result: mp3 data</a:t>
-            </a:r>
-            <a:endParaRPr lang="en-US" altLang="zh-CN"/>
-          </a:p>
-          <a:p>
-            <a:pPr lvl="1"/>
-            <a:r>
-              <a:rPr lang="en-US" altLang="zh-CN"/>
-              <a:t>client.setConnectionTimeoutInMillis()</a:t>
-            </a:r>
-            <a:endParaRPr lang="en-US" altLang="zh-CN"/>
-          </a:p>
-          <a:p>
-            <a:pPr lvl="1"/>
-            <a:r>
-              <a:rPr lang="en-US" altLang="zh-CN"/>
-              <a:t>client.setSocketTimeoutInMillis()</a:t>
-            </a:r>
-            <a:endParaRPr lang="en-US" altLang="zh-CN"/>
-          </a:p>
-          <a:p>
-            <a:pPr lvl="1"/>
-            <a:r>
-              <a:rPr lang="en-US" altLang="zh-CN"/>
-              <a:t>max text length: 1024 bytes</a:t>
+              <a:t>Info</a:t>
+            </a:r>
+            <a:endParaRPr lang="en-US" altLang="zh-CN"/>
+          </a:p>
+          <a:p>
+            <a:pPr lvl="1"/>
+            <a:r>
+              <a:rPr lang="en-US" altLang="zh-CN"/>
+              <a:t>https://github.com/python-mechanize/mechanize</a:t>
+            </a:r>
+            <a:endParaRPr lang="en-US" altLang="zh-CN"/>
+          </a:p>
+          <a:p>
+            <a:pPr lvl="1"/>
+            <a:r>
+              <a:rPr lang="en-US" altLang="zh-CN"/>
+              <a:t>Automate interaction with HTTP web servers</a:t>
             </a:r>
             <a:endParaRPr lang="en-US" altLang="zh-CN"/>
           </a:p>
@@ -14453,7 +14535,7 @@
           <a:p>
             <a:r>
               <a:rPr lang="en-US" altLang="zh-CN"/>
-              <a:t>Zip, Unzip</a:t>
+              <a:t>Baidu AI</a:t>
             </a:r>
             <a:endParaRPr lang="en-US" altLang="zh-CN"/>
           </a:p>
@@ -14475,23 +14557,62 @@
           <a:p>
             <a:r>
               <a:rPr lang="en-US" altLang="zh-CN"/>
-              <a:t>import zipfile</a:t>
-            </a:r>
-            <a:endParaRPr lang="en-US" altLang="zh-CN"/>
-          </a:p>
-          <a:p>
-            <a:pPr lvl="1"/>
-            <a:r>
-              <a:rPr lang="en-US" altLang="zh-CN"/>
-              <a:t>with zipfile.ZipFile(path_to_zip_file, 'r') as zip_ref:</a:t>
-            </a:r>
-            <a:endParaRPr lang="en-US" altLang="zh-CN"/>
-          </a:p>
-          <a:p>
-            <a:pPr lvl="1"/>
-            <a:r>
-              <a:rPr lang="en-US" altLang="zh-CN"/>
-              <a:t>    zip_ref.extractall(directory_to_extract_to)</a:t>
+              <a:t>pip install baidu-aip</a:t>
+            </a:r>
+            <a:endParaRPr lang="en-US" altLang="zh-CN"/>
+          </a:p>
+          <a:p>
+            <a:r>
+              <a:rPr lang="en-US" altLang="zh-CN"/>
+              <a:t>AipSpeech</a:t>
+            </a:r>
+            <a:endParaRPr lang="en-US" altLang="zh-CN"/>
+          </a:p>
+          <a:p>
+            <a:pPr lvl="1"/>
+            <a:r>
+              <a:rPr lang="en-US" altLang="zh-CN"/>
+              <a:t>client = AipSpeech(APP_ID, API_KEY, SECRET_KEY)</a:t>
+            </a:r>
+            <a:endParaRPr lang="en-US" altLang="zh-CN"/>
+          </a:p>
+          <a:p>
+            <a:pPr lvl="1"/>
+            <a:r>
+              <a:rPr lang="en-US" altLang="zh-CN"/>
+              <a:t>result =client.synthesis(txt, 'zh', 1, {'spd': 5, 'pit': 5, 'vol': 5, 'per': 0})</a:t>
+            </a:r>
+            <a:endParaRPr lang="en-US" altLang="zh-CN"/>
+          </a:p>
+          <a:p>
+            <a:pPr lvl="2"/>
+            <a:r>
+              <a:rPr lang="en-US" altLang="zh-CN" sz="1800"/>
+              <a:t>result: mp3 data</a:t>
+            </a:r>
+            <a:endParaRPr lang="en-US" altLang="zh-CN"/>
+          </a:p>
+          <a:p>
+            <a:pPr lvl="1"/>
+            <a:r>
+              <a:rPr lang="en-US" altLang="zh-CN"/>
+              <a:t>client.setConnectionTimeoutInMillis()</a:t>
+            </a:r>
+            <a:endParaRPr lang="en-US" altLang="zh-CN"/>
+          </a:p>
+          <a:p>
+            <a:pPr lvl="1"/>
+            <a:r>
+              <a:rPr lang="en-US" altLang="zh-CN"/>
+              <a:t>client.setSocketTimeoutInMillis()</a:t>
+            </a:r>
+            <a:endParaRPr lang="en-US" altLang="zh-CN"/>
+          </a:p>
+          <a:p>
+            <a:pPr lvl="1"/>
+            <a:r>
+              <a:rPr lang="en-US" altLang="zh-CN"/>
+              <a:t>max text length: 1024 bytes</a:t>
             </a:r>
             <a:endParaRPr lang="en-US" altLang="zh-CN"/>
           </a:p>
@@ -14740,7 +14861,7 @@
       <p:grpSpPr/>
       <p:sp>
         <p:nvSpPr>
-          <p:cNvPr id="4" name="标题 3"/>
+          <p:cNvPr id="2" name="标题 1"/>
           <p:cNvSpPr>
             <a:spLocks noGrp="1"/>
           </p:cNvSpPr>
@@ -14754,27 +14875,47 @@
           <a:p>
             <a:r>
               <a:rPr lang="en-US" altLang="zh-CN"/>
-              <a:t>Multimedia</a:t>
-            </a:r>
-            <a:endParaRPr lang="en-US" altLang="zh-CN"/>
-          </a:p>
-        </p:txBody>
-      </p:sp>
-      <p:sp>
-        <p:nvSpPr>
-          <p:cNvPr id="5" name="文本占位符 4"/>
+              <a:t>Zip, Unzip</a:t>
+            </a:r>
+            <a:endParaRPr lang="en-US" altLang="zh-CN"/>
+          </a:p>
+        </p:txBody>
+      </p:sp>
+      <p:sp>
+        <p:nvSpPr>
+          <p:cNvPr id="3" name="内容占位符 2"/>
           <p:cNvSpPr>
             <a:spLocks noGrp="1"/>
           </p:cNvSpPr>
           <p:nvPr>
-            <p:ph type="body" idx="1"/>
+            <p:ph idx="1"/>
           </p:nvPr>
         </p:nvSpPr>
         <p:spPr/>
         <p:txBody>
           <a:bodyPr/>
           <a:p>
-            <a:endParaRPr lang="zh-CN" altLang="en-US"/>
+            <a:r>
+              <a:rPr lang="en-US" altLang="zh-CN"/>
+              <a:t>import zipfile</a:t>
+            </a:r>
+            <a:endParaRPr lang="en-US" altLang="zh-CN"/>
+          </a:p>
+          <a:p>
+            <a:pPr lvl="1"/>
+            <a:r>
+              <a:rPr lang="en-US" altLang="zh-CN"/>
+              <a:t>with zipfile.ZipFile(path_to_zip_file, 'r') as zip_ref:</a:t>
+            </a:r>
+            <a:endParaRPr lang="en-US" altLang="zh-CN"/>
+          </a:p>
+          <a:p>
+            <a:pPr lvl="1"/>
+            <a:r>
+              <a:rPr lang="en-US" altLang="zh-CN"/>
+              <a:t>    zip_ref.extractall(directory_to_extract_to)</a:t>
+            </a:r>
+            <a:endParaRPr lang="en-US" altLang="zh-CN"/>
           </a:p>
         </p:txBody>
       </p:sp>
@@ -14787,6 +14928,64 @@
 </file>
 
 <file path=ppt/slides/slide51.xml><?xml version="1.0" encoding="utf-8"?>
+<p:sld xmlns:a="http://schemas.openxmlformats.org/drawingml/2006/main" xmlns:r="http://schemas.openxmlformats.org/officeDocument/2006/relationships" xmlns:p="http://schemas.openxmlformats.org/presentationml/2006/main">
+  <p:cSld>
+    <p:spTree>
+      <p:nvGrpSpPr>
+        <p:cNvPr id="1" name=""/>
+        <p:cNvGrpSpPr/>
+        <p:nvPr/>
+      </p:nvGrpSpPr>
+      <p:grpSpPr/>
+      <p:sp>
+        <p:nvSpPr>
+          <p:cNvPr id="4" name="标题 3"/>
+          <p:cNvSpPr>
+            <a:spLocks noGrp="1"/>
+          </p:cNvSpPr>
+          <p:nvPr>
+            <p:ph type="title"/>
+          </p:nvPr>
+        </p:nvSpPr>
+        <p:spPr/>
+        <p:txBody>
+          <a:bodyPr/>
+          <a:p>
+            <a:r>
+              <a:rPr lang="en-US" altLang="zh-CN"/>
+              <a:t>Multimedia</a:t>
+            </a:r>
+            <a:endParaRPr lang="en-US" altLang="zh-CN"/>
+          </a:p>
+        </p:txBody>
+      </p:sp>
+      <p:sp>
+        <p:nvSpPr>
+          <p:cNvPr id="5" name="文本占位符 4"/>
+          <p:cNvSpPr>
+            <a:spLocks noGrp="1"/>
+          </p:cNvSpPr>
+          <p:nvPr>
+            <p:ph type="body" idx="1"/>
+          </p:nvPr>
+        </p:nvSpPr>
+        <p:spPr/>
+        <p:txBody>
+          <a:bodyPr/>
+          <a:p>
+            <a:endParaRPr lang="zh-CN" altLang="en-US"/>
+          </a:p>
+        </p:txBody>
+      </p:sp>
+    </p:spTree>
+  </p:cSld>
+  <p:clrMapOvr>
+    <a:masterClrMapping/>
+  </p:clrMapOvr>
+</p:sld>
+</file>
+
+<file path=ppt/slides/slide52.xml><?xml version="1.0" encoding="utf-8"?>
 <p:sld xmlns:a="http://schemas.openxmlformats.org/drawingml/2006/main" xmlns:r="http://schemas.openxmlformats.org/officeDocument/2006/relationships" xmlns:p="http://schemas.openxmlformats.org/presentationml/2006/main">
   <p:cSld>
     <p:spTree>
@@ -15437,7 +15636,7 @@
 </p:sld>
 </file>
 
-<file path=ppt/slides/slide52.xml><?xml version="1.0" encoding="utf-8"?>
+<file path=ppt/slides/slide53.xml><?xml version="1.0" encoding="utf-8"?>
 <p:sld xmlns:a="http://schemas.openxmlformats.org/drawingml/2006/main" xmlns:r="http://schemas.openxmlformats.org/officeDocument/2006/relationships" xmlns:p="http://schemas.openxmlformats.org/presentationml/2006/main">
   <p:cSld>
     <p:spTree>
@@ -15523,7 +15722,7 @@
 </p:sld>
 </file>
 
-<file path=ppt/slides/slide53.xml><?xml version="1.0" encoding="utf-8"?>
+<file path=ppt/slides/slide54.xml><?xml version="1.0" encoding="utf-8"?>
 <p:sld xmlns:a="http://schemas.openxmlformats.org/drawingml/2006/main" xmlns:r="http://schemas.openxmlformats.org/officeDocument/2006/relationships" xmlns:p="http://schemas.openxmlformats.org/presentationml/2006/main">
   <p:cSld>
     <p:spTree>
@@ -15599,7 +15798,7 @@
 </p:sld>
 </file>
 
-<file path=ppt/slides/slide54.xml><?xml version="1.0" encoding="utf-8"?>
+<file path=ppt/slides/slide55.xml><?xml version="1.0" encoding="utf-8"?>
 <p:sld xmlns:a="http://schemas.openxmlformats.org/drawingml/2006/main" xmlns:r="http://schemas.openxmlformats.org/officeDocument/2006/relationships" xmlns:p="http://schemas.openxmlformats.org/presentationml/2006/main">
   <p:cSld>
     <p:spTree>
@@ -16048,7 +16247,7 @@
 </p:sld>
 </file>
 
-<file path=ppt/slides/slide55.xml><?xml version="1.0" encoding="utf-8"?>
+<file path=ppt/slides/slide56.xml><?xml version="1.0" encoding="utf-8"?>
 <p:sld xmlns:a="http://schemas.openxmlformats.org/drawingml/2006/main" xmlns:r="http://schemas.openxmlformats.org/officeDocument/2006/relationships" xmlns:p="http://schemas.openxmlformats.org/presentationml/2006/main">
   <p:cSld>
     <p:spTree>
@@ -16537,7 +16736,7 @@
 </p:sld>
 </file>
 
-<file path=ppt/slides/slide56.xml><?xml version="1.0" encoding="utf-8"?>
+<file path=ppt/slides/slide57.xml><?xml version="1.0" encoding="utf-8"?>
 <p:sld xmlns:a="http://schemas.openxmlformats.org/drawingml/2006/main" xmlns:r="http://schemas.openxmlformats.org/officeDocument/2006/relationships" xmlns:p="http://schemas.openxmlformats.org/presentationml/2006/main">
   <p:cSld>
     <p:spTree>
@@ -16595,7 +16794,7 @@
 </p:sld>
 </file>
 
-<file path=ppt/slides/slide57.xml><?xml version="1.0" encoding="utf-8"?>
+<file path=ppt/slides/slide58.xml><?xml version="1.0" encoding="utf-8"?>
 <p:sld xmlns:a="http://schemas.openxmlformats.org/drawingml/2006/main" xmlns:r="http://schemas.openxmlformats.org/officeDocument/2006/relationships" xmlns:p="http://schemas.openxmlformats.org/presentationml/2006/main">
   <p:cSld>
     <p:spTree>
@@ -17074,148 +17273,6 @@
 </p:sld>
 </file>
 
-<file path=ppt/slides/slide58.xml><?xml version="1.0" encoding="utf-8"?>
-<p:sld xmlns:a="http://schemas.openxmlformats.org/drawingml/2006/main" xmlns:r="http://schemas.openxmlformats.org/officeDocument/2006/relationships" xmlns:p="http://schemas.openxmlformats.org/presentationml/2006/main">
-  <p:cSld>
-    <p:spTree>
-      <p:nvGrpSpPr>
-        <p:cNvPr id="1" name=""/>
-        <p:cNvGrpSpPr/>
-        <p:nvPr/>
-      </p:nvGrpSpPr>
-      <p:grpSpPr/>
-      <p:sp>
-        <p:nvSpPr>
-          <p:cNvPr id="2" name="标题 1"/>
-          <p:cNvSpPr>
-            <a:spLocks noGrp="1"/>
-          </p:cNvSpPr>
-          <p:nvPr>
-            <p:ph type="title"/>
-          </p:nvPr>
-        </p:nvSpPr>
-        <p:spPr/>
-        <p:txBody>
-          <a:bodyPr/>
-          <a:p>
-            <a:r>
-              <a:rPr lang="en-US" altLang="zh-CN"/>
-              <a:t>Open3D</a:t>
-            </a:r>
-            <a:endParaRPr lang="en-US" altLang="zh-CN"/>
-          </a:p>
-        </p:txBody>
-      </p:sp>
-      <p:sp>
-        <p:nvSpPr>
-          <p:cNvPr id="3" name="内容占位符 2"/>
-          <p:cNvSpPr>
-            <a:spLocks noGrp="1"/>
-          </p:cNvSpPr>
-          <p:nvPr>
-            <p:ph idx="1"/>
-          </p:nvPr>
-        </p:nvSpPr>
-        <p:spPr/>
-        <p:txBody>
-          <a:bodyPr/>
-          <a:p>
-            <a:r>
-              <a:rPr lang="en-US" altLang="zh-CN"/>
-              <a:t>Install</a:t>
-            </a:r>
-            <a:endParaRPr lang="en-US" altLang="zh-CN"/>
-          </a:p>
-          <a:p>
-            <a:pPr lvl="1"/>
-            <a:r>
-              <a:rPr lang="en-US" altLang="x-none">
-                <a:sym typeface="+mn-ea"/>
-              </a:rPr>
-              <a:t>pip install open3d</a:t>
-            </a:r>
-            <a:endParaRPr lang="en-US" altLang="x-none">
-              <a:sym typeface="+mn-ea"/>
-            </a:endParaRPr>
-          </a:p>
-          <a:p>
-            <a:pPr lvl="0"/>
-            <a:r>
-              <a:rPr lang="en-US" altLang="zh-CN"/>
-              <a:t>Headless rendering</a:t>
-            </a:r>
-            <a:endParaRPr lang="en-US" altLang="zh-CN"/>
-          </a:p>
-          <a:p>
-            <a:pPr lvl="1"/>
-            <a:r>
-              <a:rPr lang="en-US" altLang="zh-CN"/>
-              <a:t>sudo apt-get install libosmesa6-dev</a:t>
-            </a:r>
-            <a:endParaRPr lang="en-US" altLang="zh-CN"/>
-          </a:p>
-          <a:p>
-            <a:pPr lvl="1"/>
-            <a:r>
-              <a:rPr lang="en-US" altLang="zh-CN"/>
-              <a:t>Get sources</a:t>
-            </a:r>
-            <a:endParaRPr lang="en-US" altLang="zh-CN"/>
-          </a:p>
-          <a:p>
-            <a:pPr lvl="2"/>
-            <a:r>
-              <a:rPr lang="en-US" altLang="x-none">
-                <a:sym typeface="+mn-ea"/>
-              </a:rPr>
-              <a:t>git clone https://github.com/IntelVCL/Open3D</a:t>
-            </a:r>
-            <a:endParaRPr lang="en-US" altLang="x-none">
-              <a:sym typeface="+mn-ea"/>
-            </a:endParaRPr>
-          </a:p>
-          <a:p>
-            <a:pPr lvl="2"/>
-            <a:r>
-              <a:rPr lang="en-US" altLang="zh-CN"/>
-              <a:t>git submodule update --init --recursive</a:t>
-            </a:r>
-            <a:endParaRPr lang="en-US" altLang="zh-CN"/>
-          </a:p>
-          <a:p>
-            <a:pPr lvl="1"/>
-            <a:r>
-              <a:rPr lang="en-US" altLang="zh-CN"/>
-              <a:t>build Open3D with OSMesa</a:t>
-            </a:r>
-            <a:endParaRPr lang="en-US" altLang="zh-CN"/>
-          </a:p>
-          <a:p>
-            <a:pPr lvl="2"/>
-            <a:r>
-              <a:rPr lang="en-US" altLang="zh-CN"/>
-              <a:t>pip install pybind11</a:t>
-            </a:r>
-            <a:endParaRPr lang="en-US" altLang="zh-CN"/>
-          </a:p>
-          <a:p>
-            <a:pPr lvl="2"/>
-            <a:r>
-              <a:rPr lang="en-US" altLang="zh-CN"/>
-              <a:t>cmake -DENABLE_HEADLESS_RENDERING=ON -DBUILD_GUI=OFF -DUSE_SYSTEM_GLEW=OFF -DUSE_SYSTEM_GLFW=OFF ..</a:t>
-            </a:r>
-            <a:endParaRPr lang="en-US" altLang="zh-CN"/>
-          </a:p>
-        </p:txBody>
-      </p:sp>
-    </p:spTree>
-  </p:cSld>
-  <p:clrMapOvr>
-    <a:masterClrMapping/>
-  </p:clrMapOvr>
-</p:sld>
-</file>
-
 <file path=ppt/slides/slide59.xml><?xml version="1.0" encoding="utf-8"?>
 <p:sld xmlns:a="http://schemas.openxmlformats.org/drawingml/2006/main" xmlns:r="http://schemas.openxmlformats.org/officeDocument/2006/relationships" xmlns:p="http://schemas.openxmlformats.org/presentationml/2006/main">
   <p:cSld>
@@ -17242,7 +17299,7 @@
           <a:p>
             <a:r>
               <a:rPr lang="en-US" altLang="zh-CN"/>
-              <a:t>Blender</a:t>
+              <a:t>Open3D</a:t>
             </a:r>
             <a:endParaRPr lang="en-US" altLang="zh-CN"/>
           </a:p>
@@ -17260,45 +17317,75 @@
         </p:nvSpPr>
         <p:spPr/>
         <p:txBody>
-          <a:bodyPr>
-            <a:normAutofit fontScale="90000" lnSpcReduction="20000"/>
-          </a:bodyPr>
-          <a:p>
-            <a:r>
-              <a:rPr lang="en-US" altLang="zh-CN"/>
-              <a:t>Build blender as a python module</a:t>
-            </a:r>
-            <a:endParaRPr lang="en-US" altLang="zh-CN"/>
-          </a:p>
-          <a:p>
-            <a:pPr lvl="1"/>
-            <a:r>
-              <a:rPr lang="en-US" altLang="zh-CN"/>
-              <a:t>ref: https://wiki.blender.org/wiki/Building_Blender/Other/BlenderAsPyModule</a:t>
-            </a:r>
-            <a:endParaRPr lang="en-US" altLang="zh-CN"/>
-          </a:p>
-          <a:p>
-            <a:pPr lvl="1"/>
-            <a:r>
-              <a:rPr lang="en-US" altLang="zh-CN"/>
-              <a:t>Get source</a:t>
+          <a:bodyPr/>
+          <a:p>
+            <a:r>
+              <a:rPr lang="en-US" altLang="zh-CN"/>
+              <a:t>Install</a:t>
+            </a:r>
+            <a:endParaRPr lang="en-US" altLang="zh-CN"/>
+          </a:p>
+          <a:p>
+            <a:pPr lvl="1"/>
+            <a:r>
+              <a:rPr lang="en-US" altLang="x-none">
+                <a:sym typeface="+mn-ea"/>
+              </a:rPr>
+              <a:t>pip install open3d</a:t>
+            </a:r>
+            <a:endParaRPr lang="en-US" altLang="x-none">
+              <a:sym typeface="+mn-ea"/>
+            </a:endParaRPr>
+          </a:p>
+          <a:p>
+            <a:pPr lvl="0"/>
+            <a:r>
+              <a:rPr lang="en-US" altLang="zh-CN"/>
+              <a:t>Headless rendering</a:t>
+            </a:r>
+            <a:endParaRPr lang="en-US" altLang="zh-CN"/>
+          </a:p>
+          <a:p>
+            <a:pPr lvl="1"/>
+            <a:r>
+              <a:rPr lang="en-US" altLang="zh-CN"/>
+              <a:t>sudo apt-get install libosmesa6-dev</a:t>
+            </a:r>
+            <a:endParaRPr lang="en-US" altLang="zh-CN"/>
+          </a:p>
+          <a:p>
+            <a:pPr lvl="1"/>
+            <a:r>
+              <a:rPr lang="en-US" altLang="zh-CN"/>
+              <a:t>Get sources</a:t>
             </a:r>
             <a:endParaRPr lang="en-US" altLang="zh-CN"/>
           </a:p>
           <a:p>
             <a:pPr lvl="2"/>
             <a:r>
-              <a:rPr lang="en-US" altLang="zh-CN"/>
-              <a:t>git clone https://git.blender.org/blender.git</a:t>
-            </a:r>
-            <a:endParaRPr lang="en-US" altLang="zh-CN"/>
+              <a:rPr lang="en-US" altLang="x-none">
+                <a:sym typeface="+mn-ea"/>
+              </a:rPr>
+              <a:t>git clone https://github.com/IntelVCL/Open3D</a:t>
+            </a:r>
+            <a:endParaRPr lang="en-US" altLang="x-none">
+              <a:sym typeface="+mn-ea"/>
+            </a:endParaRPr>
           </a:p>
           <a:p>
             <a:pPr lvl="2"/>
             <a:r>
               <a:rPr lang="en-US" altLang="zh-CN"/>
-              <a:t>cd blender</a:t>
+              <a:t>git submodule update --init --recursive</a:t>
+            </a:r>
+            <a:endParaRPr lang="en-US" altLang="zh-CN"/>
+          </a:p>
+          <a:p>
+            <a:pPr lvl="1"/>
+            <a:r>
+              <a:rPr lang="en-US" altLang="zh-CN"/>
+              <a:t>build Open3D with OSMesa</a:t>
             </a:r>
             <a:endParaRPr lang="en-US" altLang="zh-CN"/>
           </a:p>
@@ -17306,7 +17393,7 @@
             <a:pPr lvl="2"/>
             <a:r>
               <a:rPr lang="en-US" altLang="zh-CN"/>
-              <a:t>git submodule update --init --recursive</a:t>
+              <a:t>pip install pybind11</a:t>
             </a:r>
             <a:endParaRPr lang="en-US" altLang="zh-CN"/>
           </a:p>
@@ -17314,87 +17401,7 @@
             <a:pPr lvl="2"/>
             <a:r>
               <a:rPr lang="en-US" altLang="zh-CN"/>
-              <a:t>git submodule foreach git checkout master</a:t>
-            </a:r>
-            <a:endParaRPr lang="en-US" altLang="zh-CN"/>
-          </a:p>
-          <a:p>
-            <a:pPr lvl="2"/>
-            <a:r>
-              <a:rPr lang="en-US" altLang="zh-CN"/>
-              <a:t>git submodule foreach git pull --rebase origin master</a:t>
-            </a:r>
-            <a:endParaRPr lang="en-US" altLang="zh-CN"/>
-          </a:p>
-          <a:p>
-            <a:pPr lvl="1"/>
-            <a:r>
-              <a:rPr lang="en-US" altLang="zh-CN"/>
-              <a:t>Make</a:t>
-            </a:r>
-            <a:endParaRPr lang="en-US" altLang="zh-CN"/>
-          </a:p>
-          <a:p>
-            <a:pPr lvl="1"/>
-            <a:r>
-              <a:rPr lang="en-US" altLang="zh-CN"/>
-              <a:t>Make install</a:t>
-            </a:r>
-            <a:endParaRPr lang="en-US" altLang="zh-CN"/>
-          </a:p>
-          <a:p>
-            <a:pPr lvl="2"/>
-            <a:r>
-              <a:rPr lang="en-US" altLang="zh-CN"/>
-              <a:t>WITH_INSTALL_PORTABLE=ON</a:t>
-            </a:r>
-            <a:endParaRPr lang="en-US" altLang="zh-CN"/>
-          </a:p>
-          <a:p>
-            <a:pPr lvl="2"/>
-            <a:r>
-              <a:rPr lang="en-US" altLang="zh-CN"/>
-              <a:t>CMAKE_INSTALL_PREFIX=$HOME/.local/lib/python3.7/site-packages</a:t>
-            </a:r>
-            <a:endParaRPr lang="en-US" altLang="zh-CN"/>
-          </a:p>
-          <a:p>
-            <a:pPr lvl="2"/>
-            <a:r>
-              <a:rPr lang="en-US" altLang="zh-CN"/>
-              <a:t>make install</a:t>
-            </a:r>
-            <a:endParaRPr lang="en-US" altLang="zh-CN"/>
-          </a:p>
-          <a:p>
-            <a:pPr lvl="0"/>
-            <a:r>
-              <a:rPr lang="en-US" altLang="zh-CN"/>
-              <a:t>Run blender python scripts</a:t>
-            </a:r>
-            <a:endParaRPr lang="en-US" altLang="zh-CN"/>
-          </a:p>
-          <a:p>
-            <a:pPr lvl="1"/>
-            <a:r>
-              <a:rPr lang="en-US" altLang="zh-CN"/>
-              <a:t>blender -b --python render.py -d -noaudio</a:t>
-            </a:r>
-            <a:endParaRPr lang="en-US" altLang="zh-CN"/>
-          </a:p>
-          <a:p>
-            <a:pPr lvl="2"/>
-            <a:r>
-              <a:rPr lang="en-US" altLang="zh-CN"/>
-              <a:t>-d: debug, -b: background, -noaudio: no audio (useful for WSL)</a:t>
-            </a:r>
-            <a:endParaRPr lang="en-US" altLang="zh-CN"/>
-          </a:p>
-          <a:p>
-            <a:pPr lvl="1"/>
-            <a:r>
-              <a:rPr lang="en-US" altLang="zh-CN"/>
-              <a:t>pip install </a:t>
+              <a:t>cmake -DENABLE_HEADLESS_RENDERING=ON -DBUILD_GUI=OFF -DUSE_SYSTEM_GLEW=OFF -DUSE_SYSTEM_GLFW=OFF ..</a:t>
             </a:r>
             <a:endParaRPr lang="en-US" altLang="zh-CN"/>
           </a:p>
@@ -18054,6 +18061,198 @@
           <a:p>
             <a:r>
               <a:rPr lang="en-US" altLang="zh-CN"/>
+              <a:t>Blender</a:t>
+            </a:r>
+            <a:endParaRPr lang="en-US" altLang="zh-CN"/>
+          </a:p>
+        </p:txBody>
+      </p:sp>
+      <p:sp>
+        <p:nvSpPr>
+          <p:cNvPr id="3" name="内容占位符 2"/>
+          <p:cNvSpPr>
+            <a:spLocks noGrp="1"/>
+          </p:cNvSpPr>
+          <p:nvPr>
+            <p:ph idx="1"/>
+          </p:nvPr>
+        </p:nvSpPr>
+        <p:spPr/>
+        <p:txBody>
+          <a:bodyPr>
+            <a:normAutofit fontScale="90000" lnSpcReduction="20000"/>
+          </a:bodyPr>
+          <a:p>
+            <a:r>
+              <a:rPr lang="en-US" altLang="zh-CN"/>
+              <a:t>Build blender as a python module</a:t>
+            </a:r>
+            <a:endParaRPr lang="en-US" altLang="zh-CN"/>
+          </a:p>
+          <a:p>
+            <a:pPr lvl="1"/>
+            <a:r>
+              <a:rPr lang="en-US" altLang="zh-CN"/>
+              <a:t>ref: https://wiki.blender.org/wiki/Building_Blender/Other/BlenderAsPyModule</a:t>
+            </a:r>
+            <a:endParaRPr lang="en-US" altLang="zh-CN"/>
+          </a:p>
+          <a:p>
+            <a:pPr lvl="1"/>
+            <a:r>
+              <a:rPr lang="en-US" altLang="zh-CN"/>
+              <a:t>Get source</a:t>
+            </a:r>
+            <a:endParaRPr lang="en-US" altLang="zh-CN"/>
+          </a:p>
+          <a:p>
+            <a:pPr lvl="2"/>
+            <a:r>
+              <a:rPr lang="en-US" altLang="zh-CN"/>
+              <a:t>git clone https://git.blender.org/blender.git</a:t>
+            </a:r>
+            <a:endParaRPr lang="en-US" altLang="zh-CN"/>
+          </a:p>
+          <a:p>
+            <a:pPr lvl="2"/>
+            <a:r>
+              <a:rPr lang="en-US" altLang="zh-CN"/>
+              <a:t>cd blender</a:t>
+            </a:r>
+            <a:endParaRPr lang="en-US" altLang="zh-CN"/>
+          </a:p>
+          <a:p>
+            <a:pPr lvl="2"/>
+            <a:r>
+              <a:rPr lang="en-US" altLang="zh-CN"/>
+              <a:t>git submodule update --init --recursive</a:t>
+            </a:r>
+            <a:endParaRPr lang="en-US" altLang="zh-CN"/>
+          </a:p>
+          <a:p>
+            <a:pPr lvl="2"/>
+            <a:r>
+              <a:rPr lang="en-US" altLang="zh-CN"/>
+              <a:t>git submodule foreach git checkout master</a:t>
+            </a:r>
+            <a:endParaRPr lang="en-US" altLang="zh-CN"/>
+          </a:p>
+          <a:p>
+            <a:pPr lvl="2"/>
+            <a:r>
+              <a:rPr lang="en-US" altLang="zh-CN"/>
+              <a:t>git submodule foreach git pull --rebase origin master</a:t>
+            </a:r>
+            <a:endParaRPr lang="en-US" altLang="zh-CN"/>
+          </a:p>
+          <a:p>
+            <a:pPr lvl="1"/>
+            <a:r>
+              <a:rPr lang="en-US" altLang="zh-CN"/>
+              <a:t>Make</a:t>
+            </a:r>
+            <a:endParaRPr lang="en-US" altLang="zh-CN"/>
+          </a:p>
+          <a:p>
+            <a:pPr lvl="1"/>
+            <a:r>
+              <a:rPr lang="en-US" altLang="zh-CN"/>
+              <a:t>Make install</a:t>
+            </a:r>
+            <a:endParaRPr lang="en-US" altLang="zh-CN"/>
+          </a:p>
+          <a:p>
+            <a:pPr lvl="2"/>
+            <a:r>
+              <a:rPr lang="en-US" altLang="zh-CN"/>
+              <a:t>WITH_INSTALL_PORTABLE=ON</a:t>
+            </a:r>
+            <a:endParaRPr lang="en-US" altLang="zh-CN"/>
+          </a:p>
+          <a:p>
+            <a:pPr lvl="2"/>
+            <a:r>
+              <a:rPr lang="en-US" altLang="zh-CN"/>
+              <a:t>CMAKE_INSTALL_PREFIX=$HOME/.local/lib/python3.7/site-packages</a:t>
+            </a:r>
+            <a:endParaRPr lang="en-US" altLang="zh-CN"/>
+          </a:p>
+          <a:p>
+            <a:pPr lvl="2"/>
+            <a:r>
+              <a:rPr lang="en-US" altLang="zh-CN"/>
+              <a:t>make install</a:t>
+            </a:r>
+            <a:endParaRPr lang="en-US" altLang="zh-CN"/>
+          </a:p>
+          <a:p>
+            <a:pPr lvl="0"/>
+            <a:r>
+              <a:rPr lang="en-US" altLang="zh-CN"/>
+              <a:t>Run blender python scripts</a:t>
+            </a:r>
+            <a:endParaRPr lang="en-US" altLang="zh-CN"/>
+          </a:p>
+          <a:p>
+            <a:pPr lvl="1"/>
+            <a:r>
+              <a:rPr lang="en-US" altLang="zh-CN"/>
+              <a:t>blender -b --python render.py -d -noaudio</a:t>
+            </a:r>
+            <a:endParaRPr lang="en-US" altLang="zh-CN"/>
+          </a:p>
+          <a:p>
+            <a:pPr lvl="2"/>
+            <a:r>
+              <a:rPr lang="en-US" altLang="zh-CN"/>
+              <a:t>-d: debug, -b: background, -noaudio: no audio (useful for WSL)</a:t>
+            </a:r>
+            <a:endParaRPr lang="en-US" altLang="zh-CN"/>
+          </a:p>
+          <a:p>
+            <a:pPr lvl="1"/>
+            <a:r>
+              <a:rPr lang="en-US" altLang="zh-CN"/>
+              <a:t>pip install </a:t>
+            </a:r>
+            <a:endParaRPr lang="en-US" altLang="zh-CN"/>
+          </a:p>
+        </p:txBody>
+      </p:sp>
+    </p:spTree>
+  </p:cSld>
+  <p:clrMapOvr>
+    <a:masterClrMapping/>
+  </p:clrMapOvr>
+</p:sld>
+</file>
+
+<file path=ppt/slides/slide61.xml><?xml version="1.0" encoding="utf-8"?>
+<p:sld xmlns:a="http://schemas.openxmlformats.org/drawingml/2006/main" xmlns:r="http://schemas.openxmlformats.org/officeDocument/2006/relationships" xmlns:p="http://schemas.openxmlformats.org/presentationml/2006/main">
+  <p:cSld>
+    <p:spTree>
+      <p:nvGrpSpPr>
+        <p:cNvPr id="1" name=""/>
+        <p:cNvGrpSpPr/>
+        <p:nvPr/>
+      </p:nvGrpSpPr>
+      <p:grpSpPr/>
+      <p:sp>
+        <p:nvSpPr>
+          <p:cNvPr id="2" name="标题 1"/>
+          <p:cNvSpPr>
+            <a:spLocks noGrp="1"/>
+          </p:cNvSpPr>
+          <p:nvPr>
+            <p:ph type="title"/>
+          </p:nvPr>
+        </p:nvSpPr>
+        <p:spPr/>
+        <p:txBody>
+          <a:bodyPr/>
+          <a:p>
+            <a:r>
+              <a:rPr lang="en-US" altLang="zh-CN"/>
               <a:t>trimesh</a:t>
             </a:r>
             <a:endParaRPr lang="en-US" altLang="zh-CN"/>
@@ -18184,7 +18383,7 @@
 </p:sld>
 </file>
 
-<file path=ppt/slides/slide61.xml><?xml version="1.0" encoding="utf-8"?>
+<file path=ppt/slides/slide62.xml><?xml version="1.0" encoding="utf-8"?>
 <p:sld xmlns:a="http://schemas.openxmlformats.org/drawingml/2006/main" xmlns:r="http://schemas.openxmlformats.org/officeDocument/2006/relationships" xmlns:p="http://schemas.openxmlformats.org/presentationml/2006/main">
   <p:cSld>
     <p:spTree>
@@ -18839,120 +19038,6 @@
 </p:sld>
 </file>
 
-<file path=ppt/slides/slide62.xml><?xml version="1.0" encoding="utf-8"?>
-<p:sld xmlns:a="http://schemas.openxmlformats.org/drawingml/2006/main" xmlns:r="http://schemas.openxmlformats.org/officeDocument/2006/relationships" xmlns:p="http://schemas.openxmlformats.org/presentationml/2006/main">
-  <p:cSld>
-    <p:spTree>
-      <p:nvGrpSpPr>
-        <p:cNvPr id="1" name=""/>
-        <p:cNvGrpSpPr/>
-        <p:nvPr/>
-      </p:nvGrpSpPr>
-      <p:grpSpPr/>
-      <p:sp>
-        <p:nvSpPr>
-          <p:cNvPr id="2" name="标题 1"/>
-          <p:cNvSpPr>
-            <a:spLocks noGrp="1"/>
-          </p:cNvSpPr>
-          <p:nvPr>
-            <p:ph type="title"/>
-          </p:nvPr>
-        </p:nvSpPr>
-        <p:spPr/>
-        <p:txBody>
-          <a:bodyPr/>
-          <a:p>
-            <a:r>
-              <a:rPr lang="en-US" altLang="zh-CN"/>
-              <a:t>Vapory</a:t>
-            </a:r>
-            <a:endParaRPr lang="en-US" altLang="zh-CN"/>
-          </a:p>
-        </p:txBody>
-      </p:sp>
-      <p:sp>
-        <p:nvSpPr>
-          <p:cNvPr id="3" name="内容占位符 2"/>
-          <p:cNvSpPr>
-            <a:spLocks noGrp="1"/>
-          </p:cNvSpPr>
-          <p:nvPr>
-            <p:ph idx="1"/>
-          </p:nvPr>
-        </p:nvSpPr>
-        <p:spPr/>
-        <p:txBody>
-          <a:bodyPr/>
-          <a:p>
-            <a:r>
-              <a:rPr lang="en-US" altLang="zh-CN"/>
-              <a:t>Depends on POV-Ray</a:t>
-            </a:r>
-            <a:endParaRPr lang="en-US" altLang="zh-CN"/>
-          </a:p>
-          <a:p>
-            <a:pPr lvl="1"/>
-            <a:r>
-              <a:rPr lang="en-US" altLang="zh-CN"/>
-              <a:t>free ray-tracing engine</a:t>
-            </a:r>
-            <a:endParaRPr lang="en-US" altLang="zh-CN"/>
-          </a:p>
-          <a:p>
-            <a:pPr lvl="1"/>
-            <a:r>
-              <a:rPr lang="en-US" sz="2000">
-                <a:sym typeface="+mn-ea"/>
-              </a:rPr>
-              <a:t>Install POV-Ray from http://www.povray.org/download/</a:t>
-            </a:r>
-            <a:endParaRPr lang="en-US" sz="2000">
-              <a:sym typeface="+mn-ea"/>
-            </a:endParaRPr>
-          </a:p>
-          <a:p>
-            <a:pPr lvl="1"/>
-            <a:r>
-              <a:rPr lang="en-US" sz="2000">
-                <a:sym typeface="+mn-ea"/>
-              </a:rPr>
-              <a:t>Modify Lib\site- packages\vapory\config.py</a:t>
-            </a:r>
-            <a:endParaRPr lang="en-US" sz="2000"/>
-          </a:p>
-          <a:p>
-            <a:pPr lvl="2"/>
-            <a:r>
-              <a:rPr lang="en-US" sz="2000">
-                <a:sym typeface="+mn-ea"/>
-              </a:rPr>
-              <a:t>povray.exe -&gt; pvengine64.exe</a:t>
-            </a:r>
-            <a:endParaRPr lang="en-US" altLang="zh-CN"/>
-          </a:p>
-          <a:p>
-            <a:pPr lvl="0"/>
-            <a:r>
-              <a:rPr lang="en-US" altLang="zh-CN"/>
-              <a:t>https://github.com/Zulko/vapory</a:t>
-            </a:r>
-            <a:endParaRPr lang="en-US" altLang="zh-CN"/>
-          </a:p>
-          <a:p>
-            <a:pPr lvl="0"/>
-            <a:endParaRPr lang="en-US" altLang="zh-CN"/>
-          </a:p>
-        </p:txBody>
-      </p:sp>
-    </p:spTree>
-  </p:cSld>
-  <p:clrMapOvr>
-    <a:masterClrMapping/>
-  </p:clrMapOvr>
-</p:sld>
-</file>
-
 <file path=ppt/slides/slide63.xml><?xml version="1.0" encoding="utf-8"?>
 <p:sld xmlns:a="http://schemas.openxmlformats.org/drawingml/2006/main" xmlns:r="http://schemas.openxmlformats.org/officeDocument/2006/relationships" xmlns:p="http://schemas.openxmlformats.org/presentationml/2006/main">
   <p:cSld>
@@ -18979,7 +19064,7 @@
           <a:p>
             <a:r>
               <a:rPr lang="en-US" altLang="zh-CN"/>
-              <a:t>Mayavi</a:t>
+              <a:t>Vapory</a:t>
             </a:r>
             <a:endParaRPr lang="en-US" altLang="zh-CN"/>
           </a:p>
@@ -19001,16 +19086,60 @@
           <a:p>
             <a:r>
               <a:rPr lang="en-US" altLang="zh-CN"/>
-              <a:t>Install</a:t>
-            </a:r>
-            <a:endParaRPr lang="en-US" altLang="zh-CN"/>
-          </a:p>
-          <a:p>
-            <a:pPr lvl="1"/>
-            <a:r>
-              <a:rPr lang="en-US" altLang="zh-CN"/>
-              <a:t>pip install mayavi pyqt5==5.14.0</a:t>
-            </a:r>
+              <a:t>Depends on POV-Ray</a:t>
+            </a:r>
+            <a:endParaRPr lang="en-US" altLang="zh-CN"/>
+          </a:p>
+          <a:p>
+            <a:pPr lvl="1"/>
+            <a:r>
+              <a:rPr lang="en-US" altLang="zh-CN"/>
+              <a:t>free ray-tracing engine</a:t>
+            </a:r>
+            <a:endParaRPr lang="en-US" altLang="zh-CN"/>
+          </a:p>
+          <a:p>
+            <a:pPr lvl="1"/>
+            <a:r>
+              <a:rPr lang="en-US" sz="2000">
+                <a:sym typeface="+mn-ea"/>
+              </a:rPr>
+              <a:t>Install POV-Ray from http://www.povray.org/download/</a:t>
+            </a:r>
+            <a:endParaRPr lang="en-US" sz="2000">
+              <a:sym typeface="+mn-ea"/>
+            </a:endParaRPr>
+          </a:p>
+          <a:p>
+            <a:pPr lvl="1"/>
+            <a:r>
+              <a:rPr lang="en-US" sz="2000">
+                <a:sym typeface="+mn-ea"/>
+              </a:rPr>
+              <a:t>Modify Lib\site- packages\vapory\config.py</a:t>
+            </a:r>
+            <a:endParaRPr lang="en-US" sz="2000"/>
+          </a:p>
+          <a:p>
+            <a:pPr lvl="2"/>
+            <a:r>
+              <a:rPr lang="en-US" sz="2000">
+                <a:sym typeface="+mn-ea"/>
+              </a:rPr>
+              <a:t>povray.exe -&gt; pvengine64.exe</a:t>
+            </a:r>
+            <a:endParaRPr lang="en-US" altLang="zh-CN"/>
+          </a:p>
+          <a:p>
+            <a:pPr lvl="0"/>
+            <a:r>
+              <a:rPr lang="en-US" altLang="zh-CN"/>
+              <a:t>https://github.com/Zulko/vapory</a:t>
+            </a:r>
+            <a:endParaRPr lang="en-US" altLang="zh-CN"/>
+          </a:p>
+          <a:p>
+            <a:pPr lvl="0"/>
             <a:endParaRPr lang="en-US" altLang="zh-CN"/>
           </a:p>
         </p:txBody>
@@ -19035,7 +19164,7 @@
       <p:grpSpPr/>
       <p:sp>
         <p:nvSpPr>
-          <p:cNvPr id="4" name="标题 3"/>
+          <p:cNvPr id="2" name="标题 1"/>
           <p:cNvSpPr>
             <a:spLocks noGrp="1"/>
           </p:cNvSpPr>
@@ -19049,27 +19178,39 @@
           <a:p>
             <a:r>
               <a:rPr lang="en-US" altLang="zh-CN"/>
-              <a:t>Advanced</a:t>
-            </a:r>
-            <a:endParaRPr lang="en-US" altLang="zh-CN"/>
-          </a:p>
-        </p:txBody>
-      </p:sp>
-      <p:sp>
-        <p:nvSpPr>
-          <p:cNvPr id="5" name="文本占位符 4"/>
+              <a:t>Mayavi</a:t>
+            </a:r>
+            <a:endParaRPr lang="en-US" altLang="zh-CN"/>
+          </a:p>
+        </p:txBody>
+      </p:sp>
+      <p:sp>
+        <p:nvSpPr>
+          <p:cNvPr id="3" name="内容占位符 2"/>
           <p:cNvSpPr>
             <a:spLocks noGrp="1"/>
           </p:cNvSpPr>
           <p:nvPr>
-            <p:ph type="body" idx="1"/>
+            <p:ph idx="1"/>
           </p:nvPr>
         </p:nvSpPr>
         <p:spPr/>
         <p:txBody>
           <a:bodyPr/>
           <a:p>
-            <a:endParaRPr lang="zh-CN" altLang="en-US"/>
+            <a:r>
+              <a:rPr lang="en-US" altLang="zh-CN"/>
+              <a:t>Install</a:t>
+            </a:r>
+            <a:endParaRPr lang="en-US" altLang="zh-CN"/>
+          </a:p>
+          <a:p>
+            <a:pPr lvl="1"/>
+            <a:r>
+              <a:rPr lang="en-US" altLang="zh-CN"/>
+              <a:t>pip install mayavi pyqt5==5.14.0</a:t>
+            </a:r>
+            <a:endParaRPr lang="en-US" altLang="zh-CN"/>
           </a:p>
         </p:txBody>
       </p:sp>
@@ -19093,7 +19234,7 @@
       <p:grpSpPr/>
       <p:sp>
         <p:nvSpPr>
-          <p:cNvPr id="2" name="标题 1"/>
+          <p:cNvPr id="4" name="标题 3"/>
           <p:cNvSpPr>
             <a:spLocks noGrp="1"/>
           </p:cNvSpPr>
@@ -19107,246 +19248,27 @@
           <a:p>
             <a:r>
               <a:rPr lang="en-US" altLang="zh-CN"/>
-              <a:t>Wrap As Exe or Dll</a:t>
-            </a:r>
-            <a:endParaRPr lang="en-US" altLang="zh-CN"/>
-          </a:p>
-        </p:txBody>
-      </p:sp>
-      <p:sp>
-        <p:nvSpPr>
-          <p:cNvPr id="3" name="内容占位符 2"/>
+              <a:t>Advanced</a:t>
+            </a:r>
+            <a:endParaRPr lang="en-US" altLang="zh-CN"/>
+          </a:p>
+        </p:txBody>
+      </p:sp>
+      <p:sp>
+        <p:nvSpPr>
+          <p:cNvPr id="5" name="文本占位符 4"/>
           <p:cNvSpPr>
             <a:spLocks noGrp="1"/>
           </p:cNvSpPr>
           <p:nvPr>
-            <p:ph idx="1"/>
+            <p:ph type="body" idx="1"/>
           </p:nvPr>
         </p:nvSpPr>
-        <p:spPr>
-          <a:xfrm>
-            <a:off x="838200" y="1211580"/>
-            <a:ext cx="6486525" cy="4549140"/>
-          </a:xfrm>
-        </p:spPr>
-        <p:txBody>
-          <a:bodyPr>
-            <a:normAutofit lnSpcReduction="10000"/>
-          </a:bodyPr>
-          <a:p>
-            <a:r>
-              <a:rPr lang="en-US" altLang="zh-CN"/>
-              <a:t>py2exe</a:t>
-            </a:r>
-            <a:endParaRPr lang="en-US" altLang="zh-CN"/>
-          </a:p>
-          <a:p>
-            <a:pPr lvl="1"/>
-            <a:r>
-              <a:rPr lang="en-US" altLang="zh-CN"/>
-              <a:t>MUST run on Windows</a:t>
-            </a:r>
-            <a:endParaRPr lang="en-US" altLang="zh-CN"/>
-          </a:p>
-          <a:p>
-            <a:pPr lvl="2"/>
-            <a:r>
-              <a:rPr lang="en-US" altLang="zh-CN"/>
-              <a:t>pip install py2exe</a:t>
-            </a:r>
-            <a:endParaRPr lang="en-US" altLang="zh-CN"/>
-          </a:p>
-          <a:p>
-            <a:pPr lvl="2"/>
-            <a:r>
-              <a:rPr lang="en-US" altLang="zh-CN"/>
-              <a:t>Create setup.py</a:t>
-            </a:r>
-            <a:endParaRPr lang="en-US" altLang="zh-CN"/>
-          </a:p>
-          <a:p>
-            <a:pPr lvl="2"/>
-            <a:r>
-              <a:rPr lang="en-US" altLang="zh-CN"/>
-              <a:t>python ./setup.py py2exe</a:t>
-            </a:r>
-            <a:endParaRPr lang="en-US" altLang="zh-CN"/>
-          </a:p>
-          <a:p>
-            <a:pPr lvl="1"/>
-            <a:r>
-              <a:rPr lang="en-US" altLang="zh-CN"/>
-              <a:t>Only support python 3.3 or 3.4</a:t>
-            </a:r>
-            <a:endParaRPr lang="en-US" altLang="zh-CN"/>
-          </a:p>
-          <a:p>
-            <a:pPr lvl="0"/>
-            <a:r>
-              <a:rPr lang="en-US" altLang="zh-CN"/>
-              <a:t>PyInstaller</a:t>
-            </a:r>
-            <a:endParaRPr lang="en-US" altLang="zh-CN"/>
-          </a:p>
-          <a:p>
-            <a:pPr lvl="1"/>
-            <a:r>
-              <a:rPr lang="en-US" altLang="zh-CN"/>
-              <a:t>pip install pyinstaller</a:t>
-            </a:r>
-            <a:endParaRPr lang="en-US" altLang="zh-CN"/>
-          </a:p>
-          <a:p>
-            <a:pPr lvl="1"/>
-            <a:r>
-              <a:rPr lang="en-US" altLang="zh-CN"/>
-              <a:t>pyinstaller yourprogram.py</a:t>
-            </a:r>
-            <a:endParaRPr lang="en-US" altLang="zh-CN"/>
-          </a:p>
-          <a:p>
-            <a:pPr lvl="2"/>
-            <a:r>
-              <a:rPr lang="en-US" altLang="zh-CN"/>
-              <a:t>Files are generated into “dist” folder</a:t>
-            </a:r>
-            <a:endParaRPr lang="en-US" altLang="zh-CN"/>
-          </a:p>
-          <a:p>
-            <a:pPr lvl="2"/>
-            <a:r>
-              <a:rPr lang="en-US" altLang="zh-CN"/>
-              <a:t>yourprogram.spec</a:t>
-            </a:r>
-            <a:endParaRPr lang="en-US" altLang="zh-CN"/>
-          </a:p>
-          <a:p>
-            <a:pPr lvl="3"/>
-            <a:r>
-              <a:rPr lang="en-US" altLang="zh-CN"/>
-              <a:t>pyinstaller yourprogram.spec</a:t>
-            </a:r>
-            <a:endParaRPr lang="en-US" altLang="zh-CN"/>
-          </a:p>
-          <a:p>
-            <a:pPr lvl="2"/>
-            <a:r>
-              <a:rPr lang="en-US" altLang="zh-CN"/>
-              <a:t>“build” folder</a:t>
-            </a:r>
-            <a:endParaRPr lang="en-US" altLang="zh-CN"/>
-          </a:p>
-          <a:p>
-            <a:pPr lvl="2"/>
-            <a:r>
-              <a:rPr lang="en-US" altLang="zh-CN"/>
-              <a:t>-F: one-file bundled executable</a:t>
-            </a:r>
-            <a:endParaRPr lang="en-US" altLang="zh-CN"/>
-          </a:p>
-        </p:txBody>
-      </p:sp>
-      <p:sp>
-        <p:nvSpPr>
-          <p:cNvPr id="10" name="文本框 9"/>
-          <p:cNvSpPr txBox="1"/>
-          <p:nvPr/>
-        </p:nvSpPr>
-        <p:spPr>
-          <a:xfrm>
-            <a:off x="6621780" y="1386840"/>
-            <a:ext cx="4949190" cy="3138170"/>
-          </a:xfrm>
-          <a:prstGeom prst="rect">
-            <a:avLst/>
-          </a:prstGeom>
-          <a:noFill/>
-          <a:ln>
-            <a:solidFill>
-              <a:srgbClr val="FFC000"/>
-            </a:solidFill>
-          </a:ln>
-        </p:spPr>
-        <p:txBody>
-          <a:bodyPr wrap="square" rtlCol="0">
-            <a:spAutoFit/>
-          </a:bodyPr>
-          <a:p>
-            <a:r>
-              <a:rPr lang="en-US" altLang="zh-CN"/>
-              <a:t># setup.py</a:t>
-            </a:r>
-            <a:endParaRPr lang="en-US" altLang="zh-CN"/>
-          </a:p>
-          <a:p>
-            <a:r>
-              <a:rPr lang="en-US" altLang="zh-CN"/>
-              <a:t>from distutils.core import setup</a:t>
-            </a:r>
-            <a:endParaRPr lang="en-US" altLang="zh-CN"/>
-          </a:p>
-          <a:p>
-            <a:r>
-              <a:rPr lang="en-US" altLang="zh-CN"/>
-              <a:t>import py2exe</a:t>
-            </a:r>
-            <a:endParaRPr lang="en-US" altLang="zh-CN"/>
-          </a:p>
-          <a:p>
-            <a:r>
-              <a:rPr lang="en-US" altLang="zh-CN"/>
-              <a:t>setup(</a:t>
-            </a:r>
-            <a:endParaRPr lang="en-US" altLang="zh-CN"/>
-          </a:p>
-          <a:p>
-            <a:r>
-              <a:rPr lang="en-US" altLang="zh-CN"/>
-              <a:t>	console=['myscript.py'],</a:t>
-            </a:r>
-            <a:endParaRPr lang="en-US" altLang="zh-CN"/>
-          </a:p>
-          <a:p>
-            <a:r>
-              <a:rPr lang="en-US" altLang="zh-CN"/>
-              <a:t>	options={</a:t>
-            </a:r>
-            <a:endParaRPr lang="en-US" altLang="zh-CN"/>
-          </a:p>
-          <a:p>
-            <a:r>
-              <a:rPr lang="en-US" altLang="zh-CN"/>
-              <a:t>		'py2exe': {</a:t>
-            </a:r>
-            <a:endParaRPr lang="en-US" altLang="zh-CN"/>
-          </a:p>
-          <a:p>
-            <a:r>
-              <a:rPr lang="en-US" altLang="zh-CN"/>
-              <a:t>			'packages': ['libaray']</a:t>
-            </a:r>
-            <a:endParaRPr lang="en-US" altLang="zh-CN"/>
-          </a:p>
-          <a:p>
-            <a:r>
-              <a:rPr lang="en-US" altLang="zh-CN"/>
-              <a:t>			}</a:t>
-            </a:r>
-            <a:endParaRPr lang="en-US" altLang="zh-CN"/>
-          </a:p>
-          <a:p>
-            <a:r>
-              <a:rPr lang="en-US" altLang="zh-CN"/>
-              <a:t>		}</a:t>
-            </a:r>
-            <a:endParaRPr lang="en-US" altLang="zh-CN"/>
-          </a:p>
-          <a:p>
-            <a:r>
-              <a:rPr lang="en-US" altLang="zh-CN"/>
-              <a:t>)</a:t>
-            </a:r>
-            <a:endParaRPr lang="en-US" altLang="zh-CN"/>
+        <p:spPr/>
+        <p:txBody>
+          <a:bodyPr/>
+          <a:p>
+            <a:endParaRPr lang="zh-CN" altLang="en-US"/>
           </a:p>
         </p:txBody>
       </p:sp>
@@ -19384,6 +19306,283 @@
           <a:p>
             <a:r>
               <a:rPr lang="en-US" altLang="zh-CN"/>
+              <a:t>Wrap As Exe or Dll</a:t>
+            </a:r>
+            <a:endParaRPr lang="en-US" altLang="zh-CN"/>
+          </a:p>
+        </p:txBody>
+      </p:sp>
+      <p:sp>
+        <p:nvSpPr>
+          <p:cNvPr id="3" name="内容占位符 2"/>
+          <p:cNvSpPr>
+            <a:spLocks noGrp="1"/>
+          </p:cNvSpPr>
+          <p:nvPr>
+            <p:ph idx="1"/>
+          </p:nvPr>
+        </p:nvSpPr>
+        <p:spPr>
+          <a:xfrm>
+            <a:off x="838200" y="1211580"/>
+            <a:ext cx="6486525" cy="4549140"/>
+          </a:xfrm>
+        </p:spPr>
+        <p:txBody>
+          <a:bodyPr>
+            <a:normAutofit lnSpcReduction="10000"/>
+          </a:bodyPr>
+          <a:p>
+            <a:r>
+              <a:rPr lang="en-US" altLang="zh-CN"/>
+              <a:t>py2exe</a:t>
+            </a:r>
+            <a:endParaRPr lang="en-US" altLang="zh-CN"/>
+          </a:p>
+          <a:p>
+            <a:pPr lvl="1"/>
+            <a:r>
+              <a:rPr lang="en-US" altLang="zh-CN"/>
+              <a:t>MUST run on Windows</a:t>
+            </a:r>
+            <a:endParaRPr lang="en-US" altLang="zh-CN"/>
+          </a:p>
+          <a:p>
+            <a:pPr lvl="2"/>
+            <a:r>
+              <a:rPr lang="en-US" altLang="zh-CN"/>
+              <a:t>pip install py2exe</a:t>
+            </a:r>
+            <a:endParaRPr lang="en-US" altLang="zh-CN"/>
+          </a:p>
+          <a:p>
+            <a:pPr lvl="2"/>
+            <a:r>
+              <a:rPr lang="en-US" altLang="zh-CN"/>
+              <a:t>Create setup.py</a:t>
+            </a:r>
+            <a:endParaRPr lang="en-US" altLang="zh-CN"/>
+          </a:p>
+          <a:p>
+            <a:pPr lvl="2"/>
+            <a:r>
+              <a:rPr lang="en-US" altLang="zh-CN"/>
+              <a:t>python ./setup.py py2exe</a:t>
+            </a:r>
+            <a:endParaRPr lang="en-US" altLang="zh-CN"/>
+          </a:p>
+          <a:p>
+            <a:pPr lvl="1"/>
+            <a:r>
+              <a:rPr lang="en-US" altLang="zh-CN"/>
+              <a:t>Only support python 3.3 or 3.4</a:t>
+            </a:r>
+            <a:endParaRPr lang="en-US" altLang="zh-CN"/>
+          </a:p>
+          <a:p>
+            <a:pPr lvl="0"/>
+            <a:r>
+              <a:rPr lang="en-US" altLang="zh-CN"/>
+              <a:t>PyInstaller</a:t>
+            </a:r>
+            <a:endParaRPr lang="en-US" altLang="zh-CN"/>
+          </a:p>
+          <a:p>
+            <a:pPr lvl="1"/>
+            <a:r>
+              <a:rPr lang="en-US" altLang="zh-CN"/>
+              <a:t>pip install pyinstaller</a:t>
+            </a:r>
+            <a:endParaRPr lang="en-US" altLang="zh-CN"/>
+          </a:p>
+          <a:p>
+            <a:pPr lvl="1"/>
+            <a:r>
+              <a:rPr lang="en-US" altLang="zh-CN"/>
+              <a:t>pyinstaller yourprogram.py</a:t>
+            </a:r>
+            <a:endParaRPr lang="en-US" altLang="zh-CN"/>
+          </a:p>
+          <a:p>
+            <a:pPr lvl="2"/>
+            <a:r>
+              <a:rPr lang="en-US" altLang="zh-CN"/>
+              <a:t>Files are generated into “dist” folder</a:t>
+            </a:r>
+            <a:endParaRPr lang="en-US" altLang="zh-CN"/>
+          </a:p>
+          <a:p>
+            <a:pPr lvl="2"/>
+            <a:r>
+              <a:rPr lang="en-US" altLang="zh-CN"/>
+              <a:t>yourprogram.spec</a:t>
+            </a:r>
+            <a:endParaRPr lang="en-US" altLang="zh-CN"/>
+          </a:p>
+          <a:p>
+            <a:pPr lvl="3"/>
+            <a:r>
+              <a:rPr lang="en-US" altLang="zh-CN"/>
+              <a:t>pyinstaller yourprogram.spec</a:t>
+            </a:r>
+            <a:endParaRPr lang="en-US" altLang="zh-CN"/>
+          </a:p>
+          <a:p>
+            <a:pPr lvl="2"/>
+            <a:r>
+              <a:rPr lang="en-US" altLang="zh-CN"/>
+              <a:t>“build” folder</a:t>
+            </a:r>
+            <a:endParaRPr lang="en-US" altLang="zh-CN"/>
+          </a:p>
+          <a:p>
+            <a:pPr lvl="2"/>
+            <a:r>
+              <a:rPr lang="en-US" altLang="zh-CN"/>
+              <a:t>-F: one-file bundled executable</a:t>
+            </a:r>
+            <a:endParaRPr lang="en-US" altLang="zh-CN"/>
+          </a:p>
+        </p:txBody>
+      </p:sp>
+      <p:sp>
+        <p:nvSpPr>
+          <p:cNvPr id="10" name="文本框 9"/>
+          <p:cNvSpPr txBox="1"/>
+          <p:nvPr/>
+        </p:nvSpPr>
+        <p:spPr>
+          <a:xfrm>
+            <a:off x="6621780" y="1386840"/>
+            <a:ext cx="4949190" cy="3138170"/>
+          </a:xfrm>
+          <a:prstGeom prst="rect">
+            <a:avLst/>
+          </a:prstGeom>
+          <a:noFill/>
+          <a:ln>
+            <a:solidFill>
+              <a:srgbClr val="FFC000"/>
+            </a:solidFill>
+          </a:ln>
+        </p:spPr>
+        <p:txBody>
+          <a:bodyPr wrap="square" rtlCol="0">
+            <a:spAutoFit/>
+          </a:bodyPr>
+          <a:p>
+            <a:r>
+              <a:rPr lang="en-US" altLang="zh-CN"/>
+              <a:t># setup.py</a:t>
+            </a:r>
+            <a:endParaRPr lang="en-US" altLang="zh-CN"/>
+          </a:p>
+          <a:p>
+            <a:r>
+              <a:rPr lang="en-US" altLang="zh-CN"/>
+              <a:t>from distutils.core import setup</a:t>
+            </a:r>
+            <a:endParaRPr lang="en-US" altLang="zh-CN"/>
+          </a:p>
+          <a:p>
+            <a:r>
+              <a:rPr lang="en-US" altLang="zh-CN"/>
+              <a:t>import py2exe</a:t>
+            </a:r>
+            <a:endParaRPr lang="en-US" altLang="zh-CN"/>
+          </a:p>
+          <a:p>
+            <a:r>
+              <a:rPr lang="en-US" altLang="zh-CN"/>
+              <a:t>setup(</a:t>
+            </a:r>
+            <a:endParaRPr lang="en-US" altLang="zh-CN"/>
+          </a:p>
+          <a:p>
+            <a:r>
+              <a:rPr lang="en-US" altLang="zh-CN"/>
+              <a:t>	console=['myscript.py'],</a:t>
+            </a:r>
+            <a:endParaRPr lang="en-US" altLang="zh-CN"/>
+          </a:p>
+          <a:p>
+            <a:r>
+              <a:rPr lang="en-US" altLang="zh-CN"/>
+              <a:t>	options={</a:t>
+            </a:r>
+            <a:endParaRPr lang="en-US" altLang="zh-CN"/>
+          </a:p>
+          <a:p>
+            <a:r>
+              <a:rPr lang="en-US" altLang="zh-CN"/>
+              <a:t>		'py2exe': {</a:t>
+            </a:r>
+            <a:endParaRPr lang="en-US" altLang="zh-CN"/>
+          </a:p>
+          <a:p>
+            <a:r>
+              <a:rPr lang="en-US" altLang="zh-CN"/>
+              <a:t>			'packages': ['libaray']</a:t>
+            </a:r>
+            <a:endParaRPr lang="en-US" altLang="zh-CN"/>
+          </a:p>
+          <a:p>
+            <a:r>
+              <a:rPr lang="en-US" altLang="zh-CN"/>
+              <a:t>			}</a:t>
+            </a:r>
+            <a:endParaRPr lang="en-US" altLang="zh-CN"/>
+          </a:p>
+          <a:p>
+            <a:r>
+              <a:rPr lang="en-US" altLang="zh-CN"/>
+              <a:t>		}</a:t>
+            </a:r>
+            <a:endParaRPr lang="en-US" altLang="zh-CN"/>
+          </a:p>
+          <a:p>
+            <a:r>
+              <a:rPr lang="en-US" altLang="zh-CN"/>
+              <a:t>)</a:t>
+            </a:r>
+            <a:endParaRPr lang="en-US" altLang="zh-CN"/>
+          </a:p>
+        </p:txBody>
+      </p:sp>
+    </p:spTree>
+  </p:cSld>
+  <p:clrMapOvr>
+    <a:masterClrMapping/>
+  </p:clrMapOvr>
+</p:sld>
+</file>
+
+<file path=ppt/slides/slide67.xml><?xml version="1.0" encoding="utf-8"?>
+<p:sld xmlns:a="http://schemas.openxmlformats.org/drawingml/2006/main" xmlns:r="http://schemas.openxmlformats.org/officeDocument/2006/relationships" xmlns:p="http://schemas.openxmlformats.org/presentationml/2006/main">
+  <p:cSld>
+    <p:spTree>
+      <p:nvGrpSpPr>
+        <p:cNvPr id="1" name=""/>
+        <p:cNvGrpSpPr/>
+        <p:nvPr/>
+      </p:nvGrpSpPr>
+      <p:grpSpPr/>
+      <p:sp>
+        <p:nvSpPr>
+          <p:cNvPr id="2" name="标题 1"/>
+          <p:cNvSpPr>
+            <a:spLocks noGrp="1"/>
+          </p:cNvSpPr>
+          <p:nvPr>
+            <p:ph type="title"/>
+          </p:nvPr>
+        </p:nvSpPr>
+        <p:spPr/>
+        <p:txBody>
+          <a:bodyPr/>
+          <a:p>
+            <a:r>
+              <a:rPr lang="en-US" altLang="zh-CN"/>
               <a:t>Performance</a:t>
             </a:r>
             <a:endParaRPr lang="en-US" altLang="zh-CN"/>
@@ -19568,7 +19767,7 @@
 </p:sld>
 </file>
 
-<file path=ppt/slides/slide67.xml><?xml version="1.0" encoding="utf-8"?>
+<file path=ppt/slides/slide68.xml><?xml version="1.0" encoding="utf-8"?>
 <p:sld xmlns:a="http://schemas.openxmlformats.org/drawingml/2006/main" xmlns:r="http://schemas.openxmlformats.org/officeDocument/2006/relationships" xmlns:p="http://schemas.openxmlformats.org/presentationml/2006/main">
   <p:cSld>
     <p:spTree>
@@ -20022,7 +20221,7 @@
 </p:sld>
 </file>
 
-<file path=ppt/slides/slide68.xml><?xml version="1.0" encoding="utf-8"?>
+<file path=ppt/slides/slide69.xml><?xml version="1.0" encoding="utf-8"?>
 <p:sld xmlns:a="http://schemas.openxmlformats.org/drawingml/2006/main" xmlns:r="http://schemas.openxmlformats.org/officeDocument/2006/relationships" xmlns:p="http://schemas.openxmlformats.org/presentationml/2006/main">
   <p:cSld>
     <p:spTree>
@@ -20132,7 +20331,139 @@
 </p:sld>
 </file>
 
-<file path=ppt/slides/slide69.xml><?xml version="1.0" encoding="utf-8"?>
+<file path=ppt/slides/slide7.xml><?xml version="1.0" encoding="utf-8"?>
+<p:sld xmlns:a="http://schemas.openxmlformats.org/drawingml/2006/main" xmlns:r="http://schemas.openxmlformats.org/officeDocument/2006/relationships" xmlns:p="http://schemas.openxmlformats.org/presentationml/2006/main">
+  <p:cSld>
+    <p:spTree>
+      <p:nvGrpSpPr>
+        <p:cNvPr id="1" name=""/>
+        <p:cNvGrpSpPr/>
+        <p:nvPr/>
+      </p:nvGrpSpPr>
+      <p:grpSpPr/>
+      <p:sp>
+        <p:nvSpPr>
+          <p:cNvPr id="2" name="Title 1"/>
+          <p:cNvSpPr>
+            <a:spLocks noGrp="1"/>
+          </p:cNvSpPr>
+          <p:nvPr>
+            <p:ph type="title"/>
+          </p:nvPr>
+        </p:nvSpPr>
+        <p:spPr/>
+        <p:txBody>
+          <a:bodyPr>
+            <a:normAutofit/>
+          </a:bodyPr>
+          <a:p>
+            <a:r>
+              <a:rPr lang="en-US" altLang="en-US"/>
+              <a:t>Static Analysis</a:t>
+            </a:r>
+            <a:endParaRPr lang="en-US" altLang="en-US"/>
+          </a:p>
+        </p:txBody>
+      </p:sp>
+      <p:sp>
+        <p:nvSpPr>
+          <p:cNvPr id="3" name="Content Placeholder 2"/>
+          <p:cNvSpPr>
+            <a:spLocks noGrp="1"/>
+          </p:cNvSpPr>
+          <p:nvPr>
+            <p:ph idx="1"/>
+          </p:nvPr>
+        </p:nvSpPr>
+        <p:spPr/>
+        <p:txBody>
+          <a:bodyPr/>
+          <a:p>
+            <a:r>
+              <a:rPr lang="en-US" altLang="en-US"/>
+              <a:t>Pylint</a:t>
+            </a:r>
+            <a:endParaRPr lang="en-US" altLang="en-US"/>
+          </a:p>
+          <a:p>
+            <a:pPr lvl="1"/>
+            <a:r>
+              <a:rPr lang="en-US" altLang="en-US"/>
+              <a:t>Configuration</a:t>
+            </a:r>
+            <a:endParaRPr lang="en-US" altLang="en-US"/>
+          </a:p>
+          <a:p>
+            <a:pPr lvl="2"/>
+            <a:r>
+              <a:rPr lang="en-US"/>
+              <a:t>pylint --generate-rcfile &gt; .pylintr</a:t>
+            </a:r>
+            <a:r>
+              <a:rPr lang="en-US" altLang="en-US"/>
+              <a:t>c</a:t>
+            </a:r>
+            <a:endParaRPr lang="en-US"/>
+          </a:p>
+          <a:p>
+            <a:pPr lvl="2"/>
+            <a:r>
+              <a:rPr lang="en-US" altLang="en-US"/>
+              <a:t>.pylintrc</a:t>
+            </a:r>
+            <a:endParaRPr lang="en-US" altLang="en-US"/>
+          </a:p>
+          <a:p>
+            <a:pPr lvl="3"/>
+            <a:r>
+              <a:rPr lang="en-US"/>
+              <a:t>extension-pkg-whitelist=cv2</a:t>
+            </a:r>
+            <a:endParaRPr lang="en-US"/>
+          </a:p>
+          <a:p>
+            <a:pPr lvl="3"/>
+            <a:r>
+              <a:rPr lang="en-US" altLang="en-US"/>
+              <a:t>disable=print-statement, invalid-name</a:t>
+            </a:r>
+            <a:endParaRPr lang="en-US" altLang="en-US"/>
+          </a:p>
+          <a:p>
+            <a:pPr lvl="0"/>
+            <a:r>
+              <a:rPr lang="en-US" altLang="en-US"/>
+              <a:t>Flake8</a:t>
+            </a:r>
+            <a:endParaRPr lang="en-US" altLang="en-US"/>
+          </a:p>
+          <a:p>
+            <a:pPr lvl="1"/>
+            <a:r>
+              <a:rPr lang="en-US" altLang="en-US"/>
+              <a:t>Config</a:t>
+            </a:r>
+            <a:endParaRPr lang="en-US" altLang="en-US"/>
+          </a:p>
+          <a:p>
+            <a:pPr lvl="2"/>
+            <a:r>
+              <a:rPr lang="en-US" altLang="en-US"/>
+              <a:t>~/.config/flake8</a:t>
+            </a:r>
+            <a:endParaRPr lang="en-US" altLang="en-US"/>
+          </a:p>
+        </p:txBody>
+      </p:sp>
+    </p:spTree>
+  </p:cSld>
+  <p:clrMapOvr>
+    <a:masterClrMapping/>
+  </p:clrMapOvr>
+</p:sld>
+</file>
+
+<file path=ppt/slides/slide70.xml><?xml version="1.0" encoding="utf-8"?>
 <p:sld xmlns:a="http://schemas.openxmlformats.org/drawingml/2006/main" xmlns:r="http://schemas.openxmlformats.org/officeDocument/2006/relationships" xmlns:p="http://schemas.openxmlformats.org/presentationml/2006/main">
   <p:cSld>
     <p:spTree>
@@ -20343,139 +20674,7 @@
 </p:sld>
 </file>
 
-<file path=ppt/slides/slide7.xml><?xml version="1.0" encoding="utf-8"?>
-<p:sld xmlns:a="http://schemas.openxmlformats.org/drawingml/2006/main" xmlns:r="http://schemas.openxmlformats.org/officeDocument/2006/relationships" xmlns:p="http://schemas.openxmlformats.org/presentationml/2006/main">
-  <p:cSld>
-    <p:spTree>
-      <p:nvGrpSpPr>
-        <p:cNvPr id="1" name=""/>
-        <p:cNvGrpSpPr/>
-        <p:nvPr/>
-      </p:nvGrpSpPr>
-      <p:grpSpPr/>
-      <p:sp>
-        <p:nvSpPr>
-          <p:cNvPr id="2" name="Title 1"/>
-          <p:cNvSpPr>
-            <a:spLocks noGrp="1"/>
-          </p:cNvSpPr>
-          <p:nvPr>
-            <p:ph type="title"/>
-          </p:nvPr>
-        </p:nvSpPr>
-        <p:spPr/>
-        <p:txBody>
-          <a:bodyPr>
-            <a:normAutofit/>
-          </a:bodyPr>
-          <a:p>
-            <a:r>
-              <a:rPr lang="en-US" altLang="en-US"/>
-              <a:t>Static Analysis</a:t>
-            </a:r>
-            <a:endParaRPr lang="en-US" altLang="en-US"/>
-          </a:p>
-        </p:txBody>
-      </p:sp>
-      <p:sp>
-        <p:nvSpPr>
-          <p:cNvPr id="3" name="Content Placeholder 2"/>
-          <p:cNvSpPr>
-            <a:spLocks noGrp="1"/>
-          </p:cNvSpPr>
-          <p:nvPr>
-            <p:ph idx="1"/>
-          </p:nvPr>
-        </p:nvSpPr>
-        <p:spPr/>
-        <p:txBody>
-          <a:bodyPr/>
-          <a:p>
-            <a:r>
-              <a:rPr lang="en-US" altLang="en-US"/>
-              <a:t>Pylint</a:t>
-            </a:r>
-            <a:endParaRPr lang="en-US" altLang="en-US"/>
-          </a:p>
-          <a:p>
-            <a:pPr lvl="1"/>
-            <a:r>
-              <a:rPr lang="en-US" altLang="en-US"/>
-              <a:t>Configuration</a:t>
-            </a:r>
-            <a:endParaRPr lang="en-US" altLang="en-US"/>
-          </a:p>
-          <a:p>
-            <a:pPr lvl="2"/>
-            <a:r>
-              <a:rPr lang="en-US"/>
-              <a:t>pylint --generate-rcfile &gt; .pylintr</a:t>
-            </a:r>
-            <a:r>
-              <a:rPr lang="en-US" altLang="en-US"/>
-              <a:t>c</a:t>
-            </a:r>
-            <a:endParaRPr lang="en-US"/>
-          </a:p>
-          <a:p>
-            <a:pPr lvl="2"/>
-            <a:r>
-              <a:rPr lang="en-US" altLang="en-US"/>
-              <a:t>.pylintrc</a:t>
-            </a:r>
-            <a:endParaRPr lang="en-US" altLang="en-US"/>
-          </a:p>
-          <a:p>
-            <a:pPr lvl="3"/>
-            <a:r>
-              <a:rPr lang="en-US"/>
-              <a:t>extension-pkg-whitelist=cv2</a:t>
-            </a:r>
-            <a:endParaRPr lang="en-US"/>
-          </a:p>
-          <a:p>
-            <a:pPr lvl="3"/>
-            <a:r>
-              <a:rPr lang="en-US" altLang="en-US"/>
-              <a:t>disable=print-statement, invalid-name</a:t>
-            </a:r>
-            <a:endParaRPr lang="en-US" altLang="en-US"/>
-          </a:p>
-          <a:p>
-            <a:pPr lvl="0"/>
-            <a:r>
-              <a:rPr lang="en-US" altLang="en-US"/>
-              <a:t>Flake8</a:t>
-            </a:r>
-            <a:endParaRPr lang="en-US" altLang="en-US"/>
-          </a:p>
-          <a:p>
-            <a:pPr lvl="1"/>
-            <a:r>
-              <a:rPr lang="en-US" altLang="en-US"/>
-              <a:t>Config</a:t>
-            </a:r>
-            <a:endParaRPr lang="en-US" altLang="en-US"/>
-          </a:p>
-          <a:p>
-            <a:pPr lvl="2"/>
-            <a:r>
-              <a:rPr lang="en-US" altLang="en-US"/>
-              <a:t>~/.config/flake8</a:t>
-            </a:r>
-            <a:endParaRPr lang="en-US" altLang="en-US"/>
-          </a:p>
-        </p:txBody>
-      </p:sp>
-    </p:spTree>
-  </p:cSld>
-  <p:clrMapOvr>
-    <a:masterClrMapping/>
-  </p:clrMapOvr>
-</p:sld>
-</file>
-
-<file path=ppt/slides/slide70.xml><?xml version="1.0" encoding="utf-8"?>
+<file path=ppt/slides/slide71.xml><?xml version="1.0" encoding="utf-8"?>
 <p:sld xmlns:a="http://schemas.openxmlformats.org/drawingml/2006/main" xmlns:r="http://schemas.openxmlformats.org/officeDocument/2006/relationships" xmlns:p="http://schemas.openxmlformats.org/presentationml/2006/main">
   <p:cSld>
     <p:spTree>

--- a/Python/Python-Notes.pptx
+++ b/Python/Python-Notes.pptx
@@ -5,10 +5,10 @@
     <p:sldMasterId id="2147483648" r:id="rId1"/>
   </p:sldMasterIdLst>
   <p:notesMasterIdLst>
-    <p:notesMasterId r:id="rId74"/>
+    <p:notesMasterId r:id="rId76"/>
   </p:notesMasterIdLst>
   <p:handoutMasterIdLst>
-    <p:handoutMasterId r:id="rId75"/>
+    <p:handoutMasterId r:id="rId77"/>
   </p:handoutMasterIdLst>
   <p:sldIdLst>
     <p:sldId id="256" r:id="rId3"/>
@@ -61,27 +61,29 @@
     <p:sldId id="899" r:id="rId50"/>
     <p:sldId id="900" r:id="rId51"/>
     <p:sldId id="901" r:id="rId52"/>
-    <p:sldId id="886" r:id="rId53"/>
-    <p:sldId id="902" r:id="rId54"/>
-    <p:sldId id="903" r:id="rId55"/>
-    <p:sldId id="904" r:id="rId56"/>
-    <p:sldId id="347" r:id="rId57"/>
-    <p:sldId id="448" r:id="rId58"/>
-    <p:sldId id="885" r:id="rId59"/>
-    <p:sldId id="349" r:id="rId60"/>
-    <p:sldId id="906" r:id="rId61"/>
-    <p:sldId id="836" r:id="rId62"/>
-    <p:sldId id="810" r:id="rId63"/>
-    <p:sldId id="809" r:id="rId64"/>
-    <p:sldId id="811" r:id="rId65"/>
-    <p:sldId id="905" r:id="rId66"/>
-    <p:sldId id="510" r:id="rId67"/>
-    <p:sldId id="351" r:id="rId68"/>
-    <p:sldId id="802" r:id="rId69"/>
-    <p:sldId id="511" r:id="rId70"/>
-    <p:sldId id="512" r:id="rId71"/>
-    <p:sldId id="806" r:id="rId72"/>
-    <p:sldId id="795" r:id="rId73"/>
+    <p:sldId id="1013" r:id="rId53"/>
+    <p:sldId id="1014" r:id="rId54"/>
+    <p:sldId id="886" r:id="rId55"/>
+    <p:sldId id="902" r:id="rId56"/>
+    <p:sldId id="903" r:id="rId57"/>
+    <p:sldId id="904" r:id="rId58"/>
+    <p:sldId id="347" r:id="rId59"/>
+    <p:sldId id="448" r:id="rId60"/>
+    <p:sldId id="885" r:id="rId61"/>
+    <p:sldId id="349" r:id="rId62"/>
+    <p:sldId id="906" r:id="rId63"/>
+    <p:sldId id="836" r:id="rId64"/>
+    <p:sldId id="810" r:id="rId65"/>
+    <p:sldId id="809" r:id="rId66"/>
+    <p:sldId id="811" r:id="rId67"/>
+    <p:sldId id="905" r:id="rId68"/>
+    <p:sldId id="510" r:id="rId69"/>
+    <p:sldId id="351" r:id="rId70"/>
+    <p:sldId id="802" r:id="rId71"/>
+    <p:sldId id="511" r:id="rId72"/>
+    <p:sldId id="512" r:id="rId73"/>
+    <p:sldId id="806" r:id="rId74"/>
+    <p:sldId id="795" r:id="rId75"/>
   </p:sldIdLst>
   <p:sldSz cx="12192000" cy="6858000"/>
   <p:notesSz cx="6858000" cy="9144000"/>
@@ -14939,7 +14941,7 @@
       <p:grpSpPr/>
       <p:sp>
         <p:nvSpPr>
-          <p:cNvPr id="4" name="标题 3"/>
+          <p:cNvPr id="2" name="标题 1"/>
           <p:cNvSpPr>
             <a:spLocks noGrp="1"/>
           </p:cNvSpPr>
@@ -14953,27 +14955,47 @@
           <a:p>
             <a:r>
               <a:rPr lang="en-US" altLang="zh-CN"/>
-              <a:t>Multimedia</a:t>
-            </a:r>
-            <a:endParaRPr lang="en-US" altLang="zh-CN"/>
-          </a:p>
-        </p:txBody>
-      </p:sp>
-      <p:sp>
-        <p:nvSpPr>
-          <p:cNvPr id="5" name="文本占位符 4"/>
+              <a:t>tqdm (console progress bar)</a:t>
+            </a:r>
+            <a:endParaRPr lang="en-US" altLang="zh-CN"/>
+          </a:p>
+        </p:txBody>
+      </p:sp>
+      <p:sp>
+        <p:nvSpPr>
+          <p:cNvPr id="3" name="内容占位符 2"/>
           <p:cNvSpPr>
             <a:spLocks noGrp="1"/>
           </p:cNvSpPr>
           <p:nvPr>
-            <p:ph type="body" idx="1"/>
+            <p:ph idx="1"/>
           </p:nvPr>
         </p:nvSpPr>
         <p:spPr/>
         <p:txBody>
           <a:bodyPr/>
           <a:p>
-            <a:endParaRPr lang="zh-CN" altLang="en-US"/>
+            <a:r>
+              <a:rPr lang="en-US" altLang="zh-CN"/>
+              <a:t>Usage</a:t>
+            </a:r>
+            <a:endParaRPr lang="en-US" altLang="zh-CN"/>
+          </a:p>
+          <a:p>
+            <a:pPr lvl="1"/>
+            <a:r>
+              <a:rPr lang="en-US" altLang="zh-CN"/>
+              <a:t>from tqdm import tqdm</a:t>
+            </a:r>
+            <a:endParaRPr lang="en-US" altLang="zh-CN"/>
+          </a:p>
+          <a:p>
+            <a:pPr lvl="1"/>
+            <a:r>
+              <a:rPr lang="en-US" altLang="zh-CN"/>
+              <a:t>for i in tqdm(range(1000)):</a:t>
+            </a:r>
+            <a:endParaRPr lang="en-US" altLang="zh-CN"/>
           </a:p>
         </p:txBody>
       </p:sp>
@@ -14986,6 +15008,150 @@
 </file>
 
 <file path=ppt/slides/slide52.xml><?xml version="1.0" encoding="utf-8"?>
+<p:sld xmlns:a="http://schemas.openxmlformats.org/drawingml/2006/main" xmlns:r="http://schemas.openxmlformats.org/officeDocument/2006/relationships" xmlns:p="http://schemas.openxmlformats.org/presentationml/2006/main">
+  <p:cSld>
+    <p:spTree>
+      <p:nvGrpSpPr>
+        <p:cNvPr id="1" name=""/>
+        <p:cNvGrpSpPr/>
+        <p:nvPr/>
+      </p:nvGrpSpPr>
+      <p:grpSpPr/>
+      <p:sp>
+        <p:nvSpPr>
+          <p:cNvPr id="2" name="标题 1"/>
+          <p:cNvSpPr>
+            <a:spLocks noGrp="1"/>
+          </p:cNvSpPr>
+          <p:nvPr>
+            <p:ph type="title"/>
+          </p:nvPr>
+        </p:nvSpPr>
+        <p:spPr/>
+        <p:txBody>
+          <a:bodyPr/>
+          <a:p>
+            <a:r>
+              <a:rPr lang="en-US" altLang="zh-CN"/>
+              <a:t>filetype</a:t>
+            </a:r>
+            <a:endParaRPr lang="en-US" altLang="zh-CN"/>
+          </a:p>
+        </p:txBody>
+      </p:sp>
+      <p:sp>
+        <p:nvSpPr>
+          <p:cNvPr id="3" name="内容占位符 2"/>
+          <p:cNvSpPr>
+            <a:spLocks noGrp="1"/>
+          </p:cNvSpPr>
+          <p:nvPr>
+            <p:ph idx="1"/>
+          </p:nvPr>
+        </p:nvSpPr>
+        <p:spPr/>
+        <p:txBody>
+          <a:bodyPr/>
+          <a:p>
+            <a:r>
+              <a:rPr lang="en-US" altLang="zh-CN"/>
+              <a:t>Usage</a:t>
+            </a:r>
+            <a:endParaRPr lang="en-US" altLang="zh-CN"/>
+          </a:p>
+          <a:p>
+            <a:pPr lvl="1"/>
+            <a:r>
+              <a:rPr lang="en-US" altLang="zh-CN"/>
+              <a:t>import filetype</a:t>
+            </a:r>
+            <a:endParaRPr lang="en-US" altLang="zh-CN"/>
+          </a:p>
+          <a:p>
+            <a:pPr lvl="1"/>
+            <a:r>
+              <a:rPr lang="en-US" altLang="zh-CN"/>
+              <a:t>f_type = filetype.guess(fn)</a:t>
+            </a:r>
+            <a:endParaRPr lang="en-US" altLang="zh-CN"/>
+          </a:p>
+          <a:p>
+            <a:pPr lvl="1"/>
+            <a:r>
+              <a:rPr lang="en-US" altLang="zh-CN"/>
+              <a:t>f_type.mime.find(‘image’)</a:t>
+            </a:r>
+            <a:endParaRPr lang="en-US" altLang="zh-CN"/>
+          </a:p>
+        </p:txBody>
+      </p:sp>
+    </p:spTree>
+  </p:cSld>
+  <p:clrMapOvr>
+    <a:masterClrMapping/>
+  </p:clrMapOvr>
+</p:sld>
+</file>
+
+<file path=ppt/slides/slide53.xml><?xml version="1.0" encoding="utf-8"?>
+<p:sld xmlns:a="http://schemas.openxmlformats.org/drawingml/2006/main" xmlns:r="http://schemas.openxmlformats.org/officeDocument/2006/relationships" xmlns:p="http://schemas.openxmlformats.org/presentationml/2006/main">
+  <p:cSld>
+    <p:spTree>
+      <p:nvGrpSpPr>
+        <p:cNvPr id="1" name=""/>
+        <p:cNvGrpSpPr/>
+        <p:nvPr/>
+      </p:nvGrpSpPr>
+      <p:grpSpPr/>
+      <p:sp>
+        <p:nvSpPr>
+          <p:cNvPr id="4" name="标题 3"/>
+          <p:cNvSpPr>
+            <a:spLocks noGrp="1"/>
+          </p:cNvSpPr>
+          <p:nvPr>
+            <p:ph type="title"/>
+          </p:nvPr>
+        </p:nvSpPr>
+        <p:spPr/>
+        <p:txBody>
+          <a:bodyPr/>
+          <a:p>
+            <a:r>
+              <a:rPr lang="en-US" altLang="zh-CN"/>
+              <a:t>Multimedia</a:t>
+            </a:r>
+            <a:endParaRPr lang="en-US" altLang="zh-CN"/>
+          </a:p>
+        </p:txBody>
+      </p:sp>
+      <p:sp>
+        <p:nvSpPr>
+          <p:cNvPr id="5" name="文本占位符 4"/>
+          <p:cNvSpPr>
+            <a:spLocks noGrp="1"/>
+          </p:cNvSpPr>
+          <p:nvPr>
+            <p:ph type="body" idx="1"/>
+          </p:nvPr>
+        </p:nvSpPr>
+        <p:spPr/>
+        <p:txBody>
+          <a:bodyPr/>
+          <a:p>
+            <a:endParaRPr lang="zh-CN" altLang="en-US"/>
+          </a:p>
+        </p:txBody>
+      </p:sp>
+    </p:spTree>
+  </p:cSld>
+  <p:clrMapOvr>
+    <a:masterClrMapping/>
+  </p:clrMapOvr>
+</p:sld>
+</file>
+
+<file path=ppt/slides/slide54.xml><?xml version="1.0" encoding="utf-8"?>
 <p:sld xmlns:a="http://schemas.openxmlformats.org/drawingml/2006/main" xmlns:r="http://schemas.openxmlformats.org/officeDocument/2006/relationships" xmlns:p="http://schemas.openxmlformats.org/presentationml/2006/main">
   <p:cSld>
     <p:spTree>
@@ -15636,7 +15802,7 @@
 </p:sld>
 </file>
 
-<file path=ppt/slides/slide53.xml><?xml version="1.0" encoding="utf-8"?>
+<file path=ppt/slides/slide55.xml><?xml version="1.0" encoding="utf-8"?>
 <p:sld xmlns:a="http://schemas.openxmlformats.org/drawingml/2006/main" xmlns:r="http://schemas.openxmlformats.org/officeDocument/2006/relationships" xmlns:p="http://schemas.openxmlformats.org/presentationml/2006/main">
   <p:cSld>
     <p:spTree>
@@ -15722,7 +15888,7 @@
 </p:sld>
 </file>
 
-<file path=ppt/slides/slide54.xml><?xml version="1.0" encoding="utf-8"?>
+<file path=ppt/slides/slide56.xml><?xml version="1.0" encoding="utf-8"?>
 <p:sld xmlns:a="http://schemas.openxmlformats.org/drawingml/2006/main" xmlns:r="http://schemas.openxmlformats.org/officeDocument/2006/relationships" xmlns:p="http://schemas.openxmlformats.org/presentationml/2006/main">
   <p:cSld>
     <p:spTree>
@@ -15798,7 +15964,7 @@
 </p:sld>
 </file>
 
-<file path=ppt/slides/slide55.xml><?xml version="1.0" encoding="utf-8"?>
+<file path=ppt/slides/slide57.xml><?xml version="1.0" encoding="utf-8"?>
 <p:sld xmlns:a="http://schemas.openxmlformats.org/drawingml/2006/main" xmlns:r="http://schemas.openxmlformats.org/officeDocument/2006/relationships" xmlns:p="http://schemas.openxmlformats.org/presentationml/2006/main">
   <p:cSld>
     <p:spTree>
@@ -16247,7 +16413,7 @@
 </p:sld>
 </file>
 
-<file path=ppt/slides/slide56.xml><?xml version="1.0" encoding="utf-8"?>
+<file path=ppt/slides/slide58.xml><?xml version="1.0" encoding="utf-8"?>
 <p:sld xmlns:a="http://schemas.openxmlformats.org/drawingml/2006/main" xmlns:r="http://schemas.openxmlformats.org/officeDocument/2006/relationships" xmlns:p="http://schemas.openxmlformats.org/presentationml/2006/main">
   <p:cSld>
     <p:spTree>
@@ -16736,7 +16902,7 @@
 </p:sld>
 </file>
 
-<file path=ppt/slides/slide57.xml><?xml version="1.0" encoding="utf-8"?>
+<file path=ppt/slides/slide59.xml><?xml version="1.0" encoding="utf-8"?>
 <p:sld xmlns:a="http://schemas.openxmlformats.org/drawingml/2006/main" xmlns:r="http://schemas.openxmlformats.org/officeDocument/2006/relationships" xmlns:p="http://schemas.openxmlformats.org/presentationml/2006/main">
   <p:cSld>
     <p:spTree>
@@ -16794,7 +16960,7 @@
 </p:sld>
 </file>
 
-<file path=ppt/slides/slide58.xml><?xml version="1.0" encoding="utf-8"?>
+<file path=ppt/slides/slide6.xml><?xml version="1.0" encoding="utf-8"?>
 <p:sld xmlns:a="http://schemas.openxmlformats.org/drawingml/2006/main" xmlns:r="http://schemas.openxmlformats.org/officeDocument/2006/relationships" xmlns:p="http://schemas.openxmlformats.org/presentationml/2006/main">
   <p:cSld>
     <p:spTree>
@@ -16806,7 +16972,7 @@
       <p:grpSpPr/>
       <p:sp>
         <p:nvSpPr>
-          <p:cNvPr id="2" name="Title 1"/>
+          <p:cNvPr id="2" name="标题 1"/>
           <p:cNvSpPr>
             <a:spLocks noGrp="1"/>
           </p:cNvSpPr>
@@ -16819,16 +16985,16 @@
           <a:bodyPr/>
           <a:p>
             <a:r>
-              <a:rPr lang="x-none" altLang="en-US"/>
-              <a:t>3D</a:t>
-            </a:r>
-            <a:endParaRPr lang="x-none" altLang="en-US"/>
-          </a:p>
-        </p:txBody>
-      </p:sp>
-      <p:sp>
-        <p:nvSpPr>
-          <p:cNvPr id="3" name="Content Placeholder 2"/>
+              <a:rPr lang="en-US" altLang="zh-CN"/>
+              <a:t>Anaconda</a:t>
+            </a:r>
+            <a:endParaRPr lang="en-US" altLang="zh-CN"/>
+          </a:p>
+        </p:txBody>
+      </p:sp>
+      <p:sp>
+        <p:nvSpPr>
+          <p:cNvPr id="3" name="内容占位符 2"/>
           <p:cNvSpPr>
             <a:spLocks noGrp="1"/>
           </p:cNvSpPr>
@@ -16839,7 +17005,7 @@
         <p:spPr>
           <a:xfrm>
             <a:off x="838200" y="1211580"/>
-            <a:ext cx="5969635" cy="4736465"/>
+            <a:ext cx="5399405" cy="5188585"/>
           </a:xfrm>
         </p:spPr>
         <p:txBody>
@@ -16849,158 +17015,267 @@
           <a:p>
             <a:pPr lvl="0"/>
             <a:r>
-              <a:rPr lang="en-US" altLang="x-none" sz="1800"/>
-              <a:t>L</a:t>
-            </a:r>
-            <a:r>
-              <a:rPr lang="x-none" altLang="en-US" sz="1800"/>
-              <a:t>oad model</a:t>
-            </a:r>
-            <a:r>
-              <a:rPr lang="en-US" altLang="x-none" sz="1800"/>
-              <a:t>s</a:t>
-            </a:r>
-            <a:endParaRPr lang="x-none" altLang="en-US" sz="1800"/>
-          </a:p>
-          <a:p>
-            <a:pPr lvl="1"/>
-            <a:r>
-              <a:rPr lang="x-none" altLang="en-US" sz="1600"/>
-              <a:t>objloader</a:t>
-            </a:r>
-            <a:r>
-              <a:rPr lang="en-US" altLang="x-none" sz="1600"/>
-              <a:t>, plyfile, PyAssimp, pyntcloud, PyMesh, pptk</a:t>
-            </a:r>
-            <a:endParaRPr lang="en-US" altLang="x-none" sz="1600"/>
-          </a:p>
-          <a:p>
-            <a:pPr lvl="0"/>
-            <a:r>
-              <a:rPr lang="x-none" altLang="en-US" sz="1800"/>
-              <a:t>3D math functions</a:t>
-            </a:r>
-            <a:endParaRPr lang="x-none" altLang="en-US" sz="1800"/>
-          </a:p>
-          <a:p>
-            <a:pPr lvl="1"/>
-            <a:r>
-              <a:rPr lang="x-none" altLang="en-US" sz="1600"/>
-              <a:t>pip install pyrr</a:t>
-            </a:r>
-            <a:endParaRPr lang="x-none" altLang="en-US" sz="1600"/>
-          </a:p>
-          <a:p>
-            <a:pPr lvl="0"/>
-            <a:r>
-              <a:rPr lang="en-US" altLang="x-none" sz="1800"/>
-              <a:t>Rendering</a:t>
-            </a:r>
-            <a:endParaRPr lang="en-US" altLang="x-none" sz="1800"/>
-          </a:p>
-          <a:p>
-            <a:pPr lvl="1"/>
-            <a:r>
-              <a:rPr lang="en-US" altLang="x-none" sz="1600"/>
-              <a:t>Open3D</a:t>
-            </a:r>
-            <a:endParaRPr lang="en-US" altLang="x-none" sz="1600"/>
-          </a:p>
-          <a:p>
-            <a:pPr lvl="2"/>
-            <a:r>
-              <a:rPr lang="en-US" altLang="x-none" sz="1400">
+              <a:rPr lang="en-US" altLang="zh-CN" sz="1600">
                 <a:sym typeface="+mn-ea"/>
               </a:rPr>
-              <a:t>https://github.com/IntelVCL/Open3D</a:t>
-            </a:r>
-            <a:endParaRPr lang="en-US" altLang="x-none" sz="1400"/>
-          </a:p>
-          <a:p>
-            <a:pPr lvl="2"/>
-            <a:r>
-              <a:rPr lang="en-US" altLang="x-none" sz="1400"/>
-              <a:t>pip install open3d</a:t>
-            </a:r>
-            <a:endParaRPr lang="en-US" altLang="x-none" sz="1400"/>
-          </a:p>
-          <a:p>
-            <a:pPr lvl="1"/>
-            <a:r>
-              <a:rPr lang="en-US" altLang="x-none" sz="1600"/>
-              <a:t>PyOpenGL</a:t>
-            </a:r>
-            <a:endParaRPr lang="en-US" altLang="x-none" sz="1600"/>
-          </a:p>
-          <a:p>
-            <a:pPr lvl="1"/>
-            <a:r>
-              <a:rPr lang="en-US" altLang="x-none" sz="1600"/>
-              <a:t>ModernGL</a:t>
-            </a:r>
-            <a:endParaRPr lang="en-US" altLang="x-none" sz="1600"/>
-          </a:p>
-          <a:p>
-            <a:pPr lvl="2"/>
-            <a:r>
-              <a:rPr lang="en-US" altLang="x-none" sz="1400"/>
-              <a:t>Simpler and faster than PyOpenGL</a:t>
-            </a:r>
-            <a:endParaRPr lang="en-US" altLang="x-none" sz="1400"/>
-          </a:p>
-          <a:p>
-            <a:pPr lvl="2"/>
-            <a:r>
-              <a:rPr lang="en-US" altLang="x-none" sz="1400"/>
-              <a:t>Can render without a window</a:t>
-            </a:r>
-            <a:endParaRPr lang="en-US" altLang="x-none" sz="1400"/>
-          </a:p>
-          <a:p>
-            <a:pPr lvl="2"/>
-            <a:r>
-              <a:rPr lang="en-US" altLang="x-none" sz="1400"/>
-              <a:t>100% Pythonic</a:t>
-            </a:r>
-            <a:endParaRPr lang="en-US" altLang="x-none" sz="1400"/>
-          </a:p>
-          <a:p>
-            <a:pPr lvl="2"/>
-            <a:r>
-              <a:rPr lang="en-US" altLang="x-none" sz="1400"/>
-              <a:t>pip install moderngl</a:t>
-            </a:r>
-            <a:endParaRPr lang="en-US" altLang="x-none" sz="1400"/>
-          </a:p>
-          <a:p>
-            <a:pPr lvl="1"/>
-            <a:r>
-              <a:rPr lang="en-US" altLang="x-none" sz="1600"/>
-              <a:t>VTK</a:t>
-            </a:r>
-            <a:endParaRPr lang="en-US" altLang="x-none" sz="1600"/>
-          </a:p>
-          <a:p>
-            <a:pPr lvl="2"/>
-            <a:r>
-              <a:rPr lang="en-US" altLang="x-none" sz="1400"/>
-              <a:t>https://vtk.org/</a:t>
-            </a:r>
-            <a:endParaRPr lang="en-US" altLang="x-none" sz="1400"/>
-          </a:p>
-          <a:p>
-            <a:pPr lvl="2"/>
-            <a:r>
-              <a:rPr lang="en-US" altLang="x-none" sz="1400"/>
-              <a:t>pip install vtk</a:t>
-            </a:r>
-            <a:endParaRPr lang="en-US" altLang="x-none" sz="1400"/>
-          </a:p>
-        </p:txBody>
-      </p:sp>
-      <p:sp>
-        <p:nvSpPr>
-          <p:cNvPr id="5" name="Content Placeholder 2"/>
+              <a:t>Install Anaconda</a:t>
+            </a:r>
+            <a:endParaRPr lang="en-US" altLang="zh-CN" sz="1600"/>
+          </a:p>
+          <a:p>
+            <a:pPr lvl="1"/>
+            <a:r>
+              <a:rPr lang="en-US" altLang="zh-CN" sz="1600">
+                <a:sym typeface="+mn-ea"/>
+              </a:rPr>
+              <a:t>https://mirrors.tuna.tsinghua.edu.cn/anaconda/archive/</a:t>
+            </a:r>
+            <a:endParaRPr lang="en-US" altLang="zh-CN" sz="1600">
+              <a:sym typeface="+mn-ea"/>
+            </a:endParaRPr>
+          </a:p>
+          <a:p>
+            <a:pPr lvl="1"/>
+            <a:r>
+              <a:rPr lang="en-US" altLang="zh-CN" sz="1600">
+                <a:sym typeface="+mn-ea"/>
+              </a:rPr>
+              <a:t>Anaconda2 includes python 2.7, Anaconda3 includes python 3.7</a:t>
+            </a:r>
+            <a:endParaRPr lang="en-US" altLang="zh-CN" sz="1600">
+              <a:sym typeface="+mn-ea"/>
+            </a:endParaRPr>
+          </a:p>
+          <a:p>
+            <a:pPr lvl="1"/>
+            <a:r>
+              <a:rPr lang="en-US" altLang="zh-CN" sz="1600"/>
+              <a:t>Anaconda3-2020.11-Linux-x86_64.sh</a:t>
+            </a:r>
+            <a:r>
+              <a:rPr lang="en-US" altLang="zh-CN" sz="1600">
+                <a:sym typeface="+mn-ea"/>
+              </a:rPr>
+              <a:t> python3.8.5</a:t>
+            </a:r>
+            <a:endParaRPr lang="en-US" altLang="zh-CN" sz="1600"/>
+          </a:p>
+          <a:p>
+            <a:r>
+              <a:rPr lang="en-US" altLang="zh-CN" sz="1600"/>
+              <a:t>Generate $HOME/.condarc</a:t>
+            </a:r>
+            <a:endParaRPr lang="en-US" altLang="zh-CN" sz="1600"/>
+          </a:p>
+          <a:p>
+            <a:pPr lvl="1"/>
+            <a:r>
+              <a:rPr lang="zh-CN" altLang="en-US" sz="1400"/>
+              <a:t>conda config --set show_channel_urls yes</a:t>
+            </a:r>
+            <a:endParaRPr lang="zh-CN" altLang="en-US" sz="1400"/>
+          </a:p>
+          <a:p>
+            <a:pPr lvl="0"/>
+            <a:r>
+              <a:rPr lang="en-US" altLang="zh-CN" sz="1600"/>
+              <a:t>Configure Tsinghua mirror</a:t>
+            </a:r>
+            <a:endParaRPr lang="en-US" altLang="zh-CN" sz="1600"/>
+          </a:p>
+          <a:p>
+            <a:pPr lvl="1"/>
+            <a:r>
+              <a:rPr lang="en-US" altLang="zh-CN" sz="1400"/>
+              <a:t>conda info #check</a:t>
+            </a:r>
+            <a:endParaRPr lang="en-US" altLang="zh-CN" sz="1400"/>
+          </a:p>
+          <a:p>
+            <a:pPr lvl="0"/>
+            <a:r>
+              <a:rPr lang="en-US" altLang="zh-CN" sz="1600"/>
+              <a:t>Create virtualenv</a:t>
+            </a:r>
+            <a:endParaRPr lang="en-US" altLang="zh-CN" sz="1600"/>
+          </a:p>
+          <a:p>
+            <a:pPr lvl="1"/>
+            <a:r>
+              <a:rPr lang="en-US" altLang="zh-CN" sz="1400"/>
+              <a:t>conda create -n py3.8 python=3.8</a:t>
+            </a:r>
+            <a:endParaRPr lang="en-US" altLang="zh-CN" sz="1400"/>
+          </a:p>
+          <a:p>
+            <a:pPr lvl="1"/>
+            <a:r>
+              <a:rPr lang="en-US" altLang="zh-CN" sz="1400"/>
+              <a:t>conda activate py3.8</a:t>
+            </a:r>
+            <a:endParaRPr lang="en-US" altLang="zh-CN" sz="1400"/>
+          </a:p>
+          <a:p>
+            <a:pPr lvl="1"/>
+            <a:r>
+              <a:rPr lang="en-US" altLang="zh-CN" sz="1400"/>
+              <a:t>conda deactivate</a:t>
+            </a:r>
+            <a:endParaRPr lang="en-US" altLang="zh-CN" sz="1400"/>
+          </a:p>
+          <a:p>
+            <a:pPr lvl="1"/>
+            <a:r>
+              <a:rPr lang="en-US" altLang="zh-CN" sz="1400"/>
+              <a:t>conda env remove --name py3.8</a:t>
+            </a:r>
+            <a:endParaRPr lang="en-US" altLang="zh-CN" sz="1400"/>
+          </a:p>
+          <a:p>
+            <a:pPr lvl="1"/>
+            <a:r>
+              <a:rPr lang="en-US" altLang="zh-CN" sz="1400"/>
+              <a:t>conda info --envs</a:t>
+            </a:r>
+            <a:endParaRPr lang="en-US" altLang="zh-CN" sz="1400"/>
+          </a:p>
+        </p:txBody>
+      </p:sp>
+      <p:sp>
+        <p:nvSpPr>
+          <p:cNvPr id="4" name="文本框 3"/>
+          <p:cNvSpPr txBox="1"/>
+          <p:nvPr/>
+        </p:nvSpPr>
+        <p:spPr>
+          <a:xfrm>
+            <a:off x="6689725" y="4000500"/>
+            <a:ext cx="4750435" cy="2399665"/>
+          </a:xfrm>
+          <a:prstGeom prst="rect">
+            <a:avLst/>
+          </a:prstGeom>
+          <a:noFill/>
+          <a:ln>
+            <a:solidFill>
+              <a:srgbClr val="FFC000"/>
+            </a:solidFill>
+          </a:ln>
+        </p:spPr>
+        <p:txBody>
+          <a:bodyPr wrap="square" rtlCol="0">
+            <a:spAutoFit/>
+          </a:bodyPr>
+          <a:p>
+            <a:r>
+              <a:rPr lang="en-US" altLang="zh-CN" sz="1000"/>
+              <a:t>#.condarc</a:t>
+            </a:r>
+            <a:endParaRPr lang="zh-CN" altLang="en-US" sz="1000"/>
+          </a:p>
+          <a:p>
+            <a:r>
+              <a:rPr lang="zh-CN" altLang="en-US" sz="1000"/>
+              <a:t>channels:</a:t>
+            </a:r>
+            <a:endParaRPr lang="zh-CN" altLang="en-US" sz="1000"/>
+          </a:p>
+          <a:p>
+            <a:r>
+              <a:rPr lang="zh-CN" altLang="en-US" sz="1000"/>
+              <a:t>  - defaults</a:t>
+            </a:r>
+            <a:endParaRPr lang="zh-CN" altLang="en-US" sz="1000"/>
+          </a:p>
+          <a:p>
+            <a:r>
+              <a:rPr lang="zh-CN" altLang="en-US" sz="1000"/>
+              <a:t>show_channel_urls: true</a:t>
+            </a:r>
+            <a:endParaRPr lang="zh-CN" altLang="en-US" sz="1000"/>
+          </a:p>
+          <a:p>
+            <a:r>
+              <a:rPr lang="zh-CN" altLang="en-US" sz="1000"/>
+              <a:t>default_channels:</a:t>
+            </a:r>
+            <a:endParaRPr lang="zh-CN" altLang="en-US" sz="1000"/>
+          </a:p>
+          <a:p>
+            <a:r>
+              <a:rPr lang="zh-CN" altLang="en-US" sz="1000"/>
+              <a:t>  - https://mirrors.tuna.tsinghua.edu.cn/anaconda/pkgs/main</a:t>
+            </a:r>
+            <a:endParaRPr lang="zh-CN" altLang="en-US" sz="1000"/>
+          </a:p>
+          <a:p>
+            <a:r>
+              <a:rPr lang="zh-CN" altLang="en-US" sz="1000"/>
+              <a:t>  - https://mirrors.tuna.tsinghua.edu.cn/anaconda/pkgs/free</a:t>
+            </a:r>
+            <a:endParaRPr lang="zh-CN" altLang="en-US" sz="1000"/>
+          </a:p>
+          <a:p>
+            <a:r>
+              <a:rPr lang="zh-CN" altLang="en-US" sz="1000"/>
+              <a:t>  - https://mirrors.tuna.tsinghua.edu.cn/anaconda/pkgs/r</a:t>
+            </a:r>
+            <a:endParaRPr lang="zh-CN" altLang="en-US" sz="1000"/>
+          </a:p>
+          <a:p>
+            <a:r>
+              <a:rPr lang="zh-CN" altLang="en-US" sz="1000"/>
+              <a:t>custom_channels:</a:t>
+            </a:r>
+            <a:endParaRPr lang="zh-CN" altLang="en-US" sz="1000"/>
+          </a:p>
+          <a:p>
+            <a:r>
+              <a:rPr lang="zh-CN" altLang="en-US" sz="1000"/>
+              <a:t>  conda-forge: https://mirrors.tuna.tsinghua.edu.cn/anaconda/cloud</a:t>
+            </a:r>
+            <a:endParaRPr lang="zh-CN" altLang="en-US" sz="1000"/>
+          </a:p>
+          <a:p>
+            <a:r>
+              <a:rPr lang="zh-CN" altLang="en-US" sz="1000"/>
+              <a:t>  msys2: https://mirrors.tuna.tsinghua.edu.cn/anaconda/cloud</a:t>
+            </a:r>
+            <a:endParaRPr lang="zh-CN" altLang="en-US" sz="1000"/>
+          </a:p>
+          <a:p>
+            <a:r>
+              <a:rPr lang="zh-CN" altLang="en-US" sz="1000"/>
+              <a:t>  bioconda: https://mirrors.tuna.tsinghua.edu.cn/anaconda/cloud</a:t>
+            </a:r>
+            <a:endParaRPr lang="zh-CN" altLang="en-US" sz="1000"/>
+          </a:p>
+          <a:p>
+            <a:r>
+              <a:rPr lang="zh-CN" altLang="en-US" sz="1000"/>
+              <a:t>  menpo: https://mirrors.tuna.tsinghua.edu.cn/anaconda/cloud</a:t>
+            </a:r>
+            <a:endParaRPr lang="zh-CN" altLang="en-US" sz="1000"/>
+          </a:p>
+          <a:p>
+            <a:r>
+              <a:rPr lang="zh-CN" altLang="en-US" sz="1000"/>
+              <a:t>  pytorch: https://mirrors.tuna.tsinghua.edu.cn/anaconda/cloud</a:t>
+            </a:r>
+            <a:endParaRPr lang="zh-CN" altLang="en-US" sz="1000"/>
+          </a:p>
+          <a:p>
+            <a:r>
+              <a:rPr lang="zh-CN" altLang="en-US" sz="1000"/>
+              <a:t>  simpleitk: https://mirrors.tuna.tsinghua.edu.cn/anaconda/cloud</a:t>
+            </a:r>
+            <a:endParaRPr lang="zh-CN" altLang="en-US" sz="1000"/>
+          </a:p>
+        </p:txBody>
+      </p:sp>
+      <p:sp>
+        <p:nvSpPr>
+          <p:cNvPr id="5" name="内容占位符 2"/>
           <p:cNvSpPr>
             <a:spLocks noGrp="1"/>
           </p:cNvSpPr>
@@ -17008,8 +17283,8 @@
         </p:nvSpPr>
         <p:spPr>
           <a:xfrm>
-            <a:off x="7035165" y="1125855"/>
-            <a:ext cx="5038725" cy="4736465"/>
+            <a:off x="6536055" y="1125220"/>
+            <a:ext cx="5249545" cy="2461895"/>
           </a:xfrm>
           <a:prstGeom prst="rect">
             <a:avLst/>
@@ -17186,82 +17461,114 @@
           <a:p>
             <a:pPr lvl="0"/>
             <a:r>
-              <a:rPr lang="en-US" sz="1800"/>
-              <a:t>OSMesa</a:t>
-            </a:r>
-            <a:endParaRPr lang="en-US" sz="1800"/>
-          </a:p>
-          <a:p>
-            <a:pPr lvl="1"/>
-            <a:r>
-              <a:rPr lang="en-US" sz="1600"/>
-              <a:t>Mesa's off-screen interface is used for rendering into user-allocated memory without any sort of window system or OS dependencies.</a:t>
-            </a:r>
-            <a:endParaRPr lang="en-US" sz="1600"/>
-          </a:p>
-          <a:p>
-            <a:pPr lvl="1"/>
-            <a:r>
-              <a:rPr lang="en-US" sz="1600"/>
-              <a:t>sudo apt-get install libosmesa6-dev</a:t>
-            </a:r>
-            <a:endParaRPr lang="en-US" sz="1600"/>
+              <a:rPr lang="en-US" altLang="zh-CN" sz="1400">
+                <a:sym typeface="+mn-ea"/>
+              </a:rPr>
+              <a:t>Package management</a:t>
+            </a:r>
+            <a:endParaRPr lang="en-US" altLang="zh-CN" sz="1400"/>
+          </a:p>
+          <a:p>
+            <a:pPr lvl="1"/>
+            <a:r>
+              <a:rPr lang="en-US" altLang="zh-CN" sz="1200">
+                <a:sym typeface="+mn-ea"/>
+              </a:rPr>
+              <a:t>conda update -n base -c defaults conda</a:t>
+            </a:r>
+            <a:endParaRPr lang="en-US" altLang="zh-CN" sz="1200"/>
+          </a:p>
+          <a:p>
+            <a:pPr lvl="1"/>
+            <a:r>
+              <a:rPr lang="en-US" altLang="zh-CN" sz="1200">
+                <a:sym typeface="+mn-ea"/>
+              </a:rPr>
+              <a:t>conda list	# list package</a:t>
+            </a:r>
+            <a:endParaRPr lang="en-US" altLang="zh-CN" sz="1200">
+              <a:sym typeface="+mn-ea"/>
+            </a:endParaRPr>
+          </a:p>
+          <a:p>
+            <a:pPr lvl="1"/>
+            <a:r>
+              <a:rPr lang="en-US" altLang="zh-CN" sz="1200">
+                <a:sym typeface="+mn-ea"/>
+              </a:rPr>
+              <a:t>conda list -e &gt;requirements.txt</a:t>
+            </a:r>
+            <a:endParaRPr lang="en-US" altLang="zh-CN" sz="1200"/>
+          </a:p>
+          <a:p>
+            <a:pPr lvl="1"/>
+            <a:r>
+              <a:rPr lang="en-US" altLang="zh-CN" sz="1200">
+                <a:sym typeface="+mn-ea"/>
+              </a:rPr>
+              <a:t>conda search package</a:t>
+            </a:r>
+            <a:endParaRPr lang="en-US" altLang="zh-CN" sz="1200"/>
+          </a:p>
+          <a:p>
+            <a:pPr lvl="1"/>
+            <a:r>
+              <a:rPr lang="en-US" altLang="zh-CN" sz="1200">
+                <a:sym typeface="+mn-ea"/>
+              </a:rPr>
+              <a:t>conda install -y package=version</a:t>
+            </a:r>
+            <a:endParaRPr lang="en-US" altLang="zh-CN" sz="1200"/>
+          </a:p>
+          <a:p>
+            <a:pPr lvl="1"/>
+            <a:r>
+              <a:rPr lang="en-US" altLang="zh-CN" sz="1200">
+                <a:sym typeface="+mn-ea"/>
+              </a:rPr>
+              <a:t>conda remove package</a:t>
+            </a:r>
+            <a:endParaRPr lang="en-US" altLang="zh-CN" sz="1200"/>
+          </a:p>
+          <a:p>
+            <a:pPr lvl="1"/>
+            <a:r>
+              <a:rPr lang="en-US" altLang="zh-CN" sz="1200">
+                <a:sym typeface="+mn-ea"/>
+              </a:rPr>
+              <a:t>conda install -c conda-forge opencv</a:t>
+            </a:r>
+            <a:endParaRPr lang="en-US" altLang="zh-CN" sz="1200"/>
+          </a:p>
+          <a:p>
+            <a:pPr lvl="1"/>
+            <a:r>
+              <a:rPr lang="en-US" altLang="zh-CN" sz="1200">
+                <a:sym typeface="+mn-ea"/>
+              </a:rPr>
+              <a:t>conda install -c conda-forge matplotlib</a:t>
+            </a:r>
+            <a:endParaRPr lang="en-US" altLang="zh-CN" sz="1200"/>
           </a:p>
           <a:p>
             <a:pPr lvl="0"/>
             <a:r>
-              <a:rPr lang="en-US" sz="1725"/>
-              <a:t>Panda3D</a:t>
-            </a:r>
-            <a:endParaRPr lang="en-US" sz="1725"/>
-          </a:p>
-          <a:p>
-            <a:pPr lvl="1"/>
-            <a:r>
-              <a:rPr lang="en-US" sz="1435"/>
-              <a:t>pip install panda3d==1.10.8</a:t>
-            </a:r>
-            <a:endParaRPr lang="en-US" sz="1435"/>
-          </a:p>
-          <a:p>
-            <a:pPr lvl="1"/>
-            <a:r>
-              <a:rPr lang="en-US" sz="1435"/>
-              <a:t>https://github.com/panda3d/panda3d</a:t>
-            </a:r>
-            <a:endParaRPr lang="en-US" sz="1435"/>
-          </a:p>
-          <a:p>
-            <a:pPr lvl="1"/>
-            <a:r>
-              <a:rPr lang="en-US" sz="1435"/>
-              <a:t>work on both Windows and Linux</a:t>
-            </a:r>
-            <a:endParaRPr lang="en-US" sz="1435"/>
-          </a:p>
-          <a:p>
-            <a:pPr lvl="0"/>
-            <a:r>
-              <a:rPr lang="en-US" sz="1720"/>
-              <a:t>Panda3DViewer</a:t>
-            </a:r>
-            <a:endParaRPr lang="en-US" sz="1720"/>
-          </a:p>
-          <a:p>
-            <a:pPr lvl="1"/>
-            <a:r>
-              <a:rPr lang="en-US" sz="1430"/>
-              <a:t>based on Panda3D</a:t>
-            </a:r>
-            <a:endParaRPr lang="en-US" sz="1430"/>
-          </a:p>
-          <a:p>
-            <a:pPr lvl="1"/>
-            <a:r>
-              <a:rPr lang="en-US" sz="1430"/>
-              <a:t>https://github.com/ikalevatykh/panda3d_viewer</a:t>
-            </a:r>
-            <a:endParaRPr lang="en-US" sz="1430"/>
+              <a:rPr lang="en-US" altLang="zh-CN" sz="1400"/>
+              <a:t>Docker</a:t>
+            </a:r>
+            <a:endParaRPr lang="en-US" altLang="zh-CN" sz="1400"/>
+          </a:p>
+          <a:p>
+            <a:pPr lvl="1"/>
+            <a:r>
+              <a:rPr lang="en-US" altLang="zh-CN" sz="1200">
+                <a:sym typeface="+mn-ea"/>
+              </a:rPr>
+              <a:t>http://www.science.smith.edu/dftwiki/index.php/Tutorial:_Docker_Anaconda_Python_--_4#Option_2:_Dockerfile</a:t>
+            </a:r>
+            <a:endParaRPr lang="en-US" altLang="zh-CN" sz="1200">
+              <a:sym typeface="+mn-ea"/>
+            </a:endParaRPr>
           </a:p>
         </p:txBody>
       </p:sp>
@@ -17273,7 +17580,7 @@
 </p:sld>
 </file>
 
-<file path=ppt/slides/slide59.xml><?xml version="1.0" encoding="utf-8"?>
+<file path=ppt/slides/slide60.xml><?xml version="1.0" encoding="utf-8"?>
 <p:sld xmlns:a="http://schemas.openxmlformats.org/drawingml/2006/main" xmlns:r="http://schemas.openxmlformats.org/officeDocument/2006/relationships" xmlns:p="http://schemas.openxmlformats.org/presentationml/2006/main">
   <p:cSld>
     <p:spTree>
@@ -17285,7 +17592,7 @@
       <p:grpSpPr/>
       <p:sp>
         <p:nvSpPr>
-          <p:cNvPr id="2" name="标题 1"/>
+          <p:cNvPr id="2" name="Title 1"/>
           <p:cNvSpPr>
             <a:spLocks noGrp="1"/>
           </p:cNvSpPr>
@@ -17298,16 +17605,16 @@
           <a:bodyPr/>
           <a:p>
             <a:r>
-              <a:rPr lang="en-US" altLang="zh-CN"/>
-              <a:t>Open3D</a:t>
-            </a:r>
-            <a:endParaRPr lang="en-US" altLang="zh-CN"/>
-          </a:p>
-        </p:txBody>
-      </p:sp>
-      <p:sp>
-        <p:nvSpPr>
-          <p:cNvPr id="3" name="内容占位符 2"/>
+              <a:rPr lang="x-none" altLang="en-US"/>
+              <a:t>3D</a:t>
+            </a:r>
+            <a:endParaRPr lang="x-none" altLang="en-US"/>
+          </a:p>
+        </p:txBody>
+      </p:sp>
+      <p:sp>
+        <p:nvSpPr>
+          <p:cNvPr id="3" name="Content Placeholder 2"/>
           <p:cNvSpPr>
             <a:spLocks noGrp="1"/>
           </p:cNvSpPr>
@@ -17315,152 +17622,10 @@
             <p:ph idx="1"/>
           </p:nvPr>
         </p:nvSpPr>
-        <p:spPr/>
-        <p:txBody>
-          <a:bodyPr/>
-          <a:p>
-            <a:r>
-              <a:rPr lang="en-US" altLang="zh-CN"/>
-              <a:t>Install</a:t>
-            </a:r>
-            <a:endParaRPr lang="en-US" altLang="zh-CN"/>
-          </a:p>
-          <a:p>
-            <a:pPr lvl="1"/>
-            <a:r>
-              <a:rPr lang="en-US" altLang="x-none">
-                <a:sym typeface="+mn-ea"/>
-              </a:rPr>
-              <a:t>pip install open3d</a:t>
-            </a:r>
-            <a:endParaRPr lang="en-US" altLang="x-none">
-              <a:sym typeface="+mn-ea"/>
-            </a:endParaRPr>
-          </a:p>
-          <a:p>
-            <a:pPr lvl="0"/>
-            <a:r>
-              <a:rPr lang="en-US" altLang="zh-CN"/>
-              <a:t>Headless rendering</a:t>
-            </a:r>
-            <a:endParaRPr lang="en-US" altLang="zh-CN"/>
-          </a:p>
-          <a:p>
-            <a:pPr lvl="1"/>
-            <a:r>
-              <a:rPr lang="en-US" altLang="zh-CN"/>
-              <a:t>sudo apt-get install libosmesa6-dev</a:t>
-            </a:r>
-            <a:endParaRPr lang="en-US" altLang="zh-CN"/>
-          </a:p>
-          <a:p>
-            <a:pPr lvl="1"/>
-            <a:r>
-              <a:rPr lang="en-US" altLang="zh-CN"/>
-              <a:t>Get sources</a:t>
-            </a:r>
-            <a:endParaRPr lang="en-US" altLang="zh-CN"/>
-          </a:p>
-          <a:p>
-            <a:pPr lvl="2"/>
-            <a:r>
-              <a:rPr lang="en-US" altLang="x-none">
-                <a:sym typeface="+mn-ea"/>
-              </a:rPr>
-              <a:t>git clone https://github.com/IntelVCL/Open3D</a:t>
-            </a:r>
-            <a:endParaRPr lang="en-US" altLang="x-none">
-              <a:sym typeface="+mn-ea"/>
-            </a:endParaRPr>
-          </a:p>
-          <a:p>
-            <a:pPr lvl="2"/>
-            <a:r>
-              <a:rPr lang="en-US" altLang="zh-CN"/>
-              <a:t>git submodule update --init --recursive</a:t>
-            </a:r>
-            <a:endParaRPr lang="en-US" altLang="zh-CN"/>
-          </a:p>
-          <a:p>
-            <a:pPr lvl="1"/>
-            <a:r>
-              <a:rPr lang="en-US" altLang="zh-CN"/>
-              <a:t>build Open3D with OSMesa</a:t>
-            </a:r>
-            <a:endParaRPr lang="en-US" altLang="zh-CN"/>
-          </a:p>
-          <a:p>
-            <a:pPr lvl="2"/>
-            <a:r>
-              <a:rPr lang="en-US" altLang="zh-CN"/>
-              <a:t>pip install pybind11</a:t>
-            </a:r>
-            <a:endParaRPr lang="en-US" altLang="zh-CN"/>
-          </a:p>
-          <a:p>
-            <a:pPr lvl="2"/>
-            <a:r>
-              <a:rPr lang="en-US" altLang="zh-CN"/>
-              <a:t>cmake -DENABLE_HEADLESS_RENDERING=ON -DBUILD_GUI=OFF -DUSE_SYSTEM_GLEW=OFF -DUSE_SYSTEM_GLFW=OFF ..</a:t>
-            </a:r>
-            <a:endParaRPr lang="en-US" altLang="zh-CN"/>
-          </a:p>
-        </p:txBody>
-      </p:sp>
-    </p:spTree>
-  </p:cSld>
-  <p:clrMapOvr>
-    <a:masterClrMapping/>
-  </p:clrMapOvr>
-</p:sld>
-</file>
-
-<file path=ppt/slides/slide6.xml><?xml version="1.0" encoding="utf-8"?>
-<p:sld xmlns:a="http://schemas.openxmlformats.org/drawingml/2006/main" xmlns:r="http://schemas.openxmlformats.org/officeDocument/2006/relationships" xmlns:p="http://schemas.openxmlformats.org/presentationml/2006/main">
-  <p:cSld>
-    <p:spTree>
-      <p:nvGrpSpPr>
-        <p:cNvPr id="1" name=""/>
-        <p:cNvGrpSpPr/>
-        <p:nvPr/>
-      </p:nvGrpSpPr>
-      <p:grpSpPr/>
-      <p:sp>
-        <p:nvSpPr>
-          <p:cNvPr id="2" name="标题 1"/>
-          <p:cNvSpPr>
-            <a:spLocks noGrp="1"/>
-          </p:cNvSpPr>
-          <p:nvPr>
-            <p:ph type="title"/>
-          </p:nvPr>
-        </p:nvSpPr>
-        <p:spPr/>
-        <p:txBody>
-          <a:bodyPr/>
-          <a:p>
-            <a:r>
-              <a:rPr lang="en-US" altLang="zh-CN"/>
-              <a:t>Anaconda</a:t>
-            </a:r>
-            <a:endParaRPr lang="en-US" altLang="zh-CN"/>
-          </a:p>
-        </p:txBody>
-      </p:sp>
-      <p:sp>
-        <p:nvSpPr>
-          <p:cNvPr id="3" name="内容占位符 2"/>
-          <p:cNvSpPr>
-            <a:spLocks noGrp="1"/>
-          </p:cNvSpPr>
-          <p:nvPr>
-            <p:ph idx="1"/>
-          </p:nvPr>
-        </p:nvSpPr>
         <p:spPr>
           <a:xfrm>
             <a:off x="838200" y="1211580"/>
-            <a:ext cx="5399405" cy="5188585"/>
+            <a:ext cx="5969635" cy="4736465"/>
           </a:xfrm>
         </p:spPr>
         <p:txBody>
@@ -17470,267 +17635,158 @@
           <a:p>
             <a:pPr lvl="0"/>
             <a:r>
-              <a:rPr lang="en-US" altLang="zh-CN" sz="1600">
+              <a:rPr lang="en-US" altLang="x-none" sz="1800"/>
+              <a:t>L</a:t>
+            </a:r>
+            <a:r>
+              <a:rPr lang="x-none" altLang="en-US" sz="1800"/>
+              <a:t>oad model</a:t>
+            </a:r>
+            <a:r>
+              <a:rPr lang="en-US" altLang="x-none" sz="1800"/>
+              <a:t>s</a:t>
+            </a:r>
+            <a:endParaRPr lang="x-none" altLang="en-US" sz="1800"/>
+          </a:p>
+          <a:p>
+            <a:pPr lvl="1"/>
+            <a:r>
+              <a:rPr lang="x-none" altLang="en-US" sz="1600"/>
+              <a:t>objloader</a:t>
+            </a:r>
+            <a:r>
+              <a:rPr lang="en-US" altLang="x-none" sz="1600"/>
+              <a:t>, plyfile, PyAssimp, pyntcloud, PyMesh, pptk</a:t>
+            </a:r>
+            <a:endParaRPr lang="en-US" altLang="x-none" sz="1600"/>
+          </a:p>
+          <a:p>
+            <a:pPr lvl="0"/>
+            <a:r>
+              <a:rPr lang="x-none" altLang="en-US" sz="1800"/>
+              <a:t>3D math functions</a:t>
+            </a:r>
+            <a:endParaRPr lang="x-none" altLang="en-US" sz="1800"/>
+          </a:p>
+          <a:p>
+            <a:pPr lvl="1"/>
+            <a:r>
+              <a:rPr lang="x-none" altLang="en-US" sz="1600"/>
+              <a:t>pip install pyrr</a:t>
+            </a:r>
+            <a:endParaRPr lang="x-none" altLang="en-US" sz="1600"/>
+          </a:p>
+          <a:p>
+            <a:pPr lvl="0"/>
+            <a:r>
+              <a:rPr lang="en-US" altLang="x-none" sz="1800"/>
+              <a:t>Rendering</a:t>
+            </a:r>
+            <a:endParaRPr lang="en-US" altLang="x-none" sz="1800"/>
+          </a:p>
+          <a:p>
+            <a:pPr lvl="1"/>
+            <a:r>
+              <a:rPr lang="en-US" altLang="x-none" sz="1600"/>
+              <a:t>Open3D</a:t>
+            </a:r>
+            <a:endParaRPr lang="en-US" altLang="x-none" sz="1600"/>
+          </a:p>
+          <a:p>
+            <a:pPr lvl="2"/>
+            <a:r>
+              <a:rPr lang="en-US" altLang="x-none" sz="1400">
                 <a:sym typeface="+mn-ea"/>
               </a:rPr>
-              <a:t>Install Anaconda</a:t>
-            </a:r>
-            <a:endParaRPr lang="en-US" altLang="zh-CN" sz="1600"/>
-          </a:p>
-          <a:p>
-            <a:pPr lvl="1"/>
-            <a:r>
-              <a:rPr lang="en-US" altLang="zh-CN" sz="1600">
-                <a:sym typeface="+mn-ea"/>
-              </a:rPr>
-              <a:t>https://mirrors.tuna.tsinghua.edu.cn/anaconda/archive/</a:t>
-            </a:r>
-            <a:endParaRPr lang="en-US" altLang="zh-CN" sz="1600">
-              <a:sym typeface="+mn-ea"/>
-            </a:endParaRPr>
-          </a:p>
-          <a:p>
-            <a:pPr lvl="1"/>
-            <a:r>
-              <a:rPr lang="en-US" altLang="zh-CN" sz="1600">
-                <a:sym typeface="+mn-ea"/>
-              </a:rPr>
-              <a:t>Anaconda2 includes python 2.7, Anaconda3 includes python 3.7</a:t>
-            </a:r>
-            <a:endParaRPr lang="en-US" altLang="zh-CN" sz="1600">
-              <a:sym typeface="+mn-ea"/>
-            </a:endParaRPr>
-          </a:p>
-          <a:p>
-            <a:pPr lvl="1"/>
-            <a:r>
-              <a:rPr lang="en-US" altLang="zh-CN" sz="1600"/>
-              <a:t>Anaconda3-2020.11-Linux-x86_64.sh</a:t>
-            </a:r>
-            <a:r>
-              <a:rPr lang="en-US" altLang="zh-CN" sz="1600">
-                <a:sym typeface="+mn-ea"/>
-              </a:rPr>
-              <a:t> python3.8.5</a:t>
-            </a:r>
-            <a:endParaRPr lang="en-US" altLang="zh-CN" sz="1600"/>
-          </a:p>
-          <a:p>
-            <a:r>
-              <a:rPr lang="en-US" altLang="zh-CN" sz="1600"/>
-              <a:t>Generate $HOME/.condarc</a:t>
-            </a:r>
-            <a:endParaRPr lang="en-US" altLang="zh-CN" sz="1600"/>
-          </a:p>
-          <a:p>
-            <a:pPr lvl="1"/>
-            <a:r>
-              <a:rPr lang="zh-CN" altLang="en-US" sz="1400"/>
-              <a:t>conda config --set show_channel_urls yes</a:t>
-            </a:r>
-            <a:endParaRPr lang="zh-CN" altLang="en-US" sz="1400"/>
-          </a:p>
-          <a:p>
-            <a:pPr lvl="0"/>
-            <a:r>
-              <a:rPr lang="en-US" altLang="zh-CN" sz="1600"/>
-              <a:t>Configure Tsinghua mirror</a:t>
-            </a:r>
-            <a:endParaRPr lang="en-US" altLang="zh-CN" sz="1600"/>
-          </a:p>
-          <a:p>
-            <a:pPr lvl="1"/>
-            <a:r>
-              <a:rPr lang="en-US" altLang="zh-CN" sz="1400"/>
-              <a:t>conda info #check</a:t>
-            </a:r>
-            <a:endParaRPr lang="en-US" altLang="zh-CN" sz="1400"/>
-          </a:p>
-          <a:p>
-            <a:pPr lvl="0"/>
-            <a:r>
-              <a:rPr lang="en-US" altLang="zh-CN" sz="1600"/>
-              <a:t>Create virtualenv</a:t>
-            </a:r>
-            <a:endParaRPr lang="en-US" altLang="zh-CN" sz="1600"/>
-          </a:p>
-          <a:p>
-            <a:pPr lvl="1"/>
-            <a:r>
-              <a:rPr lang="en-US" altLang="zh-CN" sz="1400"/>
-              <a:t>conda create -n py3.8 python=3.8</a:t>
-            </a:r>
-            <a:endParaRPr lang="en-US" altLang="zh-CN" sz="1400"/>
-          </a:p>
-          <a:p>
-            <a:pPr lvl="1"/>
-            <a:r>
-              <a:rPr lang="en-US" altLang="zh-CN" sz="1400"/>
-              <a:t>conda activate py3.8</a:t>
-            </a:r>
-            <a:endParaRPr lang="en-US" altLang="zh-CN" sz="1400"/>
-          </a:p>
-          <a:p>
-            <a:pPr lvl="1"/>
-            <a:r>
-              <a:rPr lang="en-US" altLang="zh-CN" sz="1400"/>
-              <a:t>conda deactivate</a:t>
-            </a:r>
-            <a:endParaRPr lang="en-US" altLang="zh-CN" sz="1400"/>
-          </a:p>
-          <a:p>
-            <a:pPr lvl="1"/>
-            <a:r>
-              <a:rPr lang="en-US" altLang="zh-CN" sz="1400"/>
-              <a:t>conda env remove --name py3.8</a:t>
-            </a:r>
-            <a:endParaRPr lang="en-US" altLang="zh-CN" sz="1400"/>
-          </a:p>
-          <a:p>
-            <a:pPr lvl="1"/>
-            <a:r>
-              <a:rPr lang="en-US" altLang="zh-CN" sz="1400"/>
-              <a:t>conda info --envs</a:t>
-            </a:r>
-            <a:endParaRPr lang="en-US" altLang="zh-CN" sz="1400"/>
-          </a:p>
-        </p:txBody>
-      </p:sp>
-      <p:sp>
-        <p:nvSpPr>
-          <p:cNvPr id="4" name="文本框 3"/>
-          <p:cNvSpPr txBox="1"/>
-          <p:nvPr/>
-        </p:nvSpPr>
-        <p:spPr>
-          <a:xfrm>
-            <a:off x="6689725" y="4000500"/>
-            <a:ext cx="4750435" cy="2399665"/>
-          </a:xfrm>
-          <a:prstGeom prst="rect">
-            <a:avLst/>
-          </a:prstGeom>
-          <a:noFill/>
-          <a:ln>
-            <a:solidFill>
-              <a:srgbClr val="FFC000"/>
-            </a:solidFill>
-          </a:ln>
-        </p:spPr>
-        <p:txBody>
-          <a:bodyPr wrap="square" rtlCol="0">
-            <a:spAutoFit/>
-          </a:bodyPr>
-          <a:p>
-            <a:r>
-              <a:rPr lang="en-US" altLang="zh-CN" sz="1000"/>
-              <a:t>#.condarc</a:t>
-            </a:r>
-            <a:endParaRPr lang="zh-CN" altLang="en-US" sz="1000"/>
-          </a:p>
-          <a:p>
-            <a:r>
-              <a:rPr lang="zh-CN" altLang="en-US" sz="1000"/>
-              <a:t>channels:</a:t>
-            </a:r>
-            <a:endParaRPr lang="zh-CN" altLang="en-US" sz="1000"/>
-          </a:p>
-          <a:p>
-            <a:r>
-              <a:rPr lang="zh-CN" altLang="en-US" sz="1000"/>
-              <a:t>  - defaults</a:t>
-            </a:r>
-            <a:endParaRPr lang="zh-CN" altLang="en-US" sz="1000"/>
-          </a:p>
-          <a:p>
-            <a:r>
-              <a:rPr lang="zh-CN" altLang="en-US" sz="1000"/>
-              <a:t>show_channel_urls: true</a:t>
-            </a:r>
-            <a:endParaRPr lang="zh-CN" altLang="en-US" sz="1000"/>
-          </a:p>
-          <a:p>
-            <a:r>
-              <a:rPr lang="zh-CN" altLang="en-US" sz="1000"/>
-              <a:t>default_channels:</a:t>
-            </a:r>
-            <a:endParaRPr lang="zh-CN" altLang="en-US" sz="1000"/>
-          </a:p>
-          <a:p>
-            <a:r>
-              <a:rPr lang="zh-CN" altLang="en-US" sz="1000"/>
-              <a:t>  - https://mirrors.tuna.tsinghua.edu.cn/anaconda/pkgs/main</a:t>
-            </a:r>
-            <a:endParaRPr lang="zh-CN" altLang="en-US" sz="1000"/>
-          </a:p>
-          <a:p>
-            <a:r>
-              <a:rPr lang="zh-CN" altLang="en-US" sz="1000"/>
-              <a:t>  - https://mirrors.tuna.tsinghua.edu.cn/anaconda/pkgs/free</a:t>
-            </a:r>
-            <a:endParaRPr lang="zh-CN" altLang="en-US" sz="1000"/>
-          </a:p>
-          <a:p>
-            <a:r>
-              <a:rPr lang="zh-CN" altLang="en-US" sz="1000"/>
-              <a:t>  - https://mirrors.tuna.tsinghua.edu.cn/anaconda/pkgs/r</a:t>
-            </a:r>
-            <a:endParaRPr lang="zh-CN" altLang="en-US" sz="1000"/>
-          </a:p>
-          <a:p>
-            <a:r>
-              <a:rPr lang="zh-CN" altLang="en-US" sz="1000"/>
-              <a:t>custom_channels:</a:t>
-            </a:r>
-            <a:endParaRPr lang="zh-CN" altLang="en-US" sz="1000"/>
-          </a:p>
-          <a:p>
-            <a:r>
-              <a:rPr lang="zh-CN" altLang="en-US" sz="1000"/>
-              <a:t>  conda-forge: https://mirrors.tuna.tsinghua.edu.cn/anaconda/cloud</a:t>
-            </a:r>
-            <a:endParaRPr lang="zh-CN" altLang="en-US" sz="1000"/>
-          </a:p>
-          <a:p>
-            <a:r>
-              <a:rPr lang="zh-CN" altLang="en-US" sz="1000"/>
-              <a:t>  msys2: https://mirrors.tuna.tsinghua.edu.cn/anaconda/cloud</a:t>
-            </a:r>
-            <a:endParaRPr lang="zh-CN" altLang="en-US" sz="1000"/>
-          </a:p>
-          <a:p>
-            <a:r>
-              <a:rPr lang="zh-CN" altLang="en-US" sz="1000"/>
-              <a:t>  bioconda: https://mirrors.tuna.tsinghua.edu.cn/anaconda/cloud</a:t>
-            </a:r>
-            <a:endParaRPr lang="zh-CN" altLang="en-US" sz="1000"/>
-          </a:p>
-          <a:p>
-            <a:r>
-              <a:rPr lang="zh-CN" altLang="en-US" sz="1000"/>
-              <a:t>  menpo: https://mirrors.tuna.tsinghua.edu.cn/anaconda/cloud</a:t>
-            </a:r>
-            <a:endParaRPr lang="zh-CN" altLang="en-US" sz="1000"/>
-          </a:p>
-          <a:p>
-            <a:r>
-              <a:rPr lang="zh-CN" altLang="en-US" sz="1000"/>
-              <a:t>  pytorch: https://mirrors.tuna.tsinghua.edu.cn/anaconda/cloud</a:t>
-            </a:r>
-            <a:endParaRPr lang="zh-CN" altLang="en-US" sz="1000"/>
-          </a:p>
-          <a:p>
-            <a:r>
-              <a:rPr lang="zh-CN" altLang="en-US" sz="1000"/>
-              <a:t>  simpleitk: https://mirrors.tuna.tsinghua.edu.cn/anaconda/cloud</a:t>
-            </a:r>
-            <a:endParaRPr lang="zh-CN" altLang="en-US" sz="1000"/>
-          </a:p>
-        </p:txBody>
-      </p:sp>
-      <p:sp>
-        <p:nvSpPr>
-          <p:cNvPr id="5" name="内容占位符 2"/>
+              <a:t>https://github.com/IntelVCL/Open3D</a:t>
+            </a:r>
+            <a:endParaRPr lang="en-US" altLang="x-none" sz="1400"/>
+          </a:p>
+          <a:p>
+            <a:pPr lvl="2"/>
+            <a:r>
+              <a:rPr lang="en-US" altLang="x-none" sz="1400"/>
+              <a:t>pip install open3d</a:t>
+            </a:r>
+            <a:endParaRPr lang="en-US" altLang="x-none" sz="1400"/>
+          </a:p>
+          <a:p>
+            <a:pPr lvl="1"/>
+            <a:r>
+              <a:rPr lang="en-US" altLang="x-none" sz="1600"/>
+              <a:t>PyOpenGL</a:t>
+            </a:r>
+            <a:endParaRPr lang="en-US" altLang="x-none" sz="1600"/>
+          </a:p>
+          <a:p>
+            <a:pPr lvl="1"/>
+            <a:r>
+              <a:rPr lang="en-US" altLang="x-none" sz="1600"/>
+              <a:t>ModernGL</a:t>
+            </a:r>
+            <a:endParaRPr lang="en-US" altLang="x-none" sz="1600"/>
+          </a:p>
+          <a:p>
+            <a:pPr lvl="2"/>
+            <a:r>
+              <a:rPr lang="en-US" altLang="x-none" sz="1400"/>
+              <a:t>Simpler and faster than PyOpenGL</a:t>
+            </a:r>
+            <a:endParaRPr lang="en-US" altLang="x-none" sz="1400"/>
+          </a:p>
+          <a:p>
+            <a:pPr lvl="2"/>
+            <a:r>
+              <a:rPr lang="en-US" altLang="x-none" sz="1400"/>
+              <a:t>Can render without a window</a:t>
+            </a:r>
+            <a:endParaRPr lang="en-US" altLang="x-none" sz="1400"/>
+          </a:p>
+          <a:p>
+            <a:pPr lvl="2"/>
+            <a:r>
+              <a:rPr lang="en-US" altLang="x-none" sz="1400"/>
+              <a:t>100% Pythonic</a:t>
+            </a:r>
+            <a:endParaRPr lang="en-US" altLang="x-none" sz="1400"/>
+          </a:p>
+          <a:p>
+            <a:pPr lvl="2"/>
+            <a:r>
+              <a:rPr lang="en-US" altLang="x-none" sz="1400"/>
+              <a:t>pip install moderngl</a:t>
+            </a:r>
+            <a:endParaRPr lang="en-US" altLang="x-none" sz="1400"/>
+          </a:p>
+          <a:p>
+            <a:pPr lvl="1"/>
+            <a:r>
+              <a:rPr lang="en-US" altLang="x-none" sz="1600"/>
+              <a:t>VTK</a:t>
+            </a:r>
+            <a:endParaRPr lang="en-US" altLang="x-none" sz="1600"/>
+          </a:p>
+          <a:p>
+            <a:pPr lvl="2"/>
+            <a:r>
+              <a:rPr lang="en-US" altLang="x-none" sz="1400"/>
+              <a:t>https://vtk.org/</a:t>
+            </a:r>
+            <a:endParaRPr lang="en-US" altLang="x-none" sz="1400"/>
+          </a:p>
+          <a:p>
+            <a:pPr lvl="2"/>
+            <a:r>
+              <a:rPr lang="en-US" altLang="x-none" sz="1400"/>
+              <a:t>pip install vtk</a:t>
+            </a:r>
+            <a:endParaRPr lang="en-US" altLang="x-none" sz="1400"/>
+          </a:p>
+        </p:txBody>
+      </p:sp>
+      <p:sp>
+        <p:nvSpPr>
+          <p:cNvPr id="5" name="Content Placeholder 2"/>
           <p:cNvSpPr>
             <a:spLocks noGrp="1"/>
           </p:cNvSpPr>
@@ -17738,8 +17794,8 @@
         </p:nvSpPr>
         <p:spPr>
           <a:xfrm>
-            <a:off x="6536055" y="1125220"/>
-            <a:ext cx="5249545" cy="2461895"/>
+            <a:off x="7035165" y="1125855"/>
+            <a:ext cx="5038725" cy="4736465"/>
           </a:xfrm>
           <a:prstGeom prst="rect">
             <a:avLst/>
@@ -17916,114 +17972,82 @@
           <a:p>
             <a:pPr lvl="0"/>
             <a:r>
-              <a:rPr lang="en-US" altLang="zh-CN" sz="1400">
-                <a:sym typeface="+mn-ea"/>
-              </a:rPr>
-              <a:t>Package management</a:t>
-            </a:r>
-            <a:endParaRPr lang="en-US" altLang="zh-CN" sz="1400"/>
-          </a:p>
-          <a:p>
-            <a:pPr lvl="1"/>
-            <a:r>
-              <a:rPr lang="en-US" altLang="zh-CN" sz="1200">
-                <a:sym typeface="+mn-ea"/>
-              </a:rPr>
-              <a:t>conda update -n base -c defaults conda</a:t>
-            </a:r>
-            <a:endParaRPr lang="en-US" altLang="zh-CN" sz="1200"/>
-          </a:p>
-          <a:p>
-            <a:pPr lvl="1"/>
-            <a:r>
-              <a:rPr lang="en-US" altLang="zh-CN" sz="1200">
-                <a:sym typeface="+mn-ea"/>
-              </a:rPr>
-              <a:t>conda list	# list package</a:t>
-            </a:r>
-            <a:endParaRPr lang="en-US" altLang="zh-CN" sz="1200">
-              <a:sym typeface="+mn-ea"/>
-            </a:endParaRPr>
-          </a:p>
-          <a:p>
-            <a:pPr lvl="1"/>
-            <a:r>
-              <a:rPr lang="en-US" altLang="zh-CN" sz="1200">
-                <a:sym typeface="+mn-ea"/>
-              </a:rPr>
-              <a:t>conda list -e &gt;requirements.txt</a:t>
-            </a:r>
-            <a:endParaRPr lang="en-US" altLang="zh-CN" sz="1200"/>
-          </a:p>
-          <a:p>
-            <a:pPr lvl="1"/>
-            <a:r>
-              <a:rPr lang="en-US" altLang="zh-CN" sz="1200">
-                <a:sym typeface="+mn-ea"/>
-              </a:rPr>
-              <a:t>conda search package</a:t>
-            </a:r>
-            <a:endParaRPr lang="en-US" altLang="zh-CN" sz="1200"/>
-          </a:p>
-          <a:p>
-            <a:pPr lvl="1"/>
-            <a:r>
-              <a:rPr lang="en-US" altLang="zh-CN" sz="1200">
-                <a:sym typeface="+mn-ea"/>
-              </a:rPr>
-              <a:t>conda install -y package=version</a:t>
-            </a:r>
-            <a:endParaRPr lang="en-US" altLang="zh-CN" sz="1200"/>
-          </a:p>
-          <a:p>
-            <a:pPr lvl="1"/>
-            <a:r>
-              <a:rPr lang="en-US" altLang="zh-CN" sz="1200">
-                <a:sym typeface="+mn-ea"/>
-              </a:rPr>
-              <a:t>conda remove package</a:t>
-            </a:r>
-            <a:endParaRPr lang="en-US" altLang="zh-CN" sz="1200"/>
-          </a:p>
-          <a:p>
-            <a:pPr lvl="1"/>
-            <a:r>
-              <a:rPr lang="en-US" altLang="zh-CN" sz="1200">
-                <a:sym typeface="+mn-ea"/>
-              </a:rPr>
-              <a:t>conda install -c conda-forge opencv</a:t>
-            </a:r>
-            <a:endParaRPr lang="en-US" altLang="zh-CN" sz="1200"/>
-          </a:p>
-          <a:p>
-            <a:pPr lvl="1"/>
-            <a:r>
-              <a:rPr lang="en-US" altLang="zh-CN" sz="1200">
-                <a:sym typeface="+mn-ea"/>
-              </a:rPr>
-              <a:t>conda install -c conda-forge matplotlib</a:t>
-            </a:r>
-            <a:endParaRPr lang="en-US" altLang="zh-CN" sz="1200"/>
+              <a:rPr lang="en-US" sz="1800"/>
+              <a:t>OSMesa</a:t>
+            </a:r>
+            <a:endParaRPr lang="en-US" sz="1800"/>
+          </a:p>
+          <a:p>
+            <a:pPr lvl="1"/>
+            <a:r>
+              <a:rPr lang="en-US" sz="1600"/>
+              <a:t>Mesa's off-screen interface is used for rendering into user-allocated memory without any sort of window system or OS dependencies.</a:t>
+            </a:r>
+            <a:endParaRPr lang="en-US" sz="1600"/>
+          </a:p>
+          <a:p>
+            <a:pPr lvl="1"/>
+            <a:r>
+              <a:rPr lang="en-US" sz="1600"/>
+              <a:t>sudo apt-get install libosmesa6-dev</a:t>
+            </a:r>
+            <a:endParaRPr lang="en-US" sz="1600"/>
           </a:p>
           <a:p>
             <a:pPr lvl="0"/>
             <a:r>
-              <a:rPr lang="en-US" altLang="zh-CN" sz="1400"/>
-              <a:t>Docker</a:t>
-            </a:r>
-            <a:endParaRPr lang="en-US" altLang="zh-CN" sz="1400"/>
-          </a:p>
-          <a:p>
-            <a:pPr lvl="1"/>
-            <a:r>
-              <a:rPr lang="en-US" altLang="zh-CN" sz="1200">
-                <a:sym typeface="+mn-ea"/>
-              </a:rPr>
-              <a:t>http://www.science.smith.edu/dftwiki/index.php/Tutorial:_Docker_Anaconda_Python_--_4#Option_2:_Dockerfile</a:t>
-            </a:r>
-            <a:endParaRPr lang="en-US" altLang="zh-CN" sz="1200">
-              <a:sym typeface="+mn-ea"/>
-            </a:endParaRPr>
+              <a:rPr lang="en-US" sz="1725"/>
+              <a:t>Panda3D</a:t>
+            </a:r>
+            <a:endParaRPr lang="en-US" sz="1725"/>
+          </a:p>
+          <a:p>
+            <a:pPr lvl="1"/>
+            <a:r>
+              <a:rPr lang="en-US" sz="1435"/>
+              <a:t>pip install panda3d==1.10.8</a:t>
+            </a:r>
+            <a:endParaRPr lang="en-US" sz="1435"/>
+          </a:p>
+          <a:p>
+            <a:pPr lvl="1"/>
+            <a:r>
+              <a:rPr lang="en-US" sz="1435"/>
+              <a:t>https://github.com/panda3d/panda3d</a:t>
+            </a:r>
+            <a:endParaRPr lang="en-US" sz="1435"/>
+          </a:p>
+          <a:p>
+            <a:pPr lvl="1"/>
+            <a:r>
+              <a:rPr lang="en-US" sz="1435"/>
+              <a:t>work on both Windows and Linux</a:t>
+            </a:r>
+            <a:endParaRPr lang="en-US" sz="1435"/>
+          </a:p>
+          <a:p>
+            <a:pPr lvl="0"/>
+            <a:r>
+              <a:rPr lang="en-US" sz="1720"/>
+              <a:t>Panda3DViewer</a:t>
+            </a:r>
+            <a:endParaRPr lang="en-US" sz="1720"/>
+          </a:p>
+          <a:p>
+            <a:pPr lvl="1"/>
+            <a:r>
+              <a:rPr lang="en-US" sz="1430"/>
+              <a:t>based on Panda3D</a:t>
+            </a:r>
+            <a:endParaRPr lang="en-US" sz="1430"/>
+          </a:p>
+          <a:p>
+            <a:pPr lvl="1"/>
+            <a:r>
+              <a:rPr lang="en-US" sz="1430"/>
+              <a:t>https://github.com/ikalevatykh/panda3d_viewer</a:t>
+            </a:r>
+            <a:endParaRPr lang="en-US" sz="1430"/>
           </a:p>
         </p:txBody>
       </p:sp>
@@ -18035,7 +18059,7 @@
 </p:sld>
 </file>
 
-<file path=ppt/slides/slide60.xml><?xml version="1.0" encoding="utf-8"?>
+<file path=ppt/slides/slide61.xml><?xml version="1.0" encoding="utf-8"?>
 <p:sld xmlns:a="http://schemas.openxmlformats.org/drawingml/2006/main" xmlns:r="http://schemas.openxmlformats.org/officeDocument/2006/relationships" xmlns:p="http://schemas.openxmlformats.org/presentationml/2006/main">
   <p:cSld>
     <p:spTree>
@@ -18061,7 +18085,7 @@
           <a:p>
             <a:r>
               <a:rPr lang="en-US" altLang="zh-CN"/>
-              <a:t>Blender</a:t>
+              <a:t>Open3D</a:t>
             </a:r>
             <a:endParaRPr lang="en-US" altLang="zh-CN"/>
           </a:p>
@@ -18079,45 +18103,75 @@
         </p:nvSpPr>
         <p:spPr/>
         <p:txBody>
-          <a:bodyPr>
-            <a:normAutofit fontScale="90000" lnSpcReduction="20000"/>
-          </a:bodyPr>
-          <a:p>
-            <a:r>
-              <a:rPr lang="en-US" altLang="zh-CN"/>
-              <a:t>Build blender as a python module</a:t>
-            </a:r>
-            <a:endParaRPr lang="en-US" altLang="zh-CN"/>
-          </a:p>
-          <a:p>
-            <a:pPr lvl="1"/>
-            <a:r>
-              <a:rPr lang="en-US" altLang="zh-CN"/>
-              <a:t>ref: https://wiki.blender.org/wiki/Building_Blender/Other/BlenderAsPyModule</a:t>
-            </a:r>
-            <a:endParaRPr lang="en-US" altLang="zh-CN"/>
-          </a:p>
-          <a:p>
-            <a:pPr lvl="1"/>
-            <a:r>
-              <a:rPr lang="en-US" altLang="zh-CN"/>
-              <a:t>Get source</a:t>
+          <a:bodyPr/>
+          <a:p>
+            <a:r>
+              <a:rPr lang="en-US" altLang="zh-CN"/>
+              <a:t>Install</a:t>
+            </a:r>
+            <a:endParaRPr lang="en-US" altLang="zh-CN"/>
+          </a:p>
+          <a:p>
+            <a:pPr lvl="1"/>
+            <a:r>
+              <a:rPr lang="en-US" altLang="x-none">
+                <a:sym typeface="+mn-ea"/>
+              </a:rPr>
+              <a:t>pip install open3d</a:t>
+            </a:r>
+            <a:endParaRPr lang="en-US" altLang="x-none">
+              <a:sym typeface="+mn-ea"/>
+            </a:endParaRPr>
+          </a:p>
+          <a:p>
+            <a:pPr lvl="0"/>
+            <a:r>
+              <a:rPr lang="en-US" altLang="zh-CN"/>
+              <a:t>Headless rendering</a:t>
+            </a:r>
+            <a:endParaRPr lang="en-US" altLang="zh-CN"/>
+          </a:p>
+          <a:p>
+            <a:pPr lvl="1"/>
+            <a:r>
+              <a:rPr lang="en-US" altLang="zh-CN"/>
+              <a:t>sudo apt-get install libosmesa6-dev</a:t>
+            </a:r>
+            <a:endParaRPr lang="en-US" altLang="zh-CN"/>
+          </a:p>
+          <a:p>
+            <a:pPr lvl="1"/>
+            <a:r>
+              <a:rPr lang="en-US" altLang="zh-CN"/>
+              <a:t>Get sources</a:t>
             </a:r>
             <a:endParaRPr lang="en-US" altLang="zh-CN"/>
           </a:p>
           <a:p>
             <a:pPr lvl="2"/>
             <a:r>
-              <a:rPr lang="en-US" altLang="zh-CN"/>
-              <a:t>git clone https://git.blender.org/blender.git</a:t>
-            </a:r>
-            <a:endParaRPr lang="en-US" altLang="zh-CN"/>
+              <a:rPr lang="en-US" altLang="x-none">
+                <a:sym typeface="+mn-ea"/>
+              </a:rPr>
+              <a:t>git clone https://github.com/IntelVCL/Open3D</a:t>
+            </a:r>
+            <a:endParaRPr lang="en-US" altLang="x-none">
+              <a:sym typeface="+mn-ea"/>
+            </a:endParaRPr>
           </a:p>
           <a:p>
             <a:pPr lvl="2"/>
             <a:r>
               <a:rPr lang="en-US" altLang="zh-CN"/>
-              <a:t>cd blender</a:t>
+              <a:t>git submodule update --init --recursive</a:t>
+            </a:r>
+            <a:endParaRPr lang="en-US" altLang="zh-CN"/>
+          </a:p>
+          <a:p>
+            <a:pPr lvl="1"/>
+            <a:r>
+              <a:rPr lang="en-US" altLang="zh-CN"/>
+              <a:t>build Open3D with OSMesa</a:t>
             </a:r>
             <a:endParaRPr lang="en-US" altLang="zh-CN"/>
           </a:p>
@@ -18125,7 +18179,7 @@
             <a:pPr lvl="2"/>
             <a:r>
               <a:rPr lang="en-US" altLang="zh-CN"/>
-              <a:t>git submodule update --init --recursive</a:t>
+              <a:t>pip install pybind11</a:t>
             </a:r>
             <a:endParaRPr lang="en-US" altLang="zh-CN"/>
           </a:p>
@@ -18133,87 +18187,7 @@
             <a:pPr lvl="2"/>
             <a:r>
               <a:rPr lang="en-US" altLang="zh-CN"/>
-              <a:t>git submodule foreach git checkout master</a:t>
-            </a:r>
-            <a:endParaRPr lang="en-US" altLang="zh-CN"/>
-          </a:p>
-          <a:p>
-            <a:pPr lvl="2"/>
-            <a:r>
-              <a:rPr lang="en-US" altLang="zh-CN"/>
-              <a:t>git submodule foreach git pull --rebase origin master</a:t>
-            </a:r>
-            <a:endParaRPr lang="en-US" altLang="zh-CN"/>
-          </a:p>
-          <a:p>
-            <a:pPr lvl="1"/>
-            <a:r>
-              <a:rPr lang="en-US" altLang="zh-CN"/>
-              <a:t>Make</a:t>
-            </a:r>
-            <a:endParaRPr lang="en-US" altLang="zh-CN"/>
-          </a:p>
-          <a:p>
-            <a:pPr lvl="1"/>
-            <a:r>
-              <a:rPr lang="en-US" altLang="zh-CN"/>
-              <a:t>Make install</a:t>
-            </a:r>
-            <a:endParaRPr lang="en-US" altLang="zh-CN"/>
-          </a:p>
-          <a:p>
-            <a:pPr lvl="2"/>
-            <a:r>
-              <a:rPr lang="en-US" altLang="zh-CN"/>
-              <a:t>WITH_INSTALL_PORTABLE=ON</a:t>
-            </a:r>
-            <a:endParaRPr lang="en-US" altLang="zh-CN"/>
-          </a:p>
-          <a:p>
-            <a:pPr lvl="2"/>
-            <a:r>
-              <a:rPr lang="en-US" altLang="zh-CN"/>
-              <a:t>CMAKE_INSTALL_PREFIX=$HOME/.local/lib/python3.7/site-packages</a:t>
-            </a:r>
-            <a:endParaRPr lang="en-US" altLang="zh-CN"/>
-          </a:p>
-          <a:p>
-            <a:pPr lvl="2"/>
-            <a:r>
-              <a:rPr lang="en-US" altLang="zh-CN"/>
-              <a:t>make install</a:t>
-            </a:r>
-            <a:endParaRPr lang="en-US" altLang="zh-CN"/>
-          </a:p>
-          <a:p>
-            <a:pPr lvl="0"/>
-            <a:r>
-              <a:rPr lang="en-US" altLang="zh-CN"/>
-              <a:t>Run blender python scripts</a:t>
-            </a:r>
-            <a:endParaRPr lang="en-US" altLang="zh-CN"/>
-          </a:p>
-          <a:p>
-            <a:pPr lvl="1"/>
-            <a:r>
-              <a:rPr lang="en-US" altLang="zh-CN"/>
-              <a:t>blender -b --python render.py -d -noaudio</a:t>
-            </a:r>
-            <a:endParaRPr lang="en-US" altLang="zh-CN"/>
-          </a:p>
-          <a:p>
-            <a:pPr lvl="2"/>
-            <a:r>
-              <a:rPr lang="en-US" altLang="zh-CN"/>
-              <a:t>-d: debug, -b: background, -noaudio: no audio (useful for WSL)</a:t>
-            </a:r>
-            <a:endParaRPr lang="en-US" altLang="zh-CN"/>
-          </a:p>
-          <a:p>
-            <a:pPr lvl="1"/>
-            <a:r>
-              <a:rPr lang="en-US" altLang="zh-CN"/>
-              <a:t>pip install </a:t>
+              <a:t>cmake -DENABLE_HEADLESS_RENDERING=ON -DBUILD_GUI=OFF -DUSE_SYSTEM_GLEW=OFF -DUSE_SYSTEM_GLFW=OFF ..</a:t>
             </a:r>
             <a:endParaRPr lang="en-US" altLang="zh-CN"/>
           </a:p>
@@ -18227,7 +18201,199 @@
 </p:sld>
 </file>
 
-<file path=ppt/slides/slide61.xml><?xml version="1.0" encoding="utf-8"?>
+<file path=ppt/slides/slide62.xml><?xml version="1.0" encoding="utf-8"?>
+<p:sld xmlns:a="http://schemas.openxmlformats.org/drawingml/2006/main" xmlns:r="http://schemas.openxmlformats.org/officeDocument/2006/relationships" xmlns:p="http://schemas.openxmlformats.org/presentationml/2006/main">
+  <p:cSld>
+    <p:spTree>
+      <p:nvGrpSpPr>
+        <p:cNvPr id="1" name=""/>
+        <p:cNvGrpSpPr/>
+        <p:nvPr/>
+      </p:nvGrpSpPr>
+      <p:grpSpPr/>
+      <p:sp>
+        <p:nvSpPr>
+          <p:cNvPr id="2" name="标题 1"/>
+          <p:cNvSpPr>
+            <a:spLocks noGrp="1"/>
+          </p:cNvSpPr>
+          <p:nvPr>
+            <p:ph type="title"/>
+          </p:nvPr>
+        </p:nvSpPr>
+        <p:spPr/>
+        <p:txBody>
+          <a:bodyPr/>
+          <a:p>
+            <a:r>
+              <a:rPr lang="en-US" altLang="zh-CN"/>
+              <a:t>Blender</a:t>
+            </a:r>
+            <a:endParaRPr lang="en-US" altLang="zh-CN"/>
+          </a:p>
+        </p:txBody>
+      </p:sp>
+      <p:sp>
+        <p:nvSpPr>
+          <p:cNvPr id="3" name="内容占位符 2"/>
+          <p:cNvSpPr>
+            <a:spLocks noGrp="1"/>
+          </p:cNvSpPr>
+          <p:nvPr>
+            <p:ph idx="1"/>
+          </p:nvPr>
+        </p:nvSpPr>
+        <p:spPr/>
+        <p:txBody>
+          <a:bodyPr>
+            <a:normAutofit fontScale="90000" lnSpcReduction="20000"/>
+          </a:bodyPr>
+          <a:p>
+            <a:r>
+              <a:rPr lang="en-US" altLang="zh-CN"/>
+              <a:t>Build blender as a python module</a:t>
+            </a:r>
+            <a:endParaRPr lang="en-US" altLang="zh-CN"/>
+          </a:p>
+          <a:p>
+            <a:pPr lvl="1"/>
+            <a:r>
+              <a:rPr lang="en-US" altLang="zh-CN"/>
+              <a:t>ref: https://wiki.blender.org/wiki/Building_Blender/Other/BlenderAsPyModule</a:t>
+            </a:r>
+            <a:endParaRPr lang="en-US" altLang="zh-CN"/>
+          </a:p>
+          <a:p>
+            <a:pPr lvl="1"/>
+            <a:r>
+              <a:rPr lang="en-US" altLang="zh-CN"/>
+              <a:t>Get source</a:t>
+            </a:r>
+            <a:endParaRPr lang="en-US" altLang="zh-CN"/>
+          </a:p>
+          <a:p>
+            <a:pPr lvl="2"/>
+            <a:r>
+              <a:rPr lang="en-US" altLang="zh-CN"/>
+              <a:t>git clone https://git.blender.org/blender.git</a:t>
+            </a:r>
+            <a:endParaRPr lang="en-US" altLang="zh-CN"/>
+          </a:p>
+          <a:p>
+            <a:pPr lvl="2"/>
+            <a:r>
+              <a:rPr lang="en-US" altLang="zh-CN"/>
+              <a:t>cd blender</a:t>
+            </a:r>
+            <a:endParaRPr lang="en-US" altLang="zh-CN"/>
+          </a:p>
+          <a:p>
+            <a:pPr lvl="2"/>
+            <a:r>
+              <a:rPr lang="en-US" altLang="zh-CN"/>
+              <a:t>git submodule update --init --recursive</a:t>
+            </a:r>
+            <a:endParaRPr lang="en-US" altLang="zh-CN"/>
+          </a:p>
+          <a:p>
+            <a:pPr lvl="2"/>
+            <a:r>
+              <a:rPr lang="en-US" altLang="zh-CN"/>
+              <a:t>git submodule foreach git checkout master</a:t>
+            </a:r>
+            <a:endParaRPr lang="en-US" altLang="zh-CN"/>
+          </a:p>
+          <a:p>
+            <a:pPr lvl="2"/>
+            <a:r>
+              <a:rPr lang="en-US" altLang="zh-CN"/>
+              <a:t>git submodule foreach git pull --rebase origin master</a:t>
+            </a:r>
+            <a:endParaRPr lang="en-US" altLang="zh-CN"/>
+          </a:p>
+          <a:p>
+            <a:pPr lvl="1"/>
+            <a:r>
+              <a:rPr lang="en-US" altLang="zh-CN"/>
+              <a:t>Make</a:t>
+            </a:r>
+            <a:endParaRPr lang="en-US" altLang="zh-CN"/>
+          </a:p>
+          <a:p>
+            <a:pPr lvl="1"/>
+            <a:r>
+              <a:rPr lang="en-US" altLang="zh-CN"/>
+              <a:t>Make install</a:t>
+            </a:r>
+            <a:endParaRPr lang="en-US" altLang="zh-CN"/>
+          </a:p>
+          <a:p>
+            <a:pPr lvl="2"/>
+            <a:r>
+              <a:rPr lang="en-US" altLang="zh-CN"/>
+              <a:t>WITH_INSTALL_PORTABLE=ON</a:t>
+            </a:r>
+            <a:endParaRPr lang="en-US" altLang="zh-CN"/>
+          </a:p>
+          <a:p>
+            <a:pPr lvl="2"/>
+            <a:r>
+              <a:rPr lang="en-US" altLang="zh-CN"/>
+              <a:t>CMAKE_INSTALL_PREFIX=$HOME/.local/lib/python3.7/site-packages</a:t>
+            </a:r>
+            <a:endParaRPr lang="en-US" altLang="zh-CN"/>
+          </a:p>
+          <a:p>
+            <a:pPr lvl="2"/>
+            <a:r>
+              <a:rPr lang="en-US" altLang="zh-CN"/>
+              <a:t>make install</a:t>
+            </a:r>
+            <a:endParaRPr lang="en-US" altLang="zh-CN"/>
+          </a:p>
+          <a:p>
+            <a:pPr lvl="0"/>
+            <a:r>
+              <a:rPr lang="en-US" altLang="zh-CN"/>
+              <a:t>Run blender python scripts</a:t>
+            </a:r>
+            <a:endParaRPr lang="en-US" altLang="zh-CN"/>
+          </a:p>
+          <a:p>
+            <a:pPr lvl="1"/>
+            <a:r>
+              <a:rPr lang="en-US" altLang="zh-CN"/>
+              <a:t>blender -b --python render.py -d -noaudio</a:t>
+            </a:r>
+            <a:endParaRPr lang="en-US" altLang="zh-CN"/>
+          </a:p>
+          <a:p>
+            <a:pPr lvl="2"/>
+            <a:r>
+              <a:rPr lang="en-US" altLang="zh-CN"/>
+              <a:t>-d: debug, -b: background, -noaudio: no audio (useful for WSL)</a:t>
+            </a:r>
+            <a:endParaRPr lang="en-US" altLang="zh-CN"/>
+          </a:p>
+          <a:p>
+            <a:pPr lvl="1"/>
+            <a:r>
+              <a:rPr lang="en-US" altLang="zh-CN"/>
+              <a:t>pip install </a:t>
+            </a:r>
+            <a:endParaRPr lang="en-US" altLang="zh-CN"/>
+          </a:p>
+        </p:txBody>
+      </p:sp>
+    </p:spTree>
+  </p:cSld>
+  <p:clrMapOvr>
+    <a:masterClrMapping/>
+  </p:clrMapOvr>
+</p:sld>
+</file>
+
+<file path=ppt/slides/slide63.xml><?xml version="1.0" encoding="utf-8"?>
 <p:sld xmlns:a="http://schemas.openxmlformats.org/drawingml/2006/main" xmlns:r="http://schemas.openxmlformats.org/officeDocument/2006/relationships" xmlns:p="http://schemas.openxmlformats.org/presentationml/2006/main">
   <p:cSld>
     <p:spTree>
@@ -18383,7 +18549,7 @@
 </p:sld>
 </file>
 
-<file path=ppt/slides/slide62.xml><?xml version="1.0" encoding="utf-8"?>
+<file path=ppt/slides/slide64.xml><?xml version="1.0" encoding="utf-8"?>
 <p:sld xmlns:a="http://schemas.openxmlformats.org/drawingml/2006/main" xmlns:r="http://schemas.openxmlformats.org/officeDocument/2006/relationships" xmlns:p="http://schemas.openxmlformats.org/presentationml/2006/main">
   <p:cSld>
     <p:spTree>
@@ -19038,190 +19204,6 @@
 </p:sld>
 </file>
 
-<file path=ppt/slides/slide63.xml><?xml version="1.0" encoding="utf-8"?>
-<p:sld xmlns:a="http://schemas.openxmlformats.org/drawingml/2006/main" xmlns:r="http://schemas.openxmlformats.org/officeDocument/2006/relationships" xmlns:p="http://schemas.openxmlformats.org/presentationml/2006/main">
-  <p:cSld>
-    <p:spTree>
-      <p:nvGrpSpPr>
-        <p:cNvPr id="1" name=""/>
-        <p:cNvGrpSpPr/>
-        <p:nvPr/>
-      </p:nvGrpSpPr>
-      <p:grpSpPr/>
-      <p:sp>
-        <p:nvSpPr>
-          <p:cNvPr id="2" name="标题 1"/>
-          <p:cNvSpPr>
-            <a:spLocks noGrp="1"/>
-          </p:cNvSpPr>
-          <p:nvPr>
-            <p:ph type="title"/>
-          </p:nvPr>
-        </p:nvSpPr>
-        <p:spPr/>
-        <p:txBody>
-          <a:bodyPr/>
-          <a:p>
-            <a:r>
-              <a:rPr lang="en-US" altLang="zh-CN"/>
-              <a:t>Vapory</a:t>
-            </a:r>
-            <a:endParaRPr lang="en-US" altLang="zh-CN"/>
-          </a:p>
-        </p:txBody>
-      </p:sp>
-      <p:sp>
-        <p:nvSpPr>
-          <p:cNvPr id="3" name="内容占位符 2"/>
-          <p:cNvSpPr>
-            <a:spLocks noGrp="1"/>
-          </p:cNvSpPr>
-          <p:nvPr>
-            <p:ph idx="1"/>
-          </p:nvPr>
-        </p:nvSpPr>
-        <p:spPr/>
-        <p:txBody>
-          <a:bodyPr/>
-          <a:p>
-            <a:r>
-              <a:rPr lang="en-US" altLang="zh-CN"/>
-              <a:t>Depends on POV-Ray</a:t>
-            </a:r>
-            <a:endParaRPr lang="en-US" altLang="zh-CN"/>
-          </a:p>
-          <a:p>
-            <a:pPr lvl="1"/>
-            <a:r>
-              <a:rPr lang="en-US" altLang="zh-CN"/>
-              <a:t>free ray-tracing engine</a:t>
-            </a:r>
-            <a:endParaRPr lang="en-US" altLang="zh-CN"/>
-          </a:p>
-          <a:p>
-            <a:pPr lvl="1"/>
-            <a:r>
-              <a:rPr lang="en-US" sz="2000">
-                <a:sym typeface="+mn-ea"/>
-              </a:rPr>
-              <a:t>Install POV-Ray from http://www.povray.org/download/</a:t>
-            </a:r>
-            <a:endParaRPr lang="en-US" sz="2000">
-              <a:sym typeface="+mn-ea"/>
-            </a:endParaRPr>
-          </a:p>
-          <a:p>
-            <a:pPr lvl="1"/>
-            <a:r>
-              <a:rPr lang="en-US" sz="2000">
-                <a:sym typeface="+mn-ea"/>
-              </a:rPr>
-              <a:t>Modify Lib\site- packages\vapory\config.py</a:t>
-            </a:r>
-            <a:endParaRPr lang="en-US" sz="2000"/>
-          </a:p>
-          <a:p>
-            <a:pPr lvl="2"/>
-            <a:r>
-              <a:rPr lang="en-US" sz="2000">
-                <a:sym typeface="+mn-ea"/>
-              </a:rPr>
-              <a:t>povray.exe -&gt; pvengine64.exe</a:t>
-            </a:r>
-            <a:endParaRPr lang="en-US" altLang="zh-CN"/>
-          </a:p>
-          <a:p>
-            <a:pPr lvl="0"/>
-            <a:r>
-              <a:rPr lang="en-US" altLang="zh-CN"/>
-              <a:t>https://github.com/Zulko/vapory</a:t>
-            </a:r>
-            <a:endParaRPr lang="en-US" altLang="zh-CN"/>
-          </a:p>
-          <a:p>
-            <a:pPr lvl="0"/>
-            <a:endParaRPr lang="en-US" altLang="zh-CN"/>
-          </a:p>
-        </p:txBody>
-      </p:sp>
-    </p:spTree>
-  </p:cSld>
-  <p:clrMapOvr>
-    <a:masterClrMapping/>
-  </p:clrMapOvr>
-</p:sld>
-</file>
-
-<file path=ppt/slides/slide64.xml><?xml version="1.0" encoding="utf-8"?>
-<p:sld xmlns:a="http://schemas.openxmlformats.org/drawingml/2006/main" xmlns:r="http://schemas.openxmlformats.org/officeDocument/2006/relationships" xmlns:p="http://schemas.openxmlformats.org